--- a/presentations/diplom/static race detection.pptx
+++ b/presentations/diplom/static race detection.pptx
@@ -5,7 +5,7 @@
     <p:sldMasterId id="2147483648" r:id="rId1"/>
   </p:sldMasterIdLst>
   <p:notesMasterIdLst>
-    <p:notesMasterId r:id="rId19"/>
+    <p:notesMasterId r:id="rId20"/>
   </p:notesMasterIdLst>
   <p:sldIdLst>
     <p:sldId id="256" r:id="rId2"/>
@@ -19,12 +19,13 @@
     <p:sldId id="277" r:id="rId10"/>
     <p:sldId id="276" r:id="rId11"/>
     <p:sldId id="278" r:id="rId12"/>
-    <p:sldId id="279" r:id="rId13"/>
-    <p:sldId id="262" r:id="rId14"/>
-    <p:sldId id="263" r:id="rId15"/>
-    <p:sldId id="266" r:id="rId16"/>
-    <p:sldId id="274" r:id="rId17"/>
-    <p:sldId id="271" r:id="rId18"/>
+    <p:sldId id="281" r:id="rId13"/>
+    <p:sldId id="279" r:id="rId14"/>
+    <p:sldId id="262" r:id="rId15"/>
+    <p:sldId id="263" r:id="rId16"/>
+    <p:sldId id="266" r:id="rId17"/>
+    <p:sldId id="274" r:id="rId18"/>
+    <p:sldId id="271" r:id="rId19"/>
   </p:sldIdLst>
   <p:sldSz cx="9144000" cy="6858000" type="screen4x3"/>
   <p:notesSz cx="6858000" cy="9144000"/>
@@ -7051,6 +7052,29 @@
           </a:p>
         </p:txBody>
       </p:sp>
+      <p:pic>
+        <p:nvPicPr>
+          <p:cNvPr id="5" name="Содержимое 4" descr="relative_lockset_analysis_analyzeBlock.emf"/>
+          <p:cNvPicPr>
+            <a:picLocks noGrp="1" noChangeAspect="1"/>
+          </p:cNvPicPr>
+          <p:nvPr>
+            <p:ph idx="1"/>
+          </p:nvPr>
+        </p:nvPicPr>
+        <p:blipFill>
+          <a:blip r:embed="rId2" cstate="print"/>
+          <a:stretch>
+            <a:fillRect/>
+          </a:stretch>
+        </p:blipFill>
+        <p:spPr>
+          <a:xfrm>
+            <a:off x="611560" y="1484784"/>
+            <a:ext cx="7941668" cy="4997153"/>
+          </a:xfrm>
+        </p:spPr>
+      </p:pic>
       <p:sp>
         <p:nvSpPr>
           <p:cNvPr id="4" name="Номер слайда 3"/>
@@ -7070,6 +7094,80 @@
               <a:rPr lang="ru-RU" smtClean="0"/>
               <a:pPr/>
               <a:t>12</a:t>
+            </a:fld>
+            <a:endParaRPr lang="ru-RU"/>
+          </a:p>
+        </p:txBody>
+      </p:sp>
+    </p:spTree>
+  </p:cSld>
+  <p:clrMapOvr>
+    <a:masterClrMapping/>
+  </p:clrMapOvr>
+</p:sld>
+</file>
+
+<file path=ppt/slides/slide13.xml><?xml version="1.0" encoding="utf-8"?>
+<p:sld xmlns:a="http://schemas.openxmlformats.org/drawingml/2006/main" xmlns:r="http://schemas.openxmlformats.org/officeDocument/2006/relationships" xmlns:p="http://schemas.openxmlformats.org/presentationml/2006/main">
+  <p:cSld>
+    <p:spTree>
+      <p:nvGrpSpPr>
+        <p:cNvPr id="1" name=""/>
+        <p:cNvGrpSpPr/>
+        <p:nvPr/>
+      </p:nvGrpSpPr>
+      <p:grpSpPr>
+        <a:xfrm>
+          <a:off x="0" y="0"/>
+          <a:ext cx="0" cy="0"/>
+          <a:chOff x="0" y="0"/>
+          <a:chExt cx="0" cy="0"/>
+        </a:xfrm>
+      </p:grpSpPr>
+      <p:sp>
+        <p:nvSpPr>
+          <p:cNvPr id="2" name="Заголовок 1"/>
+          <p:cNvSpPr>
+            <a:spLocks noGrp="1"/>
+          </p:cNvSpPr>
+          <p:nvPr>
+            <p:ph type="title"/>
+          </p:nvPr>
+        </p:nvSpPr>
+        <p:spPr/>
+        <p:txBody>
+          <a:bodyPr>
+            <a:normAutofit fontScale="90000"/>
+          </a:bodyPr>
+          <a:lstStyle/>
+          <a:p>
+            <a:r>
+              <a:rPr lang="ru-RU" dirty="0" smtClean="0"/>
+              <a:t>Формирование относительных множеств блокировок</a:t>
+            </a:r>
+            <a:endParaRPr lang="ru-RU" dirty="0"/>
+          </a:p>
+        </p:txBody>
+      </p:sp>
+      <p:sp>
+        <p:nvSpPr>
+          <p:cNvPr id="4" name="Номер слайда 3"/>
+          <p:cNvSpPr>
+            <a:spLocks noGrp="1"/>
+          </p:cNvSpPr>
+          <p:nvPr>
+            <p:ph type="sldNum" sz="quarter" idx="12"/>
+          </p:nvPr>
+        </p:nvSpPr>
+        <p:spPr/>
+        <p:txBody>
+          <a:bodyPr/>
+          <a:lstStyle/>
+          <a:p>
+            <a:fld id="{6ACCCD26-A6AD-4D04-8A48-0C02F87992A0}" type="slidenum">
+              <a:rPr lang="ru-RU" smtClean="0"/>
+              <a:pPr/>
+              <a:t>13</a:t>
             </a:fld>
             <a:endParaRPr lang="ru-RU"/>
           </a:p>
@@ -10756,10 +10854,17 @@
   <p:clrMapOvr>
     <a:masterClrMapping/>
   </p:clrMapOvr>
+  <p:timing>
+    <p:tnLst>
+      <p:par>
+        <p:cTn id="1" dur="indefinite" restart="never" nodeType="tmRoot"/>
+      </p:par>
+    </p:tnLst>
+  </p:timing>
 </p:sld>
 </file>
 
-<file path=ppt/slides/slide13.xml><?xml version="1.0" encoding="utf-8"?>
+<file path=ppt/slides/slide14.xml><?xml version="1.0" encoding="utf-8"?>
 <p:sld xmlns:a="http://schemas.openxmlformats.org/drawingml/2006/main" xmlns:r="http://schemas.openxmlformats.org/officeDocument/2006/relationships" xmlns:p="http://schemas.openxmlformats.org/presentationml/2006/main">
   <p:cSld>
     <p:spTree>
@@ -12094,7 +12199,7 @@
             <a:fld id="{6ACCCD26-A6AD-4D04-8A48-0C02F87992A0}" type="slidenum">
               <a:rPr lang="ru-RU" smtClean="0"/>
               <a:pPr/>
-              <a:t>13</a:t>
+              <a:t>14</a:t>
             </a:fld>
             <a:endParaRPr lang="ru-RU"/>
           </a:p>
@@ -12115,7 +12220,7 @@
 </p:sld>
 </file>
 
-<file path=ppt/slides/slide14.xml><?xml version="1.0" encoding="utf-8"?>
+<file path=ppt/slides/slide15.xml><?xml version="1.0" encoding="utf-8"?>
 <p:sld xmlns:a="http://schemas.openxmlformats.org/drawingml/2006/main" xmlns:r="http://schemas.openxmlformats.org/officeDocument/2006/relationships" xmlns:p="http://schemas.openxmlformats.org/presentationml/2006/main">
   <p:cSld>
     <p:spTree>
@@ -12988,7 +13093,7 @@
             <a:fld id="{6ACCCD26-A6AD-4D04-8A48-0C02F87992A0}" type="slidenum">
               <a:rPr lang="ru-RU" smtClean="0"/>
               <a:pPr/>
-              <a:t>14</a:t>
+              <a:t>15</a:t>
             </a:fld>
             <a:endParaRPr lang="ru-RU"/>
           </a:p>
@@ -12999,644 +13104,6 @@
   <p:clrMapOvr>
     <a:masterClrMapping/>
   </p:clrMapOvr>
-</p:sld>
-</file>
-
-<file path=ppt/slides/slide15.xml><?xml version="1.0" encoding="utf-8"?>
-<p:sld xmlns:a="http://schemas.openxmlformats.org/drawingml/2006/main" xmlns:r="http://schemas.openxmlformats.org/officeDocument/2006/relationships" xmlns:p="http://schemas.openxmlformats.org/presentationml/2006/main">
-  <p:cSld>
-    <p:spTree>
-      <p:nvGrpSpPr>
-        <p:cNvPr id="1" name=""/>
-        <p:cNvGrpSpPr/>
-        <p:nvPr/>
-      </p:nvGrpSpPr>
-      <p:grpSpPr>
-        <a:xfrm>
-          <a:off x="0" y="0"/>
-          <a:ext cx="0" cy="0"/>
-          <a:chOff x="0" y="0"/>
-          <a:chExt cx="0" cy="0"/>
-        </a:xfrm>
-      </p:grpSpPr>
-      <p:sp>
-        <p:nvSpPr>
-          <p:cNvPr id="2" name="Заголовок 1"/>
-          <p:cNvSpPr>
-            <a:spLocks noGrp="1"/>
-          </p:cNvSpPr>
-          <p:nvPr>
-            <p:ph type="title"/>
-          </p:nvPr>
-        </p:nvSpPr>
-        <p:spPr/>
-        <p:txBody>
-          <a:bodyPr/>
-          <a:lstStyle/>
-          <a:p>
-            <a:r>
-              <a:rPr lang="ru-RU" dirty="0" smtClean="0"/>
-              <a:t>Генерация предупреждений</a:t>
-            </a:r>
-            <a:endParaRPr lang="ru-RU" dirty="0"/>
-          </a:p>
-        </p:txBody>
-      </p:sp>
-      <p:sp>
-        <p:nvSpPr>
-          <p:cNvPr id="3" name="Содержимое 2"/>
-          <p:cNvSpPr>
-            <a:spLocks noGrp="1"/>
-          </p:cNvSpPr>
-          <p:nvPr>
-            <p:ph idx="1"/>
-          </p:nvPr>
-        </p:nvSpPr>
-        <p:spPr/>
-        <p:txBody>
-          <a:bodyPr>
-            <a:normAutofit fontScale="85000" lnSpcReduction="10000"/>
-          </a:bodyPr>
-          <a:lstStyle/>
-          <a:p>
-            <a:pPr lvl="3">
-              <a:buNone/>
-            </a:pPr>
-            <a:r>
-              <a:rPr lang="en-US" sz="2200" u="sng" dirty="0" err="1" smtClean="0">
-                <a:latin typeface="Times New Roman" pitchFamily="18" charset="0"/>
-                <a:cs typeface="Times New Roman" pitchFamily="18" charset="0"/>
-              </a:rPr>
-              <a:t>foreach</a:t>
-            </a:r>
-            <a:r>
-              <a:rPr lang="en-US" sz="2200" u="sng" dirty="0" smtClean="0">
-                <a:latin typeface="Times New Roman" pitchFamily="18" charset="0"/>
-                <a:cs typeface="Times New Roman" pitchFamily="18" charset="0"/>
-              </a:rPr>
-              <a:t> </a:t>
-            </a:r>
-            <a:r>
-              <a:rPr lang="en-US" sz="2200" dirty="0" smtClean="0">
-                <a:latin typeface="Times New Roman" pitchFamily="18" charset="0"/>
-                <a:cs typeface="Times New Roman" pitchFamily="18" charset="0"/>
-              </a:rPr>
-              <a:t>(f, f’) </a:t>
-            </a:r>
-            <a:r>
-              <a:rPr lang="en-US" sz="2200" u="sng" dirty="0" smtClean="0">
-                <a:latin typeface="Times New Roman" pitchFamily="18" charset="0"/>
-                <a:cs typeface="Times New Roman" pitchFamily="18" charset="0"/>
-              </a:rPr>
-              <a:t>in</a:t>
-            </a:r>
-            <a:r>
-              <a:rPr lang="en-US" sz="2200" dirty="0" smtClean="0">
-                <a:latin typeface="Times New Roman" pitchFamily="18" charset="0"/>
-                <a:cs typeface="Times New Roman" pitchFamily="18" charset="0"/>
-              </a:rPr>
-              <a:t> </a:t>
-            </a:r>
-            <a:r>
-              <a:rPr lang="en-US" sz="2200" b="1" dirty="0" err="1" smtClean="0">
-                <a:latin typeface="Times New Roman" pitchFamily="18" charset="0"/>
-                <a:cs typeface="Times New Roman" pitchFamily="18" charset="0"/>
-              </a:rPr>
-              <a:t>threadEntryPoints</a:t>
-            </a:r>
-            <a:r>
-              <a:rPr lang="en-US" sz="2200" dirty="0" smtClean="0">
-                <a:latin typeface="Times New Roman" pitchFamily="18" charset="0"/>
-                <a:cs typeface="Times New Roman" pitchFamily="18" charset="0"/>
-              </a:rPr>
-              <a:t> </a:t>
-            </a:r>
-            <a:r>
-              <a:rPr lang="en-US" sz="2200" u="sng" dirty="0" smtClean="0">
-                <a:latin typeface="Times New Roman" pitchFamily="18" charset="0"/>
-                <a:cs typeface="Times New Roman" pitchFamily="18" charset="0"/>
-              </a:rPr>
-              <a:t>do</a:t>
-            </a:r>
-          </a:p>
-          <a:p>
-            <a:pPr lvl="3">
-              <a:buNone/>
-            </a:pPr>
-            <a:r>
-              <a:rPr lang="en-US" sz="2200" dirty="0" smtClean="0">
-                <a:latin typeface="Times New Roman" pitchFamily="18" charset="0"/>
-                <a:cs typeface="Times New Roman" pitchFamily="18" charset="0"/>
-              </a:rPr>
-              <a:t>    </a:t>
-            </a:r>
-            <a:r>
-              <a:rPr lang="en-US" sz="2200" u="sng" dirty="0" err="1" smtClean="0">
-                <a:latin typeface="Times New Roman" pitchFamily="18" charset="0"/>
-                <a:cs typeface="Times New Roman" pitchFamily="18" charset="0"/>
-              </a:rPr>
-              <a:t>foreach</a:t>
-            </a:r>
-            <a:r>
-              <a:rPr lang="en-US" sz="2200" dirty="0" smtClean="0">
-                <a:latin typeface="Times New Roman" pitchFamily="18" charset="0"/>
-                <a:cs typeface="Times New Roman" pitchFamily="18" charset="0"/>
-              </a:rPr>
-              <a:t> (o, L, k) </a:t>
-            </a:r>
-            <a:r>
-              <a:rPr lang="en-US" sz="2200" u="sng" dirty="0" smtClean="0">
-                <a:latin typeface="Times New Roman" pitchFamily="18" charset="0"/>
-                <a:cs typeface="Times New Roman" pitchFamily="18" charset="0"/>
-              </a:rPr>
-              <a:t>in</a:t>
-            </a:r>
-            <a:r>
-              <a:rPr lang="en-US" sz="2200" dirty="0" smtClean="0">
-                <a:latin typeface="Times New Roman" pitchFamily="18" charset="0"/>
-                <a:cs typeface="Times New Roman" pitchFamily="18" charset="0"/>
-              </a:rPr>
-              <a:t> </a:t>
-            </a:r>
-            <a:r>
-              <a:rPr lang="en-US" sz="2200" b="1" dirty="0" err="1" smtClean="0">
-                <a:latin typeface="Times New Roman" pitchFamily="18" charset="0"/>
-                <a:cs typeface="Times New Roman" pitchFamily="18" charset="0"/>
-              </a:rPr>
-              <a:t>accessSummary</a:t>
-            </a:r>
-            <a:r>
-              <a:rPr lang="en-US" sz="2200" dirty="0" smtClean="0">
-                <a:latin typeface="Times New Roman" pitchFamily="18" charset="0"/>
-                <a:cs typeface="Times New Roman" pitchFamily="18" charset="0"/>
-              </a:rPr>
-              <a:t>(f) </a:t>
-            </a:r>
-            <a:r>
-              <a:rPr lang="en-US" sz="2200" u="sng" dirty="0" smtClean="0">
-                <a:latin typeface="Times New Roman" pitchFamily="18" charset="0"/>
-                <a:cs typeface="Times New Roman" pitchFamily="18" charset="0"/>
-              </a:rPr>
-              <a:t>do</a:t>
-            </a:r>
-          </a:p>
-          <a:p>
-            <a:pPr lvl="3">
-              <a:buNone/>
-            </a:pPr>
-            <a:r>
-              <a:rPr lang="en-US" sz="2200" dirty="0" smtClean="0">
-                <a:latin typeface="Times New Roman" pitchFamily="18" charset="0"/>
-                <a:cs typeface="Times New Roman" pitchFamily="18" charset="0"/>
-              </a:rPr>
-              <a:t>        </a:t>
-            </a:r>
-            <a:r>
-              <a:rPr lang="en-US" sz="2200" u="sng" dirty="0" err="1" smtClean="0">
-                <a:latin typeface="Times New Roman" pitchFamily="18" charset="0"/>
-                <a:cs typeface="Times New Roman" pitchFamily="18" charset="0"/>
-              </a:rPr>
-              <a:t>foreach</a:t>
-            </a:r>
-            <a:r>
-              <a:rPr lang="en-US" sz="2200" dirty="0" smtClean="0">
-                <a:latin typeface="Times New Roman" pitchFamily="18" charset="0"/>
-                <a:cs typeface="Times New Roman" pitchFamily="18" charset="0"/>
-              </a:rPr>
-              <a:t> (o’, L’, k’) </a:t>
-            </a:r>
-            <a:r>
-              <a:rPr lang="en-US" sz="2200" u="sng" dirty="0" smtClean="0">
-                <a:latin typeface="Times New Roman" pitchFamily="18" charset="0"/>
-                <a:cs typeface="Times New Roman" pitchFamily="18" charset="0"/>
-              </a:rPr>
-              <a:t>in</a:t>
-            </a:r>
-            <a:r>
-              <a:rPr lang="en-US" sz="2200" dirty="0" smtClean="0">
-                <a:latin typeface="Times New Roman" pitchFamily="18" charset="0"/>
-                <a:cs typeface="Times New Roman" pitchFamily="18" charset="0"/>
-              </a:rPr>
-              <a:t> </a:t>
-            </a:r>
-            <a:r>
-              <a:rPr lang="en-US" sz="2200" b="1" dirty="0" err="1" smtClean="0">
-                <a:latin typeface="Times New Roman" pitchFamily="18" charset="0"/>
-                <a:cs typeface="Times New Roman" pitchFamily="18" charset="0"/>
-              </a:rPr>
-              <a:t>accessSummary</a:t>
-            </a:r>
-            <a:r>
-              <a:rPr lang="en-US" sz="2200" dirty="0" smtClean="0">
-                <a:latin typeface="Times New Roman" pitchFamily="18" charset="0"/>
-                <a:cs typeface="Times New Roman" pitchFamily="18" charset="0"/>
-              </a:rPr>
-              <a:t>(f’) </a:t>
-            </a:r>
-            <a:r>
-              <a:rPr lang="en-US" sz="2200" u="sng" dirty="0" smtClean="0">
-                <a:latin typeface="Times New Roman" pitchFamily="18" charset="0"/>
-                <a:cs typeface="Times New Roman" pitchFamily="18" charset="0"/>
-              </a:rPr>
-              <a:t>do</a:t>
-            </a:r>
-          </a:p>
-          <a:p>
-            <a:pPr lvl="3">
-              <a:buNone/>
-            </a:pPr>
-            <a:r>
-              <a:rPr lang="en-US" sz="2200" dirty="0" smtClean="0">
-                <a:latin typeface="Times New Roman" pitchFamily="18" charset="0"/>
-                <a:cs typeface="Times New Roman" pitchFamily="18" charset="0"/>
-              </a:rPr>
-              <a:t>            (L</a:t>
-            </a:r>
-            <a:r>
-              <a:rPr lang="en-US" sz="2200" baseline="-25000" dirty="0" smtClean="0">
-                <a:latin typeface="Times New Roman" pitchFamily="18" charset="0"/>
-                <a:cs typeface="Times New Roman" pitchFamily="18" charset="0"/>
-              </a:rPr>
-              <a:t>+</a:t>
-            </a:r>
-            <a:r>
-              <a:rPr lang="en-US" sz="2200" dirty="0" smtClean="0">
-                <a:latin typeface="Times New Roman" pitchFamily="18" charset="0"/>
-                <a:cs typeface="Times New Roman" pitchFamily="18" charset="0"/>
-              </a:rPr>
-              <a:t>, L</a:t>
-            </a:r>
-            <a:r>
-              <a:rPr lang="en-US" sz="2200" baseline="-25000" dirty="0" smtClean="0">
-                <a:latin typeface="Times New Roman" pitchFamily="18" charset="0"/>
-                <a:cs typeface="Times New Roman" pitchFamily="18" charset="0"/>
-              </a:rPr>
-              <a:t>-</a:t>
-            </a:r>
-            <a:r>
-              <a:rPr lang="en-US" sz="2200" dirty="0" smtClean="0">
-                <a:latin typeface="Times New Roman" pitchFamily="18" charset="0"/>
-                <a:cs typeface="Times New Roman" pitchFamily="18" charset="0"/>
-              </a:rPr>
-              <a:t>) = L; (L</a:t>
-            </a:r>
-            <a:r>
-              <a:rPr lang="en-US" sz="2200" baseline="-25000" dirty="0" smtClean="0">
-                <a:latin typeface="Times New Roman" pitchFamily="18" charset="0"/>
-                <a:cs typeface="Times New Roman" pitchFamily="18" charset="0"/>
-              </a:rPr>
-              <a:t>+</a:t>
-            </a:r>
-            <a:r>
-              <a:rPr lang="en-US" sz="2200" dirty="0" smtClean="0">
-                <a:latin typeface="Times New Roman" pitchFamily="18" charset="0"/>
-                <a:cs typeface="Times New Roman" pitchFamily="18" charset="0"/>
-              </a:rPr>
-              <a:t>’, L</a:t>
-            </a:r>
-            <a:r>
-              <a:rPr lang="en-US" sz="2200" baseline="-25000" dirty="0" smtClean="0">
-                <a:latin typeface="Times New Roman" pitchFamily="18" charset="0"/>
-                <a:cs typeface="Times New Roman" pitchFamily="18" charset="0"/>
-              </a:rPr>
-              <a:t>-</a:t>
-            </a:r>
-            <a:r>
-              <a:rPr lang="en-US" sz="2200" dirty="0" smtClean="0">
-                <a:latin typeface="Times New Roman" pitchFamily="18" charset="0"/>
-                <a:cs typeface="Times New Roman" pitchFamily="18" charset="0"/>
-              </a:rPr>
-              <a:t>’) = L’</a:t>
-            </a:r>
-          </a:p>
-          <a:p>
-            <a:pPr lvl="3">
-              <a:buNone/>
-            </a:pPr>
-            <a:r>
-              <a:rPr lang="en-US" sz="2200" dirty="0" smtClean="0">
-                <a:latin typeface="Times New Roman" pitchFamily="18" charset="0"/>
-                <a:cs typeface="Times New Roman" pitchFamily="18" charset="0"/>
-              </a:rPr>
-              <a:t>            </a:t>
-            </a:r>
-            <a:r>
-              <a:rPr lang="en-US" sz="2200" u="sng" dirty="0" smtClean="0">
-                <a:latin typeface="Times New Roman" pitchFamily="18" charset="0"/>
-                <a:cs typeface="Times New Roman" pitchFamily="18" charset="0"/>
-              </a:rPr>
-              <a:t>if</a:t>
-            </a:r>
-            <a:r>
-              <a:rPr lang="en-US" sz="2200" dirty="0" smtClean="0">
-                <a:latin typeface="Times New Roman" pitchFamily="18" charset="0"/>
-                <a:cs typeface="Times New Roman" pitchFamily="18" charset="0"/>
-              </a:rPr>
-              <a:t> </a:t>
-            </a:r>
-            <a:r>
-              <a:rPr lang="en-US" sz="2200" b="1" dirty="0" err="1" smtClean="0">
-                <a:latin typeface="Times New Roman" pitchFamily="18" charset="0"/>
-                <a:cs typeface="Times New Roman" pitchFamily="18" charset="0"/>
-              </a:rPr>
-              <a:t>mayEqual</a:t>
-            </a:r>
-            <a:r>
-              <a:rPr lang="en-US" sz="2200" dirty="0" smtClean="0">
-                <a:latin typeface="Times New Roman" pitchFamily="18" charset="0"/>
-                <a:cs typeface="Times New Roman" pitchFamily="18" charset="0"/>
-              </a:rPr>
-              <a:t>(o, o’) and (intersect(L</a:t>
-            </a:r>
-            <a:r>
-              <a:rPr lang="en-US" sz="2200" baseline="-25000" dirty="0" smtClean="0">
-                <a:latin typeface="Times New Roman" pitchFamily="18" charset="0"/>
-                <a:cs typeface="Times New Roman" pitchFamily="18" charset="0"/>
-              </a:rPr>
-              <a:t>+</a:t>
-            </a:r>
-            <a:r>
-              <a:rPr lang="en-US" sz="2200" dirty="0" smtClean="0">
-                <a:latin typeface="Times New Roman" pitchFamily="18" charset="0"/>
-                <a:cs typeface="Times New Roman" pitchFamily="18" charset="0"/>
-              </a:rPr>
-              <a:t>, L</a:t>
-            </a:r>
-            <a:r>
-              <a:rPr lang="en-US" sz="2200" baseline="-25000" dirty="0" smtClean="0">
-                <a:latin typeface="Times New Roman" pitchFamily="18" charset="0"/>
-                <a:cs typeface="Times New Roman" pitchFamily="18" charset="0"/>
-              </a:rPr>
-              <a:t>+</a:t>
-            </a:r>
-            <a:r>
-              <a:rPr lang="en-US" sz="2200" dirty="0" smtClean="0">
-                <a:latin typeface="Times New Roman" pitchFamily="18" charset="0"/>
-                <a:cs typeface="Times New Roman" pitchFamily="18" charset="0"/>
-              </a:rPr>
-              <a:t>’) is empty)</a:t>
-            </a:r>
-          </a:p>
-          <a:p>
-            <a:pPr lvl="3">
-              <a:buNone/>
-            </a:pPr>
-            <a:r>
-              <a:rPr lang="en-US" sz="2200" dirty="0" smtClean="0">
-                <a:latin typeface="Times New Roman" pitchFamily="18" charset="0"/>
-                <a:cs typeface="Times New Roman" pitchFamily="18" charset="0"/>
-              </a:rPr>
-              <a:t>                    and (k == “write” or k’==“write”) </a:t>
-            </a:r>
-            <a:r>
-              <a:rPr lang="en-US" sz="2200" u="sng" dirty="0" smtClean="0">
-                <a:latin typeface="Times New Roman" pitchFamily="18" charset="0"/>
-                <a:cs typeface="Times New Roman" pitchFamily="18" charset="0"/>
-              </a:rPr>
-              <a:t>then</a:t>
-            </a:r>
-          </a:p>
-          <a:p>
-            <a:pPr lvl="3">
-              <a:buNone/>
-            </a:pPr>
-            <a:r>
-              <a:rPr lang="en-US" sz="2200" dirty="0" smtClean="0">
-                <a:latin typeface="Times New Roman" pitchFamily="18" charset="0"/>
-                <a:cs typeface="Times New Roman" pitchFamily="18" charset="0"/>
-              </a:rPr>
-              <a:t>                </a:t>
-            </a:r>
-            <a:r>
-              <a:rPr lang="en-US" sz="2200" b="1" dirty="0" err="1" smtClean="0">
-                <a:latin typeface="Times New Roman" pitchFamily="18" charset="0"/>
-                <a:cs typeface="Times New Roman" pitchFamily="18" charset="0"/>
-              </a:rPr>
-              <a:t>generateWarning</a:t>
-            </a:r>
-            <a:r>
-              <a:rPr lang="en-US" sz="2200" dirty="0" smtClean="0">
-                <a:latin typeface="Times New Roman" pitchFamily="18" charset="0"/>
-                <a:cs typeface="Times New Roman" pitchFamily="18" charset="0"/>
-              </a:rPr>
-              <a:t>(o, o’)</a:t>
-            </a:r>
-          </a:p>
-          <a:p>
-            <a:pPr>
-              <a:buNone/>
-            </a:pPr>
-            <a:endParaRPr lang="en-US" sz="2400" dirty="0" smtClean="0">
-              <a:latin typeface="Times New Roman" pitchFamily="18" charset="0"/>
-              <a:cs typeface="Times New Roman" pitchFamily="18" charset="0"/>
-            </a:endParaRPr>
-          </a:p>
-          <a:p>
-            <a:pPr>
-              <a:buNone/>
-            </a:pPr>
-            <a:r>
-              <a:rPr lang="en-US" sz="2400" b="1" dirty="0" err="1" smtClean="0">
-                <a:latin typeface="Times New Roman" pitchFamily="18" charset="0"/>
-                <a:cs typeface="Times New Roman" pitchFamily="18" charset="0"/>
-              </a:rPr>
-              <a:t>mayEqual</a:t>
-            </a:r>
-            <a:r>
-              <a:rPr lang="en-US" sz="2400" b="1" dirty="0" smtClean="0">
-                <a:latin typeface="Times New Roman" pitchFamily="18" charset="0"/>
-                <a:cs typeface="Times New Roman" pitchFamily="18" charset="0"/>
-              </a:rPr>
-              <a:t>(o, o’) </a:t>
-            </a:r>
-            <a:r>
-              <a:rPr lang="en-US" sz="2400" dirty="0" smtClean="0">
-                <a:latin typeface="Times New Roman" pitchFamily="18" charset="0"/>
-                <a:cs typeface="Times New Roman" pitchFamily="18" charset="0"/>
-              </a:rPr>
-              <a:t>– </a:t>
-            </a:r>
-            <a:r>
-              <a:rPr lang="ru-RU" sz="2400" dirty="0" smtClean="0">
-                <a:latin typeface="Times New Roman" pitchFamily="18" charset="0"/>
-                <a:cs typeface="Times New Roman" pitchFamily="18" charset="0"/>
-              </a:rPr>
-              <a:t>проверяет </a:t>
-            </a:r>
-            <a:r>
-              <a:rPr lang="en-US" sz="2400" dirty="0" smtClean="0">
-                <a:latin typeface="Times New Roman" pitchFamily="18" charset="0"/>
-                <a:cs typeface="Times New Roman" pitchFamily="18" charset="0"/>
-              </a:rPr>
-              <a:t>o </a:t>
-            </a:r>
-            <a:r>
-              <a:rPr lang="ru-RU" sz="2400" dirty="0" smtClean="0">
-                <a:latin typeface="Times New Roman" pitchFamily="18" charset="0"/>
-                <a:cs typeface="Times New Roman" pitchFamily="18" charset="0"/>
-              </a:rPr>
-              <a:t>и </a:t>
-            </a:r>
-            <a:r>
-              <a:rPr lang="en-US" sz="2400" dirty="0" smtClean="0">
-                <a:latin typeface="Times New Roman" pitchFamily="18" charset="0"/>
-                <a:cs typeface="Times New Roman" pitchFamily="18" charset="0"/>
-              </a:rPr>
-              <a:t>o’ </a:t>
-            </a:r>
-            <a:r>
-              <a:rPr lang="ru-RU" sz="2400" dirty="0" smtClean="0">
-                <a:latin typeface="Times New Roman" pitchFamily="18" charset="0"/>
-                <a:cs typeface="Times New Roman" pitchFamily="18" charset="0"/>
-              </a:rPr>
-              <a:t>ссылаются на одну и ту же область памяти или нет</a:t>
-            </a:r>
-          </a:p>
-          <a:p>
-            <a:pPr>
-              <a:buNone/>
-            </a:pPr>
-            <a:r>
-              <a:rPr lang="en-US" sz="2400" b="1" dirty="0" err="1" smtClean="0">
-                <a:latin typeface="Times New Roman" pitchFamily="18" charset="0"/>
-                <a:cs typeface="Times New Roman" pitchFamily="18" charset="0"/>
-              </a:rPr>
-              <a:t>threadEntryPoints</a:t>
-            </a:r>
-            <a:r>
-              <a:rPr lang="en-US" sz="2400" dirty="0" smtClean="0">
-                <a:latin typeface="Times New Roman" pitchFamily="18" charset="0"/>
-                <a:cs typeface="Times New Roman" pitchFamily="18" charset="0"/>
-              </a:rPr>
-              <a:t> – </a:t>
-            </a:r>
-            <a:r>
-              <a:rPr lang="ru-RU" sz="2400" dirty="0" smtClean="0">
-                <a:latin typeface="Times New Roman" pitchFamily="18" charset="0"/>
-                <a:cs typeface="Times New Roman" pitchFamily="18" charset="0"/>
-              </a:rPr>
-              <a:t>все точки входа в потоки</a:t>
-            </a:r>
-          </a:p>
-          <a:p>
-            <a:pPr>
-              <a:buNone/>
-            </a:pPr>
-            <a:r>
-              <a:rPr lang="en-US" sz="2400" b="1" dirty="0" err="1" smtClean="0">
-                <a:latin typeface="Times New Roman" pitchFamily="18" charset="0"/>
-                <a:cs typeface="Times New Roman" pitchFamily="18" charset="0"/>
-              </a:rPr>
-              <a:t>accessSummary</a:t>
-            </a:r>
-            <a:r>
-              <a:rPr lang="en-US" sz="2400" b="1" dirty="0" smtClean="0">
-                <a:latin typeface="Times New Roman" pitchFamily="18" charset="0"/>
-                <a:cs typeface="Times New Roman" pitchFamily="18" charset="0"/>
-              </a:rPr>
-              <a:t>(f) </a:t>
-            </a:r>
-            <a:r>
-              <a:rPr lang="en-US" sz="2400" dirty="0" smtClean="0">
-                <a:latin typeface="Times New Roman" pitchFamily="18" charset="0"/>
-                <a:cs typeface="Times New Roman" pitchFamily="18" charset="0"/>
-              </a:rPr>
-              <a:t>– </a:t>
-            </a:r>
-            <a:r>
-              <a:rPr lang="ru-RU" sz="2400" dirty="0" smtClean="0">
-                <a:latin typeface="Times New Roman" pitchFamily="18" charset="0"/>
-                <a:cs typeface="Times New Roman" pitchFamily="18" charset="0"/>
-              </a:rPr>
-              <a:t>обобщение защищенного доступа для функции </a:t>
-            </a:r>
-            <a:r>
-              <a:rPr lang="en-US" sz="2400" dirty="0" smtClean="0">
-                <a:latin typeface="Times New Roman" pitchFamily="18" charset="0"/>
-                <a:cs typeface="Times New Roman" pitchFamily="18" charset="0"/>
-              </a:rPr>
-              <a:t>f</a:t>
-            </a:r>
-            <a:endParaRPr lang="ru-RU" sz="2400" dirty="0" smtClean="0">
-              <a:latin typeface="Times New Roman" pitchFamily="18" charset="0"/>
-              <a:cs typeface="Times New Roman" pitchFamily="18" charset="0"/>
-            </a:endParaRPr>
-          </a:p>
-          <a:p>
-            <a:pPr>
-              <a:buNone/>
-            </a:pPr>
-            <a:r>
-              <a:rPr lang="en-US" sz="2400" b="1" dirty="0" err="1" smtClean="0">
-                <a:latin typeface="Times New Roman" pitchFamily="18" charset="0"/>
-                <a:cs typeface="Times New Roman" pitchFamily="18" charset="0"/>
-              </a:rPr>
-              <a:t>generateWarning</a:t>
-            </a:r>
-            <a:r>
-              <a:rPr lang="en-US" sz="2400" b="1" dirty="0" smtClean="0">
-                <a:latin typeface="Times New Roman" pitchFamily="18" charset="0"/>
-                <a:cs typeface="Times New Roman" pitchFamily="18" charset="0"/>
-              </a:rPr>
-              <a:t>(o, o’) </a:t>
-            </a:r>
-            <a:r>
-              <a:rPr lang="en-US" sz="2400" dirty="0" smtClean="0">
-                <a:latin typeface="Times New Roman" pitchFamily="18" charset="0"/>
-                <a:cs typeface="Times New Roman" pitchFamily="18" charset="0"/>
-              </a:rPr>
-              <a:t>– </a:t>
-            </a:r>
-            <a:r>
-              <a:rPr lang="ru-RU" sz="2400" dirty="0" smtClean="0">
-                <a:latin typeface="Times New Roman" pitchFamily="18" charset="0"/>
-                <a:cs typeface="Times New Roman" pitchFamily="18" charset="0"/>
-              </a:rPr>
-              <a:t>генерация предупреждения о возможном возникновении гонок</a:t>
-            </a:r>
-            <a:endParaRPr lang="en-US" sz="2400" dirty="0" smtClean="0">
-              <a:latin typeface="Times New Roman" pitchFamily="18" charset="0"/>
-              <a:cs typeface="Times New Roman" pitchFamily="18" charset="0"/>
-            </a:endParaRPr>
-          </a:p>
-        </p:txBody>
-      </p:sp>
-      <p:sp>
-        <p:nvSpPr>
-          <p:cNvPr id="4" name="Номер слайда 3"/>
-          <p:cNvSpPr>
-            <a:spLocks noGrp="1"/>
-          </p:cNvSpPr>
-          <p:nvPr>
-            <p:ph type="sldNum" sz="quarter" idx="12"/>
-          </p:nvPr>
-        </p:nvSpPr>
-        <p:spPr/>
-        <p:txBody>
-          <a:bodyPr/>
-          <a:lstStyle/>
-          <a:p>
-            <a:fld id="{6ACCCD26-A6AD-4D04-8A48-0C02F87992A0}" type="slidenum">
-              <a:rPr lang="ru-RU" smtClean="0"/>
-              <a:pPr/>
-              <a:t>15</a:t>
-            </a:fld>
-            <a:endParaRPr lang="ru-RU"/>
-          </a:p>
-        </p:txBody>
-      </p:sp>
-    </p:spTree>
-  </p:cSld>
-  <p:clrMapOvr>
-    <a:masterClrMapping/>
-  </p:clrMapOvr>
-  <p:timing>
-    <p:tnLst>
-      <p:par>
-        <p:cTn id="1" dur="indefinite" restart="never" nodeType="tmRoot"/>
-      </p:par>
-    </p:tnLst>
-  </p:timing>
 </p:sld>
 </file>
 
@@ -13674,7 +13141,7 @@
           <a:p>
             <a:r>
               <a:rPr lang="ru-RU" dirty="0" smtClean="0"/>
-              <a:t>Структура ПО</a:t>
+              <a:t>Генерация предупреждений</a:t>
             </a:r>
             <a:endParaRPr lang="ru-RU" dirty="0"/>
           </a:p>
@@ -13692,10 +13159,550 @@
         </p:nvSpPr>
         <p:spPr/>
         <p:txBody>
-          <a:bodyPr/>
+          <a:bodyPr>
+            <a:normAutofit fontScale="85000" lnSpcReduction="10000"/>
+          </a:bodyPr>
           <a:lstStyle/>
           <a:p>
-            <a:endParaRPr lang="ru-RU"/>
+            <a:pPr lvl="3">
+              <a:buNone/>
+            </a:pPr>
+            <a:r>
+              <a:rPr lang="en-US" sz="2200" u="sng" dirty="0" err="1" smtClean="0">
+                <a:latin typeface="Times New Roman" pitchFamily="18" charset="0"/>
+                <a:cs typeface="Times New Roman" pitchFamily="18" charset="0"/>
+              </a:rPr>
+              <a:t>foreach</a:t>
+            </a:r>
+            <a:r>
+              <a:rPr lang="en-US" sz="2200" u="sng" dirty="0" smtClean="0">
+                <a:latin typeface="Times New Roman" pitchFamily="18" charset="0"/>
+                <a:cs typeface="Times New Roman" pitchFamily="18" charset="0"/>
+              </a:rPr>
+              <a:t> </a:t>
+            </a:r>
+            <a:r>
+              <a:rPr lang="en-US" sz="2200" dirty="0" smtClean="0">
+                <a:latin typeface="Times New Roman" pitchFamily="18" charset="0"/>
+                <a:cs typeface="Times New Roman" pitchFamily="18" charset="0"/>
+              </a:rPr>
+              <a:t>(f, f’) </a:t>
+            </a:r>
+            <a:r>
+              <a:rPr lang="en-US" sz="2200" u="sng" dirty="0" smtClean="0">
+                <a:latin typeface="Times New Roman" pitchFamily="18" charset="0"/>
+                <a:cs typeface="Times New Roman" pitchFamily="18" charset="0"/>
+              </a:rPr>
+              <a:t>in</a:t>
+            </a:r>
+            <a:r>
+              <a:rPr lang="en-US" sz="2200" dirty="0" smtClean="0">
+                <a:latin typeface="Times New Roman" pitchFamily="18" charset="0"/>
+                <a:cs typeface="Times New Roman" pitchFamily="18" charset="0"/>
+              </a:rPr>
+              <a:t> </a:t>
+            </a:r>
+            <a:r>
+              <a:rPr lang="en-US" sz="2200" b="1" dirty="0" err="1" smtClean="0">
+                <a:latin typeface="Times New Roman" pitchFamily="18" charset="0"/>
+                <a:cs typeface="Times New Roman" pitchFamily="18" charset="0"/>
+              </a:rPr>
+              <a:t>threadEntryPoints</a:t>
+            </a:r>
+            <a:r>
+              <a:rPr lang="en-US" sz="2200" dirty="0" smtClean="0">
+                <a:latin typeface="Times New Roman" pitchFamily="18" charset="0"/>
+                <a:cs typeface="Times New Roman" pitchFamily="18" charset="0"/>
+              </a:rPr>
+              <a:t> </a:t>
+            </a:r>
+            <a:r>
+              <a:rPr lang="en-US" sz="2200" u="sng" dirty="0" smtClean="0">
+                <a:latin typeface="Times New Roman" pitchFamily="18" charset="0"/>
+                <a:cs typeface="Times New Roman" pitchFamily="18" charset="0"/>
+              </a:rPr>
+              <a:t>do</a:t>
+            </a:r>
+          </a:p>
+          <a:p>
+            <a:pPr lvl="3">
+              <a:buNone/>
+            </a:pPr>
+            <a:r>
+              <a:rPr lang="en-US" sz="2200" dirty="0" smtClean="0">
+                <a:latin typeface="Times New Roman" pitchFamily="18" charset="0"/>
+                <a:cs typeface="Times New Roman" pitchFamily="18" charset="0"/>
+              </a:rPr>
+              <a:t>    </a:t>
+            </a:r>
+            <a:r>
+              <a:rPr lang="en-US" sz="2200" u="sng" dirty="0" err="1" smtClean="0">
+                <a:latin typeface="Times New Roman" pitchFamily="18" charset="0"/>
+                <a:cs typeface="Times New Roman" pitchFamily="18" charset="0"/>
+              </a:rPr>
+              <a:t>foreach</a:t>
+            </a:r>
+            <a:r>
+              <a:rPr lang="en-US" sz="2200" dirty="0" smtClean="0">
+                <a:latin typeface="Times New Roman" pitchFamily="18" charset="0"/>
+                <a:cs typeface="Times New Roman" pitchFamily="18" charset="0"/>
+              </a:rPr>
+              <a:t> (o, L, k) </a:t>
+            </a:r>
+            <a:r>
+              <a:rPr lang="en-US" sz="2200" u="sng" dirty="0" smtClean="0">
+                <a:latin typeface="Times New Roman" pitchFamily="18" charset="0"/>
+                <a:cs typeface="Times New Roman" pitchFamily="18" charset="0"/>
+              </a:rPr>
+              <a:t>in</a:t>
+            </a:r>
+            <a:r>
+              <a:rPr lang="en-US" sz="2200" dirty="0" smtClean="0">
+                <a:latin typeface="Times New Roman" pitchFamily="18" charset="0"/>
+                <a:cs typeface="Times New Roman" pitchFamily="18" charset="0"/>
+              </a:rPr>
+              <a:t> </a:t>
+            </a:r>
+            <a:r>
+              <a:rPr lang="en-US" sz="2200" b="1" dirty="0" err="1" smtClean="0">
+                <a:latin typeface="Times New Roman" pitchFamily="18" charset="0"/>
+                <a:cs typeface="Times New Roman" pitchFamily="18" charset="0"/>
+              </a:rPr>
+              <a:t>accessSummary</a:t>
+            </a:r>
+            <a:r>
+              <a:rPr lang="en-US" sz="2200" dirty="0" smtClean="0">
+                <a:latin typeface="Times New Roman" pitchFamily="18" charset="0"/>
+                <a:cs typeface="Times New Roman" pitchFamily="18" charset="0"/>
+              </a:rPr>
+              <a:t>(f) </a:t>
+            </a:r>
+            <a:r>
+              <a:rPr lang="en-US" sz="2200" u="sng" dirty="0" smtClean="0">
+                <a:latin typeface="Times New Roman" pitchFamily="18" charset="0"/>
+                <a:cs typeface="Times New Roman" pitchFamily="18" charset="0"/>
+              </a:rPr>
+              <a:t>do</a:t>
+            </a:r>
+          </a:p>
+          <a:p>
+            <a:pPr lvl="3">
+              <a:buNone/>
+            </a:pPr>
+            <a:r>
+              <a:rPr lang="en-US" sz="2200" dirty="0" smtClean="0">
+                <a:latin typeface="Times New Roman" pitchFamily="18" charset="0"/>
+                <a:cs typeface="Times New Roman" pitchFamily="18" charset="0"/>
+              </a:rPr>
+              <a:t>        </a:t>
+            </a:r>
+            <a:r>
+              <a:rPr lang="en-US" sz="2200" u="sng" dirty="0" err="1" smtClean="0">
+                <a:latin typeface="Times New Roman" pitchFamily="18" charset="0"/>
+                <a:cs typeface="Times New Roman" pitchFamily="18" charset="0"/>
+              </a:rPr>
+              <a:t>foreach</a:t>
+            </a:r>
+            <a:r>
+              <a:rPr lang="en-US" sz="2200" dirty="0" smtClean="0">
+                <a:latin typeface="Times New Roman" pitchFamily="18" charset="0"/>
+                <a:cs typeface="Times New Roman" pitchFamily="18" charset="0"/>
+              </a:rPr>
+              <a:t> (o’, L’, k’) </a:t>
+            </a:r>
+            <a:r>
+              <a:rPr lang="en-US" sz="2200" u="sng" dirty="0" smtClean="0">
+                <a:latin typeface="Times New Roman" pitchFamily="18" charset="0"/>
+                <a:cs typeface="Times New Roman" pitchFamily="18" charset="0"/>
+              </a:rPr>
+              <a:t>in</a:t>
+            </a:r>
+            <a:r>
+              <a:rPr lang="en-US" sz="2200" dirty="0" smtClean="0">
+                <a:latin typeface="Times New Roman" pitchFamily="18" charset="0"/>
+                <a:cs typeface="Times New Roman" pitchFamily="18" charset="0"/>
+              </a:rPr>
+              <a:t> </a:t>
+            </a:r>
+            <a:r>
+              <a:rPr lang="en-US" sz="2200" b="1" dirty="0" err="1" smtClean="0">
+                <a:latin typeface="Times New Roman" pitchFamily="18" charset="0"/>
+                <a:cs typeface="Times New Roman" pitchFamily="18" charset="0"/>
+              </a:rPr>
+              <a:t>accessSummary</a:t>
+            </a:r>
+            <a:r>
+              <a:rPr lang="en-US" sz="2200" dirty="0" smtClean="0">
+                <a:latin typeface="Times New Roman" pitchFamily="18" charset="0"/>
+                <a:cs typeface="Times New Roman" pitchFamily="18" charset="0"/>
+              </a:rPr>
+              <a:t>(f’) </a:t>
+            </a:r>
+            <a:r>
+              <a:rPr lang="en-US" sz="2200" u="sng" dirty="0" smtClean="0">
+                <a:latin typeface="Times New Roman" pitchFamily="18" charset="0"/>
+                <a:cs typeface="Times New Roman" pitchFamily="18" charset="0"/>
+              </a:rPr>
+              <a:t>do</a:t>
+            </a:r>
+          </a:p>
+          <a:p>
+            <a:pPr lvl="3">
+              <a:buNone/>
+            </a:pPr>
+            <a:r>
+              <a:rPr lang="en-US" sz="2200" dirty="0" smtClean="0">
+                <a:latin typeface="Times New Roman" pitchFamily="18" charset="0"/>
+                <a:cs typeface="Times New Roman" pitchFamily="18" charset="0"/>
+              </a:rPr>
+              <a:t>            (L</a:t>
+            </a:r>
+            <a:r>
+              <a:rPr lang="en-US" sz="2200" baseline="-25000" dirty="0" smtClean="0">
+                <a:latin typeface="Times New Roman" pitchFamily="18" charset="0"/>
+                <a:cs typeface="Times New Roman" pitchFamily="18" charset="0"/>
+              </a:rPr>
+              <a:t>+</a:t>
+            </a:r>
+            <a:r>
+              <a:rPr lang="en-US" sz="2200" dirty="0" smtClean="0">
+                <a:latin typeface="Times New Roman" pitchFamily="18" charset="0"/>
+                <a:cs typeface="Times New Roman" pitchFamily="18" charset="0"/>
+              </a:rPr>
+              <a:t>, L</a:t>
+            </a:r>
+            <a:r>
+              <a:rPr lang="en-US" sz="2200" baseline="-25000" dirty="0" smtClean="0">
+                <a:latin typeface="Times New Roman" pitchFamily="18" charset="0"/>
+                <a:cs typeface="Times New Roman" pitchFamily="18" charset="0"/>
+              </a:rPr>
+              <a:t>-</a:t>
+            </a:r>
+            <a:r>
+              <a:rPr lang="en-US" sz="2200" dirty="0" smtClean="0">
+                <a:latin typeface="Times New Roman" pitchFamily="18" charset="0"/>
+                <a:cs typeface="Times New Roman" pitchFamily="18" charset="0"/>
+              </a:rPr>
+              <a:t>) = L; (L</a:t>
+            </a:r>
+            <a:r>
+              <a:rPr lang="en-US" sz="2200" baseline="-25000" dirty="0" smtClean="0">
+                <a:latin typeface="Times New Roman" pitchFamily="18" charset="0"/>
+                <a:cs typeface="Times New Roman" pitchFamily="18" charset="0"/>
+              </a:rPr>
+              <a:t>+</a:t>
+            </a:r>
+            <a:r>
+              <a:rPr lang="en-US" sz="2200" dirty="0" smtClean="0">
+                <a:latin typeface="Times New Roman" pitchFamily="18" charset="0"/>
+                <a:cs typeface="Times New Roman" pitchFamily="18" charset="0"/>
+              </a:rPr>
+              <a:t>’, L</a:t>
+            </a:r>
+            <a:r>
+              <a:rPr lang="en-US" sz="2200" baseline="-25000" dirty="0" smtClean="0">
+                <a:latin typeface="Times New Roman" pitchFamily="18" charset="0"/>
+                <a:cs typeface="Times New Roman" pitchFamily="18" charset="0"/>
+              </a:rPr>
+              <a:t>-</a:t>
+            </a:r>
+            <a:r>
+              <a:rPr lang="en-US" sz="2200" dirty="0" smtClean="0">
+                <a:latin typeface="Times New Roman" pitchFamily="18" charset="0"/>
+                <a:cs typeface="Times New Roman" pitchFamily="18" charset="0"/>
+              </a:rPr>
+              <a:t>’) = L’</a:t>
+            </a:r>
+          </a:p>
+          <a:p>
+            <a:pPr lvl="3">
+              <a:buNone/>
+            </a:pPr>
+            <a:r>
+              <a:rPr lang="en-US" sz="2200" dirty="0" smtClean="0">
+                <a:latin typeface="Times New Roman" pitchFamily="18" charset="0"/>
+                <a:cs typeface="Times New Roman" pitchFamily="18" charset="0"/>
+              </a:rPr>
+              <a:t>            </a:t>
+            </a:r>
+            <a:r>
+              <a:rPr lang="en-US" sz="2200" u="sng" dirty="0" smtClean="0">
+                <a:latin typeface="Times New Roman" pitchFamily="18" charset="0"/>
+                <a:cs typeface="Times New Roman" pitchFamily="18" charset="0"/>
+              </a:rPr>
+              <a:t>if</a:t>
+            </a:r>
+            <a:r>
+              <a:rPr lang="en-US" sz="2200" dirty="0" smtClean="0">
+                <a:latin typeface="Times New Roman" pitchFamily="18" charset="0"/>
+                <a:cs typeface="Times New Roman" pitchFamily="18" charset="0"/>
+              </a:rPr>
+              <a:t> </a:t>
+            </a:r>
+            <a:r>
+              <a:rPr lang="en-US" sz="2200" b="1" dirty="0" err="1" smtClean="0">
+                <a:latin typeface="Times New Roman" pitchFamily="18" charset="0"/>
+                <a:cs typeface="Times New Roman" pitchFamily="18" charset="0"/>
+              </a:rPr>
+              <a:t>mayEqual</a:t>
+            </a:r>
+            <a:r>
+              <a:rPr lang="en-US" sz="2200" dirty="0" smtClean="0">
+                <a:latin typeface="Times New Roman" pitchFamily="18" charset="0"/>
+                <a:cs typeface="Times New Roman" pitchFamily="18" charset="0"/>
+              </a:rPr>
+              <a:t>(o, o’) and (intersect(L</a:t>
+            </a:r>
+            <a:r>
+              <a:rPr lang="en-US" sz="2200" baseline="-25000" dirty="0" smtClean="0">
+                <a:latin typeface="Times New Roman" pitchFamily="18" charset="0"/>
+                <a:cs typeface="Times New Roman" pitchFamily="18" charset="0"/>
+              </a:rPr>
+              <a:t>+</a:t>
+            </a:r>
+            <a:r>
+              <a:rPr lang="en-US" sz="2200" dirty="0" smtClean="0">
+                <a:latin typeface="Times New Roman" pitchFamily="18" charset="0"/>
+                <a:cs typeface="Times New Roman" pitchFamily="18" charset="0"/>
+              </a:rPr>
+              <a:t>, L</a:t>
+            </a:r>
+            <a:r>
+              <a:rPr lang="en-US" sz="2200" baseline="-25000" dirty="0" smtClean="0">
+                <a:latin typeface="Times New Roman" pitchFamily="18" charset="0"/>
+                <a:cs typeface="Times New Roman" pitchFamily="18" charset="0"/>
+              </a:rPr>
+              <a:t>+</a:t>
+            </a:r>
+            <a:r>
+              <a:rPr lang="en-US" sz="2200" dirty="0" smtClean="0">
+                <a:latin typeface="Times New Roman" pitchFamily="18" charset="0"/>
+                <a:cs typeface="Times New Roman" pitchFamily="18" charset="0"/>
+              </a:rPr>
+              <a:t>’) is empty)</a:t>
+            </a:r>
+          </a:p>
+          <a:p>
+            <a:pPr lvl="3">
+              <a:buNone/>
+            </a:pPr>
+            <a:r>
+              <a:rPr lang="en-US" sz="2200" dirty="0" smtClean="0">
+                <a:latin typeface="Times New Roman" pitchFamily="18" charset="0"/>
+                <a:cs typeface="Times New Roman" pitchFamily="18" charset="0"/>
+              </a:rPr>
+              <a:t>                    and (k == “write” or k’==“write”) </a:t>
+            </a:r>
+            <a:r>
+              <a:rPr lang="en-US" sz="2200" u="sng" dirty="0" smtClean="0">
+                <a:latin typeface="Times New Roman" pitchFamily="18" charset="0"/>
+                <a:cs typeface="Times New Roman" pitchFamily="18" charset="0"/>
+              </a:rPr>
+              <a:t>then</a:t>
+            </a:r>
+          </a:p>
+          <a:p>
+            <a:pPr lvl="3">
+              <a:buNone/>
+            </a:pPr>
+            <a:r>
+              <a:rPr lang="en-US" sz="2200" dirty="0" smtClean="0">
+                <a:latin typeface="Times New Roman" pitchFamily="18" charset="0"/>
+                <a:cs typeface="Times New Roman" pitchFamily="18" charset="0"/>
+              </a:rPr>
+              <a:t>                </a:t>
+            </a:r>
+            <a:r>
+              <a:rPr lang="en-US" sz="2200" b="1" dirty="0" err="1" smtClean="0">
+                <a:latin typeface="Times New Roman" pitchFamily="18" charset="0"/>
+                <a:cs typeface="Times New Roman" pitchFamily="18" charset="0"/>
+              </a:rPr>
+              <a:t>generateWarning</a:t>
+            </a:r>
+            <a:r>
+              <a:rPr lang="en-US" sz="2200" dirty="0" smtClean="0">
+                <a:latin typeface="Times New Roman" pitchFamily="18" charset="0"/>
+                <a:cs typeface="Times New Roman" pitchFamily="18" charset="0"/>
+              </a:rPr>
+              <a:t>(o, o’)</a:t>
+            </a:r>
+          </a:p>
+          <a:p>
+            <a:pPr>
+              <a:buNone/>
+            </a:pPr>
+            <a:endParaRPr lang="en-US" sz="2400" dirty="0" smtClean="0">
+              <a:latin typeface="Times New Roman" pitchFamily="18" charset="0"/>
+              <a:cs typeface="Times New Roman" pitchFamily="18" charset="0"/>
+            </a:endParaRPr>
+          </a:p>
+          <a:p>
+            <a:pPr>
+              <a:buNone/>
+            </a:pPr>
+            <a:r>
+              <a:rPr lang="en-US" sz="2400" b="1" dirty="0" err="1" smtClean="0">
+                <a:latin typeface="Times New Roman" pitchFamily="18" charset="0"/>
+                <a:cs typeface="Times New Roman" pitchFamily="18" charset="0"/>
+              </a:rPr>
+              <a:t>mayEqual</a:t>
+            </a:r>
+            <a:r>
+              <a:rPr lang="en-US" sz="2400" b="1" dirty="0" smtClean="0">
+                <a:latin typeface="Times New Roman" pitchFamily="18" charset="0"/>
+                <a:cs typeface="Times New Roman" pitchFamily="18" charset="0"/>
+              </a:rPr>
+              <a:t>(o, o’) </a:t>
+            </a:r>
+            <a:r>
+              <a:rPr lang="en-US" sz="2400" dirty="0" smtClean="0">
+                <a:latin typeface="Times New Roman" pitchFamily="18" charset="0"/>
+                <a:cs typeface="Times New Roman" pitchFamily="18" charset="0"/>
+              </a:rPr>
+              <a:t>– </a:t>
+            </a:r>
+            <a:r>
+              <a:rPr lang="ru-RU" sz="2400" dirty="0" smtClean="0">
+                <a:latin typeface="Times New Roman" pitchFamily="18" charset="0"/>
+                <a:cs typeface="Times New Roman" pitchFamily="18" charset="0"/>
+              </a:rPr>
+              <a:t>проверяет </a:t>
+            </a:r>
+            <a:r>
+              <a:rPr lang="en-US" sz="2400" dirty="0" smtClean="0">
+                <a:latin typeface="Times New Roman" pitchFamily="18" charset="0"/>
+                <a:cs typeface="Times New Roman" pitchFamily="18" charset="0"/>
+              </a:rPr>
+              <a:t>o </a:t>
+            </a:r>
+            <a:r>
+              <a:rPr lang="ru-RU" sz="2400" dirty="0" smtClean="0">
+                <a:latin typeface="Times New Roman" pitchFamily="18" charset="0"/>
+                <a:cs typeface="Times New Roman" pitchFamily="18" charset="0"/>
+              </a:rPr>
+              <a:t>и </a:t>
+            </a:r>
+            <a:r>
+              <a:rPr lang="en-US" sz="2400" dirty="0" smtClean="0">
+                <a:latin typeface="Times New Roman" pitchFamily="18" charset="0"/>
+                <a:cs typeface="Times New Roman" pitchFamily="18" charset="0"/>
+              </a:rPr>
+              <a:t>o’ </a:t>
+            </a:r>
+            <a:r>
+              <a:rPr lang="ru-RU" sz="2400" dirty="0" smtClean="0">
+                <a:latin typeface="Times New Roman" pitchFamily="18" charset="0"/>
+                <a:cs typeface="Times New Roman" pitchFamily="18" charset="0"/>
+              </a:rPr>
+              <a:t>ссылаются на одну и ту же область памяти или нет</a:t>
+            </a:r>
+          </a:p>
+          <a:p>
+            <a:pPr>
+              <a:buNone/>
+            </a:pPr>
+            <a:r>
+              <a:rPr lang="en-US" sz="2400" b="1" dirty="0" err="1" smtClean="0">
+                <a:latin typeface="Times New Roman" pitchFamily="18" charset="0"/>
+                <a:cs typeface="Times New Roman" pitchFamily="18" charset="0"/>
+              </a:rPr>
+              <a:t>threadEntryPoints</a:t>
+            </a:r>
+            <a:r>
+              <a:rPr lang="en-US" sz="2400" dirty="0" smtClean="0">
+                <a:latin typeface="Times New Roman" pitchFamily="18" charset="0"/>
+                <a:cs typeface="Times New Roman" pitchFamily="18" charset="0"/>
+              </a:rPr>
+              <a:t> – </a:t>
+            </a:r>
+            <a:r>
+              <a:rPr lang="ru-RU" sz="2400" dirty="0" smtClean="0">
+                <a:latin typeface="Times New Roman" pitchFamily="18" charset="0"/>
+                <a:cs typeface="Times New Roman" pitchFamily="18" charset="0"/>
+              </a:rPr>
+              <a:t>все точки входа в потоки</a:t>
+            </a:r>
+          </a:p>
+          <a:p>
+            <a:pPr>
+              <a:buNone/>
+            </a:pPr>
+            <a:r>
+              <a:rPr lang="en-US" sz="2400" b="1" dirty="0" err="1" smtClean="0">
+                <a:latin typeface="Times New Roman" pitchFamily="18" charset="0"/>
+                <a:cs typeface="Times New Roman" pitchFamily="18" charset="0"/>
+              </a:rPr>
+              <a:t>accessSummary</a:t>
+            </a:r>
+            <a:r>
+              <a:rPr lang="en-US" sz="2400" b="1" dirty="0" smtClean="0">
+                <a:latin typeface="Times New Roman" pitchFamily="18" charset="0"/>
+                <a:cs typeface="Times New Roman" pitchFamily="18" charset="0"/>
+              </a:rPr>
+              <a:t>(f) </a:t>
+            </a:r>
+            <a:r>
+              <a:rPr lang="en-US" sz="2400" dirty="0" smtClean="0">
+                <a:latin typeface="Times New Roman" pitchFamily="18" charset="0"/>
+                <a:cs typeface="Times New Roman" pitchFamily="18" charset="0"/>
+              </a:rPr>
+              <a:t>– </a:t>
+            </a:r>
+            <a:r>
+              <a:rPr lang="ru-RU" sz="2400" dirty="0" smtClean="0">
+                <a:latin typeface="Times New Roman" pitchFamily="18" charset="0"/>
+                <a:cs typeface="Times New Roman" pitchFamily="18" charset="0"/>
+              </a:rPr>
+              <a:t>обобщение защищенного доступа для функции </a:t>
+            </a:r>
+            <a:r>
+              <a:rPr lang="en-US" sz="2400" dirty="0" smtClean="0">
+                <a:latin typeface="Times New Roman" pitchFamily="18" charset="0"/>
+                <a:cs typeface="Times New Roman" pitchFamily="18" charset="0"/>
+              </a:rPr>
+              <a:t>f</a:t>
+            </a:r>
+            <a:endParaRPr lang="ru-RU" sz="2400" dirty="0" smtClean="0">
+              <a:latin typeface="Times New Roman" pitchFamily="18" charset="0"/>
+              <a:cs typeface="Times New Roman" pitchFamily="18" charset="0"/>
+            </a:endParaRPr>
+          </a:p>
+          <a:p>
+            <a:pPr>
+              <a:buNone/>
+            </a:pPr>
+            <a:r>
+              <a:rPr lang="en-US" sz="2400" b="1" dirty="0" err="1" smtClean="0">
+                <a:latin typeface="Times New Roman" pitchFamily="18" charset="0"/>
+                <a:cs typeface="Times New Roman" pitchFamily="18" charset="0"/>
+              </a:rPr>
+              <a:t>generateWarning</a:t>
+            </a:r>
+            <a:r>
+              <a:rPr lang="en-US" sz="2400" b="1" dirty="0" smtClean="0">
+                <a:latin typeface="Times New Roman" pitchFamily="18" charset="0"/>
+                <a:cs typeface="Times New Roman" pitchFamily="18" charset="0"/>
+              </a:rPr>
+              <a:t>(o, o’) </a:t>
+            </a:r>
+            <a:r>
+              <a:rPr lang="en-US" sz="2400" dirty="0" smtClean="0">
+                <a:latin typeface="Times New Roman" pitchFamily="18" charset="0"/>
+                <a:cs typeface="Times New Roman" pitchFamily="18" charset="0"/>
+              </a:rPr>
+              <a:t>– </a:t>
+            </a:r>
+            <a:r>
+              <a:rPr lang="ru-RU" sz="2400" dirty="0" smtClean="0">
+                <a:latin typeface="Times New Roman" pitchFamily="18" charset="0"/>
+                <a:cs typeface="Times New Roman" pitchFamily="18" charset="0"/>
+              </a:rPr>
+              <a:t>генерация предупреждения о возможном возникновении гонок</a:t>
+            </a:r>
+            <a:endParaRPr lang="en-US" sz="2400" dirty="0" smtClean="0">
+              <a:latin typeface="Times New Roman" pitchFamily="18" charset="0"/>
+              <a:cs typeface="Times New Roman" pitchFamily="18" charset="0"/>
+            </a:endParaRPr>
           </a:p>
         </p:txBody>
       </p:sp>
@@ -13728,6 +13735,13 @@
   <p:clrMapOvr>
     <a:masterClrMapping/>
   </p:clrMapOvr>
+  <p:timing>
+    <p:tnLst>
+      <p:par>
+        <p:cTn id="1" dur="indefinite" restart="never" nodeType="tmRoot"/>
+      </p:par>
+    </p:tnLst>
+  </p:timing>
 </p:sld>
 </file>
 
@@ -13765,7 +13779,7 @@
           <a:p>
             <a:r>
               <a:rPr lang="ru-RU" dirty="0" smtClean="0"/>
-              <a:t>Результаты исследований</a:t>
+              <a:t>Структура ПО</a:t>
             </a:r>
             <a:endParaRPr lang="ru-RU" dirty="0"/>
           </a:p>
@@ -13786,11 +13800,7 @@
           <a:bodyPr/>
           <a:lstStyle/>
           <a:p>
-            <a:r>
-              <a:rPr lang="ru-RU" dirty="0" smtClean="0"/>
-              <a:t>Надо каким-то образом показать вклад каждого из этапов на итоговый результат…</a:t>
-            </a:r>
-            <a:endParaRPr lang="ru-RU" dirty="0"/>
+            <a:endParaRPr lang="ru-RU"/>
           </a:p>
         </p:txBody>
       </p:sp>
@@ -13813,6 +13823,101 @@
               <a:rPr lang="ru-RU" smtClean="0"/>
               <a:pPr/>
               <a:t>17</a:t>
+            </a:fld>
+            <a:endParaRPr lang="ru-RU"/>
+          </a:p>
+        </p:txBody>
+      </p:sp>
+    </p:spTree>
+  </p:cSld>
+  <p:clrMapOvr>
+    <a:masterClrMapping/>
+  </p:clrMapOvr>
+</p:sld>
+</file>
+
+<file path=ppt/slides/slide18.xml><?xml version="1.0" encoding="utf-8"?>
+<p:sld xmlns:a="http://schemas.openxmlformats.org/drawingml/2006/main" xmlns:r="http://schemas.openxmlformats.org/officeDocument/2006/relationships" xmlns:p="http://schemas.openxmlformats.org/presentationml/2006/main">
+  <p:cSld>
+    <p:spTree>
+      <p:nvGrpSpPr>
+        <p:cNvPr id="1" name=""/>
+        <p:cNvGrpSpPr/>
+        <p:nvPr/>
+      </p:nvGrpSpPr>
+      <p:grpSpPr>
+        <a:xfrm>
+          <a:off x="0" y="0"/>
+          <a:ext cx="0" cy="0"/>
+          <a:chOff x="0" y="0"/>
+          <a:chExt cx="0" cy="0"/>
+        </a:xfrm>
+      </p:grpSpPr>
+      <p:sp>
+        <p:nvSpPr>
+          <p:cNvPr id="2" name="Заголовок 1"/>
+          <p:cNvSpPr>
+            <a:spLocks noGrp="1"/>
+          </p:cNvSpPr>
+          <p:nvPr>
+            <p:ph type="title"/>
+          </p:nvPr>
+        </p:nvSpPr>
+        <p:spPr/>
+        <p:txBody>
+          <a:bodyPr/>
+          <a:lstStyle/>
+          <a:p>
+            <a:r>
+              <a:rPr lang="ru-RU" dirty="0" smtClean="0"/>
+              <a:t>Результаты исследований</a:t>
+            </a:r>
+            <a:endParaRPr lang="ru-RU" dirty="0"/>
+          </a:p>
+        </p:txBody>
+      </p:sp>
+      <p:sp>
+        <p:nvSpPr>
+          <p:cNvPr id="3" name="Содержимое 2"/>
+          <p:cNvSpPr>
+            <a:spLocks noGrp="1"/>
+          </p:cNvSpPr>
+          <p:nvPr>
+            <p:ph idx="1"/>
+          </p:nvPr>
+        </p:nvSpPr>
+        <p:spPr/>
+        <p:txBody>
+          <a:bodyPr/>
+          <a:lstStyle/>
+          <a:p>
+            <a:r>
+              <a:rPr lang="ru-RU" dirty="0" smtClean="0"/>
+              <a:t>Надо каким-то образом показать вклад каждого из этапов на итоговый результат…</a:t>
+            </a:r>
+            <a:endParaRPr lang="ru-RU" dirty="0"/>
+          </a:p>
+        </p:txBody>
+      </p:sp>
+      <p:sp>
+        <p:nvSpPr>
+          <p:cNvPr id="4" name="Номер слайда 3"/>
+          <p:cNvSpPr>
+            <a:spLocks noGrp="1"/>
+          </p:cNvSpPr>
+          <p:nvPr>
+            <p:ph type="sldNum" sz="quarter" idx="12"/>
+          </p:nvPr>
+        </p:nvSpPr>
+        <p:spPr/>
+        <p:txBody>
+          <a:bodyPr/>
+          <a:lstStyle/>
+          <a:p>
+            <a:fld id="{6ACCCD26-A6AD-4D04-8A48-0C02F87992A0}" type="slidenum">
+              <a:rPr lang="ru-RU" smtClean="0"/>
+              <a:pPr/>
+              <a:t>18</a:t>
             </a:fld>
             <a:endParaRPr lang="ru-RU"/>
           </a:p>

--- a/presentations/diplom/static race detection.pptx
+++ b/presentations/diplom/static race detection.pptx
@@ -5,7 +5,7 @@
     <p:sldMasterId id="2147483648" r:id="rId1"/>
   </p:sldMasterIdLst>
   <p:notesMasterIdLst>
-    <p:notesMasterId r:id="rId20"/>
+    <p:notesMasterId r:id="rId21"/>
   </p:notesMasterIdLst>
   <p:sldIdLst>
     <p:sldId id="256" r:id="rId2"/>
@@ -18,14 +18,15 @@
     <p:sldId id="275" r:id="rId9"/>
     <p:sldId id="277" r:id="rId10"/>
     <p:sldId id="276" r:id="rId11"/>
-    <p:sldId id="278" r:id="rId12"/>
-    <p:sldId id="281" r:id="rId13"/>
-    <p:sldId id="279" r:id="rId14"/>
-    <p:sldId id="262" r:id="rId15"/>
-    <p:sldId id="263" r:id="rId16"/>
-    <p:sldId id="266" r:id="rId17"/>
-    <p:sldId id="274" r:id="rId18"/>
-    <p:sldId id="271" r:id="rId19"/>
+    <p:sldId id="282" r:id="rId12"/>
+    <p:sldId id="278" r:id="rId13"/>
+    <p:sldId id="281" r:id="rId14"/>
+    <p:sldId id="279" r:id="rId15"/>
+    <p:sldId id="262" r:id="rId16"/>
+    <p:sldId id="263" r:id="rId17"/>
+    <p:sldId id="266" r:id="rId18"/>
+    <p:sldId id="274" r:id="rId19"/>
+    <p:sldId id="271" r:id="rId20"/>
   </p:sldIdLst>
   <p:sldSz cx="9144000" cy="6858000" type="screen4x3"/>
   <p:notesSz cx="6858000" cy="9144000"/>
@@ -6948,29 +6949,6 @@
           </a:p>
         </p:txBody>
       </p:sp>
-      <p:pic>
-        <p:nvPicPr>
-          <p:cNvPr id="5" name="Содержимое 4" descr="relative_lockset_analysis_walkBlock.emf"/>
-          <p:cNvPicPr>
-            <a:picLocks noGrp="1" noChangeAspect="1"/>
-          </p:cNvPicPr>
-          <p:nvPr>
-            <p:ph idx="1"/>
-          </p:nvPr>
-        </p:nvPicPr>
-        <p:blipFill>
-          <a:blip r:embed="rId2" cstate="print"/>
-          <a:stretch>
-            <a:fillRect/>
-          </a:stretch>
-        </p:blipFill>
-        <p:spPr>
-          <a:xfrm>
-            <a:off x="120301" y="1600199"/>
-            <a:ext cx="8834206" cy="4997153"/>
-          </a:xfrm>
-        </p:spPr>
-      </p:pic>
       <p:sp>
         <p:nvSpPr>
           <p:cNvPr id="4" name="Номер слайда 3"/>
@@ -6995,18 +6973,659 @@
           </a:p>
         </p:txBody>
       </p:sp>
+      <p:sp>
+        <p:nvSpPr>
+          <p:cNvPr id="5" name="Содержимое 2"/>
+          <p:cNvSpPr txBox="1">
+            <a:spLocks/>
+          </p:cNvSpPr>
+          <p:nvPr/>
+        </p:nvSpPr>
+        <p:spPr>
+          <a:xfrm>
+            <a:off x="683568" y="1484784"/>
+            <a:ext cx="7787208" cy="892695"/>
+          </a:xfrm>
+          <a:prstGeom prst="rect">
+            <a:avLst/>
+          </a:prstGeom>
+          <a:ln>
+            <a:solidFill>
+              <a:schemeClr val="tx1"/>
+            </a:solidFill>
+          </a:ln>
+        </p:spPr>
+        <p:txBody>
+          <a:bodyPr vert="horz" lIns="91440" tIns="45720" rIns="91440" bIns="45720" rtlCol="0">
+            <a:normAutofit fontScale="55000" lnSpcReduction="20000"/>
+          </a:bodyPr>
+          <a:lstStyle/>
+          <a:p>
+            <a:pPr marL="0" marR="0" lvl="0" indent="0" algn="l" defTabSz="914400" rtl="0" eaLnBrk="1" fontAlgn="auto" latinLnBrk="0" hangingPunct="1">
+              <a:lnSpc>
+                <a:spcPct val="100000"/>
+              </a:lnSpc>
+              <a:spcBef>
+                <a:spcPct val="20000"/>
+              </a:spcBef>
+              <a:spcAft>
+                <a:spcPts val="0"/>
+              </a:spcAft>
+              <a:buClrTx/>
+              <a:buSzTx/>
+              <a:buFont typeface="Arial" pitchFamily="34" charset="0"/>
+              <a:buNone/>
+              <a:tabLst/>
+              <a:defRPr/>
+            </a:pPr>
+            <a:r>
+              <a:rPr kumimoji="0" lang="ru-RU" sz="3200" b="1" i="1" u="none" strike="noStrike" kern="1200" cap="none" spc="0" normalizeH="0" baseline="0" noProof="0" dirty="0" smtClean="0">
+                <a:ln>
+                  <a:noFill/>
+                </a:ln>
+                <a:solidFill>
+                  <a:schemeClr val="tx1"/>
+                </a:solidFill>
+                <a:effectLst/>
+                <a:uLnTx/>
+                <a:uFillTx/>
+                <a:latin typeface="+mn-lt"/>
+                <a:ea typeface="+mn-ea"/>
+                <a:cs typeface="+mn-cs"/>
+              </a:rPr>
+              <a:t>Относительное множество блокировок </a:t>
+            </a:r>
+            <a:r>
+              <a:rPr kumimoji="0" lang="en-US" sz="3200" b="1" i="1" u="none" strike="noStrike" kern="1200" cap="none" spc="0" normalizeH="0" baseline="0" noProof="0" dirty="0" smtClean="0">
+                <a:ln>
+                  <a:noFill/>
+                </a:ln>
+                <a:solidFill>
+                  <a:schemeClr val="tx1"/>
+                </a:solidFill>
+                <a:effectLst/>
+                <a:uLnTx/>
+                <a:uFillTx/>
+                <a:latin typeface="+mn-lt"/>
+                <a:ea typeface="+mn-ea"/>
+                <a:cs typeface="+mn-cs"/>
+              </a:rPr>
+              <a:t>L</a:t>
+            </a:r>
+            <a:r>
+              <a:rPr kumimoji="0" lang="ru-RU" sz="3200" b="1" i="1" u="none" strike="noStrike" kern="1200" cap="none" spc="0" normalizeH="0" baseline="0" noProof="0" dirty="0" smtClean="0">
+                <a:ln>
+                  <a:noFill/>
+                </a:ln>
+                <a:solidFill>
+                  <a:schemeClr val="tx1"/>
+                </a:solidFill>
+                <a:effectLst/>
+                <a:uLnTx/>
+                <a:uFillTx/>
+                <a:latin typeface="+mn-lt"/>
+                <a:ea typeface="+mn-ea"/>
+                <a:cs typeface="+mn-cs"/>
+              </a:rPr>
+              <a:t> </a:t>
+            </a:r>
+            <a:r>
+              <a:rPr kumimoji="0" lang="ru-RU" sz="3200" b="0" i="0" u="none" strike="noStrike" kern="1200" cap="none" spc="0" normalizeH="0" baseline="0" noProof="0" dirty="0" smtClean="0">
+                <a:ln>
+                  <a:noFill/>
+                </a:ln>
+                <a:solidFill>
+                  <a:schemeClr val="tx1"/>
+                </a:solidFill>
+                <a:effectLst/>
+                <a:uLnTx/>
+                <a:uFillTx/>
+                <a:latin typeface="+mn-lt"/>
+                <a:ea typeface="+mn-ea"/>
+                <a:cs typeface="+mn-cs"/>
+              </a:rPr>
+              <a:t>–</a:t>
+            </a:r>
+            <a:r>
+              <a:rPr kumimoji="0" lang="en-US" sz="3200" b="0" i="0" u="none" strike="noStrike" kern="1200" cap="none" spc="0" normalizeH="0" baseline="0" noProof="0" dirty="0" smtClean="0">
+                <a:ln>
+                  <a:noFill/>
+                </a:ln>
+                <a:solidFill>
+                  <a:schemeClr val="tx1"/>
+                </a:solidFill>
+                <a:effectLst/>
+                <a:uLnTx/>
+                <a:uFillTx/>
+                <a:latin typeface="+mn-lt"/>
+                <a:ea typeface="+mn-ea"/>
+                <a:cs typeface="+mn-cs"/>
+              </a:rPr>
+              <a:t> </a:t>
+            </a:r>
+            <a:r>
+              <a:rPr kumimoji="0" lang="ru-RU" sz="3200" b="0" i="0" u="none" strike="noStrike" kern="1200" cap="none" spc="0" normalizeH="0" baseline="0" noProof="0" dirty="0" smtClean="0">
+                <a:ln>
+                  <a:noFill/>
+                </a:ln>
+                <a:solidFill>
+                  <a:schemeClr val="tx1"/>
+                </a:solidFill>
+                <a:effectLst/>
+                <a:uLnTx/>
+                <a:uFillTx/>
+                <a:latin typeface="+mn-lt"/>
+                <a:ea typeface="+mn-ea"/>
+                <a:cs typeface="+mn-cs"/>
+              </a:rPr>
+              <a:t>пара (</a:t>
+            </a:r>
+            <a:r>
+              <a:rPr kumimoji="0" lang="en-US" sz="3200" b="0" i="0" u="none" strike="noStrike" kern="1200" cap="none" spc="0" normalizeH="0" baseline="0" noProof="0" dirty="0" smtClean="0">
+                <a:ln>
+                  <a:noFill/>
+                </a:ln>
+                <a:solidFill>
+                  <a:schemeClr val="tx1"/>
+                </a:solidFill>
+                <a:effectLst/>
+                <a:uLnTx/>
+                <a:uFillTx/>
+                <a:latin typeface="+mn-lt"/>
+                <a:ea typeface="+mn-ea"/>
+                <a:cs typeface="+mn-cs"/>
+              </a:rPr>
+              <a:t>L</a:t>
+            </a:r>
+            <a:r>
+              <a:rPr kumimoji="0" lang="en-US" sz="3200" b="0" i="0" u="none" strike="noStrike" kern="1200" cap="none" spc="0" normalizeH="0" baseline="-25000" noProof="0" dirty="0" smtClean="0">
+                <a:ln>
+                  <a:noFill/>
+                </a:ln>
+                <a:solidFill>
+                  <a:schemeClr val="tx1"/>
+                </a:solidFill>
+                <a:effectLst/>
+                <a:uLnTx/>
+                <a:uFillTx/>
+                <a:latin typeface="+mn-lt"/>
+                <a:ea typeface="+mn-ea"/>
+                <a:cs typeface="+mn-cs"/>
+              </a:rPr>
+              <a:t>+</a:t>
+            </a:r>
+            <a:r>
+              <a:rPr kumimoji="0" lang="en-US" sz="3200" b="0" i="0" u="none" strike="noStrike" kern="1200" cap="none" spc="0" normalizeH="0" baseline="0" noProof="0" dirty="0" smtClean="0">
+                <a:ln>
+                  <a:noFill/>
+                </a:ln>
+                <a:solidFill>
+                  <a:schemeClr val="tx1"/>
+                </a:solidFill>
+                <a:effectLst/>
+                <a:uLnTx/>
+                <a:uFillTx/>
+                <a:latin typeface="+mn-lt"/>
+                <a:ea typeface="+mn-ea"/>
+                <a:cs typeface="+mn-cs"/>
+              </a:rPr>
+              <a:t>, L</a:t>
+            </a:r>
+            <a:r>
+              <a:rPr kumimoji="0" lang="en-US" sz="3200" b="0" i="0" u="none" strike="noStrike" kern="1200" cap="none" spc="0" normalizeH="0" baseline="-25000" noProof="0" dirty="0" smtClean="0">
+                <a:ln>
+                  <a:noFill/>
+                </a:ln>
+                <a:solidFill>
+                  <a:schemeClr val="tx1"/>
+                </a:solidFill>
+                <a:effectLst/>
+                <a:uLnTx/>
+                <a:uFillTx/>
+                <a:latin typeface="+mn-lt"/>
+                <a:ea typeface="+mn-ea"/>
+                <a:cs typeface="+mn-cs"/>
+              </a:rPr>
+              <a:t>-</a:t>
+            </a:r>
+            <a:r>
+              <a:rPr kumimoji="0" lang="en-US" sz="3200" b="0" i="0" u="none" strike="noStrike" kern="1200" cap="none" spc="0" normalizeH="0" baseline="0" noProof="0" dirty="0" smtClean="0">
+                <a:ln>
+                  <a:noFill/>
+                </a:ln>
+                <a:solidFill>
+                  <a:schemeClr val="tx1"/>
+                </a:solidFill>
+                <a:effectLst/>
+                <a:uLnTx/>
+                <a:uFillTx/>
+                <a:latin typeface="+mn-lt"/>
+                <a:ea typeface="+mn-ea"/>
+                <a:cs typeface="+mn-cs"/>
+              </a:rPr>
+              <a:t>),  </a:t>
+            </a:r>
+            <a:r>
+              <a:rPr kumimoji="0" lang="ru-RU" sz="3200" b="0" i="0" u="none" strike="noStrike" kern="1200" cap="none" spc="0" normalizeH="0" baseline="0" noProof="0" dirty="0" smtClean="0">
+                <a:ln>
+                  <a:noFill/>
+                </a:ln>
+                <a:solidFill>
+                  <a:schemeClr val="tx1"/>
+                </a:solidFill>
+                <a:effectLst/>
+                <a:uLnTx/>
+                <a:uFillTx/>
+                <a:latin typeface="+mn-lt"/>
+                <a:ea typeface="+mn-ea"/>
+                <a:cs typeface="+mn-cs"/>
+              </a:rPr>
+              <a:t>где</a:t>
+            </a:r>
+            <a:r>
+              <a:rPr kumimoji="0" lang="en-US" sz="3200" b="0" i="0" u="none" strike="noStrike" kern="1200" cap="none" spc="0" normalizeH="0" baseline="0" noProof="0" dirty="0" smtClean="0">
+                <a:ln>
+                  <a:noFill/>
+                </a:ln>
+                <a:solidFill>
+                  <a:schemeClr val="tx1"/>
+                </a:solidFill>
+                <a:effectLst/>
+                <a:uLnTx/>
+                <a:uFillTx/>
+                <a:latin typeface="+mn-lt"/>
+                <a:ea typeface="+mn-ea"/>
+                <a:cs typeface="+mn-cs"/>
+              </a:rPr>
+              <a:t>:</a:t>
+            </a:r>
+          </a:p>
+          <a:p>
+            <a:pPr marL="0" marR="0" lvl="0" indent="0" algn="l" defTabSz="914400" rtl="0" eaLnBrk="1" fontAlgn="auto" latinLnBrk="0" hangingPunct="1">
+              <a:lnSpc>
+                <a:spcPct val="100000"/>
+              </a:lnSpc>
+              <a:spcBef>
+                <a:spcPct val="20000"/>
+              </a:spcBef>
+              <a:spcAft>
+                <a:spcPts val="0"/>
+              </a:spcAft>
+              <a:buClrTx/>
+              <a:buSzTx/>
+              <a:buFont typeface="Wingdings" pitchFamily="2" charset="2"/>
+              <a:buChar char="§"/>
+              <a:tabLst/>
+              <a:defRPr/>
+            </a:pPr>
+            <a:r>
+              <a:rPr kumimoji="0" lang="en-US" sz="3200" b="0" i="0" u="none" strike="noStrike" kern="1200" cap="none" spc="0" normalizeH="0" baseline="0" noProof="0" dirty="0" smtClean="0">
+                <a:ln>
+                  <a:noFill/>
+                </a:ln>
+                <a:solidFill>
+                  <a:schemeClr val="tx1"/>
+                </a:solidFill>
+                <a:effectLst/>
+                <a:uLnTx/>
+                <a:uFillTx/>
+                <a:latin typeface="+mn-lt"/>
+                <a:ea typeface="+mn-ea"/>
+                <a:cs typeface="+mn-cs"/>
+              </a:rPr>
+              <a:t> L</a:t>
+            </a:r>
+            <a:r>
+              <a:rPr kumimoji="0" lang="en-US" sz="3200" b="0" i="0" u="none" strike="noStrike" kern="1200" cap="none" spc="0" normalizeH="0" baseline="-25000" noProof="0" dirty="0" smtClean="0">
+                <a:ln>
+                  <a:noFill/>
+                </a:ln>
+                <a:solidFill>
+                  <a:schemeClr val="tx1"/>
+                </a:solidFill>
+                <a:effectLst/>
+                <a:uLnTx/>
+                <a:uFillTx/>
+                <a:latin typeface="+mn-lt"/>
+                <a:ea typeface="+mn-ea"/>
+                <a:cs typeface="+mn-cs"/>
+              </a:rPr>
+              <a:t>+</a:t>
+            </a:r>
+            <a:r>
+              <a:rPr kumimoji="0" lang="en-US" sz="3200" b="0" i="0" u="none" strike="noStrike" kern="1200" cap="none" spc="0" normalizeH="0" baseline="0" noProof="0" dirty="0" smtClean="0">
+                <a:ln>
+                  <a:noFill/>
+                </a:ln>
+                <a:solidFill>
+                  <a:schemeClr val="tx1"/>
+                </a:solidFill>
+                <a:effectLst/>
+                <a:uLnTx/>
+                <a:uFillTx/>
+                <a:latin typeface="+mn-lt"/>
+                <a:ea typeface="+mn-ea"/>
+                <a:cs typeface="+mn-cs"/>
+              </a:rPr>
+              <a:t> - </a:t>
+            </a:r>
+            <a:r>
+              <a:rPr kumimoji="0" lang="ru-RU" sz="3200" b="0" i="0" u="none" strike="noStrike" kern="1200" cap="none" spc="0" normalizeH="0" baseline="0" noProof="0" dirty="0" smtClean="0">
+                <a:ln>
+                  <a:noFill/>
+                </a:ln>
+                <a:solidFill>
+                  <a:schemeClr val="tx1"/>
+                </a:solidFill>
+                <a:effectLst/>
+                <a:uLnTx/>
+                <a:uFillTx/>
+                <a:latin typeface="+mn-lt"/>
+                <a:ea typeface="+mn-ea"/>
+                <a:cs typeface="+mn-cs"/>
+              </a:rPr>
+              <a:t>множество блокировок, которые захватываются всегда (</a:t>
+            </a:r>
+            <a:r>
+              <a:rPr kumimoji="0" lang="en-US" sz="3200" b="0" i="0" u="none" strike="noStrike" kern="1200" cap="none" spc="0" normalizeH="0" baseline="0" noProof="0" dirty="0" smtClean="0">
+                <a:ln>
+                  <a:noFill/>
+                </a:ln>
+                <a:solidFill>
+                  <a:schemeClr val="tx1"/>
+                </a:solidFill>
+                <a:effectLst/>
+                <a:uLnTx/>
+                <a:uFillTx/>
+                <a:latin typeface="+mn-lt"/>
+                <a:ea typeface="+mn-ea"/>
+                <a:cs typeface="+mn-cs"/>
+              </a:rPr>
+              <a:t>must-set),</a:t>
+            </a:r>
+            <a:endParaRPr kumimoji="0" lang="ru-RU" sz="3200" b="0" i="0" u="none" strike="noStrike" kern="1200" cap="none" spc="0" normalizeH="0" baseline="0" noProof="0" dirty="0" smtClean="0">
+              <a:ln>
+                <a:noFill/>
+              </a:ln>
+              <a:solidFill>
+                <a:schemeClr val="tx1"/>
+              </a:solidFill>
+              <a:effectLst/>
+              <a:uLnTx/>
+              <a:uFillTx/>
+              <a:latin typeface="+mn-lt"/>
+              <a:ea typeface="+mn-ea"/>
+              <a:cs typeface="+mn-cs"/>
+            </a:endParaRPr>
+          </a:p>
+          <a:p>
+            <a:pPr marL="0" marR="0" lvl="0" indent="0" algn="l" defTabSz="914400" rtl="0" eaLnBrk="1" fontAlgn="auto" latinLnBrk="0" hangingPunct="1">
+              <a:lnSpc>
+                <a:spcPct val="100000"/>
+              </a:lnSpc>
+              <a:spcBef>
+                <a:spcPct val="20000"/>
+              </a:spcBef>
+              <a:spcAft>
+                <a:spcPts val="0"/>
+              </a:spcAft>
+              <a:buClrTx/>
+              <a:buSzTx/>
+              <a:buFont typeface="Wingdings" pitchFamily="2" charset="2"/>
+              <a:buChar char="§"/>
+              <a:tabLst/>
+              <a:defRPr/>
+            </a:pPr>
+            <a:r>
+              <a:rPr kumimoji="0" lang="en-US" sz="3200" b="0" i="0" u="none" strike="noStrike" kern="1200" cap="none" spc="0" normalizeH="0" baseline="0" noProof="0" dirty="0" smtClean="0">
+                <a:ln>
+                  <a:noFill/>
+                </a:ln>
+                <a:solidFill>
+                  <a:schemeClr val="tx1"/>
+                </a:solidFill>
+                <a:effectLst/>
+                <a:uLnTx/>
+                <a:uFillTx/>
+                <a:latin typeface="+mn-lt"/>
+                <a:ea typeface="+mn-ea"/>
+                <a:cs typeface="+mn-cs"/>
+              </a:rPr>
+              <a:t> L</a:t>
+            </a:r>
+            <a:r>
+              <a:rPr kumimoji="0" lang="en-US" sz="3200" b="0" i="0" u="none" strike="noStrike" kern="1200" cap="none" spc="0" normalizeH="0" baseline="-25000" noProof="0" dirty="0" smtClean="0">
+                <a:ln>
+                  <a:noFill/>
+                </a:ln>
+                <a:solidFill>
+                  <a:schemeClr val="tx1"/>
+                </a:solidFill>
+                <a:effectLst/>
+                <a:uLnTx/>
+                <a:uFillTx/>
+                <a:latin typeface="+mn-lt"/>
+                <a:ea typeface="+mn-ea"/>
+                <a:cs typeface="+mn-cs"/>
+              </a:rPr>
+              <a:t>-  </a:t>
+            </a:r>
+            <a:r>
+              <a:rPr kumimoji="0" lang="en-US" sz="3200" b="0" i="0" u="none" strike="noStrike" kern="1200" cap="none" spc="0" normalizeH="0" baseline="0" noProof="0" dirty="0" smtClean="0">
+                <a:ln>
+                  <a:noFill/>
+                </a:ln>
+                <a:solidFill>
+                  <a:schemeClr val="tx1"/>
+                </a:solidFill>
+                <a:effectLst/>
+                <a:uLnTx/>
+                <a:uFillTx/>
+                <a:latin typeface="+mn-lt"/>
+                <a:ea typeface="+mn-ea"/>
+                <a:cs typeface="+mn-cs"/>
+              </a:rPr>
+              <a:t>- </a:t>
+            </a:r>
+            <a:r>
+              <a:rPr kumimoji="0" lang="ru-RU" sz="3200" b="0" i="0" u="none" strike="noStrike" kern="1200" cap="none" spc="0" normalizeH="0" baseline="0" noProof="0" dirty="0" smtClean="0">
+                <a:ln>
+                  <a:noFill/>
+                </a:ln>
+                <a:solidFill>
+                  <a:schemeClr val="tx1"/>
+                </a:solidFill>
+                <a:effectLst/>
+                <a:uLnTx/>
+                <a:uFillTx/>
+                <a:latin typeface="+mn-lt"/>
+                <a:ea typeface="+mn-ea"/>
+                <a:cs typeface="+mn-cs"/>
+              </a:rPr>
+              <a:t>множество блокировок, которые могут быть освобождены (</a:t>
+            </a:r>
+            <a:r>
+              <a:rPr kumimoji="0" lang="en-US" sz="3200" b="0" i="0" u="none" strike="noStrike" kern="1200" cap="none" spc="0" normalizeH="0" baseline="0" noProof="0" dirty="0" smtClean="0">
+                <a:ln>
+                  <a:noFill/>
+                </a:ln>
+                <a:solidFill>
+                  <a:schemeClr val="tx1"/>
+                </a:solidFill>
+                <a:effectLst/>
+                <a:uLnTx/>
+                <a:uFillTx/>
+                <a:latin typeface="+mn-lt"/>
+                <a:ea typeface="+mn-ea"/>
+                <a:cs typeface="+mn-cs"/>
+              </a:rPr>
+              <a:t>may-set).</a:t>
+            </a:r>
+            <a:endParaRPr kumimoji="0" lang="ru-RU" sz="3200" b="0" i="0" u="none" strike="noStrike" kern="1200" cap="none" spc="0" normalizeH="0" baseline="0" noProof="0" dirty="0">
+              <a:ln>
+                <a:noFill/>
+              </a:ln>
+              <a:solidFill>
+                <a:schemeClr val="tx1"/>
+              </a:solidFill>
+              <a:effectLst/>
+              <a:uLnTx/>
+              <a:uFillTx/>
+              <a:latin typeface="+mn-lt"/>
+              <a:ea typeface="+mn-ea"/>
+              <a:cs typeface="+mn-cs"/>
+            </a:endParaRPr>
+          </a:p>
+        </p:txBody>
+      </p:sp>
+      <p:sp>
+        <p:nvSpPr>
+          <p:cNvPr id="6" name="TextBox 5"/>
+          <p:cNvSpPr txBox="1"/>
+          <p:nvPr/>
+        </p:nvSpPr>
+        <p:spPr>
+          <a:xfrm>
+            <a:off x="683568" y="2636912"/>
+            <a:ext cx="7776864" cy="646331"/>
+          </a:xfrm>
+          <a:prstGeom prst="rect">
+            <a:avLst/>
+          </a:prstGeom>
+          <a:noFill/>
+          <a:ln>
+            <a:solidFill>
+              <a:schemeClr val="tx1"/>
+            </a:solidFill>
+          </a:ln>
+        </p:spPr>
+        <p:txBody>
+          <a:bodyPr wrap="square" rtlCol="0">
+            <a:spAutoFit/>
+          </a:bodyPr>
+          <a:lstStyle/>
+          <a:p>
+            <a:r>
+              <a:rPr lang="ru-RU" b="1" i="1" dirty="0" smtClean="0"/>
+              <a:t>Ядро функции</a:t>
+            </a:r>
+            <a:r>
+              <a:rPr lang="en-US" dirty="0" smtClean="0"/>
+              <a:t> </a:t>
+            </a:r>
+            <a:r>
+              <a:rPr lang="ru-RU" dirty="0" smtClean="0"/>
+              <a:t>– базовые блоки графа потока управления, которые встречаются на всех путях  выполнения функции.</a:t>
+            </a:r>
+            <a:endParaRPr lang="ru-RU" dirty="0"/>
+          </a:p>
+        </p:txBody>
+      </p:sp>
+      <p:graphicFrame>
+        <p:nvGraphicFramePr>
+          <p:cNvPr id="10" name="Объект 9"/>
+          <p:cNvGraphicFramePr>
+            <a:graphicFrameLocks noChangeAspect="1"/>
+          </p:cNvGraphicFramePr>
+          <p:nvPr/>
+        </p:nvGraphicFramePr>
+        <p:xfrm>
+          <a:off x="683568" y="3501009"/>
+          <a:ext cx="7776864" cy="406790"/>
+        </p:xfrm>
+        <a:graphic>
+          <a:graphicData uri="http://schemas.openxmlformats.org/presentationml/2006/ole">
+            <p:oleObj spid="_x0000_s1027" name="Формула" r:id="rId3" imgW="4127400" imgH="215640" progId="Equation.3">
+              <p:embed/>
+            </p:oleObj>
+          </a:graphicData>
+        </a:graphic>
+      </p:graphicFrame>
+      <p:sp>
+        <p:nvSpPr>
+          <p:cNvPr id="11" name="TextBox 10"/>
+          <p:cNvSpPr txBox="1"/>
+          <p:nvPr/>
+        </p:nvSpPr>
+        <p:spPr>
+          <a:xfrm>
+            <a:off x="683568" y="4149080"/>
+            <a:ext cx="7864158" cy="2308324"/>
+          </a:xfrm>
+          <a:prstGeom prst="rect">
+            <a:avLst/>
+          </a:prstGeom>
+          <a:noFill/>
+          <a:ln>
+            <a:solidFill>
+              <a:schemeClr val="tx1"/>
+            </a:solidFill>
+          </a:ln>
+        </p:spPr>
+        <p:txBody>
+          <a:bodyPr wrap="square" rtlCol="0">
+            <a:spAutoFit/>
+          </a:bodyPr>
+          <a:lstStyle/>
+          <a:p>
+            <a:r>
+              <a:rPr lang="en-US" dirty="0" smtClean="0"/>
+              <a:t>rebind – </a:t>
+            </a:r>
+            <a:r>
+              <a:rPr lang="ru-RU" dirty="0" smtClean="0"/>
+              <a:t>заменяет формальные параметры функции на значения, переданные в неё</a:t>
+            </a:r>
+          </a:p>
+          <a:p>
+            <a:r>
+              <a:rPr lang="en-US" dirty="0" smtClean="0"/>
+              <a:t>getNextBlock – </a:t>
+            </a:r>
+            <a:r>
+              <a:rPr lang="ru-RU" dirty="0" smtClean="0"/>
+              <a:t> возвращает следующий выполняемый блок</a:t>
+            </a:r>
+          </a:p>
+          <a:p>
+            <a:r>
+              <a:rPr lang="en-US" dirty="0" smtClean="0"/>
+              <a:t>getLeftBlock – </a:t>
+            </a:r>
+            <a:r>
+              <a:rPr lang="ru-RU" dirty="0" smtClean="0"/>
+              <a:t>возвращает блок, на который передается выполнение при условном переходе в случае, когда проверяемое условие истинно</a:t>
+            </a:r>
+          </a:p>
+          <a:p>
+            <a:r>
+              <a:rPr lang="en-US" dirty="0" smtClean="0"/>
+              <a:t>getRightBlock </a:t>
+            </a:r>
+            <a:r>
+              <a:rPr lang="en-US" dirty="0" smtClean="0"/>
+              <a:t>– </a:t>
+            </a:r>
+            <a:r>
+              <a:rPr lang="ru-RU" dirty="0" smtClean="0"/>
+              <a:t>возвращает блок, на который передается выполнение при условном переходе в случае, когда проверяемое условие </a:t>
+            </a:r>
+            <a:r>
+              <a:rPr lang="ru-RU" dirty="0" smtClean="0"/>
+              <a:t>ложно</a:t>
+            </a:r>
+            <a:endParaRPr lang="ru-RU" dirty="0" smtClean="0"/>
+          </a:p>
+          <a:p>
+            <a:endParaRPr lang="ru-RU" dirty="0"/>
+          </a:p>
+        </p:txBody>
+      </p:sp>
     </p:spTree>
   </p:cSld>
   <p:clrMapOvr>
     <a:masterClrMapping/>
   </p:clrMapOvr>
-  <p:timing>
-    <p:tnLst>
-      <p:par>
-        <p:cTn id="1" dur="indefinite" restart="never" nodeType="tmRoot"/>
-      </p:par>
-    </p:tnLst>
-  </p:timing>
 </p:sld>
 </file>
 
@@ -7054,7 +7673,7 @@
       </p:sp>
       <p:pic>
         <p:nvPicPr>
-          <p:cNvPr id="5" name="Содержимое 4" descr="relative_lockset_analysis_analyzeBlock.emf"/>
+          <p:cNvPr id="5" name="Содержимое 4" descr="relative_lockset_analysis_walkBlock.emf"/>
           <p:cNvPicPr>
             <a:picLocks noGrp="1" noChangeAspect="1"/>
           </p:cNvPicPr>
@@ -7070,8 +7689,8 @@
         </p:blipFill>
         <p:spPr>
           <a:xfrm>
-            <a:off x="611560" y="1484784"/>
-            <a:ext cx="7941668" cy="4997153"/>
+            <a:off x="253737" y="1600199"/>
+            <a:ext cx="8567333" cy="4997153"/>
           </a:xfrm>
         </p:spPr>
       </p:pic>
@@ -7104,6 +7723,13 @@
   <p:clrMapOvr>
     <a:masterClrMapping/>
   </p:clrMapOvr>
+  <p:timing>
+    <p:tnLst>
+      <p:par>
+        <p:cTn id="1" dur="indefinite" restart="never" nodeType="tmRoot"/>
+      </p:par>
+    </p:tnLst>
+  </p:timing>
 </p:sld>
 </file>
 
@@ -7149,6 +7775,29 @@
           </a:p>
         </p:txBody>
       </p:sp>
+      <p:pic>
+        <p:nvPicPr>
+          <p:cNvPr id="5" name="Содержимое 4" descr="relative_lockset_analysis_analyzeBlock.emf"/>
+          <p:cNvPicPr>
+            <a:picLocks noGrp="1" noChangeAspect="1"/>
+          </p:cNvPicPr>
+          <p:nvPr>
+            <p:ph idx="1"/>
+          </p:nvPr>
+        </p:nvPicPr>
+        <p:blipFill>
+          <a:blip r:embed="rId2" cstate="print"/>
+          <a:stretch>
+            <a:fillRect/>
+          </a:stretch>
+        </p:blipFill>
+        <p:spPr>
+          <a:xfrm>
+            <a:off x="724487" y="1484784"/>
+            <a:ext cx="7715813" cy="4997153"/>
+          </a:xfrm>
+        </p:spPr>
+      </p:pic>
       <p:sp>
         <p:nvSpPr>
           <p:cNvPr id="4" name="Номер слайда 3"/>
@@ -7168,6 +7817,80 @@
               <a:rPr lang="ru-RU" smtClean="0"/>
               <a:pPr/>
               <a:t>13</a:t>
+            </a:fld>
+            <a:endParaRPr lang="ru-RU"/>
+          </a:p>
+        </p:txBody>
+      </p:sp>
+    </p:spTree>
+  </p:cSld>
+  <p:clrMapOvr>
+    <a:masterClrMapping/>
+  </p:clrMapOvr>
+</p:sld>
+</file>
+
+<file path=ppt/slides/slide14.xml><?xml version="1.0" encoding="utf-8"?>
+<p:sld xmlns:a="http://schemas.openxmlformats.org/drawingml/2006/main" xmlns:r="http://schemas.openxmlformats.org/officeDocument/2006/relationships" xmlns:p="http://schemas.openxmlformats.org/presentationml/2006/main">
+  <p:cSld>
+    <p:spTree>
+      <p:nvGrpSpPr>
+        <p:cNvPr id="1" name=""/>
+        <p:cNvGrpSpPr/>
+        <p:nvPr/>
+      </p:nvGrpSpPr>
+      <p:grpSpPr>
+        <a:xfrm>
+          <a:off x="0" y="0"/>
+          <a:ext cx="0" cy="0"/>
+          <a:chOff x="0" y="0"/>
+          <a:chExt cx="0" cy="0"/>
+        </a:xfrm>
+      </p:grpSpPr>
+      <p:sp>
+        <p:nvSpPr>
+          <p:cNvPr id="2" name="Заголовок 1"/>
+          <p:cNvSpPr>
+            <a:spLocks noGrp="1"/>
+          </p:cNvSpPr>
+          <p:nvPr>
+            <p:ph type="title"/>
+          </p:nvPr>
+        </p:nvSpPr>
+        <p:spPr/>
+        <p:txBody>
+          <a:bodyPr>
+            <a:normAutofit fontScale="90000"/>
+          </a:bodyPr>
+          <a:lstStyle/>
+          <a:p>
+            <a:r>
+              <a:rPr lang="ru-RU" dirty="0" smtClean="0"/>
+              <a:t>Формирование относительных множеств блокировок</a:t>
+            </a:r>
+            <a:endParaRPr lang="ru-RU" dirty="0"/>
+          </a:p>
+        </p:txBody>
+      </p:sp>
+      <p:sp>
+        <p:nvSpPr>
+          <p:cNvPr id="4" name="Номер слайда 3"/>
+          <p:cNvSpPr>
+            <a:spLocks noGrp="1"/>
+          </p:cNvSpPr>
+          <p:nvPr>
+            <p:ph type="sldNum" sz="quarter" idx="12"/>
+          </p:nvPr>
+        </p:nvSpPr>
+        <p:spPr/>
+        <p:txBody>
+          <a:bodyPr/>
+          <a:lstStyle/>
+          <a:p>
+            <a:fld id="{6ACCCD26-A6AD-4D04-8A48-0C02F87992A0}" type="slidenum">
+              <a:rPr lang="ru-RU" smtClean="0"/>
+              <a:pPr/>
+              <a:t>14</a:t>
             </a:fld>
             <a:endParaRPr lang="ru-RU"/>
           </a:p>
@@ -10864,7 +11587,7 @@
 </p:sld>
 </file>
 
-<file path=ppt/slides/slide14.xml><?xml version="1.0" encoding="utf-8"?>
+<file path=ppt/slides/slide15.xml><?xml version="1.0" encoding="utf-8"?>
 <p:sld xmlns:a="http://schemas.openxmlformats.org/drawingml/2006/main" xmlns:r="http://schemas.openxmlformats.org/officeDocument/2006/relationships" xmlns:p="http://schemas.openxmlformats.org/presentationml/2006/main">
   <p:cSld>
     <p:spTree>
@@ -12199,7 +12922,7 @@
             <a:fld id="{6ACCCD26-A6AD-4D04-8A48-0C02F87992A0}" type="slidenum">
               <a:rPr lang="ru-RU" smtClean="0"/>
               <a:pPr/>
-              <a:t>14</a:t>
+              <a:t>15</a:t>
             </a:fld>
             <a:endParaRPr lang="ru-RU"/>
           </a:p>
@@ -12220,7 +12943,7 @@
 </p:sld>
 </file>
 
-<file path=ppt/slides/slide15.xml><?xml version="1.0" encoding="utf-8"?>
+<file path=ppt/slides/slide16.xml><?xml version="1.0" encoding="utf-8"?>
 <p:sld xmlns:a="http://schemas.openxmlformats.org/drawingml/2006/main" xmlns:r="http://schemas.openxmlformats.org/officeDocument/2006/relationships" xmlns:p="http://schemas.openxmlformats.org/presentationml/2006/main">
   <p:cSld>
     <p:spTree>
@@ -13093,7 +13816,7 @@
             <a:fld id="{6ACCCD26-A6AD-4D04-8A48-0C02F87992A0}" type="slidenum">
               <a:rPr lang="ru-RU" smtClean="0"/>
               <a:pPr/>
-              <a:t>15</a:t>
+              <a:t>16</a:t>
             </a:fld>
             <a:endParaRPr lang="ru-RU"/>
           </a:p>
@@ -13104,644 +13827,6 @@
   <p:clrMapOvr>
     <a:masterClrMapping/>
   </p:clrMapOvr>
-</p:sld>
-</file>
-
-<file path=ppt/slides/slide16.xml><?xml version="1.0" encoding="utf-8"?>
-<p:sld xmlns:a="http://schemas.openxmlformats.org/drawingml/2006/main" xmlns:r="http://schemas.openxmlformats.org/officeDocument/2006/relationships" xmlns:p="http://schemas.openxmlformats.org/presentationml/2006/main">
-  <p:cSld>
-    <p:spTree>
-      <p:nvGrpSpPr>
-        <p:cNvPr id="1" name=""/>
-        <p:cNvGrpSpPr/>
-        <p:nvPr/>
-      </p:nvGrpSpPr>
-      <p:grpSpPr>
-        <a:xfrm>
-          <a:off x="0" y="0"/>
-          <a:ext cx="0" cy="0"/>
-          <a:chOff x="0" y="0"/>
-          <a:chExt cx="0" cy="0"/>
-        </a:xfrm>
-      </p:grpSpPr>
-      <p:sp>
-        <p:nvSpPr>
-          <p:cNvPr id="2" name="Заголовок 1"/>
-          <p:cNvSpPr>
-            <a:spLocks noGrp="1"/>
-          </p:cNvSpPr>
-          <p:nvPr>
-            <p:ph type="title"/>
-          </p:nvPr>
-        </p:nvSpPr>
-        <p:spPr/>
-        <p:txBody>
-          <a:bodyPr/>
-          <a:lstStyle/>
-          <a:p>
-            <a:r>
-              <a:rPr lang="ru-RU" dirty="0" smtClean="0"/>
-              <a:t>Генерация предупреждений</a:t>
-            </a:r>
-            <a:endParaRPr lang="ru-RU" dirty="0"/>
-          </a:p>
-        </p:txBody>
-      </p:sp>
-      <p:sp>
-        <p:nvSpPr>
-          <p:cNvPr id="3" name="Содержимое 2"/>
-          <p:cNvSpPr>
-            <a:spLocks noGrp="1"/>
-          </p:cNvSpPr>
-          <p:nvPr>
-            <p:ph idx="1"/>
-          </p:nvPr>
-        </p:nvSpPr>
-        <p:spPr/>
-        <p:txBody>
-          <a:bodyPr>
-            <a:normAutofit fontScale="85000" lnSpcReduction="10000"/>
-          </a:bodyPr>
-          <a:lstStyle/>
-          <a:p>
-            <a:pPr lvl="3">
-              <a:buNone/>
-            </a:pPr>
-            <a:r>
-              <a:rPr lang="en-US" sz="2200" u="sng" dirty="0" err="1" smtClean="0">
-                <a:latin typeface="Times New Roman" pitchFamily="18" charset="0"/>
-                <a:cs typeface="Times New Roman" pitchFamily="18" charset="0"/>
-              </a:rPr>
-              <a:t>foreach</a:t>
-            </a:r>
-            <a:r>
-              <a:rPr lang="en-US" sz="2200" u="sng" dirty="0" smtClean="0">
-                <a:latin typeface="Times New Roman" pitchFamily="18" charset="0"/>
-                <a:cs typeface="Times New Roman" pitchFamily="18" charset="0"/>
-              </a:rPr>
-              <a:t> </a:t>
-            </a:r>
-            <a:r>
-              <a:rPr lang="en-US" sz="2200" dirty="0" smtClean="0">
-                <a:latin typeface="Times New Roman" pitchFamily="18" charset="0"/>
-                <a:cs typeface="Times New Roman" pitchFamily="18" charset="0"/>
-              </a:rPr>
-              <a:t>(f, f’) </a:t>
-            </a:r>
-            <a:r>
-              <a:rPr lang="en-US" sz="2200" u="sng" dirty="0" smtClean="0">
-                <a:latin typeface="Times New Roman" pitchFamily="18" charset="0"/>
-                <a:cs typeface="Times New Roman" pitchFamily="18" charset="0"/>
-              </a:rPr>
-              <a:t>in</a:t>
-            </a:r>
-            <a:r>
-              <a:rPr lang="en-US" sz="2200" dirty="0" smtClean="0">
-                <a:latin typeface="Times New Roman" pitchFamily="18" charset="0"/>
-                <a:cs typeface="Times New Roman" pitchFamily="18" charset="0"/>
-              </a:rPr>
-              <a:t> </a:t>
-            </a:r>
-            <a:r>
-              <a:rPr lang="en-US" sz="2200" b="1" dirty="0" err="1" smtClean="0">
-                <a:latin typeface="Times New Roman" pitchFamily="18" charset="0"/>
-                <a:cs typeface="Times New Roman" pitchFamily="18" charset="0"/>
-              </a:rPr>
-              <a:t>threadEntryPoints</a:t>
-            </a:r>
-            <a:r>
-              <a:rPr lang="en-US" sz="2200" dirty="0" smtClean="0">
-                <a:latin typeface="Times New Roman" pitchFamily="18" charset="0"/>
-                <a:cs typeface="Times New Roman" pitchFamily="18" charset="0"/>
-              </a:rPr>
-              <a:t> </a:t>
-            </a:r>
-            <a:r>
-              <a:rPr lang="en-US" sz="2200" u="sng" dirty="0" smtClean="0">
-                <a:latin typeface="Times New Roman" pitchFamily="18" charset="0"/>
-                <a:cs typeface="Times New Roman" pitchFamily="18" charset="0"/>
-              </a:rPr>
-              <a:t>do</a:t>
-            </a:r>
-          </a:p>
-          <a:p>
-            <a:pPr lvl="3">
-              <a:buNone/>
-            </a:pPr>
-            <a:r>
-              <a:rPr lang="en-US" sz="2200" dirty="0" smtClean="0">
-                <a:latin typeface="Times New Roman" pitchFamily="18" charset="0"/>
-                <a:cs typeface="Times New Roman" pitchFamily="18" charset="0"/>
-              </a:rPr>
-              <a:t>    </a:t>
-            </a:r>
-            <a:r>
-              <a:rPr lang="en-US" sz="2200" u="sng" dirty="0" err="1" smtClean="0">
-                <a:latin typeface="Times New Roman" pitchFamily="18" charset="0"/>
-                <a:cs typeface="Times New Roman" pitchFamily="18" charset="0"/>
-              </a:rPr>
-              <a:t>foreach</a:t>
-            </a:r>
-            <a:r>
-              <a:rPr lang="en-US" sz="2200" dirty="0" smtClean="0">
-                <a:latin typeface="Times New Roman" pitchFamily="18" charset="0"/>
-                <a:cs typeface="Times New Roman" pitchFamily="18" charset="0"/>
-              </a:rPr>
-              <a:t> (o, L, k) </a:t>
-            </a:r>
-            <a:r>
-              <a:rPr lang="en-US" sz="2200" u="sng" dirty="0" smtClean="0">
-                <a:latin typeface="Times New Roman" pitchFamily="18" charset="0"/>
-                <a:cs typeface="Times New Roman" pitchFamily="18" charset="0"/>
-              </a:rPr>
-              <a:t>in</a:t>
-            </a:r>
-            <a:r>
-              <a:rPr lang="en-US" sz="2200" dirty="0" smtClean="0">
-                <a:latin typeface="Times New Roman" pitchFamily="18" charset="0"/>
-                <a:cs typeface="Times New Roman" pitchFamily="18" charset="0"/>
-              </a:rPr>
-              <a:t> </a:t>
-            </a:r>
-            <a:r>
-              <a:rPr lang="en-US" sz="2200" b="1" dirty="0" err="1" smtClean="0">
-                <a:latin typeface="Times New Roman" pitchFamily="18" charset="0"/>
-                <a:cs typeface="Times New Roman" pitchFamily="18" charset="0"/>
-              </a:rPr>
-              <a:t>accessSummary</a:t>
-            </a:r>
-            <a:r>
-              <a:rPr lang="en-US" sz="2200" dirty="0" smtClean="0">
-                <a:latin typeface="Times New Roman" pitchFamily="18" charset="0"/>
-                <a:cs typeface="Times New Roman" pitchFamily="18" charset="0"/>
-              </a:rPr>
-              <a:t>(f) </a:t>
-            </a:r>
-            <a:r>
-              <a:rPr lang="en-US" sz="2200" u="sng" dirty="0" smtClean="0">
-                <a:latin typeface="Times New Roman" pitchFamily="18" charset="0"/>
-                <a:cs typeface="Times New Roman" pitchFamily="18" charset="0"/>
-              </a:rPr>
-              <a:t>do</a:t>
-            </a:r>
-          </a:p>
-          <a:p>
-            <a:pPr lvl="3">
-              <a:buNone/>
-            </a:pPr>
-            <a:r>
-              <a:rPr lang="en-US" sz="2200" dirty="0" smtClean="0">
-                <a:latin typeface="Times New Roman" pitchFamily="18" charset="0"/>
-                <a:cs typeface="Times New Roman" pitchFamily="18" charset="0"/>
-              </a:rPr>
-              <a:t>        </a:t>
-            </a:r>
-            <a:r>
-              <a:rPr lang="en-US" sz="2200" u="sng" dirty="0" err="1" smtClean="0">
-                <a:latin typeface="Times New Roman" pitchFamily="18" charset="0"/>
-                <a:cs typeface="Times New Roman" pitchFamily="18" charset="0"/>
-              </a:rPr>
-              <a:t>foreach</a:t>
-            </a:r>
-            <a:r>
-              <a:rPr lang="en-US" sz="2200" dirty="0" smtClean="0">
-                <a:latin typeface="Times New Roman" pitchFamily="18" charset="0"/>
-                <a:cs typeface="Times New Roman" pitchFamily="18" charset="0"/>
-              </a:rPr>
-              <a:t> (o’, L’, k’) </a:t>
-            </a:r>
-            <a:r>
-              <a:rPr lang="en-US" sz="2200" u="sng" dirty="0" smtClean="0">
-                <a:latin typeface="Times New Roman" pitchFamily="18" charset="0"/>
-                <a:cs typeface="Times New Roman" pitchFamily="18" charset="0"/>
-              </a:rPr>
-              <a:t>in</a:t>
-            </a:r>
-            <a:r>
-              <a:rPr lang="en-US" sz="2200" dirty="0" smtClean="0">
-                <a:latin typeface="Times New Roman" pitchFamily="18" charset="0"/>
-                <a:cs typeface="Times New Roman" pitchFamily="18" charset="0"/>
-              </a:rPr>
-              <a:t> </a:t>
-            </a:r>
-            <a:r>
-              <a:rPr lang="en-US" sz="2200" b="1" dirty="0" err="1" smtClean="0">
-                <a:latin typeface="Times New Roman" pitchFamily="18" charset="0"/>
-                <a:cs typeface="Times New Roman" pitchFamily="18" charset="0"/>
-              </a:rPr>
-              <a:t>accessSummary</a:t>
-            </a:r>
-            <a:r>
-              <a:rPr lang="en-US" sz="2200" dirty="0" smtClean="0">
-                <a:latin typeface="Times New Roman" pitchFamily="18" charset="0"/>
-                <a:cs typeface="Times New Roman" pitchFamily="18" charset="0"/>
-              </a:rPr>
-              <a:t>(f’) </a:t>
-            </a:r>
-            <a:r>
-              <a:rPr lang="en-US" sz="2200" u="sng" dirty="0" smtClean="0">
-                <a:latin typeface="Times New Roman" pitchFamily="18" charset="0"/>
-                <a:cs typeface="Times New Roman" pitchFamily="18" charset="0"/>
-              </a:rPr>
-              <a:t>do</a:t>
-            </a:r>
-          </a:p>
-          <a:p>
-            <a:pPr lvl="3">
-              <a:buNone/>
-            </a:pPr>
-            <a:r>
-              <a:rPr lang="en-US" sz="2200" dirty="0" smtClean="0">
-                <a:latin typeface="Times New Roman" pitchFamily="18" charset="0"/>
-                <a:cs typeface="Times New Roman" pitchFamily="18" charset="0"/>
-              </a:rPr>
-              <a:t>            (L</a:t>
-            </a:r>
-            <a:r>
-              <a:rPr lang="en-US" sz="2200" baseline="-25000" dirty="0" smtClean="0">
-                <a:latin typeface="Times New Roman" pitchFamily="18" charset="0"/>
-                <a:cs typeface="Times New Roman" pitchFamily="18" charset="0"/>
-              </a:rPr>
-              <a:t>+</a:t>
-            </a:r>
-            <a:r>
-              <a:rPr lang="en-US" sz="2200" dirty="0" smtClean="0">
-                <a:latin typeface="Times New Roman" pitchFamily="18" charset="0"/>
-                <a:cs typeface="Times New Roman" pitchFamily="18" charset="0"/>
-              </a:rPr>
-              <a:t>, L</a:t>
-            </a:r>
-            <a:r>
-              <a:rPr lang="en-US" sz="2200" baseline="-25000" dirty="0" smtClean="0">
-                <a:latin typeface="Times New Roman" pitchFamily="18" charset="0"/>
-                <a:cs typeface="Times New Roman" pitchFamily="18" charset="0"/>
-              </a:rPr>
-              <a:t>-</a:t>
-            </a:r>
-            <a:r>
-              <a:rPr lang="en-US" sz="2200" dirty="0" smtClean="0">
-                <a:latin typeface="Times New Roman" pitchFamily="18" charset="0"/>
-                <a:cs typeface="Times New Roman" pitchFamily="18" charset="0"/>
-              </a:rPr>
-              <a:t>) = L; (L</a:t>
-            </a:r>
-            <a:r>
-              <a:rPr lang="en-US" sz="2200" baseline="-25000" dirty="0" smtClean="0">
-                <a:latin typeface="Times New Roman" pitchFamily="18" charset="0"/>
-                <a:cs typeface="Times New Roman" pitchFamily="18" charset="0"/>
-              </a:rPr>
-              <a:t>+</a:t>
-            </a:r>
-            <a:r>
-              <a:rPr lang="en-US" sz="2200" dirty="0" smtClean="0">
-                <a:latin typeface="Times New Roman" pitchFamily="18" charset="0"/>
-                <a:cs typeface="Times New Roman" pitchFamily="18" charset="0"/>
-              </a:rPr>
-              <a:t>’, L</a:t>
-            </a:r>
-            <a:r>
-              <a:rPr lang="en-US" sz="2200" baseline="-25000" dirty="0" smtClean="0">
-                <a:latin typeface="Times New Roman" pitchFamily="18" charset="0"/>
-                <a:cs typeface="Times New Roman" pitchFamily="18" charset="0"/>
-              </a:rPr>
-              <a:t>-</a:t>
-            </a:r>
-            <a:r>
-              <a:rPr lang="en-US" sz="2200" dirty="0" smtClean="0">
-                <a:latin typeface="Times New Roman" pitchFamily="18" charset="0"/>
-                <a:cs typeface="Times New Roman" pitchFamily="18" charset="0"/>
-              </a:rPr>
-              <a:t>’) = L’</a:t>
-            </a:r>
-          </a:p>
-          <a:p>
-            <a:pPr lvl="3">
-              <a:buNone/>
-            </a:pPr>
-            <a:r>
-              <a:rPr lang="en-US" sz="2200" dirty="0" smtClean="0">
-                <a:latin typeface="Times New Roman" pitchFamily="18" charset="0"/>
-                <a:cs typeface="Times New Roman" pitchFamily="18" charset="0"/>
-              </a:rPr>
-              <a:t>            </a:t>
-            </a:r>
-            <a:r>
-              <a:rPr lang="en-US" sz="2200" u="sng" dirty="0" smtClean="0">
-                <a:latin typeface="Times New Roman" pitchFamily="18" charset="0"/>
-                <a:cs typeface="Times New Roman" pitchFamily="18" charset="0"/>
-              </a:rPr>
-              <a:t>if</a:t>
-            </a:r>
-            <a:r>
-              <a:rPr lang="en-US" sz="2200" dirty="0" smtClean="0">
-                <a:latin typeface="Times New Roman" pitchFamily="18" charset="0"/>
-                <a:cs typeface="Times New Roman" pitchFamily="18" charset="0"/>
-              </a:rPr>
-              <a:t> </a:t>
-            </a:r>
-            <a:r>
-              <a:rPr lang="en-US" sz="2200" b="1" dirty="0" err="1" smtClean="0">
-                <a:latin typeface="Times New Roman" pitchFamily="18" charset="0"/>
-                <a:cs typeface="Times New Roman" pitchFamily="18" charset="0"/>
-              </a:rPr>
-              <a:t>mayEqual</a:t>
-            </a:r>
-            <a:r>
-              <a:rPr lang="en-US" sz="2200" dirty="0" smtClean="0">
-                <a:latin typeface="Times New Roman" pitchFamily="18" charset="0"/>
-                <a:cs typeface="Times New Roman" pitchFamily="18" charset="0"/>
-              </a:rPr>
-              <a:t>(o, o’) and (intersect(L</a:t>
-            </a:r>
-            <a:r>
-              <a:rPr lang="en-US" sz="2200" baseline="-25000" dirty="0" smtClean="0">
-                <a:latin typeface="Times New Roman" pitchFamily="18" charset="0"/>
-                <a:cs typeface="Times New Roman" pitchFamily="18" charset="0"/>
-              </a:rPr>
-              <a:t>+</a:t>
-            </a:r>
-            <a:r>
-              <a:rPr lang="en-US" sz="2200" dirty="0" smtClean="0">
-                <a:latin typeface="Times New Roman" pitchFamily="18" charset="0"/>
-                <a:cs typeface="Times New Roman" pitchFamily="18" charset="0"/>
-              </a:rPr>
-              <a:t>, L</a:t>
-            </a:r>
-            <a:r>
-              <a:rPr lang="en-US" sz="2200" baseline="-25000" dirty="0" smtClean="0">
-                <a:latin typeface="Times New Roman" pitchFamily="18" charset="0"/>
-                <a:cs typeface="Times New Roman" pitchFamily="18" charset="0"/>
-              </a:rPr>
-              <a:t>+</a:t>
-            </a:r>
-            <a:r>
-              <a:rPr lang="en-US" sz="2200" dirty="0" smtClean="0">
-                <a:latin typeface="Times New Roman" pitchFamily="18" charset="0"/>
-                <a:cs typeface="Times New Roman" pitchFamily="18" charset="0"/>
-              </a:rPr>
-              <a:t>’) is empty)</a:t>
-            </a:r>
-          </a:p>
-          <a:p>
-            <a:pPr lvl="3">
-              <a:buNone/>
-            </a:pPr>
-            <a:r>
-              <a:rPr lang="en-US" sz="2200" dirty="0" smtClean="0">
-                <a:latin typeface="Times New Roman" pitchFamily="18" charset="0"/>
-                <a:cs typeface="Times New Roman" pitchFamily="18" charset="0"/>
-              </a:rPr>
-              <a:t>                    and (k == “write” or k’==“write”) </a:t>
-            </a:r>
-            <a:r>
-              <a:rPr lang="en-US" sz="2200" u="sng" dirty="0" smtClean="0">
-                <a:latin typeface="Times New Roman" pitchFamily="18" charset="0"/>
-                <a:cs typeface="Times New Roman" pitchFamily="18" charset="0"/>
-              </a:rPr>
-              <a:t>then</a:t>
-            </a:r>
-          </a:p>
-          <a:p>
-            <a:pPr lvl="3">
-              <a:buNone/>
-            </a:pPr>
-            <a:r>
-              <a:rPr lang="en-US" sz="2200" dirty="0" smtClean="0">
-                <a:latin typeface="Times New Roman" pitchFamily="18" charset="0"/>
-                <a:cs typeface="Times New Roman" pitchFamily="18" charset="0"/>
-              </a:rPr>
-              <a:t>                </a:t>
-            </a:r>
-            <a:r>
-              <a:rPr lang="en-US" sz="2200" b="1" dirty="0" err="1" smtClean="0">
-                <a:latin typeface="Times New Roman" pitchFamily="18" charset="0"/>
-                <a:cs typeface="Times New Roman" pitchFamily="18" charset="0"/>
-              </a:rPr>
-              <a:t>generateWarning</a:t>
-            </a:r>
-            <a:r>
-              <a:rPr lang="en-US" sz="2200" dirty="0" smtClean="0">
-                <a:latin typeface="Times New Roman" pitchFamily="18" charset="0"/>
-                <a:cs typeface="Times New Roman" pitchFamily="18" charset="0"/>
-              </a:rPr>
-              <a:t>(o, o’)</a:t>
-            </a:r>
-          </a:p>
-          <a:p>
-            <a:pPr>
-              <a:buNone/>
-            </a:pPr>
-            <a:endParaRPr lang="en-US" sz="2400" dirty="0" smtClean="0">
-              <a:latin typeface="Times New Roman" pitchFamily="18" charset="0"/>
-              <a:cs typeface="Times New Roman" pitchFamily="18" charset="0"/>
-            </a:endParaRPr>
-          </a:p>
-          <a:p>
-            <a:pPr>
-              <a:buNone/>
-            </a:pPr>
-            <a:r>
-              <a:rPr lang="en-US" sz="2400" b="1" dirty="0" err="1" smtClean="0">
-                <a:latin typeface="Times New Roman" pitchFamily="18" charset="0"/>
-                <a:cs typeface="Times New Roman" pitchFamily="18" charset="0"/>
-              </a:rPr>
-              <a:t>mayEqual</a:t>
-            </a:r>
-            <a:r>
-              <a:rPr lang="en-US" sz="2400" b="1" dirty="0" smtClean="0">
-                <a:latin typeface="Times New Roman" pitchFamily="18" charset="0"/>
-                <a:cs typeface="Times New Roman" pitchFamily="18" charset="0"/>
-              </a:rPr>
-              <a:t>(o, o’) </a:t>
-            </a:r>
-            <a:r>
-              <a:rPr lang="en-US" sz="2400" dirty="0" smtClean="0">
-                <a:latin typeface="Times New Roman" pitchFamily="18" charset="0"/>
-                <a:cs typeface="Times New Roman" pitchFamily="18" charset="0"/>
-              </a:rPr>
-              <a:t>– </a:t>
-            </a:r>
-            <a:r>
-              <a:rPr lang="ru-RU" sz="2400" dirty="0" smtClean="0">
-                <a:latin typeface="Times New Roman" pitchFamily="18" charset="0"/>
-                <a:cs typeface="Times New Roman" pitchFamily="18" charset="0"/>
-              </a:rPr>
-              <a:t>проверяет </a:t>
-            </a:r>
-            <a:r>
-              <a:rPr lang="en-US" sz="2400" dirty="0" smtClean="0">
-                <a:latin typeface="Times New Roman" pitchFamily="18" charset="0"/>
-                <a:cs typeface="Times New Roman" pitchFamily="18" charset="0"/>
-              </a:rPr>
-              <a:t>o </a:t>
-            </a:r>
-            <a:r>
-              <a:rPr lang="ru-RU" sz="2400" dirty="0" smtClean="0">
-                <a:latin typeface="Times New Roman" pitchFamily="18" charset="0"/>
-                <a:cs typeface="Times New Roman" pitchFamily="18" charset="0"/>
-              </a:rPr>
-              <a:t>и </a:t>
-            </a:r>
-            <a:r>
-              <a:rPr lang="en-US" sz="2400" dirty="0" smtClean="0">
-                <a:latin typeface="Times New Roman" pitchFamily="18" charset="0"/>
-                <a:cs typeface="Times New Roman" pitchFamily="18" charset="0"/>
-              </a:rPr>
-              <a:t>o’ </a:t>
-            </a:r>
-            <a:r>
-              <a:rPr lang="ru-RU" sz="2400" dirty="0" smtClean="0">
-                <a:latin typeface="Times New Roman" pitchFamily="18" charset="0"/>
-                <a:cs typeface="Times New Roman" pitchFamily="18" charset="0"/>
-              </a:rPr>
-              <a:t>ссылаются на одну и ту же область памяти или нет</a:t>
-            </a:r>
-          </a:p>
-          <a:p>
-            <a:pPr>
-              <a:buNone/>
-            </a:pPr>
-            <a:r>
-              <a:rPr lang="en-US" sz="2400" b="1" dirty="0" err="1" smtClean="0">
-                <a:latin typeface="Times New Roman" pitchFamily="18" charset="0"/>
-                <a:cs typeface="Times New Roman" pitchFamily="18" charset="0"/>
-              </a:rPr>
-              <a:t>threadEntryPoints</a:t>
-            </a:r>
-            <a:r>
-              <a:rPr lang="en-US" sz="2400" dirty="0" smtClean="0">
-                <a:latin typeface="Times New Roman" pitchFamily="18" charset="0"/>
-                <a:cs typeface="Times New Roman" pitchFamily="18" charset="0"/>
-              </a:rPr>
-              <a:t> – </a:t>
-            </a:r>
-            <a:r>
-              <a:rPr lang="ru-RU" sz="2400" dirty="0" smtClean="0">
-                <a:latin typeface="Times New Roman" pitchFamily="18" charset="0"/>
-                <a:cs typeface="Times New Roman" pitchFamily="18" charset="0"/>
-              </a:rPr>
-              <a:t>все точки входа в потоки</a:t>
-            </a:r>
-          </a:p>
-          <a:p>
-            <a:pPr>
-              <a:buNone/>
-            </a:pPr>
-            <a:r>
-              <a:rPr lang="en-US" sz="2400" b="1" dirty="0" err="1" smtClean="0">
-                <a:latin typeface="Times New Roman" pitchFamily="18" charset="0"/>
-                <a:cs typeface="Times New Roman" pitchFamily="18" charset="0"/>
-              </a:rPr>
-              <a:t>accessSummary</a:t>
-            </a:r>
-            <a:r>
-              <a:rPr lang="en-US" sz="2400" b="1" dirty="0" smtClean="0">
-                <a:latin typeface="Times New Roman" pitchFamily="18" charset="0"/>
-                <a:cs typeface="Times New Roman" pitchFamily="18" charset="0"/>
-              </a:rPr>
-              <a:t>(f) </a:t>
-            </a:r>
-            <a:r>
-              <a:rPr lang="en-US" sz="2400" dirty="0" smtClean="0">
-                <a:latin typeface="Times New Roman" pitchFamily="18" charset="0"/>
-                <a:cs typeface="Times New Roman" pitchFamily="18" charset="0"/>
-              </a:rPr>
-              <a:t>– </a:t>
-            </a:r>
-            <a:r>
-              <a:rPr lang="ru-RU" sz="2400" dirty="0" smtClean="0">
-                <a:latin typeface="Times New Roman" pitchFamily="18" charset="0"/>
-                <a:cs typeface="Times New Roman" pitchFamily="18" charset="0"/>
-              </a:rPr>
-              <a:t>обобщение защищенного доступа для функции </a:t>
-            </a:r>
-            <a:r>
-              <a:rPr lang="en-US" sz="2400" dirty="0" smtClean="0">
-                <a:latin typeface="Times New Roman" pitchFamily="18" charset="0"/>
-                <a:cs typeface="Times New Roman" pitchFamily="18" charset="0"/>
-              </a:rPr>
-              <a:t>f</a:t>
-            </a:r>
-            <a:endParaRPr lang="ru-RU" sz="2400" dirty="0" smtClean="0">
-              <a:latin typeface="Times New Roman" pitchFamily="18" charset="0"/>
-              <a:cs typeface="Times New Roman" pitchFamily="18" charset="0"/>
-            </a:endParaRPr>
-          </a:p>
-          <a:p>
-            <a:pPr>
-              <a:buNone/>
-            </a:pPr>
-            <a:r>
-              <a:rPr lang="en-US" sz="2400" b="1" dirty="0" err="1" smtClean="0">
-                <a:latin typeface="Times New Roman" pitchFamily="18" charset="0"/>
-                <a:cs typeface="Times New Roman" pitchFamily="18" charset="0"/>
-              </a:rPr>
-              <a:t>generateWarning</a:t>
-            </a:r>
-            <a:r>
-              <a:rPr lang="en-US" sz="2400" b="1" dirty="0" smtClean="0">
-                <a:latin typeface="Times New Roman" pitchFamily="18" charset="0"/>
-                <a:cs typeface="Times New Roman" pitchFamily="18" charset="0"/>
-              </a:rPr>
-              <a:t>(o, o’) </a:t>
-            </a:r>
-            <a:r>
-              <a:rPr lang="en-US" sz="2400" dirty="0" smtClean="0">
-                <a:latin typeface="Times New Roman" pitchFamily="18" charset="0"/>
-                <a:cs typeface="Times New Roman" pitchFamily="18" charset="0"/>
-              </a:rPr>
-              <a:t>– </a:t>
-            </a:r>
-            <a:r>
-              <a:rPr lang="ru-RU" sz="2400" dirty="0" smtClean="0">
-                <a:latin typeface="Times New Roman" pitchFamily="18" charset="0"/>
-                <a:cs typeface="Times New Roman" pitchFamily="18" charset="0"/>
-              </a:rPr>
-              <a:t>генерация предупреждения о возможном возникновении гонок</a:t>
-            </a:r>
-            <a:endParaRPr lang="en-US" sz="2400" dirty="0" smtClean="0">
-              <a:latin typeface="Times New Roman" pitchFamily="18" charset="0"/>
-              <a:cs typeface="Times New Roman" pitchFamily="18" charset="0"/>
-            </a:endParaRPr>
-          </a:p>
-        </p:txBody>
-      </p:sp>
-      <p:sp>
-        <p:nvSpPr>
-          <p:cNvPr id="4" name="Номер слайда 3"/>
-          <p:cNvSpPr>
-            <a:spLocks noGrp="1"/>
-          </p:cNvSpPr>
-          <p:nvPr>
-            <p:ph type="sldNum" sz="quarter" idx="12"/>
-          </p:nvPr>
-        </p:nvSpPr>
-        <p:spPr/>
-        <p:txBody>
-          <a:bodyPr/>
-          <a:lstStyle/>
-          <a:p>
-            <a:fld id="{6ACCCD26-A6AD-4D04-8A48-0C02F87992A0}" type="slidenum">
-              <a:rPr lang="ru-RU" smtClean="0"/>
-              <a:pPr/>
-              <a:t>16</a:t>
-            </a:fld>
-            <a:endParaRPr lang="ru-RU"/>
-          </a:p>
-        </p:txBody>
-      </p:sp>
-    </p:spTree>
-  </p:cSld>
-  <p:clrMapOvr>
-    <a:masterClrMapping/>
-  </p:clrMapOvr>
-  <p:timing>
-    <p:tnLst>
-      <p:par>
-        <p:cTn id="1" dur="indefinite" restart="never" nodeType="tmRoot"/>
-      </p:par>
-    </p:tnLst>
-  </p:timing>
 </p:sld>
 </file>
 
@@ -13779,7 +13864,7 @@
           <a:p>
             <a:r>
               <a:rPr lang="ru-RU" dirty="0" smtClean="0"/>
-              <a:t>Структура ПО</a:t>
+              <a:t>Генерация предупреждений</a:t>
             </a:r>
             <a:endParaRPr lang="ru-RU" dirty="0"/>
           </a:p>
@@ -13797,10 +13882,550 @@
         </p:nvSpPr>
         <p:spPr/>
         <p:txBody>
-          <a:bodyPr/>
+          <a:bodyPr>
+            <a:normAutofit fontScale="85000" lnSpcReduction="10000"/>
+          </a:bodyPr>
           <a:lstStyle/>
           <a:p>
-            <a:endParaRPr lang="ru-RU"/>
+            <a:pPr lvl="3">
+              <a:buNone/>
+            </a:pPr>
+            <a:r>
+              <a:rPr lang="en-US" sz="2200" u="sng" dirty="0" err="1" smtClean="0">
+                <a:latin typeface="Times New Roman" pitchFamily="18" charset="0"/>
+                <a:cs typeface="Times New Roman" pitchFamily="18" charset="0"/>
+              </a:rPr>
+              <a:t>foreach</a:t>
+            </a:r>
+            <a:r>
+              <a:rPr lang="en-US" sz="2200" u="sng" dirty="0" smtClean="0">
+                <a:latin typeface="Times New Roman" pitchFamily="18" charset="0"/>
+                <a:cs typeface="Times New Roman" pitchFamily="18" charset="0"/>
+              </a:rPr>
+              <a:t> </a:t>
+            </a:r>
+            <a:r>
+              <a:rPr lang="en-US" sz="2200" dirty="0" smtClean="0">
+                <a:latin typeface="Times New Roman" pitchFamily="18" charset="0"/>
+                <a:cs typeface="Times New Roman" pitchFamily="18" charset="0"/>
+              </a:rPr>
+              <a:t>(f, f’) </a:t>
+            </a:r>
+            <a:r>
+              <a:rPr lang="en-US" sz="2200" u="sng" dirty="0" smtClean="0">
+                <a:latin typeface="Times New Roman" pitchFamily="18" charset="0"/>
+                <a:cs typeface="Times New Roman" pitchFamily="18" charset="0"/>
+              </a:rPr>
+              <a:t>in</a:t>
+            </a:r>
+            <a:r>
+              <a:rPr lang="en-US" sz="2200" dirty="0" smtClean="0">
+                <a:latin typeface="Times New Roman" pitchFamily="18" charset="0"/>
+                <a:cs typeface="Times New Roman" pitchFamily="18" charset="0"/>
+              </a:rPr>
+              <a:t> </a:t>
+            </a:r>
+            <a:r>
+              <a:rPr lang="en-US" sz="2200" b="1" dirty="0" err="1" smtClean="0">
+                <a:latin typeface="Times New Roman" pitchFamily="18" charset="0"/>
+                <a:cs typeface="Times New Roman" pitchFamily="18" charset="0"/>
+              </a:rPr>
+              <a:t>threadEntryPoints</a:t>
+            </a:r>
+            <a:r>
+              <a:rPr lang="en-US" sz="2200" dirty="0" smtClean="0">
+                <a:latin typeface="Times New Roman" pitchFamily="18" charset="0"/>
+                <a:cs typeface="Times New Roman" pitchFamily="18" charset="0"/>
+              </a:rPr>
+              <a:t> </a:t>
+            </a:r>
+            <a:r>
+              <a:rPr lang="en-US" sz="2200" u="sng" dirty="0" smtClean="0">
+                <a:latin typeface="Times New Roman" pitchFamily="18" charset="0"/>
+                <a:cs typeface="Times New Roman" pitchFamily="18" charset="0"/>
+              </a:rPr>
+              <a:t>do</a:t>
+            </a:r>
+          </a:p>
+          <a:p>
+            <a:pPr lvl="3">
+              <a:buNone/>
+            </a:pPr>
+            <a:r>
+              <a:rPr lang="en-US" sz="2200" dirty="0" smtClean="0">
+                <a:latin typeface="Times New Roman" pitchFamily="18" charset="0"/>
+                <a:cs typeface="Times New Roman" pitchFamily="18" charset="0"/>
+              </a:rPr>
+              <a:t>    </a:t>
+            </a:r>
+            <a:r>
+              <a:rPr lang="en-US" sz="2200" u="sng" dirty="0" err="1" smtClean="0">
+                <a:latin typeface="Times New Roman" pitchFamily="18" charset="0"/>
+                <a:cs typeface="Times New Roman" pitchFamily="18" charset="0"/>
+              </a:rPr>
+              <a:t>foreach</a:t>
+            </a:r>
+            <a:r>
+              <a:rPr lang="en-US" sz="2200" dirty="0" smtClean="0">
+                <a:latin typeface="Times New Roman" pitchFamily="18" charset="0"/>
+                <a:cs typeface="Times New Roman" pitchFamily="18" charset="0"/>
+              </a:rPr>
+              <a:t> (o, L, k) </a:t>
+            </a:r>
+            <a:r>
+              <a:rPr lang="en-US" sz="2200" u="sng" dirty="0" smtClean="0">
+                <a:latin typeface="Times New Roman" pitchFamily="18" charset="0"/>
+                <a:cs typeface="Times New Roman" pitchFamily="18" charset="0"/>
+              </a:rPr>
+              <a:t>in</a:t>
+            </a:r>
+            <a:r>
+              <a:rPr lang="en-US" sz="2200" dirty="0" smtClean="0">
+                <a:latin typeface="Times New Roman" pitchFamily="18" charset="0"/>
+                <a:cs typeface="Times New Roman" pitchFamily="18" charset="0"/>
+              </a:rPr>
+              <a:t> </a:t>
+            </a:r>
+            <a:r>
+              <a:rPr lang="en-US" sz="2200" b="1" dirty="0" err="1" smtClean="0">
+                <a:latin typeface="Times New Roman" pitchFamily="18" charset="0"/>
+                <a:cs typeface="Times New Roman" pitchFamily="18" charset="0"/>
+              </a:rPr>
+              <a:t>accessSummary</a:t>
+            </a:r>
+            <a:r>
+              <a:rPr lang="en-US" sz="2200" dirty="0" smtClean="0">
+                <a:latin typeface="Times New Roman" pitchFamily="18" charset="0"/>
+                <a:cs typeface="Times New Roman" pitchFamily="18" charset="0"/>
+              </a:rPr>
+              <a:t>(f) </a:t>
+            </a:r>
+            <a:r>
+              <a:rPr lang="en-US" sz="2200" u="sng" dirty="0" smtClean="0">
+                <a:latin typeface="Times New Roman" pitchFamily="18" charset="0"/>
+                <a:cs typeface="Times New Roman" pitchFamily="18" charset="0"/>
+              </a:rPr>
+              <a:t>do</a:t>
+            </a:r>
+          </a:p>
+          <a:p>
+            <a:pPr lvl="3">
+              <a:buNone/>
+            </a:pPr>
+            <a:r>
+              <a:rPr lang="en-US" sz="2200" dirty="0" smtClean="0">
+                <a:latin typeface="Times New Roman" pitchFamily="18" charset="0"/>
+                <a:cs typeface="Times New Roman" pitchFamily="18" charset="0"/>
+              </a:rPr>
+              <a:t>        </a:t>
+            </a:r>
+            <a:r>
+              <a:rPr lang="en-US" sz="2200" u="sng" dirty="0" err="1" smtClean="0">
+                <a:latin typeface="Times New Roman" pitchFamily="18" charset="0"/>
+                <a:cs typeface="Times New Roman" pitchFamily="18" charset="0"/>
+              </a:rPr>
+              <a:t>foreach</a:t>
+            </a:r>
+            <a:r>
+              <a:rPr lang="en-US" sz="2200" dirty="0" smtClean="0">
+                <a:latin typeface="Times New Roman" pitchFamily="18" charset="0"/>
+                <a:cs typeface="Times New Roman" pitchFamily="18" charset="0"/>
+              </a:rPr>
+              <a:t> (o’, L’, k’) </a:t>
+            </a:r>
+            <a:r>
+              <a:rPr lang="en-US" sz="2200" u="sng" dirty="0" smtClean="0">
+                <a:latin typeface="Times New Roman" pitchFamily="18" charset="0"/>
+                <a:cs typeface="Times New Roman" pitchFamily="18" charset="0"/>
+              </a:rPr>
+              <a:t>in</a:t>
+            </a:r>
+            <a:r>
+              <a:rPr lang="en-US" sz="2200" dirty="0" smtClean="0">
+                <a:latin typeface="Times New Roman" pitchFamily="18" charset="0"/>
+                <a:cs typeface="Times New Roman" pitchFamily="18" charset="0"/>
+              </a:rPr>
+              <a:t> </a:t>
+            </a:r>
+            <a:r>
+              <a:rPr lang="en-US" sz="2200" b="1" dirty="0" err="1" smtClean="0">
+                <a:latin typeface="Times New Roman" pitchFamily="18" charset="0"/>
+                <a:cs typeface="Times New Roman" pitchFamily="18" charset="0"/>
+              </a:rPr>
+              <a:t>accessSummary</a:t>
+            </a:r>
+            <a:r>
+              <a:rPr lang="en-US" sz="2200" dirty="0" smtClean="0">
+                <a:latin typeface="Times New Roman" pitchFamily="18" charset="0"/>
+                <a:cs typeface="Times New Roman" pitchFamily="18" charset="0"/>
+              </a:rPr>
+              <a:t>(f’) </a:t>
+            </a:r>
+            <a:r>
+              <a:rPr lang="en-US" sz="2200" u="sng" dirty="0" smtClean="0">
+                <a:latin typeface="Times New Roman" pitchFamily="18" charset="0"/>
+                <a:cs typeface="Times New Roman" pitchFamily="18" charset="0"/>
+              </a:rPr>
+              <a:t>do</a:t>
+            </a:r>
+          </a:p>
+          <a:p>
+            <a:pPr lvl="3">
+              <a:buNone/>
+            </a:pPr>
+            <a:r>
+              <a:rPr lang="en-US" sz="2200" dirty="0" smtClean="0">
+                <a:latin typeface="Times New Roman" pitchFamily="18" charset="0"/>
+                <a:cs typeface="Times New Roman" pitchFamily="18" charset="0"/>
+              </a:rPr>
+              <a:t>            (L</a:t>
+            </a:r>
+            <a:r>
+              <a:rPr lang="en-US" sz="2200" baseline="-25000" dirty="0" smtClean="0">
+                <a:latin typeface="Times New Roman" pitchFamily="18" charset="0"/>
+                <a:cs typeface="Times New Roman" pitchFamily="18" charset="0"/>
+              </a:rPr>
+              <a:t>+</a:t>
+            </a:r>
+            <a:r>
+              <a:rPr lang="en-US" sz="2200" dirty="0" smtClean="0">
+                <a:latin typeface="Times New Roman" pitchFamily="18" charset="0"/>
+                <a:cs typeface="Times New Roman" pitchFamily="18" charset="0"/>
+              </a:rPr>
+              <a:t>, L</a:t>
+            </a:r>
+            <a:r>
+              <a:rPr lang="en-US" sz="2200" baseline="-25000" dirty="0" smtClean="0">
+                <a:latin typeface="Times New Roman" pitchFamily="18" charset="0"/>
+                <a:cs typeface="Times New Roman" pitchFamily="18" charset="0"/>
+              </a:rPr>
+              <a:t>-</a:t>
+            </a:r>
+            <a:r>
+              <a:rPr lang="en-US" sz="2200" dirty="0" smtClean="0">
+                <a:latin typeface="Times New Roman" pitchFamily="18" charset="0"/>
+                <a:cs typeface="Times New Roman" pitchFamily="18" charset="0"/>
+              </a:rPr>
+              <a:t>) = L; (L</a:t>
+            </a:r>
+            <a:r>
+              <a:rPr lang="en-US" sz="2200" baseline="-25000" dirty="0" smtClean="0">
+                <a:latin typeface="Times New Roman" pitchFamily="18" charset="0"/>
+                <a:cs typeface="Times New Roman" pitchFamily="18" charset="0"/>
+              </a:rPr>
+              <a:t>+</a:t>
+            </a:r>
+            <a:r>
+              <a:rPr lang="en-US" sz="2200" dirty="0" smtClean="0">
+                <a:latin typeface="Times New Roman" pitchFamily="18" charset="0"/>
+                <a:cs typeface="Times New Roman" pitchFamily="18" charset="0"/>
+              </a:rPr>
+              <a:t>’, L</a:t>
+            </a:r>
+            <a:r>
+              <a:rPr lang="en-US" sz="2200" baseline="-25000" dirty="0" smtClean="0">
+                <a:latin typeface="Times New Roman" pitchFamily="18" charset="0"/>
+                <a:cs typeface="Times New Roman" pitchFamily="18" charset="0"/>
+              </a:rPr>
+              <a:t>-</a:t>
+            </a:r>
+            <a:r>
+              <a:rPr lang="en-US" sz="2200" dirty="0" smtClean="0">
+                <a:latin typeface="Times New Roman" pitchFamily="18" charset="0"/>
+                <a:cs typeface="Times New Roman" pitchFamily="18" charset="0"/>
+              </a:rPr>
+              <a:t>’) = L’</a:t>
+            </a:r>
+          </a:p>
+          <a:p>
+            <a:pPr lvl="3">
+              <a:buNone/>
+            </a:pPr>
+            <a:r>
+              <a:rPr lang="en-US" sz="2200" dirty="0" smtClean="0">
+                <a:latin typeface="Times New Roman" pitchFamily="18" charset="0"/>
+                <a:cs typeface="Times New Roman" pitchFamily="18" charset="0"/>
+              </a:rPr>
+              <a:t>            </a:t>
+            </a:r>
+            <a:r>
+              <a:rPr lang="en-US" sz="2200" u="sng" dirty="0" smtClean="0">
+                <a:latin typeface="Times New Roman" pitchFamily="18" charset="0"/>
+                <a:cs typeface="Times New Roman" pitchFamily="18" charset="0"/>
+              </a:rPr>
+              <a:t>if</a:t>
+            </a:r>
+            <a:r>
+              <a:rPr lang="en-US" sz="2200" dirty="0" smtClean="0">
+                <a:latin typeface="Times New Roman" pitchFamily="18" charset="0"/>
+                <a:cs typeface="Times New Roman" pitchFamily="18" charset="0"/>
+              </a:rPr>
+              <a:t> </a:t>
+            </a:r>
+            <a:r>
+              <a:rPr lang="en-US" sz="2200" b="1" dirty="0" err="1" smtClean="0">
+                <a:latin typeface="Times New Roman" pitchFamily="18" charset="0"/>
+                <a:cs typeface="Times New Roman" pitchFamily="18" charset="0"/>
+              </a:rPr>
+              <a:t>mayEqual</a:t>
+            </a:r>
+            <a:r>
+              <a:rPr lang="en-US" sz="2200" dirty="0" smtClean="0">
+                <a:latin typeface="Times New Roman" pitchFamily="18" charset="0"/>
+                <a:cs typeface="Times New Roman" pitchFamily="18" charset="0"/>
+              </a:rPr>
+              <a:t>(o, o’) and (intersect(L</a:t>
+            </a:r>
+            <a:r>
+              <a:rPr lang="en-US" sz="2200" baseline="-25000" dirty="0" smtClean="0">
+                <a:latin typeface="Times New Roman" pitchFamily="18" charset="0"/>
+                <a:cs typeface="Times New Roman" pitchFamily="18" charset="0"/>
+              </a:rPr>
+              <a:t>+</a:t>
+            </a:r>
+            <a:r>
+              <a:rPr lang="en-US" sz="2200" dirty="0" smtClean="0">
+                <a:latin typeface="Times New Roman" pitchFamily="18" charset="0"/>
+                <a:cs typeface="Times New Roman" pitchFamily="18" charset="0"/>
+              </a:rPr>
+              <a:t>, L</a:t>
+            </a:r>
+            <a:r>
+              <a:rPr lang="en-US" sz="2200" baseline="-25000" dirty="0" smtClean="0">
+                <a:latin typeface="Times New Roman" pitchFamily="18" charset="0"/>
+                <a:cs typeface="Times New Roman" pitchFamily="18" charset="0"/>
+              </a:rPr>
+              <a:t>+</a:t>
+            </a:r>
+            <a:r>
+              <a:rPr lang="en-US" sz="2200" dirty="0" smtClean="0">
+                <a:latin typeface="Times New Roman" pitchFamily="18" charset="0"/>
+                <a:cs typeface="Times New Roman" pitchFamily="18" charset="0"/>
+              </a:rPr>
+              <a:t>’) is empty)</a:t>
+            </a:r>
+          </a:p>
+          <a:p>
+            <a:pPr lvl="3">
+              <a:buNone/>
+            </a:pPr>
+            <a:r>
+              <a:rPr lang="en-US" sz="2200" dirty="0" smtClean="0">
+                <a:latin typeface="Times New Roman" pitchFamily="18" charset="0"/>
+                <a:cs typeface="Times New Roman" pitchFamily="18" charset="0"/>
+              </a:rPr>
+              <a:t>                    and (k == “write” or k’==“write”) </a:t>
+            </a:r>
+            <a:r>
+              <a:rPr lang="en-US" sz="2200" u="sng" dirty="0" smtClean="0">
+                <a:latin typeface="Times New Roman" pitchFamily="18" charset="0"/>
+                <a:cs typeface="Times New Roman" pitchFamily="18" charset="0"/>
+              </a:rPr>
+              <a:t>then</a:t>
+            </a:r>
+          </a:p>
+          <a:p>
+            <a:pPr lvl="3">
+              <a:buNone/>
+            </a:pPr>
+            <a:r>
+              <a:rPr lang="en-US" sz="2200" dirty="0" smtClean="0">
+                <a:latin typeface="Times New Roman" pitchFamily="18" charset="0"/>
+                <a:cs typeface="Times New Roman" pitchFamily="18" charset="0"/>
+              </a:rPr>
+              <a:t>                </a:t>
+            </a:r>
+            <a:r>
+              <a:rPr lang="en-US" sz="2200" b="1" dirty="0" err="1" smtClean="0">
+                <a:latin typeface="Times New Roman" pitchFamily="18" charset="0"/>
+                <a:cs typeface="Times New Roman" pitchFamily="18" charset="0"/>
+              </a:rPr>
+              <a:t>generateWarning</a:t>
+            </a:r>
+            <a:r>
+              <a:rPr lang="en-US" sz="2200" dirty="0" smtClean="0">
+                <a:latin typeface="Times New Roman" pitchFamily="18" charset="0"/>
+                <a:cs typeface="Times New Roman" pitchFamily="18" charset="0"/>
+              </a:rPr>
+              <a:t>(o, o’)</a:t>
+            </a:r>
+          </a:p>
+          <a:p>
+            <a:pPr>
+              <a:buNone/>
+            </a:pPr>
+            <a:endParaRPr lang="en-US" sz="2400" dirty="0" smtClean="0">
+              <a:latin typeface="Times New Roman" pitchFamily="18" charset="0"/>
+              <a:cs typeface="Times New Roman" pitchFamily="18" charset="0"/>
+            </a:endParaRPr>
+          </a:p>
+          <a:p>
+            <a:pPr>
+              <a:buNone/>
+            </a:pPr>
+            <a:r>
+              <a:rPr lang="en-US" sz="2400" b="1" dirty="0" err="1" smtClean="0">
+                <a:latin typeface="Times New Roman" pitchFamily="18" charset="0"/>
+                <a:cs typeface="Times New Roman" pitchFamily="18" charset="0"/>
+              </a:rPr>
+              <a:t>mayEqual</a:t>
+            </a:r>
+            <a:r>
+              <a:rPr lang="en-US" sz="2400" b="1" dirty="0" smtClean="0">
+                <a:latin typeface="Times New Roman" pitchFamily="18" charset="0"/>
+                <a:cs typeface="Times New Roman" pitchFamily="18" charset="0"/>
+              </a:rPr>
+              <a:t>(o, o’) </a:t>
+            </a:r>
+            <a:r>
+              <a:rPr lang="en-US" sz="2400" dirty="0" smtClean="0">
+                <a:latin typeface="Times New Roman" pitchFamily="18" charset="0"/>
+                <a:cs typeface="Times New Roman" pitchFamily="18" charset="0"/>
+              </a:rPr>
+              <a:t>– </a:t>
+            </a:r>
+            <a:r>
+              <a:rPr lang="ru-RU" sz="2400" dirty="0" smtClean="0">
+                <a:latin typeface="Times New Roman" pitchFamily="18" charset="0"/>
+                <a:cs typeface="Times New Roman" pitchFamily="18" charset="0"/>
+              </a:rPr>
+              <a:t>проверяет </a:t>
+            </a:r>
+            <a:r>
+              <a:rPr lang="en-US" sz="2400" dirty="0" smtClean="0">
+                <a:latin typeface="Times New Roman" pitchFamily="18" charset="0"/>
+                <a:cs typeface="Times New Roman" pitchFamily="18" charset="0"/>
+              </a:rPr>
+              <a:t>o </a:t>
+            </a:r>
+            <a:r>
+              <a:rPr lang="ru-RU" sz="2400" dirty="0" smtClean="0">
+                <a:latin typeface="Times New Roman" pitchFamily="18" charset="0"/>
+                <a:cs typeface="Times New Roman" pitchFamily="18" charset="0"/>
+              </a:rPr>
+              <a:t>и </a:t>
+            </a:r>
+            <a:r>
+              <a:rPr lang="en-US" sz="2400" dirty="0" smtClean="0">
+                <a:latin typeface="Times New Roman" pitchFamily="18" charset="0"/>
+                <a:cs typeface="Times New Roman" pitchFamily="18" charset="0"/>
+              </a:rPr>
+              <a:t>o’ </a:t>
+            </a:r>
+            <a:r>
+              <a:rPr lang="ru-RU" sz="2400" dirty="0" smtClean="0">
+                <a:latin typeface="Times New Roman" pitchFamily="18" charset="0"/>
+                <a:cs typeface="Times New Roman" pitchFamily="18" charset="0"/>
+              </a:rPr>
+              <a:t>ссылаются на одну и ту же область памяти или нет</a:t>
+            </a:r>
+          </a:p>
+          <a:p>
+            <a:pPr>
+              <a:buNone/>
+            </a:pPr>
+            <a:r>
+              <a:rPr lang="en-US" sz="2400" b="1" dirty="0" err="1" smtClean="0">
+                <a:latin typeface="Times New Roman" pitchFamily="18" charset="0"/>
+                <a:cs typeface="Times New Roman" pitchFamily="18" charset="0"/>
+              </a:rPr>
+              <a:t>threadEntryPoints</a:t>
+            </a:r>
+            <a:r>
+              <a:rPr lang="en-US" sz="2400" dirty="0" smtClean="0">
+                <a:latin typeface="Times New Roman" pitchFamily="18" charset="0"/>
+                <a:cs typeface="Times New Roman" pitchFamily="18" charset="0"/>
+              </a:rPr>
+              <a:t> – </a:t>
+            </a:r>
+            <a:r>
+              <a:rPr lang="ru-RU" sz="2400" dirty="0" smtClean="0">
+                <a:latin typeface="Times New Roman" pitchFamily="18" charset="0"/>
+                <a:cs typeface="Times New Roman" pitchFamily="18" charset="0"/>
+              </a:rPr>
+              <a:t>все точки входа в потоки</a:t>
+            </a:r>
+          </a:p>
+          <a:p>
+            <a:pPr>
+              <a:buNone/>
+            </a:pPr>
+            <a:r>
+              <a:rPr lang="en-US" sz="2400" b="1" dirty="0" err="1" smtClean="0">
+                <a:latin typeface="Times New Roman" pitchFamily="18" charset="0"/>
+                <a:cs typeface="Times New Roman" pitchFamily="18" charset="0"/>
+              </a:rPr>
+              <a:t>accessSummary</a:t>
+            </a:r>
+            <a:r>
+              <a:rPr lang="en-US" sz="2400" b="1" dirty="0" smtClean="0">
+                <a:latin typeface="Times New Roman" pitchFamily="18" charset="0"/>
+                <a:cs typeface="Times New Roman" pitchFamily="18" charset="0"/>
+              </a:rPr>
+              <a:t>(f) </a:t>
+            </a:r>
+            <a:r>
+              <a:rPr lang="en-US" sz="2400" dirty="0" smtClean="0">
+                <a:latin typeface="Times New Roman" pitchFamily="18" charset="0"/>
+                <a:cs typeface="Times New Roman" pitchFamily="18" charset="0"/>
+              </a:rPr>
+              <a:t>– </a:t>
+            </a:r>
+            <a:r>
+              <a:rPr lang="ru-RU" sz="2400" dirty="0" smtClean="0">
+                <a:latin typeface="Times New Roman" pitchFamily="18" charset="0"/>
+                <a:cs typeface="Times New Roman" pitchFamily="18" charset="0"/>
+              </a:rPr>
+              <a:t>обобщение защищенного доступа для функции </a:t>
+            </a:r>
+            <a:r>
+              <a:rPr lang="en-US" sz="2400" dirty="0" smtClean="0">
+                <a:latin typeface="Times New Roman" pitchFamily="18" charset="0"/>
+                <a:cs typeface="Times New Roman" pitchFamily="18" charset="0"/>
+              </a:rPr>
+              <a:t>f</a:t>
+            </a:r>
+            <a:endParaRPr lang="ru-RU" sz="2400" dirty="0" smtClean="0">
+              <a:latin typeface="Times New Roman" pitchFamily="18" charset="0"/>
+              <a:cs typeface="Times New Roman" pitchFamily="18" charset="0"/>
+            </a:endParaRPr>
+          </a:p>
+          <a:p>
+            <a:pPr>
+              <a:buNone/>
+            </a:pPr>
+            <a:r>
+              <a:rPr lang="en-US" sz="2400" b="1" dirty="0" err="1" smtClean="0">
+                <a:latin typeface="Times New Roman" pitchFamily="18" charset="0"/>
+                <a:cs typeface="Times New Roman" pitchFamily="18" charset="0"/>
+              </a:rPr>
+              <a:t>generateWarning</a:t>
+            </a:r>
+            <a:r>
+              <a:rPr lang="en-US" sz="2400" b="1" dirty="0" smtClean="0">
+                <a:latin typeface="Times New Roman" pitchFamily="18" charset="0"/>
+                <a:cs typeface="Times New Roman" pitchFamily="18" charset="0"/>
+              </a:rPr>
+              <a:t>(o, o’) </a:t>
+            </a:r>
+            <a:r>
+              <a:rPr lang="en-US" sz="2400" dirty="0" smtClean="0">
+                <a:latin typeface="Times New Roman" pitchFamily="18" charset="0"/>
+                <a:cs typeface="Times New Roman" pitchFamily="18" charset="0"/>
+              </a:rPr>
+              <a:t>– </a:t>
+            </a:r>
+            <a:r>
+              <a:rPr lang="ru-RU" sz="2400" dirty="0" smtClean="0">
+                <a:latin typeface="Times New Roman" pitchFamily="18" charset="0"/>
+                <a:cs typeface="Times New Roman" pitchFamily="18" charset="0"/>
+              </a:rPr>
+              <a:t>генерация предупреждения о возможном возникновении гонок</a:t>
+            </a:r>
+            <a:endParaRPr lang="en-US" sz="2400" dirty="0" smtClean="0">
+              <a:latin typeface="Times New Roman" pitchFamily="18" charset="0"/>
+              <a:cs typeface="Times New Roman" pitchFamily="18" charset="0"/>
+            </a:endParaRPr>
           </a:p>
         </p:txBody>
       </p:sp>
@@ -13833,6 +14458,13 @@
   <p:clrMapOvr>
     <a:masterClrMapping/>
   </p:clrMapOvr>
+  <p:timing>
+    <p:tnLst>
+      <p:par>
+        <p:cTn id="1" dur="indefinite" restart="never" nodeType="tmRoot"/>
+      </p:par>
+    </p:tnLst>
+  </p:timing>
 </p:sld>
 </file>
 
@@ -13870,7 +14502,7 @@
           <a:p>
             <a:r>
               <a:rPr lang="ru-RU" dirty="0" smtClean="0"/>
-              <a:t>Результаты исследований</a:t>
+              <a:t>Структура ПО</a:t>
             </a:r>
             <a:endParaRPr lang="ru-RU" dirty="0"/>
           </a:p>
@@ -13891,11 +14523,7 @@
           <a:bodyPr/>
           <a:lstStyle/>
           <a:p>
-            <a:r>
-              <a:rPr lang="ru-RU" dirty="0" smtClean="0"/>
-              <a:t>Надо каким-то образом показать вклад каждого из этапов на итоговый результат…</a:t>
-            </a:r>
-            <a:endParaRPr lang="ru-RU" dirty="0"/>
+            <a:endParaRPr lang="ru-RU"/>
           </a:p>
         </p:txBody>
       </p:sp>
@@ -13918,6 +14546,101 @@
               <a:rPr lang="ru-RU" smtClean="0"/>
               <a:pPr/>
               <a:t>18</a:t>
+            </a:fld>
+            <a:endParaRPr lang="ru-RU"/>
+          </a:p>
+        </p:txBody>
+      </p:sp>
+    </p:spTree>
+  </p:cSld>
+  <p:clrMapOvr>
+    <a:masterClrMapping/>
+  </p:clrMapOvr>
+</p:sld>
+</file>
+
+<file path=ppt/slides/slide19.xml><?xml version="1.0" encoding="utf-8"?>
+<p:sld xmlns:a="http://schemas.openxmlformats.org/drawingml/2006/main" xmlns:r="http://schemas.openxmlformats.org/officeDocument/2006/relationships" xmlns:p="http://schemas.openxmlformats.org/presentationml/2006/main">
+  <p:cSld>
+    <p:spTree>
+      <p:nvGrpSpPr>
+        <p:cNvPr id="1" name=""/>
+        <p:cNvGrpSpPr/>
+        <p:nvPr/>
+      </p:nvGrpSpPr>
+      <p:grpSpPr>
+        <a:xfrm>
+          <a:off x="0" y="0"/>
+          <a:ext cx="0" cy="0"/>
+          <a:chOff x="0" y="0"/>
+          <a:chExt cx="0" cy="0"/>
+        </a:xfrm>
+      </p:grpSpPr>
+      <p:sp>
+        <p:nvSpPr>
+          <p:cNvPr id="2" name="Заголовок 1"/>
+          <p:cNvSpPr>
+            <a:spLocks noGrp="1"/>
+          </p:cNvSpPr>
+          <p:nvPr>
+            <p:ph type="title"/>
+          </p:nvPr>
+        </p:nvSpPr>
+        <p:spPr/>
+        <p:txBody>
+          <a:bodyPr/>
+          <a:lstStyle/>
+          <a:p>
+            <a:r>
+              <a:rPr lang="ru-RU" dirty="0" smtClean="0"/>
+              <a:t>Результаты исследований</a:t>
+            </a:r>
+            <a:endParaRPr lang="ru-RU" dirty="0"/>
+          </a:p>
+        </p:txBody>
+      </p:sp>
+      <p:sp>
+        <p:nvSpPr>
+          <p:cNvPr id="3" name="Содержимое 2"/>
+          <p:cNvSpPr>
+            <a:spLocks noGrp="1"/>
+          </p:cNvSpPr>
+          <p:nvPr>
+            <p:ph idx="1"/>
+          </p:nvPr>
+        </p:nvSpPr>
+        <p:spPr/>
+        <p:txBody>
+          <a:bodyPr/>
+          <a:lstStyle/>
+          <a:p>
+            <a:r>
+              <a:rPr lang="ru-RU" dirty="0" smtClean="0"/>
+              <a:t>Надо каким-то образом показать вклад каждого из этапов на итоговый результат…</a:t>
+            </a:r>
+            <a:endParaRPr lang="ru-RU" dirty="0"/>
+          </a:p>
+        </p:txBody>
+      </p:sp>
+      <p:sp>
+        <p:nvSpPr>
+          <p:cNvPr id="4" name="Номер слайда 3"/>
+          <p:cNvSpPr>
+            <a:spLocks noGrp="1"/>
+          </p:cNvSpPr>
+          <p:nvPr>
+            <p:ph type="sldNum" sz="quarter" idx="12"/>
+          </p:nvPr>
+        </p:nvSpPr>
+        <p:spPr/>
+        <p:txBody>
+          <a:bodyPr/>
+          <a:lstStyle/>
+          <a:p>
+            <a:fld id="{6ACCCD26-A6AD-4D04-8A48-0C02F87992A0}" type="slidenum">
+              <a:rPr lang="ru-RU" smtClean="0"/>
+              <a:pPr/>
+              <a:t>19</a:t>
             </a:fld>
             <a:endParaRPr lang="ru-RU"/>
           </a:p>

--- a/presentations/diplom/static race detection.pptx
+++ b/presentations/diplom/static race detection.pptx
@@ -5,7 +5,7 @@
     <p:sldMasterId id="2147483648" r:id="rId1"/>
   </p:sldMasterIdLst>
   <p:notesMasterIdLst>
-    <p:notesMasterId r:id="rId21"/>
+    <p:notesMasterId r:id="rId23"/>
   </p:notesMasterIdLst>
   <p:sldIdLst>
     <p:sldId id="256" r:id="rId2"/>
@@ -22,11 +22,13 @@
     <p:sldId id="278" r:id="rId13"/>
     <p:sldId id="281" r:id="rId14"/>
     <p:sldId id="279" r:id="rId15"/>
-    <p:sldId id="262" r:id="rId16"/>
-    <p:sldId id="263" r:id="rId17"/>
-    <p:sldId id="266" r:id="rId18"/>
-    <p:sldId id="274" r:id="rId19"/>
-    <p:sldId id="271" r:id="rId20"/>
+    <p:sldId id="283" r:id="rId16"/>
+    <p:sldId id="262" r:id="rId17"/>
+    <p:sldId id="263" r:id="rId18"/>
+    <p:sldId id="284" r:id="rId19"/>
+    <p:sldId id="266" r:id="rId20"/>
+    <p:sldId id="274" r:id="rId21"/>
+    <p:sldId id="271" r:id="rId22"/>
   </p:sldIdLst>
   <p:sldSz cx="9144000" cy="6858000" type="screen4x3"/>
   <p:notesSz cx="6858000" cy="9144000"/>
@@ -7550,7 +7552,7 @@
         <p:spPr>
           <a:xfrm>
             <a:off x="683568" y="4149080"/>
-            <a:ext cx="7864158" cy="2308324"/>
+            <a:ext cx="7864158" cy="2031325"/>
           </a:xfrm>
           <a:prstGeom prst="rect">
             <a:avLst/>
@@ -7614,9 +7616,6 @@
               <a:rPr lang="ru-RU" dirty="0" smtClean="0"/>
               <a:t>ложно</a:t>
             </a:r>
-            <a:endParaRPr lang="ru-RU" dirty="0" smtClean="0"/>
-          </a:p>
-          <a:p>
             <a:endParaRPr lang="ru-RU" dirty="0"/>
           </a:p>
         </p:txBody>
@@ -11588,6 +11587,99 @@
 </file>
 
 <file path=ppt/slides/slide15.xml><?xml version="1.0" encoding="utf-8"?>
+<p:sld xmlns:a="http://schemas.openxmlformats.org/drawingml/2006/main" xmlns:r="http://schemas.openxmlformats.org/officeDocument/2006/relationships" xmlns:p="http://schemas.openxmlformats.org/presentationml/2006/main">
+  <p:cSld>
+    <p:spTree>
+      <p:nvGrpSpPr>
+        <p:cNvPr id="1" name=""/>
+        <p:cNvGrpSpPr/>
+        <p:nvPr/>
+      </p:nvGrpSpPr>
+      <p:grpSpPr>
+        <a:xfrm>
+          <a:off x="0" y="0"/>
+          <a:ext cx="0" cy="0"/>
+          <a:chOff x="0" y="0"/>
+          <a:chExt cx="0" cy="0"/>
+        </a:xfrm>
+      </p:grpSpPr>
+      <p:sp>
+        <p:nvSpPr>
+          <p:cNvPr id="2" name="Заголовок 1"/>
+          <p:cNvSpPr>
+            <a:spLocks noGrp="1"/>
+          </p:cNvSpPr>
+          <p:nvPr>
+            <p:ph type="title"/>
+          </p:nvPr>
+        </p:nvSpPr>
+        <p:spPr/>
+        <p:txBody>
+          <a:bodyPr>
+            <a:normAutofit fontScale="90000"/>
+          </a:bodyPr>
+          <a:lstStyle/>
+          <a:p>
+            <a:r>
+              <a:rPr lang="ru-RU" dirty="0" smtClean="0"/>
+              <a:t>Формирование таблиц защищённого доступа</a:t>
+            </a:r>
+            <a:endParaRPr lang="ru-RU" dirty="0"/>
+          </a:p>
+        </p:txBody>
+      </p:sp>
+      <p:sp>
+        <p:nvSpPr>
+          <p:cNvPr id="3" name="Содержимое 2"/>
+          <p:cNvSpPr>
+            <a:spLocks noGrp="1"/>
+          </p:cNvSpPr>
+          <p:nvPr>
+            <p:ph idx="1"/>
+          </p:nvPr>
+        </p:nvSpPr>
+        <p:spPr/>
+        <p:txBody>
+          <a:bodyPr/>
+          <a:lstStyle/>
+          <a:p>
+            <a:endParaRPr lang="ru-RU"/>
+          </a:p>
+        </p:txBody>
+      </p:sp>
+      <p:sp>
+        <p:nvSpPr>
+          <p:cNvPr id="4" name="Номер слайда 3"/>
+          <p:cNvSpPr>
+            <a:spLocks noGrp="1"/>
+          </p:cNvSpPr>
+          <p:nvPr>
+            <p:ph type="sldNum" sz="quarter" idx="12"/>
+          </p:nvPr>
+        </p:nvSpPr>
+        <p:spPr/>
+        <p:txBody>
+          <a:bodyPr/>
+          <a:lstStyle/>
+          <a:p>
+            <a:fld id="{6ACCCD26-A6AD-4D04-8A48-0C02F87992A0}" type="slidenum">
+              <a:rPr lang="ru-RU" smtClean="0"/>
+              <a:pPr/>
+              <a:t>15</a:t>
+            </a:fld>
+            <a:endParaRPr lang="ru-RU"/>
+          </a:p>
+        </p:txBody>
+      </p:sp>
+    </p:spTree>
+  </p:cSld>
+  <p:clrMapOvr>
+    <a:masterClrMapping/>
+  </p:clrMapOvr>
+</p:sld>
+</file>
+
+<file path=ppt/slides/slide16.xml><?xml version="1.0" encoding="utf-8"?>
 <p:sld xmlns:a="http://schemas.openxmlformats.org/drawingml/2006/main" xmlns:r="http://schemas.openxmlformats.org/officeDocument/2006/relationships" xmlns:p="http://schemas.openxmlformats.org/presentationml/2006/main">
   <p:cSld>
     <p:spTree>
@@ -12922,7 +13014,7 @@
             <a:fld id="{6ACCCD26-A6AD-4D04-8A48-0C02F87992A0}" type="slidenum">
               <a:rPr lang="ru-RU" smtClean="0"/>
               <a:pPr/>
-              <a:t>15</a:t>
+              <a:t>16</a:t>
             </a:fld>
             <a:endParaRPr lang="ru-RU"/>
           </a:p>
@@ -12943,7 +13035,7 @@
 </p:sld>
 </file>
 
-<file path=ppt/slides/slide16.xml><?xml version="1.0" encoding="utf-8"?>
+<file path=ppt/slides/slide17.xml><?xml version="1.0" encoding="utf-8"?>
 <p:sld xmlns:a="http://schemas.openxmlformats.org/drawingml/2006/main" xmlns:r="http://schemas.openxmlformats.org/officeDocument/2006/relationships" xmlns:p="http://schemas.openxmlformats.org/presentationml/2006/main">
   <p:cSld>
     <p:spTree>
@@ -13816,7 +13908,7 @@
             <a:fld id="{6ACCCD26-A6AD-4D04-8A48-0C02F87992A0}" type="slidenum">
               <a:rPr lang="ru-RU" smtClean="0"/>
               <a:pPr/>
-              <a:t>16</a:t>
+              <a:t>17</a:t>
             </a:fld>
             <a:endParaRPr lang="ru-RU"/>
           </a:p>
@@ -13827,644 +13919,6 @@
   <p:clrMapOvr>
     <a:masterClrMapping/>
   </p:clrMapOvr>
-</p:sld>
-</file>
-
-<file path=ppt/slides/slide17.xml><?xml version="1.0" encoding="utf-8"?>
-<p:sld xmlns:a="http://schemas.openxmlformats.org/drawingml/2006/main" xmlns:r="http://schemas.openxmlformats.org/officeDocument/2006/relationships" xmlns:p="http://schemas.openxmlformats.org/presentationml/2006/main">
-  <p:cSld>
-    <p:spTree>
-      <p:nvGrpSpPr>
-        <p:cNvPr id="1" name=""/>
-        <p:cNvGrpSpPr/>
-        <p:nvPr/>
-      </p:nvGrpSpPr>
-      <p:grpSpPr>
-        <a:xfrm>
-          <a:off x="0" y="0"/>
-          <a:ext cx="0" cy="0"/>
-          <a:chOff x="0" y="0"/>
-          <a:chExt cx="0" cy="0"/>
-        </a:xfrm>
-      </p:grpSpPr>
-      <p:sp>
-        <p:nvSpPr>
-          <p:cNvPr id="2" name="Заголовок 1"/>
-          <p:cNvSpPr>
-            <a:spLocks noGrp="1"/>
-          </p:cNvSpPr>
-          <p:nvPr>
-            <p:ph type="title"/>
-          </p:nvPr>
-        </p:nvSpPr>
-        <p:spPr/>
-        <p:txBody>
-          <a:bodyPr/>
-          <a:lstStyle/>
-          <a:p>
-            <a:r>
-              <a:rPr lang="ru-RU" dirty="0" smtClean="0"/>
-              <a:t>Генерация предупреждений</a:t>
-            </a:r>
-            <a:endParaRPr lang="ru-RU" dirty="0"/>
-          </a:p>
-        </p:txBody>
-      </p:sp>
-      <p:sp>
-        <p:nvSpPr>
-          <p:cNvPr id="3" name="Содержимое 2"/>
-          <p:cNvSpPr>
-            <a:spLocks noGrp="1"/>
-          </p:cNvSpPr>
-          <p:nvPr>
-            <p:ph idx="1"/>
-          </p:nvPr>
-        </p:nvSpPr>
-        <p:spPr/>
-        <p:txBody>
-          <a:bodyPr>
-            <a:normAutofit fontScale="85000" lnSpcReduction="10000"/>
-          </a:bodyPr>
-          <a:lstStyle/>
-          <a:p>
-            <a:pPr lvl="3">
-              <a:buNone/>
-            </a:pPr>
-            <a:r>
-              <a:rPr lang="en-US" sz="2200" u="sng" dirty="0" err="1" smtClean="0">
-                <a:latin typeface="Times New Roman" pitchFamily="18" charset="0"/>
-                <a:cs typeface="Times New Roman" pitchFamily="18" charset="0"/>
-              </a:rPr>
-              <a:t>foreach</a:t>
-            </a:r>
-            <a:r>
-              <a:rPr lang="en-US" sz="2200" u="sng" dirty="0" smtClean="0">
-                <a:latin typeface="Times New Roman" pitchFamily="18" charset="0"/>
-                <a:cs typeface="Times New Roman" pitchFamily="18" charset="0"/>
-              </a:rPr>
-              <a:t> </a:t>
-            </a:r>
-            <a:r>
-              <a:rPr lang="en-US" sz="2200" dirty="0" smtClean="0">
-                <a:latin typeface="Times New Roman" pitchFamily="18" charset="0"/>
-                <a:cs typeface="Times New Roman" pitchFamily="18" charset="0"/>
-              </a:rPr>
-              <a:t>(f, f’) </a:t>
-            </a:r>
-            <a:r>
-              <a:rPr lang="en-US" sz="2200" u="sng" dirty="0" smtClean="0">
-                <a:latin typeface="Times New Roman" pitchFamily="18" charset="0"/>
-                <a:cs typeface="Times New Roman" pitchFamily="18" charset="0"/>
-              </a:rPr>
-              <a:t>in</a:t>
-            </a:r>
-            <a:r>
-              <a:rPr lang="en-US" sz="2200" dirty="0" smtClean="0">
-                <a:latin typeface="Times New Roman" pitchFamily="18" charset="0"/>
-                <a:cs typeface="Times New Roman" pitchFamily="18" charset="0"/>
-              </a:rPr>
-              <a:t> </a:t>
-            </a:r>
-            <a:r>
-              <a:rPr lang="en-US" sz="2200" b="1" dirty="0" err="1" smtClean="0">
-                <a:latin typeface="Times New Roman" pitchFamily="18" charset="0"/>
-                <a:cs typeface="Times New Roman" pitchFamily="18" charset="0"/>
-              </a:rPr>
-              <a:t>threadEntryPoints</a:t>
-            </a:r>
-            <a:r>
-              <a:rPr lang="en-US" sz="2200" dirty="0" smtClean="0">
-                <a:latin typeface="Times New Roman" pitchFamily="18" charset="0"/>
-                <a:cs typeface="Times New Roman" pitchFamily="18" charset="0"/>
-              </a:rPr>
-              <a:t> </a:t>
-            </a:r>
-            <a:r>
-              <a:rPr lang="en-US" sz="2200" u="sng" dirty="0" smtClean="0">
-                <a:latin typeface="Times New Roman" pitchFamily="18" charset="0"/>
-                <a:cs typeface="Times New Roman" pitchFamily="18" charset="0"/>
-              </a:rPr>
-              <a:t>do</a:t>
-            </a:r>
-          </a:p>
-          <a:p>
-            <a:pPr lvl="3">
-              <a:buNone/>
-            </a:pPr>
-            <a:r>
-              <a:rPr lang="en-US" sz="2200" dirty="0" smtClean="0">
-                <a:latin typeface="Times New Roman" pitchFamily="18" charset="0"/>
-                <a:cs typeface="Times New Roman" pitchFamily="18" charset="0"/>
-              </a:rPr>
-              <a:t>    </a:t>
-            </a:r>
-            <a:r>
-              <a:rPr lang="en-US" sz="2200" u="sng" dirty="0" err="1" smtClean="0">
-                <a:latin typeface="Times New Roman" pitchFamily="18" charset="0"/>
-                <a:cs typeface="Times New Roman" pitchFamily="18" charset="0"/>
-              </a:rPr>
-              <a:t>foreach</a:t>
-            </a:r>
-            <a:r>
-              <a:rPr lang="en-US" sz="2200" dirty="0" smtClean="0">
-                <a:latin typeface="Times New Roman" pitchFamily="18" charset="0"/>
-                <a:cs typeface="Times New Roman" pitchFamily="18" charset="0"/>
-              </a:rPr>
-              <a:t> (o, L, k) </a:t>
-            </a:r>
-            <a:r>
-              <a:rPr lang="en-US" sz="2200" u="sng" dirty="0" smtClean="0">
-                <a:latin typeface="Times New Roman" pitchFamily="18" charset="0"/>
-                <a:cs typeface="Times New Roman" pitchFamily="18" charset="0"/>
-              </a:rPr>
-              <a:t>in</a:t>
-            </a:r>
-            <a:r>
-              <a:rPr lang="en-US" sz="2200" dirty="0" smtClean="0">
-                <a:latin typeface="Times New Roman" pitchFamily="18" charset="0"/>
-                <a:cs typeface="Times New Roman" pitchFamily="18" charset="0"/>
-              </a:rPr>
-              <a:t> </a:t>
-            </a:r>
-            <a:r>
-              <a:rPr lang="en-US" sz="2200" b="1" dirty="0" err="1" smtClean="0">
-                <a:latin typeface="Times New Roman" pitchFamily="18" charset="0"/>
-                <a:cs typeface="Times New Roman" pitchFamily="18" charset="0"/>
-              </a:rPr>
-              <a:t>accessSummary</a:t>
-            </a:r>
-            <a:r>
-              <a:rPr lang="en-US" sz="2200" dirty="0" smtClean="0">
-                <a:latin typeface="Times New Roman" pitchFamily="18" charset="0"/>
-                <a:cs typeface="Times New Roman" pitchFamily="18" charset="0"/>
-              </a:rPr>
-              <a:t>(f) </a:t>
-            </a:r>
-            <a:r>
-              <a:rPr lang="en-US" sz="2200" u="sng" dirty="0" smtClean="0">
-                <a:latin typeface="Times New Roman" pitchFamily="18" charset="0"/>
-                <a:cs typeface="Times New Roman" pitchFamily="18" charset="0"/>
-              </a:rPr>
-              <a:t>do</a:t>
-            </a:r>
-          </a:p>
-          <a:p>
-            <a:pPr lvl="3">
-              <a:buNone/>
-            </a:pPr>
-            <a:r>
-              <a:rPr lang="en-US" sz="2200" dirty="0" smtClean="0">
-                <a:latin typeface="Times New Roman" pitchFamily="18" charset="0"/>
-                <a:cs typeface="Times New Roman" pitchFamily="18" charset="0"/>
-              </a:rPr>
-              <a:t>        </a:t>
-            </a:r>
-            <a:r>
-              <a:rPr lang="en-US" sz="2200" u="sng" dirty="0" err="1" smtClean="0">
-                <a:latin typeface="Times New Roman" pitchFamily="18" charset="0"/>
-                <a:cs typeface="Times New Roman" pitchFamily="18" charset="0"/>
-              </a:rPr>
-              <a:t>foreach</a:t>
-            </a:r>
-            <a:r>
-              <a:rPr lang="en-US" sz="2200" dirty="0" smtClean="0">
-                <a:latin typeface="Times New Roman" pitchFamily="18" charset="0"/>
-                <a:cs typeface="Times New Roman" pitchFamily="18" charset="0"/>
-              </a:rPr>
-              <a:t> (o’, L’, k’) </a:t>
-            </a:r>
-            <a:r>
-              <a:rPr lang="en-US" sz="2200" u="sng" dirty="0" smtClean="0">
-                <a:latin typeface="Times New Roman" pitchFamily="18" charset="0"/>
-                <a:cs typeface="Times New Roman" pitchFamily="18" charset="0"/>
-              </a:rPr>
-              <a:t>in</a:t>
-            </a:r>
-            <a:r>
-              <a:rPr lang="en-US" sz="2200" dirty="0" smtClean="0">
-                <a:latin typeface="Times New Roman" pitchFamily="18" charset="0"/>
-                <a:cs typeface="Times New Roman" pitchFamily="18" charset="0"/>
-              </a:rPr>
-              <a:t> </a:t>
-            </a:r>
-            <a:r>
-              <a:rPr lang="en-US" sz="2200" b="1" dirty="0" err="1" smtClean="0">
-                <a:latin typeface="Times New Roman" pitchFamily="18" charset="0"/>
-                <a:cs typeface="Times New Roman" pitchFamily="18" charset="0"/>
-              </a:rPr>
-              <a:t>accessSummary</a:t>
-            </a:r>
-            <a:r>
-              <a:rPr lang="en-US" sz="2200" dirty="0" smtClean="0">
-                <a:latin typeface="Times New Roman" pitchFamily="18" charset="0"/>
-                <a:cs typeface="Times New Roman" pitchFamily="18" charset="0"/>
-              </a:rPr>
-              <a:t>(f’) </a:t>
-            </a:r>
-            <a:r>
-              <a:rPr lang="en-US" sz="2200" u="sng" dirty="0" smtClean="0">
-                <a:latin typeface="Times New Roman" pitchFamily="18" charset="0"/>
-                <a:cs typeface="Times New Roman" pitchFamily="18" charset="0"/>
-              </a:rPr>
-              <a:t>do</a:t>
-            </a:r>
-          </a:p>
-          <a:p>
-            <a:pPr lvl="3">
-              <a:buNone/>
-            </a:pPr>
-            <a:r>
-              <a:rPr lang="en-US" sz="2200" dirty="0" smtClean="0">
-                <a:latin typeface="Times New Roman" pitchFamily="18" charset="0"/>
-                <a:cs typeface="Times New Roman" pitchFamily="18" charset="0"/>
-              </a:rPr>
-              <a:t>            (L</a:t>
-            </a:r>
-            <a:r>
-              <a:rPr lang="en-US" sz="2200" baseline="-25000" dirty="0" smtClean="0">
-                <a:latin typeface="Times New Roman" pitchFamily="18" charset="0"/>
-                <a:cs typeface="Times New Roman" pitchFamily="18" charset="0"/>
-              </a:rPr>
-              <a:t>+</a:t>
-            </a:r>
-            <a:r>
-              <a:rPr lang="en-US" sz="2200" dirty="0" smtClean="0">
-                <a:latin typeface="Times New Roman" pitchFamily="18" charset="0"/>
-                <a:cs typeface="Times New Roman" pitchFamily="18" charset="0"/>
-              </a:rPr>
-              <a:t>, L</a:t>
-            </a:r>
-            <a:r>
-              <a:rPr lang="en-US" sz="2200" baseline="-25000" dirty="0" smtClean="0">
-                <a:latin typeface="Times New Roman" pitchFamily="18" charset="0"/>
-                <a:cs typeface="Times New Roman" pitchFamily="18" charset="0"/>
-              </a:rPr>
-              <a:t>-</a:t>
-            </a:r>
-            <a:r>
-              <a:rPr lang="en-US" sz="2200" dirty="0" smtClean="0">
-                <a:latin typeface="Times New Roman" pitchFamily="18" charset="0"/>
-                <a:cs typeface="Times New Roman" pitchFamily="18" charset="0"/>
-              </a:rPr>
-              <a:t>) = L; (L</a:t>
-            </a:r>
-            <a:r>
-              <a:rPr lang="en-US" sz="2200" baseline="-25000" dirty="0" smtClean="0">
-                <a:latin typeface="Times New Roman" pitchFamily="18" charset="0"/>
-                <a:cs typeface="Times New Roman" pitchFamily="18" charset="0"/>
-              </a:rPr>
-              <a:t>+</a:t>
-            </a:r>
-            <a:r>
-              <a:rPr lang="en-US" sz="2200" dirty="0" smtClean="0">
-                <a:latin typeface="Times New Roman" pitchFamily="18" charset="0"/>
-                <a:cs typeface="Times New Roman" pitchFamily="18" charset="0"/>
-              </a:rPr>
-              <a:t>’, L</a:t>
-            </a:r>
-            <a:r>
-              <a:rPr lang="en-US" sz="2200" baseline="-25000" dirty="0" smtClean="0">
-                <a:latin typeface="Times New Roman" pitchFamily="18" charset="0"/>
-                <a:cs typeface="Times New Roman" pitchFamily="18" charset="0"/>
-              </a:rPr>
-              <a:t>-</a:t>
-            </a:r>
-            <a:r>
-              <a:rPr lang="en-US" sz="2200" dirty="0" smtClean="0">
-                <a:latin typeface="Times New Roman" pitchFamily="18" charset="0"/>
-                <a:cs typeface="Times New Roman" pitchFamily="18" charset="0"/>
-              </a:rPr>
-              <a:t>’) = L’</a:t>
-            </a:r>
-          </a:p>
-          <a:p>
-            <a:pPr lvl="3">
-              <a:buNone/>
-            </a:pPr>
-            <a:r>
-              <a:rPr lang="en-US" sz="2200" dirty="0" smtClean="0">
-                <a:latin typeface="Times New Roman" pitchFamily="18" charset="0"/>
-                <a:cs typeface="Times New Roman" pitchFamily="18" charset="0"/>
-              </a:rPr>
-              <a:t>            </a:t>
-            </a:r>
-            <a:r>
-              <a:rPr lang="en-US" sz="2200" u="sng" dirty="0" smtClean="0">
-                <a:latin typeface="Times New Roman" pitchFamily="18" charset="0"/>
-                <a:cs typeface="Times New Roman" pitchFamily="18" charset="0"/>
-              </a:rPr>
-              <a:t>if</a:t>
-            </a:r>
-            <a:r>
-              <a:rPr lang="en-US" sz="2200" dirty="0" smtClean="0">
-                <a:latin typeface="Times New Roman" pitchFamily="18" charset="0"/>
-                <a:cs typeface="Times New Roman" pitchFamily="18" charset="0"/>
-              </a:rPr>
-              <a:t> </a:t>
-            </a:r>
-            <a:r>
-              <a:rPr lang="en-US" sz="2200" b="1" dirty="0" err="1" smtClean="0">
-                <a:latin typeface="Times New Roman" pitchFamily="18" charset="0"/>
-                <a:cs typeface="Times New Roman" pitchFamily="18" charset="0"/>
-              </a:rPr>
-              <a:t>mayEqual</a:t>
-            </a:r>
-            <a:r>
-              <a:rPr lang="en-US" sz="2200" dirty="0" smtClean="0">
-                <a:latin typeface="Times New Roman" pitchFamily="18" charset="0"/>
-                <a:cs typeface="Times New Roman" pitchFamily="18" charset="0"/>
-              </a:rPr>
-              <a:t>(o, o’) and (intersect(L</a:t>
-            </a:r>
-            <a:r>
-              <a:rPr lang="en-US" sz="2200" baseline="-25000" dirty="0" smtClean="0">
-                <a:latin typeface="Times New Roman" pitchFamily="18" charset="0"/>
-                <a:cs typeface="Times New Roman" pitchFamily="18" charset="0"/>
-              </a:rPr>
-              <a:t>+</a:t>
-            </a:r>
-            <a:r>
-              <a:rPr lang="en-US" sz="2200" dirty="0" smtClean="0">
-                <a:latin typeface="Times New Roman" pitchFamily="18" charset="0"/>
-                <a:cs typeface="Times New Roman" pitchFamily="18" charset="0"/>
-              </a:rPr>
-              <a:t>, L</a:t>
-            </a:r>
-            <a:r>
-              <a:rPr lang="en-US" sz="2200" baseline="-25000" dirty="0" smtClean="0">
-                <a:latin typeface="Times New Roman" pitchFamily="18" charset="0"/>
-                <a:cs typeface="Times New Roman" pitchFamily="18" charset="0"/>
-              </a:rPr>
-              <a:t>+</a:t>
-            </a:r>
-            <a:r>
-              <a:rPr lang="en-US" sz="2200" dirty="0" smtClean="0">
-                <a:latin typeface="Times New Roman" pitchFamily="18" charset="0"/>
-                <a:cs typeface="Times New Roman" pitchFamily="18" charset="0"/>
-              </a:rPr>
-              <a:t>’) is empty)</a:t>
-            </a:r>
-          </a:p>
-          <a:p>
-            <a:pPr lvl="3">
-              <a:buNone/>
-            </a:pPr>
-            <a:r>
-              <a:rPr lang="en-US" sz="2200" dirty="0" smtClean="0">
-                <a:latin typeface="Times New Roman" pitchFamily="18" charset="0"/>
-                <a:cs typeface="Times New Roman" pitchFamily="18" charset="0"/>
-              </a:rPr>
-              <a:t>                    and (k == “write” or k’==“write”) </a:t>
-            </a:r>
-            <a:r>
-              <a:rPr lang="en-US" sz="2200" u="sng" dirty="0" smtClean="0">
-                <a:latin typeface="Times New Roman" pitchFamily="18" charset="0"/>
-                <a:cs typeface="Times New Roman" pitchFamily="18" charset="0"/>
-              </a:rPr>
-              <a:t>then</a:t>
-            </a:r>
-          </a:p>
-          <a:p>
-            <a:pPr lvl="3">
-              <a:buNone/>
-            </a:pPr>
-            <a:r>
-              <a:rPr lang="en-US" sz="2200" dirty="0" smtClean="0">
-                <a:latin typeface="Times New Roman" pitchFamily="18" charset="0"/>
-                <a:cs typeface="Times New Roman" pitchFamily="18" charset="0"/>
-              </a:rPr>
-              <a:t>                </a:t>
-            </a:r>
-            <a:r>
-              <a:rPr lang="en-US" sz="2200" b="1" dirty="0" err="1" smtClean="0">
-                <a:latin typeface="Times New Roman" pitchFamily="18" charset="0"/>
-                <a:cs typeface="Times New Roman" pitchFamily="18" charset="0"/>
-              </a:rPr>
-              <a:t>generateWarning</a:t>
-            </a:r>
-            <a:r>
-              <a:rPr lang="en-US" sz="2200" dirty="0" smtClean="0">
-                <a:latin typeface="Times New Roman" pitchFamily="18" charset="0"/>
-                <a:cs typeface="Times New Roman" pitchFamily="18" charset="0"/>
-              </a:rPr>
-              <a:t>(o, o’)</a:t>
-            </a:r>
-          </a:p>
-          <a:p>
-            <a:pPr>
-              <a:buNone/>
-            </a:pPr>
-            <a:endParaRPr lang="en-US" sz="2400" dirty="0" smtClean="0">
-              <a:latin typeface="Times New Roman" pitchFamily="18" charset="0"/>
-              <a:cs typeface="Times New Roman" pitchFamily="18" charset="0"/>
-            </a:endParaRPr>
-          </a:p>
-          <a:p>
-            <a:pPr>
-              <a:buNone/>
-            </a:pPr>
-            <a:r>
-              <a:rPr lang="en-US" sz="2400" b="1" dirty="0" err="1" smtClean="0">
-                <a:latin typeface="Times New Roman" pitchFamily="18" charset="0"/>
-                <a:cs typeface="Times New Roman" pitchFamily="18" charset="0"/>
-              </a:rPr>
-              <a:t>mayEqual</a:t>
-            </a:r>
-            <a:r>
-              <a:rPr lang="en-US" sz="2400" b="1" dirty="0" smtClean="0">
-                <a:latin typeface="Times New Roman" pitchFamily="18" charset="0"/>
-                <a:cs typeface="Times New Roman" pitchFamily="18" charset="0"/>
-              </a:rPr>
-              <a:t>(o, o’) </a:t>
-            </a:r>
-            <a:r>
-              <a:rPr lang="en-US" sz="2400" dirty="0" smtClean="0">
-                <a:latin typeface="Times New Roman" pitchFamily="18" charset="0"/>
-                <a:cs typeface="Times New Roman" pitchFamily="18" charset="0"/>
-              </a:rPr>
-              <a:t>– </a:t>
-            </a:r>
-            <a:r>
-              <a:rPr lang="ru-RU" sz="2400" dirty="0" smtClean="0">
-                <a:latin typeface="Times New Roman" pitchFamily="18" charset="0"/>
-                <a:cs typeface="Times New Roman" pitchFamily="18" charset="0"/>
-              </a:rPr>
-              <a:t>проверяет </a:t>
-            </a:r>
-            <a:r>
-              <a:rPr lang="en-US" sz="2400" dirty="0" smtClean="0">
-                <a:latin typeface="Times New Roman" pitchFamily="18" charset="0"/>
-                <a:cs typeface="Times New Roman" pitchFamily="18" charset="0"/>
-              </a:rPr>
-              <a:t>o </a:t>
-            </a:r>
-            <a:r>
-              <a:rPr lang="ru-RU" sz="2400" dirty="0" smtClean="0">
-                <a:latin typeface="Times New Roman" pitchFamily="18" charset="0"/>
-                <a:cs typeface="Times New Roman" pitchFamily="18" charset="0"/>
-              </a:rPr>
-              <a:t>и </a:t>
-            </a:r>
-            <a:r>
-              <a:rPr lang="en-US" sz="2400" dirty="0" smtClean="0">
-                <a:latin typeface="Times New Roman" pitchFamily="18" charset="0"/>
-                <a:cs typeface="Times New Roman" pitchFamily="18" charset="0"/>
-              </a:rPr>
-              <a:t>o’ </a:t>
-            </a:r>
-            <a:r>
-              <a:rPr lang="ru-RU" sz="2400" dirty="0" smtClean="0">
-                <a:latin typeface="Times New Roman" pitchFamily="18" charset="0"/>
-                <a:cs typeface="Times New Roman" pitchFamily="18" charset="0"/>
-              </a:rPr>
-              <a:t>ссылаются на одну и ту же область памяти или нет</a:t>
-            </a:r>
-          </a:p>
-          <a:p>
-            <a:pPr>
-              <a:buNone/>
-            </a:pPr>
-            <a:r>
-              <a:rPr lang="en-US" sz="2400" b="1" dirty="0" err="1" smtClean="0">
-                <a:latin typeface="Times New Roman" pitchFamily="18" charset="0"/>
-                <a:cs typeface="Times New Roman" pitchFamily="18" charset="0"/>
-              </a:rPr>
-              <a:t>threadEntryPoints</a:t>
-            </a:r>
-            <a:r>
-              <a:rPr lang="en-US" sz="2400" dirty="0" smtClean="0">
-                <a:latin typeface="Times New Roman" pitchFamily="18" charset="0"/>
-                <a:cs typeface="Times New Roman" pitchFamily="18" charset="0"/>
-              </a:rPr>
-              <a:t> – </a:t>
-            </a:r>
-            <a:r>
-              <a:rPr lang="ru-RU" sz="2400" dirty="0" smtClean="0">
-                <a:latin typeface="Times New Roman" pitchFamily="18" charset="0"/>
-                <a:cs typeface="Times New Roman" pitchFamily="18" charset="0"/>
-              </a:rPr>
-              <a:t>все точки входа в потоки</a:t>
-            </a:r>
-          </a:p>
-          <a:p>
-            <a:pPr>
-              <a:buNone/>
-            </a:pPr>
-            <a:r>
-              <a:rPr lang="en-US" sz="2400" b="1" dirty="0" err="1" smtClean="0">
-                <a:latin typeface="Times New Roman" pitchFamily="18" charset="0"/>
-                <a:cs typeface="Times New Roman" pitchFamily="18" charset="0"/>
-              </a:rPr>
-              <a:t>accessSummary</a:t>
-            </a:r>
-            <a:r>
-              <a:rPr lang="en-US" sz="2400" b="1" dirty="0" smtClean="0">
-                <a:latin typeface="Times New Roman" pitchFamily="18" charset="0"/>
-                <a:cs typeface="Times New Roman" pitchFamily="18" charset="0"/>
-              </a:rPr>
-              <a:t>(f) </a:t>
-            </a:r>
-            <a:r>
-              <a:rPr lang="en-US" sz="2400" dirty="0" smtClean="0">
-                <a:latin typeface="Times New Roman" pitchFamily="18" charset="0"/>
-                <a:cs typeface="Times New Roman" pitchFamily="18" charset="0"/>
-              </a:rPr>
-              <a:t>– </a:t>
-            </a:r>
-            <a:r>
-              <a:rPr lang="ru-RU" sz="2400" dirty="0" smtClean="0">
-                <a:latin typeface="Times New Roman" pitchFamily="18" charset="0"/>
-                <a:cs typeface="Times New Roman" pitchFamily="18" charset="0"/>
-              </a:rPr>
-              <a:t>обобщение защищенного доступа для функции </a:t>
-            </a:r>
-            <a:r>
-              <a:rPr lang="en-US" sz="2400" dirty="0" smtClean="0">
-                <a:latin typeface="Times New Roman" pitchFamily="18" charset="0"/>
-                <a:cs typeface="Times New Roman" pitchFamily="18" charset="0"/>
-              </a:rPr>
-              <a:t>f</a:t>
-            </a:r>
-            <a:endParaRPr lang="ru-RU" sz="2400" dirty="0" smtClean="0">
-              <a:latin typeface="Times New Roman" pitchFamily="18" charset="0"/>
-              <a:cs typeface="Times New Roman" pitchFamily="18" charset="0"/>
-            </a:endParaRPr>
-          </a:p>
-          <a:p>
-            <a:pPr>
-              <a:buNone/>
-            </a:pPr>
-            <a:r>
-              <a:rPr lang="en-US" sz="2400" b="1" dirty="0" err="1" smtClean="0">
-                <a:latin typeface="Times New Roman" pitchFamily="18" charset="0"/>
-                <a:cs typeface="Times New Roman" pitchFamily="18" charset="0"/>
-              </a:rPr>
-              <a:t>generateWarning</a:t>
-            </a:r>
-            <a:r>
-              <a:rPr lang="en-US" sz="2400" b="1" dirty="0" smtClean="0">
-                <a:latin typeface="Times New Roman" pitchFamily="18" charset="0"/>
-                <a:cs typeface="Times New Roman" pitchFamily="18" charset="0"/>
-              </a:rPr>
-              <a:t>(o, o’) </a:t>
-            </a:r>
-            <a:r>
-              <a:rPr lang="en-US" sz="2400" dirty="0" smtClean="0">
-                <a:latin typeface="Times New Roman" pitchFamily="18" charset="0"/>
-                <a:cs typeface="Times New Roman" pitchFamily="18" charset="0"/>
-              </a:rPr>
-              <a:t>– </a:t>
-            </a:r>
-            <a:r>
-              <a:rPr lang="ru-RU" sz="2400" dirty="0" smtClean="0">
-                <a:latin typeface="Times New Roman" pitchFamily="18" charset="0"/>
-                <a:cs typeface="Times New Roman" pitchFamily="18" charset="0"/>
-              </a:rPr>
-              <a:t>генерация предупреждения о возможном возникновении гонок</a:t>
-            </a:r>
-            <a:endParaRPr lang="en-US" sz="2400" dirty="0" smtClean="0">
-              <a:latin typeface="Times New Roman" pitchFamily="18" charset="0"/>
-              <a:cs typeface="Times New Roman" pitchFamily="18" charset="0"/>
-            </a:endParaRPr>
-          </a:p>
-        </p:txBody>
-      </p:sp>
-      <p:sp>
-        <p:nvSpPr>
-          <p:cNvPr id="4" name="Номер слайда 3"/>
-          <p:cNvSpPr>
-            <a:spLocks noGrp="1"/>
-          </p:cNvSpPr>
-          <p:nvPr>
-            <p:ph type="sldNum" sz="quarter" idx="12"/>
-          </p:nvPr>
-        </p:nvSpPr>
-        <p:spPr/>
-        <p:txBody>
-          <a:bodyPr/>
-          <a:lstStyle/>
-          <a:p>
-            <a:fld id="{6ACCCD26-A6AD-4D04-8A48-0C02F87992A0}" type="slidenum">
-              <a:rPr lang="ru-RU" smtClean="0"/>
-              <a:pPr/>
-              <a:t>17</a:t>
-            </a:fld>
-            <a:endParaRPr lang="ru-RU"/>
-          </a:p>
-        </p:txBody>
-      </p:sp>
-    </p:spTree>
-  </p:cSld>
-  <p:clrMapOvr>
-    <a:masterClrMapping/>
-  </p:clrMapOvr>
-  <p:timing>
-    <p:tnLst>
-      <p:par>
-        <p:cTn id="1" dur="indefinite" restart="never" nodeType="tmRoot"/>
-      </p:par>
-    </p:tnLst>
-  </p:timing>
 </p:sld>
 </file>
 
@@ -14497,36 +13951,42 @@
         </p:nvSpPr>
         <p:spPr/>
         <p:txBody>
-          <a:bodyPr/>
+          <a:bodyPr>
+            <a:normAutofit fontScale="90000"/>
+          </a:bodyPr>
           <a:lstStyle/>
           <a:p>
             <a:r>
               <a:rPr lang="ru-RU" dirty="0" smtClean="0"/>
-              <a:t>Структура ПО</a:t>
+              <a:t>Определение мест возможного возникновения гонок</a:t>
             </a:r>
             <a:endParaRPr lang="ru-RU" dirty="0"/>
           </a:p>
         </p:txBody>
       </p:sp>
-      <p:sp>
-        <p:nvSpPr>
-          <p:cNvPr id="3" name="Содержимое 2"/>
-          <p:cNvSpPr>
-            <a:spLocks noGrp="1"/>
-          </p:cNvSpPr>
+      <p:pic>
+        <p:nvPicPr>
+          <p:cNvPr id="5" name="Содержимое 4" descr="generate_warnings.emf"/>
+          <p:cNvPicPr>
+            <a:picLocks noGrp="1" noChangeAspect="1"/>
+          </p:cNvPicPr>
           <p:nvPr>
             <p:ph idx="1"/>
           </p:nvPr>
-        </p:nvSpPr>
-        <p:spPr/>
-        <p:txBody>
-          <a:bodyPr/>
-          <a:lstStyle/>
-          <a:p>
-            <a:endParaRPr lang="ru-RU"/>
-          </a:p>
-        </p:txBody>
-      </p:sp>
+        </p:nvPicPr>
+        <p:blipFill>
+          <a:blip r:embed="rId2" cstate="print"/>
+          <a:stretch>
+            <a:fillRect/>
+          </a:stretch>
+        </p:blipFill>
+        <p:spPr>
+          <a:xfrm>
+            <a:off x="179512" y="1844824"/>
+            <a:ext cx="8694981" cy="4032448"/>
+          </a:xfrm>
+        </p:spPr>
+      </p:pic>
       <p:sp>
         <p:nvSpPr>
           <p:cNvPr id="4" name="Номер слайда 3"/>
@@ -14593,7 +14053,7 @@
           <a:p>
             <a:r>
               <a:rPr lang="ru-RU" dirty="0" smtClean="0"/>
-              <a:t>Результаты исследований</a:t>
+              <a:t>Генерация предупреждений</a:t>
             </a:r>
             <a:endParaRPr lang="ru-RU" dirty="0"/>
           </a:p>
@@ -14611,14 +14071,550 @@
         </p:nvSpPr>
         <p:spPr/>
         <p:txBody>
-          <a:bodyPr/>
+          <a:bodyPr>
+            <a:normAutofit fontScale="85000" lnSpcReduction="10000"/>
+          </a:bodyPr>
           <a:lstStyle/>
           <a:p>
-            <a:r>
-              <a:rPr lang="ru-RU" dirty="0" smtClean="0"/>
-              <a:t>Надо каким-то образом показать вклад каждого из этапов на итоговый результат…</a:t>
-            </a:r>
-            <a:endParaRPr lang="ru-RU" dirty="0"/>
+            <a:pPr lvl="3">
+              <a:buNone/>
+            </a:pPr>
+            <a:r>
+              <a:rPr lang="en-US" sz="2200" u="sng" dirty="0" err="1" smtClean="0">
+                <a:latin typeface="Times New Roman" pitchFamily="18" charset="0"/>
+                <a:cs typeface="Times New Roman" pitchFamily="18" charset="0"/>
+              </a:rPr>
+              <a:t>foreach</a:t>
+            </a:r>
+            <a:r>
+              <a:rPr lang="en-US" sz="2200" u="sng" dirty="0" smtClean="0">
+                <a:latin typeface="Times New Roman" pitchFamily="18" charset="0"/>
+                <a:cs typeface="Times New Roman" pitchFamily="18" charset="0"/>
+              </a:rPr>
+              <a:t> </a:t>
+            </a:r>
+            <a:r>
+              <a:rPr lang="en-US" sz="2200" dirty="0" smtClean="0">
+                <a:latin typeface="Times New Roman" pitchFamily="18" charset="0"/>
+                <a:cs typeface="Times New Roman" pitchFamily="18" charset="0"/>
+              </a:rPr>
+              <a:t>(f, f’) </a:t>
+            </a:r>
+            <a:r>
+              <a:rPr lang="en-US" sz="2200" u="sng" dirty="0" smtClean="0">
+                <a:latin typeface="Times New Roman" pitchFamily="18" charset="0"/>
+                <a:cs typeface="Times New Roman" pitchFamily="18" charset="0"/>
+              </a:rPr>
+              <a:t>in</a:t>
+            </a:r>
+            <a:r>
+              <a:rPr lang="en-US" sz="2200" dirty="0" smtClean="0">
+                <a:latin typeface="Times New Roman" pitchFamily="18" charset="0"/>
+                <a:cs typeface="Times New Roman" pitchFamily="18" charset="0"/>
+              </a:rPr>
+              <a:t> </a:t>
+            </a:r>
+            <a:r>
+              <a:rPr lang="en-US" sz="2200" b="1" dirty="0" err="1" smtClean="0">
+                <a:latin typeface="Times New Roman" pitchFamily="18" charset="0"/>
+                <a:cs typeface="Times New Roman" pitchFamily="18" charset="0"/>
+              </a:rPr>
+              <a:t>threadEntryPoints</a:t>
+            </a:r>
+            <a:r>
+              <a:rPr lang="en-US" sz="2200" dirty="0" smtClean="0">
+                <a:latin typeface="Times New Roman" pitchFamily="18" charset="0"/>
+                <a:cs typeface="Times New Roman" pitchFamily="18" charset="0"/>
+              </a:rPr>
+              <a:t> </a:t>
+            </a:r>
+            <a:r>
+              <a:rPr lang="en-US" sz="2200" u="sng" dirty="0" smtClean="0">
+                <a:latin typeface="Times New Roman" pitchFamily="18" charset="0"/>
+                <a:cs typeface="Times New Roman" pitchFamily="18" charset="0"/>
+              </a:rPr>
+              <a:t>do</a:t>
+            </a:r>
+          </a:p>
+          <a:p>
+            <a:pPr lvl="3">
+              <a:buNone/>
+            </a:pPr>
+            <a:r>
+              <a:rPr lang="en-US" sz="2200" dirty="0" smtClean="0">
+                <a:latin typeface="Times New Roman" pitchFamily="18" charset="0"/>
+                <a:cs typeface="Times New Roman" pitchFamily="18" charset="0"/>
+              </a:rPr>
+              <a:t>    </a:t>
+            </a:r>
+            <a:r>
+              <a:rPr lang="en-US" sz="2200" u="sng" dirty="0" err="1" smtClean="0">
+                <a:latin typeface="Times New Roman" pitchFamily="18" charset="0"/>
+                <a:cs typeface="Times New Roman" pitchFamily="18" charset="0"/>
+              </a:rPr>
+              <a:t>foreach</a:t>
+            </a:r>
+            <a:r>
+              <a:rPr lang="en-US" sz="2200" dirty="0" smtClean="0">
+                <a:latin typeface="Times New Roman" pitchFamily="18" charset="0"/>
+                <a:cs typeface="Times New Roman" pitchFamily="18" charset="0"/>
+              </a:rPr>
+              <a:t> (o, L, k) </a:t>
+            </a:r>
+            <a:r>
+              <a:rPr lang="en-US" sz="2200" u="sng" dirty="0" smtClean="0">
+                <a:latin typeface="Times New Roman" pitchFamily="18" charset="0"/>
+                <a:cs typeface="Times New Roman" pitchFamily="18" charset="0"/>
+              </a:rPr>
+              <a:t>in</a:t>
+            </a:r>
+            <a:r>
+              <a:rPr lang="en-US" sz="2200" dirty="0" smtClean="0">
+                <a:latin typeface="Times New Roman" pitchFamily="18" charset="0"/>
+                <a:cs typeface="Times New Roman" pitchFamily="18" charset="0"/>
+              </a:rPr>
+              <a:t> </a:t>
+            </a:r>
+            <a:r>
+              <a:rPr lang="en-US" sz="2200" b="1" dirty="0" err="1" smtClean="0">
+                <a:latin typeface="Times New Roman" pitchFamily="18" charset="0"/>
+                <a:cs typeface="Times New Roman" pitchFamily="18" charset="0"/>
+              </a:rPr>
+              <a:t>accessSummary</a:t>
+            </a:r>
+            <a:r>
+              <a:rPr lang="en-US" sz="2200" dirty="0" smtClean="0">
+                <a:latin typeface="Times New Roman" pitchFamily="18" charset="0"/>
+                <a:cs typeface="Times New Roman" pitchFamily="18" charset="0"/>
+              </a:rPr>
+              <a:t>(f) </a:t>
+            </a:r>
+            <a:r>
+              <a:rPr lang="en-US" sz="2200" u="sng" dirty="0" smtClean="0">
+                <a:latin typeface="Times New Roman" pitchFamily="18" charset="0"/>
+                <a:cs typeface="Times New Roman" pitchFamily="18" charset="0"/>
+              </a:rPr>
+              <a:t>do</a:t>
+            </a:r>
+          </a:p>
+          <a:p>
+            <a:pPr lvl="3">
+              <a:buNone/>
+            </a:pPr>
+            <a:r>
+              <a:rPr lang="en-US" sz="2200" dirty="0" smtClean="0">
+                <a:latin typeface="Times New Roman" pitchFamily="18" charset="0"/>
+                <a:cs typeface="Times New Roman" pitchFamily="18" charset="0"/>
+              </a:rPr>
+              <a:t>        </a:t>
+            </a:r>
+            <a:r>
+              <a:rPr lang="en-US" sz="2200" u="sng" dirty="0" err="1" smtClean="0">
+                <a:latin typeface="Times New Roman" pitchFamily="18" charset="0"/>
+                <a:cs typeface="Times New Roman" pitchFamily="18" charset="0"/>
+              </a:rPr>
+              <a:t>foreach</a:t>
+            </a:r>
+            <a:r>
+              <a:rPr lang="en-US" sz="2200" dirty="0" smtClean="0">
+                <a:latin typeface="Times New Roman" pitchFamily="18" charset="0"/>
+                <a:cs typeface="Times New Roman" pitchFamily="18" charset="0"/>
+              </a:rPr>
+              <a:t> (o’, L’, k’) </a:t>
+            </a:r>
+            <a:r>
+              <a:rPr lang="en-US" sz="2200" u="sng" dirty="0" smtClean="0">
+                <a:latin typeface="Times New Roman" pitchFamily="18" charset="0"/>
+                <a:cs typeface="Times New Roman" pitchFamily="18" charset="0"/>
+              </a:rPr>
+              <a:t>in</a:t>
+            </a:r>
+            <a:r>
+              <a:rPr lang="en-US" sz="2200" dirty="0" smtClean="0">
+                <a:latin typeface="Times New Roman" pitchFamily="18" charset="0"/>
+                <a:cs typeface="Times New Roman" pitchFamily="18" charset="0"/>
+              </a:rPr>
+              <a:t> </a:t>
+            </a:r>
+            <a:r>
+              <a:rPr lang="en-US" sz="2200" b="1" dirty="0" err="1" smtClean="0">
+                <a:latin typeface="Times New Roman" pitchFamily="18" charset="0"/>
+                <a:cs typeface="Times New Roman" pitchFamily="18" charset="0"/>
+              </a:rPr>
+              <a:t>accessSummary</a:t>
+            </a:r>
+            <a:r>
+              <a:rPr lang="en-US" sz="2200" dirty="0" smtClean="0">
+                <a:latin typeface="Times New Roman" pitchFamily="18" charset="0"/>
+                <a:cs typeface="Times New Roman" pitchFamily="18" charset="0"/>
+              </a:rPr>
+              <a:t>(f’) </a:t>
+            </a:r>
+            <a:r>
+              <a:rPr lang="en-US" sz="2200" u="sng" dirty="0" smtClean="0">
+                <a:latin typeface="Times New Roman" pitchFamily="18" charset="0"/>
+                <a:cs typeface="Times New Roman" pitchFamily="18" charset="0"/>
+              </a:rPr>
+              <a:t>do</a:t>
+            </a:r>
+          </a:p>
+          <a:p>
+            <a:pPr lvl="3">
+              <a:buNone/>
+            </a:pPr>
+            <a:r>
+              <a:rPr lang="en-US" sz="2200" dirty="0" smtClean="0">
+                <a:latin typeface="Times New Roman" pitchFamily="18" charset="0"/>
+                <a:cs typeface="Times New Roman" pitchFamily="18" charset="0"/>
+              </a:rPr>
+              <a:t>            (L</a:t>
+            </a:r>
+            <a:r>
+              <a:rPr lang="en-US" sz="2200" baseline="-25000" dirty="0" smtClean="0">
+                <a:latin typeface="Times New Roman" pitchFamily="18" charset="0"/>
+                <a:cs typeface="Times New Roman" pitchFamily="18" charset="0"/>
+              </a:rPr>
+              <a:t>+</a:t>
+            </a:r>
+            <a:r>
+              <a:rPr lang="en-US" sz="2200" dirty="0" smtClean="0">
+                <a:latin typeface="Times New Roman" pitchFamily="18" charset="0"/>
+                <a:cs typeface="Times New Roman" pitchFamily="18" charset="0"/>
+              </a:rPr>
+              <a:t>, L</a:t>
+            </a:r>
+            <a:r>
+              <a:rPr lang="en-US" sz="2200" baseline="-25000" dirty="0" smtClean="0">
+                <a:latin typeface="Times New Roman" pitchFamily="18" charset="0"/>
+                <a:cs typeface="Times New Roman" pitchFamily="18" charset="0"/>
+              </a:rPr>
+              <a:t>-</a:t>
+            </a:r>
+            <a:r>
+              <a:rPr lang="en-US" sz="2200" dirty="0" smtClean="0">
+                <a:latin typeface="Times New Roman" pitchFamily="18" charset="0"/>
+                <a:cs typeface="Times New Roman" pitchFamily="18" charset="0"/>
+              </a:rPr>
+              <a:t>) = L; (L</a:t>
+            </a:r>
+            <a:r>
+              <a:rPr lang="en-US" sz="2200" baseline="-25000" dirty="0" smtClean="0">
+                <a:latin typeface="Times New Roman" pitchFamily="18" charset="0"/>
+                <a:cs typeface="Times New Roman" pitchFamily="18" charset="0"/>
+              </a:rPr>
+              <a:t>+</a:t>
+            </a:r>
+            <a:r>
+              <a:rPr lang="en-US" sz="2200" dirty="0" smtClean="0">
+                <a:latin typeface="Times New Roman" pitchFamily="18" charset="0"/>
+                <a:cs typeface="Times New Roman" pitchFamily="18" charset="0"/>
+              </a:rPr>
+              <a:t>’, L</a:t>
+            </a:r>
+            <a:r>
+              <a:rPr lang="en-US" sz="2200" baseline="-25000" dirty="0" smtClean="0">
+                <a:latin typeface="Times New Roman" pitchFamily="18" charset="0"/>
+                <a:cs typeface="Times New Roman" pitchFamily="18" charset="0"/>
+              </a:rPr>
+              <a:t>-</a:t>
+            </a:r>
+            <a:r>
+              <a:rPr lang="en-US" sz="2200" dirty="0" smtClean="0">
+                <a:latin typeface="Times New Roman" pitchFamily="18" charset="0"/>
+                <a:cs typeface="Times New Roman" pitchFamily="18" charset="0"/>
+              </a:rPr>
+              <a:t>’) = L’</a:t>
+            </a:r>
+          </a:p>
+          <a:p>
+            <a:pPr lvl="3">
+              <a:buNone/>
+            </a:pPr>
+            <a:r>
+              <a:rPr lang="en-US" sz="2200" dirty="0" smtClean="0">
+                <a:latin typeface="Times New Roman" pitchFamily="18" charset="0"/>
+                <a:cs typeface="Times New Roman" pitchFamily="18" charset="0"/>
+              </a:rPr>
+              <a:t>            </a:t>
+            </a:r>
+            <a:r>
+              <a:rPr lang="en-US" sz="2200" u="sng" dirty="0" smtClean="0">
+                <a:latin typeface="Times New Roman" pitchFamily="18" charset="0"/>
+                <a:cs typeface="Times New Roman" pitchFamily="18" charset="0"/>
+              </a:rPr>
+              <a:t>if</a:t>
+            </a:r>
+            <a:r>
+              <a:rPr lang="en-US" sz="2200" dirty="0" smtClean="0">
+                <a:latin typeface="Times New Roman" pitchFamily="18" charset="0"/>
+                <a:cs typeface="Times New Roman" pitchFamily="18" charset="0"/>
+              </a:rPr>
+              <a:t> </a:t>
+            </a:r>
+            <a:r>
+              <a:rPr lang="en-US" sz="2200" b="1" dirty="0" err="1" smtClean="0">
+                <a:latin typeface="Times New Roman" pitchFamily="18" charset="0"/>
+                <a:cs typeface="Times New Roman" pitchFamily="18" charset="0"/>
+              </a:rPr>
+              <a:t>mayEqual</a:t>
+            </a:r>
+            <a:r>
+              <a:rPr lang="en-US" sz="2200" dirty="0" smtClean="0">
+                <a:latin typeface="Times New Roman" pitchFamily="18" charset="0"/>
+                <a:cs typeface="Times New Roman" pitchFamily="18" charset="0"/>
+              </a:rPr>
+              <a:t>(o, o’) and (intersect(L</a:t>
+            </a:r>
+            <a:r>
+              <a:rPr lang="en-US" sz="2200" baseline="-25000" dirty="0" smtClean="0">
+                <a:latin typeface="Times New Roman" pitchFamily="18" charset="0"/>
+                <a:cs typeface="Times New Roman" pitchFamily="18" charset="0"/>
+              </a:rPr>
+              <a:t>+</a:t>
+            </a:r>
+            <a:r>
+              <a:rPr lang="en-US" sz="2200" dirty="0" smtClean="0">
+                <a:latin typeface="Times New Roman" pitchFamily="18" charset="0"/>
+                <a:cs typeface="Times New Roman" pitchFamily="18" charset="0"/>
+              </a:rPr>
+              <a:t>, L</a:t>
+            </a:r>
+            <a:r>
+              <a:rPr lang="en-US" sz="2200" baseline="-25000" dirty="0" smtClean="0">
+                <a:latin typeface="Times New Roman" pitchFamily="18" charset="0"/>
+                <a:cs typeface="Times New Roman" pitchFamily="18" charset="0"/>
+              </a:rPr>
+              <a:t>+</a:t>
+            </a:r>
+            <a:r>
+              <a:rPr lang="en-US" sz="2200" dirty="0" smtClean="0">
+                <a:latin typeface="Times New Roman" pitchFamily="18" charset="0"/>
+                <a:cs typeface="Times New Roman" pitchFamily="18" charset="0"/>
+              </a:rPr>
+              <a:t>’) is empty)</a:t>
+            </a:r>
+          </a:p>
+          <a:p>
+            <a:pPr lvl="3">
+              <a:buNone/>
+            </a:pPr>
+            <a:r>
+              <a:rPr lang="en-US" sz="2200" dirty="0" smtClean="0">
+                <a:latin typeface="Times New Roman" pitchFamily="18" charset="0"/>
+                <a:cs typeface="Times New Roman" pitchFamily="18" charset="0"/>
+              </a:rPr>
+              <a:t>                    and (k == “write” or k’==“write”) </a:t>
+            </a:r>
+            <a:r>
+              <a:rPr lang="en-US" sz="2200" u="sng" dirty="0" smtClean="0">
+                <a:latin typeface="Times New Roman" pitchFamily="18" charset="0"/>
+                <a:cs typeface="Times New Roman" pitchFamily="18" charset="0"/>
+              </a:rPr>
+              <a:t>then</a:t>
+            </a:r>
+          </a:p>
+          <a:p>
+            <a:pPr lvl="3">
+              <a:buNone/>
+            </a:pPr>
+            <a:r>
+              <a:rPr lang="en-US" sz="2200" dirty="0" smtClean="0">
+                <a:latin typeface="Times New Roman" pitchFamily="18" charset="0"/>
+                <a:cs typeface="Times New Roman" pitchFamily="18" charset="0"/>
+              </a:rPr>
+              <a:t>                </a:t>
+            </a:r>
+            <a:r>
+              <a:rPr lang="en-US" sz="2200" b="1" dirty="0" err="1" smtClean="0">
+                <a:latin typeface="Times New Roman" pitchFamily="18" charset="0"/>
+                <a:cs typeface="Times New Roman" pitchFamily="18" charset="0"/>
+              </a:rPr>
+              <a:t>generateWarning</a:t>
+            </a:r>
+            <a:r>
+              <a:rPr lang="en-US" sz="2200" dirty="0" smtClean="0">
+                <a:latin typeface="Times New Roman" pitchFamily="18" charset="0"/>
+                <a:cs typeface="Times New Roman" pitchFamily="18" charset="0"/>
+              </a:rPr>
+              <a:t>(o, o’)</a:t>
+            </a:r>
+          </a:p>
+          <a:p>
+            <a:pPr>
+              <a:buNone/>
+            </a:pPr>
+            <a:endParaRPr lang="en-US" sz="2400" dirty="0" smtClean="0">
+              <a:latin typeface="Times New Roman" pitchFamily="18" charset="0"/>
+              <a:cs typeface="Times New Roman" pitchFamily="18" charset="0"/>
+            </a:endParaRPr>
+          </a:p>
+          <a:p>
+            <a:pPr>
+              <a:buNone/>
+            </a:pPr>
+            <a:r>
+              <a:rPr lang="en-US" sz="2400" b="1" dirty="0" err="1" smtClean="0">
+                <a:latin typeface="Times New Roman" pitchFamily="18" charset="0"/>
+                <a:cs typeface="Times New Roman" pitchFamily="18" charset="0"/>
+              </a:rPr>
+              <a:t>mayEqual</a:t>
+            </a:r>
+            <a:r>
+              <a:rPr lang="en-US" sz="2400" b="1" dirty="0" smtClean="0">
+                <a:latin typeface="Times New Roman" pitchFamily="18" charset="0"/>
+                <a:cs typeface="Times New Roman" pitchFamily="18" charset="0"/>
+              </a:rPr>
+              <a:t>(o, o’) </a:t>
+            </a:r>
+            <a:r>
+              <a:rPr lang="en-US" sz="2400" dirty="0" smtClean="0">
+                <a:latin typeface="Times New Roman" pitchFamily="18" charset="0"/>
+                <a:cs typeface="Times New Roman" pitchFamily="18" charset="0"/>
+              </a:rPr>
+              <a:t>– </a:t>
+            </a:r>
+            <a:r>
+              <a:rPr lang="ru-RU" sz="2400" dirty="0" smtClean="0">
+                <a:latin typeface="Times New Roman" pitchFamily="18" charset="0"/>
+                <a:cs typeface="Times New Roman" pitchFamily="18" charset="0"/>
+              </a:rPr>
+              <a:t>проверяет </a:t>
+            </a:r>
+            <a:r>
+              <a:rPr lang="en-US" sz="2400" dirty="0" smtClean="0">
+                <a:latin typeface="Times New Roman" pitchFamily="18" charset="0"/>
+                <a:cs typeface="Times New Roman" pitchFamily="18" charset="0"/>
+              </a:rPr>
+              <a:t>o </a:t>
+            </a:r>
+            <a:r>
+              <a:rPr lang="ru-RU" sz="2400" dirty="0" smtClean="0">
+                <a:latin typeface="Times New Roman" pitchFamily="18" charset="0"/>
+                <a:cs typeface="Times New Roman" pitchFamily="18" charset="0"/>
+              </a:rPr>
+              <a:t>и </a:t>
+            </a:r>
+            <a:r>
+              <a:rPr lang="en-US" sz="2400" dirty="0" smtClean="0">
+                <a:latin typeface="Times New Roman" pitchFamily="18" charset="0"/>
+                <a:cs typeface="Times New Roman" pitchFamily="18" charset="0"/>
+              </a:rPr>
+              <a:t>o’ </a:t>
+            </a:r>
+            <a:r>
+              <a:rPr lang="ru-RU" sz="2400" dirty="0" smtClean="0">
+                <a:latin typeface="Times New Roman" pitchFamily="18" charset="0"/>
+                <a:cs typeface="Times New Roman" pitchFamily="18" charset="0"/>
+              </a:rPr>
+              <a:t>ссылаются на одну и ту же область памяти или нет</a:t>
+            </a:r>
+          </a:p>
+          <a:p>
+            <a:pPr>
+              <a:buNone/>
+            </a:pPr>
+            <a:r>
+              <a:rPr lang="en-US" sz="2400" b="1" dirty="0" err="1" smtClean="0">
+                <a:latin typeface="Times New Roman" pitchFamily="18" charset="0"/>
+                <a:cs typeface="Times New Roman" pitchFamily="18" charset="0"/>
+              </a:rPr>
+              <a:t>threadEntryPoints</a:t>
+            </a:r>
+            <a:r>
+              <a:rPr lang="en-US" sz="2400" dirty="0" smtClean="0">
+                <a:latin typeface="Times New Roman" pitchFamily="18" charset="0"/>
+                <a:cs typeface="Times New Roman" pitchFamily="18" charset="0"/>
+              </a:rPr>
+              <a:t> – </a:t>
+            </a:r>
+            <a:r>
+              <a:rPr lang="ru-RU" sz="2400" dirty="0" smtClean="0">
+                <a:latin typeface="Times New Roman" pitchFamily="18" charset="0"/>
+                <a:cs typeface="Times New Roman" pitchFamily="18" charset="0"/>
+              </a:rPr>
+              <a:t>все точки входа в потоки</a:t>
+            </a:r>
+          </a:p>
+          <a:p>
+            <a:pPr>
+              <a:buNone/>
+            </a:pPr>
+            <a:r>
+              <a:rPr lang="en-US" sz="2400" b="1" dirty="0" err="1" smtClean="0">
+                <a:latin typeface="Times New Roman" pitchFamily="18" charset="0"/>
+                <a:cs typeface="Times New Roman" pitchFamily="18" charset="0"/>
+              </a:rPr>
+              <a:t>accessSummary</a:t>
+            </a:r>
+            <a:r>
+              <a:rPr lang="en-US" sz="2400" b="1" dirty="0" smtClean="0">
+                <a:latin typeface="Times New Roman" pitchFamily="18" charset="0"/>
+                <a:cs typeface="Times New Roman" pitchFamily="18" charset="0"/>
+              </a:rPr>
+              <a:t>(f) </a:t>
+            </a:r>
+            <a:r>
+              <a:rPr lang="en-US" sz="2400" dirty="0" smtClean="0">
+                <a:latin typeface="Times New Roman" pitchFamily="18" charset="0"/>
+                <a:cs typeface="Times New Roman" pitchFamily="18" charset="0"/>
+              </a:rPr>
+              <a:t>– </a:t>
+            </a:r>
+            <a:r>
+              <a:rPr lang="ru-RU" sz="2400" dirty="0" smtClean="0">
+                <a:latin typeface="Times New Roman" pitchFamily="18" charset="0"/>
+                <a:cs typeface="Times New Roman" pitchFamily="18" charset="0"/>
+              </a:rPr>
+              <a:t>обобщение защищенного доступа для функции </a:t>
+            </a:r>
+            <a:r>
+              <a:rPr lang="en-US" sz="2400" dirty="0" smtClean="0">
+                <a:latin typeface="Times New Roman" pitchFamily="18" charset="0"/>
+                <a:cs typeface="Times New Roman" pitchFamily="18" charset="0"/>
+              </a:rPr>
+              <a:t>f</a:t>
+            </a:r>
+            <a:endParaRPr lang="ru-RU" sz="2400" dirty="0" smtClean="0">
+              <a:latin typeface="Times New Roman" pitchFamily="18" charset="0"/>
+              <a:cs typeface="Times New Roman" pitchFamily="18" charset="0"/>
+            </a:endParaRPr>
+          </a:p>
+          <a:p>
+            <a:pPr>
+              <a:buNone/>
+            </a:pPr>
+            <a:r>
+              <a:rPr lang="en-US" sz="2400" b="1" dirty="0" err="1" smtClean="0">
+                <a:latin typeface="Times New Roman" pitchFamily="18" charset="0"/>
+                <a:cs typeface="Times New Roman" pitchFamily="18" charset="0"/>
+              </a:rPr>
+              <a:t>generateWarning</a:t>
+            </a:r>
+            <a:r>
+              <a:rPr lang="en-US" sz="2400" b="1" dirty="0" smtClean="0">
+                <a:latin typeface="Times New Roman" pitchFamily="18" charset="0"/>
+                <a:cs typeface="Times New Roman" pitchFamily="18" charset="0"/>
+              </a:rPr>
+              <a:t>(o, o’) </a:t>
+            </a:r>
+            <a:r>
+              <a:rPr lang="en-US" sz="2400" dirty="0" smtClean="0">
+                <a:latin typeface="Times New Roman" pitchFamily="18" charset="0"/>
+                <a:cs typeface="Times New Roman" pitchFamily="18" charset="0"/>
+              </a:rPr>
+              <a:t>– </a:t>
+            </a:r>
+            <a:r>
+              <a:rPr lang="ru-RU" sz="2400" dirty="0" smtClean="0">
+                <a:latin typeface="Times New Roman" pitchFamily="18" charset="0"/>
+                <a:cs typeface="Times New Roman" pitchFamily="18" charset="0"/>
+              </a:rPr>
+              <a:t>генерация предупреждения о возможном возникновении гонок</a:t>
+            </a:r>
+            <a:endParaRPr lang="en-US" sz="2400" dirty="0" smtClean="0">
+              <a:latin typeface="Times New Roman" pitchFamily="18" charset="0"/>
+              <a:cs typeface="Times New Roman" pitchFamily="18" charset="0"/>
+            </a:endParaRPr>
           </a:p>
         </p:txBody>
       </p:sp>
@@ -14651,6 +14647,13 @@
   <p:clrMapOvr>
     <a:masterClrMapping/>
   </p:clrMapOvr>
+  <p:timing>
+    <p:tnLst>
+      <p:par>
+        <p:cTn id="1" dur="indefinite" restart="never" nodeType="tmRoot"/>
+      </p:par>
+    </p:tnLst>
+  </p:timing>
 </p:sld>
 </file>
 
@@ -14809,6 +14812,192 @@
       </p:par>
     </p:tnLst>
   </p:timing>
+</p:sld>
+</file>
+
+<file path=ppt/slides/slide20.xml><?xml version="1.0" encoding="utf-8"?>
+<p:sld xmlns:a="http://schemas.openxmlformats.org/drawingml/2006/main" xmlns:r="http://schemas.openxmlformats.org/officeDocument/2006/relationships" xmlns:p="http://schemas.openxmlformats.org/presentationml/2006/main">
+  <p:cSld>
+    <p:spTree>
+      <p:nvGrpSpPr>
+        <p:cNvPr id="1" name=""/>
+        <p:cNvGrpSpPr/>
+        <p:nvPr/>
+      </p:nvGrpSpPr>
+      <p:grpSpPr>
+        <a:xfrm>
+          <a:off x="0" y="0"/>
+          <a:ext cx="0" cy="0"/>
+          <a:chOff x="0" y="0"/>
+          <a:chExt cx="0" cy="0"/>
+        </a:xfrm>
+      </p:grpSpPr>
+      <p:sp>
+        <p:nvSpPr>
+          <p:cNvPr id="2" name="Заголовок 1"/>
+          <p:cNvSpPr>
+            <a:spLocks noGrp="1"/>
+          </p:cNvSpPr>
+          <p:nvPr>
+            <p:ph type="title"/>
+          </p:nvPr>
+        </p:nvSpPr>
+        <p:spPr/>
+        <p:txBody>
+          <a:bodyPr/>
+          <a:lstStyle/>
+          <a:p>
+            <a:r>
+              <a:rPr lang="ru-RU" dirty="0" smtClean="0"/>
+              <a:t>Структура ПО</a:t>
+            </a:r>
+            <a:endParaRPr lang="ru-RU" dirty="0"/>
+          </a:p>
+        </p:txBody>
+      </p:sp>
+      <p:sp>
+        <p:nvSpPr>
+          <p:cNvPr id="3" name="Содержимое 2"/>
+          <p:cNvSpPr>
+            <a:spLocks noGrp="1"/>
+          </p:cNvSpPr>
+          <p:nvPr>
+            <p:ph idx="1"/>
+          </p:nvPr>
+        </p:nvSpPr>
+        <p:spPr/>
+        <p:txBody>
+          <a:bodyPr/>
+          <a:lstStyle/>
+          <a:p>
+            <a:endParaRPr lang="ru-RU"/>
+          </a:p>
+        </p:txBody>
+      </p:sp>
+      <p:sp>
+        <p:nvSpPr>
+          <p:cNvPr id="4" name="Номер слайда 3"/>
+          <p:cNvSpPr>
+            <a:spLocks noGrp="1"/>
+          </p:cNvSpPr>
+          <p:nvPr>
+            <p:ph type="sldNum" sz="quarter" idx="12"/>
+          </p:nvPr>
+        </p:nvSpPr>
+        <p:spPr/>
+        <p:txBody>
+          <a:bodyPr/>
+          <a:lstStyle/>
+          <a:p>
+            <a:fld id="{6ACCCD26-A6AD-4D04-8A48-0C02F87992A0}" type="slidenum">
+              <a:rPr lang="ru-RU" smtClean="0"/>
+              <a:pPr/>
+              <a:t>20</a:t>
+            </a:fld>
+            <a:endParaRPr lang="ru-RU"/>
+          </a:p>
+        </p:txBody>
+      </p:sp>
+    </p:spTree>
+  </p:cSld>
+  <p:clrMapOvr>
+    <a:masterClrMapping/>
+  </p:clrMapOvr>
+</p:sld>
+</file>
+
+<file path=ppt/slides/slide21.xml><?xml version="1.0" encoding="utf-8"?>
+<p:sld xmlns:a="http://schemas.openxmlformats.org/drawingml/2006/main" xmlns:r="http://schemas.openxmlformats.org/officeDocument/2006/relationships" xmlns:p="http://schemas.openxmlformats.org/presentationml/2006/main">
+  <p:cSld>
+    <p:spTree>
+      <p:nvGrpSpPr>
+        <p:cNvPr id="1" name=""/>
+        <p:cNvGrpSpPr/>
+        <p:nvPr/>
+      </p:nvGrpSpPr>
+      <p:grpSpPr>
+        <a:xfrm>
+          <a:off x="0" y="0"/>
+          <a:ext cx="0" cy="0"/>
+          <a:chOff x="0" y="0"/>
+          <a:chExt cx="0" cy="0"/>
+        </a:xfrm>
+      </p:grpSpPr>
+      <p:sp>
+        <p:nvSpPr>
+          <p:cNvPr id="2" name="Заголовок 1"/>
+          <p:cNvSpPr>
+            <a:spLocks noGrp="1"/>
+          </p:cNvSpPr>
+          <p:nvPr>
+            <p:ph type="title"/>
+          </p:nvPr>
+        </p:nvSpPr>
+        <p:spPr/>
+        <p:txBody>
+          <a:bodyPr/>
+          <a:lstStyle/>
+          <a:p>
+            <a:r>
+              <a:rPr lang="ru-RU" dirty="0" smtClean="0"/>
+              <a:t>Результаты исследований</a:t>
+            </a:r>
+            <a:endParaRPr lang="ru-RU" dirty="0"/>
+          </a:p>
+        </p:txBody>
+      </p:sp>
+      <p:sp>
+        <p:nvSpPr>
+          <p:cNvPr id="3" name="Содержимое 2"/>
+          <p:cNvSpPr>
+            <a:spLocks noGrp="1"/>
+          </p:cNvSpPr>
+          <p:nvPr>
+            <p:ph idx="1"/>
+          </p:nvPr>
+        </p:nvSpPr>
+        <p:spPr/>
+        <p:txBody>
+          <a:bodyPr/>
+          <a:lstStyle/>
+          <a:p>
+            <a:r>
+              <a:rPr lang="ru-RU" dirty="0" smtClean="0"/>
+              <a:t>Надо каким-то образом показать вклад каждого из этапов на итоговый результат…</a:t>
+            </a:r>
+            <a:endParaRPr lang="ru-RU" dirty="0"/>
+          </a:p>
+        </p:txBody>
+      </p:sp>
+      <p:sp>
+        <p:nvSpPr>
+          <p:cNvPr id="4" name="Номер слайда 3"/>
+          <p:cNvSpPr>
+            <a:spLocks noGrp="1"/>
+          </p:cNvSpPr>
+          <p:nvPr>
+            <p:ph type="sldNum" sz="quarter" idx="12"/>
+          </p:nvPr>
+        </p:nvSpPr>
+        <p:spPr/>
+        <p:txBody>
+          <a:bodyPr/>
+          <a:lstStyle/>
+          <a:p>
+            <a:fld id="{6ACCCD26-A6AD-4D04-8A48-0C02F87992A0}" type="slidenum">
+              <a:rPr lang="ru-RU" smtClean="0"/>
+              <a:pPr/>
+              <a:t>21</a:t>
+            </a:fld>
+            <a:endParaRPr lang="ru-RU"/>
+          </a:p>
+        </p:txBody>
+      </p:sp>
+    </p:spTree>
+  </p:cSld>
+  <p:clrMapOvr>
+    <a:masterClrMapping/>
+  </p:clrMapOvr>
 </p:sld>
 </file>
 

--- a/presentations/diplom/static race detection.pptx
+++ b/presentations/diplom/static race detection.pptx
@@ -5,7 +5,7 @@
     <p:sldMasterId id="2147483648" r:id="rId1"/>
   </p:sldMasterIdLst>
   <p:notesMasterIdLst>
-    <p:notesMasterId r:id="rId23"/>
+    <p:notesMasterId r:id="rId22"/>
   </p:notesMasterIdLst>
   <p:sldIdLst>
     <p:sldId id="256" r:id="rId2"/>
@@ -26,9 +26,8 @@
     <p:sldId id="262" r:id="rId17"/>
     <p:sldId id="263" r:id="rId18"/>
     <p:sldId id="284" r:id="rId19"/>
-    <p:sldId id="266" r:id="rId20"/>
-    <p:sldId id="274" r:id="rId21"/>
-    <p:sldId id="271" r:id="rId22"/>
+    <p:sldId id="274" r:id="rId20"/>
+    <p:sldId id="271" r:id="rId21"/>
   </p:sldIdLst>
   <p:sldSz cx="9144000" cy="6858000" type="screen4x3"/>
   <p:notesSz cx="6858000" cy="9144000"/>
@@ -14053,7 +14052,7 @@
           <a:p>
             <a:r>
               <a:rPr lang="ru-RU" dirty="0" smtClean="0"/>
-              <a:t>Генерация предупреждений</a:t>
+              <a:t>Структура ПО</a:t>
             </a:r>
             <a:endParaRPr lang="ru-RU" dirty="0"/>
           </a:p>
@@ -14071,550 +14070,10 @@
         </p:nvSpPr>
         <p:spPr/>
         <p:txBody>
-          <a:bodyPr>
-            <a:normAutofit fontScale="85000" lnSpcReduction="10000"/>
-          </a:bodyPr>
+          <a:bodyPr/>
           <a:lstStyle/>
           <a:p>
-            <a:pPr lvl="3">
-              <a:buNone/>
-            </a:pPr>
-            <a:r>
-              <a:rPr lang="en-US" sz="2200" u="sng" dirty="0" err="1" smtClean="0">
-                <a:latin typeface="Times New Roman" pitchFamily="18" charset="0"/>
-                <a:cs typeface="Times New Roman" pitchFamily="18" charset="0"/>
-              </a:rPr>
-              <a:t>foreach</a:t>
-            </a:r>
-            <a:r>
-              <a:rPr lang="en-US" sz="2200" u="sng" dirty="0" smtClean="0">
-                <a:latin typeface="Times New Roman" pitchFamily="18" charset="0"/>
-                <a:cs typeface="Times New Roman" pitchFamily="18" charset="0"/>
-              </a:rPr>
-              <a:t> </a:t>
-            </a:r>
-            <a:r>
-              <a:rPr lang="en-US" sz="2200" dirty="0" smtClean="0">
-                <a:latin typeface="Times New Roman" pitchFamily="18" charset="0"/>
-                <a:cs typeface="Times New Roman" pitchFamily="18" charset="0"/>
-              </a:rPr>
-              <a:t>(f, f’) </a:t>
-            </a:r>
-            <a:r>
-              <a:rPr lang="en-US" sz="2200" u="sng" dirty="0" smtClean="0">
-                <a:latin typeface="Times New Roman" pitchFamily="18" charset="0"/>
-                <a:cs typeface="Times New Roman" pitchFamily="18" charset="0"/>
-              </a:rPr>
-              <a:t>in</a:t>
-            </a:r>
-            <a:r>
-              <a:rPr lang="en-US" sz="2200" dirty="0" smtClean="0">
-                <a:latin typeface="Times New Roman" pitchFamily="18" charset="0"/>
-                <a:cs typeface="Times New Roman" pitchFamily="18" charset="0"/>
-              </a:rPr>
-              <a:t> </a:t>
-            </a:r>
-            <a:r>
-              <a:rPr lang="en-US" sz="2200" b="1" dirty="0" err="1" smtClean="0">
-                <a:latin typeface="Times New Roman" pitchFamily="18" charset="0"/>
-                <a:cs typeface="Times New Roman" pitchFamily="18" charset="0"/>
-              </a:rPr>
-              <a:t>threadEntryPoints</a:t>
-            </a:r>
-            <a:r>
-              <a:rPr lang="en-US" sz="2200" dirty="0" smtClean="0">
-                <a:latin typeface="Times New Roman" pitchFamily="18" charset="0"/>
-                <a:cs typeface="Times New Roman" pitchFamily="18" charset="0"/>
-              </a:rPr>
-              <a:t> </a:t>
-            </a:r>
-            <a:r>
-              <a:rPr lang="en-US" sz="2200" u="sng" dirty="0" smtClean="0">
-                <a:latin typeface="Times New Roman" pitchFamily="18" charset="0"/>
-                <a:cs typeface="Times New Roman" pitchFamily="18" charset="0"/>
-              </a:rPr>
-              <a:t>do</a:t>
-            </a:r>
-          </a:p>
-          <a:p>
-            <a:pPr lvl="3">
-              <a:buNone/>
-            </a:pPr>
-            <a:r>
-              <a:rPr lang="en-US" sz="2200" dirty="0" smtClean="0">
-                <a:latin typeface="Times New Roman" pitchFamily="18" charset="0"/>
-                <a:cs typeface="Times New Roman" pitchFamily="18" charset="0"/>
-              </a:rPr>
-              <a:t>    </a:t>
-            </a:r>
-            <a:r>
-              <a:rPr lang="en-US" sz="2200" u="sng" dirty="0" err="1" smtClean="0">
-                <a:latin typeface="Times New Roman" pitchFamily="18" charset="0"/>
-                <a:cs typeface="Times New Roman" pitchFamily="18" charset="0"/>
-              </a:rPr>
-              <a:t>foreach</a:t>
-            </a:r>
-            <a:r>
-              <a:rPr lang="en-US" sz="2200" dirty="0" smtClean="0">
-                <a:latin typeface="Times New Roman" pitchFamily="18" charset="0"/>
-                <a:cs typeface="Times New Roman" pitchFamily="18" charset="0"/>
-              </a:rPr>
-              <a:t> (o, L, k) </a:t>
-            </a:r>
-            <a:r>
-              <a:rPr lang="en-US" sz="2200" u="sng" dirty="0" smtClean="0">
-                <a:latin typeface="Times New Roman" pitchFamily="18" charset="0"/>
-                <a:cs typeface="Times New Roman" pitchFamily="18" charset="0"/>
-              </a:rPr>
-              <a:t>in</a:t>
-            </a:r>
-            <a:r>
-              <a:rPr lang="en-US" sz="2200" dirty="0" smtClean="0">
-                <a:latin typeface="Times New Roman" pitchFamily="18" charset="0"/>
-                <a:cs typeface="Times New Roman" pitchFamily="18" charset="0"/>
-              </a:rPr>
-              <a:t> </a:t>
-            </a:r>
-            <a:r>
-              <a:rPr lang="en-US" sz="2200" b="1" dirty="0" err="1" smtClean="0">
-                <a:latin typeface="Times New Roman" pitchFamily="18" charset="0"/>
-                <a:cs typeface="Times New Roman" pitchFamily="18" charset="0"/>
-              </a:rPr>
-              <a:t>accessSummary</a:t>
-            </a:r>
-            <a:r>
-              <a:rPr lang="en-US" sz="2200" dirty="0" smtClean="0">
-                <a:latin typeface="Times New Roman" pitchFamily="18" charset="0"/>
-                <a:cs typeface="Times New Roman" pitchFamily="18" charset="0"/>
-              </a:rPr>
-              <a:t>(f) </a:t>
-            </a:r>
-            <a:r>
-              <a:rPr lang="en-US" sz="2200" u="sng" dirty="0" smtClean="0">
-                <a:latin typeface="Times New Roman" pitchFamily="18" charset="0"/>
-                <a:cs typeface="Times New Roman" pitchFamily="18" charset="0"/>
-              </a:rPr>
-              <a:t>do</a:t>
-            </a:r>
-          </a:p>
-          <a:p>
-            <a:pPr lvl="3">
-              <a:buNone/>
-            </a:pPr>
-            <a:r>
-              <a:rPr lang="en-US" sz="2200" dirty="0" smtClean="0">
-                <a:latin typeface="Times New Roman" pitchFamily="18" charset="0"/>
-                <a:cs typeface="Times New Roman" pitchFamily="18" charset="0"/>
-              </a:rPr>
-              <a:t>        </a:t>
-            </a:r>
-            <a:r>
-              <a:rPr lang="en-US" sz="2200" u="sng" dirty="0" err="1" smtClean="0">
-                <a:latin typeface="Times New Roman" pitchFamily="18" charset="0"/>
-                <a:cs typeface="Times New Roman" pitchFamily="18" charset="0"/>
-              </a:rPr>
-              <a:t>foreach</a:t>
-            </a:r>
-            <a:r>
-              <a:rPr lang="en-US" sz="2200" dirty="0" smtClean="0">
-                <a:latin typeface="Times New Roman" pitchFamily="18" charset="0"/>
-                <a:cs typeface="Times New Roman" pitchFamily="18" charset="0"/>
-              </a:rPr>
-              <a:t> (o’, L’, k’) </a:t>
-            </a:r>
-            <a:r>
-              <a:rPr lang="en-US" sz="2200" u="sng" dirty="0" smtClean="0">
-                <a:latin typeface="Times New Roman" pitchFamily="18" charset="0"/>
-                <a:cs typeface="Times New Roman" pitchFamily="18" charset="0"/>
-              </a:rPr>
-              <a:t>in</a:t>
-            </a:r>
-            <a:r>
-              <a:rPr lang="en-US" sz="2200" dirty="0" smtClean="0">
-                <a:latin typeface="Times New Roman" pitchFamily="18" charset="0"/>
-                <a:cs typeface="Times New Roman" pitchFamily="18" charset="0"/>
-              </a:rPr>
-              <a:t> </a:t>
-            </a:r>
-            <a:r>
-              <a:rPr lang="en-US" sz="2200" b="1" dirty="0" err="1" smtClean="0">
-                <a:latin typeface="Times New Roman" pitchFamily="18" charset="0"/>
-                <a:cs typeface="Times New Roman" pitchFamily="18" charset="0"/>
-              </a:rPr>
-              <a:t>accessSummary</a:t>
-            </a:r>
-            <a:r>
-              <a:rPr lang="en-US" sz="2200" dirty="0" smtClean="0">
-                <a:latin typeface="Times New Roman" pitchFamily="18" charset="0"/>
-                <a:cs typeface="Times New Roman" pitchFamily="18" charset="0"/>
-              </a:rPr>
-              <a:t>(f’) </a:t>
-            </a:r>
-            <a:r>
-              <a:rPr lang="en-US" sz="2200" u="sng" dirty="0" smtClean="0">
-                <a:latin typeface="Times New Roman" pitchFamily="18" charset="0"/>
-                <a:cs typeface="Times New Roman" pitchFamily="18" charset="0"/>
-              </a:rPr>
-              <a:t>do</a:t>
-            </a:r>
-          </a:p>
-          <a:p>
-            <a:pPr lvl="3">
-              <a:buNone/>
-            </a:pPr>
-            <a:r>
-              <a:rPr lang="en-US" sz="2200" dirty="0" smtClean="0">
-                <a:latin typeface="Times New Roman" pitchFamily="18" charset="0"/>
-                <a:cs typeface="Times New Roman" pitchFamily="18" charset="0"/>
-              </a:rPr>
-              <a:t>            (L</a:t>
-            </a:r>
-            <a:r>
-              <a:rPr lang="en-US" sz="2200" baseline="-25000" dirty="0" smtClean="0">
-                <a:latin typeface="Times New Roman" pitchFamily="18" charset="0"/>
-                <a:cs typeface="Times New Roman" pitchFamily="18" charset="0"/>
-              </a:rPr>
-              <a:t>+</a:t>
-            </a:r>
-            <a:r>
-              <a:rPr lang="en-US" sz="2200" dirty="0" smtClean="0">
-                <a:latin typeface="Times New Roman" pitchFamily="18" charset="0"/>
-                <a:cs typeface="Times New Roman" pitchFamily="18" charset="0"/>
-              </a:rPr>
-              <a:t>, L</a:t>
-            </a:r>
-            <a:r>
-              <a:rPr lang="en-US" sz="2200" baseline="-25000" dirty="0" smtClean="0">
-                <a:latin typeface="Times New Roman" pitchFamily="18" charset="0"/>
-                <a:cs typeface="Times New Roman" pitchFamily="18" charset="0"/>
-              </a:rPr>
-              <a:t>-</a:t>
-            </a:r>
-            <a:r>
-              <a:rPr lang="en-US" sz="2200" dirty="0" smtClean="0">
-                <a:latin typeface="Times New Roman" pitchFamily="18" charset="0"/>
-                <a:cs typeface="Times New Roman" pitchFamily="18" charset="0"/>
-              </a:rPr>
-              <a:t>) = L; (L</a:t>
-            </a:r>
-            <a:r>
-              <a:rPr lang="en-US" sz="2200" baseline="-25000" dirty="0" smtClean="0">
-                <a:latin typeface="Times New Roman" pitchFamily="18" charset="0"/>
-                <a:cs typeface="Times New Roman" pitchFamily="18" charset="0"/>
-              </a:rPr>
-              <a:t>+</a:t>
-            </a:r>
-            <a:r>
-              <a:rPr lang="en-US" sz="2200" dirty="0" smtClean="0">
-                <a:latin typeface="Times New Roman" pitchFamily="18" charset="0"/>
-                <a:cs typeface="Times New Roman" pitchFamily="18" charset="0"/>
-              </a:rPr>
-              <a:t>’, L</a:t>
-            </a:r>
-            <a:r>
-              <a:rPr lang="en-US" sz="2200" baseline="-25000" dirty="0" smtClean="0">
-                <a:latin typeface="Times New Roman" pitchFamily="18" charset="0"/>
-                <a:cs typeface="Times New Roman" pitchFamily="18" charset="0"/>
-              </a:rPr>
-              <a:t>-</a:t>
-            </a:r>
-            <a:r>
-              <a:rPr lang="en-US" sz="2200" dirty="0" smtClean="0">
-                <a:latin typeface="Times New Roman" pitchFamily="18" charset="0"/>
-                <a:cs typeface="Times New Roman" pitchFamily="18" charset="0"/>
-              </a:rPr>
-              <a:t>’) = L’</a:t>
-            </a:r>
-          </a:p>
-          <a:p>
-            <a:pPr lvl="3">
-              <a:buNone/>
-            </a:pPr>
-            <a:r>
-              <a:rPr lang="en-US" sz="2200" dirty="0" smtClean="0">
-                <a:latin typeface="Times New Roman" pitchFamily="18" charset="0"/>
-                <a:cs typeface="Times New Roman" pitchFamily="18" charset="0"/>
-              </a:rPr>
-              <a:t>            </a:t>
-            </a:r>
-            <a:r>
-              <a:rPr lang="en-US" sz="2200" u="sng" dirty="0" smtClean="0">
-                <a:latin typeface="Times New Roman" pitchFamily="18" charset="0"/>
-                <a:cs typeface="Times New Roman" pitchFamily="18" charset="0"/>
-              </a:rPr>
-              <a:t>if</a:t>
-            </a:r>
-            <a:r>
-              <a:rPr lang="en-US" sz="2200" dirty="0" smtClean="0">
-                <a:latin typeface="Times New Roman" pitchFamily="18" charset="0"/>
-                <a:cs typeface="Times New Roman" pitchFamily="18" charset="0"/>
-              </a:rPr>
-              <a:t> </a:t>
-            </a:r>
-            <a:r>
-              <a:rPr lang="en-US" sz="2200" b="1" dirty="0" err="1" smtClean="0">
-                <a:latin typeface="Times New Roman" pitchFamily="18" charset="0"/>
-                <a:cs typeface="Times New Roman" pitchFamily="18" charset="0"/>
-              </a:rPr>
-              <a:t>mayEqual</a:t>
-            </a:r>
-            <a:r>
-              <a:rPr lang="en-US" sz="2200" dirty="0" smtClean="0">
-                <a:latin typeface="Times New Roman" pitchFamily="18" charset="0"/>
-                <a:cs typeface="Times New Roman" pitchFamily="18" charset="0"/>
-              </a:rPr>
-              <a:t>(o, o’) and (intersect(L</a:t>
-            </a:r>
-            <a:r>
-              <a:rPr lang="en-US" sz="2200" baseline="-25000" dirty="0" smtClean="0">
-                <a:latin typeface="Times New Roman" pitchFamily="18" charset="0"/>
-                <a:cs typeface="Times New Roman" pitchFamily="18" charset="0"/>
-              </a:rPr>
-              <a:t>+</a:t>
-            </a:r>
-            <a:r>
-              <a:rPr lang="en-US" sz="2200" dirty="0" smtClean="0">
-                <a:latin typeface="Times New Roman" pitchFamily="18" charset="0"/>
-                <a:cs typeface="Times New Roman" pitchFamily="18" charset="0"/>
-              </a:rPr>
-              <a:t>, L</a:t>
-            </a:r>
-            <a:r>
-              <a:rPr lang="en-US" sz="2200" baseline="-25000" dirty="0" smtClean="0">
-                <a:latin typeface="Times New Roman" pitchFamily="18" charset="0"/>
-                <a:cs typeface="Times New Roman" pitchFamily="18" charset="0"/>
-              </a:rPr>
-              <a:t>+</a:t>
-            </a:r>
-            <a:r>
-              <a:rPr lang="en-US" sz="2200" dirty="0" smtClean="0">
-                <a:latin typeface="Times New Roman" pitchFamily="18" charset="0"/>
-                <a:cs typeface="Times New Roman" pitchFamily="18" charset="0"/>
-              </a:rPr>
-              <a:t>’) is empty)</a:t>
-            </a:r>
-          </a:p>
-          <a:p>
-            <a:pPr lvl="3">
-              <a:buNone/>
-            </a:pPr>
-            <a:r>
-              <a:rPr lang="en-US" sz="2200" dirty="0" smtClean="0">
-                <a:latin typeface="Times New Roman" pitchFamily="18" charset="0"/>
-                <a:cs typeface="Times New Roman" pitchFamily="18" charset="0"/>
-              </a:rPr>
-              <a:t>                    and (k == “write” or k’==“write”) </a:t>
-            </a:r>
-            <a:r>
-              <a:rPr lang="en-US" sz="2200" u="sng" dirty="0" smtClean="0">
-                <a:latin typeface="Times New Roman" pitchFamily="18" charset="0"/>
-                <a:cs typeface="Times New Roman" pitchFamily="18" charset="0"/>
-              </a:rPr>
-              <a:t>then</a:t>
-            </a:r>
-          </a:p>
-          <a:p>
-            <a:pPr lvl="3">
-              <a:buNone/>
-            </a:pPr>
-            <a:r>
-              <a:rPr lang="en-US" sz="2200" dirty="0" smtClean="0">
-                <a:latin typeface="Times New Roman" pitchFamily="18" charset="0"/>
-                <a:cs typeface="Times New Roman" pitchFamily="18" charset="0"/>
-              </a:rPr>
-              <a:t>                </a:t>
-            </a:r>
-            <a:r>
-              <a:rPr lang="en-US" sz="2200" b="1" dirty="0" err="1" smtClean="0">
-                <a:latin typeface="Times New Roman" pitchFamily="18" charset="0"/>
-                <a:cs typeface="Times New Roman" pitchFamily="18" charset="0"/>
-              </a:rPr>
-              <a:t>generateWarning</a:t>
-            </a:r>
-            <a:r>
-              <a:rPr lang="en-US" sz="2200" dirty="0" smtClean="0">
-                <a:latin typeface="Times New Roman" pitchFamily="18" charset="0"/>
-                <a:cs typeface="Times New Roman" pitchFamily="18" charset="0"/>
-              </a:rPr>
-              <a:t>(o, o’)</a:t>
-            </a:r>
-          </a:p>
-          <a:p>
-            <a:pPr>
-              <a:buNone/>
-            </a:pPr>
-            <a:endParaRPr lang="en-US" sz="2400" dirty="0" smtClean="0">
-              <a:latin typeface="Times New Roman" pitchFamily="18" charset="0"/>
-              <a:cs typeface="Times New Roman" pitchFamily="18" charset="0"/>
-            </a:endParaRPr>
-          </a:p>
-          <a:p>
-            <a:pPr>
-              <a:buNone/>
-            </a:pPr>
-            <a:r>
-              <a:rPr lang="en-US" sz="2400" b="1" dirty="0" err="1" smtClean="0">
-                <a:latin typeface="Times New Roman" pitchFamily="18" charset="0"/>
-                <a:cs typeface="Times New Roman" pitchFamily="18" charset="0"/>
-              </a:rPr>
-              <a:t>mayEqual</a:t>
-            </a:r>
-            <a:r>
-              <a:rPr lang="en-US" sz="2400" b="1" dirty="0" smtClean="0">
-                <a:latin typeface="Times New Roman" pitchFamily="18" charset="0"/>
-                <a:cs typeface="Times New Roman" pitchFamily="18" charset="0"/>
-              </a:rPr>
-              <a:t>(o, o’) </a:t>
-            </a:r>
-            <a:r>
-              <a:rPr lang="en-US" sz="2400" dirty="0" smtClean="0">
-                <a:latin typeface="Times New Roman" pitchFamily="18" charset="0"/>
-                <a:cs typeface="Times New Roman" pitchFamily="18" charset="0"/>
-              </a:rPr>
-              <a:t>– </a:t>
-            </a:r>
-            <a:r>
-              <a:rPr lang="ru-RU" sz="2400" dirty="0" smtClean="0">
-                <a:latin typeface="Times New Roman" pitchFamily="18" charset="0"/>
-                <a:cs typeface="Times New Roman" pitchFamily="18" charset="0"/>
-              </a:rPr>
-              <a:t>проверяет </a:t>
-            </a:r>
-            <a:r>
-              <a:rPr lang="en-US" sz="2400" dirty="0" smtClean="0">
-                <a:latin typeface="Times New Roman" pitchFamily="18" charset="0"/>
-                <a:cs typeface="Times New Roman" pitchFamily="18" charset="0"/>
-              </a:rPr>
-              <a:t>o </a:t>
-            </a:r>
-            <a:r>
-              <a:rPr lang="ru-RU" sz="2400" dirty="0" smtClean="0">
-                <a:latin typeface="Times New Roman" pitchFamily="18" charset="0"/>
-                <a:cs typeface="Times New Roman" pitchFamily="18" charset="0"/>
-              </a:rPr>
-              <a:t>и </a:t>
-            </a:r>
-            <a:r>
-              <a:rPr lang="en-US" sz="2400" dirty="0" smtClean="0">
-                <a:latin typeface="Times New Roman" pitchFamily="18" charset="0"/>
-                <a:cs typeface="Times New Roman" pitchFamily="18" charset="0"/>
-              </a:rPr>
-              <a:t>o’ </a:t>
-            </a:r>
-            <a:r>
-              <a:rPr lang="ru-RU" sz="2400" dirty="0" smtClean="0">
-                <a:latin typeface="Times New Roman" pitchFamily="18" charset="0"/>
-                <a:cs typeface="Times New Roman" pitchFamily="18" charset="0"/>
-              </a:rPr>
-              <a:t>ссылаются на одну и ту же область памяти или нет</a:t>
-            </a:r>
-          </a:p>
-          <a:p>
-            <a:pPr>
-              <a:buNone/>
-            </a:pPr>
-            <a:r>
-              <a:rPr lang="en-US" sz="2400" b="1" dirty="0" err="1" smtClean="0">
-                <a:latin typeface="Times New Roman" pitchFamily="18" charset="0"/>
-                <a:cs typeface="Times New Roman" pitchFamily="18" charset="0"/>
-              </a:rPr>
-              <a:t>threadEntryPoints</a:t>
-            </a:r>
-            <a:r>
-              <a:rPr lang="en-US" sz="2400" dirty="0" smtClean="0">
-                <a:latin typeface="Times New Roman" pitchFamily="18" charset="0"/>
-                <a:cs typeface="Times New Roman" pitchFamily="18" charset="0"/>
-              </a:rPr>
-              <a:t> – </a:t>
-            </a:r>
-            <a:r>
-              <a:rPr lang="ru-RU" sz="2400" dirty="0" smtClean="0">
-                <a:latin typeface="Times New Roman" pitchFamily="18" charset="0"/>
-                <a:cs typeface="Times New Roman" pitchFamily="18" charset="0"/>
-              </a:rPr>
-              <a:t>все точки входа в потоки</a:t>
-            </a:r>
-          </a:p>
-          <a:p>
-            <a:pPr>
-              <a:buNone/>
-            </a:pPr>
-            <a:r>
-              <a:rPr lang="en-US" sz="2400" b="1" dirty="0" err="1" smtClean="0">
-                <a:latin typeface="Times New Roman" pitchFamily="18" charset="0"/>
-                <a:cs typeface="Times New Roman" pitchFamily="18" charset="0"/>
-              </a:rPr>
-              <a:t>accessSummary</a:t>
-            </a:r>
-            <a:r>
-              <a:rPr lang="en-US" sz="2400" b="1" dirty="0" smtClean="0">
-                <a:latin typeface="Times New Roman" pitchFamily="18" charset="0"/>
-                <a:cs typeface="Times New Roman" pitchFamily="18" charset="0"/>
-              </a:rPr>
-              <a:t>(f) </a:t>
-            </a:r>
-            <a:r>
-              <a:rPr lang="en-US" sz="2400" dirty="0" smtClean="0">
-                <a:latin typeface="Times New Roman" pitchFamily="18" charset="0"/>
-                <a:cs typeface="Times New Roman" pitchFamily="18" charset="0"/>
-              </a:rPr>
-              <a:t>– </a:t>
-            </a:r>
-            <a:r>
-              <a:rPr lang="ru-RU" sz="2400" dirty="0" smtClean="0">
-                <a:latin typeface="Times New Roman" pitchFamily="18" charset="0"/>
-                <a:cs typeface="Times New Roman" pitchFamily="18" charset="0"/>
-              </a:rPr>
-              <a:t>обобщение защищенного доступа для функции </a:t>
-            </a:r>
-            <a:r>
-              <a:rPr lang="en-US" sz="2400" dirty="0" smtClean="0">
-                <a:latin typeface="Times New Roman" pitchFamily="18" charset="0"/>
-                <a:cs typeface="Times New Roman" pitchFamily="18" charset="0"/>
-              </a:rPr>
-              <a:t>f</a:t>
-            </a:r>
-            <a:endParaRPr lang="ru-RU" sz="2400" dirty="0" smtClean="0">
-              <a:latin typeface="Times New Roman" pitchFamily="18" charset="0"/>
-              <a:cs typeface="Times New Roman" pitchFamily="18" charset="0"/>
-            </a:endParaRPr>
-          </a:p>
-          <a:p>
-            <a:pPr>
-              <a:buNone/>
-            </a:pPr>
-            <a:r>
-              <a:rPr lang="en-US" sz="2400" b="1" dirty="0" err="1" smtClean="0">
-                <a:latin typeface="Times New Roman" pitchFamily="18" charset="0"/>
-                <a:cs typeface="Times New Roman" pitchFamily="18" charset="0"/>
-              </a:rPr>
-              <a:t>generateWarning</a:t>
-            </a:r>
-            <a:r>
-              <a:rPr lang="en-US" sz="2400" b="1" dirty="0" smtClean="0">
-                <a:latin typeface="Times New Roman" pitchFamily="18" charset="0"/>
-                <a:cs typeface="Times New Roman" pitchFamily="18" charset="0"/>
-              </a:rPr>
-              <a:t>(o, o’) </a:t>
-            </a:r>
-            <a:r>
-              <a:rPr lang="en-US" sz="2400" dirty="0" smtClean="0">
-                <a:latin typeface="Times New Roman" pitchFamily="18" charset="0"/>
-                <a:cs typeface="Times New Roman" pitchFamily="18" charset="0"/>
-              </a:rPr>
-              <a:t>– </a:t>
-            </a:r>
-            <a:r>
-              <a:rPr lang="ru-RU" sz="2400" dirty="0" smtClean="0">
-                <a:latin typeface="Times New Roman" pitchFamily="18" charset="0"/>
-                <a:cs typeface="Times New Roman" pitchFamily="18" charset="0"/>
-              </a:rPr>
-              <a:t>генерация предупреждения о возможном возникновении гонок</a:t>
-            </a:r>
-            <a:endParaRPr lang="en-US" sz="2400" dirty="0" smtClean="0">
-              <a:latin typeface="Times New Roman" pitchFamily="18" charset="0"/>
-              <a:cs typeface="Times New Roman" pitchFamily="18" charset="0"/>
-            </a:endParaRPr>
+            <a:endParaRPr lang="ru-RU"/>
           </a:p>
         </p:txBody>
       </p:sp>
@@ -14647,13 +14106,6 @@
   <p:clrMapOvr>
     <a:masterClrMapping/>
   </p:clrMapOvr>
-  <p:timing>
-    <p:tnLst>
-      <p:par>
-        <p:cTn id="1" dur="indefinite" restart="never" nodeType="tmRoot"/>
-      </p:par>
-    </p:tnLst>
-  </p:timing>
 </p:sld>
 </file>
 
@@ -14849,7 +14301,7 @@
           <a:p>
             <a:r>
               <a:rPr lang="ru-RU" dirty="0" smtClean="0"/>
-              <a:t>Структура ПО</a:t>
+              <a:t>Результаты исследований</a:t>
             </a:r>
             <a:endParaRPr lang="ru-RU" dirty="0"/>
           </a:p>
@@ -14870,7 +14322,11 @@
           <a:bodyPr/>
           <a:lstStyle/>
           <a:p>
-            <a:endParaRPr lang="ru-RU"/>
+            <a:r>
+              <a:rPr lang="ru-RU" dirty="0" smtClean="0"/>
+              <a:t>Надо каким-то образом показать вклад каждого из этапов на итоговый результат…</a:t>
+            </a:r>
+            <a:endParaRPr lang="ru-RU" dirty="0"/>
           </a:p>
         </p:txBody>
       </p:sp>
@@ -14893,101 +14349,6 @@
               <a:rPr lang="ru-RU" smtClean="0"/>
               <a:pPr/>
               <a:t>20</a:t>
-            </a:fld>
-            <a:endParaRPr lang="ru-RU"/>
-          </a:p>
-        </p:txBody>
-      </p:sp>
-    </p:spTree>
-  </p:cSld>
-  <p:clrMapOvr>
-    <a:masterClrMapping/>
-  </p:clrMapOvr>
-</p:sld>
-</file>
-
-<file path=ppt/slides/slide21.xml><?xml version="1.0" encoding="utf-8"?>
-<p:sld xmlns:a="http://schemas.openxmlformats.org/drawingml/2006/main" xmlns:r="http://schemas.openxmlformats.org/officeDocument/2006/relationships" xmlns:p="http://schemas.openxmlformats.org/presentationml/2006/main">
-  <p:cSld>
-    <p:spTree>
-      <p:nvGrpSpPr>
-        <p:cNvPr id="1" name=""/>
-        <p:cNvGrpSpPr/>
-        <p:nvPr/>
-      </p:nvGrpSpPr>
-      <p:grpSpPr>
-        <a:xfrm>
-          <a:off x="0" y="0"/>
-          <a:ext cx="0" cy="0"/>
-          <a:chOff x="0" y="0"/>
-          <a:chExt cx="0" cy="0"/>
-        </a:xfrm>
-      </p:grpSpPr>
-      <p:sp>
-        <p:nvSpPr>
-          <p:cNvPr id="2" name="Заголовок 1"/>
-          <p:cNvSpPr>
-            <a:spLocks noGrp="1"/>
-          </p:cNvSpPr>
-          <p:nvPr>
-            <p:ph type="title"/>
-          </p:nvPr>
-        </p:nvSpPr>
-        <p:spPr/>
-        <p:txBody>
-          <a:bodyPr/>
-          <a:lstStyle/>
-          <a:p>
-            <a:r>
-              <a:rPr lang="ru-RU" dirty="0" smtClean="0"/>
-              <a:t>Результаты исследований</a:t>
-            </a:r>
-            <a:endParaRPr lang="ru-RU" dirty="0"/>
-          </a:p>
-        </p:txBody>
-      </p:sp>
-      <p:sp>
-        <p:nvSpPr>
-          <p:cNvPr id="3" name="Содержимое 2"/>
-          <p:cNvSpPr>
-            <a:spLocks noGrp="1"/>
-          </p:cNvSpPr>
-          <p:nvPr>
-            <p:ph idx="1"/>
-          </p:nvPr>
-        </p:nvSpPr>
-        <p:spPr/>
-        <p:txBody>
-          <a:bodyPr/>
-          <a:lstStyle/>
-          <a:p>
-            <a:r>
-              <a:rPr lang="ru-RU" dirty="0" smtClean="0"/>
-              <a:t>Надо каким-то образом показать вклад каждого из этапов на итоговый результат…</a:t>
-            </a:r>
-            <a:endParaRPr lang="ru-RU" dirty="0"/>
-          </a:p>
-        </p:txBody>
-      </p:sp>
-      <p:sp>
-        <p:nvSpPr>
-          <p:cNvPr id="4" name="Номер слайда 3"/>
-          <p:cNvSpPr>
-            <a:spLocks noGrp="1"/>
-          </p:cNvSpPr>
-          <p:nvPr>
-            <p:ph type="sldNum" sz="quarter" idx="12"/>
-          </p:nvPr>
-        </p:nvSpPr>
-        <p:spPr/>
-        <p:txBody>
-          <a:bodyPr/>
-          <a:lstStyle/>
-          <a:p>
-            <a:fld id="{6ACCCD26-A6AD-4D04-8A48-0C02F87992A0}" type="slidenum">
-              <a:rPr lang="ru-RU" smtClean="0"/>
-              <a:pPr/>
-              <a:t>21</a:t>
             </a:fld>
             <a:endParaRPr lang="ru-RU"/>
           </a:p>

--- a/presentations/diplom/static race detection.pptx
+++ b/presentations/diplom/static race detection.pptx
@@ -7487,7 +7487,7 @@
         </p:nvSpPr>
         <p:spPr>
           <a:xfrm>
-            <a:off x="683568" y="2636912"/>
+            <a:off x="683568" y="2420888"/>
             <a:ext cx="7776864" cy="646331"/>
           </a:xfrm>
           <a:prstGeom prst="rect">
@@ -7531,7 +7531,7 @@
           <p:nvPr/>
         </p:nvGraphicFramePr>
         <p:xfrm>
-          <a:off x="683568" y="3501009"/>
+          <a:off x="683568" y="3140968"/>
           <a:ext cx="7776864" cy="406790"/>
         </p:xfrm>
         <a:graphic>
@@ -7550,8 +7550,8 @@
         </p:nvSpPr>
         <p:spPr>
           <a:xfrm>
-            <a:off x="683568" y="4149080"/>
-            <a:ext cx="7864158" cy="2031325"/>
+            <a:off x="683568" y="3645024"/>
+            <a:ext cx="7864158" cy="2585323"/>
           </a:xfrm>
           <a:prstGeom prst="rect">
             <a:avLst/>
@@ -7575,13 +7575,26 @@
             </a:r>
             <a:r>
               <a:rPr lang="ru-RU" dirty="0" smtClean="0"/>
-              <a:t>заменяет формальные параметры функции на значения, переданные в неё</a:t>
-            </a:r>
+              <a:t>заменяет формальные параметры функции на значения, переданные в неё (это я еще подумаю </a:t>
+            </a:r>
+            <a:r>
+              <a:rPr lang="ru-RU" smtClean="0"/>
+              <a:t>как описать!)</a:t>
+            </a:r>
+            <a:endParaRPr lang="ru-RU" dirty="0" smtClean="0"/>
           </a:p>
           <a:p>
             <a:r>
               <a:rPr lang="en-US" dirty="0" smtClean="0"/>
-              <a:t>getNextBlock – </a:t>
+              <a:t>getNextBlock(</a:t>
+            </a:r>
+            <a:r>
+              <a:rPr lang="en-US" dirty="0" err="1" smtClean="0"/>
+              <a:t>instr</a:t>
+            </a:r>
+            <a:r>
+              <a:rPr lang="en-US" dirty="0" smtClean="0"/>
+              <a:t>) – </a:t>
             </a:r>
             <a:r>
               <a:rPr lang="ru-RU" dirty="0" smtClean="0"/>
@@ -7591,7 +7604,15 @@
           <a:p>
             <a:r>
               <a:rPr lang="en-US" dirty="0" smtClean="0"/>
-              <a:t>getLeftBlock – </a:t>
+              <a:t>getLeftBlock(</a:t>
+            </a:r>
+            <a:r>
+              <a:rPr lang="en-US" dirty="0" err="1" smtClean="0"/>
+              <a:t>instr</a:t>
+            </a:r>
+            <a:r>
+              <a:rPr lang="en-US" dirty="0" smtClean="0"/>
+              <a:t>) – </a:t>
             </a:r>
             <a:r>
               <a:rPr lang="ru-RU" dirty="0" smtClean="0"/>
@@ -7601,7 +7622,15 @@
           <a:p>
             <a:r>
               <a:rPr lang="en-US" dirty="0" smtClean="0"/>
-              <a:t>getRightBlock </a:t>
+              <a:t>getRightBlock(</a:t>
+            </a:r>
+            <a:r>
+              <a:rPr lang="en-US" dirty="0" err="1" smtClean="0"/>
+              <a:t>instr</a:t>
+            </a:r>
+            <a:r>
+              <a:rPr lang="en-US" dirty="0" smtClean="0"/>
+              <a:t>) </a:t>
             </a:r>
             <a:r>
               <a:rPr lang="en-US" dirty="0" smtClean="0"/>
@@ -7614,6 +7643,20 @@
             <a:r>
               <a:rPr lang="ru-RU" dirty="0" smtClean="0"/>
               <a:t>ложно</a:t>
+            </a:r>
+          </a:p>
+          <a:p>
+            <a:r>
+              <a:rPr lang="en-US" dirty="0" err="1" smtClean="0"/>
+              <a:t>lockSummary</a:t>
+            </a:r>
+            <a:r>
+              <a:rPr lang="en-US" dirty="0" smtClean="0"/>
+              <a:t>(f) – </a:t>
+            </a:r>
+            <a:r>
+              <a:rPr lang="ru-RU" dirty="0" smtClean="0"/>
+              <a:t>обобщение относительного множества блокировок для функции</a:t>
             </a:r>
             <a:endParaRPr lang="ru-RU" dirty="0"/>
           </a:p>

--- a/presentations/diplom/static race detection.pptx
+++ b/presentations/diplom/static race detection.pptx
@@ -5,16 +5,16 @@
     <p:sldMasterId id="2147483648" r:id="rId1"/>
   </p:sldMasterIdLst>
   <p:notesMasterIdLst>
-    <p:notesMasterId r:id="rId22"/>
+    <p:notesMasterId r:id="rId23"/>
   </p:notesMasterIdLst>
   <p:sldIdLst>
     <p:sldId id="256" r:id="rId2"/>
     <p:sldId id="257" r:id="rId3"/>
     <p:sldId id="260" r:id="rId4"/>
     <p:sldId id="273" r:id="rId5"/>
-    <p:sldId id="258" r:id="rId6"/>
-    <p:sldId id="280" r:id="rId7"/>
-    <p:sldId id="259" r:id="rId8"/>
+    <p:sldId id="280" r:id="rId6"/>
+    <p:sldId id="259" r:id="rId7"/>
+    <p:sldId id="258" r:id="rId8"/>
     <p:sldId id="275" r:id="rId9"/>
     <p:sldId id="277" r:id="rId10"/>
     <p:sldId id="276" r:id="rId11"/>
@@ -23,11 +23,12 @@
     <p:sldId id="281" r:id="rId14"/>
     <p:sldId id="279" r:id="rId15"/>
     <p:sldId id="283" r:id="rId16"/>
-    <p:sldId id="262" r:id="rId17"/>
-    <p:sldId id="263" r:id="rId18"/>
-    <p:sldId id="284" r:id="rId19"/>
+    <p:sldId id="286" r:id="rId17"/>
+    <p:sldId id="284" r:id="rId18"/>
+    <p:sldId id="285" r:id="rId19"/>
     <p:sldId id="274" r:id="rId20"/>
-    <p:sldId id="271" r:id="rId21"/>
+    <p:sldId id="287" r:id="rId21"/>
+    <p:sldId id="271" r:id="rId22"/>
   </p:sldIdLst>
   <p:sldSz cx="9144000" cy="6858000" type="screen4x3"/>
   <p:notesSz cx="6858000" cy="9144000"/>
@@ -212,7 +213,7 @@
             <a:fld id="{22010AE4-EAD5-4EEF-A945-6FA18B13F5A9}" type="datetimeFigureOut">
               <a:rPr lang="ru-RU" smtClean="0"/>
               <a:pPr/>
-              <a:t>17.05.2014</a:t>
+              <a:t>18.05.2014</a:t>
             </a:fld>
             <a:endParaRPr lang="ru-RU"/>
           </a:p>
@@ -742,7 +743,7 @@
             <a:fld id="{CEA6B14D-0821-4C2C-82CE-9C65F3F9306A}" type="datetime1">
               <a:rPr lang="ru-RU" smtClean="0"/>
               <a:pPr/>
-              <a:t>17.05.2014</a:t>
+              <a:t>18.05.2014</a:t>
             </a:fld>
             <a:endParaRPr lang="ru-RU"/>
           </a:p>
@@ -909,7 +910,7 @@
             <a:fld id="{CBF73966-6DAD-453D-A6D4-80080695084C}" type="datetime1">
               <a:rPr lang="ru-RU" smtClean="0"/>
               <a:pPr/>
-              <a:t>17.05.2014</a:t>
+              <a:t>18.05.2014</a:t>
             </a:fld>
             <a:endParaRPr lang="ru-RU"/>
           </a:p>
@@ -1086,7 +1087,7 @@
             <a:fld id="{60C2BD43-7D16-471D-94F4-C9721BB6CC51}" type="datetime1">
               <a:rPr lang="ru-RU" smtClean="0"/>
               <a:pPr/>
-              <a:t>17.05.2014</a:t>
+              <a:t>18.05.2014</a:t>
             </a:fld>
             <a:endParaRPr lang="ru-RU"/>
           </a:p>
@@ -1253,7 +1254,7 @@
             <a:fld id="{96A1ED18-55C5-47E1-806F-C13AC0AFFCDF}" type="datetime1">
               <a:rPr lang="ru-RU" smtClean="0"/>
               <a:pPr/>
-              <a:t>17.05.2014</a:t>
+              <a:t>18.05.2014</a:t>
             </a:fld>
             <a:endParaRPr lang="ru-RU"/>
           </a:p>
@@ -1496,7 +1497,7 @@
             <a:fld id="{80CFC8BC-60B2-4B6B-9C0B-678A51AE4FEC}" type="datetime1">
               <a:rPr lang="ru-RU" smtClean="0"/>
               <a:pPr/>
-              <a:t>17.05.2014</a:t>
+              <a:t>18.05.2014</a:t>
             </a:fld>
             <a:endParaRPr lang="ru-RU"/>
           </a:p>
@@ -1781,7 +1782,7 @@
             <a:fld id="{1A23B688-547F-429C-B0D6-4A07BC3EE575}" type="datetime1">
               <a:rPr lang="ru-RU" smtClean="0"/>
               <a:pPr/>
-              <a:t>17.05.2014</a:t>
+              <a:t>18.05.2014</a:t>
             </a:fld>
             <a:endParaRPr lang="ru-RU"/>
           </a:p>
@@ -2200,7 +2201,7 @@
             <a:fld id="{910FAFDB-CCC7-4071-A914-8DA50D8301B3}" type="datetime1">
               <a:rPr lang="ru-RU" smtClean="0"/>
               <a:pPr/>
-              <a:t>17.05.2014</a:t>
+              <a:t>18.05.2014</a:t>
             </a:fld>
             <a:endParaRPr lang="ru-RU"/>
           </a:p>
@@ -2315,7 +2316,7 @@
             <a:fld id="{09D05F4B-8C57-4A06-9BCC-88C4FEC9DF22}" type="datetime1">
               <a:rPr lang="ru-RU" smtClean="0"/>
               <a:pPr/>
-              <a:t>17.05.2014</a:t>
+              <a:t>18.05.2014</a:t>
             </a:fld>
             <a:endParaRPr lang="ru-RU"/>
           </a:p>
@@ -2407,7 +2408,7 @@
             <a:fld id="{878A6FA8-4AF2-436B-B100-EA1CE8823379}" type="datetime1">
               <a:rPr lang="ru-RU" smtClean="0"/>
               <a:pPr/>
-              <a:t>17.05.2014</a:t>
+              <a:t>18.05.2014</a:t>
             </a:fld>
             <a:endParaRPr lang="ru-RU"/>
           </a:p>
@@ -2681,7 +2682,7 @@
             <a:fld id="{749F6870-1B45-47C5-9E9B-0AB301049281}" type="datetime1">
               <a:rPr lang="ru-RU" smtClean="0"/>
               <a:pPr/>
-              <a:t>17.05.2014</a:t>
+              <a:t>18.05.2014</a:t>
             </a:fld>
             <a:endParaRPr lang="ru-RU"/>
           </a:p>
@@ -2931,7 +2932,7 @@
             <a:fld id="{ECD49713-43BE-464A-99A3-7A440665C9A7}" type="datetime1">
               <a:rPr lang="ru-RU" smtClean="0"/>
               <a:pPr/>
-              <a:t>17.05.2014</a:t>
+              <a:t>18.05.2014</a:t>
             </a:fld>
             <a:endParaRPr lang="ru-RU"/>
           </a:p>
@@ -3141,7 +3142,7 @@
             <a:fld id="{66113E02-8A28-4829-8EC3-8D7A05A958CF}" type="datetime1">
               <a:rPr lang="ru-RU" smtClean="0"/>
               <a:pPr/>
-              <a:t>17.05.2014</a:t>
+              <a:t>18.05.2014</a:t>
             </a:fld>
             <a:endParaRPr lang="ru-RU"/>
           </a:p>
@@ -7575,13 +7576,8 @@
             </a:r>
             <a:r>
               <a:rPr lang="ru-RU" dirty="0" smtClean="0"/>
-              <a:t>заменяет формальные параметры функции на значения, переданные в неё (это я еще подумаю </a:t>
-            </a:r>
-            <a:r>
-              <a:rPr lang="ru-RU" smtClean="0"/>
-              <a:t>как описать!)</a:t>
-            </a:r>
-            <a:endParaRPr lang="ru-RU" dirty="0" smtClean="0"/>
+              <a:t>заменяет формальные параметры функции на значения, переданные в неё (это я еще подумаю как описать!)</a:t>
+            </a:r>
           </a:p>
           <a:p>
             <a:r>
@@ -7630,19 +7626,11 @@
             </a:r>
             <a:r>
               <a:rPr lang="en-US" dirty="0" smtClean="0"/>
-              <a:t>) </a:t>
-            </a:r>
-            <a:r>
-              <a:rPr lang="en-US" dirty="0" smtClean="0"/>
-              <a:t>– </a:t>
+              <a:t>) – </a:t>
             </a:r>
             <a:r>
               <a:rPr lang="ru-RU" dirty="0" smtClean="0"/>
-              <a:t>возвращает блок, на который передается выполнение при условном переходе в случае, когда проверяемое условие </a:t>
-            </a:r>
-            <a:r>
-              <a:rPr lang="ru-RU" dirty="0" smtClean="0"/>
-              <a:t>ложно</a:t>
+              <a:t>возвращает блок, на который передается выполнение при условном переходе в случае, когда проверяемое условие ложно</a:t>
             </a:r>
           </a:p>
           <a:p>
@@ -7667,6 +7655,13 @@
   <p:clrMapOvr>
     <a:masterClrMapping/>
   </p:clrMapOvr>
+  <p:timing>
+    <p:tnLst>
+      <p:par>
+        <p:cTn id="1" dur="indefinite" restart="never" nodeType="tmRoot"/>
+      </p:par>
+    </p:tnLst>
+  </p:timing>
 </p:sld>
 </file>
 
@@ -7868,6 +7863,13 @@
   <p:clrMapOvr>
     <a:masterClrMapping/>
   </p:clrMapOvr>
+  <p:timing>
+    <p:tnLst>
+      <p:par>
+        <p:cTn id="1" dur="indefinite" restart="never" nodeType="tmRoot"/>
+      </p:par>
+    </p:tnLst>
+  </p:timing>
 </p:sld>
 </file>
 
@@ -11685,7 +11687,11 @@
           <a:bodyPr/>
           <a:lstStyle/>
           <a:p>
-            <a:endParaRPr lang="ru-RU"/>
+            <a:r>
+              <a:rPr lang="ru-RU" dirty="0" smtClean="0"/>
+              <a:t>Тут будет блок схема алгоритма</a:t>
+            </a:r>
+            <a:endParaRPr lang="ru-RU" dirty="0"/>
           </a:p>
         </p:txBody>
       </p:sp>
@@ -11718,6 +11724,13 @@
   <p:clrMapOvr>
     <a:masterClrMapping/>
   </p:clrMapOvr>
+  <p:timing>
+    <p:tnLst>
+      <p:par>
+        <p:cTn id="1" dur="indefinite" restart="never" nodeType="tmRoot"/>
+      </p:par>
+    </p:tnLst>
+  </p:timing>
 </p:sld>
 </file>
 
@@ -11757,7 +11770,7 @@
           <a:p>
             <a:r>
               <a:rPr lang="ru-RU" dirty="0" smtClean="0"/>
-              <a:t>Анализ относительных множеств блокировок</a:t>
+              <a:t>Формирование таблиц защищённого доступа</a:t>
             </a:r>
             <a:endParaRPr lang="ru-RU" dirty="0"/>
           </a:p>
@@ -11765,1282 +11778,7 @@
       </p:sp>
       <p:sp>
         <p:nvSpPr>
-          <p:cNvPr id="5" name="Прямоугольник 4"/>
-          <p:cNvSpPr/>
-          <p:nvPr/>
-        </p:nvSpPr>
-        <p:spPr>
-          <a:xfrm>
-            <a:off x="3491880" y="2610683"/>
-            <a:ext cx="2880320" cy="4247317"/>
-          </a:xfrm>
-          <a:prstGeom prst="rect">
-            <a:avLst/>
-          </a:prstGeom>
-        </p:spPr>
-        <p:txBody>
-          <a:bodyPr wrap="square">
-            <a:spAutoFit/>
-          </a:bodyPr>
-          <a:lstStyle/>
-          <a:p>
-            <a:r>
-              <a:rPr lang="en-US" dirty="0" err="1" smtClean="0"/>
-              <a:t>airo_read_stats</a:t>
-            </a:r>
-            <a:r>
-              <a:rPr lang="en-US" dirty="0" smtClean="0"/>
-              <a:t>(</a:t>
-            </a:r>
-            <a:r>
-              <a:rPr lang="en-US" dirty="0" err="1" smtClean="0"/>
-              <a:t>ai</a:t>
-            </a:r>
-            <a:r>
-              <a:rPr lang="en-US" dirty="0" smtClean="0"/>
-              <a:t>) {</a:t>
-            </a:r>
-          </a:p>
-          <a:p>
-            <a:r>
-              <a:rPr lang="en-US" dirty="0" smtClean="0"/>
-              <a:t>    if (</a:t>
-            </a:r>
-            <a:r>
-              <a:rPr lang="en-US" dirty="0" err="1" smtClean="0"/>
-              <a:t>ai</a:t>
-            </a:r>
-            <a:r>
-              <a:rPr lang="en-US" dirty="0" smtClean="0"/>
-              <a:t>-&gt;</a:t>
-            </a:r>
-            <a:r>
-              <a:rPr lang="en-US" dirty="0" err="1" smtClean="0"/>
-              <a:t>pwr.ev</a:t>
-            </a:r>
-            <a:r>
-              <a:rPr lang="en-US" dirty="0" smtClean="0"/>
-              <a:t>) {</a:t>
-            </a:r>
-          </a:p>
-          <a:p>
-            <a:r>
-              <a:rPr lang="en-US" dirty="0"/>
-              <a:t> </a:t>
-            </a:r>
-            <a:r>
-              <a:rPr lang="en-US" dirty="0" smtClean="0"/>
-              <a:t>       unlock(&amp;</a:t>
-            </a:r>
-            <a:r>
-              <a:rPr lang="en-US" dirty="0" err="1" smtClean="0"/>
-              <a:t>ai</a:t>
-            </a:r>
-            <a:r>
-              <a:rPr lang="en-US" dirty="0" smtClean="0"/>
-              <a:t>-&gt;lock);</a:t>
-            </a:r>
-          </a:p>
-          <a:p>
-            <a:r>
-              <a:rPr lang="en-US" dirty="0" smtClean="0"/>
-              <a:t>        return;</a:t>
-            </a:r>
-          </a:p>
-          <a:p>
-            <a:r>
-              <a:rPr lang="en-US" dirty="0" smtClean="0"/>
-              <a:t>    }</a:t>
-            </a:r>
-          </a:p>
-          <a:p>
-            <a:r>
-              <a:rPr lang="en-US" dirty="0" smtClean="0"/>
-              <a:t>    unlock(&amp;</a:t>
-            </a:r>
-            <a:r>
-              <a:rPr lang="en-US" dirty="0" err="1" smtClean="0"/>
-              <a:t>ai</a:t>
-            </a:r>
-            <a:r>
-              <a:rPr lang="en-US" dirty="0" smtClean="0"/>
-              <a:t>-&gt;lock);</a:t>
-            </a:r>
-          </a:p>
-          <a:p>
-            <a:r>
-              <a:rPr lang="en-US" dirty="0" smtClean="0"/>
-              <a:t>    </a:t>
-            </a:r>
-            <a:r>
-              <a:rPr lang="en-US" dirty="0" err="1" smtClean="0"/>
-              <a:t>ai</a:t>
-            </a:r>
-            <a:r>
-              <a:rPr lang="en-US" dirty="0" smtClean="0"/>
-              <a:t>-&gt;</a:t>
-            </a:r>
-            <a:r>
-              <a:rPr lang="en-US" dirty="0" err="1" smtClean="0"/>
-              <a:t>stats.rx_p</a:t>
-            </a:r>
-            <a:r>
-              <a:rPr lang="en-US" dirty="0" smtClean="0"/>
-              <a:t> = </a:t>
-            </a:r>
-            <a:r>
-              <a:rPr lang="en-US" dirty="0" err="1" smtClean="0"/>
-              <a:t>vals</a:t>
-            </a:r>
-            <a:r>
-              <a:rPr lang="en-US" dirty="0" smtClean="0"/>
-              <a:t>[43];</a:t>
-            </a:r>
-          </a:p>
-          <a:p>
-            <a:r>
-              <a:rPr lang="en-US" dirty="0" smtClean="0"/>
-              <a:t>}</a:t>
-            </a:r>
-          </a:p>
-          <a:p>
-            <a:endParaRPr lang="en-US" dirty="0"/>
-          </a:p>
-          <a:p>
-            <a:r>
-              <a:rPr lang="en-US" dirty="0" err="1" smtClean="0"/>
-              <a:t>airo_thread</a:t>
-            </a:r>
-            <a:r>
-              <a:rPr lang="en-US" dirty="0" smtClean="0"/>
-              <a:t>(d) {</a:t>
-            </a:r>
-          </a:p>
-          <a:p>
-            <a:r>
-              <a:rPr lang="en-US" dirty="0" smtClean="0"/>
-              <a:t>    dev = d;</a:t>
-            </a:r>
-          </a:p>
-          <a:p>
-            <a:r>
-              <a:rPr lang="en-US" dirty="0" smtClean="0"/>
-              <a:t>    </a:t>
-            </a:r>
-            <a:r>
-              <a:rPr lang="en-US" dirty="0" err="1" smtClean="0"/>
-              <a:t>ai</a:t>
-            </a:r>
-            <a:r>
-              <a:rPr lang="en-US" dirty="0" smtClean="0"/>
-              <a:t> = dev-&gt;</a:t>
-            </a:r>
-            <a:r>
-              <a:rPr lang="en-US" dirty="0" err="1" smtClean="0"/>
-              <a:t>priv</a:t>
-            </a:r>
-            <a:r>
-              <a:rPr lang="en-US" dirty="0" smtClean="0"/>
-              <a:t>;</a:t>
-            </a:r>
-          </a:p>
-          <a:p>
-            <a:r>
-              <a:rPr lang="en-US" dirty="0" smtClean="0"/>
-              <a:t>    lock(&amp;</a:t>
-            </a:r>
-            <a:r>
-              <a:rPr lang="en-US" dirty="0" err="1" smtClean="0"/>
-              <a:t>ai</a:t>
-            </a:r>
-            <a:r>
-              <a:rPr lang="en-US" dirty="0" smtClean="0"/>
-              <a:t>-&gt;lock);</a:t>
-            </a:r>
-          </a:p>
-          <a:p>
-            <a:r>
-              <a:rPr lang="en-US" dirty="0"/>
-              <a:t> </a:t>
-            </a:r>
-            <a:r>
-              <a:rPr lang="en-US" dirty="0" smtClean="0"/>
-              <a:t>   </a:t>
-            </a:r>
-            <a:r>
-              <a:rPr lang="en-US" dirty="0" err="1" smtClean="0"/>
-              <a:t>airo_read_stats</a:t>
-            </a:r>
-            <a:r>
-              <a:rPr lang="en-US" dirty="0" smtClean="0"/>
-              <a:t>(</a:t>
-            </a:r>
-            <a:r>
-              <a:rPr lang="en-US" dirty="0" err="1" smtClean="0"/>
-              <a:t>ai</a:t>
-            </a:r>
-            <a:r>
-              <a:rPr lang="en-US" dirty="0" smtClean="0"/>
-              <a:t>);</a:t>
-            </a:r>
-          </a:p>
-          <a:p>
-            <a:r>
-              <a:rPr lang="en-US" dirty="0" smtClean="0"/>
-              <a:t>}</a:t>
-            </a:r>
-            <a:endParaRPr lang="ru-RU" dirty="0"/>
-          </a:p>
-        </p:txBody>
-      </p:sp>
-      <p:sp>
-        <p:nvSpPr>
-          <p:cNvPr id="6" name="Прямоугольник 5"/>
-          <p:cNvSpPr/>
-          <p:nvPr/>
-        </p:nvSpPr>
-        <p:spPr>
-          <a:xfrm>
-            <a:off x="467544" y="4338875"/>
-            <a:ext cx="2376264" cy="360040"/>
-          </a:xfrm>
-          <a:prstGeom prst="rect">
-            <a:avLst/>
-          </a:prstGeom>
-          <a:solidFill>
-            <a:schemeClr val="bg1"/>
-          </a:solidFill>
-          <a:ln>
-            <a:solidFill>
-              <a:schemeClr val="tx1"/>
-            </a:solidFill>
-          </a:ln>
-        </p:spPr>
-        <p:style>
-          <a:lnRef idx="2">
-            <a:schemeClr val="accent1">
-              <a:shade val="50000"/>
-            </a:schemeClr>
-          </a:lnRef>
-          <a:fillRef idx="1">
-            <a:schemeClr val="accent1"/>
-          </a:fillRef>
-          <a:effectRef idx="0">
-            <a:schemeClr val="accent1"/>
-          </a:effectRef>
-          <a:fontRef idx="minor">
-            <a:schemeClr val="lt1"/>
-          </a:fontRef>
-        </p:style>
-        <p:txBody>
-          <a:bodyPr rtlCol="0" anchor="ctr"/>
-          <a:lstStyle/>
-          <a:p>
-            <a:pPr algn="ctr"/>
-            <a:r>
-              <a:rPr lang="en-US" sz="2000" dirty="0" smtClean="0">
-                <a:solidFill>
-                  <a:schemeClr val="tx1"/>
-                </a:solidFill>
-              </a:rPr>
-              <a:t>L</a:t>
-            </a:r>
-            <a:r>
-              <a:rPr lang="en-US" sz="2000" baseline="-25000" dirty="0" smtClean="0">
-                <a:solidFill>
-                  <a:schemeClr val="tx1"/>
-                </a:solidFill>
-              </a:rPr>
-              <a:t>+</a:t>
-            </a:r>
-            <a:r>
-              <a:rPr lang="en-US" sz="2000" dirty="0" smtClean="0">
-                <a:solidFill>
-                  <a:schemeClr val="tx1"/>
-                </a:solidFill>
-              </a:rPr>
-              <a:t> = {}, L</a:t>
-            </a:r>
-            <a:r>
-              <a:rPr lang="en-US" sz="2000" baseline="-25000" dirty="0" smtClean="0">
-                <a:solidFill>
-                  <a:schemeClr val="tx1"/>
-                </a:solidFill>
-              </a:rPr>
-              <a:t>-</a:t>
-            </a:r>
-            <a:r>
-              <a:rPr lang="en-US" sz="2000" dirty="0" smtClean="0">
-                <a:solidFill>
-                  <a:schemeClr val="tx1"/>
-                </a:solidFill>
-              </a:rPr>
-              <a:t> = {}</a:t>
-            </a:r>
-            <a:endParaRPr lang="ru-RU" sz="2000" dirty="0">
-              <a:solidFill>
-                <a:schemeClr val="tx1"/>
-              </a:solidFill>
-            </a:endParaRPr>
-          </a:p>
-        </p:txBody>
-      </p:sp>
-      <p:cxnSp>
-        <p:nvCxnSpPr>
-          <p:cNvPr id="8" name="Прямая со стрелкой 7"/>
-          <p:cNvCxnSpPr>
-            <a:stCxn id="6" idx="3"/>
-          </p:cNvCxnSpPr>
-          <p:nvPr/>
-        </p:nvCxnSpPr>
-        <p:spPr>
-          <a:xfrm flipV="1">
-            <a:off x="2843808" y="2970723"/>
-            <a:ext cx="936104" cy="1548172"/>
-          </a:xfrm>
-          <a:prstGeom prst="straightConnector1">
-            <a:avLst/>
-          </a:prstGeom>
-          <a:ln>
-            <a:tailEnd type="arrow"/>
-          </a:ln>
-        </p:spPr>
-        <p:style>
-          <a:lnRef idx="1">
-            <a:schemeClr val="accent1"/>
-          </a:lnRef>
-          <a:fillRef idx="0">
-            <a:schemeClr val="accent1"/>
-          </a:fillRef>
-          <a:effectRef idx="0">
-            <a:schemeClr val="accent1"/>
-          </a:effectRef>
-          <a:fontRef idx="minor">
-            <a:schemeClr val="tx1"/>
-          </a:fontRef>
-        </p:style>
-      </p:cxnSp>
-      <p:cxnSp>
-        <p:nvCxnSpPr>
-          <p:cNvPr id="11" name="Прямая со стрелкой 10"/>
-          <p:cNvCxnSpPr>
-            <a:stCxn id="6" idx="3"/>
-          </p:cNvCxnSpPr>
-          <p:nvPr/>
-        </p:nvCxnSpPr>
-        <p:spPr>
-          <a:xfrm>
-            <a:off x="2843808" y="4518895"/>
-            <a:ext cx="936104" cy="900100"/>
-          </a:xfrm>
-          <a:prstGeom prst="straightConnector1">
-            <a:avLst/>
-          </a:prstGeom>
-          <a:ln>
-            <a:tailEnd type="arrow"/>
-          </a:ln>
-        </p:spPr>
-        <p:style>
-          <a:lnRef idx="1">
-            <a:schemeClr val="accent1"/>
-          </a:lnRef>
-          <a:fillRef idx="0">
-            <a:schemeClr val="accent1"/>
-          </a:fillRef>
-          <a:effectRef idx="0">
-            <a:schemeClr val="accent1"/>
-          </a:effectRef>
-          <a:fontRef idx="minor">
-            <a:schemeClr val="tx1"/>
-          </a:fontRef>
-        </p:style>
-      </p:cxnSp>
-      <p:sp>
-        <p:nvSpPr>
-          <p:cNvPr id="14" name="Прямоугольник 13"/>
-          <p:cNvSpPr/>
-          <p:nvPr/>
-        </p:nvSpPr>
-        <p:spPr>
-          <a:xfrm>
-            <a:off x="467544" y="3618795"/>
-            <a:ext cx="2376264" cy="360040"/>
-          </a:xfrm>
-          <a:prstGeom prst="rect">
-            <a:avLst/>
-          </a:prstGeom>
-          <a:solidFill>
-            <a:schemeClr val="bg1"/>
-          </a:solidFill>
-          <a:ln>
-            <a:solidFill>
-              <a:schemeClr val="tx1"/>
-            </a:solidFill>
-          </a:ln>
-        </p:spPr>
-        <p:style>
-          <a:lnRef idx="2">
-            <a:schemeClr val="accent1">
-              <a:shade val="50000"/>
-            </a:schemeClr>
-          </a:lnRef>
-          <a:fillRef idx="1">
-            <a:schemeClr val="accent1"/>
-          </a:fillRef>
-          <a:effectRef idx="0">
-            <a:schemeClr val="accent1"/>
-          </a:effectRef>
-          <a:fontRef idx="minor">
-            <a:schemeClr val="lt1"/>
-          </a:fontRef>
-        </p:style>
-        <p:txBody>
-          <a:bodyPr rtlCol="0" anchor="ctr"/>
-          <a:lstStyle/>
-          <a:p>
-            <a:pPr algn="ctr"/>
-            <a:r>
-              <a:rPr lang="en-US" sz="2000" dirty="0" smtClean="0">
-                <a:solidFill>
-                  <a:schemeClr val="tx1"/>
-                </a:solidFill>
-              </a:rPr>
-              <a:t>L</a:t>
-            </a:r>
-            <a:r>
-              <a:rPr lang="en-US" sz="2000" baseline="-25000" dirty="0" smtClean="0">
-                <a:solidFill>
-                  <a:schemeClr val="tx1"/>
-                </a:solidFill>
-              </a:rPr>
-              <a:t>+</a:t>
-            </a:r>
-            <a:r>
-              <a:rPr lang="en-US" sz="2000" dirty="0" smtClean="0">
-                <a:solidFill>
-                  <a:schemeClr val="tx1"/>
-                </a:solidFill>
-              </a:rPr>
-              <a:t> = {}, L</a:t>
-            </a:r>
-            <a:r>
-              <a:rPr lang="en-US" sz="2000" baseline="-25000" dirty="0" smtClean="0">
-                <a:solidFill>
-                  <a:schemeClr val="tx1"/>
-                </a:solidFill>
-              </a:rPr>
-              <a:t>-</a:t>
-            </a:r>
-            <a:r>
-              <a:rPr lang="en-US" sz="2000" dirty="0" smtClean="0">
-                <a:solidFill>
-                  <a:schemeClr val="tx1"/>
-                </a:solidFill>
-              </a:rPr>
-              <a:t> = {</a:t>
-            </a:r>
-            <a:r>
-              <a:rPr lang="en-US" sz="2000" dirty="0" err="1" smtClean="0">
-                <a:solidFill>
-                  <a:schemeClr val="tx1"/>
-                </a:solidFill>
-              </a:rPr>
-              <a:t>ai</a:t>
-            </a:r>
-            <a:r>
-              <a:rPr lang="en-US" sz="2000" dirty="0" smtClean="0">
-                <a:solidFill>
-                  <a:schemeClr val="tx1"/>
-                </a:solidFill>
-              </a:rPr>
-              <a:t>-&gt;lock}</a:t>
-            </a:r>
-            <a:endParaRPr lang="ru-RU" sz="2000" dirty="0">
-              <a:solidFill>
-                <a:schemeClr val="tx1"/>
-              </a:solidFill>
-            </a:endParaRPr>
-          </a:p>
-        </p:txBody>
-      </p:sp>
-      <p:cxnSp>
-        <p:nvCxnSpPr>
-          <p:cNvPr id="24" name="Прямая со стрелкой 23"/>
-          <p:cNvCxnSpPr>
-            <a:stCxn id="14" idx="3"/>
-          </p:cNvCxnSpPr>
-          <p:nvPr/>
-        </p:nvCxnSpPr>
-        <p:spPr>
-          <a:xfrm flipV="1">
-            <a:off x="2843808" y="3546787"/>
-            <a:ext cx="1152128" cy="252028"/>
-          </a:xfrm>
-          <a:prstGeom prst="straightConnector1">
-            <a:avLst/>
-          </a:prstGeom>
-          <a:ln>
-            <a:tailEnd type="arrow"/>
-          </a:ln>
-        </p:spPr>
-        <p:style>
-          <a:lnRef idx="1">
-            <a:schemeClr val="accent1"/>
-          </a:lnRef>
-          <a:fillRef idx="0">
-            <a:schemeClr val="accent1"/>
-          </a:fillRef>
-          <a:effectRef idx="0">
-            <a:schemeClr val="accent1"/>
-          </a:effectRef>
-          <a:fontRef idx="minor">
-            <a:schemeClr val="tx1"/>
-          </a:fontRef>
-        </p:style>
-      </p:cxnSp>
-      <p:cxnSp>
-        <p:nvCxnSpPr>
-          <p:cNvPr id="26" name="Прямая со стрелкой 25"/>
-          <p:cNvCxnSpPr>
-            <a:stCxn id="14" idx="3"/>
-          </p:cNvCxnSpPr>
-          <p:nvPr/>
-        </p:nvCxnSpPr>
-        <p:spPr>
-          <a:xfrm>
-            <a:off x="2843808" y="3798815"/>
-            <a:ext cx="1008112" cy="468052"/>
-          </a:xfrm>
-          <a:prstGeom prst="straightConnector1">
-            <a:avLst/>
-          </a:prstGeom>
-          <a:ln>
-            <a:tailEnd type="arrow"/>
-          </a:ln>
-        </p:spPr>
-        <p:style>
-          <a:lnRef idx="1">
-            <a:schemeClr val="accent1"/>
-          </a:lnRef>
-          <a:fillRef idx="0">
-            <a:schemeClr val="accent1"/>
-          </a:fillRef>
-          <a:effectRef idx="0">
-            <a:schemeClr val="accent1"/>
-          </a:effectRef>
-          <a:fontRef idx="minor">
-            <a:schemeClr val="tx1"/>
-          </a:fontRef>
-        </p:style>
-      </p:cxnSp>
-      <p:sp>
-        <p:nvSpPr>
-          <p:cNvPr id="27" name="Прямоугольник 26"/>
-          <p:cNvSpPr/>
-          <p:nvPr/>
-        </p:nvSpPr>
-        <p:spPr>
-          <a:xfrm>
-            <a:off x="0" y="4986947"/>
-            <a:ext cx="2808312" cy="360040"/>
-          </a:xfrm>
-          <a:prstGeom prst="rect">
-            <a:avLst/>
-          </a:prstGeom>
-          <a:solidFill>
-            <a:schemeClr val="bg1"/>
-          </a:solidFill>
-          <a:ln>
-            <a:solidFill>
-              <a:schemeClr val="tx1"/>
-            </a:solidFill>
-          </a:ln>
-        </p:spPr>
-        <p:style>
-          <a:lnRef idx="2">
-            <a:schemeClr val="accent1">
-              <a:shade val="50000"/>
-            </a:schemeClr>
-          </a:lnRef>
-          <a:fillRef idx="1">
-            <a:schemeClr val="accent1"/>
-          </a:fillRef>
-          <a:effectRef idx="0">
-            <a:schemeClr val="accent1"/>
-          </a:effectRef>
-          <a:fontRef idx="minor">
-            <a:schemeClr val="lt1"/>
-          </a:fontRef>
-        </p:style>
-        <p:txBody>
-          <a:bodyPr rtlCol="0" anchor="ctr"/>
-          <a:lstStyle/>
-          <a:p>
-            <a:pPr algn="ctr"/>
-            <a:r>
-              <a:rPr lang="en-US" sz="2000" dirty="0" smtClean="0">
-                <a:solidFill>
-                  <a:schemeClr val="tx1"/>
-                </a:solidFill>
-              </a:rPr>
-              <a:t>L</a:t>
-            </a:r>
-            <a:r>
-              <a:rPr lang="en-US" sz="2000" baseline="-25000" dirty="0" smtClean="0">
-                <a:solidFill>
-                  <a:schemeClr val="tx1"/>
-                </a:solidFill>
-              </a:rPr>
-              <a:t>+</a:t>
-            </a:r>
-            <a:r>
-              <a:rPr lang="en-US" sz="2000" dirty="0" smtClean="0">
-                <a:solidFill>
-                  <a:schemeClr val="tx1"/>
-                </a:solidFill>
-              </a:rPr>
-              <a:t> = {d-&gt;</a:t>
-            </a:r>
-            <a:r>
-              <a:rPr lang="en-US" sz="2000" dirty="0" err="1" smtClean="0">
-                <a:solidFill>
-                  <a:schemeClr val="tx1"/>
-                </a:solidFill>
-              </a:rPr>
-              <a:t>priv</a:t>
-            </a:r>
-            <a:r>
-              <a:rPr lang="en-US" sz="2000" dirty="0" smtClean="0">
-                <a:solidFill>
-                  <a:schemeClr val="tx1"/>
-                </a:solidFill>
-              </a:rPr>
-              <a:t>-&gt;lock}, L</a:t>
-            </a:r>
-            <a:r>
-              <a:rPr lang="en-US" sz="2000" baseline="-25000" dirty="0" smtClean="0">
-                <a:solidFill>
-                  <a:schemeClr val="tx1"/>
-                </a:solidFill>
-              </a:rPr>
-              <a:t>-</a:t>
-            </a:r>
-            <a:r>
-              <a:rPr lang="en-US" sz="2000" dirty="0" smtClean="0">
-                <a:solidFill>
-                  <a:schemeClr val="tx1"/>
-                </a:solidFill>
-              </a:rPr>
-              <a:t> = {}</a:t>
-            </a:r>
-            <a:endParaRPr lang="ru-RU" sz="2000" dirty="0">
-              <a:solidFill>
-                <a:schemeClr val="tx1"/>
-              </a:solidFill>
-            </a:endParaRPr>
-          </a:p>
-        </p:txBody>
-      </p:sp>
-      <p:cxnSp>
-        <p:nvCxnSpPr>
-          <p:cNvPr id="29" name="Прямая со стрелкой 28"/>
-          <p:cNvCxnSpPr>
-            <a:stCxn id="27" idx="3"/>
-          </p:cNvCxnSpPr>
-          <p:nvPr/>
-        </p:nvCxnSpPr>
-        <p:spPr>
-          <a:xfrm>
-            <a:off x="2808312" y="5166967"/>
-            <a:ext cx="1043608" cy="1044116"/>
-          </a:xfrm>
-          <a:prstGeom prst="straightConnector1">
-            <a:avLst/>
-          </a:prstGeom>
-          <a:ln>
-            <a:tailEnd type="arrow"/>
-          </a:ln>
-        </p:spPr>
-        <p:style>
-          <a:lnRef idx="1">
-            <a:schemeClr val="accent1"/>
-          </a:lnRef>
-          <a:fillRef idx="0">
-            <a:schemeClr val="accent1"/>
-          </a:fillRef>
-          <a:effectRef idx="0">
-            <a:schemeClr val="accent1"/>
-          </a:effectRef>
-          <a:fontRef idx="minor">
-            <a:schemeClr val="tx1"/>
-          </a:fontRef>
-        </p:style>
-      </p:cxnSp>
-      <p:sp>
-        <p:nvSpPr>
-          <p:cNvPr id="30" name="Прямоугольник 29"/>
-          <p:cNvSpPr/>
-          <p:nvPr/>
-        </p:nvSpPr>
-        <p:spPr>
-          <a:xfrm>
-            <a:off x="0" y="5635019"/>
-            <a:ext cx="2808312" cy="360040"/>
-          </a:xfrm>
-          <a:prstGeom prst="rect">
-            <a:avLst/>
-          </a:prstGeom>
-          <a:solidFill>
-            <a:schemeClr val="bg1"/>
-          </a:solidFill>
-          <a:ln>
-            <a:solidFill>
-              <a:schemeClr val="tx1"/>
-            </a:solidFill>
-          </a:ln>
-        </p:spPr>
-        <p:style>
-          <a:lnRef idx="2">
-            <a:schemeClr val="accent1">
-              <a:shade val="50000"/>
-            </a:schemeClr>
-          </a:lnRef>
-          <a:fillRef idx="1">
-            <a:schemeClr val="accent1"/>
-          </a:fillRef>
-          <a:effectRef idx="0">
-            <a:schemeClr val="accent1"/>
-          </a:effectRef>
-          <a:fontRef idx="minor">
-            <a:schemeClr val="lt1"/>
-          </a:fontRef>
-        </p:style>
-        <p:txBody>
-          <a:bodyPr rtlCol="0" anchor="ctr"/>
-          <a:lstStyle/>
-          <a:p>
-            <a:pPr algn="ctr"/>
-            <a:r>
-              <a:rPr lang="en-US" sz="2000" dirty="0" smtClean="0">
-                <a:solidFill>
-                  <a:schemeClr val="tx1"/>
-                </a:solidFill>
-              </a:rPr>
-              <a:t>L</a:t>
-            </a:r>
-            <a:r>
-              <a:rPr lang="en-US" sz="2000" baseline="-25000" dirty="0" smtClean="0">
-                <a:solidFill>
-                  <a:schemeClr val="tx1"/>
-                </a:solidFill>
-              </a:rPr>
-              <a:t>+</a:t>
-            </a:r>
-            <a:r>
-              <a:rPr lang="en-US" sz="2000" dirty="0" smtClean="0">
-                <a:solidFill>
-                  <a:schemeClr val="tx1"/>
-                </a:solidFill>
-              </a:rPr>
-              <a:t> = {}, L</a:t>
-            </a:r>
-            <a:r>
-              <a:rPr lang="en-US" sz="2000" baseline="-25000" dirty="0" smtClean="0">
-                <a:solidFill>
-                  <a:schemeClr val="tx1"/>
-                </a:solidFill>
-              </a:rPr>
-              <a:t>-</a:t>
-            </a:r>
-            <a:r>
-              <a:rPr lang="en-US" sz="2000" dirty="0" smtClean="0">
-                <a:solidFill>
-                  <a:schemeClr val="tx1"/>
-                </a:solidFill>
-              </a:rPr>
-              <a:t> = {d-&gt;</a:t>
-            </a:r>
-            <a:r>
-              <a:rPr lang="en-US" sz="2000" dirty="0" err="1" smtClean="0">
-                <a:solidFill>
-                  <a:schemeClr val="tx1"/>
-                </a:solidFill>
-              </a:rPr>
-              <a:t>priv</a:t>
-            </a:r>
-            <a:r>
-              <a:rPr lang="en-US" sz="2000" dirty="0" smtClean="0">
-                <a:solidFill>
-                  <a:schemeClr val="tx1"/>
-                </a:solidFill>
-              </a:rPr>
-              <a:t>-&gt;lock}</a:t>
-            </a:r>
-            <a:endParaRPr lang="ru-RU" sz="2000" dirty="0">
-              <a:solidFill>
-                <a:schemeClr val="tx1"/>
-              </a:solidFill>
-            </a:endParaRPr>
-          </a:p>
-        </p:txBody>
-      </p:sp>
-      <p:cxnSp>
-        <p:nvCxnSpPr>
-          <p:cNvPr id="32" name="Прямая со стрелкой 31"/>
-          <p:cNvCxnSpPr>
-            <a:stCxn id="30" idx="3"/>
-          </p:cNvCxnSpPr>
-          <p:nvPr/>
-        </p:nvCxnSpPr>
-        <p:spPr>
-          <a:xfrm>
-            <a:off x="2808312" y="5815039"/>
-            <a:ext cx="1043608" cy="756084"/>
-          </a:xfrm>
-          <a:prstGeom prst="straightConnector1">
-            <a:avLst/>
-          </a:prstGeom>
-          <a:ln>
-            <a:tailEnd type="arrow"/>
-          </a:ln>
-        </p:spPr>
-        <p:style>
-          <a:lnRef idx="1">
-            <a:schemeClr val="accent1"/>
-          </a:lnRef>
-          <a:fillRef idx="0">
-            <a:schemeClr val="accent1"/>
-          </a:fillRef>
-          <a:effectRef idx="0">
-            <a:schemeClr val="accent1"/>
-          </a:effectRef>
-          <a:fontRef idx="minor">
-            <a:schemeClr val="tx1"/>
-          </a:fontRef>
-        </p:style>
-      </p:cxnSp>
-      <p:sp>
-        <p:nvSpPr>
-          <p:cNvPr id="33" name="Правая фигурная скобка 32"/>
-          <p:cNvSpPr/>
-          <p:nvPr/>
-        </p:nvSpPr>
-        <p:spPr>
-          <a:xfrm>
-            <a:off x="5868144" y="2682691"/>
-            <a:ext cx="432048" cy="2088232"/>
-          </a:xfrm>
-          <a:prstGeom prst="rightBrace">
-            <a:avLst/>
-          </a:prstGeom>
-        </p:spPr>
-        <p:style>
-          <a:lnRef idx="1">
-            <a:schemeClr val="accent1"/>
-          </a:lnRef>
-          <a:fillRef idx="0">
-            <a:schemeClr val="accent1"/>
-          </a:fillRef>
-          <a:effectRef idx="0">
-            <a:schemeClr val="accent1"/>
-          </a:effectRef>
-          <a:fontRef idx="minor">
-            <a:schemeClr val="tx1"/>
-          </a:fontRef>
-        </p:style>
-        <p:txBody>
-          <a:bodyPr rtlCol="0" anchor="ctr"/>
-          <a:lstStyle/>
-          <a:p>
-            <a:pPr algn="ctr"/>
-            <a:endParaRPr lang="ru-RU"/>
-          </a:p>
-        </p:txBody>
-      </p:sp>
-      <p:sp>
-        <p:nvSpPr>
-          <p:cNvPr id="34" name="Правая фигурная скобка 33"/>
-          <p:cNvSpPr/>
-          <p:nvPr/>
-        </p:nvSpPr>
-        <p:spPr>
-          <a:xfrm>
-            <a:off x="5868144" y="5130963"/>
-            <a:ext cx="432048" cy="1656184"/>
-          </a:xfrm>
-          <a:prstGeom prst="rightBrace">
-            <a:avLst/>
-          </a:prstGeom>
-        </p:spPr>
-        <p:style>
-          <a:lnRef idx="1">
-            <a:schemeClr val="accent1"/>
-          </a:lnRef>
-          <a:fillRef idx="0">
-            <a:schemeClr val="accent1"/>
-          </a:fillRef>
-          <a:effectRef idx="0">
-            <a:schemeClr val="accent1"/>
-          </a:effectRef>
-          <a:fontRef idx="minor">
-            <a:schemeClr val="tx1"/>
-          </a:fontRef>
-        </p:style>
-        <p:txBody>
-          <a:bodyPr rtlCol="0" anchor="ctr"/>
-          <a:lstStyle/>
-          <a:p>
-            <a:pPr algn="ctr"/>
-            <a:endParaRPr lang="ru-RU"/>
-          </a:p>
-        </p:txBody>
-      </p:sp>
-      <p:sp>
-        <p:nvSpPr>
-          <p:cNvPr id="35" name="Прямоугольник 34"/>
-          <p:cNvSpPr/>
-          <p:nvPr/>
-        </p:nvSpPr>
-        <p:spPr>
-          <a:xfrm>
-            <a:off x="6372200" y="3546787"/>
-            <a:ext cx="2376264" cy="360040"/>
-          </a:xfrm>
-          <a:prstGeom prst="rect">
-            <a:avLst/>
-          </a:prstGeom>
-          <a:solidFill>
-            <a:schemeClr val="bg1"/>
-          </a:solidFill>
-          <a:ln>
-            <a:solidFill>
-              <a:schemeClr val="tx1"/>
-            </a:solidFill>
-          </a:ln>
-        </p:spPr>
-        <p:style>
-          <a:lnRef idx="2">
-            <a:schemeClr val="accent1">
-              <a:shade val="50000"/>
-            </a:schemeClr>
-          </a:lnRef>
-          <a:fillRef idx="1">
-            <a:schemeClr val="accent1"/>
-          </a:fillRef>
-          <a:effectRef idx="0">
-            <a:schemeClr val="accent1"/>
-          </a:effectRef>
-          <a:fontRef idx="minor">
-            <a:schemeClr val="lt1"/>
-          </a:fontRef>
-        </p:style>
-        <p:txBody>
-          <a:bodyPr rtlCol="0" anchor="ctr"/>
-          <a:lstStyle/>
-          <a:p>
-            <a:pPr algn="ctr"/>
-            <a:r>
-              <a:rPr lang="en-US" sz="2000" dirty="0" smtClean="0">
-                <a:solidFill>
-                  <a:schemeClr val="tx1"/>
-                </a:solidFill>
-              </a:rPr>
-              <a:t>L</a:t>
-            </a:r>
-            <a:r>
-              <a:rPr lang="en-US" sz="2000" baseline="-25000" dirty="0" smtClean="0">
-                <a:solidFill>
-                  <a:schemeClr val="tx1"/>
-                </a:solidFill>
-              </a:rPr>
-              <a:t>+</a:t>
-            </a:r>
-            <a:r>
-              <a:rPr lang="en-US" sz="2000" dirty="0" smtClean="0">
-                <a:solidFill>
-                  <a:schemeClr val="tx1"/>
-                </a:solidFill>
-              </a:rPr>
-              <a:t> = {}, L</a:t>
-            </a:r>
-            <a:r>
-              <a:rPr lang="en-US" sz="2000" baseline="-25000" dirty="0" smtClean="0">
-                <a:solidFill>
-                  <a:schemeClr val="tx1"/>
-                </a:solidFill>
-              </a:rPr>
-              <a:t>-</a:t>
-            </a:r>
-            <a:r>
-              <a:rPr lang="en-US" sz="2000" dirty="0" smtClean="0">
-                <a:solidFill>
-                  <a:schemeClr val="tx1"/>
-                </a:solidFill>
-              </a:rPr>
-              <a:t> = {</a:t>
-            </a:r>
-            <a:r>
-              <a:rPr lang="en-US" sz="2000" dirty="0" err="1" smtClean="0">
-                <a:solidFill>
-                  <a:schemeClr val="tx1"/>
-                </a:solidFill>
-              </a:rPr>
-              <a:t>ai</a:t>
-            </a:r>
-            <a:r>
-              <a:rPr lang="en-US" sz="2000" dirty="0" smtClean="0">
-                <a:solidFill>
-                  <a:schemeClr val="tx1"/>
-                </a:solidFill>
-              </a:rPr>
-              <a:t>-&gt;lock}</a:t>
-            </a:r>
-            <a:endParaRPr lang="ru-RU" sz="2000" dirty="0">
-              <a:solidFill>
-                <a:schemeClr val="tx1"/>
-              </a:solidFill>
-            </a:endParaRPr>
-          </a:p>
-        </p:txBody>
-      </p:sp>
-      <p:sp>
-        <p:nvSpPr>
-          <p:cNvPr id="44" name="Прямоугольник 43"/>
-          <p:cNvSpPr/>
-          <p:nvPr/>
-        </p:nvSpPr>
-        <p:spPr>
-          <a:xfrm>
-            <a:off x="6335688" y="5779035"/>
-            <a:ext cx="2808312" cy="360040"/>
-          </a:xfrm>
-          <a:prstGeom prst="rect">
-            <a:avLst/>
-          </a:prstGeom>
-          <a:solidFill>
-            <a:schemeClr val="bg1"/>
-          </a:solidFill>
-          <a:ln>
-            <a:solidFill>
-              <a:schemeClr val="tx1"/>
-            </a:solidFill>
-          </a:ln>
-        </p:spPr>
-        <p:style>
-          <a:lnRef idx="2">
-            <a:schemeClr val="accent1">
-              <a:shade val="50000"/>
-            </a:schemeClr>
-          </a:lnRef>
-          <a:fillRef idx="1">
-            <a:schemeClr val="accent1"/>
-          </a:fillRef>
-          <a:effectRef idx="0">
-            <a:schemeClr val="accent1"/>
-          </a:effectRef>
-          <a:fontRef idx="minor">
-            <a:schemeClr val="lt1"/>
-          </a:fontRef>
-        </p:style>
-        <p:txBody>
-          <a:bodyPr rtlCol="0" anchor="ctr"/>
-          <a:lstStyle/>
-          <a:p>
-            <a:pPr algn="ctr"/>
-            <a:r>
-              <a:rPr lang="en-US" sz="2000" dirty="0" smtClean="0">
-                <a:solidFill>
-                  <a:schemeClr val="tx1"/>
-                </a:solidFill>
-              </a:rPr>
-              <a:t>L</a:t>
-            </a:r>
-            <a:r>
-              <a:rPr lang="en-US" sz="2000" baseline="-25000" dirty="0" smtClean="0">
-                <a:solidFill>
-                  <a:schemeClr val="tx1"/>
-                </a:solidFill>
-              </a:rPr>
-              <a:t>+</a:t>
-            </a:r>
-            <a:r>
-              <a:rPr lang="en-US" sz="2000" dirty="0" smtClean="0">
-                <a:solidFill>
-                  <a:schemeClr val="tx1"/>
-                </a:solidFill>
-              </a:rPr>
-              <a:t> = {}, L</a:t>
-            </a:r>
-            <a:r>
-              <a:rPr lang="en-US" sz="2000" baseline="-25000" dirty="0" smtClean="0">
-                <a:solidFill>
-                  <a:schemeClr val="tx1"/>
-                </a:solidFill>
-              </a:rPr>
-              <a:t>-</a:t>
-            </a:r>
-            <a:r>
-              <a:rPr lang="en-US" sz="2000" dirty="0" smtClean="0">
-                <a:solidFill>
-                  <a:schemeClr val="tx1"/>
-                </a:solidFill>
-              </a:rPr>
-              <a:t> = {d-&gt;</a:t>
-            </a:r>
-            <a:r>
-              <a:rPr lang="en-US" sz="2000" dirty="0" err="1" smtClean="0">
-                <a:solidFill>
-                  <a:schemeClr val="tx1"/>
-                </a:solidFill>
-              </a:rPr>
-              <a:t>priv</a:t>
-            </a:r>
-            <a:r>
-              <a:rPr lang="en-US" sz="2000" dirty="0" smtClean="0">
-                <a:solidFill>
-                  <a:schemeClr val="tx1"/>
-                </a:solidFill>
-              </a:rPr>
-              <a:t>-&gt;lock}</a:t>
-            </a:r>
-            <a:endParaRPr lang="ru-RU" sz="2000" dirty="0">
-              <a:solidFill>
-                <a:schemeClr val="tx1"/>
-              </a:solidFill>
-            </a:endParaRPr>
-          </a:p>
-        </p:txBody>
-      </p:sp>
-      <p:sp>
-        <p:nvSpPr>
-          <p:cNvPr id="20" name="Содержимое 2"/>
-          <p:cNvSpPr>
-            <a:spLocks noGrp="1"/>
-          </p:cNvSpPr>
-          <p:nvPr>
-            <p:ph idx="1"/>
-          </p:nvPr>
-        </p:nvSpPr>
-        <p:spPr>
-          <a:xfrm>
-            <a:off x="683568" y="1484784"/>
-            <a:ext cx="7787208" cy="892695"/>
-          </a:xfrm>
-        </p:spPr>
-        <p:txBody>
-          <a:bodyPr>
-            <a:normAutofit fontScale="55000" lnSpcReduction="20000"/>
-          </a:bodyPr>
-          <a:lstStyle/>
-          <a:p>
-            <a:pPr marL="0" indent="0">
-              <a:buNone/>
-            </a:pPr>
-            <a:r>
-              <a:rPr lang="ru-RU" b="1" i="1" dirty="0" smtClean="0"/>
-              <a:t>Относительное множество блокировок </a:t>
-            </a:r>
-            <a:r>
-              <a:rPr lang="en-US" b="1" i="1" dirty="0" smtClean="0"/>
-              <a:t>L</a:t>
-            </a:r>
-            <a:r>
-              <a:rPr lang="ru-RU" b="1" i="1" dirty="0" smtClean="0"/>
-              <a:t> </a:t>
-            </a:r>
-            <a:r>
-              <a:rPr lang="ru-RU" dirty="0" smtClean="0"/>
-              <a:t>–</a:t>
-            </a:r>
-            <a:r>
-              <a:rPr lang="en-US" dirty="0" smtClean="0"/>
-              <a:t> </a:t>
-            </a:r>
-            <a:r>
-              <a:rPr lang="ru-RU" dirty="0" smtClean="0"/>
-              <a:t>пара (</a:t>
-            </a:r>
-            <a:r>
-              <a:rPr lang="en-US" dirty="0" smtClean="0"/>
-              <a:t>L</a:t>
-            </a:r>
-            <a:r>
-              <a:rPr lang="en-US" baseline="-25000" dirty="0" smtClean="0"/>
-              <a:t>+</a:t>
-            </a:r>
-            <a:r>
-              <a:rPr lang="en-US" dirty="0" smtClean="0"/>
-              <a:t>, L</a:t>
-            </a:r>
-            <a:r>
-              <a:rPr lang="en-US" baseline="-25000" dirty="0" smtClean="0"/>
-              <a:t>-</a:t>
-            </a:r>
-            <a:r>
-              <a:rPr lang="en-US" dirty="0" smtClean="0"/>
-              <a:t>),  </a:t>
-            </a:r>
-            <a:r>
-              <a:rPr lang="ru-RU" dirty="0" smtClean="0"/>
-              <a:t>где</a:t>
-            </a:r>
-            <a:r>
-              <a:rPr lang="en-US" dirty="0" smtClean="0"/>
-              <a:t>:</a:t>
-            </a:r>
-          </a:p>
-          <a:p>
-            <a:pPr marL="0" indent="0"/>
-            <a:r>
-              <a:rPr lang="en-US" dirty="0" smtClean="0"/>
-              <a:t> L</a:t>
-            </a:r>
-            <a:r>
-              <a:rPr lang="en-US" baseline="-25000" dirty="0" smtClean="0"/>
-              <a:t>+</a:t>
-            </a:r>
-            <a:r>
-              <a:rPr lang="en-US" dirty="0" smtClean="0"/>
-              <a:t> - </a:t>
-            </a:r>
-            <a:r>
-              <a:rPr lang="ru-RU" dirty="0" smtClean="0"/>
-              <a:t>множество блокировок, которые захватываются всегда (</a:t>
-            </a:r>
-            <a:r>
-              <a:rPr lang="en-US" dirty="0" smtClean="0"/>
-              <a:t>must-set),</a:t>
-            </a:r>
-          </a:p>
-          <a:p>
-            <a:pPr marL="0" indent="0"/>
-            <a:r>
-              <a:rPr lang="en-US" dirty="0" smtClean="0"/>
-              <a:t> L</a:t>
-            </a:r>
-            <a:r>
-              <a:rPr lang="en-US" baseline="-25000" dirty="0" smtClean="0"/>
-              <a:t>-  </a:t>
-            </a:r>
-            <a:r>
-              <a:rPr lang="en-US" dirty="0" smtClean="0"/>
-              <a:t>- </a:t>
-            </a:r>
-            <a:r>
-              <a:rPr lang="ru-RU" dirty="0" smtClean="0"/>
-              <a:t>множество блокировок, которые могут быть освобождены (</a:t>
-            </a:r>
-            <a:r>
-              <a:rPr lang="en-US" dirty="0" smtClean="0"/>
-              <a:t>may-set).</a:t>
-            </a:r>
-            <a:endParaRPr lang="ru-RU" dirty="0"/>
-          </a:p>
-        </p:txBody>
-      </p:sp>
-      <p:sp>
-        <p:nvSpPr>
-          <p:cNvPr id="19" name="Номер слайда 18"/>
+          <p:cNvPr id="4" name="Номер слайда 3"/>
           <p:cNvSpPr>
             <a:spLocks noGrp="1"/>
           </p:cNvSpPr>
@@ -13059,6 +11797,36 @@
               <a:t>16</a:t>
             </a:fld>
             <a:endParaRPr lang="ru-RU"/>
+          </a:p>
+        </p:txBody>
+      </p:sp>
+      <p:sp>
+        <p:nvSpPr>
+          <p:cNvPr id="11" name="TextBox 10"/>
+          <p:cNvSpPr txBox="1"/>
+          <p:nvPr/>
+        </p:nvSpPr>
+        <p:spPr>
+          <a:xfrm>
+            <a:off x="3059832" y="2708920"/>
+            <a:ext cx="1889684" cy="369332"/>
+          </a:xfrm>
+          <a:prstGeom prst="rect">
+            <a:avLst/>
+          </a:prstGeom>
+          <a:noFill/>
+        </p:spPr>
+        <p:txBody>
+          <a:bodyPr wrap="none" rtlCol="0">
+            <a:spAutoFit/>
+          </a:bodyPr>
+          <a:lstStyle/>
+          <a:p>
+            <a:r>
+              <a:rPr lang="ru-RU" dirty="0" smtClean="0"/>
+              <a:t>Тут будет пример</a:t>
+            </a:r>
+            <a:endParaRPr lang="ru-RU" dirty="0"/>
           </a:p>
         </p:txBody>
       </p:sp>
@@ -13106,893 +11874,6 @@
         </p:nvSpPr>
         <p:spPr/>
         <p:txBody>
-          <a:bodyPr/>
-          <a:lstStyle/>
-          <a:p>
-            <a:r>
-              <a:rPr lang="ru-RU" dirty="0" smtClean="0"/>
-              <a:t>Анализ защищенности доступа</a:t>
-            </a:r>
-            <a:endParaRPr lang="ru-RU" dirty="0"/>
-          </a:p>
-        </p:txBody>
-      </p:sp>
-      <p:graphicFrame>
-        <p:nvGraphicFramePr>
-          <p:cNvPr id="4" name="Таблица 3"/>
-          <p:cNvGraphicFramePr>
-            <a:graphicFrameLocks noGrp="1"/>
-          </p:cNvGraphicFramePr>
-          <p:nvPr/>
-        </p:nvGraphicFramePr>
-        <p:xfrm>
-          <a:off x="1835696" y="2420888"/>
-          <a:ext cx="5112567" cy="1828800"/>
-        </p:xfrm>
-        <a:graphic>
-          <a:graphicData uri="http://schemas.openxmlformats.org/drawingml/2006/table">
-            <a:tbl>
-              <a:tblPr firstRow="1" bandRow="1">
-                <a:tableStyleId>{7E9639D4-E3E2-4D34-9284-5A2195B3D0D7}</a:tableStyleId>
-              </a:tblPr>
-              <a:tblGrid>
-                <a:gridCol w="1704189"/>
-                <a:gridCol w="1704189"/>
-                <a:gridCol w="1704189"/>
-              </a:tblGrid>
-              <a:tr h="652553">
-                <a:tc>
-                  <a:txBody>
-                    <a:bodyPr/>
-                    <a:lstStyle/>
-                    <a:p>
-                      <a:r>
-                        <a:rPr lang="ru-RU" sz="1600" dirty="0" smtClean="0"/>
-                        <a:t>Область</a:t>
-                      </a:r>
-                      <a:r>
-                        <a:rPr lang="ru-RU" sz="1600" baseline="0" dirty="0" smtClean="0"/>
-                        <a:t> памяти</a:t>
-                      </a:r>
-                      <a:endParaRPr lang="ru-RU" sz="1600" dirty="0"/>
-                    </a:p>
-                  </a:txBody>
-                  <a:tcPr/>
-                </a:tc>
-                <a:tc>
-                  <a:txBody>
-                    <a:bodyPr/>
-                    <a:lstStyle/>
-                    <a:p>
-                      <a:r>
-                        <a:rPr lang="ru-RU" sz="1600" dirty="0" smtClean="0"/>
-                        <a:t>Относительное</a:t>
-                      </a:r>
-                      <a:r>
-                        <a:rPr lang="ru-RU" sz="1600" baseline="0" dirty="0" smtClean="0"/>
-                        <a:t> множество блокировок</a:t>
-                      </a:r>
-                      <a:endParaRPr lang="ru-RU" sz="1600" dirty="0"/>
-                    </a:p>
-                  </a:txBody>
-                  <a:tcPr/>
-                </a:tc>
-                <a:tc>
-                  <a:txBody>
-                    <a:bodyPr/>
-                    <a:lstStyle/>
-                    <a:p>
-                      <a:r>
-                        <a:rPr lang="ru-RU" sz="1600" dirty="0" smtClean="0"/>
-                        <a:t>Вид</a:t>
-                      </a:r>
-                      <a:r>
-                        <a:rPr lang="ru-RU" sz="1600" baseline="0" dirty="0" smtClean="0"/>
-                        <a:t> доступа</a:t>
-                      </a:r>
-                      <a:endParaRPr lang="ru-RU" sz="1600" dirty="0"/>
-                    </a:p>
-                  </a:txBody>
-                  <a:tcPr/>
-                </a:tc>
-              </a:tr>
-              <a:tr h="261021">
-                <a:tc>
-                  <a:txBody>
-                    <a:bodyPr/>
-                    <a:lstStyle/>
-                    <a:p>
-                      <a:r>
-                        <a:rPr lang="en-US" sz="1600" dirty="0" err="1" smtClean="0"/>
-                        <a:t>ai</a:t>
-                      </a:r>
-                      <a:r>
-                        <a:rPr lang="en-US" sz="1600" dirty="0" smtClean="0"/>
-                        <a:t>-&gt;</a:t>
-                      </a:r>
-                      <a:r>
-                        <a:rPr lang="en-US" sz="1600" dirty="0" err="1" smtClean="0"/>
-                        <a:t>pwr.ev</a:t>
-                      </a:r>
-                      <a:endParaRPr lang="ru-RU" sz="1600" dirty="0"/>
-                    </a:p>
-                  </a:txBody>
-                  <a:tcPr/>
-                </a:tc>
-                <a:tc>
-                  <a:txBody>
-                    <a:bodyPr/>
-                    <a:lstStyle/>
-                    <a:p>
-                      <a:r>
-                        <a:rPr lang="en-US" sz="1600" dirty="0" smtClean="0"/>
-                        <a:t>{},</a:t>
-                      </a:r>
-                      <a:r>
-                        <a:rPr lang="en-US" sz="1600" baseline="0" dirty="0" smtClean="0"/>
-                        <a:t> {}</a:t>
-                      </a:r>
-                      <a:endParaRPr lang="ru-RU" sz="1600" dirty="0"/>
-                    </a:p>
-                  </a:txBody>
-                  <a:tcPr/>
-                </a:tc>
-                <a:tc>
-                  <a:txBody>
-                    <a:bodyPr/>
-                    <a:lstStyle/>
-                    <a:p>
-                      <a:r>
-                        <a:rPr lang="ru-RU" sz="1600" dirty="0" smtClean="0"/>
-                        <a:t>чтение</a:t>
-                      </a:r>
-                      <a:endParaRPr lang="ru-RU" sz="1600" dirty="0"/>
-                    </a:p>
-                  </a:txBody>
-                  <a:tcPr/>
-                </a:tc>
-              </a:tr>
-              <a:tr h="261021">
-                <a:tc>
-                  <a:txBody>
-                    <a:bodyPr/>
-                    <a:lstStyle/>
-                    <a:p>
-                      <a:r>
-                        <a:rPr lang="en-US" sz="1600" dirty="0" err="1" smtClean="0"/>
-                        <a:t>ai</a:t>
-                      </a:r>
-                      <a:r>
-                        <a:rPr lang="en-US" sz="1600" dirty="0" smtClean="0"/>
-                        <a:t>-&gt;</a:t>
-                      </a:r>
-                      <a:r>
-                        <a:rPr lang="en-US" sz="1600" dirty="0" err="1" smtClean="0"/>
-                        <a:t>stats.rx_p</a:t>
-                      </a:r>
-                      <a:endParaRPr lang="ru-RU" sz="1600" dirty="0"/>
-                    </a:p>
-                  </a:txBody>
-                  <a:tcPr/>
-                </a:tc>
-                <a:tc>
-                  <a:txBody>
-                    <a:bodyPr/>
-                    <a:lstStyle/>
-                    <a:p>
-                      <a:r>
-                        <a:rPr lang="en-US" sz="1600" dirty="0" smtClean="0"/>
-                        <a:t>{}, {</a:t>
-                      </a:r>
-                      <a:r>
-                        <a:rPr lang="en-US" sz="1600" dirty="0" err="1" smtClean="0"/>
-                        <a:t>ai</a:t>
-                      </a:r>
-                      <a:r>
-                        <a:rPr lang="en-US" sz="1600" dirty="0" smtClean="0"/>
-                        <a:t>-&gt;lock}</a:t>
-                      </a:r>
-                      <a:endParaRPr lang="ru-RU" sz="1600" dirty="0"/>
-                    </a:p>
-                  </a:txBody>
-                  <a:tcPr/>
-                </a:tc>
-                <a:tc>
-                  <a:txBody>
-                    <a:bodyPr/>
-                    <a:lstStyle/>
-                    <a:p>
-                      <a:r>
-                        <a:rPr lang="ru-RU" sz="1600" dirty="0" smtClean="0"/>
-                        <a:t>запись</a:t>
-                      </a:r>
-                      <a:endParaRPr lang="ru-RU" sz="1600" dirty="0"/>
-                    </a:p>
-                  </a:txBody>
-                  <a:tcPr/>
-                </a:tc>
-              </a:tr>
-              <a:tr h="261021">
-                <a:tc>
-                  <a:txBody>
-                    <a:bodyPr/>
-                    <a:lstStyle/>
-                    <a:p>
-                      <a:r>
-                        <a:rPr lang="en-US" sz="1600" dirty="0" err="1" smtClean="0"/>
-                        <a:t>vals</a:t>
-                      </a:r>
-                      <a:r>
-                        <a:rPr lang="en-US" sz="1600" dirty="0" smtClean="0"/>
-                        <a:t>[0]</a:t>
-                      </a:r>
-                      <a:endParaRPr lang="ru-RU" sz="1600" dirty="0"/>
-                    </a:p>
-                  </a:txBody>
-                  <a:tcPr/>
-                </a:tc>
-                <a:tc>
-                  <a:txBody>
-                    <a:bodyPr/>
-                    <a:lstStyle/>
-                    <a:p>
-                      <a:pPr marL="0" marR="0" indent="0" algn="l" defTabSz="914400" rtl="0" eaLnBrk="1" fontAlgn="auto" latinLnBrk="0" hangingPunct="1">
-                        <a:lnSpc>
-                          <a:spcPct val="100000"/>
-                        </a:lnSpc>
-                        <a:spcBef>
-                          <a:spcPts val="0"/>
-                        </a:spcBef>
-                        <a:spcAft>
-                          <a:spcPts val="0"/>
-                        </a:spcAft>
-                        <a:buClrTx/>
-                        <a:buSzTx/>
-                        <a:buFontTx/>
-                        <a:buNone/>
-                        <a:tabLst/>
-                        <a:defRPr/>
-                      </a:pPr>
-                      <a:r>
-                        <a:rPr lang="en-US" sz="1600" dirty="0" smtClean="0"/>
-                        <a:t>{}, {</a:t>
-                      </a:r>
-                      <a:r>
-                        <a:rPr lang="en-US" sz="1600" dirty="0" err="1" smtClean="0"/>
-                        <a:t>ai</a:t>
-                      </a:r>
-                      <a:r>
-                        <a:rPr lang="en-US" sz="1600" dirty="0" smtClean="0"/>
-                        <a:t>-&gt;lock}</a:t>
-                      </a:r>
-                      <a:endParaRPr lang="ru-RU" sz="1600" dirty="0"/>
-                    </a:p>
-                  </a:txBody>
-                  <a:tcPr/>
-                </a:tc>
-                <a:tc>
-                  <a:txBody>
-                    <a:bodyPr/>
-                    <a:lstStyle/>
-                    <a:p>
-                      <a:r>
-                        <a:rPr lang="ru-RU" sz="1600" dirty="0" smtClean="0"/>
-                        <a:t>чтение</a:t>
-                      </a:r>
-                      <a:endParaRPr lang="ru-RU" sz="1600" dirty="0"/>
-                    </a:p>
-                  </a:txBody>
-                  <a:tcPr/>
-                </a:tc>
-              </a:tr>
-            </a:tbl>
-          </a:graphicData>
-        </a:graphic>
-      </p:graphicFrame>
-      <p:graphicFrame>
-        <p:nvGraphicFramePr>
-          <p:cNvPr id="5" name="Таблица 4"/>
-          <p:cNvGraphicFramePr>
-            <a:graphicFrameLocks noGrp="1"/>
-          </p:cNvGraphicFramePr>
-          <p:nvPr/>
-        </p:nvGraphicFramePr>
-        <p:xfrm>
-          <a:off x="1835696" y="4365104"/>
-          <a:ext cx="6096000" cy="2306320"/>
-        </p:xfrm>
-        <a:graphic>
-          <a:graphicData uri="http://schemas.openxmlformats.org/drawingml/2006/table">
-            <a:tbl>
-              <a:tblPr firstRow="1" bandRow="1">
-                <a:tableStyleId>{7E9639D4-E3E2-4D34-9284-5A2195B3D0D7}</a:tableStyleId>
-              </a:tblPr>
-              <a:tblGrid>
-                <a:gridCol w="2032000"/>
-                <a:gridCol w="2032000"/>
-                <a:gridCol w="2032000"/>
-              </a:tblGrid>
-              <a:tr h="370840">
-                <a:tc>
-                  <a:txBody>
-                    <a:bodyPr/>
-                    <a:lstStyle/>
-                    <a:p>
-                      <a:pPr marL="0" marR="0" indent="0" algn="l" defTabSz="914400" rtl="0" eaLnBrk="1" fontAlgn="auto" latinLnBrk="0" hangingPunct="1">
-                        <a:lnSpc>
-                          <a:spcPct val="100000"/>
-                        </a:lnSpc>
-                        <a:spcBef>
-                          <a:spcPts val="0"/>
-                        </a:spcBef>
-                        <a:spcAft>
-                          <a:spcPts val="0"/>
-                        </a:spcAft>
-                        <a:buClrTx/>
-                        <a:buSzTx/>
-                        <a:buFontTx/>
-                        <a:buNone/>
-                        <a:tabLst/>
-                        <a:defRPr/>
-                      </a:pPr>
-                      <a:r>
-                        <a:rPr lang="ru-RU" sz="1600" dirty="0" smtClean="0"/>
-                        <a:t>Область</a:t>
-                      </a:r>
-                      <a:r>
-                        <a:rPr lang="ru-RU" sz="1600" baseline="0" dirty="0" smtClean="0"/>
-                        <a:t> памяти</a:t>
-                      </a:r>
-                      <a:endParaRPr lang="ru-RU" sz="1600" dirty="0" smtClean="0"/>
-                    </a:p>
-                  </a:txBody>
-                  <a:tcPr/>
-                </a:tc>
-                <a:tc>
-                  <a:txBody>
-                    <a:bodyPr/>
-                    <a:lstStyle/>
-                    <a:p>
-                      <a:pPr marL="0" marR="0" indent="0" algn="l" defTabSz="914400" rtl="0" eaLnBrk="1" fontAlgn="auto" latinLnBrk="0" hangingPunct="1">
-                        <a:lnSpc>
-                          <a:spcPct val="100000"/>
-                        </a:lnSpc>
-                        <a:spcBef>
-                          <a:spcPts val="0"/>
-                        </a:spcBef>
-                        <a:spcAft>
-                          <a:spcPts val="0"/>
-                        </a:spcAft>
-                        <a:buClrTx/>
-                        <a:buSzTx/>
-                        <a:buFontTx/>
-                        <a:buNone/>
-                        <a:tabLst/>
-                        <a:defRPr/>
-                      </a:pPr>
-                      <a:r>
-                        <a:rPr lang="ru-RU" sz="1600" dirty="0" smtClean="0"/>
-                        <a:t>Относительное</a:t>
-                      </a:r>
-                      <a:r>
-                        <a:rPr lang="ru-RU" sz="1600" baseline="0" dirty="0" smtClean="0"/>
-                        <a:t> множество блокировок</a:t>
-                      </a:r>
-                      <a:endParaRPr lang="ru-RU" sz="1600" dirty="0" smtClean="0"/>
-                    </a:p>
-                  </a:txBody>
-                  <a:tcPr/>
-                </a:tc>
-                <a:tc>
-                  <a:txBody>
-                    <a:bodyPr/>
-                    <a:lstStyle/>
-                    <a:p>
-                      <a:pPr marL="0" marR="0" indent="0" algn="l" defTabSz="914400" rtl="0" eaLnBrk="1" fontAlgn="auto" latinLnBrk="0" hangingPunct="1">
-                        <a:lnSpc>
-                          <a:spcPct val="100000"/>
-                        </a:lnSpc>
-                        <a:spcBef>
-                          <a:spcPts val="0"/>
-                        </a:spcBef>
-                        <a:spcAft>
-                          <a:spcPts val="0"/>
-                        </a:spcAft>
-                        <a:buClrTx/>
-                        <a:buSzTx/>
-                        <a:buFontTx/>
-                        <a:buNone/>
-                        <a:tabLst/>
-                        <a:defRPr/>
-                      </a:pPr>
-                      <a:r>
-                        <a:rPr lang="ru-RU" sz="1600" dirty="0" smtClean="0"/>
-                        <a:t>Вид</a:t>
-                      </a:r>
-                      <a:r>
-                        <a:rPr lang="ru-RU" sz="1600" baseline="0" dirty="0" smtClean="0"/>
-                        <a:t> доступа</a:t>
-                      </a:r>
-                      <a:endParaRPr lang="ru-RU" sz="1600" dirty="0" smtClean="0"/>
-                    </a:p>
-                  </a:txBody>
-                  <a:tcPr/>
-                </a:tc>
-              </a:tr>
-              <a:tr h="370840">
-                <a:tc>
-                  <a:txBody>
-                    <a:bodyPr/>
-                    <a:lstStyle/>
-                    <a:p>
-                      <a:r>
-                        <a:rPr lang="en-US" sz="1600" dirty="0" smtClean="0"/>
-                        <a:t>d-&gt;</a:t>
-                      </a:r>
-                      <a:r>
-                        <a:rPr lang="en-US" sz="1600" dirty="0" err="1" smtClean="0"/>
-                        <a:t>priv</a:t>
-                      </a:r>
-                      <a:endParaRPr lang="ru-RU" sz="1600" dirty="0"/>
-                    </a:p>
-                  </a:txBody>
-                  <a:tcPr/>
-                </a:tc>
-                <a:tc>
-                  <a:txBody>
-                    <a:bodyPr/>
-                    <a:lstStyle/>
-                    <a:p>
-                      <a:r>
-                        <a:rPr lang="en-US" sz="1600" dirty="0" smtClean="0"/>
-                        <a:t>{}, {}</a:t>
-                      </a:r>
-                      <a:endParaRPr lang="ru-RU" sz="1600" dirty="0"/>
-                    </a:p>
-                  </a:txBody>
-                  <a:tcPr/>
-                </a:tc>
-                <a:tc>
-                  <a:txBody>
-                    <a:bodyPr/>
-                    <a:lstStyle/>
-                    <a:p>
-                      <a:r>
-                        <a:rPr lang="ru-RU" sz="1600" dirty="0" smtClean="0"/>
-                        <a:t>чтение</a:t>
-                      </a:r>
-                      <a:endParaRPr lang="ru-RU" sz="1600" dirty="0"/>
-                    </a:p>
-                  </a:txBody>
-                  <a:tcPr/>
-                </a:tc>
-              </a:tr>
-              <a:tr h="370840">
-                <a:tc>
-                  <a:txBody>
-                    <a:bodyPr/>
-                    <a:lstStyle/>
-                    <a:p>
-                      <a:r>
-                        <a:rPr lang="en-US" sz="1600" dirty="0" smtClean="0"/>
-                        <a:t>d-&gt;</a:t>
-                      </a:r>
-                      <a:r>
-                        <a:rPr lang="en-US" sz="1600" dirty="0" err="1" smtClean="0"/>
-                        <a:t>priv</a:t>
-                      </a:r>
-                      <a:r>
-                        <a:rPr lang="en-US" sz="1600" dirty="0" smtClean="0"/>
-                        <a:t>-&gt;</a:t>
-                      </a:r>
-                      <a:r>
-                        <a:rPr lang="en-US" sz="1600" dirty="0" err="1" smtClean="0"/>
-                        <a:t>pwr.ev</a:t>
-                      </a:r>
-                      <a:endParaRPr lang="ru-RU" sz="1600" dirty="0"/>
-                    </a:p>
-                  </a:txBody>
-                  <a:tcPr/>
-                </a:tc>
-                <a:tc>
-                  <a:txBody>
-                    <a:bodyPr/>
-                    <a:lstStyle/>
-                    <a:p>
-                      <a:r>
-                        <a:rPr lang="en-US" sz="1600" dirty="0" smtClean="0"/>
-                        <a:t>{d-&gt;</a:t>
-                      </a:r>
-                      <a:r>
-                        <a:rPr lang="en-US" sz="1600" dirty="0" err="1" smtClean="0"/>
-                        <a:t>priv</a:t>
-                      </a:r>
-                      <a:r>
-                        <a:rPr lang="en-US" sz="1600" dirty="0" smtClean="0"/>
-                        <a:t>-&gt;lock},</a:t>
-                      </a:r>
-                      <a:r>
-                        <a:rPr lang="en-US" sz="1600" baseline="0" dirty="0" smtClean="0"/>
-                        <a:t> {}</a:t>
-                      </a:r>
-                      <a:endParaRPr lang="ru-RU" sz="1600" dirty="0"/>
-                    </a:p>
-                  </a:txBody>
-                  <a:tcPr/>
-                </a:tc>
-                <a:tc>
-                  <a:txBody>
-                    <a:bodyPr/>
-                    <a:lstStyle/>
-                    <a:p>
-                      <a:r>
-                        <a:rPr lang="ru-RU" sz="1600" dirty="0" smtClean="0"/>
-                        <a:t>чтение</a:t>
-                      </a:r>
-                      <a:endParaRPr lang="ru-RU" sz="1600" dirty="0"/>
-                    </a:p>
-                  </a:txBody>
-                  <a:tcPr/>
-                </a:tc>
-              </a:tr>
-              <a:tr h="370840">
-                <a:tc>
-                  <a:txBody>
-                    <a:bodyPr/>
-                    <a:lstStyle/>
-                    <a:p>
-                      <a:r>
-                        <a:rPr lang="en-US" sz="1600" dirty="0" smtClean="0"/>
-                        <a:t>d-&gt;</a:t>
-                      </a:r>
-                      <a:r>
-                        <a:rPr lang="en-US" sz="1600" dirty="0" err="1" smtClean="0"/>
-                        <a:t>priv</a:t>
-                      </a:r>
-                      <a:r>
-                        <a:rPr lang="en-US" sz="1600" dirty="0" smtClean="0"/>
-                        <a:t>-&gt;</a:t>
-                      </a:r>
-                      <a:r>
-                        <a:rPr lang="en-US" sz="1600" dirty="0" err="1" smtClean="0"/>
-                        <a:t>stats.rx_p</a:t>
-                      </a:r>
-                      <a:endParaRPr lang="ru-RU" sz="1600" dirty="0"/>
-                    </a:p>
-                  </a:txBody>
-                  <a:tcPr/>
-                </a:tc>
-                <a:tc>
-                  <a:txBody>
-                    <a:bodyPr/>
-                    <a:lstStyle/>
-                    <a:p>
-                      <a:r>
-                        <a:rPr lang="en-US" sz="1600" dirty="0" smtClean="0"/>
-                        <a:t>{}, {d-&gt;</a:t>
-                      </a:r>
-                      <a:r>
-                        <a:rPr lang="en-US" sz="1600" dirty="0" err="1" smtClean="0"/>
-                        <a:t>priv</a:t>
-                      </a:r>
-                      <a:r>
-                        <a:rPr lang="en-US" sz="1600" dirty="0" smtClean="0"/>
-                        <a:t>-&gt;lock}</a:t>
-                      </a:r>
-                      <a:endParaRPr lang="ru-RU" sz="1600" dirty="0"/>
-                    </a:p>
-                  </a:txBody>
-                  <a:tcPr/>
-                </a:tc>
-                <a:tc>
-                  <a:txBody>
-                    <a:bodyPr/>
-                    <a:lstStyle/>
-                    <a:p>
-                      <a:r>
-                        <a:rPr lang="ru-RU" sz="1600" dirty="0" smtClean="0"/>
-                        <a:t>запись</a:t>
-                      </a:r>
-                      <a:endParaRPr lang="ru-RU" sz="1600" dirty="0"/>
-                    </a:p>
-                  </a:txBody>
-                  <a:tcPr/>
-                </a:tc>
-              </a:tr>
-              <a:tr h="370840">
-                <a:tc>
-                  <a:txBody>
-                    <a:bodyPr/>
-                    <a:lstStyle/>
-                    <a:p>
-                      <a:r>
-                        <a:rPr lang="en-US" sz="1600" dirty="0" err="1" smtClean="0"/>
-                        <a:t>vals</a:t>
-                      </a:r>
-                      <a:r>
-                        <a:rPr lang="en-US" sz="1600" dirty="0" smtClean="0"/>
-                        <a:t>[0]</a:t>
-                      </a:r>
-                      <a:endParaRPr lang="ru-RU" sz="1600" dirty="0"/>
-                    </a:p>
-                  </a:txBody>
-                  <a:tcPr/>
-                </a:tc>
-                <a:tc>
-                  <a:txBody>
-                    <a:bodyPr/>
-                    <a:lstStyle/>
-                    <a:p>
-                      <a:r>
-                        <a:rPr lang="en-US" sz="1600" dirty="0" smtClean="0"/>
-                        <a:t>{},</a:t>
-                      </a:r>
-                      <a:r>
-                        <a:rPr lang="en-US" sz="1600" baseline="0" dirty="0" smtClean="0"/>
-                        <a:t> {d-&gt;</a:t>
-                      </a:r>
-                      <a:r>
-                        <a:rPr lang="en-US" sz="1600" baseline="0" dirty="0" err="1" smtClean="0"/>
-                        <a:t>priv</a:t>
-                      </a:r>
-                      <a:r>
-                        <a:rPr lang="en-US" sz="1600" baseline="0" dirty="0" smtClean="0"/>
-                        <a:t>-&gt;lock}</a:t>
-                      </a:r>
-                      <a:endParaRPr lang="ru-RU" sz="1600" dirty="0"/>
-                    </a:p>
-                  </a:txBody>
-                  <a:tcPr/>
-                </a:tc>
-                <a:tc>
-                  <a:txBody>
-                    <a:bodyPr/>
-                    <a:lstStyle/>
-                    <a:p>
-                      <a:r>
-                        <a:rPr lang="ru-RU" sz="1600" dirty="0" smtClean="0"/>
-                        <a:t>чтение</a:t>
-                      </a:r>
-                      <a:endParaRPr lang="ru-RU" sz="1600" dirty="0"/>
-                    </a:p>
-                  </a:txBody>
-                  <a:tcPr/>
-                </a:tc>
-              </a:tr>
-            </a:tbl>
-          </a:graphicData>
-        </a:graphic>
-      </p:graphicFrame>
-      <p:sp>
-        <p:nvSpPr>
-          <p:cNvPr id="6" name="Прямоугольник 5"/>
-          <p:cNvSpPr/>
-          <p:nvPr/>
-        </p:nvSpPr>
-        <p:spPr>
-          <a:xfrm>
-            <a:off x="0" y="2564904"/>
-            <a:ext cx="1695721" cy="369332"/>
-          </a:xfrm>
-          <a:prstGeom prst="rect">
-            <a:avLst/>
-          </a:prstGeom>
-        </p:spPr>
-        <p:txBody>
-          <a:bodyPr wrap="none">
-            <a:spAutoFit/>
-          </a:bodyPr>
-          <a:lstStyle/>
-          <a:p>
-            <a:r>
-              <a:rPr lang="en-US" b="1" i="1" u="sng" dirty="0" err="1" smtClean="0"/>
-              <a:t>airo_read_stats</a:t>
-            </a:r>
-            <a:endParaRPr lang="ru-RU" b="1" i="1" u="sng" dirty="0"/>
-          </a:p>
-        </p:txBody>
-      </p:sp>
-      <p:sp>
-        <p:nvSpPr>
-          <p:cNvPr id="7" name="Прямоугольник 6"/>
-          <p:cNvSpPr/>
-          <p:nvPr/>
-        </p:nvSpPr>
-        <p:spPr>
-          <a:xfrm>
-            <a:off x="0" y="4509120"/>
-            <a:ext cx="1322798" cy="369332"/>
-          </a:xfrm>
-          <a:prstGeom prst="rect">
-            <a:avLst/>
-          </a:prstGeom>
-        </p:spPr>
-        <p:txBody>
-          <a:bodyPr wrap="none">
-            <a:spAutoFit/>
-          </a:bodyPr>
-          <a:lstStyle/>
-          <a:p>
-            <a:r>
-              <a:rPr lang="en-US" b="1" i="1" u="sng" dirty="0" err="1" smtClean="0"/>
-              <a:t>airo_thread</a:t>
-            </a:r>
-            <a:endParaRPr lang="ru-RU" b="1" i="1" u="sng" dirty="0"/>
-          </a:p>
-        </p:txBody>
-      </p:sp>
-      <p:sp>
-        <p:nvSpPr>
-          <p:cNvPr id="9" name="Содержимое 2"/>
-          <p:cNvSpPr>
-            <a:spLocks noGrp="1"/>
-          </p:cNvSpPr>
-          <p:nvPr>
-            <p:ph idx="1"/>
-          </p:nvPr>
-        </p:nvSpPr>
-        <p:spPr>
-          <a:xfrm>
-            <a:off x="1799184" y="1124744"/>
-            <a:ext cx="5437112" cy="1152128"/>
-          </a:xfrm>
-        </p:spPr>
-        <p:txBody>
-          <a:bodyPr>
-            <a:normAutofit fontScale="55000" lnSpcReduction="20000"/>
-          </a:bodyPr>
-          <a:lstStyle/>
-          <a:p>
-            <a:pPr>
-              <a:buNone/>
-            </a:pPr>
-            <a:r>
-              <a:rPr lang="ru-RU" dirty="0" smtClean="0"/>
-              <a:t>Защищенный доступ – тройка (</a:t>
-            </a:r>
-            <a:r>
-              <a:rPr lang="en-US" i="1" dirty="0" smtClean="0"/>
-              <a:t>o, L, k</a:t>
-            </a:r>
-            <a:r>
-              <a:rPr lang="en-US" dirty="0" smtClean="0"/>
-              <a:t>), </a:t>
-            </a:r>
-            <a:r>
-              <a:rPr lang="ru-RU" dirty="0" smtClean="0"/>
-              <a:t>где</a:t>
-            </a:r>
-            <a:r>
-              <a:rPr lang="en-US" dirty="0" smtClean="0"/>
-              <a:t>:</a:t>
-            </a:r>
-            <a:endParaRPr lang="ru-RU" dirty="0" smtClean="0"/>
-          </a:p>
-          <a:p>
-            <a:pPr marL="0" indent="0"/>
-            <a:r>
-              <a:rPr lang="en-US" i="1" dirty="0" smtClean="0"/>
-              <a:t>o</a:t>
-            </a:r>
-            <a:r>
-              <a:rPr lang="en-US" dirty="0" smtClean="0"/>
-              <a:t> – </a:t>
-            </a:r>
-            <a:r>
-              <a:rPr lang="ru-RU" dirty="0" smtClean="0"/>
-              <a:t>область памяти</a:t>
-            </a:r>
-            <a:r>
-              <a:rPr lang="en-US" dirty="0" smtClean="0"/>
-              <a:t>, </a:t>
-            </a:r>
-            <a:r>
-              <a:rPr lang="ru-RU" dirty="0" smtClean="0"/>
-              <a:t>к которой производится доступ,</a:t>
-            </a:r>
-          </a:p>
-          <a:p>
-            <a:pPr marL="0" indent="0"/>
-            <a:r>
-              <a:rPr lang="en-US" i="1" dirty="0" smtClean="0"/>
-              <a:t>L</a:t>
-            </a:r>
-            <a:r>
-              <a:rPr lang="en-US" dirty="0" smtClean="0"/>
-              <a:t> - </a:t>
-            </a:r>
-            <a:r>
-              <a:rPr lang="ru-RU" dirty="0" smtClean="0"/>
-              <a:t>относительное множество блокировок,</a:t>
-            </a:r>
-          </a:p>
-          <a:p>
-            <a:pPr marL="0" indent="0"/>
-            <a:r>
-              <a:rPr lang="en-US" i="1" dirty="0" smtClean="0"/>
-              <a:t>k</a:t>
-            </a:r>
-            <a:r>
-              <a:rPr lang="en-US" dirty="0" smtClean="0"/>
-              <a:t> – </a:t>
-            </a:r>
-            <a:r>
-              <a:rPr lang="ru-RU" dirty="0" smtClean="0"/>
-              <a:t>вид доступа (чтение</a:t>
-            </a:r>
-            <a:r>
-              <a:rPr lang="en-US" dirty="0" smtClean="0"/>
-              <a:t>/</a:t>
-            </a:r>
-            <a:r>
-              <a:rPr lang="ru-RU" dirty="0" smtClean="0"/>
-              <a:t>запись).</a:t>
-            </a:r>
-            <a:endParaRPr lang="ru-RU" dirty="0"/>
-          </a:p>
-        </p:txBody>
-      </p:sp>
-      <p:sp>
-        <p:nvSpPr>
-          <p:cNvPr id="8" name="Номер слайда 7"/>
-          <p:cNvSpPr>
-            <a:spLocks noGrp="1"/>
-          </p:cNvSpPr>
-          <p:nvPr>
-            <p:ph type="sldNum" sz="quarter" idx="12"/>
-          </p:nvPr>
-        </p:nvSpPr>
-        <p:spPr/>
-        <p:txBody>
-          <a:bodyPr/>
-          <a:lstStyle/>
-          <a:p>
-            <a:fld id="{6ACCCD26-A6AD-4D04-8A48-0C02F87992A0}" type="slidenum">
-              <a:rPr lang="ru-RU" smtClean="0"/>
-              <a:pPr/>
-              <a:t>17</a:t>
-            </a:fld>
-            <a:endParaRPr lang="ru-RU"/>
-          </a:p>
-        </p:txBody>
-      </p:sp>
-    </p:spTree>
-  </p:cSld>
-  <p:clrMapOvr>
-    <a:masterClrMapping/>
-  </p:clrMapOvr>
-</p:sld>
-</file>
-
-<file path=ppt/slides/slide18.xml><?xml version="1.0" encoding="utf-8"?>
-<p:sld xmlns:a="http://schemas.openxmlformats.org/drawingml/2006/main" xmlns:r="http://schemas.openxmlformats.org/officeDocument/2006/relationships" xmlns:p="http://schemas.openxmlformats.org/presentationml/2006/main">
-  <p:cSld>
-    <p:spTree>
-      <p:nvGrpSpPr>
-        <p:cNvPr id="1" name=""/>
-        <p:cNvGrpSpPr/>
-        <p:nvPr/>
-      </p:nvGrpSpPr>
-      <p:grpSpPr>
-        <a:xfrm>
-          <a:off x="0" y="0"/>
-          <a:ext cx="0" cy="0"/>
-          <a:chOff x="0" y="0"/>
-          <a:chExt cx="0" cy="0"/>
-        </a:xfrm>
-      </p:grpSpPr>
-      <p:sp>
-        <p:nvSpPr>
-          <p:cNvPr id="2" name="Заголовок 1"/>
-          <p:cNvSpPr>
-            <a:spLocks noGrp="1"/>
-          </p:cNvSpPr>
-          <p:nvPr>
-            <p:ph type="title"/>
-          </p:nvPr>
-        </p:nvSpPr>
-        <p:spPr/>
-        <p:txBody>
           <a:bodyPr>
             <a:normAutofit fontScale="90000"/>
           </a:bodyPr>
@@ -14047,7 +11928,7 @@
             <a:fld id="{6ACCCD26-A6AD-4D04-8A48-0C02F87992A0}" type="slidenum">
               <a:rPr lang="ru-RU" smtClean="0"/>
               <a:pPr/>
-              <a:t>18</a:t>
+              <a:t>17</a:t>
             </a:fld>
             <a:endParaRPr lang="ru-RU"/>
           </a:p>
@@ -14058,6 +11939,117 @@
   <p:clrMapOvr>
     <a:masterClrMapping/>
   </p:clrMapOvr>
+  <p:timing>
+    <p:tnLst>
+      <p:par>
+        <p:cTn id="1" dur="indefinite" restart="never" nodeType="tmRoot"/>
+      </p:par>
+    </p:tnLst>
+  </p:timing>
+</p:sld>
+</file>
+
+<file path=ppt/slides/slide18.xml><?xml version="1.0" encoding="utf-8"?>
+<p:sld xmlns:a="http://schemas.openxmlformats.org/drawingml/2006/main" xmlns:r="http://schemas.openxmlformats.org/officeDocument/2006/relationships" xmlns:p="http://schemas.openxmlformats.org/presentationml/2006/main">
+  <p:cSld>
+    <p:spTree>
+      <p:nvGrpSpPr>
+        <p:cNvPr id="1" name=""/>
+        <p:cNvGrpSpPr/>
+        <p:nvPr/>
+      </p:nvGrpSpPr>
+      <p:grpSpPr>
+        <a:xfrm>
+          <a:off x="0" y="0"/>
+          <a:ext cx="0" cy="0"/>
+          <a:chOff x="0" y="0"/>
+          <a:chExt cx="0" cy="0"/>
+        </a:xfrm>
+      </p:grpSpPr>
+      <p:sp>
+        <p:nvSpPr>
+          <p:cNvPr id="2" name="Заголовок 1"/>
+          <p:cNvSpPr>
+            <a:spLocks noGrp="1"/>
+          </p:cNvSpPr>
+          <p:nvPr>
+            <p:ph type="title"/>
+          </p:nvPr>
+        </p:nvSpPr>
+        <p:spPr/>
+        <p:txBody>
+          <a:bodyPr>
+            <a:normAutofit fontScale="90000"/>
+          </a:bodyPr>
+          <a:lstStyle/>
+          <a:p>
+            <a:r>
+              <a:rPr lang="ru-RU" dirty="0" smtClean="0"/>
+              <a:t>Определение мест возможного возникновения гонок</a:t>
+            </a:r>
+            <a:endParaRPr lang="ru-RU" dirty="0"/>
+          </a:p>
+        </p:txBody>
+      </p:sp>
+      <p:sp>
+        <p:nvSpPr>
+          <p:cNvPr id="3" name="Содержимое 2"/>
+          <p:cNvSpPr>
+            <a:spLocks noGrp="1"/>
+          </p:cNvSpPr>
+          <p:nvPr>
+            <p:ph idx="1"/>
+          </p:nvPr>
+        </p:nvSpPr>
+        <p:spPr/>
+        <p:txBody>
+          <a:bodyPr/>
+          <a:lstStyle/>
+          <a:p>
+            <a:r>
+              <a:rPr lang="ru-RU" dirty="0" smtClean="0"/>
+              <a:t>Тут будет пример</a:t>
+            </a:r>
+            <a:endParaRPr lang="ru-RU" dirty="0"/>
+          </a:p>
+        </p:txBody>
+      </p:sp>
+      <p:sp>
+        <p:nvSpPr>
+          <p:cNvPr id="4" name="Номер слайда 3"/>
+          <p:cNvSpPr>
+            <a:spLocks noGrp="1"/>
+          </p:cNvSpPr>
+          <p:nvPr>
+            <p:ph type="sldNum" sz="quarter" idx="12"/>
+          </p:nvPr>
+        </p:nvSpPr>
+        <p:spPr/>
+        <p:txBody>
+          <a:bodyPr/>
+          <a:lstStyle/>
+          <a:p>
+            <a:fld id="{6ACCCD26-A6AD-4D04-8A48-0C02F87992A0}" type="slidenum">
+              <a:rPr lang="ru-RU" smtClean="0"/>
+              <a:pPr/>
+              <a:t>18</a:t>
+            </a:fld>
+            <a:endParaRPr lang="ru-RU"/>
+          </a:p>
+        </p:txBody>
+      </p:sp>
+    </p:spTree>
+  </p:cSld>
+  <p:clrMapOvr>
+    <a:masterClrMapping/>
+  </p:clrMapOvr>
+  <p:timing>
+    <p:tnLst>
+      <p:par>
+        <p:cTn id="1" dur="indefinite" restart="never" nodeType="tmRoot"/>
+      </p:par>
+    </p:tnLst>
+  </p:timing>
 </p:sld>
 </file>
 
@@ -14116,7 +12108,11 @@
           <a:bodyPr/>
           <a:lstStyle/>
           <a:p>
-            <a:endParaRPr lang="ru-RU"/>
+            <a:r>
+              <a:rPr lang="ru-RU" dirty="0" smtClean="0"/>
+              <a:t>Тут будет схема ПО</a:t>
+            </a:r>
+            <a:endParaRPr lang="ru-RU" dirty="0"/>
           </a:p>
         </p:txBody>
       </p:sp>
@@ -14149,6 +12145,13 @@
   <p:clrMapOvr>
     <a:masterClrMapping/>
   </p:clrMapOvr>
+  <p:timing>
+    <p:tnLst>
+      <p:par>
+        <p:cTn id="1" dur="indefinite" restart="never" nodeType="tmRoot"/>
+      </p:par>
+    </p:tnLst>
+  </p:timing>
 </p:sld>
 </file>
 
@@ -14344,7 +12347,7 @@
           <a:p>
             <a:r>
               <a:rPr lang="ru-RU" dirty="0" smtClean="0"/>
-              <a:t>Результаты исследований</a:t>
+              <a:t>Ограничения реализации</a:t>
             </a:r>
             <a:endParaRPr lang="ru-RU" dirty="0"/>
           </a:p>
@@ -14367,8 +12370,40 @@
           <a:p>
             <a:r>
               <a:rPr lang="ru-RU" dirty="0" smtClean="0"/>
-              <a:t>Надо каким-то образом показать вклад каждого из этапов на итоговый результат…</a:t>
-            </a:r>
+              <a:t>Использование мьютексов для организации критических </a:t>
+            </a:r>
+            <a:r>
+              <a:rPr lang="ru-RU" dirty="0" smtClean="0"/>
+              <a:t>секций</a:t>
+            </a:r>
+          </a:p>
+          <a:p>
+            <a:r>
+              <a:rPr lang="ru-RU" dirty="0" smtClean="0"/>
+              <a:t>Использование </a:t>
+            </a:r>
+            <a:r>
+              <a:rPr lang="en-US" dirty="0" smtClean="0"/>
+              <a:t>POSIX API</a:t>
+            </a:r>
+            <a:r>
+              <a:rPr lang="ru-RU" dirty="0" smtClean="0"/>
+              <a:t> для работы с потоками и объектами взаимоисключения</a:t>
+            </a:r>
+          </a:p>
+          <a:p>
+            <a:r>
+              <a:rPr lang="ru-RU" dirty="0" smtClean="0"/>
+              <a:t>Отсутствие обращений к полям структур</a:t>
+            </a:r>
+          </a:p>
+          <a:p>
+            <a:endParaRPr lang="ru-RU" dirty="0" smtClean="0"/>
+          </a:p>
+          <a:p>
+            <a:endParaRPr lang="ru-RU" dirty="0" smtClean="0"/>
+          </a:p>
+          <a:p>
             <a:endParaRPr lang="ru-RU" dirty="0"/>
           </a:p>
         </p:txBody>
@@ -14402,6 +12437,110 @@
   <p:clrMapOvr>
     <a:masterClrMapping/>
   </p:clrMapOvr>
+</p:sld>
+</file>
+
+<file path=ppt/slides/slide21.xml><?xml version="1.0" encoding="utf-8"?>
+<p:sld xmlns:a="http://schemas.openxmlformats.org/drawingml/2006/main" xmlns:r="http://schemas.openxmlformats.org/officeDocument/2006/relationships" xmlns:p="http://schemas.openxmlformats.org/presentationml/2006/main">
+  <p:cSld>
+    <p:spTree>
+      <p:nvGrpSpPr>
+        <p:cNvPr id="1" name=""/>
+        <p:cNvGrpSpPr/>
+        <p:nvPr/>
+      </p:nvGrpSpPr>
+      <p:grpSpPr>
+        <a:xfrm>
+          <a:off x="0" y="0"/>
+          <a:ext cx="0" cy="0"/>
+          <a:chOff x="0" y="0"/>
+          <a:chExt cx="0" cy="0"/>
+        </a:xfrm>
+      </p:grpSpPr>
+      <p:sp>
+        <p:nvSpPr>
+          <p:cNvPr id="2" name="Заголовок 1"/>
+          <p:cNvSpPr>
+            <a:spLocks noGrp="1"/>
+          </p:cNvSpPr>
+          <p:nvPr>
+            <p:ph type="title"/>
+          </p:nvPr>
+        </p:nvSpPr>
+        <p:spPr/>
+        <p:txBody>
+          <a:bodyPr/>
+          <a:lstStyle/>
+          <a:p>
+            <a:r>
+              <a:rPr lang="ru-RU" dirty="0" smtClean="0"/>
+              <a:t>Результаты исследований</a:t>
+            </a:r>
+            <a:endParaRPr lang="ru-RU" dirty="0"/>
+          </a:p>
+        </p:txBody>
+      </p:sp>
+      <p:sp>
+        <p:nvSpPr>
+          <p:cNvPr id="3" name="Содержимое 2"/>
+          <p:cNvSpPr>
+            <a:spLocks noGrp="1"/>
+          </p:cNvSpPr>
+          <p:nvPr>
+            <p:ph idx="1"/>
+          </p:nvPr>
+        </p:nvSpPr>
+        <p:spPr/>
+        <p:txBody>
+          <a:bodyPr/>
+          <a:lstStyle/>
+          <a:p>
+            <a:r>
+              <a:rPr lang="ru-RU" dirty="0" smtClean="0"/>
+              <a:t>Надо каким-то образом показать вклад каждого из этапов на итоговый результат…</a:t>
+            </a:r>
+          </a:p>
+          <a:p>
+            <a:endParaRPr lang="ru-RU" dirty="0"/>
+          </a:p>
+        </p:txBody>
+      </p:sp>
+      <p:sp>
+        <p:nvSpPr>
+          <p:cNvPr id="4" name="Номер слайда 3"/>
+          <p:cNvSpPr>
+            <a:spLocks noGrp="1"/>
+          </p:cNvSpPr>
+          <p:nvPr>
+            <p:ph type="sldNum" sz="quarter" idx="12"/>
+          </p:nvPr>
+        </p:nvSpPr>
+        <p:spPr/>
+        <p:txBody>
+          <a:bodyPr/>
+          <a:lstStyle/>
+          <a:p>
+            <a:fld id="{6ACCCD26-A6AD-4D04-8A48-0C02F87992A0}" type="slidenum">
+              <a:rPr lang="ru-RU" smtClean="0"/>
+              <a:pPr/>
+              <a:t>21</a:t>
+            </a:fld>
+            <a:endParaRPr lang="ru-RU"/>
+          </a:p>
+        </p:txBody>
+      </p:sp>
+    </p:spTree>
+  </p:cSld>
+  <p:clrMapOvr>
+    <a:masterClrMapping/>
+  </p:clrMapOvr>
+  <p:timing>
+    <p:tnLst>
+      <p:par>
+        <p:cTn id="1" dur="indefinite" restart="never" nodeType="tmRoot"/>
+      </p:par>
+    </p:tnLst>
+  </p:timing>
 </p:sld>
 </file>
 
@@ -15242,8 +13381,8 @@
         </p:blipFill>
         <p:spPr>
           <a:xfrm>
-            <a:off x="467544" y="1844824"/>
-            <a:ext cx="8229600" cy="3460531"/>
+            <a:off x="477162" y="1844824"/>
+            <a:ext cx="8210363" cy="3460531"/>
           </a:xfrm>
         </p:spPr>
       </p:pic>
@@ -15295,71 +13434,36 @@
           <a:lstStyle/>
           <a:p>
             <a:r>
-              <a:rPr lang="ru-RU" smtClean="0"/>
-              <a:t>Ограничения метода</a:t>
+              <a:rPr lang="ru-RU" dirty="0" smtClean="0"/>
+              <a:t>Метод статического поиска гонок</a:t>
             </a:r>
             <a:endParaRPr lang="ru-RU" dirty="0"/>
           </a:p>
         </p:txBody>
       </p:sp>
-      <p:sp>
-        <p:nvSpPr>
-          <p:cNvPr id="3" name="Содержимое 2"/>
-          <p:cNvSpPr>
-            <a:spLocks noGrp="1"/>
-          </p:cNvSpPr>
+      <p:pic>
+        <p:nvPicPr>
+          <p:cNvPr id="5" name="Содержимое 4" descr="idef0-black-box.emf"/>
+          <p:cNvPicPr>
+            <a:picLocks noGrp="1" noChangeAspect="1"/>
+          </p:cNvPicPr>
           <p:nvPr>
             <p:ph idx="1"/>
           </p:nvPr>
-        </p:nvSpPr>
-        <p:spPr/>
-        <p:txBody>
-          <a:bodyPr>
-            <a:normAutofit fontScale="92500" lnSpcReduction="10000"/>
-          </a:bodyPr>
-          <a:lstStyle/>
-          <a:p>
-            <a:r>
-              <a:rPr lang="ru-RU" dirty="0" smtClean="0"/>
-              <a:t>Использование </a:t>
-            </a:r>
-            <a:r>
-              <a:rPr lang="en-US" dirty="0" smtClean="0"/>
-              <a:t>POSIX API</a:t>
-            </a:r>
-          </a:p>
-          <a:p>
-            <a:r>
-              <a:rPr lang="ru-RU" dirty="0" smtClean="0"/>
-              <a:t>Отсутствие рекурсивных вызовов функций</a:t>
-            </a:r>
-          </a:p>
-          <a:p>
-            <a:r>
-              <a:rPr lang="ru-RU" dirty="0" smtClean="0"/>
-              <a:t>Использование мьютексов для организации критических секций</a:t>
-            </a:r>
-          </a:p>
-          <a:p>
-            <a:r>
-              <a:rPr lang="ru-RU" dirty="0" smtClean="0"/>
-              <a:t>Отсутствие указателей на функции</a:t>
-            </a:r>
-          </a:p>
-          <a:p>
-            <a:r>
-              <a:rPr lang="ru-RU" dirty="0" smtClean="0"/>
-              <a:t>Отсутствие обращений к памяти по заранее заданным адресам</a:t>
-            </a:r>
-          </a:p>
-          <a:p>
-            <a:r>
-              <a:rPr lang="ru-RU" dirty="0" smtClean="0"/>
-              <a:t>Уникальность имён переменных в пределах функции</a:t>
-            </a:r>
-          </a:p>
-        </p:txBody>
-      </p:sp>
+        </p:nvPicPr>
+        <p:blipFill>
+          <a:blip r:embed="rId2" cstate="print"/>
+          <a:stretch>
+            <a:fillRect/>
+          </a:stretch>
+        </p:blipFill>
+        <p:spPr>
+          <a:xfrm>
+            <a:off x="457200" y="1806084"/>
+            <a:ext cx="8229600" cy="4114194"/>
+          </a:xfrm>
+        </p:spPr>
+      </p:pic>
       <p:sp>
         <p:nvSpPr>
           <p:cNvPr id="4" name="Номер слайда 3"/>
@@ -15433,15 +13537,43 @@
           <a:p>
             <a:r>
               <a:rPr lang="ru-RU" dirty="0" smtClean="0"/>
-              <a:t>Разработанный метод</a:t>
+              <a:t>Метод статического поиска </a:t>
+            </a:r>
+            <a:r>
+              <a:rPr lang="ru-RU" dirty="0" smtClean="0"/>
+              <a:t>гонок</a:t>
             </a:r>
             <a:endParaRPr lang="ru-RU" dirty="0"/>
+          </a:p>
+        </p:txBody>
+      </p:sp>
+      <p:sp>
+        <p:nvSpPr>
+          <p:cNvPr id="4" name="Номер слайда 3"/>
+          <p:cNvSpPr>
+            <a:spLocks noGrp="1"/>
+          </p:cNvSpPr>
+          <p:nvPr>
+            <p:ph type="sldNum" sz="quarter" idx="12"/>
+          </p:nvPr>
+        </p:nvSpPr>
+        <p:spPr/>
+        <p:txBody>
+          <a:bodyPr/>
+          <a:lstStyle/>
+          <a:p>
+            <a:fld id="{6ACCCD26-A6AD-4D04-8A48-0C02F87992A0}" type="slidenum">
+              <a:rPr lang="ru-RU" smtClean="0"/>
+              <a:pPr/>
+              <a:t>6</a:t>
+            </a:fld>
+            <a:endParaRPr lang="ru-RU"/>
           </a:p>
         </p:txBody>
       </p:sp>
       <p:pic>
         <p:nvPicPr>
-          <p:cNvPr id="5" name="Содержимое 4" descr="idef0-black-box.emf"/>
+          <p:cNvPr id="9" name="Содержимое 8" descr="idef0.emf"/>
           <p:cNvPicPr>
             <a:picLocks noGrp="1" noChangeAspect="1"/>
           </p:cNvPicPr>
@@ -15457,40 +13589,23 @@
         </p:blipFill>
         <p:spPr>
           <a:xfrm>
-            <a:off x="457200" y="1806084"/>
-            <a:ext cx="8229600" cy="4114194"/>
+            <a:off x="96995" y="1628800"/>
+            <a:ext cx="8941465" cy="4464496"/>
           </a:xfrm>
         </p:spPr>
       </p:pic>
-      <p:sp>
-        <p:nvSpPr>
-          <p:cNvPr id="4" name="Номер слайда 3"/>
-          <p:cNvSpPr>
-            <a:spLocks noGrp="1"/>
-          </p:cNvSpPr>
-          <p:nvPr>
-            <p:ph type="sldNum" sz="quarter" idx="12"/>
-          </p:nvPr>
-        </p:nvSpPr>
-        <p:spPr/>
-        <p:txBody>
-          <a:bodyPr/>
-          <a:lstStyle/>
-          <a:p>
-            <a:fld id="{6ACCCD26-A6AD-4D04-8A48-0C02F87992A0}" type="slidenum">
-              <a:rPr lang="ru-RU" smtClean="0"/>
-              <a:pPr/>
-              <a:t>6</a:t>
-            </a:fld>
-            <a:endParaRPr lang="ru-RU"/>
-          </a:p>
-        </p:txBody>
-      </p:sp>
     </p:spTree>
   </p:cSld>
   <p:clrMapOvr>
     <a:masterClrMapping/>
   </p:clrMapOvr>
+  <p:timing>
+    <p:tnLst>
+      <p:par>
+        <p:cTn id="1" dur="indefinite" restart="never" nodeType="tmRoot"/>
+      </p:par>
+    </p:tnLst>
+  </p:timing>
 </p:sld>
 </file>
 
@@ -15527,10 +13642,60 @@
           <a:lstStyle/>
           <a:p>
             <a:r>
+              <a:rPr lang="ru-RU" smtClean="0"/>
+              <a:t>Ограничения метода</a:t>
+            </a:r>
+            <a:endParaRPr lang="ru-RU" dirty="0"/>
+          </a:p>
+        </p:txBody>
+      </p:sp>
+      <p:sp>
+        <p:nvSpPr>
+          <p:cNvPr id="3" name="Содержимое 2"/>
+          <p:cNvSpPr>
+            <a:spLocks noGrp="1"/>
+          </p:cNvSpPr>
+          <p:nvPr>
+            <p:ph idx="1"/>
+          </p:nvPr>
+        </p:nvSpPr>
+        <p:spPr/>
+        <p:txBody>
+          <a:bodyPr>
+            <a:normAutofit/>
+          </a:bodyPr>
+          <a:lstStyle/>
+          <a:p>
+            <a:r>
               <a:rPr lang="ru-RU" dirty="0" smtClean="0"/>
-              <a:t>Разработанный метод</a:t>
-            </a:r>
-            <a:endParaRPr lang="ru-RU" dirty="0"/>
+              <a:t>Отсутствие </a:t>
+            </a:r>
+            <a:r>
+              <a:rPr lang="ru-RU" dirty="0" smtClean="0"/>
+              <a:t>рекурсивных вызовов функций</a:t>
+            </a:r>
+          </a:p>
+          <a:p>
+            <a:r>
+              <a:rPr lang="ru-RU" dirty="0" smtClean="0"/>
+              <a:t>Отсутствие </a:t>
+            </a:r>
+            <a:r>
+              <a:rPr lang="ru-RU" dirty="0" smtClean="0"/>
+              <a:t>указателей на функции</a:t>
+            </a:r>
+          </a:p>
+          <a:p>
+            <a:r>
+              <a:rPr lang="ru-RU" dirty="0" smtClean="0"/>
+              <a:t>Отсутствие обращений к памяти по заранее заданным адресам</a:t>
+            </a:r>
+          </a:p>
+          <a:p>
+            <a:r>
+              <a:rPr lang="ru-RU" dirty="0" smtClean="0"/>
+              <a:t>Уникальность имён переменных в пределах функции</a:t>
+            </a:r>
           </a:p>
         </p:txBody>
       </p:sp>
@@ -15558,29 +13723,6 @@
           </a:p>
         </p:txBody>
       </p:sp>
-      <p:pic>
-        <p:nvPicPr>
-          <p:cNvPr id="9" name="Содержимое 8" descr="idef0.emf"/>
-          <p:cNvPicPr>
-            <a:picLocks noGrp="1" noChangeAspect="1"/>
-          </p:cNvPicPr>
-          <p:nvPr>
-            <p:ph idx="1"/>
-          </p:nvPr>
-        </p:nvPicPr>
-        <p:blipFill>
-          <a:blip r:embed="rId2" cstate="print"/>
-          <a:stretch>
-            <a:fillRect/>
-          </a:stretch>
-        </p:blipFill>
-        <p:spPr>
-          <a:xfrm>
-            <a:off x="96995" y="1628800"/>
-            <a:ext cx="8941465" cy="4464496"/>
-          </a:xfrm>
-        </p:spPr>
-      </p:pic>
     </p:spTree>
   </p:cSld>
   <p:clrMapOvr>

--- a/presentations/diplom/static race detection.pptx
+++ b/presentations/diplom/static race detection.pptx
@@ -13488,6 +13488,44 @@
           </a:p>
         </p:txBody>
       </p:sp>
+      <p:sp>
+        <p:nvSpPr>
+          <p:cNvPr id="6" name="TextBox 5"/>
+          <p:cNvSpPr txBox="1"/>
+          <p:nvPr/>
+        </p:nvSpPr>
+        <p:spPr>
+          <a:xfrm>
+            <a:off x="2771800" y="3573016"/>
+            <a:ext cx="3698064" cy="646331"/>
+          </a:xfrm>
+          <a:prstGeom prst="rect">
+            <a:avLst/>
+          </a:prstGeom>
+          <a:noFill/>
+        </p:spPr>
+        <p:txBody>
+          <a:bodyPr wrap="none" rtlCol="0">
+            <a:spAutoFit/>
+          </a:bodyPr>
+          <a:lstStyle/>
+          <a:p>
+            <a:r>
+              <a:rPr lang="ru-RU" sz="3600" dirty="0" smtClean="0">
+                <a:solidFill>
+                  <a:srgbClr val="FF0000"/>
+                </a:solidFill>
+              </a:rPr>
+              <a:t>Переделать!!!!!!!!</a:t>
+            </a:r>
+            <a:endParaRPr lang="ru-RU" sz="3600" dirty="0">
+              <a:solidFill>
+                <a:srgbClr val="FF0000"/>
+              </a:solidFill>
+            </a:endParaRPr>
+          </a:p>
+        </p:txBody>
+      </p:sp>
     </p:spTree>
   </p:cSld>
   <p:clrMapOvr>
@@ -13594,6 +13632,44 @@
           </a:xfrm>
         </p:spPr>
       </p:pic>
+      <p:sp>
+        <p:nvSpPr>
+          <p:cNvPr id="5" name="TextBox 4"/>
+          <p:cNvSpPr txBox="1"/>
+          <p:nvPr/>
+        </p:nvSpPr>
+        <p:spPr>
+          <a:xfrm>
+            <a:off x="2987824" y="3212976"/>
+            <a:ext cx="3698064" cy="646331"/>
+          </a:xfrm>
+          <a:prstGeom prst="rect">
+            <a:avLst/>
+          </a:prstGeom>
+          <a:noFill/>
+        </p:spPr>
+        <p:txBody>
+          <a:bodyPr wrap="none" rtlCol="0">
+            <a:spAutoFit/>
+          </a:bodyPr>
+          <a:lstStyle/>
+          <a:p>
+            <a:r>
+              <a:rPr lang="ru-RU" sz="3600" dirty="0" smtClean="0">
+                <a:solidFill>
+                  <a:srgbClr val="FF0000"/>
+                </a:solidFill>
+              </a:rPr>
+              <a:t>Переделать!!!!!!!!</a:t>
+            </a:r>
+            <a:endParaRPr lang="ru-RU" sz="3600" dirty="0">
+              <a:solidFill>
+                <a:srgbClr val="FF0000"/>
+              </a:solidFill>
+            </a:endParaRPr>
+          </a:p>
+        </p:txBody>
+      </p:sp>
     </p:spTree>
   </p:cSld>
   <p:clrMapOvr>

--- a/presentations/diplom/static race detection.pptx
+++ b/presentations/diplom/static race detection.pptx
@@ -5,7 +5,7 @@
     <p:sldMasterId id="2147483648" r:id="rId1"/>
   </p:sldMasterIdLst>
   <p:notesMasterIdLst>
-    <p:notesMasterId r:id="rId23"/>
+    <p:notesMasterId r:id="rId25"/>
   </p:notesMasterIdLst>
   <p:sldIdLst>
     <p:sldId id="256" r:id="rId2"/>
@@ -22,13 +22,15 @@
     <p:sldId id="278" r:id="rId13"/>
     <p:sldId id="281" r:id="rId14"/>
     <p:sldId id="279" r:id="rId15"/>
-    <p:sldId id="283" r:id="rId16"/>
-    <p:sldId id="286" r:id="rId17"/>
-    <p:sldId id="284" r:id="rId18"/>
-    <p:sldId id="285" r:id="rId19"/>
-    <p:sldId id="274" r:id="rId20"/>
-    <p:sldId id="287" r:id="rId21"/>
-    <p:sldId id="271" r:id="rId22"/>
+    <p:sldId id="289" r:id="rId16"/>
+    <p:sldId id="283" r:id="rId17"/>
+    <p:sldId id="288" r:id="rId18"/>
+    <p:sldId id="286" r:id="rId19"/>
+    <p:sldId id="284" r:id="rId20"/>
+    <p:sldId id="285" r:id="rId21"/>
+    <p:sldId id="274" r:id="rId22"/>
+    <p:sldId id="287" r:id="rId23"/>
+    <p:sldId id="271" r:id="rId24"/>
   </p:sldIdLst>
   <p:sldSz cx="9144000" cy="6858000" type="screen4x3"/>
   <p:notesSz cx="6858000" cy="9144000"/>
@@ -7650,6 +7652,44 @@
           </a:p>
         </p:txBody>
       </p:sp>
+      <p:sp>
+        <p:nvSpPr>
+          <p:cNvPr id="8" name="TextBox 7"/>
+          <p:cNvSpPr txBox="1"/>
+          <p:nvPr/>
+        </p:nvSpPr>
+        <p:spPr>
+          <a:xfrm>
+            <a:off x="2771800" y="3212976"/>
+            <a:ext cx="3698064" cy="646331"/>
+          </a:xfrm>
+          <a:prstGeom prst="rect">
+            <a:avLst/>
+          </a:prstGeom>
+          <a:noFill/>
+        </p:spPr>
+        <p:txBody>
+          <a:bodyPr wrap="none" rtlCol="0">
+            <a:spAutoFit/>
+          </a:bodyPr>
+          <a:lstStyle/>
+          <a:p>
+            <a:r>
+              <a:rPr lang="ru-RU" sz="3600" dirty="0" smtClean="0">
+                <a:solidFill>
+                  <a:srgbClr val="FF0000"/>
+                </a:solidFill>
+              </a:rPr>
+              <a:t>Переделать!!!!!!!!</a:t>
+            </a:r>
+            <a:endParaRPr lang="ru-RU" sz="3600" dirty="0">
+              <a:solidFill>
+                <a:srgbClr val="FF0000"/>
+              </a:solidFill>
+            </a:endParaRPr>
+          </a:p>
+        </p:txBody>
+      </p:sp>
     </p:spTree>
   </p:cSld>
   <p:clrMapOvr>
@@ -11666,35 +11706,35 @@
           <a:p>
             <a:r>
               <a:rPr lang="ru-RU" dirty="0" smtClean="0"/>
-              <a:t>Формирование таблиц защищённого доступа</a:t>
+              <a:t>Формирование таблицы защищенного доступа</a:t>
             </a:r>
             <a:endParaRPr lang="ru-RU" dirty="0"/>
           </a:p>
         </p:txBody>
       </p:sp>
-      <p:sp>
-        <p:nvSpPr>
-          <p:cNvPr id="3" name="Содержимое 2"/>
-          <p:cNvSpPr>
-            <a:spLocks noGrp="1"/>
-          </p:cNvSpPr>
+      <p:pic>
+        <p:nvPicPr>
+          <p:cNvPr id="5" name="Содержимое 4" descr="guarded_access_analysis_analyzeFunction.emf"/>
+          <p:cNvPicPr>
+            <a:picLocks noGrp="1" noChangeAspect="1"/>
+          </p:cNvPicPr>
           <p:nvPr>
             <p:ph idx="1"/>
           </p:nvPr>
-        </p:nvSpPr>
-        <p:spPr/>
-        <p:txBody>
-          <a:bodyPr/>
-          <a:lstStyle/>
-          <a:p>
-            <a:r>
-              <a:rPr lang="ru-RU" dirty="0" smtClean="0"/>
-              <a:t>Тут будет блок схема алгоритма</a:t>
-            </a:r>
-            <a:endParaRPr lang="ru-RU" dirty="0"/>
-          </a:p>
-        </p:txBody>
-      </p:sp>
+        </p:nvPicPr>
+        <p:blipFill>
+          <a:blip r:embed="rId2" cstate="print"/>
+          <a:stretch>
+            <a:fillRect/>
+          </a:stretch>
+        </p:blipFill>
+        <p:spPr>
+          <a:xfrm>
+            <a:off x="3433754" y="1600200"/>
+            <a:ext cx="2276491" cy="4525963"/>
+          </a:xfrm>
+        </p:spPr>
+      </p:pic>
       <p:sp>
         <p:nvSpPr>
           <p:cNvPr id="4" name="Номер слайда 3"/>
@@ -11724,13 +11764,6 @@
   <p:clrMapOvr>
     <a:masterClrMapping/>
   </p:clrMapOvr>
-  <p:timing>
-    <p:tnLst>
-      <p:par>
-        <p:cTn id="1" dur="indefinite" restart="never" nodeType="tmRoot"/>
-      </p:par>
-    </p:tnLst>
-  </p:timing>
 </p:sld>
 </file>
 
@@ -11776,6 +11809,29 @@
           </a:p>
         </p:txBody>
       </p:sp>
+      <p:pic>
+        <p:nvPicPr>
+          <p:cNvPr id="5" name="Содержимое 4" descr="guarded_access_analysis_updateAccessSet.emf"/>
+          <p:cNvPicPr>
+            <a:picLocks noGrp="1" noChangeAspect="1"/>
+          </p:cNvPicPr>
+          <p:nvPr>
+            <p:ph idx="1"/>
+          </p:nvPr>
+        </p:nvPicPr>
+        <p:blipFill>
+          <a:blip r:embed="rId2" cstate="print"/>
+          <a:stretch>
+            <a:fillRect/>
+          </a:stretch>
+        </p:blipFill>
+        <p:spPr>
+          <a:xfrm>
+            <a:off x="133801" y="1662047"/>
+            <a:ext cx="8822221" cy="4719281"/>
+          </a:xfrm>
+        </p:spPr>
+      </p:pic>
       <p:sp>
         <p:nvSpPr>
           <p:cNvPr id="4" name="Номер слайда 3"/>
@@ -11797,36 +11853,6 @@
               <a:t>16</a:t>
             </a:fld>
             <a:endParaRPr lang="ru-RU"/>
-          </a:p>
-        </p:txBody>
-      </p:sp>
-      <p:sp>
-        <p:nvSpPr>
-          <p:cNvPr id="11" name="TextBox 10"/>
-          <p:cNvSpPr txBox="1"/>
-          <p:nvPr/>
-        </p:nvSpPr>
-        <p:spPr>
-          <a:xfrm>
-            <a:off x="3059832" y="2708920"/>
-            <a:ext cx="1889684" cy="369332"/>
-          </a:xfrm>
-          <a:prstGeom prst="rect">
-            <a:avLst/>
-          </a:prstGeom>
-          <a:noFill/>
-        </p:spPr>
-        <p:txBody>
-          <a:bodyPr wrap="none" rtlCol="0">
-            <a:spAutoFit/>
-          </a:bodyPr>
-          <a:lstStyle/>
-          <a:p>
-            <a:r>
-              <a:rPr lang="ru-RU" dirty="0" smtClean="0"/>
-              <a:t>Тут будет пример</a:t>
-            </a:r>
-            <a:endParaRPr lang="ru-RU" dirty="0"/>
           </a:p>
         </p:txBody>
       </p:sp>
@@ -11881,35 +11907,31 @@
           <a:p>
             <a:r>
               <a:rPr lang="ru-RU" dirty="0" smtClean="0"/>
-              <a:t>Определение мест возможного возникновения гонок</a:t>
+              <a:t>Формирование таблицы защищенного доступа</a:t>
             </a:r>
             <a:endParaRPr lang="ru-RU" dirty="0"/>
           </a:p>
         </p:txBody>
       </p:sp>
-      <p:pic>
-        <p:nvPicPr>
-          <p:cNvPr id="5" name="Содержимое 4" descr="generate_warnings.emf"/>
-          <p:cNvPicPr>
-            <a:picLocks noGrp="1" noChangeAspect="1"/>
-          </p:cNvPicPr>
+      <p:sp>
+        <p:nvSpPr>
+          <p:cNvPr id="3" name="Содержимое 2"/>
+          <p:cNvSpPr>
+            <a:spLocks noGrp="1"/>
+          </p:cNvSpPr>
           <p:nvPr>
             <p:ph idx="1"/>
           </p:nvPr>
-        </p:nvPicPr>
-        <p:blipFill>
-          <a:blip r:embed="rId2" cstate="print"/>
-          <a:stretch>
-            <a:fillRect/>
-          </a:stretch>
-        </p:blipFill>
-        <p:spPr>
-          <a:xfrm>
-            <a:off x="179512" y="1844824"/>
-            <a:ext cx="8694981" cy="4032448"/>
-          </a:xfrm>
-        </p:spPr>
-      </p:pic>
+        </p:nvSpPr>
+        <p:spPr/>
+        <p:txBody>
+          <a:bodyPr/>
+          <a:lstStyle/>
+          <a:p>
+            <a:endParaRPr lang="ru-RU"/>
+          </a:p>
+        </p:txBody>
+      </p:sp>
       <p:sp>
         <p:nvSpPr>
           <p:cNvPr id="4" name="Номер слайда 3"/>
@@ -11939,13 +11961,6 @@
   <p:clrMapOvr>
     <a:masterClrMapping/>
   </p:clrMapOvr>
-  <p:timing>
-    <p:tnLst>
-      <p:par>
-        <p:cTn id="1" dur="indefinite" restart="never" nodeType="tmRoot"/>
-      </p:par>
-    </p:tnLst>
-  </p:timing>
 </p:sld>
 </file>
 
@@ -11985,30 +12000,7 @@
           <a:p>
             <a:r>
               <a:rPr lang="ru-RU" dirty="0" smtClean="0"/>
-              <a:t>Определение мест возможного возникновения гонок</a:t>
-            </a:r>
-            <a:endParaRPr lang="ru-RU" dirty="0"/>
-          </a:p>
-        </p:txBody>
-      </p:sp>
-      <p:sp>
-        <p:nvSpPr>
-          <p:cNvPr id="3" name="Содержимое 2"/>
-          <p:cNvSpPr>
-            <a:spLocks noGrp="1"/>
-          </p:cNvSpPr>
-          <p:nvPr>
-            <p:ph idx="1"/>
-          </p:nvPr>
-        </p:nvSpPr>
-        <p:spPr/>
-        <p:txBody>
-          <a:bodyPr/>
-          <a:lstStyle/>
-          <a:p>
-            <a:r>
-              <a:rPr lang="ru-RU" dirty="0" smtClean="0"/>
-              <a:t>Тут будет пример</a:t>
+              <a:t>Формирование таблиц защищённого доступа</a:t>
             </a:r>
             <a:endParaRPr lang="ru-RU" dirty="0"/>
           </a:p>
@@ -12035,6 +12027,36 @@
               <a:t>18</a:t>
             </a:fld>
             <a:endParaRPr lang="ru-RU"/>
+          </a:p>
+        </p:txBody>
+      </p:sp>
+      <p:sp>
+        <p:nvSpPr>
+          <p:cNvPr id="11" name="TextBox 10"/>
+          <p:cNvSpPr txBox="1"/>
+          <p:nvPr/>
+        </p:nvSpPr>
+        <p:spPr>
+          <a:xfrm>
+            <a:off x="3059832" y="2708920"/>
+            <a:ext cx="1889684" cy="369332"/>
+          </a:xfrm>
+          <a:prstGeom prst="rect">
+            <a:avLst/>
+          </a:prstGeom>
+          <a:noFill/>
+        </p:spPr>
+        <p:txBody>
+          <a:bodyPr wrap="none" rtlCol="0">
+            <a:spAutoFit/>
+          </a:bodyPr>
+          <a:lstStyle/>
+          <a:p>
+            <a:r>
+              <a:rPr lang="ru-RU" dirty="0" smtClean="0"/>
+              <a:t>Тут будет пример</a:t>
+            </a:r>
+            <a:endParaRPr lang="ru-RU" dirty="0"/>
           </a:p>
         </p:txBody>
       </p:sp>
@@ -12082,40 +12104,42 @@
         </p:nvSpPr>
         <p:spPr/>
         <p:txBody>
-          <a:bodyPr/>
+          <a:bodyPr>
+            <a:normAutofit fontScale="90000"/>
+          </a:bodyPr>
           <a:lstStyle/>
           <a:p>
             <a:r>
               <a:rPr lang="ru-RU" dirty="0" smtClean="0"/>
-              <a:t>Структура ПО</a:t>
+              <a:t>Определение мест возможного возникновения гонок</a:t>
             </a:r>
             <a:endParaRPr lang="ru-RU" dirty="0"/>
           </a:p>
         </p:txBody>
       </p:sp>
-      <p:sp>
-        <p:nvSpPr>
-          <p:cNvPr id="3" name="Содержимое 2"/>
-          <p:cNvSpPr>
-            <a:spLocks noGrp="1"/>
-          </p:cNvSpPr>
+      <p:pic>
+        <p:nvPicPr>
+          <p:cNvPr id="5" name="Содержимое 4" descr="generate_warnings.emf"/>
+          <p:cNvPicPr>
+            <a:picLocks noGrp="1" noChangeAspect="1"/>
+          </p:cNvPicPr>
           <p:nvPr>
             <p:ph idx="1"/>
           </p:nvPr>
-        </p:nvSpPr>
-        <p:spPr/>
-        <p:txBody>
-          <a:bodyPr/>
-          <a:lstStyle/>
-          <a:p>
-            <a:r>
-              <a:rPr lang="ru-RU" dirty="0" smtClean="0"/>
-              <a:t>Тут будет схема ПО</a:t>
-            </a:r>
-            <a:endParaRPr lang="ru-RU" dirty="0"/>
-          </a:p>
-        </p:txBody>
-      </p:sp>
+        </p:nvPicPr>
+        <p:blipFill>
+          <a:blip r:embed="rId2" cstate="print"/>
+          <a:stretch>
+            <a:fillRect/>
+          </a:stretch>
+        </p:blipFill>
+        <p:spPr>
+          <a:xfrm>
+            <a:off x="179512" y="1844824"/>
+            <a:ext cx="8694981" cy="4032448"/>
+          </a:xfrm>
+        </p:spPr>
+      </p:pic>
       <p:sp>
         <p:nvSpPr>
           <p:cNvPr id="4" name="Номер слайда 3"/>
@@ -12342,12 +12366,14 @@
         </p:nvSpPr>
         <p:spPr/>
         <p:txBody>
-          <a:bodyPr/>
+          <a:bodyPr>
+            <a:normAutofit fontScale="90000"/>
+          </a:bodyPr>
           <a:lstStyle/>
           <a:p>
             <a:r>
               <a:rPr lang="ru-RU" dirty="0" smtClean="0"/>
-              <a:t>Ограничения реализации</a:t>
+              <a:t>Определение мест возможного возникновения гонок</a:t>
             </a:r>
             <a:endParaRPr lang="ru-RU" dirty="0"/>
           </a:p>
@@ -12370,40 +12396,8 @@
           <a:p>
             <a:r>
               <a:rPr lang="ru-RU" dirty="0" smtClean="0"/>
-              <a:t>Использование мьютексов для организации критических </a:t>
-            </a:r>
-            <a:r>
-              <a:rPr lang="ru-RU" dirty="0" smtClean="0"/>
-              <a:t>секций</a:t>
-            </a:r>
-          </a:p>
-          <a:p>
-            <a:r>
-              <a:rPr lang="ru-RU" dirty="0" smtClean="0"/>
-              <a:t>Использование </a:t>
-            </a:r>
-            <a:r>
-              <a:rPr lang="en-US" dirty="0" smtClean="0"/>
-              <a:t>POSIX API</a:t>
-            </a:r>
-            <a:r>
-              <a:rPr lang="ru-RU" dirty="0" smtClean="0"/>
-              <a:t> для работы с потоками и объектами взаимоисключения</a:t>
-            </a:r>
-          </a:p>
-          <a:p>
-            <a:r>
-              <a:rPr lang="ru-RU" dirty="0" smtClean="0"/>
-              <a:t>Отсутствие обращений к полям структур</a:t>
-            </a:r>
-          </a:p>
-          <a:p>
-            <a:endParaRPr lang="ru-RU" dirty="0" smtClean="0"/>
-          </a:p>
-          <a:p>
-            <a:endParaRPr lang="ru-RU" dirty="0" smtClean="0"/>
-          </a:p>
-          <a:p>
+              <a:t>Тут будет пример</a:t>
+            </a:r>
             <a:endParaRPr lang="ru-RU" dirty="0"/>
           </a:p>
         </p:txBody>
@@ -12437,6 +12431,13 @@
   <p:clrMapOvr>
     <a:masterClrMapping/>
   </p:clrMapOvr>
+  <p:timing>
+    <p:tnLst>
+      <p:par>
+        <p:cTn id="1" dur="indefinite" restart="never" nodeType="tmRoot"/>
+      </p:par>
+    </p:tnLst>
+  </p:timing>
 </p:sld>
 </file>
 
@@ -12474,7 +12475,7 @@
           <a:p>
             <a:r>
               <a:rPr lang="ru-RU" dirty="0" smtClean="0"/>
-              <a:t>Результаты исследований</a:t>
+              <a:t>Структура ПО</a:t>
             </a:r>
             <a:endParaRPr lang="ru-RU" dirty="0"/>
           </a:p>
@@ -12497,10 +12498,8 @@
           <a:p>
             <a:r>
               <a:rPr lang="ru-RU" dirty="0" smtClean="0"/>
-              <a:t>Надо каким-то образом показать вклад каждого из этапов на итоговый результат…</a:t>
-            </a:r>
-          </a:p>
-          <a:p>
+              <a:t>Тут будет схема ПО</a:t>
+            </a:r>
             <a:endParaRPr lang="ru-RU" dirty="0"/>
           </a:p>
         </p:txBody>
@@ -12524,6 +12523,233 @@
               <a:rPr lang="ru-RU" smtClean="0"/>
               <a:pPr/>
               <a:t>21</a:t>
+            </a:fld>
+            <a:endParaRPr lang="ru-RU"/>
+          </a:p>
+        </p:txBody>
+      </p:sp>
+    </p:spTree>
+  </p:cSld>
+  <p:clrMapOvr>
+    <a:masterClrMapping/>
+  </p:clrMapOvr>
+  <p:timing>
+    <p:tnLst>
+      <p:par>
+        <p:cTn id="1" dur="indefinite" restart="never" nodeType="tmRoot"/>
+      </p:par>
+    </p:tnLst>
+  </p:timing>
+</p:sld>
+</file>
+
+<file path=ppt/slides/slide22.xml><?xml version="1.0" encoding="utf-8"?>
+<p:sld xmlns:a="http://schemas.openxmlformats.org/drawingml/2006/main" xmlns:r="http://schemas.openxmlformats.org/officeDocument/2006/relationships" xmlns:p="http://schemas.openxmlformats.org/presentationml/2006/main">
+  <p:cSld>
+    <p:spTree>
+      <p:nvGrpSpPr>
+        <p:cNvPr id="1" name=""/>
+        <p:cNvGrpSpPr/>
+        <p:nvPr/>
+      </p:nvGrpSpPr>
+      <p:grpSpPr>
+        <a:xfrm>
+          <a:off x="0" y="0"/>
+          <a:ext cx="0" cy="0"/>
+          <a:chOff x="0" y="0"/>
+          <a:chExt cx="0" cy="0"/>
+        </a:xfrm>
+      </p:grpSpPr>
+      <p:sp>
+        <p:nvSpPr>
+          <p:cNvPr id="2" name="Заголовок 1"/>
+          <p:cNvSpPr>
+            <a:spLocks noGrp="1"/>
+          </p:cNvSpPr>
+          <p:nvPr>
+            <p:ph type="title"/>
+          </p:nvPr>
+        </p:nvSpPr>
+        <p:spPr/>
+        <p:txBody>
+          <a:bodyPr/>
+          <a:lstStyle/>
+          <a:p>
+            <a:r>
+              <a:rPr lang="ru-RU" dirty="0" smtClean="0"/>
+              <a:t>Ограничения реализации</a:t>
+            </a:r>
+            <a:endParaRPr lang="ru-RU" dirty="0"/>
+          </a:p>
+        </p:txBody>
+      </p:sp>
+      <p:sp>
+        <p:nvSpPr>
+          <p:cNvPr id="3" name="Содержимое 2"/>
+          <p:cNvSpPr>
+            <a:spLocks noGrp="1"/>
+          </p:cNvSpPr>
+          <p:nvPr>
+            <p:ph idx="1"/>
+          </p:nvPr>
+        </p:nvSpPr>
+        <p:spPr/>
+        <p:txBody>
+          <a:bodyPr/>
+          <a:lstStyle/>
+          <a:p>
+            <a:r>
+              <a:rPr lang="ru-RU" dirty="0" smtClean="0"/>
+              <a:t>Использование мьютексов для организации критических секций</a:t>
+            </a:r>
+          </a:p>
+          <a:p>
+            <a:r>
+              <a:rPr lang="ru-RU" dirty="0" smtClean="0"/>
+              <a:t>Использование </a:t>
+            </a:r>
+            <a:r>
+              <a:rPr lang="en-US" dirty="0" smtClean="0"/>
+              <a:t>POSIX API</a:t>
+            </a:r>
+            <a:r>
+              <a:rPr lang="ru-RU" dirty="0" smtClean="0"/>
+              <a:t> для работы с потоками и объектами взаимоисключения</a:t>
+            </a:r>
+          </a:p>
+          <a:p>
+            <a:r>
+              <a:rPr lang="ru-RU" dirty="0" smtClean="0"/>
+              <a:t>Отсутствие обращений к полям структур</a:t>
+            </a:r>
+          </a:p>
+          <a:p>
+            <a:endParaRPr lang="ru-RU" dirty="0" smtClean="0"/>
+          </a:p>
+          <a:p>
+            <a:endParaRPr lang="ru-RU" dirty="0" smtClean="0"/>
+          </a:p>
+          <a:p>
+            <a:endParaRPr lang="ru-RU" dirty="0"/>
+          </a:p>
+        </p:txBody>
+      </p:sp>
+      <p:sp>
+        <p:nvSpPr>
+          <p:cNvPr id="4" name="Номер слайда 3"/>
+          <p:cNvSpPr>
+            <a:spLocks noGrp="1"/>
+          </p:cNvSpPr>
+          <p:nvPr>
+            <p:ph type="sldNum" sz="quarter" idx="12"/>
+          </p:nvPr>
+        </p:nvSpPr>
+        <p:spPr/>
+        <p:txBody>
+          <a:bodyPr/>
+          <a:lstStyle/>
+          <a:p>
+            <a:fld id="{6ACCCD26-A6AD-4D04-8A48-0C02F87992A0}" type="slidenum">
+              <a:rPr lang="ru-RU" smtClean="0"/>
+              <a:pPr/>
+              <a:t>22</a:t>
+            </a:fld>
+            <a:endParaRPr lang="ru-RU"/>
+          </a:p>
+        </p:txBody>
+      </p:sp>
+    </p:spTree>
+  </p:cSld>
+  <p:clrMapOvr>
+    <a:masterClrMapping/>
+  </p:clrMapOvr>
+</p:sld>
+</file>
+
+<file path=ppt/slides/slide23.xml><?xml version="1.0" encoding="utf-8"?>
+<p:sld xmlns:a="http://schemas.openxmlformats.org/drawingml/2006/main" xmlns:r="http://schemas.openxmlformats.org/officeDocument/2006/relationships" xmlns:p="http://schemas.openxmlformats.org/presentationml/2006/main">
+  <p:cSld>
+    <p:spTree>
+      <p:nvGrpSpPr>
+        <p:cNvPr id="1" name=""/>
+        <p:cNvGrpSpPr/>
+        <p:nvPr/>
+      </p:nvGrpSpPr>
+      <p:grpSpPr>
+        <a:xfrm>
+          <a:off x="0" y="0"/>
+          <a:ext cx="0" cy="0"/>
+          <a:chOff x="0" y="0"/>
+          <a:chExt cx="0" cy="0"/>
+        </a:xfrm>
+      </p:grpSpPr>
+      <p:sp>
+        <p:nvSpPr>
+          <p:cNvPr id="2" name="Заголовок 1"/>
+          <p:cNvSpPr>
+            <a:spLocks noGrp="1"/>
+          </p:cNvSpPr>
+          <p:nvPr>
+            <p:ph type="title"/>
+          </p:nvPr>
+        </p:nvSpPr>
+        <p:spPr/>
+        <p:txBody>
+          <a:bodyPr/>
+          <a:lstStyle/>
+          <a:p>
+            <a:r>
+              <a:rPr lang="ru-RU" dirty="0" smtClean="0"/>
+              <a:t>Результаты исследований</a:t>
+            </a:r>
+            <a:endParaRPr lang="ru-RU" dirty="0"/>
+          </a:p>
+        </p:txBody>
+      </p:sp>
+      <p:sp>
+        <p:nvSpPr>
+          <p:cNvPr id="3" name="Содержимое 2"/>
+          <p:cNvSpPr>
+            <a:spLocks noGrp="1"/>
+          </p:cNvSpPr>
+          <p:nvPr>
+            <p:ph idx="1"/>
+          </p:nvPr>
+        </p:nvSpPr>
+        <p:spPr/>
+        <p:txBody>
+          <a:bodyPr/>
+          <a:lstStyle/>
+          <a:p>
+            <a:r>
+              <a:rPr lang="ru-RU" dirty="0" smtClean="0"/>
+              <a:t>Надо каким-то образом показать вклад каждого из этапов на итоговый результат…</a:t>
+            </a:r>
+          </a:p>
+          <a:p>
+            <a:endParaRPr lang="ru-RU" dirty="0"/>
+          </a:p>
+        </p:txBody>
+      </p:sp>
+      <p:sp>
+        <p:nvSpPr>
+          <p:cNvPr id="4" name="Номер слайда 3"/>
+          <p:cNvSpPr>
+            <a:spLocks noGrp="1"/>
+          </p:cNvSpPr>
+          <p:nvPr>
+            <p:ph type="sldNum" sz="quarter" idx="12"/>
+          </p:nvPr>
+        </p:nvSpPr>
+        <p:spPr/>
+        <p:txBody>
+          <a:bodyPr/>
+          <a:lstStyle/>
+          <a:p>
+            <a:fld id="{6ACCCD26-A6AD-4D04-8A48-0C02F87992A0}" type="slidenum">
+              <a:rPr lang="ru-RU" smtClean="0"/>
+              <a:pPr/>
+              <a:t>23</a:t>
             </a:fld>
             <a:endParaRPr lang="ru-RU"/>
           </a:p>
@@ -13575,11 +13801,7 @@
           <a:p>
             <a:r>
               <a:rPr lang="ru-RU" dirty="0" smtClean="0"/>
-              <a:t>Метод статического поиска </a:t>
-            </a:r>
-            <a:r>
-              <a:rPr lang="ru-RU" dirty="0" smtClean="0"/>
-              <a:t>гонок</a:t>
+              <a:t>Метод статического поиска гонок</a:t>
             </a:r>
             <a:endParaRPr lang="ru-RU" dirty="0"/>
           </a:p>
@@ -13744,21 +13966,13 @@
           <a:p>
             <a:r>
               <a:rPr lang="ru-RU" dirty="0" smtClean="0"/>
-              <a:t>Отсутствие </a:t>
-            </a:r>
+              <a:t>Отсутствие рекурсивных вызовов функций</a:t>
+            </a:r>
+          </a:p>
+          <a:p>
             <a:r>
               <a:rPr lang="ru-RU" dirty="0" smtClean="0"/>
-              <a:t>рекурсивных вызовов функций</a:t>
-            </a:r>
-          </a:p>
-          <a:p>
-            <a:r>
-              <a:rPr lang="ru-RU" dirty="0" smtClean="0"/>
-              <a:t>Отсутствие </a:t>
-            </a:r>
-            <a:r>
-              <a:rPr lang="ru-RU" dirty="0" smtClean="0"/>
-              <a:t>указателей на функции</a:t>
+              <a:t>Отсутствие указателей на функции</a:t>
             </a:r>
           </a:p>
           <a:p>

--- a/presentations/diplom/static race detection.pptx
+++ b/presentations/diplom/static race detection.pptx
@@ -5,7 +5,7 @@
     <p:sldMasterId id="2147483648" r:id="rId1"/>
   </p:sldMasterIdLst>
   <p:notesMasterIdLst>
-    <p:notesMasterId r:id="rId25"/>
+    <p:notesMasterId r:id="rId24"/>
   </p:notesMasterIdLst>
   <p:sldIdLst>
     <p:sldId id="256" r:id="rId2"/>
@@ -24,13 +24,12 @@
     <p:sldId id="279" r:id="rId15"/>
     <p:sldId id="289" r:id="rId16"/>
     <p:sldId id="283" r:id="rId17"/>
-    <p:sldId id="288" r:id="rId18"/>
-    <p:sldId id="286" r:id="rId19"/>
-    <p:sldId id="284" r:id="rId20"/>
-    <p:sldId id="285" r:id="rId21"/>
-    <p:sldId id="274" r:id="rId22"/>
-    <p:sldId id="287" r:id="rId23"/>
-    <p:sldId id="271" r:id="rId24"/>
+    <p:sldId id="286" r:id="rId18"/>
+    <p:sldId id="284" r:id="rId19"/>
+    <p:sldId id="285" r:id="rId20"/>
+    <p:sldId id="274" r:id="rId21"/>
+    <p:sldId id="287" r:id="rId22"/>
+    <p:sldId id="271" r:id="rId23"/>
   </p:sldIdLst>
   <p:sldSz cx="9144000" cy="6858000" type="screen4x3"/>
   <p:notesSz cx="6858000" cy="9144000"/>
@@ -11706,7 +11705,15 @@
           <a:p>
             <a:r>
               <a:rPr lang="ru-RU" dirty="0" smtClean="0"/>
-              <a:t>Формирование таблицы защищенного доступа</a:t>
+              <a:t>Формирование </a:t>
+            </a:r>
+            <a:r>
+              <a:rPr lang="ru-RU" dirty="0" smtClean="0"/>
+              <a:t>таблиц </a:t>
+            </a:r>
+            <a:r>
+              <a:rPr lang="ru-RU" dirty="0" smtClean="0"/>
+              <a:t>защищенного доступа</a:t>
             </a:r>
             <a:endParaRPr lang="ru-RU" dirty="0"/>
           </a:p>
@@ -11907,28 +11914,9 @@
           <a:p>
             <a:r>
               <a:rPr lang="ru-RU" dirty="0" smtClean="0"/>
-              <a:t>Формирование таблицы защищенного доступа</a:t>
+              <a:t>Формирование таблиц защищённого доступа</a:t>
             </a:r>
             <a:endParaRPr lang="ru-RU" dirty="0"/>
-          </a:p>
-        </p:txBody>
-      </p:sp>
-      <p:sp>
-        <p:nvSpPr>
-          <p:cNvPr id="3" name="Содержимое 2"/>
-          <p:cNvSpPr>
-            <a:spLocks noGrp="1"/>
-          </p:cNvSpPr>
-          <p:nvPr>
-            <p:ph idx="1"/>
-          </p:nvPr>
-        </p:nvSpPr>
-        <p:spPr/>
-        <p:txBody>
-          <a:bodyPr/>
-          <a:lstStyle/>
-          <a:p>
-            <a:endParaRPr lang="ru-RU"/>
           </a:p>
         </p:txBody>
       </p:sp>
@@ -11956,11 +11944,3922 @@
           </a:p>
         </p:txBody>
       </p:sp>
+      <p:sp>
+        <p:nvSpPr>
+          <p:cNvPr id="31746" name="Rectangle 2"/>
+          <p:cNvSpPr>
+            <a:spLocks noChangeArrowheads="1"/>
+          </p:cNvSpPr>
+          <p:nvPr/>
+        </p:nvSpPr>
+        <p:spPr bwMode="auto">
+          <a:xfrm flipH="1">
+            <a:off x="1115616" y="1628800"/>
+            <a:ext cx="4032448" cy="2123658"/>
+          </a:xfrm>
+          <a:prstGeom prst="rect">
+            <a:avLst/>
+          </a:prstGeom>
+          <a:noFill/>
+          <a:ln w="9525">
+            <a:noFill/>
+            <a:miter lim="800000"/>
+            <a:headEnd/>
+            <a:tailEnd/>
+          </a:ln>
+          <a:effectLst/>
+        </p:spPr>
+        <p:txBody>
+          <a:bodyPr vert="horz" wrap="square" lIns="91440" tIns="45720" rIns="91440" bIns="45720" numCol="1" anchor="ctr" anchorCtr="0" compatLnSpc="1">
+            <a:prstTxWarp prst="textNoShape">
+              <a:avLst/>
+            </a:prstTxWarp>
+            <a:spAutoFit/>
+          </a:bodyPr>
+          <a:lstStyle/>
+          <a:p>
+            <a:pPr marL="0" marR="0" lvl="0" indent="0" algn="l" defTabSz="914400" rtl="0" eaLnBrk="1" fontAlgn="base" latinLnBrk="0" hangingPunct="1">
+              <a:lnSpc>
+                <a:spcPct val="100000"/>
+              </a:lnSpc>
+              <a:spcBef>
+                <a:spcPct val="0"/>
+              </a:spcBef>
+              <a:spcAft>
+                <a:spcPct val="0"/>
+              </a:spcAft>
+              <a:buClrTx/>
+              <a:buSzTx/>
+              <a:buFontTx/>
+              <a:buNone/>
+              <a:tabLst/>
+            </a:pPr>
+            <a:r>
+              <a:rPr kumimoji="0" lang="ru-RU" sz="1200" b="1" i="0" u="none" strike="noStrike" cap="none" normalizeH="0" baseline="0" dirty="0" err="1" smtClean="0">
+                <a:ln>
+                  <a:noFill/>
+                </a:ln>
+                <a:solidFill>
+                  <a:srgbClr val="800000"/>
+                </a:solidFill>
+                <a:effectLst/>
+                <a:latin typeface="Arial Unicode MS" pitchFamily="34" charset="-128"/>
+                <a:cs typeface="Arial" pitchFamily="34" charset="0"/>
+              </a:rPr>
+              <a:t>static</a:t>
+            </a:r>
+            <a:r>
+              <a:rPr kumimoji="0" lang="ru-RU" sz="1200" b="0" i="0" u="none" strike="noStrike" cap="none" normalizeH="0" baseline="0" dirty="0" smtClean="0">
+                <a:ln>
+                  <a:noFill/>
+                </a:ln>
+                <a:solidFill>
+                  <a:srgbClr val="000000"/>
+                </a:solidFill>
+                <a:effectLst/>
+                <a:latin typeface="Arial Unicode MS" pitchFamily="34" charset="-128"/>
+                <a:cs typeface="Arial" pitchFamily="34" charset="0"/>
+              </a:rPr>
+              <a:t> int </a:t>
+            </a:r>
+            <a:r>
+              <a:rPr kumimoji="0" lang="ru-RU" sz="1200" b="0" i="0" u="none" strike="noStrike" cap="none" normalizeH="0" baseline="0" dirty="0" err="1" smtClean="0">
+                <a:ln>
+                  <a:noFill/>
+                </a:ln>
+                <a:solidFill>
+                  <a:srgbClr val="000000"/>
+                </a:solidFill>
+                <a:effectLst/>
+                <a:latin typeface="Arial Unicode MS" pitchFamily="34" charset="-128"/>
+                <a:cs typeface="Arial" pitchFamily="34" charset="0"/>
+              </a:rPr>
+              <a:t>x</a:t>
+            </a:r>
+            <a:r>
+              <a:rPr kumimoji="0" lang="ru-RU" sz="1200" b="0" i="0" u="none" strike="noStrike" cap="none" normalizeH="0" baseline="0" dirty="0" smtClean="0">
+                <a:ln>
+                  <a:noFill/>
+                </a:ln>
+                <a:solidFill>
+                  <a:srgbClr val="000000"/>
+                </a:solidFill>
+                <a:effectLst/>
+                <a:latin typeface="Arial Unicode MS" pitchFamily="34" charset="-128"/>
+                <a:cs typeface="Arial" pitchFamily="34" charset="0"/>
+              </a:rPr>
+              <a:t> =0, </a:t>
+            </a:r>
+            <a:r>
+              <a:rPr kumimoji="0" lang="ru-RU" sz="1200" b="0" i="0" u="none" strike="noStrike" cap="none" normalizeH="0" baseline="0" dirty="0" err="1" smtClean="0">
+                <a:ln>
+                  <a:noFill/>
+                </a:ln>
+                <a:solidFill>
+                  <a:srgbClr val="000000"/>
+                </a:solidFill>
+                <a:effectLst/>
+                <a:latin typeface="Arial Unicode MS" pitchFamily="34" charset="-128"/>
+                <a:cs typeface="Arial" pitchFamily="34" charset="0"/>
+              </a:rPr>
+              <a:t>y</a:t>
+            </a:r>
+            <a:r>
+              <a:rPr kumimoji="0" lang="ru-RU" sz="1200" b="0" i="0" u="none" strike="noStrike" cap="none" normalizeH="0" baseline="0" dirty="0" smtClean="0">
+                <a:ln>
+                  <a:noFill/>
+                </a:ln>
+                <a:solidFill>
+                  <a:srgbClr val="000000"/>
+                </a:solidFill>
+                <a:effectLst/>
+                <a:latin typeface="Arial Unicode MS" pitchFamily="34" charset="-128"/>
+                <a:cs typeface="Arial" pitchFamily="34" charset="0"/>
+              </a:rPr>
+              <a:t> = 0</a:t>
+            </a:r>
+            <a:r>
+              <a:rPr kumimoji="0" lang="ru-RU" sz="1200" b="0" i="0" u="none" strike="noStrike" cap="none" normalizeH="0" baseline="0" dirty="0" smtClean="0">
+                <a:ln>
+                  <a:noFill/>
+                </a:ln>
+                <a:solidFill>
+                  <a:srgbClr val="808030"/>
+                </a:solidFill>
+                <a:effectLst/>
+                <a:latin typeface="Arial Unicode MS" pitchFamily="34" charset="-128"/>
+                <a:cs typeface="Arial" pitchFamily="34" charset="0"/>
+              </a:rPr>
+              <a:t>;</a:t>
+            </a:r>
+          </a:p>
+          <a:p>
+            <a:pPr marL="0" marR="0" lvl="0" indent="0" algn="l" defTabSz="914400" rtl="0" eaLnBrk="1" fontAlgn="base" latinLnBrk="0" hangingPunct="1">
+              <a:lnSpc>
+                <a:spcPct val="100000"/>
+              </a:lnSpc>
+              <a:spcBef>
+                <a:spcPct val="0"/>
+              </a:spcBef>
+              <a:spcAft>
+                <a:spcPct val="0"/>
+              </a:spcAft>
+              <a:buClrTx/>
+              <a:buSzTx/>
+              <a:buFontTx/>
+              <a:buNone/>
+              <a:tabLst/>
+            </a:pPr>
+            <a:r>
+              <a:rPr kumimoji="0" lang="ru-RU" sz="1200" b="0" i="0" u="none" strike="noStrike" cap="none" normalizeH="0" baseline="0" dirty="0" err="1" smtClean="0">
+                <a:ln>
+                  <a:noFill/>
+                </a:ln>
+                <a:solidFill>
+                  <a:srgbClr val="000000"/>
+                </a:solidFill>
+                <a:effectLst/>
+                <a:latin typeface="Arial Unicode MS" pitchFamily="34" charset="-128"/>
+                <a:cs typeface="Arial" pitchFamily="34" charset="0"/>
+              </a:rPr>
+              <a:t>pthread_mutex_t</a:t>
+            </a:r>
+            <a:r>
+              <a:rPr kumimoji="0" lang="ru-RU" sz="1200" b="0" i="0" u="none" strike="noStrike" cap="none" normalizeH="0" baseline="0" dirty="0" smtClean="0">
+                <a:ln>
+                  <a:noFill/>
+                </a:ln>
+                <a:solidFill>
+                  <a:srgbClr val="000000"/>
+                </a:solidFill>
+                <a:effectLst/>
+                <a:latin typeface="Arial Unicode MS" pitchFamily="34" charset="-128"/>
+                <a:cs typeface="Arial" pitchFamily="34" charset="0"/>
+              </a:rPr>
+              <a:t> m1, m2</a:t>
+            </a:r>
+            <a:r>
+              <a:rPr kumimoji="0" lang="ru-RU" sz="1200" b="0" i="0" u="none" strike="noStrike" cap="none" normalizeH="0" baseline="0" dirty="0" smtClean="0">
+                <a:ln>
+                  <a:noFill/>
+                </a:ln>
+                <a:solidFill>
+                  <a:srgbClr val="808030"/>
+                </a:solidFill>
+                <a:effectLst/>
+                <a:latin typeface="Arial Unicode MS" pitchFamily="34" charset="-128"/>
+                <a:cs typeface="Arial" pitchFamily="34" charset="0"/>
+              </a:rPr>
+              <a:t>;</a:t>
+            </a:r>
+          </a:p>
+          <a:p>
+            <a:pPr marL="0" marR="0" lvl="0" indent="0" algn="l" defTabSz="914400" rtl="0" eaLnBrk="1" fontAlgn="base" latinLnBrk="0" hangingPunct="1">
+              <a:lnSpc>
+                <a:spcPct val="100000"/>
+              </a:lnSpc>
+              <a:spcBef>
+                <a:spcPct val="0"/>
+              </a:spcBef>
+              <a:spcAft>
+                <a:spcPct val="0"/>
+              </a:spcAft>
+              <a:buClrTx/>
+              <a:buSzTx/>
+              <a:buFontTx/>
+              <a:buNone/>
+              <a:tabLst/>
+            </a:pPr>
+            <a:r>
+              <a:rPr kumimoji="0" lang="ru-RU" sz="1200" b="0" i="0" u="none" strike="noStrike" cap="none" normalizeH="0" baseline="0" dirty="0" err="1" smtClean="0">
+                <a:ln>
+                  <a:noFill/>
+                </a:ln>
+                <a:solidFill>
+                  <a:srgbClr val="000000"/>
+                </a:solidFill>
+                <a:effectLst/>
+                <a:latin typeface="Arial Unicode MS" pitchFamily="34" charset="-128"/>
+                <a:cs typeface="Arial" pitchFamily="34" charset="0"/>
+              </a:rPr>
+              <a:t>void</a:t>
+            </a:r>
+            <a:r>
+              <a:rPr kumimoji="0" lang="ru-RU" sz="1200" b="0" i="0" u="none" strike="noStrike" cap="none" normalizeH="0" baseline="0" dirty="0" smtClean="0">
+                <a:ln>
+                  <a:noFill/>
+                </a:ln>
+                <a:solidFill>
+                  <a:srgbClr val="000000"/>
+                </a:solidFill>
+                <a:effectLst/>
+                <a:latin typeface="Arial Unicode MS" pitchFamily="34" charset="-128"/>
+                <a:cs typeface="Arial" pitchFamily="34" charset="0"/>
+              </a:rPr>
+              <a:t> </a:t>
+            </a:r>
+            <a:r>
+              <a:rPr kumimoji="0" lang="ru-RU" sz="1200" b="0" i="0" u="none" strike="noStrike" cap="none" normalizeH="0" baseline="0" dirty="0" err="1" smtClean="0">
+                <a:ln>
+                  <a:noFill/>
+                </a:ln>
+                <a:solidFill>
+                  <a:srgbClr val="000000"/>
+                </a:solidFill>
+                <a:effectLst/>
+                <a:latin typeface="Arial Unicode MS" pitchFamily="34" charset="-128"/>
+                <a:cs typeface="Arial" pitchFamily="34" charset="0"/>
+              </a:rPr>
+              <a:t>incr</a:t>
+            </a:r>
+            <a:r>
+              <a:rPr kumimoji="0" lang="ru-RU" sz="1200" b="0" i="0" u="none" strike="noStrike" cap="none" normalizeH="0" baseline="0" dirty="0" smtClean="0">
+                <a:ln>
+                  <a:noFill/>
+                </a:ln>
+                <a:solidFill>
+                  <a:srgbClr val="000000"/>
+                </a:solidFill>
+                <a:effectLst/>
+                <a:latin typeface="Arial Unicode MS" pitchFamily="34" charset="-128"/>
+                <a:cs typeface="Arial" pitchFamily="34" charset="0"/>
+              </a:rPr>
+              <a:t>(int * </a:t>
+            </a:r>
+            <a:r>
+              <a:rPr kumimoji="0" lang="ru-RU" sz="1200" b="0" i="0" u="none" strike="noStrike" cap="none" normalizeH="0" baseline="0" dirty="0" err="1" smtClean="0">
+                <a:ln>
+                  <a:noFill/>
+                </a:ln>
+                <a:solidFill>
+                  <a:srgbClr val="000000"/>
+                </a:solidFill>
+                <a:effectLst/>
+                <a:latin typeface="Arial Unicode MS" pitchFamily="34" charset="-128"/>
+                <a:cs typeface="Arial" pitchFamily="34" charset="0"/>
+              </a:rPr>
+              <a:t>value</a:t>
+            </a:r>
+            <a:r>
+              <a:rPr kumimoji="0" lang="ru-RU" sz="1200" b="0" i="0" u="none" strike="noStrike" cap="none" normalizeH="0" baseline="0" dirty="0" smtClean="0">
+                <a:ln>
+                  <a:noFill/>
+                </a:ln>
+                <a:solidFill>
+                  <a:srgbClr val="000000"/>
+                </a:solidFill>
+                <a:effectLst/>
+                <a:latin typeface="Arial Unicode MS" pitchFamily="34" charset="-128"/>
+                <a:cs typeface="Arial" pitchFamily="34" charset="0"/>
+              </a:rPr>
+              <a:t>, </a:t>
+            </a:r>
+            <a:r>
+              <a:rPr kumimoji="0" lang="ru-RU" sz="1200" b="0" i="0" u="none" strike="noStrike" cap="none" normalizeH="0" baseline="0" dirty="0" err="1" smtClean="0">
+                <a:ln>
+                  <a:noFill/>
+                </a:ln>
+                <a:solidFill>
+                  <a:srgbClr val="000000"/>
+                </a:solidFill>
+                <a:effectLst/>
+                <a:latin typeface="Arial Unicode MS" pitchFamily="34" charset="-128"/>
+                <a:cs typeface="Arial" pitchFamily="34" charset="0"/>
+              </a:rPr>
+              <a:t>pthread_mutex_t</a:t>
+            </a:r>
+            <a:r>
+              <a:rPr kumimoji="0" lang="ru-RU" sz="1200" b="0" i="0" u="none" strike="noStrike" cap="none" normalizeH="0" baseline="0" dirty="0" smtClean="0">
+                <a:ln>
+                  <a:noFill/>
+                </a:ln>
+                <a:solidFill>
+                  <a:srgbClr val="000000"/>
+                </a:solidFill>
+                <a:effectLst/>
+                <a:latin typeface="Arial Unicode MS" pitchFamily="34" charset="-128"/>
+                <a:cs typeface="Arial" pitchFamily="34" charset="0"/>
+              </a:rPr>
+              <a:t>* </a:t>
+            </a:r>
+            <a:r>
+              <a:rPr lang="en-US" sz="1200" dirty="0" smtClean="0">
+                <a:solidFill>
+                  <a:srgbClr val="000000"/>
+                </a:solidFill>
+                <a:latin typeface="Arial Unicode MS" pitchFamily="34" charset="-128"/>
+                <a:cs typeface="Arial" pitchFamily="34" charset="0"/>
+              </a:rPr>
+              <a:t>m</a:t>
+            </a:r>
+            <a:r>
+              <a:rPr kumimoji="0" lang="ru-RU" sz="1200" b="0" i="0" u="none" strike="noStrike" cap="none" normalizeH="0" baseline="0" dirty="0" err="1" smtClean="0">
+                <a:ln>
+                  <a:noFill/>
+                </a:ln>
+                <a:solidFill>
+                  <a:srgbClr val="000000"/>
+                </a:solidFill>
+                <a:effectLst/>
+                <a:latin typeface="Arial Unicode MS" pitchFamily="34" charset="-128"/>
+                <a:cs typeface="Arial" pitchFamily="34" charset="0"/>
+              </a:rPr>
+              <a:t>utex</a:t>
+            </a:r>
+            <a:r>
+              <a:rPr kumimoji="0" lang="ru-RU" sz="1200" b="0" i="0" u="none" strike="noStrike" cap="none" normalizeH="0" baseline="0" dirty="0" smtClean="0">
+                <a:ln>
+                  <a:noFill/>
+                </a:ln>
+                <a:solidFill>
+                  <a:srgbClr val="000000"/>
+                </a:solidFill>
+                <a:effectLst/>
+                <a:latin typeface="Arial Unicode MS" pitchFamily="34" charset="-128"/>
+                <a:cs typeface="Arial" pitchFamily="34" charset="0"/>
+              </a:rPr>
+              <a:t>) </a:t>
+            </a:r>
+            <a:r>
+              <a:rPr kumimoji="0" lang="ru-RU" sz="1200" b="0" i="0" u="none" strike="noStrike" cap="none" normalizeH="0" baseline="0" dirty="0" smtClean="0">
+                <a:ln>
+                  <a:noFill/>
+                </a:ln>
+                <a:solidFill>
+                  <a:srgbClr val="800080"/>
+                </a:solidFill>
+                <a:effectLst/>
+                <a:latin typeface="Arial Unicode MS" pitchFamily="34" charset="-128"/>
+                <a:cs typeface="Arial" pitchFamily="34" charset="0"/>
+              </a:rPr>
+              <a:t>{</a:t>
+            </a:r>
+          </a:p>
+          <a:p>
+            <a:pPr marL="0" marR="0" lvl="0" indent="0" algn="l" defTabSz="914400" rtl="0" eaLnBrk="1" fontAlgn="base" latinLnBrk="0" hangingPunct="1">
+              <a:lnSpc>
+                <a:spcPct val="100000"/>
+              </a:lnSpc>
+              <a:spcBef>
+                <a:spcPct val="0"/>
+              </a:spcBef>
+              <a:spcAft>
+                <a:spcPct val="0"/>
+              </a:spcAft>
+              <a:buClrTx/>
+              <a:buSzTx/>
+              <a:buFontTx/>
+              <a:buNone/>
+              <a:tabLst/>
+            </a:pPr>
+            <a:r>
+              <a:rPr lang="ru-RU" sz="1200" dirty="0" smtClean="0">
+                <a:solidFill>
+                  <a:srgbClr val="800080"/>
+                </a:solidFill>
+                <a:latin typeface="Arial Unicode MS" pitchFamily="34" charset="-128"/>
+                <a:cs typeface="Arial" pitchFamily="34" charset="0"/>
+              </a:rPr>
+              <a:t> </a:t>
+            </a:r>
+            <a:r>
+              <a:rPr lang="ru-RU" sz="1200" dirty="0" smtClean="0">
+                <a:solidFill>
+                  <a:srgbClr val="800080"/>
+                </a:solidFill>
+                <a:latin typeface="Arial Unicode MS" pitchFamily="34" charset="-128"/>
+                <a:cs typeface="Arial" pitchFamily="34" charset="0"/>
+              </a:rPr>
+              <a:t>       </a:t>
+            </a:r>
+            <a:r>
+              <a:rPr kumimoji="0" lang="ru-RU" sz="1200" b="0" i="0" u="none" strike="noStrike" cap="none" normalizeH="0" baseline="0" dirty="0" smtClean="0">
+                <a:ln>
+                  <a:noFill/>
+                </a:ln>
+                <a:solidFill>
+                  <a:srgbClr val="696969"/>
+                </a:solidFill>
+                <a:effectLst/>
+                <a:latin typeface="Arial Unicode MS" pitchFamily="34" charset="-128"/>
+                <a:cs typeface="Arial" pitchFamily="34" charset="0"/>
+              </a:rPr>
+              <a:t>// в начале функции таблица пустая</a:t>
+            </a:r>
+          </a:p>
+          <a:p>
+            <a:pPr marL="0" marR="0" lvl="0" indent="0" algn="l" defTabSz="914400" rtl="0" eaLnBrk="1" fontAlgn="base" latinLnBrk="0" hangingPunct="1">
+              <a:lnSpc>
+                <a:spcPct val="100000"/>
+              </a:lnSpc>
+              <a:spcBef>
+                <a:spcPct val="0"/>
+              </a:spcBef>
+              <a:spcAft>
+                <a:spcPct val="0"/>
+              </a:spcAft>
+              <a:buClrTx/>
+              <a:buSzTx/>
+              <a:buFontTx/>
+              <a:buNone/>
+              <a:tabLst/>
+            </a:pPr>
+            <a:r>
+              <a:rPr kumimoji="0" lang="ru-RU" sz="1200" b="0" i="0" u="none" strike="noStrike" cap="none" normalizeH="0" baseline="0" dirty="0" smtClean="0">
+                <a:ln>
+                  <a:noFill/>
+                </a:ln>
+                <a:solidFill>
+                  <a:srgbClr val="000000"/>
+                </a:solidFill>
+                <a:effectLst/>
+                <a:latin typeface="Arial Unicode MS" pitchFamily="34" charset="-128"/>
+                <a:cs typeface="Arial" pitchFamily="34" charset="0"/>
+              </a:rPr>
+              <a:t>        </a:t>
+            </a:r>
+            <a:r>
+              <a:rPr kumimoji="0" lang="ru-RU" sz="1200" b="0" i="0" u="none" strike="noStrike" cap="none" normalizeH="0" baseline="0" dirty="0" err="1" smtClean="0">
+                <a:ln>
+                  <a:noFill/>
+                </a:ln>
+                <a:solidFill>
+                  <a:srgbClr val="000000"/>
+                </a:solidFill>
+                <a:effectLst/>
+                <a:latin typeface="Arial Unicode MS" pitchFamily="34" charset="-128"/>
+                <a:cs typeface="Arial" pitchFamily="34" charset="0"/>
+              </a:rPr>
+              <a:t>pthread_mutex_lock</a:t>
+            </a:r>
+            <a:r>
+              <a:rPr kumimoji="0" lang="ru-RU" sz="1200" b="0" i="0" u="none" strike="noStrike" cap="none" normalizeH="0" baseline="0" dirty="0" smtClean="0">
+                <a:ln>
+                  <a:noFill/>
+                </a:ln>
+                <a:solidFill>
+                  <a:srgbClr val="808030"/>
+                </a:solidFill>
+                <a:effectLst/>
+                <a:latin typeface="Arial Unicode MS" pitchFamily="34" charset="-128"/>
+                <a:cs typeface="Arial" pitchFamily="34" charset="0"/>
+              </a:rPr>
+              <a:t>(</a:t>
+            </a:r>
+            <a:r>
+              <a:rPr kumimoji="0" lang="ru-RU" sz="1200" b="0" i="0" u="none" strike="noStrike" cap="none" normalizeH="0" baseline="0" dirty="0" smtClean="0">
+                <a:ln>
+                  <a:noFill/>
+                </a:ln>
+                <a:solidFill>
+                  <a:srgbClr val="000000"/>
+                </a:solidFill>
+                <a:effectLst/>
+                <a:latin typeface="Arial Unicode MS" pitchFamily="34" charset="-128"/>
+                <a:cs typeface="Arial" pitchFamily="34" charset="0"/>
+              </a:rPr>
+              <a:t>mutex</a:t>
+            </a:r>
+            <a:r>
+              <a:rPr kumimoji="0" lang="ru-RU" sz="1200" b="0" i="0" u="none" strike="noStrike" cap="none" normalizeH="0" baseline="0" dirty="0" smtClean="0">
+                <a:ln>
+                  <a:noFill/>
+                </a:ln>
+                <a:solidFill>
+                  <a:srgbClr val="808030"/>
+                </a:solidFill>
+                <a:effectLst/>
+                <a:latin typeface="Arial Unicode MS" pitchFamily="34" charset="-128"/>
+                <a:cs typeface="Arial" pitchFamily="34" charset="0"/>
+              </a:rPr>
+              <a:t>)</a:t>
+            </a:r>
+            <a:r>
+              <a:rPr kumimoji="0" lang="ru-RU" sz="1200" b="0" i="0" u="none" strike="noStrike" cap="none" normalizeH="0" baseline="0" dirty="0" smtClean="0">
+                <a:ln>
+                  <a:noFill/>
+                </a:ln>
+                <a:solidFill>
+                  <a:srgbClr val="800080"/>
+                </a:solidFill>
+                <a:effectLst/>
+                <a:latin typeface="Arial Unicode MS" pitchFamily="34" charset="-128"/>
+                <a:cs typeface="Arial" pitchFamily="34" charset="0"/>
+              </a:rPr>
+              <a:t>;</a:t>
+            </a:r>
+          </a:p>
+          <a:p>
+            <a:pPr marL="0" marR="0" lvl="0" indent="0" algn="l" defTabSz="914400" rtl="0" eaLnBrk="1" fontAlgn="base" latinLnBrk="0" hangingPunct="1">
+              <a:lnSpc>
+                <a:spcPct val="100000"/>
+              </a:lnSpc>
+              <a:spcBef>
+                <a:spcPct val="0"/>
+              </a:spcBef>
+              <a:spcAft>
+                <a:spcPct val="0"/>
+              </a:spcAft>
+              <a:buClrTx/>
+              <a:buSzTx/>
+              <a:buFontTx/>
+              <a:buNone/>
+              <a:tabLst/>
+            </a:pPr>
+            <a:r>
+              <a:rPr lang="ru-RU" sz="1200" dirty="0" smtClean="0">
+                <a:solidFill>
+                  <a:srgbClr val="800080"/>
+                </a:solidFill>
+                <a:latin typeface="Arial Unicode MS" pitchFamily="34" charset="-128"/>
+                <a:cs typeface="Arial" pitchFamily="34" charset="0"/>
+              </a:rPr>
+              <a:t> </a:t>
+            </a:r>
+            <a:r>
+              <a:rPr lang="ru-RU" sz="1200" dirty="0" smtClean="0">
+                <a:solidFill>
+                  <a:srgbClr val="800080"/>
+                </a:solidFill>
+                <a:latin typeface="Arial Unicode MS" pitchFamily="34" charset="-128"/>
+                <a:cs typeface="Arial" pitchFamily="34" charset="0"/>
+              </a:rPr>
+              <a:t>       </a:t>
+            </a:r>
+            <a:r>
+              <a:rPr kumimoji="0" lang="ru-RU" sz="1200" b="0" i="0" u="none" strike="noStrike" cap="none" normalizeH="0" baseline="0" dirty="0" smtClean="0">
+                <a:ln>
+                  <a:noFill/>
+                </a:ln>
+                <a:solidFill>
+                  <a:srgbClr val="808030"/>
+                </a:solidFill>
+                <a:effectLst/>
+                <a:latin typeface="Arial Unicode MS" pitchFamily="34" charset="-128"/>
+                <a:cs typeface="Arial" pitchFamily="34" charset="0"/>
+              </a:rPr>
+              <a:t>(*</a:t>
+            </a:r>
+            <a:r>
+              <a:rPr kumimoji="0" lang="ru-RU" sz="1200" b="0" i="0" u="none" strike="noStrike" cap="none" normalizeH="0" baseline="0" dirty="0" err="1" smtClean="0">
+                <a:ln>
+                  <a:noFill/>
+                </a:ln>
+                <a:solidFill>
+                  <a:srgbClr val="000000"/>
+                </a:solidFill>
+                <a:effectLst/>
+                <a:latin typeface="Arial Unicode MS" pitchFamily="34" charset="-128"/>
+                <a:cs typeface="Arial" pitchFamily="34" charset="0"/>
+              </a:rPr>
+              <a:t>value</a:t>
+            </a:r>
+            <a:r>
+              <a:rPr kumimoji="0" lang="ru-RU" sz="1200" b="0" i="0" u="none" strike="noStrike" cap="none" normalizeH="0" baseline="0" dirty="0" smtClean="0">
+                <a:ln>
+                  <a:noFill/>
+                </a:ln>
+                <a:solidFill>
+                  <a:srgbClr val="808030"/>
+                </a:solidFill>
+                <a:effectLst/>
+                <a:latin typeface="Arial Unicode MS" pitchFamily="34" charset="-128"/>
+                <a:cs typeface="Arial" pitchFamily="34" charset="0"/>
+              </a:rPr>
+              <a:t>)++</a:t>
+            </a:r>
+            <a:r>
+              <a:rPr kumimoji="0" lang="ru-RU" sz="1200" b="0" i="0" u="none" strike="noStrike" cap="none" normalizeH="0" baseline="0" dirty="0" smtClean="0">
+                <a:ln>
+                  <a:noFill/>
+                </a:ln>
+                <a:solidFill>
+                  <a:srgbClr val="800080"/>
+                </a:solidFill>
+                <a:effectLst/>
+                <a:latin typeface="Arial Unicode MS" pitchFamily="34" charset="-128"/>
+                <a:cs typeface="Arial" pitchFamily="34" charset="0"/>
+              </a:rPr>
+              <a:t>;</a:t>
+            </a:r>
+          </a:p>
+          <a:p>
+            <a:pPr marL="0" marR="0" lvl="0" indent="0" algn="l" defTabSz="914400" rtl="0" eaLnBrk="1" fontAlgn="base" latinLnBrk="0" hangingPunct="1">
+              <a:lnSpc>
+                <a:spcPct val="100000"/>
+              </a:lnSpc>
+              <a:spcBef>
+                <a:spcPct val="0"/>
+              </a:spcBef>
+              <a:spcAft>
+                <a:spcPct val="0"/>
+              </a:spcAft>
+              <a:buClrTx/>
+              <a:buSzTx/>
+              <a:buFontTx/>
+              <a:buNone/>
+              <a:tabLst/>
+            </a:pPr>
+            <a:r>
+              <a:rPr lang="ru-RU" sz="1200" dirty="0" smtClean="0">
+                <a:solidFill>
+                  <a:srgbClr val="800080"/>
+                </a:solidFill>
+                <a:latin typeface="Arial Unicode MS" pitchFamily="34" charset="-128"/>
+                <a:cs typeface="Arial" pitchFamily="34" charset="0"/>
+              </a:rPr>
+              <a:t> </a:t>
+            </a:r>
+            <a:r>
+              <a:rPr lang="ru-RU" sz="1200" dirty="0" smtClean="0">
+                <a:solidFill>
+                  <a:srgbClr val="800080"/>
+                </a:solidFill>
+                <a:latin typeface="Arial Unicode MS" pitchFamily="34" charset="-128"/>
+                <a:cs typeface="Arial" pitchFamily="34" charset="0"/>
+              </a:rPr>
+              <a:t>      </a:t>
+            </a:r>
+            <a:r>
+              <a:rPr kumimoji="0" lang="ru-RU" sz="1200" b="0" i="0" u="none" strike="noStrike" cap="none" normalizeH="0" baseline="0" dirty="0" smtClean="0">
+                <a:ln>
+                  <a:noFill/>
+                </a:ln>
+                <a:solidFill>
+                  <a:srgbClr val="000000"/>
+                </a:solidFill>
+                <a:effectLst/>
+                <a:latin typeface="Arial Unicode MS" pitchFamily="34" charset="-128"/>
+                <a:cs typeface="Arial" pitchFamily="34" charset="0"/>
+              </a:rPr>
+              <a:t> </a:t>
+            </a:r>
+            <a:r>
+              <a:rPr kumimoji="0" lang="ru-RU" sz="1200" b="0" i="0" u="none" strike="noStrike" cap="none" normalizeH="0" baseline="0" dirty="0" smtClean="0">
+                <a:ln>
+                  <a:noFill/>
+                </a:ln>
+                <a:solidFill>
+                  <a:srgbClr val="696969"/>
+                </a:solidFill>
+                <a:effectLst/>
+                <a:latin typeface="Arial Unicode MS" pitchFamily="34" charset="-128"/>
+                <a:cs typeface="Arial" pitchFamily="34" charset="0"/>
+              </a:rPr>
+              <a:t>// добавляем в таблицу 2 строки</a:t>
+            </a:r>
+          </a:p>
+          <a:p>
+            <a:pPr marL="0" marR="0" lvl="0" indent="0" algn="l" defTabSz="914400" rtl="0" eaLnBrk="1" fontAlgn="base" latinLnBrk="0" hangingPunct="1">
+              <a:lnSpc>
+                <a:spcPct val="100000"/>
+              </a:lnSpc>
+              <a:spcBef>
+                <a:spcPct val="0"/>
+              </a:spcBef>
+              <a:spcAft>
+                <a:spcPct val="0"/>
+              </a:spcAft>
+              <a:buClrTx/>
+              <a:buSzTx/>
+              <a:buFontTx/>
+              <a:buNone/>
+              <a:tabLst/>
+            </a:pPr>
+            <a:r>
+              <a:rPr lang="ru-RU" sz="1200" dirty="0" smtClean="0">
+                <a:solidFill>
+                  <a:srgbClr val="696969"/>
+                </a:solidFill>
+                <a:latin typeface="Arial Unicode MS" pitchFamily="34" charset="-128"/>
+                <a:cs typeface="Arial" pitchFamily="34" charset="0"/>
+              </a:rPr>
+              <a:t> </a:t>
+            </a:r>
+            <a:r>
+              <a:rPr lang="ru-RU" sz="1200" dirty="0" smtClean="0">
+                <a:solidFill>
+                  <a:srgbClr val="696969"/>
+                </a:solidFill>
+                <a:latin typeface="Arial Unicode MS" pitchFamily="34" charset="-128"/>
+                <a:cs typeface="Arial" pitchFamily="34" charset="0"/>
+              </a:rPr>
+              <a:t>      </a:t>
+            </a:r>
+            <a:r>
+              <a:rPr kumimoji="0" lang="ru-RU" sz="1200" b="0" i="0" u="none" strike="noStrike" cap="none" normalizeH="0" baseline="0" dirty="0" smtClean="0">
+                <a:ln>
+                  <a:noFill/>
+                </a:ln>
+                <a:solidFill>
+                  <a:srgbClr val="696969"/>
+                </a:solidFill>
+                <a:effectLst/>
+                <a:latin typeface="Arial Unicode MS" pitchFamily="34" charset="-128"/>
+                <a:cs typeface="Arial" pitchFamily="34" charset="0"/>
+              </a:rPr>
+              <a:t>:// (*</a:t>
+            </a:r>
+            <a:r>
+              <a:rPr kumimoji="0" lang="ru-RU" sz="1200" b="0" i="0" u="none" strike="noStrike" cap="none" normalizeH="0" baseline="0" dirty="0" err="1" smtClean="0">
+                <a:ln>
+                  <a:noFill/>
+                </a:ln>
+                <a:solidFill>
+                  <a:srgbClr val="696969"/>
+                </a:solidFill>
+                <a:effectLst/>
+                <a:latin typeface="Arial Unicode MS" pitchFamily="34" charset="-128"/>
+                <a:cs typeface="Arial" pitchFamily="34" charset="0"/>
+              </a:rPr>
+              <a:t>value</a:t>
+            </a:r>
+            <a:r>
+              <a:rPr kumimoji="0" lang="ru-RU" sz="1200" b="0" i="0" u="none" strike="noStrike" cap="none" normalizeH="0" baseline="0" dirty="0" smtClean="0">
+                <a:ln>
+                  <a:noFill/>
+                </a:ln>
+                <a:solidFill>
+                  <a:srgbClr val="696969"/>
+                </a:solidFill>
+                <a:effectLst/>
+                <a:latin typeface="Arial Unicode MS" pitchFamily="34" charset="-128"/>
+                <a:cs typeface="Arial" pitchFamily="34" charset="0"/>
+              </a:rPr>
+              <a:t>, ({mutex}, {}), чтение)</a:t>
+            </a:r>
+          </a:p>
+          <a:p>
+            <a:pPr marL="0" marR="0" lvl="0" indent="0" algn="l" defTabSz="914400" rtl="0" eaLnBrk="1" fontAlgn="base" latinLnBrk="0" hangingPunct="1">
+              <a:lnSpc>
+                <a:spcPct val="100000"/>
+              </a:lnSpc>
+              <a:spcBef>
+                <a:spcPct val="0"/>
+              </a:spcBef>
+              <a:spcAft>
+                <a:spcPct val="0"/>
+              </a:spcAft>
+              <a:buClrTx/>
+              <a:buSzTx/>
+              <a:buFontTx/>
+              <a:buNone/>
+              <a:tabLst/>
+            </a:pPr>
+            <a:r>
+              <a:rPr lang="ru-RU" sz="1200" dirty="0" smtClean="0">
+                <a:solidFill>
+                  <a:srgbClr val="696969"/>
+                </a:solidFill>
+                <a:latin typeface="Arial Unicode MS" pitchFamily="34" charset="-128"/>
+                <a:cs typeface="Arial" pitchFamily="34" charset="0"/>
+              </a:rPr>
+              <a:t> </a:t>
+            </a:r>
+            <a:r>
+              <a:rPr lang="ru-RU" sz="1200" dirty="0" smtClean="0">
+                <a:solidFill>
+                  <a:srgbClr val="696969"/>
+                </a:solidFill>
+                <a:latin typeface="Arial Unicode MS" pitchFamily="34" charset="-128"/>
+                <a:cs typeface="Arial" pitchFamily="34" charset="0"/>
+              </a:rPr>
+              <a:t>      </a:t>
+            </a:r>
+            <a:r>
+              <a:rPr kumimoji="0" lang="ru-RU" sz="1200" b="0" i="0" u="none" strike="noStrike" cap="none" normalizeH="0" baseline="0" dirty="0" smtClean="0">
+                <a:ln>
+                  <a:noFill/>
+                </a:ln>
+                <a:solidFill>
+                  <a:srgbClr val="000000"/>
+                </a:solidFill>
+                <a:effectLst/>
+                <a:latin typeface="Arial Unicode MS" pitchFamily="34" charset="-128"/>
+                <a:cs typeface="Arial" pitchFamily="34" charset="0"/>
+              </a:rPr>
+              <a:t> </a:t>
+            </a:r>
+            <a:r>
+              <a:rPr kumimoji="0" lang="ru-RU" sz="1200" b="0" i="0" u="none" strike="noStrike" cap="none" normalizeH="0" baseline="0" dirty="0" smtClean="0">
+                <a:ln>
+                  <a:noFill/>
+                </a:ln>
+                <a:solidFill>
+                  <a:srgbClr val="696969"/>
+                </a:solidFill>
+                <a:effectLst/>
+                <a:latin typeface="Arial Unicode MS" pitchFamily="34" charset="-128"/>
+                <a:cs typeface="Arial" pitchFamily="34" charset="0"/>
+              </a:rPr>
+              <a:t>// (*</a:t>
+            </a:r>
+            <a:r>
+              <a:rPr kumimoji="0" lang="ru-RU" sz="1200" b="0" i="0" u="none" strike="noStrike" cap="none" normalizeH="0" baseline="0" dirty="0" err="1" smtClean="0">
+                <a:ln>
+                  <a:noFill/>
+                </a:ln>
+                <a:solidFill>
+                  <a:srgbClr val="696969"/>
+                </a:solidFill>
+                <a:effectLst/>
+                <a:latin typeface="Arial Unicode MS" pitchFamily="34" charset="-128"/>
+                <a:cs typeface="Arial" pitchFamily="34" charset="0"/>
+              </a:rPr>
+              <a:t>value</a:t>
+            </a:r>
+            <a:r>
+              <a:rPr kumimoji="0" lang="ru-RU" sz="1200" b="0" i="0" u="none" strike="noStrike" cap="none" normalizeH="0" baseline="0" dirty="0" smtClean="0">
+                <a:ln>
+                  <a:noFill/>
+                </a:ln>
+                <a:solidFill>
+                  <a:srgbClr val="696969"/>
+                </a:solidFill>
+                <a:effectLst/>
+                <a:latin typeface="Arial Unicode MS" pitchFamily="34" charset="-128"/>
+                <a:cs typeface="Arial" pitchFamily="34" charset="0"/>
+              </a:rPr>
+              <a:t>, ({mutex}, {}), запись)</a:t>
+            </a:r>
+            <a:r>
+              <a:rPr kumimoji="0" lang="ru-RU" sz="1200" b="0" i="0" u="none" strike="noStrike" cap="none" normalizeH="0" baseline="0" dirty="0" smtClean="0">
+                <a:ln>
+                  <a:noFill/>
+                </a:ln>
+                <a:solidFill>
+                  <a:srgbClr val="000000"/>
+                </a:solidFill>
+                <a:effectLst/>
+                <a:latin typeface="Arial Unicode MS" pitchFamily="34" charset="-128"/>
+                <a:cs typeface="Arial" pitchFamily="34" charset="0"/>
+              </a:rPr>
+              <a:t> </a:t>
+            </a:r>
+          </a:p>
+          <a:p>
+            <a:pPr marL="0" marR="0" lvl="0" indent="0" algn="l" defTabSz="914400" rtl="0" eaLnBrk="1" fontAlgn="base" latinLnBrk="0" hangingPunct="1">
+              <a:lnSpc>
+                <a:spcPct val="100000"/>
+              </a:lnSpc>
+              <a:spcBef>
+                <a:spcPct val="0"/>
+              </a:spcBef>
+              <a:spcAft>
+                <a:spcPct val="0"/>
+              </a:spcAft>
+              <a:buClrTx/>
+              <a:buSzTx/>
+              <a:buFontTx/>
+              <a:buNone/>
+              <a:tabLst/>
+            </a:pPr>
+            <a:r>
+              <a:rPr lang="ru-RU" sz="1200" dirty="0" smtClean="0">
+                <a:solidFill>
+                  <a:srgbClr val="000000"/>
+                </a:solidFill>
+                <a:latin typeface="Arial Unicode MS" pitchFamily="34" charset="-128"/>
+                <a:cs typeface="Arial" pitchFamily="34" charset="0"/>
+              </a:rPr>
+              <a:t> </a:t>
+            </a:r>
+            <a:r>
+              <a:rPr lang="ru-RU" sz="1200" dirty="0" smtClean="0">
+                <a:solidFill>
+                  <a:srgbClr val="000000"/>
+                </a:solidFill>
+                <a:latin typeface="Arial Unicode MS" pitchFamily="34" charset="-128"/>
+                <a:cs typeface="Arial" pitchFamily="34" charset="0"/>
+              </a:rPr>
+              <a:t>       </a:t>
+            </a:r>
+            <a:r>
+              <a:rPr kumimoji="0" lang="ru-RU" sz="1200" b="0" i="0" u="none" strike="noStrike" cap="none" normalizeH="0" baseline="0" dirty="0" err="1" smtClean="0">
+                <a:ln>
+                  <a:noFill/>
+                </a:ln>
+                <a:solidFill>
+                  <a:srgbClr val="000000"/>
+                </a:solidFill>
+                <a:effectLst/>
+                <a:latin typeface="Arial Unicode MS" pitchFamily="34" charset="-128"/>
+                <a:cs typeface="Arial" pitchFamily="34" charset="0"/>
+              </a:rPr>
+              <a:t>pthread_mutex_unlock</a:t>
+            </a:r>
+            <a:r>
+              <a:rPr kumimoji="0" lang="ru-RU" sz="1200" b="0" i="0" u="none" strike="noStrike" cap="none" normalizeH="0" baseline="0" dirty="0" smtClean="0">
+                <a:ln>
+                  <a:noFill/>
+                </a:ln>
+                <a:solidFill>
+                  <a:srgbClr val="808030"/>
+                </a:solidFill>
+                <a:effectLst/>
+                <a:latin typeface="Arial Unicode MS" pitchFamily="34" charset="-128"/>
+                <a:cs typeface="Arial" pitchFamily="34" charset="0"/>
+              </a:rPr>
+              <a:t>(</a:t>
+            </a:r>
+            <a:r>
+              <a:rPr kumimoji="0" lang="ru-RU" sz="1200" b="0" i="0" u="none" strike="noStrike" cap="none" normalizeH="0" baseline="0" dirty="0" smtClean="0">
+                <a:ln>
+                  <a:noFill/>
+                </a:ln>
+                <a:solidFill>
+                  <a:srgbClr val="000000"/>
+                </a:solidFill>
+                <a:effectLst/>
+                <a:latin typeface="Arial Unicode MS" pitchFamily="34" charset="-128"/>
+                <a:cs typeface="Arial" pitchFamily="34" charset="0"/>
+              </a:rPr>
+              <a:t>mutex</a:t>
+            </a:r>
+            <a:r>
+              <a:rPr kumimoji="0" lang="ru-RU" sz="1200" b="0" i="0" u="none" strike="noStrike" cap="none" normalizeH="0" baseline="0" dirty="0" smtClean="0">
+                <a:ln>
+                  <a:noFill/>
+                </a:ln>
+                <a:solidFill>
+                  <a:srgbClr val="808030"/>
+                </a:solidFill>
+                <a:effectLst/>
+                <a:latin typeface="Arial Unicode MS" pitchFamily="34" charset="-128"/>
+                <a:cs typeface="Arial" pitchFamily="34" charset="0"/>
+              </a:rPr>
+              <a:t>)</a:t>
+            </a:r>
+            <a:r>
+              <a:rPr kumimoji="0" lang="ru-RU" sz="1200" b="0" i="0" u="none" strike="noStrike" cap="none" normalizeH="0" baseline="0" dirty="0" smtClean="0">
+                <a:ln>
+                  <a:noFill/>
+                </a:ln>
+                <a:solidFill>
+                  <a:srgbClr val="800080"/>
+                </a:solidFill>
+                <a:effectLst/>
+                <a:latin typeface="Arial Unicode MS" pitchFamily="34" charset="-128"/>
+                <a:cs typeface="Arial" pitchFamily="34" charset="0"/>
+              </a:rPr>
+              <a:t>;</a:t>
+            </a:r>
+          </a:p>
+          <a:p>
+            <a:pPr marL="0" marR="0" lvl="0" indent="0" algn="l" defTabSz="914400" rtl="0" eaLnBrk="1" fontAlgn="base" latinLnBrk="0" hangingPunct="1">
+              <a:lnSpc>
+                <a:spcPct val="100000"/>
+              </a:lnSpc>
+              <a:spcBef>
+                <a:spcPct val="0"/>
+              </a:spcBef>
+              <a:spcAft>
+                <a:spcPct val="0"/>
+              </a:spcAft>
+              <a:buClrTx/>
+              <a:buSzTx/>
+              <a:buFontTx/>
+              <a:buNone/>
+              <a:tabLst/>
+            </a:pPr>
+            <a:r>
+              <a:rPr kumimoji="0" lang="ru-RU" sz="1200" b="0" i="0" u="none" strike="noStrike" cap="none" normalizeH="0" baseline="0" dirty="0" smtClean="0">
+                <a:ln>
+                  <a:noFill/>
+                </a:ln>
+                <a:solidFill>
+                  <a:srgbClr val="800080"/>
+                </a:solidFill>
+                <a:effectLst/>
+                <a:latin typeface="Arial Unicode MS" pitchFamily="34" charset="-128"/>
+                <a:cs typeface="Arial" pitchFamily="34" charset="0"/>
+              </a:rPr>
+              <a:t>}</a:t>
+            </a:r>
+            <a:r>
+              <a:rPr kumimoji="0" lang="ru-RU" sz="1200" b="0" i="0" u="none" strike="noStrike" cap="none" normalizeH="0" baseline="0" dirty="0" smtClean="0">
+                <a:ln>
+                  <a:noFill/>
+                </a:ln>
+                <a:solidFill>
+                  <a:schemeClr val="tx1"/>
+                </a:solidFill>
+                <a:effectLst/>
+                <a:latin typeface="Arial" pitchFamily="34" charset="0"/>
+                <a:cs typeface="Arial" pitchFamily="34" charset="0"/>
+              </a:rPr>
+              <a:t> </a:t>
+            </a:r>
+          </a:p>
+        </p:txBody>
+      </p:sp>
+      <p:sp>
+        <p:nvSpPr>
+          <p:cNvPr id="31747" name="Rectangle 3"/>
+          <p:cNvSpPr>
+            <a:spLocks noChangeArrowheads="1"/>
+          </p:cNvSpPr>
+          <p:nvPr/>
+        </p:nvSpPr>
+        <p:spPr bwMode="auto">
+          <a:xfrm>
+            <a:off x="611560" y="3933056"/>
+            <a:ext cx="3888432" cy="2492990"/>
+          </a:xfrm>
+          <a:prstGeom prst="rect">
+            <a:avLst/>
+          </a:prstGeom>
+          <a:noFill/>
+          <a:ln w="9525">
+            <a:noFill/>
+            <a:miter lim="800000"/>
+            <a:headEnd/>
+            <a:tailEnd/>
+          </a:ln>
+          <a:effectLst/>
+        </p:spPr>
+        <p:txBody>
+          <a:bodyPr vert="horz" wrap="square" lIns="91440" tIns="45720" rIns="91440" bIns="45720" numCol="1" anchor="ctr" anchorCtr="0" compatLnSpc="1">
+            <a:prstTxWarp prst="textNoShape">
+              <a:avLst/>
+            </a:prstTxWarp>
+            <a:spAutoFit/>
+          </a:bodyPr>
+          <a:lstStyle/>
+          <a:p>
+            <a:pPr marL="0" marR="0" lvl="0" indent="0" algn="l" defTabSz="914400" rtl="0" eaLnBrk="1" fontAlgn="base" latinLnBrk="0" hangingPunct="1">
+              <a:lnSpc>
+                <a:spcPct val="100000"/>
+              </a:lnSpc>
+              <a:spcBef>
+                <a:spcPct val="0"/>
+              </a:spcBef>
+              <a:spcAft>
+                <a:spcPct val="0"/>
+              </a:spcAft>
+              <a:buClrTx/>
+              <a:buSzTx/>
+              <a:buFontTx/>
+              <a:buNone/>
+              <a:tabLst/>
+            </a:pPr>
+            <a:r>
+              <a:rPr kumimoji="0" lang="ru-RU" sz="1200" b="0" i="0" u="none" strike="noStrike" cap="none" normalizeH="0" baseline="0" dirty="0" err="1" smtClean="0">
+                <a:ln>
+                  <a:noFill/>
+                </a:ln>
+                <a:solidFill>
+                  <a:srgbClr val="000000"/>
+                </a:solidFill>
+                <a:effectLst/>
+                <a:latin typeface="Arial Unicode MS" pitchFamily="34" charset="-128"/>
+                <a:cs typeface="Arial" pitchFamily="34" charset="0"/>
+              </a:rPr>
+              <a:t>void</a:t>
+            </a:r>
+            <a:r>
+              <a:rPr kumimoji="0" lang="ru-RU" sz="1200" b="0" i="0" u="none" strike="noStrike" cap="none" normalizeH="0" baseline="0" dirty="0" smtClean="0">
+                <a:ln>
+                  <a:noFill/>
+                </a:ln>
+                <a:solidFill>
+                  <a:srgbClr val="000000"/>
+                </a:solidFill>
+                <a:effectLst/>
+                <a:latin typeface="Arial Unicode MS" pitchFamily="34" charset="-128"/>
+                <a:cs typeface="Arial" pitchFamily="34" charset="0"/>
+              </a:rPr>
+              <a:t>* thread1() </a:t>
+            </a:r>
+            <a:r>
+              <a:rPr kumimoji="0" lang="ru-RU" sz="1200" b="0" i="0" u="none" strike="noStrike" cap="none" normalizeH="0" baseline="0" dirty="0" smtClean="0">
+                <a:ln>
+                  <a:noFill/>
+                </a:ln>
+                <a:solidFill>
+                  <a:srgbClr val="800080"/>
+                </a:solidFill>
+                <a:effectLst/>
+                <a:latin typeface="Arial Unicode MS" pitchFamily="34" charset="-128"/>
+                <a:cs typeface="Arial" pitchFamily="34" charset="0"/>
+              </a:rPr>
+              <a:t>{</a:t>
+            </a:r>
+          </a:p>
+          <a:p>
+            <a:pPr marL="0" marR="0" lvl="0" indent="0" algn="l" defTabSz="914400" rtl="0" eaLnBrk="1" fontAlgn="base" latinLnBrk="0" hangingPunct="1">
+              <a:lnSpc>
+                <a:spcPct val="100000"/>
+              </a:lnSpc>
+              <a:spcBef>
+                <a:spcPct val="0"/>
+              </a:spcBef>
+              <a:spcAft>
+                <a:spcPct val="0"/>
+              </a:spcAft>
+              <a:buClrTx/>
+              <a:buSzTx/>
+              <a:buFontTx/>
+              <a:buNone/>
+              <a:tabLst/>
+            </a:pPr>
+            <a:r>
+              <a:rPr lang="ru-RU" sz="1200" dirty="0" smtClean="0">
+                <a:solidFill>
+                  <a:srgbClr val="800080"/>
+                </a:solidFill>
+                <a:latin typeface="Arial Unicode MS" pitchFamily="34" charset="-128"/>
+                <a:cs typeface="Arial" pitchFamily="34" charset="0"/>
+              </a:rPr>
+              <a:t> </a:t>
+            </a:r>
+            <a:r>
+              <a:rPr lang="ru-RU" sz="1200" dirty="0" smtClean="0">
+                <a:solidFill>
+                  <a:srgbClr val="800080"/>
+                </a:solidFill>
+                <a:latin typeface="Arial Unicode MS" pitchFamily="34" charset="-128"/>
+                <a:cs typeface="Arial" pitchFamily="34" charset="0"/>
+              </a:rPr>
+              <a:t>      </a:t>
+            </a:r>
+            <a:r>
+              <a:rPr kumimoji="0" lang="ru-RU" sz="1200" b="0" i="0" u="none" strike="noStrike" cap="none" normalizeH="0" baseline="0" dirty="0" smtClean="0">
+                <a:ln>
+                  <a:noFill/>
+                </a:ln>
+                <a:solidFill>
+                  <a:srgbClr val="000000"/>
+                </a:solidFill>
+                <a:effectLst/>
+                <a:latin typeface="Arial Unicode MS" pitchFamily="34" charset="-128"/>
+                <a:cs typeface="Arial" pitchFamily="34" charset="0"/>
+              </a:rPr>
+              <a:t> </a:t>
+            </a:r>
+            <a:r>
+              <a:rPr kumimoji="0" lang="ru-RU" sz="1200" b="0" i="0" u="none" strike="noStrike" cap="none" normalizeH="0" baseline="0" dirty="0" smtClean="0">
+                <a:ln>
+                  <a:noFill/>
+                </a:ln>
+                <a:solidFill>
+                  <a:srgbClr val="696969"/>
+                </a:solidFill>
+                <a:effectLst/>
+                <a:latin typeface="Arial Unicode MS" pitchFamily="34" charset="-128"/>
+                <a:cs typeface="Arial" pitchFamily="34" charset="0"/>
+              </a:rPr>
+              <a:t>// в начале функции таблица пустая</a:t>
+            </a:r>
+          </a:p>
+          <a:p>
+            <a:pPr marL="0" marR="0" lvl="0" indent="0" algn="l" defTabSz="914400" rtl="0" eaLnBrk="1" fontAlgn="base" latinLnBrk="0" hangingPunct="1">
+              <a:lnSpc>
+                <a:spcPct val="100000"/>
+              </a:lnSpc>
+              <a:spcBef>
+                <a:spcPct val="0"/>
+              </a:spcBef>
+              <a:spcAft>
+                <a:spcPct val="0"/>
+              </a:spcAft>
+              <a:buClrTx/>
+              <a:buSzTx/>
+              <a:buFontTx/>
+              <a:buNone/>
+              <a:tabLst/>
+            </a:pPr>
+            <a:r>
+              <a:rPr lang="ru-RU" sz="1200" dirty="0" smtClean="0">
+                <a:solidFill>
+                  <a:srgbClr val="696969"/>
+                </a:solidFill>
+                <a:latin typeface="Arial Unicode MS" pitchFamily="34" charset="-128"/>
+                <a:cs typeface="Arial" pitchFamily="34" charset="0"/>
+              </a:rPr>
+              <a:t> </a:t>
+            </a:r>
+            <a:r>
+              <a:rPr lang="ru-RU" sz="1200" dirty="0" smtClean="0">
+                <a:solidFill>
+                  <a:srgbClr val="696969"/>
+                </a:solidFill>
+                <a:latin typeface="Arial Unicode MS" pitchFamily="34" charset="-128"/>
+                <a:cs typeface="Arial" pitchFamily="34" charset="0"/>
+              </a:rPr>
+              <a:t>      </a:t>
+            </a:r>
+            <a:r>
+              <a:rPr kumimoji="0" lang="ru-RU" sz="1200" b="0" i="0" u="none" strike="noStrike" cap="none" normalizeH="0" baseline="0" dirty="0" smtClean="0">
+                <a:ln>
+                  <a:noFill/>
+                </a:ln>
+                <a:solidFill>
+                  <a:srgbClr val="000000"/>
+                </a:solidFill>
+                <a:effectLst/>
+                <a:latin typeface="Arial Unicode MS" pitchFamily="34" charset="-128"/>
+                <a:cs typeface="Arial" pitchFamily="34" charset="0"/>
+              </a:rPr>
+              <a:t> </a:t>
+            </a:r>
+            <a:r>
+              <a:rPr kumimoji="0" lang="ru-RU" sz="1200" b="0" i="0" u="none" strike="noStrike" cap="none" normalizeH="0" baseline="0" dirty="0" smtClean="0">
+                <a:ln>
+                  <a:noFill/>
+                </a:ln>
+                <a:solidFill>
+                  <a:srgbClr val="BB7977"/>
+                </a:solidFill>
+                <a:effectLst/>
+                <a:latin typeface="Arial Unicode MS" pitchFamily="34" charset="-128"/>
+                <a:cs typeface="Arial" pitchFamily="34" charset="0"/>
+              </a:rPr>
+              <a:t>int</a:t>
+            </a:r>
+            <a:r>
+              <a:rPr kumimoji="0" lang="ru-RU" sz="1200" b="0" i="0" u="none" strike="noStrike" cap="none" normalizeH="0" baseline="0" dirty="0" smtClean="0">
+                <a:ln>
+                  <a:noFill/>
+                </a:ln>
+                <a:solidFill>
+                  <a:srgbClr val="808030"/>
+                </a:solidFill>
+                <a:effectLst/>
+                <a:latin typeface="Arial Unicode MS" pitchFamily="34" charset="-128"/>
+                <a:cs typeface="Arial" pitchFamily="34" charset="0"/>
+              </a:rPr>
+              <a:t>*</a:t>
+            </a:r>
+            <a:r>
+              <a:rPr kumimoji="0" lang="ru-RU" sz="1200" b="0" i="0" u="none" strike="noStrike" cap="none" normalizeH="0" baseline="0" dirty="0" smtClean="0">
+                <a:ln>
+                  <a:noFill/>
+                </a:ln>
+                <a:solidFill>
+                  <a:srgbClr val="000000"/>
+                </a:solidFill>
+                <a:effectLst/>
+                <a:latin typeface="Arial Unicode MS" pitchFamily="34" charset="-128"/>
+                <a:cs typeface="Arial" pitchFamily="34" charset="0"/>
+              </a:rPr>
+              <a:t> </a:t>
+            </a:r>
+            <a:r>
+              <a:rPr kumimoji="0" lang="ru-RU" sz="1200" b="0" i="0" u="none" strike="noStrike" cap="none" normalizeH="0" baseline="0" dirty="0" err="1" smtClean="0">
+                <a:ln>
+                  <a:noFill/>
+                </a:ln>
+                <a:solidFill>
+                  <a:srgbClr val="000000"/>
+                </a:solidFill>
+                <a:effectLst/>
+                <a:latin typeface="Arial Unicode MS" pitchFamily="34" charset="-128"/>
+                <a:cs typeface="Arial" pitchFamily="34" charset="0"/>
+              </a:rPr>
+              <a:t>z</a:t>
+            </a:r>
+            <a:r>
+              <a:rPr kumimoji="0" lang="ru-RU" sz="1200" b="0" i="0" u="none" strike="noStrike" cap="none" normalizeH="0" baseline="0" dirty="0" smtClean="0">
+                <a:ln>
+                  <a:noFill/>
+                </a:ln>
+                <a:solidFill>
+                  <a:srgbClr val="000000"/>
+                </a:solidFill>
+                <a:effectLst/>
+                <a:latin typeface="Arial Unicode MS" pitchFamily="34" charset="-128"/>
+                <a:cs typeface="Arial" pitchFamily="34" charset="0"/>
+              </a:rPr>
+              <a:t> </a:t>
+            </a:r>
+            <a:r>
+              <a:rPr kumimoji="0" lang="ru-RU" sz="1200" b="0" i="0" u="none" strike="noStrike" cap="none" normalizeH="0" baseline="0" dirty="0" smtClean="0">
+                <a:ln>
+                  <a:noFill/>
+                </a:ln>
+                <a:solidFill>
+                  <a:srgbClr val="808030"/>
+                </a:solidFill>
+                <a:effectLst/>
+                <a:latin typeface="Arial Unicode MS" pitchFamily="34" charset="-128"/>
+                <a:cs typeface="Arial" pitchFamily="34" charset="0"/>
+              </a:rPr>
+              <a:t>=</a:t>
+            </a:r>
+            <a:r>
+              <a:rPr kumimoji="0" lang="ru-RU" sz="1200" b="0" i="0" u="none" strike="noStrike" cap="none" normalizeH="0" baseline="0" dirty="0" smtClean="0">
+                <a:ln>
+                  <a:noFill/>
+                </a:ln>
+                <a:solidFill>
+                  <a:srgbClr val="000000"/>
+                </a:solidFill>
+                <a:effectLst/>
+                <a:latin typeface="Arial Unicode MS" pitchFamily="34" charset="-128"/>
+                <a:cs typeface="Arial" pitchFamily="34" charset="0"/>
+              </a:rPr>
+              <a:t> </a:t>
+            </a:r>
+            <a:r>
+              <a:rPr kumimoji="0" lang="ru-RU" sz="1200" b="0" i="0" u="none" strike="noStrike" cap="none" normalizeH="0" baseline="0" dirty="0" smtClean="0">
+                <a:ln>
+                  <a:noFill/>
+                </a:ln>
+                <a:solidFill>
+                  <a:srgbClr val="808030"/>
+                </a:solidFill>
+                <a:effectLst/>
+                <a:latin typeface="Arial Unicode MS" pitchFamily="34" charset="-128"/>
+                <a:cs typeface="Arial" pitchFamily="34" charset="0"/>
+              </a:rPr>
+              <a:t>&amp;</a:t>
+            </a:r>
+            <a:r>
+              <a:rPr kumimoji="0" lang="ru-RU" sz="1200" b="0" i="0" u="none" strike="noStrike" cap="none" normalizeH="0" baseline="0" dirty="0" err="1" smtClean="0">
+                <a:ln>
+                  <a:noFill/>
+                </a:ln>
+                <a:solidFill>
+                  <a:srgbClr val="000000"/>
+                </a:solidFill>
+                <a:effectLst/>
+                <a:latin typeface="Arial Unicode MS" pitchFamily="34" charset="-128"/>
+                <a:cs typeface="Arial" pitchFamily="34" charset="0"/>
+              </a:rPr>
+              <a:t>x</a:t>
+            </a:r>
+            <a:r>
+              <a:rPr kumimoji="0" lang="ru-RU" sz="1200" b="0" i="0" u="none" strike="noStrike" cap="none" normalizeH="0" baseline="0" dirty="0" smtClean="0">
+                <a:ln>
+                  <a:noFill/>
+                </a:ln>
+                <a:solidFill>
+                  <a:srgbClr val="800080"/>
+                </a:solidFill>
+                <a:effectLst/>
+                <a:latin typeface="Arial Unicode MS" pitchFamily="34" charset="-128"/>
+                <a:cs typeface="Arial" pitchFamily="34" charset="0"/>
+              </a:rPr>
+              <a:t>;</a:t>
+            </a:r>
+            <a:r>
+              <a:rPr kumimoji="0" lang="ru-RU" sz="1200" b="0" i="0" u="none" strike="noStrike" cap="none" normalizeH="0" baseline="0" dirty="0" smtClean="0">
+                <a:ln>
+                  <a:noFill/>
+                </a:ln>
+                <a:solidFill>
+                  <a:srgbClr val="000000"/>
+                </a:solidFill>
+                <a:effectLst/>
+                <a:latin typeface="Arial Unicode MS" pitchFamily="34" charset="-128"/>
+                <a:cs typeface="Arial" pitchFamily="34" charset="0"/>
+              </a:rPr>
+              <a:t> </a:t>
+            </a:r>
+            <a:r>
+              <a:rPr kumimoji="0" lang="ru-RU" sz="1200" b="0" i="0" u="none" strike="noStrike" cap="none" normalizeH="0" baseline="0" dirty="0" err="1" smtClean="0">
+                <a:ln>
+                  <a:noFill/>
+                </a:ln>
+                <a:solidFill>
+                  <a:srgbClr val="000000"/>
+                </a:solidFill>
+                <a:effectLst/>
+                <a:latin typeface="Arial Unicode MS" pitchFamily="34" charset="-128"/>
+                <a:cs typeface="Arial" pitchFamily="34" charset="0"/>
+              </a:rPr>
+              <a:t>incr</a:t>
+            </a:r>
+            <a:r>
+              <a:rPr kumimoji="0" lang="ru-RU" sz="1200" b="0" i="0" u="none" strike="noStrike" cap="none" normalizeH="0" baseline="0" dirty="0" smtClean="0">
+                <a:ln>
+                  <a:noFill/>
+                </a:ln>
+                <a:solidFill>
+                  <a:srgbClr val="808030"/>
+                </a:solidFill>
+                <a:effectLst/>
+                <a:latin typeface="Arial Unicode MS" pitchFamily="34" charset="-128"/>
+                <a:cs typeface="Arial" pitchFamily="34" charset="0"/>
+              </a:rPr>
+              <a:t>(</a:t>
+            </a:r>
+            <a:r>
+              <a:rPr kumimoji="0" lang="ru-RU" sz="1200" b="0" i="0" u="none" strike="noStrike" cap="none" normalizeH="0" baseline="0" dirty="0" err="1" smtClean="0">
+                <a:ln>
+                  <a:noFill/>
+                </a:ln>
+                <a:solidFill>
+                  <a:srgbClr val="000000"/>
+                </a:solidFill>
+                <a:effectLst/>
+                <a:latin typeface="Arial Unicode MS" pitchFamily="34" charset="-128"/>
+                <a:cs typeface="Arial" pitchFamily="34" charset="0"/>
+              </a:rPr>
+              <a:t>z</a:t>
+            </a:r>
+            <a:r>
+              <a:rPr kumimoji="0" lang="ru-RU" sz="1200" b="0" i="0" u="none" strike="noStrike" cap="none" normalizeH="0" baseline="0" dirty="0" smtClean="0">
+                <a:ln>
+                  <a:noFill/>
+                </a:ln>
+                <a:solidFill>
+                  <a:srgbClr val="808030"/>
+                </a:solidFill>
+                <a:effectLst/>
+                <a:latin typeface="Arial Unicode MS" pitchFamily="34" charset="-128"/>
+                <a:cs typeface="Arial" pitchFamily="34" charset="0"/>
+              </a:rPr>
+              <a:t>,</a:t>
+            </a:r>
+            <a:r>
+              <a:rPr kumimoji="0" lang="ru-RU" sz="1200" b="0" i="0" u="none" strike="noStrike" cap="none" normalizeH="0" baseline="0" dirty="0" smtClean="0">
+                <a:ln>
+                  <a:noFill/>
+                </a:ln>
+                <a:solidFill>
+                  <a:srgbClr val="000000"/>
+                </a:solidFill>
+                <a:effectLst/>
+                <a:latin typeface="Arial Unicode MS" pitchFamily="34" charset="-128"/>
+                <a:cs typeface="Arial" pitchFamily="34" charset="0"/>
+              </a:rPr>
+              <a:t> </a:t>
+            </a:r>
+            <a:r>
+              <a:rPr kumimoji="0" lang="ru-RU" sz="1200" b="0" i="0" u="none" strike="noStrike" cap="none" normalizeH="0" baseline="0" dirty="0" smtClean="0">
+                <a:ln>
+                  <a:noFill/>
+                </a:ln>
+                <a:solidFill>
+                  <a:srgbClr val="808030"/>
+                </a:solidFill>
+                <a:effectLst/>
+                <a:latin typeface="Arial Unicode MS" pitchFamily="34" charset="-128"/>
+                <a:cs typeface="Arial" pitchFamily="34" charset="0"/>
+              </a:rPr>
+              <a:t>&amp;</a:t>
+            </a:r>
+            <a:r>
+              <a:rPr kumimoji="0" lang="ru-RU" sz="1200" b="0" i="0" u="none" strike="noStrike" cap="none" normalizeH="0" baseline="0" dirty="0" smtClean="0">
+                <a:ln>
+                  <a:noFill/>
+                </a:ln>
+                <a:solidFill>
+                  <a:srgbClr val="000000"/>
+                </a:solidFill>
+                <a:effectLst/>
+                <a:latin typeface="Arial Unicode MS" pitchFamily="34" charset="-128"/>
+                <a:cs typeface="Arial" pitchFamily="34" charset="0"/>
+              </a:rPr>
+              <a:t>m1</a:t>
+            </a:r>
+            <a:r>
+              <a:rPr kumimoji="0" lang="ru-RU" sz="1200" b="0" i="0" u="none" strike="noStrike" cap="none" normalizeH="0" baseline="0" dirty="0" smtClean="0">
+                <a:ln>
+                  <a:noFill/>
+                </a:ln>
+                <a:solidFill>
+                  <a:srgbClr val="808030"/>
+                </a:solidFill>
+                <a:effectLst/>
+                <a:latin typeface="Arial Unicode MS" pitchFamily="34" charset="-128"/>
+                <a:cs typeface="Arial" pitchFamily="34" charset="0"/>
+              </a:rPr>
+              <a:t>)</a:t>
+            </a:r>
+            <a:r>
+              <a:rPr kumimoji="0" lang="ru-RU" sz="1200" b="0" i="0" u="none" strike="noStrike" cap="none" normalizeH="0" baseline="0" dirty="0" smtClean="0">
+                <a:ln>
+                  <a:noFill/>
+                </a:ln>
+                <a:solidFill>
+                  <a:srgbClr val="800080"/>
+                </a:solidFill>
+                <a:effectLst/>
+                <a:latin typeface="Arial Unicode MS" pitchFamily="34" charset="-128"/>
+                <a:cs typeface="Arial" pitchFamily="34" charset="0"/>
+              </a:rPr>
+              <a:t>;</a:t>
+            </a:r>
+          </a:p>
+          <a:p>
+            <a:pPr marL="0" marR="0" lvl="0" indent="0" algn="l" defTabSz="914400" rtl="0" eaLnBrk="1" fontAlgn="base" latinLnBrk="0" hangingPunct="1">
+              <a:lnSpc>
+                <a:spcPct val="100000"/>
+              </a:lnSpc>
+              <a:spcBef>
+                <a:spcPct val="0"/>
+              </a:spcBef>
+              <a:spcAft>
+                <a:spcPct val="0"/>
+              </a:spcAft>
+              <a:buClrTx/>
+              <a:buSzTx/>
+              <a:buFontTx/>
+              <a:buNone/>
+              <a:tabLst/>
+            </a:pPr>
+            <a:r>
+              <a:rPr lang="ru-RU" sz="1200" dirty="0" smtClean="0">
+                <a:solidFill>
+                  <a:srgbClr val="800080"/>
+                </a:solidFill>
+                <a:latin typeface="Arial Unicode MS" pitchFamily="34" charset="-128"/>
+                <a:cs typeface="Arial" pitchFamily="34" charset="0"/>
+              </a:rPr>
+              <a:t> </a:t>
+            </a:r>
+            <a:r>
+              <a:rPr lang="ru-RU" sz="1200" dirty="0" smtClean="0">
+                <a:solidFill>
+                  <a:srgbClr val="800080"/>
+                </a:solidFill>
+                <a:latin typeface="Arial Unicode MS" pitchFamily="34" charset="-128"/>
+                <a:cs typeface="Arial" pitchFamily="34" charset="0"/>
+              </a:rPr>
+              <a:t>      </a:t>
+            </a:r>
+            <a:r>
+              <a:rPr kumimoji="0" lang="ru-RU" sz="1200" b="0" i="0" u="none" strike="noStrike" cap="none" normalizeH="0" baseline="0" dirty="0" smtClean="0">
+                <a:ln>
+                  <a:noFill/>
+                </a:ln>
+                <a:solidFill>
+                  <a:srgbClr val="000000"/>
+                </a:solidFill>
+                <a:effectLst/>
+                <a:latin typeface="Arial Unicode MS" pitchFamily="34" charset="-128"/>
+                <a:cs typeface="Arial" pitchFamily="34" charset="0"/>
+              </a:rPr>
+              <a:t> </a:t>
+            </a:r>
+            <a:r>
+              <a:rPr kumimoji="0" lang="ru-RU" sz="1200" b="0" i="0" u="none" strike="noStrike" cap="none" normalizeH="0" baseline="0" dirty="0" smtClean="0">
+                <a:ln>
+                  <a:noFill/>
+                </a:ln>
+                <a:solidFill>
+                  <a:srgbClr val="696969"/>
+                </a:solidFill>
+                <a:effectLst/>
+                <a:latin typeface="Arial Unicode MS" pitchFamily="34" charset="-128"/>
+                <a:cs typeface="Arial" pitchFamily="34" charset="0"/>
+              </a:rPr>
+              <a:t>// подставляем фактические передаваемые</a:t>
+            </a:r>
+          </a:p>
+          <a:p>
+            <a:pPr marL="0" marR="0" lvl="0" indent="0" algn="l" defTabSz="914400" rtl="0" eaLnBrk="1" fontAlgn="base" latinLnBrk="0" hangingPunct="1">
+              <a:lnSpc>
+                <a:spcPct val="100000"/>
+              </a:lnSpc>
+              <a:spcBef>
+                <a:spcPct val="0"/>
+              </a:spcBef>
+              <a:spcAft>
+                <a:spcPct val="0"/>
+              </a:spcAft>
+              <a:buClrTx/>
+              <a:buSzTx/>
+              <a:buFontTx/>
+              <a:buNone/>
+              <a:tabLst/>
+            </a:pPr>
+            <a:r>
+              <a:rPr lang="ru-RU" sz="1200" dirty="0" smtClean="0">
+                <a:solidFill>
+                  <a:srgbClr val="696969"/>
+                </a:solidFill>
+                <a:latin typeface="Arial Unicode MS" pitchFamily="34" charset="-128"/>
+                <a:cs typeface="Arial" pitchFamily="34" charset="0"/>
+              </a:rPr>
+              <a:t> </a:t>
+            </a:r>
+            <a:r>
+              <a:rPr lang="ru-RU" sz="1200" dirty="0" smtClean="0">
+                <a:solidFill>
+                  <a:srgbClr val="696969"/>
+                </a:solidFill>
+                <a:latin typeface="Arial Unicode MS" pitchFamily="34" charset="-128"/>
+                <a:cs typeface="Arial" pitchFamily="34" charset="0"/>
+              </a:rPr>
+              <a:t>      </a:t>
+            </a:r>
+            <a:r>
+              <a:rPr kumimoji="0" lang="ru-RU" sz="1200" b="0" i="0" u="none" strike="noStrike" cap="none" normalizeH="0" baseline="0" dirty="0" smtClean="0">
+                <a:ln>
+                  <a:noFill/>
+                </a:ln>
+                <a:solidFill>
+                  <a:srgbClr val="000000"/>
+                </a:solidFill>
+                <a:effectLst/>
+                <a:latin typeface="Arial Unicode MS" pitchFamily="34" charset="-128"/>
+                <a:cs typeface="Arial" pitchFamily="34" charset="0"/>
+              </a:rPr>
+              <a:t> </a:t>
+            </a:r>
+            <a:r>
+              <a:rPr kumimoji="0" lang="ru-RU" sz="1200" b="0" i="0" u="none" strike="noStrike" cap="none" normalizeH="0" baseline="0" dirty="0" smtClean="0">
+                <a:ln>
+                  <a:noFill/>
+                </a:ln>
+                <a:solidFill>
+                  <a:srgbClr val="696969"/>
+                </a:solidFill>
+                <a:effectLst/>
+                <a:latin typeface="Arial Unicode MS" pitchFamily="34" charset="-128"/>
+                <a:cs typeface="Arial" pitchFamily="34" charset="0"/>
+              </a:rPr>
+              <a:t>// значения в таблицу для функции </a:t>
+            </a:r>
+            <a:r>
+              <a:rPr kumimoji="0" lang="ru-RU" sz="1200" b="0" i="0" u="none" strike="noStrike" cap="none" normalizeH="0" baseline="0" dirty="0" err="1" smtClean="0">
+                <a:ln>
+                  <a:noFill/>
+                </a:ln>
+                <a:solidFill>
+                  <a:srgbClr val="696969"/>
+                </a:solidFill>
+                <a:effectLst/>
+                <a:latin typeface="Arial Unicode MS" pitchFamily="34" charset="-128"/>
+                <a:cs typeface="Arial" pitchFamily="34" charset="0"/>
+              </a:rPr>
+              <a:t>incr</a:t>
+            </a:r>
+            <a:r>
+              <a:rPr kumimoji="0" lang="ru-RU" sz="1200" b="0" i="0" u="none" strike="noStrike" cap="none" normalizeH="0" baseline="0" dirty="0" smtClean="0">
+                <a:ln>
+                  <a:noFill/>
+                </a:ln>
+                <a:solidFill>
+                  <a:srgbClr val="696969"/>
+                </a:solidFill>
+                <a:effectLst/>
+                <a:latin typeface="Arial Unicode MS" pitchFamily="34" charset="-128"/>
+                <a:cs typeface="Arial" pitchFamily="34" charset="0"/>
+              </a:rPr>
+              <a:t>:</a:t>
+            </a:r>
+          </a:p>
+          <a:p>
+            <a:pPr marL="0" marR="0" lvl="0" indent="0" algn="l" defTabSz="914400" rtl="0" eaLnBrk="1" fontAlgn="base" latinLnBrk="0" hangingPunct="1">
+              <a:lnSpc>
+                <a:spcPct val="100000"/>
+              </a:lnSpc>
+              <a:spcBef>
+                <a:spcPct val="0"/>
+              </a:spcBef>
+              <a:spcAft>
+                <a:spcPct val="0"/>
+              </a:spcAft>
+              <a:buClrTx/>
+              <a:buSzTx/>
+              <a:buFontTx/>
+              <a:buNone/>
+              <a:tabLst/>
+            </a:pPr>
+            <a:r>
+              <a:rPr lang="ru-RU" sz="1200" dirty="0" smtClean="0">
+                <a:solidFill>
+                  <a:srgbClr val="696969"/>
+                </a:solidFill>
+                <a:latin typeface="Arial Unicode MS" pitchFamily="34" charset="-128"/>
+                <a:cs typeface="Arial" pitchFamily="34" charset="0"/>
+              </a:rPr>
+              <a:t> </a:t>
+            </a:r>
+            <a:r>
+              <a:rPr lang="ru-RU" sz="1200" dirty="0" smtClean="0">
+                <a:solidFill>
+                  <a:srgbClr val="696969"/>
+                </a:solidFill>
+                <a:latin typeface="Arial Unicode MS" pitchFamily="34" charset="-128"/>
+                <a:cs typeface="Arial" pitchFamily="34" charset="0"/>
+              </a:rPr>
+              <a:t>      </a:t>
+            </a:r>
+            <a:r>
+              <a:rPr kumimoji="0" lang="ru-RU" sz="1200" b="0" i="0" u="none" strike="noStrike" cap="none" normalizeH="0" baseline="0" dirty="0" smtClean="0">
+                <a:ln>
+                  <a:noFill/>
+                </a:ln>
+                <a:solidFill>
+                  <a:srgbClr val="000000"/>
+                </a:solidFill>
+                <a:effectLst/>
+                <a:latin typeface="Arial Unicode MS" pitchFamily="34" charset="-128"/>
+                <a:cs typeface="Arial" pitchFamily="34" charset="0"/>
+              </a:rPr>
+              <a:t> </a:t>
+            </a:r>
+            <a:r>
+              <a:rPr kumimoji="0" lang="ru-RU" sz="1200" b="0" i="0" u="none" strike="noStrike" cap="none" normalizeH="0" baseline="0" dirty="0" smtClean="0">
+                <a:ln>
+                  <a:noFill/>
+                </a:ln>
+                <a:solidFill>
+                  <a:srgbClr val="696969"/>
+                </a:solidFill>
+                <a:effectLst/>
+                <a:latin typeface="Arial Unicode MS" pitchFamily="34" charset="-128"/>
+                <a:cs typeface="Arial" pitchFamily="34" charset="0"/>
+              </a:rPr>
+              <a:t>// (</a:t>
+            </a:r>
+            <a:r>
+              <a:rPr kumimoji="0" lang="ru-RU" sz="1200" b="0" i="0" u="none" strike="noStrike" cap="none" normalizeH="0" baseline="0" dirty="0" err="1" smtClean="0">
+                <a:ln>
+                  <a:noFill/>
+                </a:ln>
+                <a:solidFill>
+                  <a:srgbClr val="696969"/>
+                </a:solidFill>
+                <a:effectLst/>
+                <a:latin typeface="Arial Unicode MS" pitchFamily="34" charset="-128"/>
+                <a:cs typeface="Arial" pitchFamily="34" charset="0"/>
+              </a:rPr>
+              <a:t>x</a:t>
+            </a:r>
+            <a:r>
+              <a:rPr kumimoji="0" lang="ru-RU" sz="1200" b="0" i="0" u="none" strike="noStrike" cap="none" normalizeH="0" baseline="0" dirty="0" smtClean="0">
+                <a:ln>
+                  <a:noFill/>
+                </a:ln>
+                <a:solidFill>
+                  <a:srgbClr val="696969"/>
+                </a:solidFill>
+                <a:effectLst/>
+                <a:latin typeface="Arial Unicode MS" pitchFamily="34" charset="-128"/>
+                <a:cs typeface="Arial" pitchFamily="34" charset="0"/>
+              </a:rPr>
+              <a:t>, ({m1}, {}), чтение)</a:t>
+            </a:r>
+          </a:p>
+          <a:p>
+            <a:pPr marL="0" marR="0" lvl="0" indent="0" algn="l" defTabSz="914400" rtl="0" eaLnBrk="1" fontAlgn="base" latinLnBrk="0" hangingPunct="1">
+              <a:lnSpc>
+                <a:spcPct val="100000"/>
+              </a:lnSpc>
+              <a:spcBef>
+                <a:spcPct val="0"/>
+              </a:spcBef>
+              <a:spcAft>
+                <a:spcPct val="0"/>
+              </a:spcAft>
+              <a:buClrTx/>
+              <a:buSzTx/>
+              <a:buFontTx/>
+              <a:buNone/>
+              <a:tabLst/>
+            </a:pPr>
+            <a:r>
+              <a:rPr lang="ru-RU" sz="1200" dirty="0" smtClean="0">
+                <a:solidFill>
+                  <a:srgbClr val="696969"/>
+                </a:solidFill>
+                <a:latin typeface="Arial Unicode MS" pitchFamily="34" charset="-128"/>
+                <a:cs typeface="Arial" pitchFamily="34" charset="0"/>
+              </a:rPr>
+              <a:t> </a:t>
+            </a:r>
+            <a:r>
+              <a:rPr lang="ru-RU" sz="1200" dirty="0" smtClean="0">
+                <a:solidFill>
+                  <a:srgbClr val="696969"/>
+                </a:solidFill>
+                <a:latin typeface="Arial Unicode MS" pitchFamily="34" charset="-128"/>
+                <a:cs typeface="Arial" pitchFamily="34" charset="0"/>
+              </a:rPr>
+              <a:t>      </a:t>
+            </a:r>
+            <a:r>
+              <a:rPr kumimoji="0" lang="ru-RU" sz="1200" b="0" i="0" u="none" strike="noStrike" cap="none" normalizeH="0" baseline="0" dirty="0" smtClean="0">
+                <a:ln>
+                  <a:noFill/>
+                </a:ln>
+                <a:solidFill>
+                  <a:srgbClr val="000000"/>
+                </a:solidFill>
+                <a:effectLst/>
+                <a:latin typeface="Arial Unicode MS" pitchFamily="34" charset="-128"/>
+                <a:cs typeface="Arial" pitchFamily="34" charset="0"/>
+              </a:rPr>
+              <a:t> </a:t>
+            </a:r>
+            <a:r>
+              <a:rPr kumimoji="0" lang="ru-RU" sz="1200" b="0" i="0" u="none" strike="noStrike" cap="none" normalizeH="0" baseline="0" dirty="0" smtClean="0">
+                <a:ln>
+                  <a:noFill/>
+                </a:ln>
+                <a:solidFill>
+                  <a:srgbClr val="696969"/>
+                </a:solidFill>
+                <a:effectLst/>
+                <a:latin typeface="Arial Unicode MS" pitchFamily="34" charset="-128"/>
+                <a:cs typeface="Arial" pitchFamily="34" charset="0"/>
+              </a:rPr>
+              <a:t>// (</a:t>
+            </a:r>
+            <a:r>
+              <a:rPr kumimoji="0" lang="ru-RU" sz="1200" b="0" i="0" u="none" strike="noStrike" cap="none" normalizeH="0" baseline="0" dirty="0" err="1" smtClean="0">
+                <a:ln>
+                  <a:noFill/>
+                </a:ln>
+                <a:solidFill>
+                  <a:srgbClr val="696969"/>
+                </a:solidFill>
+                <a:effectLst/>
+                <a:latin typeface="Arial Unicode MS" pitchFamily="34" charset="-128"/>
+                <a:cs typeface="Arial" pitchFamily="34" charset="0"/>
+              </a:rPr>
+              <a:t>x</a:t>
+            </a:r>
+            <a:r>
+              <a:rPr kumimoji="0" lang="ru-RU" sz="1200" b="0" i="0" u="none" strike="noStrike" cap="none" normalizeH="0" baseline="0" dirty="0" smtClean="0">
+                <a:ln>
+                  <a:noFill/>
+                </a:ln>
+                <a:solidFill>
+                  <a:srgbClr val="696969"/>
+                </a:solidFill>
+                <a:effectLst/>
+                <a:latin typeface="Arial Unicode MS" pitchFamily="34" charset="-128"/>
+                <a:cs typeface="Arial" pitchFamily="34" charset="0"/>
+              </a:rPr>
+              <a:t>, ({m1}, {}), запись)</a:t>
+            </a:r>
+          </a:p>
+          <a:p>
+            <a:pPr marL="0" marR="0" lvl="0" indent="0" algn="l" defTabSz="914400" rtl="0" eaLnBrk="1" fontAlgn="base" latinLnBrk="0" hangingPunct="1">
+              <a:lnSpc>
+                <a:spcPct val="100000"/>
+              </a:lnSpc>
+              <a:spcBef>
+                <a:spcPct val="0"/>
+              </a:spcBef>
+              <a:spcAft>
+                <a:spcPct val="0"/>
+              </a:spcAft>
+              <a:buClrTx/>
+              <a:buSzTx/>
+              <a:buFontTx/>
+              <a:buNone/>
+              <a:tabLst/>
+            </a:pPr>
+            <a:r>
+              <a:rPr lang="ru-RU" sz="1200" dirty="0" smtClean="0">
+                <a:solidFill>
+                  <a:srgbClr val="696969"/>
+                </a:solidFill>
+                <a:latin typeface="Arial Unicode MS" pitchFamily="34" charset="-128"/>
+                <a:cs typeface="Arial" pitchFamily="34" charset="0"/>
+              </a:rPr>
+              <a:t> </a:t>
+            </a:r>
+            <a:r>
+              <a:rPr lang="ru-RU" sz="1200" dirty="0" smtClean="0">
+                <a:solidFill>
+                  <a:srgbClr val="696969"/>
+                </a:solidFill>
+                <a:latin typeface="Arial Unicode MS" pitchFamily="34" charset="-128"/>
+                <a:cs typeface="Arial" pitchFamily="34" charset="0"/>
+              </a:rPr>
+              <a:t>      </a:t>
+            </a:r>
+            <a:r>
+              <a:rPr kumimoji="0" lang="ru-RU" sz="1200" b="0" i="0" u="none" strike="noStrike" cap="none" normalizeH="0" baseline="0" dirty="0" smtClean="0">
+                <a:ln>
+                  <a:noFill/>
+                </a:ln>
+                <a:solidFill>
+                  <a:srgbClr val="000000"/>
+                </a:solidFill>
+                <a:effectLst/>
+                <a:latin typeface="Arial Unicode MS" pitchFamily="34" charset="-128"/>
+                <a:cs typeface="Arial" pitchFamily="34" charset="0"/>
+              </a:rPr>
+              <a:t> </a:t>
+            </a:r>
+            <a:r>
+              <a:rPr kumimoji="0" lang="ru-RU" sz="1200" b="0" i="0" u="none" strike="noStrike" cap="none" normalizeH="0" baseline="0" dirty="0" err="1" smtClean="0">
+                <a:ln>
+                  <a:noFill/>
+                </a:ln>
+                <a:solidFill>
+                  <a:srgbClr val="000000"/>
+                </a:solidFill>
+                <a:effectLst/>
+                <a:latin typeface="Arial Unicode MS" pitchFamily="34" charset="-128"/>
+                <a:cs typeface="Arial" pitchFamily="34" charset="0"/>
+              </a:rPr>
+              <a:t>incr</a:t>
+            </a:r>
+            <a:r>
+              <a:rPr kumimoji="0" lang="ru-RU" sz="1200" b="0" i="0" u="none" strike="noStrike" cap="none" normalizeH="0" baseline="0" dirty="0" smtClean="0">
+                <a:ln>
+                  <a:noFill/>
+                </a:ln>
+                <a:solidFill>
+                  <a:srgbClr val="808030"/>
+                </a:solidFill>
+                <a:effectLst/>
+                <a:latin typeface="Arial Unicode MS" pitchFamily="34" charset="-128"/>
+                <a:cs typeface="Arial" pitchFamily="34" charset="0"/>
+              </a:rPr>
+              <a:t>(&amp;</a:t>
+            </a:r>
+            <a:r>
+              <a:rPr kumimoji="0" lang="ru-RU" sz="1200" b="0" i="0" u="none" strike="noStrike" cap="none" normalizeH="0" baseline="0" dirty="0" err="1" smtClean="0">
+                <a:ln>
+                  <a:noFill/>
+                </a:ln>
+                <a:solidFill>
+                  <a:srgbClr val="000000"/>
+                </a:solidFill>
+                <a:effectLst/>
+                <a:latin typeface="Arial Unicode MS" pitchFamily="34" charset="-128"/>
+                <a:cs typeface="Arial" pitchFamily="34" charset="0"/>
+              </a:rPr>
+              <a:t>y</a:t>
+            </a:r>
+            <a:r>
+              <a:rPr kumimoji="0" lang="ru-RU" sz="1200" b="0" i="0" u="none" strike="noStrike" cap="none" normalizeH="0" baseline="0" dirty="0" smtClean="0">
+                <a:ln>
+                  <a:noFill/>
+                </a:ln>
+                <a:solidFill>
+                  <a:srgbClr val="808030"/>
+                </a:solidFill>
+                <a:effectLst/>
+                <a:latin typeface="Arial Unicode MS" pitchFamily="34" charset="-128"/>
+                <a:cs typeface="Arial" pitchFamily="34" charset="0"/>
+              </a:rPr>
+              <a:t>,</a:t>
+            </a:r>
+            <a:r>
+              <a:rPr kumimoji="0" lang="ru-RU" sz="1200" b="0" i="0" u="none" strike="noStrike" cap="none" normalizeH="0" baseline="0" dirty="0" smtClean="0">
+                <a:ln>
+                  <a:noFill/>
+                </a:ln>
+                <a:solidFill>
+                  <a:srgbClr val="000000"/>
+                </a:solidFill>
+                <a:effectLst/>
+                <a:latin typeface="Arial Unicode MS" pitchFamily="34" charset="-128"/>
+                <a:cs typeface="Arial" pitchFamily="34" charset="0"/>
+              </a:rPr>
+              <a:t> </a:t>
+            </a:r>
+            <a:r>
+              <a:rPr kumimoji="0" lang="ru-RU" sz="1200" b="0" i="0" u="none" strike="noStrike" cap="none" normalizeH="0" baseline="0" dirty="0" smtClean="0">
+                <a:ln>
+                  <a:noFill/>
+                </a:ln>
+                <a:solidFill>
+                  <a:srgbClr val="808030"/>
+                </a:solidFill>
+                <a:effectLst/>
+                <a:latin typeface="Arial Unicode MS" pitchFamily="34" charset="-128"/>
+                <a:cs typeface="Arial" pitchFamily="34" charset="0"/>
+              </a:rPr>
+              <a:t>&amp;</a:t>
+            </a:r>
+            <a:r>
+              <a:rPr kumimoji="0" lang="ru-RU" sz="1200" b="0" i="0" u="none" strike="noStrike" cap="none" normalizeH="0" baseline="0" dirty="0" smtClean="0">
+                <a:ln>
+                  <a:noFill/>
+                </a:ln>
+                <a:solidFill>
+                  <a:srgbClr val="000000"/>
+                </a:solidFill>
+                <a:effectLst/>
+                <a:latin typeface="Arial Unicode MS" pitchFamily="34" charset="-128"/>
+                <a:cs typeface="Arial" pitchFamily="34" charset="0"/>
+              </a:rPr>
+              <a:t>m2</a:t>
+            </a:r>
+            <a:r>
+              <a:rPr kumimoji="0" lang="ru-RU" sz="1200" b="0" i="0" u="none" strike="noStrike" cap="none" normalizeH="0" baseline="0" dirty="0" smtClean="0">
+                <a:ln>
+                  <a:noFill/>
+                </a:ln>
+                <a:solidFill>
+                  <a:srgbClr val="808030"/>
+                </a:solidFill>
+                <a:effectLst/>
+                <a:latin typeface="Arial Unicode MS" pitchFamily="34" charset="-128"/>
+                <a:cs typeface="Arial" pitchFamily="34" charset="0"/>
+              </a:rPr>
+              <a:t>)</a:t>
+            </a:r>
+            <a:r>
+              <a:rPr kumimoji="0" lang="ru-RU" sz="1200" b="0" i="0" u="none" strike="noStrike" cap="none" normalizeH="0" baseline="0" dirty="0" smtClean="0">
+                <a:ln>
+                  <a:noFill/>
+                </a:ln>
+                <a:solidFill>
+                  <a:srgbClr val="800080"/>
+                </a:solidFill>
+                <a:effectLst/>
+                <a:latin typeface="Arial Unicode MS" pitchFamily="34" charset="-128"/>
+                <a:cs typeface="Arial" pitchFamily="34" charset="0"/>
+              </a:rPr>
+              <a:t>;</a:t>
+            </a:r>
+          </a:p>
+          <a:p>
+            <a:pPr marL="0" marR="0" lvl="0" indent="0" algn="l" defTabSz="914400" rtl="0" eaLnBrk="1" fontAlgn="base" latinLnBrk="0" hangingPunct="1">
+              <a:lnSpc>
+                <a:spcPct val="100000"/>
+              </a:lnSpc>
+              <a:spcBef>
+                <a:spcPct val="0"/>
+              </a:spcBef>
+              <a:spcAft>
+                <a:spcPct val="0"/>
+              </a:spcAft>
+              <a:buClrTx/>
+              <a:buSzTx/>
+              <a:buFontTx/>
+              <a:buNone/>
+              <a:tabLst/>
+            </a:pPr>
+            <a:r>
+              <a:rPr lang="ru-RU" sz="1200" dirty="0" smtClean="0">
+                <a:solidFill>
+                  <a:srgbClr val="800080"/>
+                </a:solidFill>
+                <a:latin typeface="Arial Unicode MS" pitchFamily="34" charset="-128"/>
+                <a:cs typeface="Arial" pitchFamily="34" charset="0"/>
+              </a:rPr>
+              <a:t> </a:t>
+            </a:r>
+            <a:r>
+              <a:rPr lang="ru-RU" sz="1200" dirty="0" smtClean="0">
+                <a:solidFill>
+                  <a:srgbClr val="800080"/>
+                </a:solidFill>
+                <a:latin typeface="Arial Unicode MS" pitchFamily="34" charset="-128"/>
+                <a:cs typeface="Arial" pitchFamily="34" charset="0"/>
+              </a:rPr>
+              <a:t>      </a:t>
+            </a:r>
+            <a:r>
+              <a:rPr kumimoji="0" lang="ru-RU" sz="1200" b="0" i="0" u="none" strike="noStrike" cap="none" normalizeH="0" baseline="0" dirty="0" smtClean="0">
+                <a:ln>
+                  <a:noFill/>
+                </a:ln>
+                <a:solidFill>
+                  <a:srgbClr val="000000"/>
+                </a:solidFill>
+                <a:effectLst/>
+                <a:latin typeface="Arial Unicode MS" pitchFamily="34" charset="-128"/>
+                <a:cs typeface="Arial" pitchFamily="34" charset="0"/>
+              </a:rPr>
+              <a:t> </a:t>
+            </a:r>
+            <a:r>
+              <a:rPr kumimoji="0" lang="ru-RU" sz="1200" b="0" i="0" u="none" strike="noStrike" cap="none" normalizeH="0" baseline="0" dirty="0" smtClean="0">
+                <a:ln>
+                  <a:noFill/>
+                </a:ln>
+                <a:solidFill>
+                  <a:srgbClr val="696969"/>
+                </a:solidFill>
+                <a:effectLst/>
+                <a:latin typeface="Arial Unicode MS" pitchFamily="34" charset="-128"/>
+                <a:cs typeface="Arial" pitchFamily="34" charset="0"/>
+              </a:rPr>
+              <a:t>// подставляем фактические передаваемые</a:t>
+            </a:r>
+          </a:p>
+          <a:p>
+            <a:pPr marL="0" marR="0" lvl="0" indent="0" algn="l" defTabSz="914400" rtl="0" eaLnBrk="1" fontAlgn="base" latinLnBrk="0" hangingPunct="1">
+              <a:lnSpc>
+                <a:spcPct val="100000"/>
+              </a:lnSpc>
+              <a:spcBef>
+                <a:spcPct val="0"/>
+              </a:spcBef>
+              <a:spcAft>
+                <a:spcPct val="0"/>
+              </a:spcAft>
+              <a:buClrTx/>
+              <a:buSzTx/>
+              <a:buFontTx/>
+              <a:buNone/>
+              <a:tabLst/>
+            </a:pPr>
+            <a:r>
+              <a:rPr lang="ru-RU" sz="1200" dirty="0" smtClean="0">
+                <a:solidFill>
+                  <a:srgbClr val="696969"/>
+                </a:solidFill>
+                <a:latin typeface="Arial Unicode MS" pitchFamily="34" charset="-128"/>
+                <a:cs typeface="Arial" pitchFamily="34" charset="0"/>
+              </a:rPr>
+              <a:t> </a:t>
+            </a:r>
+            <a:r>
+              <a:rPr lang="ru-RU" sz="1200" dirty="0" smtClean="0">
+                <a:solidFill>
+                  <a:srgbClr val="696969"/>
+                </a:solidFill>
+                <a:latin typeface="Arial Unicode MS" pitchFamily="34" charset="-128"/>
+                <a:cs typeface="Arial" pitchFamily="34" charset="0"/>
+              </a:rPr>
+              <a:t>      </a:t>
+            </a:r>
+            <a:r>
+              <a:rPr kumimoji="0" lang="ru-RU" sz="1200" b="0" i="0" u="none" strike="noStrike" cap="none" normalizeH="0" baseline="0" dirty="0" smtClean="0">
+                <a:ln>
+                  <a:noFill/>
+                </a:ln>
+                <a:solidFill>
+                  <a:srgbClr val="000000"/>
+                </a:solidFill>
+                <a:effectLst/>
+                <a:latin typeface="Arial Unicode MS" pitchFamily="34" charset="-128"/>
+                <a:cs typeface="Arial" pitchFamily="34" charset="0"/>
+              </a:rPr>
+              <a:t> </a:t>
+            </a:r>
+            <a:r>
+              <a:rPr kumimoji="0" lang="ru-RU" sz="1200" b="0" i="0" u="none" strike="noStrike" cap="none" normalizeH="0" baseline="0" dirty="0" smtClean="0">
+                <a:ln>
+                  <a:noFill/>
+                </a:ln>
+                <a:solidFill>
+                  <a:srgbClr val="696969"/>
+                </a:solidFill>
+                <a:effectLst/>
+                <a:latin typeface="Arial Unicode MS" pitchFamily="34" charset="-128"/>
+                <a:cs typeface="Arial" pitchFamily="34" charset="0"/>
+              </a:rPr>
+              <a:t>// значения в таблицу для функции </a:t>
+            </a:r>
+            <a:r>
+              <a:rPr kumimoji="0" lang="ru-RU" sz="1200" b="0" i="0" u="none" strike="noStrike" cap="none" normalizeH="0" baseline="0" dirty="0" err="1" smtClean="0">
+                <a:ln>
+                  <a:noFill/>
+                </a:ln>
+                <a:solidFill>
+                  <a:srgbClr val="696969"/>
+                </a:solidFill>
+                <a:effectLst/>
+                <a:latin typeface="Arial Unicode MS" pitchFamily="34" charset="-128"/>
+                <a:cs typeface="Arial" pitchFamily="34" charset="0"/>
+              </a:rPr>
+              <a:t>incr</a:t>
+            </a:r>
+            <a:r>
+              <a:rPr kumimoji="0" lang="ru-RU" sz="1200" b="0" i="0" u="none" strike="noStrike" cap="none" normalizeH="0" baseline="0" dirty="0" smtClean="0">
+                <a:ln>
+                  <a:noFill/>
+                </a:ln>
+                <a:solidFill>
+                  <a:srgbClr val="696969"/>
+                </a:solidFill>
+                <a:effectLst/>
+                <a:latin typeface="Arial Unicode MS" pitchFamily="34" charset="-128"/>
+                <a:cs typeface="Arial" pitchFamily="34" charset="0"/>
+              </a:rPr>
+              <a:t>:</a:t>
+            </a:r>
+          </a:p>
+          <a:p>
+            <a:pPr marL="0" marR="0" lvl="0" indent="0" algn="l" defTabSz="914400" rtl="0" eaLnBrk="1" fontAlgn="base" latinLnBrk="0" hangingPunct="1">
+              <a:lnSpc>
+                <a:spcPct val="100000"/>
+              </a:lnSpc>
+              <a:spcBef>
+                <a:spcPct val="0"/>
+              </a:spcBef>
+              <a:spcAft>
+                <a:spcPct val="0"/>
+              </a:spcAft>
+              <a:buClrTx/>
+              <a:buSzTx/>
+              <a:buFontTx/>
+              <a:buNone/>
+              <a:tabLst/>
+            </a:pPr>
+            <a:r>
+              <a:rPr lang="ru-RU" sz="1200" dirty="0" smtClean="0">
+                <a:solidFill>
+                  <a:srgbClr val="696969"/>
+                </a:solidFill>
+                <a:latin typeface="Arial Unicode MS" pitchFamily="34" charset="-128"/>
+                <a:cs typeface="Arial" pitchFamily="34" charset="0"/>
+              </a:rPr>
+              <a:t> </a:t>
+            </a:r>
+            <a:r>
+              <a:rPr lang="ru-RU" sz="1200" dirty="0" smtClean="0">
+                <a:solidFill>
+                  <a:srgbClr val="696969"/>
+                </a:solidFill>
+                <a:latin typeface="Arial Unicode MS" pitchFamily="34" charset="-128"/>
+                <a:cs typeface="Arial" pitchFamily="34" charset="0"/>
+              </a:rPr>
+              <a:t>      </a:t>
+            </a:r>
+            <a:r>
+              <a:rPr kumimoji="0" lang="ru-RU" sz="1200" b="0" i="0" u="none" strike="noStrike" cap="none" normalizeH="0" baseline="0" dirty="0" smtClean="0">
+                <a:ln>
+                  <a:noFill/>
+                </a:ln>
+                <a:solidFill>
+                  <a:srgbClr val="000000"/>
+                </a:solidFill>
+                <a:effectLst/>
+                <a:latin typeface="Arial Unicode MS" pitchFamily="34" charset="-128"/>
+                <a:cs typeface="Arial" pitchFamily="34" charset="0"/>
+              </a:rPr>
+              <a:t> </a:t>
+            </a:r>
+            <a:r>
+              <a:rPr kumimoji="0" lang="ru-RU" sz="1200" b="0" i="0" u="none" strike="noStrike" cap="none" normalizeH="0" baseline="0" dirty="0" smtClean="0">
+                <a:ln>
+                  <a:noFill/>
+                </a:ln>
+                <a:solidFill>
+                  <a:srgbClr val="696969"/>
+                </a:solidFill>
+                <a:effectLst/>
+                <a:latin typeface="Arial Unicode MS" pitchFamily="34" charset="-128"/>
+                <a:cs typeface="Arial" pitchFamily="34" charset="0"/>
+              </a:rPr>
+              <a:t>// (</a:t>
+            </a:r>
+            <a:r>
+              <a:rPr kumimoji="0" lang="ru-RU" sz="1200" b="0" i="0" u="none" strike="noStrike" cap="none" normalizeH="0" baseline="0" dirty="0" err="1" smtClean="0">
+                <a:ln>
+                  <a:noFill/>
+                </a:ln>
+                <a:solidFill>
+                  <a:srgbClr val="696969"/>
+                </a:solidFill>
+                <a:effectLst/>
+                <a:latin typeface="Arial Unicode MS" pitchFamily="34" charset="-128"/>
+                <a:cs typeface="Arial" pitchFamily="34" charset="0"/>
+              </a:rPr>
+              <a:t>y</a:t>
+            </a:r>
+            <a:r>
+              <a:rPr kumimoji="0" lang="ru-RU" sz="1200" b="0" i="0" u="none" strike="noStrike" cap="none" normalizeH="0" baseline="0" dirty="0" smtClean="0">
+                <a:ln>
+                  <a:noFill/>
+                </a:ln>
+                <a:solidFill>
+                  <a:srgbClr val="696969"/>
+                </a:solidFill>
+                <a:effectLst/>
+                <a:latin typeface="Arial Unicode MS" pitchFamily="34" charset="-128"/>
+                <a:cs typeface="Arial" pitchFamily="34" charset="0"/>
+              </a:rPr>
+              <a:t>, ({m2}, {}), чтение)</a:t>
+            </a:r>
+          </a:p>
+          <a:p>
+            <a:pPr marL="0" marR="0" lvl="0" indent="0" algn="l" defTabSz="914400" rtl="0" eaLnBrk="1" fontAlgn="base" latinLnBrk="0" hangingPunct="1">
+              <a:lnSpc>
+                <a:spcPct val="100000"/>
+              </a:lnSpc>
+              <a:spcBef>
+                <a:spcPct val="0"/>
+              </a:spcBef>
+              <a:spcAft>
+                <a:spcPct val="0"/>
+              </a:spcAft>
+              <a:buClrTx/>
+              <a:buSzTx/>
+              <a:buFontTx/>
+              <a:buNone/>
+              <a:tabLst/>
+            </a:pPr>
+            <a:r>
+              <a:rPr lang="ru-RU" sz="1200" dirty="0" smtClean="0">
+                <a:solidFill>
+                  <a:srgbClr val="696969"/>
+                </a:solidFill>
+                <a:latin typeface="Arial Unicode MS" pitchFamily="34" charset="-128"/>
+                <a:cs typeface="Arial" pitchFamily="34" charset="0"/>
+              </a:rPr>
+              <a:t> </a:t>
+            </a:r>
+            <a:r>
+              <a:rPr lang="ru-RU" sz="1200" dirty="0" smtClean="0">
+                <a:solidFill>
+                  <a:srgbClr val="696969"/>
+                </a:solidFill>
+                <a:latin typeface="Arial Unicode MS" pitchFamily="34" charset="-128"/>
+                <a:cs typeface="Arial" pitchFamily="34" charset="0"/>
+              </a:rPr>
+              <a:t>      </a:t>
+            </a:r>
+            <a:r>
+              <a:rPr kumimoji="0" lang="ru-RU" sz="1200" b="0" i="0" u="none" strike="noStrike" cap="none" normalizeH="0" baseline="0" dirty="0" smtClean="0">
+                <a:ln>
+                  <a:noFill/>
+                </a:ln>
+                <a:solidFill>
+                  <a:srgbClr val="000000"/>
+                </a:solidFill>
+                <a:effectLst/>
+                <a:latin typeface="Arial Unicode MS" pitchFamily="34" charset="-128"/>
+                <a:cs typeface="Arial" pitchFamily="34" charset="0"/>
+              </a:rPr>
+              <a:t> </a:t>
+            </a:r>
+            <a:r>
+              <a:rPr kumimoji="0" lang="ru-RU" sz="1200" b="0" i="0" u="none" strike="noStrike" cap="none" normalizeH="0" baseline="0" dirty="0" smtClean="0">
+                <a:ln>
+                  <a:noFill/>
+                </a:ln>
+                <a:solidFill>
+                  <a:srgbClr val="696969"/>
+                </a:solidFill>
+                <a:effectLst/>
+                <a:latin typeface="Arial Unicode MS" pitchFamily="34" charset="-128"/>
+                <a:cs typeface="Arial" pitchFamily="34" charset="0"/>
+              </a:rPr>
+              <a:t>// (</a:t>
+            </a:r>
+            <a:r>
+              <a:rPr kumimoji="0" lang="ru-RU" sz="1200" b="0" i="0" u="none" strike="noStrike" cap="none" normalizeH="0" baseline="0" dirty="0" err="1" smtClean="0">
+                <a:ln>
+                  <a:noFill/>
+                </a:ln>
+                <a:solidFill>
+                  <a:srgbClr val="696969"/>
+                </a:solidFill>
+                <a:effectLst/>
+                <a:latin typeface="Arial Unicode MS" pitchFamily="34" charset="-128"/>
+                <a:cs typeface="Arial" pitchFamily="34" charset="0"/>
+              </a:rPr>
+              <a:t>y</a:t>
+            </a:r>
+            <a:r>
+              <a:rPr kumimoji="0" lang="ru-RU" sz="1200" b="0" i="0" u="none" strike="noStrike" cap="none" normalizeH="0" baseline="0" dirty="0" smtClean="0">
+                <a:ln>
+                  <a:noFill/>
+                </a:ln>
+                <a:solidFill>
+                  <a:srgbClr val="696969"/>
+                </a:solidFill>
+                <a:effectLst/>
+                <a:latin typeface="Arial Unicode MS" pitchFamily="34" charset="-128"/>
+                <a:cs typeface="Arial" pitchFamily="34" charset="0"/>
+              </a:rPr>
+              <a:t>, ({m2}, {}), запись)</a:t>
+            </a:r>
+          </a:p>
+          <a:p>
+            <a:pPr marL="0" marR="0" lvl="0" indent="0" algn="l" defTabSz="914400" rtl="0" eaLnBrk="1" fontAlgn="base" latinLnBrk="0" hangingPunct="1">
+              <a:lnSpc>
+                <a:spcPct val="100000"/>
+              </a:lnSpc>
+              <a:spcBef>
+                <a:spcPct val="0"/>
+              </a:spcBef>
+              <a:spcAft>
+                <a:spcPct val="0"/>
+              </a:spcAft>
+              <a:buClrTx/>
+              <a:buSzTx/>
+              <a:buFontTx/>
+              <a:buNone/>
+              <a:tabLst/>
+            </a:pPr>
+            <a:r>
+              <a:rPr kumimoji="0" lang="ru-RU" sz="1200" b="0" i="0" u="none" strike="noStrike" cap="none" normalizeH="0" baseline="0" dirty="0" smtClean="0">
+                <a:ln>
+                  <a:noFill/>
+                </a:ln>
+                <a:solidFill>
+                  <a:srgbClr val="800080"/>
+                </a:solidFill>
+                <a:effectLst/>
+                <a:latin typeface="Arial Unicode MS" pitchFamily="34" charset="-128"/>
+                <a:cs typeface="Arial" pitchFamily="34" charset="0"/>
+              </a:rPr>
+              <a:t>}</a:t>
+            </a:r>
+            <a:r>
+              <a:rPr kumimoji="0" lang="ru-RU" sz="1200" b="0" i="0" u="none" strike="noStrike" cap="none" normalizeH="0" baseline="0" dirty="0" smtClean="0">
+                <a:ln>
+                  <a:noFill/>
+                </a:ln>
+                <a:solidFill>
+                  <a:schemeClr val="tx1"/>
+                </a:solidFill>
+                <a:effectLst/>
+                <a:latin typeface="Arial" pitchFamily="34" charset="0"/>
+                <a:cs typeface="Arial" pitchFamily="34" charset="0"/>
+              </a:rPr>
+              <a:t> </a:t>
+            </a:r>
+          </a:p>
+        </p:txBody>
+      </p:sp>
+      <p:sp>
+        <p:nvSpPr>
+          <p:cNvPr id="31748" name="Rectangle 4"/>
+          <p:cNvSpPr>
+            <a:spLocks noChangeArrowheads="1"/>
+          </p:cNvSpPr>
+          <p:nvPr/>
+        </p:nvSpPr>
+        <p:spPr bwMode="auto">
+          <a:xfrm>
+            <a:off x="4823520" y="3861048"/>
+            <a:ext cx="4068960" cy="2677656"/>
+          </a:xfrm>
+          <a:prstGeom prst="rect">
+            <a:avLst/>
+          </a:prstGeom>
+          <a:noFill/>
+          <a:ln w="9525">
+            <a:noFill/>
+            <a:miter lim="800000"/>
+            <a:headEnd/>
+            <a:tailEnd/>
+          </a:ln>
+          <a:effectLst/>
+        </p:spPr>
+        <p:txBody>
+          <a:bodyPr vert="horz" wrap="square" lIns="91440" tIns="45720" rIns="91440" bIns="45720" numCol="1" anchor="ctr" anchorCtr="0" compatLnSpc="1">
+            <a:prstTxWarp prst="textNoShape">
+              <a:avLst/>
+            </a:prstTxWarp>
+            <a:spAutoFit/>
+          </a:bodyPr>
+          <a:lstStyle/>
+          <a:p>
+            <a:pPr marL="0" marR="0" lvl="0" indent="0" algn="l" defTabSz="914400" rtl="0" eaLnBrk="1" fontAlgn="base" latinLnBrk="0" hangingPunct="1">
+              <a:lnSpc>
+                <a:spcPct val="100000"/>
+              </a:lnSpc>
+              <a:spcBef>
+                <a:spcPct val="0"/>
+              </a:spcBef>
+              <a:spcAft>
+                <a:spcPct val="0"/>
+              </a:spcAft>
+              <a:buClrTx/>
+              <a:buSzTx/>
+              <a:buFontTx/>
+              <a:buNone/>
+              <a:tabLst/>
+            </a:pPr>
+            <a:r>
+              <a:rPr kumimoji="0" lang="ru-RU" sz="1200" b="0" i="0" u="none" strike="noStrike" cap="none" normalizeH="0" baseline="0" dirty="0" err="1" smtClean="0">
+                <a:ln>
+                  <a:noFill/>
+                </a:ln>
+                <a:solidFill>
+                  <a:srgbClr val="000000"/>
+                </a:solidFill>
+                <a:effectLst/>
+                <a:latin typeface="Arial Unicode MS" pitchFamily="34" charset="-128"/>
+                <a:cs typeface="Arial" pitchFamily="34" charset="0"/>
+              </a:rPr>
+              <a:t>void</a:t>
+            </a:r>
+            <a:r>
+              <a:rPr kumimoji="0" lang="ru-RU" sz="1200" b="0" i="0" u="none" strike="noStrike" cap="none" normalizeH="0" baseline="0" dirty="0" smtClean="0">
+                <a:ln>
+                  <a:noFill/>
+                </a:ln>
+                <a:solidFill>
+                  <a:srgbClr val="000000"/>
+                </a:solidFill>
+                <a:effectLst/>
+                <a:latin typeface="Arial Unicode MS" pitchFamily="34" charset="-128"/>
+                <a:cs typeface="Arial" pitchFamily="34" charset="0"/>
+              </a:rPr>
+              <a:t>* thread2() </a:t>
+            </a:r>
+            <a:r>
+              <a:rPr kumimoji="0" lang="ru-RU" sz="1200" b="0" i="0" u="none" strike="noStrike" cap="none" normalizeH="0" baseline="0" dirty="0" smtClean="0">
+                <a:ln>
+                  <a:noFill/>
+                </a:ln>
+                <a:solidFill>
+                  <a:srgbClr val="800080"/>
+                </a:solidFill>
+                <a:effectLst/>
+                <a:latin typeface="Arial Unicode MS" pitchFamily="34" charset="-128"/>
+                <a:cs typeface="Arial" pitchFamily="34" charset="0"/>
+              </a:rPr>
+              <a:t>{</a:t>
+            </a:r>
+            <a:r>
+              <a:rPr kumimoji="0" lang="ru-RU" sz="1200" b="0" i="0" u="none" strike="noStrike" cap="none" normalizeH="0" baseline="0" dirty="0" smtClean="0">
+                <a:ln>
+                  <a:noFill/>
+                </a:ln>
+                <a:solidFill>
+                  <a:srgbClr val="000000"/>
+                </a:solidFill>
+                <a:effectLst/>
+                <a:latin typeface="Arial Unicode MS" pitchFamily="34" charset="-128"/>
+                <a:cs typeface="Arial" pitchFamily="34" charset="0"/>
+              </a:rPr>
+              <a:t> </a:t>
+            </a:r>
+          </a:p>
+          <a:p>
+            <a:pPr marL="0" marR="0" lvl="0" indent="0" algn="l" defTabSz="914400" rtl="0" eaLnBrk="1" fontAlgn="base" latinLnBrk="0" hangingPunct="1">
+              <a:lnSpc>
+                <a:spcPct val="100000"/>
+              </a:lnSpc>
+              <a:spcBef>
+                <a:spcPct val="0"/>
+              </a:spcBef>
+              <a:spcAft>
+                <a:spcPct val="0"/>
+              </a:spcAft>
+              <a:buClrTx/>
+              <a:buSzTx/>
+              <a:buFontTx/>
+              <a:buNone/>
+              <a:tabLst/>
+            </a:pPr>
+            <a:r>
+              <a:rPr lang="ru-RU" sz="1200" dirty="0" smtClean="0">
+                <a:solidFill>
+                  <a:srgbClr val="000000"/>
+                </a:solidFill>
+                <a:latin typeface="Arial Unicode MS" pitchFamily="34" charset="-128"/>
+                <a:cs typeface="Arial" pitchFamily="34" charset="0"/>
+              </a:rPr>
+              <a:t> </a:t>
+            </a:r>
+            <a:r>
+              <a:rPr lang="ru-RU" sz="1200" dirty="0" smtClean="0">
+                <a:solidFill>
+                  <a:srgbClr val="000000"/>
+                </a:solidFill>
+                <a:latin typeface="Arial Unicode MS" pitchFamily="34" charset="-128"/>
+                <a:cs typeface="Arial" pitchFamily="34" charset="0"/>
+              </a:rPr>
+              <a:t>      </a:t>
+            </a:r>
+            <a:r>
+              <a:rPr kumimoji="0" lang="ru-RU" sz="1200" b="0" i="0" u="none" strike="noStrike" cap="none" normalizeH="0" baseline="0" dirty="0" smtClean="0">
+                <a:ln>
+                  <a:noFill/>
+                </a:ln>
+                <a:solidFill>
+                  <a:srgbClr val="696969"/>
+                </a:solidFill>
+                <a:effectLst/>
+                <a:latin typeface="Arial Unicode MS" pitchFamily="34" charset="-128"/>
+                <a:cs typeface="Arial" pitchFamily="34" charset="0"/>
+              </a:rPr>
+              <a:t>// в начале функции таблица пустая</a:t>
+            </a:r>
+            <a:r>
+              <a:rPr kumimoji="0" lang="ru-RU" sz="1200" b="0" i="0" u="none" strike="noStrike" cap="none" normalizeH="0" baseline="0" dirty="0" smtClean="0">
+                <a:ln>
+                  <a:noFill/>
+                </a:ln>
+                <a:solidFill>
+                  <a:srgbClr val="000000"/>
+                </a:solidFill>
+                <a:effectLst/>
+                <a:latin typeface="Arial Unicode MS" pitchFamily="34" charset="-128"/>
+                <a:cs typeface="Arial" pitchFamily="34" charset="0"/>
+              </a:rPr>
+              <a:t> </a:t>
+            </a:r>
+          </a:p>
+          <a:p>
+            <a:pPr marL="0" marR="0" lvl="0" indent="0" algn="l" defTabSz="914400" rtl="0" eaLnBrk="1" fontAlgn="base" latinLnBrk="0" hangingPunct="1">
+              <a:lnSpc>
+                <a:spcPct val="100000"/>
+              </a:lnSpc>
+              <a:spcBef>
+                <a:spcPct val="0"/>
+              </a:spcBef>
+              <a:spcAft>
+                <a:spcPct val="0"/>
+              </a:spcAft>
+              <a:buClrTx/>
+              <a:buSzTx/>
+              <a:buFontTx/>
+              <a:buNone/>
+              <a:tabLst/>
+            </a:pPr>
+            <a:r>
+              <a:rPr kumimoji="0" lang="ru-RU" sz="1200" b="0" i="0" u="none" strike="noStrike" cap="none" normalizeH="0" baseline="0" dirty="0" smtClean="0">
+                <a:ln>
+                  <a:noFill/>
+                </a:ln>
+                <a:solidFill>
+                  <a:srgbClr val="000000"/>
+                </a:solidFill>
+                <a:effectLst/>
+                <a:latin typeface="Arial Unicode MS" pitchFamily="34" charset="-128"/>
+                <a:cs typeface="Arial" pitchFamily="34" charset="0"/>
+              </a:rPr>
+              <a:t>       </a:t>
+            </a:r>
+            <a:r>
+              <a:rPr kumimoji="0" lang="ru-RU" sz="1200" b="0" i="0" u="none" strike="noStrike" cap="none" normalizeH="0" baseline="0" dirty="0" err="1" smtClean="0">
+                <a:ln>
+                  <a:noFill/>
+                </a:ln>
+                <a:solidFill>
+                  <a:srgbClr val="000000"/>
+                </a:solidFill>
+                <a:effectLst/>
+                <a:latin typeface="Arial Unicode MS" pitchFamily="34" charset="-128"/>
+                <a:cs typeface="Arial" pitchFamily="34" charset="0"/>
+              </a:rPr>
+              <a:t>incr</a:t>
+            </a:r>
+            <a:r>
+              <a:rPr kumimoji="0" lang="ru-RU" sz="1200" b="0" i="0" u="none" strike="noStrike" cap="none" normalizeH="0" baseline="0" dirty="0" smtClean="0">
+                <a:ln>
+                  <a:noFill/>
+                </a:ln>
+                <a:solidFill>
+                  <a:srgbClr val="808030"/>
+                </a:solidFill>
+                <a:effectLst/>
+                <a:latin typeface="Arial Unicode MS" pitchFamily="34" charset="-128"/>
+                <a:cs typeface="Arial" pitchFamily="34" charset="0"/>
+              </a:rPr>
+              <a:t>(&amp;</a:t>
+            </a:r>
+            <a:r>
+              <a:rPr kumimoji="0" lang="ru-RU" sz="1200" b="0" i="0" u="none" strike="noStrike" cap="none" normalizeH="0" baseline="0" dirty="0" err="1" smtClean="0">
+                <a:ln>
+                  <a:noFill/>
+                </a:ln>
+                <a:solidFill>
+                  <a:srgbClr val="000000"/>
+                </a:solidFill>
+                <a:effectLst/>
+                <a:latin typeface="Arial Unicode MS" pitchFamily="34" charset="-128"/>
+                <a:cs typeface="Arial" pitchFamily="34" charset="0"/>
+              </a:rPr>
+              <a:t>x</a:t>
+            </a:r>
+            <a:r>
+              <a:rPr kumimoji="0" lang="ru-RU" sz="1200" b="0" i="0" u="none" strike="noStrike" cap="none" normalizeH="0" baseline="0" dirty="0" smtClean="0">
+                <a:ln>
+                  <a:noFill/>
+                </a:ln>
+                <a:solidFill>
+                  <a:srgbClr val="808030"/>
+                </a:solidFill>
+                <a:effectLst/>
+                <a:latin typeface="Arial Unicode MS" pitchFamily="34" charset="-128"/>
+                <a:cs typeface="Arial" pitchFamily="34" charset="0"/>
+              </a:rPr>
+              <a:t>,</a:t>
+            </a:r>
+            <a:r>
+              <a:rPr kumimoji="0" lang="ru-RU" sz="1200" b="0" i="0" u="none" strike="noStrike" cap="none" normalizeH="0" baseline="0" dirty="0" smtClean="0">
+                <a:ln>
+                  <a:noFill/>
+                </a:ln>
+                <a:solidFill>
+                  <a:srgbClr val="000000"/>
+                </a:solidFill>
+                <a:effectLst/>
+                <a:latin typeface="Arial Unicode MS" pitchFamily="34" charset="-128"/>
+                <a:cs typeface="Arial" pitchFamily="34" charset="0"/>
+              </a:rPr>
+              <a:t> </a:t>
+            </a:r>
+            <a:r>
+              <a:rPr kumimoji="0" lang="ru-RU" sz="1200" b="0" i="0" u="none" strike="noStrike" cap="none" normalizeH="0" baseline="0" dirty="0" smtClean="0">
+                <a:ln>
+                  <a:noFill/>
+                </a:ln>
+                <a:solidFill>
+                  <a:srgbClr val="808030"/>
+                </a:solidFill>
+                <a:effectLst/>
+                <a:latin typeface="Arial Unicode MS" pitchFamily="34" charset="-128"/>
+                <a:cs typeface="Arial" pitchFamily="34" charset="0"/>
+              </a:rPr>
+              <a:t>&amp;</a:t>
+            </a:r>
+            <a:r>
+              <a:rPr kumimoji="0" lang="ru-RU" sz="1200" b="0" i="0" u="none" strike="noStrike" cap="none" normalizeH="0" baseline="0" dirty="0" smtClean="0">
+                <a:ln>
+                  <a:noFill/>
+                </a:ln>
+                <a:solidFill>
+                  <a:srgbClr val="000000"/>
+                </a:solidFill>
+                <a:effectLst/>
+                <a:latin typeface="Arial Unicode MS" pitchFamily="34" charset="-128"/>
+                <a:cs typeface="Arial" pitchFamily="34" charset="0"/>
+              </a:rPr>
+              <a:t>m1</a:t>
+            </a:r>
+            <a:r>
+              <a:rPr kumimoji="0" lang="ru-RU" sz="1200" b="0" i="0" u="none" strike="noStrike" cap="none" normalizeH="0" baseline="0" dirty="0" smtClean="0">
+                <a:ln>
+                  <a:noFill/>
+                </a:ln>
+                <a:solidFill>
+                  <a:srgbClr val="808030"/>
+                </a:solidFill>
+                <a:effectLst/>
+                <a:latin typeface="Arial Unicode MS" pitchFamily="34" charset="-128"/>
+                <a:cs typeface="Arial" pitchFamily="34" charset="0"/>
+              </a:rPr>
+              <a:t>)</a:t>
+            </a:r>
+            <a:r>
+              <a:rPr kumimoji="0" lang="ru-RU" sz="1200" b="0" i="0" u="none" strike="noStrike" cap="none" normalizeH="0" baseline="0" dirty="0" smtClean="0">
+                <a:ln>
+                  <a:noFill/>
+                </a:ln>
+                <a:solidFill>
+                  <a:srgbClr val="800080"/>
+                </a:solidFill>
+                <a:effectLst/>
+                <a:latin typeface="Arial Unicode MS" pitchFamily="34" charset="-128"/>
+                <a:cs typeface="Arial" pitchFamily="34" charset="0"/>
+              </a:rPr>
+              <a:t>;</a:t>
+            </a:r>
+          </a:p>
+          <a:p>
+            <a:pPr marL="0" marR="0" lvl="0" indent="0" algn="l" defTabSz="914400" rtl="0" eaLnBrk="1" fontAlgn="base" latinLnBrk="0" hangingPunct="1">
+              <a:lnSpc>
+                <a:spcPct val="100000"/>
+              </a:lnSpc>
+              <a:spcBef>
+                <a:spcPct val="0"/>
+              </a:spcBef>
+              <a:spcAft>
+                <a:spcPct val="0"/>
+              </a:spcAft>
+              <a:buClrTx/>
+              <a:buSzTx/>
+              <a:buFontTx/>
+              <a:buNone/>
+              <a:tabLst/>
+            </a:pPr>
+            <a:r>
+              <a:rPr lang="ru-RU" sz="1200" dirty="0" smtClean="0">
+                <a:solidFill>
+                  <a:srgbClr val="800080"/>
+                </a:solidFill>
+                <a:latin typeface="Arial Unicode MS" pitchFamily="34" charset="-128"/>
+                <a:cs typeface="Arial" pitchFamily="34" charset="0"/>
+              </a:rPr>
+              <a:t> </a:t>
+            </a:r>
+            <a:r>
+              <a:rPr lang="ru-RU" sz="1200" dirty="0" smtClean="0">
+                <a:solidFill>
+                  <a:srgbClr val="800080"/>
+                </a:solidFill>
+                <a:latin typeface="Arial Unicode MS" pitchFamily="34" charset="-128"/>
+                <a:cs typeface="Arial" pitchFamily="34" charset="0"/>
+              </a:rPr>
+              <a:t>      </a:t>
+            </a:r>
+            <a:r>
+              <a:rPr kumimoji="0" lang="ru-RU" sz="1200" b="0" i="0" u="none" strike="noStrike" cap="none" normalizeH="0" baseline="0" dirty="0" smtClean="0">
+                <a:ln>
+                  <a:noFill/>
+                </a:ln>
+                <a:solidFill>
+                  <a:srgbClr val="000000"/>
+                </a:solidFill>
+                <a:effectLst/>
+                <a:latin typeface="Arial Unicode MS" pitchFamily="34" charset="-128"/>
+                <a:cs typeface="Arial" pitchFamily="34" charset="0"/>
+              </a:rPr>
+              <a:t> </a:t>
+            </a:r>
+            <a:r>
+              <a:rPr kumimoji="0" lang="ru-RU" sz="1200" b="0" i="0" u="none" strike="noStrike" cap="none" normalizeH="0" baseline="0" dirty="0" smtClean="0">
+                <a:ln>
+                  <a:noFill/>
+                </a:ln>
+                <a:solidFill>
+                  <a:srgbClr val="696969"/>
+                </a:solidFill>
+                <a:effectLst/>
+                <a:latin typeface="Arial Unicode MS" pitchFamily="34" charset="-128"/>
+                <a:cs typeface="Arial" pitchFamily="34" charset="0"/>
+              </a:rPr>
+              <a:t>// подставляем фактические передаваемые</a:t>
+            </a:r>
+          </a:p>
+          <a:p>
+            <a:pPr marL="0" marR="0" lvl="0" indent="0" algn="l" defTabSz="914400" rtl="0" eaLnBrk="1" fontAlgn="base" latinLnBrk="0" hangingPunct="1">
+              <a:lnSpc>
+                <a:spcPct val="100000"/>
+              </a:lnSpc>
+              <a:spcBef>
+                <a:spcPct val="0"/>
+              </a:spcBef>
+              <a:spcAft>
+                <a:spcPct val="0"/>
+              </a:spcAft>
+              <a:buClrTx/>
+              <a:buSzTx/>
+              <a:buFontTx/>
+              <a:buNone/>
+              <a:tabLst/>
+            </a:pPr>
+            <a:r>
+              <a:rPr lang="ru-RU" sz="1200" dirty="0" smtClean="0">
+                <a:solidFill>
+                  <a:srgbClr val="696969"/>
+                </a:solidFill>
+                <a:latin typeface="Arial Unicode MS" pitchFamily="34" charset="-128"/>
+                <a:cs typeface="Arial" pitchFamily="34" charset="0"/>
+              </a:rPr>
+              <a:t> </a:t>
+            </a:r>
+            <a:r>
+              <a:rPr lang="ru-RU" sz="1200" dirty="0" smtClean="0">
+                <a:solidFill>
+                  <a:srgbClr val="696969"/>
+                </a:solidFill>
+                <a:latin typeface="Arial Unicode MS" pitchFamily="34" charset="-128"/>
+                <a:cs typeface="Arial" pitchFamily="34" charset="0"/>
+              </a:rPr>
+              <a:t>      </a:t>
+            </a:r>
+            <a:r>
+              <a:rPr kumimoji="0" lang="ru-RU" sz="1200" b="0" i="0" u="none" strike="noStrike" cap="none" normalizeH="0" baseline="0" dirty="0" smtClean="0">
+                <a:ln>
+                  <a:noFill/>
+                </a:ln>
+                <a:solidFill>
+                  <a:srgbClr val="000000"/>
+                </a:solidFill>
+                <a:effectLst/>
+                <a:latin typeface="Arial Unicode MS" pitchFamily="34" charset="-128"/>
+                <a:cs typeface="Arial" pitchFamily="34" charset="0"/>
+              </a:rPr>
+              <a:t> </a:t>
+            </a:r>
+            <a:r>
+              <a:rPr kumimoji="0" lang="ru-RU" sz="1200" b="0" i="0" u="none" strike="noStrike" cap="none" normalizeH="0" baseline="0" dirty="0" smtClean="0">
+                <a:ln>
+                  <a:noFill/>
+                </a:ln>
+                <a:solidFill>
+                  <a:srgbClr val="696969"/>
+                </a:solidFill>
+                <a:effectLst/>
+                <a:latin typeface="Arial Unicode MS" pitchFamily="34" charset="-128"/>
+                <a:cs typeface="Arial" pitchFamily="34" charset="0"/>
+              </a:rPr>
+              <a:t>// значения в таблицу для функции </a:t>
+            </a:r>
+            <a:r>
+              <a:rPr kumimoji="0" lang="ru-RU" sz="1200" b="0" i="0" u="none" strike="noStrike" cap="none" normalizeH="0" baseline="0" dirty="0" err="1" smtClean="0">
+                <a:ln>
+                  <a:noFill/>
+                </a:ln>
+                <a:solidFill>
+                  <a:srgbClr val="696969"/>
+                </a:solidFill>
+                <a:effectLst/>
+                <a:latin typeface="Arial Unicode MS" pitchFamily="34" charset="-128"/>
+                <a:cs typeface="Arial" pitchFamily="34" charset="0"/>
+              </a:rPr>
+              <a:t>incr</a:t>
+            </a:r>
+            <a:r>
+              <a:rPr kumimoji="0" lang="ru-RU" sz="1200" b="0" i="0" u="none" strike="noStrike" cap="none" normalizeH="0" baseline="0" dirty="0" smtClean="0">
+                <a:ln>
+                  <a:noFill/>
+                </a:ln>
+                <a:solidFill>
+                  <a:srgbClr val="696969"/>
+                </a:solidFill>
+                <a:effectLst/>
+                <a:latin typeface="Arial Unicode MS" pitchFamily="34" charset="-128"/>
+                <a:cs typeface="Arial" pitchFamily="34" charset="0"/>
+              </a:rPr>
+              <a:t>:</a:t>
+            </a:r>
+            <a:r>
+              <a:rPr kumimoji="0" lang="ru-RU" sz="1200" b="0" i="0" u="none" strike="noStrike" cap="none" normalizeH="0" baseline="0" dirty="0" smtClean="0">
+                <a:ln>
+                  <a:noFill/>
+                </a:ln>
+                <a:solidFill>
+                  <a:srgbClr val="000000"/>
+                </a:solidFill>
+                <a:effectLst/>
+                <a:latin typeface="Arial Unicode MS" pitchFamily="34" charset="-128"/>
+                <a:cs typeface="Arial" pitchFamily="34" charset="0"/>
+              </a:rPr>
+              <a:t> </a:t>
+            </a:r>
+          </a:p>
+          <a:p>
+            <a:pPr marL="0" marR="0" lvl="0" indent="0" algn="l" defTabSz="914400" rtl="0" eaLnBrk="1" fontAlgn="base" latinLnBrk="0" hangingPunct="1">
+              <a:lnSpc>
+                <a:spcPct val="100000"/>
+              </a:lnSpc>
+              <a:spcBef>
+                <a:spcPct val="0"/>
+              </a:spcBef>
+              <a:spcAft>
+                <a:spcPct val="0"/>
+              </a:spcAft>
+              <a:buClrTx/>
+              <a:buSzTx/>
+              <a:buFontTx/>
+              <a:buNone/>
+              <a:tabLst/>
+            </a:pPr>
+            <a:r>
+              <a:rPr lang="ru-RU" sz="1200" dirty="0" smtClean="0">
+                <a:solidFill>
+                  <a:srgbClr val="000000"/>
+                </a:solidFill>
+                <a:latin typeface="Arial Unicode MS" pitchFamily="34" charset="-128"/>
+                <a:cs typeface="Arial" pitchFamily="34" charset="0"/>
+              </a:rPr>
+              <a:t> </a:t>
+            </a:r>
+            <a:r>
+              <a:rPr lang="ru-RU" sz="1200" dirty="0" smtClean="0">
+                <a:solidFill>
+                  <a:srgbClr val="000000"/>
+                </a:solidFill>
+                <a:latin typeface="Arial Unicode MS" pitchFamily="34" charset="-128"/>
+                <a:cs typeface="Arial" pitchFamily="34" charset="0"/>
+              </a:rPr>
+              <a:t>       </a:t>
+            </a:r>
+            <a:r>
+              <a:rPr kumimoji="0" lang="ru-RU" sz="1200" b="0" i="0" u="none" strike="noStrike" cap="none" normalizeH="0" baseline="0" dirty="0" smtClean="0">
+                <a:ln>
+                  <a:noFill/>
+                </a:ln>
+                <a:solidFill>
+                  <a:srgbClr val="696969"/>
+                </a:solidFill>
+                <a:effectLst/>
+                <a:latin typeface="Arial Unicode MS" pitchFamily="34" charset="-128"/>
+                <a:cs typeface="Arial" pitchFamily="34" charset="0"/>
+              </a:rPr>
+              <a:t>// (</a:t>
+            </a:r>
+            <a:r>
+              <a:rPr kumimoji="0" lang="ru-RU" sz="1200" b="0" i="0" u="none" strike="noStrike" cap="none" normalizeH="0" baseline="0" dirty="0" err="1" smtClean="0">
+                <a:ln>
+                  <a:noFill/>
+                </a:ln>
+                <a:solidFill>
+                  <a:srgbClr val="696969"/>
+                </a:solidFill>
+                <a:effectLst/>
+                <a:latin typeface="Arial Unicode MS" pitchFamily="34" charset="-128"/>
+                <a:cs typeface="Arial" pitchFamily="34" charset="0"/>
+              </a:rPr>
+              <a:t>x</a:t>
+            </a:r>
+            <a:r>
+              <a:rPr kumimoji="0" lang="ru-RU" sz="1200" b="0" i="0" u="none" strike="noStrike" cap="none" normalizeH="0" baseline="0" dirty="0" smtClean="0">
+                <a:ln>
+                  <a:noFill/>
+                </a:ln>
+                <a:solidFill>
+                  <a:srgbClr val="696969"/>
+                </a:solidFill>
+                <a:effectLst/>
+                <a:latin typeface="Arial Unicode MS" pitchFamily="34" charset="-128"/>
+                <a:cs typeface="Arial" pitchFamily="34" charset="0"/>
+              </a:rPr>
+              <a:t>, ({m1}, {}), чтение)</a:t>
+            </a:r>
+          </a:p>
+          <a:p>
+            <a:pPr marL="0" marR="0" lvl="0" indent="0" algn="l" defTabSz="914400" rtl="0" eaLnBrk="1" fontAlgn="base" latinLnBrk="0" hangingPunct="1">
+              <a:lnSpc>
+                <a:spcPct val="100000"/>
+              </a:lnSpc>
+              <a:spcBef>
+                <a:spcPct val="0"/>
+              </a:spcBef>
+              <a:spcAft>
+                <a:spcPct val="0"/>
+              </a:spcAft>
+              <a:buClrTx/>
+              <a:buSzTx/>
+              <a:buFontTx/>
+              <a:buNone/>
+              <a:tabLst/>
+            </a:pPr>
+            <a:r>
+              <a:rPr lang="ru-RU" sz="1200" dirty="0" smtClean="0">
+                <a:solidFill>
+                  <a:srgbClr val="696969"/>
+                </a:solidFill>
+                <a:latin typeface="Arial Unicode MS" pitchFamily="34" charset="-128"/>
+                <a:cs typeface="Arial" pitchFamily="34" charset="0"/>
+              </a:rPr>
+              <a:t> </a:t>
+            </a:r>
+            <a:r>
+              <a:rPr lang="ru-RU" sz="1200" dirty="0" smtClean="0">
+                <a:solidFill>
+                  <a:srgbClr val="696969"/>
+                </a:solidFill>
+                <a:latin typeface="Arial Unicode MS" pitchFamily="34" charset="-128"/>
+                <a:cs typeface="Arial" pitchFamily="34" charset="0"/>
+              </a:rPr>
+              <a:t>      </a:t>
+            </a:r>
+            <a:r>
+              <a:rPr kumimoji="0" lang="ru-RU" sz="1200" b="0" i="0" u="none" strike="noStrike" cap="none" normalizeH="0" baseline="0" dirty="0" smtClean="0">
+                <a:ln>
+                  <a:noFill/>
+                </a:ln>
+                <a:solidFill>
+                  <a:srgbClr val="000000"/>
+                </a:solidFill>
+                <a:effectLst/>
+                <a:latin typeface="Arial Unicode MS" pitchFamily="34" charset="-128"/>
+                <a:cs typeface="Arial" pitchFamily="34" charset="0"/>
+              </a:rPr>
+              <a:t> </a:t>
+            </a:r>
+            <a:r>
+              <a:rPr kumimoji="0" lang="ru-RU" sz="1200" b="0" i="0" u="none" strike="noStrike" cap="none" normalizeH="0" baseline="0" dirty="0" smtClean="0">
+                <a:ln>
+                  <a:noFill/>
+                </a:ln>
+                <a:solidFill>
+                  <a:srgbClr val="696969"/>
+                </a:solidFill>
+                <a:effectLst/>
+                <a:latin typeface="Arial Unicode MS" pitchFamily="34" charset="-128"/>
+                <a:cs typeface="Arial" pitchFamily="34" charset="0"/>
+              </a:rPr>
+              <a:t>// (</a:t>
+            </a:r>
+            <a:r>
+              <a:rPr kumimoji="0" lang="ru-RU" sz="1200" b="0" i="0" u="none" strike="noStrike" cap="none" normalizeH="0" baseline="0" dirty="0" err="1" smtClean="0">
+                <a:ln>
+                  <a:noFill/>
+                </a:ln>
+                <a:solidFill>
+                  <a:srgbClr val="696969"/>
+                </a:solidFill>
+                <a:effectLst/>
+                <a:latin typeface="Arial Unicode MS" pitchFamily="34" charset="-128"/>
+                <a:cs typeface="Arial" pitchFamily="34" charset="0"/>
+              </a:rPr>
+              <a:t>x</a:t>
+            </a:r>
+            <a:r>
+              <a:rPr kumimoji="0" lang="ru-RU" sz="1200" b="0" i="0" u="none" strike="noStrike" cap="none" normalizeH="0" baseline="0" dirty="0" smtClean="0">
+                <a:ln>
+                  <a:noFill/>
+                </a:ln>
+                <a:solidFill>
+                  <a:srgbClr val="696969"/>
+                </a:solidFill>
+                <a:effectLst/>
+                <a:latin typeface="Arial Unicode MS" pitchFamily="34" charset="-128"/>
+                <a:cs typeface="Arial" pitchFamily="34" charset="0"/>
+              </a:rPr>
+              <a:t>, ({m1}, {}), запись)</a:t>
+            </a:r>
+            <a:r>
+              <a:rPr kumimoji="0" lang="ru-RU" sz="1200" b="0" i="0" u="none" strike="noStrike" cap="none" normalizeH="0" baseline="0" dirty="0" smtClean="0">
+                <a:ln>
+                  <a:noFill/>
+                </a:ln>
+                <a:solidFill>
+                  <a:srgbClr val="000000"/>
+                </a:solidFill>
+                <a:effectLst/>
+                <a:latin typeface="Arial Unicode MS" pitchFamily="34" charset="-128"/>
+                <a:cs typeface="Arial" pitchFamily="34" charset="0"/>
+              </a:rPr>
+              <a:t> </a:t>
+            </a:r>
+          </a:p>
+          <a:p>
+            <a:pPr marL="0" marR="0" lvl="0" indent="0" algn="l" defTabSz="914400" rtl="0" eaLnBrk="1" fontAlgn="base" latinLnBrk="0" hangingPunct="1">
+              <a:lnSpc>
+                <a:spcPct val="100000"/>
+              </a:lnSpc>
+              <a:spcBef>
+                <a:spcPct val="0"/>
+              </a:spcBef>
+              <a:spcAft>
+                <a:spcPct val="0"/>
+              </a:spcAft>
+              <a:buClrTx/>
+              <a:buSzTx/>
+              <a:buFontTx/>
+              <a:buNone/>
+              <a:tabLst/>
+            </a:pPr>
+            <a:r>
+              <a:rPr lang="ru-RU" sz="1200" dirty="0" smtClean="0">
+                <a:solidFill>
+                  <a:srgbClr val="000000"/>
+                </a:solidFill>
+                <a:latin typeface="Arial Unicode MS" pitchFamily="34" charset="-128"/>
+                <a:cs typeface="Arial" pitchFamily="34" charset="0"/>
+              </a:rPr>
+              <a:t> </a:t>
+            </a:r>
+            <a:r>
+              <a:rPr lang="ru-RU" sz="1200" dirty="0" smtClean="0">
+                <a:solidFill>
+                  <a:srgbClr val="000000"/>
+                </a:solidFill>
+                <a:latin typeface="Arial Unicode MS" pitchFamily="34" charset="-128"/>
+                <a:cs typeface="Arial" pitchFamily="34" charset="0"/>
+              </a:rPr>
+              <a:t>       </a:t>
+            </a:r>
+            <a:r>
+              <a:rPr kumimoji="0" lang="ru-RU" sz="1200" b="0" i="0" u="none" strike="noStrike" cap="none" normalizeH="0" baseline="0" dirty="0" smtClean="0">
+                <a:ln>
+                  <a:noFill/>
+                </a:ln>
+                <a:solidFill>
+                  <a:srgbClr val="BB7977"/>
+                </a:solidFill>
+                <a:effectLst/>
+                <a:latin typeface="Arial Unicode MS" pitchFamily="34" charset="-128"/>
+                <a:cs typeface="Arial" pitchFamily="34" charset="0"/>
+              </a:rPr>
+              <a:t>int</a:t>
+            </a:r>
+            <a:r>
+              <a:rPr kumimoji="0" lang="ru-RU" sz="1200" b="0" i="0" u="none" strike="noStrike" cap="none" normalizeH="0" baseline="0" dirty="0" smtClean="0">
+                <a:ln>
+                  <a:noFill/>
+                </a:ln>
+                <a:solidFill>
+                  <a:srgbClr val="808030"/>
+                </a:solidFill>
+                <a:effectLst/>
+                <a:latin typeface="Arial Unicode MS" pitchFamily="34" charset="-128"/>
+                <a:cs typeface="Arial" pitchFamily="34" charset="0"/>
+              </a:rPr>
+              <a:t>*</a:t>
+            </a:r>
+            <a:r>
+              <a:rPr kumimoji="0" lang="ru-RU" sz="1200" b="0" i="0" u="none" strike="noStrike" cap="none" normalizeH="0" baseline="0" dirty="0" smtClean="0">
+                <a:ln>
+                  <a:noFill/>
+                </a:ln>
+                <a:solidFill>
+                  <a:srgbClr val="000000"/>
+                </a:solidFill>
+                <a:effectLst/>
+                <a:latin typeface="Arial Unicode MS" pitchFamily="34" charset="-128"/>
+                <a:cs typeface="Arial" pitchFamily="34" charset="0"/>
+              </a:rPr>
+              <a:t> </a:t>
+            </a:r>
+            <a:r>
+              <a:rPr kumimoji="0" lang="ru-RU" sz="1200" b="0" i="0" u="none" strike="noStrike" cap="none" normalizeH="0" baseline="0" dirty="0" err="1" smtClean="0">
+                <a:ln>
+                  <a:noFill/>
+                </a:ln>
+                <a:solidFill>
+                  <a:srgbClr val="000000"/>
+                </a:solidFill>
+                <a:effectLst/>
+                <a:latin typeface="Arial Unicode MS" pitchFamily="34" charset="-128"/>
+                <a:cs typeface="Arial" pitchFamily="34" charset="0"/>
+              </a:rPr>
+              <a:t>z</a:t>
+            </a:r>
+            <a:r>
+              <a:rPr kumimoji="0" lang="ru-RU" sz="1200" b="0" i="0" u="none" strike="noStrike" cap="none" normalizeH="0" baseline="0" dirty="0" smtClean="0">
+                <a:ln>
+                  <a:noFill/>
+                </a:ln>
+                <a:solidFill>
+                  <a:srgbClr val="000000"/>
+                </a:solidFill>
+                <a:effectLst/>
+                <a:latin typeface="Arial Unicode MS" pitchFamily="34" charset="-128"/>
+                <a:cs typeface="Arial" pitchFamily="34" charset="0"/>
+              </a:rPr>
+              <a:t> </a:t>
+            </a:r>
+            <a:r>
+              <a:rPr kumimoji="0" lang="ru-RU" sz="1200" b="0" i="0" u="none" strike="noStrike" cap="none" normalizeH="0" baseline="0" dirty="0" smtClean="0">
+                <a:ln>
+                  <a:noFill/>
+                </a:ln>
+                <a:solidFill>
+                  <a:srgbClr val="808030"/>
+                </a:solidFill>
+                <a:effectLst/>
+                <a:latin typeface="Arial Unicode MS" pitchFamily="34" charset="-128"/>
+                <a:cs typeface="Arial" pitchFamily="34" charset="0"/>
+              </a:rPr>
+              <a:t>=</a:t>
+            </a:r>
+            <a:r>
+              <a:rPr kumimoji="0" lang="ru-RU" sz="1200" b="0" i="0" u="none" strike="noStrike" cap="none" normalizeH="0" baseline="0" dirty="0" smtClean="0">
+                <a:ln>
+                  <a:noFill/>
+                </a:ln>
+                <a:solidFill>
+                  <a:srgbClr val="000000"/>
+                </a:solidFill>
+                <a:effectLst/>
+                <a:latin typeface="Arial Unicode MS" pitchFamily="34" charset="-128"/>
+                <a:cs typeface="Arial" pitchFamily="34" charset="0"/>
+              </a:rPr>
+              <a:t> </a:t>
+            </a:r>
+            <a:r>
+              <a:rPr kumimoji="0" lang="ru-RU" sz="1200" b="0" i="0" u="none" strike="noStrike" cap="none" normalizeH="0" baseline="0" dirty="0" smtClean="0">
+                <a:ln>
+                  <a:noFill/>
+                </a:ln>
+                <a:solidFill>
+                  <a:srgbClr val="808030"/>
+                </a:solidFill>
+                <a:effectLst/>
+                <a:latin typeface="Arial Unicode MS" pitchFamily="34" charset="-128"/>
+                <a:cs typeface="Arial" pitchFamily="34" charset="0"/>
+              </a:rPr>
+              <a:t>&amp;</a:t>
+            </a:r>
+            <a:r>
+              <a:rPr kumimoji="0" lang="ru-RU" sz="1200" b="0" i="0" u="none" strike="noStrike" cap="none" normalizeH="0" baseline="0" dirty="0" err="1" smtClean="0">
+                <a:ln>
+                  <a:noFill/>
+                </a:ln>
+                <a:solidFill>
+                  <a:srgbClr val="000000"/>
+                </a:solidFill>
+                <a:effectLst/>
+                <a:latin typeface="Arial Unicode MS" pitchFamily="34" charset="-128"/>
+                <a:cs typeface="Arial" pitchFamily="34" charset="0"/>
+              </a:rPr>
+              <a:t>y</a:t>
+            </a:r>
+            <a:r>
+              <a:rPr kumimoji="0" lang="ru-RU" sz="1200" b="0" i="0" u="none" strike="noStrike" cap="none" normalizeH="0" baseline="0" dirty="0" smtClean="0">
+                <a:ln>
+                  <a:noFill/>
+                </a:ln>
+                <a:solidFill>
+                  <a:srgbClr val="800080"/>
+                </a:solidFill>
+                <a:effectLst/>
+                <a:latin typeface="Arial Unicode MS" pitchFamily="34" charset="-128"/>
+                <a:cs typeface="Arial" pitchFamily="34" charset="0"/>
+              </a:rPr>
+              <a:t>;</a:t>
+            </a:r>
+            <a:r>
+              <a:rPr kumimoji="0" lang="ru-RU" sz="1200" b="0" i="0" u="none" strike="noStrike" cap="none" normalizeH="0" baseline="0" dirty="0" smtClean="0">
+                <a:ln>
+                  <a:noFill/>
+                </a:ln>
+                <a:solidFill>
+                  <a:srgbClr val="000000"/>
+                </a:solidFill>
+                <a:effectLst/>
+                <a:latin typeface="Arial Unicode MS" pitchFamily="34" charset="-128"/>
+                <a:cs typeface="Arial" pitchFamily="34" charset="0"/>
+              </a:rPr>
+              <a:t> </a:t>
+            </a:r>
+          </a:p>
+          <a:p>
+            <a:pPr marL="0" marR="0" lvl="0" indent="0" algn="l" defTabSz="914400" rtl="0" eaLnBrk="1" fontAlgn="base" latinLnBrk="0" hangingPunct="1">
+              <a:lnSpc>
+                <a:spcPct val="100000"/>
+              </a:lnSpc>
+              <a:spcBef>
+                <a:spcPct val="0"/>
+              </a:spcBef>
+              <a:spcAft>
+                <a:spcPct val="0"/>
+              </a:spcAft>
+              <a:buClrTx/>
+              <a:buSzTx/>
+              <a:buFontTx/>
+              <a:buNone/>
+              <a:tabLst/>
+            </a:pPr>
+            <a:r>
+              <a:rPr lang="ru-RU" sz="1200" dirty="0" smtClean="0">
+                <a:solidFill>
+                  <a:srgbClr val="000000"/>
+                </a:solidFill>
+                <a:latin typeface="Arial Unicode MS" pitchFamily="34" charset="-128"/>
+                <a:cs typeface="Arial" pitchFamily="34" charset="0"/>
+              </a:rPr>
+              <a:t> </a:t>
+            </a:r>
+            <a:r>
+              <a:rPr lang="ru-RU" sz="1200" dirty="0" smtClean="0">
+                <a:solidFill>
+                  <a:srgbClr val="000000"/>
+                </a:solidFill>
+                <a:latin typeface="Arial Unicode MS" pitchFamily="34" charset="-128"/>
+                <a:cs typeface="Arial" pitchFamily="34" charset="0"/>
+              </a:rPr>
+              <a:t>       </a:t>
+            </a:r>
+            <a:r>
+              <a:rPr kumimoji="0" lang="ru-RU" sz="1200" b="0" i="0" u="none" strike="noStrike" cap="none" normalizeH="0" baseline="0" dirty="0" err="1" smtClean="0">
+                <a:ln>
+                  <a:noFill/>
+                </a:ln>
+                <a:solidFill>
+                  <a:srgbClr val="000000"/>
+                </a:solidFill>
+                <a:effectLst/>
+                <a:latin typeface="Arial Unicode MS" pitchFamily="34" charset="-128"/>
+                <a:cs typeface="Arial" pitchFamily="34" charset="0"/>
+              </a:rPr>
+              <a:t>incr</a:t>
+            </a:r>
+            <a:r>
+              <a:rPr kumimoji="0" lang="ru-RU" sz="1200" b="0" i="0" u="none" strike="noStrike" cap="none" normalizeH="0" baseline="0" dirty="0" smtClean="0">
+                <a:ln>
+                  <a:noFill/>
+                </a:ln>
+                <a:solidFill>
+                  <a:srgbClr val="808030"/>
+                </a:solidFill>
+                <a:effectLst/>
+                <a:latin typeface="Arial Unicode MS" pitchFamily="34" charset="-128"/>
+                <a:cs typeface="Arial" pitchFamily="34" charset="0"/>
+              </a:rPr>
+              <a:t>(</a:t>
+            </a:r>
+            <a:r>
+              <a:rPr kumimoji="0" lang="ru-RU" sz="1200" b="0" i="0" u="none" strike="noStrike" cap="none" normalizeH="0" baseline="0" dirty="0" err="1" smtClean="0">
+                <a:ln>
+                  <a:noFill/>
+                </a:ln>
+                <a:solidFill>
+                  <a:srgbClr val="000000"/>
+                </a:solidFill>
+                <a:effectLst/>
+                <a:latin typeface="Arial Unicode MS" pitchFamily="34" charset="-128"/>
+                <a:cs typeface="Arial" pitchFamily="34" charset="0"/>
+              </a:rPr>
+              <a:t>z</a:t>
+            </a:r>
+            <a:r>
+              <a:rPr kumimoji="0" lang="ru-RU" sz="1200" b="0" i="0" u="none" strike="noStrike" cap="none" normalizeH="0" baseline="0" dirty="0" smtClean="0">
+                <a:ln>
+                  <a:noFill/>
+                </a:ln>
+                <a:solidFill>
+                  <a:srgbClr val="808030"/>
+                </a:solidFill>
+                <a:effectLst/>
+                <a:latin typeface="Arial Unicode MS" pitchFamily="34" charset="-128"/>
+                <a:cs typeface="Arial" pitchFamily="34" charset="0"/>
+              </a:rPr>
+              <a:t>,</a:t>
+            </a:r>
+            <a:r>
+              <a:rPr kumimoji="0" lang="ru-RU" sz="1200" b="0" i="0" u="none" strike="noStrike" cap="none" normalizeH="0" baseline="0" dirty="0" smtClean="0">
+                <a:ln>
+                  <a:noFill/>
+                </a:ln>
+                <a:solidFill>
+                  <a:srgbClr val="000000"/>
+                </a:solidFill>
+                <a:effectLst/>
+                <a:latin typeface="Arial Unicode MS" pitchFamily="34" charset="-128"/>
+                <a:cs typeface="Arial" pitchFamily="34" charset="0"/>
+              </a:rPr>
+              <a:t> </a:t>
+            </a:r>
+            <a:r>
+              <a:rPr kumimoji="0" lang="ru-RU" sz="1200" b="0" i="0" u="none" strike="noStrike" cap="none" normalizeH="0" baseline="0" dirty="0" smtClean="0">
+                <a:ln>
+                  <a:noFill/>
+                </a:ln>
+                <a:solidFill>
+                  <a:srgbClr val="808030"/>
+                </a:solidFill>
+                <a:effectLst/>
+                <a:latin typeface="Arial Unicode MS" pitchFamily="34" charset="-128"/>
+                <a:cs typeface="Arial" pitchFamily="34" charset="0"/>
+              </a:rPr>
+              <a:t>&amp;</a:t>
+            </a:r>
+            <a:r>
+              <a:rPr kumimoji="0" lang="ru-RU" sz="1200" b="0" i="0" u="none" strike="noStrike" cap="none" normalizeH="0" baseline="0" dirty="0" smtClean="0">
+                <a:ln>
+                  <a:noFill/>
+                </a:ln>
+                <a:solidFill>
+                  <a:srgbClr val="000000"/>
+                </a:solidFill>
+                <a:effectLst/>
+                <a:latin typeface="Arial Unicode MS" pitchFamily="34" charset="-128"/>
+                <a:cs typeface="Arial" pitchFamily="34" charset="0"/>
+              </a:rPr>
+              <a:t>m1</a:t>
+            </a:r>
+            <a:r>
+              <a:rPr kumimoji="0" lang="ru-RU" sz="1200" b="0" i="0" u="none" strike="noStrike" cap="none" normalizeH="0" baseline="0" dirty="0" smtClean="0">
+                <a:ln>
+                  <a:noFill/>
+                </a:ln>
+                <a:solidFill>
+                  <a:srgbClr val="808030"/>
+                </a:solidFill>
+                <a:effectLst/>
+                <a:latin typeface="Arial Unicode MS" pitchFamily="34" charset="-128"/>
+                <a:cs typeface="Arial" pitchFamily="34" charset="0"/>
+              </a:rPr>
+              <a:t>)</a:t>
+            </a:r>
+            <a:r>
+              <a:rPr kumimoji="0" lang="ru-RU" sz="1200" b="0" i="0" u="none" strike="noStrike" cap="none" normalizeH="0" baseline="0" dirty="0" smtClean="0">
+                <a:ln>
+                  <a:noFill/>
+                </a:ln>
+                <a:solidFill>
+                  <a:srgbClr val="800080"/>
+                </a:solidFill>
+                <a:effectLst/>
+                <a:latin typeface="Arial Unicode MS" pitchFamily="34" charset="-128"/>
+                <a:cs typeface="Arial" pitchFamily="34" charset="0"/>
+              </a:rPr>
+              <a:t>;</a:t>
+            </a:r>
+            <a:r>
+              <a:rPr kumimoji="0" lang="ru-RU" sz="1200" b="0" i="0" u="none" strike="noStrike" cap="none" normalizeH="0" baseline="0" dirty="0" smtClean="0">
+                <a:ln>
+                  <a:noFill/>
+                </a:ln>
+                <a:solidFill>
+                  <a:srgbClr val="000000"/>
+                </a:solidFill>
+                <a:effectLst/>
+                <a:latin typeface="Arial Unicode MS" pitchFamily="34" charset="-128"/>
+                <a:cs typeface="Arial" pitchFamily="34" charset="0"/>
+              </a:rPr>
+              <a:t> </a:t>
+            </a:r>
+          </a:p>
+          <a:p>
+            <a:pPr marL="0" marR="0" lvl="0" indent="0" algn="l" defTabSz="914400" rtl="0" eaLnBrk="1" fontAlgn="base" latinLnBrk="0" hangingPunct="1">
+              <a:lnSpc>
+                <a:spcPct val="100000"/>
+              </a:lnSpc>
+              <a:spcBef>
+                <a:spcPct val="0"/>
+              </a:spcBef>
+              <a:spcAft>
+                <a:spcPct val="0"/>
+              </a:spcAft>
+              <a:buClrTx/>
+              <a:buSzTx/>
+              <a:buFontTx/>
+              <a:buNone/>
+              <a:tabLst/>
+            </a:pPr>
+            <a:r>
+              <a:rPr lang="ru-RU" sz="1200" dirty="0" smtClean="0">
+                <a:solidFill>
+                  <a:srgbClr val="000000"/>
+                </a:solidFill>
+                <a:latin typeface="Arial Unicode MS" pitchFamily="34" charset="-128"/>
+                <a:cs typeface="Arial" pitchFamily="34" charset="0"/>
+              </a:rPr>
+              <a:t> </a:t>
+            </a:r>
+            <a:r>
+              <a:rPr lang="ru-RU" sz="1200" dirty="0" smtClean="0">
+                <a:solidFill>
+                  <a:srgbClr val="000000"/>
+                </a:solidFill>
+                <a:latin typeface="Arial Unicode MS" pitchFamily="34" charset="-128"/>
+                <a:cs typeface="Arial" pitchFamily="34" charset="0"/>
+              </a:rPr>
+              <a:t>       </a:t>
+            </a:r>
+            <a:r>
+              <a:rPr kumimoji="0" lang="ru-RU" sz="1200" b="0" i="0" u="none" strike="noStrike" cap="none" normalizeH="0" baseline="0" dirty="0" smtClean="0">
+                <a:ln>
+                  <a:noFill/>
+                </a:ln>
+                <a:solidFill>
+                  <a:srgbClr val="696969"/>
+                </a:solidFill>
+                <a:effectLst/>
+                <a:latin typeface="Arial Unicode MS" pitchFamily="34" charset="-128"/>
+                <a:cs typeface="Arial" pitchFamily="34" charset="0"/>
+              </a:rPr>
+              <a:t>// подставляем фактические передаваемые</a:t>
+            </a:r>
+          </a:p>
+          <a:p>
+            <a:pPr marL="0" marR="0" lvl="0" indent="0" algn="l" defTabSz="914400" rtl="0" eaLnBrk="1" fontAlgn="base" latinLnBrk="0" hangingPunct="1">
+              <a:lnSpc>
+                <a:spcPct val="100000"/>
+              </a:lnSpc>
+              <a:spcBef>
+                <a:spcPct val="0"/>
+              </a:spcBef>
+              <a:spcAft>
+                <a:spcPct val="0"/>
+              </a:spcAft>
+              <a:buClrTx/>
+              <a:buSzTx/>
+              <a:buFontTx/>
+              <a:buNone/>
+              <a:tabLst/>
+            </a:pPr>
+            <a:r>
+              <a:rPr lang="ru-RU" sz="1200" dirty="0" smtClean="0">
+                <a:solidFill>
+                  <a:srgbClr val="696969"/>
+                </a:solidFill>
+                <a:latin typeface="Arial Unicode MS" pitchFamily="34" charset="-128"/>
+                <a:cs typeface="Arial" pitchFamily="34" charset="0"/>
+              </a:rPr>
+              <a:t> </a:t>
+            </a:r>
+            <a:r>
+              <a:rPr lang="ru-RU" sz="1200" dirty="0" smtClean="0">
+                <a:solidFill>
+                  <a:srgbClr val="696969"/>
+                </a:solidFill>
+                <a:latin typeface="Arial Unicode MS" pitchFamily="34" charset="-128"/>
+                <a:cs typeface="Arial" pitchFamily="34" charset="0"/>
+              </a:rPr>
+              <a:t>       </a:t>
+            </a:r>
+            <a:r>
+              <a:rPr kumimoji="0" lang="ru-RU" sz="1200" b="0" i="0" u="none" strike="noStrike" cap="none" normalizeH="0" baseline="0" dirty="0" smtClean="0">
+                <a:ln>
+                  <a:noFill/>
+                </a:ln>
+                <a:solidFill>
+                  <a:srgbClr val="696969"/>
+                </a:solidFill>
+                <a:effectLst/>
+                <a:latin typeface="Arial Unicode MS" pitchFamily="34" charset="-128"/>
+                <a:cs typeface="Arial" pitchFamily="34" charset="0"/>
+              </a:rPr>
+              <a:t>// значения в таблицу для функции </a:t>
+            </a:r>
+            <a:r>
+              <a:rPr kumimoji="0" lang="ru-RU" sz="1200" b="0" i="0" u="none" strike="noStrike" cap="none" normalizeH="0" baseline="0" dirty="0" err="1" smtClean="0">
+                <a:ln>
+                  <a:noFill/>
+                </a:ln>
+                <a:solidFill>
+                  <a:srgbClr val="696969"/>
+                </a:solidFill>
+                <a:effectLst/>
+                <a:latin typeface="Arial Unicode MS" pitchFamily="34" charset="-128"/>
+                <a:cs typeface="Arial" pitchFamily="34" charset="0"/>
+              </a:rPr>
+              <a:t>incr</a:t>
+            </a:r>
+            <a:r>
+              <a:rPr kumimoji="0" lang="ru-RU" sz="1200" b="0" i="0" u="none" strike="noStrike" cap="none" normalizeH="0" baseline="0" dirty="0" smtClean="0">
+                <a:ln>
+                  <a:noFill/>
+                </a:ln>
+                <a:solidFill>
+                  <a:srgbClr val="696969"/>
+                </a:solidFill>
+                <a:effectLst/>
+                <a:latin typeface="Arial Unicode MS" pitchFamily="34" charset="-128"/>
+                <a:cs typeface="Arial" pitchFamily="34" charset="0"/>
+              </a:rPr>
+              <a:t>:</a:t>
+            </a:r>
+            <a:r>
+              <a:rPr kumimoji="0" lang="ru-RU" sz="1200" b="0" i="0" u="none" strike="noStrike" cap="none" normalizeH="0" baseline="0" dirty="0" smtClean="0">
+                <a:ln>
+                  <a:noFill/>
+                </a:ln>
+                <a:solidFill>
+                  <a:srgbClr val="000000"/>
+                </a:solidFill>
+                <a:effectLst/>
+                <a:latin typeface="Arial Unicode MS" pitchFamily="34" charset="-128"/>
+                <a:cs typeface="Arial" pitchFamily="34" charset="0"/>
+              </a:rPr>
+              <a:t> </a:t>
+            </a:r>
+          </a:p>
+          <a:p>
+            <a:pPr marL="0" marR="0" lvl="0" indent="0" algn="l" defTabSz="914400" rtl="0" eaLnBrk="1" fontAlgn="base" latinLnBrk="0" hangingPunct="1">
+              <a:lnSpc>
+                <a:spcPct val="100000"/>
+              </a:lnSpc>
+              <a:spcBef>
+                <a:spcPct val="0"/>
+              </a:spcBef>
+              <a:spcAft>
+                <a:spcPct val="0"/>
+              </a:spcAft>
+              <a:buClrTx/>
+              <a:buSzTx/>
+              <a:buFontTx/>
+              <a:buNone/>
+              <a:tabLst/>
+            </a:pPr>
+            <a:r>
+              <a:rPr lang="ru-RU" sz="1200" dirty="0" smtClean="0">
+                <a:solidFill>
+                  <a:srgbClr val="000000"/>
+                </a:solidFill>
+                <a:latin typeface="Arial Unicode MS" pitchFamily="34" charset="-128"/>
+                <a:cs typeface="Arial" pitchFamily="34" charset="0"/>
+              </a:rPr>
+              <a:t> </a:t>
+            </a:r>
+            <a:r>
+              <a:rPr lang="ru-RU" sz="1200" dirty="0" smtClean="0">
+                <a:solidFill>
+                  <a:srgbClr val="000000"/>
+                </a:solidFill>
+                <a:latin typeface="Arial Unicode MS" pitchFamily="34" charset="-128"/>
+                <a:cs typeface="Arial" pitchFamily="34" charset="0"/>
+              </a:rPr>
+              <a:t>       </a:t>
+            </a:r>
+            <a:r>
+              <a:rPr kumimoji="0" lang="ru-RU" sz="1200" b="0" i="0" u="none" strike="noStrike" cap="none" normalizeH="0" baseline="0" dirty="0" smtClean="0">
+                <a:ln>
+                  <a:noFill/>
+                </a:ln>
+                <a:solidFill>
+                  <a:srgbClr val="696969"/>
+                </a:solidFill>
+                <a:effectLst/>
+                <a:latin typeface="Arial Unicode MS" pitchFamily="34" charset="-128"/>
+                <a:cs typeface="Arial" pitchFamily="34" charset="0"/>
+              </a:rPr>
+              <a:t>// (</a:t>
+            </a:r>
+            <a:r>
+              <a:rPr kumimoji="0" lang="ru-RU" sz="1200" b="0" i="0" u="none" strike="noStrike" cap="none" normalizeH="0" baseline="0" dirty="0" err="1" smtClean="0">
+                <a:ln>
+                  <a:noFill/>
+                </a:ln>
+                <a:solidFill>
+                  <a:srgbClr val="696969"/>
+                </a:solidFill>
+                <a:effectLst/>
+                <a:latin typeface="Arial Unicode MS" pitchFamily="34" charset="-128"/>
+                <a:cs typeface="Arial" pitchFamily="34" charset="0"/>
+              </a:rPr>
+              <a:t>y</a:t>
+            </a:r>
+            <a:r>
+              <a:rPr kumimoji="0" lang="ru-RU" sz="1200" b="0" i="0" u="none" strike="noStrike" cap="none" normalizeH="0" baseline="0" dirty="0" smtClean="0">
+                <a:ln>
+                  <a:noFill/>
+                </a:ln>
+                <a:solidFill>
+                  <a:srgbClr val="696969"/>
+                </a:solidFill>
+                <a:effectLst/>
+                <a:latin typeface="Arial Unicode MS" pitchFamily="34" charset="-128"/>
+                <a:cs typeface="Arial" pitchFamily="34" charset="0"/>
+              </a:rPr>
+              <a:t>, ({m1}, {}), чтение)</a:t>
+            </a:r>
+          </a:p>
+          <a:p>
+            <a:pPr marL="0" marR="0" lvl="0" indent="0" algn="l" defTabSz="914400" rtl="0" eaLnBrk="1" fontAlgn="base" latinLnBrk="0" hangingPunct="1">
+              <a:lnSpc>
+                <a:spcPct val="100000"/>
+              </a:lnSpc>
+              <a:spcBef>
+                <a:spcPct val="0"/>
+              </a:spcBef>
+              <a:spcAft>
+                <a:spcPct val="0"/>
+              </a:spcAft>
+              <a:buClrTx/>
+              <a:buSzTx/>
+              <a:buFontTx/>
+              <a:buNone/>
+              <a:tabLst/>
+            </a:pPr>
+            <a:r>
+              <a:rPr lang="ru-RU" sz="1200" dirty="0" smtClean="0">
+                <a:solidFill>
+                  <a:srgbClr val="696969"/>
+                </a:solidFill>
+                <a:latin typeface="Arial Unicode MS" pitchFamily="34" charset="-128"/>
+                <a:cs typeface="Arial" pitchFamily="34" charset="0"/>
+              </a:rPr>
+              <a:t> </a:t>
+            </a:r>
+            <a:r>
+              <a:rPr lang="ru-RU" sz="1200" dirty="0" smtClean="0">
+                <a:solidFill>
+                  <a:srgbClr val="696969"/>
+                </a:solidFill>
+                <a:latin typeface="Arial Unicode MS" pitchFamily="34" charset="-128"/>
+                <a:cs typeface="Arial" pitchFamily="34" charset="0"/>
+              </a:rPr>
+              <a:t>      </a:t>
+            </a:r>
+            <a:r>
+              <a:rPr kumimoji="0" lang="ru-RU" sz="1200" b="0" i="0" u="none" strike="noStrike" cap="none" normalizeH="0" baseline="0" dirty="0" smtClean="0">
+                <a:ln>
+                  <a:noFill/>
+                </a:ln>
+                <a:solidFill>
+                  <a:srgbClr val="000000"/>
+                </a:solidFill>
+                <a:effectLst/>
+                <a:latin typeface="Arial Unicode MS" pitchFamily="34" charset="-128"/>
+                <a:cs typeface="Arial" pitchFamily="34" charset="0"/>
+              </a:rPr>
+              <a:t> </a:t>
+            </a:r>
+            <a:r>
+              <a:rPr kumimoji="0" lang="ru-RU" sz="1200" b="0" i="0" u="none" strike="noStrike" cap="none" normalizeH="0" baseline="0" dirty="0" smtClean="0">
+                <a:ln>
+                  <a:noFill/>
+                </a:ln>
+                <a:solidFill>
+                  <a:srgbClr val="696969"/>
+                </a:solidFill>
+                <a:effectLst/>
+                <a:latin typeface="Arial Unicode MS" pitchFamily="34" charset="-128"/>
+                <a:cs typeface="Arial" pitchFamily="34" charset="0"/>
+              </a:rPr>
+              <a:t>// (</a:t>
+            </a:r>
+            <a:r>
+              <a:rPr kumimoji="0" lang="ru-RU" sz="1200" b="0" i="0" u="none" strike="noStrike" cap="none" normalizeH="0" baseline="0" dirty="0" err="1" smtClean="0">
+                <a:ln>
+                  <a:noFill/>
+                </a:ln>
+                <a:solidFill>
+                  <a:srgbClr val="696969"/>
+                </a:solidFill>
+                <a:effectLst/>
+                <a:latin typeface="Arial Unicode MS" pitchFamily="34" charset="-128"/>
+                <a:cs typeface="Arial" pitchFamily="34" charset="0"/>
+              </a:rPr>
+              <a:t>y</a:t>
+            </a:r>
+            <a:r>
+              <a:rPr kumimoji="0" lang="ru-RU" sz="1200" b="0" i="0" u="none" strike="noStrike" cap="none" normalizeH="0" baseline="0" dirty="0" smtClean="0">
+                <a:ln>
+                  <a:noFill/>
+                </a:ln>
+                <a:solidFill>
+                  <a:srgbClr val="696969"/>
+                </a:solidFill>
+                <a:effectLst/>
+                <a:latin typeface="Arial Unicode MS" pitchFamily="34" charset="-128"/>
+                <a:cs typeface="Arial" pitchFamily="34" charset="0"/>
+              </a:rPr>
+              <a:t>, ({m1}, {}), запись)</a:t>
+            </a:r>
+            <a:endParaRPr kumimoji="0" lang="ru-RU" sz="1200" b="0" i="0" u="none" strike="noStrike" cap="none" normalizeH="0" baseline="0" dirty="0" smtClean="0">
+              <a:ln>
+                <a:noFill/>
+              </a:ln>
+              <a:solidFill>
+                <a:srgbClr val="000000"/>
+              </a:solidFill>
+              <a:effectLst/>
+              <a:latin typeface="Arial Unicode MS" pitchFamily="34" charset="-128"/>
+              <a:cs typeface="Arial" pitchFamily="34" charset="0"/>
+            </a:endParaRPr>
+          </a:p>
+          <a:p>
+            <a:pPr marL="0" marR="0" lvl="0" indent="0" algn="l" defTabSz="914400" rtl="0" eaLnBrk="1" fontAlgn="base" latinLnBrk="0" hangingPunct="1">
+              <a:lnSpc>
+                <a:spcPct val="100000"/>
+              </a:lnSpc>
+              <a:spcBef>
+                <a:spcPct val="0"/>
+              </a:spcBef>
+              <a:spcAft>
+                <a:spcPct val="0"/>
+              </a:spcAft>
+              <a:buClrTx/>
+              <a:buSzTx/>
+              <a:buFontTx/>
+              <a:buNone/>
+              <a:tabLst/>
+            </a:pPr>
+            <a:r>
+              <a:rPr kumimoji="0" lang="ru-RU" sz="1200" b="0" i="0" u="none" strike="noStrike" cap="none" normalizeH="0" baseline="0" dirty="0" smtClean="0">
+                <a:ln>
+                  <a:noFill/>
+                </a:ln>
+                <a:solidFill>
+                  <a:srgbClr val="800080"/>
+                </a:solidFill>
+                <a:effectLst/>
+                <a:latin typeface="Arial Unicode MS" pitchFamily="34" charset="-128"/>
+                <a:cs typeface="Arial" pitchFamily="34" charset="0"/>
+              </a:rPr>
+              <a:t>}</a:t>
+            </a:r>
+            <a:r>
+              <a:rPr kumimoji="0" lang="ru-RU" sz="1200" b="0" i="0" u="none" strike="noStrike" cap="none" normalizeH="0" baseline="0" dirty="0" smtClean="0">
+                <a:ln>
+                  <a:noFill/>
+                </a:ln>
+                <a:solidFill>
+                  <a:schemeClr val="tx1"/>
+                </a:solidFill>
+                <a:effectLst/>
+                <a:latin typeface="Arial" pitchFamily="34" charset="0"/>
+                <a:cs typeface="Arial" pitchFamily="34" charset="0"/>
+              </a:rPr>
+              <a:t> </a:t>
+            </a:r>
+          </a:p>
+        </p:txBody>
+      </p:sp>
     </p:spTree>
   </p:cSld>
   <p:clrMapOvr>
     <a:masterClrMapping/>
   </p:clrMapOvr>
+  <p:timing>
+    <p:tnLst>
+      <p:par>
+        <p:cTn id="1" dur="indefinite" restart="never" nodeType="tmRoot"/>
+      </p:par>
+    </p:tnLst>
+  </p:timing>
 </p:sld>
 </file>
 
@@ -12000,12 +15899,35 @@
           <a:p>
             <a:r>
               <a:rPr lang="ru-RU" dirty="0" smtClean="0"/>
-              <a:t>Формирование таблиц защищённого доступа</a:t>
+              <a:t>Определение мест возможного возникновения гонок</a:t>
             </a:r>
             <a:endParaRPr lang="ru-RU" dirty="0"/>
           </a:p>
         </p:txBody>
       </p:sp>
+      <p:pic>
+        <p:nvPicPr>
+          <p:cNvPr id="5" name="Содержимое 4" descr="generate_warnings.emf"/>
+          <p:cNvPicPr>
+            <a:picLocks noGrp="1" noChangeAspect="1"/>
+          </p:cNvPicPr>
+          <p:nvPr>
+            <p:ph idx="1"/>
+          </p:nvPr>
+        </p:nvPicPr>
+        <p:blipFill>
+          <a:blip r:embed="rId2" cstate="print"/>
+          <a:stretch>
+            <a:fillRect/>
+          </a:stretch>
+        </p:blipFill>
+        <p:spPr>
+          <a:xfrm>
+            <a:off x="179512" y="1844824"/>
+            <a:ext cx="8694981" cy="4032448"/>
+          </a:xfrm>
+        </p:spPr>
+      </p:pic>
       <p:sp>
         <p:nvSpPr>
           <p:cNvPr id="4" name="Номер слайда 3"/>
@@ -12027,36 +15949,6 @@
               <a:t>18</a:t>
             </a:fld>
             <a:endParaRPr lang="ru-RU"/>
-          </a:p>
-        </p:txBody>
-      </p:sp>
-      <p:sp>
-        <p:nvSpPr>
-          <p:cNvPr id="11" name="TextBox 10"/>
-          <p:cNvSpPr txBox="1"/>
-          <p:nvPr/>
-        </p:nvSpPr>
-        <p:spPr>
-          <a:xfrm>
-            <a:off x="3059832" y="2708920"/>
-            <a:ext cx="1889684" cy="369332"/>
-          </a:xfrm>
-          <a:prstGeom prst="rect">
-            <a:avLst/>
-          </a:prstGeom>
-          <a:noFill/>
-        </p:spPr>
-        <p:txBody>
-          <a:bodyPr wrap="none" rtlCol="0">
-            <a:spAutoFit/>
-          </a:bodyPr>
-          <a:lstStyle/>
-          <a:p>
-            <a:r>
-              <a:rPr lang="ru-RU" dirty="0" smtClean="0"/>
-              <a:t>Тут будет пример</a:t>
-            </a:r>
-            <a:endParaRPr lang="ru-RU" dirty="0"/>
           </a:p>
         </p:txBody>
       </p:sp>
@@ -12117,29 +16009,29 @@
           </a:p>
         </p:txBody>
       </p:sp>
-      <p:pic>
-        <p:nvPicPr>
-          <p:cNvPr id="5" name="Содержимое 4" descr="generate_warnings.emf"/>
-          <p:cNvPicPr>
-            <a:picLocks noGrp="1" noChangeAspect="1"/>
-          </p:cNvPicPr>
+      <p:sp>
+        <p:nvSpPr>
+          <p:cNvPr id="3" name="Содержимое 2"/>
+          <p:cNvSpPr>
+            <a:spLocks noGrp="1"/>
+          </p:cNvSpPr>
           <p:nvPr>
             <p:ph idx="1"/>
           </p:nvPr>
-        </p:nvPicPr>
-        <p:blipFill>
-          <a:blip r:embed="rId2" cstate="print"/>
-          <a:stretch>
-            <a:fillRect/>
-          </a:stretch>
-        </p:blipFill>
-        <p:spPr>
-          <a:xfrm>
-            <a:off x="179512" y="1844824"/>
-            <a:ext cx="8694981" cy="4032448"/>
-          </a:xfrm>
-        </p:spPr>
-      </p:pic>
+        </p:nvSpPr>
+        <p:spPr/>
+        <p:txBody>
+          <a:bodyPr/>
+          <a:lstStyle/>
+          <a:p>
+            <a:r>
+              <a:rPr lang="ru-RU" dirty="0" smtClean="0"/>
+              <a:t>Тут будет пример</a:t>
+            </a:r>
+            <a:endParaRPr lang="ru-RU" dirty="0"/>
+          </a:p>
+        </p:txBody>
+      </p:sp>
       <p:sp>
         <p:nvSpPr>
           <p:cNvPr id="4" name="Номер слайда 3"/>
@@ -12366,14 +16258,12 @@
         </p:nvSpPr>
         <p:spPr/>
         <p:txBody>
-          <a:bodyPr>
-            <a:normAutofit fontScale="90000"/>
-          </a:bodyPr>
+          <a:bodyPr/>
           <a:lstStyle/>
           <a:p>
             <a:r>
               <a:rPr lang="ru-RU" dirty="0" smtClean="0"/>
-              <a:t>Определение мест возможного возникновения гонок</a:t>
+              <a:t>Структура ПО</a:t>
             </a:r>
             <a:endParaRPr lang="ru-RU" dirty="0"/>
           </a:p>
@@ -12396,7 +16286,7 @@
           <a:p>
             <a:r>
               <a:rPr lang="ru-RU" dirty="0" smtClean="0"/>
-              <a:t>Тут будет пример</a:t>
+              <a:t>Тут будет схема ПО</a:t>
             </a:r>
             <a:endParaRPr lang="ru-RU" dirty="0"/>
           </a:p>
@@ -12475,7 +16365,7 @@
           <a:p>
             <a:r>
               <a:rPr lang="ru-RU" dirty="0" smtClean="0"/>
-              <a:t>Структура ПО</a:t>
+              <a:t>Ограничения реализации</a:t>
             </a:r>
             <a:endParaRPr lang="ru-RU" dirty="0"/>
           </a:p>
@@ -12498,8 +16388,36 @@
           <a:p>
             <a:r>
               <a:rPr lang="ru-RU" dirty="0" smtClean="0"/>
-              <a:t>Тут будет схема ПО</a:t>
-            </a:r>
+              <a:t>Использование мьютексов для организации критических секций</a:t>
+            </a:r>
+          </a:p>
+          <a:p>
+            <a:r>
+              <a:rPr lang="ru-RU" dirty="0" smtClean="0"/>
+              <a:t>Использование </a:t>
+            </a:r>
+            <a:r>
+              <a:rPr lang="en-US" dirty="0" smtClean="0"/>
+              <a:t>POSIX API</a:t>
+            </a:r>
+            <a:r>
+              <a:rPr lang="ru-RU" dirty="0" smtClean="0"/>
+              <a:t> для работы с потоками и объектами взаимоисключения</a:t>
+            </a:r>
+          </a:p>
+          <a:p>
+            <a:r>
+              <a:rPr lang="ru-RU" dirty="0" smtClean="0"/>
+              <a:t>Отсутствие обращений к полям структур</a:t>
+            </a:r>
+          </a:p>
+          <a:p>
+            <a:endParaRPr lang="ru-RU" dirty="0" smtClean="0"/>
+          </a:p>
+          <a:p>
+            <a:endParaRPr lang="ru-RU" dirty="0" smtClean="0"/>
+          </a:p>
+          <a:p>
             <a:endParaRPr lang="ru-RU" dirty="0"/>
           </a:p>
         </p:txBody>
@@ -12533,13 +16451,6 @@
   <p:clrMapOvr>
     <a:masterClrMapping/>
   </p:clrMapOvr>
-  <p:timing>
-    <p:tnLst>
-      <p:par>
-        <p:cTn id="1" dur="indefinite" restart="never" nodeType="tmRoot"/>
-      </p:par>
-    </p:tnLst>
-  </p:timing>
 </p:sld>
 </file>
 
@@ -12577,7 +16488,7 @@
           <a:p>
             <a:r>
               <a:rPr lang="ru-RU" dirty="0" smtClean="0"/>
-              <a:t>Ограничения реализации</a:t>
+              <a:t>Результаты исследований</a:t>
             </a:r>
             <a:endParaRPr lang="ru-RU" dirty="0"/>
           </a:p>
@@ -12600,34 +16511,8 @@
           <a:p>
             <a:r>
               <a:rPr lang="ru-RU" dirty="0" smtClean="0"/>
-              <a:t>Использование мьютексов для организации критических секций</a:t>
-            </a:r>
-          </a:p>
-          <a:p>
-            <a:r>
-              <a:rPr lang="ru-RU" dirty="0" smtClean="0"/>
-              <a:t>Использование </a:t>
-            </a:r>
-            <a:r>
-              <a:rPr lang="en-US" dirty="0" smtClean="0"/>
-              <a:t>POSIX API</a:t>
-            </a:r>
-            <a:r>
-              <a:rPr lang="ru-RU" dirty="0" smtClean="0"/>
-              <a:t> для работы с потоками и объектами взаимоисключения</a:t>
-            </a:r>
-          </a:p>
-          <a:p>
-            <a:r>
-              <a:rPr lang="ru-RU" dirty="0" smtClean="0"/>
-              <a:t>Отсутствие обращений к полям структур</a:t>
-            </a:r>
-          </a:p>
-          <a:p>
-            <a:endParaRPr lang="ru-RU" dirty="0" smtClean="0"/>
-          </a:p>
-          <a:p>
-            <a:endParaRPr lang="ru-RU" dirty="0" smtClean="0"/>
+              <a:t>Надо каким-то образом показать вклад каждого из этапов на итоговый результат…</a:t>
+            </a:r>
           </a:p>
           <a:p>
             <a:endParaRPr lang="ru-RU" dirty="0"/>
@@ -12653,103 +16538,6 @@
               <a:rPr lang="ru-RU" smtClean="0"/>
               <a:pPr/>
               <a:t>22</a:t>
-            </a:fld>
-            <a:endParaRPr lang="ru-RU"/>
-          </a:p>
-        </p:txBody>
-      </p:sp>
-    </p:spTree>
-  </p:cSld>
-  <p:clrMapOvr>
-    <a:masterClrMapping/>
-  </p:clrMapOvr>
-</p:sld>
-</file>
-
-<file path=ppt/slides/slide23.xml><?xml version="1.0" encoding="utf-8"?>
-<p:sld xmlns:a="http://schemas.openxmlformats.org/drawingml/2006/main" xmlns:r="http://schemas.openxmlformats.org/officeDocument/2006/relationships" xmlns:p="http://schemas.openxmlformats.org/presentationml/2006/main">
-  <p:cSld>
-    <p:spTree>
-      <p:nvGrpSpPr>
-        <p:cNvPr id="1" name=""/>
-        <p:cNvGrpSpPr/>
-        <p:nvPr/>
-      </p:nvGrpSpPr>
-      <p:grpSpPr>
-        <a:xfrm>
-          <a:off x="0" y="0"/>
-          <a:ext cx="0" cy="0"/>
-          <a:chOff x="0" y="0"/>
-          <a:chExt cx="0" cy="0"/>
-        </a:xfrm>
-      </p:grpSpPr>
-      <p:sp>
-        <p:nvSpPr>
-          <p:cNvPr id="2" name="Заголовок 1"/>
-          <p:cNvSpPr>
-            <a:spLocks noGrp="1"/>
-          </p:cNvSpPr>
-          <p:nvPr>
-            <p:ph type="title"/>
-          </p:nvPr>
-        </p:nvSpPr>
-        <p:spPr/>
-        <p:txBody>
-          <a:bodyPr/>
-          <a:lstStyle/>
-          <a:p>
-            <a:r>
-              <a:rPr lang="ru-RU" dirty="0" smtClean="0"/>
-              <a:t>Результаты исследований</a:t>
-            </a:r>
-            <a:endParaRPr lang="ru-RU" dirty="0"/>
-          </a:p>
-        </p:txBody>
-      </p:sp>
-      <p:sp>
-        <p:nvSpPr>
-          <p:cNvPr id="3" name="Содержимое 2"/>
-          <p:cNvSpPr>
-            <a:spLocks noGrp="1"/>
-          </p:cNvSpPr>
-          <p:nvPr>
-            <p:ph idx="1"/>
-          </p:nvPr>
-        </p:nvSpPr>
-        <p:spPr/>
-        <p:txBody>
-          <a:bodyPr/>
-          <a:lstStyle/>
-          <a:p>
-            <a:r>
-              <a:rPr lang="ru-RU" dirty="0" smtClean="0"/>
-              <a:t>Надо каким-то образом показать вклад каждого из этапов на итоговый результат…</a:t>
-            </a:r>
-          </a:p>
-          <a:p>
-            <a:endParaRPr lang="ru-RU" dirty="0"/>
-          </a:p>
-        </p:txBody>
-      </p:sp>
-      <p:sp>
-        <p:nvSpPr>
-          <p:cNvPr id="4" name="Номер слайда 3"/>
-          <p:cNvSpPr>
-            <a:spLocks noGrp="1"/>
-          </p:cNvSpPr>
-          <p:nvPr>
-            <p:ph type="sldNum" sz="quarter" idx="12"/>
-          </p:nvPr>
-        </p:nvSpPr>
-        <p:spPr/>
-        <p:txBody>
-          <a:bodyPr/>
-          <a:lstStyle/>
-          <a:p>
-            <a:fld id="{6ACCCD26-A6AD-4D04-8A48-0C02F87992A0}" type="slidenum">
-              <a:rPr lang="ru-RU" smtClean="0"/>
-              <a:pPr/>
-              <a:t>23</a:t>
             </a:fld>
             <a:endParaRPr lang="ru-RU"/>
           </a:p>

--- a/presentations/diplom/static race detection.pptx
+++ b/presentations/diplom/static race detection.pptx
@@ -5,7 +5,7 @@
     <p:sldMasterId id="2147483648" r:id="rId1"/>
   </p:sldMasterIdLst>
   <p:notesMasterIdLst>
-    <p:notesMasterId r:id="rId24"/>
+    <p:notesMasterId r:id="rId26"/>
   </p:notesMasterIdLst>
   <p:sldIdLst>
     <p:sldId id="256" r:id="rId2"/>
@@ -25,11 +25,13 @@
     <p:sldId id="289" r:id="rId16"/>
     <p:sldId id="283" r:id="rId17"/>
     <p:sldId id="286" r:id="rId18"/>
-    <p:sldId id="284" r:id="rId19"/>
-    <p:sldId id="285" r:id="rId20"/>
-    <p:sldId id="274" r:id="rId21"/>
-    <p:sldId id="287" r:id="rId22"/>
-    <p:sldId id="271" r:id="rId23"/>
+    <p:sldId id="290" r:id="rId19"/>
+    <p:sldId id="292" r:id="rId20"/>
+    <p:sldId id="284" r:id="rId21"/>
+    <p:sldId id="285" r:id="rId22"/>
+    <p:sldId id="274" r:id="rId23"/>
+    <p:sldId id="287" r:id="rId24"/>
+    <p:sldId id="271" r:id="rId25"/>
   </p:sldIdLst>
   <p:sldSz cx="9144000" cy="6858000" type="screen4x3"/>
   <p:notesSz cx="6858000" cy="9144000"/>
@@ -11954,8 +11956,8 @@
         </p:nvSpPr>
         <p:spPr bwMode="auto">
           <a:xfrm flipH="1">
-            <a:off x="1115616" y="1628800"/>
-            <a:ext cx="4032448" cy="2123658"/>
+            <a:off x="395536" y="2924944"/>
+            <a:ext cx="4032448" cy="2462213"/>
           </a:xfrm>
           <a:prstGeom prst="rect">
             <a:avLst/>
@@ -11995,7 +11997,7 @@
               <a:tabLst/>
             </a:pPr>
             <a:r>
-              <a:rPr kumimoji="0" lang="ru-RU" sz="1200" b="1" i="0" u="none" strike="noStrike" cap="none" normalizeH="0" baseline="0" dirty="0" err="1" smtClean="0">
+              <a:rPr kumimoji="0" lang="ru-RU" sz="1400" b="1" i="0" u="none" strike="noStrike" cap="none" normalizeH="0" baseline="0" dirty="0" err="1" smtClean="0">
                 <a:ln>
                   <a:noFill/>
                 </a:ln>
@@ -12009,7 +12011,7 @@
               <a:t>static</a:t>
             </a:r>
             <a:r>
-              <a:rPr kumimoji="0" lang="ru-RU" sz="1200" b="0" i="0" u="none" strike="noStrike" cap="none" normalizeH="0" baseline="0" dirty="0" smtClean="0">
+              <a:rPr kumimoji="0" lang="ru-RU" sz="1400" b="0" i="0" u="none" strike="noStrike" cap="none" normalizeH="0" baseline="0" dirty="0" smtClean="0">
                 <a:ln>
                   <a:noFill/>
                 </a:ln>
@@ -12023,7 +12025,7 @@
               <a:t> int </a:t>
             </a:r>
             <a:r>
-              <a:rPr kumimoji="0" lang="ru-RU" sz="1200" b="0" i="0" u="none" strike="noStrike" cap="none" normalizeH="0" baseline="0" dirty="0" err="1" smtClean="0">
+              <a:rPr kumimoji="0" lang="ru-RU" sz="1400" b="0" i="0" u="none" strike="noStrike" cap="none" normalizeH="0" baseline="0" dirty="0" err="1" smtClean="0">
                 <a:ln>
                   <a:noFill/>
                 </a:ln>
@@ -12037,7 +12039,7 @@
               <a:t>x</a:t>
             </a:r>
             <a:r>
-              <a:rPr kumimoji="0" lang="ru-RU" sz="1200" b="0" i="0" u="none" strike="noStrike" cap="none" normalizeH="0" baseline="0" dirty="0" smtClean="0">
+              <a:rPr kumimoji="0" lang="ru-RU" sz="1400" b="0" i="0" u="none" strike="noStrike" cap="none" normalizeH="0" baseline="0" dirty="0" smtClean="0">
                 <a:ln>
                   <a:noFill/>
                 </a:ln>
@@ -12051,7 +12053,7 @@
               <a:t> =0, </a:t>
             </a:r>
             <a:r>
-              <a:rPr kumimoji="0" lang="ru-RU" sz="1200" b="0" i="0" u="none" strike="noStrike" cap="none" normalizeH="0" baseline="0" dirty="0" err="1" smtClean="0">
+              <a:rPr kumimoji="0" lang="ru-RU" sz="1400" b="0" i="0" u="none" strike="noStrike" cap="none" normalizeH="0" baseline="0" dirty="0" err="1" smtClean="0">
                 <a:ln>
                   <a:noFill/>
                 </a:ln>
@@ -12065,7 +12067,7 @@
               <a:t>y</a:t>
             </a:r>
             <a:r>
-              <a:rPr kumimoji="0" lang="ru-RU" sz="1200" b="0" i="0" u="none" strike="noStrike" cap="none" normalizeH="0" baseline="0" dirty="0" smtClean="0">
+              <a:rPr kumimoji="0" lang="ru-RU" sz="1400" b="0" i="0" u="none" strike="noStrike" cap="none" normalizeH="0" baseline="0" dirty="0" smtClean="0">
                 <a:ln>
                   <a:noFill/>
                 </a:ln>
@@ -12079,7 +12081,7 @@
               <a:t> = 0</a:t>
             </a:r>
             <a:r>
-              <a:rPr kumimoji="0" lang="ru-RU" sz="1200" b="0" i="0" u="none" strike="noStrike" cap="none" normalizeH="0" baseline="0" dirty="0" smtClean="0">
+              <a:rPr kumimoji="0" lang="ru-RU" sz="1400" b="0" i="0" u="none" strike="noStrike" cap="none" normalizeH="0" baseline="0" dirty="0" smtClean="0">
                 <a:ln>
                   <a:noFill/>
                 </a:ln>
@@ -12111,7 +12113,7 @@
               <a:tabLst/>
             </a:pPr>
             <a:r>
-              <a:rPr kumimoji="0" lang="ru-RU" sz="1200" b="0" i="0" u="none" strike="noStrike" cap="none" normalizeH="0" baseline="0" dirty="0" err="1" smtClean="0">
+              <a:rPr kumimoji="0" lang="ru-RU" sz="1400" b="0" i="0" u="none" strike="noStrike" cap="none" normalizeH="0" baseline="0" dirty="0" err="1" smtClean="0">
                 <a:ln>
                   <a:noFill/>
                 </a:ln>
@@ -12125,7 +12127,7 @@
               <a:t>pthread_mutex_t</a:t>
             </a:r>
             <a:r>
-              <a:rPr kumimoji="0" lang="ru-RU" sz="1200" b="0" i="0" u="none" strike="noStrike" cap="none" normalizeH="0" baseline="0" dirty="0" smtClean="0">
+              <a:rPr kumimoji="0" lang="ru-RU" sz="1400" b="0" i="0" u="none" strike="noStrike" cap="none" normalizeH="0" baseline="0" dirty="0" smtClean="0">
                 <a:ln>
                   <a:noFill/>
                 </a:ln>
@@ -12139,7 +12141,7 @@
               <a:t> m1, m2</a:t>
             </a:r>
             <a:r>
-              <a:rPr kumimoji="0" lang="ru-RU" sz="1200" b="0" i="0" u="none" strike="noStrike" cap="none" normalizeH="0" baseline="0" dirty="0" smtClean="0">
+              <a:rPr kumimoji="0" lang="ru-RU" sz="1400" b="0" i="0" u="none" strike="noStrike" cap="none" normalizeH="0" baseline="0" dirty="0" smtClean="0">
                 <a:ln>
                   <a:noFill/>
                 </a:ln>
@@ -12171,7 +12173,7 @@
               <a:tabLst/>
             </a:pPr>
             <a:r>
-              <a:rPr kumimoji="0" lang="ru-RU" sz="1200" b="0" i="0" u="none" strike="noStrike" cap="none" normalizeH="0" baseline="0" dirty="0" err="1" smtClean="0">
+              <a:rPr kumimoji="0" lang="ru-RU" sz="1400" b="0" i="0" u="none" strike="noStrike" cap="none" normalizeH="0" baseline="0" dirty="0" err="1" smtClean="0">
                 <a:ln>
                   <a:noFill/>
                 </a:ln>
@@ -12185,7 +12187,7 @@
               <a:t>void</a:t>
             </a:r>
             <a:r>
-              <a:rPr kumimoji="0" lang="ru-RU" sz="1200" b="0" i="0" u="none" strike="noStrike" cap="none" normalizeH="0" baseline="0" dirty="0" smtClean="0">
+              <a:rPr kumimoji="0" lang="ru-RU" sz="1400" b="0" i="0" u="none" strike="noStrike" cap="none" normalizeH="0" baseline="0" dirty="0" smtClean="0">
                 <a:ln>
                   <a:noFill/>
                 </a:ln>
@@ -12199,7 +12201,7 @@
               <a:t> </a:t>
             </a:r>
             <a:r>
-              <a:rPr kumimoji="0" lang="ru-RU" sz="1200" b="0" i="0" u="none" strike="noStrike" cap="none" normalizeH="0" baseline="0" dirty="0" err="1" smtClean="0">
+              <a:rPr kumimoji="0" lang="ru-RU" sz="1400" b="0" i="0" u="none" strike="noStrike" cap="none" normalizeH="0" baseline="0" dirty="0" err="1" smtClean="0">
                 <a:ln>
                   <a:noFill/>
                 </a:ln>
@@ -12213,7 +12215,7 @@
               <a:t>incr</a:t>
             </a:r>
             <a:r>
-              <a:rPr kumimoji="0" lang="ru-RU" sz="1200" b="0" i="0" u="none" strike="noStrike" cap="none" normalizeH="0" baseline="0" dirty="0" smtClean="0">
+              <a:rPr kumimoji="0" lang="ru-RU" sz="1400" b="0" i="0" u="none" strike="noStrike" cap="none" normalizeH="0" baseline="0" dirty="0" smtClean="0">
                 <a:ln>
                   <a:noFill/>
                 </a:ln>
@@ -12227,7 +12229,7 @@
               <a:t>(int * </a:t>
             </a:r>
             <a:r>
-              <a:rPr kumimoji="0" lang="ru-RU" sz="1200" b="0" i="0" u="none" strike="noStrike" cap="none" normalizeH="0" baseline="0" dirty="0" err="1" smtClean="0">
+              <a:rPr kumimoji="0" lang="ru-RU" sz="1400" b="0" i="0" u="none" strike="noStrike" cap="none" normalizeH="0" baseline="0" dirty="0" err="1" smtClean="0">
                 <a:ln>
                   <a:noFill/>
                 </a:ln>
@@ -12241,7 +12243,7 @@
               <a:t>value</a:t>
             </a:r>
             <a:r>
-              <a:rPr kumimoji="0" lang="ru-RU" sz="1200" b="0" i="0" u="none" strike="noStrike" cap="none" normalizeH="0" baseline="0" dirty="0" smtClean="0">
+              <a:rPr kumimoji="0" lang="ru-RU" sz="1400" b="0" i="0" u="none" strike="noStrike" cap="none" normalizeH="0" baseline="0" dirty="0" smtClean="0">
                 <a:ln>
                   <a:noFill/>
                 </a:ln>
@@ -12255,7 +12257,7 @@
               <a:t>, </a:t>
             </a:r>
             <a:r>
-              <a:rPr kumimoji="0" lang="ru-RU" sz="1200" b="0" i="0" u="none" strike="noStrike" cap="none" normalizeH="0" baseline="0" dirty="0" err="1" smtClean="0">
+              <a:rPr kumimoji="0" lang="ru-RU" sz="1400" b="0" i="0" u="none" strike="noStrike" cap="none" normalizeH="0" baseline="0" dirty="0" err="1" smtClean="0">
                 <a:ln>
                   <a:noFill/>
                 </a:ln>
@@ -12269,7 +12271,7 @@
               <a:t>pthread_mutex_t</a:t>
             </a:r>
             <a:r>
-              <a:rPr kumimoji="0" lang="ru-RU" sz="1200" b="0" i="0" u="none" strike="noStrike" cap="none" normalizeH="0" baseline="0" dirty="0" smtClean="0">
+              <a:rPr kumimoji="0" lang="ru-RU" sz="1400" b="0" i="0" u="none" strike="noStrike" cap="none" normalizeH="0" baseline="0" dirty="0" smtClean="0">
                 <a:ln>
                   <a:noFill/>
                 </a:ln>
@@ -12283,7 +12285,7 @@
               <a:t>* </a:t>
             </a:r>
             <a:r>
-              <a:rPr lang="en-US" sz="1200" dirty="0" smtClean="0">
+              <a:rPr lang="en-US" sz="1400" dirty="0" smtClean="0">
                 <a:solidFill>
                   <a:srgbClr val="000000"/>
                 </a:solidFill>
@@ -12293,7 +12295,7 @@
               <a:t>m</a:t>
             </a:r>
             <a:r>
-              <a:rPr kumimoji="0" lang="ru-RU" sz="1200" b="0" i="0" u="none" strike="noStrike" cap="none" normalizeH="0" baseline="0" dirty="0" err="1" smtClean="0">
+              <a:rPr kumimoji="0" lang="ru-RU" sz="1400" b="0" i="0" u="none" strike="noStrike" cap="none" normalizeH="0" baseline="0" dirty="0" err="1" smtClean="0">
                 <a:ln>
                   <a:noFill/>
                 </a:ln>
@@ -12307,7 +12309,7 @@
               <a:t>utex</a:t>
             </a:r>
             <a:r>
-              <a:rPr kumimoji="0" lang="ru-RU" sz="1200" b="0" i="0" u="none" strike="noStrike" cap="none" normalizeH="0" baseline="0" dirty="0" smtClean="0">
+              <a:rPr kumimoji="0" lang="ru-RU" sz="1400" b="0" i="0" u="none" strike="noStrike" cap="none" normalizeH="0" baseline="0" dirty="0" smtClean="0">
                 <a:ln>
                   <a:noFill/>
                 </a:ln>
@@ -12321,7 +12323,7 @@
               <a:t>) </a:t>
             </a:r>
             <a:r>
-              <a:rPr kumimoji="0" lang="ru-RU" sz="1200" b="0" i="0" u="none" strike="noStrike" cap="none" normalizeH="0" baseline="0" dirty="0" smtClean="0">
+              <a:rPr kumimoji="0" lang="ru-RU" sz="1400" b="0" i="0" u="none" strike="noStrike" cap="none" normalizeH="0" baseline="0" dirty="0" smtClean="0">
                 <a:ln>
                   <a:noFill/>
                 </a:ln>
@@ -12353,7 +12355,7 @@
               <a:tabLst/>
             </a:pPr>
             <a:r>
-              <a:rPr lang="ru-RU" sz="1200" dirty="0" smtClean="0">
+              <a:rPr lang="ru-RU" sz="1400" dirty="0" smtClean="0">
                 <a:solidFill>
                   <a:srgbClr val="800080"/>
                 </a:solidFill>
@@ -12363,7 +12365,7 @@
               <a:t> </a:t>
             </a:r>
             <a:r>
-              <a:rPr lang="ru-RU" sz="1200" dirty="0" smtClean="0">
+              <a:rPr lang="ru-RU" sz="1400" dirty="0" smtClean="0">
                 <a:solidFill>
                   <a:srgbClr val="800080"/>
                 </a:solidFill>
@@ -12373,7 +12375,7 @@
               <a:t>       </a:t>
             </a:r>
             <a:r>
-              <a:rPr kumimoji="0" lang="ru-RU" sz="1200" b="0" i="0" u="none" strike="noStrike" cap="none" normalizeH="0" baseline="0" dirty="0" smtClean="0">
+              <a:rPr kumimoji="0" lang="ru-RU" sz="1400" b="0" i="0" u="none" strike="noStrike" cap="none" normalizeH="0" baseline="0" dirty="0" smtClean="0">
                 <a:ln>
                   <a:noFill/>
                 </a:ln>
@@ -12405,7 +12407,7 @@
               <a:tabLst/>
             </a:pPr>
             <a:r>
-              <a:rPr kumimoji="0" lang="ru-RU" sz="1200" b="0" i="0" u="none" strike="noStrike" cap="none" normalizeH="0" baseline="0" dirty="0" smtClean="0">
+              <a:rPr kumimoji="0" lang="ru-RU" sz="1400" b="0" i="0" u="none" strike="noStrike" cap="none" normalizeH="0" baseline="0" dirty="0" smtClean="0">
                 <a:ln>
                   <a:noFill/>
                 </a:ln>
@@ -12419,7 +12421,7 @@
               <a:t>        </a:t>
             </a:r>
             <a:r>
-              <a:rPr kumimoji="0" lang="ru-RU" sz="1200" b="0" i="0" u="none" strike="noStrike" cap="none" normalizeH="0" baseline="0" dirty="0" err="1" smtClean="0">
+              <a:rPr kumimoji="0" lang="ru-RU" sz="1400" b="0" i="0" u="none" strike="noStrike" cap="none" normalizeH="0" baseline="0" dirty="0" err="1" smtClean="0">
                 <a:ln>
                   <a:noFill/>
                 </a:ln>
@@ -12433,7 +12435,7 @@
               <a:t>pthread_mutex_lock</a:t>
             </a:r>
             <a:r>
-              <a:rPr kumimoji="0" lang="ru-RU" sz="1200" b="0" i="0" u="none" strike="noStrike" cap="none" normalizeH="0" baseline="0" dirty="0" smtClean="0">
+              <a:rPr kumimoji="0" lang="ru-RU" sz="1400" b="0" i="0" u="none" strike="noStrike" cap="none" normalizeH="0" baseline="0" dirty="0" smtClean="0">
                 <a:ln>
                   <a:noFill/>
                 </a:ln>
@@ -12447,7 +12449,7 @@
               <a:t>(</a:t>
             </a:r>
             <a:r>
-              <a:rPr kumimoji="0" lang="ru-RU" sz="1200" b="0" i="0" u="none" strike="noStrike" cap="none" normalizeH="0" baseline="0" dirty="0" smtClean="0">
+              <a:rPr kumimoji="0" lang="ru-RU" sz="1400" b="0" i="0" u="none" strike="noStrike" cap="none" normalizeH="0" baseline="0" dirty="0" smtClean="0">
                 <a:ln>
                   <a:noFill/>
                 </a:ln>
@@ -12461,7 +12463,7 @@
               <a:t>mutex</a:t>
             </a:r>
             <a:r>
-              <a:rPr kumimoji="0" lang="ru-RU" sz="1200" b="0" i="0" u="none" strike="noStrike" cap="none" normalizeH="0" baseline="0" dirty="0" smtClean="0">
+              <a:rPr kumimoji="0" lang="ru-RU" sz="1400" b="0" i="0" u="none" strike="noStrike" cap="none" normalizeH="0" baseline="0" dirty="0" smtClean="0">
                 <a:ln>
                   <a:noFill/>
                 </a:ln>
@@ -12475,7 +12477,7 @@
               <a:t>)</a:t>
             </a:r>
             <a:r>
-              <a:rPr kumimoji="0" lang="ru-RU" sz="1200" b="0" i="0" u="none" strike="noStrike" cap="none" normalizeH="0" baseline="0" dirty="0" smtClean="0">
+              <a:rPr kumimoji="0" lang="ru-RU" sz="1400" b="0" i="0" u="none" strike="noStrike" cap="none" normalizeH="0" baseline="0" dirty="0" smtClean="0">
                 <a:ln>
                   <a:noFill/>
                 </a:ln>
@@ -12507,7 +12509,7 @@
               <a:tabLst/>
             </a:pPr>
             <a:r>
-              <a:rPr lang="ru-RU" sz="1200" dirty="0" smtClean="0">
+              <a:rPr lang="ru-RU" sz="1400" dirty="0" smtClean="0">
                 <a:solidFill>
                   <a:srgbClr val="800080"/>
                 </a:solidFill>
@@ -12517,7 +12519,7 @@
               <a:t> </a:t>
             </a:r>
             <a:r>
-              <a:rPr lang="ru-RU" sz="1200" dirty="0" smtClean="0">
+              <a:rPr lang="ru-RU" sz="1400" dirty="0" smtClean="0">
                 <a:solidFill>
                   <a:srgbClr val="800080"/>
                 </a:solidFill>
@@ -12527,7 +12529,7 @@
               <a:t>       </a:t>
             </a:r>
             <a:r>
-              <a:rPr kumimoji="0" lang="ru-RU" sz="1200" b="0" i="0" u="none" strike="noStrike" cap="none" normalizeH="0" baseline="0" dirty="0" smtClean="0">
+              <a:rPr kumimoji="0" lang="ru-RU" sz="1400" b="0" i="0" u="none" strike="noStrike" cap="none" normalizeH="0" baseline="0" dirty="0" smtClean="0">
                 <a:ln>
                   <a:noFill/>
                 </a:ln>
@@ -12541,7 +12543,7 @@
               <a:t>(*</a:t>
             </a:r>
             <a:r>
-              <a:rPr kumimoji="0" lang="ru-RU" sz="1200" b="0" i="0" u="none" strike="noStrike" cap="none" normalizeH="0" baseline="0" dirty="0" err="1" smtClean="0">
+              <a:rPr kumimoji="0" lang="ru-RU" sz="1400" b="0" i="0" u="none" strike="noStrike" cap="none" normalizeH="0" baseline="0" dirty="0" err="1" smtClean="0">
                 <a:ln>
                   <a:noFill/>
                 </a:ln>
@@ -12555,7 +12557,7 @@
               <a:t>value</a:t>
             </a:r>
             <a:r>
-              <a:rPr kumimoji="0" lang="ru-RU" sz="1200" b="0" i="0" u="none" strike="noStrike" cap="none" normalizeH="0" baseline="0" dirty="0" smtClean="0">
+              <a:rPr kumimoji="0" lang="ru-RU" sz="1400" b="0" i="0" u="none" strike="noStrike" cap="none" normalizeH="0" baseline="0" dirty="0" smtClean="0">
                 <a:ln>
                   <a:noFill/>
                 </a:ln>
@@ -12569,7 +12571,7 @@
               <a:t>)++</a:t>
             </a:r>
             <a:r>
-              <a:rPr kumimoji="0" lang="ru-RU" sz="1200" b="0" i="0" u="none" strike="noStrike" cap="none" normalizeH="0" baseline="0" dirty="0" smtClean="0">
+              <a:rPr kumimoji="0" lang="ru-RU" sz="1400" b="0" i="0" u="none" strike="noStrike" cap="none" normalizeH="0" baseline="0" dirty="0" smtClean="0">
                 <a:ln>
                   <a:noFill/>
                 </a:ln>
@@ -12601,7 +12603,7 @@
               <a:tabLst/>
             </a:pPr>
             <a:r>
-              <a:rPr lang="ru-RU" sz="1200" dirty="0" smtClean="0">
+              <a:rPr lang="ru-RU" sz="1400" dirty="0" smtClean="0">
                 <a:solidFill>
                   <a:srgbClr val="800080"/>
                 </a:solidFill>
@@ -12611,7 +12613,7 @@
               <a:t> </a:t>
             </a:r>
             <a:r>
-              <a:rPr lang="ru-RU" sz="1200" dirty="0" smtClean="0">
+              <a:rPr lang="ru-RU" sz="1400" dirty="0" smtClean="0">
                 <a:solidFill>
                   <a:srgbClr val="800080"/>
                 </a:solidFill>
@@ -12621,7 +12623,7 @@
               <a:t>      </a:t>
             </a:r>
             <a:r>
-              <a:rPr kumimoji="0" lang="ru-RU" sz="1200" b="0" i="0" u="none" strike="noStrike" cap="none" normalizeH="0" baseline="0" dirty="0" smtClean="0">
+              <a:rPr kumimoji="0" lang="ru-RU" sz="1400" b="0" i="0" u="none" strike="noStrike" cap="none" normalizeH="0" baseline="0" dirty="0" smtClean="0">
                 <a:ln>
                   <a:noFill/>
                 </a:ln>
@@ -12635,7 +12637,7 @@
               <a:t> </a:t>
             </a:r>
             <a:r>
-              <a:rPr kumimoji="0" lang="ru-RU" sz="1200" b="0" i="0" u="none" strike="noStrike" cap="none" normalizeH="0" baseline="0" dirty="0" smtClean="0">
+              <a:rPr kumimoji="0" lang="ru-RU" sz="1400" b="0" i="0" u="none" strike="noStrike" cap="none" normalizeH="0" baseline="0" dirty="0" smtClean="0">
                 <a:ln>
                   <a:noFill/>
                 </a:ln>
@@ -12667,7 +12669,7 @@
               <a:tabLst/>
             </a:pPr>
             <a:r>
-              <a:rPr lang="ru-RU" sz="1200" dirty="0" smtClean="0">
+              <a:rPr lang="ru-RU" sz="1400" dirty="0" smtClean="0">
                 <a:solidFill>
                   <a:srgbClr val="696969"/>
                 </a:solidFill>
@@ -12677,7 +12679,7 @@
               <a:t> </a:t>
             </a:r>
             <a:r>
-              <a:rPr lang="ru-RU" sz="1200" dirty="0" smtClean="0">
+              <a:rPr lang="ru-RU" sz="1400" dirty="0" smtClean="0">
                 <a:solidFill>
                   <a:srgbClr val="696969"/>
                 </a:solidFill>
@@ -12687,7 +12689,7 @@
               <a:t>      </a:t>
             </a:r>
             <a:r>
-              <a:rPr kumimoji="0" lang="ru-RU" sz="1200" b="0" i="0" u="none" strike="noStrike" cap="none" normalizeH="0" baseline="0" dirty="0" smtClean="0">
+              <a:rPr kumimoji="0" lang="ru-RU" sz="1400" b="0" i="0" u="none" strike="noStrike" cap="none" normalizeH="0" baseline="0" dirty="0" smtClean="0">
                 <a:ln>
                   <a:noFill/>
                 </a:ln>
@@ -12701,7 +12703,7 @@
               <a:t>:// (*</a:t>
             </a:r>
             <a:r>
-              <a:rPr kumimoji="0" lang="ru-RU" sz="1200" b="0" i="0" u="none" strike="noStrike" cap="none" normalizeH="0" baseline="0" dirty="0" err="1" smtClean="0">
+              <a:rPr kumimoji="0" lang="ru-RU" sz="1400" b="0" i="0" u="none" strike="noStrike" cap="none" normalizeH="0" baseline="0" dirty="0" err="1" smtClean="0">
                 <a:ln>
                   <a:noFill/>
                 </a:ln>
@@ -12715,7 +12717,7 @@
               <a:t>value</a:t>
             </a:r>
             <a:r>
-              <a:rPr kumimoji="0" lang="ru-RU" sz="1200" b="0" i="0" u="none" strike="noStrike" cap="none" normalizeH="0" baseline="0" dirty="0" smtClean="0">
+              <a:rPr kumimoji="0" lang="ru-RU" sz="1400" b="0" i="0" u="none" strike="noStrike" cap="none" normalizeH="0" baseline="0" dirty="0" smtClean="0">
                 <a:ln>
                   <a:noFill/>
                 </a:ln>
@@ -12747,7 +12749,7 @@
               <a:tabLst/>
             </a:pPr>
             <a:r>
-              <a:rPr lang="ru-RU" sz="1200" dirty="0" smtClean="0">
+              <a:rPr lang="ru-RU" sz="1400" dirty="0" smtClean="0">
                 <a:solidFill>
                   <a:srgbClr val="696969"/>
                 </a:solidFill>
@@ -12757,7 +12759,7 @@
               <a:t> </a:t>
             </a:r>
             <a:r>
-              <a:rPr lang="ru-RU" sz="1200" dirty="0" smtClean="0">
+              <a:rPr lang="ru-RU" sz="1400" dirty="0" smtClean="0">
                 <a:solidFill>
                   <a:srgbClr val="696969"/>
                 </a:solidFill>
@@ -12767,7 +12769,7 @@
               <a:t>      </a:t>
             </a:r>
             <a:r>
-              <a:rPr kumimoji="0" lang="ru-RU" sz="1200" b="0" i="0" u="none" strike="noStrike" cap="none" normalizeH="0" baseline="0" dirty="0" smtClean="0">
+              <a:rPr kumimoji="0" lang="ru-RU" sz="1400" b="0" i="0" u="none" strike="noStrike" cap="none" normalizeH="0" baseline="0" dirty="0" smtClean="0">
                 <a:ln>
                   <a:noFill/>
                 </a:ln>
@@ -12781,7 +12783,7 @@
               <a:t> </a:t>
             </a:r>
             <a:r>
-              <a:rPr kumimoji="0" lang="ru-RU" sz="1200" b="0" i="0" u="none" strike="noStrike" cap="none" normalizeH="0" baseline="0" dirty="0" smtClean="0">
+              <a:rPr kumimoji="0" lang="ru-RU" sz="1400" b="0" i="0" u="none" strike="noStrike" cap="none" normalizeH="0" baseline="0" dirty="0" smtClean="0">
                 <a:ln>
                   <a:noFill/>
                 </a:ln>
@@ -12795,7 +12797,7 @@
               <a:t>// (*</a:t>
             </a:r>
             <a:r>
-              <a:rPr kumimoji="0" lang="ru-RU" sz="1200" b="0" i="0" u="none" strike="noStrike" cap="none" normalizeH="0" baseline="0" dirty="0" err="1" smtClean="0">
+              <a:rPr kumimoji="0" lang="ru-RU" sz="1400" b="0" i="0" u="none" strike="noStrike" cap="none" normalizeH="0" baseline="0" dirty="0" err="1" smtClean="0">
                 <a:ln>
                   <a:noFill/>
                 </a:ln>
@@ -12809,7 +12811,7 @@
               <a:t>value</a:t>
             </a:r>
             <a:r>
-              <a:rPr kumimoji="0" lang="ru-RU" sz="1200" b="0" i="0" u="none" strike="noStrike" cap="none" normalizeH="0" baseline="0" dirty="0" smtClean="0">
+              <a:rPr kumimoji="0" lang="ru-RU" sz="1400" b="0" i="0" u="none" strike="noStrike" cap="none" normalizeH="0" baseline="0" dirty="0" smtClean="0">
                 <a:ln>
                   <a:noFill/>
                 </a:ln>
@@ -12823,7 +12825,7 @@
               <a:t>, ({mutex}, {}), запись)</a:t>
             </a:r>
             <a:r>
-              <a:rPr kumimoji="0" lang="ru-RU" sz="1200" b="0" i="0" u="none" strike="noStrike" cap="none" normalizeH="0" baseline="0" dirty="0" smtClean="0">
+              <a:rPr kumimoji="0" lang="ru-RU" sz="1400" b="0" i="0" u="none" strike="noStrike" cap="none" normalizeH="0" baseline="0" dirty="0" smtClean="0">
                 <a:ln>
                   <a:noFill/>
                 </a:ln>
@@ -12855,7 +12857,7 @@
               <a:tabLst/>
             </a:pPr>
             <a:r>
-              <a:rPr lang="ru-RU" sz="1200" dirty="0" smtClean="0">
+              <a:rPr lang="ru-RU" sz="1400" dirty="0" smtClean="0">
                 <a:solidFill>
                   <a:srgbClr val="000000"/>
                 </a:solidFill>
@@ -12865,7 +12867,7 @@
               <a:t> </a:t>
             </a:r>
             <a:r>
-              <a:rPr lang="ru-RU" sz="1200" dirty="0" smtClean="0">
+              <a:rPr lang="ru-RU" sz="1400" dirty="0" smtClean="0">
                 <a:solidFill>
                   <a:srgbClr val="000000"/>
                 </a:solidFill>
@@ -12875,7 +12877,7 @@
               <a:t>       </a:t>
             </a:r>
             <a:r>
-              <a:rPr kumimoji="0" lang="ru-RU" sz="1200" b="0" i="0" u="none" strike="noStrike" cap="none" normalizeH="0" baseline="0" dirty="0" err="1" smtClean="0">
+              <a:rPr kumimoji="0" lang="ru-RU" sz="1400" b="0" i="0" u="none" strike="noStrike" cap="none" normalizeH="0" baseline="0" dirty="0" err="1" smtClean="0">
                 <a:ln>
                   <a:noFill/>
                 </a:ln>
@@ -12889,7 +12891,7 @@
               <a:t>pthread_mutex_unlock</a:t>
             </a:r>
             <a:r>
-              <a:rPr kumimoji="0" lang="ru-RU" sz="1200" b="0" i="0" u="none" strike="noStrike" cap="none" normalizeH="0" baseline="0" dirty="0" smtClean="0">
+              <a:rPr kumimoji="0" lang="ru-RU" sz="1400" b="0" i="0" u="none" strike="noStrike" cap="none" normalizeH="0" baseline="0" dirty="0" smtClean="0">
                 <a:ln>
                   <a:noFill/>
                 </a:ln>
@@ -12903,7 +12905,7 @@
               <a:t>(</a:t>
             </a:r>
             <a:r>
-              <a:rPr kumimoji="0" lang="ru-RU" sz="1200" b="0" i="0" u="none" strike="noStrike" cap="none" normalizeH="0" baseline="0" dirty="0" smtClean="0">
+              <a:rPr kumimoji="0" lang="ru-RU" sz="1400" b="0" i="0" u="none" strike="noStrike" cap="none" normalizeH="0" baseline="0" dirty="0" smtClean="0">
                 <a:ln>
                   <a:noFill/>
                 </a:ln>
@@ -12917,7 +12919,7 @@
               <a:t>mutex</a:t>
             </a:r>
             <a:r>
-              <a:rPr kumimoji="0" lang="ru-RU" sz="1200" b="0" i="0" u="none" strike="noStrike" cap="none" normalizeH="0" baseline="0" dirty="0" smtClean="0">
+              <a:rPr kumimoji="0" lang="ru-RU" sz="1400" b="0" i="0" u="none" strike="noStrike" cap="none" normalizeH="0" baseline="0" dirty="0" smtClean="0">
                 <a:ln>
                   <a:noFill/>
                 </a:ln>
@@ -12931,7 +12933,7 @@
               <a:t>)</a:t>
             </a:r>
             <a:r>
-              <a:rPr kumimoji="0" lang="ru-RU" sz="1200" b="0" i="0" u="none" strike="noStrike" cap="none" normalizeH="0" baseline="0" dirty="0" smtClean="0">
+              <a:rPr kumimoji="0" lang="ru-RU" sz="1400" b="0" i="0" u="none" strike="noStrike" cap="none" normalizeH="0" baseline="0" dirty="0" smtClean="0">
                 <a:ln>
                   <a:noFill/>
                 </a:ln>
@@ -12963,7 +12965,7 @@
               <a:tabLst/>
             </a:pPr>
             <a:r>
-              <a:rPr kumimoji="0" lang="ru-RU" sz="1200" b="0" i="0" u="none" strike="noStrike" cap="none" normalizeH="0" baseline="0" dirty="0" smtClean="0">
+              <a:rPr kumimoji="0" lang="ru-RU" sz="1400" b="0" i="0" u="none" strike="noStrike" cap="none" normalizeH="0" baseline="0" dirty="0" smtClean="0">
                 <a:ln>
                   <a:noFill/>
                 </a:ln>
@@ -12977,7 +12979,7 @@
               <a:t>}</a:t>
             </a:r>
             <a:r>
-              <a:rPr kumimoji="0" lang="ru-RU" sz="1200" b="0" i="0" u="none" strike="noStrike" cap="none" normalizeH="0" baseline="0" dirty="0" smtClean="0">
+              <a:rPr kumimoji="0" lang="ru-RU" sz="1400" b="0" i="0" u="none" strike="noStrike" cap="none" normalizeH="0" baseline="0" dirty="0" smtClean="0">
                 <a:ln>
                   <a:noFill/>
                 </a:ln>
@@ -12993,2861 +12995,685 @@
           </a:p>
         </p:txBody>
       </p:sp>
+      <p:graphicFrame>
+        <p:nvGraphicFramePr>
+          <p:cNvPr id="12" name="Таблица 11"/>
+          <p:cNvGraphicFramePr>
+            <a:graphicFrameLocks noGrp="1"/>
+          </p:cNvGraphicFramePr>
+          <p:nvPr/>
+        </p:nvGraphicFramePr>
+        <p:xfrm>
+          <a:off x="5220072" y="2780928"/>
+          <a:ext cx="3600402" cy="1341120"/>
+        </p:xfrm>
+        <a:graphic>
+          <a:graphicData uri="http://schemas.openxmlformats.org/drawingml/2006/table">
+            <a:tbl>
+              <a:tblPr firstRow="1" bandRow="1">
+                <a:effectLst>
+                  <a:outerShdw blurRad="50800" dist="50800" dir="5400000" algn="ctr" rotWithShape="0">
+                    <a:schemeClr val="bg1"/>
+                  </a:outerShdw>
+                </a:effectLst>
+                <a:tableStyleId>{5C22544A-7EE6-4342-B048-85BDC9FD1C3A}</a:tableStyleId>
+              </a:tblPr>
+              <a:tblGrid>
+                <a:gridCol w="936105"/>
+                <a:gridCol w="1464163"/>
+                <a:gridCol w="1200134"/>
+              </a:tblGrid>
+              <a:tr h="587504">
+                <a:tc>
+                  <a:txBody>
+                    <a:bodyPr/>
+                    <a:lstStyle/>
+                    <a:p>
+                      <a:r>
+                        <a:rPr lang="en-US" sz="1400" dirty="0" smtClean="0">
+                          <a:solidFill>
+                            <a:schemeClr val="tx1"/>
+                          </a:solidFill>
+                        </a:rPr>
+                        <a:t>lvalue</a:t>
+                      </a:r>
+                      <a:endParaRPr lang="ru-RU" sz="1400" dirty="0">
+                        <a:solidFill>
+                          <a:schemeClr val="tx1"/>
+                        </a:solidFill>
+                      </a:endParaRPr>
+                    </a:p>
+                  </a:txBody>
+                  <a:tcPr>
+                    <a:lnL w="12700" cap="flat" cmpd="sng" algn="ctr">
+                      <a:solidFill>
+                        <a:schemeClr val="tx1"/>
+                      </a:solidFill>
+                      <a:prstDash val="solid"/>
+                      <a:round/>
+                      <a:headEnd type="none" w="med" len="med"/>
+                      <a:tailEnd type="none" w="med" len="med"/>
+                    </a:lnL>
+                    <a:lnR w="12700" cap="flat" cmpd="sng" algn="ctr">
+                      <a:solidFill>
+                        <a:schemeClr val="tx1"/>
+                      </a:solidFill>
+                      <a:prstDash val="solid"/>
+                      <a:round/>
+                      <a:headEnd type="none" w="med" len="med"/>
+                      <a:tailEnd type="none" w="med" len="med"/>
+                    </a:lnR>
+                    <a:lnT w="12700" cap="flat" cmpd="sng" algn="ctr">
+                      <a:solidFill>
+                        <a:schemeClr val="tx1"/>
+                      </a:solidFill>
+                      <a:prstDash val="solid"/>
+                      <a:round/>
+                      <a:headEnd type="none" w="med" len="med"/>
+                      <a:tailEnd type="none" w="med" len="med"/>
+                    </a:lnT>
+                    <a:lnB w="12700" cap="flat" cmpd="sng" algn="ctr">
+                      <a:solidFill>
+                        <a:schemeClr val="tx1"/>
+                      </a:solidFill>
+                      <a:prstDash val="solid"/>
+                      <a:round/>
+                      <a:headEnd type="none" w="med" len="med"/>
+                      <a:tailEnd type="none" w="med" len="med"/>
+                    </a:lnB>
+                    <a:noFill/>
+                  </a:tcPr>
+                </a:tc>
+                <a:tc>
+                  <a:txBody>
+                    <a:bodyPr/>
+                    <a:lstStyle/>
+                    <a:p>
+                      <a:r>
+                        <a:rPr lang="ru-RU" sz="1400" dirty="0" smtClean="0">
+                          <a:solidFill>
+                            <a:schemeClr val="tx1"/>
+                          </a:solidFill>
+                          <a:latin typeface="+mn-lt"/>
+                          <a:cs typeface="Times New Roman" pitchFamily="18" charset="0"/>
+                        </a:rPr>
+                        <a:t>Относительное множество блокировок</a:t>
+                      </a:r>
+                      <a:endParaRPr lang="ru-RU" sz="1400" dirty="0">
+                        <a:solidFill>
+                          <a:schemeClr val="tx1"/>
+                        </a:solidFill>
+                        <a:latin typeface="+mn-lt"/>
+                        <a:cs typeface="Times New Roman" pitchFamily="18" charset="0"/>
+                      </a:endParaRPr>
+                    </a:p>
+                  </a:txBody>
+                  <a:tcPr>
+                    <a:lnL w="12700" cap="flat" cmpd="sng" algn="ctr">
+                      <a:solidFill>
+                        <a:schemeClr val="tx1"/>
+                      </a:solidFill>
+                      <a:prstDash val="solid"/>
+                      <a:round/>
+                      <a:headEnd type="none" w="med" len="med"/>
+                      <a:tailEnd type="none" w="med" len="med"/>
+                    </a:lnL>
+                    <a:lnR w="12700" cap="flat" cmpd="sng" algn="ctr">
+                      <a:solidFill>
+                        <a:schemeClr val="tx1"/>
+                      </a:solidFill>
+                      <a:prstDash val="solid"/>
+                      <a:round/>
+                      <a:headEnd type="none" w="med" len="med"/>
+                      <a:tailEnd type="none" w="med" len="med"/>
+                    </a:lnR>
+                    <a:lnT w="12700" cap="flat" cmpd="sng" algn="ctr">
+                      <a:solidFill>
+                        <a:schemeClr val="tx1"/>
+                      </a:solidFill>
+                      <a:prstDash val="solid"/>
+                      <a:round/>
+                      <a:headEnd type="none" w="med" len="med"/>
+                      <a:tailEnd type="none" w="med" len="med"/>
+                    </a:lnT>
+                    <a:lnB w="12700" cap="flat" cmpd="sng" algn="ctr">
+                      <a:solidFill>
+                        <a:schemeClr val="tx1"/>
+                      </a:solidFill>
+                      <a:prstDash val="solid"/>
+                      <a:round/>
+                      <a:headEnd type="none" w="med" len="med"/>
+                      <a:tailEnd type="none" w="med" len="med"/>
+                    </a:lnB>
+                    <a:noFill/>
+                  </a:tcPr>
+                </a:tc>
+                <a:tc>
+                  <a:txBody>
+                    <a:bodyPr/>
+                    <a:lstStyle/>
+                    <a:p>
+                      <a:r>
+                        <a:rPr lang="ru-RU" sz="1400" dirty="0" smtClean="0">
+                          <a:solidFill>
+                            <a:schemeClr val="tx1"/>
+                          </a:solidFill>
+                        </a:rPr>
+                        <a:t>Тип доступа</a:t>
+                      </a:r>
+                      <a:endParaRPr lang="ru-RU" sz="1400" dirty="0">
+                        <a:solidFill>
+                          <a:schemeClr val="tx1"/>
+                        </a:solidFill>
+                      </a:endParaRPr>
+                    </a:p>
+                  </a:txBody>
+                  <a:tcPr>
+                    <a:lnL w="12700" cap="flat" cmpd="sng" algn="ctr">
+                      <a:solidFill>
+                        <a:schemeClr val="tx1"/>
+                      </a:solidFill>
+                      <a:prstDash val="solid"/>
+                      <a:round/>
+                      <a:headEnd type="none" w="med" len="med"/>
+                      <a:tailEnd type="none" w="med" len="med"/>
+                    </a:lnL>
+                    <a:lnR w="12700" cap="flat" cmpd="sng" algn="ctr">
+                      <a:solidFill>
+                        <a:schemeClr val="tx1"/>
+                      </a:solidFill>
+                      <a:prstDash val="solid"/>
+                      <a:round/>
+                      <a:headEnd type="none" w="med" len="med"/>
+                      <a:tailEnd type="none" w="med" len="med"/>
+                    </a:lnR>
+                    <a:lnT w="12700" cap="flat" cmpd="sng" algn="ctr">
+                      <a:solidFill>
+                        <a:schemeClr val="tx1"/>
+                      </a:solidFill>
+                      <a:prstDash val="solid"/>
+                      <a:round/>
+                      <a:headEnd type="none" w="med" len="med"/>
+                      <a:tailEnd type="none" w="med" len="med"/>
+                    </a:lnT>
+                    <a:lnB w="12700" cap="flat" cmpd="sng" algn="ctr">
+                      <a:solidFill>
+                        <a:schemeClr val="tx1"/>
+                      </a:solidFill>
+                      <a:prstDash val="solid"/>
+                      <a:round/>
+                      <a:headEnd type="none" w="med" len="med"/>
+                      <a:tailEnd type="none" w="med" len="med"/>
+                    </a:lnB>
+                    <a:noFill/>
+                  </a:tcPr>
+                </a:tc>
+              </a:tr>
+              <a:tr h="269288">
+                <a:tc>
+                  <a:txBody>
+                    <a:bodyPr/>
+                    <a:lstStyle/>
+                    <a:p>
+                      <a:r>
+                        <a:rPr lang="ru-RU" sz="1400" dirty="0" smtClean="0">
+                          <a:solidFill>
+                            <a:schemeClr val="tx1"/>
+                          </a:solidFill>
+                        </a:rPr>
+                        <a:t>*</a:t>
+                      </a:r>
+                      <a:r>
+                        <a:rPr lang="en-US" sz="1400" dirty="0" smtClean="0">
+                          <a:solidFill>
+                            <a:schemeClr val="tx1"/>
+                          </a:solidFill>
+                        </a:rPr>
+                        <a:t>value</a:t>
+                      </a:r>
+                      <a:endParaRPr lang="ru-RU" sz="1400" dirty="0">
+                        <a:solidFill>
+                          <a:schemeClr val="tx1"/>
+                        </a:solidFill>
+                      </a:endParaRPr>
+                    </a:p>
+                  </a:txBody>
+                  <a:tcPr>
+                    <a:lnL w="12700" cap="flat" cmpd="sng" algn="ctr">
+                      <a:solidFill>
+                        <a:schemeClr val="tx1"/>
+                      </a:solidFill>
+                      <a:prstDash val="solid"/>
+                      <a:round/>
+                      <a:headEnd type="none" w="med" len="med"/>
+                      <a:tailEnd type="none" w="med" len="med"/>
+                    </a:lnL>
+                    <a:lnR w="12700" cap="flat" cmpd="sng" algn="ctr">
+                      <a:solidFill>
+                        <a:schemeClr val="tx1"/>
+                      </a:solidFill>
+                      <a:prstDash val="solid"/>
+                      <a:round/>
+                      <a:headEnd type="none" w="med" len="med"/>
+                      <a:tailEnd type="none" w="med" len="med"/>
+                    </a:lnR>
+                    <a:lnT w="12700" cap="flat" cmpd="sng" algn="ctr">
+                      <a:solidFill>
+                        <a:schemeClr val="tx1"/>
+                      </a:solidFill>
+                      <a:prstDash val="solid"/>
+                      <a:round/>
+                      <a:headEnd type="none" w="med" len="med"/>
+                      <a:tailEnd type="none" w="med" len="med"/>
+                    </a:lnT>
+                    <a:lnB w="12700" cap="flat" cmpd="sng" algn="ctr">
+                      <a:solidFill>
+                        <a:schemeClr val="tx1"/>
+                      </a:solidFill>
+                      <a:prstDash val="solid"/>
+                      <a:round/>
+                      <a:headEnd type="none" w="med" len="med"/>
+                      <a:tailEnd type="none" w="med" len="med"/>
+                    </a:lnB>
+                    <a:noFill/>
+                  </a:tcPr>
+                </a:tc>
+                <a:tc>
+                  <a:txBody>
+                    <a:bodyPr/>
+                    <a:lstStyle/>
+                    <a:p>
+                      <a:r>
+                        <a:rPr lang="en-US" sz="1400" dirty="0" smtClean="0">
+                          <a:solidFill>
+                            <a:schemeClr val="tx1"/>
+                          </a:solidFill>
+                        </a:rPr>
+                        <a:t>({mutex},</a:t>
+                      </a:r>
+                      <a:r>
+                        <a:rPr lang="en-US" sz="1400" baseline="0" dirty="0" smtClean="0">
+                          <a:solidFill>
+                            <a:schemeClr val="tx1"/>
+                          </a:solidFill>
+                        </a:rPr>
+                        <a:t> {})</a:t>
+                      </a:r>
+                      <a:endParaRPr lang="ru-RU" sz="1400" dirty="0">
+                        <a:solidFill>
+                          <a:schemeClr val="tx1"/>
+                        </a:solidFill>
+                      </a:endParaRPr>
+                    </a:p>
+                  </a:txBody>
+                  <a:tcPr>
+                    <a:lnL w="12700" cap="flat" cmpd="sng" algn="ctr">
+                      <a:solidFill>
+                        <a:schemeClr val="tx1"/>
+                      </a:solidFill>
+                      <a:prstDash val="solid"/>
+                      <a:round/>
+                      <a:headEnd type="none" w="med" len="med"/>
+                      <a:tailEnd type="none" w="med" len="med"/>
+                    </a:lnL>
+                    <a:lnR w="12700" cap="flat" cmpd="sng" algn="ctr">
+                      <a:solidFill>
+                        <a:schemeClr val="tx1"/>
+                      </a:solidFill>
+                      <a:prstDash val="solid"/>
+                      <a:round/>
+                      <a:headEnd type="none" w="med" len="med"/>
+                      <a:tailEnd type="none" w="med" len="med"/>
+                    </a:lnR>
+                    <a:lnT w="12700" cap="flat" cmpd="sng" algn="ctr">
+                      <a:solidFill>
+                        <a:schemeClr val="tx1"/>
+                      </a:solidFill>
+                      <a:prstDash val="solid"/>
+                      <a:round/>
+                      <a:headEnd type="none" w="med" len="med"/>
+                      <a:tailEnd type="none" w="med" len="med"/>
+                    </a:lnT>
+                    <a:lnB w="12700" cap="flat" cmpd="sng" algn="ctr">
+                      <a:solidFill>
+                        <a:schemeClr val="tx1"/>
+                      </a:solidFill>
+                      <a:prstDash val="solid"/>
+                      <a:round/>
+                      <a:headEnd type="none" w="med" len="med"/>
+                      <a:tailEnd type="none" w="med" len="med"/>
+                    </a:lnB>
+                    <a:noFill/>
+                  </a:tcPr>
+                </a:tc>
+                <a:tc>
+                  <a:txBody>
+                    <a:bodyPr/>
+                    <a:lstStyle/>
+                    <a:p>
+                      <a:r>
+                        <a:rPr lang="ru-RU" sz="1400" dirty="0" smtClean="0">
+                          <a:solidFill>
+                            <a:schemeClr val="tx1"/>
+                          </a:solidFill>
+                        </a:rPr>
+                        <a:t>чтение</a:t>
+                      </a:r>
+                      <a:endParaRPr lang="ru-RU" sz="1400" dirty="0">
+                        <a:solidFill>
+                          <a:schemeClr val="tx1"/>
+                        </a:solidFill>
+                      </a:endParaRPr>
+                    </a:p>
+                  </a:txBody>
+                  <a:tcPr>
+                    <a:lnL w="12700" cap="flat" cmpd="sng" algn="ctr">
+                      <a:solidFill>
+                        <a:schemeClr val="tx1"/>
+                      </a:solidFill>
+                      <a:prstDash val="solid"/>
+                      <a:round/>
+                      <a:headEnd type="none" w="med" len="med"/>
+                      <a:tailEnd type="none" w="med" len="med"/>
+                    </a:lnL>
+                    <a:lnR w="12700" cap="flat" cmpd="sng" algn="ctr">
+                      <a:solidFill>
+                        <a:schemeClr val="tx1"/>
+                      </a:solidFill>
+                      <a:prstDash val="solid"/>
+                      <a:round/>
+                      <a:headEnd type="none" w="med" len="med"/>
+                      <a:tailEnd type="none" w="med" len="med"/>
+                    </a:lnR>
+                    <a:lnT w="12700" cap="flat" cmpd="sng" algn="ctr">
+                      <a:solidFill>
+                        <a:schemeClr val="tx1"/>
+                      </a:solidFill>
+                      <a:prstDash val="solid"/>
+                      <a:round/>
+                      <a:headEnd type="none" w="med" len="med"/>
+                      <a:tailEnd type="none" w="med" len="med"/>
+                    </a:lnT>
+                    <a:lnB w="12700" cap="flat" cmpd="sng" algn="ctr">
+                      <a:solidFill>
+                        <a:schemeClr val="tx1"/>
+                      </a:solidFill>
+                      <a:prstDash val="solid"/>
+                      <a:round/>
+                      <a:headEnd type="none" w="med" len="med"/>
+                      <a:tailEnd type="none" w="med" len="med"/>
+                    </a:lnB>
+                    <a:noFill/>
+                  </a:tcPr>
+                </a:tc>
+              </a:tr>
+              <a:tr h="269288">
+                <a:tc>
+                  <a:txBody>
+                    <a:bodyPr/>
+                    <a:lstStyle/>
+                    <a:p>
+                      <a:r>
+                        <a:rPr lang="en-US" sz="1400" dirty="0" smtClean="0">
+                          <a:solidFill>
+                            <a:schemeClr val="tx1"/>
+                          </a:solidFill>
+                        </a:rPr>
+                        <a:t>*value</a:t>
+                      </a:r>
+                      <a:endParaRPr lang="ru-RU" sz="1400" dirty="0">
+                        <a:solidFill>
+                          <a:schemeClr val="tx1"/>
+                        </a:solidFill>
+                      </a:endParaRPr>
+                    </a:p>
+                  </a:txBody>
+                  <a:tcPr>
+                    <a:lnL w="12700" cap="flat" cmpd="sng" algn="ctr">
+                      <a:solidFill>
+                        <a:schemeClr val="tx1"/>
+                      </a:solidFill>
+                      <a:prstDash val="solid"/>
+                      <a:round/>
+                      <a:headEnd type="none" w="med" len="med"/>
+                      <a:tailEnd type="none" w="med" len="med"/>
+                    </a:lnL>
+                    <a:lnR w="12700" cap="flat" cmpd="sng" algn="ctr">
+                      <a:solidFill>
+                        <a:schemeClr val="tx1"/>
+                      </a:solidFill>
+                      <a:prstDash val="solid"/>
+                      <a:round/>
+                      <a:headEnd type="none" w="med" len="med"/>
+                      <a:tailEnd type="none" w="med" len="med"/>
+                    </a:lnR>
+                    <a:lnT w="12700" cap="flat" cmpd="sng" algn="ctr">
+                      <a:solidFill>
+                        <a:schemeClr val="tx1"/>
+                      </a:solidFill>
+                      <a:prstDash val="solid"/>
+                      <a:round/>
+                      <a:headEnd type="none" w="med" len="med"/>
+                      <a:tailEnd type="none" w="med" len="med"/>
+                    </a:lnT>
+                    <a:lnB w="12700" cap="flat" cmpd="sng" algn="ctr">
+                      <a:solidFill>
+                        <a:schemeClr val="tx1"/>
+                      </a:solidFill>
+                      <a:prstDash val="solid"/>
+                      <a:round/>
+                      <a:headEnd type="none" w="med" len="med"/>
+                      <a:tailEnd type="none" w="med" len="med"/>
+                    </a:lnB>
+                    <a:noFill/>
+                  </a:tcPr>
+                </a:tc>
+                <a:tc>
+                  <a:txBody>
+                    <a:bodyPr/>
+                    <a:lstStyle/>
+                    <a:p>
+                      <a:r>
+                        <a:rPr lang="en-US" sz="1400" dirty="0" smtClean="0">
+                          <a:solidFill>
+                            <a:schemeClr val="tx1"/>
+                          </a:solidFill>
+                        </a:rPr>
+                        <a:t>({mutex},</a:t>
+                      </a:r>
+                      <a:r>
+                        <a:rPr lang="en-US" sz="1400" baseline="0" dirty="0" smtClean="0">
+                          <a:solidFill>
+                            <a:schemeClr val="tx1"/>
+                          </a:solidFill>
+                        </a:rPr>
+                        <a:t> {})</a:t>
+                      </a:r>
+                      <a:endParaRPr lang="ru-RU" sz="1400" dirty="0">
+                        <a:solidFill>
+                          <a:schemeClr val="tx1"/>
+                        </a:solidFill>
+                      </a:endParaRPr>
+                    </a:p>
+                  </a:txBody>
+                  <a:tcPr>
+                    <a:lnL w="12700" cap="flat" cmpd="sng" algn="ctr">
+                      <a:solidFill>
+                        <a:schemeClr val="tx1"/>
+                      </a:solidFill>
+                      <a:prstDash val="solid"/>
+                      <a:round/>
+                      <a:headEnd type="none" w="med" len="med"/>
+                      <a:tailEnd type="none" w="med" len="med"/>
+                    </a:lnL>
+                    <a:lnR w="12700" cap="flat" cmpd="sng" algn="ctr">
+                      <a:solidFill>
+                        <a:schemeClr val="tx1"/>
+                      </a:solidFill>
+                      <a:prstDash val="solid"/>
+                      <a:round/>
+                      <a:headEnd type="none" w="med" len="med"/>
+                      <a:tailEnd type="none" w="med" len="med"/>
+                    </a:lnR>
+                    <a:lnT w="12700" cap="flat" cmpd="sng" algn="ctr">
+                      <a:solidFill>
+                        <a:schemeClr val="tx1"/>
+                      </a:solidFill>
+                      <a:prstDash val="solid"/>
+                      <a:round/>
+                      <a:headEnd type="none" w="med" len="med"/>
+                      <a:tailEnd type="none" w="med" len="med"/>
+                    </a:lnT>
+                    <a:lnB w="12700" cap="flat" cmpd="sng" algn="ctr">
+                      <a:solidFill>
+                        <a:schemeClr val="tx1"/>
+                      </a:solidFill>
+                      <a:prstDash val="solid"/>
+                      <a:round/>
+                      <a:headEnd type="none" w="med" len="med"/>
+                      <a:tailEnd type="none" w="med" len="med"/>
+                    </a:lnB>
+                    <a:noFill/>
+                  </a:tcPr>
+                </a:tc>
+                <a:tc>
+                  <a:txBody>
+                    <a:bodyPr/>
+                    <a:lstStyle/>
+                    <a:p>
+                      <a:r>
+                        <a:rPr lang="ru-RU" sz="1400" dirty="0" smtClean="0">
+                          <a:solidFill>
+                            <a:schemeClr val="tx1"/>
+                          </a:solidFill>
+                        </a:rPr>
+                        <a:t>запись</a:t>
+                      </a:r>
+                      <a:endParaRPr lang="ru-RU" sz="1400" dirty="0">
+                        <a:solidFill>
+                          <a:schemeClr val="tx1"/>
+                        </a:solidFill>
+                      </a:endParaRPr>
+                    </a:p>
+                  </a:txBody>
+                  <a:tcPr>
+                    <a:lnL w="12700" cap="flat" cmpd="sng" algn="ctr">
+                      <a:solidFill>
+                        <a:schemeClr val="tx1"/>
+                      </a:solidFill>
+                      <a:prstDash val="solid"/>
+                      <a:round/>
+                      <a:headEnd type="none" w="med" len="med"/>
+                      <a:tailEnd type="none" w="med" len="med"/>
+                    </a:lnL>
+                    <a:lnR w="12700" cap="flat" cmpd="sng" algn="ctr">
+                      <a:solidFill>
+                        <a:schemeClr val="tx1"/>
+                      </a:solidFill>
+                      <a:prstDash val="solid"/>
+                      <a:round/>
+                      <a:headEnd type="none" w="med" len="med"/>
+                      <a:tailEnd type="none" w="med" len="med"/>
+                    </a:lnR>
+                    <a:lnT w="12700" cap="flat" cmpd="sng" algn="ctr">
+                      <a:solidFill>
+                        <a:schemeClr val="tx1"/>
+                      </a:solidFill>
+                      <a:prstDash val="solid"/>
+                      <a:round/>
+                      <a:headEnd type="none" w="med" len="med"/>
+                      <a:tailEnd type="none" w="med" len="med"/>
+                    </a:lnT>
+                    <a:lnB w="12700" cap="flat" cmpd="sng" algn="ctr">
+                      <a:solidFill>
+                        <a:schemeClr val="tx1"/>
+                      </a:solidFill>
+                      <a:prstDash val="solid"/>
+                      <a:round/>
+                      <a:headEnd type="none" w="med" len="med"/>
+                      <a:tailEnd type="none" w="med" len="med"/>
+                    </a:lnB>
+                    <a:noFill/>
+                  </a:tcPr>
+                </a:tc>
+              </a:tr>
+            </a:tbl>
+          </a:graphicData>
+        </a:graphic>
+      </p:graphicFrame>
       <p:sp>
         <p:nvSpPr>
-          <p:cNvPr id="31747" name="Rectangle 3"/>
-          <p:cNvSpPr>
-            <a:spLocks noChangeArrowheads="1"/>
-          </p:cNvSpPr>
+          <p:cNvPr id="13" name="Левая фигурная скобка 12"/>
+          <p:cNvSpPr/>
           <p:nvPr/>
         </p:nvSpPr>
-        <p:spPr bwMode="auto">
+        <p:spPr>
           <a:xfrm>
-            <a:off x="611560" y="3933056"/>
-            <a:ext cx="3888432" cy="2492990"/>
+            <a:off x="5004048" y="3573016"/>
+            <a:ext cx="72008" cy="504056"/>
           </a:xfrm>
-          <a:prstGeom prst="rect">
+          <a:prstGeom prst="leftBrace">
             <a:avLst/>
           </a:prstGeom>
-          <a:noFill/>
-          <a:ln w="9525">
-            <a:noFill/>
-            <a:miter lim="800000"/>
-            <a:headEnd/>
-            <a:tailEnd/>
-          </a:ln>
-          <a:effectLst/>
         </p:spPr>
+        <p:style>
+          <a:lnRef idx="1">
+            <a:schemeClr val="accent1"/>
+          </a:lnRef>
+          <a:fillRef idx="0">
+            <a:schemeClr val="accent1"/>
+          </a:fillRef>
+          <a:effectRef idx="0">
+            <a:schemeClr val="accent1"/>
+          </a:effectRef>
+          <a:fontRef idx="minor">
+            <a:schemeClr val="tx1"/>
+          </a:fontRef>
+        </p:style>
         <p:txBody>
-          <a:bodyPr vert="horz" wrap="square" lIns="91440" tIns="45720" rIns="91440" bIns="45720" numCol="1" anchor="ctr" anchorCtr="0" compatLnSpc="1">
-            <a:prstTxWarp prst="textNoShape">
-              <a:avLst/>
-            </a:prstTxWarp>
-            <a:spAutoFit/>
-          </a:bodyPr>
+          <a:bodyPr rtlCol="0" anchor="ctr"/>
           <a:lstStyle/>
           <a:p>
-            <a:pPr marL="0" marR="0" lvl="0" indent="0" algn="l" defTabSz="914400" rtl="0" eaLnBrk="1" fontAlgn="base" latinLnBrk="0" hangingPunct="1">
-              <a:lnSpc>
-                <a:spcPct val="100000"/>
-              </a:lnSpc>
-              <a:spcBef>
-                <a:spcPct val="0"/>
-              </a:spcBef>
-              <a:spcAft>
-                <a:spcPct val="0"/>
-              </a:spcAft>
-              <a:buClrTx/>
-              <a:buSzTx/>
-              <a:buFontTx/>
-              <a:buNone/>
-              <a:tabLst/>
-            </a:pPr>
-            <a:r>
-              <a:rPr kumimoji="0" lang="ru-RU" sz="1200" b="0" i="0" u="none" strike="noStrike" cap="none" normalizeH="0" baseline="0" dirty="0" err="1" smtClean="0">
-                <a:ln>
-                  <a:noFill/>
-                </a:ln>
-                <a:solidFill>
-                  <a:srgbClr val="000000"/>
-                </a:solidFill>
-                <a:effectLst/>
-                <a:latin typeface="Arial Unicode MS" pitchFamily="34" charset="-128"/>
-                <a:cs typeface="Arial" pitchFamily="34" charset="0"/>
-              </a:rPr>
-              <a:t>void</a:t>
-            </a:r>
-            <a:r>
-              <a:rPr kumimoji="0" lang="ru-RU" sz="1200" b="0" i="0" u="none" strike="noStrike" cap="none" normalizeH="0" baseline="0" dirty="0" smtClean="0">
-                <a:ln>
-                  <a:noFill/>
-                </a:ln>
-                <a:solidFill>
-                  <a:srgbClr val="000000"/>
-                </a:solidFill>
-                <a:effectLst/>
-                <a:latin typeface="Arial Unicode MS" pitchFamily="34" charset="-128"/>
-                <a:cs typeface="Arial" pitchFamily="34" charset="0"/>
-              </a:rPr>
-              <a:t>* thread1() </a:t>
-            </a:r>
-            <a:r>
-              <a:rPr kumimoji="0" lang="ru-RU" sz="1200" b="0" i="0" u="none" strike="noStrike" cap="none" normalizeH="0" baseline="0" dirty="0" smtClean="0">
-                <a:ln>
-                  <a:noFill/>
-                </a:ln>
-                <a:solidFill>
-                  <a:srgbClr val="800080"/>
-                </a:solidFill>
-                <a:effectLst/>
-                <a:latin typeface="Arial Unicode MS" pitchFamily="34" charset="-128"/>
-                <a:cs typeface="Arial" pitchFamily="34" charset="0"/>
-              </a:rPr>
-              <a:t>{</a:t>
-            </a:r>
-          </a:p>
-          <a:p>
-            <a:pPr marL="0" marR="0" lvl="0" indent="0" algn="l" defTabSz="914400" rtl="0" eaLnBrk="1" fontAlgn="base" latinLnBrk="0" hangingPunct="1">
-              <a:lnSpc>
-                <a:spcPct val="100000"/>
-              </a:lnSpc>
-              <a:spcBef>
-                <a:spcPct val="0"/>
-              </a:spcBef>
-              <a:spcAft>
-                <a:spcPct val="0"/>
-              </a:spcAft>
-              <a:buClrTx/>
-              <a:buSzTx/>
-              <a:buFontTx/>
-              <a:buNone/>
-              <a:tabLst/>
-            </a:pPr>
-            <a:r>
-              <a:rPr lang="ru-RU" sz="1200" dirty="0" smtClean="0">
-                <a:solidFill>
-                  <a:srgbClr val="800080"/>
-                </a:solidFill>
-                <a:latin typeface="Arial Unicode MS" pitchFamily="34" charset="-128"/>
-                <a:cs typeface="Arial" pitchFamily="34" charset="0"/>
-              </a:rPr>
-              <a:t> </a:t>
-            </a:r>
-            <a:r>
-              <a:rPr lang="ru-RU" sz="1200" dirty="0" smtClean="0">
-                <a:solidFill>
-                  <a:srgbClr val="800080"/>
-                </a:solidFill>
-                <a:latin typeface="Arial Unicode MS" pitchFamily="34" charset="-128"/>
-                <a:cs typeface="Arial" pitchFamily="34" charset="0"/>
-              </a:rPr>
-              <a:t>      </a:t>
-            </a:r>
-            <a:r>
-              <a:rPr kumimoji="0" lang="ru-RU" sz="1200" b="0" i="0" u="none" strike="noStrike" cap="none" normalizeH="0" baseline="0" dirty="0" smtClean="0">
-                <a:ln>
-                  <a:noFill/>
-                </a:ln>
-                <a:solidFill>
-                  <a:srgbClr val="000000"/>
-                </a:solidFill>
-                <a:effectLst/>
-                <a:latin typeface="Arial Unicode MS" pitchFamily="34" charset="-128"/>
-                <a:cs typeface="Arial" pitchFamily="34" charset="0"/>
-              </a:rPr>
-              <a:t> </a:t>
-            </a:r>
-            <a:r>
-              <a:rPr kumimoji="0" lang="ru-RU" sz="1200" b="0" i="0" u="none" strike="noStrike" cap="none" normalizeH="0" baseline="0" dirty="0" smtClean="0">
-                <a:ln>
-                  <a:noFill/>
-                </a:ln>
-                <a:solidFill>
-                  <a:srgbClr val="696969"/>
-                </a:solidFill>
-                <a:effectLst/>
-                <a:latin typeface="Arial Unicode MS" pitchFamily="34" charset="-128"/>
-                <a:cs typeface="Arial" pitchFamily="34" charset="0"/>
-              </a:rPr>
-              <a:t>// в начале функции таблица пустая</a:t>
-            </a:r>
-          </a:p>
-          <a:p>
-            <a:pPr marL="0" marR="0" lvl="0" indent="0" algn="l" defTabSz="914400" rtl="0" eaLnBrk="1" fontAlgn="base" latinLnBrk="0" hangingPunct="1">
-              <a:lnSpc>
-                <a:spcPct val="100000"/>
-              </a:lnSpc>
-              <a:spcBef>
-                <a:spcPct val="0"/>
-              </a:spcBef>
-              <a:spcAft>
-                <a:spcPct val="0"/>
-              </a:spcAft>
-              <a:buClrTx/>
-              <a:buSzTx/>
-              <a:buFontTx/>
-              <a:buNone/>
-              <a:tabLst/>
-            </a:pPr>
-            <a:r>
-              <a:rPr lang="ru-RU" sz="1200" dirty="0" smtClean="0">
-                <a:solidFill>
-                  <a:srgbClr val="696969"/>
-                </a:solidFill>
-                <a:latin typeface="Arial Unicode MS" pitchFamily="34" charset="-128"/>
-                <a:cs typeface="Arial" pitchFamily="34" charset="0"/>
-              </a:rPr>
-              <a:t> </a:t>
-            </a:r>
-            <a:r>
-              <a:rPr lang="ru-RU" sz="1200" dirty="0" smtClean="0">
-                <a:solidFill>
-                  <a:srgbClr val="696969"/>
-                </a:solidFill>
-                <a:latin typeface="Arial Unicode MS" pitchFamily="34" charset="-128"/>
-                <a:cs typeface="Arial" pitchFamily="34" charset="0"/>
-              </a:rPr>
-              <a:t>      </a:t>
-            </a:r>
-            <a:r>
-              <a:rPr kumimoji="0" lang="ru-RU" sz="1200" b="0" i="0" u="none" strike="noStrike" cap="none" normalizeH="0" baseline="0" dirty="0" smtClean="0">
-                <a:ln>
-                  <a:noFill/>
-                </a:ln>
-                <a:solidFill>
-                  <a:srgbClr val="000000"/>
-                </a:solidFill>
-                <a:effectLst/>
-                <a:latin typeface="Arial Unicode MS" pitchFamily="34" charset="-128"/>
-                <a:cs typeface="Arial" pitchFamily="34" charset="0"/>
-              </a:rPr>
-              <a:t> </a:t>
-            </a:r>
-            <a:r>
-              <a:rPr kumimoji="0" lang="ru-RU" sz="1200" b="0" i="0" u="none" strike="noStrike" cap="none" normalizeH="0" baseline="0" dirty="0" smtClean="0">
-                <a:ln>
-                  <a:noFill/>
-                </a:ln>
-                <a:solidFill>
-                  <a:srgbClr val="BB7977"/>
-                </a:solidFill>
-                <a:effectLst/>
-                <a:latin typeface="Arial Unicode MS" pitchFamily="34" charset="-128"/>
-                <a:cs typeface="Arial" pitchFamily="34" charset="0"/>
-              </a:rPr>
-              <a:t>int</a:t>
-            </a:r>
-            <a:r>
-              <a:rPr kumimoji="0" lang="ru-RU" sz="1200" b="0" i="0" u="none" strike="noStrike" cap="none" normalizeH="0" baseline="0" dirty="0" smtClean="0">
-                <a:ln>
-                  <a:noFill/>
-                </a:ln>
-                <a:solidFill>
-                  <a:srgbClr val="808030"/>
-                </a:solidFill>
-                <a:effectLst/>
-                <a:latin typeface="Arial Unicode MS" pitchFamily="34" charset="-128"/>
-                <a:cs typeface="Arial" pitchFamily="34" charset="0"/>
-              </a:rPr>
-              <a:t>*</a:t>
-            </a:r>
-            <a:r>
-              <a:rPr kumimoji="0" lang="ru-RU" sz="1200" b="0" i="0" u="none" strike="noStrike" cap="none" normalizeH="0" baseline="0" dirty="0" smtClean="0">
-                <a:ln>
-                  <a:noFill/>
-                </a:ln>
-                <a:solidFill>
-                  <a:srgbClr val="000000"/>
-                </a:solidFill>
-                <a:effectLst/>
-                <a:latin typeface="Arial Unicode MS" pitchFamily="34" charset="-128"/>
-                <a:cs typeface="Arial" pitchFamily="34" charset="0"/>
-              </a:rPr>
-              <a:t> </a:t>
-            </a:r>
-            <a:r>
-              <a:rPr kumimoji="0" lang="ru-RU" sz="1200" b="0" i="0" u="none" strike="noStrike" cap="none" normalizeH="0" baseline="0" dirty="0" err="1" smtClean="0">
-                <a:ln>
-                  <a:noFill/>
-                </a:ln>
-                <a:solidFill>
-                  <a:srgbClr val="000000"/>
-                </a:solidFill>
-                <a:effectLst/>
-                <a:latin typeface="Arial Unicode MS" pitchFamily="34" charset="-128"/>
-                <a:cs typeface="Arial" pitchFamily="34" charset="0"/>
-              </a:rPr>
-              <a:t>z</a:t>
-            </a:r>
-            <a:r>
-              <a:rPr kumimoji="0" lang="ru-RU" sz="1200" b="0" i="0" u="none" strike="noStrike" cap="none" normalizeH="0" baseline="0" dirty="0" smtClean="0">
-                <a:ln>
-                  <a:noFill/>
-                </a:ln>
-                <a:solidFill>
-                  <a:srgbClr val="000000"/>
-                </a:solidFill>
-                <a:effectLst/>
-                <a:latin typeface="Arial Unicode MS" pitchFamily="34" charset="-128"/>
-                <a:cs typeface="Arial" pitchFamily="34" charset="0"/>
-              </a:rPr>
-              <a:t> </a:t>
-            </a:r>
-            <a:r>
-              <a:rPr kumimoji="0" lang="ru-RU" sz="1200" b="0" i="0" u="none" strike="noStrike" cap="none" normalizeH="0" baseline="0" dirty="0" smtClean="0">
-                <a:ln>
-                  <a:noFill/>
-                </a:ln>
-                <a:solidFill>
-                  <a:srgbClr val="808030"/>
-                </a:solidFill>
-                <a:effectLst/>
-                <a:latin typeface="Arial Unicode MS" pitchFamily="34" charset="-128"/>
-                <a:cs typeface="Arial" pitchFamily="34" charset="0"/>
-              </a:rPr>
-              <a:t>=</a:t>
-            </a:r>
-            <a:r>
-              <a:rPr kumimoji="0" lang="ru-RU" sz="1200" b="0" i="0" u="none" strike="noStrike" cap="none" normalizeH="0" baseline="0" dirty="0" smtClean="0">
-                <a:ln>
-                  <a:noFill/>
-                </a:ln>
-                <a:solidFill>
-                  <a:srgbClr val="000000"/>
-                </a:solidFill>
-                <a:effectLst/>
-                <a:latin typeface="Arial Unicode MS" pitchFamily="34" charset="-128"/>
-                <a:cs typeface="Arial" pitchFamily="34" charset="0"/>
-              </a:rPr>
-              <a:t> </a:t>
-            </a:r>
-            <a:r>
-              <a:rPr kumimoji="0" lang="ru-RU" sz="1200" b="0" i="0" u="none" strike="noStrike" cap="none" normalizeH="0" baseline="0" dirty="0" smtClean="0">
-                <a:ln>
-                  <a:noFill/>
-                </a:ln>
-                <a:solidFill>
-                  <a:srgbClr val="808030"/>
-                </a:solidFill>
-                <a:effectLst/>
-                <a:latin typeface="Arial Unicode MS" pitchFamily="34" charset="-128"/>
-                <a:cs typeface="Arial" pitchFamily="34" charset="0"/>
-              </a:rPr>
-              <a:t>&amp;</a:t>
-            </a:r>
-            <a:r>
-              <a:rPr kumimoji="0" lang="ru-RU" sz="1200" b="0" i="0" u="none" strike="noStrike" cap="none" normalizeH="0" baseline="0" dirty="0" err="1" smtClean="0">
-                <a:ln>
-                  <a:noFill/>
-                </a:ln>
-                <a:solidFill>
-                  <a:srgbClr val="000000"/>
-                </a:solidFill>
-                <a:effectLst/>
-                <a:latin typeface="Arial Unicode MS" pitchFamily="34" charset="-128"/>
-                <a:cs typeface="Arial" pitchFamily="34" charset="0"/>
-              </a:rPr>
-              <a:t>x</a:t>
-            </a:r>
-            <a:r>
-              <a:rPr kumimoji="0" lang="ru-RU" sz="1200" b="0" i="0" u="none" strike="noStrike" cap="none" normalizeH="0" baseline="0" dirty="0" smtClean="0">
-                <a:ln>
-                  <a:noFill/>
-                </a:ln>
-                <a:solidFill>
-                  <a:srgbClr val="800080"/>
-                </a:solidFill>
-                <a:effectLst/>
-                <a:latin typeface="Arial Unicode MS" pitchFamily="34" charset="-128"/>
-                <a:cs typeface="Arial" pitchFamily="34" charset="0"/>
-              </a:rPr>
-              <a:t>;</a:t>
-            </a:r>
-            <a:r>
-              <a:rPr kumimoji="0" lang="ru-RU" sz="1200" b="0" i="0" u="none" strike="noStrike" cap="none" normalizeH="0" baseline="0" dirty="0" smtClean="0">
-                <a:ln>
-                  <a:noFill/>
-                </a:ln>
-                <a:solidFill>
-                  <a:srgbClr val="000000"/>
-                </a:solidFill>
-                <a:effectLst/>
-                <a:latin typeface="Arial Unicode MS" pitchFamily="34" charset="-128"/>
-                <a:cs typeface="Arial" pitchFamily="34" charset="0"/>
-              </a:rPr>
-              <a:t> </a:t>
-            </a:r>
-            <a:r>
-              <a:rPr kumimoji="0" lang="ru-RU" sz="1200" b="0" i="0" u="none" strike="noStrike" cap="none" normalizeH="0" baseline="0" dirty="0" err="1" smtClean="0">
-                <a:ln>
-                  <a:noFill/>
-                </a:ln>
-                <a:solidFill>
-                  <a:srgbClr val="000000"/>
-                </a:solidFill>
-                <a:effectLst/>
-                <a:latin typeface="Arial Unicode MS" pitchFamily="34" charset="-128"/>
-                <a:cs typeface="Arial" pitchFamily="34" charset="0"/>
-              </a:rPr>
-              <a:t>incr</a:t>
-            </a:r>
-            <a:r>
-              <a:rPr kumimoji="0" lang="ru-RU" sz="1200" b="0" i="0" u="none" strike="noStrike" cap="none" normalizeH="0" baseline="0" dirty="0" smtClean="0">
-                <a:ln>
-                  <a:noFill/>
-                </a:ln>
-                <a:solidFill>
-                  <a:srgbClr val="808030"/>
-                </a:solidFill>
-                <a:effectLst/>
-                <a:latin typeface="Arial Unicode MS" pitchFamily="34" charset="-128"/>
-                <a:cs typeface="Arial" pitchFamily="34" charset="0"/>
-              </a:rPr>
-              <a:t>(</a:t>
-            </a:r>
-            <a:r>
-              <a:rPr kumimoji="0" lang="ru-RU" sz="1200" b="0" i="0" u="none" strike="noStrike" cap="none" normalizeH="0" baseline="0" dirty="0" err="1" smtClean="0">
-                <a:ln>
-                  <a:noFill/>
-                </a:ln>
-                <a:solidFill>
-                  <a:srgbClr val="000000"/>
-                </a:solidFill>
-                <a:effectLst/>
-                <a:latin typeface="Arial Unicode MS" pitchFamily="34" charset="-128"/>
-                <a:cs typeface="Arial" pitchFamily="34" charset="0"/>
-              </a:rPr>
-              <a:t>z</a:t>
-            </a:r>
-            <a:r>
-              <a:rPr kumimoji="0" lang="ru-RU" sz="1200" b="0" i="0" u="none" strike="noStrike" cap="none" normalizeH="0" baseline="0" dirty="0" smtClean="0">
-                <a:ln>
-                  <a:noFill/>
-                </a:ln>
-                <a:solidFill>
-                  <a:srgbClr val="808030"/>
-                </a:solidFill>
-                <a:effectLst/>
-                <a:latin typeface="Arial Unicode MS" pitchFamily="34" charset="-128"/>
-                <a:cs typeface="Arial" pitchFamily="34" charset="0"/>
-              </a:rPr>
-              <a:t>,</a:t>
-            </a:r>
-            <a:r>
-              <a:rPr kumimoji="0" lang="ru-RU" sz="1200" b="0" i="0" u="none" strike="noStrike" cap="none" normalizeH="0" baseline="0" dirty="0" smtClean="0">
-                <a:ln>
-                  <a:noFill/>
-                </a:ln>
-                <a:solidFill>
-                  <a:srgbClr val="000000"/>
-                </a:solidFill>
-                <a:effectLst/>
-                <a:latin typeface="Arial Unicode MS" pitchFamily="34" charset="-128"/>
-                <a:cs typeface="Arial" pitchFamily="34" charset="0"/>
-              </a:rPr>
-              <a:t> </a:t>
-            </a:r>
-            <a:r>
-              <a:rPr kumimoji="0" lang="ru-RU" sz="1200" b="0" i="0" u="none" strike="noStrike" cap="none" normalizeH="0" baseline="0" dirty="0" smtClean="0">
-                <a:ln>
-                  <a:noFill/>
-                </a:ln>
-                <a:solidFill>
-                  <a:srgbClr val="808030"/>
-                </a:solidFill>
-                <a:effectLst/>
-                <a:latin typeface="Arial Unicode MS" pitchFamily="34" charset="-128"/>
-                <a:cs typeface="Arial" pitchFamily="34" charset="0"/>
-              </a:rPr>
-              <a:t>&amp;</a:t>
-            </a:r>
-            <a:r>
-              <a:rPr kumimoji="0" lang="ru-RU" sz="1200" b="0" i="0" u="none" strike="noStrike" cap="none" normalizeH="0" baseline="0" dirty="0" smtClean="0">
-                <a:ln>
-                  <a:noFill/>
-                </a:ln>
-                <a:solidFill>
-                  <a:srgbClr val="000000"/>
-                </a:solidFill>
-                <a:effectLst/>
-                <a:latin typeface="Arial Unicode MS" pitchFamily="34" charset="-128"/>
-                <a:cs typeface="Arial" pitchFamily="34" charset="0"/>
-              </a:rPr>
-              <a:t>m1</a:t>
-            </a:r>
-            <a:r>
-              <a:rPr kumimoji="0" lang="ru-RU" sz="1200" b="0" i="0" u="none" strike="noStrike" cap="none" normalizeH="0" baseline="0" dirty="0" smtClean="0">
-                <a:ln>
-                  <a:noFill/>
-                </a:ln>
-                <a:solidFill>
-                  <a:srgbClr val="808030"/>
-                </a:solidFill>
-                <a:effectLst/>
-                <a:latin typeface="Arial Unicode MS" pitchFamily="34" charset="-128"/>
-                <a:cs typeface="Arial" pitchFamily="34" charset="0"/>
-              </a:rPr>
-              <a:t>)</a:t>
-            </a:r>
-            <a:r>
-              <a:rPr kumimoji="0" lang="ru-RU" sz="1200" b="0" i="0" u="none" strike="noStrike" cap="none" normalizeH="0" baseline="0" dirty="0" smtClean="0">
-                <a:ln>
-                  <a:noFill/>
-                </a:ln>
-                <a:solidFill>
-                  <a:srgbClr val="800080"/>
-                </a:solidFill>
-                <a:effectLst/>
-                <a:latin typeface="Arial Unicode MS" pitchFamily="34" charset="-128"/>
-                <a:cs typeface="Arial" pitchFamily="34" charset="0"/>
-              </a:rPr>
-              <a:t>;</a:t>
-            </a:r>
-          </a:p>
-          <a:p>
-            <a:pPr marL="0" marR="0" lvl="0" indent="0" algn="l" defTabSz="914400" rtl="0" eaLnBrk="1" fontAlgn="base" latinLnBrk="0" hangingPunct="1">
-              <a:lnSpc>
-                <a:spcPct val="100000"/>
-              </a:lnSpc>
-              <a:spcBef>
-                <a:spcPct val="0"/>
-              </a:spcBef>
-              <a:spcAft>
-                <a:spcPct val="0"/>
-              </a:spcAft>
-              <a:buClrTx/>
-              <a:buSzTx/>
-              <a:buFontTx/>
-              <a:buNone/>
-              <a:tabLst/>
-            </a:pPr>
-            <a:r>
-              <a:rPr lang="ru-RU" sz="1200" dirty="0" smtClean="0">
-                <a:solidFill>
-                  <a:srgbClr val="800080"/>
-                </a:solidFill>
-                <a:latin typeface="Arial Unicode MS" pitchFamily="34" charset="-128"/>
-                <a:cs typeface="Arial" pitchFamily="34" charset="0"/>
-              </a:rPr>
-              <a:t> </a:t>
-            </a:r>
-            <a:r>
-              <a:rPr lang="ru-RU" sz="1200" dirty="0" smtClean="0">
-                <a:solidFill>
-                  <a:srgbClr val="800080"/>
-                </a:solidFill>
-                <a:latin typeface="Arial Unicode MS" pitchFamily="34" charset="-128"/>
-                <a:cs typeface="Arial" pitchFamily="34" charset="0"/>
-              </a:rPr>
-              <a:t>      </a:t>
-            </a:r>
-            <a:r>
-              <a:rPr kumimoji="0" lang="ru-RU" sz="1200" b="0" i="0" u="none" strike="noStrike" cap="none" normalizeH="0" baseline="0" dirty="0" smtClean="0">
-                <a:ln>
-                  <a:noFill/>
-                </a:ln>
-                <a:solidFill>
-                  <a:srgbClr val="000000"/>
-                </a:solidFill>
-                <a:effectLst/>
-                <a:latin typeface="Arial Unicode MS" pitchFamily="34" charset="-128"/>
-                <a:cs typeface="Arial" pitchFamily="34" charset="0"/>
-              </a:rPr>
-              <a:t> </a:t>
-            </a:r>
-            <a:r>
-              <a:rPr kumimoji="0" lang="ru-RU" sz="1200" b="0" i="0" u="none" strike="noStrike" cap="none" normalizeH="0" baseline="0" dirty="0" smtClean="0">
-                <a:ln>
-                  <a:noFill/>
-                </a:ln>
-                <a:solidFill>
-                  <a:srgbClr val="696969"/>
-                </a:solidFill>
-                <a:effectLst/>
-                <a:latin typeface="Arial Unicode MS" pitchFamily="34" charset="-128"/>
-                <a:cs typeface="Arial" pitchFamily="34" charset="0"/>
-              </a:rPr>
-              <a:t>// подставляем фактические передаваемые</a:t>
-            </a:r>
-          </a:p>
-          <a:p>
-            <a:pPr marL="0" marR="0" lvl="0" indent="0" algn="l" defTabSz="914400" rtl="0" eaLnBrk="1" fontAlgn="base" latinLnBrk="0" hangingPunct="1">
-              <a:lnSpc>
-                <a:spcPct val="100000"/>
-              </a:lnSpc>
-              <a:spcBef>
-                <a:spcPct val="0"/>
-              </a:spcBef>
-              <a:spcAft>
-                <a:spcPct val="0"/>
-              </a:spcAft>
-              <a:buClrTx/>
-              <a:buSzTx/>
-              <a:buFontTx/>
-              <a:buNone/>
-              <a:tabLst/>
-            </a:pPr>
-            <a:r>
-              <a:rPr lang="ru-RU" sz="1200" dirty="0" smtClean="0">
-                <a:solidFill>
-                  <a:srgbClr val="696969"/>
-                </a:solidFill>
-                <a:latin typeface="Arial Unicode MS" pitchFamily="34" charset="-128"/>
-                <a:cs typeface="Arial" pitchFamily="34" charset="0"/>
-              </a:rPr>
-              <a:t> </a:t>
-            </a:r>
-            <a:r>
-              <a:rPr lang="ru-RU" sz="1200" dirty="0" smtClean="0">
-                <a:solidFill>
-                  <a:srgbClr val="696969"/>
-                </a:solidFill>
-                <a:latin typeface="Arial Unicode MS" pitchFamily="34" charset="-128"/>
-                <a:cs typeface="Arial" pitchFamily="34" charset="0"/>
-              </a:rPr>
-              <a:t>      </a:t>
-            </a:r>
-            <a:r>
-              <a:rPr kumimoji="0" lang="ru-RU" sz="1200" b="0" i="0" u="none" strike="noStrike" cap="none" normalizeH="0" baseline="0" dirty="0" smtClean="0">
-                <a:ln>
-                  <a:noFill/>
-                </a:ln>
-                <a:solidFill>
-                  <a:srgbClr val="000000"/>
-                </a:solidFill>
-                <a:effectLst/>
-                <a:latin typeface="Arial Unicode MS" pitchFamily="34" charset="-128"/>
-                <a:cs typeface="Arial" pitchFamily="34" charset="0"/>
-              </a:rPr>
-              <a:t> </a:t>
-            </a:r>
-            <a:r>
-              <a:rPr kumimoji="0" lang="ru-RU" sz="1200" b="0" i="0" u="none" strike="noStrike" cap="none" normalizeH="0" baseline="0" dirty="0" smtClean="0">
-                <a:ln>
-                  <a:noFill/>
-                </a:ln>
-                <a:solidFill>
-                  <a:srgbClr val="696969"/>
-                </a:solidFill>
-                <a:effectLst/>
-                <a:latin typeface="Arial Unicode MS" pitchFamily="34" charset="-128"/>
-                <a:cs typeface="Arial" pitchFamily="34" charset="0"/>
-              </a:rPr>
-              <a:t>// значения в таблицу для функции </a:t>
-            </a:r>
-            <a:r>
-              <a:rPr kumimoji="0" lang="ru-RU" sz="1200" b="0" i="0" u="none" strike="noStrike" cap="none" normalizeH="0" baseline="0" dirty="0" err="1" smtClean="0">
-                <a:ln>
-                  <a:noFill/>
-                </a:ln>
-                <a:solidFill>
-                  <a:srgbClr val="696969"/>
-                </a:solidFill>
-                <a:effectLst/>
-                <a:latin typeface="Arial Unicode MS" pitchFamily="34" charset="-128"/>
-                <a:cs typeface="Arial" pitchFamily="34" charset="0"/>
-              </a:rPr>
-              <a:t>incr</a:t>
-            </a:r>
-            <a:r>
-              <a:rPr kumimoji="0" lang="ru-RU" sz="1200" b="0" i="0" u="none" strike="noStrike" cap="none" normalizeH="0" baseline="0" dirty="0" smtClean="0">
-                <a:ln>
-                  <a:noFill/>
-                </a:ln>
-                <a:solidFill>
-                  <a:srgbClr val="696969"/>
-                </a:solidFill>
-                <a:effectLst/>
-                <a:latin typeface="Arial Unicode MS" pitchFamily="34" charset="-128"/>
-                <a:cs typeface="Arial" pitchFamily="34" charset="0"/>
-              </a:rPr>
-              <a:t>:</a:t>
-            </a:r>
-          </a:p>
-          <a:p>
-            <a:pPr marL="0" marR="0" lvl="0" indent="0" algn="l" defTabSz="914400" rtl="0" eaLnBrk="1" fontAlgn="base" latinLnBrk="0" hangingPunct="1">
-              <a:lnSpc>
-                <a:spcPct val="100000"/>
-              </a:lnSpc>
-              <a:spcBef>
-                <a:spcPct val="0"/>
-              </a:spcBef>
-              <a:spcAft>
-                <a:spcPct val="0"/>
-              </a:spcAft>
-              <a:buClrTx/>
-              <a:buSzTx/>
-              <a:buFontTx/>
-              <a:buNone/>
-              <a:tabLst/>
-            </a:pPr>
-            <a:r>
-              <a:rPr lang="ru-RU" sz="1200" dirty="0" smtClean="0">
-                <a:solidFill>
-                  <a:srgbClr val="696969"/>
-                </a:solidFill>
-                <a:latin typeface="Arial Unicode MS" pitchFamily="34" charset="-128"/>
-                <a:cs typeface="Arial" pitchFamily="34" charset="0"/>
-              </a:rPr>
-              <a:t> </a:t>
-            </a:r>
-            <a:r>
-              <a:rPr lang="ru-RU" sz="1200" dirty="0" smtClean="0">
-                <a:solidFill>
-                  <a:srgbClr val="696969"/>
-                </a:solidFill>
-                <a:latin typeface="Arial Unicode MS" pitchFamily="34" charset="-128"/>
-                <a:cs typeface="Arial" pitchFamily="34" charset="0"/>
-              </a:rPr>
-              <a:t>      </a:t>
-            </a:r>
-            <a:r>
-              <a:rPr kumimoji="0" lang="ru-RU" sz="1200" b="0" i="0" u="none" strike="noStrike" cap="none" normalizeH="0" baseline="0" dirty="0" smtClean="0">
-                <a:ln>
-                  <a:noFill/>
-                </a:ln>
-                <a:solidFill>
-                  <a:srgbClr val="000000"/>
-                </a:solidFill>
-                <a:effectLst/>
-                <a:latin typeface="Arial Unicode MS" pitchFamily="34" charset="-128"/>
-                <a:cs typeface="Arial" pitchFamily="34" charset="0"/>
-              </a:rPr>
-              <a:t> </a:t>
-            </a:r>
-            <a:r>
-              <a:rPr kumimoji="0" lang="ru-RU" sz="1200" b="0" i="0" u="none" strike="noStrike" cap="none" normalizeH="0" baseline="0" dirty="0" smtClean="0">
-                <a:ln>
-                  <a:noFill/>
-                </a:ln>
-                <a:solidFill>
-                  <a:srgbClr val="696969"/>
-                </a:solidFill>
-                <a:effectLst/>
-                <a:latin typeface="Arial Unicode MS" pitchFamily="34" charset="-128"/>
-                <a:cs typeface="Arial" pitchFamily="34" charset="0"/>
-              </a:rPr>
-              <a:t>// (</a:t>
-            </a:r>
-            <a:r>
-              <a:rPr kumimoji="0" lang="ru-RU" sz="1200" b="0" i="0" u="none" strike="noStrike" cap="none" normalizeH="0" baseline="0" dirty="0" err="1" smtClean="0">
-                <a:ln>
-                  <a:noFill/>
-                </a:ln>
-                <a:solidFill>
-                  <a:srgbClr val="696969"/>
-                </a:solidFill>
-                <a:effectLst/>
-                <a:latin typeface="Arial Unicode MS" pitchFamily="34" charset="-128"/>
-                <a:cs typeface="Arial" pitchFamily="34" charset="0"/>
-              </a:rPr>
-              <a:t>x</a:t>
-            </a:r>
-            <a:r>
-              <a:rPr kumimoji="0" lang="ru-RU" sz="1200" b="0" i="0" u="none" strike="noStrike" cap="none" normalizeH="0" baseline="0" dirty="0" smtClean="0">
-                <a:ln>
-                  <a:noFill/>
-                </a:ln>
-                <a:solidFill>
-                  <a:srgbClr val="696969"/>
-                </a:solidFill>
-                <a:effectLst/>
-                <a:latin typeface="Arial Unicode MS" pitchFamily="34" charset="-128"/>
-                <a:cs typeface="Arial" pitchFamily="34" charset="0"/>
-              </a:rPr>
-              <a:t>, ({m1}, {}), чтение)</a:t>
-            </a:r>
-          </a:p>
-          <a:p>
-            <a:pPr marL="0" marR="0" lvl="0" indent="0" algn="l" defTabSz="914400" rtl="0" eaLnBrk="1" fontAlgn="base" latinLnBrk="0" hangingPunct="1">
-              <a:lnSpc>
-                <a:spcPct val="100000"/>
-              </a:lnSpc>
-              <a:spcBef>
-                <a:spcPct val="0"/>
-              </a:spcBef>
-              <a:spcAft>
-                <a:spcPct val="0"/>
-              </a:spcAft>
-              <a:buClrTx/>
-              <a:buSzTx/>
-              <a:buFontTx/>
-              <a:buNone/>
-              <a:tabLst/>
-            </a:pPr>
-            <a:r>
-              <a:rPr lang="ru-RU" sz="1200" dirty="0" smtClean="0">
-                <a:solidFill>
-                  <a:srgbClr val="696969"/>
-                </a:solidFill>
-                <a:latin typeface="Arial Unicode MS" pitchFamily="34" charset="-128"/>
-                <a:cs typeface="Arial" pitchFamily="34" charset="0"/>
-              </a:rPr>
-              <a:t> </a:t>
-            </a:r>
-            <a:r>
-              <a:rPr lang="ru-RU" sz="1200" dirty="0" smtClean="0">
-                <a:solidFill>
-                  <a:srgbClr val="696969"/>
-                </a:solidFill>
-                <a:latin typeface="Arial Unicode MS" pitchFamily="34" charset="-128"/>
-                <a:cs typeface="Arial" pitchFamily="34" charset="0"/>
-              </a:rPr>
-              <a:t>      </a:t>
-            </a:r>
-            <a:r>
-              <a:rPr kumimoji="0" lang="ru-RU" sz="1200" b="0" i="0" u="none" strike="noStrike" cap="none" normalizeH="0" baseline="0" dirty="0" smtClean="0">
-                <a:ln>
-                  <a:noFill/>
-                </a:ln>
-                <a:solidFill>
-                  <a:srgbClr val="000000"/>
-                </a:solidFill>
-                <a:effectLst/>
-                <a:latin typeface="Arial Unicode MS" pitchFamily="34" charset="-128"/>
-                <a:cs typeface="Arial" pitchFamily="34" charset="0"/>
-              </a:rPr>
-              <a:t> </a:t>
-            </a:r>
-            <a:r>
-              <a:rPr kumimoji="0" lang="ru-RU" sz="1200" b="0" i="0" u="none" strike="noStrike" cap="none" normalizeH="0" baseline="0" dirty="0" smtClean="0">
-                <a:ln>
-                  <a:noFill/>
-                </a:ln>
-                <a:solidFill>
-                  <a:srgbClr val="696969"/>
-                </a:solidFill>
-                <a:effectLst/>
-                <a:latin typeface="Arial Unicode MS" pitchFamily="34" charset="-128"/>
-                <a:cs typeface="Arial" pitchFamily="34" charset="0"/>
-              </a:rPr>
-              <a:t>// (</a:t>
-            </a:r>
-            <a:r>
-              <a:rPr kumimoji="0" lang="ru-RU" sz="1200" b="0" i="0" u="none" strike="noStrike" cap="none" normalizeH="0" baseline="0" dirty="0" err="1" smtClean="0">
-                <a:ln>
-                  <a:noFill/>
-                </a:ln>
-                <a:solidFill>
-                  <a:srgbClr val="696969"/>
-                </a:solidFill>
-                <a:effectLst/>
-                <a:latin typeface="Arial Unicode MS" pitchFamily="34" charset="-128"/>
-                <a:cs typeface="Arial" pitchFamily="34" charset="0"/>
-              </a:rPr>
-              <a:t>x</a:t>
-            </a:r>
-            <a:r>
-              <a:rPr kumimoji="0" lang="ru-RU" sz="1200" b="0" i="0" u="none" strike="noStrike" cap="none" normalizeH="0" baseline="0" dirty="0" smtClean="0">
-                <a:ln>
-                  <a:noFill/>
-                </a:ln>
-                <a:solidFill>
-                  <a:srgbClr val="696969"/>
-                </a:solidFill>
-                <a:effectLst/>
-                <a:latin typeface="Arial Unicode MS" pitchFamily="34" charset="-128"/>
-                <a:cs typeface="Arial" pitchFamily="34" charset="0"/>
-              </a:rPr>
-              <a:t>, ({m1}, {}), запись)</a:t>
-            </a:r>
-          </a:p>
-          <a:p>
-            <a:pPr marL="0" marR="0" lvl="0" indent="0" algn="l" defTabSz="914400" rtl="0" eaLnBrk="1" fontAlgn="base" latinLnBrk="0" hangingPunct="1">
-              <a:lnSpc>
-                <a:spcPct val="100000"/>
-              </a:lnSpc>
-              <a:spcBef>
-                <a:spcPct val="0"/>
-              </a:spcBef>
-              <a:spcAft>
-                <a:spcPct val="0"/>
-              </a:spcAft>
-              <a:buClrTx/>
-              <a:buSzTx/>
-              <a:buFontTx/>
-              <a:buNone/>
-              <a:tabLst/>
-            </a:pPr>
-            <a:r>
-              <a:rPr lang="ru-RU" sz="1200" dirty="0" smtClean="0">
-                <a:solidFill>
-                  <a:srgbClr val="696969"/>
-                </a:solidFill>
-                <a:latin typeface="Arial Unicode MS" pitchFamily="34" charset="-128"/>
-                <a:cs typeface="Arial" pitchFamily="34" charset="0"/>
-              </a:rPr>
-              <a:t> </a:t>
-            </a:r>
-            <a:r>
-              <a:rPr lang="ru-RU" sz="1200" dirty="0" smtClean="0">
-                <a:solidFill>
-                  <a:srgbClr val="696969"/>
-                </a:solidFill>
-                <a:latin typeface="Arial Unicode MS" pitchFamily="34" charset="-128"/>
-                <a:cs typeface="Arial" pitchFamily="34" charset="0"/>
-              </a:rPr>
-              <a:t>      </a:t>
-            </a:r>
-            <a:r>
-              <a:rPr kumimoji="0" lang="ru-RU" sz="1200" b="0" i="0" u="none" strike="noStrike" cap="none" normalizeH="0" baseline="0" dirty="0" smtClean="0">
-                <a:ln>
-                  <a:noFill/>
-                </a:ln>
-                <a:solidFill>
-                  <a:srgbClr val="000000"/>
-                </a:solidFill>
-                <a:effectLst/>
-                <a:latin typeface="Arial Unicode MS" pitchFamily="34" charset="-128"/>
-                <a:cs typeface="Arial" pitchFamily="34" charset="0"/>
-              </a:rPr>
-              <a:t> </a:t>
-            </a:r>
-            <a:r>
-              <a:rPr kumimoji="0" lang="ru-RU" sz="1200" b="0" i="0" u="none" strike="noStrike" cap="none" normalizeH="0" baseline="0" dirty="0" err="1" smtClean="0">
-                <a:ln>
-                  <a:noFill/>
-                </a:ln>
-                <a:solidFill>
-                  <a:srgbClr val="000000"/>
-                </a:solidFill>
-                <a:effectLst/>
-                <a:latin typeface="Arial Unicode MS" pitchFamily="34" charset="-128"/>
-                <a:cs typeface="Arial" pitchFamily="34" charset="0"/>
-              </a:rPr>
-              <a:t>incr</a:t>
-            </a:r>
-            <a:r>
-              <a:rPr kumimoji="0" lang="ru-RU" sz="1200" b="0" i="0" u="none" strike="noStrike" cap="none" normalizeH="0" baseline="0" dirty="0" smtClean="0">
-                <a:ln>
-                  <a:noFill/>
-                </a:ln>
-                <a:solidFill>
-                  <a:srgbClr val="808030"/>
-                </a:solidFill>
-                <a:effectLst/>
-                <a:latin typeface="Arial Unicode MS" pitchFamily="34" charset="-128"/>
-                <a:cs typeface="Arial" pitchFamily="34" charset="0"/>
-              </a:rPr>
-              <a:t>(&amp;</a:t>
-            </a:r>
-            <a:r>
-              <a:rPr kumimoji="0" lang="ru-RU" sz="1200" b="0" i="0" u="none" strike="noStrike" cap="none" normalizeH="0" baseline="0" dirty="0" err="1" smtClean="0">
-                <a:ln>
-                  <a:noFill/>
-                </a:ln>
-                <a:solidFill>
-                  <a:srgbClr val="000000"/>
-                </a:solidFill>
-                <a:effectLst/>
-                <a:latin typeface="Arial Unicode MS" pitchFamily="34" charset="-128"/>
-                <a:cs typeface="Arial" pitchFamily="34" charset="0"/>
-              </a:rPr>
-              <a:t>y</a:t>
-            </a:r>
-            <a:r>
-              <a:rPr kumimoji="0" lang="ru-RU" sz="1200" b="0" i="0" u="none" strike="noStrike" cap="none" normalizeH="0" baseline="0" dirty="0" smtClean="0">
-                <a:ln>
-                  <a:noFill/>
-                </a:ln>
-                <a:solidFill>
-                  <a:srgbClr val="808030"/>
-                </a:solidFill>
-                <a:effectLst/>
-                <a:latin typeface="Arial Unicode MS" pitchFamily="34" charset="-128"/>
-                <a:cs typeface="Arial" pitchFamily="34" charset="0"/>
-              </a:rPr>
-              <a:t>,</a:t>
-            </a:r>
-            <a:r>
-              <a:rPr kumimoji="0" lang="ru-RU" sz="1200" b="0" i="0" u="none" strike="noStrike" cap="none" normalizeH="0" baseline="0" dirty="0" smtClean="0">
-                <a:ln>
-                  <a:noFill/>
-                </a:ln>
-                <a:solidFill>
-                  <a:srgbClr val="000000"/>
-                </a:solidFill>
-                <a:effectLst/>
-                <a:latin typeface="Arial Unicode MS" pitchFamily="34" charset="-128"/>
-                <a:cs typeface="Arial" pitchFamily="34" charset="0"/>
-              </a:rPr>
-              <a:t> </a:t>
-            </a:r>
-            <a:r>
-              <a:rPr kumimoji="0" lang="ru-RU" sz="1200" b="0" i="0" u="none" strike="noStrike" cap="none" normalizeH="0" baseline="0" dirty="0" smtClean="0">
-                <a:ln>
-                  <a:noFill/>
-                </a:ln>
-                <a:solidFill>
-                  <a:srgbClr val="808030"/>
-                </a:solidFill>
-                <a:effectLst/>
-                <a:latin typeface="Arial Unicode MS" pitchFamily="34" charset="-128"/>
-                <a:cs typeface="Arial" pitchFamily="34" charset="0"/>
-              </a:rPr>
-              <a:t>&amp;</a:t>
-            </a:r>
-            <a:r>
-              <a:rPr kumimoji="0" lang="ru-RU" sz="1200" b="0" i="0" u="none" strike="noStrike" cap="none" normalizeH="0" baseline="0" dirty="0" smtClean="0">
-                <a:ln>
-                  <a:noFill/>
-                </a:ln>
-                <a:solidFill>
-                  <a:srgbClr val="000000"/>
-                </a:solidFill>
-                <a:effectLst/>
-                <a:latin typeface="Arial Unicode MS" pitchFamily="34" charset="-128"/>
-                <a:cs typeface="Arial" pitchFamily="34" charset="0"/>
-              </a:rPr>
-              <a:t>m2</a:t>
-            </a:r>
-            <a:r>
-              <a:rPr kumimoji="0" lang="ru-RU" sz="1200" b="0" i="0" u="none" strike="noStrike" cap="none" normalizeH="0" baseline="0" dirty="0" smtClean="0">
-                <a:ln>
-                  <a:noFill/>
-                </a:ln>
-                <a:solidFill>
-                  <a:srgbClr val="808030"/>
-                </a:solidFill>
-                <a:effectLst/>
-                <a:latin typeface="Arial Unicode MS" pitchFamily="34" charset="-128"/>
-                <a:cs typeface="Arial" pitchFamily="34" charset="0"/>
-              </a:rPr>
-              <a:t>)</a:t>
-            </a:r>
-            <a:r>
-              <a:rPr kumimoji="0" lang="ru-RU" sz="1200" b="0" i="0" u="none" strike="noStrike" cap="none" normalizeH="0" baseline="0" dirty="0" smtClean="0">
-                <a:ln>
-                  <a:noFill/>
-                </a:ln>
-                <a:solidFill>
-                  <a:srgbClr val="800080"/>
-                </a:solidFill>
-                <a:effectLst/>
-                <a:latin typeface="Arial Unicode MS" pitchFamily="34" charset="-128"/>
-                <a:cs typeface="Arial" pitchFamily="34" charset="0"/>
-              </a:rPr>
-              <a:t>;</a:t>
-            </a:r>
-          </a:p>
-          <a:p>
-            <a:pPr marL="0" marR="0" lvl="0" indent="0" algn="l" defTabSz="914400" rtl="0" eaLnBrk="1" fontAlgn="base" latinLnBrk="0" hangingPunct="1">
-              <a:lnSpc>
-                <a:spcPct val="100000"/>
-              </a:lnSpc>
-              <a:spcBef>
-                <a:spcPct val="0"/>
-              </a:spcBef>
-              <a:spcAft>
-                <a:spcPct val="0"/>
-              </a:spcAft>
-              <a:buClrTx/>
-              <a:buSzTx/>
-              <a:buFontTx/>
-              <a:buNone/>
-              <a:tabLst/>
-            </a:pPr>
-            <a:r>
-              <a:rPr lang="ru-RU" sz="1200" dirty="0" smtClean="0">
-                <a:solidFill>
-                  <a:srgbClr val="800080"/>
-                </a:solidFill>
-                <a:latin typeface="Arial Unicode MS" pitchFamily="34" charset="-128"/>
-                <a:cs typeface="Arial" pitchFamily="34" charset="0"/>
-              </a:rPr>
-              <a:t> </a:t>
-            </a:r>
-            <a:r>
-              <a:rPr lang="ru-RU" sz="1200" dirty="0" smtClean="0">
-                <a:solidFill>
-                  <a:srgbClr val="800080"/>
-                </a:solidFill>
-                <a:latin typeface="Arial Unicode MS" pitchFamily="34" charset="-128"/>
-                <a:cs typeface="Arial" pitchFamily="34" charset="0"/>
-              </a:rPr>
-              <a:t>      </a:t>
-            </a:r>
-            <a:r>
-              <a:rPr kumimoji="0" lang="ru-RU" sz="1200" b="0" i="0" u="none" strike="noStrike" cap="none" normalizeH="0" baseline="0" dirty="0" smtClean="0">
-                <a:ln>
-                  <a:noFill/>
-                </a:ln>
-                <a:solidFill>
-                  <a:srgbClr val="000000"/>
-                </a:solidFill>
-                <a:effectLst/>
-                <a:latin typeface="Arial Unicode MS" pitchFamily="34" charset="-128"/>
-                <a:cs typeface="Arial" pitchFamily="34" charset="0"/>
-              </a:rPr>
-              <a:t> </a:t>
-            </a:r>
-            <a:r>
-              <a:rPr kumimoji="0" lang="ru-RU" sz="1200" b="0" i="0" u="none" strike="noStrike" cap="none" normalizeH="0" baseline="0" dirty="0" smtClean="0">
-                <a:ln>
-                  <a:noFill/>
-                </a:ln>
-                <a:solidFill>
-                  <a:srgbClr val="696969"/>
-                </a:solidFill>
-                <a:effectLst/>
-                <a:latin typeface="Arial Unicode MS" pitchFamily="34" charset="-128"/>
-                <a:cs typeface="Arial" pitchFamily="34" charset="0"/>
-              </a:rPr>
-              <a:t>// подставляем фактические передаваемые</a:t>
-            </a:r>
-          </a:p>
-          <a:p>
-            <a:pPr marL="0" marR="0" lvl="0" indent="0" algn="l" defTabSz="914400" rtl="0" eaLnBrk="1" fontAlgn="base" latinLnBrk="0" hangingPunct="1">
-              <a:lnSpc>
-                <a:spcPct val="100000"/>
-              </a:lnSpc>
-              <a:spcBef>
-                <a:spcPct val="0"/>
-              </a:spcBef>
-              <a:spcAft>
-                <a:spcPct val="0"/>
-              </a:spcAft>
-              <a:buClrTx/>
-              <a:buSzTx/>
-              <a:buFontTx/>
-              <a:buNone/>
-              <a:tabLst/>
-            </a:pPr>
-            <a:r>
-              <a:rPr lang="ru-RU" sz="1200" dirty="0" smtClean="0">
-                <a:solidFill>
-                  <a:srgbClr val="696969"/>
-                </a:solidFill>
-                <a:latin typeface="Arial Unicode MS" pitchFamily="34" charset="-128"/>
-                <a:cs typeface="Arial" pitchFamily="34" charset="0"/>
-              </a:rPr>
-              <a:t> </a:t>
-            </a:r>
-            <a:r>
-              <a:rPr lang="ru-RU" sz="1200" dirty="0" smtClean="0">
-                <a:solidFill>
-                  <a:srgbClr val="696969"/>
-                </a:solidFill>
-                <a:latin typeface="Arial Unicode MS" pitchFamily="34" charset="-128"/>
-                <a:cs typeface="Arial" pitchFamily="34" charset="0"/>
-              </a:rPr>
-              <a:t>      </a:t>
-            </a:r>
-            <a:r>
-              <a:rPr kumimoji="0" lang="ru-RU" sz="1200" b="0" i="0" u="none" strike="noStrike" cap="none" normalizeH="0" baseline="0" dirty="0" smtClean="0">
-                <a:ln>
-                  <a:noFill/>
-                </a:ln>
-                <a:solidFill>
-                  <a:srgbClr val="000000"/>
-                </a:solidFill>
-                <a:effectLst/>
-                <a:latin typeface="Arial Unicode MS" pitchFamily="34" charset="-128"/>
-                <a:cs typeface="Arial" pitchFamily="34" charset="0"/>
-              </a:rPr>
-              <a:t> </a:t>
-            </a:r>
-            <a:r>
-              <a:rPr kumimoji="0" lang="ru-RU" sz="1200" b="0" i="0" u="none" strike="noStrike" cap="none" normalizeH="0" baseline="0" dirty="0" smtClean="0">
-                <a:ln>
-                  <a:noFill/>
-                </a:ln>
-                <a:solidFill>
-                  <a:srgbClr val="696969"/>
-                </a:solidFill>
-                <a:effectLst/>
-                <a:latin typeface="Arial Unicode MS" pitchFamily="34" charset="-128"/>
-                <a:cs typeface="Arial" pitchFamily="34" charset="0"/>
-              </a:rPr>
-              <a:t>// значения в таблицу для функции </a:t>
-            </a:r>
-            <a:r>
-              <a:rPr kumimoji="0" lang="ru-RU" sz="1200" b="0" i="0" u="none" strike="noStrike" cap="none" normalizeH="0" baseline="0" dirty="0" err="1" smtClean="0">
-                <a:ln>
-                  <a:noFill/>
-                </a:ln>
-                <a:solidFill>
-                  <a:srgbClr val="696969"/>
-                </a:solidFill>
-                <a:effectLst/>
-                <a:latin typeface="Arial Unicode MS" pitchFamily="34" charset="-128"/>
-                <a:cs typeface="Arial" pitchFamily="34" charset="0"/>
-              </a:rPr>
-              <a:t>incr</a:t>
-            </a:r>
-            <a:r>
-              <a:rPr kumimoji="0" lang="ru-RU" sz="1200" b="0" i="0" u="none" strike="noStrike" cap="none" normalizeH="0" baseline="0" dirty="0" smtClean="0">
-                <a:ln>
-                  <a:noFill/>
-                </a:ln>
-                <a:solidFill>
-                  <a:srgbClr val="696969"/>
-                </a:solidFill>
-                <a:effectLst/>
-                <a:latin typeface="Arial Unicode MS" pitchFamily="34" charset="-128"/>
-                <a:cs typeface="Arial" pitchFamily="34" charset="0"/>
-              </a:rPr>
-              <a:t>:</a:t>
-            </a:r>
-          </a:p>
-          <a:p>
-            <a:pPr marL="0" marR="0" lvl="0" indent="0" algn="l" defTabSz="914400" rtl="0" eaLnBrk="1" fontAlgn="base" latinLnBrk="0" hangingPunct="1">
-              <a:lnSpc>
-                <a:spcPct val="100000"/>
-              </a:lnSpc>
-              <a:spcBef>
-                <a:spcPct val="0"/>
-              </a:spcBef>
-              <a:spcAft>
-                <a:spcPct val="0"/>
-              </a:spcAft>
-              <a:buClrTx/>
-              <a:buSzTx/>
-              <a:buFontTx/>
-              <a:buNone/>
-              <a:tabLst/>
-            </a:pPr>
-            <a:r>
-              <a:rPr lang="ru-RU" sz="1200" dirty="0" smtClean="0">
-                <a:solidFill>
-                  <a:srgbClr val="696969"/>
-                </a:solidFill>
-                <a:latin typeface="Arial Unicode MS" pitchFamily="34" charset="-128"/>
-                <a:cs typeface="Arial" pitchFamily="34" charset="0"/>
-              </a:rPr>
-              <a:t> </a:t>
-            </a:r>
-            <a:r>
-              <a:rPr lang="ru-RU" sz="1200" dirty="0" smtClean="0">
-                <a:solidFill>
-                  <a:srgbClr val="696969"/>
-                </a:solidFill>
-                <a:latin typeface="Arial Unicode MS" pitchFamily="34" charset="-128"/>
-                <a:cs typeface="Arial" pitchFamily="34" charset="0"/>
-              </a:rPr>
-              <a:t>      </a:t>
-            </a:r>
-            <a:r>
-              <a:rPr kumimoji="0" lang="ru-RU" sz="1200" b="0" i="0" u="none" strike="noStrike" cap="none" normalizeH="0" baseline="0" dirty="0" smtClean="0">
-                <a:ln>
-                  <a:noFill/>
-                </a:ln>
-                <a:solidFill>
-                  <a:srgbClr val="000000"/>
-                </a:solidFill>
-                <a:effectLst/>
-                <a:latin typeface="Arial Unicode MS" pitchFamily="34" charset="-128"/>
-                <a:cs typeface="Arial" pitchFamily="34" charset="0"/>
-              </a:rPr>
-              <a:t> </a:t>
-            </a:r>
-            <a:r>
-              <a:rPr kumimoji="0" lang="ru-RU" sz="1200" b="0" i="0" u="none" strike="noStrike" cap="none" normalizeH="0" baseline="0" dirty="0" smtClean="0">
-                <a:ln>
-                  <a:noFill/>
-                </a:ln>
-                <a:solidFill>
-                  <a:srgbClr val="696969"/>
-                </a:solidFill>
-                <a:effectLst/>
-                <a:latin typeface="Arial Unicode MS" pitchFamily="34" charset="-128"/>
-                <a:cs typeface="Arial" pitchFamily="34" charset="0"/>
-              </a:rPr>
-              <a:t>// (</a:t>
-            </a:r>
-            <a:r>
-              <a:rPr kumimoji="0" lang="ru-RU" sz="1200" b="0" i="0" u="none" strike="noStrike" cap="none" normalizeH="0" baseline="0" dirty="0" err="1" smtClean="0">
-                <a:ln>
-                  <a:noFill/>
-                </a:ln>
-                <a:solidFill>
-                  <a:srgbClr val="696969"/>
-                </a:solidFill>
-                <a:effectLst/>
-                <a:latin typeface="Arial Unicode MS" pitchFamily="34" charset="-128"/>
-                <a:cs typeface="Arial" pitchFamily="34" charset="0"/>
-              </a:rPr>
-              <a:t>y</a:t>
-            </a:r>
-            <a:r>
-              <a:rPr kumimoji="0" lang="ru-RU" sz="1200" b="0" i="0" u="none" strike="noStrike" cap="none" normalizeH="0" baseline="0" dirty="0" smtClean="0">
-                <a:ln>
-                  <a:noFill/>
-                </a:ln>
-                <a:solidFill>
-                  <a:srgbClr val="696969"/>
-                </a:solidFill>
-                <a:effectLst/>
-                <a:latin typeface="Arial Unicode MS" pitchFamily="34" charset="-128"/>
-                <a:cs typeface="Arial" pitchFamily="34" charset="0"/>
-              </a:rPr>
-              <a:t>, ({m2}, {}), чтение)</a:t>
-            </a:r>
-          </a:p>
-          <a:p>
-            <a:pPr marL="0" marR="0" lvl="0" indent="0" algn="l" defTabSz="914400" rtl="0" eaLnBrk="1" fontAlgn="base" latinLnBrk="0" hangingPunct="1">
-              <a:lnSpc>
-                <a:spcPct val="100000"/>
-              </a:lnSpc>
-              <a:spcBef>
-                <a:spcPct val="0"/>
-              </a:spcBef>
-              <a:spcAft>
-                <a:spcPct val="0"/>
-              </a:spcAft>
-              <a:buClrTx/>
-              <a:buSzTx/>
-              <a:buFontTx/>
-              <a:buNone/>
-              <a:tabLst/>
-            </a:pPr>
-            <a:r>
-              <a:rPr lang="ru-RU" sz="1200" dirty="0" smtClean="0">
-                <a:solidFill>
-                  <a:srgbClr val="696969"/>
-                </a:solidFill>
-                <a:latin typeface="Arial Unicode MS" pitchFamily="34" charset="-128"/>
-                <a:cs typeface="Arial" pitchFamily="34" charset="0"/>
-              </a:rPr>
-              <a:t> </a:t>
-            </a:r>
-            <a:r>
-              <a:rPr lang="ru-RU" sz="1200" dirty="0" smtClean="0">
-                <a:solidFill>
-                  <a:srgbClr val="696969"/>
-                </a:solidFill>
-                <a:latin typeface="Arial Unicode MS" pitchFamily="34" charset="-128"/>
-                <a:cs typeface="Arial" pitchFamily="34" charset="0"/>
-              </a:rPr>
-              <a:t>      </a:t>
-            </a:r>
-            <a:r>
-              <a:rPr kumimoji="0" lang="ru-RU" sz="1200" b="0" i="0" u="none" strike="noStrike" cap="none" normalizeH="0" baseline="0" dirty="0" smtClean="0">
-                <a:ln>
-                  <a:noFill/>
-                </a:ln>
-                <a:solidFill>
-                  <a:srgbClr val="000000"/>
-                </a:solidFill>
-                <a:effectLst/>
-                <a:latin typeface="Arial Unicode MS" pitchFamily="34" charset="-128"/>
-                <a:cs typeface="Arial" pitchFamily="34" charset="0"/>
-              </a:rPr>
-              <a:t> </a:t>
-            </a:r>
-            <a:r>
-              <a:rPr kumimoji="0" lang="ru-RU" sz="1200" b="0" i="0" u="none" strike="noStrike" cap="none" normalizeH="0" baseline="0" dirty="0" smtClean="0">
-                <a:ln>
-                  <a:noFill/>
-                </a:ln>
-                <a:solidFill>
-                  <a:srgbClr val="696969"/>
-                </a:solidFill>
-                <a:effectLst/>
-                <a:latin typeface="Arial Unicode MS" pitchFamily="34" charset="-128"/>
-                <a:cs typeface="Arial" pitchFamily="34" charset="0"/>
-              </a:rPr>
-              <a:t>// (</a:t>
-            </a:r>
-            <a:r>
-              <a:rPr kumimoji="0" lang="ru-RU" sz="1200" b="0" i="0" u="none" strike="noStrike" cap="none" normalizeH="0" baseline="0" dirty="0" err="1" smtClean="0">
-                <a:ln>
-                  <a:noFill/>
-                </a:ln>
-                <a:solidFill>
-                  <a:srgbClr val="696969"/>
-                </a:solidFill>
-                <a:effectLst/>
-                <a:latin typeface="Arial Unicode MS" pitchFamily="34" charset="-128"/>
-                <a:cs typeface="Arial" pitchFamily="34" charset="0"/>
-              </a:rPr>
-              <a:t>y</a:t>
-            </a:r>
-            <a:r>
-              <a:rPr kumimoji="0" lang="ru-RU" sz="1200" b="0" i="0" u="none" strike="noStrike" cap="none" normalizeH="0" baseline="0" dirty="0" smtClean="0">
-                <a:ln>
-                  <a:noFill/>
-                </a:ln>
-                <a:solidFill>
-                  <a:srgbClr val="696969"/>
-                </a:solidFill>
-                <a:effectLst/>
-                <a:latin typeface="Arial Unicode MS" pitchFamily="34" charset="-128"/>
-                <a:cs typeface="Arial" pitchFamily="34" charset="0"/>
-              </a:rPr>
-              <a:t>, ({m2}, {}), запись)</a:t>
-            </a:r>
-          </a:p>
-          <a:p>
-            <a:pPr marL="0" marR="0" lvl="0" indent="0" algn="l" defTabSz="914400" rtl="0" eaLnBrk="1" fontAlgn="base" latinLnBrk="0" hangingPunct="1">
-              <a:lnSpc>
-                <a:spcPct val="100000"/>
-              </a:lnSpc>
-              <a:spcBef>
-                <a:spcPct val="0"/>
-              </a:spcBef>
-              <a:spcAft>
-                <a:spcPct val="0"/>
-              </a:spcAft>
-              <a:buClrTx/>
-              <a:buSzTx/>
-              <a:buFontTx/>
-              <a:buNone/>
-              <a:tabLst/>
-            </a:pPr>
-            <a:r>
-              <a:rPr kumimoji="0" lang="ru-RU" sz="1200" b="0" i="0" u="none" strike="noStrike" cap="none" normalizeH="0" baseline="0" dirty="0" smtClean="0">
-                <a:ln>
-                  <a:noFill/>
-                </a:ln>
-                <a:solidFill>
-                  <a:srgbClr val="800080"/>
-                </a:solidFill>
-                <a:effectLst/>
-                <a:latin typeface="Arial Unicode MS" pitchFamily="34" charset="-128"/>
-                <a:cs typeface="Arial" pitchFamily="34" charset="0"/>
-              </a:rPr>
-              <a:t>}</a:t>
-            </a:r>
-            <a:r>
-              <a:rPr kumimoji="0" lang="ru-RU" sz="1200" b="0" i="0" u="none" strike="noStrike" cap="none" normalizeH="0" baseline="0" dirty="0" smtClean="0">
-                <a:ln>
-                  <a:noFill/>
-                </a:ln>
-                <a:solidFill>
-                  <a:schemeClr val="tx1"/>
-                </a:solidFill>
-                <a:effectLst/>
-                <a:latin typeface="Arial" pitchFamily="34" charset="0"/>
-                <a:cs typeface="Arial" pitchFamily="34" charset="0"/>
-              </a:rPr>
-              <a:t> </a:t>
-            </a:r>
+            <a:pPr algn="ctr"/>
+            <a:endParaRPr lang="ru-RU"/>
           </a:p>
         </p:txBody>
       </p:sp>
-      <p:sp>
-        <p:nvSpPr>
-          <p:cNvPr id="31748" name="Rectangle 4"/>
-          <p:cNvSpPr>
-            <a:spLocks noChangeArrowheads="1"/>
-          </p:cNvSpPr>
+      <p:cxnSp>
+        <p:nvCxnSpPr>
+          <p:cNvPr id="15" name="Прямая со стрелкой 14"/>
+          <p:cNvCxnSpPr>
+            <a:endCxn id="13" idx="1"/>
+          </p:cNvCxnSpPr>
           <p:nvPr/>
-        </p:nvSpPr>
-        <p:spPr bwMode="auto">
-          <a:xfrm>
-            <a:off x="4823520" y="3861048"/>
-            <a:ext cx="4068960" cy="2677656"/>
+        </p:nvCxnSpPr>
+        <p:spPr>
+          <a:xfrm flipV="1">
+            <a:off x="1835696" y="3825044"/>
+            <a:ext cx="3168352" cy="396044"/>
           </a:xfrm>
-          <a:prstGeom prst="rect">
+          <a:prstGeom prst="straightConnector1">
             <a:avLst/>
           </a:prstGeom>
-          <a:noFill/>
-          <a:ln w="9525">
-            <a:noFill/>
-            <a:miter lim="800000"/>
-            <a:headEnd/>
-            <a:tailEnd/>
+          <a:ln>
+            <a:tailEnd type="none"/>
           </a:ln>
-          <a:effectLst/>
         </p:spPr>
-        <p:txBody>
-          <a:bodyPr vert="horz" wrap="square" lIns="91440" tIns="45720" rIns="91440" bIns="45720" numCol="1" anchor="ctr" anchorCtr="0" compatLnSpc="1">
-            <a:prstTxWarp prst="textNoShape">
-              <a:avLst/>
-            </a:prstTxWarp>
-            <a:spAutoFit/>
-          </a:bodyPr>
-          <a:lstStyle/>
-          <a:p>
-            <a:pPr marL="0" marR="0" lvl="0" indent="0" algn="l" defTabSz="914400" rtl="0" eaLnBrk="1" fontAlgn="base" latinLnBrk="0" hangingPunct="1">
-              <a:lnSpc>
-                <a:spcPct val="100000"/>
-              </a:lnSpc>
-              <a:spcBef>
-                <a:spcPct val="0"/>
-              </a:spcBef>
-              <a:spcAft>
-                <a:spcPct val="0"/>
-              </a:spcAft>
-              <a:buClrTx/>
-              <a:buSzTx/>
-              <a:buFontTx/>
-              <a:buNone/>
-              <a:tabLst/>
-            </a:pPr>
-            <a:r>
-              <a:rPr kumimoji="0" lang="ru-RU" sz="1200" b="0" i="0" u="none" strike="noStrike" cap="none" normalizeH="0" baseline="0" dirty="0" err="1" smtClean="0">
-                <a:ln>
-                  <a:noFill/>
-                </a:ln>
-                <a:solidFill>
-                  <a:srgbClr val="000000"/>
-                </a:solidFill>
-                <a:effectLst/>
-                <a:latin typeface="Arial Unicode MS" pitchFamily="34" charset="-128"/>
-                <a:cs typeface="Arial" pitchFamily="34" charset="0"/>
-              </a:rPr>
-              <a:t>void</a:t>
-            </a:r>
-            <a:r>
-              <a:rPr kumimoji="0" lang="ru-RU" sz="1200" b="0" i="0" u="none" strike="noStrike" cap="none" normalizeH="0" baseline="0" dirty="0" smtClean="0">
-                <a:ln>
-                  <a:noFill/>
-                </a:ln>
-                <a:solidFill>
-                  <a:srgbClr val="000000"/>
-                </a:solidFill>
-                <a:effectLst/>
-                <a:latin typeface="Arial Unicode MS" pitchFamily="34" charset="-128"/>
-                <a:cs typeface="Arial" pitchFamily="34" charset="0"/>
-              </a:rPr>
-              <a:t>* thread2() </a:t>
-            </a:r>
-            <a:r>
-              <a:rPr kumimoji="0" lang="ru-RU" sz="1200" b="0" i="0" u="none" strike="noStrike" cap="none" normalizeH="0" baseline="0" dirty="0" smtClean="0">
-                <a:ln>
-                  <a:noFill/>
-                </a:ln>
-                <a:solidFill>
-                  <a:srgbClr val="800080"/>
-                </a:solidFill>
-                <a:effectLst/>
-                <a:latin typeface="Arial Unicode MS" pitchFamily="34" charset="-128"/>
-                <a:cs typeface="Arial" pitchFamily="34" charset="0"/>
-              </a:rPr>
-              <a:t>{</a:t>
-            </a:r>
-            <a:r>
-              <a:rPr kumimoji="0" lang="ru-RU" sz="1200" b="0" i="0" u="none" strike="noStrike" cap="none" normalizeH="0" baseline="0" dirty="0" smtClean="0">
-                <a:ln>
-                  <a:noFill/>
-                </a:ln>
-                <a:solidFill>
-                  <a:srgbClr val="000000"/>
-                </a:solidFill>
-                <a:effectLst/>
-                <a:latin typeface="Arial Unicode MS" pitchFamily="34" charset="-128"/>
-                <a:cs typeface="Arial" pitchFamily="34" charset="0"/>
-              </a:rPr>
-              <a:t> </a:t>
-            </a:r>
-          </a:p>
-          <a:p>
-            <a:pPr marL="0" marR="0" lvl="0" indent="0" algn="l" defTabSz="914400" rtl="0" eaLnBrk="1" fontAlgn="base" latinLnBrk="0" hangingPunct="1">
-              <a:lnSpc>
-                <a:spcPct val="100000"/>
-              </a:lnSpc>
-              <a:spcBef>
-                <a:spcPct val="0"/>
-              </a:spcBef>
-              <a:spcAft>
-                <a:spcPct val="0"/>
-              </a:spcAft>
-              <a:buClrTx/>
-              <a:buSzTx/>
-              <a:buFontTx/>
-              <a:buNone/>
-              <a:tabLst/>
-            </a:pPr>
-            <a:r>
-              <a:rPr lang="ru-RU" sz="1200" dirty="0" smtClean="0">
-                <a:solidFill>
-                  <a:srgbClr val="000000"/>
-                </a:solidFill>
-                <a:latin typeface="Arial Unicode MS" pitchFamily="34" charset="-128"/>
-                <a:cs typeface="Arial" pitchFamily="34" charset="0"/>
-              </a:rPr>
-              <a:t> </a:t>
-            </a:r>
-            <a:r>
-              <a:rPr lang="ru-RU" sz="1200" dirty="0" smtClean="0">
-                <a:solidFill>
-                  <a:srgbClr val="000000"/>
-                </a:solidFill>
-                <a:latin typeface="Arial Unicode MS" pitchFamily="34" charset="-128"/>
-                <a:cs typeface="Arial" pitchFamily="34" charset="0"/>
-              </a:rPr>
-              <a:t>      </a:t>
-            </a:r>
-            <a:r>
-              <a:rPr kumimoji="0" lang="ru-RU" sz="1200" b="0" i="0" u="none" strike="noStrike" cap="none" normalizeH="0" baseline="0" dirty="0" smtClean="0">
-                <a:ln>
-                  <a:noFill/>
-                </a:ln>
-                <a:solidFill>
-                  <a:srgbClr val="696969"/>
-                </a:solidFill>
-                <a:effectLst/>
-                <a:latin typeface="Arial Unicode MS" pitchFamily="34" charset="-128"/>
-                <a:cs typeface="Arial" pitchFamily="34" charset="0"/>
-              </a:rPr>
-              <a:t>// в начале функции таблица пустая</a:t>
-            </a:r>
-            <a:r>
-              <a:rPr kumimoji="0" lang="ru-RU" sz="1200" b="0" i="0" u="none" strike="noStrike" cap="none" normalizeH="0" baseline="0" dirty="0" smtClean="0">
-                <a:ln>
-                  <a:noFill/>
-                </a:ln>
-                <a:solidFill>
-                  <a:srgbClr val="000000"/>
-                </a:solidFill>
-                <a:effectLst/>
-                <a:latin typeface="Arial Unicode MS" pitchFamily="34" charset="-128"/>
-                <a:cs typeface="Arial" pitchFamily="34" charset="0"/>
-              </a:rPr>
-              <a:t> </a:t>
-            </a:r>
-          </a:p>
-          <a:p>
-            <a:pPr marL="0" marR="0" lvl="0" indent="0" algn="l" defTabSz="914400" rtl="0" eaLnBrk="1" fontAlgn="base" latinLnBrk="0" hangingPunct="1">
-              <a:lnSpc>
-                <a:spcPct val="100000"/>
-              </a:lnSpc>
-              <a:spcBef>
-                <a:spcPct val="0"/>
-              </a:spcBef>
-              <a:spcAft>
-                <a:spcPct val="0"/>
-              </a:spcAft>
-              <a:buClrTx/>
-              <a:buSzTx/>
-              <a:buFontTx/>
-              <a:buNone/>
-              <a:tabLst/>
-            </a:pPr>
-            <a:r>
-              <a:rPr kumimoji="0" lang="ru-RU" sz="1200" b="0" i="0" u="none" strike="noStrike" cap="none" normalizeH="0" baseline="0" dirty="0" smtClean="0">
-                <a:ln>
-                  <a:noFill/>
-                </a:ln>
-                <a:solidFill>
-                  <a:srgbClr val="000000"/>
-                </a:solidFill>
-                <a:effectLst/>
-                <a:latin typeface="Arial Unicode MS" pitchFamily="34" charset="-128"/>
-                <a:cs typeface="Arial" pitchFamily="34" charset="0"/>
-              </a:rPr>
-              <a:t>       </a:t>
-            </a:r>
-            <a:r>
-              <a:rPr kumimoji="0" lang="ru-RU" sz="1200" b="0" i="0" u="none" strike="noStrike" cap="none" normalizeH="0" baseline="0" dirty="0" err="1" smtClean="0">
-                <a:ln>
-                  <a:noFill/>
-                </a:ln>
-                <a:solidFill>
-                  <a:srgbClr val="000000"/>
-                </a:solidFill>
-                <a:effectLst/>
-                <a:latin typeface="Arial Unicode MS" pitchFamily="34" charset="-128"/>
-                <a:cs typeface="Arial" pitchFamily="34" charset="0"/>
-              </a:rPr>
-              <a:t>incr</a:t>
-            </a:r>
-            <a:r>
-              <a:rPr kumimoji="0" lang="ru-RU" sz="1200" b="0" i="0" u="none" strike="noStrike" cap="none" normalizeH="0" baseline="0" dirty="0" smtClean="0">
-                <a:ln>
-                  <a:noFill/>
-                </a:ln>
-                <a:solidFill>
-                  <a:srgbClr val="808030"/>
-                </a:solidFill>
-                <a:effectLst/>
-                <a:latin typeface="Arial Unicode MS" pitchFamily="34" charset="-128"/>
-                <a:cs typeface="Arial" pitchFamily="34" charset="0"/>
-              </a:rPr>
-              <a:t>(&amp;</a:t>
-            </a:r>
-            <a:r>
-              <a:rPr kumimoji="0" lang="ru-RU" sz="1200" b="0" i="0" u="none" strike="noStrike" cap="none" normalizeH="0" baseline="0" dirty="0" err="1" smtClean="0">
-                <a:ln>
-                  <a:noFill/>
-                </a:ln>
-                <a:solidFill>
-                  <a:srgbClr val="000000"/>
-                </a:solidFill>
-                <a:effectLst/>
-                <a:latin typeface="Arial Unicode MS" pitchFamily="34" charset="-128"/>
-                <a:cs typeface="Arial" pitchFamily="34" charset="0"/>
-              </a:rPr>
-              <a:t>x</a:t>
-            </a:r>
-            <a:r>
-              <a:rPr kumimoji="0" lang="ru-RU" sz="1200" b="0" i="0" u="none" strike="noStrike" cap="none" normalizeH="0" baseline="0" dirty="0" smtClean="0">
-                <a:ln>
-                  <a:noFill/>
-                </a:ln>
-                <a:solidFill>
-                  <a:srgbClr val="808030"/>
-                </a:solidFill>
-                <a:effectLst/>
-                <a:latin typeface="Arial Unicode MS" pitchFamily="34" charset="-128"/>
-                <a:cs typeface="Arial" pitchFamily="34" charset="0"/>
-              </a:rPr>
-              <a:t>,</a:t>
-            </a:r>
-            <a:r>
-              <a:rPr kumimoji="0" lang="ru-RU" sz="1200" b="0" i="0" u="none" strike="noStrike" cap="none" normalizeH="0" baseline="0" dirty="0" smtClean="0">
-                <a:ln>
-                  <a:noFill/>
-                </a:ln>
-                <a:solidFill>
-                  <a:srgbClr val="000000"/>
-                </a:solidFill>
-                <a:effectLst/>
-                <a:latin typeface="Arial Unicode MS" pitchFamily="34" charset="-128"/>
-                <a:cs typeface="Arial" pitchFamily="34" charset="0"/>
-              </a:rPr>
-              <a:t> </a:t>
-            </a:r>
-            <a:r>
-              <a:rPr kumimoji="0" lang="ru-RU" sz="1200" b="0" i="0" u="none" strike="noStrike" cap="none" normalizeH="0" baseline="0" dirty="0" smtClean="0">
-                <a:ln>
-                  <a:noFill/>
-                </a:ln>
-                <a:solidFill>
-                  <a:srgbClr val="808030"/>
-                </a:solidFill>
-                <a:effectLst/>
-                <a:latin typeface="Arial Unicode MS" pitchFamily="34" charset="-128"/>
-                <a:cs typeface="Arial" pitchFamily="34" charset="0"/>
-              </a:rPr>
-              <a:t>&amp;</a:t>
-            </a:r>
-            <a:r>
-              <a:rPr kumimoji="0" lang="ru-RU" sz="1200" b="0" i="0" u="none" strike="noStrike" cap="none" normalizeH="0" baseline="0" dirty="0" smtClean="0">
-                <a:ln>
-                  <a:noFill/>
-                </a:ln>
-                <a:solidFill>
-                  <a:srgbClr val="000000"/>
-                </a:solidFill>
-                <a:effectLst/>
-                <a:latin typeface="Arial Unicode MS" pitchFamily="34" charset="-128"/>
-                <a:cs typeface="Arial" pitchFamily="34" charset="0"/>
-              </a:rPr>
-              <a:t>m1</a:t>
-            </a:r>
-            <a:r>
-              <a:rPr kumimoji="0" lang="ru-RU" sz="1200" b="0" i="0" u="none" strike="noStrike" cap="none" normalizeH="0" baseline="0" dirty="0" smtClean="0">
-                <a:ln>
-                  <a:noFill/>
-                </a:ln>
-                <a:solidFill>
-                  <a:srgbClr val="808030"/>
-                </a:solidFill>
-                <a:effectLst/>
-                <a:latin typeface="Arial Unicode MS" pitchFamily="34" charset="-128"/>
-                <a:cs typeface="Arial" pitchFamily="34" charset="0"/>
-              </a:rPr>
-              <a:t>)</a:t>
-            </a:r>
-            <a:r>
-              <a:rPr kumimoji="0" lang="ru-RU" sz="1200" b="0" i="0" u="none" strike="noStrike" cap="none" normalizeH="0" baseline="0" dirty="0" smtClean="0">
-                <a:ln>
-                  <a:noFill/>
-                </a:ln>
-                <a:solidFill>
-                  <a:srgbClr val="800080"/>
-                </a:solidFill>
-                <a:effectLst/>
-                <a:latin typeface="Arial Unicode MS" pitchFamily="34" charset="-128"/>
-                <a:cs typeface="Arial" pitchFamily="34" charset="0"/>
-              </a:rPr>
-              <a:t>;</a:t>
-            </a:r>
-          </a:p>
-          <a:p>
-            <a:pPr marL="0" marR="0" lvl="0" indent="0" algn="l" defTabSz="914400" rtl="0" eaLnBrk="1" fontAlgn="base" latinLnBrk="0" hangingPunct="1">
-              <a:lnSpc>
-                <a:spcPct val="100000"/>
-              </a:lnSpc>
-              <a:spcBef>
-                <a:spcPct val="0"/>
-              </a:spcBef>
-              <a:spcAft>
-                <a:spcPct val="0"/>
-              </a:spcAft>
-              <a:buClrTx/>
-              <a:buSzTx/>
-              <a:buFontTx/>
-              <a:buNone/>
-              <a:tabLst/>
-            </a:pPr>
-            <a:r>
-              <a:rPr lang="ru-RU" sz="1200" dirty="0" smtClean="0">
-                <a:solidFill>
-                  <a:srgbClr val="800080"/>
-                </a:solidFill>
-                <a:latin typeface="Arial Unicode MS" pitchFamily="34" charset="-128"/>
-                <a:cs typeface="Arial" pitchFamily="34" charset="0"/>
-              </a:rPr>
-              <a:t> </a:t>
-            </a:r>
-            <a:r>
-              <a:rPr lang="ru-RU" sz="1200" dirty="0" smtClean="0">
-                <a:solidFill>
-                  <a:srgbClr val="800080"/>
-                </a:solidFill>
-                <a:latin typeface="Arial Unicode MS" pitchFamily="34" charset="-128"/>
-                <a:cs typeface="Arial" pitchFamily="34" charset="0"/>
-              </a:rPr>
-              <a:t>      </a:t>
-            </a:r>
-            <a:r>
-              <a:rPr kumimoji="0" lang="ru-RU" sz="1200" b="0" i="0" u="none" strike="noStrike" cap="none" normalizeH="0" baseline="0" dirty="0" smtClean="0">
-                <a:ln>
-                  <a:noFill/>
-                </a:ln>
-                <a:solidFill>
-                  <a:srgbClr val="000000"/>
-                </a:solidFill>
-                <a:effectLst/>
-                <a:latin typeface="Arial Unicode MS" pitchFamily="34" charset="-128"/>
-                <a:cs typeface="Arial" pitchFamily="34" charset="0"/>
-              </a:rPr>
-              <a:t> </a:t>
-            </a:r>
-            <a:r>
-              <a:rPr kumimoji="0" lang="ru-RU" sz="1200" b="0" i="0" u="none" strike="noStrike" cap="none" normalizeH="0" baseline="0" dirty="0" smtClean="0">
-                <a:ln>
-                  <a:noFill/>
-                </a:ln>
-                <a:solidFill>
-                  <a:srgbClr val="696969"/>
-                </a:solidFill>
-                <a:effectLst/>
-                <a:latin typeface="Arial Unicode MS" pitchFamily="34" charset="-128"/>
-                <a:cs typeface="Arial" pitchFamily="34" charset="0"/>
-              </a:rPr>
-              <a:t>// подставляем фактические передаваемые</a:t>
-            </a:r>
-          </a:p>
-          <a:p>
-            <a:pPr marL="0" marR="0" lvl="0" indent="0" algn="l" defTabSz="914400" rtl="0" eaLnBrk="1" fontAlgn="base" latinLnBrk="0" hangingPunct="1">
-              <a:lnSpc>
-                <a:spcPct val="100000"/>
-              </a:lnSpc>
-              <a:spcBef>
-                <a:spcPct val="0"/>
-              </a:spcBef>
-              <a:spcAft>
-                <a:spcPct val="0"/>
-              </a:spcAft>
-              <a:buClrTx/>
-              <a:buSzTx/>
-              <a:buFontTx/>
-              <a:buNone/>
-              <a:tabLst/>
-            </a:pPr>
-            <a:r>
-              <a:rPr lang="ru-RU" sz="1200" dirty="0" smtClean="0">
-                <a:solidFill>
-                  <a:srgbClr val="696969"/>
-                </a:solidFill>
-                <a:latin typeface="Arial Unicode MS" pitchFamily="34" charset="-128"/>
-                <a:cs typeface="Arial" pitchFamily="34" charset="0"/>
-              </a:rPr>
-              <a:t> </a:t>
-            </a:r>
-            <a:r>
-              <a:rPr lang="ru-RU" sz="1200" dirty="0" smtClean="0">
-                <a:solidFill>
-                  <a:srgbClr val="696969"/>
-                </a:solidFill>
-                <a:latin typeface="Arial Unicode MS" pitchFamily="34" charset="-128"/>
-                <a:cs typeface="Arial" pitchFamily="34" charset="0"/>
-              </a:rPr>
-              <a:t>      </a:t>
-            </a:r>
-            <a:r>
-              <a:rPr kumimoji="0" lang="ru-RU" sz="1200" b="0" i="0" u="none" strike="noStrike" cap="none" normalizeH="0" baseline="0" dirty="0" smtClean="0">
-                <a:ln>
-                  <a:noFill/>
-                </a:ln>
-                <a:solidFill>
-                  <a:srgbClr val="000000"/>
-                </a:solidFill>
-                <a:effectLst/>
-                <a:latin typeface="Arial Unicode MS" pitchFamily="34" charset="-128"/>
-                <a:cs typeface="Arial" pitchFamily="34" charset="0"/>
-              </a:rPr>
-              <a:t> </a:t>
-            </a:r>
-            <a:r>
-              <a:rPr kumimoji="0" lang="ru-RU" sz="1200" b="0" i="0" u="none" strike="noStrike" cap="none" normalizeH="0" baseline="0" dirty="0" smtClean="0">
-                <a:ln>
-                  <a:noFill/>
-                </a:ln>
-                <a:solidFill>
-                  <a:srgbClr val="696969"/>
-                </a:solidFill>
-                <a:effectLst/>
-                <a:latin typeface="Arial Unicode MS" pitchFamily="34" charset="-128"/>
-                <a:cs typeface="Arial" pitchFamily="34" charset="0"/>
-              </a:rPr>
-              <a:t>// значения в таблицу для функции </a:t>
-            </a:r>
-            <a:r>
-              <a:rPr kumimoji="0" lang="ru-RU" sz="1200" b="0" i="0" u="none" strike="noStrike" cap="none" normalizeH="0" baseline="0" dirty="0" err="1" smtClean="0">
-                <a:ln>
-                  <a:noFill/>
-                </a:ln>
-                <a:solidFill>
-                  <a:srgbClr val="696969"/>
-                </a:solidFill>
-                <a:effectLst/>
-                <a:latin typeface="Arial Unicode MS" pitchFamily="34" charset="-128"/>
-                <a:cs typeface="Arial" pitchFamily="34" charset="0"/>
-              </a:rPr>
-              <a:t>incr</a:t>
-            </a:r>
-            <a:r>
-              <a:rPr kumimoji="0" lang="ru-RU" sz="1200" b="0" i="0" u="none" strike="noStrike" cap="none" normalizeH="0" baseline="0" dirty="0" smtClean="0">
-                <a:ln>
-                  <a:noFill/>
-                </a:ln>
-                <a:solidFill>
-                  <a:srgbClr val="696969"/>
-                </a:solidFill>
-                <a:effectLst/>
-                <a:latin typeface="Arial Unicode MS" pitchFamily="34" charset="-128"/>
-                <a:cs typeface="Arial" pitchFamily="34" charset="0"/>
-              </a:rPr>
-              <a:t>:</a:t>
-            </a:r>
-            <a:r>
-              <a:rPr kumimoji="0" lang="ru-RU" sz="1200" b="0" i="0" u="none" strike="noStrike" cap="none" normalizeH="0" baseline="0" dirty="0" smtClean="0">
-                <a:ln>
-                  <a:noFill/>
-                </a:ln>
-                <a:solidFill>
-                  <a:srgbClr val="000000"/>
-                </a:solidFill>
-                <a:effectLst/>
-                <a:latin typeface="Arial Unicode MS" pitchFamily="34" charset="-128"/>
-                <a:cs typeface="Arial" pitchFamily="34" charset="0"/>
-              </a:rPr>
-              <a:t> </a:t>
-            </a:r>
-          </a:p>
-          <a:p>
-            <a:pPr marL="0" marR="0" lvl="0" indent="0" algn="l" defTabSz="914400" rtl="0" eaLnBrk="1" fontAlgn="base" latinLnBrk="0" hangingPunct="1">
-              <a:lnSpc>
-                <a:spcPct val="100000"/>
-              </a:lnSpc>
-              <a:spcBef>
-                <a:spcPct val="0"/>
-              </a:spcBef>
-              <a:spcAft>
-                <a:spcPct val="0"/>
-              </a:spcAft>
-              <a:buClrTx/>
-              <a:buSzTx/>
-              <a:buFontTx/>
-              <a:buNone/>
-              <a:tabLst/>
-            </a:pPr>
-            <a:r>
-              <a:rPr lang="ru-RU" sz="1200" dirty="0" smtClean="0">
-                <a:solidFill>
-                  <a:srgbClr val="000000"/>
-                </a:solidFill>
-                <a:latin typeface="Arial Unicode MS" pitchFamily="34" charset="-128"/>
-                <a:cs typeface="Arial" pitchFamily="34" charset="0"/>
-              </a:rPr>
-              <a:t> </a:t>
-            </a:r>
-            <a:r>
-              <a:rPr lang="ru-RU" sz="1200" dirty="0" smtClean="0">
-                <a:solidFill>
-                  <a:srgbClr val="000000"/>
-                </a:solidFill>
-                <a:latin typeface="Arial Unicode MS" pitchFamily="34" charset="-128"/>
-                <a:cs typeface="Arial" pitchFamily="34" charset="0"/>
-              </a:rPr>
-              <a:t>       </a:t>
-            </a:r>
-            <a:r>
-              <a:rPr kumimoji="0" lang="ru-RU" sz="1200" b="0" i="0" u="none" strike="noStrike" cap="none" normalizeH="0" baseline="0" dirty="0" smtClean="0">
-                <a:ln>
-                  <a:noFill/>
-                </a:ln>
-                <a:solidFill>
-                  <a:srgbClr val="696969"/>
-                </a:solidFill>
-                <a:effectLst/>
-                <a:latin typeface="Arial Unicode MS" pitchFamily="34" charset="-128"/>
-                <a:cs typeface="Arial" pitchFamily="34" charset="0"/>
-              </a:rPr>
-              <a:t>// (</a:t>
-            </a:r>
-            <a:r>
-              <a:rPr kumimoji="0" lang="ru-RU" sz="1200" b="0" i="0" u="none" strike="noStrike" cap="none" normalizeH="0" baseline="0" dirty="0" err="1" smtClean="0">
-                <a:ln>
-                  <a:noFill/>
-                </a:ln>
-                <a:solidFill>
-                  <a:srgbClr val="696969"/>
-                </a:solidFill>
-                <a:effectLst/>
-                <a:latin typeface="Arial Unicode MS" pitchFamily="34" charset="-128"/>
-                <a:cs typeface="Arial" pitchFamily="34" charset="0"/>
-              </a:rPr>
-              <a:t>x</a:t>
-            </a:r>
-            <a:r>
-              <a:rPr kumimoji="0" lang="ru-RU" sz="1200" b="0" i="0" u="none" strike="noStrike" cap="none" normalizeH="0" baseline="0" dirty="0" smtClean="0">
-                <a:ln>
-                  <a:noFill/>
-                </a:ln>
-                <a:solidFill>
-                  <a:srgbClr val="696969"/>
-                </a:solidFill>
-                <a:effectLst/>
-                <a:latin typeface="Arial Unicode MS" pitchFamily="34" charset="-128"/>
-                <a:cs typeface="Arial" pitchFamily="34" charset="0"/>
-              </a:rPr>
-              <a:t>, ({m1}, {}), чтение)</a:t>
-            </a:r>
-          </a:p>
-          <a:p>
-            <a:pPr marL="0" marR="0" lvl="0" indent="0" algn="l" defTabSz="914400" rtl="0" eaLnBrk="1" fontAlgn="base" latinLnBrk="0" hangingPunct="1">
-              <a:lnSpc>
-                <a:spcPct val="100000"/>
-              </a:lnSpc>
-              <a:spcBef>
-                <a:spcPct val="0"/>
-              </a:spcBef>
-              <a:spcAft>
-                <a:spcPct val="0"/>
-              </a:spcAft>
-              <a:buClrTx/>
-              <a:buSzTx/>
-              <a:buFontTx/>
-              <a:buNone/>
-              <a:tabLst/>
-            </a:pPr>
-            <a:r>
-              <a:rPr lang="ru-RU" sz="1200" dirty="0" smtClean="0">
-                <a:solidFill>
-                  <a:srgbClr val="696969"/>
-                </a:solidFill>
-                <a:latin typeface="Arial Unicode MS" pitchFamily="34" charset="-128"/>
-                <a:cs typeface="Arial" pitchFamily="34" charset="0"/>
-              </a:rPr>
-              <a:t> </a:t>
-            </a:r>
-            <a:r>
-              <a:rPr lang="ru-RU" sz="1200" dirty="0" smtClean="0">
-                <a:solidFill>
-                  <a:srgbClr val="696969"/>
-                </a:solidFill>
-                <a:latin typeface="Arial Unicode MS" pitchFamily="34" charset="-128"/>
-                <a:cs typeface="Arial" pitchFamily="34" charset="0"/>
-              </a:rPr>
-              <a:t>      </a:t>
-            </a:r>
-            <a:r>
-              <a:rPr kumimoji="0" lang="ru-RU" sz="1200" b="0" i="0" u="none" strike="noStrike" cap="none" normalizeH="0" baseline="0" dirty="0" smtClean="0">
-                <a:ln>
-                  <a:noFill/>
-                </a:ln>
-                <a:solidFill>
-                  <a:srgbClr val="000000"/>
-                </a:solidFill>
-                <a:effectLst/>
-                <a:latin typeface="Arial Unicode MS" pitchFamily="34" charset="-128"/>
-                <a:cs typeface="Arial" pitchFamily="34" charset="0"/>
-              </a:rPr>
-              <a:t> </a:t>
-            </a:r>
-            <a:r>
-              <a:rPr kumimoji="0" lang="ru-RU" sz="1200" b="0" i="0" u="none" strike="noStrike" cap="none" normalizeH="0" baseline="0" dirty="0" smtClean="0">
-                <a:ln>
-                  <a:noFill/>
-                </a:ln>
-                <a:solidFill>
-                  <a:srgbClr val="696969"/>
-                </a:solidFill>
-                <a:effectLst/>
-                <a:latin typeface="Arial Unicode MS" pitchFamily="34" charset="-128"/>
-                <a:cs typeface="Arial" pitchFamily="34" charset="0"/>
-              </a:rPr>
-              <a:t>// (</a:t>
-            </a:r>
-            <a:r>
-              <a:rPr kumimoji="0" lang="ru-RU" sz="1200" b="0" i="0" u="none" strike="noStrike" cap="none" normalizeH="0" baseline="0" dirty="0" err="1" smtClean="0">
-                <a:ln>
-                  <a:noFill/>
-                </a:ln>
-                <a:solidFill>
-                  <a:srgbClr val="696969"/>
-                </a:solidFill>
-                <a:effectLst/>
-                <a:latin typeface="Arial Unicode MS" pitchFamily="34" charset="-128"/>
-                <a:cs typeface="Arial" pitchFamily="34" charset="0"/>
-              </a:rPr>
-              <a:t>x</a:t>
-            </a:r>
-            <a:r>
-              <a:rPr kumimoji="0" lang="ru-RU" sz="1200" b="0" i="0" u="none" strike="noStrike" cap="none" normalizeH="0" baseline="0" dirty="0" smtClean="0">
-                <a:ln>
-                  <a:noFill/>
-                </a:ln>
-                <a:solidFill>
-                  <a:srgbClr val="696969"/>
-                </a:solidFill>
-                <a:effectLst/>
-                <a:latin typeface="Arial Unicode MS" pitchFamily="34" charset="-128"/>
-                <a:cs typeface="Arial" pitchFamily="34" charset="0"/>
-              </a:rPr>
-              <a:t>, ({m1}, {}), запись)</a:t>
-            </a:r>
-            <a:r>
-              <a:rPr kumimoji="0" lang="ru-RU" sz="1200" b="0" i="0" u="none" strike="noStrike" cap="none" normalizeH="0" baseline="0" dirty="0" smtClean="0">
-                <a:ln>
-                  <a:noFill/>
-                </a:ln>
-                <a:solidFill>
-                  <a:srgbClr val="000000"/>
-                </a:solidFill>
-                <a:effectLst/>
-                <a:latin typeface="Arial Unicode MS" pitchFamily="34" charset="-128"/>
-                <a:cs typeface="Arial" pitchFamily="34" charset="0"/>
-              </a:rPr>
-              <a:t> </a:t>
-            </a:r>
-          </a:p>
-          <a:p>
-            <a:pPr marL="0" marR="0" lvl="0" indent="0" algn="l" defTabSz="914400" rtl="0" eaLnBrk="1" fontAlgn="base" latinLnBrk="0" hangingPunct="1">
-              <a:lnSpc>
-                <a:spcPct val="100000"/>
-              </a:lnSpc>
-              <a:spcBef>
-                <a:spcPct val="0"/>
-              </a:spcBef>
-              <a:spcAft>
-                <a:spcPct val="0"/>
-              </a:spcAft>
-              <a:buClrTx/>
-              <a:buSzTx/>
-              <a:buFontTx/>
-              <a:buNone/>
-              <a:tabLst/>
-            </a:pPr>
-            <a:r>
-              <a:rPr lang="ru-RU" sz="1200" dirty="0" smtClean="0">
-                <a:solidFill>
-                  <a:srgbClr val="000000"/>
-                </a:solidFill>
-                <a:latin typeface="Arial Unicode MS" pitchFamily="34" charset="-128"/>
-                <a:cs typeface="Arial" pitchFamily="34" charset="0"/>
-              </a:rPr>
-              <a:t> </a:t>
-            </a:r>
-            <a:r>
-              <a:rPr lang="ru-RU" sz="1200" dirty="0" smtClean="0">
-                <a:solidFill>
-                  <a:srgbClr val="000000"/>
-                </a:solidFill>
-                <a:latin typeface="Arial Unicode MS" pitchFamily="34" charset="-128"/>
-                <a:cs typeface="Arial" pitchFamily="34" charset="0"/>
-              </a:rPr>
-              <a:t>       </a:t>
-            </a:r>
-            <a:r>
-              <a:rPr kumimoji="0" lang="ru-RU" sz="1200" b="0" i="0" u="none" strike="noStrike" cap="none" normalizeH="0" baseline="0" dirty="0" smtClean="0">
-                <a:ln>
-                  <a:noFill/>
-                </a:ln>
-                <a:solidFill>
-                  <a:srgbClr val="BB7977"/>
-                </a:solidFill>
-                <a:effectLst/>
-                <a:latin typeface="Arial Unicode MS" pitchFamily="34" charset="-128"/>
-                <a:cs typeface="Arial" pitchFamily="34" charset="0"/>
-              </a:rPr>
-              <a:t>int</a:t>
-            </a:r>
-            <a:r>
-              <a:rPr kumimoji="0" lang="ru-RU" sz="1200" b="0" i="0" u="none" strike="noStrike" cap="none" normalizeH="0" baseline="0" dirty="0" smtClean="0">
-                <a:ln>
-                  <a:noFill/>
-                </a:ln>
-                <a:solidFill>
-                  <a:srgbClr val="808030"/>
-                </a:solidFill>
-                <a:effectLst/>
-                <a:latin typeface="Arial Unicode MS" pitchFamily="34" charset="-128"/>
-                <a:cs typeface="Arial" pitchFamily="34" charset="0"/>
-              </a:rPr>
-              <a:t>*</a:t>
-            </a:r>
-            <a:r>
-              <a:rPr kumimoji="0" lang="ru-RU" sz="1200" b="0" i="0" u="none" strike="noStrike" cap="none" normalizeH="0" baseline="0" dirty="0" smtClean="0">
-                <a:ln>
-                  <a:noFill/>
-                </a:ln>
-                <a:solidFill>
-                  <a:srgbClr val="000000"/>
-                </a:solidFill>
-                <a:effectLst/>
-                <a:latin typeface="Arial Unicode MS" pitchFamily="34" charset="-128"/>
-                <a:cs typeface="Arial" pitchFamily="34" charset="0"/>
-              </a:rPr>
-              <a:t> </a:t>
-            </a:r>
-            <a:r>
-              <a:rPr kumimoji="0" lang="ru-RU" sz="1200" b="0" i="0" u="none" strike="noStrike" cap="none" normalizeH="0" baseline="0" dirty="0" err="1" smtClean="0">
-                <a:ln>
-                  <a:noFill/>
-                </a:ln>
-                <a:solidFill>
-                  <a:srgbClr val="000000"/>
-                </a:solidFill>
-                <a:effectLst/>
-                <a:latin typeface="Arial Unicode MS" pitchFamily="34" charset="-128"/>
-                <a:cs typeface="Arial" pitchFamily="34" charset="0"/>
-              </a:rPr>
-              <a:t>z</a:t>
-            </a:r>
-            <a:r>
-              <a:rPr kumimoji="0" lang="ru-RU" sz="1200" b="0" i="0" u="none" strike="noStrike" cap="none" normalizeH="0" baseline="0" dirty="0" smtClean="0">
-                <a:ln>
-                  <a:noFill/>
-                </a:ln>
-                <a:solidFill>
-                  <a:srgbClr val="000000"/>
-                </a:solidFill>
-                <a:effectLst/>
-                <a:latin typeface="Arial Unicode MS" pitchFamily="34" charset="-128"/>
-                <a:cs typeface="Arial" pitchFamily="34" charset="0"/>
-              </a:rPr>
-              <a:t> </a:t>
-            </a:r>
-            <a:r>
-              <a:rPr kumimoji="0" lang="ru-RU" sz="1200" b="0" i="0" u="none" strike="noStrike" cap="none" normalizeH="0" baseline="0" dirty="0" smtClean="0">
-                <a:ln>
-                  <a:noFill/>
-                </a:ln>
-                <a:solidFill>
-                  <a:srgbClr val="808030"/>
-                </a:solidFill>
-                <a:effectLst/>
-                <a:latin typeface="Arial Unicode MS" pitchFamily="34" charset="-128"/>
-                <a:cs typeface="Arial" pitchFamily="34" charset="0"/>
-              </a:rPr>
-              <a:t>=</a:t>
-            </a:r>
-            <a:r>
-              <a:rPr kumimoji="0" lang="ru-RU" sz="1200" b="0" i="0" u="none" strike="noStrike" cap="none" normalizeH="0" baseline="0" dirty="0" smtClean="0">
-                <a:ln>
-                  <a:noFill/>
-                </a:ln>
-                <a:solidFill>
-                  <a:srgbClr val="000000"/>
-                </a:solidFill>
-                <a:effectLst/>
-                <a:latin typeface="Arial Unicode MS" pitchFamily="34" charset="-128"/>
-                <a:cs typeface="Arial" pitchFamily="34" charset="0"/>
-              </a:rPr>
-              <a:t> </a:t>
-            </a:r>
-            <a:r>
-              <a:rPr kumimoji="0" lang="ru-RU" sz="1200" b="0" i="0" u="none" strike="noStrike" cap="none" normalizeH="0" baseline="0" dirty="0" smtClean="0">
-                <a:ln>
-                  <a:noFill/>
-                </a:ln>
-                <a:solidFill>
-                  <a:srgbClr val="808030"/>
-                </a:solidFill>
-                <a:effectLst/>
-                <a:latin typeface="Arial Unicode MS" pitchFamily="34" charset="-128"/>
-                <a:cs typeface="Arial" pitchFamily="34" charset="0"/>
-              </a:rPr>
-              <a:t>&amp;</a:t>
-            </a:r>
-            <a:r>
-              <a:rPr kumimoji="0" lang="ru-RU" sz="1200" b="0" i="0" u="none" strike="noStrike" cap="none" normalizeH="0" baseline="0" dirty="0" err="1" smtClean="0">
-                <a:ln>
-                  <a:noFill/>
-                </a:ln>
-                <a:solidFill>
-                  <a:srgbClr val="000000"/>
-                </a:solidFill>
-                <a:effectLst/>
-                <a:latin typeface="Arial Unicode MS" pitchFamily="34" charset="-128"/>
-                <a:cs typeface="Arial" pitchFamily="34" charset="0"/>
-              </a:rPr>
-              <a:t>y</a:t>
-            </a:r>
-            <a:r>
-              <a:rPr kumimoji="0" lang="ru-RU" sz="1200" b="0" i="0" u="none" strike="noStrike" cap="none" normalizeH="0" baseline="0" dirty="0" smtClean="0">
-                <a:ln>
-                  <a:noFill/>
-                </a:ln>
-                <a:solidFill>
-                  <a:srgbClr val="800080"/>
-                </a:solidFill>
-                <a:effectLst/>
-                <a:latin typeface="Arial Unicode MS" pitchFamily="34" charset="-128"/>
-                <a:cs typeface="Arial" pitchFamily="34" charset="0"/>
-              </a:rPr>
-              <a:t>;</a:t>
-            </a:r>
-            <a:r>
-              <a:rPr kumimoji="0" lang="ru-RU" sz="1200" b="0" i="0" u="none" strike="noStrike" cap="none" normalizeH="0" baseline="0" dirty="0" smtClean="0">
-                <a:ln>
-                  <a:noFill/>
-                </a:ln>
-                <a:solidFill>
-                  <a:srgbClr val="000000"/>
-                </a:solidFill>
-                <a:effectLst/>
-                <a:latin typeface="Arial Unicode MS" pitchFamily="34" charset="-128"/>
-                <a:cs typeface="Arial" pitchFamily="34" charset="0"/>
-              </a:rPr>
-              <a:t> </a:t>
-            </a:r>
-          </a:p>
-          <a:p>
-            <a:pPr marL="0" marR="0" lvl="0" indent="0" algn="l" defTabSz="914400" rtl="0" eaLnBrk="1" fontAlgn="base" latinLnBrk="0" hangingPunct="1">
-              <a:lnSpc>
-                <a:spcPct val="100000"/>
-              </a:lnSpc>
-              <a:spcBef>
-                <a:spcPct val="0"/>
-              </a:spcBef>
-              <a:spcAft>
-                <a:spcPct val="0"/>
-              </a:spcAft>
-              <a:buClrTx/>
-              <a:buSzTx/>
-              <a:buFontTx/>
-              <a:buNone/>
-              <a:tabLst/>
-            </a:pPr>
-            <a:r>
-              <a:rPr lang="ru-RU" sz="1200" dirty="0" smtClean="0">
-                <a:solidFill>
-                  <a:srgbClr val="000000"/>
-                </a:solidFill>
-                <a:latin typeface="Arial Unicode MS" pitchFamily="34" charset="-128"/>
-                <a:cs typeface="Arial" pitchFamily="34" charset="0"/>
-              </a:rPr>
-              <a:t> </a:t>
-            </a:r>
-            <a:r>
-              <a:rPr lang="ru-RU" sz="1200" dirty="0" smtClean="0">
-                <a:solidFill>
-                  <a:srgbClr val="000000"/>
-                </a:solidFill>
-                <a:latin typeface="Arial Unicode MS" pitchFamily="34" charset="-128"/>
-                <a:cs typeface="Arial" pitchFamily="34" charset="0"/>
-              </a:rPr>
-              <a:t>       </a:t>
-            </a:r>
-            <a:r>
-              <a:rPr kumimoji="0" lang="ru-RU" sz="1200" b="0" i="0" u="none" strike="noStrike" cap="none" normalizeH="0" baseline="0" dirty="0" err="1" smtClean="0">
-                <a:ln>
-                  <a:noFill/>
-                </a:ln>
-                <a:solidFill>
-                  <a:srgbClr val="000000"/>
-                </a:solidFill>
-                <a:effectLst/>
-                <a:latin typeface="Arial Unicode MS" pitchFamily="34" charset="-128"/>
-                <a:cs typeface="Arial" pitchFamily="34" charset="0"/>
-              </a:rPr>
-              <a:t>incr</a:t>
-            </a:r>
-            <a:r>
-              <a:rPr kumimoji="0" lang="ru-RU" sz="1200" b="0" i="0" u="none" strike="noStrike" cap="none" normalizeH="0" baseline="0" dirty="0" smtClean="0">
-                <a:ln>
-                  <a:noFill/>
-                </a:ln>
-                <a:solidFill>
-                  <a:srgbClr val="808030"/>
-                </a:solidFill>
-                <a:effectLst/>
-                <a:latin typeface="Arial Unicode MS" pitchFamily="34" charset="-128"/>
-                <a:cs typeface="Arial" pitchFamily="34" charset="0"/>
-              </a:rPr>
-              <a:t>(</a:t>
-            </a:r>
-            <a:r>
-              <a:rPr kumimoji="0" lang="ru-RU" sz="1200" b="0" i="0" u="none" strike="noStrike" cap="none" normalizeH="0" baseline="0" dirty="0" err="1" smtClean="0">
-                <a:ln>
-                  <a:noFill/>
-                </a:ln>
-                <a:solidFill>
-                  <a:srgbClr val="000000"/>
-                </a:solidFill>
-                <a:effectLst/>
-                <a:latin typeface="Arial Unicode MS" pitchFamily="34" charset="-128"/>
-                <a:cs typeface="Arial" pitchFamily="34" charset="0"/>
-              </a:rPr>
-              <a:t>z</a:t>
-            </a:r>
-            <a:r>
-              <a:rPr kumimoji="0" lang="ru-RU" sz="1200" b="0" i="0" u="none" strike="noStrike" cap="none" normalizeH="0" baseline="0" dirty="0" smtClean="0">
-                <a:ln>
-                  <a:noFill/>
-                </a:ln>
-                <a:solidFill>
-                  <a:srgbClr val="808030"/>
-                </a:solidFill>
-                <a:effectLst/>
-                <a:latin typeface="Arial Unicode MS" pitchFamily="34" charset="-128"/>
-                <a:cs typeface="Arial" pitchFamily="34" charset="0"/>
-              </a:rPr>
-              <a:t>,</a:t>
-            </a:r>
-            <a:r>
-              <a:rPr kumimoji="0" lang="ru-RU" sz="1200" b="0" i="0" u="none" strike="noStrike" cap="none" normalizeH="0" baseline="0" dirty="0" smtClean="0">
-                <a:ln>
-                  <a:noFill/>
-                </a:ln>
-                <a:solidFill>
-                  <a:srgbClr val="000000"/>
-                </a:solidFill>
-                <a:effectLst/>
-                <a:latin typeface="Arial Unicode MS" pitchFamily="34" charset="-128"/>
-                <a:cs typeface="Arial" pitchFamily="34" charset="0"/>
-              </a:rPr>
-              <a:t> </a:t>
-            </a:r>
-            <a:r>
-              <a:rPr kumimoji="0" lang="ru-RU" sz="1200" b="0" i="0" u="none" strike="noStrike" cap="none" normalizeH="0" baseline="0" dirty="0" smtClean="0">
-                <a:ln>
-                  <a:noFill/>
-                </a:ln>
-                <a:solidFill>
-                  <a:srgbClr val="808030"/>
-                </a:solidFill>
-                <a:effectLst/>
-                <a:latin typeface="Arial Unicode MS" pitchFamily="34" charset="-128"/>
-                <a:cs typeface="Arial" pitchFamily="34" charset="0"/>
-              </a:rPr>
-              <a:t>&amp;</a:t>
-            </a:r>
-            <a:r>
-              <a:rPr kumimoji="0" lang="ru-RU" sz="1200" b="0" i="0" u="none" strike="noStrike" cap="none" normalizeH="0" baseline="0" dirty="0" smtClean="0">
-                <a:ln>
-                  <a:noFill/>
-                </a:ln>
-                <a:solidFill>
-                  <a:srgbClr val="000000"/>
-                </a:solidFill>
-                <a:effectLst/>
-                <a:latin typeface="Arial Unicode MS" pitchFamily="34" charset="-128"/>
-                <a:cs typeface="Arial" pitchFamily="34" charset="0"/>
-              </a:rPr>
-              <a:t>m1</a:t>
-            </a:r>
-            <a:r>
-              <a:rPr kumimoji="0" lang="ru-RU" sz="1200" b="0" i="0" u="none" strike="noStrike" cap="none" normalizeH="0" baseline="0" dirty="0" smtClean="0">
-                <a:ln>
-                  <a:noFill/>
-                </a:ln>
-                <a:solidFill>
-                  <a:srgbClr val="808030"/>
-                </a:solidFill>
-                <a:effectLst/>
-                <a:latin typeface="Arial Unicode MS" pitchFamily="34" charset="-128"/>
-                <a:cs typeface="Arial" pitchFamily="34" charset="0"/>
-              </a:rPr>
-              <a:t>)</a:t>
-            </a:r>
-            <a:r>
-              <a:rPr kumimoji="0" lang="ru-RU" sz="1200" b="0" i="0" u="none" strike="noStrike" cap="none" normalizeH="0" baseline="0" dirty="0" smtClean="0">
-                <a:ln>
-                  <a:noFill/>
-                </a:ln>
-                <a:solidFill>
-                  <a:srgbClr val="800080"/>
-                </a:solidFill>
-                <a:effectLst/>
-                <a:latin typeface="Arial Unicode MS" pitchFamily="34" charset="-128"/>
-                <a:cs typeface="Arial" pitchFamily="34" charset="0"/>
-              </a:rPr>
-              <a:t>;</a:t>
-            </a:r>
-            <a:r>
-              <a:rPr kumimoji="0" lang="ru-RU" sz="1200" b="0" i="0" u="none" strike="noStrike" cap="none" normalizeH="0" baseline="0" dirty="0" smtClean="0">
-                <a:ln>
-                  <a:noFill/>
-                </a:ln>
-                <a:solidFill>
-                  <a:srgbClr val="000000"/>
-                </a:solidFill>
-                <a:effectLst/>
-                <a:latin typeface="Arial Unicode MS" pitchFamily="34" charset="-128"/>
-                <a:cs typeface="Arial" pitchFamily="34" charset="0"/>
-              </a:rPr>
-              <a:t> </a:t>
-            </a:r>
-          </a:p>
-          <a:p>
-            <a:pPr marL="0" marR="0" lvl="0" indent="0" algn="l" defTabSz="914400" rtl="0" eaLnBrk="1" fontAlgn="base" latinLnBrk="0" hangingPunct="1">
-              <a:lnSpc>
-                <a:spcPct val="100000"/>
-              </a:lnSpc>
-              <a:spcBef>
-                <a:spcPct val="0"/>
-              </a:spcBef>
-              <a:spcAft>
-                <a:spcPct val="0"/>
-              </a:spcAft>
-              <a:buClrTx/>
-              <a:buSzTx/>
-              <a:buFontTx/>
-              <a:buNone/>
-              <a:tabLst/>
-            </a:pPr>
-            <a:r>
-              <a:rPr lang="ru-RU" sz="1200" dirty="0" smtClean="0">
-                <a:solidFill>
-                  <a:srgbClr val="000000"/>
-                </a:solidFill>
-                <a:latin typeface="Arial Unicode MS" pitchFamily="34" charset="-128"/>
-                <a:cs typeface="Arial" pitchFamily="34" charset="0"/>
-              </a:rPr>
-              <a:t> </a:t>
-            </a:r>
-            <a:r>
-              <a:rPr lang="ru-RU" sz="1200" dirty="0" smtClean="0">
-                <a:solidFill>
-                  <a:srgbClr val="000000"/>
-                </a:solidFill>
-                <a:latin typeface="Arial Unicode MS" pitchFamily="34" charset="-128"/>
-                <a:cs typeface="Arial" pitchFamily="34" charset="0"/>
-              </a:rPr>
-              <a:t>       </a:t>
-            </a:r>
-            <a:r>
-              <a:rPr kumimoji="0" lang="ru-RU" sz="1200" b="0" i="0" u="none" strike="noStrike" cap="none" normalizeH="0" baseline="0" dirty="0" smtClean="0">
-                <a:ln>
-                  <a:noFill/>
-                </a:ln>
-                <a:solidFill>
-                  <a:srgbClr val="696969"/>
-                </a:solidFill>
-                <a:effectLst/>
-                <a:latin typeface="Arial Unicode MS" pitchFamily="34" charset="-128"/>
-                <a:cs typeface="Arial" pitchFamily="34" charset="0"/>
-              </a:rPr>
-              <a:t>// подставляем фактические передаваемые</a:t>
-            </a:r>
-          </a:p>
-          <a:p>
-            <a:pPr marL="0" marR="0" lvl="0" indent="0" algn="l" defTabSz="914400" rtl="0" eaLnBrk="1" fontAlgn="base" latinLnBrk="0" hangingPunct="1">
-              <a:lnSpc>
-                <a:spcPct val="100000"/>
-              </a:lnSpc>
-              <a:spcBef>
-                <a:spcPct val="0"/>
-              </a:spcBef>
-              <a:spcAft>
-                <a:spcPct val="0"/>
-              </a:spcAft>
-              <a:buClrTx/>
-              <a:buSzTx/>
-              <a:buFontTx/>
-              <a:buNone/>
-              <a:tabLst/>
-            </a:pPr>
-            <a:r>
-              <a:rPr lang="ru-RU" sz="1200" dirty="0" smtClean="0">
-                <a:solidFill>
-                  <a:srgbClr val="696969"/>
-                </a:solidFill>
-                <a:latin typeface="Arial Unicode MS" pitchFamily="34" charset="-128"/>
-                <a:cs typeface="Arial" pitchFamily="34" charset="0"/>
-              </a:rPr>
-              <a:t> </a:t>
-            </a:r>
-            <a:r>
-              <a:rPr lang="ru-RU" sz="1200" dirty="0" smtClean="0">
-                <a:solidFill>
-                  <a:srgbClr val="696969"/>
-                </a:solidFill>
-                <a:latin typeface="Arial Unicode MS" pitchFamily="34" charset="-128"/>
-                <a:cs typeface="Arial" pitchFamily="34" charset="0"/>
-              </a:rPr>
-              <a:t>       </a:t>
-            </a:r>
-            <a:r>
-              <a:rPr kumimoji="0" lang="ru-RU" sz="1200" b="0" i="0" u="none" strike="noStrike" cap="none" normalizeH="0" baseline="0" dirty="0" smtClean="0">
-                <a:ln>
-                  <a:noFill/>
-                </a:ln>
-                <a:solidFill>
-                  <a:srgbClr val="696969"/>
-                </a:solidFill>
-                <a:effectLst/>
-                <a:latin typeface="Arial Unicode MS" pitchFamily="34" charset="-128"/>
-                <a:cs typeface="Arial" pitchFamily="34" charset="0"/>
-              </a:rPr>
-              <a:t>// значения в таблицу для функции </a:t>
-            </a:r>
-            <a:r>
-              <a:rPr kumimoji="0" lang="ru-RU" sz="1200" b="0" i="0" u="none" strike="noStrike" cap="none" normalizeH="0" baseline="0" dirty="0" err="1" smtClean="0">
-                <a:ln>
-                  <a:noFill/>
-                </a:ln>
-                <a:solidFill>
-                  <a:srgbClr val="696969"/>
-                </a:solidFill>
-                <a:effectLst/>
-                <a:latin typeface="Arial Unicode MS" pitchFamily="34" charset="-128"/>
-                <a:cs typeface="Arial" pitchFamily="34" charset="0"/>
-              </a:rPr>
-              <a:t>incr</a:t>
-            </a:r>
-            <a:r>
-              <a:rPr kumimoji="0" lang="ru-RU" sz="1200" b="0" i="0" u="none" strike="noStrike" cap="none" normalizeH="0" baseline="0" dirty="0" smtClean="0">
-                <a:ln>
-                  <a:noFill/>
-                </a:ln>
-                <a:solidFill>
-                  <a:srgbClr val="696969"/>
-                </a:solidFill>
-                <a:effectLst/>
-                <a:latin typeface="Arial Unicode MS" pitchFamily="34" charset="-128"/>
-                <a:cs typeface="Arial" pitchFamily="34" charset="0"/>
-              </a:rPr>
-              <a:t>:</a:t>
-            </a:r>
-            <a:r>
-              <a:rPr kumimoji="0" lang="ru-RU" sz="1200" b="0" i="0" u="none" strike="noStrike" cap="none" normalizeH="0" baseline="0" dirty="0" smtClean="0">
-                <a:ln>
-                  <a:noFill/>
-                </a:ln>
-                <a:solidFill>
-                  <a:srgbClr val="000000"/>
-                </a:solidFill>
-                <a:effectLst/>
-                <a:latin typeface="Arial Unicode MS" pitchFamily="34" charset="-128"/>
-                <a:cs typeface="Arial" pitchFamily="34" charset="0"/>
-              </a:rPr>
-              <a:t> </a:t>
-            </a:r>
-          </a:p>
-          <a:p>
-            <a:pPr marL="0" marR="0" lvl="0" indent="0" algn="l" defTabSz="914400" rtl="0" eaLnBrk="1" fontAlgn="base" latinLnBrk="0" hangingPunct="1">
-              <a:lnSpc>
-                <a:spcPct val="100000"/>
-              </a:lnSpc>
-              <a:spcBef>
-                <a:spcPct val="0"/>
-              </a:spcBef>
-              <a:spcAft>
-                <a:spcPct val="0"/>
-              </a:spcAft>
-              <a:buClrTx/>
-              <a:buSzTx/>
-              <a:buFontTx/>
-              <a:buNone/>
-              <a:tabLst/>
-            </a:pPr>
-            <a:r>
-              <a:rPr lang="ru-RU" sz="1200" dirty="0" smtClean="0">
-                <a:solidFill>
-                  <a:srgbClr val="000000"/>
-                </a:solidFill>
-                <a:latin typeface="Arial Unicode MS" pitchFamily="34" charset="-128"/>
-                <a:cs typeface="Arial" pitchFamily="34" charset="0"/>
-              </a:rPr>
-              <a:t> </a:t>
-            </a:r>
-            <a:r>
-              <a:rPr lang="ru-RU" sz="1200" dirty="0" smtClean="0">
-                <a:solidFill>
-                  <a:srgbClr val="000000"/>
-                </a:solidFill>
-                <a:latin typeface="Arial Unicode MS" pitchFamily="34" charset="-128"/>
-                <a:cs typeface="Arial" pitchFamily="34" charset="0"/>
-              </a:rPr>
-              <a:t>       </a:t>
-            </a:r>
-            <a:r>
-              <a:rPr kumimoji="0" lang="ru-RU" sz="1200" b="0" i="0" u="none" strike="noStrike" cap="none" normalizeH="0" baseline="0" dirty="0" smtClean="0">
-                <a:ln>
-                  <a:noFill/>
-                </a:ln>
-                <a:solidFill>
-                  <a:srgbClr val="696969"/>
-                </a:solidFill>
-                <a:effectLst/>
-                <a:latin typeface="Arial Unicode MS" pitchFamily="34" charset="-128"/>
-                <a:cs typeface="Arial" pitchFamily="34" charset="0"/>
-              </a:rPr>
-              <a:t>// (</a:t>
-            </a:r>
-            <a:r>
-              <a:rPr kumimoji="0" lang="ru-RU" sz="1200" b="0" i="0" u="none" strike="noStrike" cap="none" normalizeH="0" baseline="0" dirty="0" err="1" smtClean="0">
-                <a:ln>
-                  <a:noFill/>
-                </a:ln>
-                <a:solidFill>
-                  <a:srgbClr val="696969"/>
-                </a:solidFill>
-                <a:effectLst/>
-                <a:latin typeface="Arial Unicode MS" pitchFamily="34" charset="-128"/>
-                <a:cs typeface="Arial" pitchFamily="34" charset="0"/>
-              </a:rPr>
-              <a:t>y</a:t>
-            </a:r>
-            <a:r>
-              <a:rPr kumimoji="0" lang="ru-RU" sz="1200" b="0" i="0" u="none" strike="noStrike" cap="none" normalizeH="0" baseline="0" dirty="0" smtClean="0">
-                <a:ln>
-                  <a:noFill/>
-                </a:ln>
-                <a:solidFill>
-                  <a:srgbClr val="696969"/>
-                </a:solidFill>
-                <a:effectLst/>
-                <a:latin typeface="Arial Unicode MS" pitchFamily="34" charset="-128"/>
-                <a:cs typeface="Arial" pitchFamily="34" charset="0"/>
-              </a:rPr>
-              <a:t>, ({m1}, {}), чтение)</a:t>
-            </a:r>
-          </a:p>
-          <a:p>
-            <a:pPr marL="0" marR="0" lvl="0" indent="0" algn="l" defTabSz="914400" rtl="0" eaLnBrk="1" fontAlgn="base" latinLnBrk="0" hangingPunct="1">
-              <a:lnSpc>
-                <a:spcPct val="100000"/>
-              </a:lnSpc>
-              <a:spcBef>
-                <a:spcPct val="0"/>
-              </a:spcBef>
-              <a:spcAft>
-                <a:spcPct val="0"/>
-              </a:spcAft>
-              <a:buClrTx/>
-              <a:buSzTx/>
-              <a:buFontTx/>
-              <a:buNone/>
-              <a:tabLst/>
-            </a:pPr>
-            <a:r>
-              <a:rPr lang="ru-RU" sz="1200" dirty="0" smtClean="0">
-                <a:solidFill>
-                  <a:srgbClr val="696969"/>
-                </a:solidFill>
-                <a:latin typeface="Arial Unicode MS" pitchFamily="34" charset="-128"/>
-                <a:cs typeface="Arial" pitchFamily="34" charset="0"/>
-              </a:rPr>
-              <a:t> </a:t>
-            </a:r>
-            <a:r>
-              <a:rPr lang="ru-RU" sz="1200" dirty="0" smtClean="0">
-                <a:solidFill>
-                  <a:srgbClr val="696969"/>
-                </a:solidFill>
-                <a:latin typeface="Arial Unicode MS" pitchFamily="34" charset="-128"/>
-                <a:cs typeface="Arial" pitchFamily="34" charset="0"/>
-              </a:rPr>
-              <a:t>      </a:t>
-            </a:r>
-            <a:r>
-              <a:rPr kumimoji="0" lang="ru-RU" sz="1200" b="0" i="0" u="none" strike="noStrike" cap="none" normalizeH="0" baseline="0" dirty="0" smtClean="0">
-                <a:ln>
-                  <a:noFill/>
-                </a:ln>
-                <a:solidFill>
-                  <a:srgbClr val="000000"/>
-                </a:solidFill>
-                <a:effectLst/>
-                <a:latin typeface="Arial Unicode MS" pitchFamily="34" charset="-128"/>
-                <a:cs typeface="Arial" pitchFamily="34" charset="0"/>
-              </a:rPr>
-              <a:t> </a:t>
-            </a:r>
-            <a:r>
-              <a:rPr kumimoji="0" lang="ru-RU" sz="1200" b="0" i="0" u="none" strike="noStrike" cap="none" normalizeH="0" baseline="0" dirty="0" smtClean="0">
-                <a:ln>
-                  <a:noFill/>
-                </a:ln>
-                <a:solidFill>
-                  <a:srgbClr val="696969"/>
-                </a:solidFill>
-                <a:effectLst/>
-                <a:latin typeface="Arial Unicode MS" pitchFamily="34" charset="-128"/>
-                <a:cs typeface="Arial" pitchFamily="34" charset="0"/>
-              </a:rPr>
-              <a:t>// (</a:t>
-            </a:r>
-            <a:r>
-              <a:rPr kumimoji="0" lang="ru-RU" sz="1200" b="0" i="0" u="none" strike="noStrike" cap="none" normalizeH="0" baseline="0" dirty="0" err="1" smtClean="0">
-                <a:ln>
-                  <a:noFill/>
-                </a:ln>
-                <a:solidFill>
-                  <a:srgbClr val="696969"/>
-                </a:solidFill>
-                <a:effectLst/>
-                <a:latin typeface="Arial Unicode MS" pitchFamily="34" charset="-128"/>
-                <a:cs typeface="Arial" pitchFamily="34" charset="0"/>
-              </a:rPr>
-              <a:t>y</a:t>
-            </a:r>
-            <a:r>
-              <a:rPr kumimoji="0" lang="ru-RU" sz="1200" b="0" i="0" u="none" strike="noStrike" cap="none" normalizeH="0" baseline="0" dirty="0" smtClean="0">
-                <a:ln>
-                  <a:noFill/>
-                </a:ln>
-                <a:solidFill>
-                  <a:srgbClr val="696969"/>
-                </a:solidFill>
-                <a:effectLst/>
-                <a:latin typeface="Arial Unicode MS" pitchFamily="34" charset="-128"/>
-                <a:cs typeface="Arial" pitchFamily="34" charset="0"/>
-              </a:rPr>
-              <a:t>, ({m1}, {}), запись)</a:t>
-            </a:r>
-            <a:endParaRPr kumimoji="0" lang="ru-RU" sz="1200" b="0" i="0" u="none" strike="noStrike" cap="none" normalizeH="0" baseline="0" dirty="0" smtClean="0">
-              <a:ln>
-                <a:noFill/>
-              </a:ln>
-              <a:solidFill>
-                <a:srgbClr val="000000"/>
-              </a:solidFill>
-              <a:effectLst/>
-              <a:latin typeface="Arial Unicode MS" pitchFamily="34" charset="-128"/>
-              <a:cs typeface="Arial" pitchFamily="34" charset="0"/>
-            </a:endParaRPr>
-          </a:p>
-          <a:p>
-            <a:pPr marL="0" marR="0" lvl="0" indent="0" algn="l" defTabSz="914400" rtl="0" eaLnBrk="1" fontAlgn="base" latinLnBrk="0" hangingPunct="1">
-              <a:lnSpc>
-                <a:spcPct val="100000"/>
-              </a:lnSpc>
-              <a:spcBef>
-                <a:spcPct val="0"/>
-              </a:spcBef>
-              <a:spcAft>
-                <a:spcPct val="0"/>
-              </a:spcAft>
-              <a:buClrTx/>
-              <a:buSzTx/>
-              <a:buFontTx/>
-              <a:buNone/>
-              <a:tabLst/>
-            </a:pPr>
-            <a:r>
-              <a:rPr kumimoji="0" lang="ru-RU" sz="1200" b="0" i="0" u="none" strike="noStrike" cap="none" normalizeH="0" baseline="0" dirty="0" smtClean="0">
-                <a:ln>
-                  <a:noFill/>
-                </a:ln>
-                <a:solidFill>
-                  <a:srgbClr val="800080"/>
-                </a:solidFill>
-                <a:effectLst/>
-                <a:latin typeface="Arial Unicode MS" pitchFamily="34" charset="-128"/>
-                <a:cs typeface="Arial" pitchFamily="34" charset="0"/>
-              </a:rPr>
-              <a:t>}</a:t>
-            </a:r>
-            <a:r>
-              <a:rPr kumimoji="0" lang="ru-RU" sz="1200" b="0" i="0" u="none" strike="noStrike" cap="none" normalizeH="0" baseline="0" dirty="0" smtClean="0">
-                <a:ln>
-                  <a:noFill/>
-                </a:ln>
-                <a:solidFill>
-                  <a:schemeClr val="tx1"/>
-                </a:solidFill>
-                <a:effectLst/>
-                <a:latin typeface="Arial" pitchFamily="34" charset="0"/>
-                <a:cs typeface="Arial" pitchFamily="34" charset="0"/>
-              </a:rPr>
-              <a:t> </a:t>
-            </a:r>
-          </a:p>
-        </p:txBody>
-      </p:sp>
+        <p:style>
+          <a:lnRef idx="1">
+            <a:schemeClr val="accent1"/>
+          </a:lnRef>
+          <a:fillRef idx="0">
+            <a:schemeClr val="accent1"/>
+          </a:fillRef>
+          <a:effectRef idx="0">
+            <a:schemeClr val="accent1"/>
+          </a:effectRef>
+          <a:fontRef idx="minor">
+            <a:schemeClr val="tx1"/>
+          </a:fontRef>
+        </p:style>
+      </p:cxnSp>
     </p:spTree>
   </p:cSld>
   <p:clrMapOvr>
@@ -15899,35 +13725,12 @@
           <a:p>
             <a:r>
               <a:rPr lang="ru-RU" dirty="0" smtClean="0"/>
-              <a:t>Определение мест возможного возникновения гонок</a:t>
+              <a:t>Формирование таблиц защищённого доступа</a:t>
             </a:r>
             <a:endParaRPr lang="ru-RU" dirty="0"/>
           </a:p>
         </p:txBody>
       </p:sp>
-      <p:pic>
-        <p:nvPicPr>
-          <p:cNvPr id="5" name="Содержимое 4" descr="generate_warnings.emf"/>
-          <p:cNvPicPr>
-            <a:picLocks noGrp="1" noChangeAspect="1"/>
-          </p:cNvPicPr>
-          <p:nvPr>
-            <p:ph idx="1"/>
-          </p:nvPr>
-        </p:nvPicPr>
-        <p:blipFill>
-          <a:blip r:embed="rId2" cstate="print"/>
-          <a:stretch>
-            <a:fillRect/>
-          </a:stretch>
-        </p:blipFill>
-        <p:spPr>
-          <a:xfrm>
-            <a:off x="179512" y="1844824"/>
-            <a:ext cx="8694981" cy="4032448"/>
-          </a:xfrm>
-        </p:spPr>
-      </p:pic>
       <p:sp>
         <p:nvSpPr>
           <p:cNvPr id="4" name="Номер слайда 3"/>
@@ -15952,6 +13755,2602 @@
           </a:p>
         </p:txBody>
       </p:sp>
+      <p:sp>
+        <p:nvSpPr>
+          <p:cNvPr id="6" name="Rectangle 3"/>
+          <p:cNvSpPr>
+            <a:spLocks noChangeArrowheads="1"/>
+          </p:cNvSpPr>
+          <p:nvPr/>
+        </p:nvSpPr>
+        <p:spPr bwMode="auto">
+          <a:xfrm>
+            <a:off x="251520" y="2545160"/>
+            <a:ext cx="4464496" cy="3108543"/>
+          </a:xfrm>
+          <a:prstGeom prst="rect">
+            <a:avLst/>
+          </a:prstGeom>
+          <a:noFill/>
+          <a:ln w="9525">
+            <a:noFill/>
+            <a:miter lim="800000"/>
+            <a:headEnd/>
+            <a:tailEnd/>
+          </a:ln>
+          <a:effectLst/>
+        </p:spPr>
+        <p:txBody>
+          <a:bodyPr vert="horz" wrap="square" lIns="91440" tIns="45720" rIns="91440" bIns="45720" numCol="1" anchor="ctr" anchorCtr="0" compatLnSpc="1">
+            <a:prstTxWarp prst="textNoShape">
+              <a:avLst/>
+            </a:prstTxWarp>
+            <a:spAutoFit/>
+          </a:bodyPr>
+          <a:lstStyle/>
+          <a:p>
+            <a:pPr marL="0" marR="0" lvl="0" indent="0" algn="l" defTabSz="914400" rtl="0" eaLnBrk="1" fontAlgn="base" latinLnBrk="0" hangingPunct="1">
+              <a:lnSpc>
+                <a:spcPct val="100000"/>
+              </a:lnSpc>
+              <a:spcBef>
+                <a:spcPct val="0"/>
+              </a:spcBef>
+              <a:spcAft>
+                <a:spcPct val="0"/>
+              </a:spcAft>
+              <a:buClrTx/>
+              <a:buSzTx/>
+              <a:buFontTx/>
+              <a:buNone/>
+              <a:tabLst/>
+            </a:pPr>
+            <a:r>
+              <a:rPr kumimoji="0" lang="ru-RU" sz="1400" b="0" i="0" u="none" strike="noStrike" cap="none" normalizeH="0" baseline="0" dirty="0" err="1" smtClean="0">
+                <a:ln>
+                  <a:noFill/>
+                </a:ln>
+                <a:solidFill>
+                  <a:srgbClr val="000000"/>
+                </a:solidFill>
+                <a:effectLst/>
+                <a:latin typeface="Arial Unicode MS" pitchFamily="34" charset="-128"/>
+                <a:cs typeface="Arial" pitchFamily="34" charset="0"/>
+              </a:rPr>
+              <a:t>void</a:t>
+            </a:r>
+            <a:r>
+              <a:rPr kumimoji="0" lang="ru-RU" sz="1400" b="0" i="0" u="none" strike="noStrike" cap="none" normalizeH="0" baseline="0" dirty="0" smtClean="0">
+                <a:ln>
+                  <a:noFill/>
+                </a:ln>
+                <a:solidFill>
+                  <a:srgbClr val="000000"/>
+                </a:solidFill>
+                <a:effectLst/>
+                <a:latin typeface="Arial Unicode MS" pitchFamily="34" charset="-128"/>
+                <a:cs typeface="Arial" pitchFamily="34" charset="0"/>
+              </a:rPr>
+              <a:t>* thread1() </a:t>
+            </a:r>
+            <a:r>
+              <a:rPr kumimoji="0" lang="ru-RU" sz="1400" b="0" i="0" u="none" strike="noStrike" cap="none" normalizeH="0" baseline="0" dirty="0" smtClean="0">
+                <a:ln>
+                  <a:noFill/>
+                </a:ln>
+                <a:solidFill>
+                  <a:srgbClr val="800080"/>
+                </a:solidFill>
+                <a:effectLst/>
+                <a:latin typeface="Arial Unicode MS" pitchFamily="34" charset="-128"/>
+                <a:cs typeface="Arial" pitchFamily="34" charset="0"/>
+              </a:rPr>
+              <a:t>{</a:t>
+            </a:r>
+          </a:p>
+          <a:p>
+            <a:pPr marL="0" marR="0" lvl="0" indent="0" algn="l" defTabSz="914400" rtl="0" eaLnBrk="1" fontAlgn="base" latinLnBrk="0" hangingPunct="1">
+              <a:lnSpc>
+                <a:spcPct val="100000"/>
+              </a:lnSpc>
+              <a:spcBef>
+                <a:spcPct val="0"/>
+              </a:spcBef>
+              <a:spcAft>
+                <a:spcPct val="0"/>
+              </a:spcAft>
+              <a:buClrTx/>
+              <a:buSzTx/>
+              <a:buFontTx/>
+              <a:buNone/>
+              <a:tabLst/>
+            </a:pPr>
+            <a:r>
+              <a:rPr lang="ru-RU" sz="1400" dirty="0" smtClean="0">
+                <a:solidFill>
+                  <a:srgbClr val="800080"/>
+                </a:solidFill>
+                <a:latin typeface="Arial Unicode MS" pitchFamily="34" charset="-128"/>
+                <a:cs typeface="Arial" pitchFamily="34" charset="0"/>
+              </a:rPr>
+              <a:t> </a:t>
+            </a:r>
+            <a:r>
+              <a:rPr lang="ru-RU" sz="1400" dirty="0" smtClean="0">
+                <a:solidFill>
+                  <a:srgbClr val="800080"/>
+                </a:solidFill>
+                <a:latin typeface="Arial Unicode MS" pitchFamily="34" charset="-128"/>
+                <a:cs typeface="Arial" pitchFamily="34" charset="0"/>
+              </a:rPr>
+              <a:t>      </a:t>
+            </a:r>
+            <a:r>
+              <a:rPr kumimoji="0" lang="ru-RU" sz="1400" b="0" i="0" u="none" strike="noStrike" cap="none" normalizeH="0" baseline="0" dirty="0" smtClean="0">
+                <a:ln>
+                  <a:noFill/>
+                </a:ln>
+                <a:solidFill>
+                  <a:srgbClr val="000000"/>
+                </a:solidFill>
+                <a:effectLst/>
+                <a:latin typeface="Arial Unicode MS" pitchFamily="34" charset="-128"/>
+                <a:cs typeface="Arial" pitchFamily="34" charset="0"/>
+              </a:rPr>
+              <a:t> </a:t>
+            </a:r>
+            <a:r>
+              <a:rPr kumimoji="0" lang="ru-RU" sz="1400" b="0" i="0" u="none" strike="noStrike" cap="none" normalizeH="0" baseline="0" dirty="0" smtClean="0">
+                <a:ln>
+                  <a:noFill/>
+                </a:ln>
+                <a:solidFill>
+                  <a:srgbClr val="696969"/>
+                </a:solidFill>
+                <a:effectLst/>
+                <a:latin typeface="Arial Unicode MS" pitchFamily="34" charset="-128"/>
+                <a:cs typeface="Arial" pitchFamily="34" charset="0"/>
+              </a:rPr>
+              <a:t>// в начале функции таблица пустая</a:t>
+            </a:r>
+          </a:p>
+          <a:p>
+            <a:pPr marL="0" marR="0" lvl="0" indent="0" algn="l" defTabSz="914400" rtl="0" eaLnBrk="1" fontAlgn="base" latinLnBrk="0" hangingPunct="1">
+              <a:lnSpc>
+                <a:spcPct val="100000"/>
+              </a:lnSpc>
+              <a:spcBef>
+                <a:spcPct val="0"/>
+              </a:spcBef>
+              <a:spcAft>
+                <a:spcPct val="0"/>
+              </a:spcAft>
+              <a:buClrTx/>
+              <a:buSzTx/>
+              <a:buFontTx/>
+              <a:buNone/>
+              <a:tabLst/>
+            </a:pPr>
+            <a:r>
+              <a:rPr lang="ru-RU" sz="1400" dirty="0" smtClean="0">
+                <a:solidFill>
+                  <a:srgbClr val="696969"/>
+                </a:solidFill>
+                <a:latin typeface="Arial Unicode MS" pitchFamily="34" charset="-128"/>
+                <a:cs typeface="Arial" pitchFamily="34" charset="0"/>
+              </a:rPr>
+              <a:t> </a:t>
+            </a:r>
+            <a:r>
+              <a:rPr lang="ru-RU" sz="1400" dirty="0" smtClean="0">
+                <a:solidFill>
+                  <a:srgbClr val="696969"/>
+                </a:solidFill>
+                <a:latin typeface="Arial Unicode MS" pitchFamily="34" charset="-128"/>
+                <a:cs typeface="Arial" pitchFamily="34" charset="0"/>
+              </a:rPr>
+              <a:t>      </a:t>
+            </a:r>
+            <a:r>
+              <a:rPr kumimoji="0" lang="ru-RU" sz="1400" b="0" i="0" u="none" strike="noStrike" cap="none" normalizeH="0" baseline="0" dirty="0" smtClean="0">
+                <a:ln>
+                  <a:noFill/>
+                </a:ln>
+                <a:solidFill>
+                  <a:srgbClr val="000000"/>
+                </a:solidFill>
+                <a:effectLst/>
+                <a:latin typeface="Arial Unicode MS" pitchFamily="34" charset="-128"/>
+                <a:cs typeface="Arial" pitchFamily="34" charset="0"/>
+              </a:rPr>
+              <a:t> </a:t>
+            </a:r>
+            <a:r>
+              <a:rPr kumimoji="0" lang="ru-RU" sz="1400" b="0" i="0" u="none" strike="noStrike" cap="none" normalizeH="0" baseline="0" dirty="0" smtClean="0">
+                <a:ln>
+                  <a:noFill/>
+                </a:ln>
+                <a:solidFill>
+                  <a:srgbClr val="BB7977"/>
+                </a:solidFill>
+                <a:effectLst/>
+                <a:latin typeface="Arial Unicode MS" pitchFamily="34" charset="-128"/>
+                <a:cs typeface="Arial" pitchFamily="34" charset="0"/>
+              </a:rPr>
+              <a:t>int</a:t>
+            </a:r>
+            <a:r>
+              <a:rPr kumimoji="0" lang="ru-RU" sz="1400" b="0" i="0" u="none" strike="noStrike" cap="none" normalizeH="0" baseline="0" dirty="0" smtClean="0">
+                <a:ln>
+                  <a:noFill/>
+                </a:ln>
+                <a:solidFill>
+                  <a:srgbClr val="808030"/>
+                </a:solidFill>
+                <a:effectLst/>
+                <a:latin typeface="Arial Unicode MS" pitchFamily="34" charset="-128"/>
+                <a:cs typeface="Arial" pitchFamily="34" charset="0"/>
+              </a:rPr>
+              <a:t>*</a:t>
+            </a:r>
+            <a:r>
+              <a:rPr kumimoji="0" lang="ru-RU" sz="1400" b="0" i="0" u="none" strike="noStrike" cap="none" normalizeH="0" baseline="0" dirty="0" smtClean="0">
+                <a:ln>
+                  <a:noFill/>
+                </a:ln>
+                <a:solidFill>
+                  <a:srgbClr val="000000"/>
+                </a:solidFill>
+                <a:effectLst/>
+                <a:latin typeface="Arial Unicode MS" pitchFamily="34" charset="-128"/>
+                <a:cs typeface="Arial" pitchFamily="34" charset="0"/>
+              </a:rPr>
+              <a:t> </a:t>
+            </a:r>
+            <a:r>
+              <a:rPr kumimoji="0" lang="ru-RU" sz="1400" b="0" i="0" u="none" strike="noStrike" cap="none" normalizeH="0" baseline="0" dirty="0" err="1" smtClean="0">
+                <a:ln>
+                  <a:noFill/>
+                </a:ln>
+                <a:solidFill>
+                  <a:srgbClr val="000000"/>
+                </a:solidFill>
+                <a:effectLst/>
+                <a:latin typeface="Arial Unicode MS" pitchFamily="34" charset="-128"/>
+                <a:cs typeface="Arial" pitchFamily="34" charset="0"/>
+              </a:rPr>
+              <a:t>z</a:t>
+            </a:r>
+            <a:r>
+              <a:rPr kumimoji="0" lang="ru-RU" sz="1400" b="0" i="0" u="none" strike="noStrike" cap="none" normalizeH="0" baseline="0" dirty="0" smtClean="0">
+                <a:ln>
+                  <a:noFill/>
+                </a:ln>
+                <a:solidFill>
+                  <a:srgbClr val="000000"/>
+                </a:solidFill>
+                <a:effectLst/>
+                <a:latin typeface="Arial Unicode MS" pitchFamily="34" charset="-128"/>
+                <a:cs typeface="Arial" pitchFamily="34" charset="0"/>
+              </a:rPr>
+              <a:t> </a:t>
+            </a:r>
+            <a:r>
+              <a:rPr kumimoji="0" lang="ru-RU" sz="1400" b="0" i="0" u="none" strike="noStrike" cap="none" normalizeH="0" baseline="0" dirty="0" smtClean="0">
+                <a:ln>
+                  <a:noFill/>
+                </a:ln>
+                <a:solidFill>
+                  <a:srgbClr val="808030"/>
+                </a:solidFill>
+                <a:effectLst/>
+                <a:latin typeface="Arial Unicode MS" pitchFamily="34" charset="-128"/>
+                <a:cs typeface="Arial" pitchFamily="34" charset="0"/>
+              </a:rPr>
+              <a:t>=</a:t>
+            </a:r>
+            <a:r>
+              <a:rPr kumimoji="0" lang="ru-RU" sz="1400" b="0" i="0" u="none" strike="noStrike" cap="none" normalizeH="0" baseline="0" dirty="0" smtClean="0">
+                <a:ln>
+                  <a:noFill/>
+                </a:ln>
+                <a:solidFill>
+                  <a:srgbClr val="000000"/>
+                </a:solidFill>
+                <a:effectLst/>
+                <a:latin typeface="Arial Unicode MS" pitchFamily="34" charset="-128"/>
+                <a:cs typeface="Arial" pitchFamily="34" charset="0"/>
+              </a:rPr>
+              <a:t> </a:t>
+            </a:r>
+            <a:r>
+              <a:rPr kumimoji="0" lang="ru-RU" sz="1400" b="0" i="0" u="none" strike="noStrike" cap="none" normalizeH="0" baseline="0" dirty="0" smtClean="0">
+                <a:ln>
+                  <a:noFill/>
+                </a:ln>
+                <a:solidFill>
+                  <a:srgbClr val="808030"/>
+                </a:solidFill>
+                <a:effectLst/>
+                <a:latin typeface="Arial Unicode MS" pitchFamily="34" charset="-128"/>
+                <a:cs typeface="Arial" pitchFamily="34" charset="0"/>
+              </a:rPr>
+              <a:t>&amp;</a:t>
+            </a:r>
+            <a:r>
+              <a:rPr kumimoji="0" lang="ru-RU" sz="1400" b="0" i="0" u="none" strike="noStrike" cap="none" normalizeH="0" baseline="0" dirty="0" err="1" smtClean="0">
+                <a:ln>
+                  <a:noFill/>
+                </a:ln>
+                <a:solidFill>
+                  <a:srgbClr val="000000"/>
+                </a:solidFill>
+                <a:effectLst/>
+                <a:latin typeface="Arial Unicode MS" pitchFamily="34" charset="-128"/>
+                <a:cs typeface="Arial" pitchFamily="34" charset="0"/>
+              </a:rPr>
+              <a:t>x</a:t>
+            </a:r>
+            <a:r>
+              <a:rPr kumimoji="0" lang="ru-RU" sz="1400" b="0" i="0" u="none" strike="noStrike" cap="none" normalizeH="0" baseline="0" dirty="0" smtClean="0">
+                <a:ln>
+                  <a:noFill/>
+                </a:ln>
+                <a:solidFill>
+                  <a:srgbClr val="800080"/>
+                </a:solidFill>
+                <a:effectLst/>
+                <a:latin typeface="Arial Unicode MS" pitchFamily="34" charset="-128"/>
+                <a:cs typeface="Arial" pitchFamily="34" charset="0"/>
+              </a:rPr>
+              <a:t>;</a:t>
+            </a:r>
+            <a:endParaRPr kumimoji="0" lang="en-US" sz="1400" b="0" i="0" u="none" strike="noStrike" cap="none" normalizeH="0" baseline="0" dirty="0" smtClean="0">
+              <a:ln>
+                <a:noFill/>
+              </a:ln>
+              <a:solidFill>
+                <a:srgbClr val="800080"/>
+              </a:solidFill>
+              <a:effectLst/>
+              <a:latin typeface="Arial Unicode MS" pitchFamily="34" charset="-128"/>
+              <a:cs typeface="Arial" pitchFamily="34" charset="0"/>
+            </a:endParaRPr>
+          </a:p>
+          <a:p>
+            <a:pPr marL="0" marR="0" lvl="0" indent="0" algn="l" defTabSz="914400" rtl="0" eaLnBrk="1" fontAlgn="base" latinLnBrk="0" hangingPunct="1">
+              <a:lnSpc>
+                <a:spcPct val="100000"/>
+              </a:lnSpc>
+              <a:spcBef>
+                <a:spcPct val="0"/>
+              </a:spcBef>
+              <a:spcAft>
+                <a:spcPct val="0"/>
+              </a:spcAft>
+              <a:buClrTx/>
+              <a:buSzTx/>
+              <a:buFontTx/>
+              <a:buNone/>
+              <a:tabLst/>
+            </a:pPr>
+            <a:r>
+              <a:rPr lang="en-US" sz="1400" dirty="0" smtClean="0">
+                <a:solidFill>
+                  <a:srgbClr val="800080"/>
+                </a:solidFill>
+                <a:latin typeface="Arial Unicode MS" pitchFamily="34" charset="-128"/>
+                <a:cs typeface="Arial" pitchFamily="34" charset="0"/>
+              </a:rPr>
+              <a:t> </a:t>
+            </a:r>
+            <a:r>
+              <a:rPr lang="en-US" sz="1400" dirty="0" smtClean="0">
+                <a:solidFill>
+                  <a:srgbClr val="800080"/>
+                </a:solidFill>
+                <a:latin typeface="Arial Unicode MS" pitchFamily="34" charset="-128"/>
+                <a:cs typeface="Arial" pitchFamily="34" charset="0"/>
+              </a:rPr>
+              <a:t>      </a:t>
+            </a:r>
+            <a:r>
+              <a:rPr kumimoji="0" lang="ru-RU" sz="1400" b="0" i="0" u="none" strike="noStrike" cap="none" normalizeH="0" baseline="0" dirty="0" smtClean="0">
+                <a:ln>
+                  <a:noFill/>
+                </a:ln>
+                <a:solidFill>
+                  <a:srgbClr val="000000"/>
+                </a:solidFill>
+                <a:effectLst/>
+                <a:latin typeface="Arial Unicode MS" pitchFamily="34" charset="-128"/>
+                <a:cs typeface="Arial" pitchFamily="34" charset="0"/>
+              </a:rPr>
+              <a:t> </a:t>
+            </a:r>
+            <a:r>
+              <a:rPr kumimoji="0" lang="ru-RU" sz="1400" b="0" i="0" u="none" strike="noStrike" cap="none" normalizeH="0" baseline="0" dirty="0" err="1" smtClean="0">
+                <a:ln>
+                  <a:noFill/>
+                </a:ln>
+                <a:solidFill>
+                  <a:srgbClr val="000000"/>
+                </a:solidFill>
+                <a:effectLst/>
+                <a:latin typeface="Arial Unicode MS" pitchFamily="34" charset="-128"/>
+                <a:cs typeface="Arial" pitchFamily="34" charset="0"/>
+              </a:rPr>
+              <a:t>incr</a:t>
+            </a:r>
+            <a:r>
+              <a:rPr kumimoji="0" lang="ru-RU" sz="1400" b="0" i="0" u="none" strike="noStrike" cap="none" normalizeH="0" baseline="0" dirty="0" smtClean="0">
+                <a:ln>
+                  <a:noFill/>
+                </a:ln>
+                <a:solidFill>
+                  <a:srgbClr val="808030"/>
+                </a:solidFill>
+                <a:effectLst/>
+                <a:latin typeface="Arial Unicode MS" pitchFamily="34" charset="-128"/>
+                <a:cs typeface="Arial" pitchFamily="34" charset="0"/>
+              </a:rPr>
+              <a:t>(</a:t>
+            </a:r>
+            <a:r>
+              <a:rPr kumimoji="0" lang="ru-RU" sz="1400" b="0" i="0" u="none" strike="noStrike" cap="none" normalizeH="0" baseline="0" dirty="0" err="1" smtClean="0">
+                <a:ln>
+                  <a:noFill/>
+                </a:ln>
+                <a:solidFill>
+                  <a:srgbClr val="000000"/>
+                </a:solidFill>
+                <a:effectLst/>
+                <a:latin typeface="Arial Unicode MS" pitchFamily="34" charset="-128"/>
+                <a:cs typeface="Arial" pitchFamily="34" charset="0"/>
+              </a:rPr>
+              <a:t>z</a:t>
+            </a:r>
+            <a:r>
+              <a:rPr kumimoji="0" lang="ru-RU" sz="1400" b="0" i="0" u="none" strike="noStrike" cap="none" normalizeH="0" baseline="0" dirty="0" smtClean="0">
+                <a:ln>
+                  <a:noFill/>
+                </a:ln>
+                <a:solidFill>
+                  <a:srgbClr val="808030"/>
+                </a:solidFill>
+                <a:effectLst/>
+                <a:latin typeface="Arial Unicode MS" pitchFamily="34" charset="-128"/>
+                <a:cs typeface="Arial" pitchFamily="34" charset="0"/>
+              </a:rPr>
+              <a:t>,</a:t>
+            </a:r>
+            <a:r>
+              <a:rPr kumimoji="0" lang="ru-RU" sz="1400" b="0" i="0" u="none" strike="noStrike" cap="none" normalizeH="0" baseline="0" dirty="0" smtClean="0">
+                <a:ln>
+                  <a:noFill/>
+                </a:ln>
+                <a:solidFill>
+                  <a:srgbClr val="000000"/>
+                </a:solidFill>
+                <a:effectLst/>
+                <a:latin typeface="Arial Unicode MS" pitchFamily="34" charset="-128"/>
+                <a:cs typeface="Arial" pitchFamily="34" charset="0"/>
+              </a:rPr>
+              <a:t> </a:t>
+            </a:r>
+            <a:r>
+              <a:rPr kumimoji="0" lang="ru-RU" sz="1400" b="0" i="0" u="none" strike="noStrike" cap="none" normalizeH="0" baseline="0" dirty="0" smtClean="0">
+                <a:ln>
+                  <a:noFill/>
+                </a:ln>
+                <a:solidFill>
+                  <a:srgbClr val="808030"/>
+                </a:solidFill>
+                <a:effectLst/>
+                <a:latin typeface="Arial Unicode MS" pitchFamily="34" charset="-128"/>
+                <a:cs typeface="Arial" pitchFamily="34" charset="0"/>
+              </a:rPr>
+              <a:t>&amp;</a:t>
+            </a:r>
+            <a:r>
+              <a:rPr kumimoji="0" lang="ru-RU" sz="1400" b="0" i="0" u="none" strike="noStrike" cap="none" normalizeH="0" baseline="0" dirty="0" smtClean="0">
+                <a:ln>
+                  <a:noFill/>
+                </a:ln>
+                <a:solidFill>
+                  <a:srgbClr val="000000"/>
+                </a:solidFill>
+                <a:effectLst/>
+                <a:latin typeface="Arial Unicode MS" pitchFamily="34" charset="-128"/>
+                <a:cs typeface="Arial" pitchFamily="34" charset="0"/>
+              </a:rPr>
+              <a:t>m1</a:t>
+            </a:r>
+            <a:r>
+              <a:rPr kumimoji="0" lang="ru-RU" sz="1400" b="0" i="0" u="none" strike="noStrike" cap="none" normalizeH="0" baseline="0" dirty="0" smtClean="0">
+                <a:ln>
+                  <a:noFill/>
+                </a:ln>
+                <a:solidFill>
+                  <a:srgbClr val="808030"/>
+                </a:solidFill>
+                <a:effectLst/>
+                <a:latin typeface="Arial Unicode MS" pitchFamily="34" charset="-128"/>
+                <a:cs typeface="Arial" pitchFamily="34" charset="0"/>
+              </a:rPr>
+              <a:t>)</a:t>
+            </a:r>
+            <a:r>
+              <a:rPr kumimoji="0" lang="ru-RU" sz="1400" b="0" i="0" u="none" strike="noStrike" cap="none" normalizeH="0" baseline="0" dirty="0" smtClean="0">
+                <a:ln>
+                  <a:noFill/>
+                </a:ln>
+                <a:solidFill>
+                  <a:srgbClr val="800080"/>
+                </a:solidFill>
+                <a:effectLst/>
+                <a:latin typeface="Arial Unicode MS" pitchFamily="34" charset="-128"/>
+                <a:cs typeface="Arial" pitchFamily="34" charset="0"/>
+              </a:rPr>
+              <a:t>;</a:t>
+            </a:r>
+          </a:p>
+          <a:p>
+            <a:pPr marL="0" marR="0" lvl="0" indent="0" algn="l" defTabSz="914400" rtl="0" eaLnBrk="1" fontAlgn="base" latinLnBrk="0" hangingPunct="1">
+              <a:lnSpc>
+                <a:spcPct val="100000"/>
+              </a:lnSpc>
+              <a:spcBef>
+                <a:spcPct val="0"/>
+              </a:spcBef>
+              <a:spcAft>
+                <a:spcPct val="0"/>
+              </a:spcAft>
+              <a:buClrTx/>
+              <a:buSzTx/>
+              <a:buFontTx/>
+              <a:buNone/>
+              <a:tabLst/>
+            </a:pPr>
+            <a:r>
+              <a:rPr lang="ru-RU" sz="1400" dirty="0" smtClean="0">
+                <a:solidFill>
+                  <a:srgbClr val="800080"/>
+                </a:solidFill>
+                <a:latin typeface="Arial Unicode MS" pitchFamily="34" charset="-128"/>
+                <a:cs typeface="Arial" pitchFamily="34" charset="0"/>
+              </a:rPr>
+              <a:t> </a:t>
+            </a:r>
+            <a:r>
+              <a:rPr lang="ru-RU" sz="1400" dirty="0" smtClean="0">
+                <a:solidFill>
+                  <a:srgbClr val="800080"/>
+                </a:solidFill>
+                <a:latin typeface="Arial Unicode MS" pitchFamily="34" charset="-128"/>
+                <a:cs typeface="Arial" pitchFamily="34" charset="0"/>
+              </a:rPr>
+              <a:t>      </a:t>
+            </a:r>
+            <a:r>
+              <a:rPr kumimoji="0" lang="ru-RU" sz="1400" b="0" i="0" u="none" strike="noStrike" cap="none" normalizeH="0" baseline="0" dirty="0" smtClean="0">
+                <a:ln>
+                  <a:noFill/>
+                </a:ln>
+                <a:solidFill>
+                  <a:srgbClr val="000000"/>
+                </a:solidFill>
+                <a:effectLst/>
+                <a:latin typeface="Arial Unicode MS" pitchFamily="34" charset="-128"/>
+                <a:cs typeface="Arial" pitchFamily="34" charset="0"/>
+              </a:rPr>
+              <a:t> </a:t>
+            </a:r>
+            <a:r>
+              <a:rPr kumimoji="0" lang="ru-RU" sz="1400" b="0" i="0" u="none" strike="noStrike" cap="none" normalizeH="0" baseline="0" dirty="0" smtClean="0">
+                <a:ln>
+                  <a:noFill/>
+                </a:ln>
+                <a:solidFill>
+                  <a:srgbClr val="696969"/>
+                </a:solidFill>
+                <a:effectLst/>
+                <a:latin typeface="Arial Unicode MS" pitchFamily="34" charset="-128"/>
+                <a:cs typeface="Arial" pitchFamily="34" charset="0"/>
+              </a:rPr>
+              <a:t>// подставляем фактические передаваемые</a:t>
+            </a:r>
+          </a:p>
+          <a:p>
+            <a:pPr marL="0" marR="0" lvl="0" indent="0" algn="l" defTabSz="914400" rtl="0" eaLnBrk="1" fontAlgn="base" latinLnBrk="0" hangingPunct="1">
+              <a:lnSpc>
+                <a:spcPct val="100000"/>
+              </a:lnSpc>
+              <a:spcBef>
+                <a:spcPct val="0"/>
+              </a:spcBef>
+              <a:spcAft>
+                <a:spcPct val="0"/>
+              </a:spcAft>
+              <a:buClrTx/>
+              <a:buSzTx/>
+              <a:buFontTx/>
+              <a:buNone/>
+              <a:tabLst/>
+            </a:pPr>
+            <a:r>
+              <a:rPr lang="ru-RU" sz="1400" dirty="0" smtClean="0">
+                <a:solidFill>
+                  <a:srgbClr val="696969"/>
+                </a:solidFill>
+                <a:latin typeface="Arial Unicode MS" pitchFamily="34" charset="-128"/>
+                <a:cs typeface="Arial" pitchFamily="34" charset="0"/>
+              </a:rPr>
+              <a:t> </a:t>
+            </a:r>
+            <a:r>
+              <a:rPr lang="ru-RU" sz="1400" dirty="0" smtClean="0">
+                <a:solidFill>
+                  <a:srgbClr val="696969"/>
+                </a:solidFill>
+                <a:latin typeface="Arial Unicode MS" pitchFamily="34" charset="-128"/>
+                <a:cs typeface="Arial" pitchFamily="34" charset="0"/>
+              </a:rPr>
+              <a:t>      </a:t>
+            </a:r>
+            <a:r>
+              <a:rPr kumimoji="0" lang="ru-RU" sz="1400" b="0" i="0" u="none" strike="noStrike" cap="none" normalizeH="0" baseline="0" dirty="0" smtClean="0">
+                <a:ln>
+                  <a:noFill/>
+                </a:ln>
+                <a:solidFill>
+                  <a:srgbClr val="000000"/>
+                </a:solidFill>
+                <a:effectLst/>
+                <a:latin typeface="Arial Unicode MS" pitchFamily="34" charset="-128"/>
+                <a:cs typeface="Arial" pitchFamily="34" charset="0"/>
+              </a:rPr>
+              <a:t> </a:t>
+            </a:r>
+            <a:r>
+              <a:rPr kumimoji="0" lang="ru-RU" sz="1400" b="0" i="0" u="none" strike="noStrike" cap="none" normalizeH="0" baseline="0" dirty="0" smtClean="0">
+                <a:ln>
+                  <a:noFill/>
+                </a:ln>
+                <a:solidFill>
+                  <a:srgbClr val="696969"/>
+                </a:solidFill>
+                <a:effectLst/>
+                <a:latin typeface="Arial Unicode MS" pitchFamily="34" charset="-128"/>
+                <a:cs typeface="Arial" pitchFamily="34" charset="0"/>
+              </a:rPr>
+              <a:t>// значения в таблицу для функции </a:t>
+            </a:r>
+            <a:r>
+              <a:rPr kumimoji="0" lang="ru-RU" sz="1400" b="0" i="0" u="none" strike="noStrike" cap="none" normalizeH="0" baseline="0" dirty="0" err="1" smtClean="0">
+                <a:ln>
+                  <a:noFill/>
+                </a:ln>
+                <a:solidFill>
+                  <a:srgbClr val="696969"/>
+                </a:solidFill>
+                <a:effectLst/>
+                <a:latin typeface="Arial Unicode MS" pitchFamily="34" charset="-128"/>
+                <a:cs typeface="Arial" pitchFamily="34" charset="0"/>
+              </a:rPr>
+              <a:t>incr</a:t>
+            </a:r>
+            <a:r>
+              <a:rPr kumimoji="0" lang="ru-RU" sz="1400" b="0" i="0" u="none" strike="noStrike" cap="none" normalizeH="0" baseline="0" dirty="0" smtClean="0">
+                <a:ln>
+                  <a:noFill/>
+                </a:ln>
+                <a:solidFill>
+                  <a:srgbClr val="696969"/>
+                </a:solidFill>
+                <a:effectLst/>
+                <a:latin typeface="Arial Unicode MS" pitchFamily="34" charset="-128"/>
+                <a:cs typeface="Arial" pitchFamily="34" charset="0"/>
+              </a:rPr>
+              <a:t>:</a:t>
+            </a:r>
+          </a:p>
+          <a:p>
+            <a:pPr marL="0" marR="0" lvl="0" indent="0" algn="l" defTabSz="914400" rtl="0" eaLnBrk="1" fontAlgn="base" latinLnBrk="0" hangingPunct="1">
+              <a:lnSpc>
+                <a:spcPct val="100000"/>
+              </a:lnSpc>
+              <a:spcBef>
+                <a:spcPct val="0"/>
+              </a:spcBef>
+              <a:spcAft>
+                <a:spcPct val="0"/>
+              </a:spcAft>
+              <a:buClrTx/>
+              <a:buSzTx/>
+              <a:buFontTx/>
+              <a:buNone/>
+              <a:tabLst/>
+            </a:pPr>
+            <a:r>
+              <a:rPr lang="ru-RU" sz="1400" dirty="0" smtClean="0">
+                <a:solidFill>
+                  <a:srgbClr val="696969"/>
+                </a:solidFill>
+                <a:latin typeface="Arial Unicode MS" pitchFamily="34" charset="-128"/>
+                <a:cs typeface="Arial" pitchFamily="34" charset="0"/>
+              </a:rPr>
+              <a:t> </a:t>
+            </a:r>
+            <a:r>
+              <a:rPr lang="ru-RU" sz="1400" dirty="0" smtClean="0">
+                <a:solidFill>
+                  <a:srgbClr val="696969"/>
+                </a:solidFill>
+                <a:latin typeface="Arial Unicode MS" pitchFamily="34" charset="-128"/>
+                <a:cs typeface="Arial" pitchFamily="34" charset="0"/>
+              </a:rPr>
+              <a:t>      </a:t>
+            </a:r>
+            <a:r>
+              <a:rPr kumimoji="0" lang="ru-RU" sz="1400" b="0" i="0" u="none" strike="noStrike" cap="none" normalizeH="0" baseline="0" dirty="0" smtClean="0">
+                <a:ln>
+                  <a:noFill/>
+                </a:ln>
+                <a:solidFill>
+                  <a:srgbClr val="000000"/>
+                </a:solidFill>
+                <a:effectLst/>
+                <a:latin typeface="Arial Unicode MS" pitchFamily="34" charset="-128"/>
+                <a:cs typeface="Arial" pitchFamily="34" charset="0"/>
+              </a:rPr>
+              <a:t> </a:t>
+            </a:r>
+            <a:r>
+              <a:rPr kumimoji="0" lang="ru-RU" sz="1400" b="0" i="0" u="none" strike="noStrike" cap="none" normalizeH="0" baseline="0" dirty="0" smtClean="0">
+                <a:ln>
+                  <a:noFill/>
+                </a:ln>
+                <a:solidFill>
+                  <a:srgbClr val="696969"/>
+                </a:solidFill>
+                <a:effectLst/>
+                <a:latin typeface="Arial Unicode MS" pitchFamily="34" charset="-128"/>
+                <a:cs typeface="Arial" pitchFamily="34" charset="0"/>
+              </a:rPr>
+              <a:t>// (</a:t>
+            </a:r>
+            <a:r>
+              <a:rPr kumimoji="0" lang="ru-RU" sz="1400" b="0" i="0" u="none" strike="noStrike" cap="none" normalizeH="0" baseline="0" dirty="0" err="1" smtClean="0">
+                <a:ln>
+                  <a:noFill/>
+                </a:ln>
+                <a:solidFill>
+                  <a:srgbClr val="696969"/>
+                </a:solidFill>
+                <a:effectLst/>
+                <a:latin typeface="Arial Unicode MS" pitchFamily="34" charset="-128"/>
+                <a:cs typeface="Arial" pitchFamily="34" charset="0"/>
+              </a:rPr>
+              <a:t>x</a:t>
+            </a:r>
+            <a:r>
+              <a:rPr kumimoji="0" lang="ru-RU" sz="1400" b="0" i="0" u="none" strike="noStrike" cap="none" normalizeH="0" baseline="0" dirty="0" smtClean="0">
+                <a:ln>
+                  <a:noFill/>
+                </a:ln>
+                <a:solidFill>
+                  <a:srgbClr val="696969"/>
+                </a:solidFill>
+                <a:effectLst/>
+                <a:latin typeface="Arial Unicode MS" pitchFamily="34" charset="-128"/>
+                <a:cs typeface="Arial" pitchFamily="34" charset="0"/>
+              </a:rPr>
+              <a:t>, ({m1}, {}), чтение)</a:t>
+            </a:r>
+          </a:p>
+          <a:p>
+            <a:pPr marL="0" marR="0" lvl="0" indent="0" algn="l" defTabSz="914400" rtl="0" eaLnBrk="1" fontAlgn="base" latinLnBrk="0" hangingPunct="1">
+              <a:lnSpc>
+                <a:spcPct val="100000"/>
+              </a:lnSpc>
+              <a:spcBef>
+                <a:spcPct val="0"/>
+              </a:spcBef>
+              <a:spcAft>
+                <a:spcPct val="0"/>
+              </a:spcAft>
+              <a:buClrTx/>
+              <a:buSzTx/>
+              <a:buFontTx/>
+              <a:buNone/>
+              <a:tabLst/>
+            </a:pPr>
+            <a:r>
+              <a:rPr lang="ru-RU" sz="1400" dirty="0" smtClean="0">
+                <a:solidFill>
+                  <a:srgbClr val="696969"/>
+                </a:solidFill>
+                <a:latin typeface="Arial Unicode MS" pitchFamily="34" charset="-128"/>
+                <a:cs typeface="Arial" pitchFamily="34" charset="0"/>
+              </a:rPr>
+              <a:t> </a:t>
+            </a:r>
+            <a:r>
+              <a:rPr lang="ru-RU" sz="1400" dirty="0" smtClean="0">
+                <a:solidFill>
+                  <a:srgbClr val="696969"/>
+                </a:solidFill>
+                <a:latin typeface="Arial Unicode MS" pitchFamily="34" charset="-128"/>
+                <a:cs typeface="Arial" pitchFamily="34" charset="0"/>
+              </a:rPr>
+              <a:t>      </a:t>
+            </a:r>
+            <a:r>
+              <a:rPr kumimoji="0" lang="ru-RU" sz="1400" b="0" i="0" u="none" strike="noStrike" cap="none" normalizeH="0" baseline="0" dirty="0" smtClean="0">
+                <a:ln>
+                  <a:noFill/>
+                </a:ln>
+                <a:solidFill>
+                  <a:srgbClr val="000000"/>
+                </a:solidFill>
+                <a:effectLst/>
+                <a:latin typeface="Arial Unicode MS" pitchFamily="34" charset="-128"/>
+                <a:cs typeface="Arial" pitchFamily="34" charset="0"/>
+              </a:rPr>
+              <a:t> </a:t>
+            </a:r>
+            <a:r>
+              <a:rPr kumimoji="0" lang="ru-RU" sz="1400" b="0" i="0" u="none" strike="noStrike" cap="none" normalizeH="0" baseline="0" dirty="0" smtClean="0">
+                <a:ln>
+                  <a:noFill/>
+                </a:ln>
+                <a:solidFill>
+                  <a:srgbClr val="696969"/>
+                </a:solidFill>
+                <a:effectLst/>
+                <a:latin typeface="Arial Unicode MS" pitchFamily="34" charset="-128"/>
+                <a:cs typeface="Arial" pitchFamily="34" charset="0"/>
+              </a:rPr>
+              <a:t>// (</a:t>
+            </a:r>
+            <a:r>
+              <a:rPr kumimoji="0" lang="ru-RU" sz="1400" b="0" i="0" u="none" strike="noStrike" cap="none" normalizeH="0" baseline="0" dirty="0" err="1" smtClean="0">
+                <a:ln>
+                  <a:noFill/>
+                </a:ln>
+                <a:solidFill>
+                  <a:srgbClr val="696969"/>
+                </a:solidFill>
+                <a:effectLst/>
+                <a:latin typeface="Arial Unicode MS" pitchFamily="34" charset="-128"/>
+                <a:cs typeface="Arial" pitchFamily="34" charset="0"/>
+              </a:rPr>
+              <a:t>x</a:t>
+            </a:r>
+            <a:r>
+              <a:rPr kumimoji="0" lang="ru-RU" sz="1400" b="0" i="0" u="none" strike="noStrike" cap="none" normalizeH="0" baseline="0" dirty="0" smtClean="0">
+                <a:ln>
+                  <a:noFill/>
+                </a:ln>
+                <a:solidFill>
+                  <a:srgbClr val="696969"/>
+                </a:solidFill>
+                <a:effectLst/>
+                <a:latin typeface="Arial Unicode MS" pitchFamily="34" charset="-128"/>
+                <a:cs typeface="Arial" pitchFamily="34" charset="0"/>
+              </a:rPr>
+              <a:t>, ({m1}, {}), запись)</a:t>
+            </a:r>
+          </a:p>
+          <a:p>
+            <a:pPr marL="0" marR="0" lvl="0" indent="0" algn="l" defTabSz="914400" rtl="0" eaLnBrk="1" fontAlgn="base" latinLnBrk="0" hangingPunct="1">
+              <a:lnSpc>
+                <a:spcPct val="100000"/>
+              </a:lnSpc>
+              <a:spcBef>
+                <a:spcPct val="0"/>
+              </a:spcBef>
+              <a:spcAft>
+                <a:spcPct val="0"/>
+              </a:spcAft>
+              <a:buClrTx/>
+              <a:buSzTx/>
+              <a:buFontTx/>
+              <a:buNone/>
+              <a:tabLst/>
+            </a:pPr>
+            <a:r>
+              <a:rPr lang="ru-RU" sz="1400" dirty="0" smtClean="0">
+                <a:solidFill>
+                  <a:srgbClr val="696969"/>
+                </a:solidFill>
+                <a:latin typeface="Arial Unicode MS" pitchFamily="34" charset="-128"/>
+                <a:cs typeface="Arial" pitchFamily="34" charset="0"/>
+              </a:rPr>
+              <a:t> </a:t>
+            </a:r>
+            <a:r>
+              <a:rPr lang="ru-RU" sz="1400" dirty="0" smtClean="0">
+                <a:solidFill>
+                  <a:srgbClr val="696969"/>
+                </a:solidFill>
+                <a:latin typeface="Arial Unicode MS" pitchFamily="34" charset="-128"/>
+                <a:cs typeface="Arial" pitchFamily="34" charset="0"/>
+              </a:rPr>
+              <a:t>      </a:t>
+            </a:r>
+            <a:r>
+              <a:rPr kumimoji="0" lang="ru-RU" sz="1400" b="0" i="0" u="none" strike="noStrike" cap="none" normalizeH="0" baseline="0" dirty="0" smtClean="0">
+                <a:ln>
+                  <a:noFill/>
+                </a:ln>
+                <a:solidFill>
+                  <a:srgbClr val="000000"/>
+                </a:solidFill>
+                <a:effectLst/>
+                <a:latin typeface="Arial Unicode MS" pitchFamily="34" charset="-128"/>
+                <a:cs typeface="Arial" pitchFamily="34" charset="0"/>
+              </a:rPr>
+              <a:t> </a:t>
+            </a:r>
+            <a:r>
+              <a:rPr kumimoji="0" lang="ru-RU" sz="1400" b="0" i="0" u="none" strike="noStrike" cap="none" normalizeH="0" baseline="0" dirty="0" err="1" smtClean="0">
+                <a:ln>
+                  <a:noFill/>
+                </a:ln>
+                <a:solidFill>
+                  <a:srgbClr val="000000"/>
+                </a:solidFill>
+                <a:effectLst/>
+                <a:latin typeface="Arial Unicode MS" pitchFamily="34" charset="-128"/>
+                <a:cs typeface="Arial" pitchFamily="34" charset="0"/>
+              </a:rPr>
+              <a:t>incr</a:t>
+            </a:r>
+            <a:r>
+              <a:rPr kumimoji="0" lang="ru-RU" sz="1400" b="0" i="0" u="none" strike="noStrike" cap="none" normalizeH="0" baseline="0" dirty="0" smtClean="0">
+                <a:ln>
+                  <a:noFill/>
+                </a:ln>
+                <a:solidFill>
+                  <a:srgbClr val="808030"/>
+                </a:solidFill>
+                <a:effectLst/>
+                <a:latin typeface="Arial Unicode MS" pitchFamily="34" charset="-128"/>
+                <a:cs typeface="Arial" pitchFamily="34" charset="0"/>
+              </a:rPr>
+              <a:t>(&amp;</a:t>
+            </a:r>
+            <a:r>
+              <a:rPr kumimoji="0" lang="ru-RU" sz="1400" b="0" i="0" u="none" strike="noStrike" cap="none" normalizeH="0" baseline="0" dirty="0" err="1" smtClean="0">
+                <a:ln>
+                  <a:noFill/>
+                </a:ln>
+                <a:solidFill>
+                  <a:srgbClr val="000000"/>
+                </a:solidFill>
+                <a:effectLst/>
+                <a:latin typeface="Arial Unicode MS" pitchFamily="34" charset="-128"/>
+                <a:cs typeface="Arial" pitchFamily="34" charset="0"/>
+              </a:rPr>
+              <a:t>y</a:t>
+            </a:r>
+            <a:r>
+              <a:rPr kumimoji="0" lang="ru-RU" sz="1400" b="0" i="0" u="none" strike="noStrike" cap="none" normalizeH="0" baseline="0" dirty="0" smtClean="0">
+                <a:ln>
+                  <a:noFill/>
+                </a:ln>
+                <a:solidFill>
+                  <a:srgbClr val="808030"/>
+                </a:solidFill>
+                <a:effectLst/>
+                <a:latin typeface="Arial Unicode MS" pitchFamily="34" charset="-128"/>
+                <a:cs typeface="Arial" pitchFamily="34" charset="0"/>
+              </a:rPr>
+              <a:t>,</a:t>
+            </a:r>
+            <a:r>
+              <a:rPr kumimoji="0" lang="ru-RU" sz="1400" b="0" i="0" u="none" strike="noStrike" cap="none" normalizeH="0" baseline="0" dirty="0" smtClean="0">
+                <a:ln>
+                  <a:noFill/>
+                </a:ln>
+                <a:solidFill>
+                  <a:srgbClr val="000000"/>
+                </a:solidFill>
+                <a:effectLst/>
+                <a:latin typeface="Arial Unicode MS" pitchFamily="34" charset="-128"/>
+                <a:cs typeface="Arial" pitchFamily="34" charset="0"/>
+              </a:rPr>
+              <a:t> </a:t>
+            </a:r>
+            <a:r>
+              <a:rPr kumimoji="0" lang="ru-RU" sz="1400" b="0" i="0" u="none" strike="noStrike" cap="none" normalizeH="0" baseline="0" dirty="0" smtClean="0">
+                <a:ln>
+                  <a:noFill/>
+                </a:ln>
+                <a:solidFill>
+                  <a:srgbClr val="808030"/>
+                </a:solidFill>
+                <a:effectLst/>
+                <a:latin typeface="Arial Unicode MS" pitchFamily="34" charset="-128"/>
+                <a:cs typeface="Arial" pitchFamily="34" charset="0"/>
+              </a:rPr>
+              <a:t>&amp;</a:t>
+            </a:r>
+            <a:r>
+              <a:rPr kumimoji="0" lang="ru-RU" sz="1400" b="0" i="0" u="none" strike="noStrike" cap="none" normalizeH="0" baseline="0" dirty="0" smtClean="0">
+                <a:ln>
+                  <a:noFill/>
+                </a:ln>
+                <a:solidFill>
+                  <a:srgbClr val="000000"/>
+                </a:solidFill>
+                <a:effectLst/>
+                <a:latin typeface="Arial Unicode MS" pitchFamily="34" charset="-128"/>
+                <a:cs typeface="Arial" pitchFamily="34" charset="0"/>
+              </a:rPr>
+              <a:t>m2</a:t>
+            </a:r>
+            <a:r>
+              <a:rPr kumimoji="0" lang="ru-RU" sz="1400" b="0" i="0" u="none" strike="noStrike" cap="none" normalizeH="0" baseline="0" dirty="0" smtClean="0">
+                <a:ln>
+                  <a:noFill/>
+                </a:ln>
+                <a:solidFill>
+                  <a:srgbClr val="808030"/>
+                </a:solidFill>
+                <a:effectLst/>
+                <a:latin typeface="Arial Unicode MS" pitchFamily="34" charset="-128"/>
+                <a:cs typeface="Arial" pitchFamily="34" charset="0"/>
+              </a:rPr>
+              <a:t>)</a:t>
+            </a:r>
+            <a:r>
+              <a:rPr kumimoji="0" lang="ru-RU" sz="1400" b="0" i="0" u="none" strike="noStrike" cap="none" normalizeH="0" baseline="0" dirty="0" smtClean="0">
+                <a:ln>
+                  <a:noFill/>
+                </a:ln>
+                <a:solidFill>
+                  <a:srgbClr val="800080"/>
+                </a:solidFill>
+                <a:effectLst/>
+                <a:latin typeface="Arial Unicode MS" pitchFamily="34" charset="-128"/>
+                <a:cs typeface="Arial" pitchFamily="34" charset="0"/>
+              </a:rPr>
+              <a:t>;</a:t>
+            </a:r>
+          </a:p>
+          <a:p>
+            <a:pPr marL="0" marR="0" lvl="0" indent="0" algn="l" defTabSz="914400" rtl="0" eaLnBrk="1" fontAlgn="base" latinLnBrk="0" hangingPunct="1">
+              <a:lnSpc>
+                <a:spcPct val="100000"/>
+              </a:lnSpc>
+              <a:spcBef>
+                <a:spcPct val="0"/>
+              </a:spcBef>
+              <a:spcAft>
+                <a:spcPct val="0"/>
+              </a:spcAft>
+              <a:buClrTx/>
+              <a:buSzTx/>
+              <a:buFontTx/>
+              <a:buNone/>
+              <a:tabLst/>
+            </a:pPr>
+            <a:r>
+              <a:rPr lang="ru-RU" sz="1400" dirty="0" smtClean="0">
+                <a:solidFill>
+                  <a:srgbClr val="800080"/>
+                </a:solidFill>
+                <a:latin typeface="Arial Unicode MS" pitchFamily="34" charset="-128"/>
+                <a:cs typeface="Arial" pitchFamily="34" charset="0"/>
+              </a:rPr>
+              <a:t> </a:t>
+            </a:r>
+            <a:r>
+              <a:rPr lang="ru-RU" sz="1400" dirty="0" smtClean="0">
+                <a:solidFill>
+                  <a:srgbClr val="800080"/>
+                </a:solidFill>
+                <a:latin typeface="Arial Unicode MS" pitchFamily="34" charset="-128"/>
+                <a:cs typeface="Arial" pitchFamily="34" charset="0"/>
+              </a:rPr>
+              <a:t>      </a:t>
+            </a:r>
+            <a:r>
+              <a:rPr kumimoji="0" lang="ru-RU" sz="1400" b="0" i="0" u="none" strike="noStrike" cap="none" normalizeH="0" baseline="0" dirty="0" smtClean="0">
+                <a:ln>
+                  <a:noFill/>
+                </a:ln>
+                <a:solidFill>
+                  <a:srgbClr val="000000"/>
+                </a:solidFill>
+                <a:effectLst/>
+                <a:latin typeface="Arial Unicode MS" pitchFamily="34" charset="-128"/>
+                <a:cs typeface="Arial" pitchFamily="34" charset="0"/>
+              </a:rPr>
+              <a:t> </a:t>
+            </a:r>
+            <a:r>
+              <a:rPr kumimoji="0" lang="ru-RU" sz="1400" b="0" i="0" u="none" strike="noStrike" cap="none" normalizeH="0" baseline="0" dirty="0" smtClean="0">
+                <a:ln>
+                  <a:noFill/>
+                </a:ln>
+                <a:solidFill>
+                  <a:srgbClr val="696969"/>
+                </a:solidFill>
+                <a:effectLst/>
+                <a:latin typeface="Arial Unicode MS" pitchFamily="34" charset="-128"/>
+                <a:cs typeface="Arial" pitchFamily="34" charset="0"/>
+              </a:rPr>
+              <a:t>// подставляем фактические передаваемые</a:t>
+            </a:r>
+          </a:p>
+          <a:p>
+            <a:pPr marL="0" marR="0" lvl="0" indent="0" algn="l" defTabSz="914400" rtl="0" eaLnBrk="1" fontAlgn="base" latinLnBrk="0" hangingPunct="1">
+              <a:lnSpc>
+                <a:spcPct val="100000"/>
+              </a:lnSpc>
+              <a:spcBef>
+                <a:spcPct val="0"/>
+              </a:spcBef>
+              <a:spcAft>
+                <a:spcPct val="0"/>
+              </a:spcAft>
+              <a:buClrTx/>
+              <a:buSzTx/>
+              <a:buFontTx/>
+              <a:buNone/>
+              <a:tabLst/>
+            </a:pPr>
+            <a:r>
+              <a:rPr lang="ru-RU" sz="1400" dirty="0" smtClean="0">
+                <a:solidFill>
+                  <a:srgbClr val="696969"/>
+                </a:solidFill>
+                <a:latin typeface="Arial Unicode MS" pitchFamily="34" charset="-128"/>
+                <a:cs typeface="Arial" pitchFamily="34" charset="0"/>
+              </a:rPr>
+              <a:t> </a:t>
+            </a:r>
+            <a:r>
+              <a:rPr lang="ru-RU" sz="1400" dirty="0" smtClean="0">
+                <a:solidFill>
+                  <a:srgbClr val="696969"/>
+                </a:solidFill>
+                <a:latin typeface="Arial Unicode MS" pitchFamily="34" charset="-128"/>
+                <a:cs typeface="Arial" pitchFamily="34" charset="0"/>
+              </a:rPr>
+              <a:t>      </a:t>
+            </a:r>
+            <a:r>
+              <a:rPr kumimoji="0" lang="ru-RU" sz="1400" b="0" i="0" u="none" strike="noStrike" cap="none" normalizeH="0" baseline="0" dirty="0" smtClean="0">
+                <a:ln>
+                  <a:noFill/>
+                </a:ln>
+                <a:solidFill>
+                  <a:srgbClr val="000000"/>
+                </a:solidFill>
+                <a:effectLst/>
+                <a:latin typeface="Arial Unicode MS" pitchFamily="34" charset="-128"/>
+                <a:cs typeface="Arial" pitchFamily="34" charset="0"/>
+              </a:rPr>
+              <a:t> </a:t>
+            </a:r>
+            <a:r>
+              <a:rPr kumimoji="0" lang="ru-RU" sz="1400" b="0" i="0" u="none" strike="noStrike" cap="none" normalizeH="0" baseline="0" dirty="0" smtClean="0">
+                <a:ln>
+                  <a:noFill/>
+                </a:ln>
+                <a:solidFill>
+                  <a:srgbClr val="696969"/>
+                </a:solidFill>
+                <a:effectLst/>
+                <a:latin typeface="Arial Unicode MS" pitchFamily="34" charset="-128"/>
+                <a:cs typeface="Arial" pitchFamily="34" charset="0"/>
+              </a:rPr>
+              <a:t>// значения в таблицу для функции </a:t>
+            </a:r>
+            <a:r>
+              <a:rPr kumimoji="0" lang="ru-RU" sz="1400" b="0" i="0" u="none" strike="noStrike" cap="none" normalizeH="0" baseline="0" dirty="0" err="1" smtClean="0">
+                <a:ln>
+                  <a:noFill/>
+                </a:ln>
+                <a:solidFill>
+                  <a:srgbClr val="696969"/>
+                </a:solidFill>
+                <a:effectLst/>
+                <a:latin typeface="Arial Unicode MS" pitchFamily="34" charset="-128"/>
+                <a:cs typeface="Arial" pitchFamily="34" charset="0"/>
+              </a:rPr>
+              <a:t>incr</a:t>
+            </a:r>
+            <a:r>
+              <a:rPr kumimoji="0" lang="ru-RU" sz="1400" b="0" i="0" u="none" strike="noStrike" cap="none" normalizeH="0" baseline="0" dirty="0" smtClean="0">
+                <a:ln>
+                  <a:noFill/>
+                </a:ln>
+                <a:solidFill>
+                  <a:srgbClr val="696969"/>
+                </a:solidFill>
+                <a:effectLst/>
+                <a:latin typeface="Arial Unicode MS" pitchFamily="34" charset="-128"/>
+                <a:cs typeface="Arial" pitchFamily="34" charset="0"/>
+              </a:rPr>
+              <a:t>:</a:t>
+            </a:r>
+          </a:p>
+          <a:p>
+            <a:pPr marL="0" marR="0" lvl="0" indent="0" algn="l" defTabSz="914400" rtl="0" eaLnBrk="1" fontAlgn="base" latinLnBrk="0" hangingPunct="1">
+              <a:lnSpc>
+                <a:spcPct val="100000"/>
+              </a:lnSpc>
+              <a:spcBef>
+                <a:spcPct val="0"/>
+              </a:spcBef>
+              <a:spcAft>
+                <a:spcPct val="0"/>
+              </a:spcAft>
+              <a:buClrTx/>
+              <a:buSzTx/>
+              <a:buFontTx/>
+              <a:buNone/>
+              <a:tabLst/>
+            </a:pPr>
+            <a:r>
+              <a:rPr lang="ru-RU" sz="1400" dirty="0" smtClean="0">
+                <a:solidFill>
+                  <a:srgbClr val="696969"/>
+                </a:solidFill>
+                <a:latin typeface="Arial Unicode MS" pitchFamily="34" charset="-128"/>
+                <a:cs typeface="Arial" pitchFamily="34" charset="0"/>
+              </a:rPr>
+              <a:t> </a:t>
+            </a:r>
+            <a:r>
+              <a:rPr lang="ru-RU" sz="1400" dirty="0" smtClean="0">
+                <a:solidFill>
+                  <a:srgbClr val="696969"/>
+                </a:solidFill>
+                <a:latin typeface="Arial Unicode MS" pitchFamily="34" charset="-128"/>
+                <a:cs typeface="Arial" pitchFamily="34" charset="0"/>
+              </a:rPr>
+              <a:t>      </a:t>
+            </a:r>
+            <a:r>
+              <a:rPr kumimoji="0" lang="ru-RU" sz="1400" b="0" i="0" u="none" strike="noStrike" cap="none" normalizeH="0" baseline="0" dirty="0" smtClean="0">
+                <a:ln>
+                  <a:noFill/>
+                </a:ln>
+                <a:solidFill>
+                  <a:srgbClr val="000000"/>
+                </a:solidFill>
+                <a:effectLst/>
+                <a:latin typeface="Arial Unicode MS" pitchFamily="34" charset="-128"/>
+                <a:cs typeface="Arial" pitchFamily="34" charset="0"/>
+              </a:rPr>
+              <a:t> </a:t>
+            </a:r>
+            <a:r>
+              <a:rPr kumimoji="0" lang="ru-RU" sz="1400" b="0" i="0" u="none" strike="noStrike" cap="none" normalizeH="0" baseline="0" dirty="0" smtClean="0">
+                <a:ln>
+                  <a:noFill/>
+                </a:ln>
+                <a:solidFill>
+                  <a:srgbClr val="696969"/>
+                </a:solidFill>
+                <a:effectLst/>
+                <a:latin typeface="Arial Unicode MS" pitchFamily="34" charset="-128"/>
+                <a:cs typeface="Arial" pitchFamily="34" charset="0"/>
+              </a:rPr>
+              <a:t>// (</a:t>
+            </a:r>
+            <a:r>
+              <a:rPr kumimoji="0" lang="ru-RU" sz="1400" b="0" i="0" u="none" strike="noStrike" cap="none" normalizeH="0" baseline="0" dirty="0" err="1" smtClean="0">
+                <a:ln>
+                  <a:noFill/>
+                </a:ln>
+                <a:solidFill>
+                  <a:srgbClr val="696969"/>
+                </a:solidFill>
+                <a:effectLst/>
+                <a:latin typeface="Arial Unicode MS" pitchFamily="34" charset="-128"/>
+                <a:cs typeface="Arial" pitchFamily="34" charset="0"/>
+              </a:rPr>
+              <a:t>y</a:t>
+            </a:r>
+            <a:r>
+              <a:rPr kumimoji="0" lang="ru-RU" sz="1400" b="0" i="0" u="none" strike="noStrike" cap="none" normalizeH="0" baseline="0" dirty="0" smtClean="0">
+                <a:ln>
+                  <a:noFill/>
+                </a:ln>
+                <a:solidFill>
+                  <a:srgbClr val="696969"/>
+                </a:solidFill>
+                <a:effectLst/>
+                <a:latin typeface="Arial Unicode MS" pitchFamily="34" charset="-128"/>
+                <a:cs typeface="Arial" pitchFamily="34" charset="0"/>
+              </a:rPr>
+              <a:t>, ({m2}, {}), чтение)</a:t>
+            </a:r>
+          </a:p>
+          <a:p>
+            <a:pPr marL="0" marR="0" lvl="0" indent="0" algn="l" defTabSz="914400" rtl="0" eaLnBrk="1" fontAlgn="base" latinLnBrk="0" hangingPunct="1">
+              <a:lnSpc>
+                <a:spcPct val="100000"/>
+              </a:lnSpc>
+              <a:spcBef>
+                <a:spcPct val="0"/>
+              </a:spcBef>
+              <a:spcAft>
+                <a:spcPct val="0"/>
+              </a:spcAft>
+              <a:buClrTx/>
+              <a:buSzTx/>
+              <a:buFontTx/>
+              <a:buNone/>
+              <a:tabLst/>
+            </a:pPr>
+            <a:r>
+              <a:rPr lang="ru-RU" sz="1400" dirty="0" smtClean="0">
+                <a:solidFill>
+                  <a:srgbClr val="696969"/>
+                </a:solidFill>
+                <a:latin typeface="Arial Unicode MS" pitchFamily="34" charset="-128"/>
+                <a:cs typeface="Arial" pitchFamily="34" charset="0"/>
+              </a:rPr>
+              <a:t> </a:t>
+            </a:r>
+            <a:r>
+              <a:rPr lang="ru-RU" sz="1400" dirty="0" smtClean="0">
+                <a:solidFill>
+                  <a:srgbClr val="696969"/>
+                </a:solidFill>
+                <a:latin typeface="Arial Unicode MS" pitchFamily="34" charset="-128"/>
+                <a:cs typeface="Arial" pitchFamily="34" charset="0"/>
+              </a:rPr>
+              <a:t>      </a:t>
+            </a:r>
+            <a:r>
+              <a:rPr kumimoji="0" lang="ru-RU" sz="1400" b="0" i="0" u="none" strike="noStrike" cap="none" normalizeH="0" baseline="0" dirty="0" smtClean="0">
+                <a:ln>
+                  <a:noFill/>
+                </a:ln>
+                <a:solidFill>
+                  <a:srgbClr val="000000"/>
+                </a:solidFill>
+                <a:effectLst/>
+                <a:latin typeface="Arial Unicode MS" pitchFamily="34" charset="-128"/>
+                <a:cs typeface="Arial" pitchFamily="34" charset="0"/>
+              </a:rPr>
+              <a:t> </a:t>
+            </a:r>
+            <a:r>
+              <a:rPr kumimoji="0" lang="ru-RU" sz="1400" b="0" i="0" u="none" strike="noStrike" cap="none" normalizeH="0" baseline="0" dirty="0" smtClean="0">
+                <a:ln>
+                  <a:noFill/>
+                </a:ln>
+                <a:solidFill>
+                  <a:srgbClr val="696969"/>
+                </a:solidFill>
+                <a:effectLst/>
+                <a:latin typeface="Arial Unicode MS" pitchFamily="34" charset="-128"/>
+                <a:cs typeface="Arial" pitchFamily="34" charset="0"/>
+              </a:rPr>
+              <a:t>// (</a:t>
+            </a:r>
+            <a:r>
+              <a:rPr kumimoji="0" lang="ru-RU" sz="1400" b="0" i="0" u="none" strike="noStrike" cap="none" normalizeH="0" baseline="0" dirty="0" err="1" smtClean="0">
+                <a:ln>
+                  <a:noFill/>
+                </a:ln>
+                <a:solidFill>
+                  <a:srgbClr val="696969"/>
+                </a:solidFill>
+                <a:effectLst/>
+                <a:latin typeface="Arial Unicode MS" pitchFamily="34" charset="-128"/>
+                <a:cs typeface="Arial" pitchFamily="34" charset="0"/>
+              </a:rPr>
+              <a:t>y</a:t>
+            </a:r>
+            <a:r>
+              <a:rPr kumimoji="0" lang="ru-RU" sz="1400" b="0" i="0" u="none" strike="noStrike" cap="none" normalizeH="0" baseline="0" dirty="0" smtClean="0">
+                <a:ln>
+                  <a:noFill/>
+                </a:ln>
+                <a:solidFill>
+                  <a:srgbClr val="696969"/>
+                </a:solidFill>
+                <a:effectLst/>
+                <a:latin typeface="Arial Unicode MS" pitchFamily="34" charset="-128"/>
+                <a:cs typeface="Arial" pitchFamily="34" charset="0"/>
+              </a:rPr>
+              <a:t>, ({m2}, {}), запись)</a:t>
+            </a:r>
+          </a:p>
+          <a:p>
+            <a:pPr marL="0" marR="0" lvl="0" indent="0" algn="l" defTabSz="914400" rtl="0" eaLnBrk="1" fontAlgn="base" latinLnBrk="0" hangingPunct="1">
+              <a:lnSpc>
+                <a:spcPct val="100000"/>
+              </a:lnSpc>
+              <a:spcBef>
+                <a:spcPct val="0"/>
+              </a:spcBef>
+              <a:spcAft>
+                <a:spcPct val="0"/>
+              </a:spcAft>
+              <a:buClrTx/>
+              <a:buSzTx/>
+              <a:buFontTx/>
+              <a:buNone/>
+              <a:tabLst/>
+            </a:pPr>
+            <a:r>
+              <a:rPr kumimoji="0" lang="ru-RU" sz="1400" b="0" i="0" u="none" strike="noStrike" cap="none" normalizeH="0" baseline="0" dirty="0" smtClean="0">
+                <a:ln>
+                  <a:noFill/>
+                </a:ln>
+                <a:solidFill>
+                  <a:srgbClr val="800080"/>
+                </a:solidFill>
+                <a:effectLst/>
+                <a:latin typeface="Arial Unicode MS" pitchFamily="34" charset="-128"/>
+                <a:cs typeface="Arial" pitchFamily="34" charset="0"/>
+              </a:rPr>
+              <a:t>}</a:t>
+            </a:r>
+            <a:r>
+              <a:rPr kumimoji="0" lang="ru-RU" sz="1400" b="0" i="0" u="none" strike="noStrike" cap="none" normalizeH="0" baseline="0" dirty="0" smtClean="0">
+                <a:ln>
+                  <a:noFill/>
+                </a:ln>
+                <a:solidFill>
+                  <a:schemeClr val="tx1"/>
+                </a:solidFill>
+                <a:effectLst/>
+                <a:latin typeface="Arial" pitchFamily="34" charset="0"/>
+                <a:cs typeface="Arial" pitchFamily="34" charset="0"/>
+              </a:rPr>
+              <a:t> </a:t>
+            </a:r>
+          </a:p>
+        </p:txBody>
+      </p:sp>
+      <p:graphicFrame>
+        <p:nvGraphicFramePr>
+          <p:cNvPr id="7" name="Таблица 6"/>
+          <p:cNvGraphicFramePr>
+            <a:graphicFrameLocks noGrp="1"/>
+          </p:cNvGraphicFramePr>
+          <p:nvPr/>
+        </p:nvGraphicFramePr>
+        <p:xfrm>
+          <a:off x="5220072" y="2348880"/>
+          <a:ext cx="3600402" cy="1950720"/>
+        </p:xfrm>
+        <a:graphic>
+          <a:graphicData uri="http://schemas.openxmlformats.org/drawingml/2006/table">
+            <a:tbl>
+              <a:tblPr firstRow="1" bandRow="1">
+                <a:effectLst>
+                  <a:outerShdw blurRad="50800" dist="50800" dir="5400000" algn="ctr" rotWithShape="0">
+                    <a:schemeClr val="bg1"/>
+                  </a:outerShdw>
+                </a:effectLst>
+                <a:tableStyleId>{5C22544A-7EE6-4342-B048-85BDC9FD1C3A}</a:tableStyleId>
+              </a:tblPr>
+              <a:tblGrid>
+                <a:gridCol w="936105"/>
+                <a:gridCol w="1464163"/>
+                <a:gridCol w="1200134"/>
+              </a:tblGrid>
+              <a:tr h="587504">
+                <a:tc>
+                  <a:txBody>
+                    <a:bodyPr/>
+                    <a:lstStyle/>
+                    <a:p>
+                      <a:r>
+                        <a:rPr lang="en-US" sz="1400" dirty="0" smtClean="0">
+                          <a:solidFill>
+                            <a:schemeClr val="tx1"/>
+                          </a:solidFill>
+                        </a:rPr>
+                        <a:t>lvalue</a:t>
+                      </a:r>
+                      <a:endParaRPr lang="ru-RU" sz="1400" dirty="0">
+                        <a:solidFill>
+                          <a:schemeClr val="tx1"/>
+                        </a:solidFill>
+                      </a:endParaRPr>
+                    </a:p>
+                  </a:txBody>
+                  <a:tcPr>
+                    <a:lnL w="12700" cap="flat" cmpd="sng" algn="ctr">
+                      <a:solidFill>
+                        <a:schemeClr val="tx1"/>
+                      </a:solidFill>
+                      <a:prstDash val="solid"/>
+                      <a:round/>
+                      <a:headEnd type="none" w="med" len="med"/>
+                      <a:tailEnd type="none" w="med" len="med"/>
+                    </a:lnL>
+                    <a:lnR w="12700" cap="flat" cmpd="sng" algn="ctr">
+                      <a:solidFill>
+                        <a:schemeClr val="tx1"/>
+                      </a:solidFill>
+                      <a:prstDash val="solid"/>
+                      <a:round/>
+                      <a:headEnd type="none" w="med" len="med"/>
+                      <a:tailEnd type="none" w="med" len="med"/>
+                    </a:lnR>
+                    <a:lnT w="12700" cap="flat" cmpd="sng" algn="ctr">
+                      <a:solidFill>
+                        <a:schemeClr val="tx1"/>
+                      </a:solidFill>
+                      <a:prstDash val="solid"/>
+                      <a:round/>
+                      <a:headEnd type="none" w="med" len="med"/>
+                      <a:tailEnd type="none" w="med" len="med"/>
+                    </a:lnT>
+                    <a:lnB w="12700" cap="flat" cmpd="sng" algn="ctr">
+                      <a:solidFill>
+                        <a:schemeClr val="tx1"/>
+                      </a:solidFill>
+                      <a:prstDash val="solid"/>
+                      <a:round/>
+                      <a:headEnd type="none" w="med" len="med"/>
+                      <a:tailEnd type="none" w="med" len="med"/>
+                    </a:lnB>
+                    <a:noFill/>
+                  </a:tcPr>
+                </a:tc>
+                <a:tc>
+                  <a:txBody>
+                    <a:bodyPr/>
+                    <a:lstStyle/>
+                    <a:p>
+                      <a:r>
+                        <a:rPr lang="ru-RU" sz="1400" dirty="0" smtClean="0">
+                          <a:solidFill>
+                            <a:schemeClr val="tx1"/>
+                          </a:solidFill>
+                          <a:latin typeface="+mn-lt"/>
+                          <a:cs typeface="Times New Roman" pitchFamily="18" charset="0"/>
+                        </a:rPr>
+                        <a:t>Относительное множество блокировок</a:t>
+                      </a:r>
+                      <a:endParaRPr lang="ru-RU" sz="1400" dirty="0">
+                        <a:solidFill>
+                          <a:schemeClr val="tx1"/>
+                        </a:solidFill>
+                        <a:latin typeface="+mn-lt"/>
+                        <a:cs typeface="Times New Roman" pitchFamily="18" charset="0"/>
+                      </a:endParaRPr>
+                    </a:p>
+                  </a:txBody>
+                  <a:tcPr>
+                    <a:lnL w="12700" cap="flat" cmpd="sng" algn="ctr">
+                      <a:solidFill>
+                        <a:schemeClr val="tx1"/>
+                      </a:solidFill>
+                      <a:prstDash val="solid"/>
+                      <a:round/>
+                      <a:headEnd type="none" w="med" len="med"/>
+                      <a:tailEnd type="none" w="med" len="med"/>
+                    </a:lnL>
+                    <a:lnR w="12700" cap="flat" cmpd="sng" algn="ctr">
+                      <a:solidFill>
+                        <a:schemeClr val="tx1"/>
+                      </a:solidFill>
+                      <a:prstDash val="solid"/>
+                      <a:round/>
+                      <a:headEnd type="none" w="med" len="med"/>
+                      <a:tailEnd type="none" w="med" len="med"/>
+                    </a:lnR>
+                    <a:lnT w="12700" cap="flat" cmpd="sng" algn="ctr">
+                      <a:solidFill>
+                        <a:schemeClr val="tx1"/>
+                      </a:solidFill>
+                      <a:prstDash val="solid"/>
+                      <a:round/>
+                      <a:headEnd type="none" w="med" len="med"/>
+                      <a:tailEnd type="none" w="med" len="med"/>
+                    </a:lnT>
+                    <a:lnB w="12700" cap="flat" cmpd="sng" algn="ctr">
+                      <a:solidFill>
+                        <a:schemeClr val="tx1"/>
+                      </a:solidFill>
+                      <a:prstDash val="solid"/>
+                      <a:round/>
+                      <a:headEnd type="none" w="med" len="med"/>
+                      <a:tailEnd type="none" w="med" len="med"/>
+                    </a:lnB>
+                    <a:noFill/>
+                  </a:tcPr>
+                </a:tc>
+                <a:tc>
+                  <a:txBody>
+                    <a:bodyPr/>
+                    <a:lstStyle/>
+                    <a:p>
+                      <a:r>
+                        <a:rPr lang="ru-RU" sz="1400" dirty="0" smtClean="0">
+                          <a:solidFill>
+                            <a:schemeClr val="tx1"/>
+                          </a:solidFill>
+                        </a:rPr>
+                        <a:t>Тип доступа</a:t>
+                      </a:r>
+                      <a:endParaRPr lang="ru-RU" sz="1400" dirty="0">
+                        <a:solidFill>
+                          <a:schemeClr val="tx1"/>
+                        </a:solidFill>
+                      </a:endParaRPr>
+                    </a:p>
+                  </a:txBody>
+                  <a:tcPr>
+                    <a:lnL w="12700" cap="flat" cmpd="sng" algn="ctr">
+                      <a:solidFill>
+                        <a:schemeClr val="tx1"/>
+                      </a:solidFill>
+                      <a:prstDash val="solid"/>
+                      <a:round/>
+                      <a:headEnd type="none" w="med" len="med"/>
+                      <a:tailEnd type="none" w="med" len="med"/>
+                    </a:lnL>
+                    <a:lnR w="12700" cap="flat" cmpd="sng" algn="ctr">
+                      <a:solidFill>
+                        <a:schemeClr val="tx1"/>
+                      </a:solidFill>
+                      <a:prstDash val="solid"/>
+                      <a:round/>
+                      <a:headEnd type="none" w="med" len="med"/>
+                      <a:tailEnd type="none" w="med" len="med"/>
+                    </a:lnR>
+                    <a:lnT w="12700" cap="flat" cmpd="sng" algn="ctr">
+                      <a:solidFill>
+                        <a:schemeClr val="tx1"/>
+                      </a:solidFill>
+                      <a:prstDash val="solid"/>
+                      <a:round/>
+                      <a:headEnd type="none" w="med" len="med"/>
+                      <a:tailEnd type="none" w="med" len="med"/>
+                    </a:lnT>
+                    <a:lnB w="12700" cap="flat" cmpd="sng" algn="ctr">
+                      <a:solidFill>
+                        <a:schemeClr val="tx1"/>
+                      </a:solidFill>
+                      <a:prstDash val="solid"/>
+                      <a:round/>
+                      <a:headEnd type="none" w="med" len="med"/>
+                      <a:tailEnd type="none" w="med" len="med"/>
+                    </a:lnB>
+                    <a:noFill/>
+                  </a:tcPr>
+                </a:tc>
+              </a:tr>
+              <a:tr h="269288">
+                <a:tc>
+                  <a:txBody>
+                    <a:bodyPr/>
+                    <a:lstStyle/>
+                    <a:p>
+                      <a:r>
+                        <a:rPr lang="en-US" sz="1400" dirty="0" smtClean="0">
+                          <a:solidFill>
+                            <a:schemeClr val="tx1"/>
+                          </a:solidFill>
+                        </a:rPr>
+                        <a:t>x</a:t>
+                      </a:r>
+                      <a:endParaRPr lang="ru-RU" sz="1400" dirty="0">
+                        <a:solidFill>
+                          <a:schemeClr val="tx1"/>
+                        </a:solidFill>
+                      </a:endParaRPr>
+                    </a:p>
+                  </a:txBody>
+                  <a:tcPr>
+                    <a:lnL w="12700" cap="flat" cmpd="sng" algn="ctr">
+                      <a:solidFill>
+                        <a:schemeClr val="tx1"/>
+                      </a:solidFill>
+                      <a:prstDash val="solid"/>
+                      <a:round/>
+                      <a:headEnd type="none" w="med" len="med"/>
+                      <a:tailEnd type="none" w="med" len="med"/>
+                    </a:lnL>
+                    <a:lnR w="12700" cap="flat" cmpd="sng" algn="ctr">
+                      <a:solidFill>
+                        <a:schemeClr val="tx1"/>
+                      </a:solidFill>
+                      <a:prstDash val="solid"/>
+                      <a:round/>
+                      <a:headEnd type="none" w="med" len="med"/>
+                      <a:tailEnd type="none" w="med" len="med"/>
+                    </a:lnR>
+                    <a:lnT w="12700" cap="flat" cmpd="sng" algn="ctr">
+                      <a:solidFill>
+                        <a:schemeClr val="tx1"/>
+                      </a:solidFill>
+                      <a:prstDash val="solid"/>
+                      <a:round/>
+                      <a:headEnd type="none" w="med" len="med"/>
+                      <a:tailEnd type="none" w="med" len="med"/>
+                    </a:lnT>
+                    <a:lnB w="12700" cap="flat" cmpd="sng" algn="ctr">
+                      <a:solidFill>
+                        <a:schemeClr val="tx1"/>
+                      </a:solidFill>
+                      <a:prstDash val="solid"/>
+                      <a:round/>
+                      <a:headEnd type="none" w="med" len="med"/>
+                      <a:tailEnd type="none" w="med" len="med"/>
+                    </a:lnB>
+                    <a:noFill/>
+                  </a:tcPr>
+                </a:tc>
+                <a:tc>
+                  <a:txBody>
+                    <a:bodyPr/>
+                    <a:lstStyle/>
+                    <a:p>
+                      <a:r>
+                        <a:rPr lang="en-US" sz="1400" dirty="0" smtClean="0">
+                          <a:solidFill>
+                            <a:schemeClr val="tx1"/>
+                          </a:solidFill>
+                        </a:rPr>
+                        <a:t>({m1},</a:t>
+                      </a:r>
+                      <a:r>
+                        <a:rPr lang="en-US" sz="1400" baseline="0" dirty="0" smtClean="0">
+                          <a:solidFill>
+                            <a:schemeClr val="tx1"/>
+                          </a:solidFill>
+                        </a:rPr>
+                        <a:t> {})</a:t>
+                      </a:r>
+                      <a:endParaRPr lang="ru-RU" sz="1400" dirty="0">
+                        <a:solidFill>
+                          <a:schemeClr val="tx1"/>
+                        </a:solidFill>
+                      </a:endParaRPr>
+                    </a:p>
+                  </a:txBody>
+                  <a:tcPr>
+                    <a:lnL w="12700" cap="flat" cmpd="sng" algn="ctr">
+                      <a:solidFill>
+                        <a:schemeClr val="tx1"/>
+                      </a:solidFill>
+                      <a:prstDash val="solid"/>
+                      <a:round/>
+                      <a:headEnd type="none" w="med" len="med"/>
+                      <a:tailEnd type="none" w="med" len="med"/>
+                    </a:lnL>
+                    <a:lnR w="12700" cap="flat" cmpd="sng" algn="ctr">
+                      <a:solidFill>
+                        <a:schemeClr val="tx1"/>
+                      </a:solidFill>
+                      <a:prstDash val="solid"/>
+                      <a:round/>
+                      <a:headEnd type="none" w="med" len="med"/>
+                      <a:tailEnd type="none" w="med" len="med"/>
+                    </a:lnR>
+                    <a:lnT w="12700" cap="flat" cmpd="sng" algn="ctr">
+                      <a:solidFill>
+                        <a:schemeClr val="tx1"/>
+                      </a:solidFill>
+                      <a:prstDash val="solid"/>
+                      <a:round/>
+                      <a:headEnd type="none" w="med" len="med"/>
+                      <a:tailEnd type="none" w="med" len="med"/>
+                    </a:lnT>
+                    <a:lnB w="12700" cap="flat" cmpd="sng" algn="ctr">
+                      <a:solidFill>
+                        <a:schemeClr val="tx1"/>
+                      </a:solidFill>
+                      <a:prstDash val="solid"/>
+                      <a:round/>
+                      <a:headEnd type="none" w="med" len="med"/>
+                      <a:tailEnd type="none" w="med" len="med"/>
+                    </a:lnB>
+                    <a:noFill/>
+                  </a:tcPr>
+                </a:tc>
+                <a:tc>
+                  <a:txBody>
+                    <a:bodyPr/>
+                    <a:lstStyle/>
+                    <a:p>
+                      <a:r>
+                        <a:rPr lang="ru-RU" sz="1400" dirty="0" smtClean="0">
+                          <a:solidFill>
+                            <a:schemeClr val="tx1"/>
+                          </a:solidFill>
+                        </a:rPr>
+                        <a:t>чтение</a:t>
+                      </a:r>
+                      <a:endParaRPr lang="ru-RU" sz="1400" dirty="0">
+                        <a:solidFill>
+                          <a:schemeClr val="tx1"/>
+                        </a:solidFill>
+                      </a:endParaRPr>
+                    </a:p>
+                  </a:txBody>
+                  <a:tcPr>
+                    <a:lnL w="12700" cap="flat" cmpd="sng" algn="ctr">
+                      <a:solidFill>
+                        <a:schemeClr val="tx1"/>
+                      </a:solidFill>
+                      <a:prstDash val="solid"/>
+                      <a:round/>
+                      <a:headEnd type="none" w="med" len="med"/>
+                      <a:tailEnd type="none" w="med" len="med"/>
+                    </a:lnL>
+                    <a:lnR w="12700" cap="flat" cmpd="sng" algn="ctr">
+                      <a:solidFill>
+                        <a:schemeClr val="tx1"/>
+                      </a:solidFill>
+                      <a:prstDash val="solid"/>
+                      <a:round/>
+                      <a:headEnd type="none" w="med" len="med"/>
+                      <a:tailEnd type="none" w="med" len="med"/>
+                    </a:lnR>
+                    <a:lnT w="12700" cap="flat" cmpd="sng" algn="ctr">
+                      <a:solidFill>
+                        <a:schemeClr val="tx1"/>
+                      </a:solidFill>
+                      <a:prstDash val="solid"/>
+                      <a:round/>
+                      <a:headEnd type="none" w="med" len="med"/>
+                      <a:tailEnd type="none" w="med" len="med"/>
+                    </a:lnT>
+                    <a:lnB w="12700" cap="flat" cmpd="sng" algn="ctr">
+                      <a:solidFill>
+                        <a:schemeClr val="tx1"/>
+                      </a:solidFill>
+                      <a:prstDash val="solid"/>
+                      <a:round/>
+                      <a:headEnd type="none" w="med" len="med"/>
+                      <a:tailEnd type="none" w="med" len="med"/>
+                    </a:lnB>
+                    <a:noFill/>
+                  </a:tcPr>
+                </a:tc>
+              </a:tr>
+              <a:tr h="269288">
+                <a:tc>
+                  <a:txBody>
+                    <a:bodyPr/>
+                    <a:lstStyle/>
+                    <a:p>
+                      <a:r>
+                        <a:rPr lang="en-US" sz="1400" dirty="0" smtClean="0">
+                          <a:solidFill>
+                            <a:schemeClr val="tx1"/>
+                          </a:solidFill>
+                        </a:rPr>
+                        <a:t>x</a:t>
+                      </a:r>
+                      <a:endParaRPr lang="ru-RU" sz="1400" dirty="0">
+                        <a:solidFill>
+                          <a:schemeClr val="tx1"/>
+                        </a:solidFill>
+                      </a:endParaRPr>
+                    </a:p>
+                  </a:txBody>
+                  <a:tcPr>
+                    <a:lnL w="12700" cap="flat" cmpd="sng" algn="ctr">
+                      <a:solidFill>
+                        <a:schemeClr val="tx1"/>
+                      </a:solidFill>
+                      <a:prstDash val="solid"/>
+                      <a:round/>
+                      <a:headEnd type="none" w="med" len="med"/>
+                      <a:tailEnd type="none" w="med" len="med"/>
+                    </a:lnL>
+                    <a:lnR w="12700" cap="flat" cmpd="sng" algn="ctr">
+                      <a:solidFill>
+                        <a:schemeClr val="tx1"/>
+                      </a:solidFill>
+                      <a:prstDash val="solid"/>
+                      <a:round/>
+                      <a:headEnd type="none" w="med" len="med"/>
+                      <a:tailEnd type="none" w="med" len="med"/>
+                    </a:lnR>
+                    <a:lnT w="12700" cap="flat" cmpd="sng" algn="ctr">
+                      <a:solidFill>
+                        <a:schemeClr val="tx1"/>
+                      </a:solidFill>
+                      <a:prstDash val="solid"/>
+                      <a:round/>
+                      <a:headEnd type="none" w="med" len="med"/>
+                      <a:tailEnd type="none" w="med" len="med"/>
+                    </a:lnT>
+                    <a:lnB w="12700" cap="flat" cmpd="sng" algn="ctr">
+                      <a:solidFill>
+                        <a:schemeClr val="tx1"/>
+                      </a:solidFill>
+                      <a:prstDash val="solid"/>
+                      <a:round/>
+                      <a:headEnd type="none" w="med" len="med"/>
+                      <a:tailEnd type="none" w="med" len="med"/>
+                    </a:lnB>
+                    <a:noFill/>
+                  </a:tcPr>
+                </a:tc>
+                <a:tc>
+                  <a:txBody>
+                    <a:bodyPr/>
+                    <a:lstStyle/>
+                    <a:p>
+                      <a:r>
+                        <a:rPr lang="en-US" sz="1400" dirty="0" smtClean="0">
+                          <a:solidFill>
+                            <a:schemeClr val="tx1"/>
+                          </a:solidFill>
+                        </a:rPr>
+                        <a:t>({m1},</a:t>
+                      </a:r>
+                      <a:r>
+                        <a:rPr lang="en-US" sz="1400" baseline="0" dirty="0" smtClean="0">
+                          <a:solidFill>
+                            <a:schemeClr val="tx1"/>
+                          </a:solidFill>
+                        </a:rPr>
+                        <a:t> {})</a:t>
+                      </a:r>
+                      <a:endParaRPr lang="ru-RU" sz="1400" dirty="0">
+                        <a:solidFill>
+                          <a:schemeClr val="tx1"/>
+                        </a:solidFill>
+                      </a:endParaRPr>
+                    </a:p>
+                  </a:txBody>
+                  <a:tcPr>
+                    <a:lnL w="12700" cap="flat" cmpd="sng" algn="ctr">
+                      <a:solidFill>
+                        <a:schemeClr val="tx1"/>
+                      </a:solidFill>
+                      <a:prstDash val="solid"/>
+                      <a:round/>
+                      <a:headEnd type="none" w="med" len="med"/>
+                      <a:tailEnd type="none" w="med" len="med"/>
+                    </a:lnL>
+                    <a:lnR w="12700" cap="flat" cmpd="sng" algn="ctr">
+                      <a:solidFill>
+                        <a:schemeClr val="tx1"/>
+                      </a:solidFill>
+                      <a:prstDash val="solid"/>
+                      <a:round/>
+                      <a:headEnd type="none" w="med" len="med"/>
+                      <a:tailEnd type="none" w="med" len="med"/>
+                    </a:lnR>
+                    <a:lnT w="12700" cap="flat" cmpd="sng" algn="ctr">
+                      <a:solidFill>
+                        <a:schemeClr val="tx1"/>
+                      </a:solidFill>
+                      <a:prstDash val="solid"/>
+                      <a:round/>
+                      <a:headEnd type="none" w="med" len="med"/>
+                      <a:tailEnd type="none" w="med" len="med"/>
+                    </a:lnT>
+                    <a:lnB w="12700" cap="flat" cmpd="sng" algn="ctr">
+                      <a:solidFill>
+                        <a:schemeClr val="tx1"/>
+                      </a:solidFill>
+                      <a:prstDash val="solid"/>
+                      <a:round/>
+                      <a:headEnd type="none" w="med" len="med"/>
+                      <a:tailEnd type="none" w="med" len="med"/>
+                    </a:lnB>
+                    <a:noFill/>
+                  </a:tcPr>
+                </a:tc>
+                <a:tc>
+                  <a:txBody>
+                    <a:bodyPr/>
+                    <a:lstStyle/>
+                    <a:p>
+                      <a:r>
+                        <a:rPr lang="ru-RU" sz="1400" dirty="0" smtClean="0">
+                          <a:solidFill>
+                            <a:schemeClr val="tx1"/>
+                          </a:solidFill>
+                        </a:rPr>
+                        <a:t>запись</a:t>
+                      </a:r>
+                      <a:endParaRPr lang="ru-RU" sz="1400" dirty="0">
+                        <a:solidFill>
+                          <a:schemeClr val="tx1"/>
+                        </a:solidFill>
+                      </a:endParaRPr>
+                    </a:p>
+                  </a:txBody>
+                  <a:tcPr>
+                    <a:lnL w="12700" cap="flat" cmpd="sng" algn="ctr">
+                      <a:solidFill>
+                        <a:schemeClr val="tx1"/>
+                      </a:solidFill>
+                      <a:prstDash val="solid"/>
+                      <a:round/>
+                      <a:headEnd type="none" w="med" len="med"/>
+                      <a:tailEnd type="none" w="med" len="med"/>
+                    </a:lnL>
+                    <a:lnR w="12700" cap="flat" cmpd="sng" algn="ctr">
+                      <a:solidFill>
+                        <a:schemeClr val="tx1"/>
+                      </a:solidFill>
+                      <a:prstDash val="solid"/>
+                      <a:round/>
+                      <a:headEnd type="none" w="med" len="med"/>
+                      <a:tailEnd type="none" w="med" len="med"/>
+                    </a:lnR>
+                    <a:lnT w="12700" cap="flat" cmpd="sng" algn="ctr">
+                      <a:solidFill>
+                        <a:schemeClr val="tx1"/>
+                      </a:solidFill>
+                      <a:prstDash val="solid"/>
+                      <a:round/>
+                      <a:headEnd type="none" w="med" len="med"/>
+                      <a:tailEnd type="none" w="med" len="med"/>
+                    </a:lnT>
+                    <a:lnB w="12700" cap="flat" cmpd="sng" algn="ctr">
+                      <a:solidFill>
+                        <a:schemeClr val="tx1"/>
+                      </a:solidFill>
+                      <a:prstDash val="solid"/>
+                      <a:round/>
+                      <a:headEnd type="none" w="med" len="med"/>
+                      <a:tailEnd type="none" w="med" len="med"/>
+                    </a:lnB>
+                    <a:noFill/>
+                  </a:tcPr>
+                </a:tc>
+              </a:tr>
+              <a:tr h="269288">
+                <a:tc>
+                  <a:txBody>
+                    <a:bodyPr/>
+                    <a:lstStyle/>
+                    <a:p>
+                      <a:r>
+                        <a:rPr lang="en-US" sz="1400" dirty="0" smtClean="0">
+                          <a:solidFill>
+                            <a:schemeClr val="tx1"/>
+                          </a:solidFill>
+                        </a:rPr>
+                        <a:t>y</a:t>
+                      </a:r>
+                      <a:endParaRPr lang="ru-RU" sz="1400" dirty="0">
+                        <a:solidFill>
+                          <a:schemeClr val="tx1"/>
+                        </a:solidFill>
+                      </a:endParaRPr>
+                    </a:p>
+                  </a:txBody>
+                  <a:tcPr>
+                    <a:lnL w="12700" cap="flat" cmpd="sng" algn="ctr">
+                      <a:solidFill>
+                        <a:schemeClr val="tx1"/>
+                      </a:solidFill>
+                      <a:prstDash val="solid"/>
+                      <a:round/>
+                      <a:headEnd type="none" w="med" len="med"/>
+                      <a:tailEnd type="none" w="med" len="med"/>
+                    </a:lnL>
+                    <a:lnR w="12700" cap="flat" cmpd="sng" algn="ctr">
+                      <a:solidFill>
+                        <a:schemeClr val="tx1"/>
+                      </a:solidFill>
+                      <a:prstDash val="solid"/>
+                      <a:round/>
+                      <a:headEnd type="none" w="med" len="med"/>
+                      <a:tailEnd type="none" w="med" len="med"/>
+                    </a:lnR>
+                    <a:lnT w="12700" cap="flat" cmpd="sng" algn="ctr">
+                      <a:solidFill>
+                        <a:schemeClr val="tx1"/>
+                      </a:solidFill>
+                      <a:prstDash val="solid"/>
+                      <a:round/>
+                      <a:headEnd type="none" w="med" len="med"/>
+                      <a:tailEnd type="none" w="med" len="med"/>
+                    </a:lnT>
+                    <a:lnB w="12700" cap="flat" cmpd="sng" algn="ctr">
+                      <a:solidFill>
+                        <a:schemeClr val="tx1"/>
+                      </a:solidFill>
+                      <a:prstDash val="solid"/>
+                      <a:round/>
+                      <a:headEnd type="none" w="med" len="med"/>
+                      <a:tailEnd type="none" w="med" len="med"/>
+                    </a:lnB>
+                    <a:noFill/>
+                  </a:tcPr>
+                </a:tc>
+                <a:tc>
+                  <a:txBody>
+                    <a:bodyPr/>
+                    <a:lstStyle/>
+                    <a:p>
+                      <a:r>
+                        <a:rPr lang="en-US" sz="1400" dirty="0" smtClean="0">
+                          <a:solidFill>
+                            <a:schemeClr val="tx1"/>
+                          </a:solidFill>
+                        </a:rPr>
+                        <a:t>({</a:t>
+                      </a:r>
+                      <a:r>
+                        <a:rPr lang="en-US" sz="1400" dirty="0" smtClean="0">
+                          <a:solidFill>
+                            <a:schemeClr val="tx1"/>
+                          </a:solidFill>
+                        </a:rPr>
+                        <a:t>m2},</a:t>
+                      </a:r>
+                      <a:r>
+                        <a:rPr lang="en-US" sz="1400" baseline="0" dirty="0" smtClean="0">
+                          <a:solidFill>
+                            <a:schemeClr val="tx1"/>
+                          </a:solidFill>
+                        </a:rPr>
+                        <a:t> </a:t>
+                      </a:r>
+                      <a:r>
+                        <a:rPr lang="en-US" sz="1400" baseline="0" dirty="0" smtClean="0">
+                          <a:solidFill>
+                            <a:schemeClr val="tx1"/>
+                          </a:solidFill>
+                        </a:rPr>
+                        <a:t>{})</a:t>
+                      </a:r>
+                      <a:endParaRPr lang="ru-RU" sz="1400" dirty="0">
+                        <a:solidFill>
+                          <a:schemeClr val="tx1"/>
+                        </a:solidFill>
+                      </a:endParaRPr>
+                    </a:p>
+                  </a:txBody>
+                  <a:tcPr>
+                    <a:lnL w="12700" cap="flat" cmpd="sng" algn="ctr">
+                      <a:solidFill>
+                        <a:schemeClr val="tx1"/>
+                      </a:solidFill>
+                      <a:prstDash val="solid"/>
+                      <a:round/>
+                      <a:headEnd type="none" w="med" len="med"/>
+                      <a:tailEnd type="none" w="med" len="med"/>
+                    </a:lnL>
+                    <a:lnR w="12700" cap="flat" cmpd="sng" algn="ctr">
+                      <a:solidFill>
+                        <a:schemeClr val="tx1"/>
+                      </a:solidFill>
+                      <a:prstDash val="solid"/>
+                      <a:round/>
+                      <a:headEnd type="none" w="med" len="med"/>
+                      <a:tailEnd type="none" w="med" len="med"/>
+                    </a:lnR>
+                    <a:lnT w="12700" cap="flat" cmpd="sng" algn="ctr">
+                      <a:solidFill>
+                        <a:schemeClr val="tx1"/>
+                      </a:solidFill>
+                      <a:prstDash val="solid"/>
+                      <a:round/>
+                      <a:headEnd type="none" w="med" len="med"/>
+                      <a:tailEnd type="none" w="med" len="med"/>
+                    </a:lnT>
+                    <a:lnB w="12700" cap="flat" cmpd="sng" algn="ctr">
+                      <a:solidFill>
+                        <a:schemeClr val="tx1"/>
+                      </a:solidFill>
+                      <a:prstDash val="solid"/>
+                      <a:round/>
+                      <a:headEnd type="none" w="med" len="med"/>
+                      <a:tailEnd type="none" w="med" len="med"/>
+                    </a:lnB>
+                    <a:noFill/>
+                  </a:tcPr>
+                </a:tc>
+                <a:tc>
+                  <a:txBody>
+                    <a:bodyPr/>
+                    <a:lstStyle/>
+                    <a:p>
+                      <a:r>
+                        <a:rPr lang="ru-RU" sz="1400" dirty="0" smtClean="0">
+                          <a:solidFill>
+                            <a:schemeClr val="tx1"/>
+                          </a:solidFill>
+                        </a:rPr>
+                        <a:t>чтение</a:t>
+                      </a:r>
+                      <a:endParaRPr lang="ru-RU" sz="1400" dirty="0">
+                        <a:solidFill>
+                          <a:schemeClr val="tx1"/>
+                        </a:solidFill>
+                      </a:endParaRPr>
+                    </a:p>
+                  </a:txBody>
+                  <a:tcPr>
+                    <a:lnL w="12700" cap="flat" cmpd="sng" algn="ctr">
+                      <a:solidFill>
+                        <a:schemeClr val="tx1"/>
+                      </a:solidFill>
+                      <a:prstDash val="solid"/>
+                      <a:round/>
+                      <a:headEnd type="none" w="med" len="med"/>
+                      <a:tailEnd type="none" w="med" len="med"/>
+                    </a:lnL>
+                    <a:lnR w="12700" cap="flat" cmpd="sng" algn="ctr">
+                      <a:solidFill>
+                        <a:schemeClr val="tx1"/>
+                      </a:solidFill>
+                      <a:prstDash val="solid"/>
+                      <a:round/>
+                      <a:headEnd type="none" w="med" len="med"/>
+                      <a:tailEnd type="none" w="med" len="med"/>
+                    </a:lnR>
+                    <a:lnT w="12700" cap="flat" cmpd="sng" algn="ctr">
+                      <a:solidFill>
+                        <a:schemeClr val="tx1"/>
+                      </a:solidFill>
+                      <a:prstDash val="solid"/>
+                      <a:round/>
+                      <a:headEnd type="none" w="med" len="med"/>
+                      <a:tailEnd type="none" w="med" len="med"/>
+                    </a:lnT>
+                    <a:lnB w="12700" cap="flat" cmpd="sng" algn="ctr">
+                      <a:solidFill>
+                        <a:schemeClr val="tx1"/>
+                      </a:solidFill>
+                      <a:prstDash val="solid"/>
+                      <a:round/>
+                      <a:headEnd type="none" w="med" len="med"/>
+                      <a:tailEnd type="none" w="med" len="med"/>
+                    </a:lnB>
+                    <a:noFill/>
+                  </a:tcPr>
+                </a:tc>
+              </a:tr>
+              <a:tr h="269288">
+                <a:tc>
+                  <a:txBody>
+                    <a:bodyPr/>
+                    <a:lstStyle/>
+                    <a:p>
+                      <a:r>
+                        <a:rPr lang="en-US" sz="1400" dirty="0" smtClean="0">
+                          <a:solidFill>
+                            <a:schemeClr val="tx1"/>
+                          </a:solidFill>
+                        </a:rPr>
+                        <a:t>y</a:t>
+                      </a:r>
+                      <a:endParaRPr lang="ru-RU" sz="1400" dirty="0">
+                        <a:solidFill>
+                          <a:schemeClr val="tx1"/>
+                        </a:solidFill>
+                      </a:endParaRPr>
+                    </a:p>
+                  </a:txBody>
+                  <a:tcPr>
+                    <a:lnL w="12700" cap="flat" cmpd="sng" algn="ctr">
+                      <a:solidFill>
+                        <a:schemeClr val="tx1"/>
+                      </a:solidFill>
+                      <a:prstDash val="solid"/>
+                      <a:round/>
+                      <a:headEnd type="none" w="med" len="med"/>
+                      <a:tailEnd type="none" w="med" len="med"/>
+                    </a:lnL>
+                    <a:lnR w="12700" cap="flat" cmpd="sng" algn="ctr">
+                      <a:solidFill>
+                        <a:schemeClr val="tx1"/>
+                      </a:solidFill>
+                      <a:prstDash val="solid"/>
+                      <a:round/>
+                      <a:headEnd type="none" w="med" len="med"/>
+                      <a:tailEnd type="none" w="med" len="med"/>
+                    </a:lnR>
+                    <a:lnT w="12700" cap="flat" cmpd="sng" algn="ctr">
+                      <a:solidFill>
+                        <a:schemeClr val="tx1"/>
+                      </a:solidFill>
+                      <a:prstDash val="solid"/>
+                      <a:round/>
+                      <a:headEnd type="none" w="med" len="med"/>
+                      <a:tailEnd type="none" w="med" len="med"/>
+                    </a:lnT>
+                    <a:lnB w="12700" cap="flat" cmpd="sng" algn="ctr">
+                      <a:solidFill>
+                        <a:schemeClr val="tx1"/>
+                      </a:solidFill>
+                      <a:prstDash val="solid"/>
+                      <a:round/>
+                      <a:headEnd type="none" w="med" len="med"/>
+                      <a:tailEnd type="none" w="med" len="med"/>
+                    </a:lnB>
+                    <a:noFill/>
+                  </a:tcPr>
+                </a:tc>
+                <a:tc>
+                  <a:txBody>
+                    <a:bodyPr/>
+                    <a:lstStyle/>
+                    <a:p>
+                      <a:r>
+                        <a:rPr lang="en-US" sz="1400" dirty="0" smtClean="0">
+                          <a:solidFill>
+                            <a:schemeClr val="tx1"/>
+                          </a:solidFill>
+                        </a:rPr>
+                        <a:t>({m2},</a:t>
+                      </a:r>
+                      <a:r>
+                        <a:rPr lang="en-US" sz="1400" baseline="0" dirty="0" smtClean="0">
+                          <a:solidFill>
+                            <a:schemeClr val="tx1"/>
+                          </a:solidFill>
+                        </a:rPr>
+                        <a:t> {})</a:t>
+                      </a:r>
+                      <a:endParaRPr lang="ru-RU" sz="1400" dirty="0">
+                        <a:solidFill>
+                          <a:schemeClr val="tx1"/>
+                        </a:solidFill>
+                      </a:endParaRPr>
+                    </a:p>
+                  </a:txBody>
+                  <a:tcPr>
+                    <a:lnL w="12700" cap="flat" cmpd="sng" algn="ctr">
+                      <a:solidFill>
+                        <a:schemeClr val="tx1"/>
+                      </a:solidFill>
+                      <a:prstDash val="solid"/>
+                      <a:round/>
+                      <a:headEnd type="none" w="med" len="med"/>
+                      <a:tailEnd type="none" w="med" len="med"/>
+                    </a:lnL>
+                    <a:lnR w="12700" cap="flat" cmpd="sng" algn="ctr">
+                      <a:solidFill>
+                        <a:schemeClr val="tx1"/>
+                      </a:solidFill>
+                      <a:prstDash val="solid"/>
+                      <a:round/>
+                      <a:headEnd type="none" w="med" len="med"/>
+                      <a:tailEnd type="none" w="med" len="med"/>
+                    </a:lnR>
+                    <a:lnT w="12700" cap="flat" cmpd="sng" algn="ctr">
+                      <a:solidFill>
+                        <a:schemeClr val="tx1"/>
+                      </a:solidFill>
+                      <a:prstDash val="solid"/>
+                      <a:round/>
+                      <a:headEnd type="none" w="med" len="med"/>
+                      <a:tailEnd type="none" w="med" len="med"/>
+                    </a:lnT>
+                    <a:lnB w="12700" cap="flat" cmpd="sng" algn="ctr">
+                      <a:solidFill>
+                        <a:schemeClr val="tx1"/>
+                      </a:solidFill>
+                      <a:prstDash val="solid"/>
+                      <a:round/>
+                      <a:headEnd type="none" w="med" len="med"/>
+                      <a:tailEnd type="none" w="med" len="med"/>
+                    </a:lnB>
+                    <a:noFill/>
+                  </a:tcPr>
+                </a:tc>
+                <a:tc>
+                  <a:txBody>
+                    <a:bodyPr/>
+                    <a:lstStyle/>
+                    <a:p>
+                      <a:r>
+                        <a:rPr lang="ru-RU" sz="1400" dirty="0" smtClean="0">
+                          <a:solidFill>
+                            <a:schemeClr val="tx1"/>
+                          </a:solidFill>
+                        </a:rPr>
+                        <a:t>запись</a:t>
+                      </a:r>
+                      <a:endParaRPr lang="ru-RU" sz="1400" dirty="0">
+                        <a:solidFill>
+                          <a:schemeClr val="tx1"/>
+                        </a:solidFill>
+                      </a:endParaRPr>
+                    </a:p>
+                  </a:txBody>
+                  <a:tcPr>
+                    <a:lnL w="12700" cap="flat" cmpd="sng" algn="ctr">
+                      <a:solidFill>
+                        <a:schemeClr val="tx1"/>
+                      </a:solidFill>
+                      <a:prstDash val="solid"/>
+                      <a:round/>
+                      <a:headEnd type="none" w="med" len="med"/>
+                      <a:tailEnd type="none" w="med" len="med"/>
+                    </a:lnL>
+                    <a:lnR w="12700" cap="flat" cmpd="sng" algn="ctr">
+                      <a:solidFill>
+                        <a:schemeClr val="tx1"/>
+                      </a:solidFill>
+                      <a:prstDash val="solid"/>
+                      <a:round/>
+                      <a:headEnd type="none" w="med" len="med"/>
+                      <a:tailEnd type="none" w="med" len="med"/>
+                    </a:lnR>
+                    <a:lnT w="12700" cap="flat" cmpd="sng" algn="ctr">
+                      <a:solidFill>
+                        <a:schemeClr val="tx1"/>
+                      </a:solidFill>
+                      <a:prstDash val="solid"/>
+                      <a:round/>
+                      <a:headEnd type="none" w="med" len="med"/>
+                      <a:tailEnd type="none" w="med" len="med"/>
+                    </a:lnT>
+                    <a:lnB w="12700" cap="flat" cmpd="sng" algn="ctr">
+                      <a:solidFill>
+                        <a:schemeClr val="tx1"/>
+                      </a:solidFill>
+                      <a:prstDash val="solid"/>
+                      <a:round/>
+                      <a:headEnd type="none" w="med" len="med"/>
+                      <a:tailEnd type="none" w="med" len="med"/>
+                    </a:lnB>
+                    <a:noFill/>
+                  </a:tcPr>
+                </a:tc>
+              </a:tr>
+            </a:tbl>
+          </a:graphicData>
+        </a:graphic>
+      </p:graphicFrame>
+      <p:sp>
+        <p:nvSpPr>
+          <p:cNvPr id="8" name="Левая фигурная скобка 7"/>
+          <p:cNvSpPr/>
+          <p:nvPr/>
+        </p:nvSpPr>
+        <p:spPr>
+          <a:xfrm>
+            <a:off x="4932040" y="3068960"/>
+            <a:ext cx="144016" cy="576064"/>
+          </a:xfrm>
+          <a:prstGeom prst="leftBrace">
+            <a:avLst/>
+          </a:prstGeom>
+        </p:spPr>
+        <p:style>
+          <a:lnRef idx="1">
+            <a:schemeClr val="accent1"/>
+          </a:lnRef>
+          <a:fillRef idx="0">
+            <a:schemeClr val="accent1"/>
+          </a:fillRef>
+          <a:effectRef idx="0">
+            <a:schemeClr val="accent1"/>
+          </a:effectRef>
+          <a:fontRef idx="minor">
+            <a:schemeClr val="tx1"/>
+          </a:fontRef>
+        </p:style>
+        <p:txBody>
+          <a:bodyPr rtlCol="0" anchor="ctr"/>
+          <a:lstStyle/>
+          <a:p>
+            <a:pPr algn="ctr"/>
+            <a:endParaRPr lang="ru-RU"/>
+          </a:p>
+        </p:txBody>
+      </p:sp>
+      <p:cxnSp>
+        <p:nvCxnSpPr>
+          <p:cNvPr id="10" name="Прямая соединительная линия 9"/>
+          <p:cNvCxnSpPr>
+            <a:endCxn id="8" idx="1"/>
+          </p:cNvCxnSpPr>
+          <p:nvPr/>
+        </p:nvCxnSpPr>
+        <p:spPr>
+          <a:xfrm flipV="1">
+            <a:off x="1835696" y="3356992"/>
+            <a:ext cx="3096344" cy="72008"/>
+          </a:xfrm>
+          <a:prstGeom prst="line">
+            <a:avLst/>
+          </a:prstGeom>
+        </p:spPr>
+        <p:style>
+          <a:lnRef idx="1">
+            <a:schemeClr val="accent1"/>
+          </a:lnRef>
+          <a:fillRef idx="0">
+            <a:schemeClr val="accent1"/>
+          </a:fillRef>
+          <a:effectRef idx="0">
+            <a:schemeClr val="accent1"/>
+          </a:effectRef>
+          <a:fontRef idx="minor">
+            <a:schemeClr val="tx1"/>
+          </a:fontRef>
+        </p:style>
+      </p:cxnSp>
+      <p:sp>
+        <p:nvSpPr>
+          <p:cNvPr id="11" name="Левая фигурная скобка 10"/>
+          <p:cNvSpPr/>
+          <p:nvPr/>
+        </p:nvSpPr>
+        <p:spPr>
+          <a:xfrm>
+            <a:off x="4932040" y="3717032"/>
+            <a:ext cx="144016" cy="576064"/>
+          </a:xfrm>
+          <a:prstGeom prst="leftBrace">
+            <a:avLst/>
+          </a:prstGeom>
+        </p:spPr>
+        <p:style>
+          <a:lnRef idx="1">
+            <a:schemeClr val="accent1"/>
+          </a:lnRef>
+          <a:fillRef idx="0">
+            <a:schemeClr val="accent1"/>
+          </a:fillRef>
+          <a:effectRef idx="0">
+            <a:schemeClr val="accent1"/>
+          </a:effectRef>
+          <a:fontRef idx="minor">
+            <a:schemeClr val="tx1"/>
+          </a:fontRef>
+        </p:style>
+        <p:txBody>
+          <a:bodyPr rtlCol="0" anchor="ctr"/>
+          <a:lstStyle/>
+          <a:p>
+            <a:pPr algn="ctr"/>
+            <a:endParaRPr lang="ru-RU"/>
+          </a:p>
+        </p:txBody>
+      </p:sp>
+      <p:cxnSp>
+        <p:nvCxnSpPr>
+          <p:cNvPr id="13" name="Прямая соединительная линия 12"/>
+          <p:cNvCxnSpPr>
+            <a:endCxn id="11" idx="1"/>
+          </p:cNvCxnSpPr>
+          <p:nvPr/>
+        </p:nvCxnSpPr>
+        <p:spPr>
+          <a:xfrm flipV="1">
+            <a:off x="1907704" y="4005064"/>
+            <a:ext cx="3024336" cy="432048"/>
+          </a:xfrm>
+          <a:prstGeom prst="line">
+            <a:avLst/>
+          </a:prstGeom>
+        </p:spPr>
+        <p:style>
+          <a:lnRef idx="1">
+            <a:schemeClr val="accent1"/>
+          </a:lnRef>
+          <a:fillRef idx="0">
+            <a:schemeClr val="accent1"/>
+          </a:fillRef>
+          <a:effectRef idx="0">
+            <a:schemeClr val="accent1"/>
+          </a:effectRef>
+          <a:fontRef idx="minor">
+            <a:schemeClr val="tx1"/>
+          </a:fontRef>
+        </p:style>
+      </p:cxnSp>
     </p:spTree>
   </p:cSld>
   <p:clrMapOvr>
@@ -16003,30 +16402,7 @@
           <a:p>
             <a:r>
               <a:rPr lang="ru-RU" dirty="0" smtClean="0"/>
-              <a:t>Определение мест возможного возникновения гонок</a:t>
-            </a:r>
-            <a:endParaRPr lang="ru-RU" dirty="0"/>
-          </a:p>
-        </p:txBody>
-      </p:sp>
-      <p:sp>
-        <p:nvSpPr>
-          <p:cNvPr id="3" name="Содержимое 2"/>
-          <p:cNvSpPr>
-            <a:spLocks noGrp="1"/>
-          </p:cNvSpPr>
-          <p:nvPr>
-            <p:ph idx="1"/>
-          </p:nvPr>
-        </p:nvSpPr>
-        <p:spPr/>
-        <p:txBody>
-          <a:bodyPr/>
-          <a:lstStyle/>
-          <a:p>
-            <a:r>
-              <a:rPr lang="ru-RU" dirty="0" smtClean="0"/>
-              <a:t>Тут будет пример</a:t>
+              <a:t>Формирование таблиц защищённого доступа</a:t>
             </a:r>
             <a:endParaRPr lang="ru-RU" dirty="0"/>
           </a:p>
@@ -16056,6 +16432,2598 @@
           </a:p>
         </p:txBody>
       </p:sp>
+      <p:sp>
+        <p:nvSpPr>
+          <p:cNvPr id="5" name="Rectangle 4"/>
+          <p:cNvSpPr>
+            <a:spLocks noChangeArrowheads="1"/>
+          </p:cNvSpPr>
+          <p:nvPr/>
+        </p:nvSpPr>
+        <p:spPr bwMode="auto">
+          <a:xfrm>
+            <a:off x="251520" y="2565484"/>
+            <a:ext cx="4536504" cy="3108543"/>
+          </a:xfrm>
+          <a:prstGeom prst="rect">
+            <a:avLst/>
+          </a:prstGeom>
+          <a:noFill/>
+          <a:ln w="9525">
+            <a:noFill/>
+            <a:miter lim="800000"/>
+            <a:headEnd/>
+            <a:tailEnd/>
+          </a:ln>
+          <a:effectLst/>
+        </p:spPr>
+        <p:txBody>
+          <a:bodyPr vert="horz" wrap="square" lIns="91440" tIns="45720" rIns="91440" bIns="45720" numCol="1" anchor="ctr" anchorCtr="0" compatLnSpc="1">
+            <a:prstTxWarp prst="textNoShape">
+              <a:avLst/>
+            </a:prstTxWarp>
+            <a:spAutoFit/>
+          </a:bodyPr>
+          <a:lstStyle/>
+          <a:p>
+            <a:pPr marL="0" marR="0" lvl="0" indent="0" algn="l" defTabSz="914400" rtl="0" eaLnBrk="1" fontAlgn="base" latinLnBrk="0" hangingPunct="1">
+              <a:lnSpc>
+                <a:spcPct val="100000"/>
+              </a:lnSpc>
+              <a:spcBef>
+                <a:spcPct val="0"/>
+              </a:spcBef>
+              <a:spcAft>
+                <a:spcPct val="0"/>
+              </a:spcAft>
+              <a:buClrTx/>
+              <a:buSzTx/>
+              <a:buFontTx/>
+              <a:buNone/>
+              <a:tabLst/>
+            </a:pPr>
+            <a:r>
+              <a:rPr kumimoji="0" lang="ru-RU" sz="1400" b="0" i="0" u="none" strike="noStrike" cap="none" normalizeH="0" baseline="0" dirty="0" err="1" smtClean="0">
+                <a:ln>
+                  <a:noFill/>
+                </a:ln>
+                <a:solidFill>
+                  <a:srgbClr val="000000"/>
+                </a:solidFill>
+                <a:effectLst/>
+                <a:latin typeface="Arial Unicode MS" pitchFamily="34" charset="-128"/>
+                <a:cs typeface="Arial" pitchFamily="34" charset="0"/>
+              </a:rPr>
+              <a:t>void</a:t>
+            </a:r>
+            <a:r>
+              <a:rPr kumimoji="0" lang="ru-RU" sz="1400" b="0" i="0" u="none" strike="noStrike" cap="none" normalizeH="0" baseline="0" dirty="0" smtClean="0">
+                <a:ln>
+                  <a:noFill/>
+                </a:ln>
+                <a:solidFill>
+                  <a:srgbClr val="000000"/>
+                </a:solidFill>
+                <a:effectLst/>
+                <a:latin typeface="Arial Unicode MS" pitchFamily="34" charset="-128"/>
+                <a:cs typeface="Arial" pitchFamily="34" charset="0"/>
+              </a:rPr>
+              <a:t>* thread2() </a:t>
+            </a:r>
+            <a:r>
+              <a:rPr kumimoji="0" lang="ru-RU" sz="1400" b="0" i="0" u="none" strike="noStrike" cap="none" normalizeH="0" baseline="0" dirty="0" smtClean="0">
+                <a:ln>
+                  <a:noFill/>
+                </a:ln>
+                <a:solidFill>
+                  <a:srgbClr val="800080"/>
+                </a:solidFill>
+                <a:effectLst/>
+                <a:latin typeface="Arial Unicode MS" pitchFamily="34" charset="-128"/>
+                <a:cs typeface="Arial" pitchFamily="34" charset="0"/>
+              </a:rPr>
+              <a:t>{</a:t>
+            </a:r>
+            <a:r>
+              <a:rPr kumimoji="0" lang="ru-RU" sz="1400" b="0" i="0" u="none" strike="noStrike" cap="none" normalizeH="0" baseline="0" dirty="0" smtClean="0">
+                <a:ln>
+                  <a:noFill/>
+                </a:ln>
+                <a:solidFill>
+                  <a:srgbClr val="000000"/>
+                </a:solidFill>
+                <a:effectLst/>
+                <a:latin typeface="Arial Unicode MS" pitchFamily="34" charset="-128"/>
+                <a:cs typeface="Arial" pitchFamily="34" charset="0"/>
+              </a:rPr>
+              <a:t> </a:t>
+            </a:r>
+          </a:p>
+          <a:p>
+            <a:pPr marL="0" marR="0" lvl="0" indent="0" algn="l" defTabSz="914400" rtl="0" eaLnBrk="1" fontAlgn="base" latinLnBrk="0" hangingPunct="1">
+              <a:lnSpc>
+                <a:spcPct val="100000"/>
+              </a:lnSpc>
+              <a:spcBef>
+                <a:spcPct val="0"/>
+              </a:spcBef>
+              <a:spcAft>
+                <a:spcPct val="0"/>
+              </a:spcAft>
+              <a:buClrTx/>
+              <a:buSzTx/>
+              <a:buFontTx/>
+              <a:buNone/>
+              <a:tabLst/>
+            </a:pPr>
+            <a:r>
+              <a:rPr lang="ru-RU" sz="1400" dirty="0" smtClean="0">
+                <a:solidFill>
+                  <a:srgbClr val="000000"/>
+                </a:solidFill>
+                <a:latin typeface="Arial Unicode MS" pitchFamily="34" charset="-128"/>
+                <a:cs typeface="Arial" pitchFamily="34" charset="0"/>
+              </a:rPr>
+              <a:t> </a:t>
+            </a:r>
+            <a:r>
+              <a:rPr lang="ru-RU" sz="1400" dirty="0" smtClean="0">
+                <a:solidFill>
+                  <a:srgbClr val="000000"/>
+                </a:solidFill>
+                <a:latin typeface="Arial Unicode MS" pitchFamily="34" charset="-128"/>
+                <a:cs typeface="Arial" pitchFamily="34" charset="0"/>
+              </a:rPr>
+              <a:t>      </a:t>
+            </a:r>
+            <a:r>
+              <a:rPr kumimoji="0" lang="ru-RU" sz="1400" b="0" i="0" u="none" strike="noStrike" cap="none" normalizeH="0" baseline="0" dirty="0" smtClean="0">
+                <a:ln>
+                  <a:noFill/>
+                </a:ln>
+                <a:solidFill>
+                  <a:srgbClr val="696969"/>
+                </a:solidFill>
+                <a:effectLst/>
+                <a:latin typeface="Arial Unicode MS" pitchFamily="34" charset="-128"/>
+                <a:cs typeface="Arial" pitchFamily="34" charset="0"/>
+              </a:rPr>
+              <a:t>// в начале функции таблица пустая</a:t>
+            </a:r>
+            <a:r>
+              <a:rPr kumimoji="0" lang="ru-RU" sz="1400" b="0" i="0" u="none" strike="noStrike" cap="none" normalizeH="0" baseline="0" dirty="0" smtClean="0">
+                <a:ln>
+                  <a:noFill/>
+                </a:ln>
+                <a:solidFill>
+                  <a:srgbClr val="000000"/>
+                </a:solidFill>
+                <a:effectLst/>
+                <a:latin typeface="Arial Unicode MS" pitchFamily="34" charset="-128"/>
+                <a:cs typeface="Arial" pitchFamily="34" charset="0"/>
+              </a:rPr>
+              <a:t> </a:t>
+            </a:r>
+          </a:p>
+          <a:p>
+            <a:pPr marL="0" marR="0" lvl="0" indent="0" algn="l" defTabSz="914400" rtl="0" eaLnBrk="1" fontAlgn="base" latinLnBrk="0" hangingPunct="1">
+              <a:lnSpc>
+                <a:spcPct val="100000"/>
+              </a:lnSpc>
+              <a:spcBef>
+                <a:spcPct val="0"/>
+              </a:spcBef>
+              <a:spcAft>
+                <a:spcPct val="0"/>
+              </a:spcAft>
+              <a:buClrTx/>
+              <a:buSzTx/>
+              <a:buFontTx/>
+              <a:buNone/>
+              <a:tabLst/>
+            </a:pPr>
+            <a:r>
+              <a:rPr kumimoji="0" lang="ru-RU" sz="1400" b="0" i="0" u="none" strike="noStrike" cap="none" normalizeH="0" baseline="0" dirty="0" smtClean="0">
+                <a:ln>
+                  <a:noFill/>
+                </a:ln>
+                <a:solidFill>
+                  <a:srgbClr val="000000"/>
+                </a:solidFill>
+                <a:effectLst/>
+                <a:latin typeface="Arial Unicode MS" pitchFamily="34" charset="-128"/>
+                <a:cs typeface="Arial" pitchFamily="34" charset="0"/>
+              </a:rPr>
+              <a:t>       </a:t>
+            </a:r>
+            <a:r>
+              <a:rPr kumimoji="0" lang="ru-RU" sz="1400" b="0" i="0" u="none" strike="noStrike" cap="none" normalizeH="0" baseline="0" dirty="0" err="1" smtClean="0">
+                <a:ln>
+                  <a:noFill/>
+                </a:ln>
+                <a:solidFill>
+                  <a:srgbClr val="000000"/>
+                </a:solidFill>
+                <a:effectLst/>
+                <a:latin typeface="Arial Unicode MS" pitchFamily="34" charset="-128"/>
+                <a:cs typeface="Arial" pitchFamily="34" charset="0"/>
+              </a:rPr>
+              <a:t>incr</a:t>
+            </a:r>
+            <a:r>
+              <a:rPr kumimoji="0" lang="ru-RU" sz="1400" b="0" i="0" u="none" strike="noStrike" cap="none" normalizeH="0" baseline="0" dirty="0" smtClean="0">
+                <a:ln>
+                  <a:noFill/>
+                </a:ln>
+                <a:solidFill>
+                  <a:srgbClr val="808030"/>
+                </a:solidFill>
+                <a:effectLst/>
+                <a:latin typeface="Arial Unicode MS" pitchFamily="34" charset="-128"/>
+                <a:cs typeface="Arial" pitchFamily="34" charset="0"/>
+              </a:rPr>
+              <a:t>(&amp;</a:t>
+            </a:r>
+            <a:r>
+              <a:rPr kumimoji="0" lang="ru-RU" sz="1400" b="0" i="0" u="none" strike="noStrike" cap="none" normalizeH="0" baseline="0" dirty="0" err="1" smtClean="0">
+                <a:ln>
+                  <a:noFill/>
+                </a:ln>
+                <a:solidFill>
+                  <a:srgbClr val="000000"/>
+                </a:solidFill>
+                <a:effectLst/>
+                <a:latin typeface="Arial Unicode MS" pitchFamily="34" charset="-128"/>
+                <a:cs typeface="Arial" pitchFamily="34" charset="0"/>
+              </a:rPr>
+              <a:t>x</a:t>
+            </a:r>
+            <a:r>
+              <a:rPr kumimoji="0" lang="ru-RU" sz="1400" b="0" i="0" u="none" strike="noStrike" cap="none" normalizeH="0" baseline="0" dirty="0" smtClean="0">
+                <a:ln>
+                  <a:noFill/>
+                </a:ln>
+                <a:solidFill>
+                  <a:srgbClr val="808030"/>
+                </a:solidFill>
+                <a:effectLst/>
+                <a:latin typeface="Arial Unicode MS" pitchFamily="34" charset="-128"/>
+                <a:cs typeface="Arial" pitchFamily="34" charset="0"/>
+              </a:rPr>
+              <a:t>,</a:t>
+            </a:r>
+            <a:r>
+              <a:rPr kumimoji="0" lang="ru-RU" sz="1400" b="0" i="0" u="none" strike="noStrike" cap="none" normalizeH="0" baseline="0" dirty="0" smtClean="0">
+                <a:ln>
+                  <a:noFill/>
+                </a:ln>
+                <a:solidFill>
+                  <a:srgbClr val="000000"/>
+                </a:solidFill>
+                <a:effectLst/>
+                <a:latin typeface="Arial Unicode MS" pitchFamily="34" charset="-128"/>
+                <a:cs typeface="Arial" pitchFamily="34" charset="0"/>
+              </a:rPr>
+              <a:t> </a:t>
+            </a:r>
+            <a:r>
+              <a:rPr kumimoji="0" lang="ru-RU" sz="1400" b="0" i="0" u="none" strike="noStrike" cap="none" normalizeH="0" baseline="0" dirty="0" smtClean="0">
+                <a:ln>
+                  <a:noFill/>
+                </a:ln>
+                <a:solidFill>
+                  <a:srgbClr val="808030"/>
+                </a:solidFill>
+                <a:effectLst/>
+                <a:latin typeface="Arial Unicode MS" pitchFamily="34" charset="-128"/>
+                <a:cs typeface="Arial" pitchFamily="34" charset="0"/>
+              </a:rPr>
+              <a:t>&amp;</a:t>
+            </a:r>
+            <a:r>
+              <a:rPr kumimoji="0" lang="ru-RU" sz="1400" b="0" i="0" u="none" strike="noStrike" cap="none" normalizeH="0" baseline="0" dirty="0" smtClean="0">
+                <a:ln>
+                  <a:noFill/>
+                </a:ln>
+                <a:solidFill>
+                  <a:srgbClr val="000000"/>
+                </a:solidFill>
+                <a:effectLst/>
+                <a:latin typeface="Arial Unicode MS" pitchFamily="34" charset="-128"/>
+                <a:cs typeface="Arial" pitchFamily="34" charset="0"/>
+              </a:rPr>
+              <a:t>m1</a:t>
+            </a:r>
+            <a:r>
+              <a:rPr kumimoji="0" lang="ru-RU" sz="1400" b="0" i="0" u="none" strike="noStrike" cap="none" normalizeH="0" baseline="0" dirty="0" smtClean="0">
+                <a:ln>
+                  <a:noFill/>
+                </a:ln>
+                <a:solidFill>
+                  <a:srgbClr val="808030"/>
+                </a:solidFill>
+                <a:effectLst/>
+                <a:latin typeface="Arial Unicode MS" pitchFamily="34" charset="-128"/>
+                <a:cs typeface="Arial" pitchFamily="34" charset="0"/>
+              </a:rPr>
+              <a:t>)</a:t>
+            </a:r>
+            <a:r>
+              <a:rPr kumimoji="0" lang="ru-RU" sz="1400" b="0" i="0" u="none" strike="noStrike" cap="none" normalizeH="0" baseline="0" dirty="0" smtClean="0">
+                <a:ln>
+                  <a:noFill/>
+                </a:ln>
+                <a:solidFill>
+                  <a:srgbClr val="800080"/>
+                </a:solidFill>
+                <a:effectLst/>
+                <a:latin typeface="Arial Unicode MS" pitchFamily="34" charset="-128"/>
+                <a:cs typeface="Arial" pitchFamily="34" charset="0"/>
+              </a:rPr>
+              <a:t>;</a:t>
+            </a:r>
+          </a:p>
+          <a:p>
+            <a:pPr marL="0" marR="0" lvl="0" indent="0" algn="l" defTabSz="914400" rtl="0" eaLnBrk="1" fontAlgn="base" latinLnBrk="0" hangingPunct="1">
+              <a:lnSpc>
+                <a:spcPct val="100000"/>
+              </a:lnSpc>
+              <a:spcBef>
+                <a:spcPct val="0"/>
+              </a:spcBef>
+              <a:spcAft>
+                <a:spcPct val="0"/>
+              </a:spcAft>
+              <a:buClrTx/>
+              <a:buSzTx/>
+              <a:buFontTx/>
+              <a:buNone/>
+              <a:tabLst/>
+            </a:pPr>
+            <a:r>
+              <a:rPr lang="ru-RU" sz="1400" dirty="0" smtClean="0">
+                <a:solidFill>
+                  <a:srgbClr val="800080"/>
+                </a:solidFill>
+                <a:latin typeface="Arial Unicode MS" pitchFamily="34" charset="-128"/>
+                <a:cs typeface="Arial" pitchFamily="34" charset="0"/>
+              </a:rPr>
+              <a:t> </a:t>
+            </a:r>
+            <a:r>
+              <a:rPr lang="ru-RU" sz="1400" dirty="0" smtClean="0">
+                <a:solidFill>
+                  <a:srgbClr val="800080"/>
+                </a:solidFill>
+                <a:latin typeface="Arial Unicode MS" pitchFamily="34" charset="-128"/>
+                <a:cs typeface="Arial" pitchFamily="34" charset="0"/>
+              </a:rPr>
+              <a:t>      </a:t>
+            </a:r>
+            <a:r>
+              <a:rPr kumimoji="0" lang="ru-RU" sz="1400" b="0" i="0" u="none" strike="noStrike" cap="none" normalizeH="0" baseline="0" dirty="0" smtClean="0">
+                <a:ln>
+                  <a:noFill/>
+                </a:ln>
+                <a:solidFill>
+                  <a:srgbClr val="000000"/>
+                </a:solidFill>
+                <a:effectLst/>
+                <a:latin typeface="Arial Unicode MS" pitchFamily="34" charset="-128"/>
+                <a:cs typeface="Arial" pitchFamily="34" charset="0"/>
+              </a:rPr>
+              <a:t> </a:t>
+            </a:r>
+            <a:r>
+              <a:rPr kumimoji="0" lang="ru-RU" sz="1400" b="0" i="0" u="none" strike="noStrike" cap="none" normalizeH="0" baseline="0" dirty="0" smtClean="0">
+                <a:ln>
+                  <a:noFill/>
+                </a:ln>
+                <a:solidFill>
+                  <a:srgbClr val="696969"/>
+                </a:solidFill>
+                <a:effectLst/>
+                <a:latin typeface="Arial Unicode MS" pitchFamily="34" charset="-128"/>
+                <a:cs typeface="Arial" pitchFamily="34" charset="0"/>
+              </a:rPr>
+              <a:t>// подставляем фактические передаваемые</a:t>
+            </a:r>
+          </a:p>
+          <a:p>
+            <a:pPr marL="0" marR="0" lvl="0" indent="0" algn="l" defTabSz="914400" rtl="0" eaLnBrk="1" fontAlgn="base" latinLnBrk="0" hangingPunct="1">
+              <a:lnSpc>
+                <a:spcPct val="100000"/>
+              </a:lnSpc>
+              <a:spcBef>
+                <a:spcPct val="0"/>
+              </a:spcBef>
+              <a:spcAft>
+                <a:spcPct val="0"/>
+              </a:spcAft>
+              <a:buClrTx/>
+              <a:buSzTx/>
+              <a:buFontTx/>
+              <a:buNone/>
+              <a:tabLst/>
+            </a:pPr>
+            <a:r>
+              <a:rPr lang="ru-RU" sz="1400" dirty="0" smtClean="0">
+                <a:solidFill>
+                  <a:srgbClr val="696969"/>
+                </a:solidFill>
+                <a:latin typeface="Arial Unicode MS" pitchFamily="34" charset="-128"/>
+                <a:cs typeface="Arial" pitchFamily="34" charset="0"/>
+              </a:rPr>
+              <a:t> </a:t>
+            </a:r>
+            <a:r>
+              <a:rPr lang="ru-RU" sz="1400" dirty="0" smtClean="0">
+                <a:solidFill>
+                  <a:srgbClr val="696969"/>
+                </a:solidFill>
+                <a:latin typeface="Arial Unicode MS" pitchFamily="34" charset="-128"/>
+                <a:cs typeface="Arial" pitchFamily="34" charset="0"/>
+              </a:rPr>
+              <a:t>      </a:t>
+            </a:r>
+            <a:r>
+              <a:rPr kumimoji="0" lang="ru-RU" sz="1400" b="0" i="0" u="none" strike="noStrike" cap="none" normalizeH="0" baseline="0" dirty="0" smtClean="0">
+                <a:ln>
+                  <a:noFill/>
+                </a:ln>
+                <a:solidFill>
+                  <a:srgbClr val="000000"/>
+                </a:solidFill>
+                <a:effectLst/>
+                <a:latin typeface="Arial Unicode MS" pitchFamily="34" charset="-128"/>
+                <a:cs typeface="Arial" pitchFamily="34" charset="0"/>
+              </a:rPr>
+              <a:t> </a:t>
+            </a:r>
+            <a:r>
+              <a:rPr kumimoji="0" lang="ru-RU" sz="1400" b="0" i="0" u="none" strike="noStrike" cap="none" normalizeH="0" baseline="0" dirty="0" smtClean="0">
+                <a:ln>
+                  <a:noFill/>
+                </a:ln>
+                <a:solidFill>
+                  <a:srgbClr val="696969"/>
+                </a:solidFill>
+                <a:effectLst/>
+                <a:latin typeface="Arial Unicode MS" pitchFamily="34" charset="-128"/>
+                <a:cs typeface="Arial" pitchFamily="34" charset="0"/>
+              </a:rPr>
+              <a:t>// значения в таблицу для функции </a:t>
+            </a:r>
+            <a:r>
+              <a:rPr kumimoji="0" lang="ru-RU" sz="1400" b="0" i="0" u="none" strike="noStrike" cap="none" normalizeH="0" baseline="0" dirty="0" err="1" smtClean="0">
+                <a:ln>
+                  <a:noFill/>
+                </a:ln>
+                <a:solidFill>
+                  <a:srgbClr val="696969"/>
+                </a:solidFill>
+                <a:effectLst/>
+                <a:latin typeface="Arial Unicode MS" pitchFamily="34" charset="-128"/>
+                <a:cs typeface="Arial" pitchFamily="34" charset="0"/>
+              </a:rPr>
+              <a:t>incr</a:t>
+            </a:r>
+            <a:r>
+              <a:rPr kumimoji="0" lang="ru-RU" sz="1400" b="0" i="0" u="none" strike="noStrike" cap="none" normalizeH="0" baseline="0" dirty="0" smtClean="0">
+                <a:ln>
+                  <a:noFill/>
+                </a:ln>
+                <a:solidFill>
+                  <a:srgbClr val="696969"/>
+                </a:solidFill>
+                <a:effectLst/>
+                <a:latin typeface="Arial Unicode MS" pitchFamily="34" charset="-128"/>
+                <a:cs typeface="Arial" pitchFamily="34" charset="0"/>
+              </a:rPr>
+              <a:t>:</a:t>
+            </a:r>
+            <a:r>
+              <a:rPr kumimoji="0" lang="ru-RU" sz="1400" b="0" i="0" u="none" strike="noStrike" cap="none" normalizeH="0" baseline="0" dirty="0" smtClean="0">
+                <a:ln>
+                  <a:noFill/>
+                </a:ln>
+                <a:solidFill>
+                  <a:srgbClr val="000000"/>
+                </a:solidFill>
+                <a:effectLst/>
+                <a:latin typeface="Arial Unicode MS" pitchFamily="34" charset="-128"/>
+                <a:cs typeface="Arial" pitchFamily="34" charset="0"/>
+              </a:rPr>
+              <a:t> </a:t>
+            </a:r>
+          </a:p>
+          <a:p>
+            <a:pPr marL="0" marR="0" lvl="0" indent="0" algn="l" defTabSz="914400" rtl="0" eaLnBrk="1" fontAlgn="base" latinLnBrk="0" hangingPunct="1">
+              <a:lnSpc>
+                <a:spcPct val="100000"/>
+              </a:lnSpc>
+              <a:spcBef>
+                <a:spcPct val="0"/>
+              </a:spcBef>
+              <a:spcAft>
+                <a:spcPct val="0"/>
+              </a:spcAft>
+              <a:buClrTx/>
+              <a:buSzTx/>
+              <a:buFontTx/>
+              <a:buNone/>
+              <a:tabLst/>
+            </a:pPr>
+            <a:r>
+              <a:rPr lang="ru-RU" sz="1400" dirty="0" smtClean="0">
+                <a:solidFill>
+                  <a:srgbClr val="000000"/>
+                </a:solidFill>
+                <a:latin typeface="Arial Unicode MS" pitchFamily="34" charset="-128"/>
+                <a:cs typeface="Arial" pitchFamily="34" charset="0"/>
+              </a:rPr>
+              <a:t> </a:t>
+            </a:r>
+            <a:r>
+              <a:rPr lang="ru-RU" sz="1400" dirty="0" smtClean="0">
+                <a:solidFill>
+                  <a:srgbClr val="000000"/>
+                </a:solidFill>
+                <a:latin typeface="Arial Unicode MS" pitchFamily="34" charset="-128"/>
+                <a:cs typeface="Arial" pitchFamily="34" charset="0"/>
+              </a:rPr>
+              <a:t>       </a:t>
+            </a:r>
+            <a:r>
+              <a:rPr kumimoji="0" lang="ru-RU" sz="1400" b="0" i="0" u="none" strike="noStrike" cap="none" normalizeH="0" baseline="0" dirty="0" smtClean="0">
+                <a:ln>
+                  <a:noFill/>
+                </a:ln>
+                <a:solidFill>
+                  <a:srgbClr val="696969"/>
+                </a:solidFill>
+                <a:effectLst/>
+                <a:latin typeface="Arial Unicode MS" pitchFamily="34" charset="-128"/>
+                <a:cs typeface="Arial" pitchFamily="34" charset="0"/>
+              </a:rPr>
+              <a:t>// (</a:t>
+            </a:r>
+            <a:r>
+              <a:rPr kumimoji="0" lang="ru-RU" sz="1400" b="0" i="0" u="none" strike="noStrike" cap="none" normalizeH="0" baseline="0" dirty="0" err="1" smtClean="0">
+                <a:ln>
+                  <a:noFill/>
+                </a:ln>
+                <a:solidFill>
+                  <a:srgbClr val="696969"/>
+                </a:solidFill>
+                <a:effectLst/>
+                <a:latin typeface="Arial Unicode MS" pitchFamily="34" charset="-128"/>
+                <a:cs typeface="Arial" pitchFamily="34" charset="0"/>
+              </a:rPr>
+              <a:t>x</a:t>
+            </a:r>
+            <a:r>
+              <a:rPr kumimoji="0" lang="ru-RU" sz="1400" b="0" i="0" u="none" strike="noStrike" cap="none" normalizeH="0" baseline="0" dirty="0" smtClean="0">
+                <a:ln>
+                  <a:noFill/>
+                </a:ln>
+                <a:solidFill>
+                  <a:srgbClr val="696969"/>
+                </a:solidFill>
+                <a:effectLst/>
+                <a:latin typeface="Arial Unicode MS" pitchFamily="34" charset="-128"/>
+                <a:cs typeface="Arial" pitchFamily="34" charset="0"/>
+              </a:rPr>
+              <a:t>, ({m1}, {}), чтение)</a:t>
+            </a:r>
+          </a:p>
+          <a:p>
+            <a:pPr marL="0" marR="0" lvl="0" indent="0" algn="l" defTabSz="914400" rtl="0" eaLnBrk="1" fontAlgn="base" latinLnBrk="0" hangingPunct="1">
+              <a:lnSpc>
+                <a:spcPct val="100000"/>
+              </a:lnSpc>
+              <a:spcBef>
+                <a:spcPct val="0"/>
+              </a:spcBef>
+              <a:spcAft>
+                <a:spcPct val="0"/>
+              </a:spcAft>
+              <a:buClrTx/>
+              <a:buSzTx/>
+              <a:buFontTx/>
+              <a:buNone/>
+              <a:tabLst/>
+            </a:pPr>
+            <a:r>
+              <a:rPr lang="ru-RU" sz="1400" dirty="0" smtClean="0">
+                <a:solidFill>
+                  <a:srgbClr val="696969"/>
+                </a:solidFill>
+                <a:latin typeface="Arial Unicode MS" pitchFamily="34" charset="-128"/>
+                <a:cs typeface="Arial" pitchFamily="34" charset="0"/>
+              </a:rPr>
+              <a:t> </a:t>
+            </a:r>
+            <a:r>
+              <a:rPr lang="ru-RU" sz="1400" dirty="0" smtClean="0">
+                <a:solidFill>
+                  <a:srgbClr val="696969"/>
+                </a:solidFill>
+                <a:latin typeface="Arial Unicode MS" pitchFamily="34" charset="-128"/>
+                <a:cs typeface="Arial" pitchFamily="34" charset="0"/>
+              </a:rPr>
+              <a:t>      </a:t>
+            </a:r>
+            <a:r>
+              <a:rPr kumimoji="0" lang="ru-RU" sz="1400" b="0" i="0" u="none" strike="noStrike" cap="none" normalizeH="0" baseline="0" dirty="0" smtClean="0">
+                <a:ln>
+                  <a:noFill/>
+                </a:ln>
+                <a:solidFill>
+                  <a:srgbClr val="000000"/>
+                </a:solidFill>
+                <a:effectLst/>
+                <a:latin typeface="Arial Unicode MS" pitchFamily="34" charset="-128"/>
+                <a:cs typeface="Arial" pitchFamily="34" charset="0"/>
+              </a:rPr>
+              <a:t> </a:t>
+            </a:r>
+            <a:r>
+              <a:rPr kumimoji="0" lang="ru-RU" sz="1400" b="0" i="0" u="none" strike="noStrike" cap="none" normalizeH="0" baseline="0" dirty="0" smtClean="0">
+                <a:ln>
+                  <a:noFill/>
+                </a:ln>
+                <a:solidFill>
+                  <a:srgbClr val="696969"/>
+                </a:solidFill>
+                <a:effectLst/>
+                <a:latin typeface="Arial Unicode MS" pitchFamily="34" charset="-128"/>
+                <a:cs typeface="Arial" pitchFamily="34" charset="0"/>
+              </a:rPr>
+              <a:t>// (</a:t>
+            </a:r>
+            <a:r>
+              <a:rPr kumimoji="0" lang="ru-RU" sz="1400" b="0" i="0" u="none" strike="noStrike" cap="none" normalizeH="0" baseline="0" dirty="0" err="1" smtClean="0">
+                <a:ln>
+                  <a:noFill/>
+                </a:ln>
+                <a:solidFill>
+                  <a:srgbClr val="696969"/>
+                </a:solidFill>
+                <a:effectLst/>
+                <a:latin typeface="Arial Unicode MS" pitchFamily="34" charset="-128"/>
+                <a:cs typeface="Arial" pitchFamily="34" charset="0"/>
+              </a:rPr>
+              <a:t>x</a:t>
+            </a:r>
+            <a:r>
+              <a:rPr kumimoji="0" lang="ru-RU" sz="1400" b="0" i="0" u="none" strike="noStrike" cap="none" normalizeH="0" baseline="0" dirty="0" smtClean="0">
+                <a:ln>
+                  <a:noFill/>
+                </a:ln>
+                <a:solidFill>
+                  <a:srgbClr val="696969"/>
+                </a:solidFill>
+                <a:effectLst/>
+                <a:latin typeface="Arial Unicode MS" pitchFamily="34" charset="-128"/>
+                <a:cs typeface="Arial" pitchFamily="34" charset="0"/>
+              </a:rPr>
+              <a:t>, ({m1}, {}), запись)</a:t>
+            </a:r>
+            <a:r>
+              <a:rPr kumimoji="0" lang="ru-RU" sz="1400" b="0" i="0" u="none" strike="noStrike" cap="none" normalizeH="0" baseline="0" dirty="0" smtClean="0">
+                <a:ln>
+                  <a:noFill/>
+                </a:ln>
+                <a:solidFill>
+                  <a:srgbClr val="000000"/>
+                </a:solidFill>
+                <a:effectLst/>
+                <a:latin typeface="Arial Unicode MS" pitchFamily="34" charset="-128"/>
+                <a:cs typeface="Arial" pitchFamily="34" charset="0"/>
+              </a:rPr>
+              <a:t> </a:t>
+            </a:r>
+          </a:p>
+          <a:p>
+            <a:pPr marL="0" marR="0" lvl="0" indent="0" algn="l" defTabSz="914400" rtl="0" eaLnBrk="1" fontAlgn="base" latinLnBrk="0" hangingPunct="1">
+              <a:lnSpc>
+                <a:spcPct val="100000"/>
+              </a:lnSpc>
+              <a:spcBef>
+                <a:spcPct val="0"/>
+              </a:spcBef>
+              <a:spcAft>
+                <a:spcPct val="0"/>
+              </a:spcAft>
+              <a:buClrTx/>
+              <a:buSzTx/>
+              <a:buFontTx/>
+              <a:buNone/>
+              <a:tabLst/>
+            </a:pPr>
+            <a:r>
+              <a:rPr lang="ru-RU" sz="1400" dirty="0" smtClean="0">
+                <a:solidFill>
+                  <a:srgbClr val="000000"/>
+                </a:solidFill>
+                <a:latin typeface="Arial Unicode MS" pitchFamily="34" charset="-128"/>
+                <a:cs typeface="Arial" pitchFamily="34" charset="0"/>
+              </a:rPr>
+              <a:t> </a:t>
+            </a:r>
+            <a:r>
+              <a:rPr lang="ru-RU" sz="1400" dirty="0" smtClean="0">
+                <a:solidFill>
+                  <a:srgbClr val="000000"/>
+                </a:solidFill>
+                <a:latin typeface="Arial Unicode MS" pitchFamily="34" charset="-128"/>
+                <a:cs typeface="Arial" pitchFamily="34" charset="0"/>
+              </a:rPr>
+              <a:t>       </a:t>
+            </a:r>
+            <a:r>
+              <a:rPr kumimoji="0" lang="ru-RU" sz="1400" b="0" i="0" u="none" strike="noStrike" cap="none" normalizeH="0" baseline="0" dirty="0" smtClean="0">
+                <a:ln>
+                  <a:noFill/>
+                </a:ln>
+                <a:solidFill>
+                  <a:srgbClr val="BB7977"/>
+                </a:solidFill>
+                <a:effectLst/>
+                <a:latin typeface="Arial Unicode MS" pitchFamily="34" charset="-128"/>
+                <a:cs typeface="Arial" pitchFamily="34" charset="0"/>
+              </a:rPr>
+              <a:t>int</a:t>
+            </a:r>
+            <a:r>
+              <a:rPr kumimoji="0" lang="ru-RU" sz="1400" b="0" i="0" u="none" strike="noStrike" cap="none" normalizeH="0" baseline="0" dirty="0" smtClean="0">
+                <a:ln>
+                  <a:noFill/>
+                </a:ln>
+                <a:solidFill>
+                  <a:srgbClr val="808030"/>
+                </a:solidFill>
+                <a:effectLst/>
+                <a:latin typeface="Arial Unicode MS" pitchFamily="34" charset="-128"/>
+                <a:cs typeface="Arial" pitchFamily="34" charset="0"/>
+              </a:rPr>
+              <a:t>*</a:t>
+            </a:r>
+            <a:r>
+              <a:rPr kumimoji="0" lang="ru-RU" sz="1400" b="0" i="0" u="none" strike="noStrike" cap="none" normalizeH="0" baseline="0" dirty="0" smtClean="0">
+                <a:ln>
+                  <a:noFill/>
+                </a:ln>
+                <a:solidFill>
+                  <a:srgbClr val="000000"/>
+                </a:solidFill>
+                <a:effectLst/>
+                <a:latin typeface="Arial Unicode MS" pitchFamily="34" charset="-128"/>
+                <a:cs typeface="Arial" pitchFamily="34" charset="0"/>
+              </a:rPr>
+              <a:t> </a:t>
+            </a:r>
+            <a:r>
+              <a:rPr kumimoji="0" lang="ru-RU" sz="1400" b="0" i="0" u="none" strike="noStrike" cap="none" normalizeH="0" baseline="0" dirty="0" err="1" smtClean="0">
+                <a:ln>
+                  <a:noFill/>
+                </a:ln>
+                <a:solidFill>
+                  <a:srgbClr val="000000"/>
+                </a:solidFill>
+                <a:effectLst/>
+                <a:latin typeface="Arial Unicode MS" pitchFamily="34" charset="-128"/>
+                <a:cs typeface="Arial" pitchFamily="34" charset="0"/>
+              </a:rPr>
+              <a:t>z</a:t>
+            </a:r>
+            <a:r>
+              <a:rPr kumimoji="0" lang="ru-RU" sz="1400" b="0" i="0" u="none" strike="noStrike" cap="none" normalizeH="0" baseline="0" dirty="0" smtClean="0">
+                <a:ln>
+                  <a:noFill/>
+                </a:ln>
+                <a:solidFill>
+                  <a:srgbClr val="000000"/>
+                </a:solidFill>
+                <a:effectLst/>
+                <a:latin typeface="Arial Unicode MS" pitchFamily="34" charset="-128"/>
+                <a:cs typeface="Arial" pitchFamily="34" charset="0"/>
+              </a:rPr>
+              <a:t> </a:t>
+            </a:r>
+            <a:r>
+              <a:rPr kumimoji="0" lang="ru-RU" sz="1400" b="0" i="0" u="none" strike="noStrike" cap="none" normalizeH="0" baseline="0" dirty="0" smtClean="0">
+                <a:ln>
+                  <a:noFill/>
+                </a:ln>
+                <a:solidFill>
+                  <a:srgbClr val="808030"/>
+                </a:solidFill>
+                <a:effectLst/>
+                <a:latin typeface="Arial Unicode MS" pitchFamily="34" charset="-128"/>
+                <a:cs typeface="Arial" pitchFamily="34" charset="0"/>
+              </a:rPr>
+              <a:t>=</a:t>
+            </a:r>
+            <a:r>
+              <a:rPr kumimoji="0" lang="ru-RU" sz="1400" b="0" i="0" u="none" strike="noStrike" cap="none" normalizeH="0" baseline="0" dirty="0" smtClean="0">
+                <a:ln>
+                  <a:noFill/>
+                </a:ln>
+                <a:solidFill>
+                  <a:srgbClr val="000000"/>
+                </a:solidFill>
+                <a:effectLst/>
+                <a:latin typeface="Arial Unicode MS" pitchFamily="34" charset="-128"/>
+                <a:cs typeface="Arial" pitchFamily="34" charset="0"/>
+              </a:rPr>
+              <a:t> </a:t>
+            </a:r>
+            <a:r>
+              <a:rPr kumimoji="0" lang="ru-RU" sz="1400" b="0" i="0" u="none" strike="noStrike" cap="none" normalizeH="0" baseline="0" dirty="0" smtClean="0">
+                <a:ln>
+                  <a:noFill/>
+                </a:ln>
+                <a:solidFill>
+                  <a:srgbClr val="808030"/>
+                </a:solidFill>
+                <a:effectLst/>
+                <a:latin typeface="Arial Unicode MS" pitchFamily="34" charset="-128"/>
+                <a:cs typeface="Arial" pitchFamily="34" charset="0"/>
+              </a:rPr>
+              <a:t>&amp;</a:t>
+            </a:r>
+            <a:r>
+              <a:rPr kumimoji="0" lang="ru-RU" sz="1400" b="0" i="0" u="none" strike="noStrike" cap="none" normalizeH="0" baseline="0" dirty="0" err="1" smtClean="0">
+                <a:ln>
+                  <a:noFill/>
+                </a:ln>
+                <a:solidFill>
+                  <a:srgbClr val="000000"/>
+                </a:solidFill>
+                <a:effectLst/>
+                <a:latin typeface="Arial Unicode MS" pitchFamily="34" charset="-128"/>
+                <a:cs typeface="Arial" pitchFamily="34" charset="0"/>
+              </a:rPr>
+              <a:t>y</a:t>
+            </a:r>
+            <a:r>
+              <a:rPr kumimoji="0" lang="ru-RU" sz="1400" b="0" i="0" u="none" strike="noStrike" cap="none" normalizeH="0" baseline="0" dirty="0" smtClean="0">
+                <a:ln>
+                  <a:noFill/>
+                </a:ln>
+                <a:solidFill>
+                  <a:srgbClr val="800080"/>
+                </a:solidFill>
+                <a:effectLst/>
+                <a:latin typeface="Arial Unicode MS" pitchFamily="34" charset="-128"/>
+                <a:cs typeface="Arial" pitchFamily="34" charset="0"/>
+              </a:rPr>
+              <a:t>;</a:t>
+            </a:r>
+            <a:r>
+              <a:rPr kumimoji="0" lang="ru-RU" sz="1400" b="0" i="0" u="none" strike="noStrike" cap="none" normalizeH="0" baseline="0" dirty="0" smtClean="0">
+                <a:ln>
+                  <a:noFill/>
+                </a:ln>
+                <a:solidFill>
+                  <a:srgbClr val="000000"/>
+                </a:solidFill>
+                <a:effectLst/>
+                <a:latin typeface="Arial Unicode MS" pitchFamily="34" charset="-128"/>
+                <a:cs typeface="Arial" pitchFamily="34" charset="0"/>
+              </a:rPr>
+              <a:t> </a:t>
+            </a:r>
+          </a:p>
+          <a:p>
+            <a:pPr marL="0" marR="0" lvl="0" indent="0" algn="l" defTabSz="914400" rtl="0" eaLnBrk="1" fontAlgn="base" latinLnBrk="0" hangingPunct="1">
+              <a:lnSpc>
+                <a:spcPct val="100000"/>
+              </a:lnSpc>
+              <a:spcBef>
+                <a:spcPct val="0"/>
+              </a:spcBef>
+              <a:spcAft>
+                <a:spcPct val="0"/>
+              </a:spcAft>
+              <a:buClrTx/>
+              <a:buSzTx/>
+              <a:buFontTx/>
+              <a:buNone/>
+              <a:tabLst/>
+            </a:pPr>
+            <a:r>
+              <a:rPr lang="ru-RU" sz="1400" dirty="0" smtClean="0">
+                <a:solidFill>
+                  <a:srgbClr val="000000"/>
+                </a:solidFill>
+                <a:latin typeface="Arial Unicode MS" pitchFamily="34" charset="-128"/>
+                <a:cs typeface="Arial" pitchFamily="34" charset="0"/>
+              </a:rPr>
+              <a:t> </a:t>
+            </a:r>
+            <a:r>
+              <a:rPr lang="ru-RU" sz="1400" dirty="0" smtClean="0">
+                <a:solidFill>
+                  <a:srgbClr val="000000"/>
+                </a:solidFill>
+                <a:latin typeface="Arial Unicode MS" pitchFamily="34" charset="-128"/>
+                <a:cs typeface="Arial" pitchFamily="34" charset="0"/>
+              </a:rPr>
+              <a:t>       </a:t>
+            </a:r>
+            <a:r>
+              <a:rPr kumimoji="0" lang="ru-RU" sz="1400" b="0" i="0" u="none" strike="noStrike" cap="none" normalizeH="0" baseline="0" dirty="0" err="1" smtClean="0">
+                <a:ln>
+                  <a:noFill/>
+                </a:ln>
+                <a:solidFill>
+                  <a:srgbClr val="000000"/>
+                </a:solidFill>
+                <a:effectLst/>
+                <a:latin typeface="Arial Unicode MS" pitchFamily="34" charset="-128"/>
+                <a:cs typeface="Arial" pitchFamily="34" charset="0"/>
+              </a:rPr>
+              <a:t>incr</a:t>
+            </a:r>
+            <a:r>
+              <a:rPr kumimoji="0" lang="ru-RU" sz="1400" b="0" i="0" u="none" strike="noStrike" cap="none" normalizeH="0" baseline="0" dirty="0" smtClean="0">
+                <a:ln>
+                  <a:noFill/>
+                </a:ln>
+                <a:solidFill>
+                  <a:srgbClr val="808030"/>
+                </a:solidFill>
+                <a:effectLst/>
+                <a:latin typeface="Arial Unicode MS" pitchFamily="34" charset="-128"/>
+                <a:cs typeface="Arial" pitchFamily="34" charset="0"/>
+              </a:rPr>
+              <a:t>(</a:t>
+            </a:r>
+            <a:r>
+              <a:rPr kumimoji="0" lang="ru-RU" sz="1400" b="0" i="0" u="none" strike="noStrike" cap="none" normalizeH="0" baseline="0" dirty="0" err="1" smtClean="0">
+                <a:ln>
+                  <a:noFill/>
+                </a:ln>
+                <a:solidFill>
+                  <a:srgbClr val="000000"/>
+                </a:solidFill>
+                <a:effectLst/>
+                <a:latin typeface="Arial Unicode MS" pitchFamily="34" charset="-128"/>
+                <a:cs typeface="Arial" pitchFamily="34" charset="0"/>
+              </a:rPr>
+              <a:t>z</a:t>
+            </a:r>
+            <a:r>
+              <a:rPr kumimoji="0" lang="ru-RU" sz="1400" b="0" i="0" u="none" strike="noStrike" cap="none" normalizeH="0" baseline="0" dirty="0" smtClean="0">
+                <a:ln>
+                  <a:noFill/>
+                </a:ln>
+                <a:solidFill>
+                  <a:srgbClr val="808030"/>
+                </a:solidFill>
+                <a:effectLst/>
+                <a:latin typeface="Arial Unicode MS" pitchFamily="34" charset="-128"/>
+                <a:cs typeface="Arial" pitchFamily="34" charset="0"/>
+              </a:rPr>
+              <a:t>,</a:t>
+            </a:r>
+            <a:r>
+              <a:rPr kumimoji="0" lang="ru-RU" sz="1400" b="0" i="0" u="none" strike="noStrike" cap="none" normalizeH="0" baseline="0" dirty="0" smtClean="0">
+                <a:ln>
+                  <a:noFill/>
+                </a:ln>
+                <a:solidFill>
+                  <a:srgbClr val="000000"/>
+                </a:solidFill>
+                <a:effectLst/>
+                <a:latin typeface="Arial Unicode MS" pitchFamily="34" charset="-128"/>
+                <a:cs typeface="Arial" pitchFamily="34" charset="0"/>
+              </a:rPr>
+              <a:t> </a:t>
+            </a:r>
+            <a:r>
+              <a:rPr kumimoji="0" lang="ru-RU" sz="1400" b="0" i="0" u="none" strike="noStrike" cap="none" normalizeH="0" baseline="0" dirty="0" smtClean="0">
+                <a:ln>
+                  <a:noFill/>
+                </a:ln>
+                <a:solidFill>
+                  <a:srgbClr val="808030"/>
+                </a:solidFill>
+                <a:effectLst/>
+                <a:latin typeface="Arial Unicode MS" pitchFamily="34" charset="-128"/>
+                <a:cs typeface="Arial" pitchFamily="34" charset="0"/>
+              </a:rPr>
+              <a:t>&amp;</a:t>
+            </a:r>
+            <a:r>
+              <a:rPr kumimoji="0" lang="ru-RU" sz="1400" b="0" i="0" u="none" strike="noStrike" cap="none" normalizeH="0" baseline="0" dirty="0" smtClean="0">
+                <a:ln>
+                  <a:noFill/>
+                </a:ln>
+                <a:solidFill>
+                  <a:srgbClr val="000000"/>
+                </a:solidFill>
+                <a:effectLst/>
+                <a:latin typeface="Arial Unicode MS" pitchFamily="34" charset="-128"/>
+                <a:cs typeface="Arial" pitchFamily="34" charset="0"/>
+              </a:rPr>
+              <a:t>m1</a:t>
+            </a:r>
+            <a:r>
+              <a:rPr kumimoji="0" lang="ru-RU" sz="1400" b="0" i="0" u="none" strike="noStrike" cap="none" normalizeH="0" baseline="0" dirty="0" smtClean="0">
+                <a:ln>
+                  <a:noFill/>
+                </a:ln>
+                <a:solidFill>
+                  <a:srgbClr val="808030"/>
+                </a:solidFill>
+                <a:effectLst/>
+                <a:latin typeface="Arial Unicode MS" pitchFamily="34" charset="-128"/>
+                <a:cs typeface="Arial" pitchFamily="34" charset="0"/>
+              </a:rPr>
+              <a:t>)</a:t>
+            </a:r>
+            <a:r>
+              <a:rPr kumimoji="0" lang="ru-RU" sz="1400" b="0" i="0" u="none" strike="noStrike" cap="none" normalizeH="0" baseline="0" dirty="0" smtClean="0">
+                <a:ln>
+                  <a:noFill/>
+                </a:ln>
+                <a:solidFill>
+                  <a:srgbClr val="800080"/>
+                </a:solidFill>
+                <a:effectLst/>
+                <a:latin typeface="Arial Unicode MS" pitchFamily="34" charset="-128"/>
+                <a:cs typeface="Arial" pitchFamily="34" charset="0"/>
+              </a:rPr>
+              <a:t>;</a:t>
+            </a:r>
+            <a:r>
+              <a:rPr kumimoji="0" lang="ru-RU" sz="1400" b="0" i="0" u="none" strike="noStrike" cap="none" normalizeH="0" baseline="0" dirty="0" smtClean="0">
+                <a:ln>
+                  <a:noFill/>
+                </a:ln>
+                <a:solidFill>
+                  <a:srgbClr val="000000"/>
+                </a:solidFill>
+                <a:effectLst/>
+                <a:latin typeface="Arial Unicode MS" pitchFamily="34" charset="-128"/>
+                <a:cs typeface="Arial" pitchFamily="34" charset="0"/>
+              </a:rPr>
+              <a:t> </a:t>
+            </a:r>
+          </a:p>
+          <a:p>
+            <a:pPr marL="0" marR="0" lvl="0" indent="0" algn="l" defTabSz="914400" rtl="0" eaLnBrk="1" fontAlgn="base" latinLnBrk="0" hangingPunct="1">
+              <a:lnSpc>
+                <a:spcPct val="100000"/>
+              </a:lnSpc>
+              <a:spcBef>
+                <a:spcPct val="0"/>
+              </a:spcBef>
+              <a:spcAft>
+                <a:spcPct val="0"/>
+              </a:spcAft>
+              <a:buClrTx/>
+              <a:buSzTx/>
+              <a:buFontTx/>
+              <a:buNone/>
+              <a:tabLst/>
+            </a:pPr>
+            <a:r>
+              <a:rPr lang="ru-RU" sz="1400" dirty="0" smtClean="0">
+                <a:solidFill>
+                  <a:srgbClr val="000000"/>
+                </a:solidFill>
+                <a:latin typeface="Arial Unicode MS" pitchFamily="34" charset="-128"/>
+                <a:cs typeface="Arial" pitchFamily="34" charset="0"/>
+              </a:rPr>
+              <a:t> </a:t>
+            </a:r>
+            <a:r>
+              <a:rPr lang="ru-RU" sz="1400" dirty="0" smtClean="0">
+                <a:solidFill>
+                  <a:srgbClr val="000000"/>
+                </a:solidFill>
+                <a:latin typeface="Arial Unicode MS" pitchFamily="34" charset="-128"/>
+                <a:cs typeface="Arial" pitchFamily="34" charset="0"/>
+              </a:rPr>
+              <a:t>       </a:t>
+            </a:r>
+            <a:r>
+              <a:rPr kumimoji="0" lang="ru-RU" sz="1400" b="0" i="0" u="none" strike="noStrike" cap="none" normalizeH="0" baseline="0" dirty="0" smtClean="0">
+                <a:ln>
+                  <a:noFill/>
+                </a:ln>
+                <a:solidFill>
+                  <a:srgbClr val="696969"/>
+                </a:solidFill>
+                <a:effectLst/>
+                <a:latin typeface="Arial Unicode MS" pitchFamily="34" charset="-128"/>
+                <a:cs typeface="Arial" pitchFamily="34" charset="0"/>
+              </a:rPr>
+              <a:t>// подставляем фактические передаваемые</a:t>
+            </a:r>
+          </a:p>
+          <a:p>
+            <a:pPr marL="0" marR="0" lvl="0" indent="0" algn="l" defTabSz="914400" rtl="0" eaLnBrk="1" fontAlgn="base" latinLnBrk="0" hangingPunct="1">
+              <a:lnSpc>
+                <a:spcPct val="100000"/>
+              </a:lnSpc>
+              <a:spcBef>
+                <a:spcPct val="0"/>
+              </a:spcBef>
+              <a:spcAft>
+                <a:spcPct val="0"/>
+              </a:spcAft>
+              <a:buClrTx/>
+              <a:buSzTx/>
+              <a:buFontTx/>
+              <a:buNone/>
+              <a:tabLst/>
+            </a:pPr>
+            <a:r>
+              <a:rPr lang="ru-RU" sz="1400" dirty="0" smtClean="0">
+                <a:solidFill>
+                  <a:srgbClr val="696969"/>
+                </a:solidFill>
+                <a:latin typeface="Arial Unicode MS" pitchFamily="34" charset="-128"/>
+                <a:cs typeface="Arial" pitchFamily="34" charset="0"/>
+              </a:rPr>
+              <a:t> </a:t>
+            </a:r>
+            <a:r>
+              <a:rPr lang="ru-RU" sz="1400" dirty="0" smtClean="0">
+                <a:solidFill>
+                  <a:srgbClr val="696969"/>
+                </a:solidFill>
+                <a:latin typeface="Arial Unicode MS" pitchFamily="34" charset="-128"/>
+                <a:cs typeface="Arial" pitchFamily="34" charset="0"/>
+              </a:rPr>
+              <a:t>       </a:t>
+            </a:r>
+            <a:r>
+              <a:rPr kumimoji="0" lang="ru-RU" sz="1400" b="0" i="0" u="none" strike="noStrike" cap="none" normalizeH="0" baseline="0" dirty="0" smtClean="0">
+                <a:ln>
+                  <a:noFill/>
+                </a:ln>
+                <a:solidFill>
+                  <a:srgbClr val="696969"/>
+                </a:solidFill>
+                <a:effectLst/>
+                <a:latin typeface="Arial Unicode MS" pitchFamily="34" charset="-128"/>
+                <a:cs typeface="Arial" pitchFamily="34" charset="0"/>
+              </a:rPr>
+              <a:t>// значения в таблицу для функции </a:t>
+            </a:r>
+            <a:r>
+              <a:rPr kumimoji="0" lang="ru-RU" sz="1400" b="0" i="0" u="none" strike="noStrike" cap="none" normalizeH="0" baseline="0" dirty="0" err="1" smtClean="0">
+                <a:ln>
+                  <a:noFill/>
+                </a:ln>
+                <a:solidFill>
+                  <a:srgbClr val="696969"/>
+                </a:solidFill>
+                <a:effectLst/>
+                <a:latin typeface="Arial Unicode MS" pitchFamily="34" charset="-128"/>
+                <a:cs typeface="Arial" pitchFamily="34" charset="0"/>
+              </a:rPr>
+              <a:t>incr</a:t>
+            </a:r>
+            <a:r>
+              <a:rPr kumimoji="0" lang="ru-RU" sz="1400" b="0" i="0" u="none" strike="noStrike" cap="none" normalizeH="0" baseline="0" dirty="0" smtClean="0">
+                <a:ln>
+                  <a:noFill/>
+                </a:ln>
+                <a:solidFill>
+                  <a:srgbClr val="696969"/>
+                </a:solidFill>
+                <a:effectLst/>
+                <a:latin typeface="Arial Unicode MS" pitchFamily="34" charset="-128"/>
+                <a:cs typeface="Arial" pitchFamily="34" charset="0"/>
+              </a:rPr>
+              <a:t>:</a:t>
+            </a:r>
+            <a:r>
+              <a:rPr kumimoji="0" lang="ru-RU" sz="1400" b="0" i="0" u="none" strike="noStrike" cap="none" normalizeH="0" baseline="0" dirty="0" smtClean="0">
+                <a:ln>
+                  <a:noFill/>
+                </a:ln>
+                <a:solidFill>
+                  <a:srgbClr val="000000"/>
+                </a:solidFill>
+                <a:effectLst/>
+                <a:latin typeface="Arial Unicode MS" pitchFamily="34" charset="-128"/>
+                <a:cs typeface="Arial" pitchFamily="34" charset="0"/>
+              </a:rPr>
+              <a:t> </a:t>
+            </a:r>
+          </a:p>
+          <a:p>
+            <a:pPr marL="0" marR="0" lvl="0" indent="0" algn="l" defTabSz="914400" rtl="0" eaLnBrk="1" fontAlgn="base" latinLnBrk="0" hangingPunct="1">
+              <a:lnSpc>
+                <a:spcPct val="100000"/>
+              </a:lnSpc>
+              <a:spcBef>
+                <a:spcPct val="0"/>
+              </a:spcBef>
+              <a:spcAft>
+                <a:spcPct val="0"/>
+              </a:spcAft>
+              <a:buClrTx/>
+              <a:buSzTx/>
+              <a:buFontTx/>
+              <a:buNone/>
+              <a:tabLst/>
+            </a:pPr>
+            <a:r>
+              <a:rPr lang="ru-RU" sz="1400" dirty="0" smtClean="0">
+                <a:solidFill>
+                  <a:srgbClr val="000000"/>
+                </a:solidFill>
+                <a:latin typeface="Arial Unicode MS" pitchFamily="34" charset="-128"/>
+                <a:cs typeface="Arial" pitchFamily="34" charset="0"/>
+              </a:rPr>
+              <a:t> </a:t>
+            </a:r>
+            <a:r>
+              <a:rPr lang="ru-RU" sz="1400" dirty="0" smtClean="0">
+                <a:solidFill>
+                  <a:srgbClr val="000000"/>
+                </a:solidFill>
+                <a:latin typeface="Arial Unicode MS" pitchFamily="34" charset="-128"/>
+                <a:cs typeface="Arial" pitchFamily="34" charset="0"/>
+              </a:rPr>
+              <a:t>       </a:t>
+            </a:r>
+            <a:r>
+              <a:rPr kumimoji="0" lang="ru-RU" sz="1400" b="0" i="0" u="none" strike="noStrike" cap="none" normalizeH="0" baseline="0" dirty="0" smtClean="0">
+                <a:ln>
+                  <a:noFill/>
+                </a:ln>
+                <a:solidFill>
+                  <a:srgbClr val="696969"/>
+                </a:solidFill>
+                <a:effectLst/>
+                <a:latin typeface="Arial Unicode MS" pitchFamily="34" charset="-128"/>
+                <a:cs typeface="Arial" pitchFamily="34" charset="0"/>
+              </a:rPr>
+              <a:t>// (</a:t>
+            </a:r>
+            <a:r>
+              <a:rPr kumimoji="0" lang="ru-RU" sz="1400" b="0" i="0" u="none" strike="noStrike" cap="none" normalizeH="0" baseline="0" dirty="0" err="1" smtClean="0">
+                <a:ln>
+                  <a:noFill/>
+                </a:ln>
+                <a:solidFill>
+                  <a:srgbClr val="696969"/>
+                </a:solidFill>
+                <a:effectLst/>
+                <a:latin typeface="Arial Unicode MS" pitchFamily="34" charset="-128"/>
+                <a:cs typeface="Arial" pitchFamily="34" charset="0"/>
+              </a:rPr>
+              <a:t>y</a:t>
+            </a:r>
+            <a:r>
+              <a:rPr kumimoji="0" lang="ru-RU" sz="1400" b="0" i="0" u="none" strike="noStrike" cap="none" normalizeH="0" baseline="0" dirty="0" smtClean="0">
+                <a:ln>
+                  <a:noFill/>
+                </a:ln>
+                <a:solidFill>
+                  <a:srgbClr val="696969"/>
+                </a:solidFill>
+                <a:effectLst/>
+                <a:latin typeface="Arial Unicode MS" pitchFamily="34" charset="-128"/>
+                <a:cs typeface="Arial" pitchFamily="34" charset="0"/>
+              </a:rPr>
+              <a:t>, ({m1}, {}), чтение)</a:t>
+            </a:r>
+          </a:p>
+          <a:p>
+            <a:pPr marL="0" marR="0" lvl="0" indent="0" algn="l" defTabSz="914400" rtl="0" eaLnBrk="1" fontAlgn="base" latinLnBrk="0" hangingPunct="1">
+              <a:lnSpc>
+                <a:spcPct val="100000"/>
+              </a:lnSpc>
+              <a:spcBef>
+                <a:spcPct val="0"/>
+              </a:spcBef>
+              <a:spcAft>
+                <a:spcPct val="0"/>
+              </a:spcAft>
+              <a:buClrTx/>
+              <a:buSzTx/>
+              <a:buFontTx/>
+              <a:buNone/>
+              <a:tabLst/>
+            </a:pPr>
+            <a:r>
+              <a:rPr lang="ru-RU" sz="1400" dirty="0" smtClean="0">
+                <a:solidFill>
+                  <a:srgbClr val="696969"/>
+                </a:solidFill>
+                <a:latin typeface="Arial Unicode MS" pitchFamily="34" charset="-128"/>
+                <a:cs typeface="Arial" pitchFamily="34" charset="0"/>
+              </a:rPr>
+              <a:t> </a:t>
+            </a:r>
+            <a:r>
+              <a:rPr lang="ru-RU" sz="1400" dirty="0" smtClean="0">
+                <a:solidFill>
+                  <a:srgbClr val="696969"/>
+                </a:solidFill>
+                <a:latin typeface="Arial Unicode MS" pitchFamily="34" charset="-128"/>
+                <a:cs typeface="Arial" pitchFamily="34" charset="0"/>
+              </a:rPr>
+              <a:t>      </a:t>
+            </a:r>
+            <a:r>
+              <a:rPr kumimoji="0" lang="ru-RU" sz="1400" b="0" i="0" u="none" strike="noStrike" cap="none" normalizeH="0" baseline="0" dirty="0" smtClean="0">
+                <a:ln>
+                  <a:noFill/>
+                </a:ln>
+                <a:solidFill>
+                  <a:srgbClr val="000000"/>
+                </a:solidFill>
+                <a:effectLst/>
+                <a:latin typeface="Arial Unicode MS" pitchFamily="34" charset="-128"/>
+                <a:cs typeface="Arial" pitchFamily="34" charset="0"/>
+              </a:rPr>
+              <a:t> </a:t>
+            </a:r>
+            <a:r>
+              <a:rPr kumimoji="0" lang="ru-RU" sz="1400" b="0" i="0" u="none" strike="noStrike" cap="none" normalizeH="0" baseline="0" dirty="0" smtClean="0">
+                <a:ln>
+                  <a:noFill/>
+                </a:ln>
+                <a:solidFill>
+                  <a:srgbClr val="696969"/>
+                </a:solidFill>
+                <a:effectLst/>
+                <a:latin typeface="Arial Unicode MS" pitchFamily="34" charset="-128"/>
+                <a:cs typeface="Arial" pitchFamily="34" charset="0"/>
+              </a:rPr>
+              <a:t>// (</a:t>
+            </a:r>
+            <a:r>
+              <a:rPr kumimoji="0" lang="ru-RU" sz="1400" b="0" i="0" u="none" strike="noStrike" cap="none" normalizeH="0" baseline="0" dirty="0" err="1" smtClean="0">
+                <a:ln>
+                  <a:noFill/>
+                </a:ln>
+                <a:solidFill>
+                  <a:srgbClr val="696969"/>
+                </a:solidFill>
+                <a:effectLst/>
+                <a:latin typeface="Arial Unicode MS" pitchFamily="34" charset="-128"/>
+                <a:cs typeface="Arial" pitchFamily="34" charset="0"/>
+              </a:rPr>
+              <a:t>y</a:t>
+            </a:r>
+            <a:r>
+              <a:rPr kumimoji="0" lang="ru-RU" sz="1400" b="0" i="0" u="none" strike="noStrike" cap="none" normalizeH="0" baseline="0" dirty="0" smtClean="0">
+                <a:ln>
+                  <a:noFill/>
+                </a:ln>
+                <a:solidFill>
+                  <a:srgbClr val="696969"/>
+                </a:solidFill>
+                <a:effectLst/>
+                <a:latin typeface="Arial Unicode MS" pitchFamily="34" charset="-128"/>
+                <a:cs typeface="Arial" pitchFamily="34" charset="0"/>
+              </a:rPr>
+              <a:t>, ({m1}, {}), запись)</a:t>
+            </a:r>
+            <a:endParaRPr kumimoji="0" lang="ru-RU" sz="1400" b="0" i="0" u="none" strike="noStrike" cap="none" normalizeH="0" baseline="0" dirty="0" smtClean="0">
+              <a:ln>
+                <a:noFill/>
+              </a:ln>
+              <a:solidFill>
+                <a:srgbClr val="000000"/>
+              </a:solidFill>
+              <a:effectLst/>
+              <a:latin typeface="Arial Unicode MS" pitchFamily="34" charset="-128"/>
+              <a:cs typeface="Arial" pitchFamily="34" charset="0"/>
+            </a:endParaRPr>
+          </a:p>
+          <a:p>
+            <a:pPr marL="0" marR="0" lvl="0" indent="0" algn="l" defTabSz="914400" rtl="0" eaLnBrk="1" fontAlgn="base" latinLnBrk="0" hangingPunct="1">
+              <a:lnSpc>
+                <a:spcPct val="100000"/>
+              </a:lnSpc>
+              <a:spcBef>
+                <a:spcPct val="0"/>
+              </a:spcBef>
+              <a:spcAft>
+                <a:spcPct val="0"/>
+              </a:spcAft>
+              <a:buClrTx/>
+              <a:buSzTx/>
+              <a:buFontTx/>
+              <a:buNone/>
+              <a:tabLst/>
+            </a:pPr>
+            <a:r>
+              <a:rPr kumimoji="0" lang="ru-RU" sz="1400" b="0" i="0" u="none" strike="noStrike" cap="none" normalizeH="0" baseline="0" dirty="0" smtClean="0">
+                <a:ln>
+                  <a:noFill/>
+                </a:ln>
+                <a:solidFill>
+                  <a:srgbClr val="800080"/>
+                </a:solidFill>
+                <a:effectLst/>
+                <a:latin typeface="Arial Unicode MS" pitchFamily="34" charset="-128"/>
+                <a:cs typeface="Arial" pitchFamily="34" charset="0"/>
+              </a:rPr>
+              <a:t>}</a:t>
+            </a:r>
+            <a:r>
+              <a:rPr kumimoji="0" lang="ru-RU" sz="1400" b="0" i="0" u="none" strike="noStrike" cap="none" normalizeH="0" baseline="0" dirty="0" smtClean="0">
+                <a:ln>
+                  <a:noFill/>
+                </a:ln>
+                <a:solidFill>
+                  <a:schemeClr val="tx1"/>
+                </a:solidFill>
+                <a:effectLst/>
+                <a:latin typeface="Arial" pitchFamily="34" charset="0"/>
+                <a:cs typeface="Arial" pitchFamily="34" charset="0"/>
+              </a:rPr>
+              <a:t> </a:t>
+            </a:r>
+          </a:p>
+        </p:txBody>
+      </p:sp>
+      <p:graphicFrame>
+        <p:nvGraphicFramePr>
+          <p:cNvPr id="6" name="Таблица 5"/>
+          <p:cNvGraphicFramePr>
+            <a:graphicFrameLocks noGrp="1"/>
+          </p:cNvGraphicFramePr>
+          <p:nvPr/>
+        </p:nvGraphicFramePr>
+        <p:xfrm>
+          <a:off x="5292080" y="2132856"/>
+          <a:ext cx="3600402" cy="1950720"/>
+        </p:xfrm>
+        <a:graphic>
+          <a:graphicData uri="http://schemas.openxmlformats.org/drawingml/2006/table">
+            <a:tbl>
+              <a:tblPr firstRow="1" bandRow="1">
+                <a:effectLst>
+                  <a:outerShdw blurRad="50800" dist="50800" dir="5400000" algn="ctr" rotWithShape="0">
+                    <a:schemeClr val="bg1"/>
+                  </a:outerShdw>
+                </a:effectLst>
+                <a:tableStyleId>{5C22544A-7EE6-4342-B048-85BDC9FD1C3A}</a:tableStyleId>
+              </a:tblPr>
+              <a:tblGrid>
+                <a:gridCol w="936105"/>
+                <a:gridCol w="1464163"/>
+                <a:gridCol w="1200134"/>
+              </a:tblGrid>
+              <a:tr h="587504">
+                <a:tc>
+                  <a:txBody>
+                    <a:bodyPr/>
+                    <a:lstStyle/>
+                    <a:p>
+                      <a:r>
+                        <a:rPr lang="en-US" sz="1400" dirty="0" smtClean="0">
+                          <a:solidFill>
+                            <a:schemeClr val="tx1"/>
+                          </a:solidFill>
+                        </a:rPr>
+                        <a:t>lvalue</a:t>
+                      </a:r>
+                      <a:endParaRPr lang="ru-RU" sz="1400" dirty="0">
+                        <a:solidFill>
+                          <a:schemeClr val="tx1"/>
+                        </a:solidFill>
+                      </a:endParaRPr>
+                    </a:p>
+                  </a:txBody>
+                  <a:tcPr>
+                    <a:lnL w="12700" cap="flat" cmpd="sng" algn="ctr">
+                      <a:solidFill>
+                        <a:schemeClr val="tx1"/>
+                      </a:solidFill>
+                      <a:prstDash val="solid"/>
+                      <a:round/>
+                      <a:headEnd type="none" w="med" len="med"/>
+                      <a:tailEnd type="none" w="med" len="med"/>
+                    </a:lnL>
+                    <a:lnR w="12700" cap="flat" cmpd="sng" algn="ctr">
+                      <a:solidFill>
+                        <a:schemeClr val="tx1"/>
+                      </a:solidFill>
+                      <a:prstDash val="solid"/>
+                      <a:round/>
+                      <a:headEnd type="none" w="med" len="med"/>
+                      <a:tailEnd type="none" w="med" len="med"/>
+                    </a:lnR>
+                    <a:lnT w="12700" cap="flat" cmpd="sng" algn="ctr">
+                      <a:solidFill>
+                        <a:schemeClr val="tx1"/>
+                      </a:solidFill>
+                      <a:prstDash val="solid"/>
+                      <a:round/>
+                      <a:headEnd type="none" w="med" len="med"/>
+                      <a:tailEnd type="none" w="med" len="med"/>
+                    </a:lnT>
+                    <a:lnB w="12700" cap="flat" cmpd="sng" algn="ctr">
+                      <a:solidFill>
+                        <a:schemeClr val="tx1"/>
+                      </a:solidFill>
+                      <a:prstDash val="solid"/>
+                      <a:round/>
+                      <a:headEnd type="none" w="med" len="med"/>
+                      <a:tailEnd type="none" w="med" len="med"/>
+                    </a:lnB>
+                    <a:noFill/>
+                  </a:tcPr>
+                </a:tc>
+                <a:tc>
+                  <a:txBody>
+                    <a:bodyPr/>
+                    <a:lstStyle/>
+                    <a:p>
+                      <a:r>
+                        <a:rPr lang="ru-RU" sz="1400" dirty="0" smtClean="0">
+                          <a:solidFill>
+                            <a:schemeClr val="tx1"/>
+                          </a:solidFill>
+                          <a:latin typeface="+mn-lt"/>
+                          <a:cs typeface="Times New Roman" pitchFamily="18" charset="0"/>
+                        </a:rPr>
+                        <a:t>Относительное множество блокировок</a:t>
+                      </a:r>
+                      <a:endParaRPr lang="ru-RU" sz="1400" dirty="0">
+                        <a:solidFill>
+                          <a:schemeClr val="tx1"/>
+                        </a:solidFill>
+                        <a:latin typeface="+mn-lt"/>
+                        <a:cs typeface="Times New Roman" pitchFamily="18" charset="0"/>
+                      </a:endParaRPr>
+                    </a:p>
+                  </a:txBody>
+                  <a:tcPr>
+                    <a:lnL w="12700" cap="flat" cmpd="sng" algn="ctr">
+                      <a:solidFill>
+                        <a:schemeClr val="tx1"/>
+                      </a:solidFill>
+                      <a:prstDash val="solid"/>
+                      <a:round/>
+                      <a:headEnd type="none" w="med" len="med"/>
+                      <a:tailEnd type="none" w="med" len="med"/>
+                    </a:lnL>
+                    <a:lnR w="12700" cap="flat" cmpd="sng" algn="ctr">
+                      <a:solidFill>
+                        <a:schemeClr val="tx1"/>
+                      </a:solidFill>
+                      <a:prstDash val="solid"/>
+                      <a:round/>
+                      <a:headEnd type="none" w="med" len="med"/>
+                      <a:tailEnd type="none" w="med" len="med"/>
+                    </a:lnR>
+                    <a:lnT w="12700" cap="flat" cmpd="sng" algn="ctr">
+                      <a:solidFill>
+                        <a:schemeClr val="tx1"/>
+                      </a:solidFill>
+                      <a:prstDash val="solid"/>
+                      <a:round/>
+                      <a:headEnd type="none" w="med" len="med"/>
+                      <a:tailEnd type="none" w="med" len="med"/>
+                    </a:lnT>
+                    <a:lnB w="12700" cap="flat" cmpd="sng" algn="ctr">
+                      <a:solidFill>
+                        <a:schemeClr val="tx1"/>
+                      </a:solidFill>
+                      <a:prstDash val="solid"/>
+                      <a:round/>
+                      <a:headEnd type="none" w="med" len="med"/>
+                      <a:tailEnd type="none" w="med" len="med"/>
+                    </a:lnB>
+                    <a:noFill/>
+                  </a:tcPr>
+                </a:tc>
+                <a:tc>
+                  <a:txBody>
+                    <a:bodyPr/>
+                    <a:lstStyle/>
+                    <a:p>
+                      <a:r>
+                        <a:rPr lang="ru-RU" sz="1400" dirty="0" smtClean="0">
+                          <a:solidFill>
+                            <a:schemeClr val="tx1"/>
+                          </a:solidFill>
+                        </a:rPr>
+                        <a:t>Тип доступа</a:t>
+                      </a:r>
+                      <a:endParaRPr lang="ru-RU" sz="1400" dirty="0">
+                        <a:solidFill>
+                          <a:schemeClr val="tx1"/>
+                        </a:solidFill>
+                      </a:endParaRPr>
+                    </a:p>
+                  </a:txBody>
+                  <a:tcPr>
+                    <a:lnL w="12700" cap="flat" cmpd="sng" algn="ctr">
+                      <a:solidFill>
+                        <a:schemeClr val="tx1"/>
+                      </a:solidFill>
+                      <a:prstDash val="solid"/>
+                      <a:round/>
+                      <a:headEnd type="none" w="med" len="med"/>
+                      <a:tailEnd type="none" w="med" len="med"/>
+                    </a:lnL>
+                    <a:lnR w="12700" cap="flat" cmpd="sng" algn="ctr">
+                      <a:solidFill>
+                        <a:schemeClr val="tx1"/>
+                      </a:solidFill>
+                      <a:prstDash val="solid"/>
+                      <a:round/>
+                      <a:headEnd type="none" w="med" len="med"/>
+                      <a:tailEnd type="none" w="med" len="med"/>
+                    </a:lnR>
+                    <a:lnT w="12700" cap="flat" cmpd="sng" algn="ctr">
+                      <a:solidFill>
+                        <a:schemeClr val="tx1"/>
+                      </a:solidFill>
+                      <a:prstDash val="solid"/>
+                      <a:round/>
+                      <a:headEnd type="none" w="med" len="med"/>
+                      <a:tailEnd type="none" w="med" len="med"/>
+                    </a:lnT>
+                    <a:lnB w="12700" cap="flat" cmpd="sng" algn="ctr">
+                      <a:solidFill>
+                        <a:schemeClr val="tx1"/>
+                      </a:solidFill>
+                      <a:prstDash val="solid"/>
+                      <a:round/>
+                      <a:headEnd type="none" w="med" len="med"/>
+                      <a:tailEnd type="none" w="med" len="med"/>
+                    </a:lnB>
+                    <a:noFill/>
+                  </a:tcPr>
+                </a:tc>
+              </a:tr>
+              <a:tr h="269288">
+                <a:tc>
+                  <a:txBody>
+                    <a:bodyPr/>
+                    <a:lstStyle/>
+                    <a:p>
+                      <a:r>
+                        <a:rPr lang="en-US" sz="1400" dirty="0" smtClean="0">
+                          <a:solidFill>
+                            <a:schemeClr val="tx1"/>
+                          </a:solidFill>
+                        </a:rPr>
+                        <a:t>x</a:t>
+                      </a:r>
+                      <a:endParaRPr lang="ru-RU" sz="1400" dirty="0">
+                        <a:solidFill>
+                          <a:schemeClr val="tx1"/>
+                        </a:solidFill>
+                      </a:endParaRPr>
+                    </a:p>
+                  </a:txBody>
+                  <a:tcPr>
+                    <a:lnL w="12700" cap="flat" cmpd="sng" algn="ctr">
+                      <a:solidFill>
+                        <a:schemeClr val="tx1"/>
+                      </a:solidFill>
+                      <a:prstDash val="solid"/>
+                      <a:round/>
+                      <a:headEnd type="none" w="med" len="med"/>
+                      <a:tailEnd type="none" w="med" len="med"/>
+                    </a:lnL>
+                    <a:lnR w="12700" cap="flat" cmpd="sng" algn="ctr">
+                      <a:solidFill>
+                        <a:schemeClr val="tx1"/>
+                      </a:solidFill>
+                      <a:prstDash val="solid"/>
+                      <a:round/>
+                      <a:headEnd type="none" w="med" len="med"/>
+                      <a:tailEnd type="none" w="med" len="med"/>
+                    </a:lnR>
+                    <a:lnT w="12700" cap="flat" cmpd="sng" algn="ctr">
+                      <a:solidFill>
+                        <a:schemeClr val="tx1"/>
+                      </a:solidFill>
+                      <a:prstDash val="solid"/>
+                      <a:round/>
+                      <a:headEnd type="none" w="med" len="med"/>
+                      <a:tailEnd type="none" w="med" len="med"/>
+                    </a:lnT>
+                    <a:lnB w="12700" cap="flat" cmpd="sng" algn="ctr">
+                      <a:solidFill>
+                        <a:schemeClr val="tx1"/>
+                      </a:solidFill>
+                      <a:prstDash val="solid"/>
+                      <a:round/>
+                      <a:headEnd type="none" w="med" len="med"/>
+                      <a:tailEnd type="none" w="med" len="med"/>
+                    </a:lnB>
+                    <a:noFill/>
+                  </a:tcPr>
+                </a:tc>
+                <a:tc>
+                  <a:txBody>
+                    <a:bodyPr/>
+                    <a:lstStyle/>
+                    <a:p>
+                      <a:r>
+                        <a:rPr lang="en-US" sz="1400" dirty="0" smtClean="0">
+                          <a:solidFill>
+                            <a:schemeClr val="tx1"/>
+                          </a:solidFill>
+                        </a:rPr>
+                        <a:t>({m1},</a:t>
+                      </a:r>
+                      <a:r>
+                        <a:rPr lang="en-US" sz="1400" baseline="0" dirty="0" smtClean="0">
+                          <a:solidFill>
+                            <a:schemeClr val="tx1"/>
+                          </a:solidFill>
+                        </a:rPr>
+                        <a:t> {})</a:t>
+                      </a:r>
+                      <a:endParaRPr lang="ru-RU" sz="1400" dirty="0">
+                        <a:solidFill>
+                          <a:schemeClr val="tx1"/>
+                        </a:solidFill>
+                      </a:endParaRPr>
+                    </a:p>
+                  </a:txBody>
+                  <a:tcPr>
+                    <a:lnL w="12700" cap="flat" cmpd="sng" algn="ctr">
+                      <a:solidFill>
+                        <a:schemeClr val="tx1"/>
+                      </a:solidFill>
+                      <a:prstDash val="solid"/>
+                      <a:round/>
+                      <a:headEnd type="none" w="med" len="med"/>
+                      <a:tailEnd type="none" w="med" len="med"/>
+                    </a:lnL>
+                    <a:lnR w="12700" cap="flat" cmpd="sng" algn="ctr">
+                      <a:solidFill>
+                        <a:schemeClr val="tx1"/>
+                      </a:solidFill>
+                      <a:prstDash val="solid"/>
+                      <a:round/>
+                      <a:headEnd type="none" w="med" len="med"/>
+                      <a:tailEnd type="none" w="med" len="med"/>
+                    </a:lnR>
+                    <a:lnT w="12700" cap="flat" cmpd="sng" algn="ctr">
+                      <a:solidFill>
+                        <a:schemeClr val="tx1"/>
+                      </a:solidFill>
+                      <a:prstDash val="solid"/>
+                      <a:round/>
+                      <a:headEnd type="none" w="med" len="med"/>
+                      <a:tailEnd type="none" w="med" len="med"/>
+                    </a:lnT>
+                    <a:lnB w="12700" cap="flat" cmpd="sng" algn="ctr">
+                      <a:solidFill>
+                        <a:schemeClr val="tx1"/>
+                      </a:solidFill>
+                      <a:prstDash val="solid"/>
+                      <a:round/>
+                      <a:headEnd type="none" w="med" len="med"/>
+                      <a:tailEnd type="none" w="med" len="med"/>
+                    </a:lnB>
+                    <a:noFill/>
+                  </a:tcPr>
+                </a:tc>
+                <a:tc>
+                  <a:txBody>
+                    <a:bodyPr/>
+                    <a:lstStyle/>
+                    <a:p>
+                      <a:r>
+                        <a:rPr lang="ru-RU" sz="1400" dirty="0" smtClean="0">
+                          <a:solidFill>
+                            <a:schemeClr val="tx1"/>
+                          </a:solidFill>
+                        </a:rPr>
+                        <a:t>чтение</a:t>
+                      </a:r>
+                      <a:endParaRPr lang="ru-RU" sz="1400" dirty="0">
+                        <a:solidFill>
+                          <a:schemeClr val="tx1"/>
+                        </a:solidFill>
+                      </a:endParaRPr>
+                    </a:p>
+                  </a:txBody>
+                  <a:tcPr>
+                    <a:lnL w="12700" cap="flat" cmpd="sng" algn="ctr">
+                      <a:solidFill>
+                        <a:schemeClr val="tx1"/>
+                      </a:solidFill>
+                      <a:prstDash val="solid"/>
+                      <a:round/>
+                      <a:headEnd type="none" w="med" len="med"/>
+                      <a:tailEnd type="none" w="med" len="med"/>
+                    </a:lnL>
+                    <a:lnR w="12700" cap="flat" cmpd="sng" algn="ctr">
+                      <a:solidFill>
+                        <a:schemeClr val="tx1"/>
+                      </a:solidFill>
+                      <a:prstDash val="solid"/>
+                      <a:round/>
+                      <a:headEnd type="none" w="med" len="med"/>
+                      <a:tailEnd type="none" w="med" len="med"/>
+                    </a:lnR>
+                    <a:lnT w="12700" cap="flat" cmpd="sng" algn="ctr">
+                      <a:solidFill>
+                        <a:schemeClr val="tx1"/>
+                      </a:solidFill>
+                      <a:prstDash val="solid"/>
+                      <a:round/>
+                      <a:headEnd type="none" w="med" len="med"/>
+                      <a:tailEnd type="none" w="med" len="med"/>
+                    </a:lnT>
+                    <a:lnB w="12700" cap="flat" cmpd="sng" algn="ctr">
+                      <a:solidFill>
+                        <a:schemeClr val="tx1"/>
+                      </a:solidFill>
+                      <a:prstDash val="solid"/>
+                      <a:round/>
+                      <a:headEnd type="none" w="med" len="med"/>
+                      <a:tailEnd type="none" w="med" len="med"/>
+                    </a:lnB>
+                    <a:noFill/>
+                  </a:tcPr>
+                </a:tc>
+              </a:tr>
+              <a:tr h="269288">
+                <a:tc>
+                  <a:txBody>
+                    <a:bodyPr/>
+                    <a:lstStyle/>
+                    <a:p>
+                      <a:r>
+                        <a:rPr lang="en-US" sz="1400" dirty="0" smtClean="0">
+                          <a:solidFill>
+                            <a:schemeClr val="tx1"/>
+                          </a:solidFill>
+                        </a:rPr>
+                        <a:t>x</a:t>
+                      </a:r>
+                      <a:endParaRPr lang="ru-RU" sz="1400" dirty="0">
+                        <a:solidFill>
+                          <a:schemeClr val="tx1"/>
+                        </a:solidFill>
+                      </a:endParaRPr>
+                    </a:p>
+                  </a:txBody>
+                  <a:tcPr>
+                    <a:lnL w="12700" cap="flat" cmpd="sng" algn="ctr">
+                      <a:solidFill>
+                        <a:schemeClr val="tx1"/>
+                      </a:solidFill>
+                      <a:prstDash val="solid"/>
+                      <a:round/>
+                      <a:headEnd type="none" w="med" len="med"/>
+                      <a:tailEnd type="none" w="med" len="med"/>
+                    </a:lnL>
+                    <a:lnR w="12700" cap="flat" cmpd="sng" algn="ctr">
+                      <a:solidFill>
+                        <a:schemeClr val="tx1"/>
+                      </a:solidFill>
+                      <a:prstDash val="solid"/>
+                      <a:round/>
+                      <a:headEnd type="none" w="med" len="med"/>
+                      <a:tailEnd type="none" w="med" len="med"/>
+                    </a:lnR>
+                    <a:lnT w="12700" cap="flat" cmpd="sng" algn="ctr">
+                      <a:solidFill>
+                        <a:schemeClr val="tx1"/>
+                      </a:solidFill>
+                      <a:prstDash val="solid"/>
+                      <a:round/>
+                      <a:headEnd type="none" w="med" len="med"/>
+                      <a:tailEnd type="none" w="med" len="med"/>
+                    </a:lnT>
+                    <a:lnB w="12700" cap="flat" cmpd="sng" algn="ctr">
+                      <a:solidFill>
+                        <a:schemeClr val="tx1"/>
+                      </a:solidFill>
+                      <a:prstDash val="solid"/>
+                      <a:round/>
+                      <a:headEnd type="none" w="med" len="med"/>
+                      <a:tailEnd type="none" w="med" len="med"/>
+                    </a:lnB>
+                    <a:noFill/>
+                  </a:tcPr>
+                </a:tc>
+                <a:tc>
+                  <a:txBody>
+                    <a:bodyPr/>
+                    <a:lstStyle/>
+                    <a:p>
+                      <a:r>
+                        <a:rPr lang="en-US" sz="1400" dirty="0" smtClean="0">
+                          <a:solidFill>
+                            <a:schemeClr val="tx1"/>
+                          </a:solidFill>
+                        </a:rPr>
+                        <a:t>({m1},</a:t>
+                      </a:r>
+                      <a:r>
+                        <a:rPr lang="en-US" sz="1400" baseline="0" dirty="0" smtClean="0">
+                          <a:solidFill>
+                            <a:schemeClr val="tx1"/>
+                          </a:solidFill>
+                        </a:rPr>
+                        <a:t> {})</a:t>
+                      </a:r>
+                      <a:endParaRPr lang="ru-RU" sz="1400" dirty="0">
+                        <a:solidFill>
+                          <a:schemeClr val="tx1"/>
+                        </a:solidFill>
+                      </a:endParaRPr>
+                    </a:p>
+                  </a:txBody>
+                  <a:tcPr>
+                    <a:lnL w="12700" cap="flat" cmpd="sng" algn="ctr">
+                      <a:solidFill>
+                        <a:schemeClr val="tx1"/>
+                      </a:solidFill>
+                      <a:prstDash val="solid"/>
+                      <a:round/>
+                      <a:headEnd type="none" w="med" len="med"/>
+                      <a:tailEnd type="none" w="med" len="med"/>
+                    </a:lnL>
+                    <a:lnR w="12700" cap="flat" cmpd="sng" algn="ctr">
+                      <a:solidFill>
+                        <a:schemeClr val="tx1"/>
+                      </a:solidFill>
+                      <a:prstDash val="solid"/>
+                      <a:round/>
+                      <a:headEnd type="none" w="med" len="med"/>
+                      <a:tailEnd type="none" w="med" len="med"/>
+                    </a:lnR>
+                    <a:lnT w="12700" cap="flat" cmpd="sng" algn="ctr">
+                      <a:solidFill>
+                        <a:schemeClr val="tx1"/>
+                      </a:solidFill>
+                      <a:prstDash val="solid"/>
+                      <a:round/>
+                      <a:headEnd type="none" w="med" len="med"/>
+                      <a:tailEnd type="none" w="med" len="med"/>
+                    </a:lnT>
+                    <a:lnB w="12700" cap="flat" cmpd="sng" algn="ctr">
+                      <a:solidFill>
+                        <a:schemeClr val="tx1"/>
+                      </a:solidFill>
+                      <a:prstDash val="solid"/>
+                      <a:round/>
+                      <a:headEnd type="none" w="med" len="med"/>
+                      <a:tailEnd type="none" w="med" len="med"/>
+                    </a:lnB>
+                    <a:noFill/>
+                  </a:tcPr>
+                </a:tc>
+                <a:tc>
+                  <a:txBody>
+                    <a:bodyPr/>
+                    <a:lstStyle/>
+                    <a:p>
+                      <a:r>
+                        <a:rPr lang="ru-RU" sz="1400" dirty="0" smtClean="0">
+                          <a:solidFill>
+                            <a:schemeClr val="tx1"/>
+                          </a:solidFill>
+                        </a:rPr>
+                        <a:t>запись</a:t>
+                      </a:r>
+                      <a:endParaRPr lang="ru-RU" sz="1400" dirty="0">
+                        <a:solidFill>
+                          <a:schemeClr val="tx1"/>
+                        </a:solidFill>
+                      </a:endParaRPr>
+                    </a:p>
+                  </a:txBody>
+                  <a:tcPr>
+                    <a:lnL w="12700" cap="flat" cmpd="sng" algn="ctr">
+                      <a:solidFill>
+                        <a:schemeClr val="tx1"/>
+                      </a:solidFill>
+                      <a:prstDash val="solid"/>
+                      <a:round/>
+                      <a:headEnd type="none" w="med" len="med"/>
+                      <a:tailEnd type="none" w="med" len="med"/>
+                    </a:lnL>
+                    <a:lnR w="12700" cap="flat" cmpd="sng" algn="ctr">
+                      <a:solidFill>
+                        <a:schemeClr val="tx1"/>
+                      </a:solidFill>
+                      <a:prstDash val="solid"/>
+                      <a:round/>
+                      <a:headEnd type="none" w="med" len="med"/>
+                      <a:tailEnd type="none" w="med" len="med"/>
+                    </a:lnR>
+                    <a:lnT w="12700" cap="flat" cmpd="sng" algn="ctr">
+                      <a:solidFill>
+                        <a:schemeClr val="tx1"/>
+                      </a:solidFill>
+                      <a:prstDash val="solid"/>
+                      <a:round/>
+                      <a:headEnd type="none" w="med" len="med"/>
+                      <a:tailEnd type="none" w="med" len="med"/>
+                    </a:lnT>
+                    <a:lnB w="12700" cap="flat" cmpd="sng" algn="ctr">
+                      <a:solidFill>
+                        <a:schemeClr val="tx1"/>
+                      </a:solidFill>
+                      <a:prstDash val="solid"/>
+                      <a:round/>
+                      <a:headEnd type="none" w="med" len="med"/>
+                      <a:tailEnd type="none" w="med" len="med"/>
+                    </a:lnB>
+                    <a:noFill/>
+                  </a:tcPr>
+                </a:tc>
+              </a:tr>
+              <a:tr h="269288">
+                <a:tc>
+                  <a:txBody>
+                    <a:bodyPr/>
+                    <a:lstStyle/>
+                    <a:p>
+                      <a:r>
+                        <a:rPr lang="en-US" sz="1400" dirty="0" smtClean="0">
+                          <a:solidFill>
+                            <a:schemeClr val="tx1"/>
+                          </a:solidFill>
+                        </a:rPr>
+                        <a:t>y</a:t>
+                      </a:r>
+                      <a:endParaRPr lang="ru-RU" sz="1400" dirty="0">
+                        <a:solidFill>
+                          <a:schemeClr val="tx1"/>
+                        </a:solidFill>
+                      </a:endParaRPr>
+                    </a:p>
+                  </a:txBody>
+                  <a:tcPr>
+                    <a:lnL w="12700" cap="flat" cmpd="sng" algn="ctr">
+                      <a:solidFill>
+                        <a:schemeClr val="tx1"/>
+                      </a:solidFill>
+                      <a:prstDash val="solid"/>
+                      <a:round/>
+                      <a:headEnd type="none" w="med" len="med"/>
+                      <a:tailEnd type="none" w="med" len="med"/>
+                    </a:lnL>
+                    <a:lnR w="12700" cap="flat" cmpd="sng" algn="ctr">
+                      <a:solidFill>
+                        <a:schemeClr val="tx1"/>
+                      </a:solidFill>
+                      <a:prstDash val="solid"/>
+                      <a:round/>
+                      <a:headEnd type="none" w="med" len="med"/>
+                      <a:tailEnd type="none" w="med" len="med"/>
+                    </a:lnR>
+                    <a:lnT w="12700" cap="flat" cmpd="sng" algn="ctr">
+                      <a:solidFill>
+                        <a:schemeClr val="tx1"/>
+                      </a:solidFill>
+                      <a:prstDash val="solid"/>
+                      <a:round/>
+                      <a:headEnd type="none" w="med" len="med"/>
+                      <a:tailEnd type="none" w="med" len="med"/>
+                    </a:lnT>
+                    <a:lnB w="12700" cap="flat" cmpd="sng" algn="ctr">
+                      <a:solidFill>
+                        <a:schemeClr val="tx1"/>
+                      </a:solidFill>
+                      <a:prstDash val="solid"/>
+                      <a:round/>
+                      <a:headEnd type="none" w="med" len="med"/>
+                      <a:tailEnd type="none" w="med" len="med"/>
+                    </a:lnB>
+                    <a:noFill/>
+                  </a:tcPr>
+                </a:tc>
+                <a:tc>
+                  <a:txBody>
+                    <a:bodyPr/>
+                    <a:lstStyle/>
+                    <a:p>
+                      <a:r>
+                        <a:rPr lang="en-US" sz="1400" dirty="0" smtClean="0">
+                          <a:solidFill>
+                            <a:schemeClr val="tx1"/>
+                          </a:solidFill>
+                        </a:rPr>
+                        <a:t>({</a:t>
+                      </a:r>
+                      <a:r>
+                        <a:rPr lang="en-US" sz="1400" dirty="0" smtClean="0">
+                          <a:solidFill>
+                            <a:schemeClr val="tx1"/>
+                          </a:solidFill>
+                        </a:rPr>
+                        <a:t>m1},</a:t>
+                      </a:r>
+                      <a:r>
+                        <a:rPr lang="en-US" sz="1400" baseline="0" dirty="0" smtClean="0">
+                          <a:solidFill>
+                            <a:schemeClr val="tx1"/>
+                          </a:solidFill>
+                        </a:rPr>
+                        <a:t> </a:t>
+                      </a:r>
+                      <a:r>
+                        <a:rPr lang="en-US" sz="1400" baseline="0" dirty="0" smtClean="0">
+                          <a:solidFill>
+                            <a:schemeClr val="tx1"/>
+                          </a:solidFill>
+                        </a:rPr>
+                        <a:t>{})</a:t>
+                      </a:r>
+                      <a:endParaRPr lang="ru-RU" sz="1400" dirty="0">
+                        <a:solidFill>
+                          <a:schemeClr val="tx1"/>
+                        </a:solidFill>
+                      </a:endParaRPr>
+                    </a:p>
+                  </a:txBody>
+                  <a:tcPr>
+                    <a:lnL w="12700" cap="flat" cmpd="sng" algn="ctr">
+                      <a:solidFill>
+                        <a:schemeClr val="tx1"/>
+                      </a:solidFill>
+                      <a:prstDash val="solid"/>
+                      <a:round/>
+                      <a:headEnd type="none" w="med" len="med"/>
+                      <a:tailEnd type="none" w="med" len="med"/>
+                    </a:lnL>
+                    <a:lnR w="12700" cap="flat" cmpd="sng" algn="ctr">
+                      <a:solidFill>
+                        <a:schemeClr val="tx1"/>
+                      </a:solidFill>
+                      <a:prstDash val="solid"/>
+                      <a:round/>
+                      <a:headEnd type="none" w="med" len="med"/>
+                      <a:tailEnd type="none" w="med" len="med"/>
+                    </a:lnR>
+                    <a:lnT w="12700" cap="flat" cmpd="sng" algn="ctr">
+                      <a:solidFill>
+                        <a:schemeClr val="tx1"/>
+                      </a:solidFill>
+                      <a:prstDash val="solid"/>
+                      <a:round/>
+                      <a:headEnd type="none" w="med" len="med"/>
+                      <a:tailEnd type="none" w="med" len="med"/>
+                    </a:lnT>
+                    <a:lnB w="12700" cap="flat" cmpd="sng" algn="ctr">
+                      <a:solidFill>
+                        <a:schemeClr val="tx1"/>
+                      </a:solidFill>
+                      <a:prstDash val="solid"/>
+                      <a:round/>
+                      <a:headEnd type="none" w="med" len="med"/>
+                      <a:tailEnd type="none" w="med" len="med"/>
+                    </a:lnB>
+                    <a:noFill/>
+                  </a:tcPr>
+                </a:tc>
+                <a:tc>
+                  <a:txBody>
+                    <a:bodyPr/>
+                    <a:lstStyle/>
+                    <a:p>
+                      <a:r>
+                        <a:rPr lang="ru-RU" sz="1400" dirty="0" smtClean="0">
+                          <a:solidFill>
+                            <a:schemeClr val="tx1"/>
+                          </a:solidFill>
+                        </a:rPr>
+                        <a:t>чтение</a:t>
+                      </a:r>
+                      <a:endParaRPr lang="ru-RU" sz="1400" dirty="0">
+                        <a:solidFill>
+                          <a:schemeClr val="tx1"/>
+                        </a:solidFill>
+                      </a:endParaRPr>
+                    </a:p>
+                  </a:txBody>
+                  <a:tcPr>
+                    <a:lnL w="12700" cap="flat" cmpd="sng" algn="ctr">
+                      <a:solidFill>
+                        <a:schemeClr val="tx1"/>
+                      </a:solidFill>
+                      <a:prstDash val="solid"/>
+                      <a:round/>
+                      <a:headEnd type="none" w="med" len="med"/>
+                      <a:tailEnd type="none" w="med" len="med"/>
+                    </a:lnL>
+                    <a:lnR w="12700" cap="flat" cmpd="sng" algn="ctr">
+                      <a:solidFill>
+                        <a:schemeClr val="tx1"/>
+                      </a:solidFill>
+                      <a:prstDash val="solid"/>
+                      <a:round/>
+                      <a:headEnd type="none" w="med" len="med"/>
+                      <a:tailEnd type="none" w="med" len="med"/>
+                    </a:lnR>
+                    <a:lnT w="12700" cap="flat" cmpd="sng" algn="ctr">
+                      <a:solidFill>
+                        <a:schemeClr val="tx1"/>
+                      </a:solidFill>
+                      <a:prstDash val="solid"/>
+                      <a:round/>
+                      <a:headEnd type="none" w="med" len="med"/>
+                      <a:tailEnd type="none" w="med" len="med"/>
+                    </a:lnT>
+                    <a:lnB w="12700" cap="flat" cmpd="sng" algn="ctr">
+                      <a:solidFill>
+                        <a:schemeClr val="tx1"/>
+                      </a:solidFill>
+                      <a:prstDash val="solid"/>
+                      <a:round/>
+                      <a:headEnd type="none" w="med" len="med"/>
+                      <a:tailEnd type="none" w="med" len="med"/>
+                    </a:lnB>
+                    <a:noFill/>
+                  </a:tcPr>
+                </a:tc>
+              </a:tr>
+              <a:tr h="269288">
+                <a:tc>
+                  <a:txBody>
+                    <a:bodyPr/>
+                    <a:lstStyle/>
+                    <a:p>
+                      <a:r>
+                        <a:rPr lang="en-US" sz="1400" dirty="0" smtClean="0">
+                          <a:solidFill>
+                            <a:schemeClr val="tx1"/>
+                          </a:solidFill>
+                        </a:rPr>
+                        <a:t>y</a:t>
+                      </a:r>
+                      <a:endParaRPr lang="ru-RU" sz="1400" dirty="0">
+                        <a:solidFill>
+                          <a:schemeClr val="tx1"/>
+                        </a:solidFill>
+                      </a:endParaRPr>
+                    </a:p>
+                  </a:txBody>
+                  <a:tcPr>
+                    <a:lnL w="12700" cap="flat" cmpd="sng" algn="ctr">
+                      <a:solidFill>
+                        <a:schemeClr val="tx1"/>
+                      </a:solidFill>
+                      <a:prstDash val="solid"/>
+                      <a:round/>
+                      <a:headEnd type="none" w="med" len="med"/>
+                      <a:tailEnd type="none" w="med" len="med"/>
+                    </a:lnL>
+                    <a:lnR w="12700" cap="flat" cmpd="sng" algn="ctr">
+                      <a:solidFill>
+                        <a:schemeClr val="tx1"/>
+                      </a:solidFill>
+                      <a:prstDash val="solid"/>
+                      <a:round/>
+                      <a:headEnd type="none" w="med" len="med"/>
+                      <a:tailEnd type="none" w="med" len="med"/>
+                    </a:lnR>
+                    <a:lnT w="12700" cap="flat" cmpd="sng" algn="ctr">
+                      <a:solidFill>
+                        <a:schemeClr val="tx1"/>
+                      </a:solidFill>
+                      <a:prstDash val="solid"/>
+                      <a:round/>
+                      <a:headEnd type="none" w="med" len="med"/>
+                      <a:tailEnd type="none" w="med" len="med"/>
+                    </a:lnT>
+                    <a:lnB w="12700" cap="flat" cmpd="sng" algn="ctr">
+                      <a:solidFill>
+                        <a:schemeClr val="tx1"/>
+                      </a:solidFill>
+                      <a:prstDash val="solid"/>
+                      <a:round/>
+                      <a:headEnd type="none" w="med" len="med"/>
+                      <a:tailEnd type="none" w="med" len="med"/>
+                    </a:lnB>
+                    <a:noFill/>
+                  </a:tcPr>
+                </a:tc>
+                <a:tc>
+                  <a:txBody>
+                    <a:bodyPr/>
+                    <a:lstStyle/>
+                    <a:p>
+                      <a:r>
+                        <a:rPr lang="en-US" sz="1400" dirty="0" smtClean="0">
+                          <a:solidFill>
+                            <a:schemeClr val="tx1"/>
+                          </a:solidFill>
+                        </a:rPr>
+                        <a:t>({</a:t>
+                      </a:r>
+                      <a:r>
+                        <a:rPr lang="en-US" sz="1400" dirty="0" smtClean="0">
+                          <a:solidFill>
+                            <a:schemeClr val="tx1"/>
+                          </a:solidFill>
+                        </a:rPr>
+                        <a:t>m1},</a:t>
+                      </a:r>
+                      <a:r>
+                        <a:rPr lang="en-US" sz="1400" baseline="0" dirty="0" smtClean="0">
+                          <a:solidFill>
+                            <a:schemeClr val="tx1"/>
+                          </a:solidFill>
+                        </a:rPr>
+                        <a:t> </a:t>
+                      </a:r>
+                      <a:r>
+                        <a:rPr lang="en-US" sz="1400" baseline="0" dirty="0" smtClean="0">
+                          <a:solidFill>
+                            <a:schemeClr val="tx1"/>
+                          </a:solidFill>
+                        </a:rPr>
+                        <a:t>{})</a:t>
+                      </a:r>
+                      <a:endParaRPr lang="ru-RU" sz="1400" dirty="0">
+                        <a:solidFill>
+                          <a:schemeClr val="tx1"/>
+                        </a:solidFill>
+                      </a:endParaRPr>
+                    </a:p>
+                  </a:txBody>
+                  <a:tcPr>
+                    <a:lnL w="12700" cap="flat" cmpd="sng" algn="ctr">
+                      <a:solidFill>
+                        <a:schemeClr val="tx1"/>
+                      </a:solidFill>
+                      <a:prstDash val="solid"/>
+                      <a:round/>
+                      <a:headEnd type="none" w="med" len="med"/>
+                      <a:tailEnd type="none" w="med" len="med"/>
+                    </a:lnL>
+                    <a:lnR w="12700" cap="flat" cmpd="sng" algn="ctr">
+                      <a:solidFill>
+                        <a:schemeClr val="tx1"/>
+                      </a:solidFill>
+                      <a:prstDash val="solid"/>
+                      <a:round/>
+                      <a:headEnd type="none" w="med" len="med"/>
+                      <a:tailEnd type="none" w="med" len="med"/>
+                    </a:lnR>
+                    <a:lnT w="12700" cap="flat" cmpd="sng" algn="ctr">
+                      <a:solidFill>
+                        <a:schemeClr val="tx1"/>
+                      </a:solidFill>
+                      <a:prstDash val="solid"/>
+                      <a:round/>
+                      <a:headEnd type="none" w="med" len="med"/>
+                      <a:tailEnd type="none" w="med" len="med"/>
+                    </a:lnT>
+                    <a:lnB w="12700" cap="flat" cmpd="sng" algn="ctr">
+                      <a:solidFill>
+                        <a:schemeClr val="tx1"/>
+                      </a:solidFill>
+                      <a:prstDash val="solid"/>
+                      <a:round/>
+                      <a:headEnd type="none" w="med" len="med"/>
+                      <a:tailEnd type="none" w="med" len="med"/>
+                    </a:lnB>
+                    <a:noFill/>
+                  </a:tcPr>
+                </a:tc>
+                <a:tc>
+                  <a:txBody>
+                    <a:bodyPr/>
+                    <a:lstStyle/>
+                    <a:p>
+                      <a:r>
+                        <a:rPr lang="ru-RU" sz="1400" dirty="0" smtClean="0">
+                          <a:solidFill>
+                            <a:schemeClr val="tx1"/>
+                          </a:solidFill>
+                        </a:rPr>
+                        <a:t>запись</a:t>
+                      </a:r>
+                      <a:endParaRPr lang="ru-RU" sz="1400" dirty="0">
+                        <a:solidFill>
+                          <a:schemeClr val="tx1"/>
+                        </a:solidFill>
+                      </a:endParaRPr>
+                    </a:p>
+                  </a:txBody>
+                  <a:tcPr>
+                    <a:lnL w="12700" cap="flat" cmpd="sng" algn="ctr">
+                      <a:solidFill>
+                        <a:schemeClr val="tx1"/>
+                      </a:solidFill>
+                      <a:prstDash val="solid"/>
+                      <a:round/>
+                      <a:headEnd type="none" w="med" len="med"/>
+                      <a:tailEnd type="none" w="med" len="med"/>
+                    </a:lnL>
+                    <a:lnR w="12700" cap="flat" cmpd="sng" algn="ctr">
+                      <a:solidFill>
+                        <a:schemeClr val="tx1"/>
+                      </a:solidFill>
+                      <a:prstDash val="solid"/>
+                      <a:round/>
+                      <a:headEnd type="none" w="med" len="med"/>
+                      <a:tailEnd type="none" w="med" len="med"/>
+                    </a:lnR>
+                    <a:lnT w="12700" cap="flat" cmpd="sng" algn="ctr">
+                      <a:solidFill>
+                        <a:schemeClr val="tx1"/>
+                      </a:solidFill>
+                      <a:prstDash val="solid"/>
+                      <a:round/>
+                      <a:headEnd type="none" w="med" len="med"/>
+                      <a:tailEnd type="none" w="med" len="med"/>
+                    </a:lnT>
+                    <a:lnB w="12700" cap="flat" cmpd="sng" algn="ctr">
+                      <a:solidFill>
+                        <a:schemeClr val="tx1"/>
+                      </a:solidFill>
+                      <a:prstDash val="solid"/>
+                      <a:round/>
+                      <a:headEnd type="none" w="med" len="med"/>
+                      <a:tailEnd type="none" w="med" len="med"/>
+                    </a:lnB>
+                    <a:noFill/>
+                  </a:tcPr>
+                </a:tc>
+              </a:tr>
+            </a:tbl>
+          </a:graphicData>
+        </a:graphic>
+      </p:graphicFrame>
+      <p:sp>
+        <p:nvSpPr>
+          <p:cNvPr id="7" name="Левая фигурная скобка 6"/>
+          <p:cNvSpPr/>
+          <p:nvPr/>
+        </p:nvSpPr>
+        <p:spPr>
+          <a:xfrm>
+            <a:off x="5004048" y="2852936"/>
+            <a:ext cx="144016" cy="576064"/>
+          </a:xfrm>
+          <a:prstGeom prst="leftBrace">
+            <a:avLst/>
+          </a:prstGeom>
+        </p:spPr>
+        <p:style>
+          <a:lnRef idx="1">
+            <a:schemeClr val="accent1"/>
+          </a:lnRef>
+          <a:fillRef idx="0">
+            <a:schemeClr val="accent1"/>
+          </a:fillRef>
+          <a:effectRef idx="0">
+            <a:schemeClr val="accent1"/>
+          </a:effectRef>
+          <a:fontRef idx="minor">
+            <a:schemeClr val="tx1"/>
+          </a:fontRef>
+        </p:style>
+        <p:txBody>
+          <a:bodyPr rtlCol="0" anchor="ctr"/>
+          <a:lstStyle/>
+          <a:p>
+            <a:pPr algn="ctr"/>
+            <a:endParaRPr lang="ru-RU"/>
+          </a:p>
+        </p:txBody>
+      </p:sp>
+      <p:sp>
+        <p:nvSpPr>
+          <p:cNvPr id="8" name="Левая фигурная скобка 7"/>
+          <p:cNvSpPr/>
+          <p:nvPr/>
+        </p:nvSpPr>
+        <p:spPr>
+          <a:xfrm>
+            <a:off x="5004048" y="3501008"/>
+            <a:ext cx="144016" cy="576064"/>
+          </a:xfrm>
+          <a:prstGeom prst="leftBrace">
+            <a:avLst/>
+          </a:prstGeom>
+        </p:spPr>
+        <p:style>
+          <a:lnRef idx="1">
+            <a:schemeClr val="accent1"/>
+          </a:lnRef>
+          <a:fillRef idx="0">
+            <a:schemeClr val="accent1"/>
+          </a:fillRef>
+          <a:effectRef idx="0">
+            <a:schemeClr val="accent1"/>
+          </a:effectRef>
+          <a:fontRef idx="minor">
+            <a:schemeClr val="tx1"/>
+          </a:fontRef>
+        </p:style>
+        <p:txBody>
+          <a:bodyPr rtlCol="0" anchor="ctr"/>
+          <a:lstStyle/>
+          <a:p>
+            <a:pPr algn="ctr"/>
+            <a:endParaRPr lang="ru-RU"/>
+          </a:p>
+        </p:txBody>
+      </p:sp>
+      <p:cxnSp>
+        <p:nvCxnSpPr>
+          <p:cNvPr id="10" name="Прямая соединительная линия 9"/>
+          <p:cNvCxnSpPr>
+            <a:endCxn id="7" idx="1"/>
+          </p:cNvCxnSpPr>
+          <p:nvPr/>
+        </p:nvCxnSpPr>
+        <p:spPr>
+          <a:xfrm>
+            <a:off x="1907704" y="3140968"/>
+            <a:ext cx="3096344" cy="0"/>
+          </a:xfrm>
+          <a:prstGeom prst="line">
+            <a:avLst/>
+          </a:prstGeom>
+        </p:spPr>
+        <p:style>
+          <a:lnRef idx="1">
+            <a:schemeClr val="accent1"/>
+          </a:lnRef>
+          <a:fillRef idx="0">
+            <a:schemeClr val="accent1"/>
+          </a:fillRef>
+          <a:effectRef idx="0">
+            <a:schemeClr val="accent1"/>
+          </a:effectRef>
+          <a:fontRef idx="minor">
+            <a:schemeClr val="tx1"/>
+          </a:fontRef>
+        </p:style>
+      </p:cxnSp>
+      <p:cxnSp>
+        <p:nvCxnSpPr>
+          <p:cNvPr id="12" name="Прямая соединительная линия 11"/>
+          <p:cNvCxnSpPr>
+            <a:endCxn id="8" idx="1"/>
+          </p:cNvCxnSpPr>
+          <p:nvPr/>
+        </p:nvCxnSpPr>
+        <p:spPr>
+          <a:xfrm flipV="1">
+            <a:off x="1835696" y="3789040"/>
+            <a:ext cx="3168352" cy="648072"/>
+          </a:xfrm>
+          <a:prstGeom prst="line">
+            <a:avLst/>
+          </a:prstGeom>
+        </p:spPr>
+        <p:style>
+          <a:lnRef idx="1">
+            <a:schemeClr val="accent1"/>
+          </a:lnRef>
+          <a:fillRef idx="0">
+            <a:schemeClr val="accent1"/>
+          </a:fillRef>
+          <a:effectRef idx="0">
+            <a:schemeClr val="accent1"/>
+          </a:effectRef>
+          <a:fontRef idx="minor">
+            <a:schemeClr val="tx1"/>
+          </a:fontRef>
+        </p:style>
+      </p:cxnSp>
     </p:spTree>
   </p:cSld>
   <p:clrMapOvr>
@@ -16258,40 +19226,42 @@
         </p:nvSpPr>
         <p:spPr/>
         <p:txBody>
-          <a:bodyPr/>
+          <a:bodyPr>
+            <a:normAutofit fontScale="90000"/>
+          </a:bodyPr>
           <a:lstStyle/>
           <a:p>
             <a:r>
               <a:rPr lang="ru-RU" dirty="0" smtClean="0"/>
-              <a:t>Структура ПО</a:t>
+              <a:t>Определение мест возможного возникновения гонок</a:t>
             </a:r>
             <a:endParaRPr lang="ru-RU" dirty="0"/>
           </a:p>
         </p:txBody>
       </p:sp>
-      <p:sp>
-        <p:nvSpPr>
-          <p:cNvPr id="3" name="Содержимое 2"/>
-          <p:cNvSpPr>
-            <a:spLocks noGrp="1"/>
-          </p:cNvSpPr>
+      <p:pic>
+        <p:nvPicPr>
+          <p:cNvPr id="5" name="Содержимое 4" descr="generate_warnings.emf"/>
+          <p:cNvPicPr>
+            <a:picLocks noGrp="1" noChangeAspect="1"/>
+          </p:cNvPicPr>
           <p:nvPr>
             <p:ph idx="1"/>
           </p:nvPr>
-        </p:nvSpPr>
-        <p:spPr/>
-        <p:txBody>
-          <a:bodyPr/>
-          <a:lstStyle/>
-          <a:p>
-            <a:r>
-              <a:rPr lang="ru-RU" dirty="0" smtClean="0"/>
-              <a:t>Тут будет схема ПО</a:t>
-            </a:r>
-            <a:endParaRPr lang="ru-RU" dirty="0"/>
-          </a:p>
-        </p:txBody>
-      </p:sp>
+        </p:nvPicPr>
+        <p:blipFill>
+          <a:blip r:embed="rId2" cstate="print"/>
+          <a:stretch>
+            <a:fillRect/>
+          </a:stretch>
+        </p:blipFill>
+        <p:spPr>
+          <a:xfrm>
+            <a:off x="179512" y="1844824"/>
+            <a:ext cx="8694981" cy="4032448"/>
+          </a:xfrm>
+        </p:spPr>
+      </p:pic>
       <p:sp>
         <p:nvSpPr>
           <p:cNvPr id="4" name="Номер слайда 3"/>
@@ -16360,12 +19330,14 @@
         </p:nvSpPr>
         <p:spPr/>
         <p:txBody>
-          <a:bodyPr/>
+          <a:bodyPr>
+            <a:normAutofit fontScale="90000"/>
+          </a:bodyPr>
           <a:lstStyle/>
           <a:p>
             <a:r>
               <a:rPr lang="ru-RU" dirty="0" smtClean="0"/>
-              <a:t>Ограничения реализации</a:t>
+              <a:t>Определение мест возможного возникновения гонок</a:t>
             </a:r>
             <a:endParaRPr lang="ru-RU" dirty="0"/>
           </a:p>
@@ -16388,36 +19360,8 @@
           <a:p>
             <a:r>
               <a:rPr lang="ru-RU" dirty="0" smtClean="0"/>
-              <a:t>Использование мьютексов для организации критических секций</a:t>
-            </a:r>
-          </a:p>
-          <a:p>
-            <a:r>
-              <a:rPr lang="ru-RU" dirty="0" smtClean="0"/>
-              <a:t>Использование </a:t>
-            </a:r>
-            <a:r>
-              <a:rPr lang="en-US" dirty="0" smtClean="0"/>
-              <a:t>POSIX API</a:t>
-            </a:r>
-            <a:r>
-              <a:rPr lang="ru-RU" dirty="0" smtClean="0"/>
-              <a:t> для работы с потоками и объектами взаимоисключения</a:t>
-            </a:r>
-          </a:p>
-          <a:p>
-            <a:r>
-              <a:rPr lang="ru-RU" dirty="0" smtClean="0"/>
-              <a:t>Отсутствие обращений к полям структур</a:t>
-            </a:r>
-          </a:p>
-          <a:p>
-            <a:endParaRPr lang="ru-RU" dirty="0" smtClean="0"/>
-          </a:p>
-          <a:p>
-            <a:endParaRPr lang="ru-RU" dirty="0" smtClean="0"/>
-          </a:p>
-          <a:p>
+              <a:t>Тут будет пример</a:t>
+            </a:r>
             <a:endParaRPr lang="ru-RU" dirty="0"/>
           </a:p>
         </p:txBody>
@@ -16451,6 +19395,13 @@
   <p:clrMapOvr>
     <a:masterClrMapping/>
   </p:clrMapOvr>
+  <p:timing>
+    <p:tnLst>
+      <p:par>
+        <p:cTn id="1" dur="indefinite" restart="never" nodeType="tmRoot"/>
+      </p:par>
+    </p:tnLst>
+  </p:timing>
 </p:sld>
 </file>
 
@@ -16488,7 +19439,7 @@
           <a:p>
             <a:r>
               <a:rPr lang="ru-RU" dirty="0" smtClean="0"/>
-              <a:t>Результаты исследований</a:t>
+              <a:t>Структура ПО</a:t>
             </a:r>
             <a:endParaRPr lang="ru-RU" dirty="0"/>
           </a:p>
@@ -16511,10 +19462,8 @@
           <a:p>
             <a:r>
               <a:rPr lang="ru-RU" dirty="0" smtClean="0"/>
-              <a:t>Надо каким-то образом показать вклад каждого из этапов на итоговый результат…</a:t>
-            </a:r>
-          </a:p>
-          <a:p>
+              <a:t>Тут будет схема ПО</a:t>
+            </a:r>
             <a:endParaRPr lang="ru-RU" dirty="0"/>
           </a:p>
         </p:txBody>
@@ -16538,6 +19487,233 @@
               <a:rPr lang="ru-RU" smtClean="0"/>
               <a:pPr/>
               <a:t>22</a:t>
+            </a:fld>
+            <a:endParaRPr lang="ru-RU"/>
+          </a:p>
+        </p:txBody>
+      </p:sp>
+    </p:spTree>
+  </p:cSld>
+  <p:clrMapOvr>
+    <a:masterClrMapping/>
+  </p:clrMapOvr>
+  <p:timing>
+    <p:tnLst>
+      <p:par>
+        <p:cTn id="1" dur="indefinite" restart="never" nodeType="tmRoot"/>
+      </p:par>
+    </p:tnLst>
+  </p:timing>
+</p:sld>
+</file>
+
+<file path=ppt/slides/slide23.xml><?xml version="1.0" encoding="utf-8"?>
+<p:sld xmlns:a="http://schemas.openxmlformats.org/drawingml/2006/main" xmlns:r="http://schemas.openxmlformats.org/officeDocument/2006/relationships" xmlns:p="http://schemas.openxmlformats.org/presentationml/2006/main">
+  <p:cSld>
+    <p:spTree>
+      <p:nvGrpSpPr>
+        <p:cNvPr id="1" name=""/>
+        <p:cNvGrpSpPr/>
+        <p:nvPr/>
+      </p:nvGrpSpPr>
+      <p:grpSpPr>
+        <a:xfrm>
+          <a:off x="0" y="0"/>
+          <a:ext cx="0" cy="0"/>
+          <a:chOff x="0" y="0"/>
+          <a:chExt cx="0" cy="0"/>
+        </a:xfrm>
+      </p:grpSpPr>
+      <p:sp>
+        <p:nvSpPr>
+          <p:cNvPr id="2" name="Заголовок 1"/>
+          <p:cNvSpPr>
+            <a:spLocks noGrp="1"/>
+          </p:cNvSpPr>
+          <p:nvPr>
+            <p:ph type="title"/>
+          </p:nvPr>
+        </p:nvSpPr>
+        <p:spPr/>
+        <p:txBody>
+          <a:bodyPr/>
+          <a:lstStyle/>
+          <a:p>
+            <a:r>
+              <a:rPr lang="ru-RU" dirty="0" smtClean="0"/>
+              <a:t>Ограничения реализации</a:t>
+            </a:r>
+            <a:endParaRPr lang="ru-RU" dirty="0"/>
+          </a:p>
+        </p:txBody>
+      </p:sp>
+      <p:sp>
+        <p:nvSpPr>
+          <p:cNvPr id="3" name="Содержимое 2"/>
+          <p:cNvSpPr>
+            <a:spLocks noGrp="1"/>
+          </p:cNvSpPr>
+          <p:nvPr>
+            <p:ph idx="1"/>
+          </p:nvPr>
+        </p:nvSpPr>
+        <p:spPr/>
+        <p:txBody>
+          <a:bodyPr/>
+          <a:lstStyle/>
+          <a:p>
+            <a:r>
+              <a:rPr lang="ru-RU" dirty="0" smtClean="0"/>
+              <a:t>Использование мьютексов для организации критических секций</a:t>
+            </a:r>
+          </a:p>
+          <a:p>
+            <a:r>
+              <a:rPr lang="ru-RU" dirty="0" smtClean="0"/>
+              <a:t>Использование </a:t>
+            </a:r>
+            <a:r>
+              <a:rPr lang="en-US" dirty="0" smtClean="0"/>
+              <a:t>POSIX API</a:t>
+            </a:r>
+            <a:r>
+              <a:rPr lang="ru-RU" dirty="0" smtClean="0"/>
+              <a:t> для работы с потоками и объектами взаимоисключения</a:t>
+            </a:r>
+          </a:p>
+          <a:p>
+            <a:r>
+              <a:rPr lang="ru-RU" dirty="0" smtClean="0"/>
+              <a:t>Отсутствие обращений к полям структур</a:t>
+            </a:r>
+          </a:p>
+          <a:p>
+            <a:endParaRPr lang="ru-RU" dirty="0" smtClean="0"/>
+          </a:p>
+          <a:p>
+            <a:endParaRPr lang="ru-RU" dirty="0" smtClean="0"/>
+          </a:p>
+          <a:p>
+            <a:endParaRPr lang="ru-RU" dirty="0"/>
+          </a:p>
+        </p:txBody>
+      </p:sp>
+      <p:sp>
+        <p:nvSpPr>
+          <p:cNvPr id="4" name="Номер слайда 3"/>
+          <p:cNvSpPr>
+            <a:spLocks noGrp="1"/>
+          </p:cNvSpPr>
+          <p:nvPr>
+            <p:ph type="sldNum" sz="quarter" idx="12"/>
+          </p:nvPr>
+        </p:nvSpPr>
+        <p:spPr/>
+        <p:txBody>
+          <a:bodyPr/>
+          <a:lstStyle/>
+          <a:p>
+            <a:fld id="{6ACCCD26-A6AD-4D04-8A48-0C02F87992A0}" type="slidenum">
+              <a:rPr lang="ru-RU" smtClean="0"/>
+              <a:pPr/>
+              <a:t>23</a:t>
+            </a:fld>
+            <a:endParaRPr lang="ru-RU"/>
+          </a:p>
+        </p:txBody>
+      </p:sp>
+    </p:spTree>
+  </p:cSld>
+  <p:clrMapOvr>
+    <a:masterClrMapping/>
+  </p:clrMapOvr>
+</p:sld>
+</file>
+
+<file path=ppt/slides/slide24.xml><?xml version="1.0" encoding="utf-8"?>
+<p:sld xmlns:a="http://schemas.openxmlformats.org/drawingml/2006/main" xmlns:r="http://schemas.openxmlformats.org/officeDocument/2006/relationships" xmlns:p="http://schemas.openxmlformats.org/presentationml/2006/main">
+  <p:cSld>
+    <p:spTree>
+      <p:nvGrpSpPr>
+        <p:cNvPr id="1" name=""/>
+        <p:cNvGrpSpPr/>
+        <p:nvPr/>
+      </p:nvGrpSpPr>
+      <p:grpSpPr>
+        <a:xfrm>
+          <a:off x="0" y="0"/>
+          <a:ext cx="0" cy="0"/>
+          <a:chOff x="0" y="0"/>
+          <a:chExt cx="0" cy="0"/>
+        </a:xfrm>
+      </p:grpSpPr>
+      <p:sp>
+        <p:nvSpPr>
+          <p:cNvPr id="2" name="Заголовок 1"/>
+          <p:cNvSpPr>
+            <a:spLocks noGrp="1"/>
+          </p:cNvSpPr>
+          <p:nvPr>
+            <p:ph type="title"/>
+          </p:nvPr>
+        </p:nvSpPr>
+        <p:spPr/>
+        <p:txBody>
+          <a:bodyPr/>
+          <a:lstStyle/>
+          <a:p>
+            <a:r>
+              <a:rPr lang="ru-RU" dirty="0" smtClean="0"/>
+              <a:t>Результаты исследований</a:t>
+            </a:r>
+            <a:endParaRPr lang="ru-RU" dirty="0"/>
+          </a:p>
+        </p:txBody>
+      </p:sp>
+      <p:sp>
+        <p:nvSpPr>
+          <p:cNvPr id="3" name="Содержимое 2"/>
+          <p:cNvSpPr>
+            <a:spLocks noGrp="1"/>
+          </p:cNvSpPr>
+          <p:nvPr>
+            <p:ph idx="1"/>
+          </p:nvPr>
+        </p:nvSpPr>
+        <p:spPr/>
+        <p:txBody>
+          <a:bodyPr/>
+          <a:lstStyle/>
+          <a:p>
+            <a:r>
+              <a:rPr lang="ru-RU" dirty="0" smtClean="0"/>
+              <a:t>Надо каким-то образом показать вклад каждого из этапов на итоговый результат…</a:t>
+            </a:r>
+          </a:p>
+          <a:p>
+            <a:endParaRPr lang="ru-RU" dirty="0"/>
+          </a:p>
+        </p:txBody>
+      </p:sp>
+      <p:sp>
+        <p:nvSpPr>
+          <p:cNvPr id="4" name="Номер слайда 3"/>
+          <p:cNvSpPr>
+            <a:spLocks noGrp="1"/>
+          </p:cNvSpPr>
+          <p:nvPr>
+            <p:ph type="sldNum" sz="quarter" idx="12"/>
+          </p:nvPr>
+        </p:nvSpPr>
+        <p:spPr/>
+        <p:txBody>
+          <a:bodyPr/>
+          <a:lstStyle/>
+          <a:p>
+            <a:fld id="{6ACCCD26-A6AD-4D04-8A48-0C02F87992A0}" type="slidenum">
+              <a:rPr lang="ru-RU" smtClean="0"/>
+              <a:pPr/>
+              <a:t>24</a:t>
             </a:fld>
             <a:endParaRPr lang="ru-RU"/>
           </a:p>

--- a/presentations/diplom/static race detection.pptx
+++ b/presentations/diplom/static race detection.pptx
@@ -19345,29 +19345,6 @@
       </p:sp>
       <p:sp>
         <p:nvSpPr>
-          <p:cNvPr id="3" name="Содержимое 2"/>
-          <p:cNvSpPr>
-            <a:spLocks noGrp="1"/>
-          </p:cNvSpPr>
-          <p:nvPr>
-            <p:ph idx="1"/>
-          </p:nvPr>
-        </p:nvSpPr>
-        <p:spPr/>
-        <p:txBody>
-          <a:bodyPr/>
-          <a:lstStyle/>
-          <a:p>
-            <a:r>
-              <a:rPr lang="ru-RU" dirty="0" smtClean="0"/>
-              <a:t>Тут будет пример</a:t>
-            </a:r>
-            <a:endParaRPr lang="ru-RU" dirty="0"/>
-          </a:p>
-        </p:txBody>
-      </p:sp>
-      <p:sp>
-        <p:nvSpPr>
           <p:cNvPr id="4" name="Номер слайда 3"/>
           <p:cNvSpPr>
             <a:spLocks noGrp="1"/>
@@ -19386,6 +19363,2246 @@
               <a:pPr/>
               <a:t>21</a:t>
             </a:fld>
+            <a:endParaRPr lang="ru-RU"/>
+          </a:p>
+        </p:txBody>
+      </p:sp>
+      <p:graphicFrame>
+        <p:nvGraphicFramePr>
+          <p:cNvPr id="5" name="Таблица 4"/>
+          <p:cNvGraphicFramePr>
+            <a:graphicFrameLocks noGrp="1"/>
+          </p:cNvGraphicFramePr>
+          <p:nvPr/>
+        </p:nvGraphicFramePr>
+        <p:xfrm>
+          <a:off x="539552" y="2060848"/>
+          <a:ext cx="3600402" cy="1950720"/>
+        </p:xfrm>
+        <a:graphic>
+          <a:graphicData uri="http://schemas.openxmlformats.org/drawingml/2006/table">
+            <a:tbl>
+              <a:tblPr firstRow="1" bandRow="1">
+                <a:effectLst>
+                  <a:outerShdw blurRad="50800" dist="50800" dir="5400000" algn="ctr" rotWithShape="0">
+                    <a:schemeClr val="bg1"/>
+                  </a:outerShdw>
+                </a:effectLst>
+                <a:tableStyleId>{5C22544A-7EE6-4342-B048-85BDC9FD1C3A}</a:tableStyleId>
+              </a:tblPr>
+              <a:tblGrid>
+                <a:gridCol w="936105"/>
+                <a:gridCol w="1464163"/>
+                <a:gridCol w="1200134"/>
+              </a:tblGrid>
+              <a:tr h="587504">
+                <a:tc>
+                  <a:txBody>
+                    <a:bodyPr/>
+                    <a:lstStyle/>
+                    <a:p>
+                      <a:r>
+                        <a:rPr lang="en-US" sz="1400" dirty="0" smtClean="0">
+                          <a:solidFill>
+                            <a:schemeClr val="tx1"/>
+                          </a:solidFill>
+                        </a:rPr>
+                        <a:t>lvalue</a:t>
+                      </a:r>
+                      <a:endParaRPr lang="ru-RU" sz="1400" dirty="0">
+                        <a:solidFill>
+                          <a:schemeClr val="tx1"/>
+                        </a:solidFill>
+                      </a:endParaRPr>
+                    </a:p>
+                  </a:txBody>
+                  <a:tcPr>
+                    <a:lnL w="12700" cap="flat" cmpd="sng" algn="ctr">
+                      <a:solidFill>
+                        <a:schemeClr val="tx1"/>
+                      </a:solidFill>
+                      <a:prstDash val="solid"/>
+                      <a:round/>
+                      <a:headEnd type="none" w="med" len="med"/>
+                      <a:tailEnd type="none" w="med" len="med"/>
+                    </a:lnL>
+                    <a:lnR w="12700" cap="flat" cmpd="sng" algn="ctr">
+                      <a:solidFill>
+                        <a:schemeClr val="tx1"/>
+                      </a:solidFill>
+                      <a:prstDash val="solid"/>
+                      <a:round/>
+                      <a:headEnd type="none" w="med" len="med"/>
+                      <a:tailEnd type="none" w="med" len="med"/>
+                    </a:lnR>
+                    <a:lnT w="12700" cap="flat" cmpd="sng" algn="ctr">
+                      <a:solidFill>
+                        <a:schemeClr val="tx1"/>
+                      </a:solidFill>
+                      <a:prstDash val="solid"/>
+                      <a:round/>
+                      <a:headEnd type="none" w="med" len="med"/>
+                      <a:tailEnd type="none" w="med" len="med"/>
+                    </a:lnT>
+                    <a:lnB w="12700" cap="flat" cmpd="sng" algn="ctr">
+                      <a:solidFill>
+                        <a:schemeClr val="tx1"/>
+                      </a:solidFill>
+                      <a:prstDash val="solid"/>
+                      <a:round/>
+                      <a:headEnd type="none" w="med" len="med"/>
+                      <a:tailEnd type="none" w="med" len="med"/>
+                    </a:lnB>
+                    <a:noFill/>
+                  </a:tcPr>
+                </a:tc>
+                <a:tc>
+                  <a:txBody>
+                    <a:bodyPr/>
+                    <a:lstStyle/>
+                    <a:p>
+                      <a:r>
+                        <a:rPr lang="ru-RU" sz="1400" dirty="0" smtClean="0">
+                          <a:solidFill>
+                            <a:schemeClr val="tx1"/>
+                          </a:solidFill>
+                          <a:latin typeface="+mn-lt"/>
+                          <a:cs typeface="Times New Roman" pitchFamily="18" charset="0"/>
+                        </a:rPr>
+                        <a:t>Относительное множество блокировок</a:t>
+                      </a:r>
+                      <a:endParaRPr lang="ru-RU" sz="1400" dirty="0">
+                        <a:solidFill>
+                          <a:schemeClr val="tx1"/>
+                        </a:solidFill>
+                        <a:latin typeface="+mn-lt"/>
+                        <a:cs typeface="Times New Roman" pitchFamily="18" charset="0"/>
+                      </a:endParaRPr>
+                    </a:p>
+                  </a:txBody>
+                  <a:tcPr>
+                    <a:lnL w="12700" cap="flat" cmpd="sng" algn="ctr">
+                      <a:solidFill>
+                        <a:schemeClr val="tx1"/>
+                      </a:solidFill>
+                      <a:prstDash val="solid"/>
+                      <a:round/>
+                      <a:headEnd type="none" w="med" len="med"/>
+                      <a:tailEnd type="none" w="med" len="med"/>
+                    </a:lnL>
+                    <a:lnR w="12700" cap="flat" cmpd="sng" algn="ctr">
+                      <a:solidFill>
+                        <a:schemeClr val="tx1"/>
+                      </a:solidFill>
+                      <a:prstDash val="solid"/>
+                      <a:round/>
+                      <a:headEnd type="none" w="med" len="med"/>
+                      <a:tailEnd type="none" w="med" len="med"/>
+                    </a:lnR>
+                    <a:lnT w="12700" cap="flat" cmpd="sng" algn="ctr">
+                      <a:solidFill>
+                        <a:schemeClr val="tx1"/>
+                      </a:solidFill>
+                      <a:prstDash val="solid"/>
+                      <a:round/>
+                      <a:headEnd type="none" w="med" len="med"/>
+                      <a:tailEnd type="none" w="med" len="med"/>
+                    </a:lnT>
+                    <a:lnB w="12700" cap="flat" cmpd="sng" algn="ctr">
+                      <a:solidFill>
+                        <a:schemeClr val="tx1"/>
+                      </a:solidFill>
+                      <a:prstDash val="solid"/>
+                      <a:round/>
+                      <a:headEnd type="none" w="med" len="med"/>
+                      <a:tailEnd type="none" w="med" len="med"/>
+                    </a:lnB>
+                    <a:noFill/>
+                  </a:tcPr>
+                </a:tc>
+                <a:tc>
+                  <a:txBody>
+                    <a:bodyPr/>
+                    <a:lstStyle/>
+                    <a:p>
+                      <a:r>
+                        <a:rPr lang="ru-RU" sz="1400" dirty="0" smtClean="0">
+                          <a:solidFill>
+                            <a:schemeClr val="tx1"/>
+                          </a:solidFill>
+                        </a:rPr>
+                        <a:t>Тип доступа</a:t>
+                      </a:r>
+                      <a:endParaRPr lang="ru-RU" sz="1400" dirty="0">
+                        <a:solidFill>
+                          <a:schemeClr val="tx1"/>
+                        </a:solidFill>
+                      </a:endParaRPr>
+                    </a:p>
+                  </a:txBody>
+                  <a:tcPr>
+                    <a:lnL w="12700" cap="flat" cmpd="sng" algn="ctr">
+                      <a:solidFill>
+                        <a:schemeClr val="tx1"/>
+                      </a:solidFill>
+                      <a:prstDash val="solid"/>
+                      <a:round/>
+                      <a:headEnd type="none" w="med" len="med"/>
+                      <a:tailEnd type="none" w="med" len="med"/>
+                    </a:lnL>
+                    <a:lnR w="12700" cap="flat" cmpd="sng" algn="ctr">
+                      <a:solidFill>
+                        <a:schemeClr val="tx1"/>
+                      </a:solidFill>
+                      <a:prstDash val="solid"/>
+                      <a:round/>
+                      <a:headEnd type="none" w="med" len="med"/>
+                      <a:tailEnd type="none" w="med" len="med"/>
+                    </a:lnR>
+                    <a:lnT w="12700" cap="flat" cmpd="sng" algn="ctr">
+                      <a:solidFill>
+                        <a:schemeClr val="tx1"/>
+                      </a:solidFill>
+                      <a:prstDash val="solid"/>
+                      <a:round/>
+                      <a:headEnd type="none" w="med" len="med"/>
+                      <a:tailEnd type="none" w="med" len="med"/>
+                    </a:lnT>
+                    <a:lnB w="12700" cap="flat" cmpd="sng" algn="ctr">
+                      <a:solidFill>
+                        <a:schemeClr val="tx1"/>
+                      </a:solidFill>
+                      <a:prstDash val="solid"/>
+                      <a:round/>
+                      <a:headEnd type="none" w="med" len="med"/>
+                      <a:tailEnd type="none" w="med" len="med"/>
+                    </a:lnB>
+                    <a:noFill/>
+                  </a:tcPr>
+                </a:tc>
+              </a:tr>
+              <a:tr h="269288">
+                <a:tc>
+                  <a:txBody>
+                    <a:bodyPr/>
+                    <a:lstStyle/>
+                    <a:p>
+                      <a:r>
+                        <a:rPr lang="en-US" sz="1400" dirty="0" smtClean="0">
+                          <a:solidFill>
+                            <a:schemeClr val="tx1"/>
+                          </a:solidFill>
+                        </a:rPr>
+                        <a:t>x</a:t>
+                      </a:r>
+                      <a:endParaRPr lang="ru-RU" sz="1400" dirty="0">
+                        <a:solidFill>
+                          <a:schemeClr val="tx1"/>
+                        </a:solidFill>
+                      </a:endParaRPr>
+                    </a:p>
+                  </a:txBody>
+                  <a:tcPr>
+                    <a:lnL w="12700" cap="flat" cmpd="sng" algn="ctr">
+                      <a:solidFill>
+                        <a:schemeClr val="tx1"/>
+                      </a:solidFill>
+                      <a:prstDash val="solid"/>
+                      <a:round/>
+                      <a:headEnd type="none" w="med" len="med"/>
+                      <a:tailEnd type="none" w="med" len="med"/>
+                    </a:lnL>
+                    <a:lnR w="12700" cap="flat" cmpd="sng" algn="ctr">
+                      <a:solidFill>
+                        <a:schemeClr val="tx1"/>
+                      </a:solidFill>
+                      <a:prstDash val="solid"/>
+                      <a:round/>
+                      <a:headEnd type="none" w="med" len="med"/>
+                      <a:tailEnd type="none" w="med" len="med"/>
+                    </a:lnR>
+                    <a:lnT w="12700" cap="flat" cmpd="sng" algn="ctr">
+                      <a:solidFill>
+                        <a:schemeClr val="tx1"/>
+                      </a:solidFill>
+                      <a:prstDash val="solid"/>
+                      <a:round/>
+                      <a:headEnd type="none" w="med" len="med"/>
+                      <a:tailEnd type="none" w="med" len="med"/>
+                    </a:lnT>
+                    <a:lnB w="12700" cap="flat" cmpd="sng" algn="ctr">
+                      <a:solidFill>
+                        <a:schemeClr val="tx1"/>
+                      </a:solidFill>
+                      <a:prstDash val="solid"/>
+                      <a:round/>
+                      <a:headEnd type="none" w="med" len="med"/>
+                      <a:tailEnd type="none" w="med" len="med"/>
+                    </a:lnB>
+                    <a:noFill/>
+                  </a:tcPr>
+                </a:tc>
+                <a:tc>
+                  <a:txBody>
+                    <a:bodyPr/>
+                    <a:lstStyle/>
+                    <a:p>
+                      <a:r>
+                        <a:rPr lang="en-US" sz="1400" dirty="0" smtClean="0">
+                          <a:solidFill>
+                            <a:schemeClr val="tx1"/>
+                          </a:solidFill>
+                        </a:rPr>
+                        <a:t>({m1},</a:t>
+                      </a:r>
+                      <a:r>
+                        <a:rPr lang="en-US" sz="1400" baseline="0" dirty="0" smtClean="0">
+                          <a:solidFill>
+                            <a:schemeClr val="tx1"/>
+                          </a:solidFill>
+                        </a:rPr>
+                        <a:t> {})</a:t>
+                      </a:r>
+                      <a:endParaRPr lang="ru-RU" sz="1400" dirty="0">
+                        <a:solidFill>
+                          <a:schemeClr val="tx1"/>
+                        </a:solidFill>
+                      </a:endParaRPr>
+                    </a:p>
+                  </a:txBody>
+                  <a:tcPr>
+                    <a:lnL w="12700" cap="flat" cmpd="sng" algn="ctr">
+                      <a:solidFill>
+                        <a:schemeClr val="tx1"/>
+                      </a:solidFill>
+                      <a:prstDash val="solid"/>
+                      <a:round/>
+                      <a:headEnd type="none" w="med" len="med"/>
+                      <a:tailEnd type="none" w="med" len="med"/>
+                    </a:lnL>
+                    <a:lnR w="12700" cap="flat" cmpd="sng" algn="ctr">
+                      <a:solidFill>
+                        <a:schemeClr val="tx1"/>
+                      </a:solidFill>
+                      <a:prstDash val="solid"/>
+                      <a:round/>
+                      <a:headEnd type="none" w="med" len="med"/>
+                      <a:tailEnd type="none" w="med" len="med"/>
+                    </a:lnR>
+                    <a:lnT w="12700" cap="flat" cmpd="sng" algn="ctr">
+                      <a:solidFill>
+                        <a:schemeClr val="tx1"/>
+                      </a:solidFill>
+                      <a:prstDash val="solid"/>
+                      <a:round/>
+                      <a:headEnd type="none" w="med" len="med"/>
+                      <a:tailEnd type="none" w="med" len="med"/>
+                    </a:lnT>
+                    <a:lnB w="12700" cap="flat" cmpd="sng" algn="ctr">
+                      <a:solidFill>
+                        <a:schemeClr val="tx1"/>
+                      </a:solidFill>
+                      <a:prstDash val="solid"/>
+                      <a:round/>
+                      <a:headEnd type="none" w="med" len="med"/>
+                      <a:tailEnd type="none" w="med" len="med"/>
+                    </a:lnB>
+                    <a:noFill/>
+                  </a:tcPr>
+                </a:tc>
+                <a:tc>
+                  <a:txBody>
+                    <a:bodyPr/>
+                    <a:lstStyle/>
+                    <a:p>
+                      <a:r>
+                        <a:rPr lang="ru-RU" sz="1400" dirty="0" smtClean="0">
+                          <a:solidFill>
+                            <a:schemeClr val="tx1"/>
+                          </a:solidFill>
+                        </a:rPr>
+                        <a:t>чтение</a:t>
+                      </a:r>
+                      <a:endParaRPr lang="ru-RU" sz="1400" dirty="0">
+                        <a:solidFill>
+                          <a:schemeClr val="tx1"/>
+                        </a:solidFill>
+                      </a:endParaRPr>
+                    </a:p>
+                  </a:txBody>
+                  <a:tcPr>
+                    <a:lnL w="12700" cap="flat" cmpd="sng" algn="ctr">
+                      <a:solidFill>
+                        <a:schemeClr val="tx1"/>
+                      </a:solidFill>
+                      <a:prstDash val="solid"/>
+                      <a:round/>
+                      <a:headEnd type="none" w="med" len="med"/>
+                      <a:tailEnd type="none" w="med" len="med"/>
+                    </a:lnL>
+                    <a:lnR w="12700" cap="flat" cmpd="sng" algn="ctr">
+                      <a:solidFill>
+                        <a:schemeClr val="tx1"/>
+                      </a:solidFill>
+                      <a:prstDash val="solid"/>
+                      <a:round/>
+                      <a:headEnd type="none" w="med" len="med"/>
+                      <a:tailEnd type="none" w="med" len="med"/>
+                    </a:lnR>
+                    <a:lnT w="12700" cap="flat" cmpd="sng" algn="ctr">
+                      <a:solidFill>
+                        <a:schemeClr val="tx1"/>
+                      </a:solidFill>
+                      <a:prstDash val="solid"/>
+                      <a:round/>
+                      <a:headEnd type="none" w="med" len="med"/>
+                      <a:tailEnd type="none" w="med" len="med"/>
+                    </a:lnT>
+                    <a:lnB w="12700" cap="flat" cmpd="sng" algn="ctr">
+                      <a:solidFill>
+                        <a:schemeClr val="tx1"/>
+                      </a:solidFill>
+                      <a:prstDash val="solid"/>
+                      <a:round/>
+                      <a:headEnd type="none" w="med" len="med"/>
+                      <a:tailEnd type="none" w="med" len="med"/>
+                    </a:lnB>
+                    <a:noFill/>
+                  </a:tcPr>
+                </a:tc>
+              </a:tr>
+              <a:tr h="269288">
+                <a:tc>
+                  <a:txBody>
+                    <a:bodyPr/>
+                    <a:lstStyle/>
+                    <a:p>
+                      <a:r>
+                        <a:rPr lang="en-US" sz="1400" dirty="0" smtClean="0">
+                          <a:solidFill>
+                            <a:schemeClr val="tx1"/>
+                          </a:solidFill>
+                        </a:rPr>
+                        <a:t>x</a:t>
+                      </a:r>
+                      <a:endParaRPr lang="ru-RU" sz="1400" dirty="0">
+                        <a:solidFill>
+                          <a:schemeClr val="tx1"/>
+                        </a:solidFill>
+                      </a:endParaRPr>
+                    </a:p>
+                  </a:txBody>
+                  <a:tcPr>
+                    <a:lnL w="12700" cap="flat" cmpd="sng" algn="ctr">
+                      <a:solidFill>
+                        <a:schemeClr val="tx1"/>
+                      </a:solidFill>
+                      <a:prstDash val="solid"/>
+                      <a:round/>
+                      <a:headEnd type="none" w="med" len="med"/>
+                      <a:tailEnd type="none" w="med" len="med"/>
+                    </a:lnL>
+                    <a:lnR w="12700" cap="flat" cmpd="sng" algn="ctr">
+                      <a:solidFill>
+                        <a:schemeClr val="tx1"/>
+                      </a:solidFill>
+                      <a:prstDash val="solid"/>
+                      <a:round/>
+                      <a:headEnd type="none" w="med" len="med"/>
+                      <a:tailEnd type="none" w="med" len="med"/>
+                    </a:lnR>
+                    <a:lnT w="12700" cap="flat" cmpd="sng" algn="ctr">
+                      <a:solidFill>
+                        <a:schemeClr val="tx1"/>
+                      </a:solidFill>
+                      <a:prstDash val="solid"/>
+                      <a:round/>
+                      <a:headEnd type="none" w="med" len="med"/>
+                      <a:tailEnd type="none" w="med" len="med"/>
+                    </a:lnT>
+                    <a:lnB w="12700" cap="flat" cmpd="sng" algn="ctr">
+                      <a:solidFill>
+                        <a:schemeClr val="tx1"/>
+                      </a:solidFill>
+                      <a:prstDash val="solid"/>
+                      <a:round/>
+                      <a:headEnd type="none" w="med" len="med"/>
+                      <a:tailEnd type="none" w="med" len="med"/>
+                    </a:lnB>
+                    <a:noFill/>
+                  </a:tcPr>
+                </a:tc>
+                <a:tc>
+                  <a:txBody>
+                    <a:bodyPr/>
+                    <a:lstStyle/>
+                    <a:p>
+                      <a:r>
+                        <a:rPr lang="en-US" sz="1400" dirty="0" smtClean="0">
+                          <a:solidFill>
+                            <a:schemeClr val="tx1"/>
+                          </a:solidFill>
+                        </a:rPr>
+                        <a:t>({m1},</a:t>
+                      </a:r>
+                      <a:r>
+                        <a:rPr lang="en-US" sz="1400" baseline="0" dirty="0" smtClean="0">
+                          <a:solidFill>
+                            <a:schemeClr val="tx1"/>
+                          </a:solidFill>
+                        </a:rPr>
+                        <a:t> {})</a:t>
+                      </a:r>
+                      <a:endParaRPr lang="ru-RU" sz="1400" dirty="0">
+                        <a:solidFill>
+                          <a:schemeClr val="tx1"/>
+                        </a:solidFill>
+                      </a:endParaRPr>
+                    </a:p>
+                  </a:txBody>
+                  <a:tcPr>
+                    <a:lnL w="12700" cap="flat" cmpd="sng" algn="ctr">
+                      <a:solidFill>
+                        <a:schemeClr val="tx1"/>
+                      </a:solidFill>
+                      <a:prstDash val="solid"/>
+                      <a:round/>
+                      <a:headEnd type="none" w="med" len="med"/>
+                      <a:tailEnd type="none" w="med" len="med"/>
+                    </a:lnL>
+                    <a:lnR w="12700" cap="flat" cmpd="sng" algn="ctr">
+                      <a:solidFill>
+                        <a:schemeClr val="tx1"/>
+                      </a:solidFill>
+                      <a:prstDash val="solid"/>
+                      <a:round/>
+                      <a:headEnd type="none" w="med" len="med"/>
+                      <a:tailEnd type="none" w="med" len="med"/>
+                    </a:lnR>
+                    <a:lnT w="12700" cap="flat" cmpd="sng" algn="ctr">
+                      <a:solidFill>
+                        <a:schemeClr val="tx1"/>
+                      </a:solidFill>
+                      <a:prstDash val="solid"/>
+                      <a:round/>
+                      <a:headEnd type="none" w="med" len="med"/>
+                      <a:tailEnd type="none" w="med" len="med"/>
+                    </a:lnT>
+                    <a:lnB w="12700" cap="flat" cmpd="sng" algn="ctr">
+                      <a:solidFill>
+                        <a:schemeClr val="tx1"/>
+                      </a:solidFill>
+                      <a:prstDash val="solid"/>
+                      <a:round/>
+                      <a:headEnd type="none" w="med" len="med"/>
+                      <a:tailEnd type="none" w="med" len="med"/>
+                    </a:lnB>
+                    <a:noFill/>
+                  </a:tcPr>
+                </a:tc>
+                <a:tc>
+                  <a:txBody>
+                    <a:bodyPr/>
+                    <a:lstStyle/>
+                    <a:p>
+                      <a:r>
+                        <a:rPr lang="ru-RU" sz="1400" dirty="0" smtClean="0">
+                          <a:solidFill>
+                            <a:schemeClr val="tx1"/>
+                          </a:solidFill>
+                        </a:rPr>
+                        <a:t>запись</a:t>
+                      </a:r>
+                      <a:endParaRPr lang="ru-RU" sz="1400" dirty="0">
+                        <a:solidFill>
+                          <a:schemeClr val="tx1"/>
+                        </a:solidFill>
+                      </a:endParaRPr>
+                    </a:p>
+                  </a:txBody>
+                  <a:tcPr>
+                    <a:lnL w="12700" cap="flat" cmpd="sng" algn="ctr">
+                      <a:solidFill>
+                        <a:schemeClr val="tx1"/>
+                      </a:solidFill>
+                      <a:prstDash val="solid"/>
+                      <a:round/>
+                      <a:headEnd type="none" w="med" len="med"/>
+                      <a:tailEnd type="none" w="med" len="med"/>
+                    </a:lnL>
+                    <a:lnR w="12700" cap="flat" cmpd="sng" algn="ctr">
+                      <a:solidFill>
+                        <a:schemeClr val="tx1"/>
+                      </a:solidFill>
+                      <a:prstDash val="solid"/>
+                      <a:round/>
+                      <a:headEnd type="none" w="med" len="med"/>
+                      <a:tailEnd type="none" w="med" len="med"/>
+                    </a:lnR>
+                    <a:lnT w="12700" cap="flat" cmpd="sng" algn="ctr">
+                      <a:solidFill>
+                        <a:schemeClr val="tx1"/>
+                      </a:solidFill>
+                      <a:prstDash val="solid"/>
+                      <a:round/>
+                      <a:headEnd type="none" w="med" len="med"/>
+                      <a:tailEnd type="none" w="med" len="med"/>
+                    </a:lnT>
+                    <a:lnB w="12700" cap="flat" cmpd="sng" algn="ctr">
+                      <a:solidFill>
+                        <a:schemeClr val="tx1"/>
+                      </a:solidFill>
+                      <a:prstDash val="solid"/>
+                      <a:round/>
+                      <a:headEnd type="none" w="med" len="med"/>
+                      <a:tailEnd type="none" w="med" len="med"/>
+                    </a:lnB>
+                    <a:noFill/>
+                  </a:tcPr>
+                </a:tc>
+              </a:tr>
+              <a:tr h="269288">
+                <a:tc>
+                  <a:txBody>
+                    <a:bodyPr/>
+                    <a:lstStyle/>
+                    <a:p>
+                      <a:r>
+                        <a:rPr lang="en-US" sz="1400" dirty="0" smtClean="0">
+                          <a:solidFill>
+                            <a:schemeClr val="tx1"/>
+                          </a:solidFill>
+                        </a:rPr>
+                        <a:t>y</a:t>
+                      </a:r>
+                      <a:endParaRPr lang="ru-RU" sz="1400" dirty="0">
+                        <a:solidFill>
+                          <a:schemeClr val="tx1"/>
+                        </a:solidFill>
+                      </a:endParaRPr>
+                    </a:p>
+                  </a:txBody>
+                  <a:tcPr>
+                    <a:lnL w="12700" cap="flat" cmpd="sng" algn="ctr">
+                      <a:solidFill>
+                        <a:schemeClr val="tx1"/>
+                      </a:solidFill>
+                      <a:prstDash val="solid"/>
+                      <a:round/>
+                      <a:headEnd type="none" w="med" len="med"/>
+                      <a:tailEnd type="none" w="med" len="med"/>
+                    </a:lnL>
+                    <a:lnR w="12700" cap="flat" cmpd="sng" algn="ctr">
+                      <a:solidFill>
+                        <a:schemeClr val="tx1"/>
+                      </a:solidFill>
+                      <a:prstDash val="solid"/>
+                      <a:round/>
+                      <a:headEnd type="none" w="med" len="med"/>
+                      <a:tailEnd type="none" w="med" len="med"/>
+                    </a:lnR>
+                    <a:lnT w="12700" cap="flat" cmpd="sng" algn="ctr">
+                      <a:solidFill>
+                        <a:schemeClr val="tx1"/>
+                      </a:solidFill>
+                      <a:prstDash val="solid"/>
+                      <a:round/>
+                      <a:headEnd type="none" w="med" len="med"/>
+                      <a:tailEnd type="none" w="med" len="med"/>
+                    </a:lnT>
+                    <a:lnB w="12700" cap="flat" cmpd="sng" algn="ctr">
+                      <a:solidFill>
+                        <a:schemeClr val="tx1"/>
+                      </a:solidFill>
+                      <a:prstDash val="solid"/>
+                      <a:round/>
+                      <a:headEnd type="none" w="med" len="med"/>
+                      <a:tailEnd type="none" w="med" len="med"/>
+                    </a:lnB>
+                    <a:solidFill>
+                      <a:srgbClr val="FF0000"/>
+                    </a:solidFill>
+                  </a:tcPr>
+                </a:tc>
+                <a:tc>
+                  <a:txBody>
+                    <a:bodyPr/>
+                    <a:lstStyle/>
+                    <a:p>
+                      <a:r>
+                        <a:rPr lang="en-US" sz="1400" dirty="0" smtClean="0">
+                          <a:solidFill>
+                            <a:schemeClr val="tx1"/>
+                          </a:solidFill>
+                        </a:rPr>
+                        <a:t>({</a:t>
+                      </a:r>
+                      <a:r>
+                        <a:rPr lang="en-US" sz="1400" dirty="0" smtClean="0">
+                          <a:solidFill>
+                            <a:schemeClr val="tx1"/>
+                          </a:solidFill>
+                        </a:rPr>
+                        <a:t>m2},</a:t>
+                      </a:r>
+                      <a:r>
+                        <a:rPr lang="en-US" sz="1400" baseline="0" dirty="0" smtClean="0">
+                          <a:solidFill>
+                            <a:schemeClr val="tx1"/>
+                          </a:solidFill>
+                        </a:rPr>
+                        <a:t> </a:t>
+                      </a:r>
+                      <a:r>
+                        <a:rPr lang="en-US" sz="1400" baseline="0" dirty="0" smtClean="0">
+                          <a:solidFill>
+                            <a:schemeClr val="tx1"/>
+                          </a:solidFill>
+                        </a:rPr>
+                        <a:t>{})</a:t>
+                      </a:r>
+                      <a:endParaRPr lang="ru-RU" sz="1400" dirty="0">
+                        <a:solidFill>
+                          <a:schemeClr val="tx1"/>
+                        </a:solidFill>
+                      </a:endParaRPr>
+                    </a:p>
+                  </a:txBody>
+                  <a:tcPr>
+                    <a:lnL w="12700" cap="flat" cmpd="sng" algn="ctr">
+                      <a:solidFill>
+                        <a:schemeClr val="tx1"/>
+                      </a:solidFill>
+                      <a:prstDash val="solid"/>
+                      <a:round/>
+                      <a:headEnd type="none" w="med" len="med"/>
+                      <a:tailEnd type="none" w="med" len="med"/>
+                    </a:lnL>
+                    <a:lnR w="12700" cap="flat" cmpd="sng" algn="ctr">
+                      <a:solidFill>
+                        <a:schemeClr val="tx1"/>
+                      </a:solidFill>
+                      <a:prstDash val="solid"/>
+                      <a:round/>
+                      <a:headEnd type="none" w="med" len="med"/>
+                      <a:tailEnd type="none" w="med" len="med"/>
+                    </a:lnR>
+                    <a:lnT w="12700" cap="flat" cmpd="sng" algn="ctr">
+                      <a:solidFill>
+                        <a:schemeClr val="tx1"/>
+                      </a:solidFill>
+                      <a:prstDash val="solid"/>
+                      <a:round/>
+                      <a:headEnd type="none" w="med" len="med"/>
+                      <a:tailEnd type="none" w="med" len="med"/>
+                    </a:lnT>
+                    <a:lnB w="12700" cap="flat" cmpd="sng" algn="ctr">
+                      <a:solidFill>
+                        <a:schemeClr val="tx1"/>
+                      </a:solidFill>
+                      <a:prstDash val="solid"/>
+                      <a:round/>
+                      <a:headEnd type="none" w="med" len="med"/>
+                      <a:tailEnd type="none" w="med" len="med"/>
+                    </a:lnB>
+                    <a:solidFill>
+                      <a:srgbClr val="FF0000"/>
+                    </a:solidFill>
+                  </a:tcPr>
+                </a:tc>
+                <a:tc>
+                  <a:txBody>
+                    <a:bodyPr/>
+                    <a:lstStyle/>
+                    <a:p>
+                      <a:r>
+                        <a:rPr lang="ru-RU" sz="1400" dirty="0" smtClean="0">
+                          <a:solidFill>
+                            <a:schemeClr val="tx1"/>
+                          </a:solidFill>
+                        </a:rPr>
+                        <a:t>чтение</a:t>
+                      </a:r>
+                      <a:endParaRPr lang="ru-RU" sz="1400" dirty="0">
+                        <a:solidFill>
+                          <a:schemeClr val="tx1"/>
+                        </a:solidFill>
+                      </a:endParaRPr>
+                    </a:p>
+                  </a:txBody>
+                  <a:tcPr>
+                    <a:lnL w="12700" cap="flat" cmpd="sng" algn="ctr">
+                      <a:solidFill>
+                        <a:schemeClr val="tx1"/>
+                      </a:solidFill>
+                      <a:prstDash val="solid"/>
+                      <a:round/>
+                      <a:headEnd type="none" w="med" len="med"/>
+                      <a:tailEnd type="none" w="med" len="med"/>
+                    </a:lnL>
+                    <a:lnR w="12700" cap="flat" cmpd="sng" algn="ctr">
+                      <a:solidFill>
+                        <a:schemeClr val="tx1"/>
+                      </a:solidFill>
+                      <a:prstDash val="solid"/>
+                      <a:round/>
+                      <a:headEnd type="none" w="med" len="med"/>
+                      <a:tailEnd type="none" w="med" len="med"/>
+                    </a:lnR>
+                    <a:lnT w="12700" cap="flat" cmpd="sng" algn="ctr">
+                      <a:solidFill>
+                        <a:schemeClr val="tx1"/>
+                      </a:solidFill>
+                      <a:prstDash val="solid"/>
+                      <a:round/>
+                      <a:headEnd type="none" w="med" len="med"/>
+                      <a:tailEnd type="none" w="med" len="med"/>
+                    </a:lnT>
+                    <a:lnB w="12700" cap="flat" cmpd="sng" algn="ctr">
+                      <a:solidFill>
+                        <a:schemeClr val="tx1"/>
+                      </a:solidFill>
+                      <a:prstDash val="solid"/>
+                      <a:round/>
+                      <a:headEnd type="none" w="med" len="med"/>
+                      <a:tailEnd type="none" w="med" len="med"/>
+                    </a:lnB>
+                    <a:solidFill>
+                      <a:srgbClr val="FF0000"/>
+                    </a:solidFill>
+                  </a:tcPr>
+                </a:tc>
+              </a:tr>
+              <a:tr h="269288">
+                <a:tc>
+                  <a:txBody>
+                    <a:bodyPr/>
+                    <a:lstStyle/>
+                    <a:p>
+                      <a:r>
+                        <a:rPr lang="en-US" sz="1400" dirty="0" smtClean="0">
+                          <a:solidFill>
+                            <a:schemeClr val="tx1"/>
+                          </a:solidFill>
+                        </a:rPr>
+                        <a:t>y</a:t>
+                      </a:r>
+                      <a:endParaRPr lang="ru-RU" sz="1400" dirty="0">
+                        <a:solidFill>
+                          <a:schemeClr val="tx1"/>
+                        </a:solidFill>
+                      </a:endParaRPr>
+                    </a:p>
+                  </a:txBody>
+                  <a:tcPr>
+                    <a:lnL w="12700" cap="flat" cmpd="sng" algn="ctr">
+                      <a:solidFill>
+                        <a:schemeClr val="tx1"/>
+                      </a:solidFill>
+                      <a:prstDash val="solid"/>
+                      <a:round/>
+                      <a:headEnd type="none" w="med" len="med"/>
+                      <a:tailEnd type="none" w="med" len="med"/>
+                    </a:lnL>
+                    <a:lnR w="12700" cap="flat" cmpd="sng" algn="ctr">
+                      <a:solidFill>
+                        <a:schemeClr val="tx1"/>
+                      </a:solidFill>
+                      <a:prstDash val="solid"/>
+                      <a:round/>
+                      <a:headEnd type="none" w="med" len="med"/>
+                      <a:tailEnd type="none" w="med" len="med"/>
+                    </a:lnR>
+                    <a:lnT w="12700" cap="flat" cmpd="sng" algn="ctr">
+                      <a:solidFill>
+                        <a:schemeClr val="tx1"/>
+                      </a:solidFill>
+                      <a:prstDash val="solid"/>
+                      <a:round/>
+                      <a:headEnd type="none" w="med" len="med"/>
+                      <a:tailEnd type="none" w="med" len="med"/>
+                    </a:lnT>
+                    <a:lnB w="12700" cap="flat" cmpd="sng" algn="ctr">
+                      <a:solidFill>
+                        <a:schemeClr val="tx1"/>
+                      </a:solidFill>
+                      <a:prstDash val="solid"/>
+                      <a:round/>
+                      <a:headEnd type="none" w="med" len="med"/>
+                      <a:tailEnd type="none" w="med" len="med"/>
+                    </a:lnB>
+                    <a:solidFill>
+                      <a:srgbClr val="FF0000"/>
+                    </a:solidFill>
+                  </a:tcPr>
+                </a:tc>
+                <a:tc>
+                  <a:txBody>
+                    <a:bodyPr/>
+                    <a:lstStyle/>
+                    <a:p>
+                      <a:r>
+                        <a:rPr lang="en-US" sz="1400" dirty="0" smtClean="0">
+                          <a:solidFill>
+                            <a:schemeClr val="tx1"/>
+                          </a:solidFill>
+                        </a:rPr>
+                        <a:t>({m2},</a:t>
+                      </a:r>
+                      <a:r>
+                        <a:rPr lang="en-US" sz="1400" baseline="0" dirty="0" smtClean="0">
+                          <a:solidFill>
+                            <a:schemeClr val="tx1"/>
+                          </a:solidFill>
+                        </a:rPr>
+                        <a:t> {})</a:t>
+                      </a:r>
+                      <a:endParaRPr lang="ru-RU" sz="1400" dirty="0">
+                        <a:solidFill>
+                          <a:schemeClr val="tx1"/>
+                        </a:solidFill>
+                      </a:endParaRPr>
+                    </a:p>
+                  </a:txBody>
+                  <a:tcPr>
+                    <a:lnL w="12700" cap="flat" cmpd="sng" algn="ctr">
+                      <a:solidFill>
+                        <a:schemeClr val="tx1"/>
+                      </a:solidFill>
+                      <a:prstDash val="solid"/>
+                      <a:round/>
+                      <a:headEnd type="none" w="med" len="med"/>
+                      <a:tailEnd type="none" w="med" len="med"/>
+                    </a:lnL>
+                    <a:lnR w="12700" cap="flat" cmpd="sng" algn="ctr">
+                      <a:solidFill>
+                        <a:schemeClr val="tx1"/>
+                      </a:solidFill>
+                      <a:prstDash val="solid"/>
+                      <a:round/>
+                      <a:headEnd type="none" w="med" len="med"/>
+                      <a:tailEnd type="none" w="med" len="med"/>
+                    </a:lnR>
+                    <a:lnT w="12700" cap="flat" cmpd="sng" algn="ctr">
+                      <a:solidFill>
+                        <a:schemeClr val="tx1"/>
+                      </a:solidFill>
+                      <a:prstDash val="solid"/>
+                      <a:round/>
+                      <a:headEnd type="none" w="med" len="med"/>
+                      <a:tailEnd type="none" w="med" len="med"/>
+                    </a:lnT>
+                    <a:lnB w="12700" cap="flat" cmpd="sng" algn="ctr">
+                      <a:solidFill>
+                        <a:schemeClr val="tx1"/>
+                      </a:solidFill>
+                      <a:prstDash val="solid"/>
+                      <a:round/>
+                      <a:headEnd type="none" w="med" len="med"/>
+                      <a:tailEnd type="none" w="med" len="med"/>
+                    </a:lnB>
+                    <a:solidFill>
+                      <a:srgbClr val="FF0000"/>
+                    </a:solidFill>
+                  </a:tcPr>
+                </a:tc>
+                <a:tc>
+                  <a:txBody>
+                    <a:bodyPr/>
+                    <a:lstStyle/>
+                    <a:p>
+                      <a:r>
+                        <a:rPr lang="ru-RU" sz="1400" dirty="0" smtClean="0">
+                          <a:solidFill>
+                            <a:schemeClr val="tx1"/>
+                          </a:solidFill>
+                        </a:rPr>
+                        <a:t>запись</a:t>
+                      </a:r>
+                      <a:endParaRPr lang="ru-RU" sz="1400" dirty="0">
+                        <a:solidFill>
+                          <a:schemeClr val="tx1"/>
+                        </a:solidFill>
+                      </a:endParaRPr>
+                    </a:p>
+                  </a:txBody>
+                  <a:tcPr>
+                    <a:lnL w="12700" cap="flat" cmpd="sng" algn="ctr">
+                      <a:solidFill>
+                        <a:schemeClr val="tx1"/>
+                      </a:solidFill>
+                      <a:prstDash val="solid"/>
+                      <a:round/>
+                      <a:headEnd type="none" w="med" len="med"/>
+                      <a:tailEnd type="none" w="med" len="med"/>
+                    </a:lnL>
+                    <a:lnR w="12700" cap="flat" cmpd="sng" algn="ctr">
+                      <a:solidFill>
+                        <a:schemeClr val="tx1"/>
+                      </a:solidFill>
+                      <a:prstDash val="solid"/>
+                      <a:round/>
+                      <a:headEnd type="none" w="med" len="med"/>
+                      <a:tailEnd type="none" w="med" len="med"/>
+                    </a:lnR>
+                    <a:lnT w="12700" cap="flat" cmpd="sng" algn="ctr">
+                      <a:solidFill>
+                        <a:schemeClr val="tx1"/>
+                      </a:solidFill>
+                      <a:prstDash val="solid"/>
+                      <a:round/>
+                      <a:headEnd type="none" w="med" len="med"/>
+                      <a:tailEnd type="none" w="med" len="med"/>
+                    </a:lnT>
+                    <a:lnB w="12700" cap="flat" cmpd="sng" algn="ctr">
+                      <a:solidFill>
+                        <a:schemeClr val="tx1"/>
+                      </a:solidFill>
+                      <a:prstDash val="solid"/>
+                      <a:round/>
+                      <a:headEnd type="none" w="med" len="med"/>
+                      <a:tailEnd type="none" w="med" len="med"/>
+                    </a:lnB>
+                    <a:solidFill>
+                      <a:srgbClr val="FF0000"/>
+                    </a:solidFill>
+                  </a:tcPr>
+                </a:tc>
+              </a:tr>
+            </a:tbl>
+          </a:graphicData>
+        </a:graphic>
+      </p:graphicFrame>
+      <p:graphicFrame>
+        <p:nvGraphicFramePr>
+          <p:cNvPr id="7" name="Таблица 6"/>
+          <p:cNvGraphicFramePr>
+            <a:graphicFrameLocks noGrp="1"/>
+          </p:cNvGraphicFramePr>
+          <p:nvPr/>
+        </p:nvGraphicFramePr>
+        <p:xfrm>
+          <a:off x="5004048" y="2060848"/>
+          <a:ext cx="3600402" cy="1950720"/>
+        </p:xfrm>
+        <a:graphic>
+          <a:graphicData uri="http://schemas.openxmlformats.org/drawingml/2006/table">
+            <a:tbl>
+              <a:tblPr firstRow="1" bandRow="1">
+                <a:effectLst>
+                  <a:outerShdw blurRad="50800" dist="50800" dir="5400000" algn="ctr" rotWithShape="0">
+                    <a:schemeClr val="bg1"/>
+                  </a:outerShdw>
+                </a:effectLst>
+                <a:tableStyleId>{5C22544A-7EE6-4342-B048-85BDC9FD1C3A}</a:tableStyleId>
+              </a:tblPr>
+              <a:tblGrid>
+                <a:gridCol w="936105"/>
+                <a:gridCol w="1464163"/>
+                <a:gridCol w="1200134"/>
+              </a:tblGrid>
+              <a:tr h="587504">
+                <a:tc>
+                  <a:txBody>
+                    <a:bodyPr/>
+                    <a:lstStyle/>
+                    <a:p>
+                      <a:r>
+                        <a:rPr lang="en-US" sz="1400" dirty="0" smtClean="0">
+                          <a:solidFill>
+                            <a:schemeClr val="tx1"/>
+                          </a:solidFill>
+                        </a:rPr>
+                        <a:t>lvalue</a:t>
+                      </a:r>
+                      <a:endParaRPr lang="ru-RU" sz="1400" dirty="0">
+                        <a:solidFill>
+                          <a:schemeClr val="tx1"/>
+                        </a:solidFill>
+                      </a:endParaRPr>
+                    </a:p>
+                  </a:txBody>
+                  <a:tcPr>
+                    <a:lnL w="12700" cap="flat" cmpd="sng" algn="ctr">
+                      <a:solidFill>
+                        <a:schemeClr val="tx1"/>
+                      </a:solidFill>
+                      <a:prstDash val="solid"/>
+                      <a:round/>
+                      <a:headEnd type="none" w="med" len="med"/>
+                      <a:tailEnd type="none" w="med" len="med"/>
+                    </a:lnL>
+                    <a:lnR w="12700" cap="flat" cmpd="sng" algn="ctr">
+                      <a:solidFill>
+                        <a:schemeClr val="tx1"/>
+                      </a:solidFill>
+                      <a:prstDash val="solid"/>
+                      <a:round/>
+                      <a:headEnd type="none" w="med" len="med"/>
+                      <a:tailEnd type="none" w="med" len="med"/>
+                    </a:lnR>
+                    <a:lnT w="12700" cap="flat" cmpd="sng" algn="ctr">
+                      <a:solidFill>
+                        <a:schemeClr val="tx1"/>
+                      </a:solidFill>
+                      <a:prstDash val="solid"/>
+                      <a:round/>
+                      <a:headEnd type="none" w="med" len="med"/>
+                      <a:tailEnd type="none" w="med" len="med"/>
+                    </a:lnT>
+                    <a:lnB w="12700" cap="flat" cmpd="sng" algn="ctr">
+                      <a:solidFill>
+                        <a:schemeClr val="tx1"/>
+                      </a:solidFill>
+                      <a:prstDash val="solid"/>
+                      <a:round/>
+                      <a:headEnd type="none" w="med" len="med"/>
+                      <a:tailEnd type="none" w="med" len="med"/>
+                    </a:lnB>
+                    <a:noFill/>
+                  </a:tcPr>
+                </a:tc>
+                <a:tc>
+                  <a:txBody>
+                    <a:bodyPr/>
+                    <a:lstStyle/>
+                    <a:p>
+                      <a:r>
+                        <a:rPr lang="ru-RU" sz="1400" dirty="0" smtClean="0">
+                          <a:solidFill>
+                            <a:schemeClr val="tx1"/>
+                          </a:solidFill>
+                          <a:latin typeface="+mn-lt"/>
+                          <a:cs typeface="Times New Roman" pitchFamily="18" charset="0"/>
+                        </a:rPr>
+                        <a:t>Относительное множество блокировок</a:t>
+                      </a:r>
+                      <a:endParaRPr lang="ru-RU" sz="1400" dirty="0">
+                        <a:solidFill>
+                          <a:schemeClr val="tx1"/>
+                        </a:solidFill>
+                        <a:latin typeface="+mn-lt"/>
+                        <a:cs typeface="Times New Roman" pitchFamily="18" charset="0"/>
+                      </a:endParaRPr>
+                    </a:p>
+                  </a:txBody>
+                  <a:tcPr>
+                    <a:lnL w="12700" cap="flat" cmpd="sng" algn="ctr">
+                      <a:solidFill>
+                        <a:schemeClr val="tx1"/>
+                      </a:solidFill>
+                      <a:prstDash val="solid"/>
+                      <a:round/>
+                      <a:headEnd type="none" w="med" len="med"/>
+                      <a:tailEnd type="none" w="med" len="med"/>
+                    </a:lnL>
+                    <a:lnR w="12700" cap="flat" cmpd="sng" algn="ctr">
+                      <a:solidFill>
+                        <a:schemeClr val="tx1"/>
+                      </a:solidFill>
+                      <a:prstDash val="solid"/>
+                      <a:round/>
+                      <a:headEnd type="none" w="med" len="med"/>
+                      <a:tailEnd type="none" w="med" len="med"/>
+                    </a:lnR>
+                    <a:lnT w="12700" cap="flat" cmpd="sng" algn="ctr">
+                      <a:solidFill>
+                        <a:schemeClr val="tx1"/>
+                      </a:solidFill>
+                      <a:prstDash val="solid"/>
+                      <a:round/>
+                      <a:headEnd type="none" w="med" len="med"/>
+                      <a:tailEnd type="none" w="med" len="med"/>
+                    </a:lnT>
+                    <a:lnB w="12700" cap="flat" cmpd="sng" algn="ctr">
+                      <a:solidFill>
+                        <a:schemeClr val="tx1"/>
+                      </a:solidFill>
+                      <a:prstDash val="solid"/>
+                      <a:round/>
+                      <a:headEnd type="none" w="med" len="med"/>
+                      <a:tailEnd type="none" w="med" len="med"/>
+                    </a:lnB>
+                    <a:noFill/>
+                  </a:tcPr>
+                </a:tc>
+                <a:tc>
+                  <a:txBody>
+                    <a:bodyPr/>
+                    <a:lstStyle/>
+                    <a:p>
+                      <a:r>
+                        <a:rPr lang="ru-RU" sz="1400" dirty="0" smtClean="0">
+                          <a:solidFill>
+                            <a:schemeClr val="tx1"/>
+                          </a:solidFill>
+                        </a:rPr>
+                        <a:t>Тип доступа</a:t>
+                      </a:r>
+                      <a:endParaRPr lang="ru-RU" sz="1400" dirty="0">
+                        <a:solidFill>
+                          <a:schemeClr val="tx1"/>
+                        </a:solidFill>
+                      </a:endParaRPr>
+                    </a:p>
+                  </a:txBody>
+                  <a:tcPr>
+                    <a:lnL w="12700" cap="flat" cmpd="sng" algn="ctr">
+                      <a:solidFill>
+                        <a:schemeClr val="tx1"/>
+                      </a:solidFill>
+                      <a:prstDash val="solid"/>
+                      <a:round/>
+                      <a:headEnd type="none" w="med" len="med"/>
+                      <a:tailEnd type="none" w="med" len="med"/>
+                    </a:lnL>
+                    <a:lnR w="12700" cap="flat" cmpd="sng" algn="ctr">
+                      <a:solidFill>
+                        <a:schemeClr val="tx1"/>
+                      </a:solidFill>
+                      <a:prstDash val="solid"/>
+                      <a:round/>
+                      <a:headEnd type="none" w="med" len="med"/>
+                      <a:tailEnd type="none" w="med" len="med"/>
+                    </a:lnR>
+                    <a:lnT w="12700" cap="flat" cmpd="sng" algn="ctr">
+                      <a:solidFill>
+                        <a:schemeClr val="tx1"/>
+                      </a:solidFill>
+                      <a:prstDash val="solid"/>
+                      <a:round/>
+                      <a:headEnd type="none" w="med" len="med"/>
+                      <a:tailEnd type="none" w="med" len="med"/>
+                    </a:lnT>
+                    <a:lnB w="12700" cap="flat" cmpd="sng" algn="ctr">
+                      <a:solidFill>
+                        <a:schemeClr val="tx1"/>
+                      </a:solidFill>
+                      <a:prstDash val="solid"/>
+                      <a:round/>
+                      <a:headEnd type="none" w="med" len="med"/>
+                      <a:tailEnd type="none" w="med" len="med"/>
+                    </a:lnB>
+                    <a:noFill/>
+                  </a:tcPr>
+                </a:tc>
+              </a:tr>
+              <a:tr h="269288">
+                <a:tc>
+                  <a:txBody>
+                    <a:bodyPr/>
+                    <a:lstStyle/>
+                    <a:p>
+                      <a:r>
+                        <a:rPr lang="en-US" sz="1400" dirty="0" smtClean="0">
+                          <a:solidFill>
+                            <a:schemeClr val="tx1"/>
+                          </a:solidFill>
+                        </a:rPr>
+                        <a:t>x</a:t>
+                      </a:r>
+                      <a:endParaRPr lang="ru-RU" sz="1400" dirty="0">
+                        <a:solidFill>
+                          <a:schemeClr val="tx1"/>
+                        </a:solidFill>
+                      </a:endParaRPr>
+                    </a:p>
+                  </a:txBody>
+                  <a:tcPr>
+                    <a:lnL w="12700" cap="flat" cmpd="sng" algn="ctr">
+                      <a:solidFill>
+                        <a:schemeClr val="tx1"/>
+                      </a:solidFill>
+                      <a:prstDash val="solid"/>
+                      <a:round/>
+                      <a:headEnd type="none" w="med" len="med"/>
+                      <a:tailEnd type="none" w="med" len="med"/>
+                    </a:lnL>
+                    <a:lnR w="12700" cap="flat" cmpd="sng" algn="ctr">
+                      <a:solidFill>
+                        <a:schemeClr val="tx1"/>
+                      </a:solidFill>
+                      <a:prstDash val="solid"/>
+                      <a:round/>
+                      <a:headEnd type="none" w="med" len="med"/>
+                      <a:tailEnd type="none" w="med" len="med"/>
+                    </a:lnR>
+                    <a:lnT w="12700" cap="flat" cmpd="sng" algn="ctr">
+                      <a:solidFill>
+                        <a:schemeClr val="tx1"/>
+                      </a:solidFill>
+                      <a:prstDash val="solid"/>
+                      <a:round/>
+                      <a:headEnd type="none" w="med" len="med"/>
+                      <a:tailEnd type="none" w="med" len="med"/>
+                    </a:lnT>
+                    <a:lnB w="12700" cap="flat" cmpd="sng" algn="ctr">
+                      <a:solidFill>
+                        <a:schemeClr val="tx1"/>
+                      </a:solidFill>
+                      <a:prstDash val="solid"/>
+                      <a:round/>
+                      <a:headEnd type="none" w="med" len="med"/>
+                      <a:tailEnd type="none" w="med" len="med"/>
+                    </a:lnB>
+                    <a:noFill/>
+                  </a:tcPr>
+                </a:tc>
+                <a:tc>
+                  <a:txBody>
+                    <a:bodyPr/>
+                    <a:lstStyle/>
+                    <a:p>
+                      <a:r>
+                        <a:rPr lang="en-US" sz="1400" dirty="0" smtClean="0">
+                          <a:solidFill>
+                            <a:schemeClr val="tx1"/>
+                          </a:solidFill>
+                        </a:rPr>
+                        <a:t>({m1},</a:t>
+                      </a:r>
+                      <a:r>
+                        <a:rPr lang="en-US" sz="1400" baseline="0" dirty="0" smtClean="0">
+                          <a:solidFill>
+                            <a:schemeClr val="tx1"/>
+                          </a:solidFill>
+                        </a:rPr>
+                        <a:t> {})</a:t>
+                      </a:r>
+                      <a:endParaRPr lang="ru-RU" sz="1400" dirty="0">
+                        <a:solidFill>
+                          <a:schemeClr val="tx1"/>
+                        </a:solidFill>
+                      </a:endParaRPr>
+                    </a:p>
+                  </a:txBody>
+                  <a:tcPr>
+                    <a:lnL w="12700" cap="flat" cmpd="sng" algn="ctr">
+                      <a:solidFill>
+                        <a:schemeClr val="tx1"/>
+                      </a:solidFill>
+                      <a:prstDash val="solid"/>
+                      <a:round/>
+                      <a:headEnd type="none" w="med" len="med"/>
+                      <a:tailEnd type="none" w="med" len="med"/>
+                    </a:lnL>
+                    <a:lnR w="12700" cap="flat" cmpd="sng" algn="ctr">
+                      <a:solidFill>
+                        <a:schemeClr val="tx1"/>
+                      </a:solidFill>
+                      <a:prstDash val="solid"/>
+                      <a:round/>
+                      <a:headEnd type="none" w="med" len="med"/>
+                      <a:tailEnd type="none" w="med" len="med"/>
+                    </a:lnR>
+                    <a:lnT w="12700" cap="flat" cmpd="sng" algn="ctr">
+                      <a:solidFill>
+                        <a:schemeClr val="tx1"/>
+                      </a:solidFill>
+                      <a:prstDash val="solid"/>
+                      <a:round/>
+                      <a:headEnd type="none" w="med" len="med"/>
+                      <a:tailEnd type="none" w="med" len="med"/>
+                    </a:lnT>
+                    <a:lnB w="12700" cap="flat" cmpd="sng" algn="ctr">
+                      <a:solidFill>
+                        <a:schemeClr val="tx1"/>
+                      </a:solidFill>
+                      <a:prstDash val="solid"/>
+                      <a:round/>
+                      <a:headEnd type="none" w="med" len="med"/>
+                      <a:tailEnd type="none" w="med" len="med"/>
+                    </a:lnB>
+                    <a:noFill/>
+                  </a:tcPr>
+                </a:tc>
+                <a:tc>
+                  <a:txBody>
+                    <a:bodyPr/>
+                    <a:lstStyle/>
+                    <a:p>
+                      <a:r>
+                        <a:rPr lang="ru-RU" sz="1400" dirty="0" smtClean="0">
+                          <a:solidFill>
+                            <a:schemeClr val="tx1"/>
+                          </a:solidFill>
+                        </a:rPr>
+                        <a:t>чтение</a:t>
+                      </a:r>
+                      <a:endParaRPr lang="ru-RU" sz="1400" dirty="0">
+                        <a:solidFill>
+                          <a:schemeClr val="tx1"/>
+                        </a:solidFill>
+                      </a:endParaRPr>
+                    </a:p>
+                  </a:txBody>
+                  <a:tcPr>
+                    <a:lnL w="12700" cap="flat" cmpd="sng" algn="ctr">
+                      <a:solidFill>
+                        <a:schemeClr val="tx1"/>
+                      </a:solidFill>
+                      <a:prstDash val="solid"/>
+                      <a:round/>
+                      <a:headEnd type="none" w="med" len="med"/>
+                      <a:tailEnd type="none" w="med" len="med"/>
+                    </a:lnL>
+                    <a:lnR w="12700" cap="flat" cmpd="sng" algn="ctr">
+                      <a:solidFill>
+                        <a:schemeClr val="tx1"/>
+                      </a:solidFill>
+                      <a:prstDash val="solid"/>
+                      <a:round/>
+                      <a:headEnd type="none" w="med" len="med"/>
+                      <a:tailEnd type="none" w="med" len="med"/>
+                    </a:lnR>
+                    <a:lnT w="12700" cap="flat" cmpd="sng" algn="ctr">
+                      <a:solidFill>
+                        <a:schemeClr val="tx1"/>
+                      </a:solidFill>
+                      <a:prstDash val="solid"/>
+                      <a:round/>
+                      <a:headEnd type="none" w="med" len="med"/>
+                      <a:tailEnd type="none" w="med" len="med"/>
+                    </a:lnT>
+                    <a:lnB w="12700" cap="flat" cmpd="sng" algn="ctr">
+                      <a:solidFill>
+                        <a:schemeClr val="tx1"/>
+                      </a:solidFill>
+                      <a:prstDash val="solid"/>
+                      <a:round/>
+                      <a:headEnd type="none" w="med" len="med"/>
+                      <a:tailEnd type="none" w="med" len="med"/>
+                    </a:lnB>
+                    <a:noFill/>
+                  </a:tcPr>
+                </a:tc>
+              </a:tr>
+              <a:tr h="269288">
+                <a:tc>
+                  <a:txBody>
+                    <a:bodyPr/>
+                    <a:lstStyle/>
+                    <a:p>
+                      <a:r>
+                        <a:rPr lang="en-US" sz="1400" dirty="0" smtClean="0">
+                          <a:solidFill>
+                            <a:schemeClr val="tx1"/>
+                          </a:solidFill>
+                        </a:rPr>
+                        <a:t>x</a:t>
+                      </a:r>
+                      <a:endParaRPr lang="ru-RU" sz="1400" dirty="0">
+                        <a:solidFill>
+                          <a:schemeClr val="tx1"/>
+                        </a:solidFill>
+                      </a:endParaRPr>
+                    </a:p>
+                  </a:txBody>
+                  <a:tcPr>
+                    <a:lnL w="12700" cap="flat" cmpd="sng" algn="ctr">
+                      <a:solidFill>
+                        <a:schemeClr val="tx1"/>
+                      </a:solidFill>
+                      <a:prstDash val="solid"/>
+                      <a:round/>
+                      <a:headEnd type="none" w="med" len="med"/>
+                      <a:tailEnd type="none" w="med" len="med"/>
+                    </a:lnL>
+                    <a:lnR w="12700" cap="flat" cmpd="sng" algn="ctr">
+                      <a:solidFill>
+                        <a:schemeClr val="tx1"/>
+                      </a:solidFill>
+                      <a:prstDash val="solid"/>
+                      <a:round/>
+                      <a:headEnd type="none" w="med" len="med"/>
+                      <a:tailEnd type="none" w="med" len="med"/>
+                    </a:lnR>
+                    <a:lnT w="12700" cap="flat" cmpd="sng" algn="ctr">
+                      <a:solidFill>
+                        <a:schemeClr val="tx1"/>
+                      </a:solidFill>
+                      <a:prstDash val="solid"/>
+                      <a:round/>
+                      <a:headEnd type="none" w="med" len="med"/>
+                      <a:tailEnd type="none" w="med" len="med"/>
+                    </a:lnT>
+                    <a:lnB w="12700" cap="flat" cmpd="sng" algn="ctr">
+                      <a:solidFill>
+                        <a:schemeClr val="tx1"/>
+                      </a:solidFill>
+                      <a:prstDash val="solid"/>
+                      <a:round/>
+                      <a:headEnd type="none" w="med" len="med"/>
+                      <a:tailEnd type="none" w="med" len="med"/>
+                    </a:lnB>
+                    <a:noFill/>
+                  </a:tcPr>
+                </a:tc>
+                <a:tc>
+                  <a:txBody>
+                    <a:bodyPr/>
+                    <a:lstStyle/>
+                    <a:p>
+                      <a:r>
+                        <a:rPr lang="en-US" sz="1400" dirty="0" smtClean="0">
+                          <a:solidFill>
+                            <a:schemeClr val="tx1"/>
+                          </a:solidFill>
+                        </a:rPr>
+                        <a:t>({m1},</a:t>
+                      </a:r>
+                      <a:r>
+                        <a:rPr lang="en-US" sz="1400" baseline="0" dirty="0" smtClean="0">
+                          <a:solidFill>
+                            <a:schemeClr val="tx1"/>
+                          </a:solidFill>
+                        </a:rPr>
+                        <a:t> {})</a:t>
+                      </a:r>
+                      <a:endParaRPr lang="ru-RU" sz="1400" dirty="0">
+                        <a:solidFill>
+                          <a:schemeClr val="tx1"/>
+                        </a:solidFill>
+                      </a:endParaRPr>
+                    </a:p>
+                  </a:txBody>
+                  <a:tcPr>
+                    <a:lnL w="12700" cap="flat" cmpd="sng" algn="ctr">
+                      <a:solidFill>
+                        <a:schemeClr val="tx1"/>
+                      </a:solidFill>
+                      <a:prstDash val="solid"/>
+                      <a:round/>
+                      <a:headEnd type="none" w="med" len="med"/>
+                      <a:tailEnd type="none" w="med" len="med"/>
+                    </a:lnL>
+                    <a:lnR w="12700" cap="flat" cmpd="sng" algn="ctr">
+                      <a:solidFill>
+                        <a:schemeClr val="tx1"/>
+                      </a:solidFill>
+                      <a:prstDash val="solid"/>
+                      <a:round/>
+                      <a:headEnd type="none" w="med" len="med"/>
+                      <a:tailEnd type="none" w="med" len="med"/>
+                    </a:lnR>
+                    <a:lnT w="12700" cap="flat" cmpd="sng" algn="ctr">
+                      <a:solidFill>
+                        <a:schemeClr val="tx1"/>
+                      </a:solidFill>
+                      <a:prstDash val="solid"/>
+                      <a:round/>
+                      <a:headEnd type="none" w="med" len="med"/>
+                      <a:tailEnd type="none" w="med" len="med"/>
+                    </a:lnT>
+                    <a:lnB w="12700" cap="flat" cmpd="sng" algn="ctr">
+                      <a:solidFill>
+                        <a:schemeClr val="tx1"/>
+                      </a:solidFill>
+                      <a:prstDash val="solid"/>
+                      <a:round/>
+                      <a:headEnd type="none" w="med" len="med"/>
+                      <a:tailEnd type="none" w="med" len="med"/>
+                    </a:lnB>
+                    <a:noFill/>
+                  </a:tcPr>
+                </a:tc>
+                <a:tc>
+                  <a:txBody>
+                    <a:bodyPr/>
+                    <a:lstStyle/>
+                    <a:p>
+                      <a:r>
+                        <a:rPr lang="ru-RU" sz="1400" dirty="0" smtClean="0">
+                          <a:solidFill>
+                            <a:schemeClr val="tx1"/>
+                          </a:solidFill>
+                        </a:rPr>
+                        <a:t>запись</a:t>
+                      </a:r>
+                      <a:endParaRPr lang="ru-RU" sz="1400" dirty="0">
+                        <a:solidFill>
+                          <a:schemeClr val="tx1"/>
+                        </a:solidFill>
+                      </a:endParaRPr>
+                    </a:p>
+                  </a:txBody>
+                  <a:tcPr>
+                    <a:lnL w="12700" cap="flat" cmpd="sng" algn="ctr">
+                      <a:solidFill>
+                        <a:schemeClr val="tx1"/>
+                      </a:solidFill>
+                      <a:prstDash val="solid"/>
+                      <a:round/>
+                      <a:headEnd type="none" w="med" len="med"/>
+                      <a:tailEnd type="none" w="med" len="med"/>
+                    </a:lnL>
+                    <a:lnR w="12700" cap="flat" cmpd="sng" algn="ctr">
+                      <a:solidFill>
+                        <a:schemeClr val="tx1"/>
+                      </a:solidFill>
+                      <a:prstDash val="solid"/>
+                      <a:round/>
+                      <a:headEnd type="none" w="med" len="med"/>
+                      <a:tailEnd type="none" w="med" len="med"/>
+                    </a:lnR>
+                    <a:lnT w="12700" cap="flat" cmpd="sng" algn="ctr">
+                      <a:solidFill>
+                        <a:schemeClr val="tx1"/>
+                      </a:solidFill>
+                      <a:prstDash val="solid"/>
+                      <a:round/>
+                      <a:headEnd type="none" w="med" len="med"/>
+                      <a:tailEnd type="none" w="med" len="med"/>
+                    </a:lnT>
+                    <a:lnB w="12700" cap="flat" cmpd="sng" algn="ctr">
+                      <a:solidFill>
+                        <a:schemeClr val="tx1"/>
+                      </a:solidFill>
+                      <a:prstDash val="solid"/>
+                      <a:round/>
+                      <a:headEnd type="none" w="med" len="med"/>
+                      <a:tailEnd type="none" w="med" len="med"/>
+                    </a:lnB>
+                    <a:noFill/>
+                  </a:tcPr>
+                </a:tc>
+              </a:tr>
+              <a:tr h="269288">
+                <a:tc>
+                  <a:txBody>
+                    <a:bodyPr/>
+                    <a:lstStyle/>
+                    <a:p>
+                      <a:r>
+                        <a:rPr lang="en-US" sz="1400" dirty="0" smtClean="0">
+                          <a:solidFill>
+                            <a:schemeClr val="tx1"/>
+                          </a:solidFill>
+                        </a:rPr>
+                        <a:t>y</a:t>
+                      </a:r>
+                      <a:endParaRPr lang="ru-RU" sz="1400" dirty="0">
+                        <a:solidFill>
+                          <a:schemeClr val="tx1"/>
+                        </a:solidFill>
+                      </a:endParaRPr>
+                    </a:p>
+                  </a:txBody>
+                  <a:tcPr>
+                    <a:lnL w="12700" cap="flat" cmpd="sng" algn="ctr">
+                      <a:solidFill>
+                        <a:schemeClr val="tx1"/>
+                      </a:solidFill>
+                      <a:prstDash val="solid"/>
+                      <a:round/>
+                      <a:headEnd type="none" w="med" len="med"/>
+                      <a:tailEnd type="none" w="med" len="med"/>
+                    </a:lnL>
+                    <a:lnR w="12700" cap="flat" cmpd="sng" algn="ctr">
+                      <a:solidFill>
+                        <a:schemeClr val="tx1"/>
+                      </a:solidFill>
+                      <a:prstDash val="solid"/>
+                      <a:round/>
+                      <a:headEnd type="none" w="med" len="med"/>
+                      <a:tailEnd type="none" w="med" len="med"/>
+                    </a:lnR>
+                    <a:lnT w="12700" cap="flat" cmpd="sng" algn="ctr">
+                      <a:solidFill>
+                        <a:schemeClr val="tx1"/>
+                      </a:solidFill>
+                      <a:prstDash val="solid"/>
+                      <a:round/>
+                      <a:headEnd type="none" w="med" len="med"/>
+                      <a:tailEnd type="none" w="med" len="med"/>
+                    </a:lnT>
+                    <a:lnB w="12700" cap="flat" cmpd="sng" algn="ctr">
+                      <a:solidFill>
+                        <a:schemeClr val="tx1"/>
+                      </a:solidFill>
+                      <a:prstDash val="solid"/>
+                      <a:round/>
+                      <a:headEnd type="none" w="med" len="med"/>
+                      <a:tailEnd type="none" w="med" len="med"/>
+                    </a:lnB>
+                    <a:solidFill>
+                      <a:srgbClr val="FF0000"/>
+                    </a:solidFill>
+                  </a:tcPr>
+                </a:tc>
+                <a:tc>
+                  <a:txBody>
+                    <a:bodyPr/>
+                    <a:lstStyle/>
+                    <a:p>
+                      <a:r>
+                        <a:rPr lang="en-US" sz="1400" dirty="0" smtClean="0">
+                          <a:solidFill>
+                            <a:schemeClr val="tx1"/>
+                          </a:solidFill>
+                        </a:rPr>
+                        <a:t>({</a:t>
+                      </a:r>
+                      <a:r>
+                        <a:rPr lang="en-US" sz="1400" dirty="0" smtClean="0">
+                          <a:solidFill>
+                            <a:schemeClr val="tx1"/>
+                          </a:solidFill>
+                        </a:rPr>
+                        <a:t>m1},</a:t>
+                      </a:r>
+                      <a:r>
+                        <a:rPr lang="en-US" sz="1400" baseline="0" dirty="0" smtClean="0">
+                          <a:solidFill>
+                            <a:schemeClr val="tx1"/>
+                          </a:solidFill>
+                        </a:rPr>
+                        <a:t> </a:t>
+                      </a:r>
+                      <a:r>
+                        <a:rPr lang="en-US" sz="1400" baseline="0" dirty="0" smtClean="0">
+                          <a:solidFill>
+                            <a:schemeClr val="tx1"/>
+                          </a:solidFill>
+                        </a:rPr>
+                        <a:t>{})</a:t>
+                      </a:r>
+                      <a:endParaRPr lang="ru-RU" sz="1400" dirty="0">
+                        <a:solidFill>
+                          <a:schemeClr val="tx1"/>
+                        </a:solidFill>
+                      </a:endParaRPr>
+                    </a:p>
+                  </a:txBody>
+                  <a:tcPr>
+                    <a:lnL w="12700" cap="flat" cmpd="sng" algn="ctr">
+                      <a:solidFill>
+                        <a:schemeClr val="tx1"/>
+                      </a:solidFill>
+                      <a:prstDash val="solid"/>
+                      <a:round/>
+                      <a:headEnd type="none" w="med" len="med"/>
+                      <a:tailEnd type="none" w="med" len="med"/>
+                    </a:lnL>
+                    <a:lnR w="12700" cap="flat" cmpd="sng" algn="ctr">
+                      <a:solidFill>
+                        <a:schemeClr val="tx1"/>
+                      </a:solidFill>
+                      <a:prstDash val="solid"/>
+                      <a:round/>
+                      <a:headEnd type="none" w="med" len="med"/>
+                      <a:tailEnd type="none" w="med" len="med"/>
+                    </a:lnR>
+                    <a:lnT w="12700" cap="flat" cmpd="sng" algn="ctr">
+                      <a:solidFill>
+                        <a:schemeClr val="tx1"/>
+                      </a:solidFill>
+                      <a:prstDash val="solid"/>
+                      <a:round/>
+                      <a:headEnd type="none" w="med" len="med"/>
+                      <a:tailEnd type="none" w="med" len="med"/>
+                    </a:lnT>
+                    <a:lnB w="12700" cap="flat" cmpd="sng" algn="ctr">
+                      <a:solidFill>
+                        <a:schemeClr val="tx1"/>
+                      </a:solidFill>
+                      <a:prstDash val="solid"/>
+                      <a:round/>
+                      <a:headEnd type="none" w="med" len="med"/>
+                      <a:tailEnd type="none" w="med" len="med"/>
+                    </a:lnB>
+                    <a:solidFill>
+                      <a:srgbClr val="FF0000"/>
+                    </a:solidFill>
+                  </a:tcPr>
+                </a:tc>
+                <a:tc>
+                  <a:txBody>
+                    <a:bodyPr/>
+                    <a:lstStyle/>
+                    <a:p>
+                      <a:r>
+                        <a:rPr lang="ru-RU" sz="1400" dirty="0" smtClean="0">
+                          <a:solidFill>
+                            <a:schemeClr val="tx1"/>
+                          </a:solidFill>
+                        </a:rPr>
+                        <a:t>чтение</a:t>
+                      </a:r>
+                      <a:endParaRPr lang="ru-RU" sz="1400" dirty="0">
+                        <a:solidFill>
+                          <a:schemeClr val="tx1"/>
+                        </a:solidFill>
+                      </a:endParaRPr>
+                    </a:p>
+                  </a:txBody>
+                  <a:tcPr>
+                    <a:lnL w="12700" cap="flat" cmpd="sng" algn="ctr">
+                      <a:solidFill>
+                        <a:schemeClr val="tx1"/>
+                      </a:solidFill>
+                      <a:prstDash val="solid"/>
+                      <a:round/>
+                      <a:headEnd type="none" w="med" len="med"/>
+                      <a:tailEnd type="none" w="med" len="med"/>
+                    </a:lnL>
+                    <a:lnR w="12700" cap="flat" cmpd="sng" algn="ctr">
+                      <a:solidFill>
+                        <a:schemeClr val="tx1"/>
+                      </a:solidFill>
+                      <a:prstDash val="solid"/>
+                      <a:round/>
+                      <a:headEnd type="none" w="med" len="med"/>
+                      <a:tailEnd type="none" w="med" len="med"/>
+                    </a:lnR>
+                    <a:lnT w="12700" cap="flat" cmpd="sng" algn="ctr">
+                      <a:solidFill>
+                        <a:schemeClr val="tx1"/>
+                      </a:solidFill>
+                      <a:prstDash val="solid"/>
+                      <a:round/>
+                      <a:headEnd type="none" w="med" len="med"/>
+                      <a:tailEnd type="none" w="med" len="med"/>
+                    </a:lnT>
+                    <a:lnB w="12700" cap="flat" cmpd="sng" algn="ctr">
+                      <a:solidFill>
+                        <a:schemeClr val="tx1"/>
+                      </a:solidFill>
+                      <a:prstDash val="solid"/>
+                      <a:round/>
+                      <a:headEnd type="none" w="med" len="med"/>
+                      <a:tailEnd type="none" w="med" len="med"/>
+                    </a:lnB>
+                    <a:solidFill>
+                      <a:srgbClr val="FF0000"/>
+                    </a:solidFill>
+                  </a:tcPr>
+                </a:tc>
+              </a:tr>
+              <a:tr h="269288">
+                <a:tc>
+                  <a:txBody>
+                    <a:bodyPr/>
+                    <a:lstStyle/>
+                    <a:p>
+                      <a:r>
+                        <a:rPr lang="en-US" sz="1400" dirty="0" smtClean="0">
+                          <a:solidFill>
+                            <a:schemeClr val="tx1"/>
+                          </a:solidFill>
+                        </a:rPr>
+                        <a:t>y</a:t>
+                      </a:r>
+                      <a:endParaRPr lang="ru-RU" sz="1400" dirty="0">
+                        <a:solidFill>
+                          <a:schemeClr val="tx1"/>
+                        </a:solidFill>
+                      </a:endParaRPr>
+                    </a:p>
+                  </a:txBody>
+                  <a:tcPr>
+                    <a:lnL w="12700" cap="flat" cmpd="sng" algn="ctr">
+                      <a:solidFill>
+                        <a:schemeClr val="tx1"/>
+                      </a:solidFill>
+                      <a:prstDash val="solid"/>
+                      <a:round/>
+                      <a:headEnd type="none" w="med" len="med"/>
+                      <a:tailEnd type="none" w="med" len="med"/>
+                    </a:lnL>
+                    <a:lnR w="12700" cap="flat" cmpd="sng" algn="ctr">
+                      <a:solidFill>
+                        <a:schemeClr val="tx1"/>
+                      </a:solidFill>
+                      <a:prstDash val="solid"/>
+                      <a:round/>
+                      <a:headEnd type="none" w="med" len="med"/>
+                      <a:tailEnd type="none" w="med" len="med"/>
+                    </a:lnR>
+                    <a:lnT w="12700" cap="flat" cmpd="sng" algn="ctr">
+                      <a:solidFill>
+                        <a:schemeClr val="tx1"/>
+                      </a:solidFill>
+                      <a:prstDash val="solid"/>
+                      <a:round/>
+                      <a:headEnd type="none" w="med" len="med"/>
+                      <a:tailEnd type="none" w="med" len="med"/>
+                    </a:lnT>
+                    <a:lnB w="12700" cap="flat" cmpd="sng" algn="ctr">
+                      <a:solidFill>
+                        <a:schemeClr val="tx1"/>
+                      </a:solidFill>
+                      <a:prstDash val="solid"/>
+                      <a:round/>
+                      <a:headEnd type="none" w="med" len="med"/>
+                      <a:tailEnd type="none" w="med" len="med"/>
+                    </a:lnB>
+                    <a:solidFill>
+                      <a:srgbClr val="FF0000"/>
+                    </a:solidFill>
+                  </a:tcPr>
+                </a:tc>
+                <a:tc>
+                  <a:txBody>
+                    <a:bodyPr/>
+                    <a:lstStyle/>
+                    <a:p>
+                      <a:r>
+                        <a:rPr lang="en-US" sz="1400" dirty="0" smtClean="0">
+                          <a:solidFill>
+                            <a:schemeClr val="tx1"/>
+                          </a:solidFill>
+                        </a:rPr>
+                        <a:t>({</a:t>
+                      </a:r>
+                      <a:r>
+                        <a:rPr lang="en-US" sz="1400" dirty="0" smtClean="0">
+                          <a:solidFill>
+                            <a:schemeClr val="tx1"/>
+                          </a:solidFill>
+                        </a:rPr>
+                        <a:t>m1},</a:t>
+                      </a:r>
+                      <a:r>
+                        <a:rPr lang="en-US" sz="1400" baseline="0" dirty="0" smtClean="0">
+                          <a:solidFill>
+                            <a:schemeClr val="tx1"/>
+                          </a:solidFill>
+                        </a:rPr>
+                        <a:t> </a:t>
+                      </a:r>
+                      <a:r>
+                        <a:rPr lang="en-US" sz="1400" baseline="0" dirty="0" smtClean="0">
+                          <a:solidFill>
+                            <a:schemeClr val="tx1"/>
+                          </a:solidFill>
+                        </a:rPr>
+                        <a:t>{})</a:t>
+                      </a:r>
+                      <a:endParaRPr lang="ru-RU" sz="1400" dirty="0">
+                        <a:solidFill>
+                          <a:schemeClr val="tx1"/>
+                        </a:solidFill>
+                      </a:endParaRPr>
+                    </a:p>
+                  </a:txBody>
+                  <a:tcPr>
+                    <a:lnL w="12700" cap="flat" cmpd="sng" algn="ctr">
+                      <a:solidFill>
+                        <a:schemeClr val="tx1"/>
+                      </a:solidFill>
+                      <a:prstDash val="solid"/>
+                      <a:round/>
+                      <a:headEnd type="none" w="med" len="med"/>
+                      <a:tailEnd type="none" w="med" len="med"/>
+                    </a:lnL>
+                    <a:lnR w="12700" cap="flat" cmpd="sng" algn="ctr">
+                      <a:solidFill>
+                        <a:schemeClr val="tx1"/>
+                      </a:solidFill>
+                      <a:prstDash val="solid"/>
+                      <a:round/>
+                      <a:headEnd type="none" w="med" len="med"/>
+                      <a:tailEnd type="none" w="med" len="med"/>
+                    </a:lnR>
+                    <a:lnT w="12700" cap="flat" cmpd="sng" algn="ctr">
+                      <a:solidFill>
+                        <a:schemeClr val="tx1"/>
+                      </a:solidFill>
+                      <a:prstDash val="solid"/>
+                      <a:round/>
+                      <a:headEnd type="none" w="med" len="med"/>
+                      <a:tailEnd type="none" w="med" len="med"/>
+                    </a:lnT>
+                    <a:lnB w="12700" cap="flat" cmpd="sng" algn="ctr">
+                      <a:solidFill>
+                        <a:schemeClr val="tx1"/>
+                      </a:solidFill>
+                      <a:prstDash val="solid"/>
+                      <a:round/>
+                      <a:headEnd type="none" w="med" len="med"/>
+                      <a:tailEnd type="none" w="med" len="med"/>
+                    </a:lnB>
+                    <a:solidFill>
+                      <a:srgbClr val="FF0000"/>
+                    </a:solidFill>
+                  </a:tcPr>
+                </a:tc>
+                <a:tc>
+                  <a:txBody>
+                    <a:bodyPr/>
+                    <a:lstStyle/>
+                    <a:p>
+                      <a:r>
+                        <a:rPr lang="ru-RU" sz="1400" dirty="0" smtClean="0">
+                          <a:solidFill>
+                            <a:schemeClr val="tx1"/>
+                          </a:solidFill>
+                        </a:rPr>
+                        <a:t>запись</a:t>
+                      </a:r>
+                      <a:endParaRPr lang="ru-RU" sz="1400" dirty="0">
+                        <a:solidFill>
+                          <a:schemeClr val="tx1"/>
+                        </a:solidFill>
+                      </a:endParaRPr>
+                    </a:p>
+                  </a:txBody>
+                  <a:tcPr>
+                    <a:lnL w="12700" cap="flat" cmpd="sng" algn="ctr">
+                      <a:solidFill>
+                        <a:schemeClr val="tx1"/>
+                      </a:solidFill>
+                      <a:prstDash val="solid"/>
+                      <a:round/>
+                      <a:headEnd type="none" w="med" len="med"/>
+                      <a:tailEnd type="none" w="med" len="med"/>
+                    </a:lnL>
+                    <a:lnR w="12700" cap="flat" cmpd="sng" algn="ctr">
+                      <a:solidFill>
+                        <a:schemeClr val="tx1"/>
+                      </a:solidFill>
+                      <a:prstDash val="solid"/>
+                      <a:round/>
+                      <a:headEnd type="none" w="med" len="med"/>
+                      <a:tailEnd type="none" w="med" len="med"/>
+                    </a:lnR>
+                    <a:lnT w="12700" cap="flat" cmpd="sng" algn="ctr">
+                      <a:solidFill>
+                        <a:schemeClr val="tx1"/>
+                      </a:solidFill>
+                      <a:prstDash val="solid"/>
+                      <a:round/>
+                      <a:headEnd type="none" w="med" len="med"/>
+                      <a:tailEnd type="none" w="med" len="med"/>
+                    </a:lnT>
+                    <a:lnB w="12700" cap="flat" cmpd="sng" algn="ctr">
+                      <a:solidFill>
+                        <a:schemeClr val="tx1"/>
+                      </a:solidFill>
+                      <a:prstDash val="solid"/>
+                      <a:round/>
+                      <a:headEnd type="none" w="med" len="med"/>
+                      <a:tailEnd type="none" w="med" len="med"/>
+                    </a:lnB>
+                    <a:solidFill>
+                      <a:srgbClr val="FF0000"/>
+                    </a:solidFill>
+                  </a:tcPr>
+                </a:tc>
+              </a:tr>
+            </a:tbl>
+          </a:graphicData>
+        </a:graphic>
+      </p:graphicFrame>
+      <p:sp>
+        <p:nvSpPr>
+          <p:cNvPr id="8" name="TextBox 7"/>
+          <p:cNvSpPr txBox="1"/>
+          <p:nvPr/>
+        </p:nvSpPr>
+        <p:spPr>
+          <a:xfrm>
+            <a:off x="1475656" y="1844824"/>
+            <a:ext cx="184731" cy="369332"/>
+          </a:xfrm>
+          <a:prstGeom prst="rect">
+            <a:avLst/>
+          </a:prstGeom>
+          <a:noFill/>
+        </p:spPr>
+        <p:txBody>
+          <a:bodyPr wrap="none" rtlCol="0">
+            <a:spAutoFit/>
+          </a:bodyPr>
+          <a:lstStyle/>
+          <a:p>
+            <a:endParaRPr lang="ru-RU" dirty="0"/>
+          </a:p>
+        </p:txBody>
+      </p:sp>
+      <p:sp>
+        <p:nvSpPr>
+          <p:cNvPr id="9" name="TextBox 8"/>
+          <p:cNvSpPr txBox="1"/>
+          <p:nvPr/>
+        </p:nvSpPr>
+        <p:spPr>
+          <a:xfrm>
+            <a:off x="1763688" y="1628800"/>
+            <a:ext cx="937116" cy="369332"/>
+          </a:xfrm>
+          <a:prstGeom prst="rect">
+            <a:avLst/>
+          </a:prstGeom>
+          <a:noFill/>
+        </p:spPr>
+        <p:txBody>
+          <a:bodyPr wrap="none" rtlCol="0">
+            <a:spAutoFit/>
+          </a:bodyPr>
+          <a:lstStyle/>
+          <a:p>
+            <a:r>
+              <a:rPr lang="en-US" b="1" i="1" dirty="0" smtClean="0"/>
+              <a:t>thread1</a:t>
+            </a:r>
+            <a:endParaRPr lang="ru-RU" b="1" i="1" dirty="0"/>
+          </a:p>
+        </p:txBody>
+      </p:sp>
+      <p:sp>
+        <p:nvSpPr>
+          <p:cNvPr id="10" name="TextBox 9"/>
+          <p:cNvSpPr txBox="1"/>
+          <p:nvPr/>
+        </p:nvSpPr>
+        <p:spPr>
+          <a:xfrm>
+            <a:off x="6156176" y="1628800"/>
+            <a:ext cx="942887" cy="369332"/>
+          </a:xfrm>
+          <a:prstGeom prst="rect">
+            <a:avLst/>
+          </a:prstGeom>
+          <a:noFill/>
+        </p:spPr>
+        <p:txBody>
+          <a:bodyPr wrap="none" rtlCol="0">
+            <a:spAutoFit/>
+          </a:bodyPr>
+          <a:lstStyle/>
+          <a:p>
+            <a:r>
+              <a:rPr lang="en-US" b="1" i="1" dirty="0" smtClean="0"/>
+              <a:t>thread2</a:t>
+            </a:r>
+            <a:endParaRPr lang="ru-RU" b="1" i="1" dirty="0"/>
+          </a:p>
+        </p:txBody>
+      </p:sp>
+      <p:sp>
+        <p:nvSpPr>
+          <p:cNvPr id="11" name="Левая фигурная скобка 10"/>
+          <p:cNvSpPr/>
+          <p:nvPr/>
+        </p:nvSpPr>
+        <p:spPr>
+          <a:xfrm rot="16200000">
+            <a:off x="4301970" y="458670"/>
+            <a:ext cx="468052" cy="7992888"/>
+          </a:xfrm>
+          <a:prstGeom prst="leftBrace">
+            <a:avLst/>
+          </a:prstGeom>
+        </p:spPr>
+        <p:style>
+          <a:lnRef idx="1">
+            <a:schemeClr val="accent1"/>
+          </a:lnRef>
+          <a:fillRef idx="0">
+            <a:schemeClr val="accent1"/>
+          </a:fillRef>
+          <a:effectRef idx="0">
+            <a:schemeClr val="accent1"/>
+          </a:effectRef>
+          <a:fontRef idx="minor">
+            <a:schemeClr val="tx1"/>
+          </a:fontRef>
+        </p:style>
+        <p:txBody>
+          <a:bodyPr rtlCol="0" anchor="ctr"/>
+          <a:lstStyle/>
+          <a:p>
+            <a:pPr algn="ctr"/>
+            <a:endParaRPr lang="ru-RU"/>
+          </a:p>
+        </p:txBody>
+      </p:sp>
+      <p:sp>
+        <p:nvSpPr>
+          <p:cNvPr id="12" name="TextBox 11"/>
+          <p:cNvSpPr txBox="1"/>
+          <p:nvPr/>
+        </p:nvSpPr>
+        <p:spPr>
+          <a:xfrm>
+            <a:off x="2915816" y="5517232"/>
+            <a:ext cx="3257110" cy="646331"/>
+          </a:xfrm>
+          <a:prstGeom prst="rect">
+            <a:avLst/>
+          </a:prstGeom>
+          <a:noFill/>
+          <a:ln>
+            <a:solidFill>
+              <a:schemeClr val="accent1">
+                <a:shade val="95000"/>
+                <a:satMod val="105000"/>
+              </a:schemeClr>
+            </a:solidFill>
+          </a:ln>
+        </p:spPr>
+        <p:txBody>
+          <a:bodyPr wrap="none" rtlCol="0">
+            <a:spAutoFit/>
+          </a:bodyPr>
+          <a:lstStyle/>
+          <a:p>
+            <a:r>
+              <a:rPr lang="ru-RU" dirty="0" smtClean="0"/>
+              <a:t>Возможны гонки при доступе к</a:t>
+            </a:r>
+          </a:p>
+          <a:p>
+            <a:r>
+              <a:rPr lang="ru-RU" dirty="0" smtClean="0"/>
+              <a:t>Разделяемой переменной </a:t>
+            </a:r>
+            <a:r>
+              <a:rPr lang="en-US" b="1" i="1" dirty="0" smtClean="0"/>
+              <a:t>y</a:t>
+            </a:r>
+            <a:endParaRPr lang="ru-RU" b="1" i="1" dirty="0"/>
+          </a:p>
+        </p:txBody>
+      </p:sp>
+      <p:sp>
+        <p:nvSpPr>
+          <p:cNvPr id="13" name="Стрелка вниз 12"/>
+          <p:cNvSpPr/>
+          <p:nvPr/>
+        </p:nvSpPr>
+        <p:spPr>
+          <a:xfrm>
+            <a:off x="4283968" y="4869160"/>
+            <a:ext cx="504056" cy="576064"/>
+          </a:xfrm>
+          <a:prstGeom prst="downArrow">
+            <a:avLst/>
+          </a:prstGeom>
+        </p:spPr>
+        <p:style>
+          <a:lnRef idx="2">
+            <a:schemeClr val="accent1">
+              <a:shade val="50000"/>
+            </a:schemeClr>
+          </a:lnRef>
+          <a:fillRef idx="1">
+            <a:schemeClr val="accent1"/>
+          </a:fillRef>
+          <a:effectRef idx="0">
+            <a:schemeClr val="accent1"/>
+          </a:effectRef>
+          <a:fontRef idx="minor">
+            <a:schemeClr val="lt1"/>
+          </a:fontRef>
+        </p:style>
+        <p:txBody>
+          <a:bodyPr rtlCol="0" anchor="ctr"/>
+          <a:lstStyle/>
+          <a:p>
+            <a:pPr algn="ctr"/>
             <a:endParaRPr lang="ru-RU"/>
           </a:p>
         </p:txBody>

--- a/presentations/diplom/static race detection.pptx
+++ b/presentations/diplom/static race detection.pptx
@@ -6913,7 +6913,7 @@
 </file>
 
 <file path=ppt/slides/slide11.xml><?xml version="1.0" encoding="utf-8"?>
-<p:sld xmlns:a="http://schemas.openxmlformats.org/drawingml/2006/main" xmlns:r="http://schemas.openxmlformats.org/officeDocument/2006/relationships" xmlns:p="http://schemas.openxmlformats.org/presentationml/2006/main">
+<p:sld xmlns:a="http://schemas.openxmlformats.org/drawingml/2006/main" xmlns:r="http://schemas.openxmlformats.org/officeDocument/2006/relationships" xmlns:p="http://schemas.openxmlformats.org/presentationml/2006/main" show="0">
   <p:cSld>
     <p:spTree>
       <p:nvGrpSpPr>
@@ -7696,6 +7696,7 @@
   <p:clrMapOvr>
     <a:masterClrMapping/>
   </p:clrMapOvr>
+  <p:transition/>
   <p:timing>
     <p:tnLst>
       <p:par>
@@ -11836,8 +11837,8 @@
         </p:blipFill>
         <p:spPr>
           <a:xfrm>
-            <a:off x="133801" y="1662047"/>
-            <a:ext cx="8822221" cy="4719281"/>
+            <a:off x="133802" y="1412776"/>
+            <a:ext cx="8838270" cy="4932296"/>
           </a:xfrm>
         </p:spPr>
       </p:pic>
@@ -21664,29 +21665,6 @@
       </p:sp>
       <p:sp>
         <p:nvSpPr>
-          <p:cNvPr id="3" name="Содержимое 2"/>
-          <p:cNvSpPr>
-            <a:spLocks noGrp="1"/>
-          </p:cNvSpPr>
-          <p:nvPr>
-            <p:ph idx="1"/>
-          </p:nvPr>
-        </p:nvSpPr>
-        <p:spPr/>
-        <p:txBody>
-          <a:bodyPr/>
-          <a:lstStyle/>
-          <a:p>
-            <a:r>
-              <a:rPr lang="ru-RU" dirty="0" smtClean="0"/>
-              <a:t>Тут будет схема ПО</a:t>
-            </a:r>
-            <a:endParaRPr lang="ru-RU" dirty="0"/>
-          </a:p>
-        </p:txBody>
-      </p:sp>
-      <p:sp>
-        <p:nvSpPr>
           <p:cNvPr id="4" name="Номер слайда 3"/>
           <p:cNvSpPr>
             <a:spLocks noGrp="1"/>
@@ -21705,6 +21683,25 @@
               <a:pPr/>
               <a:t>22</a:t>
             </a:fld>
+            <a:endParaRPr lang="ru-RU"/>
+          </a:p>
+        </p:txBody>
+      </p:sp>
+      <p:sp>
+        <p:nvSpPr>
+          <p:cNvPr id="5" name="Содержимое 4"/>
+          <p:cNvSpPr>
+            <a:spLocks noGrp="1"/>
+          </p:cNvSpPr>
+          <p:nvPr>
+            <p:ph idx="1"/>
+          </p:nvPr>
+        </p:nvSpPr>
+        <p:spPr/>
+        <p:txBody>
+          <a:bodyPr/>
+          <a:lstStyle/>
+          <a:p>
             <a:endParaRPr lang="ru-RU"/>
           </a:p>
         </p:txBody>

--- a/presentations/diplom/static race detection.pptx
+++ b/presentations/diplom/static race detection.pptx
@@ -21687,25 +21687,29 @@
           </a:p>
         </p:txBody>
       </p:sp>
-      <p:sp>
-        <p:nvSpPr>
-          <p:cNvPr id="5" name="Содержимое 4"/>
-          <p:cNvSpPr>
-            <a:spLocks noGrp="1"/>
-          </p:cNvSpPr>
+      <p:pic>
+        <p:nvPicPr>
+          <p:cNvPr id="6" name="Содержимое 5" descr="programm_structure.emf"/>
+          <p:cNvPicPr>
+            <a:picLocks noGrp="1" noChangeAspect="1"/>
+          </p:cNvPicPr>
           <p:nvPr>
             <p:ph idx="1"/>
           </p:nvPr>
-        </p:nvSpPr>
-        <p:spPr/>
-        <p:txBody>
-          <a:bodyPr/>
-          <a:lstStyle/>
-          <a:p>
-            <a:endParaRPr lang="ru-RU"/>
-          </a:p>
-        </p:txBody>
-      </p:sp>
+        </p:nvPicPr>
+        <p:blipFill>
+          <a:blip r:embed="rId2" cstate="print"/>
+          <a:stretch>
+            <a:fillRect/>
+          </a:stretch>
+        </p:blipFill>
+        <p:spPr>
+          <a:xfrm>
+            <a:off x="615346" y="1838580"/>
+            <a:ext cx="7913308" cy="4049202"/>
+          </a:xfrm>
+        </p:spPr>
+      </p:pic>
     </p:spTree>
   </p:cSld>
   <p:clrMapOvr>
@@ -21841,6 +21845,13 @@
   <p:clrMapOvr>
     <a:masterClrMapping/>
   </p:clrMapOvr>
+  <p:timing>
+    <p:tnLst>
+      <p:par>
+        <p:cTn id="1" dur="indefinite" restart="never" nodeType="tmRoot"/>
+      </p:par>
+    </p:tnLst>
+  </p:timing>
 </p:sld>
 </file>
 

--- a/presentations/diplom/static race detection.pptx
+++ b/presentations/diplom/static race detection.pptx
@@ -22874,8 +22874,8 @@
         </p:blipFill>
         <p:spPr>
           <a:xfrm>
-            <a:off x="457200" y="1806084"/>
-            <a:ext cx="8229600" cy="4114194"/>
+            <a:off x="457200" y="2385646"/>
+            <a:ext cx="8229600" cy="2955070"/>
           </a:xfrm>
         </p:spPr>
       </p:pic>
@@ -22900,44 +22900,6 @@
               <a:t>5</a:t>
             </a:fld>
             <a:endParaRPr lang="ru-RU"/>
-          </a:p>
-        </p:txBody>
-      </p:sp>
-      <p:sp>
-        <p:nvSpPr>
-          <p:cNvPr id="6" name="TextBox 5"/>
-          <p:cNvSpPr txBox="1"/>
-          <p:nvPr/>
-        </p:nvSpPr>
-        <p:spPr>
-          <a:xfrm>
-            <a:off x="2771800" y="3573016"/>
-            <a:ext cx="3698064" cy="646331"/>
-          </a:xfrm>
-          <a:prstGeom prst="rect">
-            <a:avLst/>
-          </a:prstGeom>
-          <a:noFill/>
-        </p:spPr>
-        <p:txBody>
-          <a:bodyPr wrap="none" rtlCol="0">
-            <a:spAutoFit/>
-          </a:bodyPr>
-          <a:lstStyle/>
-          <a:p>
-            <a:r>
-              <a:rPr lang="ru-RU" sz="3600" dirty="0" smtClean="0">
-                <a:solidFill>
-                  <a:srgbClr val="FF0000"/>
-                </a:solidFill>
-              </a:rPr>
-              <a:t>Переделать!!!!!!!!</a:t>
-            </a:r>
-            <a:endParaRPr lang="ru-RU" sz="3600" dirty="0">
-              <a:solidFill>
-                <a:srgbClr val="FF0000"/>
-              </a:solidFill>
-            </a:endParaRPr>
           </a:p>
         </p:txBody>
       </p:sp>
@@ -23038,49 +23000,11 @@
         </p:blipFill>
         <p:spPr>
           <a:xfrm>
-            <a:off x="96995" y="1628800"/>
-            <a:ext cx="8941465" cy="4464496"/>
+            <a:off x="96995" y="2106242"/>
+            <a:ext cx="8941465" cy="3509612"/>
           </a:xfrm>
         </p:spPr>
       </p:pic>
-      <p:sp>
-        <p:nvSpPr>
-          <p:cNvPr id="5" name="TextBox 4"/>
-          <p:cNvSpPr txBox="1"/>
-          <p:nvPr/>
-        </p:nvSpPr>
-        <p:spPr>
-          <a:xfrm>
-            <a:off x="2987824" y="3212976"/>
-            <a:ext cx="3698064" cy="646331"/>
-          </a:xfrm>
-          <a:prstGeom prst="rect">
-            <a:avLst/>
-          </a:prstGeom>
-          <a:noFill/>
-        </p:spPr>
-        <p:txBody>
-          <a:bodyPr wrap="none" rtlCol="0">
-            <a:spAutoFit/>
-          </a:bodyPr>
-          <a:lstStyle/>
-          <a:p>
-            <a:r>
-              <a:rPr lang="ru-RU" sz="3600" dirty="0" smtClean="0">
-                <a:solidFill>
-                  <a:srgbClr val="FF0000"/>
-                </a:solidFill>
-              </a:rPr>
-              <a:t>Переделать!!!!!!!!</a:t>
-            </a:r>
-            <a:endParaRPr lang="ru-RU" sz="3600" dirty="0">
-              <a:solidFill>
-                <a:srgbClr val="FF0000"/>
-              </a:solidFill>
-            </a:endParaRPr>
-          </a:p>
-        </p:txBody>
-      </p:sp>
     </p:spTree>
   </p:cSld>
   <p:clrMapOvr>

--- a/presentations/diplom/static race detection.pptx
+++ b/presentations/diplom/static race detection.pptx
@@ -7653,44 +7653,6 @@
           </a:p>
         </p:txBody>
       </p:sp>
-      <p:sp>
-        <p:nvSpPr>
-          <p:cNvPr id="8" name="TextBox 7"/>
-          <p:cNvSpPr txBox="1"/>
-          <p:nvPr/>
-        </p:nvSpPr>
-        <p:spPr>
-          <a:xfrm>
-            <a:off x="2771800" y="3212976"/>
-            <a:ext cx="3698064" cy="646331"/>
-          </a:xfrm>
-          <a:prstGeom prst="rect">
-            <a:avLst/>
-          </a:prstGeom>
-          <a:noFill/>
-        </p:spPr>
-        <p:txBody>
-          <a:bodyPr wrap="none" rtlCol="0">
-            <a:spAutoFit/>
-          </a:bodyPr>
-          <a:lstStyle/>
-          <a:p>
-            <a:r>
-              <a:rPr lang="ru-RU" sz="3600" dirty="0" smtClean="0">
-                <a:solidFill>
-                  <a:srgbClr val="FF0000"/>
-                </a:solidFill>
-              </a:rPr>
-              <a:t>Переделать!!!!!!!!</a:t>
-            </a:r>
-            <a:endParaRPr lang="ru-RU" sz="3600" dirty="0">
-              <a:solidFill>
-                <a:srgbClr val="FF0000"/>
-              </a:solidFill>
-            </a:endParaRPr>
-          </a:p>
-        </p:txBody>
-      </p:sp>
     </p:spTree>
   </p:cSld>
   <p:clrMapOvr>
@@ -11740,7 +11702,7 @@
         </p:blipFill>
         <p:spPr>
           <a:xfrm>
-            <a:off x="3433754" y="1600200"/>
+            <a:off x="5436096" y="1700808"/>
             <a:ext cx="2276491" cy="4525963"/>
           </a:xfrm>
         </p:spPr>
@@ -11766,6 +11728,536 @@
               <a:t>15</a:t>
             </a:fld>
             <a:endParaRPr lang="ru-RU"/>
+          </a:p>
+        </p:txBody>
+      </p:sp>
+      <p:sp>
+        <p:nvSpPr>
+          <p:cNvPr id="6" name="Содержимое 2"/>
+          <p:cNvSpPr txBox="1">
+            <a:spLocks/>
+          </p:cNvSpPr>
+          <p:nvPr/>
+        </p:nvSpPr>
+        <p:spPr>
+          <a:xfrm>
+            <a:off x="251520" y="1700808"/>
+            <a:ext cx="4752528" cy="1296144"/>
+          </a:xfrm>
+          <a:prstGeom prst="rect">
+            <a:avLst/>
+          </a:prstGeom>
+          <a:ln>
+            <a:solidFill>
+              <a:schemeClr val="tx1"/>
+            </a:solidFill>
+          </a:ln>
+        </p:spPr>
+        <p:txBody>
+          <a:bodyPr vert="horz" lIns="91440" tIns="45720" rIns="91440" bIns="45720" rtlCol="0">
+            <a:normAutofit fontScale="55000" lnSpcReduction="20000"/>
+          </a:bodyPr>
+          <a:lstStyle/>
+          <a:p>
+            <a:pPr marL="342900" marR="0" lvl="0" indent="-342900" algn="l" defTabSz="914400" rtl="0" eaLnBrk="1" fontAlgn="auto" latinLnBrk="0" hangingPunct="1">
+              <a:lnSpc>
+                <a:spcPct val="100000"/>
+              </a:lnSpc>
+              <a:spcBef>
+                <a:spcPct val="20000"/>
+              </a:spcBef>
+              <a:spcAft>
+                <a:spcPts val="0"/>
+              </a:spcAft>
+              <a:buClrTx/>
+              <a:buSzTx/>
+              <a:buFont typeface="Arial" pitchFamily="34" charset="0"/>
+              <a:buNone/>
+              <a:tabLst/>
+              <a:defRPr/>
+            </a:pPr>
+            <a:r>
+              <a:rPr kumimoji="0" lang="ru-RU" sz="3200" b="1" i="1" u="none" strike="noStrike" kern="1200" cap="none" spc="0" normalizeH="0" baseline="0" noProof="0" dirty="0" smtClean="0">
+                <a:ln>
+                  <a:noFill/>
+                </a:ln>
+                <a:solidFill>
+                  <a:schemeClr val="tx1"/>
+                </a:solidFill>
+                <a:effectLst/>
+                <a:uLnTx/>
+                <a:uFillTx/>
+                <a:latin typeface="+mn-lt"/>
+                <a:ea typeface="+mn-ea"/>
+                <a:cs typeface="+mn-cs"/>
+              </a:rPr>
+              <a:t>Защищенный доступ</a:t>
+            </a:r>
+            <a:r>
+              <a:rPr kumimoji="0" lang="en-US" sz="3200" b="1" i="1" u="none" strike="noStrike" kern="1200" cap="none" spc="0" normalizeH="0" baseline="0" noProof="0" dirty="0" smtClean="0">
+                <a:ln>
+                  <a:noFill/>
+                </a:ln>
+                <a:solidFill>
+                  <a:schemeClr val="tx1"/>
+                </a:solidFill>
+                <a:effectLst/>
+                <a:uLnTx/>
+                <a:uFillTx/>
+                <a:latin typeface="+mn-lt"/>
+                <a:ea typeface="+mn-ea"/>
+                <a:cs typeface="+mn-cs"/>
+              </a:rPr>
+              <a:t> A</a:t>
+            </a:r>
+            <a:r>
+              <a:rPr kumimoji="0" lang="ru-RU" sz="3200" b="0" i="0" u="none" strike="noStrike" kern="1200" cap="none" spc="0" normalizeH="0" baseline="0" noProof="0" dirty="0" smtClean="0">
+                <a:ln>
+                  <a:noFill/>
+                </a:ln>
+                <a:solidFill>
+                  <a:schemeClr val="tx1"/>
+                </a:solidFill>
+                <a:effectLst/>
+                <a:uLnTx/>
+                <a:uFillTx/>
+                <a:latin typeface="+mn-lt"/>
+                <a:ea typeface="+mn-ea"/>
+                <a:cs typeface="+mn-cs"/>
+              </a:rPr>
+              <a:t> – тройка (</a:t>
+            </a:r>
+            <a:r>
+              <a:rPr kumimoji="0" lang="en-US" sz="3200" b="0" i="1" u="none" strike="noStrike" kern="1200" cap="none" spc="0" normalizeH="0" baseline="0" noProof="0" dirty="0" smtClean="0">
+                <a:ln>
+                  <a:noFill/>
+                </a:ln>
+                <a:solidFill>
+                  <a:schemeClr val="tx1"/>
+                </a:solidFill>
+                <a:effectLst/>
+                <a:uLnTx/>
+                <a:uFillTx/>
+                <a:latin typeface="+mn-lt"/>
+                <a:ea typeface="+mn-ea"/>
+                <a:cs typeface="+mn-cs"/>
+              </a:rPr>
+              <a:t>o, L, k</a:t>
+            </a:r>
+            <a:r>
+              <a:rPr kumimoji="0" lang="en-US" sz="3200" b="0" i="0" u="none" strike="noStrike" kern="1200" cap="none" spc="0" normalizeH="0" baseline="0" noProof="0" dirty="0" smtClean="0">
+                <a:ln>
+                  <a:noFill/>
+                </a:ln>
+                <a:solidFill>
+                  <a:schemeClr val="tx1"/>
+                </a:solidFill>
+                <a:effectLst/>
+                <a:uLnTx/>
+                <a:uFillTx/>
+                <a:latin typeface="+mn-lt"/>
+                <a:ea typeface="+mn-ea"/>
+                <a:cs typeface="+mn-cs"/>
+              </a:rPr>
+              <a:t>), </a:t>
+            </a:r>
+            <a:r>
+              <a:rPr kumimoji="0" lang="ru-RU" sz="3200" b="0" i="0" u="none" strike="noStrike" kern="1200" cap="none" spc="0" normalizeH="0" baseline="0" noProof="0" dirty="0" smtClean="0">
+                <a:ln>
+                  <a:noFill/>
+                </a:ln>
+                <a:solidFill>
+                  <a:schemeClr val="tx1"/>
+                </a:solidFill>
+                <a:effectLst/>
+                <a:uLnTx/>
+                <a:uFillTx/>
+                <a:latin typeface="+mn-lt"/>
+                <a:ea typeface="+mn-ea"/>
+                <a:cs typeface="+mn-cs"/>
+              </a:rPr>
+              <a:t>где</a:t>
+            </a:r>
+            <a:r>
+              <a:rPr kumimoji="0" lang="en-US" sz="3200" b="0" i="0" u="none" strike="noStrike" kern="1200" cap="none" spc="0" normalizeH="0" baseline="0" noProof="0" dirty="0" smtClean="0">
+                <a:ln>
+                  <a:noFill/>
+                </a:ln>
+                <a:solidFill>
+                  <a:schemeClr val="tx1"/>
+                </a:solidFill>
+                <a:effectLst/>
+                <a:uLnTx/>
+                <a:uFillTx/>
+                <a:latin typeface="+mn-lt"/>
+                <a:ea typeface="+mn-ea"/>
+                <a:cs typeface="+mn-cs"/>
+              </a:rPr>
+              <a:t>:</a:t>
+            </a:r>
+            <a:endParaRPr kumimoji="0" lang="ru-RU" sz="3200" b="0" i="0" u="none" strike="noStrike" kern="1200" cap="none" spc="0" normalizeH="0" baseline="0" noProof="0" dirty="0" smtClean="0">
+              <a:ln>
+                <a:noFill/>
+              </a:ln>
+              <a:solidFill>
+                <a:schemeClr val="tx1"/>
+              </a:solidFill>
+              <a:effectLst/>
+              <a:uLnTx/>
+              <a:uFillTx/>
+              <a:latin typeface="+mn-lt"/>
+              <a:ea typeface="+mn-ea"/>
+              <a:cs typeface="+mn-cs"/>
+            </a:endParaRPr>
+          </a:p>
+          <a:p>
+            <a:pPr marL="0" marR="0" lvl="0" indent="0" algn="l" defTabSz="914400" rtl="0" eaLnBrk="1" fontAlgn="auto" latinLnBrk="0" hangingPunct="1">
+              <a:lnSpc>
+                <a:spcPct val="100000"/>
+              </a:lnSpc>
+              <a:spcBef>
+                <a:spcPct val="20000"/>
+              </a:spcBef>
+              <a:spcAft>
+                <a:spcPts val="0"/>
+              </a:spcAft>
+              <a:buClrTx/>
+              <a:buSzTx/>
+              <a:buFont typeface="Arial" pitchFamily="34" charset="0"/>
+              <a:buChar char="•"/>
+              <a:tabLst/>
+              <a:defRPr/>
+            </a:pPr>
+            <a:r>
+              <a:rPr kumimoji="0" lang="en-US" sz="3200" b="0" i="1" u="none" strike="noStrike" kern="1200" cap="none" spc="0" normalizeH="0" baseline="0" noProof="0" dirty="0" smtClean="0">
+                <a:ln>
+                  <a:noFill/>
+                </a:ln>
+                <a:solidFill>
+                  <a:schemeClr val="tx1"/>
+                </a:solidFill>
+                <a:effectLst/>
+                <a:uLnTx/>
+                <a:uFillTx/>
+                <a:latin typeface="+mn-lt"/>
+                <a:ea typeface="+mn-ea"/>
+                <a:cs typeface="+mn-cs"/>
+              </a:rPr>
+              <a:t>o</a:t>
+            </a:r>
+            <a:r>
+              <a:rPr kumimoji="0" lang="en-US" sz="3200" b="0" i="0" u="none" strike="noStrike" kern="1200" cap="none" spc="0" normalizeH="0" baseline="0" noProof="0" dirty="0" smtClean="0">
+                <a:ln>
+                  <a:noFill/>
+                </a:ln>
+                <a:solidFill>
+                  <a:schemeClr val="tx1"/>
+                </a:solidFill>
+                <a:effectLst/>
+                <a:uLnTx/>
+                <a:uFillTx/>
+                <a:latin typeface="+mn-lt"/>
+                <a:ea typeface="+mn-ea"/>
+                <a:cs typeface="+mn-cs"/>
+              </a:rPr>
+              <a:t> –</a:t>
+            </a:r>
+            <a:r>
+              <a:rPr kumimoji="0" lang="ru-RU" sz="3200" b="0" i="0" u="none" strike="noStrike" kern="1200" cap="none" spc="0" normalizeH="0" noProof="0" dirty="0" smtClean="0">
+                <a:ln>
+                  <a:noFill/>
+                </a:ln>
+                <a:solidFill>
+                  <a:schemeClr val="tx1"/>
+                </a:solidFill>
+                <a:effectLst/>
+                <a:uLnTx/>
+                <a:uFillTx/>
+                <a:latin typeface="+mn-lt"/>
+                <a:ea typeface="+mn-ea"/>
+                <a:cs typeface="+mn-cs"/>
+              </a:rPr>
+              <a:t> </a:t>
+            </a:r>
+            <a:r>
+              <a:rPr lang="en-US" sz="3200" dirty="0" smtClean="0"/>
+              <a:t>lvalue</a:t>
+            </a:r>
+            <a:r>
+              <a:rPr kumimoji="0" lang="en-US" sz="3200" b="0" i="0" u="none" strike="noStrike" kern="1200" cap="none" spc="0" normalizeH="0" baseline="0" noProof="0" dirty="0" smtClean="0">
+                <a:ln>
+                  <a:noFill/>
+                </a:ln>
+                <a:solidFill>
+                  <a:schemeClr val="tx1"/>
+                </a:solidFill>
+                <a:effectLst/>
+                <a:uLnTx/>
+                <a:uFillTx/>
+                <a:latin typeface="+mn-lt"/>
+                <a:ea typeface="+mn-ea"/>
+                <a:cs typeface="+mn-cs"/>
+              </a:rPr>
+              <a:t>, </a:t>
+            </a:r>
+            <a:r>
+              <a:rPr kumimoji="0" lang="ru-RU" sz="3200" b="0" i="0" u="none" strike="noStrike" kern="1200" cap="none" spc="0" normalizeH="0" baseline="0" noProof="0" dirty="0" smtClean="0">
+                <a:ln>
+                  <a:noFill/>
+                </a:ln>
+                <a:solidFill>
+                  <a:schemeClr val="tx1"/>
+                </a:solidFill>
+                <a:effectLst/>
+                <a:uLnTx/>
+                <a:uFillTx/>
+                <a:latin typeface="+mn-lt"/>
+                <a:ea typeface="+mn-ea"/>
+                <a:cs typeface="+mn-cs"/>
+              </a:rPr>
+              <a:t>к </a:t>
+            </a:r>
+            <a:r>
+              <a:rPr kumimoji="0" lang="ru-RU" sz="3200" b="0" i="0" u="none" strike="noStrike" kern="1200" cap="none" spc="0" normalizeH="0" baseline="0" noProof="0" dirty="0" err="1" smtClean="0">
+                <a:ln>
+                  <a:noFill/>
+                </a:ln>
+                <a:solidFill>
+                  <a:schemeClr val="tx1"/>
+                </a:solidFill>
+                <a:effectLst/>
+                <a:uLnTx/>
+                <a:uFillTx/>
+                <a:latin typeface="+mn-lt"/>
+                <a:ea typeface="+mn-ea"/>
+                <a:cs typeface="+mn-cs"/>
+              </a:rPr>
+              <a:t>которо</a:t>
+            </a:r>
+            <a:r>
+              <a:rPr lang="ru-RU" sz="3200" dirty="0" err="1" smtClean="0"/>
+              <a:t>му</a:t>
+            </a:r>
+            <a:r>
+              <a:rPr kumimoji="0" lang="ru-RU" sz="3200" b="0" i="0" u="none" strike="noStrike" kern="1200" cap="none" spc="0" normalizeH="0" baseline="0" noProof="0" dirty="0" smtClean="0">
+                <a:ln>
+                  <a:noFill/>
+                </a:ln>
+                <a:solidFill>
+                  <a:schemeClr val="tx1"/>
+                </a:solidFill>
+                <a:effectLst/>
+                <a:uLnTx/>
+                <a:uFillTx/>
+                <a:latin typeface="+mn-lt"/>
+                <a:ea typeface="+mn-ea"/>
+                <a:cs typeface="+mn-cs"/>
+              </a:rPr>
+              <a:t> производится доступ,</a:t>
+            </a:r>
+          </a:p>
+          <a:p>
+            <a:pPr marL="0" marR="0" lvl="0" indent="0" algn="l" defTabSz="914400" rtl="0" eaLnBrk="1" fontAlgn="auto" latinLnBrk="0" hangingPunct="1">
+              <a:lnSpc>
+                <a:spcPct val="100000"/>
+              </a:lnSpc>
+              <a:spcBef>
+                <a:spcPct val="20000"/>
+              </a:spcBef>
+              <a:spcAft>
+                <a:spcPts val="0"/>
+              </a:spcAft>
+              <a:buClrTx/>
+              <a:buSzTx/>
+              <a:buFont typeface="Arial" pitchFamily="34" charset="0"/>
+              <a:buChar char="•"/>
+              <a:tabLst/>
+              <a:defRPr/>
+            </a:pPr>
+            <a:r>
+              <a:rPr kumimoji="0" lang="en-US" sz="3200" b="0" i="1" u="none" strike="noStrike" kern="1200" cap="none" spc="0" normalizeH="0" baseline="0" noProof="0" dirty="0" smtClean="0">
+                <a:ln>
+                  <a:noFill/>
+                </a:ln>
+                <a:solidFill>
+                  <a:schemeClr val="tx1"/>
+                </a:solidFill>
+                <a:effectLst/>
+                <a:uLnTx/>
+                <a:uFillTx/>
+                <a:latin typeface="+mn-lt"/>
+                <a:ea typeface="+mn-ea"/>
+                <a:cs typeface="+mn-cs"/>
+              </a:rPr>
+              <a:t>L</a:t>
+            </a:r>
+            <a:r>
+              <a:rPr kumimoji="0" lang="en-US" sz="3200" b="0" i="0" u="none" strike="noStrike" kern="1200" cap="none" spc="0" normalizeH="0" baseline="0" noProof="0" dirty="0" smtClean="0">
+                <a:ln>
+                  <a:noFill/>
+                </a:ln>
+                <a:solidFill>
+                  <a:schemeClr val="tx1"/>
+                </a:solidFill>
+                <a:effectLst/>
+                <a:uLnTx/>
+                <a:uFillTx/>
+                <a:latin typeface="+mn-lt"/>
+                <a:ea typeface="+mn-ea"/>
+                <a:cs typeface="+mn-cs"/>
+              </a:rPr>
+              <a:t> - </a:t>
+            </a:r>
+            <a:r>
+              <a:rPr kumimoji="0" lang="ru-RU" sz="3200" b="0" i="0" u="none" strike="noStrike" kern="1200" cap="none" spc="0" normalizeH="0" baseline="0" noProof="0" dirty="0" smtClean="0">
+                <a:ln>
+                  <a:noFill/>
+                </a:ln>
+                <a:solidFill>
+                  <a:schemeClr val="tx1"/>
+                </a:solidFill>
+                <a:effectLst/>
+                <a:uLnTx/>
+                <a:uFillTx/>
+                <a:latin typeface="+mn-lt"/>
+                <a:ea typeface="+mn-ea"/>
+                <a:cs typeface="+mn-cs"/>
+              </a:rPr>
+              <a:t>относительное множество блокировок,</a:t>
+            </a:r>
+          </a:p>
+          <a:p>
+            <a:pPr marL="0" marR="0" lvl="0" indent="0" algn="l" defTabSz="914400" rtl="0" eaLnBrk="1" fontAlgn="auto" latinLnBrk="0" hangingPunct="1">
+              <a:lnSpc>
+                <a:spcPct val="100000"/>
+              </a:lnSpc>
+              <a:spcBef>
+                <a:spcPct val="20000"/>
+              </a:spcBef>
+              <a:spcAft>
+                <a:spcPts val="0"/>
+              </a:spcAft>
+              <a:buClrTx/>
+              <a:buSzTx/>
+              <a:buFont typeface="Arial" pitchFamily="34" charset="0"/>
+              <a:buChar char="•"/>
+              <a:tabLst/>
+              <a:defRPr/>
+            </a:pPr>
+            <a:r>
+              <a:rPr kumimoji="0" lang="en-US" sz="3200" b="0" i="1" u="none" strike="noStrike" kern="1200" cap="none" spc="0" normalizeH="0" baseline="0" noProof="0" dirty="0" smtClean="0">
+                <a:ln>
+                  <a:noFill/>
+                </a:ln>
+                <a:solidFill>
+                  <a:schemeClr val="tx1"/>
+                </a:solidFill>
+                <a:effectLst/>
+                <a:uLnTx/>
+                <a:uFillTx/>
+                <a:latin typeface="+mn-lt"/>
+                <a:ea typeface="+mn-ea"/>
+                <a:cs typeface="+mn-cs"/>
+              </a:rPr>
+              <a:t>k</a:t>
+            </a:r>
+            <a:r>
+              <a:rPr kumimoji="0" lang="en-US" sz="3200" b="0" i="0" u="none" strike="noStrike" kern="1200" cap="none" spc="0" normalizeH="0" baseline="0" noProof="0" dirty="0" smtClean="0">
+                <a:ln>
+                  <a:noFill/>
+                </a:ln>
+                <a:solidFill>
+                  <a:schemeClr val="tx1"/>
+                </a:solidFill>
+                <a:effectLst/>
+                <a:uLnTx/>
+                <a:uFillTx/>
+                <a:latin typeface="+mn-lt"/>
+                <a:ea typeface="+mn-ea"/>
+                <a:cs typeface="+mn-cs"/>
+              </a:rPr>
+              <a:t> – </a:t>
+            </a:r>
+            <a:r>
+              <a:rPr kumimoji="0" lang="ru-RU" sz="3200" b="0" i="0" u="none" strike="noStrike" kern="1200" cap="none" spc="0" normalizeH="0" baseline="0" noProof="0" dirty="0" smtClean="0">
+                <a:ln>
+                  <a:noFill/>
+                </a:ln>
+                <a:solidFill>
+                  <a:schemeClr val="tx1"/>
+                </a:solidFill>
+                <a:effectLst/>
+                <a:uLnTx/>
+                <a:uFillTx/>
+                <a:latin typeface="+mn-lt"/>
+                <a:ea typeface="+mn-ea"/>
+                <a:cs typeface="+mn-cs"/>
+              </a:rPr>
+              <a:t>вид доступ</a:t>
+            </a:r>
+            <a:r>
+              <a:rPr lang="ru-RU" sz="3200" dirty="0" smtClean="0"/>
+              <a:t>а</a:t>
+            </a:r>
+            <a:r>
+              <a:rPr lang="en-US" sz="3200" dirty="0" smtClean="0"/>
+              <a:t>: “</a:t>
+            </a:r>
+            <a:r>
+              <a:rPr lang="ru-RU" sz="3200" dirty="0" smtClean="0"/>
+              <a:t>чтение</a:t>
+            </a:r>
+            <a:r>
+              <a:rPr lang="en-US" sz="3200" dirty="0" smtClean="0"/>
+              <a:t>”</a:t>
+            </a:r>
+            <a:r>
+              <a:rPr lang="ru-RU" sz="3200" dirty="0" smtClean="0"/>
+              <a:t>, </a:t>
+            </a:r>
+            <a:r>
+              <a:rPr lang="en-US" sz="3200" dirty="0" smtClean="0"/>
+              <a:t>“</a:t>
+            </a:r>
+            <a:r>
+              <a:rPr lang="ru-RU" sz="3200" dirty="0" smtClean="0"/>
+              <a:t>запись</a:t>
+            </a:r>
+            <a:r>
+              <a:rPr lang="en-US" sz="3200" dirty="0" smtClean="0"/>
+              <a:t>”</a:t>
+            </a:r>
+            <a:r>
+              <a:rPr kumimoji="0" lang="ru-RU" sz="3200" b="0" i="0" u="none" strike="noStrike" kern="1200" cap="none" spc="0" normalizeH="0" baseline="0" noProof="0" dirty="0" smtClean="0">
+                <a:ln>
+                  <a:noFill/>
+                </a:ln>
+                <a:solidFill>
+                  <a:schemeClr val="tx1"/>
+                </a:solidFill>
+                <a:effectLst/>
+                <a:uLnTx/>
+                <a:uFillTx/>
+                <a:latin typeface="+mn-lt"/>
+                <a:ea typeface="+mn-ea"/>
+                <a:cs typeface="+mn-cs"/>
+              </a:rPr>
+              <a:t>.</a:t>
+            </a:r>
+            <a:endParaRPr kumimoji="0" lang="ru-RU" sz="3200" b="0" i="0" u="none" strike="noStrike" kern="1200" cap="none" spc="0" normalizeH="0" baseline="0" noProof="0" dirty="0">
+              <a:ln>
+                <a:noFill/>
+              </a:ln>
+              <a:solidFill>
+                <a:schemeClr val="tx1"/>
+              </a:solidFill>
+              <a:effectLst/>
+              <a:uLnTx/>
+              <a:uFillTx/>
+              <a:latin typeface="+mn-lt"/>
+              <a:ea typeface="+mn-ea"/>
+              <a:cs typeface="+mn-cs"/>
+            </a:endParaRPr>
           </a:p>
         </p:txBody>
       </p:sp>

--- a/presentations/diplom/static race detection.pptx
+++ b/presentations/diplom/static race detection.pptx
@@ -6989,7 +6989,7 @@
         <p:spPr>
           <a:xfrm>
             <a:off x="683568" y="1484784"/>
-            <a:ext cx="7787208" cy="892695"/>
+            <a:ext cx="7787208" cy="2592288"/>
           </a:xfrm>
           <a:prstGeom prst="rect">
             <a:avLst/>
@@ -7002,7 +7002,7 @@
         </p:spPr>
         <p:txBody>
           <a:bodyPr vert="horz" lIns="91440" tIns="45720" rIns="91440" bIns="45720" rtlCol="0">
-            <a:normAutofit fontScale="55000" lnSpcReduction="20000"/>
+            <a:noAutofit/>
           </a:bodyPr>
           <a:lstStyle/>
           <a:p>
@@ -7024,7 +7024,7 @@
               <a:defRPr/>
             </a:pPr>
             <a:r>
-              <a:rPr kumimoji="0" lang="ru-RU" sz="3200" b="1" i="1" u="none" strike="noStrike" kern="1200" cap="none" spc="0" normalizeH="0" baseline="0" noProof="0" dirty="0" smtClean="0">
+              <a:rPr kumimoji="0" lang="ru-RU" sz="2400" b="1" i="1" u="none" strike="noStrike" kern="1200" cap="none" spc="0" normalizeH="0" baseline="0" noProof="0" dirty="0" smtClean="0">
                 <a:ln>
                   <a:noFill/>
                 </a:ln>
@@ -7041,7 +7041,7 @@
               <a:t>Относительное множество блокировок </a:t>
             </a:r>
             <a:r>
-              <a:rPr kumimoji="0" lang="en-US" sz="3200" b="1" i="1" u="none" strike="noStrike" kern="1200" cap="none" spc="0" normalizeH="0" baseline="0" noProof="0" dirty="0" smtClean="0">
+              <a:rPr kumimoji="0" lang="en-US" sz="2400" b="1" i="1" u="none" strike="noStrike" kern="1200" cap="none" spc="0" normalizeH="0" baseline="0" noProof="0" dirty="0" smtClean="0">
                 <a:ln>
                   <a:noFill/>
                 </a:ln>
@@ -7058,7 +7058,7 @@
               <a:t>L</a:t>
             </a:r>
             <a:r>
-              <a:rPr kumimoji="0" lang="ru-RU" sz="3200" b="1" i="1" u="none" strike="noStrike" kern="1200" cap="none" spc="0" normalizeH="0" baseline="0" noProof="0" dirty="0" smtClean="0">
+              <a:rPr kumimoji="0" lang="ru-RU" sz="2400" b="1" i="1" u="none" strike="noStrike" kern="1200" cap="none" spc="0" normalizeH="0" baseline="0" noProof="0" dirty="0" smtClean="0">
                 <a:ln>
                   <a:noFill/>
                 </a:ln>
@@ -7075,7 +7075,7 @@
               <a:t> </a:t>
             </a:r>
             <a:r>
-              <a:rPr kumimoji="0" lang="ru-RU" sz="3200" b="0" i="0" u="none" strike="noStrike" kern="1200" cap="none" spc="0" normalizeH="0" baseline="0" noProof="0" dirty="0" smtClean="0">
+              <a:rPr kumimoji="0" lang="ru-RU" sz="2400" b="0" i="0" u="none" strike="noStrike" kern="1200" cap="none" spc="0" normalizeH="0" baseline="0" noProof="0" dirty="0" smtClean="0">
                 <a:ln>
                   <a:noFill/>
                 </a:ln>
@@ -7092,7 +7092,7 @@
               <a:t>–</a:t>
             </a:r>
             <a:r>
-              <a:rPr kumimoji="0" lang="en-US" sz="3200" b="0" i="0" u="none" strike="noStrike" kern="1200" cap="none" spc="0" normalizeH="0" baseline="0" noProof="0" dirty="0" smtClean="0">
+              <a:rPr kumimoji="0" lang="en-US" sz="2400" b="0" i="0" u="none" strike="noStrike" kern="1200" cap="none" spc="0" normalizeH="0" baseline="0" noProof="0" dirty="0" smtClean="0">
                 <a:ln>
                   <a:noFill/>
                 </a:ln>
@@ -7109,7 +7109,7 @@
               <a:t> </a:t>
             </a:r>
             <a:r>
-              <a:rPr kumimoji="0" lang="ru-RU" sz="3200" b="0" i="0" u="none" strike="noStrike" kern="1200" cap="none" spc="0" normalizeH="0" baseline="0" noProof="0" dirty="0" smtClean="0">
+              <a:rPr kumimoji="0" lang="ru-RU" sz="2400" b="0" i="0" u="none" strike="noStrike" kern="1200" cap="none" spc="0" normalizeH="0" baseline="0" noProof="0" dirty="0" smtClean="0">
                 <a:ln>
                   <a:noFill/>
                 </a:ln>
@@ -7126,7 +7126,7 @@
               <a:t>пара (</a:t>
             </a:r>
             <a:r>
-              <a:rPr kumimoji="0" lang="en-US" sz="3200" b="0" i="0" u="none" strike="noStrike" kern="1200" cap="none" spc="0" normalizeH="0" baseline="0" noProof="0" dirty="0" smtClean="0">
+              <a:rPr kumimoji="0" lang="en-US" sz="2400" b="0" i="0" u="none" strike="noStrike" kern="1200" cap="none" spc="0" normalizeH="0" baseline="0" noProof="0" dirty="0" smtClean="0">
                 <a:ln>
                   <a:noFill/>
                 </a:ln>
@@ -7143,7 +7143,7 @@
               <a:t>L</a:t>
             </a:r>
             <a:r>
-              <a:rPr kumimoji="0" lang="en-US" sz="3200" b="0" i="0" u="none" strike="noStrike" kern="1200" cap="none" spc="0" normalizeH="0" baseline="-25000" noProof="0" dirty="0" smtClean="0">
+              <a:rPr kumimoji="0" lang="en-US" sz="2400" b="0" i="0" u="none" strike="noStrike" kern="1200" cap="none" spc="0" normalizeH="0" baseline="-25000" noProof="0" dirty="0" smtClean="0">
                 <a:ln>
                   <a:noFill/>
                 </a:ln>
@@ -7160,7 +7160,7 @@
               <a:t>+</a:t>
             </a:r>
             <a:r>
-              <a:rPr kumimoji="0" lang="en-US" sz="3200" b="0" i="0" u="none" strike="noStrike" kern="1200" cap="none" spc="0" normalizeH="0" baseline="0" noProof="0" dirty="0" smtClean="0">
+              <a:rPr kumimoji="0" lang="en-US" sz="2400" b="0" i="0" u="none" strike="noStrike" kern="1200" cap="none" spc="0" normalizeH="0" baseline="0" noProof="0" dirty="0" smtClean="0">
                 <a:ln>
                   <a:noFill/>
                 </a:ln>
@@ -7177,7 +7177,7 @@
               <a:t>, L</a:t>
             </a:r>
             <a:r>
-              <a:rPr kumimoji="0" lang="en-US" sz="3200" b="0" i="0" u="none" strike="noStrike" kern="1200" cap="none" spc="0" normalizeH="0" baseline="-25000" noProof="0" dirty="0" smtClean="0">
+              <a:rPr kumimoji="0" lang="en-US" sz="2400" b="0" i="0" u="none" strike="noStrike" kern="1200" cap="none" spc="0" normalizeH="0" baseline="-25000" noProof="0" dirty="0" smtClean="0">
                 <a:ln>
                   <a:noFill/>
                 </a:ln>
@@ -7194,7 +7194,7 @@
               <a:t>-</a:t>
             </a:r>
             <a:r>
-              <a:rPr kumimoji="0" lang="en-US" sz="3200" b="0" i="0" u="none" strike="noStrike" kern="1200" cap="none" spc="0" normalizeH="0" baseline="0" noProof="0" dirty="0" smtClean="0">
+              <a:rPr kumimoji="0" lang="en-US" sz="2400" b="0" i="0" u="none" strike="noStrike" kern="1200" cap="none" spc="0" normalizeH="0" baseline="0" noProof="0" dirty="0" smtClean="0">
                 <a:ln>
                   <a:noFill/>
                 </a:ln>
@@ -7211,7 +7211,7 @@
               <a:t>),  </a:t>
             </a:r>
             <a:r>
-              <a:rPr kumimoji="0" lang="ru-RU" sz="3200" b="0" i="0" u="none" strike="noStrike" kern="1200" cap="none" spc="0" normalizeH="0" baseline="0" noProof="0" dirty="0" smtClean="0">
+              <a:rPr kumimoji="0" lang="ru-RU" sz="2400" b="0" i="0" u="none" strike="noStrike" kern="1200" cap="none" spc="0" normalizeH="0" baseline="0" noProof="0" dirty="0" smtClean="0">
                 <a:ln>
                   <a:noFill/>
                 </a:ln>
@@ -7228,7 +7228,7 @@
               <a:t>где</a:t>
             </a:r>
             <a:r>
-              <a:rPr kumimoji="0" lang="en-US" sz="3200" b="0" i="0" u="none" strike="noStrike" kern="1200" cap="none" spc="0" normalizeH="0" baseline="0" noProof="0" dirty="0" smtClean="0">
+              <a:rPr kumimoji="0" lang="en-US" sz="2400" b="0" i="0" u="none" strike="noStrike" kern="1200" cap="none" spc="0" normalizeH="0" baseline="0" noProof="0" dirty="0" smtClean="0">
                 <a:ln>
                   <a:noFill/>
                 </a:ln>
@@ -7264,7 +7264,7 @@
               <a:defRPr/>
             </a:pPr>
             <a:r>
-              <a:rPr kumimoji="0" lang="en-US" sz="3200" b="0" i="0" u="none" strike="noStrike" kern="1200" cap="none" spc="0" normalizeH="0" baseline="0" noProof="0" dirty="0" smtClean="0">
+              <a:rPr kumimoji="0" lang="en-US" sz="2400" b="0" i="0" u="none" strike="noStrike" kern="1200" cap="none" spc="0" normalizeH="0" baseline="0" noProof="0" dirty="0" smtClean="0">
                 <a:ln>
                   <a:noFill/>
                 </a:ln>
@@ -7281,7 +7281,7 @@
               <a:t> L</a:t>
             </a:r>
             <a:r>
-              <a:rPr kumimoji="0" lang="en-US" sz="3200" b="0" i="0" u="none" strike="noStrike" kern="1200" cap="none" spc="0" normalizeH="0" baseline="-25000" noProof="0" dirty="0" smtClean="0">
+              <a:rPr kumimoji="0" lang="en-US" sz="2400" b="0" i="0" u="none" strike="noStrike" kern="1200" cap="none" spc="0" normalizeH="0" baseline="-25000" noProof="0" dirty="0" smtClean="0">
                 <a:ln>
                   <a:noFill/>
                 </a:ln>
@@ -7298,7 +7298,7 @@
               <a:t>+</a:t>
             </a:r>
             <a:r>
-              <a:rPr kumimoji="0" lang="en-US" sz="3200" b="0" i="0" u="none" strike="noStrike" kern="1200" cap="none" spc="0" normalizeH="0" baseline="0" noProof="0" dirty="0" smtClean="0">
+              <a:rPr kumimoji="0" lang="en-US" sz="2400" b="0" i="0" u="none" strike="noStrike" kern="1200" cap="none" spc="0" normalizeH="0" baseline="0" noProof="0" dirty="0" smtClean="0">
                 <a:ln>
                   <a:noFill/>
                 </a:ln>
@@ -7315,7 +7315,7 @@
               <a:t> - </a:t>
             </a:r>
             <a:r>
-              <a:rPr kumimoji="0" lang="ru-RU" sz="3200" b="0" i="0" u="none" strike="noStrike" kern="1200" cap="none" spc="0" normalizeH="0" baseline="0" noProof="0" dirty="0" smtClean="0">
+              <a:rPr kumimoji="0" lang="ru-RU" sz="2400" b="0" i="0" u="none" strike="noStrike" kern="1200" cap="none" spc="0" normalizeH="0" baseline="0" noProof="0" dirty="0" smtClean="0">
                 <a:ln>
                   <a:noFill/>
                 </a:ln>
@@ -7332,7 +7332,7 @@
               <a:t>множество блокировок, которые захватываются всегда (</a:t>
             </a:r>
             <a:r>
-              <a:rPr kumimoji="0" lang="en-US" sz="3200" b="0" i="0" u="none" strike="noStrike" kern="1200" cap="none" spc="0" normalizeH="0" baseline="0" noProof="0" dirty="0" smtClean="0">
+              <a:rPr kumimoji="0" lang="en-US" sz="2400" b="0" i="0" u="none" strike="noStrike" kern="1200" cap="none" spc="0" normalizeH="0" baseline="0" noProof="0" dirty="0" smtClean="0">
                 <a:ln>
                   <a:noFill/>
                 </a:ln>
@@ -7348,7 +7348,7 @@
               </a:rPr>
               <a:t>must-set),</a:t>
             </a:r>
-            <a:endParaRPr kumimoji="0" lang="ru-RU" sz="3200" b="0" i="0" u="none" strike="noStrike" kern="1200" cap="none" spc="0" normalizeH="0" baseline="0" noProof="0" dirty="0" smtClean="0">
+            <a:endParaRPr kumimoji="0" lang="ru-RU" sz="2400" b="0" i="0" u="none" strike="noStrike" kern="1200" cap="none" spc="0" normalizeH="0" baseline="0" noProof="0" dirty="0" smtClean="0">
               <a:ln>
                 <a:noFill/>
               </a:ln>
@@ -7382,7 +7382,7 @@
               <a:defRPr/>
             </a:pPr>
             <a:r>
-              <a:rPr kumimoji="0" lang="en-US" sz="3200" b="0" i="0" u="none" strike="noStrike" kern="1200" cap="none" spc="0" normalizeH="0" baseline="0" noProof="0" dirty="0" smtClean="0">
+              <a:rPr kumimoji="0" lang="en-US" sz="2400" b="0" i="0" u="none" strike="noStrike" kern="1200" cap="none" spc="0" normalizeH="0" baseline="0" noProof="0" dirty="0" smtClean="0">
                 <a:ln>
                   <a:noFill/>
                 </a:ln>
@@ -7399,7 +7399,7 @@
               <a:t> L</a:t>
             </a:r>
             <a:r>
-              <a:rPr kumimoji="0" lang="en-US" sz="3200" b="0" i="0" u="none" strike="noStrike" kern="1200" cap="none" spc="0" normalizeH="0" baseline="-25000" noProof="0" dirty="0" smtClean="0">
+              <a:rPr kumimoji="0" lang="en-US" sz="2400" b="0" i="0" u="none" strike="noStrike" kern="1200" cap="none" spc="0" normalizeH="0" baseline="-25000" noProof="0" dirty="0" smtClean="0">
                 <a:ln>
                   <a:noFill/>
                 </a:ln>
@@ -7416,7 +7416,7 @@
               <a:t>-  </a:t>
             </a:r>
             <a:r>
-              <a:rPr kumimoji="0" lang="en-US" sz="3200" b="0" i="0" u="none" strike="noStrike" kern="1200" cap="none" spc="0" normalizeH="0" baseline="0" noProof="0" dirty="0" smtClean="0">
+              <a:rPr kumimoji="0" lang="en-US" sz="2400" b="0" i="0" u="none" strike="noStrike" kern="1200" cap="none" spc="0" normalizeH="0" baseline="0" noProof="0" dirty="0" smtClean="0">
                 <a:ln>
                   <a:noFill/>
                 </a:ln>
@@ -7433,7 +7433,7 @@
               <a:t>- </a:t>
             </a:r>
             <a:r>
-              <a:rPr kumimoji="0" lang="ru-RU" sz="3200" b="0" i="0" u="none" strike="noStrike" kern="1200" cap="none" spc="0" normalizeH="0" baseline="0" noProof="0" dirty="0" smtClean="0">
+              <a:rPr kumimoji="0" lang="ru-RU" sz="2400" b="0" i="0" u="none" strike="noStrike" kern="1200" cap="none" spc="0" normalizeH="0" baseline="0" noProof="0" dirty="0" smtClean="0">
                 <a:ln>
                   <a:noFill/>
                 </a:ln>
@@ -7450,7 +7450,7 @@
               <a:t>множество блокировок, которые могут быть освобождены (</a:t>
             </a:r>
             <a:r>
-              <a:rPr kumimoji="0" lang="en-US" sz="3200" b="0" i="0" u="none" strike="noStrike" kern="1200" cap="none" spc="0" normalizeH="0" baseline="0" noProof="0" dirty="0" smtClean="0">
+              <a:rPr kumimoji="0" lang="en-US" sz="2400" b="0" i="0" u="none" strike="noStrike" kern="1200" cap="none" spc="0" normalizeH="0" baseline="0" noProof="0" dirty="0" smtClean="0">
                 <a:ln>
                   <a:noFill/>
                 </a:ln>
@@ -7466,7 +7466,7 @@
               </a:rPr>
               <a:t>may-set).</a:t>
             </a:r>
-            <a:endParaRPr kumimoji="0" lang="ru-RU" sz="3200" b="0" i="0" u="none" strike="noStrike" kern="1200" cap="none" spc="0" normalizeH="0" baseline="0" noProof="0" dirty="0">
+            <a:endParaRPr kumimoji="0" lang="ru-RU" sz="2400" b="0" i="0" u="none" strike="noStrike" kern="1200" cap="none" spc="0" normalizeH="0" baseline="0" noProof="0" dirty="0">
               <a:ln>
                 <a:noFill/>
               </a:ln>
@@ -7491,8 +7491,8 @@
         </p:nvSpPr>
         <p:spPr>
           <a:xfrm>
-            <a:off x="683568" y="2420888"/>
-            <a:ext cx="7776864" cy="646331"/>
+            <a:off x="683568" y="4365104"/>
+            <a:ext cx="7776864" cy="830997"/>
           </a:xfrm>
           <a:prstGeom prst="rect">
             <a:avLst/>
@@ -7511,18 +7511,18 @@
           <a:lstStyle/>
           <a:p>
             <a:r>
-              <a:rPr lang="ru-RU" b="1" i="1" dirty="0" smtClean="0"/>
+              <a:rPr lang="ru-RU" sz="2400" b="1" i="1" dirty="0" smtClean="0"/>
               <a:t>Ядро функции</a:t>
             </a:r>
             <a:r>
-              <a:rPr lang="en-US" dirty="0" smtClean="0"/>
+              <a:rPr lang="en-US" sz="2400" dirty="0" smtClean="0"/>
               <a:t> </a:t>
             </a:r>
             <a:r>
-              <a:rPr lang="ru-RU" dirty="0" smtClean="0"/>
+              <a:rPr lang="ru-RU" sz="2400" dirty="0" smtClean="0"/>
               <a:t>– базовые блоки графа потока управления, которые встречаются на всех путях  выполнения функции.</a:t>
             </a:r>
-            <a:endParaRPr lang="ru-RU" dirty="0"/>
+            <a:endParaRPr lang="ru-RU" sz="2400" dirty="0"/>
           </a:p>
         </p:txBody>
       </p:sp>
@@ -7535,7 +7535,7 @@
           <p:nvPr/>
         </p:nvGraphicFramePr>
         <p:xfrm>
-          <a:off x="683568" y="3140968"/>
+          <a:off x="683568" y="5445224"/>
           <a:ext cx="7776864" cy="406790"/>
         </p:xfrm>
         <a:graphic>
@@ -7546,113 +7546,6 @@
           </a:graphicData>
         </a:graphic>
       </p:graphicFrame>
-      <p:sp>
-        <p:nvSpPr>
-          <p:cNvPr id="11" name="TextBox 10"/>
-          <p:cNvSpPr txBox="1"/>
-          <p:nvPr/>
-        </p:nvSpPr>
-        <p:spPr>
-          <a:xfrm>
-            <a:off x="683568" y="3645024"/>
-            <a:ext cx="7864158" cy="2585323"/>
-          </a:xfrm>
-          <a:prstGeom prst="rect">
-            <a:avLst/>
-          </a:prstGeom>
-          <a:noFill/>
-          <a:ln>
-            <a:solidFill>
-              <a:schemeClr val="tx1"/>
-            </a:solidFill>
-          </a:ln>
-        </p:spPr>
-        <p:txBody>
-          <a:bodyPr wrap="square" rtlCol="0">
-            <a:spAutoFit/>
-          </a:bodyPr>
-          <a:lstStyle/>
-          <a:p>
-            <a:r>
-              <a:rPr lang="en-US" dirty="0" smtClean="0"/>
-              <a:t>rebind – </a:t>
-            </a:r>
-            <a:r>
-              <a:rPr lang="ru-RU" dirty="0" smtClean="0"/>
-              <a:t>заменяет формальные параметры функции на значения, переданные в неё (это я еще подумаю как описать!)</a:t>
-            </a:r>
-          </a:p>
-          <a:p>
-            <a:r>
-              <a:rPr lang="en-US" dirty="0" smtClean="0"/>
-              <a:t>getNextBlock(</a:t>
-            </a:r>
-            <a:r>
-              <a:rPr lang="en-US" dirty="0" err="1" smtClean="0"/>
-              <a:t>instr</a:t>
-            </a:r>
-            <a:r>
-              <a:rPr lang="en-US" dirty="0" smtClean="0"/>
-              <a:t>) – </a:t>
-            </a:r>
-            <a:r>
-              <a:rPr lang="ru-RU" dirty="0" smtClean="0"/>
-              <a:t> возвращает следующий выполняемый блок</a:t>
-            </a:r>
-          </a:p>
-          <a:p>
-            <a:r>
-              <a:rPr lang="en-US" dirty="0" smtClean="0"/>
-              <a:t>getLeftBlock(</a:t>
-            </a:r>
-            <a:r>
-              <a:rPr lang="en-US" dirty="0" err="1" smtClean="0"/>
-              <a:t>instr</a:t>
-            </a:r>
-            <a:r>
-              <a:rPr lang="en-US" dirty="0" smtClean="0"/>
-              <a:t>) – </a:t>
-            </a:r>
-            <a:r>
-              <a:rPr lang="ru-RU" dirty="0" smtClean="0"/>
-              <a:t>возвращает блок, на который передается выполнение при условном переходе в случае, когда проверяемое условие истинно</a:t>
-            </a:r>
-          </a:p>
-          <a:p>
-            <a:r>
-              <a:rPr lang="en-US" dirty="0" smtClean="0"/>
-              <a:t>getRightBlock(</a:t>
-            </a:r>
-            <a:r>
-              <a:rPr lang="en-US" dirty="0" err="1" smtClean="0"/>
-              <a:t>instr</a:t>
-            </a:r>
-            <a:r>
-              <a:rPr lang="en-US" dirty="0" smtClean="0"/>
-              <a:t>) – </a:t>
-            </a:r>
-            <a:r>
-              <a:rPr lang="ru-RU" dirty="0" smtClean="0"/>
-              <a:t>возвращает блок, на который передается выполнение при условном переходе в случае, когда проверяемое условие ложно</a:t>
-            </a:r>
-          </a:p>
-          <a:p>
-            <a:r>
-              <a:rPr lang="en-US" dirty="0" err="1" smtClean="0"/>
-              <a:t>lockSummary</a:t>
-            </a:r>
-            <a:r>
-              <a:rPr lang="en-US" dirty="0" smtClean="0"/>
-              <a:t>(f) – </a:t>
-            </a:r>
-            <a:r>
-              <a:rPr lang="ru-RU" dirty="0" smtClean="0"/>
-              <a:t>обобщение относительного множества блокировок для функции</a:t>
-            </a:r>
-            <a:endParaRPr lang="ru-RU" dirty="0"/>
-          </a:p>
-        </p:txBody>
-      </p:sp>
     </p:spTree>
   </p:cSld>
   <p:clrMapOvr>
@@ -11742,7 +11635,7 @@
         <p:spPr>
           <a:xfrm>
             <a:off x="251520" y="1700808"/>
-            <a:ext cx="4752528" cy="1296144"/>
+            <a:ext cx="4752528" cy="3312368"/>
           </a:xfrm>
           <a:prstGeom prst="rect">
             <a:avLst/>
@@ -11755,7 +11648,7 @@
         </p:spPr>
         <p:txBody>
           <a:bodyPr vert="horz" lIns="91440" tIns="45720" rIns="91440" bIns="45720" rtlCol="0">
-            <a:normAutofit fontScale="55000" lnSpcReduction="20000"/>
+            <a:noAutofit/>
           </a:bodyPr>
           <a:lstStyle/>
           <a:p>
@@ -11777,7 +11670,7 @@
               <a:defRPr/>
             </a:pPr>
             <a:r>
-              <a:rPr kumimoji="0" lang="ru-RU" sz="3200" b="1" i="1" u="none" strike="noStrike" kern="1200" cap="none" spc="0" normalizeH="0" baseline="0" noProof="0" dirty="0" smtClean="0">
+              <a:rPr kumimoji="0" lang="ru-RU" sz="2400" b="1" i="1" u="none" strike="noStrike" kern="1200" cap="none" spc="0" normalizeH="0" baseline="0" noProof="0" dirty="0" smtClean="0">
                 <a:ln>
                   <a:noFill/>
                 </a:ln>
@@ -11794,7 +11687,7 @@
               <a:t>Защищенный доступ</a:t>
             </a:r>
             <a:r>
-              <a:rPr kumimoji="0" lang="en-US" sz="3200" b="1" i="1" u="none" strike="noStrike" kern="1200" cap="none" spc="0" normalizeH="0" baseline="0" noProof="0" dirty="0" smtClean="0">
+              <a:rPr kumimoji="0" lang="en-US" sz="2400" b="1" i="1" u="none" strike="noStrike" kern="1200" cap="none" spc="0" normalizeH="0" baseline="0" noProof="0" dirty="0" smtClean="0">
                 <a:ln>
                   <a:noFill/>
                 </a:ln>
@@ -11811,7 +11704,7 @@
               <a:t> A</a:t>
             </a:r>
             <a:r>
-              <a:rPr kumimoji="0" lang="ru-RU" sz="3200" b="0" i="0" u="none" strike="noStrike" kern="1200" cap="none" spc="0" normalizeH="0" baseline="0" noProof="0" dirty="0" smtClean="0">
+              <a:rPr kumimoji="0" lang="ru-RU" sz="2400" b="0" i="0" u="none" strike="noStrike" kern="1200" cap="none" spc="0" normalizeH="0" baseline="0" noProof="0" dirty="0" smtClean="0">
                 <a:ln>
                   <a:noFill/>
                 </a:ln>
@@ -11828,7 +11721,7 @@
               <a:t> – тройка (</a:t>
             </a:r>
             <a:r>
-              <a:rPr kumimoji="0" lang="en-US" sz="3200" b="0" i="1" u="none" strike="noStrike" kern="1200" cap="none" spc="0" normalizeH="0" baseline="0" noProof="0" dirty="0" smtClean="0">
+              <a:rPr kumimoji="0" lang="en-US" sz="2400" b="0" i="1" u="none" strike="noStrike" kern="1200" cap="none" spc="0" normalizeH="0" baseline="0" noProof="0" dirty="0" smtClean="0">
                 <a:ln>
                   <a:noFill/>
                 </a:ln>
@@ -11845,7 +11738,7 @@
               <a:t>o, L, k</a:t>
             </a:r>
             <a:r>
-              <a:rPr kumimoji="0" lang="en-US" sz="3200" b="0" i="0" u="none" strike="noStrike" kern="1200" cap="none" spc="0" normalizeH="0" baseline="0" noProof="0" dirty="0" smtClean="0">
+              <a:rPr kumimoji="0" lang="en-US" sz="2400" b="0" i="0" u="none" strike="noStrike" kern="1200" cap="none" spc="0" normalizeH="0" baseline="0" noProof="0" dirty="0" smtClean="0">
                 <a:ln>
                   <a:noFill/>
                 </a:ln>
@@ -11862,7 +11755,7 @@
               <a:t>), </a:t>
             </a:r>
             <a:r>
-              <a:rPr kumimoji="0" lang="ru-RU" sz="3200" b="0" i="0" u="none" strike="noStrike" kern="1200" cap="none" spc="0" normalizeH="0" baseline="0" noProof="0" dirty="0" smtClean="0">
+              <a:rPr kumimoji="0" lang="ru-RU" sz="2400" b="0" i="0" u="none" strike="noStrike" kern="1200" cap="none" spc="0" normalizeH="0" baseline="0" noProof="0" dirty="0" smtClean="0">
                 <a:ln>
                   <a:noFill/>
                 </a:ln>
@@ -11879,7 +11772,7 @@
               <a:t>где</a:t>
             </a:r>
             <a:r>
-              <a:rPr kumimoji="0" lang="en-US" sz="3200" b="0" i="0" u="none" strike="noStrike" kern="1200" cap="none" spc="0" normalizeH="0" baseline="0" noProof="0" dirty="0" smtClean="0">
+              <a:rPr kumimoji="0" lang="en-US" sz="2400" b="0" i="0" u="none" strike="noStrike" kern="1200" cap="none" spc="0" normalizeH="0" baseline="0" noProof="0" dirty="0" smtClean="0">
                 <a:ln>
                   <a:noFill/>
                 </a:ln>
@@ -11895,7 +11788,7 @@
               </a:rPr>
               <a:t>:</a:t>
             </a:r>
-            <a:endParaRPr kumimoji="0" lang="ru-RU" sz="3200" b="0" i="0" u="none" strike="noStrike" kern="1200" cap="none" spc="0" normalizeH="0" baseline="0" noProof="0" dirty="0" smtClean="0">
+            <a:endParaRPr kumimoji="0" lang="ru-RU" sz="2400" b="0" i="0" u="none" strike="noStrike" kern="1200" cap="none" spc="0" normalizeH="0" baseline="0" noProof="0" dirty="0" smtClean="0">
               <a:ln>
                 <a:noFill/>
               </a:ln>
@@ -11929,7 +11822,7 @@
               <a:defRPr/>
             </a:pPr>
             <a:r>
-              <a:rPr kumimoji="0" lang="en-US" sz="3200" b="0" i="1" u="none" strike="noStrike" kern="1200" cap="none" spc="0" normalizeH="0" baseline="0" noProof="0" dirty="0" smtClean="0">
+              <a:rPr kumimoji="0" lang="en-US" sz="2400" b="0" i="1" u="none" strike="noStrike" kern="1200" cap="none" spc="0" normalizeH="0" baseline="0" noProof="0" dirty="0" smtClean="0">
                 <a:ln>
                   <a:noFill/>
                 </a:ln>
@@ -11946,7 +11839,7 @@
               <a:t>o</a:t>
             </a:r>
             <a:r>
-              <a:rPr kumimoji="0" lang="en-US" sz="3200" b="0" i="0" u="none" strike="noStrike" kern="1200" cap="none" spc="0" normalizeH="0" baseline="0" noProof="0" dirty="0" smtClean="0">
+              <a:rPr kumimoji="0" lang="en-US" sz="2400" b="0" i="0" u="none" strike="noStrike" kern="1200" cap="none" spc="0" normalizeH="0" baseline="0" noProof="0" dirty="0" smtClean="0">
                 <a:ln>
                   <a:noFill/>
                 </a:ln>
@@ -11963,7 +11856,7 @@
               <a:t> –</a:t>
             </a:r>
             <a:r>
-              <a:rPr kumimoji="0" lang="ru-RU" sz="3200" b="0" i="0" u="none" strike="noStrike" kern="1200" cap="none" spc="0" normalizeH="0" noProof="0" dirty="0" smtClean="0">
+              <a:rPr kumimoji="0" lang="ru-RU" sz="2400" b="0" i="0" u="none" strike="noStrike" kern="1200" cap="none" spc="0" normalizeH="0" noProof="0" dirty="0" smtClean="0">
                 <a:ln>
                   <a:noFill/>
                 </a:ln>
@@ -11980,11 +11873,11 @@
               <a:t> </a:t>
             </a:r>
             <a:r>
-              <a:rPr lang="en-US" sz="3200" dirty="0" smtClean="0"/>
+              <a:rPr lang="en-US" sz="2400" dirty="0" smtClean="0"/>
               <a:t>lvalue</a:t>
             </a:r>
             <a:r>
-              <a:rPr kumimoji="0" lang="en-US" sz="3200" b="0" i="0" u="none" strike="noStrike" kern="1200" cap="none" spc="0" normalizeH="0" baseline="0" noProof="0" dirty="0" smtClean="0">
+              <a:rPr kumimoji="0" lang="en-US" sz="2400" b="0" i="0" u="none" strike="noStrike" kern="1200" cap="none" spc="0" normalizeH="0" baseline="0" noProof="0" dirty="0" smtClean="0">
                 <a:ln>
                   <a:noFill/>
                 </a:ln>
@@ -12001,7 +11894,7 @@
               <a:t>, </a:t>
             </a:r>
             <a:r>
-              <a:rPr kumimoji="0" lang="ru-RU" sz="3200" b="0" i="0" u="none" strike="noStrike" kern="1200" cap="none" spc="0" normalizeH="0" baseline="0" noProof="0" dirty="0" smtClean="0">
+              <a:rPr kumimoji="0" lang="ru-RU" sz="2400" b="0" i="0" u="none" strike="noStrike" kern="1200" cap="none" spc="0" normalizeH="0" baseline="0" noProof="0" dirty="0" smtClean="0">
                 <a:ln>
                   <a:noFill/>
                 </a:ln>
@@ -12018,7 +11911,7 @@
               <a:t>к </a:t>
             </a:r>
             <a:r>
-              <a:rPr kumimoji="0" lang="ru-RU" sz="3200" b="0" i="0" u="none" strike="noStrike" kern="1200" cap="none" spc="0" normalizeH="0" baseline="0" noProof="0" dirty="0" err="1" smtClean="0">
+              <a:rPr kumimoji="0" lang="ru-RU" sz="2400" b="0" i="0" u="none" strike="noStrike" kern="1200" cap="none" spc="0" normalizeH="0" baseline="0" noProof="0" dirty="0" err="1" smtClean="0">
                 <a:ln>
                   <a:noFill/>
                 </a:ln>
@@ -12035,11 +11928,11 @@
               <a:t>которо</a:t>
             </a:r>
             <a:r>
-              <a:rPr lang="ru-RU" sz="3200" dirty="0" err="1" smtClean="0"/>
+              <a:rPr lang="ru-RU" sz="2400" dirty="0" err="1" smtClean="0"/>
               <a:t>му</a:t>
             </a:r>
             <a:r>
-              <a:rPr kumimoji="0" lang="ru-RU" sz="3200" b="0" i="0" u="none" strike="noStrike" kern="1200" cap="none" spc="0" normalizeH="0" baseline="0" noProof="0" dirty="0" smtClean="0">
+              <a:rPr kumimoji="0" lang="ru-RU" sz="2400" b="0" i="0" u="none" strike="noStrike" kern="1200" cap="none" spc="0" normalizeH="0" baseline="0" noProof="0" dirty="0" smtClean="0">
                 <a:ln>
                   <a:noFill/>
                 </a:ln>
@@ -12075,7 +11968,7 @@
               <a:defRPr/>
             </a:pPr>
             <a:r>
-              <a:rPr kumimoji="0" lang="en-US" sz="3200" b="0" i="1" u="none" strike="noStrike" kern="1200" cap="none" spc="0" normalizeH="0" baseline="0" noProof="0" dirty="0" smtClean="0">
+              <a:rPr kumimoji="0" lang="en-US" sz="2400" b="0" i="1" u="none" strike="noStrike" kern="1200" cap="none" spc="0" normalizeH="0" baseline="0" noProof="0" dirty="0" smtClean="0">
                 <a:ln>
                   <a:noFill/>
                 </a:ln>
@@ -12092,7 +11985,7 @@
               <a:t>L</a:t>
             </a:r>
             <a:r>
-              <a:rPr kumimoji="0" lang="en-US" sz="3200" b="0" i="0" u="none" strike="noStrike" kern="1200" cap="none" spc="0" normalizeH="0" baseline="0" noProof="0" dirty="0" smtClean="0">
+              <a:rPr kumimoji="0" lang="en-US" sz="2400" b="0" i="0" u="none" strike="noStrike" kern="1200" cap="none" spc="0" normalizeH="0" baseline="0" noProof="0" dirty="0" smtClean="0">
                 <a:ln>
                   <a:noFill/>
                 </a:ln>
@@ -12109,7 +12002,7 @@
               <a:t> - </a:t>
             </a:r>
             <a:r>
-              <a:rPr kumimoji="0" lang="ru-RU" sz="3200" b="0" i="0" u="none" strike="noStrike" kern="1200" cap="none" spc="0" normalizeH="0" baseline="0" noProof="0" dirty="0" smtClean="0">
+              <a:rPr kumimoji="0" lang="ru-RU" sz="2400" b="0" i="0" u="none" strike="noStrike" kern="1200" cap="none" spc="0" normalizeH="0" baseline="0" noProof="0" dirty="0" smtClean="0">
                 <a:ln>
                   <a:noFill/>
                 </a:ln>
@@ -12145,7 +12038,7 @@
               <a:defRPr/>
             </a:pPr>
             <a:r>
-              <a:rPr kumimoji="0" lang="en-US" sz="3200" b="0" i="1" u="none" strike="noStrike" kern="1200" cap="none" spc="0" normalizeH="0" baseline="0" noProof="0" dirty="0" smtClean="0">
+              <a:rPr kumimoji="0" lang="en-US" sz="2400" b="0" i="1" u="none" strike="noStrike" kern="1200" cap="none" spc="0" normalizeH="0" baseline="0" noProof="0" dirty="0" smtClean="0">
                 <a:ln>
                   <a:noFill/>
                 </a:ln>
@@ -12162,7 +12055,7 @@
               <a:t>k</a:t>
             </a:r>
             <a:r>
-              <a:rPr kumimoji="0" lang="en-US" sz="3200" b="0" i="0" u="none" strike="noStrike" kern="1200" cap="none" spc="0" normalizeH="0" baseline="0" noProof="0" dirty="0" smtClean="0">
+              <a:rPr kumimoji="0" lang="en-US" sz="2400" b="0" i="0" u="none" strike="noStrike" kern="1200" cap="none" spc="0" normalizeH="0" baseline="0" noProof="0" dirty="0" smtClean="0">
                 <a:ln>
                   <a:noFill/>
                 </a:ln>
@@ -12179,7 +12072,7 @@
               <a:t> – </a:t>
             </a:r>
             <a:r>
-              <a:rPr kumimoji="0" lang="ru-RU" sz="3200" b="0" i="0" u="none" strike="noStrike" kern="1200" cap="none" spc="0" normalizeH="0" baseline="0" noProof="0" dirty="0" smtClean="0">
+              <a:rPr kumimoji="0" lang="ru-RU" sz="2400" b="0" i="0" u="none" strike="noStrike" kern="1200" cap="none" spc="0" normalizeH="0" baseline="0" noProof="0" dirty="0" smtClean="0">
                 <a:ln>
                   <a:noFill/>
                 </a:ln>
@@ -12196,39 +12089,39 @@
               <a:t>вид доступ</a:t>
             </a:r>
             <a:r>
-              <a:rPr lang="ru-RU" sz="3200" dirty="0" smtClean="0"/>
+              <a:rPr lang="ru-RU" sz="2400" dirty="0" smtClean="0"/>
               <a:t>а</a:t>
             </a:r>
             <a:r>
-              <a:rPr lang="en-US" sz="3200" dirty="0" smtClean="0"/>
+              <a:rPr lang="en-US" sz="2400" dirty="0" smtClean="0"/>
               <a:t>: “</a:t>
             </a:r>
             <a:r>
-              <a:rPr lang="ru-RU" sz="3200" dirty="0" smtClean="0"/>
+              <a:rPr lang="ru-RU" sz="2400" dirty="0" smtClean="0"/>
               <a:t>чтение</a:t>
             </a:r>
             <a:r>
-              <a:rPr lang="en-US" sz="3200" dirty="0" smtClean="0"/>
+              <a:rPr lang="en-US" sz="2400" dirty="0" smtClean="0"/>
               <a:t>”</a:t>
             </a:r>
             <a:r>
-              <a:rPr lang="ru-RU" sz="3200" dirty="0" smtClean="0"/>
+              <a:rPr lang="ru-RU" sz="2400" dirty="0" smtClean="0"/>
               <a:t>, </a:t>
             </a:r>
             <a:r>
-              <a:rPr lang="en-US" sz="3200" dirty="0" smtClean="0"/>
+              <a:rPr lang="en-US" sz="2400" dirty="0" smtClean="0"/>
               <a:t>“</a:t>
             </a:r>
             <a:r>
-              <a:rPr lang="ru-RU" sz="3200" dirty="0" smtClean="0"/>
+              <a:rPr lang="ru-RU" sz="2400" dirty="0" smtClean="0"/>
               <a:t>запись</a:t>
             </a:r>
             <a:r>
-              <a:rPr lang="en-US" sz="3200" dirty="0" smtClean="0"/>
+              <a:rPr lang="en-US" sz="2400" dirty="0" smtClean="0"/>
               <a:t>”</a:t>
             </a:r>
             <a:r>
-              <a:rPr kumimoji="0" lang="ru-RU" sz="3200" b="0" i="0" u="none" strike="noStrike" kern="1200" cap="none" spc="0" normalizeH="0" baseline="0" noProof="0" dirty="0" smtClean="0">
+              <a:rPr kumimoji="0" lang="ru-RU" sz="2400" b="0" i="0" u="none" strike="noStrike" kern="1200" cap="none" spc="0" normalizeH="0" baseline="0" noProof="0" dirty="0" smtClean="0">
                 <a:ln>
                   <a:noFill/>
                 </a:ln>
@@ -12244,7 +12137,7 @@
               </a:rPr>
               <a:t>.</a:t>
             </a:r>
-            <a:endParaRPr kumimoji="0" lang="ru-RU" sz="3200" b="0" i="0" u="none" strike="noStrike" kern="1200" cap="none" spc="0" normalizeH="0" baseline="0" noProof="0" dirty="0">
+            <a:endParaRPr kumimoji="0" lang="ru-RU" sz="2400" b="0" i="0" u="none" strike="noStrike" kern="1200" cap="none" spc="0" normalizeH="0" baseline="0" noProof="0" dirty="0">
               <a:ln>
                 <a:noFill/>
               </a:ln>
@@ -23662,12 +23555,14 @@
         </p:nvSpPr>
         <p:spPr/>
         <p:txBody>
-          <a:bodyPr/>
+          <a:bodyPr>
+            <a:normAutofit fontScale="90000"/>
+          </a:bodyPr>
           <a:lstStyle/>
           <a:p>
             <a:r>
               <a:rPr lang="ru-RU" dirty="0" smtClean="0"/>
-              <a:t>Демонстрационный пример</a:t>
+              <a:t>Программа1. Возникновение гонки</a:t>
             </a:r>
             <a:endParaRPr lang="ru-RU" dirty="0"/>
           </a:p>

--- a/presentations/diplom/static race detection.pptx
+++ b/presentations/diplom/static race detection.pptx
@@ -5,7 +5,7 @@
     <p:sldMasterId id="2147483648" r:id="rId1"/>
   </p:sldMasterIdLst>
   <p:notesMasterIdLst>
-    <p:notesMasterId r:id="rId26"/>
+    <p:notesMasterId r:id="rId30"/>
   </p:notesMasterIdLst>
   <p:sldIdLst>
     <p:sldId id="256" r:id="rId2"/>
@@ -32,6 +32,10 @@
     <p:sldId id="274" r:id="rId23"/>
     <p:sldId id="287" r:id="rId24"/>
     <p:sldId id="271" r:id="rId25"/>
+    <p:sldId id="293" r:id="rId26"/>
+    <p:sldId id="294" r:id="rId27"/>
+    <p:sldId id="295" r:id="rId28"/>
+    <p:sldId id="296" r:id="rId29"/>
   </p:sldIdLst>
   <p:sldSz cx="9144000" cy="6858000" type="screen4x3"/>
   <p:notesSz cx="6858000" cy="9144000"/>
@@ -551,6 +555,559 @@
               <a:rPr lang="ru-RU" smtClean="0"/>
               <a:pPr/>
               <a:t>3</a:t>
+            </a:fld>
+            <a:endParaRPr lang="ru-RU"/>
+          </a:p>
+        </p:txBody>
+      </p:sp>
+    </p:spTree>
+  </p:cSld>
+  <p:clrMapOvr>
+    <a:masterClrMapping/>
+  </p:clrMapOvr>
+</p:notes>
+</file>
+
+<file path=ppt/notesSlides/notesSlide2.xml><?xml version="1.0" encoding="utf-8"?>
+<p:notes xmlns:a="http://schemas.openxmlformats.org/drawingml/2006/main" xmlns:r="http://schemas.openxmlformats.org/officeDocument/2006/relationships" xmlns:p="http://schemas.openxmlformats.org/presentationml/2006/main">
+  <p:cSld>
+    <p:spTree>
+      <p:nvGrpSpPr>
+        <p:cNvPr id="1" name=""/>
+        <p:cNvGrpSpPr/>
+        <p:nvPr/>
+      </p:nvGrpSpPr>
+      <p:grpSpPr>
+        <a:xfrm>
+          <a:off x="0" y="0"/>
+          <a:ext cx="0" cy="0"/>
+          <a:chOff x="0" y="0"/>
+          <a:chExt cx="0" cy="0"/>
+        </a:xfrm>
+      </p:grpSpPr>
+      <p:sp>
+        <p:nvSpPr>
+          <p:cNvPr id="2" name="Образ слайда 1"/>
+          <p:cNvSpPr>
+            <a:spLocks noGrp="1" noRot="1" noChangeAspect="1"/>
+          </p:cNvSpPr>
+          <p:nvPr>
+            <p:ph type="sldImg"/>
+          </p:nvPr>
+        </p:nvSpPr>
+        <p:spPr/>
+      </p:sp>
+      <p:sp>
+        <p:nvSpPr>
+          <p:cNvPr id="3" name="Заметки 2"/>
+          <p:cNvSpPr>
+            <a:spLocks noGrp="1"/>
+          </p:cNvSpPr>
+          <p:nvPr>
+            <p:ph type="body" idx="1"/>
+          </p:nvPr>
+        </p:nvSpPr>
+        <p:spPr/>
+        <p:txBody>
+          <a:bodyPr>
+            <a:normAutofit/>
+          </a:bodyPr>
+          <a:lstStyle/>
+          <a:p>
+            <a:r>
+              <a:rPr lang="ru-RU" dirty="0" smtClean="0"/>
+              <a:t>Если</a:t>
+            </a:r>
+            <a:r>
+              <a:rPr lang="ru-RU" baseline="0" dirty="0" smtClean="0"/>
+              <a:t> не производить определение перекрестных ссылок, то доступ к </a:t>
+            </a:r>
+            <a:r>
+              <a:rPr lang="en-US" baseline="0" dirty="0" smtClean="0"/>
+              <a:t> global </a:t>
+            </a:r>
+            <a:r>
+              <a:rPr lang="ru-RU" baseline="0" dirty="0" smtClean="0"/>
+              <a:t>через </a:t>
+            </a:r>
+            <a:r>
+              <a:rPr lang="en-US" baseline="0" dirty="0" err="1" smtClean="0"/>
+              <a:t>pglobal</a:t>
+            </a:r>
+            <a:r>
+              <a:rPr lang="ru-RU" baseline="0" dirty="0" smtClean="0"/>
+              <a:t> не будет учтен и, соответственно, будет потеряно потенциальное место где могли бы быть обнаружены гонки при соответствующем контексте.</a:t>
+            </a:r>
+            <a:endParaRPr lang="ru-RU" dirty="0"/>
+          </a:p>
+        </p:txBody>
+      </p:sp>
+      <p:sp>
+        <p:nvSpPr>
+          <p:cNvPr id="4" name="Номер слайда 3"/>
+          <p:cNvSpPr>
+            <a:spLocks noGrp="1"/>
+          </p:cNvSpPr>
+          <p:nvPr>
+            <p:ph type="sldNum" sz="quarter" idx="10"/>
+          </p:nvPr>
+        </p:nvSpPr>
+        <p:spPr/>
+        <p:txBody>
+          <a:bodyPr/>
+          <a:lstStyle/>
+          <a:p>
+            <a:fld id="{732E33B5-A3C2-4F95-8916-EA0ED4851515}" type="slidenum">
+              <a:rPr lang="ru-RU" smtClean="0"/>
+              <a:pPr/>
+              <a:t>24</a:t>
+            </a:fld>
+            <a:endParaRPr lang="ru-RU"/>
+          </a:p>
+        </p:txBody>
+      </p:sp>
+    </p:spTree>
+  </p:cSld>
+  <p:clrMapOvr>
+    <a:masterClrMapping/>
+  </p:clrMapOvr>
+</p:notes>
+</file>
+
+<file path=ppt/notesSlides/notesSlide3.xml><?xml version="1.0" encoding="utf-8"?>
+<p:notes xmlns:a="http://schemas.openxmlformats.org/drawingml/2006/main" xmlns:r="http://schemas.openxmlformats.org/officeDocument/2006/relationships" xmlns:p="http://schemas.openxmlformats.org/presentationml/2006/main">
+  <p:cSld>
+    <p:spTree>
+      <p:nvGrpSpPr>
+        <p:cNvPr id="1" name=""/>
+        <p:cNvGrpSpPr/>
+        <p:nvPr/>
+      </p:nvGrpSpPr>
+      <p:grpSpPr>
+        <a:xfrm>
+          <a:off x="0" y="0"/>
+          <a:ext cx="0" cy="0"/>
+          <a:chOff x="0" y="0"/>
+          <a:chExt cx="0" cy="0"/>
+        </a:xfrm>
+      </p:grpSpPr>
+      <p:sp>
+        <p:nvSpPr>
+          <p:cNvPr id="2" name="Образ слайда 1"/>
+          <p:cNvSpPr>
+            <a:spLocks noGrp="1" noRot="1" noChangeAspect="1"/>
+          </p:cNvSpPr>
+          <p:nvPr>
+            <p:ph type="sldImg"/>
+          </p:nvPr>
+        </p:nvSpPr>
+        <p:spPr/>
+      </p:sp>
+      <p:sp>
+        <p:nvSpPr>
+          <p:cNvPr id="3" name="Заметки 2"/>
+          <p:cNvSpPr>
+            <a:spLocks noGrp="1"/>
+          </p:cNvSpPr>
+          <p:nvPr>
+            <p:ph type="body" idx="1"/>
+          </p:nvPr>
+        </p:nvSpPr>
+        <p:spPr/>
+        <p:txBody>
+          <a:bodyPr>
+            <a:normAutofit/>
+          </a:bodyPr>
+          <a:lstStyle/>
+          <a:p>
+            <a:r>
+              <a:rPr lang="ru-RU" dirty="0" smtClean="0"/>
+              <a:t>Из-за того,</a:t>
+            </a:r>
+            <a:r>
+              <a:rPr lang="ru-RU" baseline="0" dirty="0" smtClean="0"/>
+              <a:t> что в </a:t>
+            </a:r>
+            <a:r>
+              <a:rPr lang="en-US" baseline="0" dirty="0" smtClean="0"/>
+              <a:t>L+ </a:t>
+            </a:r>
+            <a:r>
+              <a:rPr lang="ru-RU" baseline="0" dirty="0" smtClean="0"/>
+              <a:t>попадают блокировки, которые должны быть обязательно захвачены, то </a:t>
+            </a:r>
+            <a:r>
+              <a:rPr lang="en-US" baseline="0" dirty="0" err="1" smtClean="0"/>
+              <a:t>flag_mutex</a:t>
+            </a:r>
+            <a:r>
+              <a:rPr lang="en-US" baseline="0" dirty="0" smtClean="0"/>
+              <a:t> </a:t>
+            </a:r>
+            <a:r>
+              <a:rPr lang="ru-RU" baseline="0" dirty="0" smtClean="0"/>
+              <a:t>не добавится туда, и, следовательно,  будет предупреждение о гонке, которой на самом деле нет.</a:t>
+            </a:r>
+          </a:p>
+        </p:txBody>
+      </p:sp>
+      <p:sp>
+        <p:nvSpPr>
+          <p:cNvPr id="4" name="Номер слайда 3"/>
+          <p:cNvSpPr>
+            <a:spLocks noGrp="1"/>
+          </p:cNvSpPr>
+          <p:nvPr>
+            <p:ph type="sldNum" sz="quarter" idx="10"/>
+          </p:nvPr>
+        </p:nvSpPr>
+        <p:spPr/>
+        <p:txBody>
+          <a:bodyPr/>
+          <a:lstStyle/>
+          <a:p>
+            <a:fld id="{732E33B5-A3C2-4F95-8916-EA0ED4851515}" type="slidenum">
+              <a:rPr lang="ru-RU" smtClean="0"/>
+              <a:pPr/>
+              <a:t>25</a:t>
+            </a:fld>
+            <a:endParaRPr lang="ru-RU"/>
+          </a:p>
+        </p:txBody>
+      </p:sp>
+    </p:spTree>
+  </p:cSld>
+  <p:clrMapOvr>
+    <a:masterClrMapping/>
+  </p:clrMapOvr>
+</p:notes>
+</file>
+
+<file path=ppt/notesSlides/notesSlide4.xml><?xml version="1.0" encoding="utf-8"?>
+<p:notes xmlns:a="http://schemas.openxmlformats.org/drawingml/2006/main" xmlns:r="http://schemas.openxmlformats.org/officeDocument/2006/relationships" xmlns:p="http://schemas.openxmlformats.org/presentationml/2006/main">
+  <p:cSld>
+    <p:spTree>
+      <p:nvGrpSpPr>
+        <p:cNvPr id="1" name=""/>
+        <p:cNvGrpSpPr/>
+        <p:nvPr/>
+      </p:nvGrpSpPr>
+      <p:grpSpPr>
+        <a:xfrm>
+          <a:off x="0" y="0"/>
+          <a:ext cx="0" cy="0"/>
+          <a:chOff x="0" y="0"/>
+          <a:chExt cx="0" cy="0"/>
+        </a:xfrm>
+      </p:grpSpPr>
+      <p:sp>
+        <p:nvSpPr>
+          <p:cNvPr id="2" name="Образ слайда 1"/>
+          <p:cNvSpPr>
+            <a:spLocks noGrp="1" noRot="1" noChangeAspect="1"/>
+          </p:cNvSpPr>
+          <p:nvPr>
+            <p:ph type="sldImg"/>
+          </p:nvPr>
+        </p:nvSpPr>
+        <p:spPr/>
+      </p:sp>
+      <p:sp>
+        <p:nvSpPr>
+          <p:cNvPr id="3" name="Заметки 2"/>
+          <p:cNvSpPr>
+            <a:spLocks noGrp="1"/>
+          </p:cNvSpPr>
+          <p:nvPr>
+            <p:ph type="body" idx="1"/>
+          </p:nvPr>
+        </p:nvSpPr>
+        <p:spPr/>
+        <p:txBody>
+          <a:bodyPr>
+            <a:normAutofit/>
+          </a:bodyPr>
+          <a:lstStyle/>
+          <a:p>
+            <a:r>
+              <a:rPr lang="ru-RU" dirty="0" smtClean="0"/>
+              <a:t>Это исправленная</a:t>
+            </a:r>
+            <a:r>
+              <a:rPr lang="ru-RU" baseline="0" dirty="0" smtClean="0"/>
+              <a:t> программа 3, которая </a:t>
+            </a:r>
+            <a:r>
+              <a:rPr lang="ru-RU" baseline="0" dirty="0" err="1" smtClean="0"/>
+              <a:t>пр</a:t>
+            </a:r>
+            <a:r>
+              <a:rPr lang="ru-RU" baseline="0" dirty="0" smtClean="0"/>
+              <a:t>  анализе не будет содержать гонок.</a:t>
+            </a:r>
+            <a:endParaRPr lang="ru-RU" dirty="0"/>
+          </a:p>
+        </p:txBody>
+      </p:sp>
+      <p:sp>
+        <p:nvSpPr>
+          <p:cNvPr id="4" name="Номер слайда 3"/>
+          <p:cNvSpPr>
+            <a:spLocks noGrp="1"/>
+          </p:cNvSpPr>
+          <p:nvPr>
+            <p:ph type="sldNum" sz="quarter" idx="10"/>
+          </p:nvPr>
+        </p:nvSpPr>
+        <p:spPr/>
+        <p:txBody>
+          <a:bodyPr/>
+          <a:lstStyle/>
+          <a:p>
+            <a:fld id="{732E33B5-A3C2-4F95-8916-EA0ED4851515}" type="slidenum">
+              <a:rPr lang="ru-RU" smtClean="0"/>
+              <a:pPr/>
+              <a:t>26</a:t>
+            </a:fld>
+            <a:endParaRPr lang="ru-RU"/>
+          </a:p>
+        </p:txBody>
+      </p:sp>
+    </p:spTree>
+  </p:cSld>
+  <p:clrMapOvr>
+    <a:masterClrMapping/>
+  </p:clrMapOvr>
+</p:notes>
+</file>
+
+<file path=ppt/notesSlides/notesSlide5.xml><?xml version="1.0" encoding="utf-8"?>
+<p:notes xmlns:a="http://schemas.openxmlformats.org/drawingml/2006/main" xmlns:r="http://schemas.openxmlformats.org/officeDocument/2006/relationships" xmlns:p="http://schemas.openxmlformats.org/presentationml/2006/main">
+  <p:cSld>
+    <p:spTree>
+      <p:nvGrpSpPr>
+        <p:cNvPr id="1" name=""/>
+        <p:cNvGrpSpPr/>
+        <p:nvPr/>
+      </p:nvGrpSpPr>
+      <p:grpSpPr>
+        <a:xfrm>
+          <a:off x="0" y="0"/>
+          <a:ext cx="0" cy="0"/>
+          <a:chOff x="0" y="0"/>
+          <a:chExt cx="0" cy="0"/>
+        </a:xfrm>
+      </p:grpSpPr>
+      <p:sp>
+        <p:nvSpPr>
+          <p:cNvPr id="2" name="Образ слайда 1"/>
+          <p:cNvSpPr>
+            <a:spLocks noGrp="1" noRot="1" noChangeAspect="1"/>
+          </p:cNvSpPr>
+          <p:nvPr>
+            <p:ph type="sldImg"/>
+          </p:nvPr>
+        </p:nvSpPr>
+        <p:spPr/>
+      </p:sp>
+      <p:sp>
+        <p:nvSpPr>
+          <p:cNvPr id="3" name="Заметки 2"/>
+          <p:cNvSpPr>
+            <a:spLocks noGrp="1"/>
+          </p:cNvSpPr>
+          <p:nvPr>
+            <p:ph type="body" idx="1"/>
+          </p:nvPr>
+        </p:nvSpPr>
+        <p:spPr/>
+        <p:txBody>
+          <a:bodyPr>
+            <a:normAutofit/>
+          </a:bodyPr>
+          <a:lstStyle/>
+          <a:p>
+            <a:r>
+              <a:rPr lang="ru-RU" dirty="0" smtClean="0"/>
+              <a:t>Будет ложное предупреждение</a:t>
+            </a:r>
+            <a:r>
+              <a:rPr lang="ru-RU" baseline="0" dirty="0" smtClean="0"/>
+              <a:t> о возникновении гонки при доступе к </a:t>
+            </a:r>
+            <a:r>
+              <a:rPr lang="en-US" baseline="0" dirty="0" err="1" smtClean="0"/>
+              <a:t>arr</a:t>
+            </a:r>
+            <a:r>
+              <a:rPr lang="en-US" baseline="0" dirty="0" smtClean="0"/>
+              <a:t>, </a:t>
+            </a:r>
+            <a:r>
+              <a:rPr lang="ru-RU" baseline="0" dirty="0" smtClean="0"/>
+              <a:t>т.к. </a:t>
+            </a:r>
+            <a:r>
+              <a:rPr lang="en-US" baseline="0" dirty="0" err="1" smtClean="0"/>
+              <a:t>arr</a:t>
+            </a:r>
+            <a:r>
+              <a:rPr lang="en-US" baseline="0" dirty="0" smtClean="0"/>
+              <a:t> </a:t>
+            </a:r>
+            <a:r>
+              <a:rPr lang="ru-RU" baseline="0" dirty="0" smtClean="0"/>
+              <a:t>рассматривается единая область, хотя на самом деле гонки нет, т.к. в </a:t>
+            </a:r>
+            <a:r>
+              <a:rPr lang="en-US" baseline="0" dirty="0" smtClean="0"/>
+              <a:t>thread2 </a:t>
+            </a:r>
+            <a:r>
+              <a:rPr lang="ru-RU" baseline="0" dirty="0" smtClean="0"/>
+              <a:t>происходит обращение только к первому элементу, а в </a:t>
+            </a:r>
+            <a:r>
+              <a:rPr lang="en-US" baseline="0" dirty="0" smtClean="0"/>
+              <a:t>thread1 – </a:t>
+            </a:r>
+            <a:r>
+              <a:rPr lang="ru-RU" baseline="0" dirty="0" smtClean="0"/>
+              <a:t>ко всем остальным.</a:t>
+            </a:r>
+            <a:endParaRPr lang="ru-RU" dirty="0"/>
+          </a:p>
+        </p:txBody>
+      </p:sp>
+      <p:sp>
+        <p:nvSpPr>
+          <p:cNvPr id="4" name="Номер слайда 3"/>
+          <p:cNvSpPr>
+            <a:spLocks noGrp="1"/>
+          </p:cNvSpPr>
+          <p:nvPr>
+            <p:ph type="sldNum" sz="quarter" idx="10"/>
+          </p:nvPr>
+        </p:nvSpPr>
+        <p:spPr/>
+        <p:txBody>
+          <a:bodyPr/>
+          <a:lstStyle/>
+          <a:p>
+            <a:fld id="{732E33B5-A3C2-4F95-8916-EA0ED4851515}" type="slidenum">
+              <a:rPr lang="ru-RU" smtClean="0"/>
+              <a:pPr/>
+              <a:t>27</a:t>
+            </a:fld>
+            <a:endParaRPr lang="ru-RU"/>
+          </a:p>
+        </p:txBody>
+      </p:sp>
+    </p:spTree>
+  </p:cSld>
+  <p:clrMapOvr>
+    <a:masterClrMapping/>
+  </p:clrMapOvr>
+</p:notes>
+</file>
+
+<file path=ppt/notesSlides/notesSlide6.xml><?xml version="1.0" encoding="utf-8"?>
+<p:notes xmlns:a="http://schemas.openxmlformats.org/drawingml/2006/main" xmlns:r="http://schemas.openxmlformats.org/officeDocument/2006/relationships" xmlns:p="http://schemas.openxmlformats.org/presentationml/2006/main">
+  <p:cSld>
+    <p:spTree>
+      <p:nvGrpSpPr>
+        <p:cNvPr id="1" name=""/>
+        <p:cNvGrpSpPr/>
+        <p:nvPr/>
+      </p:nvGrpSpPr>
+      <p:grpSpPr>
+        <a:xfrm>
+          <a:off x="0" y="0"/>
+          <a:ext cx="0" cy="0"/>
+          <a:chOff x="0" y="0"/>
+          <a:chExt cx="0" cy="0"/>
+        </a:xfrm>
+      </p:grpSpPr>
+      <p:sp>
+        <p:nvSpPr>
+          <p:cNvPr id="2" name="Образ слайда 1"/>
+          <p:cNvSpPr>
+            <a:spLocks noGrp="1" noRot="1" noChangeAspect="1"/>
+          </p:cNvSpPr>
+          <p:nvPr>
+            <p:ph type="sldImg"/>
+          </p:nvPr>
+        </p:nvSpPr>
+        <p:spPr/>
+      </p:sp>
+      <p:sp>
+        <p:nvSpPr>
+          <p:cNvPr id="3" name="Заметки 2"/>
+          <p:cNvSpPr>
+            <a:spLocks noGrp="1"/>
+          </p:cNvSpPr>
+          <p:nvPr>
+            <p:ph type="body" idx="1"/>
+          </p:nvPr>
+        </p:nvSpPr>
+        <p:spPr/>
+        <p:txBody>
+          <a:bodyPr>
+            <a:normAutofit/>
+          </a:bodyPr>
+          <a:lstStyle/>
+          <a:p>
+            <a:r>
+              <a:rPr lang="ru-RU" dirty="0" smtClean="0"/>
+              <a:t>Будет ложное срабатывание, т.к. не учитывается могут</a:t>
+            </a:r>
+            <a:r>
+              <a:rPr lang="ru-RU" baseline="0" dirty="0" smtClean="0"/>
+              <a:t> ли два потока работать одновременно. В </a:t>
+            </a:r>
+            <a:r>
+              <a:rPr lang="ru-RU" baseline="0" dirty="0" err="1" smtClean="0"/>
+              <a:t>представленом</a:t>
+            </a:r>
+            <a:r>
+              <a:rPr lang="ru-RU" baseline="0" dirty="0" smtClean="0"/>
+              <a:t> примере потоки не могут работать одновременно, т.к. поток </a:t>
+            </a:r>
+            <a:r>
+              <a:rPr lang="en-US" baseline="0" dirty="0" smtClean="0"/>
+              <a:t>thread2 </a:t>
+            </a:r>
+            <a:r>
+              <a:rPr lang="ru-RU" baseline="0" dirty="0" smtClean="0"/>
+              <a:t>создается только после окончания потока </a:t>
+            </a:r>
+            <a:r>
+              <a:rPr lang="en-US" baseline="0" smtClean="0"/>
+              <a:t>thread1).</a:t>
+            </a:r>
+            <a:endParaRPr lang="ru-RU"/>
+          </a:p>
+        </p:txBody>
+      </p:sp>
+      <p:sp>
+        <p:nvSpPr>
+          <p:cNvPr id="4" name="Номер слайда 3"/>
+          <p:cNvSpPr>
+            <a:spLocks noGrp="1"/>
+          </p:cNvSpPr>
+          <p:nvPr>
+            <p:ph type="sldNum" sz="quarter" idx="10"/>
+          </p:nvPr>
+        </p:nvSpPr>
+        <p:spPr/>
+        <p:txBody>
+          <a:bodyPr/>
+          <a:lstStyle/>
+          <a:p>
+            <a:fld id="{732E33B5-A3C2-4F95-8916-EA0ED4851515}" type="slidenum">
+              <a:rPr lang="ru-RU" smtClean="0"/>
+              <a:pPr/>
+              <a:t>28</a:t>
             </a:fld>
             <a:endParaRPr lang="ru-RU"/>
           </a:p>
@@ -12159,6 +12716,13 @@
   <p:clrMapOvr>
     <a:masterClrMapping/>
   </p:clrMapOvr>
+  <p:timing>
+    <p:tnLst>
+      <p:par>
+        <p:cTn id="1" dur="indefinite" restart="never" nodeType="tmRoot"/>
+      </p:par>
+    </p:tnLst>
+  </p:timing>
 </p:sld>
 </file>
 
@@ -22269,38 +22833,26 @@
         </p:nvSpPr>
         <p:spPr/>
         <p:txBody>
-          <a:bodyPr/>
+          <a:bodyPr>
+            <a:normAutofit fontScale="90000"/>
+          </a:bodyPr>
           <a:lstStyle/>
           <a:p>
             <a:r>
               <a:rPr lang="ru-RU" dirty="0" smtClean="0"/>
-              <a:t>Результаты исследований</a:t>
-            </a:r>
-            <a:endParaRPr lang="ru-RU" dirty="0"/>
-          </a:p>
-        </p:txBody>
-      </p:sp>
-      <p:sp>
-        <p:nvSpPr>
-          <p:cNvPr id="3" name="Содержимое 2"/>
-          <p:cNvSpPr>
-            <a:spLocks noGrp="1"/>
-          </p:cNvSpPr>
-          <p:nvPr>
-            <p:ph idx="1"/>
-          </p:nvPr>
-        </p:nvSpPr>
-        <p:spPr/>
-        <p:txBody>
-          <a:bodyPr/>
-          <a:lstStyle/>
-          <a:p>
+              <a:t>Результаты </a:t>
+            </a:r>
             <a:r>
               <a:rPr lang="ru-RU" dirty="0" smtClean="0"/>
-              <a:t>Надо каким-то образом показать вклад каждого из этапов на итоговый результат…</a:t>
-            </a:r>
-          </a:p>
-          <a:p>
+              <a:t>исследований.</a:t>
+            </a:r>
+            <a:br>
+              <a:rPr lang="ru-RU" dirty="0" smtClean="0"/>
+            </a:br>
+            <a:r>
+              <a:rPr lang="ru-RU" dirty="0" smtClean="0"/>
+              <a:t>Программа 2. Потеря возможного места возникновения гонки</a:t>
+            </a:r>
             <a:endParaRPr lang="ru-RU" dirty="0"/>
           </a:p>
         </p:txBody>
@@ -22329,6 +22881,429 @@
           </a:p>
         </p:txBody>
       </p:sp>
+      <p:sp>
+        <p:nvSpPr>
+          <p:cNvPr id="9" name="Содержимое 2"/>
+          <p:cNvSpPr>
+            <a:spLocks noGrp="1"/>
+          </p:cNvSpPr>
+          <p:nvPr>
+            <p:ph idx="1"/>
+          </p:nvPr>
+        </p:nvSpPr>
+        <p:spPr>
+          <a:xfrm>
+            <a:off x="2267744" y="1772816"/>
+            <a:ext cx="5904656" cy="4525963"/>
+          </a:xfrm>
+        </p:spPr>
+        <p:txBody>
+          <a:bodyPr>
+            <a:normAutofit fontScale="55000" lnSpcReduction="20000"/>
+          </a:bodyPr>
+          <a:lstStyle/>
+          <a:p>
+            <a:pPr>
+              <a:buNone/>
+            </a:pPr>
+            <a:r>
+              <a:rPr lang="en-US" b="1" dirty="0" smtClean="0">
+                <a:solidFill>
+                  <a:srgbClr val="7F0055"/>
+                </a:solidFill>
+              </a:rPr>
+              <a:t>static</a:t>
+            </a:r>
+            <a:r>
+              <a:rPr lang="en-US" dirty="0" smtClean="0"/>
+              <a:t> </a:t>
+            </a:r>
+            <a:r>
+              <a:rPr lang="en-US" b="1" dirty="0" smtClean="0">
+                <a:solidFill>
+                  <a:srgbClr val="7F0055"/>
+                </a:solidFill>
+              </a:rPr>
+              <a:t>int</a:t>
+            </a:r>
+            <a:r>
+              <a:rPr lang="en-US" dirty="0" smtClean="0"/>
+              <a:t> global = 0</a:t>
+            </a:r>
+            <a:r>
+              <a:rPr lang="en-US" dirty="0" smtClean="0"/>
+              <a:t>;</a:t>
+            </a:r>
+            <a:endParaRPr lang="ru-RU" dirty="0" smtClean="0"/>
+          </a:p>
+          <a:p>
+            <a:pPr>
+              <a:buNone/>
+            </a:pPr>
+            <a:r>
+              <a:rPr lang="en-US" b="1" dirty="0" smtClean="0">
+                <a:solidFill>
+                  <a:srgbClr val="7F0055"/>
+                </a:solidFill>
+              </a:rPr>
+              <a:t>void</a:t>
+            </a:r>
+            <a:r>
+              <a:rPr lang="en-US" dirty="0" smtClean="0"/>
+              <a:t>* thread1(</a:t>
+            </a:r>
+            <a:r>
+              <a:rPr lang="en-US" b="1" dirty="0" smtClean="0">
+                <a:solidFill>
+                  <a:srgbClr val="7F0055"/>
+                </a:solidFill>
+              </a:rPr>
+              <a:t>void</a:t>
+            </a:r>
+            <a:r>
+              <a:rPr lang="en-US" dirty="0" smtClean="0"/>
+              <a:t>* </a:t>
+            </a:r>
+            <a:r>
+              <a:rPr lang="en-US" dirty="0" err="1" smtClean="0"/>
+              <a:t>args</a:t>
+            </a:r>
+            <a:r>
+              <a:rPr lang="en-US" dirty="0" smtClean="0"/>
+              <a:t>) </a:t>
+            </a:r>
+            <a:r>
+              <a:rPr lang="en-US" dirty="0" smtClean="0"/>
+              <a:t>{</a:t>
+            </a:r>
+            <a:endParaRPr lang="ru-RU" dirty="0" smtClean="0"/>
+          </a:p>
+          <a:p>
+            <a:pPr>
+              <a:buNone/>
+            </a:pPr>
+            <a:r>
+              <a:rPr lang="ru-RU" b="1" dirty="0" smtClean="0">
+                <a:solidFill>
+                  <a:srgbClr val="7F0055"/>
+                </a:solidFill>
+              </a:rPr>
+              <a:t>        </a:t>
+            </a:r>
+            <a:r>
+              <a:rPr lang="en-US" b="1" dirty="0" smtClean="0">
+                <a:solidFill>
+                  <a:srgbClr val="7F0055"/>
+                </a:solidFill>
+              </a:rPr>
+              <a:t>int</a:t>
+            </a:r>
+            <a:r>
+              <a:rPr lang="en-US" dirty="0" smtClean="0"/>
+              <a:t>* </a:t>
+            </a:r>
+            <a:r>
+              <a:rPr lang="en-US" dirty="0" err="1" smtClean="0"/>
+              <a:t>pglobal</a:t>
+            </a:r>
+            <a:r>
+              <a:rPr lang="en-US" dirty="0" smtClean="0"/>
+              <a:t> = &amp;global</a:t>
+            </a:r>
+            <a:r>
+              <a:rPr lang="en-US" dirty="0" smtClean="0"/>
+              <a:t>;</a:t>
+            </a:r>
+            <a:endParaRPr lang="ru-RU" dirty="0" smtClean="0"/>
+          </a:p>
+          <a:p>
+            <a:pPr>
+              <a:buNone/>
+            </a:pPr>
+            <a:r>
+              <a:rPr lang="ru-RU" dirty="0" smtClean="0"/>
+              <a:t>        </a:t>
+            </a:r>
+            <a:r>
+              <a:rPr lang="en-US" dirty="0" smtClean="0"/>
+              <a:t>(*</a:t>
+            </a:r>
+            <a:r>
+              <a:rPr lang="en-US" dirty="0" err="1" smtClean="0"/>
+              <a:t>pglobal</a:t>
+            </a:r>
+            <a:r>
+              <a:rPr lang="en-US" dirty="0" smtClean="0"/>
+              <a:t>)++;</a:t>
+            </a:r>
+            <a:endParaRPr lang="ru-RU" dirty="0" smtClean="0"/>
+          </a:p>
+          <a:p>
+            <a:pPr>
+              <a:buNone/>
+            </a:pPr>
+            <a:r>
+              <a:rPr lang="en-US" dirty="0" smtClean="0"/>
+              <a:t>}</a:t>
+            </a:r>
+            <a:endParaRPr lang="ru-RU" dirty="0" smtClean="0"/>
+          </a:p>
+          <a:p>
+            <a:pPr>
+              <a:buNone/>
+            </a:pPr>
+            <a:r>
+              <a:rPr lang="en-US" b="1" dirty="0" smtClean="0">
+                <a:solidFill>
+                  <a:srgbClr val="7F0055"/>
+                </a:solidFill>
+              </a:rPr>
+              <a:t>void</a:t>
+            </a:r>
+            <a:r>
+              <a:rPr lang="en-US" dirty="0" smtClean="0"/>
+              <a:t>* thread2(</a:t>
+            </a:r>
+            <a:r>
+              <a:rPr lang="en-US" b="1" dirty="0" smtClean="0">
+                <a:solidFill>
+                  <a:srgbClr val="7F0055"/>
+                </a:solidFill>
+              </a:rPr>
+              <a:t>void</a:t>
+            </a:r>
+            <a:r>
+              <a:rPr lang="en-US" dirty="0" smtClean="0"/>
+              <a:t>* </a:t>
+            </a:r>
+            <a:r>
+              <a:rPr lang="en-US" dirty="0" err="1" smtClean="0"/>
+              <a:t>args</a:t>
+            </a:r>
+            <a:r>
+              <a:rPr lang="en-US" dirty="0" smtClean="0"/>
+              <a:t>) </a:t>
+            </a:r>
+            <a:r>
+              <a:rPr lang="en-US" dirty="0" smtClean="0"/>
+              <a:t>{</a:t>
+            </a:r>
+            <a:endParaRPr lang="ru-RU" dirty="0" smtClean="0"/>
+          </a:p>
+          <a:p>
+            <a:pPr>
+              <a:buNone/>
+            </a:pPr>
+            <a:r>
+              <a:rPr lang="ru-RU" dirty="0" smtClean="0"/>
+              <a:t>        </a:t>
+            </a:r>
+            <a:r>
+              <a:rPr lang="en-US" dirty="0" smtClean="0"/>
+              <a:t>global++;</a:t>
+            </a:r>
+            <a:endParaRPr lang="ru-RU" dirty="0" smtClean="0"/>
+          </a:p>
+          <a:p>
+            <a:pPr>
+              <a:buNone/>
+            </a:pPr>
+            <a:r>
+              <a:rPr lang="en-US" dirty="0" smtClean="0"/>
+              <a:t>}</a:t>
+            </a:r>
+            <a:endParaRPr lang="ru-RU" dirty="0" smtClean="0"/>
+          </a:p>
+          <a:p>
+            <a:pPr>
+              <a:buNone/>
+            </a:pPr>
+            <a:r>
+              <a:rPr lang="en-US" b="1" dirty="0" smtClean="0">
+                <a:solidFill>
+                  <a:srgbClr val="7F0055"/>
+                </a:solidFill>
+              </a:rPr>
+              <a:t>int</a:t>
+            </a:r>
+            <a:r>
+              <a:rPr lang="en-US" dirty="0" smtClean="0"/>
+              <a:t> </a:t>
+            </a:r>
+            <a:r>
+              <a:rPr lang="en-US" b="1" dirty="0" smtClean="0">
+                <a:solidFill>
+                  <a:srgbClr val="7F0055"/>
+                </a:solidFill>
+              </a:rPr>
+              <a:t>main</a:t>
+            </a:r>
+            <a:r>
+              <a:rPr lang="en-US" dirty="0" smtClean="0"/>
+              <a:t>(</a:t>
+            </a:r>
+            <a:r>
+              <a:rPr lang="en-US" b="1" dirty="0" smtClean="0">
+                <a:solidFill>
+                  <a:srgbClr val="7F0055"/>
+                </a:solidFill>
+              </a:rPr>
+              <a:t>int</a:t>
+            </a:r>
+            <a:r>
+              <a:rPr lang="en-US" dirty="0" smtClean="0"/>
+              <a:t> arc, </a:t>
+            </a:r>
+            <a:r>
+              <a:rPr lang="en-US" b="1" dirty="0" smtClean="0">
+                <a:solidFill>
+                  <a:srgbClr val="7F0055"/>
+                </a:solidFill>
+              </a:rPr>
+              <a:t>char</a:t>
+            </a:r>
+            <a:r>
+              <a:rPr lang="en-US" dirty="0" smtClean="0"/>
+              <a:t>* </a:t>
+            </a:r>
+            <a:r>
+              <a:rPr lang="en-US" dirty="0" err="1" smtClean="0"/>
+              <a:t>argv</a:t>
+            </a:r>
+            <a:r>
+              <a:rPr lang="en-US" dirty="0" smtClean="0"/>
+              <a:t>[]) </a:t>
+            </a:r>
+            <a:r>
+              <a:rPr lang="en-US" dirty="0" smtClean="0"/>
+              <a:t>{</a:t>
+            </a:r>
+            <a:endParaRPr lang="ru-RU" dirty="0" smtClean="0"/>
+          </a:p>
+          <a:p>
+            <a:pPr>
+              <a:buNone/>
+            </a:pPr>
+            <a:r>
+              <a:rPr lang="ru-RU" dirty="0" smtClean="0"/>
+              <a:t>        </a:t>
+            </a:r>
+            <a:r>
+              <a:rPr lang="en-US" dirty="0" smtClean="0"/>
+              <a:t>...</a:t>
+            </a:r>
+            <a:endParaRPr lang="ru-RU" dirty="0" smtClean="0"/>
+          </a:p>
+          <a:p>
+            <a:pPr>
+              <a:buNone/>
+            </a:pPr>
+            <a:r>
+              <a:rPr lang="ru-RU" dirty="0" smtClean="0"/>
+              <a:t>        </a:t>
+            </a:r>
+            <a:r>
+              <a:rPr lang="en-US" dirty="0" err="1" smtClean="0"/>
+              <a:t>pthread_create</a:t>
+            </a:r>
+            <a:r>
+              <a:rPr lang="en-US" dirty="0" smtClean="0"/>
+              <a:t>(&amp;threads[0], </a:t>
+            </a:r>
+            <a:r>
+              <a:rPr lang="en-US" b="1" dirty="0" smtClean="0">
+                <a:solidFill>
+                  <a:srgbClr val="7F0055"/>
+                </a:solidFill>
+              </a:rPr>
+              <a:t>NULL</a:t>
+            </a:r>
+            <a:r>
+              <a:rPr lang="en-US" dirty="0" smtClean="0"/>
+              <a:t>, thread1, </a:t>
+            </a:r>
+            <a:r>
+              <a:rPr lang="en-US" b="1" dirty="0" smtClean="0">
+                <a:solidFill>
+                  <a:srgbClr val="7F0055"/>
+                </a:solidFill>
+              </a:rPr>
+              <a:t>NULL</a:t>
+            </a:r>
+            <a:r>
+              <a:rPr lang="en-US" dirty="0" smtClean="0"/>
+              <a:t>);</a:t>
+            </a:r>
+            <a:endParaRPr lang="ru-RU" dirty="0" smtClean="0"/>
+          </a:p>
+          <a:p>
+            <a:pPr>
+              <a:buNone/>
+            </a:pPr>
+            <a:r>
+              <a:rPr lang="ru-RU" dirty="0" smtClean="0"/>
+              <a:t>        </a:t>
+            </a:r>
+            <a:r>
+              <a:rPr lang="en-US" dirty="0" err="1" smtClean="0"/>
+              <a:t>pthread_create</a:t>
+            </a:r>
+            <a:r>
+              <a:rPr lang="en-US" dirty="0" smtClean="0"/>
+              <a:t>(&amp;threads[1], </a:t>
+            </a:r>
+            <a:r>
+              <a:rPr lang="en-US" b="1" dirty="0" smtClean="0">
+                <a:solidFill>
+                  <a:srgbClr val="7F0055"/>
+                </a:solidFill>
+              </a:rPr>
+              <a:t>NULL</a:t>
+            </a:r>
+            <a:r>
+              <a:rPr lang="en-US" dirty="0" smtClean="0"/>
+              <a:t>, thread2, </a:t>
+            </a:r>
+            <a:r>
+              <a:rPr lang="en-US" b="1" dirty="0" smtClean="0">
+                <a:solidFill>
+                  <a:srgbClr val="7F0055"/>
+                </a:solidFill>
+              </a:rPr>
+              <a:t>NULL</a:t>
+            </a:r>
+            <a:r>
+              <a:rPr lang="en-US" dirty="0" smtClean="0"/>
+              <a:t>); </a:t>
+            </a:r>
+            <a:endParaRPr lang="ru-RU" dirty="0" smtClean="0"/>
+          </a:p>
+          <a:p>
+            <a:pPr>
+              <a:buNone/>
+            </a:pPr>
+            <a:r>
+              <a:rPr lang="ru-RU" dirty="0" smtClean="0"/>
+              <a:t>        </a:t>
+            </a:r>
+            <a:r>
+              <a:rPr lang="en-US" dirty="0" smtClean="0"/>
+              <a:t>...</a:t>
+            </a:r>
+            <a:endParaRPr lang="ru-RU" dirty="0" smtClean="0"/>
+          </a:p>
+          <a:p>
+            <a:pPr>
+              <a:buNone/>
+            </a:pPr>
+            <a:r>
+              <a:rPr lang="en-US" dirty="0" smtClean="0"/>
+              <a:t>}</a:t>
+            </a:r>
+            <a:endParaRPr lang="ru-RU" dirty="0"/>
+          </a:p>
+        </p:txBody>
+      </p:sp>
     </p:spTree>
   </p:cSld>
   <p:clrMapOvr>
@@ -22341,6 +23316,3053 @@
       </p:par>
     </p:tnLst>
   </p:timing>
+</p:sld>
+</file>
+
+<file path=ppt/slides/slide25.xml><?xml version="1.0" encoding="utf-8"?>
+<p:sld xmlns:a="http://schemas.openxmlformats.org/drawingml/2006/main" xmlns:r="http://schemas.openxmlformats.org/officeDocument/2006/relationships" xmlns:p="http://schemas.openxmlformats.org/presentationml/2006/main">
+  <p:cSld>
+    <p:spTree>
+      <p:nvGrpSpPr>
+        <p:cNvPr id="1" name=""/>
+        <p:cNvGrpSpPr/>
+        <p:nvPr/>
+      </p:nvGrpSpPr>
+      <p:grpSpPr>
+        <a:xfrm>
+          <a:off x="0" y="0"/>
+          <a:ext cx="0" cy="0"/>
+          <a:chOff x="0" y="0"/>
+          <a:chExt cx="0" cy="0"/>
+        </a:xfrm>
+      </p:grpSpPr>
+      <p:sp>
+        <p:nvSpPr>
+          <p:cNvPr id="2" name="Заголовок 1"/>
+          <p:cNvSpPr>
+            <a:spLocks noGrp="1"/>
+          </p:cNvSpPr>
+          <p:nvPr>
+            <p:ph type="title"/>
+          </p:nvPr>
+        </p:nvSpPr>
+        <p:spPr/>
+        <p:txBody>
+          <a:bodyPr>
+            <a:normAutofit fontScale="90000"/>
+          </a:bodyPr>
+          <a:lstStyle/>
+          <a:p>
+            <a:r>
+              <a:rPr lang="ru-RU" dirty="0" smtClean="0"/>
+              <a:t>Результаты исследований. Программа 3. Ложное место возникновения гонок</a:t>
+            </a:r>
+            <a:endParaRPr lang="ru-RU" dirty="0"/>
+          </a:p>
+        </p:txBody>
+      </p:sp>
+      <p:sp>
+        <p:nvSpPr>
+          <p:cNvPr id="3" name="Содержимое 2"/>
+          <p:cNvSpPr>
+            <a:spLocks noGrp="1"/>
+          </p:cNvSpPr>
+          <p:nvPr>
+            <p:ph idx="1"/>
+          </p:nvPr>
+        </p:nvSpPr>
+        <p:spPr>
+          <a:xfrm>
+            <a:off x="2627784" y="1700808"/>
+            <a:ext cx="5050904" cy="4525963"/>
+          </a:xfrm>
+        </p:spPr>
+        <p:txBody>
+          <a:bodyPr>
+            <a:normAutofit fontScale="47500" lnSpcReduction="20000"/>
+          </a:bodyPr>
+          <a:lstStyle/>
+          <a:p>
+            <a:pPr>
+              <a:buNone/>
+            </a:pPr>
+            <a:r>
+              <a:rPr lang="en-US" b="1" dirty="0" smtClean="0">
+                <a:solidFill>
+                  <a:srgbClr val="800000"/>
+                </a:solidFill>
+              </a:rPr>
+              <a:t>static</a:t>
+            </a:r>
+            <a:r>
+              <a:rPr lang="en-US" dirty="0" smtClean="0"/>
+              <a:t> int flag</a:t>
+            </a:r>
+            <a:r>
+              <a:rPr lang="en-US" dirty="0" smtClean="0">
+                <a:solidFill>
+                  <a:srgbClr val="808030"/>
+                </a:solidFill>
+              </a:rPr>
+              <a:t>;</a:t>
+            </a:r>
+            <a:endParaRPr lang="ru-RU" dirty="0" smtClean="0">
+              <a:solidFill>
+                <a:srgbClr val="808030"/>
+              </a:solidFill>
+            </a:endParaRPr>
+          </a:p>
+          <a:p>
+            <a:pPr>
+              <a:buNone/>
+            </a:pPr>
+            <a:r>
+              <a:rPr lang="en-US" b="1" dirty="0" smtClean="0">
+                <a:solidFill>
+                  <a:srgbClr val="800000"/>
+                </a:solidFill>
+              </a:rPr>
+              <a:t>static</a:t>
+            </a:r>
+            <a:r>
+              <a:rPr lang="en-US" dirty="0" smtClean="0"/>
+              <a:t> int global</a:t>
+            </a:r>
+            <a:r>
+              <a:rPr lang="en-US" dirty="0" smtClean="0">
+                <a:solidFill>
+                  <a:srgbClr val="808030"/>
+                </a:solidFill>
+              </a:rPr>
+              <a:t>;</a:t>
+            </a:r>
+            <a:endParaRPr lang="ru-RU" dirty="0" smtClean="0">
+              <a:solidFill>
+                <a:srgbClr val="808030"/>
+              </a:solidFill>
+            </a:endParaRPr>
+          </a:p>
+          <a:p>
+            <a:pPr>
+              <a:buNone/>
+            </a:pPr>
+            <a:r>
+              <a:rPr lang="en-US" dirty="0" err="1" smtClean="0"/>
+              <a:t>pthread_mutex_t</a:t>
+            </a:r>
+            <a:r>
+              <a:rPr lang="en-US" dirty="0" smtClean="0"/>
+              <a:t> </a:t>
+            </a:r>
+            <a:r>
+              <a:rPr lang="en-US" dirty="0" err="1" smtClean="0"/>
+              <a:t>flag_mutex</a:t>
+            </a:r>
+            <a:r>
+              <a:rPr lang="en-US" dirty="0" smtClean="0"/>
+              <a:t>, </a:t>
+            </a:r>
+            <a:r>
+              <a:rPr lang="en-US" dirty="0" err="1" smtClean="0"/>
+              <a:t>global_mutex</a:t>
+            </a:r>
+            <a:r>
+              <a:rPr lang="en-US" dirty="0" smtClean="0">
+                <a:solidFill>
+                  <a:srgbClr val="808030"/>
+                </a:solidFill>
+              </a:rPr>
+              <a:t>;</a:t>
+            </a:r>
+            <a:endParaRPr lang="ru-RU" dirty="0" smtClean="0">
+              <a:solidFill>
+                <a:srgbClr val="808030"/>
+              </a:solidFill>
+            </a:endParaRPr>
+          </a:p>
+          <a:p>
+            <a:pPr>
+              <a:buNone/>
+            </a:pPr>
+            <a:r>
+              <a:rPr lang="en-US" dirty="0" smtClean="0"/>
+              <a:t>void* thread1(void* </a:t>
+            </a:r>
+            <a:r>
+              <a:rPr lang="en-US" dirty="0" err="1" smtClean="0"/>
+              <a:t>args</a:t>
+            </a:r>
+            <a:r>
+              <a:rPr lang="en-US" dirty="0" smtClean="0"/>
+              <a:t>) </a:t>
+            </a:r>
+            <a:r>
+              <a:rPr lang="en-US" dirty="0" smtClean="0">
+                <a:solidFill>
+                  <a:srgbClr val="800080"/>
+                </a:solidFill>
+              </a:rPr>
+              <a:t>{</a:t>
+            </a:r>
+            <a:endParaRPr lang="ru-RU" dirty="0" smtClean="0"/>
+          </a:p>
+          <a:p>
+            <a:pPr>
+              <a:buNone/>
+            </a:pPr>
+            <a:r>
+              <a:rPr lang="ru-RU" dirty="0" smtClean="0"/>
+              <a:t>        </a:t>
+            </a:r>
+            <a:r>
+              <a:rPr lang="en-US" dirty="0" err="1" smtClean="0"/>
+              <a:t>pthread_mutex_lock</a:t>
+            </a:r>
+            <a:r>
+              <a:rPr lang="en-US" dirty="0" smtClean="0">
+                <a:solidFill>
+                  <a:srgbClr val="808030"/>
+                </a:solidFill>
+              </a:rPr>
+              <a:t>(&amp;</a:t>
+            </a:r>
+            <a:r>
+              <a:rPr lang="en-US" dirty="0" err="1" smtClean="0"/>
+              <a:t>flag_mutex</a:t>
+            </a:r>
+            <a:r>
+              <a:rPr lang="en-US" dirty="0" smtClean="0">
+                <a:solidFill>
+                  <a:srgbClr val="808030"/>
+                </a:solidFill>
+              </a:rPr>
+              <a:t>)</a:t>
+            </a:r>
+            <a:r>
+              <a:rPr lang="en-US" dirty="0" smtClean="0">
+                <a:solidFill>
+                  <a:srgbClr val="800080"/>
+                </a:solidFill>
+              </a:rPr>
+              <a:t>;</a:t>
+            </a:r>
+            <a:endParaRPr lang="ru-RU" dirty="0" smtClean="0">
+              <a:solidFill>
+                <a:srgbClr val="800080"/>
+              </a:solidFill>
+            </a:endParaRPr>
+          </a:p>
+          <a:p>
+            <a:pPr>
+              <a:buNone/>
+            </a:pPr>
+            <a:r>
+              <a:rPr lang="ru-RU" dirty="0" smtClean="0">
+                <a:solidFill>
+                  <a:srgbClr val="800080"/>
+                </a:solidFill>
+              </a:rPr>
+              <a:t>        </a:t>
+            </a:r>
+            <a:r>
+              <a:rPr lang="en-US" b="1" dirty="0" smtClean="0">
+                <a:solidFill>
+                  <a:srgbClr val="800000"/>
+                </a:solidFill>
+              </a:rPr>
+              <a:t>if</a:t>
+            </a:r>
+            <a:r>
+              <a:rPr lang="en-US" dirty="0" smtClean="0"/>
+              <a:t> </a:t>
+            </a:r>
+            <a:r>
+              <a:rPr lang="en-US" dirty="0" smtClean="0">
+                <a:solidFill>
+                  <a:srgbClr val="808030"/>
+                </a:solidFill>
+              </a:rPr>
+              <a:t>(</a:t>
+            </a:r>
+            <a:r>
+              <a:rPr lang="en-US" dirty="0" smtClean="0"/>
+              <a:t>flag</a:t>
+            </a:r>
+            <a:r>
+              <a:rPr lang="en-US" dirty="0" smtClean="0">
+                <a:solidFill>
+                  <a:srgbClr val="808030"/>
+                </a:solidFill>
+              </a:rPr>
+              <a:t>)</a:t>
+            </a:r>
+            <a:r>
+              <a:rPr lang="en-US" dirty="0" smtClean="0"/>
+              <a:t> </a:t>
+            </a:r>
+            <a:r>
+              <a:rPr lang="en-US" dirty="0" smtClean="0">
+                <a:solidFill>
+                  <a:srgbClr val="800080"/>
+                </a:solidFill>
+              </a:rPr>
+              <a:t>{</a:t>
+            </a:r>
+            <a:endParaRPr lang="ru-RU" dirty="0" smtClean="0">
+              <a:solidFill>
+                <a:srgbClr val="800080"/>
+              </a:solidFill>
+            </a:endParaRPr>
+          </a:p>
+          <a:p>
+            <a:pPr>
+              <a:buNone/>
+            </a:pPr>
+            <a:r>
+              <a:rPr lang="ru-RU" dirty="0" smtClean="0">
+                <a:solidFill>
+                  <a:srgbClr val="800080"/>
+                </a:solidFill>
+              </a:rPr>
+              <a:t>      </a:t>
+            </a:r>
+            <a:r>
+              <a:rPr lang="en-US" dirty="0" smtClean="0"/>
+              <a:t> </a:t>
+            </a:r>
+            <a:r>
+              <a:rPr lang="ru-RU" dirty="0" smtClean="0">
+                <a:solidFill>
+                  <a:srgbClr val="800080"/>
+                </a:solidFill>
+              </a:rPr>
+              <a:t>         </a:t>
+            </a:r>
+            <a:r>
+              <a:rPr lang="en-US" dirty="0" err="1" smtClean="0"/>
+              <a:t>pthread_mutex_lock</a:t>
+            </a:r>
+            <a:r>
+              <a:rPr lang="en-US" dirty="0" smtClean="0">
+                <a:solidFill>
+                  <a:srgbClr val="808030"/>
+                </a:solidFill>
+              </a:rPr>
+              <a:t>(&amp;</a:t>
+            </a:r>
+            <a:r>
+              <a:rPr lang="en-US" dirty="0" err="1" smtClean="0"/>
+              <a:t>global_mutex</a:t>
+            </a:r>
+            <a:r>
+              <a:rPr lang="en-US" dirty="0" smtClean="0">
+                <a:solidFill>
+                  <a:srgbClr val="808030"/>
+                </a:solidFill>
+              </a:rPr>
+              <a:t>)</a:t>
+            </a:r>
+            <a:r>
+              <a:rPr lang="en-US" dirty="0" smtClean="0">
+                <a:solidFill>
+                  <a:srgbClr val="800080"/>
+                </a:solidFill>
+              </a:rPr>
+              <a:t>;</a:t>
+            </a:r>
+            <a:endParaRPr lang="ru-RU" dirty="0" smtClean="0">
+              <a:solidFill>
+                <a:srgbClr val="800080"/>
+              </a:solidFill>
+            </a:endParaRPr>
+          </a:p>
+          <a:p>
+            <a:pPr>
+              <a:buNone/>
+            </a:pPr>
+            <a:r>
+              <a:rPr lang="ru-RU" dirty="0" smtClean="0">
+                <a:solidFill>
+                  <a:srgbClr val="800080"/>
+                </a:solidFill>
+              </a:rPr>
+              <a:t> </a:t>
+            </a:r>
+            <a:r>
+              <a:rPr lang="ru-RU" dirty="0" smtClean="0">
+                <a:solidFill>
+                  <a:srgbClr val="800080"/>
+                </a:solidFill>
+              </a:rPr>
+              <a:t>              </a:t>
+            </a:r>
+            <a:r>
+              <a:rPr lang="en-US" dirty="0" smtClean="0"/>
+              <a:t> global</a:t>
+            </a:r>
+            <a:r>
+              <a:rPr lang="en-US" dirty="0" smtClean="0">
+                <a:solidFill>
+                  <a:srgbClr val="808030"/>
+                </a:solidFill>
+              </a:rPr>
+              <a:t>++</a:t>
+            </a:r>
+            <a:r>
+              <a:rPr lang="en-US" dirty="0" smtClean="0">
+                <a:solidFill>
+                  <a:srgbClr val="800080"/>
+                </a:solidFill>
+              </a:rPr>
+              <a:t>;</a:t>
+            </a:r>
+            <a:endParaRPr lang="ru-RU" dirty="0" smtClean="0">
+              <a:solidFill>
+                <a:srgbClr val="800080"/>
+              </a:solidFill>
+            </a:endParaRPr>
+          </a:p>
+          <a:p>
+            <a:pPr>
+              <a:buNone/>
+            </a:pPr>
+            <a:r>
+              <a:rPr lang="ru-RU" dirty="0" smtClean="0">
+                <a:solidFill>
+                  <a:srgbClr val="800080"/>
+                </a:solidFill>
+              </a:rPr>
+              <a:t> </a:t>
+            </a:r>
+            <a:r>
+              <a:rPr lang="ru-RU" dirty="0" smtClean="0">
+                <a:solidFill>
+                  <a:srgbClr val="800080"/>
+                </a:solidFill>
+              </a:rPr>
+              <a:t>              </a:t>
+            </a:r>
+            <a:r>
+              <a:rPr lang="en-US" dirty="0" smtClean="0"/>
+              <a:t> </a:t>
+            </a:r>
+            <a:r>
+              <a:rPr lang="en-US" dirty="0" err="1" smtClean="0"/>
+              <a:t>pthread_mutex_unlock</a:t>
+            </a:r>
+            <a:r>
+              <a:rPr lang="en-US" dirty="0" smtClean="0">
+                <a:solidFill>
+                  <a:srgbClr val="808030"/>
+                </a:solidFill>
+              </a:rPr>
+              <a:t>(&amp;</a:t>
+            </a:r>
+            <a:r>
+              <a:rPr lang="en-US" dirty="0" err="1" smtClean="0"/>
+              <a:t>global_mutex</a:t>
+            </a:r>
+            <a:r>
+              <a:rPr lang="en-US" dirty="0" smtClean="0">
+                <a:solidFill>
+                  <a:srgbClr val="808030"/>
+                </a:solidFill>
+              </a:rPr>
+              <a:t>)</a:t>
+            </a:r>
+            <a:r>
+              <a:rPr lang="en-US" dirty="0" smtClean="0">
+                <a:solidFill>
+                  <a:srgbClr val="800080"/>
+                </a:solidFill>
+              </a:rPr>
+              <a:t>;</a:t>
+            </a:r>
+            <a:endParaRPr lang="ru-RU" dirty="0" smtClean="0">
+              <a:solidFill>
+                <a:srgbClr val="800080"/>
+              </a:solidFill>
+            </a:endParaRPr>
+          </a:p>
+          <a:p>
+            <a:pPr>
+              <a:buNone/>
+            </a:pPr>
+            <a:r>
+              <a:rPr lang="ru-RU" dirty="0" smtClean="0">
+                <a:solidFill>
+                  <a:srgbClr val="800080"/>
+                </a:solidFill>
+              </a:rPr>
+              <a:t>        </a:t>
+            </a:r>
+            <a:r>
+              <a:rPr lang="en-US" dirty="0" smtClean="0">
+                <a:solidFill>
+                  <a:srgbClr val="800080"/>
+                </a:solidFill>
+              </a:rPr>
+              <a:t>}</a:t>
+            </a:r>
+            <a:endParaRPr lang="ru-RU" dirty="0" smtClean="0">
+              <a:solidFill>
+                <a:srgbClr val="800080"/>
+              </a:solidFill>
+            </a:endParaRPr>
+          </a:p>
+          <a:p>
+            <a:pPr>
+              <a:buNone/>
+            </a:pPr>
+            <a:r>
+              <a:rPr lang="ru-RU" dirty="0" smtClean="0"/>
+              <a:t>        </a:t>
+            </a:r>
+            <a:r>
+              <a:rPr lang="en-US" dirty="0" err="1" smtClean="0"/>
+              <a:t>pthread_mutex_unlock</a:t>
+            </a:r>
+            <a:r>
+              <a:rPr lang="en-US" dirty="0" smtClean="0">
+                <a:solidFill>
+                  <a:srgbClr val="808030"/>
+                </a:solidFill>
+              </a:rPr>
+              <a:t>(&amp;</a:t>
+            </a:r>
+            <a:r>
+              <a:rPr lang="en-US" dirty="0" err="1" smtClean="0"/>
+              <a:t>flag_mutex</a:t>
+            </a:r>
+            <a:r>
+              <a:rPr lang="en-US" dirty="0" smtClean="0">
+                <a:solidFill>
+                  <a:srgbClr val="808030"/>
+                </a:solidFill>
+              </a:rPr>
+              <a:t>)</a:t>
+            </a:r>
+            <a:r>
+              <a:rPr lang="en-US" dirty="0" smtClean="0">
+                <a:solidFill>
+                  <a:srgbClr val="800080"/>
+                </a:solidFill>
+              </a:rPr>
+              <a:t>;</a:t>
+            </a:r>
+            <a:endParaRPr lang="ru-RU" dirty="0" smtClean="0">
+              <a:solidFill>
+                <a:srgbClr val="800080"/>
+              </a:solidFill>
+            </a:endParaRPr>
+          </a:p>
+          <a:p>
+            <a:pPr>
+              <a:buNone/>
+            </a:pPr>
+            <a:r>
+              <a:rPr lang="ru-RU" dirty="0" smtClean="0">
+                <a:solidFill>
+                  <a:srgbClr val="800080"/>
+                </a:solidFill>
+              </a:rPr>
+              <a:t> </a:t>
+            </a:r>
+            <a:r>
+              <a:rPr lang="ru-RU" dirty="0" smtClean="0">
+                <a:solidFill>
+                  <a:srgbClr val="800080"/>
+                </a:solidFill>
+              </a:rPr>
+              <a:t>      </a:t>
+            </a:r>
+            <a:r>
+              <a:rPr lang="en-US" dirty="0" smtClean="0"/>
+              <a:t> </a:t>
+            </a:r>
+            <a:r>
+              <a:rPr lang="en-US" b="1" dirty="0" smtClean="0">
+                <a:solidFill>
+                  <a:srgbClr val="800000"/>
+                </a:solidFill>
+              </a:rPr>
+              <a:t>return</a:t>
+            </a:r>
+            <a:r>
+              <a:rPr lang="en-US" dirty="0" smtClean="0"/>
+              <a:t> NULL</a:t>
+            </a:r>
+            <a:r>
+              <a:rPr lang="en-US" dirty="0" smtClean="0">
+                <a:solidFill>
+                  <a:srgbClr val="800080"/>
+                </a:solidFill>
+              </a:rPr>
+              <a:t>;</a:t>
+            </a:r>
+            <a:endParaRPr lang="ru-RU" dirty="0" smtClean="0">
+              <a:solidFill>
+                <a:srgbClr val="800080"/>
+              </a:solidFill>
+            </a:endParaRPr>
+          </a:p>
+          <a:p>
+            <a:pPr>
+              <a:buNone/>
+            </a:pPr>
+            <a:r>
+              <a:rPr lang="en-US" dirty="0" smtClean="0">
+                <a:solidFill>
+                  <a:srgbClr val="800080"/>
+                </a:solidFill>
+              </a:rPr>
+              <a:t>}</a:t>
+            </a:r>
+            <a:endParaRPr lang="ru-RU" dirty="0" smtClean="0">
+              <a:solidFill>
+                <a:srgbClr val="800080"/>
+              </a:solidFill>
+            </a:endParaRPr>
+          </a:p>
+          <a:p>
+            <a:pPr>
+              <a:buNone/>
+            </a:pPr>
+            <a:r>
+              <a:rPr lang="en-US" dirty="0" smtClean="0"/>
+              <a:t>void* thread2(void* </a:t>
+            </a:r>
+            <a:r>
+              <a:rPr lang="en-US" dirty="0" err="1" smtClean="0"/>
+              <a:t>args</a:t>
+            </a:r>
+            <a:r>
+              <a:rPr lang="en-US" dirty="0" smtClean="0"/>
+              <a:t>) </a:t>
+            </a:r>
+            <a:r>
+              <a:rPr lang="en-US" dirty="0" smtClean="0">
+                <a:solidFill>
+                  <a:srgbClr val="800080"/>
+                </a:solidFill>
+              </a:rPr>
+              <a:t>{</a:t>
+            </a:r>
+            <a:endParaRPr lang="ru-RU" dirty="0" smtClean="0">
+              <a:solidFill>
+                <a:srgbClr val="800080"/>
+              </a:solidFill>
+            </a:endParaRPr>
+          </a:p>
+          <a:p>
+            <a:pPr>
+              <a:buNone/>
+            </a:pPr>
+            <a:r>
+              <a:rPr lang="ru-RU" dirty="0" smtClean="0">
+                <a:solidFill>
+                  <a:srgbClr val="800080"/>
+                </a:solidFill>
+              </a:rPr>
+              <a:t> </a:t>
+            </a:r>
+            <a:r>
+              <a:rPr lang="ru-RU" dirty="0" smtClean="0">
+                <a:solidFill>
+                  <a:srgbClr val="800080"/>
+                </a:solidFill>
+              </a:rPr>
+              <a:t>      </a:t>
+            </a:r>
+            <a:r>
+              <a:rPr lang="en-US" dirty="0" smtClean="0"/>
+              <a:t> </a:t>
+            </a:r>
+            <a:r>
+              <a:rPr lang="en-US" dirty="0" err="1" smtClean="0"/>
+              <a:t>pthread_mutex_lock</a:t>
+            </a:r>
+            <a:r>
+              <a:rPr lang="en-US" dirty="0" smtClean="0">
+                <a:solidFill>
+                  <a:srgbClr val="808030"/>
+                </a:solidFill>
+              </a:rPr>
+              <a:t>(&amp;</a:t>
+            </a:r>
+            <a:r>
+              <a:rPr lang="en-US" dirty="0" err="1" smtClean="0"/>
+              <a:t>global_mutex</a:t>
+            </a:r>
+            <a:r>
+              <a:rPr lang="en-US" dirty="0" smtClean="0">
+                <a:solidFill>
+                  <a:srgbClr val="808030"/>
+                </a:solidFill>
+              </a:rPr>
+              <a:t>)</a:t>
+            </a:r>
+            <a:r>
+              <a:rPr lang="en-US" dirty="0" smtClean="0">
+                <a:solidFill>
+                  <a:srgbClr val="800080"/>
+                </a:solidFill>
+              </a:rPr>
+              <a:t>;</a:t>
+            </a:r>
+            <a:endParaRPr lang="ru-RU" dirty="0" smtClean="0">
+              <a:solidFill>
+                <a:srgbClr val="800080"/>
+              </a:solidFill>
+            </a:endParaRPr>
+          </a:p>
+          <a:p>
+            <a:pPr>
+              <a:buNone/>
+            </a:pPr>
+            <a:r>
+              <a:rPr lang="ru-RU" dirty="0" smtClean="0">
+                <a:solidFill>
+                  <a:srgbClr val="800080"/>
+                </a:solidFill>
+              </a:rPr>
+              <a:t> </a:t>
+            </a:r>
+            <a:r>
+              <a:rPr lang="ru-RU" dirty="0" smtClean="0">
+                <a:solidFill>
+                  <a:srgbClr val="800080"/>
+                </a:solidFill>
+              </a:rPr>
+              <a:t>      </a:t>
+            </a:r>
+            <a:r>
+              <a:rPr lang="en-US" dirty="0" smtClean="0"/>
+              <a:t> </a:t>
+            </a:r>
+            <a:r>
+              <a:rPr lang="en-US" dirty="0" err="1" smtClean="0"/>
+              <a:t>global_mutex</a:t>
+            </a:r>
+            <a:r>
+              <a:rPr lang="en-US" dirty="0" smtClean="0">
+                <a:solidFill>
+                  <a:srgbClr val="808030"/>
+                </a:solidFill>
+              </a:rPr>
+              <a:t>++</a:t>
+            </a:r>
+            <a:r>
+              <a:rPr lang="en-US" dirty="0" smtClean="0">
+                <a:solidFill>
+                  <a:srgbClr val="800080"/>
+                </a:solidFill>
+              </a:rPr>
+              <a:t>;</a:t>
+            </a:r>
+            <a:endParaRPr lang="ru-RU" dirty="0" smtClean="0">
+              <a:solidFill>
+                <a:srgbClr val="800080"/>
+              </a:solidFill>
+            </a:endParaRPr>
+          </a:p>
+          <a:p>
+            <a:pPr>
+              <a:buNone/>
+            </a:pPr>
+            <a:r>
+              <a:rPr lang="ru-RU" dirty="0" smtClean="0">
+                <a:solidFill>
+                  <a:srgbClr val="800080"/>
+                </a:solidFill>
+              </a:rPr>
+              <a:t> </a:t>
+            </a:r>
+            <a:r>
+              <a:rPr lang="ru-RU" dirty="0" smtClean="0">
+                <a:solidFill>
+                  <a:srgbClr val="800080"/>
+                </a:solidFill>
+              </a:rPr>
+              <a:t>      </a:t>
+            </a:r>
+            <a:r>
+              <a:rPr lang="en-US" dirty="0" smtClean="0"/>
+              <a:t> </a:t>
+            </a:r>
+            <a:r>
+              <a:rPr lang="en-US" dirty="0" err="1" smtClean="0"/>
+              <a:t>pthread_mutex_unlock</a:t>
+            </a:r>
+            <a:r>
+              <a:rPr lang="en-US" dirty="0" smtClean="0">
+                <a:solidFill>
+                  <a:srgbClr val="808030"/>
+                </a:solidFill>
+              </a:rPr>
+              <a:t>(&amp;</a:t>
+            </a:r>
+            <a:r>
+              <a:rPr lang="en-US" dirty="0" err="1" smtClean="0"/>
+              <a:t>global_mutex</a:t>
+            </a:r>
+            <a:r>
+              <a:rPr lang="en-US" dirty="0" smtClean="0">
+                <a:solidFill>
+                  <a:srgbClr val="808030"/>
+                </a:solidFill>
+              </a:rPr>
+              <a:t>)</a:t>
+            </a:r>
+            <a:r>
+              <a:rPr lang="en-US" dirty="0" smtClean="0">
+                <a:solidFill>
+                  <a:srgbClr val="800080"/>
+                </a:solidFill>
+              </a:rPr>
+              <a:t>;</a:t>
+            </a:r>
+            <a:endParaRPr lang="ru-RU" dirty="0" smtClean="0">
+              <a:solidFill>
+                <a:srgbClr val="800080"/>
+              </a:solidFill>
+            </a:endParaRPr>
+          </a:p>
+          <a:p>
+            <a:pPr>
+              <a:buNone/>
+            </a:pPr>
+            <a:r>
+              <a:rPr lang="ru-RU" dirty="0" smtClean="0">
+                <a:solidFill>
+                  <a:srgbClr val="800080"/>
+                </a:solidFill>
+              </a:rPr>
+              <a:t> </a:t>
+            </a:r>
+            <a:r>
+              <a:rPr lang="ru-RU" dirty="0" smtClean="0">
+                <a:solidFill>
+                  <a:srgbClr val="800080"/>
+                </a:solidFill>
+              </a:rPr>
+              <a:t>      </a:t>
+            </a:r>
+            <a:r>
+              <a:rPr lang="en-US" dirty="0" smtClean="0"/>
+              <a:t> </a:t>
+            </a:r>
+            <a:r>
+              <a:rPr lang="en-US" b="1" dirty="0" smtClean="0">
+                <a:solidFill>
+                  <a:srgbClr val="800000"/>
+                </a:solidFill>
+              </a:rPr>
+              <a:t>return</a:t>
+            </a:r>
+            <a:r>
+              <a:rPr lang="en-US" dirty="0" smtClean="0"/>
+              <a:t> NULL</a:t>
+            </a:r>
+            <a:r>
+              <a:rPr lang="en-US" dirty="0" smtClean="0">
+                <a:solidFill>
+                  <a:srgbClr val="800080"/>
+                </a:solidFill>
+              </a:rPr>
+              <a:t>;</a:t>
+            </a:r>
+            <a:endParaRPr lang="ru-RU" dirty="0" smtClean="0">
+              <a:solidFill>
+                <a:srgbClr val="800080"/>
+              </a:solidFill>
+            </a:endParaRPr>
+          </a:p>
+          <a:p>
+            <a:pPr>
+              <a:buNone/>
+            </a:pPr>
+            <a:r>
+              <a:rPr lang="en-US" dirty="0" smtClean="0">
+                <a:solidFill>
+                  <a:srgbClr val="800080"/>
+                </a:solidFill>
+              </a:rPr>
+              <a:t>}</a:t>
+            </a:r>
+            <a:endParaRPr lang="ru-RU" dirty="0"/>
+          </a:p>
+        </p:txBody>
+      </p:sp>
+      <p:sp>
+        <p:nvSpPr>
+          <p:cNvPr id="4" name="Номер слайда 3"/>
+          <p:cNvSpPr>
+            <a:spLocks noGrp="1"/>
+          </p:cNvSpPr>
+          <p:nvPr>
+            <p:ph type="sldNum" sz="quarter" idx="12"/>
+          </p:nvPr>
+        </p:nvSpPr>
+        <p:spPr/>
+        <p:txBody>
+          <a:bodyPr/>
+          <a:lstStyle/>
+          <a:p>
+            <a:fld id="{6ACCCD26-A6AD-4D04-8A48-0C02F87992A0}" type="slidenum">
+              <a:rPr lang="ru-RU" smtClean="0"/>
+              <a:pPr/>
+              <a:t>25</a:t>
+            </a:fld>
+            <a:endParaRPr lang="ru-RU"/>
+          </a:p>
+        </p:txBody>
+      </p:sp>
+    </p:spTree>
+  </p:cSld>
+  <p:clrMapOvr>
+    <a:masterClrMapping/>
+  </p:clrMapOvr>
+</p:sld>
+</file>
+
+<file path=ppt/slides/slide26.xml><?xml version="1.0" encoding="utf-8"?>
+<p:sld xmlns:a="http://schemas.openxmlformats.org/drawingml/2006/main" xmlns:r="http://schemas.openxmlformats.org/officeDocument/2006/relationships" xmlns:p="http://schemas.openxmlformats.org/presentationml/2006/main">
+  <p:cSld>
+    <p:spTree>
+      <p:nvGrpSpPr>
+        <p:cNvPr id="1" name=""/>
+        <p:cNvGrpSpPr/>
+        <p:nvPr/>
+      </p:nvGrpSpPr>
+      <p:grpSpPr>
+        <a:xfrm>
+          <a:off x="0" y="0"/>
+          <a:ext cx="0" cy="0"/>
+          <a:chOff x="0" y="0"/>
+          <a:chExt cx="0" cy="0"/>
+        </a:xfrm>
+      </p:grpSpPr>
+      <p:sp>
+        <p:nvSpPr>
+          <p:cNvPr id="2" name="Заголовок 1"/>
+          <p:cNvSpPr>
+            <a:spLocks noGrp="1"/>
+          </p:cNvSpPr>
+          <p:nvPr>
+            <p:ph type="title"/>
+          </p:nvPr>
+        </p:nvSpPr>
+        <p:spPr/>
+        <p:txBody>
+          <a:bodyPr>
+            <a:normAutofit fontScale="90000"/>
+          </a:bodyPr>
+          <a:lstStyle/>
+          <a:p>
+            <a:r>
+              <a:rPr lang="ru-RU" dirty="0" smtClean="0"/>
+              <a:t>Результаты исследований. Программа 4. Отсутствие гонок</a:t>
+            </a:r>
+            <a:endParaRPr lang="ru-RU" dirty="0"/>
+          </a:p>
+        </p:txBody>
+      </p:sp>
+      <p:sp>
+        <p:nvSpPr>
+          <p:cNvPr id="3" name="Содержимое 2"/>
+          <p:cNvSpPr>
+            <a:spLocks noGrp="1"/>
+          </p:cNvSpPr>
+          <p:nvPr>
+            <p:ph idx="1"/>
+          </p:nvPr>
+        </p:nvSpPr>
+        <p:spPr>
+          <a:xfrm>
+            <a:off x="2051720" y="1556792"/>
+            <a:ext cx="5050904" cy="4525963"/>
+          </a:xfrm>
+        </p:spPr>
+        <p:txBody>
+          <a:bodyPr>
+            <a:normAutofit fontScale="47500" lnSpcReduction="20000"/>
+          </a:bodyPr>
+          <a:lstStyle/>
+          <a:p>
+            <a:pPr>
+              <a:buNone/>
+            </a:pPr>
+            <a:r>
+              <a:rPr lang="en-US" b="1" dirty="0" smtClean="0">
+                <a:solidFill>
+                  <a:srgbClr val="7F0055"/>
+                </a:solidFill>
+              </a:rPr>
+              <a:t>static</a:t>
+            </a:r>
+            <a:r>
+              <a:rPr lang="en-US" dirty="0" smtClean="0"/>
+              <a:t> </a:t>
+            </a:r>
+            <a:r>
+              <a:rPr lang="en-US" b="1" dirty="0" smtClean="0">
+                <a:solidFill>
+                  <a:srgbClr val="7F0055"/>
+                </a:solidFill>
+              </a:rPr>
+              <a:t>int</a:t>
+            </a:r>
+            <a:r>
+              <a:rPr lang="en-US" dirty="0" smtClean="0"/>
+              <a:t> flag</a:t>
+            </a:r>
+            <a:r>
+              <a:rPr lang="en-US" dirty="0" smtClean="0"/>
+              <a:t>;</a:t>
+            </a:r>
+            <a:endParaRPr lang="ru-RU" dirty="0" smtClean="0"/>
+          </a:p>
+          <a:p>
+            <a:pPr>
+              <a:buNone/>
+            </a:pPr>
+            <a:r>
+              <a:rPr lang="en-US" b="1" dirty="0" smtClean="0">
+                <a:solidFill>
+                  <a:srgbClr val="7F0055"/>
+                </a:solidFill>
+              </a:rPr>
+              <a:t>static</a:t>
+            </a:r>
+            <a:r>
+              <a:rPr lang="en-US" dirty="0" smtClean="0"/>
+              <a:t> </a:t>
+            </a:r>
+            <a:r>
+              <a:rPr lang="en-US" b="1" dirty="0" smtClean="0">
+                <a:solidFill>
+                  <a:srgbClr val="7F0055"/>
+                </a:solidFill>
+              </a:rPr>
+              <a:t>int</a:t>
+            </a:r>
+            <a:r>
+              <a:rPr lang="en-US" dirty="0" smtClean="0"/>
+              <a:t> global</a:t>
+            </a:r>
+            <a:r>
+              <a:rPr lang="en-US" dirty="0" smtClean="0"/>
+              <a:t>;</a:t>
+            </a:r>
+            <a:endParaRPr lang="ru-RU" dirty="0" smtClean="0"/>
+          </a:p>
+          <a:p>
+            <a:pPr>
+              <a:buNone/>
+            </a:pPr>
+            <a:r>
+              <a:rPr lang="en-US" dirty="0" err="1" smtClean="0"/>
+              <a:t>pthread_mutex_t</a:t>
+            </a:r>
+            <a:r>
+              <a:rPr lang="en-US" dirty="0" smtClean="0"/>
+              <a:t> </a:t>
+            </a:r>
+            <a:r>
+              <a:rPr lang="en-US" dirty="0" err="1" smtClean="0"/>
+              <a:t>flag_mutex</a:t>
+            </a:r>
+            <a:r>
+              <a:rPr lang="en-US" dirty="0" smtClean="0"/>
+              <a:t>, </a:t>
+            </a:r>
+            <a:r>
+              <a:rPr lang="en-US" dirty="0" err="1" smtClean="0"/>
+              <a:t>global_mutex</a:t>
+            </a:r>
+            <a:r>
+              <a:rPr lang="en-US" dirty="0" smtClean="0"/>
+              <a:t>;</a:t>
+            </a:r>
+            <a:endParaRPr lang="ru-RU" dirty="0" smtClean="0"/>
+          </a:p>
+          <a:p>
+            <a:pPr>
+              <a:buNone/>
+            </a:pPr>
+            <a:r>
+              <a:rPr lang="en-US" b="1" dirty="0" smtClean="0">
+                <a:solidFill>
+                  <a:srgbClr val="7F0055"/>
+                </a:solidFill>
+              </a:rPr>
+              <a:t>void</a:t>
+            </a:r>
+            <a:r>
+              <a:rPr lang="en-US" dirty="0" smtClean="0"/>
+              <a:t>* thread1(</a:t>
+            </a:r>
+            <a:r>
+              <a:rPr lang="en-US" b="1" dirty="0" smtClean="0">
+                <a:solidFill>
+                  <a:srgbClr val="7F0055"/>
+                </a:solidFill>
+              </a:rPr>
+              <a:t>void</a:t>
+            </a:r>
+            <a:r>
+              <a:rPr lang="en-US" dirty="0" smtClean="0"/>
+              <a:t>* </a:t>
+            </a:r>
+            <a:r>
+              <a:rPr lang="en-US" dirty="0" err="1" smtClean="0"/>
+              <a:t>args</a:t>
+            </a:r>
+            <a:r>
+              <a:rPr lang="en-US" dirty="0" smtClean="0"/>
+              <a:t>) </a:t>
+            </a:r>
+            <a:r>
+              <a:rPr lang="en-US" dirty="0" smtClean="0"/>
+              <a:t>{</a:t>
+            </a:r>
+            <a:endParaRPr lang="ru-RU" dirty="0" smtClean="0"/>
+          </a:p>
+          <a:p>
+            <a:pPr>
+              <a:buNone/>
+            </a:pPr>
+            <a:r>
+              <a:rPr lang="ru-RU" dirty="0" smtClean="0"/>
+              <a:t> </a:t>
+            </a:r>
+            <a:r>
+              <a:rPr lang="ru-RU" dirty="0" smtClean="0"/>
+              <a:t>       </a:t>
+            </a:r>
+            <a:r>
+              <a:rPr lang="en-US" dirty="0" err="1" smtClean="0"/>
+              <a:t>pthread_mutex_lock</a:t>
+            </a:r>
+            <a:r>
+              <a:rPr lang="en-US" dirty="0" smtClean="0"/>
+              <a:t>(&amp;</a:t>
+            </a:r>
+            <a:r>
+              <a:rPr lang="en-US" dirty="0" err="1" smtClean="0"/>
+              <a:t>flag_mutex</a:t>
+            </a:r>
+            <a:r>
+              <a:rPr lang="en-US" dirty="0" smtClean="0"/>
+              <a:t>);</a:t>
+            </a:r>
+            <a:endParaRPr lang="ru-RU" dirty="0" smtClean="0"/>
+          </a:p>
+          <a:p>
+            <a:pPr>
+              <a:buNone/>
+            </a:pPr>
+            <a:r>
+              <a:rPr lang="ru-RU" dirty="0" smtClean="0"/>
+              <a:t> </a:t>
+            </a:r>
+            <a:r>
+              <a:rPr lang="ru-RU" dirty="0" smtClean="0"/>
+              <a:t>       </a:t>
+            </a:r>
+            <a:r>
+              <a:rPr lang="en-US" dirty="0" err="1" smtClean="0"/>
+              <a:t>pthread_mutex_lock</a:t>
+            </a:r>
+            <a:r>
+              <a:rPr lang="en-US" dirty="0" smtClean="0"/>
+              <a:t>(&amp;</a:t>
+            </a:r>
+            <a:r>
+              <a:rPr lang="en-US" dirty="0" err="1" smtClean="0"/>
+              <a:t>global_mutex</a:t>
+            </a:r>
+            <a:r>
+              <a:rPr lang="en-US" dirty="0" smtClean="0"/>
+              <a:t>);</a:t>
+            </a:r>
+            <a:endParaRPr lang="ru-RU" dirty="0" smtClean="0"/>
+          </a:p>
+          <a:p>
+            <a:pPr>
+              <a:buNone/>
+            </a:pPr>
+            <a:r>
+              <a:rPr lang="ru-RU" b="1" dirty="0" smtClean="0">
+                <a:solidFill>
+                  <a:srgbClr val="7F0055"/>
+                </a:solidFill>
+              </a:rPr>
+              <a:t>        </a:t>
+            </a:r>
+            <a:r>
+              <a:rPr lang="en-US" b="1" dirty="0" smtClean="0">
+                <a:solidFill>
+                  <a:srgbClr val="7F0055"/>
+                </a:solidFill>
+              </a:rPr>
+              <a:t>if</a:t>
+            </a:r>
+            <a:r>
+              <a:rPr lang="en-US" dirty="0" smtClean="0"/>
+              <a:t> </a:t>
+            </a:r>
+            <a:r>
+              <a:rPr lang="en-US" dirty="0" smtClean="0"/>
+              <a:t>(flag) </a:t>
+            </a:r>
+            <a:r>
+              <a:rPr lang="en-US" dirty="0" smtClean="0"/>
+              <a:t>{</a:t>
+            </a:r>
+            <a:endParaRPr lang="ru-RU" dirty="0" smtClean="0"/>
+          </a:p>
+          <a:p>
+            <a:pPr>
+              <a:buNone/>
+            </a:pPr>
+            <a:r>
+              <a:rPr lang="ru-RU" dirty="0" smtClean="0"/>
+              <a:t> </a:t>
+            </a:r>
+            <a:r>
+              <a:rPr lang="ru-RU" dirty="0" smtClean="0"/>
+              <a:t>              </a:t>
+            </a:r>
+            <a:r>
+              <a:rPr lang="en-US" dirty="0" smtClean="0"/>
+              <a:t> </a:t>
+            </a:r>
+            <a:r>
+              <a:rPr lang="en-US" dirty="0" smtClean="0"/>
+              <a:t>global</a:t>
+            </a:r>
+            <a:r>
+              <a:rPr lang="en-US" dirty="0" smtClean="0"/>
+              <a:t>++;</a:t>
+            </a:r>
+            <a:endParaRPr lang="ru-RU" dirty="0" smtClean="0"/>
+          </a:p>
+          <a:p>
+            <a:pPr>
+              <a:buNone/>
+            </a:pPr>
+            <a:r>
+              <a:rPr lang="ru-RU" dirty="0" smtClean="0"/>
+              <a:t> </a:t>
+            </a:r>
+            <a:r>
+              <a:rPr lang="ru-RU" dirty="0" smtClean="0"/>
+              <a:t>              </a:t>
+            </a:r>
+            <a:r>
+              <a:rPr lang="en-US" dirty="0" smtClean="0"/>
+              <a:t> </a:t>
+            </a:r>
+            <a:r>
+              <a:rPr lang="en-US" dirty="0" err="1" smtClean="0"/>
+              <a:t>pthread_mutex_unlock</a:t>
+            </a:r>
+            <a:r>
+              <a:rPr lang="en-US" dirty="0" smtClean="0"/>
+              <a:t>(&amp;</a:t>
+            </a:r>
+            <a:r>
+              <a:rPr lang="en-US" dirty="0" err="1" smtClean="0"/>
+              <a:t>global_mutex</a:t>
+            </a:r>
+            <a:r>
+              <a:rPr lang="en-US" dirty="0" smtClean="0"/>
+              <a:t>);</a:t>
+            </a:r>
+            <a:endParaRPr lang="ru-RU" dirty="0" smtClean="0"/>
+          </a:p>
+          <a:p>
+            <a:pPr>
+              <a:buNone/>
+            </a:pPr>
+            <a:r>
+              <a:rPr lang="ru-RU" dirty="0" smtClean="0"/>
+              <a:t>        </a:t>
+            </a:r>
+            <a:r>
+              <a:rPr lang="en-US" dirty="0" smtClean="0"/>
+              <a:t>}</a:t>
+            </a:r>
+            <a:endParaRPr lang="ru-RU" dirty="0" smtClean="0"/>
+          </a:p>
+          <a:p>
+            <a:pPr>
+              <a:buNone/>
+            </a:pPr>
+            <a:r>
+              <a:rPr lang="ru-RU" dirty="0" smtClean="0"/>
+              <a:t>        </a:t>
+            </a:r>
+            <a:r>
+              <a:rPr lang="en-US" dirty="0" err="1" smtClean="0"/>
+              <a:t>pthread_mutex_unlock</a:t>
+            </a:r>
+            <a:r>
+              <a:rPr lang="en-US" dirty="0" smtClean="0"/>
+              <a:t>(&amp;</a:t>
+            </a:r>
+            <a:r>
+              <a:rPr lang="en-US" dirty="0" err="1" smtClean="0"/>
+              <a:t>flag_mutex</a:t>
+            </a:r>
+            <a:r>
+              <a:rPr lang="en-US" dirty="0" smtClean="0"/>
+              <a:t>);</a:t>
+            </a:r>
+            <a:endParaRPr lang="ru-RU" dirty="0" smtClean="0"/>
+          </a:p>
+          <a:p>
+            <a:pPr>
+              <a:buNone/>
+            </a:pPr>
+            <a:r>
+              <a:rPr lang="ru-RU" dirty="0" smtClean="0"/>
+              <a:t> </a:t>
+            </a:r>
+            <a:r>
+              <a:rPr lang="ru-RU" dirty="0" smtClean="0"/>
+              <a:t>      </a:t>
+            </a:r>
+            <a:r>
+              <a:rPr lang="en-US" dirty="0" smtClean="0"/>
+              <a:t> </a:t>
+            </a:r>
+            <a:r>
+              <a:rPr lang="en-US" b="1" dirty="0" smtClean="0">
+                <a:solidFill>
+                  <a:srgbClr val="7F0055"/>
+                </a:solidFill>
+              </a:rPr>
+              <a:t>return</a:t>
+            </a:r>
+            <a:r>
+              <a:rPr lang="en-US" dirty="0" smtClean="0"/>
+              <a:t> </a:t>
+            </a:r>
+            <a:r>
+              <a:rPr lang="en-US" b="1" dirty="0" smtClean="0">
+                <a:solidFill>
+                  <a:srgbClr val="7F0055"/>
+                </a:solidFill>
+              </a:rPr>
+              <a:t>NULL</a:t>
+            </a:r>
+            <a:r>
+              <a:rPr lang="en-US" dirty="0" smtClean="0"/>
+              <a:t>;</a:t>
+            </a:r>
+            <a:endParaRPr lang="ru-RU" dirty="0" smtClean="0"/>
+          </a:p>
+          <a:p>
+            <a:pPr>
+              <a:buNone/>
+            </a:pPr>
+            <a:r>
+              <a:rPr lang="en-US" dirty="0" smtClean="0"/>
+              <a:t>}</a:t>
+            </a:r>
+            <a:endParaRPr lang="ru-RU" dirty="0" smtClean="0"/>
+          </a:p>
+          <a:p>
+            <a:pPr>
+              <a:buNone/>
+            </a:pPr>
+            <a:r>
+              <a:rPr lang="en-US" b="1" dirty="0" smtClean="0">
+                <a:solidFill>
+                  <a:srgbClr val="7F0055"/>
+                </a:solidFill>
+              </a:rPr>
+              <a:t>void</a:t>
+            </a:r>
+            <a:r>
+              <a:rPr lang="en-US" dirty="0" smtClean="0"/>
+              <a:t>* thread2(</a:t>
+            </a:r>
+            <a:r>
+              <a:rPr lang="en-US" b="1" dirty="0" smtClean="0">
+                <a:solidFill>
+                  <a:srgbClr val="7F0055"/>
+                </a:solidFill>
+              </a:rPr>
+              <a:t>void</a:t>
+            </a:r>
+            <a:r>
+              <a:rPr lang="en-US" dirty="0" smtClean="0"/>
+              <a:t>* </a:t>
+            </a:r>
+            <a:r>
+              <a:rPr lang="en-US" dirty="0" err="1" smtClean="0"/>
+              <a:t>args</a:t>
+            </a:r>
+            <a:r>
+              <a:rPr lang="en-US" dirty="0" smtClean="0"/>
+              <a:t>) </a:t>
+            </a:r>
+            <a:r>
+              <a:rPr lang="en-US" dirty="0" smtClean="0"/>
+              <a:t>{</a:t>
+            </a:r>
+            <a:endParaRPr lang="ru-RU" dirty="0" smtClean="0"/>
+          </a:p>
+          <a:p>
+            <a:pPr>
+              <a:buNone/>
+            </a:pPr>
+            <a:r>
+              <a:rPr lang="ru-RU" dirty="0" smtClean="0"/>
+              <a:t>        </a:t>
+            </a:r>
+            <a:r>
+              <a:rPr lang="en-US" dirty="0" err="1" smtClean="0"/>
+              <a:t>pthread_mutex_lock</a:t>
+            </a:r>
+            <a:r>
+              <a:rPr lang="en-US" dirty="0" smtClean="0"/>
+              <a:t>(&amp;</a:t>
+            </a:r>
+            <a:r>
+              <a:rPr lang="en-US" dirty="0" err="1" smtClean="0"/>
+              <a:t>global_mutex</a:t>
+            </a:r>
+            <a:r>
+              <a:rPr lang="en-US" dirty="0" smtClean="0"/>
+              <a:t>);</a:t>
+            </a:r>
+            <a:endParaRPr lang="ru-RU" dirty="0" smtClean="0"/>
+          </a:p>
+          <a:p>
+            <a:pPr>
+              <a:buNone/>
+            </a:pPr>
+            <a:r>
+              <a:rPr lang="ru-RU" dirty="0" smtClean="0"/>
+              <a:t>        </a:t>
+            </a:r>
+            <a:r>
+              <a:rPr lang="en-US" dirty="0" err="1" smtClean="0"/>
+              <a:t>global_mutex</a:t>
+            </a:r>
+            <a:r>
+              <a:rPr lang="en-US" dirty="0" smtClean="0"/>
+              <a:t>++;</a:t>
+            </a:r>
+            <a:endParaRPr lang="ru-RU" dirty="0" smtClean="0"/>
+          </a:p>
+          <a:p>
+            <a:pPr>
+              <a:buNone/>
+            </a:pPr>
+            <a:r>
+              <a:rPr lang="ru-RU" dirty="0" smtClean="0"/>
+              <a:t> </a:t>
+            </a:r>
+            <a:r>
+              <a:rPr lang="ru-RU" dirty="0" smtClean="0"/>
+              <a:t>      </a:t>
+            </a:r>
+            <a:r>
+              <a:rPr lang="en-US" dirty="0" smtClean="0"/>
+              <a:t> </a:t>
+            </a:r>
+            <a:r>
+              <a:rPr lang="en-US" dirty="0" err="1" smtClean="0"/>
+              <a:t>pthread_mutex_unlock</a:t>
+            </a:r>
+            <a:r>
+              <a:rPr lang="en-US" dirty="0" smtClean="0"/>
+              <a:t>(&amp;</a:t>
+            </a:r>
+            <a:r>
+              <a:rPr lang="en-US" dirty="0" err="1" smtClean="0"/>
+              <a:t>global_mutex</a:t>
+            </a:r>
+            <a:r>
+              <a:rPr lang="en-US" dirty="0" smtClean="0"/>
+              <a:t>);</a:t>
+            </a:r>
+            <a:endParaRPr lang="ru-RU" dirty="0" smtClean="0"/>
+          </a:p>
+          <a:p>
+            <a:pPr>
+              <a:buNone/>
+            </a:pPr>
+            <a:r>
+              <a:rPr lang="ru-RU" b="1" dirty="0" smtClean="0">
+                <a:solidFill>
+                  <a:srgbClr val="7F0055"/>
+                </a:solidFill>
+              </a:rPr>
+              <a:t>        </a:t>
+            </a:r>
+            <a:r>
+              <a:rPr lang="en-US" b="1" dirty="0" smtClean="0">
+                <a:solidFill>
+                  <a:srgbClr val="7F0055"/>
+                </a:solidFill>
+              </a:rPr>
+              <a:t>return</a:t>
+            </a:r>
+            <a:r>
+              <a:rPr lang="en-US" dirty="0" smtClean="0"/>
+              <a:t> </a:t>
+            </a:r>
+            <a:r>
+              <a:rPr lang="en-US" b="1" dirty="0" smtClean="0">
+                <a:solidFill>
+                  <a:srgbClr val="7F0055"/>
+                </a:solidFill>
+              </a:rPr>
+              <a:t>NULL</a:t>
+            </a:r>
+            <a:r>
+              <a:rPr lang="en-US" dirty="0" smtClean="0"/>
+              <a:t>;</a:t>
+            </a:r>
+            <a:endParaRPr lang="ru-RU" dirty="0" smtClean="0"/>
+          </a:p>
+          <a:p>
+            <a:pPr>
+              <a:buNone/>
+            </a:pPr>
+            <a:r>
+              <a:rPr lang="en-US" dirty="0" smtClean="0"/>
+              <a:t>}</a:t>
+            </a:r>
+            <a:endParaRPr lang="ru-RU" dirty="0"/>
+          </a:p>
+        </p:txBody>
+      </p:sp>
+      <p:sp>
+        <p:nvSpPr>
+          <p:cNvPr id="4" name="Номер слайда 3"/>
+          <p:cNvSpPr>
+            <a:spLocks noGrp="1"/>
+          </p:cNvSpPr>
+          <p:nvPr>
+            <p:ph type="sldNum" sz="quarter" idx="12"/>
+          </p:nvPr>
+        </p:nvSpPr>
+        <p:spPr/>
+        <p:txBody>
+          <a:bodyPr/>
+          <a:lstStyle/>
+          <a:p>
+            <a:fld id="{6ACCCD26-A6AD-4D04-8A48-0C02F87992A0}" type="slidenum">
+              <a:rPr lang="ru-RU" smtClean="0"/>
+              <a:pPr/>
+              <a:t>26</a:t>
+            </a:fld>
+            <a:endParaRPr lang="ru-RU"/>
+          </a:p>
+        </p:txBody>
+      </p:sp>
+    </p:spTree>
+  </p:cSld>
+  <p:clrMapOvr>
+    <a:masterClrMapping/>
+  </p:clrMapOvr>
+</p:sld>
+</file>
+
+<file path=ppt/slides/slide27.xml><?xml version="1.0" encoding="utf-8"?>
+<p:sld xmlns:a="http://schemas.openxmlformats.org/drawingml/2006/main" xmlns:r="http://schemas.openxmlformats.org/officeDocument/2006/relationships" xmlns:p="http://schemas.openxmlformats.org/presentationml/2006/main">
+  <p:cSld>
+    <p:spTree>
+      <p:nvGrpSpPr>
+        <p:cNvPr id="1" name=""/>
+        <p:cNvGrpSpPr/>
+        <p:nvPr/>
+      </p:nvGrpSpPr>
+      <p:grpSpPr>
+        <a:xfrm>
+          <a:off x="0" y="0"/>
+          <a:ext cx="0" cy="0"/>
+          <a:chOff x="0" y="0"/>
+          <a:chExt cx="0" cy="0"/>
+        </a:xfrm>
+      </p:grpSpPr>
+      <p:sp>
+        <p:nvSpPr>
+          <p:cNvPr id="2" name="Заголовок 1"/>
+          <p:cNvSpPr>
+            <a:spLocks noGrp="1"/>
+          </p:cNvSpPr>
+          <p:nvPr>
+            <p:ph type="title"/>
+          </p:nvPr>
+        </p:nvSpPr>
+        <p:spPr/>
+        <p:txBody>
+          <a:bodyPr>
+            <a:normAutofit fontScale="90000"/>
+          </a:bodyPr>
+          <a:lstStyle/>
+          <a:p>
+            <a:r>
+              <a:rPr lang="ru-RU" dirty="0" smtClean="0"/>
+              <a:t>Результаты исследований. Программа 5. Ложное место возникновения гонок.</a:t>
+            </a:r>
+            <a:endParaRPr lang="ru-RU" dirty="0"/>
+          </a:p>
+        </p:txBody>
+      </p:sp>
+      <p:sp>
+        <p:nvSpPr>
+          <p:cNvPr id="3" name="Содержимое 2"/>
+          <p:cNvSpPr>
+            <a:spLocks noGrp="1"/>
+          </p:cNvSpPr>
+          <p:nvPr>
+            <p:ph idx="1"/>
+          </p:nvPr>
+        </p:nvSpPr>
+        <p:spPr>
+          <a:xfrm>
+            <a:off x="2267744" y="1772816"/>
+            <a:ext cx="4690864" cy="4176463"/>
+          </a:xfrm>
+        </p:spPr>
+        <p:txBody>
+          <a:bodyPr>
+            <a:normAutofit fontScale="55000" lnSpcReduction="20000"/>
+          </a:bodyPr>
+          <a:lstStyle/>
+          <a:p>
+            <a:pPr>
+              <a:buNone/>
+            </a:pPr>
+            <a:r>
+              <a:rPr lang="en-US" dirty="0" smtClean="0">
+                <a:solidFill>
+                  <a:srgbClr val="7F0055"/>
+                </a:solidFill>
+              </a:rPr>
+              <a:t>#define LEN 10</a:t>
+            </a:r>
+            <a:r>
+              <a:rPr lang="en-US" dirty="0" smtClean="0">
+                <a:solidFill>
+                  <a:srgbClr val="7F0055"/>
+                </a:solidFill>
+              </a:rPr>
+              <a:t>;</a:t>
+            </a:r>
+            <a:endParaRPr lang="ru-RU" dirty="0" smtClean="0">
+              <a:solidFill>
+                <a:srgbClr val="7F0055"/>
+              </a:solidFill>
+            </a:endParaRPr>
+          </a:p>
+          <a:p>
+            <a:pPr>
+              <a:buNone/>
+            </a:pPr>
+            <a:r>
+              <a:rPr lang="en-US" b="1" dirty="0" smtClean="0">
+                <a:solidFill>
+                  <a:srgbClr val="7F0055"/>
+                </a:solidFill>
+              </a:rPr>
+              <a:t>static</a:t>
+            </a:r>
+            <a:r>
+              <a:rPr lang="en-US" dirty="0" smtClean="0"/>
+              <a:t> </a:t>
+            </a:r>
+            <a:r>
+              <a:rPr lang="en-US" b="1" dirty="0" smtClean="0">
+                <a:solidFill>
+                  <a:srgbClr val="7F0055"/>
+                </a:solidFill>
+              </a:rPr>
+              <a:t>int</a:t>
+            </a:r>
+            <a:r>
+              <a:rPr lang="en-US" dirty="0" smtClean="0"/>
+              <a:t>* </a:t>
+            </a:r>
+            <a:r>
+              <a:rPr lang="en-US" dirty="0" err="1" smtClean="0"/>
+              <a:t>arr</a:t>
+            </a:r>
+            <a:r>
+              <a:rPr lang="en-US" dirty="0" smtClean="0"/>
+              <a:t>;</a:t>
+            </a:r>
+            <a:endParaRPr lang="ru-RU" dirty="0" smtClean="0"/>
+          </a:p>
+          <a:p>
+            <a:pPr>
+              <a:buNone/>
+            </a:pPr>
+            <a:r>
+              <a:rPr lang="en-US" b="1" dirty="0" smtClean="0">
+                <a:solidFill>
+                  <a:srgbClr val="7F0055"/>
+                </a:solidFill>
+              </a:rPr>
+              <a:t>void</a:t>
+            </a:r>
+            <a:r>
+              <a:rPr lang="en-US" dirty="0" smtClean="0"/>
+              <a:t>* thread1(</a:t>
+            </a:r>
+            <a:r>
+              <a:rPr lang="en-US" b="1" dirty="0" smtClean="0">
+                <a:solidFill>
+                  <a:srgbClr val="7F0055"/>
+                </a:solidFill>
+              </a:rPr>
+              <a:t>void</a:t>
+            </a:r>
+            <a:r>
+              <a:rPr lang="en-US" dirty="0" smtClean="0"/>
+              <a:t>* </a:t>
+            </a:r>
+            <a:r>
+              <a:rPr lang="en-US" dirty="0" err="1" smtClean="0"/>
+              <a:t>args</a:t>
+            </a:r>
+            <a:r>
+              <a:rPr lang="en-US" dirty="0" smtClean="0"/>
+              <a:t>) </a:t>
+            </a:r>
+            <a:r>
+              <a:rPr lang="en-US" dirty="0" smtClean="0"/>
+              <a:t>{</a:t>
+            </a:r>
+            <a:endParaRPr lang="ru-RU" dirty="0" smtClean="0"/>
+          </a:p>
+          <a:p>
+            <a:pPr>
+              <a:buNone/>
+            </a:pPr>
+            <a:r>
+              <a:rPr lang="ru-RU" b="1" dirty="0" smtClean="0">
+                <a:solidFill>
+                  <a:srgbClr val="7F0055"/>
+                </a:solidFill>
+              </a:rPr>
+              <a:t>        </a:t>
+            </a:r>
+            <a:r>
+              <a:rPr lang="en-US" b="1" dirty="0" err="1" smtClean="0">
+                <a:solidFill>
+                  <a:srgbClr val="7F0055"/>
+                </a:solidFill>
+              </a:rPr>
+              <a:t>srand</a:t>
+            </a:r>
+            <a:r>
+              <a:rPr lang="en-US" dirty="0" smtClean="0"/>
+              <a:t>(</a:t>
+            </a:r>
+            <a:r>
+              <a:rPr lang="en-US" b="1" dirty="0" smtClean="0">
+                <a:solidFill>
+                  <a:srgbClr val="7F0055"/>
+                </a:solidFill>
+              </a:rPr>
+              <a:t>time</a:t>
+            </a:r>
+            <a:r>
+              <a:rPr lang="en-US" dirty="0" smtClean="0"/>
+              <a:t>(</a:t>
+            </a:r>
+            <a:r>
+              <a:rPr lang="en-US" b="1" dirty="0" smtClean="0">
+                <a:solidFill>
+                  <a:srgbClr val="7F0055"/>
+                </a:solidFill>
+              </a:rPr>
+              <a:t>NULL</a:t>
+            </a:r>
+            <a:r>
+              <a:rPr lang="en-US" dirty="0" smtClean="0"/>
+              <a:t>));</a:t>
+            </a:r>
+            <a:endParaRPr lang="ru-RU" dirty="0" smtClean="0"/>
+          </a:p>
+          <a:p>
+            <a:pPr>
+              <a:buNone/>
+            </a:pPr>
+            <a:r>
+              <a:rPr lang="ru-RU" dirty="0" smtClean="0"/>
+              <a:t> </a:t>
+            </a:r>
+            <a:r>
+              <a:rPr lang="ru-RU" dirty="0" smtClean="0"/>
+              <a:t>      </a:t>
+            </a:r>
+            <a:r>
+              <a:rPr lang="en-US" dirty="0" smtClean="0"/>
+              <a:t> </a:t>
+            </a:r>
+            <a:r>
+              <a:rPr lang="en-US" b="1" dirty="0" smtClean="0">
+                <a:solidFill>
+                  <a:srgbClr val="7F0055"/>
+                </a:solidFill>
+              </a:rPr>
+              <a:t>int</a:t>
+            </a:r>
+            <a:r>
+              <a:rPr lang="en-US" dirty="0" smtClean="0"/>
+              <a:t> i, </a:t>
+            </a:r>
+            <a:r>
+              <a:rPr lang="en-US" dirty="0" err="1" smtClean="0"/>
+              <a:t>idx</a:t>
+            </a:r>
+            <a:r>
+              <a:rPr lang="en-US" dirty="0" smtClean="0"/>
+              <a:t>;</a:t>
+            </a:r>
+            <a:endParaRPr lang="ru-RU" dirty="0" smtClean="0"/>
+          </a:p>
+          <a:p>
+            <a:pPr>
+              <a:buNone/>
+            </a:pPr>
+            <a:r>
+              <a:rPr lang="ru-RU" dirty="0" smtClean="0"/>
+              <a:t> </a:t>
+            </a:r>
+            <a:r>
+              <a:rPr lang="ru-RU" dirty="0" smtClean="0"/>
+              <a:t>      </a:t>
+            </a:r>
+            <a:r>
+              <a:rPr lang="en-US" dirty="0" smtClean="0"/>
+              <a:t> </a:t>
+            </a:r>
+            <a:r>
+              <a:rPr lang="en-US" b="1" dirty="0" smtClean="0">
+                <a:solidFill>
+                  <a:srgbClr val="7F0055"/>
+                </a:solidFill>
+              </a:rPr>
+              <a:t>for</a:t>
+            </a:r>
+            <a:r>
+              <a:rPr lang="en-US" dirty="0" smtClean="0"/>
+              <a:t> (i = 0; i &lt; 3; i++) </a:t>
+            </a:r>
+            <a:r>
+              <a:rPr lang="en-US" dirty="0" smtClean="0"/>
+              <a:t>{</a:t>
+            </a:r>
+            <a:endParaRPr lang="ru-RU" dirty="0" smtClean="0"/>
+          </a:p>
+          <a:p>
+            <a:pPr>
+              <a:buNone/>
+            </a:pPr>
+            <a:r>
+              <a:rPr lang="ru-RU" dirty="0" smtClean="0"/>
+              <a:t> </a:t>
+            </a:r>
+            <a:r>
+              <a:rPr lang="ru-RU" dirty="0" smtClean="0"/>
+              <a:t>              </a:t>
+            </a:r>
+            <a:r>
+              <a:rPr lang="en-US" dirty="0" smtClean="0"/>
+              <a:t> </a:t>
+            </a:r>
+            <a:r>
+              <a:rPr lang="en-US" dirty="0" err="1" smtClean="0"/>
+              <a:t>idx</a:t>
+            </a:r>
+            <a:r>
+              <a:rPr lang="en-US" dirty="0" smtClean="0"/>
+              <a:t> = 1 + </a:t>
+            </a:r>
+            <a:r>
+              <a:rPr lang="en-US" b="1" dirty="0" smtClean="0">
+                <a:solidFill>
+                  <a:srgbClr val="7F0055"/>
+                </a:solidFill>
+              </a:rPr>
+              <a:t>rand</a:t>
+            </a:r>
+            <a:r>
+              <a:rPr lang="en-US" dirty="0" smtClean="0"/>
+              <a:t>() % (LEN - 1</a:t>
+            </a:r>
+            <a:r>
+              <a:rPr lang="en-US" dirty="0" smtClean="0"/>
+              <a:t>);</a:t>
+            </a:r>
+            <a:endParaRPr lang="ru-RU" dirty="0" smtClean="0"/>
+          </a:p>
+          <a:p>
+            <a:pPr>
+              <a:buNone/>
+            </a:pPr>
+            <a:r>
+              <a:rPr lang="ru-RU" dirty="0" smtClean="0"/>
+              <a:t> </a:t>
+            </a:r>
+            <a:r>
+              <a:rPr lang="ru-RU" dirty="0" smtClean="0"/>
+              <a:t>              </a:t>
+            </a:r>
+            <a:r>
+              <a:rPr lang="en-US" dirty="0" smtClean="0"/>
+              <a:t> </a:t>
+            </a:r>
+            <a:r>
+              <a:rPr lang="en-US" dirty="0" err="1" smtClean="0"/>
+              <a:t>arr</a:t>
+            </a:r>
+            <a:r>
+              <a:rPr lang="en-US" dirty="0" smtClean="0"/>
+              <a:t>[</a:t>
+            </a:r>
+            <a:r>
+              <a:rPr lang="en-US" dirty="0" err="1" smtClean="0"/>
+              <a:t>idx</a:t>
+            </a:r>
+            <a:r>
+              <a:rPr lang="en-US" dirty="0" smtClean="0"/>
+              <a:t>]++;</a:t>
+            </a:r>
+            <a:endParaRPr lang="ru-RU" dirty="0" smtClean="0"/>
+          </a:p>
+          <a:p>
+            <a:pPr>
+              <a:buNone/>
+            </a:pPr>
+            <a:r>
+              <a:rPr lang="ru-RU" dirty="0" smtClean="0"/>
+              <a:t> </a:t>
+            </a:r>
+            <a:r>
+              <a:rPr lang="ru-RU" dirty="0" smtClean="0"/>
+              <a:t>      </a:t>
+            </a:r>
+            <a:r>
+              <a:rPr lang="en-US" dirty="0" smtClean="0"/>
+              <a:t> }</a:t>
+            </a:r>
+            <a:endParaRPr lang="ru-RU" dirty="0" smtClean="0"/>
+          </a:p>
+          <a:p>
+            <a:pPr>
+              <a:buNone/>
+            </a:pPr>
+            <a:r>
+              <a:rPr lang="ru-RU" dirty="0" smtClean="0"/>
+              <a:t> </a:t>
+            </a:r>
+            <a:r>
+              <a:rPr lang="ru-RU" dirty="0" smtClean="0"/>
+              <a:t>      </a:t>
+            </a:r>
+            <a:r>
+              <a:rPr lang="en-US" dirty="0" smtClean="0"/>
+              <a:t> </a:t>
+            </a:r>
+            <a:r>
+              <a:rPr lang="en-US" b="1" dirty="0" smtClean="0">
+                <a:solidFill>
+                  <a:srgbClr val="7F0055"/>
+                </a:solidFill>
+              </a:rPr>
+              <a:t>return</a:t>
+            </a:r>
+            <a:r>
+              <a:rPr lang="en-US" dirty="0" smtClean="0"/>
+              <a:t> </a:t>
+            </a:r>
+            <a:r>
+              <a:rPr lang="en-US" b="1" dirty="0" smtClean="0">
+                <a:solidFill>
+                  <a:srgbClr val="7F0055"/>
+                </a:solidFill>
+              </a:rPr>
+              <a:t>NULL</a:t>
+            </a:r>
+            <a:r>
+              <a:rPr lang="en-US" dirty="0" smtClean="0"/>
+              <a:t>;</a:t>
+            </a:r>
+            <a:endParaRPr lang="ru-RU" dirty="0" smtClean="0"/>
+          </a:p>
+          <a:p>
+            <a:pPr>
+              <a:buNone/>
+            </a:pPr>
+            <a:r>
+              <a:rPr lang="en-US" dirty="0" smtClean="0"/>
+              <a:t>}</a:t>
+            </a:r>
+            <a:endParaRPr lang="ru-RU" dirty="0" smtClean="0"/>
+          </a:p>
+          <a:p>
+            <a:pPr>
+              <a:buNone/>
+            </a:pPr>
+            <a:r>
+              <a:rPr lang="en-US" b="1" dirty="0" smtClean="0">
+                <a:solidFill>
+                  <a:srgbClr val="7F0055"/>
+                </a:solidFill>
+              </a:rPr>
+              <a:t>void</a:t>
+            </a:r>
+            <a:r>
+              <a:rPr lang="en-US" dirty="0" smtClean="0"/>
+              <a:t>* thread2(</a:t>
+            </a:r>
+            <a:r>
+              <a:rPr lang="en-US" b="1" dirty="0" smtClean="0">
+                <a:solidFill>
+                  <a:srgbClr val="7F0055"/>
+                </a:solidFill>
+              </a:rPr>
+              <a:t>void</a:t>
+            </a:r>
+            <a:r>
+              <a:rPr lang="en-US" dirty="0" smtClean="0"/>
+              <a:t>* </a:t>
+            </a:r>
+            <a:r>
+              <a:rPr lang="en-US" dirty="0" err="1" smtClean="0"/>
+              <a:t>args</a:t>
+            </a:r>
+            <a:r>
+              <a:rPr lang="en-US" dirty="0" smtClean="0"/>
+              <a:t>) </a:t>
+            </a:r>
+            <a:r>
+              <a:rPr lang="en-US" dirty="0" smtClean="0"/>
+              <a:t>{</a:t>
+            </a:r>
+            <a:endParaRPr lang="ru-RU" dirty="0" smtClean="0"/>
+          </a:p>
+          <a:p>
+            <a:pPr>
+              <a:buNone/>
+            </a:pPr>
+            <a:r>
+              <a:rPr lang="ru-RU" dirty="0" smtClean="0"/>
+              <a:t> </a:t>
+            </a:r>
+            <a:r>
+              <a:rPr lang="ru-RU" dirty="0" smtClean="0"/>
+              <a:t>      </a:t>
+            </a:r>
+            <a:r>
+              <a:rPr lang="en-US" dirty="0" smtClean="0"/>
+              <a:t> </a:t>
+            </a:r>
+            <a:r>
+              <a:rPr lang="en-US" dirty="0" err="1" smtClean="0"/>
+              <a:t>arr</a:t>
+            </a:r>
+            <a:r>
+              <a:rPr lang="en-US" dirty="0" smtClean="0"/>
+              <a:t>[0] = 100</a:t>
+            </a:r>
+            <a:r>
+              <a:rPr lang="en-US" dirty="0" smtClean="0"/>
+              <a:t>;</a:t>
+            </a:r>
+            <a:endParaRPr lang="ru-RU" dirty="0" smtClean="0"/>
+          </a:p>
+          <a:p>
+            <a:pPr>
+              <a:buNone/>
+            </a:pPr>
+            <a:r>
+              <a:rPr lang="ru-RU" dirty="0" smtClean="0"/>
+              <a:t> </a:t>
+            </a:r>
+            <a:r>
+              <a:rPr lang="ru-RU" dirty="0" smtClean="0"/>
+              <a:t>      </a:t>
+            </a:r>
+            <a:r>
+              <a:rPr lang="en-US" dirty="0" smtClean="0"/>
+              <a:t> </a:t>
+            </a:r>
+            <a:r>
+              <a:rPr lang="en-US" b="1" dirty="0" smtClean="0">
+                <a:solidFill>
+                  <a:srgbClr val="7F0055"/>
+                </a:solidFill>
+              </a:rPr>
+              <a:t>return</a:t>
+            </a:r>
+            <a:r>
+              <a:rPr lang="en-US" dirty="0" smtClean="0"/>
+              <a:t> </a:t>
+            </a:r>
+            <a:r>
+              <a:rPr lang="en-US" b="1" dirty="0" smtClean="0">
+                <a:solidFill>
+                  <a:srgbClr val="7F0055"/>
+                </a:solidFill>
+              </a:rPr>
+              <a:t>NULL</a:t>
+            </a:r>
+            <a:r>
+              <a:rPr lang="en-US" dirty="0" smtClean="0"/>
+              <a:t>;</a:t>
+            </a:r>
+            <a:endParaRPr lang="ru-RU" dirty="0" smtClean="0"/>
+          </a:p>
+          <a:p>
+            <a:pPr>
+              <a:buNone/>
+            </a:pPr>
+            <a:r>
+              <a:rPr lang="en-US" dirty="0" smtClean="0"/>
+              <a:t>}</a:t>
+            </a:r>
+            <a:endParaRPr lang="ru-RU" dirty="0"/>
+          </a:p>
+        </p:txBody>
+      </p:sp>
+      <p:sp>
+        <p:nvSpPr>
+          <p:cNvPr id="4" name="Номер слайда 3"/>
+          <p:cNvSpPr>
+            <a:spLocks noGrp="1"/>
+          </p:cNvSpPr>
+          <p:nvPr>
+            <p:ph type="sldNum" sz="quarter" idx="12"/>
+          </p:nvPr>
+        </p:nvSpPr>
+        <p:spPr/>
+        <p:txBody>
+          <a:bodyPr/>
+          <a:lstStyle/>
+          <a:p>
+            <a:fld id="{6ACCCD26-A6AD-4D04-8A48-0C02F87992A0}" type="slidenum">
+              <a:rPr lang="ru-RU" smtClean="0"/>
+              <a:pPr/>
+              <a:t>27</a:t>
+            </a:fld>
+            <a:endParaRPr lang="ru-RU"/>
+          </a:p>
+        </p:txBody>
+      </p:sp>
+    </p:spTree>
+  </p:cSld>
+  <p:clrMapOvr>
+    <a:masterClrMapping/>
+  </p:clrMapOvr>
+</p:sld>
+</file>
+
+<file path=ppt/slides/slide28.xml><?xml version="1.0" encoding="utf-8"?>
+<p:sld xmlns:a="http://schemas.openxmlformats.org/drawingml/2006/main" xmlns:r="http://schemas.openxmlformats.org/officeDocument/2006/relationships" xmlns:p="http://schemas.openxmlformats.org/presentationml/2006/main">
+  <p:cSld>
+    <p:spTree>
+      <p:nvGrpSpPr>
+        <p:cNvPr id="1" name=""/>
+        <p:cNvGrpSpPr/>
+        <p:nvPr/>
+      </p:nvGrpSpPr>
+      <p:grpSpPr>
+        <a:xfrm>
+          <a:off x="0" y="0"/>
+          <a:ext cx="0" cy="0"/>
+          <a:chOff x="0" y="0"/>
+          <a:chExt cx="0" cy="0"/>
+        </a:xfrm>
+      </p:grpSpPr>
+      <p:sp>
+        <p:nvSpPr>
+          <p:cNvPr id="2" name="Заголовок 1"/>
+          <p:cNvSpPr>
+            <a:spLocks noGrp="1"/>
+          </p:cNvSpPr>
+          <p:nvPr>
+            <p:ph type="title"/>
+          </p:nvPr>
+        </p:nvSpPr>
+        <p:spPr/>
+        <p:txBody>
+          <a:bodyPr>
+            <a:normAutofit fontScale="90000"/>
+          </a:bodyPr>
+          <a:lstStyle/>
+          <a:p>
+            <a:r>
+              <a:rPr lang="ru-RU" dirty="0" smtClean="0"/>
+              <a:t>Результаты исследований. Программа 6. Ложное предупреждение</a:t>
+            </a:r>
+            <a:endParaRPr lang="ru-RU" dirty="0"/>
+          </a:p>
+        </p:txBody>
+      </p:sp>
+      <p:sp>
+        <p:nvSpPr>
+          <p:cNvPr id="3" name="Содержимое 2"/>
+          <p:cNvSpPr>
+            <a:spLocks noGrp="1"/>
+          </p:cNvSpPr>
+          <p:nvPr>
+            <p:ph idx="1"/>
+          </p:nvPr>
+        </p:nvSpPr>
+        <p:spPr>
+          <a:xfrm>
+            <a:off x="2339752" y="1916832"/>
+            <a:ext cx="4258816" cy="4525963"/>
+          </a:xfrm>
+        </p:spPr>
+        <p:txBody>
+          <a:bodyPr>
+            <a:noAutofit/>
+          </a:bodyPr>
+          <a:lstStyle/>
+          <a:p>
+            <a:pPr>
+              <a:buNone/>
+            </a:pPr>
+            <a:r>
+              <a:rPr lang="en-US" sz="1050" b="1" dirty="0" smtClean="0">
+                <a:solidFill>
+                  <a:srgbClr val="7F0055"/>
+                </a:solidFill>
+              </a:rPr>
+              <a:t>static</a:t>
+            </a:r>
+            <a:r>
+              <a:rPr lang="en-US" sz="1050" dirty="0" smtClean="0"/>
+              <a:t> </a:t>
+            </a:r>
+            <a:r>
+              <a:rPr lang="en-US" sz="1050" b="1" dirty="0" smtClean="0">
+                <a:solidFill>
+                  <a:srgbClr val="7F0055"/>
+                </a:solidFill>
+              </a:rPr>
+              <a:t>int</a:t>
+            </a:r>
+            <a:r>
+              <a:rPr lang="en-US" sz="1050" dirty="0" smtClean="0"/>
+              <a:t> </a:t>
+            </a:r>
+            <a:r>
+              <a:rPr lang="en-US" sz="1050" dirty="0" smtClean="0"/>
+              <a:t>x</a:t>
+            </a:r>
+            <a:r>
+              <a:rPr lang="ru-RU" sz="1050" dirty="0" smtClean="0"/>
+              <a:t>, </a:t>
+            </a:r>
+            <a:r>
+              <a:rPr lang="en-US" sz="1050" dirty="0" err="1" smtClean="0"/>
+              <a:t>running_threads</a:t>
+            </a:r>
+            <a:r>
+              <a:rPr lang="en-US" sz="1050" dirty="0" smtClean="0"/>
+              <a:t> </a:t>
+            </a:r>
+            <a:r>
+              <a:rPr lang="en-US" sz="1050" dirty="0" smtClean="0"/>
+              <a:t>= 0</a:t>
+            </a:r>
+            <a:r>
+              <a:rPr lang="en-US" sz="1050" dirty="0" smtClean="0"/>
+              <a:t>;</a:t>
+            </a:r>
+            <a:endParaRPr lang="ru-RU" sz="1050" dirty="0" smtClean="0"/>
+          </a:p>
+          <a:p>
+            <a:pPr>
+              <a:buNone/>
+            </a:pPr>
+            <a:r>
+              <a:rPr lang="en-US" sz="1050" dirty="0" err="1" smtClean="0"/>
+              <a:t>pthread_mutex_t</a:t>
+            </a:r>
+            <a:r>
+              <a:rPr lang="en-US" sz="1050" dirty="0" smtClean="0"/>
+              <a:t> </a:t>
+            </a:r>
+            <a:r>
+              <a:rPr lang="en-US" sz="1050" dirty="0" err="1" smtClean="0"/>
+              <a:t>running_mutex</a:t>
+            </a:r>
+            <a:r>
+              <a:rPr lang="en-US" sz="1050" dirty="0" smtClean="0"/>
+              <a:t>, </a:t>
+            </a:r>
+            <a:r>
+              <a:rPr lang="en-US" sz="1050" dirty="0" err="1" smtClean="0"/>
+              <a:t>x_mutex</a:t>
+            </a:r>
+            <a:r>
+              <a:rPr lang="en-US" sz="1050" dirty="0" smtClean="0"/>
+              <a:t>;</a:t>
+            </a:r>
+            <a:endParaRPr lang="ru-RU" sz="1050" dirty="0" smtClean="0"/>
+          </a:p>
+          <a:p>
+            <a:pPr>
+              <a:buNone/>
+            </a:pPr>
+            <a:r>
+              <a:rPr lang="en-US" sz="1050" dirty="0" err="1" smtClean="0"/>
+              <a:t>viod</a:t>
+            </a:r>
+            <a:r>
+              <a:rPr lang="en-US" sz="1050" dirty="0" smtClean="0"/>
+              <a:t>* thread1(</a:t>
+            </a:r>
+            <a:r>
+              <a:rPr lang="en-US" sz="1050" b="1" dirty="0" smtClean="0">
+                <a:solidFill>
+                  <a:srgbClr val="7F0055"/>
+                </a:solidFill>
+              </a:rPr>
+              <a:t>void</a:t>
+            </a:r>
+            <a:r>
+              <a:rPr lang="en-US" sz="1050" dirty="0" smtClean="0"/>
+              <a:t>* </a:t>
+            </a:r>
+            <a:r>
+              <a:rPr lang="en-US" sz="1050" dirty="0" err="1" smtClean="0"/>
+              <a:t>args</a:t>
+            </a:r>
+            <a:r>
+              <a:rPr lang="en-US" sz="1050" dirty="0" smtClean="0"/>
+              <a:t>) </a:t>
+            </a:r>
+            <a:r>
+              <a:rPr lang="en-US" sz="1050" dirty="0" smtClean="0"/>
+              <a:t>{</a:t>
+            </a:r>
+            <a:endParaRPr lang="ru-RU" sz="1050" dirty="0" smtClean="0"/>
+          </a:p>
+          <a:p>
+            <a:pPr>
+              <a:buNone/>
+            </a:pPr>
+            <a:r>
+              <a:rPr lang="ru-RU" sz="1050" dirty="0" smtClean="0"/>
+              <a:t>        </a:t>
+            </a:r>
+            <a:r>
+              <a:rPr lang="en-US" sz="1050" dirty="0" smtClean="0"/>
+              <a:t>x++;</a:t>
+            </a:r>
+            <a:endParaRPr lang="ru-RU" sz="1050" dirty="0" smtClean="0"/>
+          </a:p>
+          <a:p>
+            <a:pPr>
+              <a:buNone/>
+            </a:pPr>
+            <a:r>
+              <a:rPr lang="ru-RU" sz="1050" dirty="0" smtClean="0"/>
+              <a:t> </a:t>
+            </a:r>
+            <a:r>
+              <a:rPr lang="ru-RU" sz="1050" dirty="0" smtClean="0"/>
+              <a:t>      </a:t>
+            </a:r>
+            <a:r>
+              <a:rPr lang="en-US" sz="1050" dirty="0" smtClean="0"/>
+              <a:t> </a:t>
+            </a:r>
+            <a:r>
+              <a:rPr lang="en-US" sz="1050" dirty="0" err="1" smtClean="0"/>
+              <a:t>pthread_mutex_lock</a:t>
+            </a:r>
+            <a:r>
+              <a:rPr lang="en-US" sz="1050" dirty="0" smtClean="0"/>
+              <a:t>(&amp;</a:t>
+            </a:r>
+            <a:r>
+              <a:rPr lang="en-US" sz="1050" dirty="0" err="1" smtClean="0"/>
+              <a:t>running_mutex</a:t>
+            </a:r>
+            <a:r>
+              <a:rPr lang="en-US" sz="1050" dirty="0" smtClean="0"/>
+              <a:t>);</a:t>
+            </a:r>
+            <a:endParaRPr lang="ru-RU" sz="1050" dirty="0" smtClean="0"/>
+          </a:p>
+          <a:p>
+            <a:pPr>
+              <a:buNone/>
+            </a:pPr>
+            <a:r>
+              <a:rPr lang="ru-RU" sz="1050" dirty="0" smtClean="0"/>
+              <a:t> </a:t>
+            </a:r>
+            <a:r>
+              <a:rPr lang="ru-RU" sz="1050" dirty="0" smtClean="0"/>
+              <a:t>      </a:t>
+            </a:r>
+            <a:r>
+              <a:rPr lang="en-US" sz="1050" dirty="0" smtClean="0"/>
+              <a:t> </a:t>
+            </a:r>
+            <a:r>
+              <a:rPr lang="en-US" sz="1050" dirty="0" err="1" smtClean="0"/>
+              <a:t>running_mutex</a:t>
+            </a:r>
+            <a:r>
+              <a:rPr lang="en-US" sz="1050" dirty="0" smtClean="0"/>
+              <a:t>-</a:t>
+            </a:r>
+            <a:r>
+              <a:rPr lang="en-US" sz="1050" dirty="0" smtClean="0"/>
+              <a:t>-;</a:t>
+            </a:r>
+            <a:endParaRPr lang="ru-RU" sz="1050" dirty="0" smtClean="0"/>
+          </a:p>
+          <a:p>
+            <a:pPr>
+              <a:buNone/>
+            </a:pPr>
+            <a:r>
+              <a:rPr lang="ru-RU" sz="1050" dirty="0" smtClean="0"/>
+              <a:t> </a:t>
+            </a:r>
+            <a:r>
+              <a:rPr lang="ru-RU" sz="1050" dirty="0" smtClean="0"/>
+              <a:t>      </a:t>
+            </a:r>
+            <a:r>
+              <a:rPr lang="en-US" sz="1050" dirty="0" smtClean="0"/>
+              <a:t> </a:t>
+            </a:r>
+            <a:r>
+              <a:rPr lang="en-US" sz="1050" dirty="0" err="1" smtClean="0"/>
+              <a:t>pthread_mutex_unlock</a:t>
+            </a:r>
+            <a:r>
+              <a:rPr lang="en-US" sz="1050" dirty="0" smtClean="0"/>
+              <a:t>(&amp;</a:t>
+            </a:r>
+            <a:r>
+              <a:rPr lang="en-US" sz="1050" dirty="0" err="1" smtClean="0"/>
+              <a:t>running_mutex</a:t>
+            </a:r>
+            <a:r>
+              <a:rPr lang="en-US" sz="1050" dirty="0" smtClean="0"/>
+              <a:t>);</a:t>
+            </a:r>
+            <a:endParaRPr lang="ru-RU" sz="1050" dirty="0" smtClean="0"/>
+          </a:p>
+          <a:p>
+            <a:pPr>
+              <a:buNone/>
+            </a:pPr>
+            <a:r>
+              <a:rPr lang="ru-RU" sz="1050" dirty="0" smtClean="0"/>
+              <a:t> </a:t>
+            </a:r>
+            <a:r>
+              <a:rPr lang="ru-RU" sz="1050" dirty="0" smtClean="0"/>
+              <a:t>      </a:t>
+            </a:r>
+            <a:r>
+              <a:rPr lang="en-US" sz="1050" dirty="0" smtClean="0"/>
+              <a:t> </a:t>
+            </a:r>
+            <a:r>
+              <a:rPr lang="en-US" sz="1050" b="1" dirty="0" smtClean="0">
+                <a:solidFill>
+                  <a:srgbClr val="7F0055"/>
+                </a:solidFill>
+              </a:rPr>
+              <a:t>return</a:t>
+            </a:r>
+            <a:r>
+              <a:rPr lang="en-US" sz="1050" dirty="0" smtClean="0"/>
+              <a:t> </a:t>
+            </a:r>
+            <a:r>
+              <a:rPr lang="en-US" sz="1050" b="1" dirty="0" smtClean="0">
+                <a:solidFill>
+                  <a:srgbClr val="7F0055"/>
+                </a:solidFill>
+              </a:rPr>
+              <a:t>NULL</a:t>
+            </a:r>
+            <a:r>
+              <a:rPr lang="en-US" sz="1050" dirty="0" smtClean="0"/>
+              <a:t>;</a:t>
+            </a:r>
+            <a:endParaRPr lang="ru-RU" sz="1050" dirty="0" smtClean="0"/>
+          </a:p>
+          <a:p>
+            <a:pPr>
+              <a:buNone/>
+            </a:pPr>
+            <a:r>
+              <a:rPr lang="en-US" sz="1050" dirty="0" smtClean="0"/>
+              <a:t>}</a:t>
+            </a:r>
+            <a:endParaRPr lang="ru-RU" sz="1050" dirty="0" smtClean="0"/>
+          </a:p>
+          <a:p>
+            <a:pPr>
+              <a:buNone/>
+            </a:pPr>
+            <a:r>
+              <a:rPr lang="en-US" sz="1050" b="1" dirty="0" smtClean="0">
+                <a:solidFill>
+                  <a:srgbClr val="7F0055"/>
+                </a:solidFill>
+              </a:rPr>
+              <a:t>void</a:t>
+            </a:r>
+            <a:r>
+              <a:rPr lang="en-US" sz="1050" dirty="0" smtClean="0"/>
+              <a:t>* thread2(</a:t>
+            </a:r>
+            <a:r>
+              <a:rPr lang="en-US" sz="1050" b="1" dirty="0" smtClean="0">
+                <a:solidFill>
+                  <a:srgbClr val="7F0055"/>
+                </a:solidFill>
+              </a:rPr>
+              <a:t>void</a:t>
+            </a:r>
+            <a:r>
+              <a:rPr lang="en-US" sz="1050" dirty="0" smtClean="0"/>
+              <a:t>* </a:t>
+            </a:r>
+            <a:r>
+              <a:rPr lang="en-US" sz="1050" dirty="0" err="1" smtClean="0"/>
+              <a:t>args</a:t>
+            </a:r>
+            <a:r>
+              <a:rPr lang="en-US" sz="1050" dirty="0" smtClean="0"/>
+              <a:t>) </a:t>
+            </a:r>
+            <a:r>
+              <a:rPr lang="en-US" sz="1050" dirty="0" smtClean="0"/>
+              <a:t>{</a:t>
+            </a:r>
+            <a:endParaRPr lang="ru-RU" sz="1050" dirty="0" smtClean="0"/>
+          </a:p>
+          <a:p>
+            <a:pPr>
+              <a:buNone/>
+            </a:pPr>
+            <a:r>
+              <a:rPr lang="ru-RU" sz="1050" dirty="0" smtClean="0"/>
+              <a:t>        </a:t>
+            </a:r>
+            <a:r>
+              <a:rPr lang="en-US" sz="1050" dirty="0" err="1" smtClean="0"/>
+              <a:t>pthread_mutex_lock</a:t>
+            </a:r>
+            <a:r>
+              <a:rPr lang="en-US" sz="1050" dirty="0" smtClean="0"/>
+              <a:t>(&amp;</a:t>
+            </a:r>
+            <a:r>
+              <a:rPr lang="en-US" sz="1050" dirty="0" err="1" smtClean="0"/>
+              <a:t>x_mutex</a:t>
+            </a:r>
+            <a:r>
+              <a:rPr lang="en-US" sz="1050" dirty="0" smtClean="0"/>
+              <a:t>);</a:t>
+            </a:r>
+            <a:endParaRPr lang="ru-RU" sz="1050" dirty="0" smtClean="0"/>
+          </a:p>
+          <a:p>
+            <a:pPr>
+              <a:buNone/>
+            </a:pPr>
+            <a:r>
+              <a:rPr lang="ru-RU" sz="1050" dirty="0" smtClean="0"/>
+              <a:t> </a:t>
+            </a:r>
+            <a:r>
+              <a:rPr lang="ru-RU" sz="1050" dirty="0" smtClean="0"/>
+              <a:t>      </a:t>
+            </a:r>
+            <a:r>
+              <a:rPr lang="en-US" sz="1050" dirty="0" smtClean="0"/>
+              <a:t> </a:t>
+            </a:r>
+            <a:r>
+              <a:rPr lang="en-US" sz="1050" dirty="0" smtClean="0"/>
+              <a:t>x</a:t>
+            </a:r>
+            <a:r>
+              <a:rPr lang="en-US" sz="1050" dirty="0" smtClean="0"/>
+              <a:t>++;</a:t>
+            </a:r>
+            <a:endParaRPr lang="ru-RU" sz="1050" dirty="0" smtClean="0"/>
+          </a:p>
+          <a:p>
+            <a:pPr>
+              <a:buNone/>
+            </a:pPr>
+            <a:r>
+              <a:rPr lang="ru-RU" sz="1050" dirty="0" smtClean="0"/>
+              <a:t> </a:t>
+            </a:r>
+            <a:r>
+              <a:rPr lang="ru-RU" sz="1050" dirty="0" smtClean="0"/>
+              <a:t>      </a:t>
+            </a:r>
+            <a:r>
+              <a:rPr lang="en-US" sz="1050" dirty="0" smtClean="0"/>
+              <a:t> </a:t>
+            </a:r>
+            <a:r>
+              <a:rPr lang="en-US" sz="1050" dirty="0" err="1" smtClean="0"/>
+              <a:t>pthread_mutex_unlock</a:t>
+            </a:r>
+            <a:r>
+              <a:rPr lang="en-US" sz="1050" dirty="0" smtClean="0"/>
+              <a:t>(&amp;</a:t>
+            </a:r>
+            <a:r>
+              <a:rPr lang="en-US" sz="1050" dirty="0" err="1" smtClean="0"/>
+              <a:t>x_mutex</a:t>
+            </a:r>
+            <a:r>
+              <a:rPr lang="en-US" sz="1050" dirty="0" smtClean="0"/>
+              <a:t>);</a:t>
+            </a:r>
+            <a:endParaRPr lang="ru-RU" sz="1050" dirty="0" smtClean="0"/>
+          </a:p>
+          <a:p>
+            <a:pPr>
+              <a:buNone/>
+            </a:pPr>
+            <a:r>
+              <a:rPr lang="ru-RU" sz="1050" dirty="0" smtClean="0"/>
+              <a:t> </a:t>
+            </a:r>
+            <a:r>
+              <a:rPr lang="ru-RU" sz="1050" dirty="0" smtClean="0"/>
+              <a:t>      </a:t>
+            </a:r>
+            <a:r>
+              <a:rPr lang="en-US" sz="1050" dirty="0" smtClean="0"/>
+              <a:t> </a:t>
+            </a:r>
+            <a:r>
+              <a:rPr lang="en-US" sz="1050" b="1" dirty="0" smtClean="0">
+                <a:solidFill>
+                  <a:srgbClr val="7F0055"/>
+                </a:solidFill>
+              </a:rPr>
+              <a:t>return</a:t>
+            </a:r>
+            <a:r>
+              <a:rPr lang="en-US" sz="1050" dirty="0" smtClean="0"/>
+              <a:t> </a:t>
+            </a:r>
+            <a:r>
+              <a:rPr lang="en-US" sz="1050" b="1" dirty="0" smtClean="0">
+                <a:solidFill>
+                  <a:srgbClr val="7F0055"/>
+                </a:solidFill>
+              </a:rPr>
+              <a:t>NULL</a:t>
+            </a:r>
+            <a:r>
+              <a:rPr lang="en-US" sz="1050" dirty="0" smtClean="0"/>
+              <a:t>;</a:t>
+            </a:r>
+            <a:endParaRPr lang="ru-RU" sz="1050" dirty="0" smtClean="0"/>
+          </a:p>
+          <a:p>
+            <a:pPr>
+              <a:buNone/>
+            </a:pPr>
+            <a:r>
+              <a:rPr lang="en-US" sz="1050" dirty="0" smtClean="0"/>
+              <a:t>}</a:t>
+            </a:r>
+            <a:endParaRPr lang="ru-RU" sz="1050" dirty="0" smtClean="0"/>
+          </a:p>
+          <a:p>
+            <a:pPr>
+              <a:buNone/>
+            </a:pPr>
+            <a:r>
+              <a:rPr lang="en-US" sz="1050" b="1" dirty="0" smtClean="0">
+                <a:solidFill>
+                  <a:srgbClr val="7F0055"/>
+                </a:solidFill>
+              </a:rPr>
+              <a:t>void</a:t>
+            </a:r>
+            <a:r>
+              <a:rPr lang="en-US" sz="1050" dirty="0" smtClean="0"/>
+              <a:t> </a:t>
+            </a:r>
+            <a:r>
+              <a:rPr lang="en-US" sz="1050" b="1" dirty="0" smtClean="0">
+                <a:solidFill>
+                  <a:srgbClr val="7F0055"/>
+                </a:solidFill>
+              </a:rPr>
+              <a:t>main</a:t>
+            </a:r>
+            <a:r>
+              <a:rPr lang="en-US" sz="1050" dirty="0" smtClean="0"/>
+              <a:t>(</a:t>
+            </a:r>
+            <a:r>
+              <a:rPr lang="en-US" sz="1050" b="1" dirty="0" smtClean="0">
+                <a:solidFill>
+                  <a:srgbClr val="7F0055"/>
+                </a:solidFill>
+              </a:rPr>
+              <a:t>int</a:t>
+            </a:r>
+            <a:r>
+              <a:rPr lang="en-US" sz="1050" dirty="0" smtClean="0"/>
+              <a:t> </a:t>
+            </a:r>
+            <a:r>
+              <a:rPr lang="en-US" sz="1050" dirty="0" err="1" smtClean="0"/>
+              <a:t>argc</a:t>
+            </a:r>
+            <a:r>
+              <a:rPr lang="en-US" sz="1050" dirty="0" smtClean="0"/>
+              <a:t>, </a:t>
+            </a:r>
+            <a:r>
+              <a:rPr lang="en-US" sz="1050" b="1" dirty="0" smtClean="0">
+                <a:solidFill>
+                  <a:srgbClr val="7F0055"/>
+                </a:solidFill>
+              </a:rPr>
+              <a:t>char</a:t>
+            </a:r>
+            <a:r>
+              <a:rPr lang="en-US" sz="1050" dirty="0" smtClean="0"/>
+              <a:t>* </a:t>
+            </a:r>
+            <a:r>
+              <a:rPr lang="en-US" sz="1050" dirty="0" err="1" smtClean="0"/>
+              <a:t>argv</a:t>
+            </a:r>
+            <a:r>
+              <a:rPr lang="en-US" sz="1050" dirty="0" smtClean="0"/>
+              <a:t>[]) </a:t>
+            </a:r>
+            <a:r>
+              <a:rPr lang="en-US" sz="1050" dirty="0" smtClean="0"/>
+              <a:t>{</a:t>
+            </a:r>
+            <a:endParaRPr lang="ru-RU" sz="1050" dirty="0" smtClean="0"/>
+          </a:p>
+          <a:p>
+            <a:pPr>
+              <a:buNone/>
+            </a:pPr>
+            <a:r>
+              <a:rPr lang="ru-RU" sz="1050" dirty="0" smtClean="0"/>
+              <a:t>        </a:t>
+            </a:r>
+            <a:r>
+              <a:rPr lang="en-US" sz="1050" dirty="0" err="1" smtClean="0"/>
+              <a:t>pthread_mutex_lock</a:t>
+            </a:r>
+            <a:r>
+              <a:rPr lang="en-US" sz="1050" dirty="0" smtClean="0"/>
+              <a:t>(&amp;</a:t>
+            </a:r>
+            <a:r>
+              <a:rPr lang="en-US" sz="1050" dirty="0" err="1" smtClean="0"/>
+              <a:t>running_mutex</a:t>
+            </a:r>
+            <a:r>
+              <a:rPr lang="en-US" sz="1050" dirty="0" smtClean="0"/>
+              <a:t>);</a:t>
+            </a:r>
+            <a:endParaRPr lang="ru-RU" sz="1050" dirty="0" smtClean="0"/>
+          </a:p>
+          <a:p>
+            <a:pPr>
+              <a:buNone/>
+            </a:pPr>
+            <a:r>
+              <a:rPr lang="ru-RU" sz="1050" dirty="0" smtClean="0"/>
+              <a:t>        </a:t>
+            </a:r>
+            <a:r>
+              <a:rPr lang="en-US" sz="1050" dirty="0" err="1" smtClean="0"/>
+              <a:t>running_threads</a:t>
+            </a:r>
+            <a:r>
+              <a:rPr lang="en-US" sz="1050" dirty="0" smtClean="0"/>
+              <a:t>++;</a:t>
+            </a:r>
+            <a:endParaRPr lang="ru-RU" sz="1050" dirty="0" smtClean="0"/>
+          </a:p>
+          <a:p>
+            <a:pPr>
+              <a:buNone/>
+            </a:pPr>
+            <a:r>
+              <a:rPr lang="ru-RU" sz="1050" dirty="0" smtClean="0"/>
+              <a:t>       </a:t>
+            </a:r>
+            <a:r>
+              <a:rPr lang="en-US" sz="1050" dirty="0" err="1" smtClean="0"/>
+              <a:t>pthread_mutex_unlock</a:t>
+            </a:r>
+            <a:r>
+              <a:rPr lang="en-US" sz="1050" dirty="0" smtClean="0"/>
+              <a:t>(&amp;</a:t>
+            </a:r>
+            <a:r>
+              <a:rPr lang="en-US" sz="1050" dirty="0" err="1" smtClean="0"/>
+              <a:t>running_mutex</a:t>
+            </a:r>
+            <a:r>
+              <a:rPr lang="en-US" sz="1050" dirty="0" smtClean="0"/>
+              <a:t>);</a:t>
+            </a:r>
+            <a:endParaRPr lang="ru-RU" sz="1050" dirty="0" smtClean="0"/>
+          </a:p>
+          <a:p>
+            <a:pPr>
+              <a:buNone/>
+            </a:pPr>
+            <a:r>
+              <a:rPr lang="ru-RU" sz="1050" dirty="0" smtClean="0"/>
+              <a:t> </a:t>
+            </a:r>
+            <a:r>
+              <a:rPr lang="ru-RU" sz="1050" dirty="0" smtClean="0"/>
+              <a:t>     </a:t>
+            </a:r>
+            <a:r>
+              <a:rPr lang="en-US" sz="1050" dirty="0" smtClean="0"/>
+              <a:t> </a:t>
+            </a:r>
+            <a:r>
+              <a:rPr lang="en-US" sz="1050" dirty="0" err="1" smtClean="0"/>
+              <a:t>pthread_create</a:t>
+            </a:r>
+            <a:r>
+              <a:rPr lang="en-US" sz="1050" dirty="0" smtClean="0"/>
+              <a:t>(&amp;threads[0], </a:t>
+            </a:r>
+            <a:r>
+              <a:rPr lang="en-US" sz="1050" b="1" dirty="0" smtClean="0">
+                <a:solidFill>
+                  <a:srgbClr val="7F0055"/>
+                </a:solidFill>
+              </a:rPr>
+              <a:t>NULL</a:t>
+            </a:r>
+            <a:r>
+              <a:rPr lang="en-US" sz="1050" dirty="0" smtClean="0"/>
+              <a:t>, thread1, </a:t>
+            </a:r>
+            <a:r>
+              <a:rPr lang="en-US" sz="1050" b="1" dirty="0" smtClean="0">
+                <a:solidFill>
+                  <a:srgbClr val="7F0055"/>
+                </a:solidFill>
+              </a:rPr>
+              <a:t>NULL</a:t>
+            </a:r>
+            <a:r>
+              <a:rPr lang="en-US" sz="1050" dirty="0" smtClean="0"/>
+              <a:t>);</a:t>
+            </a:r>
+            <a:endParaRPr lang="ru-RU" sz="1050" dirty="0" smtClean="0"/>
+          </a:p>
+          <a:p>
+            <a:pPr>
+              <a:buNone/>
+            </a:pPr>
+            <a:r>
+              <a:rPr lang="ru-RU" sz="1050" dirty="0" smtClean="0"/>
+              <a:t> </a:t>
+            </a:r>
+            <a:r>
+              <a:rPr lang="ru-RU" sz="1050" dirty="0" smtClean="0"/>
+              <a:t>     </a:t>
+            </a:r>
+            <a:r>
+              <a:rPr lang="en-US" sz="1050" dirty="0" smtClean="0"/>
+              <a:t> </a:t>
+            </a:r>
+            <a:r>
+              <a:rPr lang="en-US" sz="1050" b="1" dirty="0" smtClean="0">
+                <a:solidFill>
+                  <a:srgbClr val="7F0055"/>
+                </a:solidFill>
+              </a:rPr>
+              <a:t>while</a:t>
+            </a:r>
+            <a:r>
+              <a:rPr lang="en-US" sz="1050" dirty="0" smtClean="0"/>
+              <a:t> (</a:t>
+            </a:r>
+            <a:r>
+              <a:rPr lang="en-US" sz="1050" dirty="0" err="1" smtClean="0"/>
+              <a:t>running_threads</a:t>
+            </a:r>
+            <a:r>
+              <a:rPr lang="en-US" sz="1050" dirty="0" smtClean="0"/>
+              <a:t> &gt; 0) </a:t>
+            </a:r>
+            <a:endParaRPr lang="ru-RU" sz="1050" dirty="0" smtClean="0"/>
+          </a:p>
+          <a:p>
+            <a:pPr>
+              <a:buNone/>
+            </a:pPr>
+            <a:r>
+              <a:rPr lang="ru-RU" sz="1050" dirty="0" smtClean="0"/>
+              <a:t> </a:t>
+            </a:r>
+            <a:r>
+              <a:rPr lang="ru-RU" sz="1050" dirty="0" smtClean="0"/>
+              <a:t>             </a:t>
+            </a:r>
+            <a:r>
+              <a:rPr lang="en-US" sz="1050" dirty="0" smtClean="0"/>
+              <a:t> </a:t>
+            </a:r>
+            <a:r>
+              <a:rPr lang="en-US" sz="1050" dirty="0" smtClean="0"/>
+              <a:t>sleep(1</a:t>
+            </a:r>
+            <a:r>
+              <a:rPr lang="en-US" sz="1050" dirty="0" smtClean="0"/>
+              <a:t>);</a:t>
+            </a:r>
+            <a:endParaRPr lang="ru-RU" sz="1050" dirty="0" smtClean="0"/>
+          </a:p>
+          <a:p>
+            <a:pPr>
+              <a:buNone/>
+            </a:pPr>
+            <a:r>
+              <a:rPr lang="ru-RU" sz="1050" dirty="0" smtClean="0"/>
+              <a:t>        </a:t>
+            </a:r>
+            <a:r>
+              <a:rPr lang="en-US" sz="1050" dirty="0" err="1" smtClean="0"/>
+              <a:t>pthread_create</a:t>
+            </a:r>
+            <a:r>
+              <a:rPr lang="en-US" sz="1050" dirty="0" smtClean="0"/>
+              <a:t>(&amp;threads[1], </a:t>
+            </a:r>
+            <a:r>
+              <a:rPr lang="en-US" sz="1050" b="1" dirty="0" smtClean="0">
+                <a:solidFill>
+                  <a:srgbClr val="7F0055"/>
+                </a:solidFill>
+              </a:rPr>
+              <a:t>NULL</a:t>
+            </a:r>
+            <a:r>
+              <a:rPr lang="en-US" sz="1050" dirty="0" smtClean="0"/>
+              <a:t>, thread2, </a:t>
+            </a:r>
+            <a:r>
+              <a:rPr lang="en-US" sz="1050" b="1" dirty="0" smtClean="0">
+                <a:solidFill>
+                  <a:srgbClr val="7F0055"/>
+                </a:solidFill>
+              </a:rPr>
+              <a:t>NULL</a:t>
+            </a:r>
+            <a:r>
+              <a:rPr lang="en-US" sz="1050" dirty="0" smtClean="0"/>
+              <a:t>); </a:t>
+            </a:r>
+            <a:endParaRPr lang="ru-RU" sz="1050" dirty="0" smtClean="0"/>
+          </a:p>
+          <a:p>
+            <a:pPr>
+              <a:buNone/>
+            </a:pPr>
+            <a:r>
+              <a:rPr lang="ru-RU" sz="1050" dirty="0" smtClean="0"/>
+              <a:t> </a:t>
+            </a:r>
+            <a:r>
+              <a:rPr lang="ru-RU" sz="1050" dirty="0" smtClean="0"/>
+              <a:t>       </a:t>
+            </a:r>
+            <a:r>
+              <a:rPr lang="en-US" sz="1050" dirty="0" smtClean="0"/>
+              <a:t>…</a:t>
+            </a:r>
+            <a:r>
+              <a:rPr lang="ru-RU" sz="1050" dirty="0" smtClean="0"/>
+              <a:t>.</a:t>
+            </a:r>
+          </a:p>
+          <a:p>
+            <a:pPr>
+              <a:buNone/>
+            </a:pPr>
+            <a:r>
+              <a:rPr lang="en-US" sz="1050" dirty="0" smtClean="0"/>
+              <a:t>}</a:t>
+            </a:r>
+            <a:endParaRPr lang="ru-RU" sz="1050" dirty="0"/>
+          </a:p>
+        </p:txBody>
+      </p:sp>
+      <p:sp>
+        <p:nvSpPr>
+          <p:cNvPr id="4" name="Номер слайда 3"/>
+          <p:cNvSpPr>
+            <a:spLocks noGrp="1"/>
+          </p:cNvSpPr>
+          <p:nvPr>
+            <p:ph type="sldNum" sz="quarter" idx="12"/>
+          </p:nvPr>
+        </p:nvSpPr>
+        <p:spPr/>
+        <p:txBody>
+          <a:bodyPr/>
+          <a:lstStyle/>
+          <a:p>
+            <a:fld id="{6ACCCD26-A6AD-4D04-8A48-0C02F87992A0}" type="slidenum">
+              <a:rPr lang="ru-RU" smtClean="0"/>
+              <a:pPr/>
+              <a:t>28</a:t>
+            </a:fld>
+            <a:endParaRPr lang="ru-RU"/>
+          </a:p>
+        </p:txBody>
+      </p:sp>
+    </p:spTree>
+  </p:cSld>
+  <p:clrMapOvr>
+    <a:masterClrMapping/>
+  </p:clrMapOvr>
 </p:sld>
 </file>
 

--- a/presentations/diplom/static race detection.pptx
+++ b/presentations/diplom/static race detection.pptx
@@ -1082,10 +1082,10 @@
               <a:t>создается только после окончания потока </a:t>
             </a:r>
             <a:r>
-              <a:rPr lang="en-US" baseline="0" smtClean="0"/>
+              <a:rPr lang="en-US" baseline="0" dirty="0" smtClean="0"/>
               <a:t>thread1).</a:t>
             </a:r>
-            <a:endParaRPr lang="ru-RU"/>
+            <a:endParaRPr lang="ru-RU" dirty="0"/>
           </a:p>
         </p:txBody>
       </p:sp>
@@ -7504,10 +7504,29 @@
           <a:lstStyle/>
           <a:p>
             <a:r>
-              <a:rPr lang="ru-RU" dirty="0" smtClean="0"/>
+              <a:rPr lang="ru-RU" smtClean="0"/>
               <a:t>Формирование относительных множеств блокировок</a:t>
             </a:r>
             <a:endParaRPr lang="ru-RU" dirty="0"/>
+          </a:p>
+        </p:txBody>
+      </p:sp>
+      <p:sp>
+        <p:nvSpPr>
+          <p:cNvPr id="13" name="Содержимое 12"/>
+          <p:cNvSpPr>
+            <a:spLocks noGrp="1"/>
+          </p:cNvSpPr>
+          <p:nvPr>
+            <p:ph idx="1"/>
+          </p:nvPr>
+        </p:nvSpPr>
+        <p:spPr/>
+        <p:txBody>
+          <a:bodyPr/>
+          <a:lstStyle/>
+          <a:p>
+            <a:endParaRPr lang="ru-RU"/>
           </a:p>
         </p:txBody>
       </p:sp>
@@ -23034,9 +23053,12 @@
             </a:r>
             <a:r>
               <a:rPr lang="en-US" dirty="0" smtClean="0"/>
-              <a:t>)++;</a:t>
-            </a:r>
-            <a:endParaRPr lang="ru-RU" dirty="0" smtClean="0"/>
+              <a:t>)++; // </a:t>
+            </a:r>
+            <a:r>
+              <a:rPr lang="ru-RU" dirty="0" smtClean="0"/>
+              <a:t>здесь возможна гонка</a:t>
+            </a:r>
           </a:p>
           <a:p>
             <a:pPr>
@@ -23716,11 +23738,30 @@
               </a:rPr>
               <a:t>;</a:t>
             </a:r>
-            <a:endParaRPr lang="ru-RU" dirty="0" smtClean="0">
-              <a:solidFill>
-                <a:srgbClr val="800080"/>
-              </a:solidFill>
-            </a:endParaRPr>
+            <a:r>
+              <a:rPr lang="ru-RU" dirty="0" smtClean="0">
+                <a:solidFill>
+                  <a:srgbClr val="800080"/>
+                </a:solidFill>
+              </a:rPr>
+              <a:t> </a:t>
+            </a:r>
+            <a:r>
+              <a:rPr lang="en-US" dirty="0" smtClean="0">
+                <a:solidFill>
+                  <a:srgbClr val="800080"/>
+                </a:solidFill>
+              </a:rPr>
+              <a:t>// </a:t>
+            </a:r>
+            <a:r>
+              <a:rPr lang="ru-RU" dirty="0" smtClean="0">
+                <a:solidFill>
+                  <a:srgbClr val="800080"/>
+                </a:solidFill>
+              </a:rPr>
+              <a:t>здесь гонки нет</a:t>
+            </a:r>
           </a:p>
           <a:p>
             <a:pPr>
@@ -25242,7 +25283,18 @@
               <a:rPr lang="en-US" dirty="0" smtClean="0"/>
               <a:t>]++;</a:t>
             </a:r>
-            <a:endParaRPr lang="ru-RU" dirty="0" smtClean="0"/>
+            <a:r>
+              <a:rPr lang="ru-RU" dirty="0" smtClean="0"/>
+              <a:t> </a:t>
+            </a:r>
+            <a:r>
+              <a:rPr lang="en-US" dirty="0" smtClean="0"/>
+              <a:t>// </a:t>
+            </a:r>
+            <a:r>
+              <a:rPr lang="ru-RU" dirty="0" smtClean="0"/>
+              <a:t>гонки не будет</a:t>
+            </a:r>
           </a:p>
           <a:p>
             <a:pPr>
@@ -25668,6 +25720,22 @@
             <a:r>
               <a:rPr lang="en-US" sz="1050" dirty="0" smtClean="0"/>
               <a:t>x++;</a:t>
+            </a:r>
+            <a:r>
+              <a:rPr lang="ru-RU" sz="1050" dirty="0" smtClean="0"/>
+              <a:t> </a:t>
+            </a:r>
+            <a:r>
+              <a:rPr lang="en-US" sz="1050" dirty="0" smtClean="0"/>
+              <a:t>// </a:t>
+            </a:r>
+            <a:r>
+              <a:rPr lang="ru-RU" sz="1050" dirty="0" smtClean="0"/>
+              <a:t>гонки </a:t>
+            </a:r>
+            <a:r>
+              <a:rPr lang="ru-RU" sz="1050" smtClean="0"/>
+              <a:t>не будет</a:t>
             </a:r>
             <a:endParaRPr lang="ru-RU" sz="1050" dirty="0" smtClean="0"/>
           </a:p>

--- a/presentations/diplom/static race detection.pptx
+++ b/presentations/diplom/static race detection.pptx
@@ -5,7 +5,7 @@
     <p:sldMasterId id="2147483648" r:id="rId1"/>
   </p:sldMasterIdLst>
   <p:notesMasterIdLst>
-    <p:notesMasterId r:id="rId30"/>
+    <p:notesMasterId r:id="rId31"/>
   </p:notesMasterIdLst>
   <p:sldIdLst>
     <p:sldId id="256" r:id="rId2"/>
@@ -36,6 +36,7 @@
     <p:sldId id="294" r:id="rId27"/>
     <p:sldId id="295" r:id="rId28"/>
     <p:sldId id="296" r:id="rId29"/>
+    <p:sldId id="297" r:id="rId30"/>
   </p:sldIdLst>
   <p:sldSz cx="9144000" cy="6858000" type="screen4x3"/>
   <p:notesSz cx="6858000" cy="9144000"/>
@@ -220,7 +221,7 @@
             <a:fld id="{22010AE4-EAD5-4EEF-A945-6FA18B13F5A9}" type="datetimeFigureOut">
               <a:rPr lang="ru-RU" smtClean="0"/>
               <a:pPr/>
-              <a:t>18.05.2014</a:t>
+              <a:t>19.05.2014</a:t>
             </a:fld>
             <a:endParaRPr lang="ru-RU"/>
           </a:p>
@@ -1303,7 +1304,7 @@
             <a:fld id="{CEA6B14D-0821-4C2C-82CE-9C65F3F9306A}" type="datetime1">
               <a:rPr lang="ru-RU" smtClean="0"/>
               <a:pPr/>
-              <a:t>18.05.2014</a:t>
+              <a:t>19.05.2014</a:t>
             </a:fld>
             <a:endParaRPr lang="ru-RU"/>
           </a:p>
@@ -1470,7 +1471,7 @@
             <a:fld id="{CBF73966-6DAD-453D-A6D4-80080695084C}" type="datetime1">
               <a:rPr lang="ru-RU" smtClean="0"/>
               <a:pPr/>
-              <a:t>18.05.2014</a:t>
+              <a:t>19.05.2014</a:t>
             </a:fld>
             <a:endParaRPr lang="ru-RU"/>
           </a:p>
@@ -1647,7 +1648,7 @@
             <a:fld id="{60C2BD43-7D16-471D-94F4-C9721BB6CC51}" type="datetime1">
               <a:rPr lang="ru-RU" smtClean="0"/>
               <a:pPr/>
-              <a:t>18.05.2014</a:t>
+              <a:t>19.05.2014</a:t>
             </a:fld>
             <a:endParaRPr lang="ru-RU"/>
           </a:p>
@@ -1814,7 +1815,7 @@
             <a:fld id="{96A1ED18-55C5-47E1-806F-C13AC0AFFCDF}" type="datetime1">
               <a:rPr lang="ru-RU" smtClean="0"/>
               <a:pPr/>
-              <a:t>18.05.2014</a:t>
+              <a:t>19.05.2014</a:t>
             </a:fld>
             <a:endParaRPr lang="ru-RU"/>
           </a:p>
@@ -2057,7 +2058,7 @@
             <a:fld id="{80CFC8BC-60B2-4B6B-9C0B-678A51AE4FEC}" type="datetime1">
               <a:rPr lang="ru-RU" smtClean="0"/>
               <a:pPr/>
-              <a:t>18.05.2014</a:t>
+              <a:t>19.05.2014</a:t>
             </a:fld>
             <a:endParaRPr lang="ru-RU"/>
           </a:p>
@@ -2342,7 +2343,7 @@
             <a:fld id="{1A23B688-547F-429C-B0D6-4A07BC3EE575}" type="datetime1">
               <a:rPr lang="ru-RU" smtClean="0"/>
               <a:pPr/>
-              <a:t>18.05.2014</a:t>
+              <a:t>19.05.2014</a:t>
             </a:fld>
             <a:endParaRPr lang="ru-RU"/>
           </a:p>
@@ -2761,7 +2762,7 @@
             <a:fld id="{910FAFDB-CCC7-4071-A914-8DA50D8301B3}" type="datetime1">
               <a:rPr lang="ru-RU" smtClean="0"/>
               <a:pPr/>
-              <a:t>18.05.2014</a:t>
+              <a:t>19.05.2014</a:t>
             </a:fld>
             <a:endParaRPr lang="ru-RU"/>
           </a:p>
@@ -2876,7 +2877,7 @@
             <a:fld id="{09D05F4B-8C57-4A06-9BCC-88C4FEC9DF22}" type="datetime1">
               <a:rPr lang="ru-RU" smtClean="0"/>
               <a:pPr/>
-              <a:t>18.05.2014</a:t>
+              <a:t>19.05.2014</a:t>
             </a:fld>
             <a:endParaRPr lang="ru-RU"/>
           </a:p>
@@ -2968,7 +2969,7 @@
             <a:fld id="{878A6FA8-4AF2-436B-B100-EA1CE8823379}" type="datetime1">
               <a:rPr lang="ru-RU" smtClean="0"/>
               <a:pPr/>
-              <a:t>18.05.2014</a:t>
+              <a:t>19.05.2014</a:t>
             </a:fld>
             <a:endParaRPr lang="ru-RU"/>
           </a:p>
@@ -3242,7 +3243,7 @@
             <a:fld id="{749F6870-1B45-47C5-9E9B-0AB301049281}" type="datetime1">
               <a:rPr lang="ru-RU" smtClean="0"/>
               <a:pPr/>
-              <a:t>18.05.2014</a:t>
+              <a:t>19.05.2014</a:t>
             </a:fld>
             <a:endParaRPr lang="ru-RU"/>
           </a:p>
@@ -3492,7 +3493,7 @@
             <a:fld id="{ECD49713-43BE-464A-99A3-7A440665C9A7}" type="datetime1">
               <a:rPr lang="ru-RU" smtClean="0"/>
               <a:pPr/>
-              <a:t>18.05.2014</a:t>
+              <a:t>19.05.2014</a:t>
             </a:fld>
             <a:endParaRPr lang="ru-RU"/>
           </a:p>
@@ -3702,7 +3703,7 @@
             <a:fld id="{66113E02-8A28-4829-8EC3-8D7A05A958CF}" type="datetime1">
               <a:rPr lang="ru-RU" smtClean="0"/>
               <a:pPr/>
-              <a:t>18.05.2014</a:t>
+              <a:t>19.05.2014</a:t>
             </a:fld>
             <a:endParaRPr lang="ru-RU"/>
           </a:p>
@@ -12139,15 +12140,7 @@
           <a:p>
             <a:r>
               <a:rPr lang="ru-RU" dirty="0" smtClean="0"/>
-              <a:t>Формирование </a:t>
-            </a:r>
-            <a:r>
-              <a:rPr lang="ru-RU" dirty="0" smtClean="0"/>
-              <a:t>таблиц </a:t>
-            </a:r>
-            <a:r>
-              <a:rPr lang="ru-RU" dirty="0" smtClean="0"/>
-              <a:t>защищенного доступа</a:t>
+              <a:t>Формирование таблиц защищенного доступа</a:t>
             </a:r>
             <a:endParaRPr lang="ru-RU" dirty="0"/>
           </a:p>
@@ -13331,17 +13324,7 @@
                 <a:latin typeface="Arial Unicode MS" pitchFamily="34" charset="-128"/>
                 <a:cs typeface="Arial" pitchFamily="34" charset="0"/>
               </a:rPr>
-              <a:t> </a:t>
-            </a:r>
-            <a:r>
-              <a:rPr lang="ru-RU" sz="1400" dirty="0" smtClean="0">
-                <a:solidFill>
-                  <a:srgbClr val="800080"/>
-                </a:solidFill>
-                <a:latin typeface="Arial Unicode MS" pitchFamily="34" charset="-128"/>
-                <a:cs typeface="Arial" pitchFamily="34" charset="0"/>
-              </a:rPr>
-              <a:t>       </a:t>
+              <a:t>        </a:t>
             </a:r>
             <a:r>
               <a:rPr kumimoji="0" lang="ru-RU" sz="1400" b="0" i="0" u="none" strike="noStrike" cap="none" normalizeH="0" baseline="0" dirty="0" smtClean="0">
@@ -13485,17 +13468,7 @@
                 <a:latin typeface="Arial Unicode MS" pitchFamily="34" charset="-128"/>
                 <a:cs typeface="Arial" pitchFamily="34" charset="0"/>
               </a:rPr>
-              <a:t> </a:t>
-            </a:r>
-            <a:r>
-              <a:rPr lang="ru-RU" sz="1400" dirty="0" smtClean="0">
-                <a:solidFill>
-                  <a:srgbClr val="800080"/>
-                </a:solidFill>
-                <a:latin typeface="Arial Unicode MS" pitchFamily="34" charset="-128"/>
-                <a:cs typeface="Arial" pitchFamily="34" charset="0"/>
-              </a:rPr>
-              <a:t>       </a:t>
+              <a:t>        </a:t>
             </a:r>
             <a:r>
               <a:rPr kumimoji="0" lang="ru-RU" sz="1400" b="0" i="0" u="none" strike="noStrike" cap="none" normalizeH="0" baseline="0" dirty="0" smtClean="0">
@@ -13579,17 +13552,7 @@
                 <a:latin typeface="Arial Unicode MS" pitchFamily="34" charset="-128"/>
                 <a:cs typeface="Arial" pitchFamily="34" charset="0"/>
               </a:rPr>
-              <a:t> </a:t>
-            </a:r>
-            <a:r>
-              <a:rPr lang="ru-RU" sz="1400" dirty="0" smtClean="0">
-                <a:solidFill>
-                  <a:srgbClr val="800080"/>
-                </a:solidFill>
-                <a:latin typeface="Arial Unicode MS" pitchFamily="34" charset="-128"/>
-                <a:cs typeface="Arial" pitchFamily="34" charset="0"/>
-              </a:rPr>
-              <a:t>      </a:t>
+              <a:t>       </a:t>
             </a:r>
             <a:r>
               <a:rPr kumimoji="0" lang="ru-RU" sz="1400" b="0" i="0" u="none" strike="noStrike" cap="none" normalizeH="0" baseline="0" dirty="0" smtClean="0">
@@ -13645,17 +13608,7 @@
                 <a:latin typeface="Arial Unicode MS" pitchFamily="34" charset="-128"/>
                 <a:cs typeface="Arial" pitchFamily="34" charset="0"/>
               </a:rPr>
-              <a:t> </a:t>
-            </a:r>
-            <a:r>
-              <a:rPr lang="ru-RU" sz="1400" dirty="0" smtClean="0">
-                <a:solidFill>
-                  <a:srgbClr val="696969"/>
-                </a:solidFill>
-                <a:latin typeface="Arial Unicode MS" pitchFamily="34" charset="-128"/>
-                <a:cs typeface="Arial" pitchFamily="34" charset="0"/>
-              </a:rPr>
-              <a:t>      </a:t>
+              <a:t>       </a:t>
             </a:r>
             <a:r>
               <a:rPr kumimoji="0" lang="ru-RU" sz="1400" b="0" i="0" u="none" strike="noStrike" cap="none" normalizeH="0" baseline="0" dirty="0" smtClean="0">
@@ -13725,17 +13678,7 @@
                 <a:latin typeface="Arial Unicode MS" pitchFamily="34" charset="-128"/>
                 <a:cs typeface="Arial" pitchFamily="34" charset="0"/>
               </a:rPr>
-              <a:t> </a:t>
-            </a:r>
-            <a:r>
-              <a:rPr lang="ru-RU" sz="1400" dirty="0" smtClean="0">
-                <a:solidFill>
-                  <a:srgbClr val="696969"/>
-                </a:solidFill>
-                <a:latin typeface="Arial Unicode MS" pitchFamily="34" charset="-128"/>
-                <a:cs typeface="Arial" pitchFamily="34" charset="0"/>
-              </a:rPr>
-              <a:t>      </a:t>
+              <a:t>       </a:t>
             </a:r>
             <a:r>
               <a:rPr kumimoji="0" lang="ru-RU" sz="1400" b="0" i="0" u="none" strike="noStrike" cap="none" normalizeH="0" baseline="0" dirty="0" smtClean="0">
@@ -13833,17 +13776,7 @@
                 <a:latin typeface="Arial Unicode MS" pitchFamily="34" charset="-128"/>
                 <a:cs typeface="Arial" pitchFamily="34" charset="0"/>
               </a:rPr>
-              <a:t> </a:t>
-            </a:r>
-            <a:r>
-              <a:rPr lang="ru-RU" sz="1400" dirty="0" smtClean="0">
-                <a:solidFill>
-                  <a:srgbClr val="000000"/>
-                </a:solidFill>
-                <a:latin typeface="Arial Unicode MS" pitchFamily="34" charset="-128"/>
-                <a:cs typeface="Arial" pitchFamily="34" charset="0"/>
-              </a:rPr>
-              <a:t>       </a:t>
+              <a:t>        </a:t>
             </a:r>
             <a:r>
               <a:rPr kumimoji="0" lang="ru-RU" sz="1400" b="0" i="0" u="none" strike="noStrike" cap="none" normalizeH="0" baseline="0" dirty="0" err="1" smtClean="0">
@@ -14842,17 +14775,7 @@
                 <a:latin typeface="Arial Unicode MS" pitchFamily="34" charset="-128"/>
                 <a:cs typeface="Arial" pitchFamily="34" charset="0"/>
               </a:rPr>
-              <a:t> </a:t>
-            </a:r>
-            <a:r>
-              <a:rPr lang="ru-RU" sz="1400" dirty="0" smtClean="0">
-                <a:solidFill>
-                  <a:srgbClr val="800080"/>
-                </a:solidFill>
-                <a:latin typeface="Arial Unicode MS" pitchFamily="34" charset="-128"/>
-                <a:cs typeface="Arial" pitchFamily="34" charset="0"/>
-              </a:rPr>
-              <a:t>      </a:t>
+              <a:t>       </a:t>
             </a:r>
             <a:r>
               <a:rPr kumimoji="0" lang="ru-RU" sz="1400" b="0" i="0" u="none" strike="noStrike" cap="none" normalizeH="0" baseline="0" dirty="0" smtClean="0">
@@ -14908,17 +14831,7 @@
                 <a:latin typeface="Arial Unicode MS" pitchFamily="34" charset="-128"/>
                 <a:cs typeface="Arial" pitchFamily="34" charset="0"/>
               </a:rPr>
-              <a:t> </a:t>
-            </a:r>
-            <a:r>
-              <a:rPr lang="ru-RU" sz="1400" dirty="0" smtClean="0">
-                <a:solidFill>
-                  <a:srgbClr val="696969"/>
-                </a:solidFill>
-                <a:latin typeface="Arial Unicode MS" pitchFamily="34" charset="-128"/>
-                <a:cs typeface="Arial" pitchFamily="34" charset="0"/>
-              </a:rPr>
-              <a:t>      </a:t>
+              <a:t>       </a:t>
             </a:r>
             <a:r>
               <a:rPr kumimoji="0" lang="ru-RU" sz="1400" b="0" i="0" u="none" strike="noStrike" cap="none" normalizeH="0" baseline="0" dirty="0" smtClean="0">
@@ -15111,17 +15024,7 @@
                 <a:latin typeface="Arial Unicode MS" pitchFamily="34" charset="-128"/>
                 <a:cs typeface="Arial" pitchFamily="34" charset="0"/>
               </a:rPr>
-              <a:t> </a:t>
-            </a:r>
-            <a:r>
-              <a:rPr lang="en-US" sz="1400" dirty="0" smtClean="0">
-                <a:solidFill>
-                  <a:srgbClr val="800080"/>
-                </a:solidFill>
-                <a:latin typeface="Arial Unicode MS" pitchFamily="34" charset="-128"/>
-                <a:cs typeface="Arial" pitchFamily="34" charset="0"/>
-              </a:rPr>
-              <a:t>      </a:t>
+              <a:t>       </a:t>
             </a:r>
             <a:r>
               <a:rPr kumimoji="0" lang="ru-RU" sz="1400" b="0" i="0" u="none" strike="noStrike" cap="none" normalizeH="0" baseline="0" dirty="0" smtClean="0">
@@ -15289,17 +15192,7 @@
                 <a:latin typeface="Arial Unicode MS" pitchFamily="34" charset="-128"/>
                 <a:cs typeface="Arial" pitchFamily="34" charset="0"/>
               </a:rPr>
-              <a:t> </a:t>
-            </a:r>
-            <a:r>
-              <a:rPr lang="ru-RU" sz="1400" dirty="0" smtClean="0">
-                <a:solidFill>
-                  <a:srgbClr val="800080"/>
-                </a:solidFill>
-                <a:latin typeface="Arial Unicode MS" pitchFamily="34" charset="-128"/>
-                <a:cs typeface="Arial" pitchFamily="34" charset="0"/>
-              </a:rPr>
-              <a:t>      </a:t>
+              <a:t>       </a:t>
             </a:r>
             <a:r>
               <a:rPr kumimoji="0" lang="ru-RU" sz="1400" b="0" i="0" u="none" strike="noStrike" cap="none" normalizeH="0" baseline="0" dirty="0" smtClean="0">
@@ -15355,17 +15248,7 @@
                 <a:latin typeface="Arial Unicode MS" pitchFamily="34" charset="-128"/>
                 <a:cs typeface="Arial" pitchFamily="34" charset="0"/>
               </a:rPr>
-              <a:t> </a:t>
-            </a:r>
-            <a:r>
-              <a:rPr lang="ru-RU" sz="1400" dirty="0" smtClean="0">
-                <a:solidFill>
-                  <a:srgbClr val="696969"/>
-                </a:solidFill>
-                <a:latin typeface="Arial Unicode MS" pitchFamily="34" charset="-128"/>
-                <a:cs typeface="Arial" pitchFamily="34" charset="0"/>
-              </a:rPr>
-              <a:t>      </a:t>
+              <a:t>       </a:t>
             </a:r>
             <a:r>
               <a:rPr kumimoji="0" lang="ru-RU" sz="1400" b="0" i="0" u="none" strike="noStrike" cap="none" normalizeH="0" baseline="0" dirty="0" smtClean="0">
@@ -15449,17 +15332,7 @@
                 <a:latin typeface="Arial Unicode MS" pitchFamily="34" charset="-128"/>
                 <a:cs typeface="Arial" pitchFamily="34" charset="0"/>
               </a:rPr>
-              <a:t> </a:t>
-            </a:r>
-            <a:r>
-              <a:rPr lang="ru-RU" sz="1400" dirty="0" smtClean="0">
-                <a:solidFill>
-                  <a:srgbClr val="696969"/>
-                </a:solidFill>
-                <a:latin typeface="Arial Unicode MS" pitchFamily="34" charset="-128"/>
-                <a:cs typeface="Arial" pitchFamily="34" charset="0"/>
-              </a:rPr>
-              <a:t>      </a:t>
+              <a:t>       </a:t>
             </a:r>
             <a:r>
               <a:rPr kumimoji="0" lang="ru-RU" sz="1400" b="0" i="0" u="none" strike="noStrike" cap="none" normalizeH="0" baseline="0" dirty="0" smtClean="0">
@@ -15543,17 +15416,7 @@
                 <a:latin typeface="Arial Unicode MS" pitchFamily="34" charset="-128"/>
                 <a:cs typeface="Arial" pitchFamily="34" charset="0"/>
               </a:rPr>
-              <a:t> </a:t>
-            </a:r>
-            <a:r>
-              <a:rPr lang="ru-RU" sz="1400" dirty="0" smtClean="0">
-                <a:solidFill>
-                  <a:srgbClr val="696969"/>
-                </a:solidFill>
-                <a:latin typeface="Arial Unicode MS" pitchFamily="34" charset="-128"/>
-                <a:cs typeface="Arial" pitchFamily="34" charset="0"/>
-              </a:rPr>
-              <a:t>      </a:t>
+              <a:t>       </a:t>
             </a:r>
             <a:r>
               <a:rPr kumimoji="0" lang="ru-RU" sz="1400" b="0" i="0" u="none" strike="noStrike" cap="none" normalizeH="0" baseline="0" dirty="0" smtClean="0">
@@ -15637,17 +15500,7 @@
                 <a:latin typeface="Arial Unicode MS" pitchFamily="34" charset="-128"/>
                 <a:cs typeface="Arial" pitchFamily="34" charset="0"/>
               </a:rPr>
-              <a:t> </a:t>
-            </a:r>
-            <a:r>
-              <a:rPr lang="ru-RU" sz="1400" dirty="0" smtClean="0">
-                <a:solidFill>
-                  <a:srgbClr val="696969"/>
-                </a:solidFill>
-                <a:latin typeface="Arial Unicode MS" pitchFamily="34" charset="-128"/>
-                <a:cs typeface="Arial" pitchFamily="34" charset="0"/>
-              </a:rPr>
-              <a:t>      </a:t>
+              <a:t>       </a:t>
             </a:r>
             <a:r>
               <a:rPr kumimoji="0" lang="ru-RU" sz="1400" b="0" i="0" u="none" strike="noStrike" cap="none" normalizeH="0" baseline="0" dirty="0" smtClean="0">
@@ -15815,17 +15668,7 @@
                 <a:latin typeface="Arial Unicode MS" pitchFamily="34" charset="-128"/>
                 <a:cs typeface="Arial" pitchFamily="34" charset="0"/>
               </a:rPr>
-              <a:t> </a:t>
-            </a:r>
-            <a:r>
-              <a:rPr lang="ru-RU" sz="1400" dirty="0" smtClean="0">
-                <a:solidFill>
-                  <a:srgbClr val="800080"/>
-                </a:solidFill>
-                <a:latin typeface="Arial Unicode MS" pitchFamily="34" charset="-128"/>
-                <a:cs typeface="Arial" pitchFamily="34" charset="0"/>
-              </a:rPr>
-              <a:t>      </a:t>
+              <a:t>       </a:t>
             </a:r>
             <a:r>
               <a:rPr kumimoji="0" lang="ru-RU" sz="1400" b="0" i="0" u="none" strike="noStrike" cap="none" normalizeH="0" baseline="0" dirty="0" smtClean="0">
@@ -15881,17 +15724,7 @@
                 <a:latin typeface="Arial Unicode MS" pitchFamily="34" charset="-128"/>
                 <a:cs typeface="Arial" pitchFamily="34" charset="0"/>
               </a:rPr>
-              <a:t> </a:t>
-            </a:r>
-            <a:r>
-              <a:rPr lang="ru-RU" sz="1400" dirty="0" smtClean="0">
-                <a:solidFill>
-                  <a:srgbClr val="696969"/>
-                </a:solidFill>
-                <a:latin typeface="Arial Unicode MS" pitchFamily="34" charset="-128"/>
-                <a:cs typeface="Arial" pitchFamily="34" charset="0"/>
-              </a:rPr>
-              <a:t>      </a:t>
+              <a:t>       </a:t>
             </a:r>
             <a:r>
               <a:rPr kumimoji="0" lang="ru-RU" sz="1400" b="0" i="0" u="none" strike="noStrike" cap="none" normalizeH="0" baseline="0" dirty="0" smtClean="0">
@@ -15975,17 +15808,7 @@
                 <a:latin typeface="Arial Unicode MS" pitchFamily="34" charset="-128"/>
                 <a:cs typeface="Arial" pitchFamily="34" charset="0"/>
               </a:rPr>
-              <a:t> </a:t>
-            </a:r>
-            <a:r>
-              <a:rPr lang="ru-RU" sz="1400" dirty="0" smtClean="0">
-                <a:solidFill>
-                  <a:srgbClr val="696969"/>
-                </a:solidFill>
-                <a:latin typeface="Arial Unicode MS" pitchFamily="34" charset="-128"/>
-                <a:cs typeface="Arial" pitchFamily="34" charset="0"/>
-              </a:rPr>
-              <a:t>      </a:t>
+              <a:t>       </a:t>
             </a:r>
             <a:r>
               <a:rPr kumimoji="0" lang="ru-RU" sz="1400" b="0" i="0" u="none" strike="noStrike" cap="none" normalizeH="0" baseline="0" dirty="0" smtClean="0">
@@ -16069,17 +15892,7 @@
                 <a:latin typeface="Arial Unicode MS" pitchFamily="34" charset="-128"/>
                 <a:cs typeface="Arial" pitchFamily="34" charset="0"/>
               </a:rPr>
-              <a:t> </a:t>
-            </a:r>
-            <a:r>
-              <a:rPr lang="ru-RU" sz="1400" dirty="0" smtClean="0">
-                <a:solidFill>
-                  <a:srgbClr val="696969"/>
-                </a:solidFill>
-                <a:latin typeface="Arial Unicode MS" pitchFamily="34" charset="-128"/>
-                <a:cs typeface="Arial" pitchFamily="34" charset="0"/>
-              </a:rPr>
-              <a:t>      </a:t>
+              <a:t>       </a:t>
             </a:r>
             <a:r>
               <a:rPr kumimoji="0" lang="ru-RU" sz="1400" b="0" i="0" u="none" strike="noStrike" cap="none" normalizeH="0" baseline="0" dirty="0" smtClean="0">
@@ -16852,15 +16665,7 @@
                             <a:schemeClr val="tx1"/>
                           </a:solidFill>
                         </a:rPr>
-                        <a:t>({</a:t>
-                      </a:r>
-                      <a:r>
-                        <a:rPr lang="en-US" sz="1400" dirty="0" smtClean="0">
-                          <a:solidFill>
-                            <a:schemeClr val="tx1"/>
-                          </a:solidFill>
-                        </a:rPr>
-                        <a:t>m2},</a:t>
+                        <a:t>({m2},</a:t>
                       </a:r>
                       <a:r>
                         <a:rPr lang="en-US" sz="1400" baseline="0" dirty="0" smtClean="0">
@@ -16868,15 +16673,7 @@
                             <a:schemeClr val="tx1"/>
                           </a:solidFill>
                         </a:rPr>
-                        <a:t> </a:t>
-                      </a:r>
-                      <a:r>
-                        <a:rPr lang="en-US" sz="1400" baseline="0" dirty="0" smtClean="0">
-                          <a:solidFill>
-                            <a:schemeClr val="tx1"/>
-                          </a:solidFill>
-                        </a:rPr>
-                        <a:t>{})</a:t>
+                        <a:t> {})</a:t>
                       </a:r>
                       <a:endParaRPr lang="ru-RU" sz="1400" dirty="0">
                         <a:solidFill>
@@ -17533,17 +17330,7 @@
                 <a:latin typeface="Arial Unicode MS" pitchFamily="34" charset="-128"/>
                 <a:cs typeface="Arial" pitchFamily="34" charset="0"/>
               </a:rPr>
-              <a:t> </a:t>
-            </a:r>
-            <a:r>
-              <a:rPr lang="ru-RU" sz="1400" dirty="0" smtClean="0">
-                <a:solidFill>
-                  <a:srgbClr val="000000"/>
-                </a:solidFill>
-                <a:latin typeface="Arial Unicode MS" pitchFamily="34" charset="-128"/>
-                <a:cs typeface="Arial" pitchFamily="34" charset="0"/>
-              </a:rPr>
-              <a:t>      </a:t>
+              <a:t>       </a:t>
             </a:r>
             <a:r>
               <a:rPr kumimoji="0" lang="ru-RU" sz="1400" b="0" i="0" u="none" strike="noStrike" cap="none" normalizeH="0" baseline="0" dirty="0" smtClean="0">
@@ -17757,17 +17544,7 @@
                 <a:latin typeface="Arial Unicode MS" pitchFamily="34" charset="-128"/>
                 <a:cs typeface="Arial" pitchFamily="34" charset="0"/>
               </a:rPr>
-              <a:t> </a:t>
-            </a:r>
-            <a:r>
-              <a:rPr lang="ru-RU" sz="1400" dirty="0" smtClean="0">
-                <a:solidFill>
-                  <a:srgbClr val="800080"/>
-                </a:solidFill>
-                <a:latin typeface="Arial Unicode MS" pitchFamily="34" charset="-128"/>
-                <a:cs typeface="Arial" pitchFamily="34" charset="0"/>
-              </a:rPr>
-              <a:t>      </a:t>
+              <a:t>       </a:t>
             </a:r>
             <a:r>
               <a:rPr kumimoji="0" lang="ru-RU" sz="1400" b="0" i="0" u="none" strike="noStrike" cap="none" normalizeH="0" baseline="0" dirty="0" smtClean="0">
@@ -17823,17 +17600,7 @@
                 <a:latin typeface="Arial Unicode MS" pitchFamily="34" charset="-128"/>
                 <a:cs typeface="Arial" pitchFamily="34" charset="0"/>
               </a:rPr>
-              <a:t> </a:t>
-            </a:r>
-            <a:r>
-              <a:rPr lang="ru-RU" sz="1400" dirty="0" smtClean="0">
-                <a:solidFill>
-                  <a:srgbClr val="696969"/>
-                </a:solidFill>
-                <a:latin typeface="Arial Unicode MS" pitchFamily="34" charset="-128"/>
-                <a:cs typeface="Arial" pitchFamily="34" charset="0"/>
-              </a:rPr>
-              <a:t>      </a:t>
+              <a:t>       </a:t>
             </a:r>
             <a:r>
               <a:rPr kumimoji="0" lang="ru-RU" sz="1400" b="0" i="0" u="none" strike="noStrike" cap="none" normalizeH="0" baseline="0" dirty="0" smtClean="0">
@@ -17931,17 +17698,7 @@
                 <a:latin typeface="Arial Unicode MS" pitchFamily="34" charset="-128"/>
                 <a:cs typeface="Arial" pitchFamily="34" charset="0"/>
               </a:rPr>
-              <a:t> </a:t>
-            </a:r>
-            <a:r>
-              <a:rPr lang="ru-RU" sz="1400" dirty="0" smtClean="0">
-                <a:solidFill>
-                  <a:srgbClr val="000000"/>
-                </a:solidFill>
-                <a:latin typeface="Arial Unicode MS" pitchFamily="34" charset="-128"/>
-                <a:cs typeface="Arial" pitchFamily="34" charset="0"/>
-              </a:rPr>
-              <a:t>       </a:t>
+              <a:t>        </a:t>
             </a:r>
             <a:r>
               <a:rPr kumimoji="0" lang="ru-RU" sz="1400" b="0" i="0" u="none" strike="noStrike" cap="none" normalizeH="0" baseline="0" dirty="0" smtClean="0">
@@ -18011,17 +17768,7 @@
                 <a:latin typeface="Arial Unicode MS" pitchFamily="34" charset="-128"/>
                 <a:cs typeface="Arial" pitchFamily="34" charset="0"/>
               </a:rPr>
-              <a:t> </a:t>
-            </a:r>
-            <a:r>
-              <a:rPr lang="ru-RU" sz="1400" dirty="0" smtClean="0">
-                <a:solidFill>
-                  <a:srgbClr val="696969"/>
-                </a:solidFill>
-                <a:latin typeface="Arial Unicode MS" pitchFamily="34" charset="-128"/>
-                <a:cs typeface="Arial" pitchFamily="34" charset="0"/>
-              </a:rPr>
-              <a:t>      </a:t>
+              <a:t>       </a:t>
             </a:r>
             <a:r>
               <a:rPr kumimoji="0" lang="ru-RU" sz="1400" b="0" i="0" u="none" strike="noStrike" cap="none" normalizeH="0" baseline="0" dirty="0" smtClean="0">
@@ -18119,17 +17866,7 @@
                 <a:latin typeface="Arial Unicode MS" pitchFamily="34" charset="-128"/>
                 <a:cs typeface="Arial" pitchFamily="34" charset="0"/>
               </a:rPr>
-              <a:t> </a:t>
-            </a:r>
-            <a:r>
-              <a:rPr lang="ru-RU" sz="1400" dirty="0" smtClean="0">
-                <a:solidFill>
-                  <a:srgbClr val="000000"/>
-                </a:solidFill>
-                <a:latin typeface="Arial Unicode MS" pitchFamily="34" charset="-128"/>
-                <a:cs typeface="Arial" pitchFamily="34" charset="0"/>
-              </a:rPr>
-              <a:t>       </a:t>
+              <a:t>        </a:t>
             </a:r>
             <a:r>
               <a:rPr kumimoji="0" lang="ru-RU" sz="1400" b="0" i="0" u="none" strike="noStrike" cap="none" normalizeH="0" baseline="0" dirty="0" smtClean="0">
@@ -18311,17 +18048,7 @@
                 <a:latin typeface="Arial Unicode MS" pitchFamily="34" charset="-128"/>
                 <a:cs typeface="Arial" pitchFamily="34" charset="0"/>
               </a:rPr>
-              <a:t> </a:t>
-            </a:r>
-            <a:r>
-              <a:rPr lang="ru-RU" sz="1400" dirty="0" smtClean="0">
-                <a:solidFill>
-                  <a:srgbClr val="000000"/>
-                </a:solidFill>
-                <a:latin typeface="Arial Unicode MS" pitchFamily="34" charset="-128"/>
-                <a:cs typeface="Arial" pitchFamily="34" charset="0"/>
-              </a:rPr>
-              <a:t>       </a:t>
+              <a:t>        </a:t>
             </a:r>
             <a:r>
               <a:rPr kumimoji="0" lang="ru-RU" sz="1400" b="0" i="0" u="none" strike="noStrike" cap="none" normalizeH="0" baseline="0" dirty="0" err="1" smtClean="0">
@@ -18489,17 +18216,7 @@
                 <a:latin typeface="Arial Unicode MS" pitchFamily="34" charset="-128"/>
                 <a:cs typeface="Arial" pitchFamily="34" charset="0"/>
               </a:rPr>
-              <a:t> </a:t>
-            </a:r>
-            <a:r>
-              <a:rPr lang="ru-RU" sz="1400" dirty="0" smtClean="0">
-                <a:solidFill>
-                  <a:srgbClr val="000000"/>
-                </a:solidFill>
-                <a:latin typeface="Arial Unicode MS" pitchFamily="34" charset="-128"/>
-                <a:cs typeface="Arial" pitchFamily="34" charset="0"/>
-              </a:rPr>
-              <a:t>       </a:t>
+              <a:t>        </a:t>
             </a:r>
             <a:r>
               <a:rPr kumimoji="0" lang="ru-RU" sz="1400" b="0" i="0" u="none" strike="noStrike" cap="none" normalizeH="0" baseline="0" dirty="0" smtClean="0">
@@ -18541,17 +18258,7 @@
                 <a:latin typeface="Arial Unicode MS" pitchFamily="34" charset="-128"/>
                 <a:cs typeface="Arial" pitchFamily="34" charset="0"/>
               </a:rPr>
-              <a:t> </a:t>
-            </a:r>
-            <a:r>
-              <a:rPr lang="ru-RU" sz="1400" dirty="0" smtClean="0">
-                <a:solidFill>
-                  <a:srgbClr val="696969"/>
-                </a:solidFill>
-                <a:latin typeface="Arial Unicode MS" pitchFamily="34" charset="-128"/>
-                <a:cs typeface="Arial" pitchFamily="34" charset="0"/>
-              </a:rPr>
-              <a:t>       </a:t>
+              <a:t>        </a:t>
             </a:r>
             <a:r>
               <a:rPr kumimoji="0" lang="ru-RU" sz="1400" b="0" i="0" u="none" strike="noStrike" cap="none" normalizeH="0" baseline="0" dirty="0" smtClean="0">
@@ -18635,17 +18342,7 @@
                 <a:latin typeface="Arial Unicode MS" pitchFamily="34" charset="-128"/>
                 <a:cs typeface="Arial" pitchFamily="34" charset="0"/>
               </a:rPr>
-              <a:t> </a:t>
-            </a:r>
-            <a:r>
-              <a:rPr lang="ru-RU" sz="1400" dirty="0" smtClean="0">
-                <a:solidFill>
-                  <a:srgbClr val="000000"/>
-                </a:solidFill>
-                <a:latin typeface="Arial Unicode MS" pitchFamily="34" charset="-128"/>
-                <a:cs typeface="Arial" pitchFamily="34" charset="0"/>
-              </a:rPr>
-              <a:t>       </a:t>
+              <a:t>        </a:t>
             </a:r>
             <a:r>
               <a:rPr kumimoji="0" lang="ru-RU" sz="1400" b="0" i="0" u="none" strike="noStrike" cap="none" normalizeH="0" baseline="0" dirty="0" smtClean="0">
@@ -18715,17 +18412,7 @@
                 <a:latin typeface="Arial Unicode MS" pitchFamily="34" charset="-128"/>
                 <a:cs typeface="Arial" pitchFamily="34" charset="0"/>
               </a:rPr>
-              <a:t> </a:t>
-            </a:r>
-            <a:r>
-              <a:rPr lang="ru-RU" sz="1400" dirty="0" smtClean="0">
-                <a:solidFill>
-                  <a:srgbClr val="696969"/>
-                </a:solidFill>
-                <a:latin typeface="Arial Unicode MS" pitchFamily="34" charset="-128"/>
-                <a:cs typeface="Arial" pitchFamily="34" charset="0"/>
-              </a:rPr>
-              <a:t>      </a:t>
+              <a:t>       </a:t>
             </a:r>
             <a:r>
               <a:rPr kumimoji="0" lang="ru-RU" sz="1400" b="0" i="0" u="none" strike="noStrike" cap="none" normalizeH="0" baseline="0" dirty="0" smtClean="0">
@@ -19509,15 +19196,7 @@
                             <a:schemeClr val="tx1"/>
                           </a:solidFill>
                         </a:rPr>
-                        <a:t>({</a:t>
-                      </a:r>
-                      <a:r>
-                        <a:rPr lang="en-US" sz="1400" dirty="0" smtClean="0">
-                          <a:solidFill>
-                            <a:schemeClr val="tx1"/>
-                          </a:solidFill>
-                        </a:rPr>
-                        <a:t>m1},</a:t>
+                        <a:t>({m1},</a:t>
                       </a:r>
                       <a:r>
                         <a:rPr lang="en-US" sz="1400" baseline="0" dirty="0" smtClean="0">
@@ -19525,15 +19204,7 @@
                             <a:schemeClr val="tx1"/>
                           </a:solidFill>
                         </a:rPr>
-                        <a:t> </a:t>
-                      </a:r>
-                      <a:r>
-                        <a:rPr lang="en-US" sz="1400" baseline="0" dirty="0" smtClean="0">
-                          <a:solidFill>
-                            <a:schemeClr val="tx1"/>
-                          </a:solidFill>
-                        </a:rPr>
-                        <a:t>{})</a:t>
+                        <a:t> {})</a:t>
                       </a:r>
                       <a:endParaRPr lang="ru-RU" sz="1400" dirty="0">
                         <a:solidFill>
@@ -19715,15 +19386,7 @@
                             <a:schemeClr val="tx1"/>
                           </a:solidFill>
                         </a:rPr>
-                        <a:t>({</a:t>
-                      </a:r>
-                      <a:r>
-                        <a:rPr lang="en-US" sz="1400" dirty="0" smtClean="0">
-                          <a:solidFill>
-                            <a:schemeClr val="tx1"/>
-                          </a:solidFill>
-                        </a:rPr>
-                        <a:t>m1},</a:t>
+                        <a:t>({m1},</a:t>
                       </a:r>
                       <a:r>
                         <a:rPr lang="en-US" sz="1400" baseline="0" dirty="0" smtClean="0">
@@ -19731,15 +19394,7 @@
                             <a:schemeClr val="tx1"/>
                           </a:solidFill>
                         </a:rPr>
-                        <a:t> </a:t>
-                      </a:r>
-                      <a:r>
-                        <a:rPr lang="en-US" sz="1400" baseline="0" dirty="0" smtClean="0">
-                          <a:solidFill>
-                            <a:schemeClr val="tx1"/>
-                          </a:solidFill>
-                        </a:rPr>
-                        <a:t>{})</a:t>
+                        <a:t> {})</a:t>
                       </a:r>
                       <a:endParaRPr lang="ru-RU" sz="1400" dirty="0">
                         <a:solidFill>
@@ -21004,15 +20659,7 @@
                             <a:schemeClr val="tx1"/>
                           </a:solidFill>
                         </a:rPr>
-                        <a:t>({</a:t>
-                      </a:r>
-                      <a:r>
-                        <a:rPr lang="en-US" sz="1400" dirty="0" smtClean="0">
-                          <a:solidFill>
-                            <a:schemeClr val="tx1"/>
-                          </a:solidFill>
-                        </a:rPr>
-                        <a:t>m2},</a:t>
+                        <a:t>({m2},</a:t>
                       </a:r>
                       <a:r>
                         <a:rPr lang="en-US" sz="1400" baseline="0" dirty="0" smtClean="0">
@@ -21020,15 +20667,7 @@
                             <a:schemeClr val="tx1"/>
                           </a:solidFill>
                         </a:rPr>
-                        <a:t> </a:t>
-                      </a:r>
-                      <a:r>
-                        <a:rPr lang="en-US" sz="1400" baseline="0" dirty="0" smtClean="0">
-                          <a:solidFill>
-                            <a:schemeClr val="tx1"/>
-                          </a:solidFill>
-                        </a:rPr>
-                        <a:t>{})</a:t>
+                        <a:t> {})</a:t>
                       </a:r>
                       <a:endParaRPr lang="ru-RU" sz="1400" dirty="0">
                         <a:solidFill>
@@ -22010,15 +21649,7 @@
                             <a:schemeClr val="tx1"/>
                           </a:solidFill>
                         </a:rPr>
-                        <a:t>({</a:t>
-                      </a:r>
-                      <a:r>
-                        <a:rPr lang="en-US" sz="1400" dirty="0" smtClean="0">
-                          <a:solidFill>
-                            <a:schemeClr val="tx1"/>
-                          </a:solidFill>
-                        </a:rPr>
-                        <a:t>m1},</a:t>
+                        <a:t>({m1},</a:t>
                       </a:r>
                       <a:r>
                         <a:rPr lang="en-US" sz="1400" baseline="0" dirty="0" smtClean="0">
@@ -22026,15 +21657,7 @@
                             <a:schemeClr val="tx1"/>
                           </a:solidFill>
                         </a:rPr>
-                        <a:t> </a:t>
-                      </a:r>
-                      <a:r>
-                        <a:rPr lang="en-US" sz="1400" baseline="0" dirty="0" smtClean="0">
-                          <a:solidFill>
-                            <a:schemeClr val="tx1"/>
-                          </a:solidFill>
-                        </a:rPr>
-                        <a:t>{})</a:t>
+                        <a:t> {})</a:t>
                       </a:r>
                       <a:endParaRPr lang="ru-RU" sz="1400" dirty="0">
                         <a:solidFill>
@@ -22222,15 +21845,7 @@
                             <a:schemeClr val="tx1"/>
                           </a:solidFill>
                         </a:rPr>
-                        <a:t>({</a:t>
-                      </a:r>
-                      <a:r>
-                        <a:rPr lang="en-US" sz="1400" dirty="0" smtClean="0">
-                          <a:solidFill>
-                            <a:schemeClr val="tx1"/>
-                          </a:solidFill>
-                        </a:rPr>
-                        <a:t>m1},</a:t>
+                        <a:t>({m1},</a:t>
                       </a:r>
                       <a:r>
                         <a:rPr lang="en-US" sz="1400" baseline="0" dirty="0" smtClean="0">
@@ -22238,15 +21853,7 @@
                             <a:schemeClr val="tx1"/>
                           </a:solidFill>
                         </a:rPr>
-                        <a:t> </a:t>
-                      </a:r>
-                      <a:r>
-                        <a:rPr lang="en-US" sz="1400" baseline="0" dirty="0" smtClean="0">
-                          <a:solidFill>
-                            <a:schemeClr val="tx1"/>
-                          </a:solidFill>
-                        </a:rPr>
-                        <a:t>{})</a:t>
+                        <a:t> {})</a:t>
                       </a:r>
                       <a:endParaRPr lang="ru-RU" sz="1400" dirty="0">
                         <a:solidFill>
@@ -22859,11 +22466,7 @@
           <a:p>
             <a:r>
               <a:rPr lang="ru-RU" dirty="0" smtClean="0"/>
-              <a:t>Результаты </a:t>
-            </a:r>
-            <a:r>
-              <a:rPr lang="ru-RU" dirty="0" smtClean="0"/>
-              <a:t>исследований.</a:t>
+              <a:t>Результаты исследований.</a:t>
             </a:r>
             <a:br>
               <a:rPr lang="ru-RU" dirty="0" smtClean="0"/>
@@ -22947,11 +22550,7 @@
             </a:r>
             <a:r>
               <a:rPr lang="en-US" dirty="0" smtClean="0"/>
-              <a:t> global = 0</a:t>
-            </a:r>
-            <a:r>
-              <a:rPr lang="en-US" dirty="0" smtClean="0"/>
-              <a:t>;</a:t>
+              <a:t> global = 0;</a:t>
             </a:r>
             <a:endParaRPr lang="ru-RU" dirty="0" smtClean="0"/>
           </a:p>
@@ -22989,11 +22588,7 @@
             </a:r>
             <a:r>
               <a:rPr lang="en-US" dirty="0" smtClean="0"/>
-              <a:t>) </a:t>
-            </a:r>
-            <a:r>
-              <a:rPr lang="en-US" dirty="0" smtClean="0"/>
-              <a:t>{</a:t>
+              <a:t>) {</a:t>
             </a:r>
             <a:endParaRPr lang="ru-RU" dirty="0" smtClean="0"/>
           </a:p>
@@ -23027,11 +22622,7 @@
             </a:r>
             <a:r>
               <a:rPr lang="en-US" dirty="0" smtClean="0"/>
-              <a:t> = &amp;global</a:t>
-            </a:r>
-            <a:r>
-              <a:rPr lang="en-US" dirty="0" smtClean="0"/>
-              <a:t>;</a:t>
+              <a:t> = &amp;global;</a:t>
             </a:r>
             <a:endParaRPr lang="ru-RU" dirty="0" smtClean="0"/>
           </a:p>
@@ -23104,11 +22695,7 @@
             </a:r>
             <a:r>
               <a:rPr lang="en-US" dirty="0" smtClean="0"/>
-              <a:t>) </a:t>
-            </a:r>
-            <a:r>
-              <a:rPr lang="en-US" dirty="0" smtClean="0"/>
-              <a:t>{</a:t>
+              <a:t>) {</a:t>
             </a:r>
             <a:endParaRPr lang="ru-RU" dirty="0" smtClean="0"/>
           </a:p>
@@ -23194,11 +22781,7 @@
             </a:r>
             <a:r>
               <a:rPr lang="en-US" dirty="0" smtClean="0"/>
-              <a:t>[]) </a:t>
-            </a:r>
-            <a:r>
-              <a:rPr lang="en-US" dirty="0" smtClean="0"/>
-              <a:t>{</a:t>
+              <a:t>[]) {</a:t>
             </a:r>
             <a:endParaRPr lang="ru-RU" dirty="0" smtClean="0"/>
           </a:p>
@@ -23708,15 +23291,7 @@
                   <a:srgbClr val="800080"/>
                 </a:solidFill>
               </a:rPr>
-              <a:t> </a:t>
-            </a:r>
-            <a:r>
-              <a:rPr lang="ru-RU" dirty="0" smtClean="0">
-                <a:solidFill>
-                  <a:srgbClr val="800080"/>
-                </a:solidFill>
-              </a:rPr>
-              <a:t>              </a:t>
+              <a:t>               </a:t>
             </a:r>
             <a:r>
               <a:rPr lang="en-US" dirty="0" smtClean="0"/>
@@ -23773,15 +23348,7 @@
                   <a:srgbClr val="800080"/>
                 </a:solidFill>
               </a:rPr>
-              <a:t> </a:t>
-            </a:r>
-            <a:r>
-              <a:rPr lang="ru-RU" dirty="0" smtClean="0">
-                <a:solidFill>
-                  <a:srgbClr val="800080"/>
-                </a:solidFill>
-              </a:rPr>
-              <a:t>              </a:t>
+              <a:t>               </a:t>
             </a:r>
             <a:r>
               <a:rPr lang="en-US" dirty="0" smtClean="0"/>
@@ -23907,15 +23474,7 @@
                   <a:srgbClr val="800080"/>
                 </a:solidFill>
               </a:rPr>
-              <a:t> </a:t>
-            </a:r>
-            <a:r>
-              <a:rPr lang="ru-RU" dirty="0" smtClean="0">
-                <a:solidFill>
-                  <a:srgbClr val="800080"/>
-                </a:solidFill>
-              </a:rPr>
-              <a:t>      </a:t>
+              <a:t>       </a:t>
             </a:r>
             <a:r>
               <a:rPr lang="en-US" dirty="0" smtClean="0"/>
@@ -24005,15 +23564,7 @@
                   <a:srgbClr val="800080"/>
                 </a:solidFill>
               </a:rPr>
-              <a:t> </a:t>
-            </a:r>
-            <a:r>
-              <a:rPr lang="ru-RU" dirty="0" smtClean="0">
-                <a:solidFill>
-                  <a:srgbClr val="800080"/>
-                </a:solidFill>
-              </a:rPr>
-              <a:t>      </a:t>
+              <a:t>       </a:t>
             </a:r>
             <a:r>
               <a:rPr lang="en-US" dirty="0" smtClean="0"/>
@@ -24067,15 +23618,7 @@
                   <a:srgbClr val="800080"/>
                 </a:solidFill>
               </a:rPr>
-              <a:t> </a:t>
-            </a:r>
-            <a:r>
-              <a:rPr lang="ru-RU" dirty="0" smtClean="0">
-                <a:solidFill>
-                  <a:srgbClr val="800080"/>
-                </a:solidFill>
-              </a:rPr>
-              <a:t>      </a:t>
+              <a:t>       </a:t>
             </a:r>
             <a:r>
               <a:rPr lang="en-US" dirty="0" smtClean="0"/>
@@ -24117,15 +23660,7 @@
                   <a:srgbClr val="800080"/>
                 </a:solidFill>
               </a:rPr>
-              <a:t> </a:t>
-            </a:r>
-            <a:r>
-              <a:rPr lang="ru-RU" dirty="0" smtClean="0">
-                <a:solidFill>
-                  <a:srgbClr val="800080"/>
-                </a:solidFill>
-              </a:rPr>
-              <a:t>      </a:t>
+              <a:t>       </a:t>
             </a:r>
             <a:r>
               <a:rPr lang="en-US" dirty="0" smtClean="0"/>
@@ -24179,15 +23714,7 @@
                   <a:srgbClr val="800080"/>
                 </a:solidFill>
               </a:rPr>
-              <a:t> </a:t>
-            </a:r>
-            <a:r>
-              <a:rPr lang="ru-RU" dirty="0" smtClean="0">
-                <a:solidFill>
-                  <a:srgbClr val="800080"/>
-                </a:solidFill>
-              </a:rPr>
-              <a:t>      </a:t>
+              <a:t>       </a:t>
             </a:r>
             <a:r>
               <a:rPr lang="en-US" dirty="0" smtClean="0"/>
@@ -24356,11 +23883,7 @@
             </a:r>
             <a:r>
               <a:rPr lang="en-US" dirty="0" smtClean="0"/>
-              <a:t> flag</a:t>
-            </a:r>
-            <a:r>
-              <a:rPr lang="en-US" dirty="0" smtClean="0"/>
-              <a:t>;</a:t>
+              <a:t> flag;</a:t>
             </a:r>
             <a:endParaRPr lang="ru-RU" dirty="0" smtClean="0"/>
           </a:p>
@@ -24390,11 +23913,7 @@
             </a:r>
             <a:r>
               <a:rPr lang="en-US" dirty="0" smtClean="0"/>
-              <a:t> global</a:t>
-            </a:r>
-            <a:r>
-              <a:rPr lang="en-US" dirty="0" smtClean="0"/>
-              <a:t>;</a:t>
+              <a:t> global;</a:t>
             </a:r>
             <a:endParaRPr lang="ru-RU" dirty="0" smtClean="0"/>
           </a:p>
@@ -24462,11 +23981,7 @@
             </a:r>
             <a:r>
               <a:rPr lang="en-US" dirty="0" smtClean="0"/>
-              <a:t>) </a:t>
-            </a:r>
-            <a:r>
-              <a:rPr lang="en-US" dirty="0" smtClean="0"/>
-              <a:t>{</a:t>
+              <a:t>) {</a:t>
             </a:r>
             <a:endParaRPr lang="ru-RU" dirty="0" smtClean="0"/>
           </a:p>
@@ -24476,11 +23991,7 @@
             </a:pPr>
             <a:r>
               <a:rPr lang="ru-RU" dirty="0" smtClean="0"/>
-              <a:t> </a:t>
-            </a:r>
-            <a:r>
-              <a:rPr lang="ru-RU" dirty="0" smtClean="0"/>
-              <a:t>       </a:t>
+              <a:t>        </a:t>
             </a:r>
             <a:r>
               <a:rPr lang="en-US" dirty="0" err="1" smtClean="0"/>
@@ -24506,11 +24017,7 @@
             </a:pPr>
             <a:r>
               <a:rPr lang="ru-RU" dirty="0" smtClean="0"/>
-              <a:t> </a:t>
-            </a:r>
-            <a:r>
-              <a:rPr lang="ru-RU" dirty="0" smtClean="0"/>
-              <a:t>       </a:t>
+              <a:t>        </a:t>
             </a:r>
             <a:r>
               <a:rPr lang="en-US" dirty="0" err="1" smtClean="0"/>
@@ -24552,15 +24059,7 @@
             </a:r>
             <a:r>
               <a:rPr lang="en-US" dirty="0" smtClean="0"/>
-              <a:t> </a:t>
-            </a:r>
-            <a:r>
-              <a:rPr lang="en-US" dirty="0" smtClean="0"/>
-              <a:t>(flag) </a:t>
-            </a:r>
-            <a:r>
-              <a:rPr lang="en-US" dirty="0" smtClean="0"/>
-              <a:t>{</a:t>
+              <a:t> (flag) {</a:t>
             </a:r>
             <a:endParaRPr lang="ru-RU" dirty="0" smtClean="0"/>
           </a:p>
@@ -24570,23 +24069,11 @@
             </a:pPr>
             <a:r>
               <a:rPr lang="ru-RU" dirty="0" smtClean="0"/>
-              <a:t> </a:t>
-            </a:r>
-            <a:r>
-              <a:rPr lang="ru-RU" dirty="0" smtClean="0"/>
-              <a:t>              </a:t>
+              <a:t>               </a:t>
             </a:r>
             <a:r>
               <a:rPr lang="en-US" dirty="0" smtClean="0"/>
-              <a:t> </a:t>
-            </a:r>
-            <a:r>
-              <a:rPr lang="en-US" dirty="0" smtClean="0"/>
-              <a:t>global</a:t>
-            </a:r>
-            <a:r>
-              <a:rPr lang="en-US" dirty="0" smtClean="0"/>
-              <a:t>++;</a:t>
+              <a:t> global++;</a:t>
             </a:r>
             <a:endParaRPr lang="ru-RU" dirty="0" smtClean="0"/>
           </a:p>
@@ -24596,11 +24083,7 @@
             </a:pPr>
             <a:r>
               <a:rPr lang="ru-RU" dirty="0" smtClean="0"/>
-              <a:t> </a:t>
-            </a:r>
-            <a:r>
-              <a:rPr lang="ru-RU" dirty="0" smtClean="0"/>
-              <a:t>              </a:t>
+              <a:t>               </a:t>
             </a:r>
             <a:r>
               <a:rPr lang="en-US" dirty="0" smtClean="0"/>
@@ -24670,11 +24153,7 @@
             </a:pPr>
             <a:r>
               <a:rPr lang="ru-RU" dirty="0" smtClean="0"/>
-              <a:t> </a:t>
-            </a:r>
-            <a:r>
-              <a:rPr lang="ru-RU" dirty="0" smtClean="0"/>
-              <a:t>      </a:t>
+              <a:t>       </a:t>
             </a:r>
             <a:r>
               <a:rPr lang="en-US" dirty="0" smtClean="0"/>
@@ -24750,11 +24229,7 @@
             </a:r>
             <a:r>
               <a:rPr lang="en-US" dirty="0" smtClean="0"/>
-              <a:t>) </a:t>
-            </a:r>
-            <a:r>
-              <a:rPr lang="en-US" dirty="0" smtClean="0"/>
-              <a:t>{</a:t>
+              <a:t>) {</a:t>
             </a:r>
             <a:endParaRPr lang="ru-RU" dirty="0" smtClean="0"/>
           </a:p>
@@ -24808,11 +24283,7 @@
             </a:pPr>
             <a:r>
               <a:rPr lang="ru-RU" dirty="0" smtClean="0"/>
-              <a:t> </a:t>
-            </a:r>
-            <a:r>
-              <a:rPr lang="ru-RU" dirty="0" smtClean="0"/>
-              <a:t>      </a:t>
+              <a:t>       </a:t>
             </a:r>
             <a:r>
               <a:rPr lang="en-US" dirty="0" smtClean="0"/>
@@ -24991,15 +24462,7 @@
                   <a:srgbClr val="7F0055"/>
                 </a:solidFill>
               </a:rPr>
-              <a:t>#define LEN 10</a:t>
-            </a:r>
-            <a:r>
-              <a:rPr lang="en-US" dirty="0" smtClean="0">
-                <a:solidFill>
-                  <a:srgbClr val="7F0055"/>
-                </a:solidFill>
-              </a:rPr>
-              <a:t>;</a:t>
+              <a:t>#define LEN 10;</a:t>
             </a:r>
             <a:endParaRPr lang="ru-RU" dirty="0" smtClean="0">
               <a:solidFill>
@@ -25079,11 +24542,7 @@
             </a:r>
             <a:r>
               <a:rPr lang="en-US" dirty="0" smtClean="0"/>
-              <a:t>) </a:t>
-            </a:r>
-            <a:r>
-              <a:rPr lang="en-US" dirty="0" smtClean="0"/>
-              <a:t>{</a:t>
+              <a:t>) {</a:t>
             </a:r>
             <a:endParaRPr lang="ru-RU" dirty="0" smtClean="0"/>
           </a:p>
@@ -25143,11 +24602,7 @@
             </a:pPr>
             <a:r>
               <a:rPr lang="ru-RU" dirty="0" smtClean="0"/>
-              <a:t> </a:t>
-            </a:r>
-            <a:r>
-              <a:rPr lang="ru-RU" dirty="0" smtClean="0"/>
-              <a:t>      </a:t>
+              <a:t>       </a:t>
             </a:r>
             <a:r>
               <a:rPr lang="en-US" dirty="0" smtClean="0"/>
@@ -25181,11 +24636,7 @@
             </a:pPr>
             <a:r>
               <a:rPr lang="ru-RU" dirty="0" smtClean="0"/>
-              <a:t> </a:t>
-            </a:r>
-            <a:r>
-              <a:rPr lang="ru-RU" dirty="0" smtClean="0"/>
-              <a:t>      </a:t>
+              <a:t>       </a:t>
             </a:r>
             <a:r>
               <a:rPr lang="en-US" dirty="0" smtClean="0"/>
@@ -25201,11 +24652,7 @@
             </a:r>
             <a:r>
               <a:rPr lang="en-US" dirty="0" smtClean="0"/>
-              <a:t> (i = 0; i &lt; 3; i++) </a:t>
-            </a:r>
-            <a:r>
-              <a:rPr lang="en-US" dirty="0" smtClean="0"/>
-              <a:t>{</a:t>
+              <a:t> (i = 0; i &lt; 3; i++) {</a:t>
             </a:r>
             <a:endParaRPr lang="ru-RU" dirty="0" smtClean="0"/>
           </a:p>
@@ -25215,11 +24662,7 @@
             </a:pPr>
             <a:r>
               <a:rPr lang="ru-RU" dirty="0" smtClean="0"/>
-              <a:t> </a:t>
-            </a:r>
-            <a:r>
-              <a:rPr lang="ru-RU" dirty="0" smtClean="0"/>
-              <a:t>              </a:t>
+              <a:t>               </a:t>
             </a:r>
             <a:r>
               <a:rPr lang="en-US" dirty="0" smtClean="0"/>
@@ -25243,11 +24686,7 @@
             </a:r>
             <a:r>
               <a:rPr lang="en-US" dirty="0" smtClean="0"/>
-              <a:t>() % (LEN - 1</a:t>
-            </a:r>
-            <a:r>
-              <a:rPr lang="en-US" dirty="0" smtClean="0"/>
-              <a:t>);</a:t>
+              <a:t>() % (LEN - 1);</a:t>
             </a:r>
             <a:endParaRPr lang="ru-RU" dirty="0" smtClean="0"/>
           </a:p>
@@ -25257,11 +24696,7 @@
             </a:pPr>
             <a:r>
               <a:rPr lang="ru-RU" dirty="0" smtClean="0"/>
-              <a:t> </a:t>
-            </a:r>
-            <a:r>
-              <a:rPr lang="ru-RU" dirty="0" smtClean="0"/>
-              <a:t>              </a:t>
+              <a:t>               </a:t>
             </a:r>
             <a:r>
               <a:rPr lang="en-US" dirty="0" smtClean="0"/>
@@ -25302,11 +24737,7 @@
             </a:pPr>
             <a:r>
               <a:rPr lang="ru-RU" dirty="0" smtClean="0"/>
-              <a:t> </a:t>
-            </a:r>
-            <a:r>
-              <a:rPr lang="ru-RU" dirty="0" smtClean="0"/>
-              <a:t>      </a:t>
+              <a:t>       </a:t>
             </a:r>
             <a:r>
               <a:rPr lang="en-US" dirty="0" smtClean="0"/>
@@ -25320,11 +24751,7 @@
             </a:pPr>
             <a:r>
               <a:rPr lang="ru-RU" dirty="0" smtClean="0"/>
-              <a:t> </a:t>
-            </a:r>
-            <a:r>
-              <a:rPr lang="ru-RU" dirty="0" smtClean="0"/>
-              <a:t>      </a:t>
+              <a:t>       </a:t>
             </a:r>
             <a:r>
               <a:rPr lang="en-US" dirty="0" smtClean="0"/>
@@ -25400,11 +24827,7 @@
             </a:r>
             <a:r>
               <a:rPr lang="en-US" dirty="0" smtClean="0"/>
-              <a:t>) </a:t>
-            </a:r>
-            <a:r>
-              <a:rPr lang="en-US" dirty="0" smtClean="0"/>
-              <a:t>{</a:t>
+              <a:t>) {</a:t>
             </a:r>
             <a:endParaRPr lang="ru-RU" dirty="0" smtClean="0"/>
           </a:p>
@@ -25414,11 +24837,7 @@
             </a:pPr>
             <a:r>
               <a:rPr lang="ru-RU" dirty="0" smtClean="0"/>
-              <a:t> </a:t>
-            </a:r>
-            <a:r>
-              <a:rPr lang="ru-RU" dirty="0" smtClean="0"/>
-              <a:t>      </a:t>
+              <a:t>       </a:t>
             </a:r>
             <a:r>
               <a:rPr lang="en-US" dirty="0" smtClean="0"/>
@@ -25430,11 +24849,7 @@
             </a:r>
             <a:r>
               <a:rPr lang="en-US" dirty="0" smtClean="0"/>
-              <a:t>[0] = 100</a:t>
-            </a:r>
-            <a:r>
-              <a:rPr lang="en-US" dirty="0" smtClean="0"/>
-              <a:t>;</a:t>
+              <a:t>[0] = 100;</a:t>
             </a:r>
             <a:endParaRPr lang="ru-RU" dirty="0" smtClean="0"/>
           </a:p>
@@ -25444,11 +24859,7 @@
             </a:pPr>
             <a:r>
               <a:rPr lang="ru-RU" dirty="0" smtClean="0"/>
-              <a:t> </a:t>
-            </a:r>
-            <a:r>
-              <a:rPr lang="ru-RU" dirty="0" smtClean="0"/>
-              <a:t>      </a:t>
+              <a:t>       </a:t>
             </a:r>
             <a:r>
               <a:rPr lang="en-US" dirty="0" smtClean="0"/>
@@ -25613,11 +25024,7 @@
             </a:r>
             <a:r>
               <a:rPr lang="en-US" sz="1050" dirty="0" smtClean="0"/>
-              <a:t> </a:t>
-            </a:r>
-            <a:r>
-              <a:rPr lang="en-US" sz="1050" dirty="0" smtClean="0"/>
-              <a:t>x</a:t>
+              <a:t> x</a:t>
             </a:r>
             <a:r>
               <a:rPr lang="ru-RU" sz="1050" dirty="0" smtClean="0"/>
@@ -25629,15 +25036,7 @@
             </a:r>
             <a:r>
               <a:rPr lang="en-US" sz="1050" dirty="0" smtClean="0"/>
-              <a:t> </a:t>
-            </a:r>
-            <a:r>
-              <a:rPr lang="en-US" sz="1050" dirty="0" smtClean="0"/>
-              <a:t>= 0</a:t>
-            </a:r>
-            <a:r>
-              <a:rPr lang="en-US" sz="1050" dirty="0" smtClean="0"/>
-              <a:t>;</a:t>
+              <a:t> = 0;</a:t>
             </a:r>
             <a:endParaRPr lang="ru-RU" sz="1050" dirty="0" smtClean="0"/>
           </a:p>
@@ -25701,11 +25100,7 @@
             </a:r>
             <a:r>
               <a:rPr lang="en-US" sz="1050" dirty="0" smtClean="0"/>
-              <a:t>) </a:t>
-            </a:r>
-            <a:r>
-              <a:rPr lang="en-US" sz="1050" dirty="0" smtClean="0"/>
-              <a:t>{</a:t>
+              <a:t>) {</a:t>
             </a:r>
             <a:endParaRPr lang="ru-RU" sz="1050" dirty="0" smtClean="0"/>
           </a:p>
@@ -25745,11 +25140,7 @@
             </a:pPr>
             <a:r>
               <a:rPr lang="ru-RU" sz="1050" dirty="0" smtClean="0"/>
-              <a:t> </a:t>
-            </a:r>
-            <a:r>
-              <a:rPr lang="ru-RU" sz="1050" dirty="0" smtClean="0"/>
-              <a:t>      </a:t>
+              <a:t>       </a:t>
             </a:r>
             <a:r>
               <a:rPr lang="en-US" sz="1050" dirty="0" smtClean="0"/>
@@ -25779,11 +25170,7 @@
             </a:pPr>
             <a:r>
               <a:rPr lang="ru-RU" sz="1050" dirty="0" smtClean="0"/>
-              <a:t> </a:t>
-            </a:r>
-            <a:r>
-              <a:rPr lang="ru-RU" sz="1050" dirty="0" smtClean="0"/>
-              <a:t>      </a:t>
+              <a:t>       </a:t>
             </a:r>
             <a:r>
               <a:rPr lang="en-US" sz="1050" dirty="0" smtClean="0"/>
@@ -25795,11 +25182,7 @@
             </a:r>
             <a:r>
               <a:rPr lang="en-US" sz="1050" dirty="0" smtClean="0"/>
-              <a:t>-</a:t>
-            </a:r>
-            <a:r>
-              <a:rPr lang="en-US" sz="1050" dirty="0" smtClean="0"/>
-              <a:t>-;</a:t>
+              <a:t>--;</a:t>
             </a:r>
             <a:endParaRPr lang="ru-RU" sz="1050" dirty="0" smtClean="0"/>
           </a:p>
@@ -25809,11 +25192,7 @@
             </a:pPr>
             <a:r>
               <a:rPr lang="ru-RU" sz="1050" dirty="0" smtClean="0"/>
-              <a:t> </a:t>
-            </a:r>
-            <a:r>
-              <a:rPr lang="ru-RU" sz="1050" dirty="0" smtClean="0"/>
-              <a:t>      </a:t>
+              <a:t>       </a:t>
             </a:r>
             <a:r>
               <a:rPr lang="en-US" sz="1050" dirty="0" smtClean="0"/>
@@ -25843,11 +25222,7 @@
             </a:pPr>
             <a:r>
               <a:rPr lang="ru-RU" sz="1050" dirty="0" smtClean="0"/>
-              <a:t> </a:t>
-            </a:r>
-            <a:r>
-              <a:rPr lang="ru-RU" sz="1050" dirty="0" smtClean="0"/>
-              <a:t>      </a:t>
+              <a:t>       </a:t>
             </a:r>
             <a:r>
               <a:rPr lang="en-US" sz="1050" dirty="0" smtClean="0"/>
@@ -25923,11 +25298,7 @@
             </a:r>
             <a:r>
               <a:rPr lang="en-US" sz="1050" dirty="0" smtClean="0"/>
-              <a:t>) </a:t>
-            </a:r>
-            <a:r>
-              <a:rPr lang="en-US" sz="1050" dirty="0" smtClean="0"/>
-              <a:t>{</a:t>
+              <a:t>) {</a:t>
             </a:r>
             <a:endParaRPr lang="ru-RU" sz="1050" dirty="0" smtClean="0"/>
           </a:p>
@@ -25963,23 +25334,11 @@
             </a:pPr>
             <a:r>
               <a:rPr lang="ru-RU" sz="1050" dirty="0" smtClean="0"/>
-              <a:t> </a:t>
-            </a:r>
-            <a:r>
-              <a:rPr lang="ru-RU" sz="1050" dirty="0" smtClean="0"/>
-              <a:t>      </a:t>
+              <a:t>       </a:t>
             </a:r>
             <a:r>
               <a:rPr lang="en-US" sz="1050" dirty="0" smtClean="0"/>
-              <a:t> </a:t>
-            </a:r>
-            <a:r>
-              <a:rPr lang="en-US" sz="1050" dirty="0" smtClean="0"/>
-              <a:t>x</a:t>
-            </a:r>
-            <a:r>
-              <a:rPr lang="en-US" sz="1050" dirty="0" smtClean="0"/>
-              <a:t>++;</a:t>
+              <a:t> x++;</a:t>
             </a:r>
             <a:endParaRPr lang="ru-RU" sz="1050" dirty="0" smtClean="0"/>
           </a:p>
@@ -25989,11 +25348,7 @@
             </a:pPr>
             <a:r>
               <a:rPr lang="ru-RU" sz="1050" dirty="0" smtClean="0"/>
-              <a:t> </a:t>
-            </a:r>
-            <a:r>
-              <a:rPr lang="ru-RU" sz="1050" dirty="0" smtClean="0"/>
-              <a:t>      </a:t>
+              <a:t>       </a:t>
             </a:r>
             <a:r>
               <a:rPr lang="en-US" sz="1050" dirty="0" smtClean="0"/>
@@ -26023,11 +25378,7 @@
             </a:pPr>
             <a:r>
               <a:rPr lang="ru-RU" sz="1050" dirty="0" smtClean="0"/>
-              <a:t> </a:t>
-            </a:r>
-            <a:r>
-              <a:rPr lang="ru-RU" sz="1050" dirty="0" smtClean="0"/>
-              <a:t>      </a:t>
+              <a:t>       </a:t>
             </a:r>
             <a:r>
               <a:rPr lang="en-US" sz="1050" dirty="0" smtClean="0"/>
@@ -26135,11 +25486,7 @@
             </a:r>
             <a:r>
               <a:rPr lang="en-US" sz="1050" dirty="0" smtClean="0"/>
-              <a:t>[]) </a:t>
-            </a:r>
-            <a:r>
-              <a:rPr lang="en-US" sz="1050" dirty="0" smtClean="0"/>
-              <a:t>{</a:t>
+              <a:t>[]) {</a:t>
             </a:r>
             <a:endParaRPr lang="ru-RU" sz="1050" dirty="0" smtClean="0"/>
           </a:p>
@@ -26219,11 +25566,7 @@
             </a:pPr>
             <a:r>
               <a:rPr lang="ru-RU" sz="1050" dirty="0" smtClean="0"/>
-              <a:t> </a:t>
-            </a:r>
-            <a:r>
-              <a:rPr lang="ru-RU" sz="1050" dirty="0" smtClean="0"/>
-              <a:t>     </a:t>
+              <a:t>      </a:t>
             </a:r>
             <a:r>
               <a:rPr lang="en-US" sz="1050" dirty="0" smtClean="0"/>
@@ -26269,11 +25612,7 @@
             </a:pPr>
             <a:r>
               <a:rPr lang="ru-RU" sz="1050" dirty="0" smtClean="0"/>
-              <a:t> </a:t>
-            </a:r>
-            <a:r>
-              <a:rPr lang="ru-RU" sz="1050" dirty="0" smtClean="0"/>
-              <a:t>     </a:t>
+              <a:t>      </a:t>
             </a:r>
             <a:r>
               <a:rPr lang="en-US" sz="1050" dirty="0" smtClean="0"/>
@@ -26307,23 +25646,11 @@
             </a:pPr>
             <a:r>
               <a:rPr lang="ru-RU" sz="1050" dirty="0" smtClean="0"/>
-              <a:t> </a:t>
-            </a:r>
-            <a:r>
-              <a:rPr lang="ru-RU" sz="1050" dirty="0" smtClean="0"/>
-              <a:t>             </a:t>
+              <a:t>              </a:t>
             </a:r>
             <a:r>
               <a:rPr lang="en-US" sz="1050" dirty="0" smtClean="0"/>
-              <a:t> </a:t>
-            </a:r>
-            <a:r>
-              <a:rPr lang="en-US" sz="1050" dirty="0" smtClean="0"/>
-              <a:t>sleep(1</a:t>
-            </a:r>
-            <a:r>
-              <a:rPr lang="en-US" sz="1050" dirty="0" smtClean="0"/>
-              <a:t>);</a:t>
+              <a:t> sleep(1);</a:t>
             </a:r>
             <a:endParaRPr lang="ru-RU" sz="1050" dirty="0" smtClean="0"/>
           </a:p>
@@ -26375,11 +25702,7 @@
             </a:pPr>
             <a:r>
               <a:rPr lang="ru-RU" sz="1050" dirty="0" smtClean="0"/>
-              <a:t> </a:t>
-            </a:r>
-            <a:r>
-              <a:rPr lang="ru-RU" sz="1050" dirty="0" smtClean="0"/>
-              <a:t>       </a:t>
+              <a:t>        </a:t>
             </a:r>
             <a:r>
               <a:rPr lang="en-US" sz="1050" dirty="0" smtClean="0"/>
@@ -26421,6 +25744,157 @@
               <a:rPr lang="ru-RU" smtClean="0"/>
               <a:pPr/>
               <a:t>28</a:t>
+            </a:fld>
+            <a:endParaRPr lang="ru-RU"/>
+          </a:p>
+        </p:txBody>
+      </p:sp>
+    </p:spTree>
+  </p:cSld>
+  <p:clrMapOvr>
+    <a:masterClrMapping/>
+  </p:clrMapOvr>
+</p:sld>
+</file>
+
+<file path=ppt/slides/slide29.xml><?xml version="1.0" encoding="utf-8"?>
+<p:sld xmlns:a="http://schemas.openxmlformats.org/drawingml/2006/main" xmlns:r="http://schemas.openxmlformats.org/officeDocument/2006/relationships" xmlns:p="http://schemas.openxmlformats.org/presentationml/2006/main">
+  <p:cSld>
+    <p:spTree>
+      <p:nvGrpSpPr>
+        <p:cNvPr id="1" name=""/>
+        <p:cNvGrpSpPr/>
+        <p:nvPr/>
+      </p:nvGrpSpPr>
+      <p:grpSpPr>
+        <a:xfrm>
+          <a:off x="0" y="0"/>
+          <a:ext cx="0" cy="0"/>
+          <a:chOff x="0" y="0"/>
+          <a:chExt cx="0" cy="0"/>
+        </a:xfrm>
+      </p:grpSpPr>
+      <p:sp>
+        <p:nvSpPr>
+          <p:cNvPr id="2" name="Заголовок 1"/>
+          <p:cNvSpPr>
+            <a:spLocks noGrp="1"/>
+          </p:cNvSpPr>
+          <p:nvPr>
+            <p:ph type="title"/>
+          </p:nvPr>
+        </p:nvSpPr>
+        <p:spPr/>
+        <p:txBody>
+          <a:bodyPr/>
+          <a:lstStyle/>
+          <a:p>
+            <a:r>
+              <a:rPr lang="ru-RU" dirty="0" smtClean="0"/>
+              <a:t>Выводы</a:t>
+            </a:r>
+            <a:endParaRPr lang="ru-RU" dirty="0"/>
+          </a:p>
+        </p:txBody>
+      </p:sp>
+      <p:sp>
+        <p:nvSpPr>
+          <p:cNvPr id="3" name="Содержимое 2"/>
+          <p:cNvSpPr>
+            <a:spLocks noGrp="1"/>
+          </p:cNvSpPr>
+          <p:nvPr>
+            <p:ph idx="1"/>
+          </p:nvPr>
+        </p:nvSpPr>
+        <p:spPr/>
+        <p:txBody>
+          <a:bodyPr>
+            <a:normAutofit fontScale="85000" lnSpcReduction="20000"/>
+          </a:bodyPr>
+          <a:lstStyle/>
+          <a:p>
+            <a:r>
+              <a:rPr lang="ru-RU" dirty="0" smtClean="0"/>
+              <a:t>Выполнил классификацию существующих методов поиска гонок в программах</a:t>
+            </a:r>
+            <a:endParaRPr lang="ru-RU" dirty="0" smtClean="0"/>
+          </a:p>
+          <a:p>
+            <a:r>
+              <a:rPr lang="ru-RU" dirty="0" smtClean="0"/>
+              <a:t>Разработал метод статического поиска гонок</a:t>
+            </a:r>
+            <a:endParaRPr lang="ru-RU" dirty="0" smtClean="0"/>
+          </a:p>
+          <a:p>
+            <a:r>
+              <a:rPr lang="ru-RU" dirty="0" smtClean="0"/>
+              <a:t>Разработал алгоритм на основе предложенного метода</a:t>
+            </a:r>
+            <a:endParaRPr lang="ru-RU" dirty="0" smtClean="0"/>
+          </a:p>
+          <a:p>
+            <a:r>
+              <a:rPr lang="ru-RU" dirty="0" smtClean="0"/>
+              <a:t>Разработал ПО, реализующее разработанный  алгоритм статического поиска гонок</a:t>
+            </a:r>
+            <a:endParaRPr lang="ru-RU" dirty="0" smtClean="0"/>
+          </a:p>
+          <a:p>
+            <a:r>
+              <a:rPr lang="ru-RU" dirty="0" smtClean="0"/>
+              <a:t>Провел исследование разработанного алгоритма. В качестве улучшений алгоритма поиска гонок можно выполнить</a:t>
+            </a:r>
+            <a:r>
+              <a:rPr lang="en-US" dirty="0" smtClean="0"/>
+              <a:t>:</a:t>
+            </a:r>
+            <a:endParaRPr lang="ru-RU" dirty="0" smtClean="0"/>
+          </a:p>
+          <a:p>
+            <a:pPr lvl="1"/>
+            <a:r>
+              <a:rPr lang="ru-RU" dirty="0" smtClean="0"/>
+              <a:t>Выделение временных фаз работы </a:t>
+            </a:r>
+            <a:r>
+              <a:rPr lang="ru-RU" dirty="0" smtClean="0"/>
+              <a:t>программы</a:t>
+            </a:r>
+          </a:p>
+          <a:p>
+            <a:pPr lvl="1"/>
+            <a:r>
+              <a:rPr lang="ru-RU" dirty="0" smtClean="0"/>
+              <a:t>Обработку обращений к полям структур</a:t>
+            </a:r>
+          </a:p>
+          <a:p>
+            <a:pPr lvl="1"/>
+            <a:endParaRPr lang="ru-RU" dirty="0" smtClean="0"/>
+          </a:p>
+        </p:txBody>
+      </p:sp>
+      <p:sp>
+        <p:nvSpPr>
+          <p:cNvPr id="4" name="Номер слайда 3"/>
+          <p:cNvSpPr>
+            <a:spLocks noGrp="1"/>
+          </p:cNvSpPr>
+          <p:nvPr>
+            <p:ph type="sldNum" sz="quarter" idx="12"/>
+          </p:nvPr>
+        </p:nvSpPr>
+        <p:spPr/>
+        <p:txBody>
+          <a:bodyPr/>
+          <a:lstStyle/>
+          <a:p>
+            <a:fld id="{6ACCCD26-A6AD-4D04-8A48-0C02F87992A0}" type="slidenum">
+              <a:rPr lang="ru-RU" smtClean="0"/>
+              <a:pPr/>
+              <a:t>29</a:t>
             </a:fld>
             <a:endParaRPr lang="ru-RU"/>
           </a:p>

--- a/presentations/diplom/static race detection.pptx
+++ b/presentations/diplom/static race detection.pptx
@@ -5099,6 +5099,44 @@
           </a:xfrm>
         </p:spPr>
       </p:pic>
+      <p:sp>
+        <p:nvSpPr>
+          <p:cNvPr id="5" name="TextBox 4"/>
+          <p:cNvSpPr txBox="1"/>
+          <p:nvPr/>
+        </p:nvSpPr>
+        <p:spPr>
+          <a:xfrm>
+            <a:off x="683568" y="1340768"/>
+            <a:ext cx="1080120" cy="1754326"/>
+          </a:xfrm>
+          <a:prstGeom prst="rect">
+            <a:avLst/>
+          </a:prstGeom>
+          <a:noFill/>
+        </p:spPr>
+        <p:txBody>
+          <a:bodyPr wrap="square" rtlCol="0">
+            <a:spAutoFit/>
+          </a:bodyPr>
+          <a:lstStyle/>
+          <a:p>
+            <a:r>
+              <a:rPr lang="ru-RU" dirty="0" smtClean="0"/>
+              <a:t>Переделать на </a:t>
+            </a:r>
+            <a:r>
+              <a:rPr lang="ru-RU" dirty="0" err="1" smtClean="0"/>
+              <a:t>диаграму</a:t>
+            </a:r>
+            <a:r>
+              <a:rPr lang="ru-RU" dirty="0" smtClean="0"/>
+              <a:t> компонентов</a:t>
+            </a:r>
+            <a:endParaRPr lang="ru-RU" dirty="0"/>
+          </a:p>
+        </p:txBody>
+      </p:sp>
     </p:spTree>
   </p:cSld>
   <p:clrMapOvr>

--- a/presentations/diplom/static race detection.pptx
+++ b/presentations/diplom/static race detection.pptx
@@ -5948,12 +5948,20 @@
               <a:t>// </a:t>
             </a:r>
             <a:r>
+              <a:rPr lang="ru-RU" sz="2000" smtClean="0">
+                <a:solidFill>
+                  <a:srgbClr val="00B050"/>
+                </a:solidFill>
+              </a:rPr>
+              <a:t>возможно </a:t>
+            </a:r>
+            <a:r>
               <a:rPr lang="ru-RU" sz="2000" dirty="0" smtClean="0">
                 <a:solidFill>
                   <a:srgbClr val="00B050"/>
                 </a:solidFill>
               </a:rPr>
-              <a:t>возможно возникновение гонки</a:t>
+              <a:t>возникновение гонки</a:t>
             </a:r>
           </a:p>
           <a:p>

--- a/presentations/diplom/static race detection.pptx
+++ b/presentations/diplom/static race detection.pptx
@@ -5948,7 +5948,7 @@
               <a:t>// </a:t>
             </a:r>
             <a:r>
-              <a:rPr lang="ru-RU" sz="2000" smtClean="0">
+              <a:rPr lang="ru-RU" sz="2000" dirty="0" smtClean="0">
                 <a:solidFill>
                   <a:srgbClr val="00B050"/>
                 </a:solidFill>
@@ -6597,8 +6597,8 @@
         </p:blipFill>
         <p:spPr>
           <a:xfrm>
-            <a:off x="457200" y="2385646"/>
-            <a:ext cx="8229600" cy="2955070"/>
+            <a:off x="457201" y="2385646"/>
+            <a:ext cx="8229597" cy="2955070"/>
           </a:xfrm>
         </p:spPr>
       </p:pic>
@@ -6723,8 +6723,8 @@
         </p:blipFill>
         <p:spPr>
           <a:xfrm>
-            <a:off x="96995" y="2106242"/>
-            <a:ext cx="8941465" cy="3509612"/>
+            <a:off x="96996" y="2106242"/>
+            <a:ext cx="8941463" cy="3509612"/>
           </a:xfrm>
         </p:spPr>
       </p:pic>

--- a/presentations/diplom/static race detection.pptx
+++ b/presentations/diplom/static race detection.pptx
@@ -5,7 +5,7 @@
     <p:sldMasterId id="2147483648" r:id="rId1"/>
   </p:sldMasterIdLst>
   <p:notesMasterIdLst>
-    <p:notesMasterId r:id="rId18"/>
+    <p:notesMasterId r:id="rId19"/>
   </p:notesMasterIdLst>
   <p:sldIdLst>
     <p:sldId id="256" r:id="rId2"/>
@@ -15,15 +15,16 @@
     <p:sldId id="280" r:id="rId6"/>
     <p:sldId id="259" r:id="rId7"/>
     <p:sldId id="258" r:id="rId8"/>
-    <p:sldId id="277" r:id="rId9"/>
-    <p:sldId id="276" r:id="rId10"/>
-    <p:sldId id="282" r:id="rId11"/>
-    <p:sldId id="289" r:id="rId12"/>
-    <p:sldId id="284" r:id="rId13"/>
-    <p:sldId id="274" r:id="rId14"/>
-    <p:sldId id="287" r:id="rId15"/>
-    <p:sldId id="298" r:id="rId16"/>
-    <p:sldId id="297" r:id="rId17"/>
+    <p:sldId id="299" r:id="rId9"/>
+    <p:sldId id="300" r:id="rId10"/>
+    <p:sldId id="301" r:id="rId11"/>
+    <p:sldId id="282" r:id="rId12"/>
+    <p:sldId id="289" r:id="rId13"/>
+    <p:sldId id="284" r:id="rId14"/>
+    <p:sldId id="274" r:id="rId15"/>
+    <p:sldId id="287" r:id="rId16"/>
+    <p:sldId id="298" r:id="rId17"/>
+    <p:sldId id="297" r:id="rId18"/>
   </p:sldIdLst>
   <p:sldSz cx="9144000" cy="6858000" type="screen4x3"/>
   <p:notesSz cx="6858000" cy="9144000"/>
@@ -208,7 +209,7 @@
             <a:fld id="{22010AE4-EAD5-4EEF-A945-6FA18B13F5A9}" type="datetimeFigureOut">
               <a:rPr lang="ru-RU" smtClean="0"/>
               <a:pPr/>
-              <a:t>24.05.2014</a:t>
+              <a:t>25.05.2014</a:t>
             </a:fld>
             <a:endParaRPr lang="ru-RU"/>
           </a:p>
@@ -738,7 +739,7 @@
             <a:fld id="{CEA6B14D-0821-4C2C-82CE-9C65F3F9306A}" type="datetime1">
               <a:rPr lang="ru-RU" smtClean="0"/>
               <a:pPr/>
-              <a:t>24.05.2014</a:t>
+              <a:t>25.05.2014</a:t>
             </a:fld>
             <a:endParaRPr lang="ru-RU"/>
           </a:p>
@@ -905,7 +906,7 @@
             <a:fld id="{CBF73966-6DAD-453D-A6D4-80080695084C}" type="datetime1">
               <a:rPr lang="ru-RU" smtClean="0"/>
               <a:pPr/>
-              <a:t>24.05.2014</a:t>
+              <a:t>25.05.2014</a:t>
             </a:fld>
             <a:endParaRPr lang="ru-RU"/>
           </a:p>
@@ -1082,7 +1083,7 @@
             <a:fld id="{60C2BD43-7D16-471D-94F4-C9721BB6CC51}" type="datetime1">
               <a:rPr lang="ru-RU" smtClean="0"/>
               <a:pPr/>
-              <a:t>24.05.2014</a:t>
+              <a:t>25.05.2014</a:t>
             </a:fld>
             <a:endParaRPr lang="ru-RU"/>
           </a:p>
@@ -1249,7 +1250,7 @@
             <a:fld id="{96A1ED18-55C5-47E1-806F-C13AC0AFFCDF}" type="datetime1">
               <a:rPr lang="ru-RU" smtClean="0"/>
               <a:pPr/>
-              <a:t>24.05.2014</a:t>
+              <a:t>25.05.2014</a:t>
             </a:fld>
             <a:endParaRPr lang="ru-RU"/>
           </a:p>
@@ -1492,7 +1493,7 @@
             <a:fld id="{80CFC8BC-60B2-4B6B-9C0B-678A51AE4FEC}" type="datetime1">
               <a:rPr lang="ru-RU" smtClean="0"/>
               <a:pPr/>
-              <a:t>24.05.2014</a:t>
+              <a:t>25.05.2014</a:t>
             </a:fld>
             <a:endParaRPr lang="ru-RU"/>
           </a:p>
@@ -1777,7 +1778,7 @@
             <a:fld id="{1A23B688-547F-429C-B0D6-4A07BC3EE575}" type="datetime1">
               <a:rPr lang="ru-RU" smtClean="0"/>
               <a:pPr/>
-              <a:t>24.05.2014</a:t>
+              <a:t>25.05.2014</a:t>
             </a:fld>
             <a:endParaRPr lang="ru-RU"/>
           </a:p>
@@ -2196,7 +2197,7 @@
             <a:fld id="{910FAFDB-CCC7-4071-A914-8DA50D8301B3}" type="datetime1">
               <a:rPr lang="ru-RU" smtClean="0"/>
               <a:pPr/>
-              <a:t>24.05.2014</a:t>
+              <a:t>25.05.2014</a:t>
             </a:fld>
             <a:endParaRPr lang="ru-RU"/>
           </a:p>
@@ -2311,7 +2312,7 @@
             <a:fld id="{09D05F4B-8C57-4A06-9BCC-88C4FEC9DF22}" type="datetime1">
               <a:rPr lang="ru-RU" smtClean="0"/>
               <a:pPr/>
-              <a:t>24.05.2014</a:t>
+              <a:t>25.05.2014</a:t>
             </a:fld>
             <a:endParaRPr lang="ru-RU"/>
           </a:p>
@@ -2403,7 +2404,7 @@
             <a:fld id="{878A6FA8-4AF2-436B-B100-EA1CE8823379}" type="datetime1">
               <a:rPr lang="ru-RU" smtClean="0"/>
               <a:pPr/>
-              <a:t>24.05.2014</a:t>
+              <a:t>25.05.2014</a:t>
             </a:fld>
             <a:endParaRPr lang="ru-RU"/>
           </a:p>
@@ -2677,7 +2678,7 @@
             <a:fld id="{749F6870-1B45-47C5-9E9B-0AB301049281}" type="datetime1">
               <a:rPr lang="ru-RU" smtClean="0"/>
               <a:pPr/>
-              <a:t>24.05.2014</a:t>
+              <a:t>25.05.2014</a:t>
             </a:fld>
             <a:endParaRPr lang="ru-RU"/>
           </a:p>
@@ -2927,7 +2928,7 @@
             <a:fld id="{ECD49713-43BE-464A-99A3-7A440665C9A7}" type="datetime1">
               <a:rPr lang="ru-RU" smtClean="0"/>
               <a:pPr/>
-              <a:t>24.05.2014</a:t>
+              <a:t>25.05.2014</a:t>
             </a:fld>
             <a:endParaRPr lang="ru-RU"/>
           </a:p>
@@ -3137,7 +3138,7 @@
             <a:fld id="{66113E02-8A28-4829-8EC3-8D7A05A958CF}" type="datetime1">
               <a:rPr lang="ru-RU" smtClean="0"/>
               <a:pPr/>
-              <a:t>24.05.2014</a:t>
+              <a:t>25.05.2014</a:t>
             </a:fld>
             <a:endParaRPr lang="ru-RU"/>
           </a:p>
@@ -3629,8 +3630,8 @@
           <a:lstStyle/>
           <a:p>
             <a:r>
-              <a:rPr lang="ru-RU" smtClean="0"/>
-              <a:t>Формирование относительных множеств блокировок</a:t>
+              <a:rPr lang="ru-RU" dirty="0" smtClean="0"/>
+              <a:t>Нахождение перекрестных ссылок</a:t>
             </a:r>
             <a:endParaRPr lang="ru-RU" dirty="0"/>
           </a:p>
@@ -3660,584 +3661,160 @@
           </a:p>
         </p:txBody>
       </p:sp>
-      <p:sp>
-        <p:nvSpPr>
-          <p:cNvPr id="5" name="Содержимое 2"/>
-          <p:cNvSpPr txBox="1">
-            <a:spLocks/>
-          </p:cNvSpPr>
+      <p:pic>
+        <p:nvPicPr>
+          <p:cNvPr id="6" name="Рисунок 5" descr="aliases2.emf"/>
+          <p:cNvPicPr>
+            <a:picLocks noChangeAspect="1"/>
+          </p:cNvPicPr>
           <p:nvPr/>
-        </p:nvSpPr>
+        </p:nvPicPr>
+        <p:blipFill>
+          <a:blip r:embed="rId2" cstate="print"/>
+          <a:stretch>
+            <a:fillRect/>
+          </a:stretch>
+        </p:blipFill>
         <p:spPr>
           <a:xfrm>
-            <a:off x="683568" y="1484784"/>
-            <a:ext cx="7787208" cy="2592288"/>
+            <a:off x="2339753" y="3356993"/>
+            <a:ext cx="1368152" cy="403975"/>
           </a:xfrm>
           <a:prstGeom prst="rect">
             <a:avLst/>
           </a:prstGeom>
-          <a:ln>
-            <a:solidFill>
-              <a:schemeClr val="tx1"/>
-            </a:solidFill>
-          </a:ln>
         </p:spPr>
-        <p:txBody>
-          <a:bodyPr vert="horz" lIns="91440" tIns="45720" rIns="91440" bIns="45720" rtlCol="0">
-            <a:noAutofit/>
-          </a:bodyPr>
-          <a:lstStyle/>
-          <a:p>
-            <a:pPr marL="0" marR="0" lvl="0" indent="0" algn="l" defTabSz="914400" rtl="0" eaLnBrk="1" fontAlgn="auto" latinLnBrk="0" hangingPunct="1">
-              <a:lnSpc>
-                <a:spcPct val="100000"/>
-              </a:lnSpc>
-              <a:spcBef>
-                <a:spcPct val="20000"/>
-              </a:spcBef>
-              <a:spcAft>
-                <a:spcPts val="0"/>
-              </a:spcAft>
-              <a:buClrTx/>
-              <a:buSzTx/>
-              <a:buFont typeface="Arial" pitchFamily="34" charset="0"/>
-              <a:buNone/>
-              <a:tabLst/>
-              <a:defRPr/>
-            </a:pPr>
-            <a:r>
-              <a:rPr kumimoji="0" lang="ru-RU" sz="2400" b="1" i="1" u="none" strike="noStrike" kern="1200" cap="none" spc="0" normalizeH="0" baseline="0" noProof="0" dirty="0" smtClean="0">
-                <a:ln>
-                  <a:noFill/>
-                </a:ln>
-                <a:solidFill>
-                  <a:schemeClr val="tx1"/>
-                </a:solidFill>
-                <a:effectLst/>
-                <a:uLnTx/>
-                <a:uFillTx/>
-                <a:latin typeface="+mn-lt"/>
-                <a:ea typeface="+mn-ea"/>
-                <a:cs typeface="+mn-cs"/>
-              </a:rPr>
-              <a:t>Относительное множество блокировок </a:t>
-            </a:r>
-            <a:r>
-              <a:rPr kumimoji="0" lang="en-US" sz="2400" b="1" i="1" u="none" strike="noStrike" kern="1200" cap="none" spc="0" normalizeH="0" baseline="0" noProof="0" dirty="0" smtClean="0">
-                <a:ln>
-                  <a:noFill/>
-                </a:ln>
-                <a:solidFill>
-                  <a:schemeClr val="tx1"/>
-                </a:solidFill>
-                <a:effectLst/>
-                <a:uLnTx/>
-                <a:uFillTx/>
-                <a:latin typeface="+mn-lt"/>
-                <a:ea typeface="+mn-ea"/>
-                <a:cs typeface="+mn-cs"/>
-              </a:rPr>
-              <a:t>L</a:t>
-            </a:r>
-            <a:r>
-              <a:rPr kumimoji="0" lang="ru-RU" sz="2400" b="1" i="1" u="none" strike="noStrike" kern="1200" cap="none" spc="0" normalizeH="0" baseline="0" noProof="0" dirty="0" smtClean="0">
-                <a:ln>
-                  <a:noFill/>
-                </a:ln>
-                <a:solidFill>
-                  <a:schemeClr val="tx1"/>
-                </a:solidFill>
-                <a:effectLst/>
-                <a:uLnTx/>
-                <a:uFillTx/>
-                <a:latin typeface="+mn-lt"/>
-                <a:ea typeface="+mn-ea"/>
-                <a:cs typeface="+mn-cs"/>
-              </a:rPr>
-              <a:t> </a:t>
-            </a:r>
-            <a:r>
-              <a:rPr kumimoji="0" lang="ru-RU" sz="2400" b="0" i="0" u="none" strike="noStrike" kern="1200" cap="none" spc="0" normalizeH="0" baseline="0" noProof="0" dirty="0" smtClean="0">
-                <a:ln>
-                  <a:noFill/>
-                </a:ln>
-                <a:solidFill>
-                  <a:schemeClr val="tx1"/>
-                </a:solidFill>
-                <a:effectLst/>
-                <a:uLnTx/>
-                <a:uFillTx/>
-                <a:latin typeface="+mn-lt"/>
-                <a:ea typeface="+mn-ea"/>
-                <a:cs typeface="+mn-cs"/>
-              </a:rPr>
-              <a:t>–</a:t>
-            </a:r>
-            <a:r>
-              <a:rPr kumimoji="0" lang="en-US" sz="2400" b="0" i="0" u="none" strike="noStrike" kern="1200" cap="none" spc="0" normalizeH="0" baseline="0" noProof="0" dirty="0" smtClean="0">
-                <a:ln>
-                  <a:noFill/>
-                </a:ln>
-                <a:solidFill>
-                  <a:schemeClr val="tx1"/>
-                </a:solidFill>
-                <a:effectLst/>
-                <a:uLnTx/>
-                <a:uFillTx/>
-                <a:latin typeface="+mn-lt"/>
-                <a:ea typeface="+mn-ea"/>
-                <a:cs typeface="+mn-cs"/>
-              </a:rPr>
-              <a:t> </a:t>
-            </a:r>
-            <a:r>
-              <a:rPr kumimoji="0" lang="ru-RU" sz="2400" b="0" i="0" u="none" strike="noStrike" kern="1200" cap="none" spc="0" normalizeH="0" baseline="0" noProof="0" dirty="0" smtClean="0">
-                <a:ln>
-                  <a:noFill/>
-                </a:ln>
-                <a:solidFill>
-                  <a:schemeClr val="tx1"/>
-                </a:solidFill>
-                <a:effectLst/>
-                <a:uLnTx/>
-                <a:uFillTx/>
-                <a:latin typeface="+mn-lt"/>
-                <a:ea typeface="+mn-ea"/>
-                <a:cs typeface="+mn-cs"/>
-              </a:rPr>
-              <a:t>пара (</a:t>
-            </a:r>
-            <a:r>
-              <a:rPr kumimoji="0" lang="en-US" sz="2400" b="0" i="0" u="none" strike="noStrike" kern="1200" cap="none" spc="0" normalizeH="0" baseline="0" noProof="0" dirty="0" smtClean="0">
-                <a:ln>
-                  <a:noFill/>
-                </a:ln>
-                <a:solidFill>
-                  <a:schemeClr val="tx1"/>
-                </a:solidFill>
-                <a:effectLst/>
-                <a:uLnTx/>
-                <a:uFillTx/>
-                <a:latin typeface="+mn-lt"/>
-                <a:ea typeface="+mn-ea"/>
-                <a:cs typeface="+mn-cs"/>
-              </a:rPr>
-              <a:t>L</a:t>
-            </a:r>
-            <a:r>
-              <a:rPr kumimoji="0" lang="en-US" sz="2400" b="0" i="0" u="none" strike="noStrike" kern="1200" cap="none" spc="0" normalizeH="0" baseline="-25000" noProof="0" dirty="0" smtClean="0">
-                <a:ln>
-                  <a:noFill/>
-                </a:ln>
-                <a:solidFill>
-                  <a:schemeClr val="tx1"/>
-                </a:solidFill>
-                <a:effectLst/>
-                <a:uLnTx/>
-                <a:uFillTx/>
-                <a:latin typeface="+mn-lt"/>
-                <a:ea typeface="+mn-ea"/>
-                <a:cs typeface="+mn-cs"/>
-              </a:rPr>
-              <a:t>+</a:t>
-            </a:r>
-            <a:r>
-              <a:rPr kumimoji="0" lang="en-US" sz="2400" b="0" i="0" u="none" strike="noStrike" kern="1200" cap="none" spc="0" normalizeH="0" baseline="0" noProof="0" dirty="0" smtClean="0">
-                <a:ln>
-                  <a:noFill/>
-                </a:ln>
-                <a:solidFill>
-                  <a:schemeClr val="tx1"/>
-                </a:solidFill>
-                <a:effectLst/>
-                <a:uLnTx/>
-                <a:uFillTx/>
-                <a:latin typeface="+mn-lt"/>
-                <a:ea typeface="+mn-ea"/>
-                <a:cs typeface="+mn-cs"/>
-              </a:rPr>
-              <a:t>, L</a:t>
-            </a:r>
-            <a:r>
-              <a:rPr kumimoji="0" lang="en-US" sz="2400" b="0" i="0" u="none" strike="noStrike" kern="1200" cap="none" spc="0" normalizeH="0" baseline="-25000" noProof="0" dirty="0" smtClean="0">
-                <a:ln>
-                  <a:noFill/>
-                </a:ln>
-                <a:solidFill>
-                  <a:schemeClr val="tx1"/>
-                </a:solidFill>
-                <a:effectLst/>
-                <a:uLnTx/>
-                <a:uFillTx/>
-                <a:latin typeface="+mn-lt"/>
-                <a:ea typeface="+mn-ea"/>
-                <a:cs typeface="+mn-cs"/>
-              </a:rPr>
-              <a:t>-</a:t>
-            </a:r>
-            <a:r>
-              <a:rPr kumimoji="0" lang="en-US" sz="2400" b="0" i="0" u="none" strike="noStrike" kern="1200" cap="none" spc="0" normalizeH="0" baseline="0" noProof="0" dirty="0" smtClean="0">
-                <a:ln>
-                  <a:noFill/>
-                </a:ln>
-                <a:solidFill>
-                  <a:schemeClr val="tx1"/>
-                </a:solidFill>
-                <a:effectLst/>
-                <a:uLnTx/>
-                <a:uFillTx/>
-                <a:latin typeface="+mn-lt"/>
-                <a:ea typeface="+mn-ea"/>
-                <a:cs typeface="+mn-cs"/>
-              </a:rPr>
-              <a:t>),  </a:t>
-            </a:r>
-            <a:r>
-              <a:rPr kumimoji="0" lang="ru-RU" sz="2400" b="0" i="0" u="none" strike="noStrike" kern="1200" cap="none" spc="0" normalizeH="0" baseline="0" noProof="0" dirty="0" smtClean="0">
-                <a:ln>
-                  <a:noFill/>
-                </a:ln>
-                <a:solidFill>
-                  <a:schemeClr val="tx1"/>
-                </a:solidFill>
-                <a:effectLst/>
-                <a:uLnTx/>
-                <a:uFillTx/>
-                <a:latin typeface="+mn-lt"/>
-                <a:ea typeface="+mn-ea"/>
-                <a:cs typeface="+mn-cs"/>
-              </a:rPr>
-              <a:t>где</a:t>
-            </a:r>
-            <a:r>
-              <a:rPr kumimoji="0" lang="en-US" sz="2400" b="0" i="0" u="none" strike="noStrike" kern="1200" cap="none" spc="0" normalizeH="0" baseline="0" noProof="0" dirty="0" smtClean="0">
-                <a:ln>
-                  <a:noFill/>
-                </a:ln>
-                <a:solidFill>
-                  <a:schemeClr val="tx1"/>
-                </a:solidFill>
-                <a:effectLst/>
-                <a:uLnTx/>
-                <a:uFillTx/>
-                <a:latin typeface="+mn-lt"/>
-                <a:ea typeface="+mn-ea"/>
-                <a:cs typeface="+mn-cs"/>
-              </a:rPr>
-              <a:t>:</a:t>
-            </a:r>
-          </a:p>
-          <a:p>
-            <a:pPr marL="0" marR="0" lvl="0" indent="0" algn="l" defTabSz="914400" rtl="0" eaLnBrk="1" fontAlgn="auto" latinLnBrk="0" hangingPunct="1">
-              <a:lnSpc>
-                <a:spcPct val="100000"/>
-              </a:lnSpc>
-              <a:spcBef>
-                <a:spcPct val="20000"/>
-              </a:spcBef>
-              <a:spcAft>
-                <a:spcPts val="0"/>
-              </a:spcAft>
-              <a:buClrTx/>
-              <a:buSzTx/>
-              <a:buFont typeface="Wingdings" pitchFamily="2" charset="2"/>
-              <a:buChar char="§"/>
-              <a:tabLst/>
-              <a:defRPr/>
-            </a:pPr>
-            <a:r>
-              <a:rPr kumimoji="0" lang="en-US" sz="2400" b="0" i="0" u="none" strike="noStrike" kern="1200" cap="none" spc="0" normalizeH="0" baseline="0" noProof="0" dirty="0" smtClean="0">
-                <a:ln>
-                  <a:noFill/>
-                </a:ln>
-                <a:solidFill>
-                  <a:schemeClr val="tx1"/>
-                </a:solidFill>
-                <a:effectLst/>
-                <a:uLnTx/>
-                <a:uFillTx/>
-                <a:latin typeface="+mn-lt"/>
-                <a:ea typeface="+mn-ea"/>
-                <a:cs typeface="+mn-cs"/>
-              </a:rPr>
-              <a:t> L</a:t>
-            </a:r>
-            <a:r>
-              <a:rPr kumimoji="0" lang="en-US" sz="2400" b="0" i="0" u="none" strike="noStrike" kern="1200" cap="none" spc="0" normalizeH="0" baseline="-25000" noProof="0" dirty="0" smtClean="0">
-                <a:ln>
-                  <a:noFill/>
-                </a:ln>
-                <a:solidFill>
-                  <a:schemeClr val="tx1"/>
-                </a:solidFill>
-                <a:effectLst/>
-                <a:uLnTx/>
-                <a:uFillTx/>
-                <a:latin typeface="+mn-lt"/>
-                <a:ea typeface="+mn-ea"/>
-                <a:cs typeface="+mn-cs"/>
-              </a:rPr>
-              <a:t>+</a:t>
-            </a:r>
-            <a:r>
-              <a:rPr kumimoji="0" lang="en-US" sz="2400" b="0" i="0" u="none" strike="noStrike" kern="1200" cap="none" spc="0" normalizeH="0" baseline="0" noProof="0" dirty="0" smtClean="0">
-                <a:ln>
-                  <a:noFill/>
-                </a:ln>
-                <a:solidFill>
-                  <a:schemeClr val="tx1"/>
-                </a:solidFill>
-                <a:effectLst/>
-                <a:uLnTx/>
-                <a:uFillTx/>
-                <a:latin typeface="+mn-lt"/>
-                <a:ea typeface="+mn-ea"/>
-                <a:cs typeface="+mn-cs"/>
-              </a:rPr>
-              <a:t> - </a:t>
-            </a:r>
-            <a:r>
-              <a:rPr kumimoji="0" lang="ru-RU" sz="2400" b="0" i="0" u="none" strike="noStrike" kern="1200" cap="none" spc="0" normalizeH="0" baseline="0" noProof="0" dirty="0" smtClean="0">
-                <a:ln>
-                  <a:noFill/>
-                </a:ln>
-                <a:solidFill>
-                  <a:schemeClr val="tx1"/>
-                </a:solidFill>
-                <a:effectLst/>
-                <a:uLnTx/>
-                <a:uFillTx/>
-                <a:latin typeface="+mn-lt"/>
-                <a:ea typeface="+mn-ea"/>
-                <a:cs typeface="+mn-cs"/>
-              </a:rPr>
-              <a:t>множество блокировок, которые захватываются всегда (</a:t>
-            </a:r>
-            <a:r>
-              <a:rPr kumimoji="0" lang="en-US" sz="2400" b="0" i="0" u="none" strike="noStrike" kern="1200" cap="none" spc="0" normalizeH="0" baseline="0" noProof="0" dirty="0" smtClean="0">
-                <a:ln>
-                  <a:noFill/>
-                </a:ln>
-                <a:solidFill>
-                  <a:schemeClr val="tx1"/>
-                </a:solidFill>
-                <a:effectLst/>
-                <a:uLnTx/>
-                <a:uFillTx/>
-                <a:latin typeface="+mn-lt"/>
-                <a:ea typeface="+mn-ea"/>
-                <a:cs typeface="+mn-cs"/>
-              </a:rPr>
-              <a:t>must-set),</a:t>
-            </a:r>
-            <a:endParaRPr kumimoji="0" lang="ru-RU" sz="2400" b="0" i="0" u="none" strike="noStrike" kern="1200" cap="none" spc="0" normalizeH="0" baseline="0" noProof="0" dirty="0" smtClean="0">
-              <a:ln>
-                <a:noFill/>
-              </a:ln>
-              <a:solidFill>
-                <a:schemeClr val="tx1"/>
-              </a:solidFill>
-              <a:effectLst/>
-              <a:uLnTx/>
-              <a:uFillTx/>
-              <a:latin typeface="+mn-lt"/>
-              <a:ea typeface="+mn-ea"/>
-              <a:cs typeface="+mn-cs"/>
-            </a:endParaRPr>
-          </a:p>
-          <a:p>
-            <a:pPr marL="0" marR="0" lvl="0" indent="0" algn="l" defTabSz="914400" rtl="0" eaLnBrk="1" fontAlgn="auto" latinLnBrk="0" hangingPunct="1">
-              <a:lnSpc>
-                <a:spcPct val="100000"/>
-              </a:lnSpc>
-              <a:spcBef>
-                <a:spcPct val="20000"/>
-              </a:spcBef>
-              <a:spcAft>
-                <a:spcPts val="0"/>
-              </a:spcAft>
-              <a:buClrTx/>
-              <a:buSzTx/>
-              <a:buFont typeface="Wingdings" pitchFamily="2" charset="2"/>
-              <a:buChar char="§"/>
-              <a:tabLst/>
-              <a:defRPr/>
-            </a:pPr>
-            <a:r>
-              <a:rPr kumimoji="0" lang="en-US" sz="2400" b="0" i="0" u="none" strike="noStrike" kern="1200" cap="none" spc="0" normalizeH="0" baseline="0" noProof="0" dirty="0" smtClean="0">
-                <a:ln>
-                  <a:noFill/>
-                </a:ln>
-                <a:solidFill>
-                  <a:schemeClr val="tx1"/>
-                </a:solidFill>
-                <a:effectLst/>
-                <a:uLnTx/>
-                <a:uFillTx/>
-                <a:latin typeface="+mn-lt"/>
-                <a:ea typeface="+mn-ea"/>
-                <a:cs typeface="+mn-cs"/>
-              </a:rPr>
-              <a:t> L</a:t>
-            </a:r>
-            <a:r>
-              <a:rPr kumimoji="0" lang="en-US" sz="2400" b="0" i="0" u="none" strike="noStrike" kern="1200" cap="none" spc="0" normalizeH="0" baseline="-25000" noProof="0" dirty="0" smtClean="0">
-                <a:ln>
-                  <a:noFill/>
-                </a:ln>
-                <a:solidFill>
-                  <a:schemeClr val="tx1"/>
-                </a:solidFill>
-                <a:effectLst/>
-                <a:uLnTx/>
-                <a:uFillTx/>
-                <a:latin typeface="+mn-lt"/>
-                <a:ea typeface="+mn-ea"/>
-                <a:cs typeface="+mn-cs"/>
-              </a:rPr>
-              <a:t>-  </a:t>
-            </a:r>
-            <a:r>
-              <a:rPr kumimoji="0" lang="en-US" sz="2400" b="0" i="0" u="none" strike="noStrike" kern="1200" cap="none" spc="0" normalizeH="0" baseline="0" noProof="0" dirty="0" smtClean="0">
-                <a:ln>
-                  <a:noFill/>
-                </a:ln>
-                <a:solidFill>
-                  <a:schemeClr val="tx1"/>
-                </a:solidFill>
-                <a:effectLst/>
-                <a:uLnTx/>
-                <a:uFillTx/>
-                <a:latin typeface="+mn-lt"/>
-                <a:ea typeface="+mn-ea"/>
-                <a:cs typeface="+mn-cs"/>
-              </a:rPr>
-              <a:t>- </a:t>
-            </a:r>
-            <a:r>
-              <a:rPr kumimoji="0" lang="ru-RU" sz="2400" b="0" i="0" u="none" strike="noStrike" kern="1200" cap="none" spc="0" normalizeH="0" baseline="0" noProof="0" dirty="0" smtClean="0">
-                <a:ln>
-                  <a:noFill/>
-                </a:ln>
-                <a:solidFill>
-                  <a:schemeClr val="tx1"/>
-                </a:solidFill>
-                <a:effectLst/>
-                <a:uLnTx/>
-                <a:uFillTx/>
-                <a:latin typeface="+mn-lt"/>
-                <a:ea typeface="+mn-ea"/>
-                <a:cs typeface="+mn-cs"/>
-              </a:rPr>
-              <a:t>множество блокировок, которые могут быть освобождены (</a:t>
-            </a:r>
-            <a:r>
-              <a:rPr kumimoji="0" lang="en-US" sz="2400" b="0" i="0" u="none" strike="noStrike" kern="1200" cap="none" spc="0" normalizeH="0" baseline="0" noProof="0" dirty="0" smtClean="0">
-                <a:ln>
-                  <a:noFill/>
-                </a:ln>
-                <a:solidFill>
-                  <a:schemeClr val="tx1"/>
-                </a:solidFill>
-                <a:effectLst/>
-                <a:uLnTx/>
-                <a:uFillTx/>
-                <a:latin typeface="+mn-lt"/>
-                <a:ea typeface="+mn-ea"/>
-                <a:cs typeface="+mn-cs"/>
-              </a:rPr>
-              <a:t>may-set).</a:t>
-            </a:r>
-            <a:endParaRPr kumimoji="0" lang="ru-RU" sz="2400" b="0" i="0" u="none" strike="noStrike" kern="1200" cap="none" spc="0" normalizeH="0" baseline="0" noProof="0" dirty="0">
-              <a:ln>
-                <a:noFill/>
-              </a:ln>
-              <a:solidFill>
-                <a:schemeClr val="tx1"/>
-              </a:solidFill>
-              <a:effectLst/>
-              <a:uLnTx/>
-              <a:uFillTx/>
-              <a:latin typeface="+mn-lt"/>
-              <a:ea typeface="+mn-ea"/>
-              <a:cs typeface="+mn-cs"/>
-            </a:endParaRPr>
-          </a:p>
-        </p:txBody>
-      </p:sp>
-      <p:sp>
-        <p:nvSpPr>
-          <p:cNvPr id="6" name="TextBox 5"/>
-          <p:cNvSpPr txBox="1"/>
+      </p:pic>
+      <p:pic>
+        <p:nvPicPr>
+          <p:cNvPr id="7" name="Рисунок 6" descr="aliases3.emf"/>
+          <p:cNvPicPr>
+            <a:picLocks noChangeAspect="1"/>
+          </p:cNvPicPr>
           <p:nvPr/>
-        </p:nvSpPr>
+        </p:nvPicPr>
+        <p:blipFill>
+          <a:blip r:embed="rId3" cstate="print"/>
+          <a:stretch>
+            <a:fillRect/>
+          </a:stretch>
+        </p:blipFill>
         <p:spPr>
           <a:xfrm>
-            <a:off x="683568" y="4365104"/>
-            <a:ext cx="7776864" cy="830997"/>
+            <a:off x="2267744" y="4797154"/>
+            <a:ext cx="2395867" cy="1008110"/>
           </a:xfrm>
           <a:prstGeom prst="rect">
             <a:avLst/>
           </a:prstGeom>
-          <a:noFill/>
-          <a:ln>
-            <a:solidFill>
-              <a:schemeClr val="tx1"/>
-            </a:solidFill>
-          </a:ln>
         </p:spPr>
-        <p:txBody>
-          <a:bodyPr wrap="square" rtlCol="0">
-            <a:spAutoFit/>
-          </a:bodyPr>
-          <a:lstStyle/>
-          <a:p>
-            <a:r>
-              <a:rPr lang="ru-RU" sz="2400" b="1" i="1" dirty="0" smtClean="0"/>
-              <a:t>Ядро функции</a:t>
-            </a:r>
-            <a:r>
-              <a:rPr lang="en-US" sz="2400" dirty="0" smtClean="0"/>
-              <a:t> </a:t>
-            </a:r>
-            <a:r>
-              <a:rPr lang="ru-RU" sz="2400" dirty="0" smtClean="0"/>
-              <a:t>– базовые блоки графа потока управления, которые встречаются на всех путях  выполнения функции.</a:t>
-            </a:r>
-            <a:endParaRPr lang="ru-RU" sz="2400" dirty="0"/>
-          </a:p>
-        </p:txBody>
-      </p:sp>
-      <p:graphicFrame>
-        <p:nvGraphicFramePr>
-          <p:cNvPr id="10" name="Объект 9"/>
-          <p:cNvGraphicFramePr>
-            <a:graphicFrameLocks noChangeAspect="1"/>
-          </p:cNvGraphicFramePr>
+      </p:pic>
+      <p:pic>
+        <p:nvPicPr>
+          <p:cNvPr id="8" name="Рисунок 7" descr="aliases4.emf"/>
+          <p:cNvPicPr>
+            <a:picLocks noChangeAspect="1"/>
+          </p:cNvPicPr>
           <p:nvPr/>
-        </p:nvGraphicFramePr>
-        <p:xfrm>
-          <a:off x="683568" y="5445224"/>
-          <a:ext cx="7776864" cy="406790"/>
-        </p:xfrm>
-        <a:graphic>
-          <a:graphicData uri="http://schemas.openxmlformats.org/presentationml/2006/ole">
-            <p:oleObj spid="_x0000_s1027" name="Формула" r:id="rId3" imgW="4127400" imgH="215640" progId="Equation.3">
-              <p:embed/>
-            </p:oleObj>
-          </a:graphicData>
-        </a:graphic>
-      </p:graphicFrame>
-      <p:sp>
-        <p:nvSpPr>
-          <p:cNvPr id="8" name="TextBox 7"/>
+        </p:nvPicPr>
+        <p:blipFill>
+          <a:blip r:embed="rId4" cstate="print"/>
+          <a:stretch>
+            <a:fillRect/>
+          </a:stretch>
+        </p:blipFill>
+        <p:spPr>
+          <a:xfrm>
+            <a:off x="6012160" y="1844824"/>
+            <a:ext cx="1368152" cy="1173345"/>
+          </a:xfrm>
+          <a:prstGeom prst="rect">
+            <a:avLst/>
+          </a:prstGeom>
+        </p:spPr>
+      </p:pic>
+      <p:pic>
+        <p:nvPicPr>
+          <p:cNvPr id="9" name="Рисунок 8" descr="aliases5.emf"/>
+          <p:cNvPicPr>
+            <a:picLocks noChangeAspect="1"/>
+          </p:cNvPicPr>
+          <p:nvPr/>
+        </p:nvPicPr>
+        <p:blipFill>
+          <a:blip r:embed="rId5" cstate="print"/>
+          <a:stretch>
+            <a:fillRect/>
+          </a:stretch>
+        </p:blipFill>
+        <p:spPr>
+          <a:xfrm>
+            <a:off x="6084168" y="3429000"/>
+            <a:ext cx="1343412" cy="1152128"/>
+          </a:xfrm>
+          <a:prstGeom prst="rect">
+            <a:avLst/>
+          </a:prstGeom>
+        </p:spPr>
+      </p:pic>
+      <p:pic>
+        <p:nvPicPr>
+          <p:cNvPr id="10" name="Рисунок 9" descr="aliases6.emf"/>
+          <p:cNvPicPr>
+            <a:picLocks noChangeAspect="1"/>
+          </p:cNvPicPr>
+          <p:nvPr/>
+        </p:nvPicPr>
+        <p:blipFill>
+          <a:blip r:embed="rId6" cstate="print"/>
+          <a:stretch>
+            <a:fillRect/>
+          </a:stretch>
+        </p:blipFill>
+        <p:spPr>
+          <a:xfrm>
+            <a:off x="6084168" y="4797152"/>
+            <a:ext cx="2376264" cy="1195890"/>
+          </a:xfrm>
+          <a:prstGeom prst="rect">
+            <a:avLst/>
+          </a:prstGeom>
+        </p:spPr>
+      </p:pic>
+      <p:pic>
+        <p:nvPicPr>
+          <p:cNvPr id="13" name="Содержимое 4" descr="aliases1.emf"/>
+          <p:cNvPicPr>
+            <a:picLocks noChangeAspect="1"/>
+          </p:cNvPicPr>
+          <p:nvPr/>
+        </p:nvPicPr>
+        <p:blipFill>
+          <a:blip r:embed="rId7" cstate="print"/>
+          <a:stretch>
+            <a:fillRect/>
+          </a:stretch>
+        </p:blipFill>
+        <p:spPr>
+          <a:xfrm>
+            <a:off x="2339752" y="1844824"/>
+            <a:ext cx="1427376" cy="1224136"/>
+          </a:xfrm>
+          <a:prstGeom prst="rect">
+            <a:avLst/>
+          </a:prstGeom>
+        </p:spPr>
+      </p:pic>
+      <p:sp>
+        <p:nvSpPr>
+          <p:cNvPr id="14" name="TextBox 13"/>
           <p:cNvSpPr txBox="1"/>
           <p:nvPr/>
         </p:nvSpPr>
         <p:spPr>
           <a:xfrm>
-            <a:off x="7452320" y="980728"/>
-            <a:ext cx="1440160" cy="369332"/>
+            <a:off x="1475656" y="1844824"/>
+            <a:ext cx="1080120" cy="461665"/>
           </a:xfrm>
           <a:prstGeom prst="rect">
             <a:avLst/>
@@ -4251,10 +3828,160 @@
           <a:lstStyle/>
           <a:p>
             <a:r>
-              <a:rPr lang="ru-RU" dirty="0" smtClean="0"/>
-              <a:t>+ блок схема</a:t>
-            </a:r>
-            <a:endParaRPr lang="ru-RU" dirty="0"/>
+              <a:rPr lang="en-US" sz="2400" dirty="0" smtClean="0"/>
+              <a:t>p=q</a:t>
+            </a:r>
+            <a:endParaRPr lang="ru-RU" sz="2400" dirty="0"/>
+          </a:p>
+        </p:txBody>
+      </p:sp>
+      <p:sp>
+        <p:nvSpPr>
+          <p:cNvPr id="15" name="TextBox 14"/>
+          <p:cNvSpPr txBox="1"/>
+          <p:nvPr/>
+        </p:nvSpPr>
+        <p:spPr>
+          <a:xfrm>
+            <a:off x="1475656" y="3284984"/>
+            <a:ext cx="1080120" cy="461665"/>
+          </a:xfrm>
+          <a:prstGeom prst="rect">
+            <a:avLst/>
+          </a:prstGeom>
+          <a:noFill/>
+        </p:spPr>
+        <p:txBody>
+          <a:bodyPr wrap="square" rtlCol="0">
+            <a:spAutoFit/>
+          </a:bodyPr>
+          <a:lstStyle/>
+          <a:p>
+            <a:r>
+              <a:rPr lang="en-US" sz="2400" dirty="0" smtClean="0"/>
+              <a:t>p=&amp;q</a:t>
+            </a:r>
+            <a:endParaRPr lang="ru-RU" sz="2400" dirty="0"/>
+          </a:p>
+        </p:txBody>
+      </p:sp>
+      <p:sp>
+        <p:nvSpPr>
+          <p:cNvPr id="16" name="TextBox 15"/>
+          <p:cNvSpPr txBox="1"/>
+          <p:nvPr/>
+        </p:nvSpPr>
+        <p:spPr>
+          <a:xfrm>
+            <a:off x="1475656" y="4725144"/>
+            <a:ext cx="1080120" cy="461665"/>
+          </a:xfrm>
+          <a:prstGeom prst="rect">
+            <a:avLst/>
+          </a:prstGeom>
+          <a:noFill/>
+        </p:spPr>
+        <p:txBody>
+          <a:bodyPr wrap="square" rtlCol="0">
+            <a:spAutoFit/>
+          </a:bodyPr>
+          <a:lstStyle/>
+          <a:p>
+            <a:r>
+              <a:rPr lang="en-US" sz="2400" dirty="0" smtClean="0"/>
+              <a:t>p=*q</a:t>
+            </a:r>
+            <a:endParaRPr lang="ru-RU" sz="2400" dirty="0"/>
+          </a:p>
+        </p:txBody>
+      </p:sp>
+      <p:sp>
+        <p:nvSpPr>
+          <p:cNvPr id="17" name="TextBox 16"/>
+          <p:cNvSpPr txBox="1"/>
+          <p:nvPr/>
+        </p:nvSpPr>
+        <p:spPr>
+          <a:xfrm>
+            <a:off x="5148064" y="1844824"/>
+            <a:ext cx="1080120" cy="461665"/>
+          </a:xfrm>
+          <a:prstGeom prst="rect">
+            <a:avLst/>
+          </a:prstGeom>
+          <a:noFill/>
+        </p:spPr>
+        <p:txBody>
+          <a:bodyPr wrap="square" rtlCol="0">
+            <a:spAutoFit/>
+          </a:bodyPr>
+          <a:lstStyle/>
+          <a:p>
+            <a:r>
+              <a:rPr lang="en-US" sz="2400" dirty="0" smtClean="0"/>
+              <a:t>*p=q</a:t>
+            </a:r>
+            <a:endParaRPr lang="ru-RU" sz="2400" dirty="0"/>
+          </a:p>
+        </p:txBody>
+      </p:sp>
+      <p:sp>
+        <p:nvSpPr>
+          <p:cNvPr id="18" name="TextBox 17"/>
+          <p:cNvSpPr txBox="1"/>
+          <p:nvPr/>
+        </p:nvSpPr>
+        <p:spPr>
+          <a:xfrm>
+            <a:off x="5148064" y="3356992"/>
+            <a:ext cx="1080120" cy="461665"/>
+          </a:xfrm>
+          <a:prstGeom prst="rect">
+            <a:avLst/>
+          </a:prstGeom>
+          <a:noFill/>
+        </p:spPr>
+        <p:txBody>
+          <a:bodyPr wrap="square" rtlCol="0">
+            <a:spAutoFit/>
+          </a:bodyPr>
+          <a:lstStyle/>
+          <a:p>
+            <a:r>
+              <a:rPr lang="en-US" sz="2400" dirty="0" smtClean="0"/>
+              <a:t>*p=&amp;q</a:t>
+            </a:r>
+            <a:endParaRPr lang="ru-RU" sz="2400" dirty="0"/>
+          </a:p>
+        </p:txBody>
+      </p:sp>
+      <p:sp>
+        <p:nvSpPr>
+          <p:cNvPr id="19" name="TextBox 18"/>
+          <p:cNvSpPr txBox="1"/>
+          <p:nvPr/>
+        </p:nvSpPr>
+        <p:spPr>
+          <a:xfrm>
+            <a:off x="5148064" y="4725144"/>
+            <a:ext cx="1080120" cy="461665"/>
+          </a:xfrm>
+          <a:prstGeom prst="rect">
+            <a:avLst/>
+          </a:prstGeom>
+          <a:noFill/>
+        </p:spPr>
+        <p:txBody>
+          <a:bodyPr wrap="square" rtlCol="0">
+            <a:spAutoFit/>
+          </a:bodyPr>
+          <a:lstStyle/>
+          <a:p>
+            <a:r>
+              <a:rPr lang="en-US" sz="2400" dirty="0" smtClean="0"/>
+              <a:t>*p=*q</a:t>
+            </a:r>
+            <a:endParaRPr lang="ru-RU" sz="2400" dirty="0"/>
           </a:p>
         </p:txBody>
       </p:sp>
@@ -4263,7 +3990,6 @@
   <p:clrMapOvr>
     <a:masterClrMapping/>
   </p:clrMapOvr>
-  <p:transition/>
   <p:timing>
     <p:tnLst>
       <p:par>
@@ -4309,36 +4035,13 @@
           <a:lstStyle/>
           <a:p>
             <a:r>
-              <a:rPr lang="ru-RU" dirty="0" smtClean="0"/>
-              <a:t>Формирование таблиц защищенного доступа</a:t>
+              <a:rPr lang="ru-RU" smtClean="0"/>
+              <a:t>Формирование относительных множеств блокировок</a:t>
             </a:r>
             <a:endParaRPr lang="ru-RU" dirty="0"/>
           </a:p>
         </p:txBody>
       </p:sp>
-      <p:pic>
-        <p:nvPicPr>
-          <p:cNvPr id="5" name="Содержимое 4" descr="guarded_access_analysis_analyzeFunction.emf"/>
-          <p:cNvPicPr>
-            <a:picLocks noGrp="1" noChangeAspect="1"/>
-          </p:cNvPicPr>
-          <p:nvPr>
-            <p:ph idx="1"/>
-          </p:nvPr>
-        </p:nvPicPr>
-        <p:blipFill>
-          <a:blip r:embed="rId2" cstate="print"/>
-          <a:stretch>
-            <a:fillRect/>
-          </a:stretch>
-        </p:blipFill>
-        <p:spPr>
-          <a:xfrm>
-            <a:off x="5436096" y="1700808"/>
-            <a:ext cx="2276491" cy="4525963"/>
-          </a:xfrm>
-        </p:spPr>
-      </p:pic>
       <p:sp>
         <p:nvSpPr>
           <p:cNvPr id="4" name="Номер слайда 3"/>
@@ -4365,7 +4068,7 @@
       </p:sp>
       <p:sp>
         <p:nvSpPr>
-          <p:cNvPr id="6" name="Содержимое 2"/>
+          <p:cNvPr id="5" name="Содержимое 2"/>
           <p:cNvSpPr txBox="1">
             <a:spLocks/>
           </p:cNvSpPr>
@@ -4373,8 +4076,8 @@
         </p:nvSpPr>
         <p:spPr>
           <a:xfrm>
-            <a:off x="251520" y="1700808"/>
-            <a:ext cx="4752528" cy="3312368"/>
+            <a:off x="683568" y="1484784"/>
+            <a:ext cx="4392488" cy="3240360"/>
           </a:xfrm>
           <a:prstGeom prst="rect">
             <a:avLst/>
@@ -4391,7 +4094,7 @@
           </a:bodyPr>
           <a:lstStyle/>
           <a:p>
-            <a:pPr marL="342900" marR="0" lvl="0" indent="-342900" algn="l" defTabSz="914400" rtl="0" eaLnBrk="1" fontAlgn="auto" latinLnBrk="0" hangingPunct="1">
+            <a:pPr marL="0" marR="0" lvl="0" indent="0" algn="l" defTabSz="914400" rtl="0" eaLnBrk="1" fontAlgn="auto" latinLnBrk="0" hangingPunct="1">
               <a:lnSpc>
                 <a:spcPct val="100000"/>
               </a:lnSpc>
@@ -4423,7 +4126,7 @@
                 <a:ea typeface="+mn-ea"/>
                 <a:cs typeface="+mn-cs"/>
               </a:rPr>
-              <a:t>Защищенный доступ</a:t>
+              <a:t>Относительное множество блокировок </a:t>
             </a:r>
             <a:r>
               <a:rPr kumimoji="0" lang="en-US" sz="2400" b="1" i="1" u="none" strike="noStrike" kern="1200" cap="none" spc="0" normalizeH="0" baseline="0" noProof="0" dirty="0" smtClean="0">
@@ -4440,10 +4143,10 @@
                 <a:ea typeface="+mn-ea"/>
                 <a:cs typeface="+mn-cs"/>
               </a:rPr>
-              <a:t> A</a:t>
-            </a:r>
-            <a:r>
-              <a:rPr kumimoji="0" lang="ru-RU" sz="2400" b="0" i="0" u="none" strike="noStrike" kern="1200" cap="none" spc="0" normalizeH="0" baseline="0" noProof="0" dirty="0" smtClean="0">
+              <a:t>L</a:t>
+            </a:r>
+            <a:r>
+              <a:rPr kumimoji="0" lang="ru-RU" sz="2400" b="1" i="1" u="none" strike="noStrike" kern="1200" cap="none" spc="0" normalizeH="0" baseline="0" noProof="0" dirty="0" smtClean="0">
                 <a:ln>
                   <a:noFill/>
                 </a:ln>
@@ -4457,10 +4160,10 @@
                 <a:ea typeface="+mn-ea"/>
                 <a:cs typeface="+mn-cs"/>
               </a:rPr>
-              <a:t> – тройка (</a:t>
-            </a:r>
-            <a:r>
-              <a:rPr kumimoji="0" lang="en-US" sz="2400" b="0" i="1" u="none" strike="noStrike" kern="1200" cap="none" spc="0" normalizeH="0" baseline="0" noProof="0" dirty="0" smtClean="0">
+              <a:t> </a:t>
+            </a:r>
+            <a:r>
+              <a:rPr kumimoji="0" lang="ru-RU" sz="2400" b="0" i="0" u="none" strike="noStrike" kern="1200" cap="none" spc="0" normalizeH="0" baseline="0" noProof="0" dirty="0" smtClean="0">
                 <a:ln>
                   <a:noFill/>
                 </a:ln>
@@ -4474,7 +4177,7 @@
                 <a:ea typeface="+mn-ea"/>
                 <a:cs typeface="+mn-cs"/>
               </a:rPr>
-              <a:t>o, L, k</a:t>
+              <a:t>–</a:t>
             </a:r>
             <a:r>
               <a:rPr kumimoji="0" lang="en-US" sz="2400" b="0" i="0" u="none" strike="noStrike" kern="1200" cap="none" spc="0" normalizeH="0" baseline="0" noProof="0" dirty="0" smtClean="0">
@@ -4491,7 +4194,7 @@
                 <a:ea typeface="+mn-ea"/>
                 <a:cs typeface="+mn-cs"/>
               </a:rPr>
-              <a:t>), </a:t>
+              <a:t> </a:t>
             </a:r>
             <a:r>
               <a:rPr kumimoji="0" lang="ru-RU" sz="2400" b="0" i="0" u="none" strike="noStrike" kern="1200" cap="none" spc="0" normalizeH="0" baseline="0" noProof="0" dirty="0" smtClean="0">
@@ -4508,7 +4211,7 @@
                 <a:ea typeface="+mn-ea"/>
                 <a:cs typeface="+mn-cs"/>
               </a:rPr>
-              <a:t>где</a:t>
+              <a:t>пара (</a:t>
             </a:r>
             <a:r>
               <a:rPr kumimoji="0" lang="en-US" sz="2400" b="0" i="0" u="none" strike="noStrike" kern="1200" cap="none" spc="0" normalizeH="0" baseline="0" noProof="0" dirty="0" smtClean="0">
@@ -4525,7 +4228,213 @@
                 <a:ea typeface="+mn-ea"/>
                 <a:cs typeface="+mn-cs"/>
               </a:rPr>
+              <a:t>L</a:t>
+            </a:r>
+            <a:r>
+              <a:rPr kumimoji="0" lang="en-US" sz="2400" b="0" i="0" u="none" strike="noStrike" kern="1200" cap="none" spc="0" normalizeH="0" baseline="-25000" noProof="0" dirty="0" smtClean="0">
+                <a:ln>
+                  <a:noFill/>
+                </a:ln>
+                <a:solidFill>
+                  <a:schemeClr val="tx1"/>
+                </a:solidFill>
+                <a:effectLst/>
+                <a:uLnTx/>
+                <a:uFillTx/>
+                <a:latin typeface="+mn-lt"/>
+                <a:ea typeface="+mn-ea"/>
+                <a:cs typeface="+mn-cs"/>
+              </a:rPr>
+              <a:t>+</a:t>
+            </a:r>
+            <a:r>
+              <a:rPr kumimoji="0" lang="en-US" sz="2400" b="0" i="0" u="none" strike="noStrike" kern="1200" cap="none" spc="0" normalizeH="0" baseline="0" noProof="0" dirty="0" smtClean="0">
+                <a:ln>
+                  <a:noFill/>
+                </a:ln>
+                <a:solidFill>
+                  <a:schemeClr val="tx1"/>
+                </a:solidFill>
+                <a:effectLst/>
+                <a:uLnTx/>
+                <a:uFillTx/>
+                <a:latin typeface="+mn-lt"/>
+                <a:ea typeface="+mn-ea"/>
+                <a:cs typeface="+mn-cs"/>
+              </a:rPr>
+              <a:t>, L</a:t>
+            </a:r>
+            <a:r>
+              <a:rPr kumimoji="0" lang="en-US" sz="2400" b="0" i="0" u="none" strike="noStrike" kern="1200" cap="none" spc="0" normalizeH="0" baseline="-25000" noProof="0" dirty="0" smtClean="0">
+                <a:ln>
+                  <a:noFill/>
+                </a:ln>
+                <a:solidFill>
+                  <a:schemeClr val="tx1"/>
+                </a:solidFill>
+                <a:effectLst/>
+                <a:uLnTx/>
+                <a:uFillTx/>
+                <a:latin typeface="+mn-lt"/>
+                <a:ea typeface="+mn-ea"/>
+                <a:cs typeface="+mn-cs"/>
+              </a:rPr>
+              <a:t>-</a:t>
+            </a:r>
+            <a:r>
+              <a:rPr kumimoji="0" lang="en-US" sz="2400" b="0" i="0" u="none" strike="noStrike" kern="1200" cap="none" spc="0" normalizeH="0" baseline="0" noProof="0" dirty="0" smtClean="0">
+                <a:ln>
+                  <a:noFill/>
+                </a:ln>
+                <a:solidFill>
+                  <a:schemeClr val="tx1"/>
+                </a:solidFill>
+                <a:effectLst/>
+                <a:uLnTx/>
+                <a:uFillTx/>
+                <a:latin typeface="+mn-lt"/>
+                <a:ea typeface="+mn-ea"/>
+                <a:cs typeface="+mn-cs"/>
+              </a:rPr>
+              <a:t>),  </a:t>
+            </a:r>
+            <a:r>
+              <a:rPr kumimoji="0" lang="ru-RU" sz="2400" b="0" i="0" u="none" strike="noStrike" kern="1200" cap="none" spc="0" normalizeH="0" baseline="0" noProof="0" dirty="0" smtClean="0">
+                <a:ln>
+                  <a:noFill/>
+                </a:ln>
+                <a:solidFill>
+                  <a:schemeClr val="tx1"/>
+                </a:solidFill>
+                <a:effectLst/>
+                <a:uLnTx/>
+                <a:uFillTx/>
+                <a:latin typeface="+mn-lt"/>
+                <a:ea typeface="+mn-ea"/>
+                <a:cs typeface="+mn-cs"/>
+              </a:rPr>
+              <a:t>где</a:t>
+            </a:r>
+            <a:r>
+              <a:rPr kumimoji="0" lang="en-US" sz="2400" b="0" i="0" u="none" strike="noStrike" kern="1200" cap="none" spc="0" normalizeH="0" baseline="0" noProof="0" dirty="0" smtClean="0">
+                <a:ln>
+                  <a:noFill/>
+                </a:ln>
+                <a:solidFill>
+                  <a:schemeClr val="tx1"/>
+                </a:solidFill>
+                <a:effectLst/>
+                <a:uLnTx/>
+                <a:uFillTx/>
+                <a:latin typeface="+mn-lt"/>
+                <a:ea typeface="+mn-ea"/>
+                <a:cs typeface="+mn-cs"/>
+              </a:rPr>
               <a:t>:</a:t>
+            </a:r>
+          </a:p>
+          <a:p>
+            <a:pPr marL="0" marR="0" lvl="0" indent="0" algn="l" defTabSz="914400" rtl="0" eaLnBrk="1" fontAlgn="auto" latinLnBrk="0" hangingPunct="1">
+              <a:lnSpc>
+                <a:spcPct val="100000"/>
+              </a:lnSpc>
+              <a:spcBef>
+                <a:spcPct val="20000"/>
+              </a:spcBef>
+              <a:spcAft>
+                <a:spcPts val="0"/>
+              </a:spcAft>
+              <a:buClrTx/>
+              <a:buSzTx/>
+              <a:buFont typeface="Wingdings" pitchFamily="2" charset="2"/>
+              <a:buChar char="§"/>
+              <a:tabLst/>
+              <a:defRPr/>
+            </a:pPr>
+            <a:r>
+              <a:rPr kumimoji="0" lang="en-US" sz="2400" b="0" i="0" u="none" strike="noStrike" kern="1200" cap="none" spc="0" normalizeH="0" baseline="0" noProof="0" dirty="0" smtClean="0">
+                <a:ln>
+                  <a:noFill/>
+                </a:ln>
+                <a:solidFill>
+                  <a:schemeClr val="tx1"/>
+                </a:solidFill>
+                <a:effectLst/>
+                <a:uLnTx/>
+                <a:uFillTx/>
+                <a:latin typeface="+mn-lt"/>
+                <a:ea typeface="+mn-ea"/>
+                <a:cs typeface="+mn-cs"/>
+              </a:rPr>
+              <a:t> L</a:t>
+            </a:r>
+            <a:r>
+              <a:rPr kumimoji="0" lang="en-US" sz="2400" b="0" i="0" u="none" strike="noStrike" kern="1200" cap="none" spc="0" normalizeH="0" baseline="-25000" noProof="0" dirty="0" smtClean="0">
+                <a:ln>
+                  <a:noFill/>
+                </a:ln>
+                <a:solidFill>
+                  <a:schemeClr val="tx1"/>
+                </a:solidFill>
+                <a:effectLst/>
+                <a:uLnTx/>
+                <a:uFillTx/>
+                <a:latin typeface="+mn-lt"/>
+                <a:ea typeface="+mn-ea"/>
+                <a:cs typeface="+mn-cs"/>
+              </a:rPr>
+              <a:t>+</a:t>
+            </a:r>
+            <a:r>
+              <a:rPr kumimoji="0" lang="en-US" sz="2400" b="0" i="0" u="none" strike="noStrike" kern="1200" cap="none" spc="0" normalizeH="0" baseline="0" noProof="0" dirty="0" smtClean="0">
+                <a:ln>
+                  <a:noFill/>
+                </a:ln>
+                <a:solidFill>
+                  <a:schemeClr val="tx1"/>
+                </a:solidFill>
+                <a:effectLst/>
+                <a:uLnTx/>
+                <a:uFillTx/>
+                <a:latin typeface="+mn-lt"/>
+                <a:ea typeface="+mn-ea"/>
+                <a:cs typeface="+mn-cs"/>
+              </a:rPr>
+              <a:t> - </a:t>
+            </a:r>
+            <a:r>
+              <a:rPr kumimoji="0" lang="ru-RU" sz="2400" b="0" i="0" u="none" strike="noStrike" kern="1200" cap="none" spc="0" normalizeH="0" baseline="0" noProof="0" dirty="0" smtClean="0">
+                <a:ln>
+                  <a:noFill/>
+                </a:ln>
+                <a:solidFill>
+                  <a:schemeClr val="tx1"/>
+                </a:solidFill>
+                <a:effectLst/>
+                <a:uLnTx/>
+                <a:uFillTx/>
+                <a:latin typeface="+mn-lt"/>
+                <a:ea typeface="+mn-ea"/>
+                <a:cs typeface="+mn-cs"/>
+              </a:rPr>
+              <a:t>множество блокировок, которые захватываются всегда (</a:t>
+            </a:r>
+            <a:r>
+              <a:rPr kumimoji="0" lang="en-US" sz="2400" b="0" i="0" u="none" strike="noStrike" kern="1200" cap="none" spc="0" normalizeH="0" baseline="0" noProof="0" dirty="0" smtClean="0">
+                <a:ln>
+                  <a:noFill/>
+                </a:ln>
+                <a:solidFill>
+                  <a:schemeClr val="tx1"/>
+                </a:solidFill>
+                <a:effectLst/>
+                <a:uLnTx/>
+                <a:uFillTx/>
+                <a:latin typeface="+mn-lt"/>
+                <a:ea typeface="+mn-ea"/>
+                <a:cs typeface="+mn-cs"/>
+              </a:rPr>
+              <a:t>must-set),</a:t>
             </a:r>
             <a:endParaRPr kumimoji="0" lang="ru-RU" sz="2400" b="0" i="0" u="none" strike="noStrike" kern="1200" cap="none" spc="0" normalizeH="0" baseline="0" noProof="0" dirty="0" smtClean="0">
               <a:ln>
@@ -4555,13 +4464,13 @@
               </a:spcAft>
               <a:buClrTx/>
               <a:buSzTx/>
-              <a:buFont typeface="Arial" pitchFamily="34" charset="0"/>
-              <a:buChar char="•"/>
+              <a:buFont typeface="Wingdings" pitchFamily="2" charset="2"/>
+              <a:buChar char="§"/>
               <a:tabLst/>
               <a:defRPr/>
             </a:pPr>
             <a:r>
-              <a:rPr kumimoji="0" lang="en-US" sz="2400" b="0" i="1" u="none" strike="noStrike" kern="1200" cap="none" spc="0" normalizeH="0" baseline="0" noProof="0" dirty="0" smtClean="0">
+              <a:rPr kumimoji="0" lang="en-US" sz="2400" b="0" i="0" u="none" strike="noStrike" kern="1200" cap="none" spc="0" normalizeH="0" baseline="0" noProof="0" dirty="0" smtClean="0">
                 <a:ln>
                   <a:noFill/>
                 </a:ln>
@@ -4575,10 +4484,10 @@
                 <a:ea typeface="+mn-ea"/>
                 <a:cs typeface="+mn-cs"/>
               </a:rPr>
-              <a:t>o</a:t>
-            </a:r>
-            <a:r>
-              <a:rPr kumimoji="0" lang="en-US" sz="2400" b="0" i="0" u="none" strike="noStrike" kern="1200" cap="none" spc="0" normalizeH="0" baseline="0" noProof="0" dirty="0" smtClean="0">
+              <a:t> L</a:t>
+            </a:r>
+            <a:r>
+              <a:rPr kumimoji="0" lang="en-US" sz="2400" b="0" i="0" u="none" strike="noStrike" kern="1200" cap="none" spc="0" normalizeH="0" baseline="-25000" noProof="0" dirty="0" smtClean="0">
                 <a:ln>
                   <a:noFill/>
                 </a:ln>
@@ -4592,10 +4501,10 @@
                 <a:ea typeface="+mn-ea"/>
                 <a:cs typeface="+mn-cs"/>
               </a:rPr>
-              <a:t> –</a:t>
-            </a:r>
-            <a:r>
-              <a:rPr kumimoji="0" lang="ru-RU" sz="2400" b="0" i="0" u="none" strike="noStrike" kern="1200" cap="none" spc="0" normalizeH="0" noProof="0" dirty="0" smtClean="0">
+              <a:t>-  </a:t>
+            </a:r>
+            <a:r>
+              <a:rPr kumimoji="0" lang="en-US" sz="2400" b="0" i="0" u="none" strike="noStrike" kern="1200" cap="none" spc="0" normalizeH="0" baseline="0" noProof="0" dirty="0" smtClean="0">
                 <a:ln>
                   <a:noFill/>
                 </a:ln>
@@ -4609,14 +4518,10 @@
                 <a:ea typeface="+mn-ea"/>
                 <a:cs typeface="+mn-cs"/>
               </a:rPr>
-              <a:t> </a:t>
-            </a:r>
-            <a:r>
-              <a:rPr lang="en-US" sz="2400" dirty="0" smtClean="0"/>
-              <a:t>lvalue</a:t>
-            </a:r>
-            <a:r>
-              <a:rPr kumimoji="0" lang="en-US" sz="2400" b="0" i="0" u="none" strike="noStrike" kern="1200" cap="none" spc="0" normalizeH="0" baseline="0" noProof="0" dirty="0" smtClean="0">
+              <a:t>- </a:t>
+            </a:r>
+            <a:r>
+              <a:rPr kumimoji="0" lang="ru-RU" sz="2400" b="0" i="0" u="none" strike="noStrike" kern="1200" cap="none" spc="0" normalizeH="0" baseline="0" noProof="0" dirty="0" smtClean="0">
                 <a:ln>
                   <a:noFill/>
                 </a:ln>
@@ -4630,10 +4535,10 @@
                 <a:ea typeface="+mn-ea"/>
                 <a:cs typeface="+mn-cs"/>
               </a:rPr>
-              <a:t>, </a:t>
-            </a:r>
-            <a:r>
-              <a:rPr kumimoji="0" lang="ru-RU" sz="2400" b="0" i="0" u="none" strike="noStrike" kern="1200" cap="none" spc="0" normalizeH="0" baseline="0" noProof="0" dirty="0" smtClean="0">
+              <a:t>множество блокировок, которые могут быть освобождены (</a:t>
+            </a:r>
+            <a:r>
+              <a:rPr kumimoji="0" lang="en-US" sz="2400" b="0" i="0" u="none" strike="noStrike" kern="1200" cap="none" spc="0" normalizeH="0" baseline="0" noProof="0" dirty="0" smtClean="0">
                 <a:ln>
                   <a:noFill/>
                 </a:ln>
@@ -4647,234 +4552,7 @@
                 <a:ea typeface="+mn-ea"/>
                 <a:cs typeface="+mn-cs"/>
               </a:rPr>
-              <a:t>к </a:t>
-            </a:r>
-            <a:r>
-              <a:rPr kumimoji="0" lang="ru-RU" sz="2400" b="0" i="0" u="none" strike="noStrike" kern="1200" cap="none" spc="0" normalizeH="0" baseline="0" noProof="0" dirty="0" err="1" smtClean="0">
-                <a:ln>
-                  <a:noFill/>
-                </a:ln>
-                <a:solidFill>
-                  <a:schemeClr val="tx1"/>
-                </a:solidFill>
-                <a:effectLst/>
-                <a:uLnTx/>
-                <a:uFillTx/>
-                <a:latin typeface="+mn-lt"/>
-                <a:ea typeface="+mn-ea"/>
-                <a:cs typeface="+mn-cs"/>
-              </a:rPr>
-              <a:t>которо</a:t>
-            </a:r>
-            <a:r>
-              <a:rPr lang="ru-RU" sz="2400" dirty="0" err="1" smtClean="0"/>
-              <a:t>му</a:t>
-            </a:r>
-            <a:r>
-              <a:rPr kumimoji="0" lang="ru-RU" sz="2400" b="0" i="0" u="none" strike="noStrike" kern="1200" cap="none" spc="0" normalizeH="0" baseline="0" noProof="0" dirty="0" smtClean="0">
-                <a:ln>
-                  <a:noFill/>
-                </a:ln>
-                <a:solidFill>
-                  <a:schemeClr val="tx1"/>
-                </a:solidFill>
-                <a:effectLst/>
-                <a:uLnTx/>
-                <a:uFillTx/>
-                <a:latin typeface="+mn-lt"/>
-                <a:ea typeface="+mn-ea"/>
-                <a:cs typeface="+mn-cs"/>
-              </a:rPr>
-              <a:t> производится доступ,</a:t>
-            </a:r>
-          </a:p>
-          <a:p>
-            <a:pPr marL="0" marR="0" lvl="0" indent="0" algn="l" defTabSz="914400" rtl="0" eaLnBrk="1" fontAlgn="auto" latinLnBrk="0" hangingPunct="1">
-              <a:lnSpc>
-                <a:spcPct val="100000"/>
-              </a:lnSpc>
-              <a:spcBef>
-                <a:spcPct val="20000"/>
-              </a:spcBef>
-              <a:spcAft>
-                <a:spcPts val="0"/>
-              </a:spcAft>
-              <a:buClrTx/>
-              <a:buSzTx/>
-              <a:buFont typeface="Arial" pitchFamily="34" charset="0"/>
-              <a:buChar char="•"/>
-              <a:tabLst/>
-              <a:defRPr/>
-            </a:pPr>
-            <a:r>
-              <a:rPr kumimoji="0" lang="en-US" sz="2400" b="0" i="1" u="none" strike="noStrike" kern="1200" cap="none" spc="0" normalizeH="0" baseline="0" noProof="0" dirty="0" smtClean="0">
-                <a:ln>
-                  <a:noFill/>
-                </a:ln>
-                <a:solidFill>
-                  <a:schemeClr val="tx1"/>
-                </a:solidFill>
-                <a:effectLst/>
-                <a:uLnTx/>
-                <a:uFillTx/>
-                <a:latin typeface="+mn-lt"/>
-                <a:ea typeface="+mn-ea"/>
-                <a:cs typeface="+mn-cs"/>
-              </a:rPr>
-              <a:t>L</a:t>
-            </a:r>
-            <a:r>
-              <a:rPr kumimoji="0" lang="en-US" sz="2400" b="0" i="0" u="none" strike="noStrike" kern="1200" cap="none" spc="0" normalizeH="0" baseline="0" noProof="0" dirty="0" smtClean="0">
-                <a:ln>
-                  <a:noFill/>
-                </a:ln>
-                <a:solidFill>
-                  <a:schemeClr val="tx1"/>
-                </a:solidFill>
-                <a:effectLst/>
-                <a:uLnTx/>
-                <a:uFillTx/>
-                <a:latin typeface="+mn-lt"/>
-                <a:ea typeface="+mn-ea"/>
-                <a:cs typeface="+mn-cs"/>
-              </a:rPr>
-              <a:t> - </a:t>
-            </a:r>
-            <a:r>
-              <a:rPr kumimoji="0" lang="ru-RU" sz="2400" b="0" i="0" u="none" strike="noStrike" kern="1200" cap="none" spc="0" normalizeH="0" baseline="0" noProof="0" dirty="0" smtClean="0">
-                <a:ln>
-                  <a:noFill/>
-                </a:ln>
-                <a:solidFill>
-                  <a:schemeClr val="tx1"/>
-                </a:solidFill>
-                <a:effectLst/>
-                <a:uLnTx/>
-                <a:uFillTx/>
-                <a:latin typeface="+mn-lt"/>
-                <a:ea typeface="+mn-ea"/>
-                <a:cs typeface="+mn-cs"/>
-              </a:rPr>
-              <a:t>относительное множество блокировок,</a:t>
-            </a:r>
-          </a:p>
-          <a:p>
-            <a:pPr marL="0" marR="0" lvl="0" indent="0" algn="l" defTabSz="914400" rtl="0" eaLnBrk="1" fontAlgn="auto" latinLnBrk="0" hangingPunct="1">
-              <a:lnSpc>
-                <a:spcPct val="100000"/>
-              </a:lnSpc>
-              <a:spcBef>
-                <a:spcPct val="20000"/>
-              </a:spcBef>
-              <a:spcAft>
-                <a:spcPts val="0"/>
-              </a:spcAft>
-              <a:buClrTx/>
-              <a:buSzTx/>
-              <a:buFont typeface="Arial" pitchFamily="34" charset="0"/>
-              <a:buChar char="•"/>
-              <a:tabLst/>
-              <a:defRPr/>
-            </a:pPr>
-            <a:r>
-              <a:rPr kumimoji="0" lang="en-US" sz="2400" b="0" i="1" u="none" strike="noStrike" kern="1200" cap="none" spc="0" normalizeH="0" baseline="0" noProof="0" dirty="0" smtClean="0">
-                <a:ln>
-                  <a:noFill/>
-                </a:ln>
-                <a:solidFill>
-                  <a:schemeClr val="tx1"/>
-                </a:solidFill>
-                <a:effectLst/>
-                <a:uLnTx/>
-                <a:uFillTx/>
-                <a:latin typeface="+mn-lt"/>
-                <a:ea typeface="+mn-ea"/>
-                <a:cs typeface="+mn-cs"/>
-              </a:rPr>
-              <a:t>k</a:t>
-            </a:r>
-            <a:r>
-              <a:rPr kumimoji="0" lang="en-US" sz="2400" b="0" i="0" u="none" strike="noStrike" kern="1200" cap="none" spc="0" normalizeH="0" baseline="0" noProof="0" dirty="0" smtClean="0">
-                <a:ln>
-                  <a:noFill/>
-                </a:ln>
-                <a:solidFill>
-                  <a:schemeClr val="tx1"/>
-                </a:solidFill>
-                <a:effectLst/>
-                <a:uLnTx/>
-                <a:uFillTx/>
-                <a:latin typeface="+mn-lt"/>
-                <a:ea typeface="+mn-ea"/>
-                <a:cs typeface="+mn-cs"/>
-              </a:rPr>
-              <a:t> – </a:t>
-            </a:r>
-            <a:r>
-              <a:rPr kumimoji="0" lang="ru-RU" sz="2400" b="0" i="0" u="none" strike="noStrike" kern="1200" cap="none" spc="0" normalizeH="0" baseline="0" noProof="0" dirty="0" smtClean="0">
-                <a:ln>
-                  <a:noFill/>
-                </a:ln>
-                <a:solidFill>
-                  <a:schemeClr val="tx1"/>
-                </a:solidFill>
-                <a:effectLst/>
-                <a:uLnTx/>
-                <a:uFillTx/>
-                <a:latin typeface="+mn-lt"/>
-                <a:ea typeface="+mn-ea"/>
-                <a:cs typeface="+mn-cs"/>
-              </a:rPr>
-              <a:t>вид доступ</a:t>
-            </a:r>
-            <a:r>
-              <a:rPr lang="ru-RU" sz="2400" dirty="0" smtClean="0"/>
-              <a:t>а</a:t>
-            </a:r>
-            <a:r>
-              <a:rPr lang="en-US" sz="2400" dirty="0" smtClean="0"/>
-              <a:t>: “</a:t>
-            </a:r>
-            <a:r>
-              <a:rPr lang="ru-RU" sz="2400" dirty="0" smtClean="0"/>
-              <a:t>чтение</a:t>
-            </a:r>
-            <a:r>
-              <a:rPr lang="en-US" sz="2400" dirty="0" smtClean="0"/>
-              <a:t>”</a:t>
-            </a:r>
-            <a:r>
-              <a:rPr lang="ru-RU" sz="2400" dirty="0" smtClean="0"/>
-              <a:t>, </a:t>
-            </a:r>
-            <a:r>
-              <a:rPr lang="en-US" sz="2400" dirty="0" smtClean="0"/>
-              <a:t>“</a:t>
-            </a:r>
-            <a:r>
-              <a:rPr lang="ru-RU" sz="2400" dirty="0" smtClean="0"/>
-              <a:t>запись</a:t>
-            </a:r>
-            <a:r>
-              <a:rPr lang="en-US" sz="2400" dirty="0" smtClean="0"/>
-              <a:t>”</a:t>
-            </a:r>
-            <a:r>
-              <a:rPr kumimoji="0" lang="ru-RU" sz="2400" b="0" i="0" u="none" strike="noStrike" kern="1200" cap="none" spc="0" normalizeH="0" baseline="0" noProof="0" dirty="0" smtClean="0">
-                <a:ln>
-                  <a:noFill/>
-                </a:ln>
-                <a:solidFill>
-                  <a:schemeClr val="tx1"/>
-                </a:solidFill>
-                <a:effectLst/>
-                <a:uLnTx/>
-                <a:uFillTx/>
-                <a:latin typeface="+mn-lt"/>
-                <a:ea typeface="+mn-ea"/>
-                <a:cs typeface="+mn-cs"/>
-              </a:rPr>
-              <a:t>.</a:t>
+              <a:t>may-set).</a:t>
             </a:r>
             <a:endParaRPr kumimoji="0" lang="ru-RU" sz="2400" b="0" i="0" u="none" strike="noStrike" kern="1200" cap="none" spc="0" normalizeH="0" baseline="0" noProof="0" dirty="0">
               <a:ln>
@@ -4893,11 +4571,527 @@
           </a:p>
         </p:txBody>
       </p:sp>
+      <p:sp>
+        <p:nvSpPr>
+          <p:cNvPr id="7" name="Содержимое 2"/>
+          <p:cNvSpPr txBox="1">
+            <a:spLocks/>
+          </p:cNvSpPr>
+          <p:nvPr/>
+        </p:nvSpPr>
+        <p:spPr>
+          <a:xfrm>
+            <a:off x="683568" y="4941168"/>
+            <a:ext cx="4392488" cy="504056"/>
+          </a:xfrm>
+          <a:prstGeom prst="rect">
+            <a:avLst/>
+          </a:prstGeom>
+          <a:ln>
+            <a:solidFill>
+              <a:schemeClr val="tx1"/>
+            </a:solidFill>
+          </a:ln>
+        </p:spPr>
+        <p:txBody>
+          <a:bodyPr vert="horz" lIns="91440" tIns="45720" rIns="91440" bIns="45720" rtlCol="0">
+            <a:noAutofit/>
+          </a:bodyPr>
+          <a:lstStyle/>
+          <a:p>
+            <a:pPr marL="0" marR="0" lvl="0" indent="0" algn="l" defTabSz="914400" rtl="0" eaLnBrk="1" fontAlgn="auto" latinLnBrk="0" hangingPunct="1">
+              <a:lnSpc>
+                <a:spcPct val="100000"/>
+              </a:lnSpc>
+              <a:spcBef>
+                <a:spcPct val="20000"/>
+              </a:spcBef>
+              <a:spcAft>
+                <a:spcPts val="0"/>
+              </a:spcAft>
+              <a:buClrTx/>
+              <a:buSzTx/>
+              <a:buFont typeface="Arial" pitchFamily="34" charset="0"/>
+              <a:buNone/>
+              <a:tabLst/>
+              <a:defRPr/>
+            </a:pPr>
+            <a:r>
+              <a:rPr kumimoji="0" lang="en-US" sz="2400" b="0" i="0" u="none" strike="noStrike" kern="1200" cap="none" spc="0" normalizeH="0" baseline="0" noProof="0" dirty="0" smtClean="0">
+                <a:ln>
+                  <a:noFill/>
+                </a:ln>
+                <a:solidFill>
+                  <a:schemeClr val="tx1"/>
+                </a:solidFill>
+                <a:effectLst/>
+                <a:uLnTx/>
+                <a:uFillTx/>
+                <a:latin typeface="+mn-lt"/>
+                <a:ea typeface="+mn-ea"/>
+                <a:cs typeface="+mn-cs"/>
+              </a:rPr>
+              <a:t>lock(l) = ({l},</a:t>
+            </a:r>
+            <a:r>
+              <a:rPr kumimoji="0" lang="en-US" sz="2400" b="0" i="0" u="none" strike="noStrike" kern="1200" cap="none" spc="0" normalizeH="0" noProof="0" dirty="0" smtClean="0">
+                <a:ln>
+                  <a:noFill/>
+                </a:ln>
+                <a:solidFill>
+                  <a:schemeClr val="tx1"/>
+                </a:solidFill>
+                <a:effectLst/>
+                <a:uLnTx/>
+                <a:uFillTx/>
+                <a:latin typeface="+mn-lt"/>
+                <a:ea typeface="+mn-ea"/>
+                <a:cs typeface="+mn-cs"/>
+              </a:rPr>
+              <a:t> {}),  unlock(l) = ({}, {l})</a:t>
+            </a:r>
+            <a:endParaRPr kumimoji="0" lang="ru-RU" sz="2400" b="0" i="0" u="none" strike="noStrike" kern="1200" cap="none" spc="0" normalizeH="0" baseline="0" noProof="0" dirty="0">
+              <a:ln>
+                <a:noFill/>
+              </a:ln>
+              <a:solidFill>
+                <a:schemeClr val="tx1"/>
+              </a:solidFill>
+              <a:effectLst/>
+              <a:uLnTx/>
+              <a:uFillTx/>
+              <a:latin typeface="+mn-lt"/>
+              <a:ea typeface="+mn-ea"/>
+              <a:cs typeface="+mn-cs"/>
+            </a:endParaRPr>
+          </a:p>
+        </p:txBody>
+      </p:sp>
+      <p:sp>
+        <p:nvSpPr>
+          <p:cNvPr id="11" name="Содержимое 2"/>
+          <p:cNvSpPr txBox="1">
+            <a:spLocks/>
+          </p:cNvSpPr>
+          <p:nvPr/>
+        </p:nvSpPr>
+        <p:spPr>
+          <a:xfrm>
+            <a:off x="683568" y="5661248"/>
+            <a:ext cx="4392488" cy="864096"/>
+          </a:xfrm>
+          <a:prstGeom prst="rect">
+            <a:avLst/>
+          </a:prstGeom>
+          <a:ln>
+            <a:solidFill>
+              <a:schemeClr val="tx1"/>
+            </a:solidFill>
+          </a:ln>
+        </p:spPr>
+        <p:txBody>
+          <a:bodyPr vert="horz" lIns="91440" tIns="45720" rIns="91440" bIns="45720" rtlCol="0">
+            <a:noAutofit/>
+          </a:bodyPr>
+          <a:lstStyle/>
+          <a:p>
+            <a:pPr marL="0" marR="0" lvl="0" indent="0" algn="l" defTabSz="914400" rtl="0" eaLnBrk="1" fontAlgn="auto" latinLnBrk="0" hangingPunct="1">
+              <a:lnSpc>
+                <a:spcPct val="100000"/>
+              </a:lnSpc>
+              <a:spcBef>
+                <a:spcPct val="20000"/>
+              </a:spcBef>
+              <a:spcAft>
+                <a:spcPts val="0"/>
+              </a:spcAft>
+              <a:buClrTx/>
+              <a:buSzTx/>
+              <a:buFont typeface="Arial" pitchFamily="34" charset="0"/>
+              <a:buNone/>
+              <a:tabLst/>
+              <a:defRPr/>
+            </a:pPr>
+            <a:r>
+              <a:rPr kumimoji="0" lang="en-US" sz="2400" b="0" i="0" u="none" strike="noStrike" kern="1200" cap="none" spc="0" normalizeH="0" baseline="0" noProof="0" dirty="0" smtClean="0">
+                <a:ln>
+                  <a:noFill/>
+                </a:ln>
+                <a:solidFill>
+                  <a:schemeClr val="tx1"/>
+                </a:solidFill>
+                <a:effectLst/>
+                <a:uLnTx/>
+                <a:uFillTx/>
+                <a:latin typeface="+mn-lt"/>
+                <a:ea typeface="+mn-ea"/>
+                <a:cs typeface="+mn-cs"/>
+              </a:rPr>
+              <a:t>lock_update((L</a:t>
+            </a:r>
+            <a:r>
+              <a:rPr kumimoji="0" lang="en-US" sz="2400" b="0" i="0" u="none" strike="noStrike" kern="1200" cap="none" spc="0" normalizeH="0" baseline="-25000" noProof="0" dirty="0" smtClean="0">
+                <a:ln>
+                  <a:noFill/>
+                </a:ln>
+                <a:solidFill>
+                  <a:schemeClr val="tx1"/>
+                </a:solidFill>
+                <a:effectLst/>
+                <a:uLnTx/>
+                <a:uFillTx/>
+                <a:latin typeface="+mn-lt"/>
+                <a:ea typeface="+mn-ea"/>
+                <a:cs typeface="+mn-cs"/>
+              </a:rPr>
+              <a:t>+</a:t>
+            </a:r>
+            <a:r>
+              <a:rPr kumimoji="0" lang="en-US" sz="2400" b="0" i="0" u="none" strike="noStrike" kern="1200" cap="none" spc="0" normalizeH="0" baseline="0" noProof="0" dirty="0" smtClean="0">
+                <a:ln>
+                  <a:noFill/>
+                </a:ln>
+                <a:solidFill>
+                  <a:schemeClr val="tx1"/>
+                </a:solidFill>
+                <a:effectLst/>
+                <a:uLnTx/>
+                <a:uFillTx/>
+                <a:latin typeface="+mn-lt"/>
+                <a:ea typeface="+mn-ea"/>
+                <a:cs typeface="+mn-cs"/>
+              </a:rPr>
+              <a:t>, L</a:t>
+            </a:r>
+            <a:r>
+              <a:rPr kumimoji="0" lang="en-US" sz="2400" b="0" i="0" u="none" strike="noStrike" kern="1200" cap="none" spc="0" normalizeH="0" baseline="-25000" noProof="0" dirty="0" smtClean="0">
+                <a:ln>
+                  <a:noFill/>
+                </a:ln>
+                <a:solidFill>
+                  <a:schemeClr val="tx1"/>
+                </a:solidFill>
+                <a:effectLst/>
+                <a:uLnTx/>
+                <a:uFillTx/>
+                <a:latin typeface="+mn-lt"/>
+                <a:ea typeface="+mn-ea"/>
+                <a:cs typeface="+mn-cs"/>
+              </a:rPr>
+              <a:t>-</a:t>
+            </a:r>
+            <a:r>
+              <a:rPr kumimoji="0" lang="en-US" sz="2400" b="0" i="0" u="none" strike="noStrike" kern="1200" cap="none" spc="0" normalizeH="0" baseline="0" noProof="0" dirty="0" smtClean="0">
+                <a:ln>
+                  <a:noFill/>
+                </a:ln>
+                <a:solidFill>
+                  <a:schemeClr val="tx1"/>
+                </a:solidFill>
+                <a:effectLst/>
+                <a:uLnTx/>
+                <a:uFillTx/>
+                <a:latin typeface="+mn-lt"/>
+                <a:ea typeface="+mn-ea"/>
+                <a:cs typeface="+mn-cs"/>
+              </a:rPr>
+              <a:t>),(L</a:t>
+            </a:r>
+            <a:r>
+              <a:rPr kumimoji="0" lang="en-US" sz="2400" b="0" i="0" u="none" strike="noStrike" kern="1200" cap="none" spc="0" normalizeH="0" baseline="-25000" noProof="0" dirty="0" smtClean="0">
+                <a:ln>
+                  <a:noFill/>
+                </a:ln>
+                <a:solidFill>
+                  <a:schemeClr val="tx1"/>
+                </a:solidFill>
+                <a:effectLst/>
+                <a:uLnTx/>
+                <a:uFillTx/>
+                <a:latin typeface="+mn-lt"/>
+                <a:ea typeface="+mn-ea"/>
+                <a:cs typeface="+mn-cs"/>
+              </a:rPr>
+              <a:t>+</a:t>
+            </a:r>
+            <a:r>
+              <a:rPr kumimoji="0" lang="en-US" sz="2400" b="0" i="0" u="none" strike="noStrike" kern="1200" cap="none" spc="0" normalizeH="0" baseline="0" noProof="0" dirty="0" smtClean="0">
+                <a:ln>
+                  <a:noFill/>
+                </a:ln>
+                <a:solidFill>
+                  <a:schemeClr val="tx1"/>
+                </a:solidFill>
+                <a:effectLst/>
+                <a:uLnTx/>
+                <a:uFillTx/>
+                <a:latin typeface="+mn-lt"/>
+                <a:ea typeface="+mn-ea"/>
+                <a:cs typeface="+mn-cs"/>
+              </a:rPr>
+              <a:t>’,L</a:t>
+            </a:r>
+            <a:r>
+              <a:rPr kumimoji="0" lang="en-US" sz="2400" b="0" i="0" u="none" strike="noStrike" kern="1200" cap="none" spc="0" normalizeH="0" baseline="-25000" noProof="0" dirty="0" smtClean="0">
+                <a:ln>
+                  <a:noFill/>
+                </a:ln>
+                <a:solidFill>
+                  <a:schemeClr val="tx1"/>
+                </a:solidFill>
+                <a:effectLst/>
+                <a:uLnTx/>
+                <a:uFillTx/>
+                <a:latin typeface="+mn-lt"/>
+                <a:ea typeface="+mn-ea"/>
+                <a:cs typeface="+mn-cs"/>
+              </a:rPr>
+              <a:t>-</a:t>
+            </a:r>
+            <a:r>
+              <a:rPr kumimoji="0" lang="en-US" sz="2400" b="0" i="0" u="none" strike="noStrike" kern="1200" cap="none" spc="0" normalizeH="0" baseline="0" noProof="0" dirty="0" smtClean="0">
+                <a:ln>
+                  <a:noFill/>
+                </a:ln>
+                <a:solidFill>
+                  <a:schemeClr val="tx1"/>
+                </a:solidFill>
+                <a:effectLst/>
+                <a:uLnTx/>
+                <a:uFillTx/>
+                <a:latin typeface="+mn-lt"/>
+                <a:ea typeface="+mn-ea"/>
+                <a:cs typeface="+mn-cs"/>
+              </a:rPr>
+              <a:t>’) = ((L</a:t>
+            </a:r>
+            <a:r>
+              <a:rPr kumimoji="0" lang="en-US" sz="2400" b="0" i="0" u="none" strike="noStrike" kern="1200" cap="none" spc="0" normalizeH="0" baseline="-25000" noProof="0" dirty="0" smtClean="0">
+                <a:ln>
+                  <a:noFill/>
+                </a:ln>
+                <a:solidFill>
+                  <a:schemeClr val="tx1"/>
+                </a:solidFill>
+                <a:effectLst/>
+                <a:uLnTx/>
+                <a:uFillTx/>
+                <a:latin typeface="+mn-lt"/>
+                <a:ea typeface="+mn-ea"/>
+                <a:cs typeface="+mn-cs"/>
+              </a:rPr>
+              <a:t>+</a:t>
+            </a:r>
+            <a:r>
+              <a:rPr kumimoji="0" lang="en-US" sz="2400" b="0" i="0" u="none" strike="noStrike" kern="1200" cap="none" spc="0" normalizeH="0" baseline="0" noProof="0" dirty="0" smtClean="0">
+                <a:ln>
+                  <a:noFill/>
+                </a:ln>
+                <a:solidFill>
+                  <a:schemeClr val="tx1"/>
+                </a:solidFill>
+                <a:effectLst/>
+                <a:uLnTx/>
+                <a:uFillTx/>
+                <a:latin typeface="+mn-lt"/>
+                <a:ea typeface="+mn-ea"/>
+                <a:cs typeface="+mn-cs"/>
+              </a:rPr>
+              <a:t>UL</a:t>
+            </a:r>
+            <a:r>
+              <a:rPr kumimoji="0" lang="en-US" sz="2400" b="0" i="0" u="none" strike="noStrike" kern="1200" cap="none" spc="0" normalizeH="0" baseline="-25000" noProof="0" dirty="0" smtClean="0">
+                <a:ln>
+                  <a:noFill/>
+                </a:ln>
+                <a:solidFill>
+                  <a:schemeClr val="tx1"/>
+                </a:solidFill>
+                <a:effectLst/>
+                <a:uLnTx/>
+                <a:uFillTx/>
+                <a:latin typeface="+mn-lt"/>
+                <a:ea typeface="+mn-ea"/>
+                <a:cs typeface="+mn-cs"/>
+              </a:rPr>
+              <a:t>+</a:t>
+            </a:r>
+            <a:r>
+              <a:rPr kumimoji="0" lang="en-US" sz="2400" b="0" i="0" u="none" strike="noStrike" kern="1200" cap="none" spc="0" normalizeH="0" baseline="0" noProof="0" dirty="0" smtClean="0">
+                <a:ln>
+                  <a:noFill/>
+                </a:ln>
+                <a:solidFill>
+                  <a:schemeClr val="tx1"/>
+                </a:solidFill>
+                <a:effectLst/>
+                <a:uLnTx/>
+                <a:uFillTx/>
+                <a:latin typeface="+mn-lt"/>
+                <a:ea typeface="+mn-ea"/>
+                <a:cs typeface="+mn-cs"/>
+              </a:rPr>
+              <a:t>’)-L</a:t>
+            </a:r>
+            <a:r>
+              <a:rPr kumimoji="0" lang="en-US" sz="2400" b="0" i="0" u="none" strike="noStrike" kern="1200" cap="none" spc="0" normalizeH="0" baseline="-25000" noProof="0" dirty="0" smtClean="0">
+                <a:ln>
+                  <a:noFill/>
+                </a:ln>
+                <a:solidFill>
+                  <a:schemeClr val="tx1"/>
+                </a:solidFill>
+                <a:effectLst/>
+                <a:uLnTx/>
+                <a:uFillTx/>
+                <a:latin typeface="+mn-lt"/>
+                <a:ea typeface="+mn-ea"/>
+                <a:cs typeface="+mn-cs"/>
+              </a:rPr>
+              <a:t>-</a:t>
+            </a:r>
+            <a:r>
+              <a:rPr kumimoji="0" lang="en-US" sz="2400" b="0" i="0" u="none" strike="noStrike" kern="1200" cap="none" spc="0" normalizeH="0" baseline="0" noProof="0" dirty="0" smtClean="0">
+                <a:ln>
+                  <a:noFill/>
+                </a:ln>
+                <a:solidFill>
+                  <a:schemeClr val="tx1"/>
+                </a:solidFill>
+                <a:effectLst/>
+                <a:uLnTx/>
+                <a:uFillTx/>
+                <a:latin typeface="+mn-lt"/>
+                <a:ea typeface="+mn-ea"/>
+                <a:cs typeface="+mn-cs"/>
+              </a:rPr>
+              <a:t>’,(L</a:t>
+            </a:r>
+            <a:r>
+              <a:rPr kumimoji="0" lang="en-US" sz="2400" b="0" i="0" u="none" strike="noStrike" kern="1200" cap="none" spc="0" normalizeH="0" baseline="-25000" noProof="0" dirty="0" smtClean="0">
+                <a:ln>
+                  <a:noFill/>
+                </a:ln>
+                <a:solidFill>
+                  <a:schemeClr val="tx1"/>
+                </a:solidFill>
+                <a:effectLst/>
+                <a:uLnTx/>
+                <a:uFillTx/>
+                <a:latin typeface="+mn-lt"/>
+                <a:ea typeface="+mn-ea"/>
+                <a:cs typeface="+mn-cs"/>
+              </a:rPr>
+              <a:t>-</a:t>
+            </a:r>
+            <a:r>
+              <a:rPr kumimoji="0" lang="en-US" sz="2400" b="0" i="0" u="none" strike="noStrike" kern="1200" cap="none" spc="0" normalizeH="0" baseline="0" noProof="0" dirty="0" smtClean="0">
+                <a:ln>
+                  <a:noFill/>
+                </a:ln>
+                <a:solidFill>
+                  <a:schemeClr val="tx1"/>
+                </a:solidFill>
+                <a:effectLst/>
+                <a:uLnTx/>
+                <a:uFillTx/>
+                <a:latin typeface="+mn-lt"/>
+                <a:ea typeface="+mn-ea"/>
+                <a:cs typeface="+mn-cs"/>
+              </a:rPr>
+              <a:t>UL</a:t>
+            </a:r>
+            <a:r>
+              <a:rPr kumimoji="0" lang="en-US" sz="2400" b="0" i="0" u="none" strike="noStrike" kern="1200" cap="none" spc="0" normalizeH="0" baseline="-25000" noProof="0" dirty="0" smtClean="0">
+                <a:ln>
+                  <a:noFill/>
+                </a:ln>
+                <a:solidFill>
+                  <a:schemeClr val="tx1"/>
+                </a:solidFill>
+                <a:effectLst/>
+                <a:uLnTx/>
+                <a:uFillTx/>
+                <a:latin typeface="+mn-lt"/>
+                <a:ea typeface="+mn-ea"/>
+                <a:cs typeface="+mn-cs"/>
+              </a:rPr>
+              <a:t>-</a:t>
+            </a:r>
+            <a:r>
+              <a:rPr kumimoji="0" lang="en-US" sz="2400" b="0" i="0" u="none" strike="noStrike" kern="1200" cap="none" spc="0" normalizeH="0" baseline="0" noProof="0" dirty="0" smtClean="0">
+                <a:ln>
+                  <a:noFill/>
+                </a:ln>
+                <a:solidFill>
+                  <a:schemeClr val="tx1"/>
+                </a:solidFill>
+                <a:effectLst/>
+                <a:uLnTx/>
+                <a:uFillTx/>
+                <a:latin typeface="+mn-lt"/>
+                <a:ea typeface="+mn-ea"/>
+                <a:cs typeface="+mn-cs"/>
+              </a:rPr>
+              <a:t>’)-L</a:t>
+            </a:r>
+            <a:r>
+              <a:rPr kumimoji="0" lang="en-US" sz="2400" b="0" i="0" u="none" strike="noStrike" kern="1200" cap="none" spc="0" normalizeH="0" baseline="-25000" noProof="0" dirty="0" smtClean="0">
+                <a:ln>
+                  <a:noFill/>
+                </a:ln>
+                <a:solidFill>
+                  <a:schemeClr val="tx1"/>
+                </a:solidFill>
+                <a:effectLst/>
+                <a:uLnTx/>
+                <a:uFillTx/>
+                <a:latin typeface="+mn-lt"/>
+                <a:ea typeface="+mn-ea"/>
+                <a:cs typeface="+mn-cs"/>
+              </a:rPr>
+              <a:t>+</a:t>
+            </a:r>
+            <a:r>
+              <a:rPr kumimoji="0" lang="en-US" sz="2400" b="0" i="0" u="none" strike="noStrike" kern="1200" cap="none" spc="0" normalizeH="0" baseline="0" noProof="0" dirty="0" smtClean="0">
+                <a:ln>
+                  <a:noFill/>
+                </a:ln>
+                <a:solidFill>
+                  <a:schemeClr val="tx1"/>
+                </a:solidFill>
+                <a:effectLst/>
+                <a:uLnTx/>
+                <a:uFillTx/>
+                <a:latin typeface="+mn-lt"/>
+                <a:ea typeface="+mn-ea"/>
+                <a:cs typeface="+mn-cs"/>
+              </a:rPr>
+              <a:t>’) </a:t>
+            </a:r>
+            <a:endParaRPr kumimoji="0" lang="ru-RU" sz="2400" b="0" i="0" u="none" strike="noStrike" kern="1200" cap="none" spc="0" normalizeH="0" baseline="0" noProof="0" dirty="0">
+              <a:ln>
+                <a:noFill/>
+              </a:ln>
+              <a:solidFill>
+                <a:schemeClr val="tx1"/>
+              </a:solidFill>
+              <a:effectLst/>
+              <a:uLnTx/>
+              <a:uFillTx/>
+              <a:latin typeface="+mn-lt"/>
+              <a:ea typeface="+mn-ea"/>
+              <a:cs typeface="+mn-cs"/>
+            </a:endParaRPr>
+          </a:p>
+        </p:txBody>
+      </p:sp>
     </p:spTree>
   </p:cSld>
   <p:clrMapOvr>
     <a:masterClrMapping/>
   </p:clrMapOvr>
+  <p:transition/>
   <p:timing>
     <p:tnLst>
       <p:par>
@@ -4944,35 +5138,12 @@
           <a:p>
             <a:r>
               <a:rPr lang="ru-RU" dirty="0" smtClean="0"/>
-              <a:t>Определение мест возможного возникновения гонок</a:t>
+              <a:t>Формирование таблиц защищенного доступа</a:t>
             </a:r>
             <a:endParaRPr lang="ru-RU" dirty="0"/>
           </a:p>
         </p:txBody>
       </p:sp>
-      <p:pic>
-        <p:nvPicPr>
-          <p:cNvPr id="5" name="Содержимое 4" descr="generate_warnings.emf"/>
-          <p:cNvPicPr>
-            <a:picLocks noGrp="1" noChangeAspect="1"/>
-          </p:cNvPicPr>
-          <p:nvPr>
-            <p:ph idx="1"/>
-          </p:nvPr>
-        </p:nvPicPr>
-        <p:blipFill>
-          <a:blip r:embed="rId2" cstate="print"/>
-          <a:stretch>
-            <a:fillRect/>
-          </a:stretch>
-        </p:blipFill>
-        <p:spPr>
-          <a:xfrm>
-            <a:off x="179512" y="1844824"/>
-            <a:ext cx="8694981" cy="4032448"/>
-          </a:xfrm>
-        </p:spPr>
-      </p:pic>
       <p:sp>
         <p:nvSpPr>
           <p:cNvPr id="4" name="Номер слайда 3"/>
@@ -4994,6 +5165,553 @@
               <a:t>12</a:t>
             </a:fld>
             <a:endParaRPr lang="ru-RU"/>
+          </a:p>
+        </p:txBody>
+      </p:sp>
+      <p:sp>
+        <p:nvSpPr>
+          <p:cNvPr id="6" name="Содержимое 2"/>
+          <p:cNvSpPr txBox="1">
+            <a:spLocks/>
+          </p:cNvSpPr>
+          <p:nvPr/>
+        </p:nvSpPr>
+        <p:spPr>
+          <a:xfrm>
+            <a:off x="395536" y="1700808"/>
+            <a:ext cx="4392488" cy="3600400"/>
+          </a:xfrm>
+          <a:prstGeom prst="rect">
+            <a:avLst/>
+          </a:prstGeom>
+          <a:ln>
+            <a:solidFill>
+              <a:schemeClr val="tx1"/>
+            </a:solidFill>
+          </a:ln>
+        </p:spPr>
+        <p:txBody>
+          <a:bodyPr vert="horz" lIns="91440" tIns="45720" rIns="91440" bIns="45720" rtlCol="0">
+            <a:noAutofit/>
+          </a:bodyPr>
+          <a:lstStyle/>
+          <a:p>
+            <a:pPr marL="342900" marR="0" lvl="0" indent="-342900" algn="l" defTabSz="914400" rtl="0" eaLnBrk="1" fontAlgn="auto" latinLnBrk="0" hangingPunct="1">
+              <a:lnSpc>
+                <a:spcPct val="100000"/>
+              </a:lnSpc>
+              <a:spcBef>
+                <a:spcPct val="20000"/>
+              </a:spcBef>
+              <a:spcAft>
+                <a:spcPts val="0"/>
+              </a:spcAft>
+              <a:buClrTx/>
+              <a:buSzTx/>
+              <a:buFont typeface="Arial" pitchFamily="34" charset="0"/>
+              <a:buNone/>
+              <a:tabLst/>
+              <a:defRPr/>
+            </a:pPr>
+            <a:r>
+              <a:rPr kumimoji="0" lang="ru-RU" sz="2400" b="1" i="1" u="none" strike="noStrike" kern="1200" cap="none" spc="0" normalizeH="0" baseline="0" noProof="0" dirty="0" smtClean="0">
+                <a:ln>
+                  <a:noFill/>
+                </a:ln>
+                <a:solidFill>
+                  <a:schemeClr val="tx1"/>
+                </a:solidFill>
+                <a:effectLst/>
+                <a:uLnTx/>
+                <a:uFillTx/>
+                <a:latin typeface="+mn-lt"/>
+                <a:ea typeface="+mn-ea"/>
+                <a:cs typeface="+mn-cs"/>
+              </a:rPr>
+              <a:t>Защищенный доступ</a:t>
+            </a:r>
+            <a:r>
+              <a:rPr kumimoji="0" lang="en-US" sz="2400" b="1" i="1" u="none" strike="noStrike" kern="1200" cap="none" spc="0" normalizeH="0" baseline="0" noProof="0" dirty="0" smtClean="0">
+                <a:ln>
+                  <a:noFill/>
+                </a:ln>
+                <a:solidFill>
+                  <a:schemeClr val="tx1"/>
+                </a:solidFill>
+                <a:effectLst/>
+                <a:uLnTx/>
+                <a:uFillTx/>
+                <a:latin typeface="+mn-lt"/>
+                <a:ea typeface="+mn-ea"/>
+                <a:cs typeface="+mn-cs"/>
+              </a:rPr>
+              <a:t> A</a:t>
+            </a:r>
+            <a:r>
+              <a:rPr kumimoji="0" lang="ru-RU" sz="2400" b="0" i="0" u="none" strike="noStrike" kern="1200" cap="none" spc="0" normalizeH="0" baseline="0" noProof="0" dirty="0" smtClean="0">
+                <a:ln>
+                  <a:noFill/>
+                </a:ln>
+                <a:solidFill>
+                  <a:schemeClr val="tx1"/>
+                </a:solidFill>
+                <a:effectLst/>
+                <a:uLnTx/>
+                <a:uFillTx/>
+                <a:latin typeface="+mn-lt"/>
+                <a:ea typeface="+mn-ea"/>
+                <a:cs typeface="+mn-cs"/>
+              </a:rPr>
+              <a:t> – тройка (</a:t>
+            </a:r>
+            <a:r>
+              <a:rPr kumimoji="0" lang="en-US" sz="2400" b="0" i="1" u="none" strike="noStrike" kern="1200" cap="none" spc="0" normalizeH="0" baseline="0" noProof="0" dirty="0" smtClean="0">
+                <a:ln>
+                  <a:noFill/>
+                </a:ln>
+                <a:solidFill>
+                  <a:schemeClr val="tx1"/>
+                </a:solidFill>
+                <a:effectLst/>
+                <a:uLnTx/>
+                <a:uFillTx/>
+                <a:latin typeface="+mn-lt"/>
+                <a:ea typeface="+mn-ea"/>
+                <a:cs typeface="+mn-cs"/>
+              </a:rPr>
+              <a:t>o, L, k</a:t>
+            </a:r>
+            <a:r>
+              <a:rPr kumimoji="0" lang="en-US" sz="2400" b="0" i="0" u="none" strike="noStrike" kern="1200" cap="none" spc="0" normalizeH="0" baseline="0" noProof="0" dirty="0" smtClean="0">
+                <a:ln>
+                  <a:noFill/>
+                </a:ln>
+                <a:solidFill>
+                  <a:schemeClr val="tx1"/>
+                </a:solidFill>
+                <a:effectLst/>
+                <a:uLnTx/>
+                <a:uFillTx/>
+                <a:latin typeface="+mn-lt"/>
+                <a:ea typeface="+mn-ea"/>
+                <a:cs typeface="+mn-cs"/>
+              </a:rPr>
+              <a:t>), </a:t>
+            </a:r>
+            <a:r>
+              <a:rPr kumimoji="0" lang="ru-RU" sz="2400" b="0" i="0" u="none" strike="noStrike" kern="1200" cap="none" spc="0" normalizeH="0" baseline="0" noProof="0" dirty="0" smtClean="0">
+                <a:ln>
+                  <a:noFill/>
+                </a:ln>
+                <a:solidFill>
+                  <a:schemeClr val="tx1"/>
+                </a:solidFill>
+                <a:effectLst/>
+                <a:uLnTx/>
+                <a:uFillTx/>
+                <a:latin typeface="+mn-lt"/>
+                <a:ea typeface="+mn-ea"/>
+                <a:cs typeface="+mn-cs"/>
+              </a:rPr>
+              <a:t>где</a:t>
+            </a:r>
+            <a:r>
+              <a:rPr kumimoji="0" lang="en-US" sz="2400" b="0" i="0" u="none" strike="noStrike" kern="1200" cap="none" spc="0" normalizeH="0" baseline="0" noProof="0" dirty="0" smtClean="0">
+                <a:ln>
+                  <a:noFill/>
+                </a:ln>
+                <a:solidFill>
+                  <a:schemeClr val="tx1"/>
+                </a:solidFill>
+                <a:effectLst/>
+                <a:uLnTx/>
+                <a:uFillTx/>
+                <a:latin typeface="+mn-lt"/>
+                <a:ea typeface="+mn-ea"/>
+                <a:cs typeface="+mn-cs"/>
+              </a:rPr>
+              <a:t>:</a:t>
+            </a:r>
+            <a:endParaRPr kumimoji="0" lang="ru-RU" sz="2400" b="0" i="0" u="none" strike="noStrike" kern="1200" cap="none" spc="0" normalizeH="0" baseline="0" noProof="0" dirty="0" smtClean="0">
+              <a:ln>
+                <a:noFill/>
+              </a:ln>
+              <a:solidFill>
+                <a:schemeClr val="tx1"/>
+              </a:solidFill>
+              <a:effectLst/>
+              <a:uLnTx/>
+              <a:uFillTx/>
+              <a:latin typeface="+mn-lt"/>
+              <a:ea typeface="+mn-ea"/>
+              <a:cs typeface="+mn-cs"/>
+            </a:endParaRPr>
+          </a:p>
+          <a:p>
+            <a:pPr marL="0" marR="0" lvl="0" indent="0" algn="l" defTabSz="914400" rtl="0" eaLnBrk="1" fontAlgn="auto" latinLnBrk="0" hangingPunct="1">
+              <a:lnSpc>
+                <a:spcPct val="100000"/>
+              </a:lnSpc>
+              <a:spcBef>
+                <a:spcPct val="20000"/>
+              </a:spcBef>
+              <a:spcAft>
+                <a:spcPts val="0"/>
+              </a:spcAft>
+              <a:buClrTx/>
+              <a:buSzTx/>
+              <a:buFont typeface="Arial" pitchFamily="34" charset="0"/>
+              <a:buChar char="•"/>
+              <a:tabLst/>
+              <a:defRPr/>
+            </a:pPr>
+            <a:r>
+              <a:rPr kumimoji="0" lang="en-US" sz="2400" b="0" i="1" u="none" strike="noStrike" kern="1200" cap="none" spc="0" normalizeH="0" baseline="0" noProof="0" dirty="0" smtClean="0">
+                <a:ln>
+                  <a:noFill/>
+                </a:ln>
+                <a:solidFill>
+                  <a:schemeClr val="tx1"/>
+                </a:solidFill>
+                <a:effectLst/>
+                <a:uLnTx/>
+                <a:uFillTx/>
+                <a:latin typeface="+mn-lt"/>
+                <a:ea typeface="+mn-ea"/>
+                <a:cs typeface="+mn-cs"/>
+              </a:rPr>
+              <a:t>o</a:t>
+            </a:r>
+            <a:r>
+              <a:rPr kumimoji="0" lang="en-US" sz="2400" b="0" i="0" u="none" strike="noStrike" kern="1200" cap="none" spc="0" normalizeH="0" baseline="0" noProof="0" dirty="0" smtClean="0">
+                <a:ln>
+                  <a:noFill/>
+                </a:ln>
+                <a:solidFill>
+                  <a:schemeClr val="tx1"/>
+                </a:solidFill>
+                <a:effectLst/>
+                <a:uLnTx/>
+                <a:uFillTx/>
+                <a:latin typeface="+mn-lt"/>
+                <a:ea typeface="+mn-ea"/>
+                <a:cs typeface="+mn-cs"/>
+              </a:rPr>
+              <a:t> –</a:t>
+            </a:r>
+            <a:r>
+              <a:rPr kumimoji="0" lang="ru-RU" sz="2400" b="0" i="0" u="none" strike="noStrike" kern="1200" cap="none" spc="0" normalizeH="0" noProof="0" dirty="0" smtClean="0">
+                <a:ln>
+                  <a:noFill/>
+                </a:ln>
+                <a:solidFill>
+                  <a:schemeClr val="tx1"/>
+                </a:solidFill>
+                <a:effectLst/>
+                <a:uLnTx/>
+                <a:uFillTx/>
+                <a:latin typeface="+mn-lt"/>
+                <a:ea typeface="+mn-ea"/>
+                <a:cs typeface="+mn-cs"/>
+              </a:rPr>
+              <a:t> </a:t>
+            </a:r>
+            <a:r>
+              <a:rPr lang="ru-RU" sz="2400" noProof="0" dirty="0" smtClean="0"/>
+              <a:t>область</a:t>
+            </a:r>
+            <a:r>
+              <a:rPr kumimoji="0" lang="en-US" sz="2400" b="0" i="0" u="none" strike="noStrike" kern="1200" cap="none" spc="0" normalizeH="0" baseline="0" noProof="0" dirty="0" smtClean="0">
+                <a:ln>
+                  <a:noFill/>
+                </a:ln>
+                <a:solidFill>
+                  <a:schemeClr val="tx1"/>
+                </a:solidFill>
+                <a:effectLst/>
+                <a:uLnTx/>
+                <a:uFillTx/>
+                <a:latin typeface="+mn-lt"/>
+                <a:ea typeface="+mn-ea"/>
+                <a:cs typeface="+mn-cs"/>
+              </a:rPr>
+              <a:t>, </a:t>
+            </a:r>
+            <a:r>
+              <a:rPr kumimoji="0" lang="ru-RU" sz="2400" b="0" i="0" u="none" strike="noStrike" kern="1200" cap="none" spc="0" normalizeH="0" baseline="0" noProof="0" dirty="0" smtClean="0">
+                <a:ln>
+                  <a:noFill/>
+                </a:ln>
+                <a:solidFill>
+                  <a:schemeClr val="tx1"/>
+                </a:solidFill>
+                <a:effectLst/>
+                <a:uLnTx/>
+                <a:uFillTx/>
+                <a:latin typeface="+mn-lt"/>
+                <a:ea typeface="+mn-ea"/>
+                <a:cs typeface="+mn-cs"/>
+              </a:rPr>
+              <a:t>к </a:t>
+            </a:r>
+            <a:r>
+              <a:rPr kumimoji="0" lang="ru-RU" sz="2400" b="0" i="0" u="none" strike="noStrike" kern="1200" cap="none" spc="0" normalizeH="0" baseline="0" noProof="0" dirty="0" smtClean="0">
+                <a:ln>
+                  <a:noFill/>
+                </a:ln>
+                <a:solidFill>
+                  <a:schemeClr val="tx1"/>
+                </a:solidFill>
+                <a:effectLst/>
+                <a:uLnTx/>
+                <a:uFillTx/>
+                <a:latin typeface="+mn-lt"/>
+                <a:ea typeface="+mn-ea"/>
+                <a:cs typeface="+mn-cs"/>
+              </a:rPr>
+              <a:t>которо</a:t>
+            </a:r>
+            <a:r>
+              <a:rPr lang="ru-RU" sz="2400" noProof="0" dirty="0" smtClean="0"/>
+              <a:t>й </a:t>
+            </a:r>
+            <a:r>
+              <a:rPr kumimoji="0" lang="ru-RU" sz="2400" b="0" i="0" u="none" strike="noStrike" kern="1200" cap="none" spc="0" normalizeH="0" baseline="0" noProof="0" dirty="0" smtClean="0">
+                <a:ln>
+                  <a:noFill/>
+                </a:ln>
+                <a:solidFill>
+                  <a:schemeClr val="tx1"/>
+                </a:solidFill>
+                <a:effectLst/>
+                <a:uLnTx/>
+                <a:uFillTx/>
+                <a:latin typeface="+mn-lt"/>
+                <a:ea typeface="+mn-ea"/>
+                <a:cs typeface="+mn-cs"/>
+              </a:rPr>
+              <a:t>производится </a:t>
+            </a:r>
+            <a:r>
+              <a:rPr kumimoji="0" lang="ru-RU" sz="2400" b="0" i="0" u="none" strike="noStrike" kern="1200" cap="none" spc="0" normalizeH="0" baseline="0" noProof="0" dirty="0" smtClean="0">
+                <a:ln>
+                  <a:noFill/>
+                </a:ln>
+                <a:solidFill>
+                  <a:schemeClr val="tx1"/>
+                </a:solidFill>
+                <a:effectLst/>
+                <a:uLnTx/>
+                <a:uFillTx/>
+                <a:latin typeface="+mn-lt"/>
+                <a:ea typeface="+mn-ea"/>
+                <a:cs typeface="+mn-cs"/>
+              </a:rPr>
+              <a:t>доступ,</a:t>
+            </a:r>
+          </a:p>
+          <a:p>
+            <a:pPr marL="0" marR="0" lvl="0" indent="0" algn="l" defTabSz="914400" rtl="0" eaLnBrk="1" fontAlgn="auto" latinLnBrk="0" hangingPunct="1">
+              <a:lnSpc>
+                <a:spcPct val="100000"/>
+              </a:lnSpc>
+              <a:spcBef>
+                <a:spcPct val="20000"/>
+              </a:spcBef>
+              <a:spcAft>
+                <a:spcPts val="0"/>
+              </a:spcAft>
+              <a:buClrTx/>
+              <a:buSzTx/>
+              <a:buFont typeface="Arial" pitchFamily="34" charset="0"/>
+              <a:buChar char="•"/>
+              <a:tabLst/>
+              <a:defRPr/>
+            </a:pPr>
+            <a:r>
+              <a:rPr kumimoji="0" lang="en-US" sz="2400" b="0" i="1" u="none" strike="noStrike" kern="1200" cap="none" spc="0" normalizeH="0" baseline="0" noProof="0" dirty="0" smtClean="0">
+                <a:ln>
+                  <a:noFill/>
+                </a:ln>
+                <a:solidFill>
+                  <a:schemeClr val="tx1"/>
+                </a:solidFill>
+                <a:effectLst/>
+                <a:uLnTx/>
+                <a:uFillTx/>
+                <a:latin typeface="+mn-lt"/>
+                <a:ea typeface="+mn-ea"/>
+                <a:cs typeface="+mn-cs"/>
+              </a:rPr>
+              <a:t>L</a:t>
+            </a:r>
+            <a:r>
+              <a:rPr kumimoji="0" lang="en-US" sz="2400" b="0" i="0" u="none" strike="noStrike" kern="1200" cap="none" spc="0" normalizeH="0" baseline="0" noProof="0" dirty="0" smtClean="0">
+                <a:ln>
+                  <a:noFill/>
+                </a:ln>
+                <a:solidFill>
+                  <a:schemeClr val="tx1"/>
+                </a:solidFill>
+                <a:effectLst/>
+                <a:uLnTx/>
+                <a:uFillTx/>
+                <a:latin typeface="+mn-lt"/>
+                <a:ea typeface="+mn-ea"/>
+                <a:cs typeface="+mn-cs"/>
+              </a:rPr>
+              <a:t> - </a:t>
+            </a:r>
+            <a:r>
+              <a:rPr kumimoji="0" lang="ru-RU" sz="2400" b="0" i="0" u="none" strike="noStrike" kern="1200" cap="none" spc="0" normalizeH="0" baseline="0" noProof="0" dirty="0" smtClean="0">
+                <a:ln>
+                  <a:noFill/>
+                </a:ln>
+                <a:solidFill>
+                  <a:schemeClr val="tx1"/>
+                </a:solidFill>
+                <a:effectLst/>
+                <a:uLnTx/>
+                <a:uFillTx/>
+                <a:latin typeface="+mn-lt"/>
+                <a:ea typeface="+mn-ea"/>
+                <a:cs typeface="+mn-cs"/>
+              </a:rPr>
+              <a:t>относительное множество блокировок,</a:t>
+            </a:r>
+          </a:p>
+          <a:p>
+            <a:pPr marL="0" marR="0" lvl="0" indent="0" algn="l" defTabSz="914400" rtl="0" eaLnBrk="1" fontAlgn="auto" latinLnBrk="0" hangingPunct="1">
+              <a:lnSpc>
+                <a:spcPct val="100000"/>
+              </a:lnSpc>
+              <a:spcBef>
+                <a:spcPct val="20000"/>
+              </a:spcBef>
+              <a:spcAft>
+                <a:spcPts val="0"/>
+              </a:spcAft>
+              <a:buClrTx/>
+              <a:buSzTx/>
+              <a:buFont typeface="Arial" pitchFamily="34" charset="0"/>
+              <a:buChar char="•"/>
+              <a:tabLst/>
+              <a:defRPr/>
+            </a:pPr>
+            <a:r>
+              <a:rPr kumimoji="0" lang="en-US" sz="2400" b="0" i="1" u="none" strike="noStrike" kern="1200" cap="none" spc="0" normalizeH="0" baseline="0" noProof="0" dirty="0" smtClean="0">
+                <a:ln>
+                  <a:noFill/>
+                </a:ln>
+                <a:solidFill>
+                  <a:schemeClr val="tx1"/>
+                </a:solidFill>
+                <a:effectLst/>
+                <a:uLnTx/>
+                <a:uFillTx/>
+                <a:latin typeface="+mn-lt"/>
+                <a:ea typeface="+mn-ea"/>
+                <a:cs typeface="+mn-cs"/>
+              </a:rPr>
+              <a:t>k</a:t>
+            </a:r>
+            <a:r>
+              <a:rPr kumimoji="0" lang="en-US" sz="2400" b="0" i="0" u="none" strike="noStrike" kern="1200" cap="none" spc="0" normalizeH="0" baseline="0" noProof="0" dirty="0" smtClean="0">
+                <a:ln>
+                  <a:noFill/>
+                </a:ln>
+                <a:solidFill>
+                  <a:schemeClr val="tx1"/>
+                </a:solidFill>
+                <a:effectLst/>
+                <a:uLnTx/>
+                <a:uFillTx/>
+                <a:latin typeface="+mn-lt"/>
+                <a:ea typeface="+mn-ea"/>
+                <a:cs typeface="+mn-cs"/>
+              </a:rPr>
+              <a:t> – </a:t>
+            </a:r>
+            <a:r>
+              <a:rPr kumimoji="0" lang="ru-RU" sz="2400" b="0" i="0" u="none" strike="noStrike" kern="1200" cap="none" spc="0" normalizeH="0" baseline="0" noProof="0" dirty="0" smtClean="0">
+                <a:ln>
+                  <a:noFill/>
+                </a:ln>
+                <a:solidFill>
+                  <a:schemeClr val="tx1"/>
+                </a:solidFill>
+                <a:effectLst/>
+                <a:uLnTx/>
+                <a:uFillTx/>
+                <a:latin typeface="+mn-lt"/>
+                <a:ea typeface="+mn-ea"/>
+                <a:cs typeface="+mn-cs"/>
+              </a:rPr>
+              <a:t>вид доступ</a:t>
+            </a:r>
+            <a:r>
+              <a:rPr lang="ru-RU" sz="2400" dirty="0" smtClean="0"/>
+              <a:t>а</a:t>
+            </a:r>
+            <a:r>
+              <a:rPr lang="en-US" sz="2400" dirty="0" smtClean="0"/>
+              <a:t>: “</a:t>
+            </a:r>
+            <a:r>
+              <a:rPr lang="ru-RU" sz="2400" dirty="0" smtClean="0"/>
+              <a:t>чтение</a:t>
+            </a:r>
+            <a:r>
+              <a:rPr lang="en-US" sz="2400" dirty="0" smtClean="0"/>
+              <a:t>”</a:t>
+            </a:r>
+            <a:r>
+              <a:rPr lang="ru-RU" sz="2400" dirty="0" smtClean="0"/>
+              <a:t>, </a:t>
+            </a:r>
+            <a:r>
+              <a:rPr lang="en-US" sz="2400" dirty="0" smtClean="0"/>
+              <a:t>“</a:t>
+            </a:r>
+            <a:r>
+              <a:rPr lang="ru-RU" sz="2400" dirty="0" smtClean="0"/>
+              <a:t>запись</a:t>
+            </a:r>
+            <a:r>
+              <a:rPr lang="en-US" sz="2400" dirty="0" smtClean="0"/>
+              <a:t>”</a:t>
+            </a:r>
+            <a:r>
+              <a:rPr kumimoji="0" lang="ru-RU" sz="2400" b="0" i="0" u="none" strike="noStrike" kern="1200" cap="none" spc="0" normalizeH="0" baseline="0" noProof="0" dirty="0" smtClean="0">
+                <a:ln>
+                  <a:noFill/>
+                </a:ln>
+                <a:solidFill>
+                  <a:schemeClr val="tx1"/>
+                </a:solidFill>
+                <a:effectLst/>
+                <a:uLnTx/>
+                <a:uFillTx/>
+                <a:latin typeface="+mn-lt"/>
+                <a:ea typeface="+mn-ea"/>
+                <a:cs typeface="+mn-cs"/>
+              </a:rPr>
+              <a:t>.</a:t>
+            </a:r>
+            <a:endParaRPr kumimoji="0" lang="ru-RU" sz="2400" b="0" i="0" u="none" strike="noStrike" kern="1200" cap="none" spc="0" normalizeH="0" baseline="0" noProof="0" dirty="0">
+              <a:ln>
+                <a:noFill/>
+              </a:ln>
+              <a:solidFill>
+                <a:schemeClr val="tx1"/>
+              </a:solidFill>
+              <a:effectLst/>
+              <a:uLnTx/>
+              <a:uFillTx/>
+              <a:latin typeface="+mn-lt"/>
+              <a:ea typeface="+mn-ea"/>
+              <a:cs typeface="+mn-cs"/>
+            </a:endParaRPr>
           </a:p>
         </p:txBody>
       </p:sp>
@@ -5041,44 +5759,22 @@
         </p:nvSpPr>
         <p:spPr/>
         <p:txBody>
-          <a:bodyPr/>
+          <a:bodyPr>
+            <a:normAutofit fontScale="90000"/>
+          </a:bodyPr>
           <a:lstStyle/>
           <a:p>
             <a:r>
               <a:rPr lang="ru-RU" dirty="0" smtClean="0"/>
-              <a:t>Структура ПО</a:t>
+              <a:t>Определение мест возможного возникновения гонок</a:t>
             </a:r>
             <a:endParaRPr lang="ru-RU" dirty="0"/>
-          </a:p>
-        </p:txBody>
-      </p:sp>
-      <p:sp>
-        <p:nvSpPr>
-          <p:cNvPr id="4" name="Номер слайда 3"/>
-          <p:cNvSpPr>
-            <a:spLocks noGrp="1"/>
-          </p:cNvSpPr>
-          <p:nvPr>
-            <p:ph type="sldNum" sz="quarter" idx="12"/>
-          </p:nvPr>
-        </p:nvSpPr>
-        <p:spPr/>
-        <p:txBody>
-          <a:bodyPr/>
-          <a:lstStyle/>
-          <a:p>
-            <a:fld id="{6ACCCD26-A6AD-4D04-8A48-0C02F87992A0}" type="slidenum">
-              <a:rPr lang="ru-RU" smtClean="0"/>
-              <a:pPr/>
-              <a:t>13</a:t>
-            </a:fld>
-            <a:endParaRPr lang="ru-RU"/>
           </a:p>
         </p:txBody>
       </p:sp>
       <p:pic>
         <p:nvPicPr>
-          <p:cNvPr id="6" name="Содержимое 5" descr="programm_structure.emf"/>
+          <p:cNvPr id="5" name="Содержимое 4" descr="generate_warnings.emf"/>
           <p:cNvPicPr>
             <a:picLocks noGrp="1" noChangeAspect="1"/>
           </p:cNvPicPr>
@@ -5094,46 +5790,32 @@
         </p:blipFill>
         <p:spPr>
           <a:xfrm>
-            <a:off x="615346" y="1838580"/>
-            <a:ext cx="7913308" cy="4049202"/>
+            <a:off x="179512" y="1844824"/>
+            <a:ext cx="8694981" cy="4032448"/>
           </a:xfrm>
         </p:spPr>
       </p:pic>
       <p:sp>
         <p:nvSpPr>
-          <p:cNvPr id="5" name="TextBox 4"/>
-          <p:cNvSpPr txBox="1"/>
-          <p:nvPr/>
-        </p:nvSpPr>
-        <p:spPr>
-          <a:xfrm>
-            <a:off x="683568" y="1340768"/>
-            <a:ext cx="1080120" cy="1754326"/>
-          </a:xfrm>
-          <a:prstGeom prst="rect">
-            <a:avLst/>
-          </a:prstGeom>
-          <a:noFill/>
-        </p:spPr>
-        <p:txBody>
-          <a:bodyPr wrap="square" rtlCol="0">
-            <a:spAutoFit/>
-          </a:bodyPr>
-          <a:lstStyle/>
-          <a:p>
-            <a:r>
-              <a:rPr lang="ru-RU" dirty="0" smtClean="0"/>
-              <a:t>Переделать на </a:t>
-            </a:r>
-            <a:r>
-              <a:rPr lang="ru-RU" dirty="0" err="1" smtClean="0"/>
-              <a:t>диаграму</a:t>
-            </a:r>
-            <a:r>
-              <a:rPr lang="ru-RU" dirty="0" smtClean="0"/>
-              <a:t> компонентов</a:t>
-            </a:r>
-            <a:endParaRPr lang="ru-RU" dirty="0"/>
+          <p:cNvPr id="4" name="Номер слайда 3"/>
+          <p:cNvSpPr>
+            <a:spLocks noGrp="1"/>
+          </p:cNvSpPr>
+          <p:nvPr>
+            <p:ph type="sldNum" sz="quarter" idx="12"/>
+          </p:nvPr>
+        </p:nvSpPr>
+        <p:spPr/>
+        <p:txBody>
+          <a:bodyPr/>
+          <a:lstStyle/>
+          <a:p>
+            <a:fld id="{6ACCCD26-A6AD-4D04-8A48-0C02F87992A0}" type="slidenum">
+              <a:rPr lang="ru-RU" smtClean="0"/>
+              <a:pPr/>
+              <a:t>13</a:t>
+            </a:fld>
+            <a:endParaRPr lang="ru-RU"/>
           </a:p>
         </p:txBody>
       </p:sp>
@@ -5186,59 +5868,8 @@
           <a:p>
             <a:r>
               <a:rPr lang="ru-RU" dirty="0" smtClean="0"/>
-              <a:t>Ограничения реализации</a:t>
-            </a:r>
-            <a:endParaRPr lang="ru-RU" dirty="0"/>
-          </a:p>
-        </p:txBody>
-      </p:sp>
-      <p:sp>
-        <p:nvSpPr>
-          <p:cNvPr id="3" name="Содержимое 2"/>
-          <p:cNvSpPr>
-            <a:spLocks noGrp="1"/>
-          </p:cNvSpPr>
-          <p:nvPr>
-            <p:ph idx="1"/>
-          </p:nvPr>
-        </p:nvSpPr>
-        <p:spPr/>
-        <p:txBody>
-          <a:bodyPr/>
-          <a:lstStyle/>
-          <a:p>
-            <a:r>
-              <a:rPr lang="ru-RU" dirty="0" smtClean="0"/>
-              <a:t>Использование мьютексов для организации критических секций</a:t>
-            </a:r>
-          </a:p>
-          <a:p>
-            <a:r>
-              <a:rPr lang="ru-RU" dirty="0" smtClean="0"/>
-              <a:t>Использование </a:t>
-            </a:r>
-            <a:r>
-              <a:rPr lang="en-US" dirty="0" smtClean="0"/>
-              <a:t>POSIX API</a:t>
-            </a:r>
-            <a:r>
-              <a:rPr lang="ru-RU" dirty="0" smtClean="0"/>
-              <a:t> для работы с потоками и объектами взаимоисключения</a:t>
-            </a:r>
-          </a:p>
-          <a:p>
-            <a:r>
-              <a:rPr lang="ru-RU" dirty="0" smtClean="0"/>
-              <a:t>Отсутствие обращений к полям структур</a:t>
-            </a:r>
-          </a:p>
-          <a:p>
-            <a:endParaRPr lang="ru-RU" dirty="0" smtClean="0"/>
-          </a:p>
-          <a:p>
-            <a:endParaRPr lang="ru-RU" dirty="0" smtClean="0"/>
-          </a:p>
-          <a:p>
+              <a:t>Структура ПО</a:t>
+            </a:r>
             <a:endParaRPr lang="ru-RU" dirty="0"/>
           </a:p>
         </p:txBody>
@@ -5264,6 +5895,83 @@
               <a:t>14</a:t>
             </a:fld>
             <a:endParaRPr lang="ru-RU"/>
+          </a:p>
+        </p:txBody>
+      </p:sp>
+      <p:pic>
+        <p:nvPicPr>
+          <p:cNvPr id="6" name="Содержимое 5" descr="programm_structure.emf"/>
+          <p:cNvPicPr>
+            <a:picLocks noGrp="1" noChangeAspect="1"/>
+          </p:cNvPicPr>
+          <p:nvPr>
+            <p:ph idx="1"/>
+          </p:nvPr>
+        </p:nvPicPr>
+        <p:blipFill>
+          <a:blip r:embed="rId2" cstate="print"/>
+          <a:stretch>
+            <a:fillRect/>
+          </a:stretch>
+        </p:blipFill>
+        <p:spPr>
+          <a:xfrm>
+            <a:off x="615346" y="1838580"/>
+            <a:ext cx="7913308" cy="4049202"/>
+          </a:xfrm>
+        </p:spPr>
+      </p:pic>
+      <p:sp>
+        <p:nvSpPr>
+          <p:cNvPr id="5" name="TextBox 4"/>
+          <p:cNvSpPr txBox="1"/>
+          <p:nvPr/>
+        </p:nvSpPr>
+        <p:spPr>
+          <a:xfrm>
+            <a:off x="683568" y="1340768"/>
+            <a:ext cx="1728192" cy="923330"/>
+          </a:xfrm>
+          <a:prstGeom prst="rect">
+            <a:avLst/>
+          </a:prstGeom>
+          <a:noFill/>
+        </p:spPr>
+        <p:txBody>
+          <a:bodyPr wrap="square" rtlCol="0">
+            <a:spAutoFit/>
+          </a:bodyPr>
+          <a:lstStyle/>
+          <a:p>
+            <a:r>
+              <a:rPr lang="ru-RU" dirty="0" smtClean="0">
+                <a:solidFill>
+                  <a:srgbClr val="FF0000"/>
+                </a:solidFill>
+              </a:rPr>
+              <a:t>Переделать на </a:t>
+            </a:r>
+            <a:r>
+              <a:rPr lang="ru-RU" dirty="0" err="1" smtClean="0">
+                <a:solidFill>
+                  <a:srgbClr val="FF0000"/>
+                </a:solidFill>
+              </a:rPr>
+              <a:t>диаграму</a:t>
+            </a:r>
+            <a:r>
+              <a:rPr lang="ru-RU" dirty="0" smtClean="0">
+                <a:solidFill>
+                  <a:srgbClr val="FF0000"/>
+                </a:solidFill>
+              </a:rPr>
+              <a:t> компонентов</a:t>
+            </a:r>
+            <a:endParaRPr lang="ru-RU" dirty="0">
+              <a:solidFill>
+                <a:srgbClr val="FF0000"/>
+              </a:solidFill>
+            </a:endParaRPr>
           </a:p>
         </p:txBody>
       </p:sp>
@@ -5316,7 +6024,7 @@
           <a:p>
             <a:r>
               <a:rPr lang="ru-RU" dirty="0" smtClean="0"/>
-              <a:t>Результаты исследований</a:t>
+              <a:t>Ограничения реализации</a:t>
             </a:r>
             <a:endParaRPr lang="ru-RU" dirty="0"/>
           </a:p>
@@ -5337,7 +6045,39 @@
           <a:bodyPr/>
           <a:lstStyle/>
           <a:p>
-            <a:endParaRPr lang="ru-RU"/>
+            <a:r>
+              <a:rPr lang="ru-RU" dirty="0" smtClean="0"/>
+              <a:t>Использование мьютексов для организации критических секций</a:t>
+            </a:r>
+          </a:p>
+          <a:p>
+            <a:r>
+              <a:rPr lang="ru-RU" dirty="0" smtClean="0"/>
+              <a:t>Использование </a:t>
+            </a:r>
+            <a:r>
+              <a:rPr lang="en-US" dirty="0" smtClean="0"/>
+              <a:t>POSIX API</a:t>
+            </a:r>
+            <a:r>
+              <a:rPr lang="ru-RU" dirty="0" smtClean="0"/>
+              <a:t> для работы с потоками и объектами взаимоисключения</a:t>
+            </a:r>
+          </a:p>
+          <a:p>
+            <a:r>
+              <a:rPr lang="ru-RU" dirty="0" smtClean="0"/>
+              <a:t>Отсутствие обращений к полям структур</a:t>
+            </a:r>
+          </a:p>
+          <a:p>
+            <a:endParaRPr lang="ru-RU" dirty="0" smtClean="0"/>
+          </a:p>
+          <a:p>
+            <a:endParaRPr lang="ru-RU" dirty="0" smtClean="0"/>
+          </a:p>
+          <a:p>
+            <a:endParaRPr lang="ru-RU" dirty="0"/>
           </a:p>
         </p:txBody>
       </p:sp>
@@ -5370,6 +6110,13 @@
   <p:clrMapOvr>
     <a:masterClrMapping/>
   </p:clrMapOvr>
+  <p:timing>
+    <p:tnLst>
+      <p:par>
+        <p:cTn id="1" dur="indefinite" restart="never" nodeType="tmRoot"/>
+      </p:par>
+    </p:tnLst>
+  </p:timing>
 </p:sld>
 </file>
 
@@ -5407,7 +6154,7 @@
           <a:p>
             <a:r>
               <a:rPr lang="ru-RU" dirty="0" smtClean="0"/>
-              <a:t>Выводы</a:t>
+              <a:t>Результаты исследований</a:t>
             </a:r>
             <a:endParaRPr lang="ru-RU" dirty="0"/>
           </a:p>
@@ -5425,62 +6172,10 @@
         </p:nvSpPr>
         <p:spPr/>
         <p:txBody>
-          <a:bodyPr>
-            <a:normAutofit fontScale="85000" lnSpcReduction="20000"/>
-          </a:bodyPr>
-          <a:lstStyle/>
-          <a:p>
-            <a:r>
-              <a:rPr lang="ru-RU" dirty="0" smtClean="0"/>
-              <a:t>Выполнил классификацию существующих методов поиска гонок в программах</a:t>
-            </a:r>
-          </a:p>
-          <a:p>
-            <a:r>
-              <a:rPr lang="ru-RU" dirty="0" smtClean="0"/>
-              <a:t>Разработал метод статического поиска гонок</a:t>
-            </a:r>
-          </a:p>
-          <a:p>
-            <a:r>
-              <a:rPr lang="ru-RU" dirty="0" smtClean="0"/>
-              <a:t>Разработал алгоритм на основе предложенного метода</a:t>
-            </a:r>
-          </a:p>
-          <a:p>
-            <a:r>
-              <a:rPr lang="ru-RU" dirty="0" smtClean="0"/>
-              <a:t>Разработал ПО, реализующее разработанный  алгоритм статического поиска гонок</a:t>
-            </a:r>
-          </a:p>
-          <a:p>
-            <a:r>
-              <a:rPr lang="ru-RU" dirty="0" smtClean="0"/>
-              <a:t>Провел исследование разработанного алгоритма. В качестве улучшений алгоритма поиска гонок можно выполнить</a:t>
-            </a:r>
-            <a:r>
-              <a:rPr lang="en-US" dirty="0" smtClean="0"/>
-              <a:t>:</a:t>
-            </a:r>
-            <a:endParaRPr lang="ru-RU" dirty="0" smtClean="0"/>
-          </a:p>
-          <a:p>
-            <a:pPr lvl="1"/>
-            <a:r>
-              <a:rPr lang="ru-RU" dirty="0" smtClean="0"/>
-              <a:t>Выделение временных фаз работы программы</a:t>
-            </a:r>
-          </a:p>
-          <a:p>
-            <a:pPr lvl="1"/>
-            <a:r>
-              <a:rPr lang="ru-RU" dirty="0" smtClean="0"/>
-              <a:t>Обработку обращений к полям структур</a:t>
-            </a:r>
-          </a:p>
-          <a:p>
-            <a:pPr lvl="1"/>
-            <a:endParaRPr lang="ru-RU" dirty="0" smtClean="0"/>
+          <a:bodyPr/>
+          <a:lstStyle/>
+          <a:p>
+            <a:endParaRPr lang="ru-RU"/>
           </a:p>
         </p:txBody>
       </p:sp>
@@ -5505,6 +6200,187 @@
               <a:t>16</a:t>
             </a:fld>
             <a:endParaRPr lang="ru-RU"/>
+          </a:p>
+        </p:txBody>
+      </p:sp>
+    </p:spTree>
+  </p:cSld>
+  <p:clrMapOvr>
+    <a:masterClrMapping/>
+  </p:clrMapOvr>
+</p:sld>
+</file>
+
+<file path=ppt/slides/slide17.xml><?xml version="1.0" encoding="utf-8"?>
+<p:sld xmlns:a="http://schemas.openxmlformats.org/drawingml/2006/main" xmlns:r="http://schemas.openxmlformats.org/officeDocument/2006/relationships" xmlns:p="http://schemas.openxmlformats.org/presentationml/2006/main">
+  <p:cSld>
+    <p:spTree>
+      <p:nvGrpSpPr>
+        <p:cNvPr id="1" name=""/>
+        <p:cNvGrpSpPr/>
+        <p:nvPr/>
+      </p:nvGrpSpPr>
+      <p:grpSpPr>
+        <a:xfrm>
+          <a:off x="0" y="0"/>
+          <a:ext cx="0" cy="0"/>
+          <a:chOff x="0" y="0"/>
+          <a:chExt cx="0" cy="0"/>
+        </a:xfrm>
+      </p:grpSpPr>
+      <p:sp>
+        <p:nvSpPr>
+          <p:cNvPr id="2" name="Заголовок 1"/>
+          <p:cNvSpPr>
+            <a:spLocks noGrp="1"/>
+          </p:cNvSpPr>
+          <p:nvPr>
+            <p:ph type="title"/>
+          </p:nvPr>
+        </p:nvSpPr>
+        <p:spPr/>
+        <p:txBody>
+          <a:bodyPr/>
+          <a:lstStyle/>
+          <a:p>
+            <a:r>
+              <a:rPr lang="ru-RU" dirty="0" smtClean="0"/>
+              <a:t>Выводы</a:t>
+            </a:r>
+            <a:endParaRPr lang="ru-RU" dirty="0"/>
+          </a:p>
+        </p:txBody>
+      </p:sp>
+      <p:sp>
+        <p:nvSpPr>
+          <p:cNvPr id="3" name="Содержимое 2"/>
+          <p:cNvSpPr>
+            <a:spLocks noGrp="1"/>
+          </p:cNvSpPr>
+          <p:nvPr>
+            <p:ph idx="1"/>
+          </p:nvPr>
+        </p:nvSpPr>
+        <p:spPr/>
+        <p:txBody>
+          <a:bodyPr>
+            <a:normAutofit fontScale="85000" lnSpcReduction="20000"/>
+          </a:bodyPr>
+          <a:lstStyle/>
+          <a:p>
+            <a:r>
+              <a:rPr lang="ru-RU" dirty="0" smtClean="0"/>
+              <a:t>Выполнил классификацию существующих методов поиска гонок в программах</a:t>
+            </a:r>
+          </a:p>
+          <a:p>
+            <a:r>
+              <a:rPr lang="ru-RU" dirty="0" smtClean="0"/>
+              <a:t>Разработал метод статического поиска гонок</a:t>
+            </a:r>
+          </a:p>
+          <a:p>
+            <a:r>
+              <a:rPr lang="ru-RU" dirty="0" smtClean="0"/>
+              <a:t>Разработал алгоритм на основе предложенного метода</a:t>
+            </a:r>
+          </a:p>
+          <a:p>
+            <a:r>
+              <a:rPr lang="ru-RU" dirty="0" smtClean="0"/>
+              <a:t>Разработал ПО, реализующее разработанный  алгоритм статического поиска гонок</a:t>
+            </a:r>
+          </a:p>
+          <a:p>
+            <a:r>
+              <a:rPr lang="ru-RU" dirty="0" smtClean="0"/>
+              <a:t>Провел исследование разработанного алгоритма. В качестве улучшений алгоритма поиска гонок можно выполнить</a:t>
+            </a:r>
+            <a:r>
+              <a:rPr lang="en-US" dirty="0" smtClean="0"/>
+              <a:t>:</a:t>
+            </a:r>
+            <a:endParaRPr lang="ru-RU" dirty="0" smtClean="0"/>
+          </a:p>
+          <a:p>
+            <a:pPr lvl="1"/>
+            <a:r>
+              <a:rPr lang="ru-RU" dirty="0" smtClean="0"/>
+              <a:t>Выделение временных фаз работы программы</a:t>
+            </a:r>
+          </a:p>
+          <a:p>
+            <a:pPr lvl="1"/>
+            <a:r>
+              <a:rPr lang="ru-RU" dirty="0" smtClean="0"/>
+              <a:t>Обработку обращений к полям структур</a:t>
+            </a:r>
+          </a:p>
+          <a:p>
+            <a:pPr lvl="1"/>
+            <a:endParaRPr lang="ru-RU" dirty="0" smtClean="0"/>
+          </a:p>
+        </p:txBody>
+      </p:sp>
+      <p:sp>
+        <p:nvSpPr>
+          <p:cNvPr id="4" name="Номер слайда 3"/>
+          <p:cNvSpPr>
+            <a:spLocks noGrp="1"/>
+          </p:cNvSpPr>
+          <p:nvPr>
+            <p:ph type="sldNum" sz="quarter" idx="12"/>
+          </p:nvPr>
+        </p:nvSpPr>
+        <p:spPr/>
+        <p:txBody>
+          <a:bodyPr/>
+          <a:lstStyle/>
+          <a:p>
+            <a:fld id="{6ACCCD26-A6AD-4D04-8A48-0C02F87992A0}" type="slidenum">
+              <a:rPr lang="ru-RU" smtClean="0"/>
+              <a:pPr/>
+              <a:t>17</a:t>
+            </a:fld>
+            <a:endParaRPr lang="ru-RU"/>
+          </a:p>
+        </p:txBody>
+      </p:sp>
+      <p:sp>
+        <p:nvSpPr>
+          <p:cNvPr id="6" name="TextBox 5"/>
+          <p:cNvSpPr txBox="1"/>
+          <p:nvPr/>
+        </p:nvSpPr>
+        <p:spPr>
+          <a:xfrm>
+            <a:off x="467544" y="332656"/>
+            <a:ext cx="2520280" cy="369332"/>
+          </a:xfrm>
+          <a:prstGeom prst="rect">
+            <a:avLst/>
+          </a:prstGeom>
+          <a:noFill/>
+        </p:spPr>
+        <p:txBody>
+          <a:bodyPr wrap="square" rtlCol="0">
+            <a:spAutoFit/>
+          </a:bodyPr>
+          <a:lstStyle/>
+          <a:p>
+            <a:r>
+              <a:rPr lang="ru-RU" dirty="0" smtClean="0">
+                <a:solidFill>
+                  <a:srgbClr val="FF0000"/>
+                </a:solidFill>
+              </a:rPr>
+              <a:t>Переделать!!</a:t>
+            </a:r>
+            <a:endParaRPr lang="ru-RU" dirty="0">
+              <a:solidFill>
+                <a:srgbClr val="FF0000"/>
+              </a:solidFill>
+            </a:endParaRPr>
           </a:p>
         </p:txBody>
       </p:sp>
@@ -5953,15 +6829,7 @@
                   <a:srgbClr val="00B050"/>
                 </a:solidFill>
               </a:rPr>
-              <a:t>возможно </a:t>
-            </a:r>
-            <a:r>
-              <a:rPr lang="ru-RU" sz="2000" dirty="0" smtClean="0">
-                <a:solidFill>
-                  <a:srgbClr val="00B050"/>
-                </a:solidFill>
-              </a:rPr>
-              <a:t>возникновение гонки</a:t>
+              <a:t>возможно возникновение гонки</a:t>
             </a:r>
           </a:p>
           <a:p>
@@ -6597,8 +7465,8 @@
         </p:blipFill>
         <p:spPr>
           <a:xfrm>
-            <a:off x="457201" y="2385646"/>
-            <a:ext cx="8229597" cy="2955070"/>
+            <a:off x="457201" y="2540992"/>
+            <a:ext cx="8229597" cy="2644378"/>
           </a:xfrm>
         </p:spPr>
       </p:pic>
@@ -6723,8 +7591,8 @@
         </p:blipFill>
         <p:spPr>
           <a:xfrm>
-            <a:off x="96996" y="2106242"/>
-            <a:ext cx="8941463" cy="3509612"/>
+            <a:off x="578445" y="2106242"/>
+            <a:ext cx="7978565" cy="3509612"/>
           </a:xfrm>
         </p:spPr>
       </p:pic>
@@ -6796,7 +7664,7 @@
         <p:spPr/>
         <p:txBody>
           <a:bodyPr>
-            <a:normAutofit/>
+            <a:normAutofit fontScale="92500" lnSpcReduction="10000"/>
           </a:bodyPr>
           <a:lstStyle/>
           <a:p>
@@ -6816,6 +7684,33 @@
               <a:rPr lang="ru-RU" dirty="0" smtClean="0"/>
               <a:t>Отсутствие обращений к памяти по заранее заданным адресам</a:t>
             </a:r>
+          </a:p>
+          <a:p>
+            <a:r>
+              <a:rPr lang="ru-RU" dirty="0" smtClean="0"/>
+              <a:t>Отсутствие динамического выделения </a:t>
+            </a:r>
+            <a:r>
+              <a:rPr lang="ru-RU" dirty="0" smtClean="0"/>
+              <a:t>памяти</a:t>
+            </a:r>
+          </a:p>
+          <a:p>
+            <a:r>
+              <a:rPr lang="ru-RU" dirty="0" smtClean="0"/>
+              <a:t>Отсутствие арифметики указателей</a:t>
+            </a:r>
+          </a:p>
+          <a:p>
+            <a:r>
+              <a:rPr lang="ru-RU" dirty="0" smtClean="0"/>
+              <a:t>Отсутствие </a:t>
+            </a:r>
+            <a:r>
+              <a:rPr lang="ru-RU" dirty="0" smtClean="0"/>
+              <a:t>обращений к массивам</a:t>
+            </a:r>
+            <a:endParaRPr lang="ru-RU" dirty="0" smtClean="0"/>
           </a:p>
           <a:p>
             <a:r>
@@ -6893,14 +7788,12 @@
         </p:nvSpPr>
         <p:spPr/>
         <p:txBody>
-          <a:bodyPr>
-            <a:normAutofit fontScale="90000"/>
-          </a:bodyPr>
+          <a:bodyPr/>
           <a:lstStyle/>
           <a:p>
             <a:r>
               <a:rPr lang="ru-RU" dirty="0" smtClean="0"/>
-              <a:t>Нахождение перекрестных ссылок</a:t>
+              <a:t>Построение путей выполнения</a:t>
             </a:r>
             <a:endParaRPr lang="ru-RU" dirty="0"/>
           </a:p>
@@ -6908,7 +7801,7 @@
       </p:sp>
       <p:pic>
         <p:nvPicPr>
-          <p:cNvPr id="5" name="Содержимое 4" descr="alias_analysis.emf"/>
+          <p:cNvPr id="5" name="Содержимое 4" descr="build_pathes.emf"/>
           <p:cNvPicPr>
             <a:picLocks noGrp="1" noChangeAspect="1"/>
           </p:cNvPicPr>
@@ -6924,8 +7817,8 @@
         </p:blipFill>
         <p:spPr>
           <a:xfrm>
-            <a:off x="251520" y="1772816"/>
-            <a:ext cx="8646445" cy="4169551"/>
+            <a:off x="2267744" y="1340768"/>
+            <a:ext cx="4459409" cy="5237137"/>
           </a:xfrm>
         </p:spPr>
       </p:pic>
@@ -6950,663 +7843,6 @@
               <a:t>8</a:t>
             </a:fld>
             <a:endParaRPr lang="ru-RU"/>
-          </a:p>
-        </p:txBody>
-      </p:sp>
-      <p:sp>
-        <p:nvSpPr>
-          <p:cNvPr id="6" name="Прямоугольник 5"/>
-          <p:cNvSpPr/>
-          <p:nvPr/>
-        </p:nvSpPr>
-        <p:spPr>
-          <a:xfrm>
-            <a:off x="6372200" y="4941168"/>
-            <a:ext cx="2376264" cy="1218795"/>
-          </a:xfrm>
-          <a:prstGeom prst="rect">
-            <a:avLst/>
-          </a:prstGeom>
-          <a:ln>
-            <a:solidFill>
-              <a:schemeClr val="tx1"/>
-            </a:solidFill>
-            <a:prstDash val="lgDash"/>
-            <a:bevel/>
-          </a:ln>
-        </p:spPr>
-        <p:txBody>
-          <a:bodyPr wrap="square">
-            <a:spAutoFit/>
-          </a:bodyPr>
-          <a:lstStyle/>
-          <a:p>
-            <a:pPr marL="180000">
-              <a:lnSpc>
-                <a:spcPct val="80000"/>
-              </a:lnSpc>
-              <a:spcBef>
-                <a:spcPts val="600"/>
-              </a:spcBef>
-              <a:buNone/>
-            </a:pPr>
-            <a:r>
-              <a:rPr lang="en-US" sz="1000" b="1" dirty="0" err="1" smtClean="0">
-                <a:solidFill>
-                  <a:srgbClr val="800000"/>
-                </a:solidFill>
-              </a:rPr>
-              <a:t>eval</a:t>
-            </a:r>
-            <a:r>
-              <a:rPr lang="en-US" sz="1000" dirty="0" smtClean="0">
-                <a:solidFill>
-                  <a:srgbClr val="808030"/>
-                </a:solidFill>
-              </a:rPr>
-              <a:t>-</a:t>
-            </a:r>
-            <a:r>
-              <a:rPr lang="en-US" sz="1000" dirty="0" smtClean="0"/>
-              <a:t>lhs</a:t>
-            </a:r>
-            <a:r>
-              <a:rPr lang="en-US" sz="1000" dirty="0" smtClean="0">
-                <a:solidFill>
-                  <a:srgbClr val="808030"/>
-                </a:solidFill>
-              </a:rPr>
-              <a:t>(</a:t>
-            </a:r>
-            <a:r>
-              <a:rPr lang="en-US" sz="1000" dirty="0" smtClean="0"/>
-              <a:t>“x”</a:t>
-            </a:r>
-            <a:r>
-              <a:rPr lang="en-US" sz="1000" dirty="0" smtClean="0">
-                <a:solidFill>
-                  <a:srgbClr val="808030"/>
-                </a:solidFill>
-              </a:rPr>
-              <a:t>)</a:t>
-            </a:r>
-            <a:r>
-              <a:rPr lang="en-US" sz="1000" dirty="0" smtClean="0"/>
-              <a:t> </a:t>
-            </a:r>
-            <a:r>
-              <a:rPr lang="en-US" sz="1000" dirty="0" smtClean="0">
-                <a:solidFill>
-                  <a:srgbClr val="808030"/>
-                </a:solidFill>
-              </a:rPr>
-              <a:t>=</a:t>
-            </a:r>
-            <a:r>
-              <a:rPr lang="en-US" sz="1000" dirty="0" smtClean="0"/>
-              <a:t> </a:t>
-            </a:r>
-            <a:r>
-              <a:rPr lang="en-US" sz="1000" dirty="0" smtClean="0">
-                <a:solidFill>
-                  <a:srgbClr val="808030"/>
-                </a:solidFill>
-              </a:rPr>
-              <a:t>[</a:t>
-            </a:r>
-            <a:r>
-              <a:rPr lang="en-US" sz="1000" dirty="0" smtClean="0"/>
-              <a:t>“x”</a:t>
-            </a:r>
-            <a:r>
-              <a:rPr lang="en-US" sz="1000" dirty="0" smtClean="0">
-                <a:solidFill>
-                  <a:srgbClr val="808030"/>
-                </a:solidFill>
-              </a:rPr>
-              <a:t>]</a:t>
-            </a:r>
-            <a:endParaRPr lang="ru-RU" sz="1000" dirty="0" smtClean="0">
-              <a:solidFill>
-                <a:srgbClr val="808030"/>
-              </a:solidFill>
-            </a:endParaRPr>
-          </a:p>
-          <a:p>
-            <a:pPr marL="180000">
-              <a:lnSpc>
-                <a:spcPct val="80000"/>
-              </a:lnSpc>
-              <a:spcBef>
-                <a:spcPts val="600"/>
-              </a:spcBef>
-              <a:buNone/>
-            </a:pPr>
-            <a:r>
-              <a:rPr lang="en-US" sz="1000" b="1" dirty="0" err="1" smtClean="0">
-                <a:solidFill>
-                  <a:srgbClr val="800000"/>
-                </a:solidFill>
-              </a:rPr>
-              <a:t>eval</a:t>
-            </a:r>
-            <a:r>
-              <a:rPr lang="en-US" sz="1000" dirty="0" smtClean="0">
-                <a:solidFill>
-                  <a:srgbClr val="808030"/>
-                </a:solidFill>
-              </a:rPr>
-              <a:t>-</a:t>
-            </a:r>
-            <a:r>
-              <a:rPr lang="en-US" sz="1000" dirty="0" smtClean="0"/>
-              <a:t>lhs</a:t>
-            </a:r>
-            <a:r>
-              <a:rPr lang="en-US" sz="1000" dirty="0" smtClean="0">
-                <a:solidFill>
-                  <a:srgbClr val="808030"/>
-                </a:solidFill>
-              </a:rPr>
-              <a:t>(</a:t>
-            </a:r>
-            <a:r>
-              <a:rPr lang="en-US" sz="1000" dirty="0" smtClean="0"/>
-              <a:t>“</a:t>
-            </a:r>
-            <a:r>
-              <a:rPr lang="en-US" sz="1000" dirty="0" smtClean="0">
-                <a:solidFill>
-                  <a:srgbClr val="808030"/>
-                </a:solidFill>
-              </a:rPr>
-              <a:t>*</a:t>
-            </a:r>
-            <a:r>
-              <a:rPr lang="en-US" sz="1000" dirty="0" smtClean="0"/>
-              <a:t>e”</a:t>
-            </a:r>
-            <a:r>
-              <a:rPr lang="en-US" sz="1000" dirty="0" smtClean="0">
-                <a:solidFill>
-                  <a:srgbClr val="808030"/>
-                </a:solidFill>
-              </a:rPr>
-              <a:t>)</a:t>
-            </a:r>
-            <a:r>
-              <a:rPr lang="en-US" sz="1000" dirty="0" smtClean="0"/>
-              <a:t> </a:t>
-            </a:r>
-            <a:r>
-              <a:rPr lang="en-US" sz="1000" dirty="0" smtClean="0">
-                <a:solidFill>
-                  <a:srgbClr val="808030"/>
-                </a:solidFill>
-              </a:rPr>
-              <a:t>=</a:t>
-            </a:r>
-            <a:r>
-              <a:rPr lang="en-US" sz="1000" dirty="0" smtClean="0"/>
-              <a:t> </a:t>
-            </a:r>
-            <a:r>
-              <a:rPr lang="en-US" sz="1000" b="1" dirty="0" err="1" smtClean="0">
-                <a:solidFill>
-                  <a:srgbClr val="800000"/>
-                </a:solidFill>
-              </a:rPr>
-              <a:t>eval</a:t>
-            </a:r>
-            <a:r>
-              <a:rPr lang="en-US" sz="1000" dirty="0" err="1" smtClean="0">
-                <a:solidFill>
-                  <a:srgbClr val="808030"/>
-                </a:solidFill>
-              </a:rPr>
-              <a:t>-</a:t>
-            </a:r>
-            <a:r>
-              <a:rPr lang="en-US" sz="1000" dirty="0" err="1" smtClean="0"/>
-              <a:t>rhs</a:t>
-            </a:r>
-            <a:r>
-              <a:rPr lang="en-US" sz="1000" dirty="0" smtClean="0">
-                <a:solidFill>
-                  <a:srgbClr val="808030"/>
-                </a:solidFill>
-              </a:rPr>
-              <a:t>(</a:t>
-            </a:r>
-            <a:r>
-              <a:rPr lang="en-US" sz="1000" dirty="0" smtClean="0"/>
-              <a:t>“e”</a:t>
-            </a:r>
-            <a:r>
-              <a:rPr lang="en-US" sz="1000" dirty="0" smtClean="0">
-                <a:solidFill>
-                  <a:srgbClr val="808030"/>
-                </a:solidFill>
-              </a:rPr>
-              <a:t>)</a:t>
-            </a:r>
-            <a:r>
-              <a:rPr lang="en-US" sz="1000" dirty="0" smtClean="0"/>
-              <a:t> </a:t>
-            </a:r>
-            <a:endParaRPr lang="ru-RU" sz="1000" dirty="0" smtClean="0"/>
-          </a:p>
-          <a:p>
-            <a:pPr marL="180000">
-              <a:lnSpc>
-                <a:spcPct val="80000"/>
-              </a:lnSpc>
-              <a:spcBef>
-                <a:spcPts val="600"/>
-              </a:spcBef>
-              <a:buNone/>
-            </a:pPr>
-            <a:r>
-              <a:rPr lang="en-US" sz="1000" b="1" dirty="0" err="1" smtClean="0">
-                <a:solidFill>
-                  <a:srgbClr val="800000"/>
-                </a:solidFill>
-              </a:rPr>
-              <a:t>eval</a:t>
-            </a:r>
-            <a:r>
-              <a:rPr lang="en-US" sz="1000" dirty="0" err="1" smtClean="0">
-                <a:solidFill>
-                  <a:srgbClr val="808030"/>
-                </a:solidFill>
-              </a:rPr>
-              <a:t>-</a:t>
-            </a:r>
-            <a:r>
-              <a:rPr lang="en-US" sz="1000" dirty="0" err="1" smtClean="0"/>
-              <a:t>rhs</a:t>
-            </a:r>
-            <a:r>
-              <a:rPr lang="en-US" sz="1000" dirty="0" smtClean="0">
-                <a:solidFill>
-                  <a:srgbClr val="808030"/>
-                </a:solidFill>
-              </a:rPr>
-              <a:t>(</a:t>
-            </a:r>
-            <a:r>
-              <a:rPr lang="en-US" sz="1000" dirty="0" smtClean="0"/>
-              <a:t>“</a:t>
-            </a:r>
-            <a:r>
-              <a:rPr lang="en-US" sz="1000" dirty="0" smtClean="0">
-                <a:solidFill>
-                  <a:srgbClr val="808030"/>
-                </a:solidFill>
-              </a:rPr>
-              <a:t>&amp;</a:t>
-            </a:r>
-            <a:r>
-              <a:rPr lang="en-US" sz="1000" dirty="0" smtClean="0"/>
-              <a:t>x”</a:t>
-            </a:r>
-            <a:r>
-              <a:rPr lang="en-US" sz="1000" dirty="0" smtClean="0">
-                <a:solidFill>
-                  <a:srgbClr val="808030"/>
-                </a:solidFill>
-              </a:rPr>
-              <a:t>)</a:t>
-            </a:r>
-            <a:r>
-              <a:rPr lang="en-US" sz="1000" dirty="0" smtClean="0"/>
-              <a:t> </a:t>
-            </a:r>
-            <a:r>
-              <a:rPr lang="en-US" sz="1000" dirty="0" smtClean="0">
-                <a:solidFill>
-                  <a:srgbClr val="808030"/>
-                </a:solidFill>
-              </a:rPr>
-              <a:t>=</a:t>
-            </a:r>
-            <a:r>
-              <a:rPr lang="en-US" sz="1000" dirty="0" smtClean="0"/>
-              <a:t> </a:t>
-            </a:r>
-            <a:r>
-              <a:rPr lang="en-US" sz="1000" dirty="0" smtClean="0">
-                <a:solidFill>
-                  <a:srgbClr val="808030"/>
-                </a:solidFill>
-              </a:rPr>
-              <a:t>[</a:t>
-            </a:r>
-            <a:r>
-              <a:rPr lang="en-US" sz="1000" dirty="0" smtClean="0"/>
-              <a:t>“x”</a:t>
-            </a:r>
-            <a:r>
-              <a:rPr lang="en-US" sz="1000" dirty="0" smtClean="0">
-                <a:solidFill>
-                  <a:srgbClr val="808030"/>
-                </a:solidFill>
-              </a:rPr>
-              <a:t>]</a:t>
-            </a:r>
-            <a:endParaRPr lang="ru-RU" sz="1000" dirty="0" smtClean="0">
-              <a:solidFill>
-                <a:srgbClr val="808030"/>
-              </a:solidFill>
-            </a:endParaRPr>
-          </a:p>
-          <a:p>
-            <a:pPr marL="180000">
-              <a:lnSpc>
-                <a:spcPct val="80000"/>
-              </a:lnSpc>
-              <a:spcBef>
-                <a:spcPts val="600"/>
-              </a:spcBef>
-              <a:buNone/>
-            </a:pPr>
-            <a:r>
-              <a:rPr lang="en-US" sz="1000" b="1" dirty="0" err="1" smtClean="0">
-                <a:solidFill>
-                  <a:srgbClr val="800000"/>
-                </a:solidFill>
-              </a:rPr>
-              <a:t>eval</a:t>
-            </a:r>
-            <a:r>
-              <a:rPr lang="en-US" sz="1000" dirty="0" err="1" smtClean="0">
-                <a:solidFill>
-                  <a:srgbClr val="808030"/>
-                </a:solidFill>
-              </a:rPr>
-              <a:t>-</a:t>
-            </a:r>
-            <a:r>
-              <a:rPr lang="en-US" sz="1000" dirty="0" err="1" smtClean="0"/>
-              <a:t>rhs</a:t>
-            </a:r>
-            <a:r>
-              <a:rPr lang="en-US" sz="1000" dirty="0" smtClean="0">
-                <a:solidFill>
-                  <a:srgbClr val="808030"/>
-                </a:solidFill>
-              </a:rPr>
-              <a:t>(</a:t>
-            </a:r>
-            <a:r>
-              <a:rPr lang="en-US" sz="1000" dirty="0" smtClean="0"/>
-              <a:t>“x”</a:t>
-            </a:r>
-            <a:r>
-              <a:rPr lang="en-US" sz="1000" dirty="0" smtClean="0">
-                <a:solidFill>
-                  <a:srgbClr val="808030"/>
-                </a:solidFill>
-              </a:rPr>
-              <a:t>)</a:t>
-            </a:r>
-            <a:r>
-              <a:rPr lang="en-US" sz="1000" dirty="0" smtClean="0"/>
-              <a:t> </a:t>
-            </a:r>
-            <a:r>
-              <a:rPr lang="en-US" sz="1000" dirty="0" smtClean="0">
-                <a:solidFill>
-                  <a:srgbClr val="808030"/>
-                </a:solidFill>
-              </a:rPr>
-              <a:t>=</a:t>
-            </a:r>
-            <a:r>
-              <a:rPr lang="en-US" sz="1000" dirty="0" smtClean="0"/>
-              <a:t> PT</a:t>
-            </a:r>
-            <a:r>
-              <a:rPr lang="en-US" sz="1000" dirty="0" smtClean="0">
-                <a:solidFill>
-                  <a:srgbClr val="808030"/>
-                </a:solidFill>
-              </a:rPr>
-              <a:t>[</a:t>
-            </a:r>
-            <a:r>
-              <a:rPr lang="en-US" sz="1000" dirty="0" smtClean="0"/>
-              <a:t>“x”</a:t>
-            </a:r>
-            <a:r>
-              <a:rPr lang="en-US" sz="1000" dirty="0" smtClean="0">
-                <a:solidFill>
-                  <a:srgbClr val="808030"/>
-                </a:solidFill>
-              </a:rPr>
-              <a:t>]</a:t>
-            </a:r>
-            <a:endParaRPr lang="ru-RU" sz="1000" dirty="0" smtClean="0">
-              <a:solidFill>
-                <a:srgbClr val="808030"/>
-              </a:solidFill>
-            </a:endParaRPr>
-          </a:p>
-          <a:p>
-            <a:pPr marL="180000">
-              <a:lnSpc>
-                <a:spcPct val="80000"/>
-              </a:lnSpc>
-              <a:spcBef>
-                <a:spcPts val="600"/>
-              </a:spcBef>
-              <a:buNone/>
-            </a:pPr>
-            <a:r>
-              <a:rPr lang="en-US" sz="1000" b="1" dirty="0" err="1" smtClean="0">
-                <a:solidFill>
-                  <a:srgbClr val="800000"/>
-                </a:solidFill>
-              </a:rPr>
-              <a:t>eval</a:t>
-            </a:r>
-            <a:r>
-              <a:rPr lang="en-US" sz="1000" dirty="0" err="1" smtClean="0">
-                <a:solidFill>
-                  <a:srgbClr val="808030"/>
-                </a:solidFill>
-              </a:rPr>
-              <a:t>-</a:t>
-            </a:r>
-            <a:r>
-              <a:rPr lang="en-US" sz="1000" dirty="0" err="1" smtClean="0"/>
-              <a:t>rhs</a:t>
-            </a:r>
-            <a:r>
-              <a:rPr lang="en-US" sz="1000" dirty="0" smtClean="0">
-                <a:solidFill>
-                  <a:srgbClr val="808030"/>
-                </a:solidFill>
-              </a:rPr>
-              <a:t>(</a:t>
-            </a:r>
-            <a:r>
-              <a:rPr lang="en-US" sz="1000" dirty="0" smtClean="0"/>
-              <a:t>“</a:t>
-            </a:r>
-            <a:r>
-              <a:rPr lang="en-US" sz="1000" dirty="0" smtClean="0">
-                <a:solidFill>
-                  <a:srgbClr val="808030"/>
-                </a:solidFill>
-              </a:rPr>
-              <a:t>*</a:t>
-            </a:r>
-            <a:r>
-              <a:rPr lang="en-US" sz="1000" dirty="0" smtClean="0"/>
-              <a:t>e”</a:t>
-            </a:r>
-            <a:r>
-              <a:rPr lang="en-US" sz="1000" dirty="0" smtClean="0">
-                <a:solidFill>
-                  <a:srgbClr val="808030"/>
-                </a:solidFill>
-              </a:rPr>
-              <a:t>)</a:t>
-            </a:r>
-            <a:r>
-              <a:rPr lang="en-US" sz="1000" dirty="0" smtClean="0"/>
-              <a:t> </a:t>
-            </a:r>
-            <a:r>
-              <a:rPr lang="en-US" sz="1000" dirty="0" smtClean="0">
-                <a:solidFill>
-                  <a:srgbClr val="808030"/>
-                </a:solidFill>
-              </a:rPr>
-              <a:t>=</a:t>
-            </a:r>
-            <a:r>
-              <a:rPr lang="en-US" sz="1000" dirty="0" smtClean="0"/>
-              <a:t> union</a:t>
-            </a:r>
-            <a:r>
-              <a:rPr lang="en-US" sz="1000" dirty="0" smtClean="0">
-                <a:solidFill>
-                  <a:srgbClr val="808030"/>
-                </a:solidFill>
-              </a:rPr>
-              <a:t>(</a:t>
-            </a:r>
-            <a:r>
-              <a:rPr lang="en-US" sz="1000" dirty="0" smtClean="0">
-                <a:solidFill>
-                  <a:srgbClr val="800080"/>
-                </a:solidFill>
-              </a:rPr>
-              <a:t>{</a:t>
-            </a:r>
-            <a:endParaRPr lang="ru-RU" sz="1000" dirty="0" smtClean="0">
-              <a:solidFill>
-                <a:srgbClr val="800080"/>
-              </a:solidFill>
-            </a:endParaRPr>
-          </a:p>
-          <a:p>
-            <a:pPr marL="180000">
-              <a:lnSpc>
-                <a:spcPct val="80000"/>
-              </a:lnSpc>
-              <a:spcBef>
-                <a:spcPts val="600"/>
-              </a:spcBef>
-              <a:buNone/>
-            </a:pPr>
-            <a:r>
-              <a:rPr lang="ru-RU" sz="1000" dirty="0" smtClean="0">
-                <a:solidFill>
-                  <a:srgbClr val="800080"/>
-                </a:solidFill>
-              </a:rPr>
-              <a:t>        </a:t>
-            </a:r>
-            <a:r>
-              <a:rPr lang="en-US" sz="1000" dirty="0" smtClean="0"/>
-              <a:t>PT</a:t>
-            </a:r>
-            <a:r>
-              <a:rPr lang="en-US" sz="1000" dirty="0" smtClean="0">
-                <a:solidFill>
-                  <a:srgbClr val="808030"/>
-                </a:solidFill>
-              </a:rPr>
-              <a:t>[</a:t>
-            </a:r>
-            <a:r>
-              <a:rPr lang="en-US" sz="1000" dirty="0" smtClean="0"/>
-              <a:t>p</a:t>
-            </a:r>
-            <a:r>
-              <a:rPr lang="en-US" sz="1000" dirty="0" smtClean="0">
-                <a:solidFill>
-                  <a:srgbClr val="808030"/>
-                </a:solidFill>
-              </a:rPr>
-              <a:t>]</a:t>
-            </a:r>
-            <a:r>
-              <a:rPr lang="en-US" sz="1000" dirty="0" smtClean="0"/>
-              <a:t> </a:t>
-            </a:r>
-            <a:r>
-              <a:rPr lang="en-US" sz="1000" dirty="0" smtClean="0">
-                <a:solidFill>
-                  <a:srgbClr val="808030"/>
-                </a:solidFill>
-              </a:rPr>
-              <a:t>|</a:t>
-            </a:r>
-            <a:r>
-              <a:rPr lang="en-US" sz="1000" dirty="0" smtClean="0"/>
-              <a:t> p in </a:t>
-            </a:r>
-            <a:r>
-              <a:rPr lang="en-US" sz="1000" b="1" dirty="0" err="1" smtClean="0">
-                <a:solidFill>
-                  <a:srgbClr val="800000"/>
-                </a:solidFill>
-              </a:rPr>
-              <a:t>eval</a:t>
-            </a:r>
-            <a:r>
-              <a:rPr lang="en-US" sz="1000" dirty="0" err="1" smtClean="0">
-                <a:solidFill>
-                  <a:srgbClr val="808030"/>
-                </a:solidFill>
-              </a:rPr>
-              <a:t>-</a:t>
-            </a:r>
-            <a:r>
-              <a:rPr lang="en-US" sz="1000" dirty="0" err="1" smtClean="0"/>
-              <a:t>rhs</a:t>
-            </a:r>
-            <a:r>
-              <a:rPr lang="en-US" sz="1000" dirty="0" smtClean="0">
-                <a:solidFill>
-                  <a:srgbClr val="808030"/>
-                </a:solidFill>
-              </a:rPr>
-              <a:t>(</a:t>
-            </a:r>
-            <a:r>
-              <a:rPr lang="en-US" sz="1000" dirty="0" smtClean="0"/>
-              <a:t>“e”</a:t>
-            </a:r>
-            <a:r>
-              <a:rPr lang="en-US" sz="1000" dirty="0" smtClean="0">
-                <a:solidFill>
-                  <a:srgbClr val="808030"/>
-                </a:solidFill>
-              </a:rPr>
-              <a:t>)</a:t>
-            </a:r>
-            <a:r>
-              <a:rPr lang="en-US" sz="1000" dirty="0" smtClean="0">
-                <a:solidFill>
-                  <a:srgbClr val="800080"/>
-                </a:solidFill>
-              </a:rPr>
-              <a:t>}</a:t>
-            </a:r>
-            <a:r>
-              <a:rPr lang="ru-RU" sz="1000" dirty="0" smtClean="0">
-                <a:solidFill>
-                  <a:srgbClr val="800080"/>
-                </a:solidFill>
-              </a:rPr>
-              <a:t>)</a:t>
-            </a:r>
-            <a:endParaRPr lang="ru-RU" sz="1000" dirty="0"/>
           </a:p>
         </p:txBody>
       </p:sp>
@@ -7661,12 +7897,35 @@
           <a:p>
             <a:r>
               <a:rPr lang="ru-RU" dirty="0" smtClean="0"/>
-              <a:t>Нахождение перекрестных ссылок</a:t>
+              <a:t>Построение таблиц доступа для потоков</a:t>
             </a:r>
             <a:endParaRPr lang="ru-RU" dirty="0"/>
           </a:p>
         </p:txBody>
       </p:sp>
+      <p:pic>
+        <p:nvPicPr>
+          <p:cNvPr id="5" name="Содержимое 4" descr="form_tables.emf"/>
+          <p:cNvPicPr>
+            <a:picLocks noGrp="1" noChangeAspect="1"/>
+          </p:cNvPicPr>
+          <p:nvPr>
+            <p:ph idx="1"/>
+          </p:nvPr>
+        </p:nvPicPr>
+        <p:blipFill>
+          <a:blip r:embed="rId2" cstate="print"/>
+          <a:stretch>
+            <a:fillRect/>
+          </a:stretch>
+        </p:blipFill>
+        <p:spPr>
+          <a:xfrm>
+            <a:off x="168436" y="1916832"/>
+            <a:ext cx="8796052" cy="3760397"/>
+          </a:xfrm>
+        </p:spPr>
+      </p:pic>
       <p:sp>
         <p:nvSpPr>
           <p:cNvPr id="4" name="Номер слайда 3"/>
@@ -7687,3235 +7946,6 @@
               <a:pPr/>
               <a:t>9</a:t>
             </a:fld>
-            <a:endParaRPr lang="ru-RU"/>
-          </a:p>
-        </p:txBody>
-      </p:sp>
-      <p:sp>
-        <p:nvSpPr>
-          <p:cNvPr id="5" name="Содержимое 2"/>
-          <p:cNvSpPr txBox="1">
-            <a:spLocks/>
-          </p:cNvSpPr>
-          <p:nvPr/>
-        </p:nvSpPr>
-        <p:spPr>
-          <a:xfrm>
-            <a:off x="3275856" y="1556792"/>
-            <a:ext cx="5112568" cy="4525963"/>
-          </a:xfrm>
-          <a:prstGeom prst="rect">
-            <a:avLst/>
-          </a:prstGeom>
-        </p:spPr>
-        <p:txBody>
-          <a:bodyPr vert="horz" lIns="91440" tIns="45720" rIns="91440" bIns="45720" rtlCol="0">
-            <a:normAutofit fontScale="92500" lnSpcReduction="10000"/>
-          </a:bodyPr>
-          <a:lstStyle/>
-          <a:p>
-            <a:pPr marL="342900" marR="0" lvl="0" indent="-342900" algn="l" defTabSz="914400" rtl="0" eaLnBrk="1" fontAlgn="auto" latinLnBrk="0" hangingPunct="1">
-              <a:lnSpc>
-                <a:spcPct val="100000"/>
-              </a:lnSpc>
-              <a:spcBef>
-                <a:spcPct val="20000"/>
-              </a:spcBef>
-              <a:spcAft>
-                <a:spcPts val="0"/>
-              </a:spcAft>
-              <a:buClrTx/>
-              <a:buSzTx/>
-              <a:buFont typeface="Arial" pitchFamily="34" charset="0"/>
-              <a:buNone/>
-              <a:tabLst/>
-              <a:defRPr/>
-            </a:pPr>
-            <a:r>
-              <a:rPr kumimoji="0" lang="en-US" sz="1600" b="1" i="0" u="none" strike="noStrike" kern="1200" cap="none" spc="0" normalizeH="0" baseline="0" noProof="0" dirty="0" smtClean="0">
-                <a:ln>
-                  <a:noFill/>
-                </a:ln>
-                <a:solidFill>
-                  <a:srgbClr val="800000"/>
-                </a:solidFill>
-                <a:effectLst/>
-                <a:uLnTx/>
-                <a:uFillTx/>
-                <a:latin typeface="+mn-lt"/>
-                <a:ea typeface="+mn-ea"/>
-                <a:cs typeface="+mn-cs"/>
-              </a:rPr>
-              <a:t>static</a:t>
-            </a:r>
-            <a:r>
-              <a:rPr kumimoji="0" lang="en-US" sz="1600" b="0" i="0" u="none" strike="noStrike" kern="1200" cap="none" spc="0" normalizeH="0" baseline="0" noProof="0" dirty="0" smtClean="0">
-                <a:ln>
-                  <a:noFill/>
-                </a:ln>
-                <a:solidFill>
-                  <a:schemeClr val="tx1"/>
-                </a:solidFill>
-                <a:effectLst/>
-                <a:uLnTx/>
-                <a:uFillTx/>
-                <a:latin typeface="+mn-lt"/>
-                <a:ea typeface="+mn-ea"/>
-                <a:cs typeface="+mn-cs"/>
-              </a:rPr>
-              <a:t> </a:t>
-            </a:r>
-            <a:r>
-              <a:rPr kumimoji="0" lang="en-US" sz="1600" b="1" i="0" u="none" strike="noStrike" kern="1200" cap="none" spc="0" normalizeH="0" baseline="0" noProof="0" dirty="0" smtClean="0">
-                <a:ln>
-                  <a:noFill/>
-                </a:ln>
-                <a:solidFill>
-                  <a:srgbClr val="800000"/>
-                </a:solidFill>
-                <a:effectLst/>
-                <a:uLnTx/>
-                <a:uFillTx/>
-                <a:latin typeface="+mn-lt"/>
-                <a:ea typeface="+mn-ea"/>
-                <a:cs typeface="+mn-cs"/>
-              </a:rPr>
-              <a:t>int</a:t>
-            </a:r>
-            <a:r>
-              <a:rPr kumimoji="0" lang="en-US" sz="1600" b="0" i="0" u="none" strike="noStrike" kern="1200" cap="none" spc="0" normalizeH="0" baseline="0" noProof="0" dirty="0" smtClean="0">
-                <a:ln>
-                  <a:noFill/>
-                </a:ln>
-                <a:solidFill>
-                  <a:schemeClr val="tx1"/>
-                </a:solidFill>
-                <a:effectLst/>
-                <a:uLnTx/>
-                <a:uFillTx/>
-                <a:latin typeface="+mn-lt"/>
-                <a:ea typeface="+mn-ea"/>
-                <a:cs typeface="+mn-cs"/>
-              </a:rPr>
-              <a:t> x </a:t>
-            </a:r>
-            <a:r>
-              <a:rPr kumimoji="0" lang="en-US" sz="1600" b="0" i="0" u="none" strike="noStrike" kern="1200" cap="none" spc="0" normalizeH="0" baseline="0" noProof="0" dirty="0" smtClean="0">
-                <a:ln>
-                  <a:noFill/>
-                </a:ln>
-                <a:solidFill>
-                  <a:srgbClr val="808030"/>
-                </a:solidFill>
-                <a:effectLst/>
-                <a:uLnTx/>
-                <a:uFillTx/>
-                <a:latin typeface="+mn-lt"/>
-                <a:ea typeface="+mn-ea"/>
-                <a:cs typeface="+mn-cs"/>
-              </a:rPr>
-              <a:t>=</a:t>
-            </a:r>
-            <a:r>
-              <a:rPr kumimoji="0" lang="en-US" sz="1600" b="0" i="0" u="none" strike="noStrike" kern="1200" cap="none" spc="0" normalizeH="0" baseline="0" noProof="0" dirty="0" smtClean="0">
-                <a:ln>
-                  <a:noFill/>
-                </a:ln>
-                <a:solidFill>
-                  <a:srgbClr val="008C00"/>
-                </a:solidFill>
-                <a:effectLst/>
-                <a:uLnTx/>
-                <a:uFillTx/>
-                <a:latin typeface="+mn-lt"/>
-                <a:ea typeface="+mn-ea"/>
-                <a:cs typeface="+mn-cs"/>
-              </a:rPr>
-              <a:t>0</a:t>
-            </a:r>
-            <a:r>
-              <a:rPr kumimoji="0" lang="en-US" sz="1600" b="0" i="0" u="none" strike="noStrike" kern="1200" cap="none" spc="0" normalizeH="0" baseline="0" noProof="0" dirty="0" smtClean="0">
-                <a:ln>
-                  <a:noFill/>
-                </a:ln>
-                <a:solidFill>
-                  <a:srgbClr val="808030"/>
-                </a:solidFill>
-                <a:effectLst/>
-                <a:uLnTx/>
-                <a:uFillTx/>
-                <a:latin typeface="+mn-lt"/>
-                <a:ea typeface="+mn-ea"/>
-                <a:cs typeface="+mn-cs"/>
-              </a:rPr>
-              <a:t>,</a:t>
-            </a:r>
-            <a:r>
-              <a:rPr kumimoji="0" lang="en-US" sz="1600" b="0" i="0" u="none" strike="noStrike" kern="1200" cap="none" spc="0" normalizeH="0" baseline="0" noProof="0" dirty="0" smtClean="0">
-                <a:ln>
-                  <a:noFill/>
-                </a:ln>
-                <a:solidFill>
-                  <a:schemeClr val="tx1"/>
-                </a:solidFill>
-                <a:effectLst/>
-                <a:uLnTx/>
-                <a:uFillTx/>
-                <a:latin typeface="+mn-lt"/>
-                <a:ea typeface="+mn-ea"/>
-                <a:cs typeface="+mn-cs"/>
-              </a:rPr>
-              <a:t> y </a:t>
-            </a:r>
-            <a:r>
-              <a:rPr kumimoji="0" lang="en-US" sz="1600" b="0" i="0" u="none" strike="noStrike" kern="1200" cap="none" spc="0" normalizeH="0" baseline="0" noProof="0" dirty="0" smtClean="0">
-                <a:ln>
-                  <a:noFill/>
-                </a:ln>
-                <a:solidFill>
-                  <a:srgbClr val="808030"/>
-                </a:solidFill>
-                <a:effectLst/>
-                <a:uLnTx/>
-                <a:uFillTx/>
-                <a:latin typeface="+mn-lt"/>
-                <a:ea typeface="+mn-ea"/>
-                <a:cs typeface="+mn-cs"/>
-              </a:rPr>
-              <a:t>=</a:t>
-            </a:r>
-            <a:r>
-              <a:rPr kumimoji="0" lang="en-US" sz="1600" b="0" i="0" u="none" strike="noStrike" kern="1200" cap="none" spc="0" normalizeH="0" baseline="0" noProof="0" dirty="0" smtClean="0">
-                <a:ln>
-                  <a:noFill/>
-                </a:ln>
-                <a:solidFill>
-                  <a:schemeClr val="tx1"/>
-                </a:solidFill>
-                <a:effectLst/>
-                <a:uLnTx/>
-                <a:uFillTx/>
-                <a:latin typeface="+mn-lt"/>
-                <a:ea typeface="+mn-ea"/>
-                <a:cs typeface="+mn-cs"/>
-              </a:rPr>
-              <a:t> </a:t>
-            </a:r>
-            <a:r>
-              <a:rPr kumimoji="0" lang="en-US" sz="1600" b="0" i="0" u="none" strike="noStrike" kern="1200" cap="none" spc="0" normalizeH="0" baseline="0" noProof="0" dirty="0" smtClean="0">
-                <a:ln>
-                  <a:noFill/>
-                </a:ln>
-                <a:solidFill>
-                  <a:srgbClr val="008C00"/>
-                </a:solidFill>
-                <a:effectLst/>
-                <a:uLnTx/>
-                <a:uFillTx/>
-                <a:latin typeface="+mn-lt"/>
-                <a:ea typeface="+mn-ea"/>
-                <a:cs typeface="+mn-cs"/>
-              </a:rPr>
-              <a:t>0</a:t>
-            </a:r>
-            <a:r>
-              <a:rPr kumimoji="0" lang="en-US" sz="1600" b="0" i="0" u="none" strike="noStrike" kern="1200" cap="none" spc="0" normalizeH="0" baseline="0" noProof="0" dirty="0" smtClean="0">
-                <a:ln>
-                  <a:noFill/>
-                </a:ln>
-                <a:solidFill>
-                  <a:srgbClr val="800080"/>
-                </a:solidFill>
-                <a:effectLst/>
-                <a:uLnTx/>
-                <a:uFillTx/>
-                <a:latin typeface="+mn-lt"/>
-                <a:ea typeface="+mn-ea"/>
-                <a:cs typeface="+mn-cs"/>
-              </a:rPr>
-              <a:t>;</a:t>
-            </a:r>
-            <a:endParaRPr kumimoji="0" lang="ru-RU" sz="1600" b="0" i="0" u="none" strike="noStrike" kern="1200" cap="none" spc="0" normalizeH="0" baseline="0" noProof="0" dirty="0" smtClean="0">
-              <a:ln>
-                <a:noFill/>
-              </a:ln>
-              <a:solidFill>
-                <a:srgbClr val="696969"/>
-              </a:solidFill>
-              <a:effectLst/>
-              <a:uLnTx/>
-              <a:uFillTx/>
-              <a:latin typeface="+mn-lt"/>
-              <a:ea typeface="+mn-ea"/>
-              <a:cs typeface="+mn-cs"/>
-            </a:endParaRPr>
-          </a:p>
-          <a:p>
-            <a:pPr marL="342900" marR="0" lvl="0" indent="-342900" algn="l" defTabSz="914400" rtl="0" eaLnBrk="1" fontAlgn="auto" latinLnBrk="0" hangingPunct="1">
-              <a:lnSpc>
-                <a:spcPct val="100000"/>
-              </a:lnSpc>
-              <a:spcBef>
-                <a:spcPct val="20000"/>
-              </a:spcBef>
-              <a:spcAft>
-                <a:spcPts val="0"/>
-              </a:spcAft>
-              <a:buClrTx/>
-              <a:buSzTx/>
-              <a:buFont typeface="Arial" pitchFamily="34" charset="0"/>
-              <a:buNone/>
-              <a:tabLst/>
-              <a:defRPr/>
-            </a:pPr>
-            <a:r>
-              <a:rPr kumimoji="0" lang="en-US" sz="1600" b="0" i="0" u="none" strike="noStrike" kern="1200" cap="none" spc="0" normalizeH="0" baseline="0" noProof="0" dirty="0" err="1" smtClean="0">
-                <a:ln>
-                  <a:noFill/>
-                </a:ln>
-                <a:solidFill>
-                  <a:schemeClr val="tx1"/>
-                </a:solidFill>
-                <a:effectLst/>
-                <a:uLnTx/>
-                <a:uFillTx/>
-                <a:latin typeface="+mn-lt"/>
-                <a:ea typeface="+mn-ea"/>
-                <a:cs typeface="+mn-cs"/>
-              </a:rPr>
-              <a:t>pthread_mutex_t</a:t>
-            </a:r>
-            <a:r>
-              <a:rPr kumimoji="0" lang="en-US" sz="1600" b="0" i="0" u="none" strike="noStrike" kern="1200" cap="none" spc="0" normalizeH="0" baseline="0" noProof="0" dirty="0" smtClean="0">
-                <a:ln>
-                  <a:noFill/>
-                </a:ln>
-                <a:solidFill>
-                  <a:schemeClr val="tx1"/>
-                </a:solidFill>
-                <a:effectLst/>
-                <a:uLnTx/>
-                <a:uFillTx/>
-                <a:latin typeface="+mn-lt"/>
-                <a:ea typeface="+mn-ea"/>
-                <a:cs typeface="+mn-cs"/>
-              </a:rPr>
-              <a:t> m1</a:t>
-            </a:r>
-            <a:r>
-              <a:rPr kumimoji="0" lang="en-US" sz="1600" b="0" i="0" u="none" strike="noStrike" kern="1200" cap="none" spc="0" normalizeH="0" baseline="0" noProof="0" dirty="0" smtClean="0">
-                <a:ln>
-                  <a:noFill/>
-                </a:ln>
-                <a:solidFill>
-                  <a:srgbClr val="808030"/>
-                </a:solidFill>
-                <a:effectLst/>
-                <a:uLnTx/>
-                <a:uFillTx/>
-                <a:latin typeface="+mn-lt"/>
-                <a:ea typeface="+mn-ea"/>
-                <a:cs typeface="+mn-cs"/>
-              </a:rPr>
-              <a:t>,</a:t>
-            </a:r>
-            <a:r>
-              <a:rPr kumimoji="0" lang="en-US" sz="1600" b="0" i="0" u="none" strike="noStrike" kern="1200" cap="none" spc="0" normalizeH="0" baseline="0" noProof="0" dirty="0" smtClean="0">
-                <a:ln>
-                  <a:noFill/>
-                </a:ln>
-                <a:solidFill>
-                  <a:schemeClr val="tx1"/>
-                </a:solidFill>
-                <a:effectLst/>
-                <a:uLnTx/>
-                <a:uFillTx/>
-                <a:latin typeface="+mn-lt"/>
-                <a:ea typeface="+mn-ea"/>
-                <a:cs typeface="+mn-cs"/>
-              </a:rPr>
-              <a:t> m2</a:t>
-            </a:r>
-            <a:r>
-              <a:rPr kumimoji="0" lang="en-US" sz="1600" b="0" i="0" u="none" strike="noStrike" kern="1200" cap="none" spc="0" normalizeH="0" baseline="0" noProof="0" dirty="0" smtClean="0">
-                <a:ln>
-                  <a:noFill/>
-                </a:ln>
-                <a:solidFill>
-                  <a:srgbClr val="800080"/>
-                </a:solidFill>
-                <a:effectLst/>
-                <a:uLnTx/>
-                <a:uFillTx/>
-                <a:latin typeface="+mn-lt"/>
-                <a:ea typeface="+mn-ea"/>
-                <a:cs typeface="+mn-cs"/>
-              </a:rPr>
-              <a:t>;</a:t>
-            </a:r>
-            <a:endParaRPr kumimoji="0" lang="ru-RU" sz="1600" b="0" i="0" u="none" strike="noStrike" kern="1200" cap="none" spc="0" normalizeH="0" baseline="0" noProof="0" dirty="0" smtClean="0">
-              <a:ln>
-                <a:noFill/>
-              </a:ln>
-              <a:solidFill>
-                <a:srgbClr val="696969"/>
-              </a:solidFill>
-              <a:effectLst/>
-              <a:uLnTx/>
-              <a:uFillTx/>
-              <a:latin typeface="+mn-lt"/>
-              <a:ea typeface="+mn-ea"/>
-              <a:cs typeface="+mn-cs"/>
-            </a:endParaRPr>
-          </a:p>
-          <a:p>
-            <a:pPr marL="342900" marR="0" lvl="0" indent="-342900" algn="l" defTabSz="914400" rtl="0" eaLnBrk="1" fontAlgn="auto" latinLnBrk="0" hangingPunct="1">
-              <a:lnSpc>
-                <a:spcPct val="100000"/>
-              </a:lnSpc>
-              <a:spcBef>
-                <a:spcPct val="20000"/>
-              </a:spcBef>
-              <a:spcAft>
-                <a:spcPts val="0"/>
-              </a:spcAft>
-              <a:buClrTx/>
-              <a:buSzTx/>
-              <a:buFont typeface="Arial" pitchFamily="34" charset="0"/>
-              <a:buNone/>
-              <a:tabLst/>
-              <a:defRPr/>
-            </a:pPr>
-            <a:r>
-              <a:rPr kumimoji="0" lang="en-US" sz="1600" b="1" i="0" u="none" strike="noStrike" kern="1200" cap="none" spc="0" normalizeH="0" baseline="0" noProof="0" dirty="0" smtClean="0">
-                <a:ln>
-                  <a:noFill/>
-                </a:ln>
-                <a:solidFill>
-                  <a:srgbClr val="800000"/>
-                </a:solidFill>
-                <a:effectLst/>
-                <a:uLnTx/>
-                <a:uFillTx/>
-                <a:latin typeface="+mn-lt"/>
-                <a:ea typeface="+mn-ea"/>
-                <a:cs typeface="+mn-cs"/>
-              </a:rPr>
-              <a:t>void</a:t>
-            </a:r>
-            <a:r>
-              <a:rPr kumimoji="0" lang="en-US" sz="1600" b="0" i="0" u="none" strike="noStrike" kern="1200" cap="none" spc="0" normalizeH="0" baseline="0" noProof="0" dirty="0" smtClean="0">
-                <a:ln>
-                  <a:noFill/>
-                </a:ln>
-                <a:solidFill>
-                  <a:schemeClr val="tx1"/>
-                </a:solidFill>
-                <a:effectLst/>
-                <a:uLnTx/>
-                <a:uFillTx/>
-                <a:latin typeface="+mn-lt"/>
-                <a:ea typeface="+mn-ea"/>
-                <a:cs typeface="+mn-cs"/>
-              </a:rPr>
-              <a:t> </a:t>
-            </a:r>
-            <a:r>
-              <a:rPr kumimoji="0" lang="en-US" sz="1600" b="0" i="0" u="none" strike="noStrike" kern="1200" cap="none" spc="0" normalizeH="0" baseline="0" noProof="0" dirty="0" err="1" smtClean="0">
-                <a:ln>
-                  <a:noFill/>
-                </a:ln>
-                <a:solidFill>
-                  <a:schemeClr val="tx1"/>
-                </a:solidFill>
-                <a:effectLst/>
-                <a:uLnTx/>
-                <a:uFillTx/>
-                <a:latin typeface="+mn-lt"/>
-                <a:ea typeface="+mn-ea"/>
-                <a:cs typeface="+mn-cs"/>
-              </a:rPr>
-              <a:t>incr</a:t>
-            </a:r>
-            <a:r>
-              <a:rPr kumimoji="0" lang="en-US" sz="1600" b="0" i="0" u="none" strike="noStrike" kern="1200" cap="none" spc="0" normalizeH="0" baseline="0" noProof="0" dirty="0" smtClean="0">
-                <a:ln>
-                  <a:noFill/>
-                </a:ln>
-                <a:solidFill>
-                  <a:srgbClr val="808030"/>
-                </a:solidFill>
-                <a:effectLst/>
-                <a:uLnTx/>
-                <a:uFillTx/>
-                <a:latin typeface="+mn-lt"/>
-                <a:ea typeface="+mn-ea"/>
-                <a:cs typeface="+mn-cs"/>
-              </a:rPr>
-              <a:t>(</a:t>
-            </a:r>
-            <a:r>
-              <a:rPr kumimoji="0" lang="en-US" sz="1600" b="1" i="0" u="none" strike="noStrike" kern="1200" cap="none" spc="0" normalizeH="0" baseline="0" noProof="0" dirty="0" smtClean="0">
-                <a:ln>
-                  <a:noFill/>
-                </a:ln>
-                <a:solidFill>
-                  <a:srgbClr val="800000"/>
-                </a:solidFill>
-                <a:effectLst/>
-                <a:uLnTx/>
-                <a:uFillTx/>
-                <a:latin typeface="+mn-lt"/>
-                <a:ea typeface="+mn-ea"/>
-                <a:cs typeface="+mn-cs"/>
-              </a:rPr>
-              <a:t>int</a:t>
-            </a:r>
-            <a:r>
-              <a:rPr kumimoji="0" lang="en-US" sz="1600" b="0" i="0" u="none" strike="noStrike" kern="1200" cap="none" spc="0" normalizeH="0" baseline="0" noProof="0" dirty="0" smtClean="0">
-                <a:ln>
-                  <a:noFill/>
-                </a:ln>
-                <a:solidFill>
-                  <a:schemeClr val="tx1"/>
-                </a:solidFill>
-                <a:effectLst/>
-                <a:uLnTx/>
-                <a:uFillTx/>
-                <a:latin typeface="+mn-lt"/>
-                <a:ea typeface="+mn-ea"/>
-                <a:cs typeface="+mn-cs"/>
-              </a:rPr>
-              <a:t> </a:t>
-            </a:r>
-            <a:r>
-              <a:rPr kumimoji="0" lang="en-US" sz="1600" b="0" i="0" u="none" strike="noStrike" kern="1200" cap="none" spc="0" normalizeH="0" baseline="0" noProof="0" dirty="0" smtClean="0">
-                <a:ln>
-                  <a:noFill/>
-                </a:ln>
-                <a:solidFill>
-                  <a:srgbClr val="808030"/>
-                </a:solidFill>
-                <a:effectLst/>
-                <a:uLnTx/>
-                <a:uFillTx/>
-                <a:latin typeface="+mn-lt"/>
-                <a:ea typeface="+mn-ea"/>
-                <a:cs typeface="+mn-cs"/>
-              </a:rPr>
-              <a:t>*</a:t>
-            </a:r>
-            <a:r>
-              <a:rPr kumimoji="0" lang="en-US" sz="1600" b="0" i="0" u="none" strike="noStrike" kern="1200" cap="none" spc="0" normalizeH="0" baseline="0" noProof="0" dirty="0" smtClean="0">
-                <a:ln>
-                  <a:noFill/>
-                </a:ln>
-                <a:solidFill>
-                  <a:schemeClr val="tx1"/>
-                </a:solidFill>
-                <a:effectLst/>
-                <a:uLnTx/>
-                <a:uFillTx/>
-                <a:latin typeface="+mn-lt"/>
-                <a:ea typeface="+mn-ea"/>
-                <a:cs typeface="+mn-cs"/>
-              </a:rPr>
-              <a:t> value</a:t>
-            </a:r>
-            <a:r>
-              <a:rPr kumimoji="0" lang="en-US" sz="1600" b="0" i="0" u="none" strike="noStrike" kern="1200" cap="none" spc="0" normalizeH="0" baseline="0" noProof="0" dirty="0" smtClean="0">
-                <a:ln>
-                  <a:noFill/>
-                </a:ln>
-                <a:solidFill>
-                  <a:srgbClr val="808030"/>
-                </a:solidFill>
-                <a:effectLst/>
-                <a:uLnTx/>
-                <a:uFillTx/>
-                <a:latin typeface="+mn-lt"/>
-                <a:ea typeface="+mn-ea"/>
-                <a:cs typeface="+mn-cs"/>
-              </a:rPr>
-              <a:t>,</a:t>
-            </a:r>
-            <a:r>
-              <a:rPr kumimoji="0" lang="en-US" sz="1600" b="0" i="0" u="none" strike="noStrike" kern="1200" cap="none" spc="0" normalizeH="0" baseline="0" noProof="0" dirty="0" smtClean="0">
-                <a:ln>
-                  <a:noFill/>
-                </a:ln>
-                <a:solidFill>
-                  <a:schemeClr val="tx1"/>
-                </a:solidFill>
-                <a:effectLst/>
-                <a:uLnTx/>
-                <a:uFillTx/>
-                <a:latin typeface="+mn-lt"/>
-                <a:ea typeface="+mn-ea"/>
-                <a:cs typeface="+mn-cs"/>
-              </a:rPr>
-              <a:t> </a:t>
-            </a:r>
-            <a:r>
-              <a:rPr kumimoji="0" lang="en-US" sz="1600" b="0" i="0" u="none" strike="noStrike" kern="1200" cap="none" spc="0" normalizeH="0" baseline="0" noProof="0" dirty="0" err="1" smtClean="0">
-                <a:ln>
-                  <a:noFill/>
-                </a:ln>
-                <a:solidFill>
-                  <a:schemeClr val="tx1"/>
-                </a:solidFill>
-                <a:effectLst/>
-                <a:uLnTx/>
-                <a:uFillTx/>
-                <a:latin typeface="+mn-lt"/>
-                <a:ea typeface="+mn-ea"/>
-                <a:cs typeface="+mn-cs"/>
-              </a:rPr>
-              <a:t>pthread_mutex_t</a:t>
-            </a:r>
-            <a:r>
-              <a:rPr kumimoji="0" lang="en-US" sz="1600" b="0" i="0" u="none" strike="noStrike" kern="1200" cap="none" spc="0" normalizeH="0" baseline="0" noProof="0" dirty="0" smtClean="0">
-                <a:ln>
-                  <a:noFill/>
-                </a:ln>
-                <a:solidFill>
-                  <a:srgbClr val="808030"/>
-                </a:solidFill>
-                <a:effectLst/>
-                <a:uLnTx/>
-                <a:uFillTx/>
-                <a:latin typeface="+mn-lt"/>
-                <a:ea typeface="+mn-ea"/>
-                <a:cs typeface="+mn-cs"/>
-              </a:rPr>
-              <a:t>*</a:t>
-            </a:r>
-            <a:r>
-              <a:rPr kumimoji="0" lang="en-US" sz="1600" b="0" i="0" u="none" strike="noStrike" kern="1200" cap="none" spc="0" normalizeH="0" baseline="0" noProof="0" dirty="0" smtClean="0">
-                <a:ln>
-                  <a:noFill/>
-                </a:ln>
-                <a:solidFill>
-                  <a:schemeClr val="tx1"/>
-                </a:solidFill>
-                <a:effectLst/>
-                <a:uLnTx/>
-                <a:uFillTx/>
-                <a:latin typeface="+mn-lt"/>
-                <a:ea typeface="+mn-ea"/>
-                <a:cs typeface="+mn-cs"/>
-              </a:rPr>
-              <a:t> mutex</a:t>
-            </a:r>
-            <a:r>
-              <a:rPr kumimoji="0" lang="en-US" sz="1600" b="0" i="0" u="none" strike="noStrike" kern="1200" cap="none" spc="0" normalizeH="0" baseline="0" noProof="0" dirty="0" smtClean="0">
-                <a:ln>
-                  <a:noFill/>
-                </a:ln>
-                <a:solidFill>
-                  <a:srgbClr val="808030"/>
-                </a:solidFill>
-                <a:effectLst/>
-                <a:uLnTx/>
-                <a:uFillTx/>
-                <a:latin typeface="+mn-lt"/>
-                <a:ea typeface="+mn-ea"/>
-                <a:cs typeface="+mn-cs"/>
-              </a:rPr>
-              <a:t>)</a:t>
-            </a:r>
-            <a:r>
-              <a:rPr kumimoji="0" lang="en-US" sz="1600" b="0" i="0" u="none" strike="noStrike" kern="1200" cap="none" spc="0" normalizeH="0" baseline="0" noProof="0" dirty="0" smtClean="0">
-                <a:ln>
-                  <a:noFill/>
-                </a:ln>
-                <a:solidFill>
-                  <a:schemeClr val="tx1"/>
-                </a:solidFill>
-                <a:effectLst/>
-                <a:uLnTx/>
-                <a:uFillTx/>
-                <a:latin typeface="+mn-lt"/>
-                <a:ea typeface="+mn-ea"/>
-                <a:cs typeface="+mn-cs"/>
-              </a:rPr>
-              <a:t> </a:t>
-            </a:r>
-            <a:r>
-              <a:rPr kumimoji="0" lang="en-US" sz="1600" b="0" i="0" u="none" strike="noStrike" kern="1200" cap="none" spc="0" normalizeH="0" baseline="0" noProof="0" dirty="0" smtClean="0">
-                <a:ln>
-                  <a:noFill/>
-                </a:ln>
-                <a:solidFill>
-                  <a:srgbClr val="800080"/>
-                </a:solidFill>
-                <a:effectLst/>
-                <a:uLnTx/>
-                <a:uFillTx/>
-                <a:latin typeface="+mn-lt"/>
-                <a:ea typeface="+mn-ea"/>
-                <a:cs typeface="+mn-cs"/>
-              </a:rPr>
-              <a:t>{</a:t>
-            </a:r>
-            <a:endParaRPr kumimoji="0" lang="ru-RU" sz="1600" b="0" i="0" u="none" strike="noStrike" kern="1200" cap="none" spc="0" normalizeH="0" baseline="0" noProof="0" dirty="0" smtClean="0">
-              <a:ln>
-                <a:noFill/>
-              </a:ln>
-              <a:solidFill>
-                <a:srgbClr val="800080"/>
-              </a:solidFill>
-              <a:effectLst/>
-              <a:uLnTx/>
-              <a:uFillTx/>
-              <a:latin typeface="+mn-lt"/>
-              <a:ea typeface="+mn-ea"/>
-              <a:cs typeface="+mn-cs"/>
-            </a:endParaRPr>
-          </a:p>
-          <a:p>
-            <a:pPr marL="342900" marR="0" lvl="0" indent="-342900" algn="l" defTabSz="914400" rtl="0" eaLnBrk="1" fontAlgn="auto" latinLnBrk="0" hangingPunct="1">
-              <a:lnSpc>
-                <a:spcPct val="100000"/>
-              </a:lnSpc>
-              <a:spcBef>
-                <a:spcPct val="20000"/>
-              </a:spcBef>
-              <a:spcAft>
-                <a:spcPts val="0"/>
-              </a:spcAft>
-              <a:buClrTx/>
-              <a:buSzTx/>
-              <a:buFont typeface="Arial" pitchFamily="34" charset="0"/>
-              <a:buNone/>
-              <a:tabLst/>
-              <a:defRPr/>
-            </a:pPr>
-            <a:r>
-              <a:rPr kumimoji="0" lang="ru-RU" sz="1600" b="0" i="0" u="none" strike="noStrike" kern="1200" cap="none" spc="0" normalizeH="0" baseline="0" noProof="0" dirty="0" smtClean="0">
-                <a:ln>
-                  <a:noFill/>
-                </a:ln>
-                <a:solidFill>
-                  <a:schemeClr val="tx1"/>
-                </a:solidFill>
-                <a:effectLst/>
-                <a:uLnTx/>
-                <a:uFillTx/>
-                <a:latin typeface="+mn-lt"/>
-                <a:ea typeface="+mn-ea"/>
-                <a:cs typeface="+mn-cs"/>
-              </a:rPr>
-              <a:t>        </a:t>
-            </a:r>
-            <a:r>
-              <a:rPr kumimoji="0" lang="en-US" sz="1600" b="0" i="0" u="none" strike="noStrike" kern="1200" cap="none" spc="0" normalizeH="0" baseline="0" noProof="0" dirty="0" err="1" smtClean="0">
-                <a:ln>
-                  <a:noFill/>
-                </a:ln>
-                <a:solidFill>
-                  <a:schemeClr val="tx1"/>
-                </a:solidFill>
-                <a:effectLst/>
-                <a:uLnTx/>
-                <a:uFillTx/>
-                <a:latin typeface="+mn-lt"/>
-                <a:ea typeface="+mn-ea"/>
-                <a:cs typeface="+mn-cs"/>
-              </a:rPr>
-              <a:t>pthread_mutex_lock</a:t>
-            </a:r>
-            <a:r>
-              <a:rPr kumimoji="0" lang="en-US" sz="1600" b="0" i="0" u="none" strike="noStrike" kern="1200" cap="none" spc="0" normalizeH="0" baseline="0" noProof="0" dirty="0" smtClean="0">
-                <a:ln>
-                  <a:noFill/>
-                </a:ln>
-                <a:solidFill>
-                  <a:srgbClr val="808030"/>
-                </a:solidFill>
-                <a:effectLst/>
-                <a:uLnTx/>
-                <a:uFillTx/>
-                <a:latin typeface="+mn-lt"/>
-                <a:ea typeface="+mn-ea"/>
-                <a:cs typeface="+mn-cs"/>
-              </a:rPr>
-              <a:t>(</a:t>
-            </a:r>
-            <a:r>
-              <a:rPr kumimoji="0" lang="en-US" sz="1600" b="0" i="0" u="none" strike="noStrike" kern="1200" cap="none" spc="0" normalizeH="0" baseline="0" noProof="0" dirty="0" err="1" smtClean="0">
-                <a:ln>
-                  <a:noFill/>
-                </a:ln>
-                <a:solidFill>
-                  <a:schemeClr val="tx1"/>
-                </a:solidFill>
-                <a:effectLst/>
-                <a:uLnTx/>
-                <a:uFillTx/>
-                <a:latin typeface="+mn-lt"/>
-                <a:ea typeface="+mn-ea"/>
-                <a:cs typeface="+mn-cs"/>
-              </a:rPr>
-              <a:t>mutex</a:t>
-            </a:r>
-            <a:r>
-              <a:rPr kumimoji="0" lang="en-US" sz="1600" b="0" i="0" u="none" strike="noStrike" kern="1200" cap="none" spc="0" normalizeH="0" baseline="0" noProof="0" dirty="0" smtClean="0">
-                <a:ln>
-                  <a:noFill/>
-                </a:ln>
-                <a:solidFill>
-                  <a:srgbClr val="808030"/>
-                </a:solidFill>
-                <a:effectLst/>
-                <a:uLnTx/>
-                <a:uFillTx/>
-                <a:latin typeface="+mn-lt"/>
-                <a:ea typeface="+mn-ea"/>
-                <a:cs typeface="+mn-cs"/>
-              </a:rPr>
-              <a:t>)</a:t>
-            </a:r>
-            <a:r>
-              <a:rPr kumimoji="0" lang="en-US" sz="1600" b="0" i="0" u="none" strike="noStrike" kern="1200" cap="none" spc="0" normalizeH="0" baseline="0" noProof="0" dirty="0" smtClean="0">
-                <a:ln>
-                  <a:noFill/>
-                </a:ln>
-                <a:solidFill>
-                  <a:srgbClr val="800080"/>
-                </a:solidFill>
-                <a:effectLst/>
-                <a:uLnTx/>
-                <a:uFillTx/>
-                <a:latin typeface="+mn-lt"/>
-                <a:ea typeface="+mn-ea"/>
-                <a:cs typeface="+mn-cs"/>
-              </a:rPr>
-              <a:t>;</a:t>
-            </a:r>
-            <a:endParaRPr kumimoji="0" lang="ru-RU" sz="1600" b="0" i="0" u="none" strike="noStrike" kern="1200" cap="none" spc="0" normalizeH="0" baseline="0" noProof="0" dirty="0" smtClean="0">
-              <a:ln>
-                <a:noFill/>
-              </a:ln>
-              <a:solidFill>
-                <a:srgbClr val="800080"/>
-              </a:solidFill>
-              <a:effectLst/>
-              <a:uLnTx/>
-              <a:uFillTx/>
-              <a:latin typeface="+mn-lt"/>
-              <a:ea typeface="+mn-ea"/>
-              <a:cs typeface="+mn-cs"/>
-            </a:endParaRPr>
-          </a:p>
-          <a:p>
-            <a:pPr marL="342900" marR="0" lvl="0" indent="-342900" algn="l" defTabSz="914400" rtl="0" eaLnBrk="1" fontAlgn="auto" latinLnBrk="0" hangingPunct="1">
-              <a:lnSpc>
-                <a:spcPct val="100000"/>
-              </a:lnSpc>
-              <a:spcBef>
-                <a:spcPct val="20000"/>
-              </a:spcBef>
-              <a:spcAft>
-                <a:spcPts val="0"/>
-              </a:spcAft>
-              <a:buClrTx/>
-              <a:buSzTx/>
-              <a:buFont typeface="Arial" pitchFamily="34" charset="0"/>
-              <a:buNone/>
-              <a:tabLst/>
-              <a:defRPr/>
-            </a:pPr>
-            <a:r>
-              <a:rPr kumimoji="0" lang="ru-RU" sz="1600" b="0" i="0" u="none" strike="noStrike" kern="1200" cap="none" spc="0" normalizeH="0" baseline="0" noProof="0" dirty="0" smtClean="0">
-                <a:ln>
-                  <a:noFill/>
-                </a:ln>
-                <a:solidFill>
-                  <a:srgbClr val="800080"/>
-                </a:solidFill>
-                <a:effectLst/>
-                <a:uLnTx/>
-                <a:uFillTx/>
-                <a:latin typeface="+mn-lt"/>
-                <a:ea typeface="+mn-ea"/>
-                <a:cs typeface="+mn-cs"/>
-              </a:rPr>
-              <a:t>   </a:t>
-            </a:r>
-            <a:r>
-              <a:rPr kumimoji="0" lang="en-US" sz="1600" b="0" i="0" u="none" strike="noStrike" kern="1200" cap="none" spc="0" normalizeH="0" baseline="0" noProof="0" dirty="0" smtClean="0">
-                <a:ln>
-                  <a:noFill/>
-                </a:ln>
-                <a:solidFill>
-                  <a:schemeClr val="tx1"/>
-                </a:solidFill>
-                <a:effectLst/>
-                <a:uLnTx/>
-                <a:uFillTx/>
-                <a:latin typeface="+mn-lt"/>
-                <a:ea typeface="+mn-ea"/>
-                <a:cs typeface="+mn-cs"/>
-              </a:rPr>
-              <a:t> </a:t>
-            </a:r>
-            <a:r>
-              <a:rPr kumimoji="0" lang="ru-RU" sz="1600" b="0" i="0" u="none" strike="noStrike" kern="1200" cap="none" spc="0" normalizeH="0" baseline="0" noProof="0" dirty="0" smtClean="0">
-                <a:ln>
-                  <a:noFill/>
-                </a:ln>
-                <a:solidFill>
-                  <a:schemeClr val="tx1"/>
-                </a:solidFill>
-                <a:effectLst/>
-                <a:uLnTx/>
-                <a:uFillTx/>
-                <a:latin typeface="+mn-lt"/>
-                <a:ea typeface="+mn-ea"/>
-                <a:cs typeface="+mn-cs"/>
-              </a:rPr>
-              <a:t>    </a:t>
-            </a:r>
-            <a:r>
-              <a:rPr kumimoji="0" lang="en-US" sz="1600" b="0" i="0" u="none" strike="noStrike" kern="1200" cap="none" spc="0" normalizeH="0" baseline="0" noProof="0" dirty="0" smtClean="0">
-                <a:ln>
-                  <a:noFill/>
-                </a:ln>
-                <a:solidFill>
-                  <a:srgbClr val="808030"/>
-                </a:solidFill>
-                <a:effectLst/>
-                <a:uLnTx/>
-                <a:uFillTx/>
-                <a:latin typeface="+mn-lt"/>
-                <a:ea typeface="+mn-ea"/>
-                <a:cs typeface="+mn-cs"/>
-              </a:rPr>
-              <a:t>(*</a:t>
-            </a:r>
-            <a:r>
-              <a:rPr kumimoji="0" lang="en-US" sz="1600" b="0" i="0" u="none" strike="noStrike" kern="1200" cap="none" spc="0" normalizeH="0" baseline="0" noProof="0" dirty="0" smtClean="0">
-                <a:ln>
-                  <a:noFill/>
-                </a:ln>
-                <a:solidFill>
-                  <a:schemeClr val="tx1"/>
-                </a:solidFill>
-                <a:effectLst/>
-                <a:uLnTx/>
-                <a:uFillTx/>
-                <a:latin typeface="+mn-lt"/>
-                <a:ea typeface="+mn-ea"/>
-                <a:cs typeface="+mn-cs"/>
-              </a:rPr>
-              <a:t>value</a:t>
-            </a:r>
-            <a:r>
-              <a:rPr kumimoji="0" lang="en-US" sz="1600" b="0" i="0" u="none" strike="noStrike" kern="1200" cap="none" spc="0" normalizeH="0" baseline="0" noProof="0" dirty="0" smtClean="0">
-                <a:ln>
-                  <a:noFill/>
-                </a:ln>
-                <a:solidFill>
-                  <a:srgbClr val="808030"/>
-                </a:solidFill>
-                <a:effectLst/>
-                <a:uLnTx/>
-                <a:uFillTx/>
-                <a:latin typeface="+mn-lt"/>
-                <a:ea typeface="+mn-ea"/>
-                <a:cs typeface="+mn-cs"/>
-              </a:rPr>
-              <a:t>)++</a:t>
-            </a:r>
-            <a:r>
-              <a:rPr kumimoji="0" lang="en-US" sz="1600" b="0" i="0" u="none" strike="noStrike" kern="1200" cap="none" spc="0" normalizeH="0" baseline="0" noProof="0" dirty="0" smtClean="0">
-                <a:ln>
-                  <a:noFill/>
-                </a:ln>
-                <a:solidFill>
-                  <a:srgbClr val="800080"/>
-                </a:solidFill>
-                <a:effectLst/>
-                <a:uLnTx/>
-                <a:uFillTx/>
-                <a:latin typeface="+mn-lt"/>
-                <a:ea typeface="+mn-ea"/>
-                <a:cs typeface="+mn-cs"/>
-              </a:rPr>
-              <a:t>;</a:t>
-            </a:r>
-            <a:endParaRPr kumimoji="0" lang="ru-RU" sz="1600" b="0" i="0" u="none" strike="noStrike" kern="1200" cap="none" spc="0" normalizeH="0" baseline="0" noProof="0" dirty="0" smtClean="0">
-              <a:ln>
-                <a:noFill/>
-              </a:ln>
-              <a:solidFill>
-                <a:srgbClr val="696969"/>
-              </a:solidFill>
-              <a:effectLst/>
-              <a:uLnTx/>
-              <a:uFillTx/>
-              <a:latin typeface="+mn-lt"/>
-              <a:ea typeface="+mn-ea"/>
-              <a:cs typeface="+mn-cs"/>
-            </a:endParaRPr>
-          </a:p>
-          <a:p>
-            <a:pPr marL="342900" marR="0" lvl="0" indent="-342900" algn="l" defTabSz="914400" rtl="0" eaLnBrk="1" fontAlgn="auto" latinLnBrk="0" hangingPunct="1">
-              <a:lnSpc>
-                <a:spcPct val="100000"/>
-              </a:lnSpc>
-              <a:spcBef>
-                <a:spcPct val="20000"/>
-              </a:spcBef>
-              <a:spcAft>
-                <a:spcPts val="0"/>
-              </a:spcAft>
-              <a:buClrTx/>
-              <a:buSzTx/>
-              <a:buFont typeface="Arial" pitchFamily="34" charset="0"/>
-              <a:buNone/>
-              <a:tabLst/>
-              <a:defRPr/>
-            </a:pPr>
-            <a:r>
-              <a:rPr kumimoji="0" lang="ru-RU" sz="1600" b="0" i="0" u="none" strike="noStrike" kern="1200" cap="none" spc="0" normalizeH="0" baseline="0" noProof="0" dirty="0" smtClean="0">
-                <a:ln>
-                  <a:noFill/>
-                </a:ln>
-                <a:solidFill>
-                  <a:srgbClr val="696969"/>
-                </a:solidFill>
-                <a:effectLst/>
-                <a:uLnTx/>
-                <a:uFillTx/>
-                <a:latin typeface="+mn-lt"/>
-                <a:ea typeface="+mn-ea"/>
-                <a:cs typeface="+mn-cs"/>
-              </a:rPr>
-              <a:t>   </a:t>
-            </a:r>
-            <a:r>
-              <a:rPr kumimoji="0" lang="ru-RU" sz="1600" b="0" i="0" u="none" strike="noStrike" kern="1200" cap="none" spc="0" normalizeH="0" baseline="0" noProof="0" dirty="0" smtClean="0">
-                <a:ln>
-                  <a:noFill/>
-                </a:ln>
-                <a:solidFill>
-                  <a:schemeClr val="tx1"/>
-                </a:solidFill>
-                <a:effectLst/>
-                <a:uLnTx/>
-                <a:uFillTx/>
-                <a:latin typeface="+mn-lt"/>
-                <a:ea typeface="+mn-ea"/>
-                <a:cs typeface="+mn-cs"/>
-              </a:rPr>
-              <a:t>     </a:t>
-            </a:r>
-            <a:r>
-              <a:rPr kumimoji="0" lang="en-US" sz="1600" b="0" i="0" u="none" strike="noStrike" kern="1200" cap="none" spc="0" normalizeH="0" baseline="0" noProof="0" dirty="0" err="1" smtClean="0">
-                <a:ln>
-                  <a:noFill/>
-                </a:ln>
-                <a:solidFill>
-                  <a:schemeClr val="tx1"/>
-                </a:solidFill>
-                <a:effectLst/>
-                <a:uLnTx/>
-                <a:uFillTx/>
-                <a:latin typeface="+mn-lt"/>
-                <a:ea typeface="+mn-ea"/>
-                <a:cs typeface="+mn-cs"/>
-              </a:rPr>
-              <a:t>pthread_mutex_unlock</a:t>
-            </a:r>
-            <a:r>
-              <a:rPr kumimoji="0" lang="en-US" sz="1600" b="0" i="0" u="none" strike="noStrike" kern="1200" cap="none" spc="0" normalizeH="0" baseline="0" noProof="0" dirty="0" smtClean="0">
-                <a:ln>
-                  <a:noFill/>
-                </a:ln>
-                <a:solidFill>
-                  <a:srgbClr val="808030"/>
-                </a:solidFill>
-                <a:effectLst/>
-                <a:uLnTx/>
-                <a:uFillTx/>
-                <a:latin typeface="+mn-lt"/>
-                <a:ea typeface="+mn-ea"/>
-                <a:cs typeface="+mn-cs"/>
-              </a:rPr>
-              <a:t>(</a:t>
-            </a:r>
-            <a:r>
-              <a:rPr kumimoji="0" lang="en-US" sz="1600" b="0" i="0" u="none" strike="noStrike" kern="1200" cap="none" spc="0" normalizeH="0" baseline="0" noProof="0" dirty="0" err="1" smtClean="0">
-                <a:ln>
-                  <a:noFill/>
-                </a:ln>
-                <a:solidFill>
-                  <a:schemeClr val="tx1"/>
-                </a:solidFill>
-                <a:effectLst/>
-                <a:uLnTx/>
-                <a:uFillTx/>
-                <a:latin typeface="+mn-lt"/>
-                <a:ea typeface="+mn-ea"/>
-                <a:cs typeface="+mn-cs"/>
-              </a:rPr>
-              <a:t>mutex</a:t>
-            </a:r>
-            <a:r>
-              <a:rPr kumimoji="0" lang="en-US" sz="1600" b="0" i="0" u="none" strike="noStrike" kern="1200" cap="none" spc="0" normalizeH="0" baseline="0" noProof="0" dirty="0" smtClean="0">
-                <a:ln>
-                  <a:noFill/>
-                </a:ln>
-                <a:solidFill>
-                  <a:srgbClr val="808030"/>
-                </a:solidFill>
-                <a:effectLst/>
-                <a:uLnTx/>
-                <a:uFillTx/>
-                <a:latin typeface="+mn-lt"/>
-                <a:ea typeface="+mn-ea"/>
-                <a:cs typeface="+mn-cs"/>
-              </a:rPr>
-              <a:t>)</a:t>
-            </a:r>
-            <a:r>
-              <a:rPr kumimoji="0" lang="en-US" sz="1600" b="0" i="0" u="none" strike="noStrike" kern="1200" cap="none" spc="0" normalizeH="0" baseline="0" noProof="0" dirty="0" smtClean="0">
-                <a:ln>
-                  <a:noFill/>
-                </a:ln>
-                <a:solidFill>
-                  <a:srgbClr val="800080"/>
-                </a:solidFill>
-                <a:effectLst/>
-                <a:uLnTx/>
-                <a:uFillTx/>
-                <a:latin typeface="+mn-lt"/>
-                <a:ea typeface="+mn-ea"/>
-                <a:cs typeface="+mn-cs"/>
-              </a:rPr>
-              <a:t>;</a:t>
-            </a:r>
-            <a:endParaRPr kumimoji="0" lang="ru-RU" sz="1600" b="0" i="0" u="none" strike="noStrike" kern="1200" cap="none" spc="0" normalizeH="0" baseline="0" noProof="0" dirty="0" smtClean="0">
-              <a:ln>
-                <a:noFill/>
-              </a:ln>
-              <a:solidFill>
-                <a:srgbClr val="800080"/>
-              </a:solidFill>
-              <a:effectLst/>
-              <a:uLnTx/>
-              <a:uFillTx/>
-              <a:latin typeface="+mn-lt"/>
-              <a:ea typeface="+mn-ea"/>
-              <a:cs typeface="+mn-cs"/>
-            </a:endParaRPr>
-          </a:p>
-          <a:p>
-            <a:pPr marL="342900" marR="0" lvl="0" indent="-342900" algn="l" defTabSz="914400" rtl="0" eaLnBrk="1" fontAlgn="auto" latinLnBrk="0" hangingPunct="1">
-              <a:lnSpc>
-                <a:spcPct val="100000"/>
-              </a:lnSpc>
-              <a:spcBef>
-                <a:spcPct val="20000"/>
-              </a:spcBef>
-              <a:spcAft>
-                <a:spcPts val="0"/>
-              </a:spcAft>
-              <a:buClrTx/>
-              <a:buSzTx/>
-              <a:buFont typeface="Arial" pitchFamily="34" charset="0"/>
-              <a:buNone/>
-              <a:tabLst/>
-              <a:defRPr/>
-            </a:pPr>
-            <a:r>
-              <a:rPr kumimoji="0" lang="en-US" sz="1600" b="0" i="0" u="none" strike="noStrike" kern="1200" cap="none" spc="0" normalizeH="0" baseline="0" noProof="0" dirty="0" smtClean="0">
-                <a:ln>
-                  <a:noFill/>
-                </a:ln>
-                <a:solidFill>
-                  <a:srgbClr val="800080"/>
-                </a:solidFill>
-                <a:effectLst/>
-                <a:uLnTx/>
-                <a:uFillTx/>
-                <a:latin typeface="+mn-lt"/>
-                <a:ea typeface="+mn-ea"/>
-                <a:cs typeface="+mn-cs"/>
-              </a:rPr>
-              <a:t>}</a:t>
-            </a:r>
-            <a:endParaRPr kumimoji="0" lang="ru-RU" sz="1600" b="0" i="0" u="none" strike="noStrike" kern="1200" cap="none" spc="0" normalizeH="0" baseline="0" noProof="0" dirty="0" smtClean="0">
-              <a:ln>
-                <a:noFill/>
-              </a:ln>
-              <a:solidFill>
-                <a:srgbClr val="800080"/>
-              </a:solidFill>
-              <a:effectLst/>
-              <a:uLnTx/>
-              <a:uFillTx/>
-              <a:latin typeface="+mn-lt"/>
-              <a:ea typeface="+mn-ea"/>
-              <a:cs typeface="+mn-cs"/>
-            </a:endParaRPr>
-          </a:p>
-          <a:p>
-            <a:pPr marL="342900" marR="0" lvl="0" indent="-342900" algn="l" defTabSz="914400" rtl="0" eaLnBrk="1" fontAlgn="auto" latinLnBrk="0" hangingPunct="1">
-              <a:lnSpc>
-                <a:spcPct val="100000"/>
-              </a:lnSpc>
-              <a:spcBef>
-                <a:spcPct val="20000"/>
-              </a:spcBef>
-              <a:spcAft>
-                <a:spcPts val="0"/>
-              </a:spcAft>
-              <a:buClrTx/>
-              <a:buSzTx/>
-              <a:buFont typeface="Arial" pitchFamily="34" charset="0"/>
-              <a:buNone/>
-              <a:tabLst/>
-              <a:defRPr/>
-            </a:pPr>
-            <a:r>
-              <a:rPr kumimoji="0" lang="en-US" sz="1600" b="0" i="0" u="none" strike="noStrike" kern="1200" cap="none" spc="0" normalizeH="0" baseline="0" noProof="0" dirty="0" smtClean="0">
-                <a:ln>
-                  <a:noFill/>
-                </a:ln>
-                <a:solidFill>
-                  <a:schemeClr val="tx1"/>
-                </a:solidFill>
-                <a:effectLst/>
-                <a:uLnTx/>
-                <a:uFillTx/>
-                <a:latin typeface="+mn-lt"/>
-                <a:ea typeface="+mn-ea"/>
-                <a:cs typeface="+mn-cs"/>
-              </a:rPr>
-              <a:t> </a:t>
-            </a:r>
-            <a:r>
-              <a:rPr kumimoji="0" lang="en-US" sz="1600" b="1" i="0" u="none" strike="noStrike" kern="1200" cap="none" spc="0" normalizeH="0" baseline="0" noProof="0" dirty="0" smtClean="0">
-                <a:ln>
-                  <a:noFill/>
-                </a:ln>
-                <a:solidFill>
-                  <a:srgbClr val="800000"/>
-                </a:solidFill>
-                <a:effectLst/>
-                <a:uLnTx/>
-                <a:uFillTx/>
-                <a:latin typeface="+mn-lt"/>
-                <a:ea typeface="+mn-ea"/>
-                <a:cs typeface="+mn-cs"/>
-              </a:rPr>
-              <a:t>void</a:t>
-            </a:r>
-            <a:r>
-              <a:rPr kumimoji="0" lang="en-US" sz="1600" b="0" i="0" u="none" strike="noStrike" kern="1200" cap="none" spc="0" normalizeH="0" baseline="0" noProof="0" dirty="0" smtClean="0">
-                <a:ln>
-                  <a:noFill/>
-                </a:ln>
-                <a:solidFill>
-                  <a:srgbClr val="808030"/>
-                </a:solidFill>
-                <a:effectLst/>
-                <a:uLnTx/>
-                <a:uFillTx/>
-                <a:latin typeface="+mn-lt"/>
-                <a:ea typeface="+mn-ea"/>
-                <a:cs typeface="+mn-cs"/>
-              </a:rPr>
-              <a:t>*</a:t>
-            </a:r>
-            <a:r>
-              <a:rPr kumimoji="0" lang="en-US" sz="1600" b="0" i="0" u="none" strike="noStrike" kern="1200" cap="none" spc="0" normalizeH="0" baseline="0" noProof="0" dirty="0" smtClean="0">
-                <a:ln>
-                  <a:noFill/>
-                </a:ln>
-                <a:solidFill>
-                  <a:schemeClr val="tx1"/>
-                </a:solidFill>
-                <a:effectLst/>
-                <a:uLnTx/>
-                <a:uFillTx/>
-                <a:latin typeface="+mn-lt"/>
-                <a:ea typeface="+mn-ea"/>
-                <a:cs typeface="+mn-cs"/>
-              </a:rPr>
-              <a:t> thread1</a:t>
-            </a:r>
-            <a:r>
-              <a:rPr kumimoji="0" lang="en-US" sz="1600" b="0" i="0" u="none" strike="noStrike" kern="1200" cap="none" spc="0" normalizeH="0" baseline="0" noProof="0" dirty="0" smtClean="0">
-                <a:ln>
-                  <a:noFill/>
-                </a:ln>
-                <a:solidFill>
-                  <a:srgbClr val="808030"/>
-                </a:solidFill>
-                <a:effectLst/>
-                <a:uLnTx/>
-                <a:uFillTx/>
-                <a:latin typeface="+mn-lt"/>
-                <a:ea typeface="+mn-ea"/>
-                <a:cs typeface="+mn-cs"/>
-              </a:rPr>
-              <a:t>()</a:t>
-            </a:r>
-            <a:r>
-              <a:rPr kumimoji="0" lang="en-US" sz="1600" b="0" i="0" u="none" strike="noStrike" kern="1200" cap="none" spc="0" normalizeH="0" baseline="0" noProof="0" dirty="0" smtClean="0">
-                <a:ln>
-                  <a:noFill/>
-                </a:ln>
-                <a:solidFill>
-                  <a:schemeClr val="tx1"/>
-                </a:solidFill>
-                <a:effectLst/>
-                <a:uLnTx/>
-                <a:uFillTx/>
-                <a:latin typeface="+mn-lt"/>
-                <a:ea typeface="+mn-ea"/>
-                <a:cs typeface="+mn-cs"/>
-              </a:rPr>
-              <a:t> </a:t>
-            </a:r>
-            <a:r>
-              <a:rPr kumimoji="0" lang="en-US" sz="1600" b="0" i="0" u="none" strike="noStrike" kern="1200" cap="none" spc="0" normalizeH="0" baseline="0" noProof="0" dirty="0" smtClean="0">
-                <a:ln>
-                  <a:noFill/>
-                </a:ln>
-                <a:solidFill>
-                  <a:srgbClr val="800080"/>
-                </a:solidFill>
-                <a:effectLst/>
-                <a:uLnTx/>
-                <a:uFillTx/>
-                <a:latin typeface="+mn-lt"/>
-                <a:ea typeface="+mn-ea"/>
-                <a:cs typeface="+mn-cs"/>
-              </a:rPr>
-              <a:t>{</a:t>
-            </a:r>
-            <a:endParaRPr kumimoji="0" lang="ru-RU" sz="1600" b="0" i="0" u="none" strike="noStrike" kern="1200" cap="none" spc="0" normalizeH="0" baseline="0" noProof="0" dirty="0" smtClean="0">
-              <a:ln>
-                <a:noFill/>
-              </a:ln>
-              <a:solidFill>
-                <a:srgbClr val="696969"/>
-              </a:solidFill>
-              <a:effectLst/>
-              <a:uLnTx/>
-              <a:uFillTx/>
-              <a:latin typeface="+mn-lt"/>
-              <a:ea typeface="+mn-ea"/>
-              <a:cs typeface="+mn-cs"/>
-            </a:endParaRPr>
-          </a:p>
-          <a:p>
-            <a:pPr marL="342900" marR="0" lvl="0" indent="-342900" algn="l" defTabSz="914400" rtl="0" eaLnBrk="1" fontAlgn="auto" latinLnBrk="0" hangingPunct="1">
-              <a:lnSpc>
-                <a:spcPct val="100000"/>
-              </a:lnSpc>
-              <a:spcBef>
-                <a:spcPct val="20000"/>
-              </a:spcBef>
-              <a:spcAft>
-                <a:spcPts val="0"/>
-              </a:spcAft>
-              <a:buClrTx/>
-              <a:buSzTx/>
-              <a:buFont typeface="Arial" pitchFamily="34" charset="0"/>
-              <a:buNone/>
-              <a:tabLst/>
-              <a:defRPr/>
-            </a:pPr>
-            <a:r>
-              <a:rPr kumimoji="0" lang="ru-RU" sz="1600" b="0" i="0" u="none" strike="noStrike" kern="1200" cap="none" spc="0" normalizeH="0" baseline="0" noProof="0" dirty="0" smtClean="0">
-                <a:ln>
-                  <a:noFill/>
-                </a:ln>
-                <a:solidFill>
-                  <a:srgbClr val="696969"/>
-                </a:solidFill>
-                <a:effectLst/>
-                <a:uLnTx/>
-                <a:uFillTx/>
-                <a:latin typeface="+mn-lt"/>
-                <a:ea typeface="+mn-ea"/>
-                <a:cs typeface="+mn-cs"/>
-              </a:rPr>
-              <a:t>   </a:t>
-            </a:r>
-            <a:r>
-              <a:rPr kumimoji="0" lang="ru-RU" sz="1600" b="0" i="0" u="none" strike="noStrike" kern="1200" cap="none" spc="0" normalizeH="0" baseline="0" noProof="0" dirty="0" smtClean="0">
-                <a:ln>
-                  <a:noFill/>
-                </a:ln>
-                <a:solidFill>
-                  <a:schemeClr val="tx1"/>
-                </a:solidFill>
-                <a:effectLst/>
-                <a:uLnTx/>
-                <a:uFillTx/>
-                <a:latin typeface="+mn-lt"/>
-                <a:ea typeface="+mn-ea"/>
-                <a:cs typeface="+mn-cs"/>
-              </a:rPr>
-              <a:t>     </a:t>
-            </a:r>
-            <a:r>
-              <a:rPr kumimoji="0" lang="en-US" sz="1600" b="1" i="0" u="none" strike="noStrike" kern="1200" cap="none" spc="0" normalizeH="0" baseline="0" noProof="0" dirty="0" smtClean="0">
-                <a:ln>
-                  <a:noFill/>
-                </a:ln>
-                <a:solidFill>
-                  <a:srgbClr val="800000"/>
-                </a:solidFill>
-                <a:effectLst/>
-                <a:uLnTx/>
-                <a:uFillTx/>
-                <a:latin typeface="+mn-lt"/>
-                <a:ea typeface="+mn-ea"/>
-                <a:cs typeface="+mn-cs"/>
-              </a:rPr>
-              <a:t>int</a:t>
-            </a:r>
-            <a:r>
-              <a:rPr kumimoji="0" lang="en-US" sz="1600" b="0" i="0" u="none" strike="noStrike" kern="1200" cap="none" spc="0" normalizeH="0" baseline="0" noProof="0" dirty="0" smtClean="0">
-                <a:ln>
-                  <a:noFill/>
-                </a:ln>
-                <a:solidFill>
-                  <a:srgbClr val="808030"/>
-                </a:solidFill>
-                <a:effectLst/>
-                <a:uLnTx/>
-                <a:uFillTx/>
-                <a:latin typeface="+mn-lt"/>
-                <a:ea typeface="+mn-ea"/>
-                <a:cs typeface="+mn-cs"/>
-              </a:rPr>
-              <a:t>*</a:t>
-            </a:r>
-            <a:r>
-              <a:rPr kumimoji="0" lang="en-US" sz="1600" b="0" i="0" u="none" strike="noStrike" kern="1200" cap="none" spc="0" normalizeH="0" baseline="0" noProof="0" dirty="0" smtClean="0">
-                <a:ln>
-                  <a:noFill/>
-                </a:ln>
-                <a:solidFill>
-                  <a:schemeClr val="tx1"/>
-                </a:solidFill>
-                <a:effectLst/>
-                <a:uLnTx/>
-                <a:uFillTx/>
-                <a:latin typeface="+mn-lt"/>
-                <a:ea typeface="+mn-ea"/>
-                <a:cs typeface="+mn-cs"/>
-              </a:rPr>
-              <a:t> z </a:t>
-            </a:r>
-            <a:r>
-              <a:rPr kumimoji="0" lang="en-US" sz="1600" b="0" i="0" u="none" strike="noStrike" kern="1200" cap="none" spc="0" normalizeH="0" baseline="0" noProof="0" dirty="0" smtClean="0">
-                <a:ln>
-                  <a:noFill/>
-                </a:ln>
-                <a:solidFill>
-                  <a:srgbClr val="808030"/>
-                </a:solidFill>
-                <a:effectLst/>
-                <a:uLnTx/>
-                <a:uFillTx/>
-                <a:latin typeface="+mn-lt"/>
-                <a:ea typeface="+mn-ea"/>
-                <a:cs typeface="+mn-cs"/>
-              </a:rPr>
-              <a:t>=</a:t>
-            </a:r>
-            <a:r>
-              <a:rPr kumimoji="0" lang="en-US" sz="1600" b="0" i="0" u="none" strike="noStrike" kern="1200" cap="none" spc="0" normalizeH="0" baseline="0" noProof="0" dirty="0" smtClean="0">
-                <a:ln>
-                  <a:noFill/>
-                </a:ln>
-                <a:solidFill>
-                  <a:schemeClr val="tx1"/>
-                </a:solidFill>
-                <a:effectLst/>
-                <a:uLnTx/>
-                <a:uFillTx/>
-                <a:latin typeface="+mn-lt"/>
-                <a:ea typeface="+mn-ea"/>
-                <a:cs typeface="+mn-cs"/>
-              </a:rPr>
-              <a:t> </a:t>
-            </a:r>
-            <a:r>
-              <a:rPr kumimoji="0" lang="en-US" sz="1600" b="0" i="0" u="none" strike="noStrike" kern="1200" cap="none" spc="0" normalizeH="0" baseline="0" noProof="0" dirty="0" smtClean="0">
-                <a:ln>
-                  <a:noFill/>
-                </a:ln>
-                <a:solidFill>
-                  <a:srgbClr val="808030"/>
-                </a:solidFill>
-                <a:effectLst/>
-                <a:uLnTx/>
-                <a:uFillTx/>
-                <a:latin typeface="+mn-lt"/>
-                <a:ea typeface="+mn-ea"/>
-                <a:cs typeface="+mn-cs"/>
-              </a:rPr>
-              <a:t>&amp;</a:t>
-            </a:r>
-            <a:r>
-              <a:rPr kumimoji="0" lang="en-US" sz="1600" b="0" i="0" u="none" strike="noStrike" kern="1200" cap="none" spc="0" normalizeH="0" baseline="0" noProof="0" dirty="0" smtClean="0">
-                <a:ln>
-                  <a:noFill/>
-                </a:ln>
-                <a:solidFill>
-                  <a:schemeClr val="tx1"/>
-                </a:solidFill>
-                <a:effectLst/>
-                <a:uLnTx/>
-                <a:uFillTx/>
-                <a:latin typeface="+mn-lt"/>
-                <a:ea typeface="+mn-ea"/>
-                <a:cs typeface="+mn-cs"/>
-              </a:rPr>
-              <a:t>x</a:t>
-            </a:r>
-            <a:r>
-              <a:rPr kumimoji="0" lang="en-US" sz="1600" b="0" i="0" u="none" strike="noStrike" kern="1200" cap="none" spc="0" normalizeH="0" baseline="0" noProof="0" dirty="0" smtClean="0">
-                <a:ln>
-                  <a:noFill/>
-                </a:ln>
-                <a:solidFill>
-                  <a:srgbClr val="800080"/>
-                </a:solidFill>
-                <a:effectLst/>
-                <a:uLnTx/>
-                <a:uFillTx/>
-                <a:latin typeface="+mn-lt"/>
-                <a:ea typeface="+mn-ea"/>
-                <a:cs typeface="+mn-cs"/>
-              </a:rPr>
-              <a:t>;</a:t>
-            </a:r>
-            <a:endParaRPr kumimoji="0" lang="ru-RU" sz="1600" b="0" i="0" u="none" strike="noStrike" kern="1200" cap="none" spc="0" normalizeH="0" baseline="0" noProof="0" dirty="0" smtClean="0">
-              <a:ln>
-                <a:noFill/>
-              </a:ln>
-              <a:solidFill>
-                <a:srgbClr val="800080"/>
-              </a:solidFill>
-              <a:effectLst/>
-              <a:uLnTx/>
-              <a:uFillTx/>
-              <a:latin typeface="+mn-lt"/>
-              <a:ea typeface="+mn-ea"/>
-              <a:cs typeface="+mn-cs"/>
-            </a:endParaRPr>
-          </a:p>
-          <a:p>
-            <a:pPr marL="342900" marR="0" lvl="0" indent="-342900" algn="l" defTabSz="914400" rtl="0" eaLnBrk="1" fontAlgn="auto" latinLnBrk="0" hangingPunct="1">
-              <a:lnSpc>
-                <a:spcPct val="100000"/>
-              </a:lnSpc>
-              <a:spcBef>
-                <a:spcPct val="20000"/>
-              </a:spcBef>
-              <a:spcAft>
-                <a:spcPts val="0"/>
-              </a:spcAft>
-              <a:buClrTx/>
-              <a:buSzTx/>
-              <a:buFont typeface="Arial" pitchFamily="34" charset="0"/>
-              <a:buNone/>
-              <a:tabLst/>
-              <a:defRPr/>
-            </a:pPr>
-            <a:r>
-              <a:rPr kumimoji="0" lang="ru-RU" sz="1600" b="0" i="0" u="none" strike="noStrike" kern="1200" cap="none" spc="0" normalizeH="0" baseline="0" noProof="0" dirty="0" smtClean="0">
-                <a:ln>
-                  <a:noFill/>
-                </a:ln>
-                <a:solidFill>
-                  <a:srgbClr val="800080"/>
-                </a:solidFill>
-                <a:effectLst/>
-                <a:uLnTx/>
-                <a:uFillTx/>
-                <a:latin typeface="+mn-lt"/>
-                <a:ea typeface="+mn-ea"/>
-                <a:cs typeface="+mn-cs"/>
-              </a:rPr>
-              <a:t>   </a:t>
-            </a:r>
-            <a:r>
-              <a:rPr kumimoji="0" lang="en-US" sz="1600" b="0" i="0" u="none" strike="noStrike" kern="1200" cap="none" spc="0" normalizeH="0" baseline="0" noProof="0" dirty="0" smtClean="0">
-                <a:ln>
-                  <a:noFill/>
-                </a:ln>
-                <a:solidFill>
-                  <a:schemeClr val="tx1"/>
-                </a:solidFill>
-                <a:effectLst/>
-                <a:uLnTx/>
-                <a:uFillTx/>
-                <a:latin typeface="+mn-lt"/>
-                <a:ea typeface="+mn-ea"/>
-                <a:cs typeface="+mn-cs"/>
-              </a:rPr>
-              <a:t> </a:t>
-            </a:r>
-            <a:r>
-              <a:rPr kumimoji="0" lang="ru-RU" sz="1600" b="0" i="0" u="none" strike="noStrike" kern="1200" cap="none" spc="0" normalizeH="0" baseline="0" noProof="0" dirty="0" smtClean="0">
-                <a:ln>
-                  <a:noFill/>
-                </a:ln>
-                <a:solidFill>
-                  <a:schemeClr val="tx1"/>
-                </a:solidFill>
-                <a:effectLst/>
-                <a:uLnTx/>
-                <a:uFillTx/>
-                <a:latin typeface="+mn-lt"/>
-                <a:ea typeface="+mn-ea"/>
-                <a:cs typeface="+mn-cs"/>
-              </a:rPr>
-              <a:t>    </a:t>
-            </a:r>
-            <a:r>
-              <a:rPr kumimoji="0" lang="en-US" sz="1600" b="0" i="0" u="none" strike="noStrike" kern="1200" cap="none" spc="0" normalizeH="0" baseline="0" noProof="0" dirty="0" err="1" smtClean="0">
-                <a:ln>
-                  <a:noFill/>
-                </a:ln>
-                <a:solidFill>
-                  <a:schemeClr val="tx1"/>
-                </a:solidFill>
-                <a:effectLst/>
-                <a:uLnTx/>
-                <a:uFillTx/>
-                <a:latin typeface="+mn-lt"/>
-                <a:ea typeface="+mn-ea"/>
-                <a:cs typeface="+mn-cs"/>
-              </a:rPr>
-              <a:t>incr</a:t>
-            </a:r>
-            <a:r>
-              <a:rPr kumimoji="0" lang="en-US" sz="1600" b="0" i="0" u="none" strike="noStrike" kern="1200" cap="none" spc="0" normalizeH="0" baseline="0" noProof="0" dirty="0" smtClean="0">
-                <a:ln>
-                  <a:noFill/>
-                </a:ln>
-                <a:solidFill>
-                  <a:srgbClr val="808030"/>
-                </a:solidFill>
-                <a:effectLst/>
-                <a:uLnTx/>
-                <a:uFillTx/>
-                <a:latin typeface="+mn-lt"/>
-                <a:ea typeface="+mn-ea"/>
-                <a:cs typeface="+mn-cs"/>
-              </a:rPr>
-              <a:t>(</a:t>
-            </a:r>
-            <a:r>
-              <a:rPr kumimoji="0" lang="en-US" sz="1600" b="0" i="0" u="none" strike="noStrike" kern="1200" cap="none" spc="0" normalizeH="0" baseline="0" noProof="0" dirty="0" smtClean="0">
-                <a:ln>
-                  <a:noFill/>
-                </a:ln>
-                <a:solidFill>
-                  <a:schemeClr val="tx1"/>
-                </a:solidFill>
-                <a:effectLst/>
-                <a:uLnTx/>
-                <a:uFillTx/>
-                <a:latin typeface="+mn-lt"/>
-                <a:ea typeface="+mn-ea"/>
-                <a:cs typeface="+mn-cs"/>
-              </a:rPr>
-              <a:t>z</a:t>
-            </a:r>
-            <a:r>
-              <a:rPr kumimoji="0" lang="en-US" sz="1600" b="0" i="0" u="none" strike="noStrike" kern="1200" cap="none" spc="0" normalizeH="0" baseline="0" noProof="0" dirty="0" smtClean="0">
-                <a:ln>
-                  <a:noFill/>
-                </a:ln>
-                <a:solidFill>
-                  <a:srgbClr val="808030"/>
-                </a:solidFill>
-                <a:effectLst/>
-                <a:uLnTx/>
-                <a:uFillTx/>
-                <a:latin typeface="+mn-lt"/>
-                <a:ea typeface="+mn-ea"/>
-                <a:cs typeface="+mn-cs"/>
-              </a:rPr>
-              <a:t>,</a:t>
-            </a:r>
-            <a:r>
-              <a:rPr kumimoji="0" lang="en-US" sz="1600" b="0" i="0" u="none" strike="noStrike" kern="1200" cap="none" spc="0" normalizeH="0" baseline="0" noProof="0" dirty="0" smtClean="0">
-                <a:ln>
-                  <a:noFill/>
-                </a:ln>
-                <a:solidFill>
-                  <a:schemeClr val="tx1"/>
-                </a:solidFill>
-                <a:effectLst/>
-                <a:uLnTx/>
-                <a:uFillTx/>
-                <a:latin typeface="+mn-lt"/>
-                <a:ea typeface="+mn-ea"/>
-                <a:cs typeface="+mn-cs"/>
-              </a:rPr>
-              <a:t> </a:t>
-            </a:r>
-            <a:r>
-              <a:rPr kumimoji="0" lang="en-US" sz="1600" b="0" i="0" u="none" strike="noStrike" kern="1200" cap="none" spc="0" normalizeH="0" baseline="0" noProof="0" dirty="0" smtClean="0">
-                <a:ln>
-                  <a:noFill/>
-                </a:ln>
-                <a:solidFill>
-                  <a:srgbClr val="808030"/>
-                </a:solidFill>
-                <a:effectLst/>
-                <a:uLnTx/>
-                <a:uFillTx/>
-                <a:latin typeface="+mn-lt"/>
-                <a:ea typeface="+mn-ea"/>
-                <a:cs typeface="+mn-cs"/>
-              </a:rPr>
-              <a:t>&amp;</a:t>
-            </a:r>
-            <a:r>
-              <a:rPr kumimoji="0" lang="en-US" sz="1600" b="0" i="0" u="none" strike="noStrike" kern="1200" cap="none" spc="0" normalizeH="0" baseline="0" noProof="0" dirty="0" smtClean="0">
-                <a:ln>
-                  <a:noFill/>
-                </a:ln>
-                <a:solidFill>
-                  <a:schemeClr val="tx1"/>
-                </a:solidFill>
-                <a:effectLst/>
-                <a:uLnTx/>
-                <a:uFillTx/>
-                <a:latin typeface="+mn-lt"/>
-                <a:ea typeface="+mn-ea"/>
-                <a:cs typeface="+mn-cs"/>
-              </a:rPr>
-              <a:t>m1</a:t>
-            </a:r>
-            <a:r>
-              <a:rPr kumimoji="0" lang="en-US" sz="1600" b="0" i="0" u="none" strike="noStrike" kern="1200" cap="none" spc="0" normalizeH="0" baseline="0" noProof="0" dirty="0" smtClean="0">
-                <a:ln>
-                  <a:noFill/>
-                </a:ln>
-                <a:solidFill>
-                  <a:srgbClr val="808030"/>
-                </a:solidFill>
-                <a:effectLst/>
-                <a:uLnTx/>
-                <a:uFillTx/>
-                <a:latin typeface="+mn-lt"/>
-                <a:ea typeface="+mn-ea"/>
-                <a:cs typeface="+mn-cs"/>
-              </a:rPr>
-              <a:t>)</a:t>
-            </a:r>
-            <a:r>
-              <a:rPr kumimoji="0" lang="en-US" sz="1600" b="0" i="0" u="none" strike="noStrike" kern="1200" cap="none" spc="0" normalizeH="0" baseline="0" noProof="0" dirty="0" smtClean="0">
-                <a:ln>
-                  <a:noFill/>
-                </a:ln>
-                <a:solidFill>
-                  <a:srgbClr val="800080"/>
-                </a:solidFill>
-                <a:effectLst/>
-                <a:uLnTx/>
-                <a:uFillTx/>
-                <a:latin typeface="+mn-lt"/>
-                <a:ea typeface="+mn-ea"/>
-                <a:cs typeface="+mn-cs"/>
-              </a:rPr>
-              <a:t>;</a:t>
-            </a:r>
-            <a:endParaRPr kumimoji="0" lang="ru-RU" sz="1600" b="0" i="0" u="none" strike="noStrike" kern="1200" cap="none" spc="0" normalizeH="0" baseline="0" noProof="0" dirty="0" smtClean="0">
-              <a:ln>
-                <a:noFill/>
-              </a:ln>
-              <a:solidFill>
-                <a:srgbClr val="800080"/>
-              </a:solidFill>
-              <a:effectLst/>
-              <a:uLnTx/>
-              <a:uFillTx/>
-              <a:latin typeface="+mn-lt"/>
-              <a:ea typeface="+mn-ea"/>
-              <a:cs typeface="+mn-cs"/>
-            </a:endParaRPr>
-          </a:p>
-          <a:p>
-            <a:pPr marL="342900" marR="0" lvl="0" indent="-342900" algn="l" defTabSz="914400" rtl="0" eaLnBrk="1" fontAlgn="auto" latinLnBrk="0" hangingPunct="1">
-              <a:lnSpc>
-                <a:spcPct val="100000"/>
-              </a:lnSpc>
-              <a:spcBef>
-                <a:spcPct val="20000"/>
-              </a:spcBef>
-              <a:spcAft>
-                <a:spcPts val="0"/>
-              </a:spcAft>
-              <a:buClrTx/>
-              <a:buSzTx/>
-              <a:buFont typeface="Arial" pitchFamily="34" charset="0"/>
-              <a:buNone/>
-              <a:tabLst/>
-              <a:defRPr/>
-            </a:pPr>
-            <a:r>
-              <a:rPr kumimoji="0" lang="ru-RU" sz="1600" b="0" i="0" u="none" strike="noStrike" kern="1200" cap="none" spc="0" normalizeH="0" baseline="0" noProof="0" dirty="0" smtClean="0">
-                <a:ln>
-                  <a:noFill/>
-                </a:ln>
-                <a:solidFill>
-                  <a:srgbClr val="800080"/>
-                </a:solidFill>
-                <a:effectLst/>
-                <a:uLnTx/>
-                <a:uFillTx/>
-                <a:latin typeface="+mn-lt"/>
-                <a:ea typeface="+mn-ea"/>
-                <a:cs typeface="+mn-cs"/>
-              </a:rPr>
-              <a:t>   </a:t>
-            </a:r>
-            <a:r>
-              <a:rPr kumimoji="0" lang="en-US" sz="1600" b="0" i="0" u="none" strike="noStrike" kern="1200" cap="none" spc="0" normalizeH="0" baseline="0" noProof="0" dirty="0" smtClean="0">
-                <a:ln>
-                  <a:noFill/>
-                </a:ln>
-                <a:solidFill>
-                  <a:schemeClr val="tx1"/>
-                </a:solidFill>
-                <a:effectLst/>
-                <a:uLnTx/>
-                <a:uFillTx/>
-                <a:latin typeface="+mn-lt"/>
-                <a:ea typeface="+mn-ea"/>
-                <a:cs typeface="+mn-cs"/>
-              </a:rPr>
-              <a:t> </a:t>
-            </a:r>
-            <a:r>
-              <a:rPr kumimoji="0" lang="ru-RU" sz="1600" b="0" i="0" u="none" strike="noStrike" kern="1200" cap="none" spc="0" normalizeH="0" baseline="0" noProof="0" dirty="0" smtClean="0">
-                <a:ln>
-                  <a:noFill/>
-                </a:ln>
-                <a:solidFill>
-                  <a:schemeClr val="tx1"/>
-                </a:solidFill>
-                <a:effectLst/>
-                <a:uLnTx/>
-                <a:uFillTx/>
-                <a:latin typeface="+mn-lt"/>
-                <a:ea typeface="+mn-ea"/>
-                <a:cs typeface="+mn-cs"/>
-              </a:rPr>
-              <a:t>    </a:t>
-            </a:r>
-            <a:r>
-              <a:rPr kumimoji="0" lang="en-US" sz="1600" b="0" i="0" u="none" strike="noStrike" kern="1200" cap="none" spc="0" normalizeH="0" baseline="0" noProof="0" dirty="0" err="1" smtClean="0">
-                <a:ln>
-                  <a:noFill/>
-                </a:ln>
-                <a:solidFill>
-                  <a:schemeClr val="tx1"/>
-                </a:solidFill>
-                <a:effectLst/>
-                <a:uLnTx/>
-                <a:uFillTx/>
-                <a:latin typeface="+mn-lt"/>
-                <a:ea typeface="+mn-ea"/>
-                <a:cs typeface="+mn-cs"/>
-              </a:rPr>
-              <a:t>incr</a:t>
-            </a:r>
-            <a:r>
-              <a:rPr kumimoji="0" lang="en-US" sz="1600" b="0" i="0" u="none" strike="noStrike" kern="1200" cap="none" spc="0" normalizeH="0" baseline="0" noProof="0" dirty="0" smtClean="0">
-                <a:ln>
-                  <a:noFill/>
-                </a:ln>
-                <a:solidFill>
-                  <a:srgbClr val="808030"/>
-                </a:solidFill>
-                <a:effectLst/>
-                <a:uLnTx/>
-                <a:uFillTx/>
-                <a:latin typeface="+mn-lt"/>
-                <a:ea typeface="+mn-ea"/>
-                <a:cs typeface="+mn-cs"/>
-              </a:rPr>
-              <a:t>(&amp;</a:t>
-            </a:r>
-            <a:r>
-              <a:rPr kumimoji="0" lang="en-US" sz="1600" b="0" i="0" u="none" strike="noStrike" kern="1200" cap="none" spc="0" normalizeH="0" baseline="0" noProof="0" dirty="0" smtClean="0">
-                <a:ln>
-                  <a:noFill/>
-                </a:ln>
-                <a:solidFill>
-                  <a:schemeClr val="tx1"/>
-                </a:solidFill>
-                <a:effectLst/>
-                <a:uLnTx/>
-                <a:uFillTx/>
-                <a:latin typeface="+mn-lt"/>
-                <a:ea typeface="+mn-ea"/>
-                <a:cs typeface="+mn-cs"/>
-              </a:rPr>
-              <a:t>y</a:t>
-            </a:r>
-            <a:r>
-              <a:rPr kumimoji="0" lang="en-US" sz="1600" b="0" i="0" u="none" strike="noStrike" kern="1200" cap="none" spc="0" normalizeH="0" baseline="0" noProof="0" dirty="0" smtClean="0">
-                <a:ln>
-                  <a:noFill/>
-                </a:ln>
-                <a:solidFill>
-                  <a:srgbClr val="808030"/>
-                </a:solidFill>
-                <a:effectLst/>
-                <a:uLnTx/>
-                <a:uFillTx/>
-                <a:latin typeface="+mn-lt"/>
-                <a:ea typeface="+mn-ea"/>
-                <a:cs typeface="+mn-cs"/>
-              </a:rPr>
-              <a:t>,</a:t>
-            </a:r>
-            <a:r>
-              <a:rPr kumimoji="0" lang="en-US" sz="1600" b="0" i="0" u="none" strike="noStrike" kern="1200" cap="none" spc="0" normalizeH="0" baseline="0" noProof="0" dirty="0" smtClean="0">
-                <a:ln>
-                  <a:noFill/>
-                </a:ln>
-                <a:solidFill>
-                  <a:schemeClr val="tx1"/>
-                </a:solidFill>
-                <a:effectLst/>
-                <a:uLnTx/>
-                <a:uFillTx/>
-                <a:latin typeface="+mn-lt"/>
-                <a:ea typeface="+mn-ea"/>
-                <a:cs typeface="+mn-cs"/>
-              </a:rPr>
-              <a:t> </a:t>
-            </a:r>
-            <a:r>
-              <a:rPr kumimoji="0" lang="en-US" sz="1600" b="0" i="0" u="none" strike="noStrike" kern="1200" cap="none" spc="0" normalizeH="0" baseline="0" noProof="0" dirty="0" smtClean="0">
-                <a:ln>
-                  <a:noFill/>
-                </a:ln>
-                <a:solidFill>
-                  <a:srgbClr val="808030"/>
-                </a:solidFill>
-                <a:effectLst/>
-                <a:uLnTx/>
-                <a:uFillTx/>
-                <a:latin typeface="+mn-lt"/>
-                <a:ea typeface="+mn-ea"/>
-                <a:cs typeface="+mn-cs"/>
-              </a:rPr>
-              <a:t>&amp;</a:t>
-            </a:r>
-            <a:r>
-              <a:rPr kumimoji="0" lang="en-US" sz="1600" b="0" i="0" u="none" strike="noStrike" kern="1200" cap="none" spc="0" normalizeH="0" baseline="0" noProof="0" dirty="0" smtClean="0">
-                <a:ln>
-                  <a:noFill/>
-                </a:ln>
-                <a:solidFill>
-                  <a:schemeClr val="tx1"/>
-                </a:solidFill>
-                <a:effectLst/>
-                <a:uLnTx/>
-                <a:uFillTx/>
-                <a:latin typeface="+mn-lt"/>
-                <a:ea typeface="+mn-ea"/>
-                <a:cs typeface="+mn-cs"/>
-              </a:rPr>
-              <a:t>m2</a:t>
-            </a:r>
-            <a:r>
-              <a:rPr kumimoji="0" lang="en-US" sz="1600" b="0" i="0" u="none" strike="noStrike" kern="1200" cap="none" spc="0" normalizeH="0" baseline="0" noProof="0" dirty="0" smtClean="0">
-                <a:ln>
-                  <a:noFill/>
-                </a:ln>
-                <a:solidFill>
-                  <a:srgbClr val="808030"/>
-                </a:solidFill>
-                <a:effectLst/>
-                <a:uLnTx/>
-                <a:uFillTx/>
-                <a:latin typeface="+mn-lt"/>
-                <a:ea typeface="+mn-ea"/>
-                <a:cs typeface="+mn-cs"/>
-              </a:rPr>
-              <a:t>)</a:t>
-            </a:r>
-            <a:r>
-              <a:rPr kumimoji="0" lang="en-US" sz="1600" b="0" i="0" u="none" strike="noStrike" kern="1200" cap="none" spc="0" normalizeH="0" baseline="0" noProof="0" dirty="0" smtClean="0">
-                <a:ln>
-                  <a:noFill/>
-                </a:ln>
-                <a:solidFill>
-                  <a:srgbClr val="800080"/>
-                </a:solidFill>
-                <a:effectLst/>
-                <a:uLnTx/>
-                <a:uFillTx/>
-                <a:latin typeface="+mn-lt"/>
-                <a:ea typeface="+mn-ea"/>
-                <a:cs typeface="+mn-cs"/>
-              </a:rPr>
-              <a:t>;</a:t>
-            </a:r>
-            <a:r>
-              <a:rPr kumimoji="0" lang="en-US" sz="1600" b="0" i="0" u="none" strike="noStrike" kern="1200" cap="none" spc="0" normalizeH="0" baseline="0" noProof="0" dirty="0" smtClean="0">
-                <a:ln>
-                  <a:noFill/>
-                </a:ln>
-                <a:solidFill>
-                  <a:schemeClr val="tx1"/>
-                </a:solidFill>
-                <a:effectLst/>
-                <a:uLnTx/>
-                <a:uFillTx/>
-                <a:latin typeface="+mn-lt"/>
-                <a:ea typeface="+mn-ea"/>
-                <a:cs typeface="+mn-cs"/>
-              </a:rPr>
-              <a:t> </a:t>
-            </a:r>
-            <a:endParaRPr kumimoji="0" lang="ru-RU" sz="1600" b="0" i="0" u="none" strike="noStrike" kern="1200" cap="none" spc="0" normalizeH="0" baseline="0" noProof="0" dirty="0" smtClean="0">
-              <a:ln>
-                <a:noFill/>
-              </a:ln>
-              <a:solidFill>
-                <a:schemeClr val="tx1"/>
-              </a:solidFill>
-              <a:effectLst/>
-              <a:uLnTx/>
-              <a:uFillTx/>
-              <a:latin typeface="+mn-lt"/>
-              <a:ea typeface="+mn-ea"/>
-              <a:cs typeface="+mn-cs"/>
-            </a:endParaRPr>
-          </a:p>
-          <a:p>
-            <a:pPr marL="342900" marR="0" lvl="0" indent="-342900" algn="l" defTabSz="914400" rtl="0" eaLnBrk="1" fontAlgn="auto" latinLnBrk="0" hangingPunct="1">
-              <a:lnSpc>
-                <a:spcPct val="100000"/>
-              </a:lnSpc>
-              <a:spcBef>
-                <a:spcPct val="20000"/>
-              </a:spcBef>
-              <a:spcAft>
-                <a:spcPts val="0"/>
-              </a:spcAft>
-              <a:buClrTx/>
-              <a:buSzTx/>
-              <a:buFont typeface="Arial" pitchFamily="34" charset="0"/>
-              <a:buNone/>
-              <a:tabLst/>
-              <a:defRPr/>
-            </a:pPr>
-            <a:r>
-              <a:rPr kumimoji="0" lang="en-US" sz="1600" b="0" i="0" u="none" strike="noStrike" kern="1200" cap="none" spc="0" normalizeH="0" baseline="0" noProof="0" dirty="0" smtClean="0">
-                <a:ln>
-                  <a:noFill/>
-                </a:ln>
-                <a:solidFill>
-                  <a:srgbClr val="800080"/>
-                </a:solidFill>
-                <a:effectLst/>
-                <a:uLnTx/>
-                <a:uFillTx/>
-                <a:latin typeface="+mn-lt"/>
-                <a:ea typeface="+mn-ea"/>
-                <a:cs typeface="+mn-cs"/>
-              </a:rPr>
-              <a:t>}</a:t>
-            </a:r>
-            <a:r>
-              <a:rPr kumimoji="0" lang="en-US" sz="1600" b="0" i="0" u="none" strike="noStrike" kern="1200" cap="none" spc="0" normalizeH="0" baseline="0" noProof="0" dirty="0" smtClean="0">
-                <a:ln>
-                  <a:noFill/>
-                </a:ln>
-                <a:solidFill>
-                  <a:schemeClr val="tx1"/>
-                </a:solidFill>
-                <a:effectLst/>
-                <a:uLnTx/>
-                <a:uFillTx/>
-                <a:latin typeface="+mn-lt"/>
-                <a:ea typeface="+mn-ea"/>
-                <a:cs typeface="+mn-cs"/>
-              </a:rPr>
-              <a:t> </a:t>
-            </a:r>
-            <a:endParaRPr kumimoji="0" lang="ru-RU" sz="1600" b="0" i="0" u="none" strike="noStrike" kern="1200" cap="none" spc="0" normalizeH="0" baseline="0" noProof="0" dirty="0" smtClean="0">
-              <a:ln>
-                <a:noFill/>
-              </a:ln>
-              <a:solidFill>
-                <a:schemeClr val="tx1"/>
-              </a:solidFill>
-              <a:effectLst/>
-              <a:uLnTx/>
-              <a:uFillTx/>
-              <a:latin typeface="+mn-lt"/>
-              <a:ea typeface="+mn-ea"/>
-              <a:cs typeface="+mn-cs"/>
-            </a:endParaRPr>
-          </a:p>
-          <a:p>
-            <a:pPr marL="342900" marR="0" lvl="0" indent="-342900" algn="l" defTabSz="914400" rtl="0" eaLnBrk="1" fontAlgn="auto" latinLnBrk="0" hangingPunct="1">
-              <a:lnSpc>
-                <a:spcPct val="100000"/>
-              </a:lnSpc>
-              <a:spcBef>
-                <a:spcPct val="20000"/>
-              </a:spcBef>
-              <a:spcAft>
-                <a:spcPts val="0"/>
-              </a:spcAft>
-              <a:buClrTx/>
-              <a:buSzTx/>
-              <a:buFont typeface="Arial" pitchFamily="34" charset="0"/>
-              <a:buNone/>
-              <a:tabLst/>
-              <a:defRPr/>
-            </a:pPr>
-            <a:r>
-              <a:rPr kumimoji="0" lang="en-US" sz="1600" b="1" i="0" u="none" strike="noStrike" kern="1200" cap="none" spc="0" normalizeH="0" baseline="0" noProof="0" dirty="0" smtClean="0">
-                <a:ln>
-                  <a:noFill/>
-                </a:ln>
-                <a:solidFill>
-                  <a:srgbClr val="800000"/>
-                </a:solidFill>
-                <a:effectLst/>
-                <a:uLnTx/>
-                <a:uFillTx/>
-                <a:latin typeface="+mn-lt"/>
-                <a:ea typeface="+mn-ea"/>
-                <a:cs typeface="+mn-cs"/>
-              </a:rPr>
-              <a:t>void</a:t>
-            </a:r>
-            <a:r>
-              <a:rPr kumimoji="0" lang="en-US" sz="1600" b="0" i="0" u="none" strike="noStrike" kern="1200" cap="none" spc="0" normalizeH="0" baseline="0" noProof="0" dirty="0" smtClean="0">
-                <a:ln>
-                  <a:noFill/>
-                </a:ln>
-                <a:solidFill>
-                  <a:srgbClr val="808030"/>
-                </a:solidFill>
-                <a:effectLst/>
-                <a:uLnTx/>
-                <a:uFillTx/>
-                <a:latin typeface="+mn-lt"/>
-                <a:ea typeface="+mn-ea"/>
-                <a:cs typeface="+mn-cs"/>
-              </a:rPr>
-              <a:t>*</a:t>
-            </a:r>
-            <a:r>
-              <a:rPr kumimoji="0" lang="en-US" sz="1600" b="0" i="0" u="none" strike="noStrike" kern="1200" cap="none" spc="0" normalizeH="0" baseline="0" noProof="0" dirty="0" smtClean="0">
-                <a:ln>
-                  <a:noFill/>
-                </a:ln>
-                <a:solidFill>
-                  <a:schemeClr val="tx1"/>
-                </a:solidFill>
-                <a:effectLst/>
-                <a:uLnTx/>
-                <a:uFillTx/>
-                <a:latin typeface="+mn-lt"/>
-                <a:ea typeface="+mn-ea"/>
-                <a:cs typeface="+mn-cs"/>
-              </a:rPr>
-              <a:t> thread2</a:t>
-            </a:r>
-            <a:r>
-              <a:rPr kumimoji="0" lang="en-US" sz="1600" b="0" i="0" u="none" strike="noStrike" kern="1200" cap="none" spc="0" normalizeH="0" baseline="0" noProof="0" dirty="0" smtClean="0">
-                <a:ln>
-                  <a:noFill/>
-                </a:ln>
-                <a:solidFill>
-                  <a:srgbClr val="808030"/>
-                </a:solidFill>
-                <a:effectLst/>
-                <a:uLnTx/>
-                <a:uFillTx/>
-                <a:latin typeface="+mn-lt"/>
-                <a:ea typeface="+mn-ea"/>
-                <a:cs typeface="+mn-cs"/>
-              </a:rPr>
-              <a:t>()</a:t>
-            </a:r>
-            <a:r>
-              <a:rPr kumimoji="0" lang="en-US" sz="1600" b="0" i="0" u="none" strike="noStrike" kern="1200" cap="none" spc="0" normalizeH="0" baseline="0" noProof="0" dirty="0" smtClean="0">
-                <a:ln>
-                  <a:noFill/>
-                </a:ln>
-                <a:solidFill>
-                  <a:schemeClr val="tx1"/>
-                </a:solidFill>
-                <a:effectLst/>
-                <a:uLnTx/>
-                <a:uFillTx/>
-                <a:latin typeface="+mn-lt"/>
-                <a:ea typeface="+mn-ea"/>
-                <a:cs typeface="+mn-cs"/>
-              </a:rPr>
-              <a:t> </a:t>
-            </a:r>
-            <a:r>
-              <a:rPr kumimoji="0" lang="en-US" sz="1600" b="0" i="0" u="none" strike="noStrike" kern="1200" cap="none" spc="0" normalizeH="0" baseline="0" noProof="0" dirty="0" smtClean="0">
-                <a:ln>
-                  <a:noFill/>
-                </a:ln>
-                <a:solidFill>
-                  <a:srgbClr val="800080"/>
-                </a:solidFill>
-                <a:effectLst/>
-                <a:uLnTx/>
-                <a:uFillTx/>
-                <a:latin typeface="+mn-lt"/>
-                <a:ea typeface="+mn-ea"/>
-                <a:cs typeface="+mn-cs"/>
-              </a:rPr>
-              <a:t>{</a:t>
-            </a:r>
-            <a:endParaRPr kumimoji="0" lang="ru-RU" sz="1600" b="0" i="0" u="none" strike="noStrike" kern="1200" cap="none" spc="0" normalizeH="0" baseline="0" noProof="0" dirty="0" smtClean="0">
-              <a:ln>
-                <a:noFill/>
-              </a:ln>
-              <a:solidFill>
-                <a:srgbClr val="696969"/>
-              </a:solidFill>
-              <a:effectLst/>
-              <a:uLnTx/>
-              <a:uFillTx/>
-              <a:latin typeface="+mn-lt"/>
-              <a:ea typeface="+mn-ea"/>
-              <a:cs typeface="+mn-cs"/>
-            </a:endParaRPr>
-          </a:p>
-          <a:p>
-            <a:pPr marL="342900" marR="0" lvl="0" indent="-342900" algn="l" defTabSz="914400" rtl="0" eaLnBrk="1" fontAlgn="auto" latinLnBrk="0" hangingPunct="1">
-              <a:lnSpc>
-                <a:spcPct val="100000"/>
-              </a:lnSpc>
-              <a:spcBef>
-                <a:spcPct val="20000"/>
-              </a:spcBef>
-              <a:spcAft>
-                <a:spcPts val="0"/>
-              </a:spcAft>
-              <a:buClrTx/>
-              <a:buSzTx/>
-              <a:buFont typeface="Arial" pitchFamily="34" charset="0"/>
-              <a:buNone/>
-              <a:tabLst/>
-              <a:defRPr/>
-            </a:pPr>
-            <a:r>
-              <a:rPr kumimoji="0" lang="ru-RU" sz="1600" b="0" i="0" u="none" strike="noStrike" kern="1200" cap="none" spc="0" normalizeH="0" baseline="0" noProof="0" dirty="0" smtClean="0">
-                <a:ln>
-                  <a:noFill/>
-                </a:ln>
-                <a:solidFill>
-                  <a:srgbClr val="696969"/>
-                </a:solidFill>
-                <a:effectLst/>
-                <a:uLnTx/>
-                <a:uFillTx/>
-                <a:latin typeface="+mn-lt"/>
-                <a:ea typeface="+mn-ea"/>
-                <a:cs typeface="+mn-cs"/>
-              </a:rPr>
-              <a:t>   </a:t>
-            </a:r>
-            <a:r>
-              <a:rPr kumimoji="0" lang="ru-RU" sz="1600" b="0" i="0" u="none" strike="noStrike" kern="1200" cap="none" spc="0" normalizeH="0" baseline="0" noProof="0" dirty="0" smtClean="0">
-                <a:ln>
-                  <a:noFill/>
-                </a:ln>
-                <a:solidFill>
-                  <a:schemeClr val="tx1"/>
-                </a:solidFill>
-                <a:effectLst/>
-                <a:uLnTx/>
-                <a:uFillTx/>
-                <a:latin typeface="+mn-lt"/>
-                <a:ea typeface="+mn-ea"/>
-                <a:cs typeface="+mn-cs"/>
-              </a:rPr>
-              <a:t>     </a:t>
-            </a:r>
-            <a:r>
-              <a:rPr kumimoji="0" lang="en-US" sz="1600" b="0" i="0" u="none" strike="noStrike" kern="1200" cap="none" spc="0" normalizeH="0" baseline="0" noProof="0" dirty="0" err="1" smtClean="0">
-                <a:ln>
-                  <a:noFill/>
-                </a:ln>
-                <a:solidFill>
-                  <a:schemeClr val="tx1"/>
-                </a:solidFill>
-                <a:effectLst/>
-                <a:uLnTx/>
-                <a:uFillTx/>
-                <a:latin typeface="+mn-lt"/>
-                <a:ea typeface="+mn-ea"/>
-                <a:cs typeface="+mn-cs"/>
-              </a:rPr>
-              <a:t>incr</a:t>
-            </a:r>
-            <a:r>
-              <a:rPr kumimoji="0" lang="en-US" sz="1600" b="0" i="0" u="none" strike="noStrike" kern="1200" cap="none" spc="0" normalizeH="0" baseline="0" noProof="0" dirty="0" smtClean="0">
-                <a:ln>
-                  <a:noFill/>
-                </a:ln>
-                <a:solidFill>
-                  <a:srgbClr val="808030"/>
-                </a:solidFill>
-                <a:effectLst/>
-                <a:uLnTx/>
-                <a:uFillTx/>
-                <a:latin typeface="+mn-lt"/>
-                <a:ea typeface="+mn-ea"/>
-                <a:cs typeface="+mn-cs"/>
-              </a:rPr>
-              <a:t>(&amp;</a:t>
-            </a:r>
-            <a:r>
-              <a:rPr kumimoji="0" lang="en-US" sz="1600" b="0" i="0" u="none" strike="noStrike" kern="1200" cap="none" spc="0" normalizeH="0" baseline="0" noProof="0" dirty="0" smtClean="0">
-                <a:ln>
-                  <a:noFill/>
-                </a:ln>
-                <a:solidFill>
-                  <a:schemeClr val="tx1"/>
-                </a:solidFill>
-                <a:effectLst/>
-                <a:uLnTx/>
-                <a:uFillTx/>
-                <a:latin typeface="+mn-lt"/>
-                <a:ea typeface="+mn-ea"/>
-                <a:cs typeface="+mn-cs"/>
-              </a:rPr>
-              <a:t>x</a:t>
-            </a:r>
-            <a:r>
-              <a:rPr kumimoji="0" lang="en-US" sz="1600" b="0" i="0" u="none" strike="noStrike" kern="1200" cap="none" spc="0" normalizeH="0" baseline="0" noProof="0" dirty="0" smtClean="0">
-                <a:ln>
-                  <a:noFill/>
-                </a:ln>
-                <a:solidFill>
-                  <a:srgbClr val="808030"/>
-                </a:solidFill>
-                <a:effectLst/>
-                <a:uLnTx/>
-                <a:uFillTx/>
-                <a:latin typeface="+mn-lt"/>
-                <a:ea typeface="+mn-ea"/>
-                <a:cs typeface="+mn-cs"/>
-              </a:rPr>
-              <a:t>,</a:t>
-            </a:r>
-            <a:r>
-              <a:rPr kumimoji="0" lang="en-US" sz="1600" b="0" i="0" u="none" strike="noStrike" kern="1200" cap="none" spc="0" normalizeH="0" baseline="0" noProof="0" dirty="0" smtClean="0">
-                <a:ln>
-                  <a:noFill/>
-                </a:ln>
-                <a:solidFill>
-                  <a:schemeClr val="tx1"/>
-                </a:solidFill>
-                <a:effectLst/>
-                <a:uLnTx/>
-                <a:uFillTx/>
-                <a:latin typeface="+mn-lt"/>
-                <a:ea typeface="+mn-ea"/>
-                <a:cs typeface="+mn-cs"/>
-              </a:rPr>
-              <a:t> </a:t>
-            </a:r>
-            <a:r>
-              <a:rPr kumimoji="0" lang="en-US" sz="1600" b="0" i="0" u="none" strike="noStrike" kern="1200" cap="none" spc="0" normalizeH="0" baseline="0" noProof="0" dirty="0" smtClean="0">
-                <a:ln>
-                  <a:noFill/>
-                </a:ln>
-                <a:solidFill>
-                  <a:srgbClr val="808030"/>
-                </a:solidFill>
-                <a:effectLst/>
-                <a:uLnTx/>
-                <a:uFillTx/>
-                <a:latin typeface="+mn-lt"/>
-                <a:ea typeface="+mn-ea"/>
-                <a:cs typeface="+mn-cs"/>
-              </a:rPr>
-              <a:t>&amp;</a:t>
-            </a:r>
-            <a:r>
-              <a:rPr kumimoji="0" lang="en-US" sz="1600" b="0" i="0" u="none" strike="noStrike" kern="1200" cap="none" spc="0" normalizeH="0" baseline="0" noProof="0" dirty="0" smtClean="0">
-                <a:ln>
-                  <a:noFill/>
-                </a:ln>
-                <a:solidFill>
-                  <a:schemeClr val="tx1"/>
-                </a:solidFill>
-                <a:effectLst/>
-                <a:uLnTx/>
-                <a:uFillTx/>
-                <a:latin typeface="+mn-lt"/>
-                <a:ea typeface="+mn-ea"/>
-                <a:cs typeface="+mn-cs"/>
-              </a:rPr>
-              <a:t>m1</a:t>
-            </a:r>
-            <a:r>
-              <a:rPr kumimoji="0" lang="en-US" sz="1600" b="0" i="0" u="none" strike="noStrike" kern="1200" cap="none" spc="0" normalizeH="0" baseline="0" noProof="0" dirty="0" smtClean="0">
-                <a:ln>
-                  <a:noFill/>
-                </a:ln>
-                <a:solidFill>
-                  <a:srgbClr val="808030"/>
-                </a:solidFill>
-                <a:effectLst/>
-                <a:uLnTx/>
-                <a:uFillTx/>
-                <a:latin typeface="+mn-lt"/>
-                <a:ea typeface="+mn-ea"/>
-                <a:cs typeface="+mn-cs"/>
-              </a:rPr>
-              <a:t>)</a:t>
-            </a:r>
-            <a:r>
-              <a:rPr kumimoji="0" lang="en-US" sz="1600" b="0" i="0" u="none" strike="noStrike" kern="1200" cap="none" spc="0" normalizeH="0" baseline="0" noProof="0" dirty="0" smtClean="0">
-                <a:ln>
-                  <a:noFill/>
-                </a:ln>
-                <a:solidFill>
-                  <a:srgbClr val="800080"/>
-                </a:solidFill>
-                <a:effectLst/>
-                <a:uLnTx/>
-                <a:uFillTx/>
-                <a:latin typeface="+mn-lt"/>
-                <a:ea typeface="+mn-ea"/>
-                <a:cs typeface="+mn-cs"/>
-              </a:rPr>
-              <a:t>;</a:t>
-            </a:r>
-            <a:endParaRPr kumimoji="0" lang="ru-RU" sz="1600" b="0" i="0" u="none" strike="noStrike" kern="1200" cap="none" spc="0" normalizeH="0" baseline="0" noProof="0" dirty="0" smtClean="0">
-              <a:ln>
-                <a:noFill/>
-              </a:ln>
-              <a:solidFill>
-                <a:srgbClr val="800080"/>
-              </a:solidFill>
-              <a:effectLst/>
-              <a:uLnTx/>
-              <a:uFillTx/>
-              <a:latin typeface="+mn-lt"/>
-              <a:ea typeface="+mn-ea"/>
-              <a:cs typeface="+mn-cs"/>
-            </a:endParaRPr>
-          </a:p>
-          <a:p>
-            <a:pPr marL="342900" marR="0" lvl="0" indent="-342900" algn="l" defTabSz="914400" rtl="0" eaLnBrk="1" fontAlgn="auto" latinLnBrk="0" hangingPunct="1">
-              <a:lnSpc>
-                <a:spcPct val="100000"/>
-              </a:lnSpc>
-              <a:spcBef>
-                <a:spcPct val="20000"/>
-              </a:spcBef>
-              <a:spcAft>
-                <a:spcPts val="0"/>
-              </a:spcAft>
-              <a:buClrTx/>
-              <a:buSzTx/>
-              <a:buFont typeface="Arial" pitchFamily="34" charset="0"/>
-              <a:buNone/>
-              <a:tabLst/>
-              <a:defRPr/>
-            </a:pPr>
-            <a:r>
-              <a:rPr kumimoji="0" lang="ru-RU" sz="1600" b="0" i="0" u="none" strike="noStrike" kern="1200" cap="none" spc="0" normalizeH="0" baseline="0" noProof="0" dirty="0" smtClean="0">
-                <a:ln>
-                  <a:noFill/>
-                </a:ln>
-                <a:solidFill>
-                  <a:srgbClr val="800080"/>
-                </a:solidFill>
-                <a:effectLst/>
-                <a:uLnTx/>
-                <a:uFillTx/>
-                <a:latin typeface="+mn-lt"/>
-                <a:ea typeface="+mn-ea"/>
-                <a:cs typeface="+mn-cs"/>
-              </a:rPr>
-              <a:t>   </a:t>
-            </a:r>
-            <a:r>
-              <a:rPr kumimoji="0" lang="en-US" sz="1600" b="0" i="0" u="none" strike="noStrike" kern="1200" cap="none" spc="0" normalizeH="0" baseline="0" noProof="0" dirty="0" smtClean="0">
-                <a:ln>
-                  <a:noFill/>
-                </a:ln>
-                <a:solidFill>
-                  <a:schemeClr val="tx1"/>
-                </a:solidFill>
-                <a:effectLst/>
-                <a:uLnTx/>
-                <a:uFillTx/>
-                <a:latin typeface="+mn-lt"/>
-                <a:ea typeface="+mn-ea"/>
-                <a:cs typeface="+mn-cs"/>
-              </a:rPr>
-              <a:t> </a:t>
-            </a:r>
-            <a:r>
-              <a:rPr kumimoji="0" lang="ru-RU" sz="1600" b="0" i="0" u="none" strike="noStrike" kern="1200" cap="none" spc="0" normalizeH="0" baseline="0" noProof="0" dirty="0" smtClean="0">
-                <a:ln>
-                  <a:noFill/>
-                </a:ln>
-                <a:solidFill>
-                  <a:schemeClr val="tx1"/>
-                </a:solidFill>
-                <a:effectLst/>
-                <a:uLnTx/>
-                <a:uFillTx/>
-                <a:latin typeface="+mn-lt"/>
-                <a:ea typeface="+mn-ea"/>
-                <a:cs typeface="+mn-cs"/>
-              </a:rPr>
-              <a:t>    </a:t>
-            </a:r>
-            <a:r>
-              <a:rPr kumimoji="0" lang="en-US" sz="1600" b="1" i="0" u="none" strike="noStrike" kern="1200" cap="none" spc="0" normalizeH="0" baseline="0" noProof="0" dirty="0" smtClean="0">
-                <a:ln>
-                  <a:noFill/>
-                </a:ln>
-                <a:solidFill>
-                  <a:srgbClr val="800000"/>
-                </a:solidFill>
-                <a:effectLst/>
-                <a:uLnTx/>
-                <a:uFillTx/>
-                <a:latin typeface="+mn-lt"/>
-                <a:ea typeface="+mn-ea"/>
-                <a:cs typeface="+mn-cs"/>
-              </a:rPr>
-              <a:t>int</a:t>
-            </a:r>
-            <a:r>
-              <a:rPr kumimoji="0" lang="en-US" sz="1600" b="0" i="0" u="none" strike="noStrike" kern="1200" cap="none" spc="0" normalizeH="0" baseline="0" noProof="0" dirty="0" smtClean="0">
-                <a:ln>
-                  <a:noFill/>
-                </a:ln>
-                <a:solidFill>
-                  <a:srgbClr val="808030"/>
-                </a:solidFill>
-                <a:effectLst/>
-                <a:uLnTx/>
-                <a:uFillTx/>
-                <a:latin typeface="+mn-lt"/>
-                <a:ea typeface="+mn-ea"/>
-                <a:cs typeface="+mn-cs"/>
-              </a:rPr>
-              <a:t>*</a:t>
-            </a:r>
-            <a:r>
-              <a:rPr kumimoji="0" lang="en-US" sz="1600" b="0" i="0" u="none" strike="noStrike" kern="1200" cap="none" spc="0" normalizeH="0" baseline="0" noProof="0" dirty="0" smtClean="0">
-                <a:ln>
-                  <a:noFill/>
-                </a:ln>
-                <a:solidFill>
-                  <a:schemeClr val="tx1"/>
-                </a:solidFill>
-                <a:effectLst/>
-                <a:uLnTx/>
-                <a:uFillTx/>
-                <a:latin typeface="+mn-lt"/>
-                <a:ea typeface="+mn-ea"/>
-                <a:cs typeface="+mn-cs"/>
-              </a:rPr>
-              <a:t> z </a:t>
-            </a:r>
-            <a:r>
-              <a:rPr kumimoji="0" lang="en-US" sz="1600" b="0" i="0" u="none" strike="noStrike" kern="1200" cap="none" spc="0" normalizeH="0" baseline="0" noProof="0" dirty="0" smtClean="0">
-                <a:ln>
-                  <a:noFill/>
-                </a:ln>
-                <a:solidFill>
-                  <a:srgbClr val="808030"/>
-                </a:solidFill>
-                <a:effectLst/>
-                <a:uLnTx/>
-                <a:uFillTx/>
-                <a:latin typeface="+mn-lt"/>
-                <a:ea typeface="+mn-ea"/>
-                <a:cs typeface="+mn-cs"/>
-              </a:rPr>
-              <a:t>=</a:t>
-            </a:r>
-            <a:r>
-              <a:rPr kumimoji="0" lang="en-US" sz="1600" b="0" i="0" u="none" strike="noStrike" kern="1200" cap="none" spc="0" normalizeH="0" baseline="0" noProof="0" dirty="0" smtClean="0">
-                <a:ln>
-                  <a:noFill/>
-                </a:ln>
-                <a:solidFill>
-                  <a:schemeClr val="tx1"/>
-                </a:solidFill>
-                <a:effectLst/>
-                <a:uLnTx/>
-                <a:uFillTx/>
-                <a:latin typeface="+mn-lt"/>
-                <a:ea typeface="+mn-ea"/>
-                <a:cs typeface="+mn-cs"/>
-              </a:rPr>
-              <a:t> </a:t>
-            </a:r>
-            <a:r>
-              <a:rPr kumimoji="0" lang="en-US" sz="1600" b="0" i="0" u="none" strike="noStrike" kern="1200" cap="none" spc="0" normalizeH="0" baseline="0" noProof="0" dirty="0" smtClean="0">
-                <a:ln>
-                  <a:noFill/>
-                </a:ln>
-                <a:solidFill>
-                  <a:srgbClr val="808030"/>
-                </a:solidFill>
-                <a:effectLst/>
-                <a:uLnTx/>
-                <a:uFillTx/>
-                <a:latin typeface="+mn-lt"/>
-                <a:ea typeface="+mn-ea"/>
-                <a:cs typeface="+mn-cs"/>
-              </a:rPr>
-              <a:t>&amp;</a:t>
-            </a:r>
-            <a:r>
-              <a:rPr kumimoji="0" lang="en-US" sz="1600" b="0" i="0" u="none" strike="noStrike" kern="1200" cap="none" spc="0" normalizeH="0" baseline="0" noProof="0" dirty="0" smtClean="0">
-                <a:ln>
-                  <a:noFill/>
-                </a:ln>
-                <a:solidFill>
-                  <a:schemeClr val="tx1"/>
-                </a:solidFill>
-                <a:effectLst/>
-                <a:uLnTx/>
-                <a:uFillTx/>
-                <a:latin typeface="+mn-lt"/>
-                <a:ea typeface="+mn-ea"/>
-                <a:cs typeface="+mn-cs"/>
-              </a:rPr>
-              <a:t>y</a:t>
-            </a:r>
-            <a:r>
-              <a:rPr kumimoji="0" lang="en-US" sz="1600" b="0" i="0" u="none" strike="noStrike" kern="1200" cap="none" spc="0" normalizeH="0" baseline="0" noProof="0" dirty="0" smtClean="0">
-                <a:ln>
-                  <a:noFill/>
-                </a:ln>
-                <a:solidFill>
-                  <a:srgbClr val="800080"/>
-                </a:solidFill>
-                <a:effectLst/>
-                <a:uLnTx/>
-                <a:uFillTx/>
-                <a:latin typeface="+mn-lt"/>
-                <a:ea typeface="+mn-ea"/>
-                <a:cs typeface="+mn-cs"/>
-              </a:rPr>
-              <a:t>;</a:t>
-            </a:r>
-            <a:endParaRPr kumimoji="0" lang="ru-RU" sz="1600" b="0" i="0" u="none" strike="noStrike" kern="1200" cap="none" spc="0" normalizeH="0" baseline="0" noProof="0" dirty="0" smtClean="0">
-              <a:ln>
-                <a:noFill/>
-              </a:ln>
-              <a:solidFill>
-                <a:srgbClr val="800080"/>
-              </a:solidFill>
-              <a:effectLst/>
-              <a:uLnTx/>
-              <a:uFillTx/>
-              <a:latin typeface="+mn-lt"/>
-              <a:ea typeface="+mn-ea"/>
-              <a:cs typeface="+mn-cs"/>
-            </a:endParaRPr>
-          </a:p>
-          <a:p>
-            <a:pPr marL="342900" marR="0" lvl="0" indent="-342900" algn="l" defTabSz="914400" rtl="0" eaLnBrk="1" fontAlgn="auto" latinLnBrk="0" hangingPunct="1">
-              <a:lnSpc>
-                <a:spcPct val="100000"/>
-              </a:lnSpc>
-              <a:spcBef>
-                <a:spcPct val="20000"/>
-              </a:spcBef>
-              <a:spcAft>
-                <a:spcPts val="0"/>
-              </a:spcAft>
-              <a:buClrTx/>
-              <a:buSzTx/>
-              <a:buFont typeface="Arial" pitchFamily="34" charset="0"/>
-              <a:buNone/>
-              <a:tabLst/>
-              <a:defRPr/>
-            </a:pPr>
-            <a:r>
-              <a:rPr kumimoji="0" lang="ru-RU" sz="1600" b="0" i="0" u="none" strike="noStrike" kern="1200" cap="none" spc="0" normalizeH="0" baseline="0" noProof="0" dirty="0" smtClean="0">
-                <a:ln>
-                  <a:noFill/>
-                </a:ln>
-                <a:solidFill>
-                  <a:srgbClr val="800080"/>
-                </a:solidFill>
-                <a:effectLst/>
-                <a:uLnTx/>
-                <a:uFillTx/>
-                <a:latin typeface="+mn-lt"/>
-                <a:ea typeface="+mn-ea"/>
-                <a:cs typeface="+mn-cs"/>
-              </a:rPr>
-              <a:t>   </a:t>
-            </a:r>
-            <a:r>
-              <a:rPr kumimoji="0" lang="en-US" sz="1600" b="0" i="0" u="none" strike="noStrike" kern="1200" cap="none" spc="0" normalizeH="0" baseline="0" noProof="0" dirty="0" smtClean="0">
-                <a:ln>
-                  <a:noFill/>
-                </a:ln>
-                <a:solidFill>
-                  <a:schemeClr val="tx1"/>
-                </a:solidFill>
-                <a:effectLst/>
-                <a:uLnTx/>
-                <a:uFillTx/>
-                <a:latin typeface="+mn-lt"/>
-                <a:ea typeface="+mn-ea"/>
-                <a:cs typeface="+mn-cs"/>
-              </a:rPr>
-              <a:t> </a:t>
-            </a:r>
-            <a:r>
-              <a:rPr kumimoji="0" lang="ru-RU" sz="1600" b="0" i="0" u="none" strike="noStrike" kern="1200" cap="none" spc="0" normalizeH="0" baseline="0" noProof="0" dirty="0" smtClean="0">
-                <a:ln>
-                  <a:noFill/>
-                </a:ln>
-                <a:solidFill>
-                  <a:schemeClr val="tx1"/>
-                </a:solidFill>
-                <a:effectLst/>
-                <a:uLnTx/>
-                <a:uFillTx/>
-                <a:latin typeface="+mn-lt"/>
-                <a:ea typeface="+mn-ea"/>
-                <a:cs typeface="+mn-cs"/>
-              </a:rPr>
-              <a:t>    </a:t>
-            </a:r>
-            <a:r>
-              <a:rPr kumimoji="0" lang="en-US" sz="1600" b="0" i="0" u="none" strike="noStrike" kern="1200" cap="none" spc="0" normalizeH="0" baseline="0" noProof="0" dirty="0" err="1" smtClean="0">
-                <a:ln>
-                  <a:noFill/>
-                </a:ln>
-                <a:solidFill>
-                  <a:schemeClr val="tx1"/>
-                </a:solidFill>
-                <a:effectLst/>
-                <a:uLnTx/>
-                <a:uFillTx/>
-                <a:latin typeface="+mn-lt"/>
-                <a:ea typeface="+mn-ea"/>
-                <a:cs typeface="+mn-cs"/>
-              </a:rPr>
-              <a:t>incr</a:t>
-            </a:r>
-            <a:r>
-              <a:rPr kumimoji="0" lang="en-US" sz="1600" b="0" i="0" u="none" strike="noStrike" kern="1200" cap="none" spc="0" normalizeH="0" baseline="0" noProof="0" dirty="0" smtClean="0">
-                <a:ln>
-                  <a:noFill/>
-                </a:ln>
-                <a:solidFill>
-                  <a:srgbClr val="808030"/>
-                </a:solidFill>
-                <a:effectLst/>
-                <a:uLnTx/>
-                <a:uFillTx/>
-                <a:latin typeface="+mn-lt"/>
-                <a:ea typeface="+mn-ea"/>
-                <a:cs typeface="+mn-cs"/>
-              </a:rPr>
-              <a:t>(</a:t>
-            </a:r>
-            <a:r>
-              <a:rPr kumimoji="0" lang="en-US" sz="1600" b="0" i="0" u="none" strike="noStrike" kern="1200" cap="none" spc="0" normalizeH="0" baseline="0" noProof="0" dirty="0" smtClean="0">
-                <a:ln>
-                  <a:noFill/>
-                </a:ln>
-                <a:solidFill>
-                  <a:schemeClr val="tx1"/>
-                </a:solidFill>
-                <a:effectLst/>
-                <a:uLnTx/>
-                <a:uFillTx/>
-                <a:latin typeface="+mn-lt"/>
-                <a:ea typeface="+mn-ea"/>
-                <a:cs typeface="+mn-cs"/>
-              </a:rPr>
-              <a:t>z</a:t>
-            </a:r>
-            <a:r>
-              <a:rPr kumimoji="0" lang="en-US" sz="1600" b="0" i="0" u="none" strike="noStrike" kern="1200" cap="none" spc="0" normalizeH="0" baseline="0" noProof="0" dirty="0" smtClean="0">
-                <a:ln>
-                  <a:noFill/>
-                </a:ln>
-                <a:solidFill>
-                  <a:srgbClr val="808030"/>
-                </a:solidFill>
-                <a:effectLst/>
-                <a:uLnTx/>
-                <a:uFillTx/>
-                <a:latin typeface="+mn-lt"/>
-                <a:ea typeface="+mn-ea"/>
-                <a:cs typeface="+mn-cs"/>
-              </a:rPr>
-              <a:t>,</a:t>
-            </a:r>
-            <a:r>
-              <a:rPr kumimoji="0" lang="en-US" sz="1600" b="0" i="0" u="none" strike="noStrike" kern="1200" cap="none" spc="0" normalizeH="0" baseline="0" noProof="0" dirty="0" smtClean="0">
-                <a:ln>
-                  <a:noFill/>
-                </a:ln>
-                <a:solidFill>
-                  <a:schemeClr val="tx1"/>
-                </a:solidFill>
-                <a:effectLst/>
-                <a:uLnTx/>
-                <a:uFillTx/>
-                <a:latin typeface="+mn-lt"/>
-                <a:ea typeface="+mn-ea"/>
-                <a:cs typeface="+mn-cs"/>
-              </a:rPr>
-              <a:t> </a:t>
-            </a:r>
-            <a:r>
-              <a:rPr kumimoji="0" lang="en-US" sz="1600" b="0" i="0" u="none" strike="noStrike" kern="1200" cap="none" spc="0" normalizeH="0" baseline="0" noProof="0" dirty="0" smtClean="0">
-                <a:ln>
-                  <a:noFill/>
-                </a:ln>
-                <a:solidFill>
-                  <a:srgbClr val="808030"/>
-                </a:solidFill>
-                <a:effectLst/>
-                <a:uLnTx/>
-                <a:uFillTx/>
-                <a:latin typeface="+mn-lt"/>
-                <a:ea typeface="+mn-ea"/>
-                <a:cs typeface="+mn-cs"/>
-              </a:rPr>
-              <a:t>&amp;</a:t>
-            </a:r>
-            <a:r>
-              <a:rPr kumimoji="0" lang="en-US" sz="1600" b="0" i="0" u="none" strike="noStrike" kern="1200" cap="none" spc="0" normalizeH="0" baseline="0" noProof="0" dirty="0" smtClean="0">
-                <a:ln>
-                  <a:noFill/>
-                </a:ln>
-                <a:solidFill>
-                  <a:schemeClr val="tx1"/>
-                </a:solidFill>
-                <a:effectLst/>
-                <a:uLnTx/>
-                <a:uFillTx/>
-                <a:latin typeface="+mn-lt"/>
-                <a:ea typeface="+mn-ea"/>
-                <a:cs typeface="+mn-cs"/>
-              </a:rPr>
-              <a:t>m1</a:t>
-            </a:r>
-            <a:r>
-              <a:rPr kumimoji="0" lang="en-US" sz="1600" b="0" i="0" u="none" strike="noStrike" kern="1200" cap="none" spc="0" normalizeH="0" baseline="0" noProof="0" dirty="0" smtClean="0">
-                <a:ln>
-                  <a:noFill/>
-                </a:ln>
-                <a:solidFill>
-                  <a:srgbClr val="808030"/>
-                </a:solidFill>
-                <a:effectLst/>
-                <a:uLnTx/>
-                <a:uFillTx/>
-                <a:latin typeface="+mn-lt"/>
-                <a:ea typeface="+mn-ea"/>
-                <a:cs typeface="+mn-cs"/>
-              </a:rPr>
-              <a:t>)</a:t>
-            </a:r>
-            <a:r>
-              <a:rPr kumimoji="0" lang="en-US" sz="1600" b="0" i="0" u="none" strike="noStrike" kern="1200" cap="none" spc="0" normalizeH="0" baseline="0" noProof="0" dirty="0" smtClean="0">
-                <a:ln>
-                  <a:noFill/>
-                </a:ln>
-                <a:solidFill>
-                  <a:srgbClr val="800080"/>
-                </a:solidFill>
-                <a:effectLst/>
-                <a:uLnTx/>
-                <a:uFillTx/>
-                <a:latin typeface="+mn-lt"/>
-                <a:ea typeface="+mn-ea"/>
-                <a:cs typeface="+mn-cs"/>
-              </a:rPr>
-              <a:t>;</a:t>
-            </a:r>
-            <a:endParaRPr kumimoji="0" lang="ru-RU" sz="1600" b="0" i="0" u="none" strike="noStrike" kern="1200" cap="none" spc="0" normalizeH="0" baseline="0" noProof="0" dirty="0" smtClean="0">
-              <a:ln>
-                <a:noFill/>
-              </a:ln>
-              <a:solidFill>
-                <a:srgbClr val="800080"/>
-              </a:solidFill>
-              <a:effectLst/>
-              <a:uLnTx/>
-              <a:uFillTx/>
-              <a:latin typeface="+mn-lt"/>
-              <a:ea typeface="+mn-ea"/>
-              <a:cs typeface="+mn-cs"/>
-            </a:endParaRPr>
-          </a:p>
-          <a:p>
-            <a:pPr marL="342900" marR="0" lvl="0" indent="-342900" algn="l" defTabSz="914400" rtl="0" eaLnBrk="1" fontAlgn="auto" latinLnBrk="0" hangingPunct="1">
-              <a:lnSpc>
-                <a:spcPct val="100000"/>
-              </a:lnSpc>
-              <a:spcBef>
-                <a:spcPct val="20000"/>
-              </a:spcBef>
-              <a:spcAft>
-                <a:spcPts val="0"/>
-              </a:spcAft>
-              <a:buClrTx/>
-              <a:buSzTx/>
-              <a:buFont typeface="Arial" pitchFamily="34" charset="0"/>
-              <a:buNone/>
-              <a:tabLst/>
-              <a:defRPr/>
-            </a:pPr>
-            <a:r>
-              <a:rPr kumimoji="0" lang="en-US" sz="1600" b="0" i="0" u="none" strike="noStrike" kern="1200" cap="none" spc="0" normalizeH="0" baseline="0" noProof="0" dirty="0" smtClean="0">
-                <a:ln>
-                  <a:noFill/>
-                </a:ln>
-                <a:solidFill>
-                  <a:srgbClr val="800080"/>
-                </a:solidFill>
-                <a:effectLst/>
-                <a:uLnTx/>
-                <a:uFillTx/>
-                <a:latin typeface="+mn-lt"/>
-                <a:ea typeface="+mn-ea"/>
-                <a:cs typeface="+mn-cs"/>
-              </a:rPr>
-              <a:t>}</a:t>
-            </a:r>
-            <a:endParaRPr kumimoji="0" lang="ru-RU" sz="1600" b="0" i="0" u="none" strike="noStrike" kern="1200" cap="none" spc="0" normalizeH="0" baseline="0" noProof="0" dirty="0">
-              <a:ln>
-                <a:noFill/>
-              </a:ln>
-              <a:solidFill>
-                <a:schemeClr val="tx1"/>
-              </a:solidFill>
-              <a:effectLst/>
-              <a:uLnTx/>
-              <a:uFillTx/>
-              <a:latin typeface="+mn-lt"/>
-              <a:ea typeface="+mn-ea"/>
-              <a:cs typeface="+mn-cs"/>
-            </a:endParaRPr>
-          </a:p>
-        </p:txBody>
-      </p:sp>
-      <p:sp>
-        <p:nvSpPr>
-          <p:cNvPr id="6" name="Прямоугольник 5"/>
-          <p:cNvSpPr/>
-          <p:nvPr/>
-        </p:nvSpPr>
-        <p:spPr>
-          <a:xfrm>
-            <a:off x="971600" y="2420888"/>
-            <a:ext cx="1872208" cy="646331"/>
-          </a:xfrm>
-          <a:prstGeom prst="rect">
-            <a:avLst/>
-          </a:prstGeom>
-          <a:ln cmpd="sng">
-            <a:solidFill>
-              <a:schemeClr val="tx1"/>
-            </a:solidFill>
-            <a:prstDash val="dash"/>
-          </a:ln>
-        </p:spPr>
-        <p:txBody>
-          <a:bodyPr wrap="square">
-            <a:spAutoFit/>
-          </a:bodyPr>
-          <a:lstStyle/>
-          <a:p>
-            <a:r>
-              <a:rPr lang="en-US" dirty="0" smtClean="0"/>
-              <a:t>PT[“value”] = []</a:t>
-            </a:r>
-            <a:br>
-              <a:rPr lang="en-US" dirty="0" smtClean="0"/>
-            </a:br>
-            <a:r>
-              <a:rPr lang="en-US" dirty="0" smtClean="0"/>
-              <a:t>PT[“mutex”] = []</a:t>
-            </a:r>
-            <a:endParaRPr lang="ru-RU" dirty="0"/>
-          </a:p>
-        </p:txBody>
-      </p:sp>
-      <p:sp>
-        <p:nvSpPr>
-          <p:cNvPr id="7" name="Прямоугольник 6"/>
-          <p:cNvSpPr/>
-          <p:nvPr/>
-        </p:nvSpPr>
-        <p:spPr>
-          <a:xfrm>
-            <a:off x="971600" y="3501008"/>
-            <a:ext cx="1872208" cy="923330"/>
-          </a:xfrm>
-          <a:prstGeom prst="rect">
-            <a:avLst/>
-          </a:prstGeom>
-          <a:ln>
-            <a:solidFill>
-              <a:schemeClr val="tx1"/>
-            </a:solidFill>
-            <a:prstDash val="dash"/>
-          </a:ln>
-        </p:spPr>
-        <p:txBody>
-          <a:bodyPr wrap="square">
-            <a:spAutoFit/>
-          </a:bodyPr>
-          <a:lstStyle/>
-          <a:p>
-            <a:r>
-              <a:rPr lang="en-US" dirty="0" smtClean="0"/>
-              <a:t>PT[“z”] = [“x”]</a:t>
-            </a:r>
-            <a:br>
-              <a:rPr lang="en-US" dirty="0" smtClean="0"/>
-            </a:br>
-            <a:r>
-              <a:rPr lang="en-US" dirty="0" smtClean="0"/>
-              <a:t>PT[“x”] = []</a:t>
-            </a:r>
-            <a:br>
-              <a:rPr lang="en-US" dirty="0" smtClean="0"/>
-            </a:br>
-            <a:r>
-              <a:rPr lang="en-US" dirty="0" smtClean="0"/>
-              <a:t>PT[“y”] = []</a:t>
-            </a:r>
-            <a:endParaRPr lang="ru-RU" dirty="0"/>
-          </a:p>
-        </p:txBody>
-      </p:sp>
-      <p:sp>
-        <p:nvSpPr>
-          <p:cNvPr id="8" name="Прямоугольник 7"/>
-          <p:cNvSpPr/>
-          <p:nvPr/>
-        </p:nvSpPr>
-        <p:spPr>
-          <a:xfrm>
-            <a:off x="971600" y="4797152"/>
-            <a:ext cx="1872208" cy="923330"/>
-          </a:xfrm>
-          <a:prstGeom prst="rect">
-            <a:avLst/>
-          </a:prstGeom>
-          <a:ln>
-            <a:solidFill>
-              <a:schemeClr val="tx1"/>
-            </a:solidFill>
-            <a:prstDash val="dash"/>
-          </a:ln>
-        </p:spPr>
-        <p:txBody>
-          <a:bodyPr wrap="square">
-            <a:spAutoFit/>
-          </a:bodyPr>
-          <a:lstStyle/>
-          <a:p>
-            <a:pPr>
-              <a:buNone/>
-            </a:pPr>
-            <a:r>
-              <a:rPr lang="en-US" dirty="0" smtClean="0"/>
-              <a:t>PT[“x”] = []</a:t>
-            </a:r>
-            <a:br>
-              <a:rPr lang="en-US" dirty="0" smtClean="0"/>
-            </a:br>
-            <a:r>
-              <a:rPr lang="en-US" dirty="0" smtClean="0"/>
-              <a:t>PT[“z”] = [“y”]</a:t>
-            </a:r>
-            <a:br>
-              <a:rPr lang="en-US" dirty="0" smtClean="0"/>
-            </a:br>
-            <a:r>
-              <a:rPr lang="en-US" dirty="0" smtClean="0"/>
-              <a:t>PT[“y”] = []</a:t>
-            </a:r>
-            <a:endParaRPr lang="ru-RU" dirty="0"/>
-          </a:p>
-        </p:txBody>
-      </p:sp>
-      <p:sp>
-        <p:nvSpPr>
-          <p:cNvPr id="10" name="Левая фигурная скобка 9"/>
-          <p:cNvSpPr/>
-          <p:nvPr/>
-        </p:nvSpPr>
-        <p:spPr>
-          <a:xfrm>
-            <a:off x="2987824" y="2204864"/>
-            <a:ext cx="288032" cy="1080120"/>
-          </a:xfrm>
-          <a:prstGeom prst="leftBrace">
-            <a:avLst>
-              <a:gd name="adj1" fmla="val 8333"/>
-              <a:gd name="adj2" fmla="val 50000"/>
-            </a:avLst>
-          </a:prstGeom>
-          <a:ln>
-            <a:solidFill>
-              <a:schemeClr val="tx1"/>
-            </a:solidFill>
-          </a:ln>
-        </p:spPr>
-        <p:style>
-          <a:lnRef idx="1">
-            <a:schemeClr val="accent1"/>
-          </a:lnRef>
-          <a:fillRef idx="0">
-            <a:schemeClr val="accent1"/>
-          </a:fillRef>
-          <a:effectRef idx="0">
-            <a:schemeClr val="accent1"/>
-          </a:effectRef>
-          <a:fontRef idx="minor">
-            <a:schemeClr val="tx1"/>
-          </a:fontRef>
-        </p:style>
-        <p:txBody>
-          <a:bodyPr rtlCol="0" anchor="ctr"/>
-          <a:lstStyle/>
-          <a:p>
-            <a:pPr algn="ctr"/>
-            <a:endParaRPr lang="ru-RU"/>
-          </a:p>
-        </p:txBody>
-      </p:sp>
-      <p:sp>
-        <p:nvSpPr>
-          <p:cNvPr id="11" name="Левая фигурная скобка 10"/>
-          <p:cNvSpPr/>
-          <p:nvPr/>
-        </p:nvSpPr>
-        <p:spPr>
-          <a:xfrm>
-            <a:off x="2987824" y="3356992"/>
-            <a:ext cx="288032" cy="1224136"/>
-          </a:xfrm>
-          <a:prstGeom prst="leftBrace">
-            <a:avLst>
-              <a:gd name="adj1" fmla="val 8333"/>
-              <a:gd name="adj2" fmla="val 50000"/>
-            </a:avLst>
-          </a:prstGeom>
-          <a:ln>
-            <a:solidFill>
-              <a:schemeClr val="tx1"/>
-            </a:solidFill>
-          </a:ln>
-        </p:spPr>
-        <p:style>
-          <a:lnRef idx="1">
-            <a:schemeClr val="accent1"/>
-          </a:lnRef>
-          <a:fillRef idx="0">
-            <a:schemeClr val="accent1"/>
-          </a:fillRef>
-          <a:effectRef idx="0">
-            <a:schemeClr val="accent1"/>
-          </a:effectRef>
-          <a:fontRef idx="minor">
-            <a:schemeClr val="tx1"/>
-          </a:fontRef>
-        </p:style>
-        <p:txBody>
-          <a:bodyPr rtlCol="0" anchor="ctr"/>
-          <a:lstStyle/>
-          <a:p>
-            <a:pPr algn="ctr"/>
-            <a:endParaRPr lang="ru-RU"/>
-          </a:p>
-        </p:txBody>
-      </p:sp>
-      <p:sp>
-        <p:nvSpPr>
-          <p:cNvPr id="12" name="Левая фигурная скобка 11"/>
-          <p:cNvSpPr/>
-          <p:nvPr/>
-        </p:nvSpPr>
-        <p:spPr>
-          <a:xfrm>
-            <a:off x="2987824" y="4653136"/>
-            <a:ext cx="288032" cy="1152128"/>
-          </a:xfrm>
-          <a:prstGeom prst="leftBrace">
-            <a:avLst>
-              <a:gd name="adj1" fmla="val 8333"/>
-              <a:gd name="adj2" fmla="val 50000"/>
-            </a:avLst>
-          </a:prstGeom>
-          <a:ln>
-            <a:solidFill>
-              <a:schemeClr val="tx1"/>
-            </a:solidFill>
-          </a:ln>
-        </p:spPr>
-        <p:style>
-          <a:lnRef idx="1">
-            <a:schemeClr val="accent1"/>
-          </a:lnRef>
-          <a:fillRef idx="0">
-            <a:schemeClr val="accent1"/>
-          </a:fillRef>
-          <a:effectRef idx="0">
-            <a:schemeClr val="accent1"/>
-          </a:effectRef>
-          <a:fontRef idx="minor">
-            <a:schemeClr val="tx1"/>
-          </a:fontRef>
-        </p:style>
-        <p:txBody>
-          <a:bodyPr rtlCol="0" anchor="ctr"/>
-          <a:lstStyle/>
-          <a:p>
-            <a:pPr algn="ctr"/>
             <a:endParaRPr lang="ru-RU"/>
           </a:p>
         </p:txBody>
@@ -10925,13 +7955,6 @@
   <p:clrMapOvr>
     <a:masterClrMapping/>
   </p:clrMapOvr>
-  <p:timing>
-    <p:tnLst>
-      <p:par>
-        <p:cTn id="1" dur="indefinite" restart="never" nodeType="tmRoot"/>
-      </p:par>
-    </p:tnLst>
-  </p:timing>
 </p:sld>
 </file>
 

--- a/presentations/diplom/static race detection.pptx
+++ b/presentations/diplom/static race detection.pptx
@@ -14,9 +14,9 @@
     <p:sldId id="273" r:id="rId5"/>
     <p:sldId id="280" r:id="rId6"/>
     <p:sldId id="259" r:id="rId7"/>
-    <p:sldId id="258" r:id="rId8"/>
-    <p:sldId id="299" r:id="rId9"/>
-    <p:sldId id="300" r:id="rId10"/>
+    <p:sldId id="300" r:id="rId8"/>
+    <p:sldId id="258" r:id="rId9"/>
+    <p:sldId id="299" r:id="rId10"/>
     <p:sldId id="301" r:id="rId11"/>
     <p:sldId id="282" r:id="rId12"/>
     <p:sldId id="289" r:id="rId13"/>
@@ -5178,7 +5178,7 @@
         </p:nvSpPr>
         <p:spPr>
           <a:xfrm>
-            <a:off x="395536" y="1700808"/>
+            <a:off x="323528" y="1556792"/>
             <a:ext cx="4392488" cy="3600400"/>
           </a:xfrm>
           <a:prstGeom prst="rect">
@@ -5819,6 +5819,44 @@
           </a:p>
         </p:txBody>
       </p:sp>
+      <p:sp>
+        <p:nvSpPr>
+          <p:cNvPr id="6" name="TextBox 5"/>
+          <p:cNvSpPr txBox="1"/>
+          <p:nvPr/>
+        </p:nvSpPr>
+        <p:spPr>
+          <a:xfrm>
+            <a:off x="251520" y="1700808"/>
+            <a:ext cx="1656184" cy="369332"/>
+          </a:xfrm>
+          <a:prstGeom prst="rect">
+            <a:avLst/>
+          </a:prstGeom>
+          <a:noFill/>
+        </p:spPr>
+        <p:txBody>
+          <a:bodyPr wrap="square" rtlCol="0">
+            <a:spAutoFit/>
+          </a:bodyPr>
+          <a:lstStyle/>
+          <a:p>
+            <a:r>
+              <a:rPr lang="ru-RU" dirty="0" smtClean="0">
+                <a:solidFill>
+                  <a:srgbClr val="FF0000"/>
+                </a:solidFill>
+              </a:rPr>
+              <a:t>Перерисовать!</a:t>
+            </a:r>
+            <a:endParaRPr lang="ru-RU" dirty="0">
+              <a:solidFill>
+                <a:srgbClr val="FF0000"/>
+              </a:solidFill>
+            </a:endParaRPr>
+          </a:p>
+        </p:txBody>
+      </p:sp>
     </p:spTree>
   </p:cSld>
   <p:clrMapOvr>
@@ -6175,7 +6213,17 @@
           <a:bodyPr/>
           <a:lstStyle/>
           <a:p>
-            <a:endParaRPr lang="ru-RU"/>
+            <a:r>
+              <a:rPr lang="ru-RU" dirty="0" smtClean="0"/>
+              <a:t>Исследование времени анализа в зависимости от количества потоков, функций, ветвлений</a:t>
+            </a:r>
+          </a:p>
+          <a:p>
+            <a:r>
+              <a:rPr lang="ru-RU" dirty="0" smtClean="0"/>
+              <a:t>Исследование количества ошибок 1 и 2 рода</a:t>
+            </a:r>
+            <a:endParaRPr lang="ru-RU" dirty="0"/>
           </a:p>
         </p:txBody>
       </p:sp>
@@ -6264,60 +6312,32 @@
         <p:spPr/>
         <p:txBody>
           <a:bodyPr>
-            <a:normAutofit fontScale="85000" lnSpcReduction="20000"/>
+            <a:normAutofit/>
           </a:bodyPr>
           <a:lstStyle/>
           <a:p>
             <a:r>
               <a:rPr lang="ru-RU" dirty="0" smtClean="0"/>
-              <a:t>Выполнил классификацию существующих методов поиска гонок в программах</a:t>
-            </a:r>
-          </a:p>
-          <a:p>
-            <a:r>
-              <a:rPr lang="ru-RU" dirty="0" smtClean="0"/>
-              <a:t>Разработал метод статического поиска гонок</a:t>
-            </a:r>
-          </a:p>
-          <a:p>
-            <a:r>
-              <a:rPr lang="ru-RU" dirty="0" smtClean="0"/>
-              <a:t>Разработал алгоритм на основе предложенного метода</a:t>
-            </a:r>
-          </a:p>
-          <a:p>
-            <a:r>
-              <a:rPr lang="ru-RU" dirty="0" smtClean="0"/>
-              <a:t>Разработал ПО, реализующее разработанный  алгоритм статического поиска гонок</a:t>
-            </a:r>
-          </a:p>
-          <a:p>
-            <a:r>
-              <a:rPr lang="ru-RU" dirty="0" smtClean="0"/>
-              <a:t>Провел исследование разработанного алгоритма. В качестве улучшений алгоритма поиска гонок можно выполнить</a:t>
+              <a:t>Недостатки метода</a:t>
             </a:r>
             <a:r>
               <a:rPr lang="en-US" dirty="0" smtClean="0"/>
               <a:t>:</a:t>
             </a:r>
-            <a:endParaRPr lang="ru-RU" dirty="0" smtClean="0"/>
           </a:p>
           <a:p>
             <a:pPr lvl="1"/>
             <a:r>
               <a:rPr lang="ru-RU" dirty="0" smtClean="0"/>
-              <a:t>Выделение временных фаз работы программы</a:t>
+              <a:t>Предположение о параллельном выполнении всех потоков</a:t>
             </a:r>
           </a:p>
           <a:p>
             <a:pPr lvl="1"/>
             <a:r>
               <a:rPr lang="ru-RU" dirty="0" smtClean="0"/>
-              <a:t>Обработку обращений к полям структур</a:t>
-            </a:r>
-          </a:p>
-          <a:p>
-            <a:pPr lvl="1"/>
+              <a:t>Не учитываются ссылки, возвращаемые из функций</a:t>
+            </a:r>
             <a:endParaRPr lang="ru-RU" dirty="0" smtClean="0"/>
           </a:p>
         </p:txBody>
@@ -7640,86 +7660,42 @@
         </p:nvSpPr>
         <p:spPr/>
         <p:txBody>
-          <a:bodyPr/>
-          <a:lstStyle/>
-          <a:p>
-            <a:r>
-              <a:rPr lang="ru-RU" smtClean="0"/>
-              <a:t>Ограничения метода</a:t>
+          <a:bodyPr>
+            <a:normAutofit fontScale="90000"/>
+          </a:bodyPr>
+          <a:lstStyle/>
+          <a:p>
+            <a:r>
+              <a:rPr lang="ru-RU" dirty="0" smtClean="0"/>
+              <a:t>Построение таблиц доступа для потоков</a:t>
             </a:r>
             <a:endParaRPr lang="ru-RU" dirty="0"/>
           </a:p>
         </p:txBody>
       </p:sp>
-      <p:sp>
-        <p:nvSpPr>
-          <p:cNvPr id="3" name="Содержимое 2"/>
-          <p:cNvSpPr>
-            <a:spLocks noGrp="1"/>
-          </p:cNvSpPr>
+      <p:pic>
+        <p:nvPicPr>
+          <p:cNvPr id="5" name="Содержимое 4" descr="form_tables.emf"/>
+          <p:cNvPicPr>
+            <a:picLocks noGrp="1" noChangeAspect="1"/>
+          </p:cNvPicPr>
           <p:nvPr>
             <p:ph idx="1"/>
           </p:nvPr>
-        </p:nvSpPr>
-        <p:spPr/>
-        <p:txBody>
-          <a:bodyPr>
-            <a:normAutofit fontScale="92500" lnSpcReduction="10000"/>
-          </a:bodyPr>
-          <a:lstStyle/>
-          <a:p>
-            <a:r>
-              <a:rPr lang="ru-RU" dirty="0" smtClean="0"/>
-              <a:t>Отсутствие рекурсивных вызовов функций</a:t>
-            </a:r>
-          </a:p>
-          <a:p>
-            <a:r>
-              <a:rPr lang="ru-RU" dirty="0" smtClean="0"/>
-              <a:t>Отсутствие указателей на функции</a:t>
-            </a:r>
-          </a:p>
-          <a:p>
-            <a:r>
-              <a:rPr lang="ru-RU" dirty="0" smtClean="0"/>
-              <a:t>Отсутствие обращений к памяти по заранее заданным адресам</a:t>
-            </a:r>
-          </a:p>
-          <a:p>
-            <a:r>
-              <a:rPr lang="ru-RU" dirty="0" smtClean="0"/>
-              <a:t>Отсутствие динамического выделения </a:t>
-            </a:r>
-            <a:r>
-              <a:rPr lang="ru-RU" dirty="0" smtClean="0"/>
-              <a:t>памяти</a:t>
-            </a:r>
-          </a:p>
-          <a:p>
-            <a:r>
-              <a:rPr lang="ru-RU" dirty="0" smtClean="0"/>
-              <a:t>Отсутствие арифметики указателей</a:t>
-            </a:r>
-          </a:p>
-          <a:p>
-            <a:r>
-              <a:rPr lang="ru-RU" dirty="0" smtClean="0"/>
-              <a:t>Отсутствие </a:t>
-            </a:r>
-            <a:r>
-              <a:rPr lang="ru-RU" dirty="0" smtClean="0"/>
-              <a:t>обращений к массивам</a:t>
-            </a:r>
-            <a:endParaRPr lang="ru-RU" dirty="0" smtClean="0"/>
-          </a:p>
-          <a:p>
-            <a:r>
-              <a:rPr lang="ru-RU" dirty="0" smtClean="0"/>
-              <a:t>Уникальность имён переменных в пределах функции</a:t>
-            </a:r>
-          </a:p>
-        </p:txBody>
-      </p:sp>
+        </p:nvPicPr>
+        <p:blipFill>
+          <a:blip r:embed="rId2" cstate="print"/>
+          <a:stretch>
+            <a:fillRect/>
+          </a:stretch>
+        </p:blipFill>
+        <p:spPr>
+          <a:xfrm>
+            <a:off x="168436" y="1916832"/>
+            <a:ext cx="8796052" cy="3760397"/>
+          </a:xfrm>
+        </p:spPr>
+      </p:pic>
       <p:sp>
         <p:nvSpPr>
           <p:cNvPr id="4" name="Номер слайда 3"/>
@@ -7749,13 +7725,6 @@
   <p:clrMapOvr>
     <a:masterClrMapping/>
   </p:clrMapOvr>
-  <p:timing>
-    <p:tnLst>
-      <p:par>
-        <p:cTn id="1" dur="indefinite" restart="never" nodeType="tmRoot"/>
-      </p:par>
-    </p:tnLst>
-  </p:timing>
 </p:sld>
 </file>
 
@@ -7792,36 +7761,82 @@
           <a:lstStyle/>
           <a:p>
             <a:r>
+              <a:rPr lang="ru-RU" smtClean="0"/>
+              <a:t>Ограничения метода</a:t>
+            </a:r>
+            <a:endParaRPr lang="ru-RU" dirty="0"/>
+          </a:p>
+        </p:txBody>
+      </p:sp>
+      <p:sp>
+        <p:nvSpPr>
+          <p:cNvPr id="3" name="Содержимое 2"/>
+          <p:cNvSpPr>
+            <a:spLocks noGrp="1"/>
+          </p:cNvSpPr>
+          <p:nvPr>
+            <p:ph idx="1"/>
+          </p:nvPr>
+        </p:nvSpPr>
+        <p:spPr/>
+        <p:txBody>
+          <a:bodyPr>
+            <a:normAutofit fontScale="92500" lnSpcReduction="10000"/>
+          </a:bodyPr>
+          <a:lstStyle/>
+          <a:p>
+            <a:r>
               <a:rPr lang="ru-RU" dirty="0" smtClean="0"/>
-              <a:t>Построение путей выполнения</a:t>
-            </a:r>
-            <a:endParaRPr lang="ru-RU" dirty="0"/>
-          </a:p>
-        </p:txBody>
-      </p:sp>
-      <p:pic>
-        <p:nvPicPr>
-          <p:cNvPr id="5" name="Содержимое 4" descr="build_pathes.emf"/>
-          <p:cNvPicPr>
-            <a:picLocks noGrp="1" noChangeAspect="1"/>
-          </p:cNvPicPr>
-          <p:nvPr>
-            <p:ph idx="1"/>
-          </p:nvPr>
-        </p:nvPicPr>
-        <p:blipFill>
-          <a:blip r:embed="rId2" cstate="print"/>
-          <a:stretch>
-            <a:fillRect/>
-          </a:stretch>
-        </p:blipFill>
-        <p:spPr>
-          <a:xfrm>
-            <a:off x="2267744" y="1340768"/>
-            <a:ext cx="4459409" cy="5237137"/>
-          </a:xfrm>
-        </p:spPr>
-      </p:pic>
+              <a:t>Отсутствие рекурсивных вызовов функций</a:t>
+            </a:r>
+          </a:p>
+          <a:p>
+            <a:r>
+              <a:rPr lang="ru-RU" dirty="0" smtClean="0"/>
+              <a:t>Отсутствие указателей на функции</a:t>
+            </a:r>
+          </a:p>
+          <a:p>
+            <a:r>
+              <a:rPr lang="ru-RU" dirty="0" smtClean="0"/>
+              <a:t>Отсутствие обращений к памяти по заранее заданным адресам</a:t>
+            </a:r>
+          </a:p>
+          <a:p>
+            <a:r>
+              <a:rPr lang="ru-RU" dirty="0" smtClean="0"/>
+              <a:t>Отсутствие динамического выделения </a:t>
+            </a:r>
+            <a:r>
+              <a:rPr lang="ru-RU" dirty="0" smtClean="0"/>
+              <a:t>памяти</a:t>
+            </a:r>
+          </a:p>
+          <a:p>
+            <a:r>
+              <a:rPr lang="ru-RU" dirty="0" smtClean="0"/>
+              <a:t>Отсутствие арифметики указателей</a:t>
+            </a:r>
+          </a:p>
+          <a:p>
+            <a:r>
+              <a:rPr lang="ru-RU" dirty="0" smtClean="0"/>
+              <a:t>Отсутствие </a:t>
+            </a:r>
+            <a:r>
+              <a:rPr lang="ru-RU" dirty="0" smtClean="0"/>
+              <a:t>обращений к массивам</a:t>
+            </a:r>
+            <a:endParaRPr lang="ru-RU" dirty="0" smtClean="0"/>
+          </a:p>
+          <a:p>
+            <a:r>
+              <a:rPr lang="ru-RU" dirty="0" smtClean="0"/>
+              <a:t>Уникальность имён переменных в пределах функции</a:t>
+            </a:r>
+          </a:p>
+        </p:txBody>
+      </p:sp>
       <p:sp>
         <p:nvSpPr>
           <p:cNvPr id="4" name="Номер слайда 3"/>
@@ -7890,14 +7905,12 @@
         </p:nvSpPr>
         <p:spPr/>
         <p:txBody>
-          <a:bodyPr>
-            <a:normAutofit fontScale="90000"/>
-          </a:bodyPr>
+          <a:bodyPr/>
           <a:lstStyle/>
           <a:p>
             <a:r>
               <a:rPr lang="ru-RU" dirty="0" smtClean="0"/>
-              <a:t>Построение таблиц доступа для потоков</a:t>
+              <a:t>Построение путей выполнения</a:t>
             </a:r>
             <a:endParaRPr lang="ru-RU" dirty="0"/>
           </a:p>
@@ -7905,7 +7918,7 @@
       </p:sp>
       <p:pic>
         <p:nvPicPr>
-          <p:cNvPr id="5" name="Содержимое 4" descr="form_tables.emf"/>
+          <p:cNvPr id="5" name="Содержимое 4" descr="build_pathes.emf"/>
           <p:cNvPicPr>
             <a:picLocks noGrp="1" noChangeAspect="1"/>
           </p:cNvPicPr>
@@ -7921,8 +7934,8 @@
         </p:blipFill>
         <p:spPr>
           <a:xfrm>
-            <a:off x="168436" y="1916832"/>
-            <a:ext cx="8796052" cy="3760397"/>
+            <a:off x="2267744" y="1340768"/>
+            <a:ext cx="4459409" cy="5237137"/>
           </a:xfrm>
         </p:spPr>
       </p:pic>
@@ -7955,6 +7968,13 @@
   <p:clrMapOvr>
     <a:masterClrMapping/>
   </p:clrMapOvr>
+  <p:timing>
+    <p:tnLst>
+      <p:par>
+        <p:cTn id="1" dur="indefinite" restart="never" nodeType="tmRoot"/>
+      </p:par>
+    </p:tnLst>
+  </p:timing>
 </p:sld>
 </file>
 

--- a/presentations/diplom/static race detection.pptx
+++ b/presentations/diplom/static race detection.pptx
@@ -3677,7 +3677,7 @@
         </p:blipFill>
         <p:spPr>
           <a:xfrm>
-            <a:off x="2339753" y="3356993"/>
+            <a:off x="2195737" y="3356991"/>
             <a:ext cx="1368152" cy="403975"/>
           </a:xfrm>
           <a:prstGeom prst="rect">
@@ -3701,7 +3701,7 @@
         </p:blipFill>
         <p:spPr>
           <a:xfrm>
-            <a:off x="2267744" y="4797154"/>
+            <a:off x="2123728" y="4797152"/>
             <a:ext cx="2395867" cy="1008110"/>
           </a:xfrm>
           <a:prstGeom prst="rect">
@@ -3797,7 +3797,7 @@
         </p:blipFill>
         <p:spPr>
           <a:xfrm>
-            <a:off x="2339752" y="1844824"/>
+            <a:off x="2195736" y="1844822"/>
             <a:ext cx="1427376" cy="1224136"/>
           </a:xfrm>
           <a:prstGeom prst="rect">
@@ -3813,7 +3813,7 @@
         </p:nvSpPr>
         <p:spPr>
           <a:xfrm>
-            <a:off x="1475656" y="1844824"/>
+            <a:off x="1331640" y="1844822"/>
             <a:ext cx="1080120" cy="461665"/>
           </a:xfrm>
           <a:prstGeom prst="rect">
@@ -3843,7 +3843,7 @@
         </p:nvSpPr>
         <p:spPr>
           <a:xfrm>
-            <a:off x="1475656" y="3284984"/>
+            <a:off x="1331640" y="3284982"/>
             <a:ext cx="1080120" cy="461665"/>
           </a:xfrm>
           <a:prstGeom prst="rect">
@@ -3873,7 +3873,7 @@
         </p:nvSpPr>
         <p:spPr>
           <a:xfrm>
-            <a:off x="1475656" y="4725144"/>
+            <a:off x="1331640" y="4725142"/>
             <a:ext cx="1080120" cy="461665"/>
           </a:xfrm>
           <a:prstGeom prst="rect">
@@ -5178,7 +5178,7 @@
         </p:nvSpPr>
         <p:spPr>
           <a:xfrm>
-            <a:off x="323528" y="1556792"/>
+            <a:off x="611560" y="1556792"/>
             <a:ext cx="4392488" cy="3600400"/>
           </a:xfrm>
           <a:prstGeom prst="rect">
@@ -6214,16 +6214,28 @@
           <a:lstStyle/>
           <a:p>
             <a:r>
-              <a:rPr lang="ru-RU" dirty="0" smtClean="0"/>
+              <a:rPr lang="ru-RU" dirty="0" smtClean="0">
+                <a:solidFill>
+                  <a:srgbClr val="FF0000"/>
+                </a:solidFill>
+              </a:rPr>
               <a:t>Исследование времени анализа в зависимости от количества потоков, функций, ветвлений</a:t>
             </a:r>
           </a:p>
           <a:p>
             <a:r>
-              <a:rPr lang="ru-RU" dirty="0" smtClean="0"/>
+              <a:rPr lang="ru-RU" dirty="0" smtClean="0">
+                <a:solidFill>
+                  <a:srgbClr val="FF0000"/>
+                </a:solidFill>
+              </a:rPr>
               <a:t>Исследование количества ошибок 1 и 2 рода</a:t>
             </a:r>
-            <a:endParaRPr lang="ru-RU" dirty="0"/>
+            <a:endParaRPr lang="ru-RU" dirty="0">
+              <a:solidFill>
+                <a:srgbClr val="FF0000"/>
+              </a:solidFill>
+            </a:endParaRPr>
           </a:p>
         </p:txBody>
       </p:sp>
@@ -6318,7 +6330,7 @@
           <a:p>
             <a:r>
               <a:rPr lang="ru-RU" dirty="0" smtClean="0"/>
-              <a:t>Недостатки метода</a:t>
+              <a:t>Недостатками метода являются</a:t>
             </a:r>
             <a:r>
               <a:rPr lang="en-US" dirty="0" smtClean="0"/>
@@ -6336,7 +6348,7 @@
             <a:pPr lvl="1"/>
             <a:r>
               <a:rPr lang="ru-RU" dirty="0" smtClean="0"/>
-              <a:t>Не учитываются ссылки, возвращаемые из функций</a:t>
+              <a:t>При нахождении перекрестных ссылок не учитываются влияние указателей, возвращаемых из функций</a:t>
             </a:r>
             <a:endParaRPr lang="ru-RU" dirty="0" smtClean="0"/>
           </a:p>
@@ -6363,44 +6375,6 @@
               <a:t>17</a:t>
             </a:fld>
             <a:endParaRPr lang="ru-RU"/>
-          </a:p>
-        </p:txBody>
-      </p:sp>
-      <p:sp>
-        <p:nvSpPr>
-          <p:cNvPr id="6" name="TextBox 5"/>
-          <p:cNvSpPr txBox="1"/>
-          <p:nvPr/>
-        </p:nvSpPr>
-        <p:spPr>
-          <a:xfrm>
-            <a:off x="467544" y="332656"/>
-            <a:ext cx="2520280" cy="369332"/>
-          </a:xfrm>
-          <a:prstGeom prst="rect">
-            <a:avLst/>
-          </a:prstGeom>
-          <a:noFill/>
-        </p:spPr>
-        <p:txBody>
-          <a:bodyPr wrap="square" rtlCol="0">
-            <a:spAutoFit/>
-          </a:bodyPr>
-          <a:lstStyle/>
-          <a:p>
-            <a:r>
-              <a:rPr lang="ru-RU" dirty="0" smtClean="0">
-                <a:solidFill>
-                  <a:srgbClr val="FF0000"/>
-                </a:solidFill>
-              </a:rPr>
-              <a:t>Переделать!!</a:t>
-            </a:r>
-            <a:endParaRPr lang="ru-RU" dirty="0">
-              <a:solidFill>
-                <a:srgbClr val="FF0000"/>
-              </a:solidFill>
-            </a:endParaRPr>
           </a:p>
         </p:txBody>
       </p:sp>

--- a/presentations/diplom/static race detection.pptx
+++ b/presentations/diplom/static race detection.pptx
@@ -209,7 +209,7 @@
             <a:fld id="{22010AE4-EAD5-4EEF-A945-6FA18B13F5A9}" type="datetimeFigureOut">
               <a:rPr lang="ru-RU" smtClean="0"/>
               <a:pPr/>
-              <a:t>25.05.2014</a:t>
+              <a:t>26.05.2014</a:t>
             </a:fld>
             <a:endParaRPr lang="ru-RU"/>
           </a:p>
@@ -739,7 +739,7 @@
             <a:fld id="{CEA6B14D-0821-4C2C-82CE-9C65F3F9306A}" type="datetime1">
               <a:rPr lang="ru-RU" smtClean="0"/>
               <a:pPr/>
-              <a:t>25.05.2014</a:t>
+              <a:t>26.05.2014</a:t>
             </a:fld>
             <a:endParaRPr lang="ru-RU"/>
           </a:p>
@@ -906,7 +906,7 @@
             <a:fld id="{CBF73966-6DAD-453D-A6D4-80080695084C}" type="datetime1">
               <a:rPr lang="ru-RU" smtClean="0"/>
               <a:pPr/>
-              <a:t>25.05.2014</a:t>
+              <a:t>26.05.2014</a:t>
             </a:fld>
             <a:endParaRPr lang="ru-RU"/>
           </a:p>
@@ -1083,7 +1083,7 @@
             <a:fld id="{60C2BD43-7D16-471D-94F4-C9721BB6CC51}" type="datetime1">
               <a:rPr lang="ru-RU" smtClean="0"/>
               <a:pPr/>
-              <a:t>25.05.2014</a:t>
+              <a:t>26.05.2014</a:t>
             </a:fld>
             <a:endParaRPr lang="ru-RU"/>
           </a:p>
@@ -1250,7 +1250,7 @@
             <a:fld id="{96A1ED18-55C5-47E1-806F-C13AC0AFFCDF}" type="datetime1">
               <a:rPr lang="ru-RU" smtClean="0"/>
               <a:pPr/>
-              <a:t>25.05.2014</a:t>
+              <a:t>26.05.2014</a:t>
             </a:fld>
             <a:endParaRPr lang="ru-RU"/>
           </a:p>
@@ -1493,7 +1493,7 @@
             <a:fld id="{80CFC8BC-60B2-4B6B-9C0B-678A51AE4FEC}" type="datetime1">
               <a:rPr lang="ru-RU" smtClean="0"/>
               <a:pPr/>
-              <a:t>25.05.2014</a:t>
+              <a:t>26.05.2014</a:t>
             </a:fld>
             <a:endParaRPr lang="ru-RU"/>
           </a:p>
@@ -1778,7 +1778,7 @@
             <a:fld id="{1A23B688-547F-429C-B0D6-4A07BC3EE575}" type="datetime1">
               <a:rPr lang="ru-RU" smtClean="0"/>
               <a:pPr/>
-              <a:t>25.05.2014</a:t>
+              <a:t>26.05.2014</a:t>
             </a:fld>
             <a:endParaRPr lang="ru-RU"/>
           </a:p>
@@ -2197,7 +2197,7 @@
             <a:fld id="{910FAFDB-CCC7-4071-A914-8DA50D8301B3}" type="datetime1">
               <a:rPr lang="ru-RU" smtClean="0"/>
               <a:pPr/>
-              <a:t>25.05.2014</a:t>
+              <a:t>26.05.2014</a:t>
             </a:fld>
             <a:endParaRPr lang="ru-RU"/>
           </a:p>
@@ -2312,7 +2312,7 @@
             <a:fld id="{09D05F4B-8C57-4A06-9BCC-88C4FEC9DF22}" type="datetime1">
               <a:rPr lang="ru-RU" smtClean="0"/>
               <a:pPr/>
-              <a:t>25.05.2014</a:t>
+              <a:t>26.05.2014</a:t>
             </a:fld>
             <a:endParaRPr lang="ru-RU"/>
           </a:p>
@@ -2404,7 +2404,7 @@
             <a:fld id="{878A6FA8-4AF2-436B-B100-EA1CE8823379}" type="datetime1">
               <a:rPr lang="ru-RU" smtClean="0"/>
               <a:pPr/>
-              <a:t>25.05.2014</a:t>
+              <a:t>26.05.2014</a:t>
             </a:fld>
             <a:endParaRPr lang="ru-RU"/>
           </a:p>
@@ -2678,7 +2678,7 @@
             <a:fld id="{749F6870-1B45-47C5-9E9B-0AB301049281}" type="datetime1">
               <a:rPr lang="ru-RU" smtClean="0"/>
               <a:pPr/>
-              <a:t>25.05.2014</a:t>
+              <a:t>26.05.2014</a:t>
             </a:fld>
             <a:endParaRPr lang="ru-RU"/>
           </a:p>
@@ -2928,7 +2928,7 @@
             <a:fld id="{ECD49713-43BE-464A-99A3-7A440665C9A7}" type="datetime1">
               <a:rPr lang="ru-RU" smtClean="0"/>
               <a:pPr/>
-              <a:t>25.05.2014</a:t>
+              <a:t>26.05.2014</a:t>
             </a:fld>
             <a:endParaRPr lang="ru-RU"/>
           </a:p>
@@ -3138,7 +3138,7 @@
             <a:fld id="{66113E02-8A28-4829-8EC3-8D7A05A958CF}" type="datetime1">
               <a:rPr lang="ru-RU" smtClean="0"/>
               <a:pPr/>
-              <a:t>25.05.2014</a:t>
+              <a:t>26.05.2014</a:t>
             </a:fld>
             <a:endParaRPr lang="ru-RU"/>
           </a:p>
@@ -5452,7 +5452,11 @@
                 <a:ea typeface="+mn-ea"/>
                 <a:cs typeface="+mn-cs"/>
               </a:rPr>
-              <a:t>к </a:t>
+              <a:t>к которо</a:t>
+            </a:r>
+            <a:r>
+              <a:rPr lang="ru-RU" sz="2400" noProof="0" dirty="0" smtClean="0"/>
+              <a:t>й </a:t>
             </a:r>
             <a:r>
               <a:rPr kumimoji="0" lang="ru-RU" sz="2400" b="0" i="0" u="none" strike="noStrike" kern="1200" cap="none" spc="0" normalizeH="0" baseline="0" noProof="0" dirty="0" smtClean="0">
@@ -5469,45 +5473,7 @@
                 <a:ea typeface="+mn-ea"/>
                 <a:cs typeface="+mn-cs"/>
               </a:rPr>
-              <a:t>которо</a:t>
-            </a:r>
-            <a:r>
-              <a:rPr lang="ru-RU" sz="2400" noProof="0" dirty="0" smtClean="0"/>
-              <a:t>й </a:t>
-            </a:r>
-            <a:r>
-              <a:rPr kumimoji="0" lang="ru-RU" sz="2400" b="0" i="0" u="none" strike="noStrike" kern="1200" cap="none" spc="0" normalizeH="0" baseline="0" noProof="0" dirty="0" smtClean="0">
-                <a:ln>
-                  <a:noFill/>
-                </a:ln>
-                <a:solidFill>
-                  <a:schemeClr val="tx1"/>
-                </a:solidFill>
-                <a:effectLst/>
-                <a:uLnTx/>
-                <a:uFillTx/>
-                <a:latin typeface="+mn-lt"/>
-                <a:ea typeface="+mn-ea"/>
-                <a:cs typeface="+mn-cs"/>
-              </a:rPr>
-              <a:t>производится </a:t>
-            </a:r>
-            <a:r>
-              <a:rPr kumimoji="0" lang="ru-RU" sz="2400" b="0" i="0" u="none" strike="noStrike" kern="1200" cap="none" spc="0" normalizeH="0" baseline="0" noProof="0" dirty="0" smtClean="0">
-                <a:ln>
-                  <a:noFill/>
-                </a:ln>
-                <a:solidFill>
-                  <a:schemeClr val="tx1"/>
-                </a:solidFill>
-                <a:effectLst/>
-                <a:uLnTx/>
-                <a:uFillTx/>
-                <a:latin typeface="+mn-lt"/>
-                <a:ea typeface="+mn-ea"/>
-                <a:cs typeface="+mn-cs"/>
-              </a:rPr>
-              <a:t>доступ,</a:t>
+              <a:t>производится доступ,</a:t>
             </a:r>
           </a:p>
           <a:p>
@@ -5968,7 +5934,7 @@
         <p:spPr>
           <a:xfrm>
             <a:off x="683568" y="1340768"/>
-            <a:ext cx="1728192" cy="923330"/>
+            <a:ext cx="1728192" cy="1477328"/>
           </a:xfrm>
           <a:prstGeom prst="rect">
             <a:avLst/>
@@ -6003,7 +5969,25 @@
                   <a:srgbClr val="FF0000"/>
                 </a:solidFill>
               </a:rPr>
-              <a:t> компонентов</a:t>
+              <a:t> </a:t>
+            </a:r>
+            <a:r>
+              <a:rPr lang="ru-RU" dirty="0" smtClean="0">
+                <a:solidFill>
+                  <a:srgbClr val="FF0000"/>
+                </a:solidFill>
+              </a:rPr>
+              <a:t>компонентов,</a:t>
+            </a:r>
+          </a:p>
+          <a:p>
+            <a:r>
+              <a:rPr lang="ru-RU" dirty="0" smtClean="0">
+                <a:solidFill>
+                  <a:srgbClr val="FF0000"/>
+                </a:solidFill>
+              </a:rPr>
+              <a:t>Еще не знаю как это делать(</a:t>
             </a:r>
             <a:endParaRPr lang="ru-RU" dirty="0">
               <a:solidFill>
@@ -6305,7 +6289,7 @@
           <a:p>
             <a:r>
               <a:rPr lang="ru-RU" dirty="0" smtClean="0"/>
-              <a:t>Выводы</a:t>
+              <a:t>Заключение</a:t>
             </a:r>
             <a:endParaRPr lang="ru-RU" dirty="0"/>
           </a:p>
@@ -6324,13 +6308,68 @@
         <p:spPr/>
         <p:txBody>
           <a:bodyPr>
-            <a:normAutofit/>
+            <a:normAutofit fontScale="70000" lnSpcReduction="20000"/>
           </a:bodyPr>
           <a:lstStyle/>
           <a:p>
             <a:r>
               <a:rPr lang="ru-RU" dirty="0" smtClean="0"/>
-              <a:t>Недостатками метода являются</a:t>
+              <a:t>Был проведен анализ существующих методов поиска гонок, выявлены их достоинства и недостатки.</a:t>
+            </a:r>
+          </a:p>
+          <a:p>
+            <a:r>
+              <a:rPr lang="ru-RU" dirty="0" smtClean="0"/>
+              <a:t>На основе проведенного анализа был разработан  метод статического поиска гонок на основе относительных множеств блокировок.</a:t>
+            </a:r>
+          </a:p>
+          <a:p>
+            <a:r>
+              <a:rPr lang="ru-RU" dirty="0" smtClean="0"/>
+              <a:t>На основе разработанного метода был предложен алгоритм статического поиска </a:t>
+            </a:r>
+            <a:r>
+              <a:rPr lang="ru-RU" dirty="0" smtClean="0"/>
+              <a:t>гонок.</a:t>
+            </a:r>
+          </a:p>
+          <a:p>
+            <a:r>
+              <a:rPr lang="ru-RU" dirty="0" smtClean="0"/>
+              <a:t>Предложенный алгоритм был реализован в виде </a:t>
+            </a:r>
+            <a:r>
+              <a:rPr lang="ru-RU" dirty="0" err="1" smtClean="0"/>
+              <a:t>плагина</a:t>
+            </a:r>
+            <a:r>
+              <a:rPr lang="ru-RU" dirty="0" smtClean="0"/>
+              <a:t> к компилятору </a:t>
+            </a:r>
+            <a:r>
+              <a:rPr lang="en-US" dirty="0" err="1" smtClean="0"/>
+              <a:t>gcc</a:t>
+            </a:r>
+            <a:r>
+              <a:rPr lang="en-US" dirty="0" smtClean="0"/>
+              <a:t>. </a:t>
+            </a:r>
+          </a:p>
+          <a:p>
+            <a:r>
+              <a:rPr lang="ru-RU" dirty="0" smtClean="0"/>
+              <a:t>Было проведено исследование с использование разработанного ПО.</a:t>
+            </a:r>
+            <a:endParaRPr lang="ru-RU" dirty="0" smtClean="0"/>
+          </a:p>
+          <a:p>
+            <a:r>
+              <a:rPr lang="ru-RU" dirty="0" smtClean="0"/>
+              <a:t>Недостатками разработанного метода </a:t>
+            </a:r>
+            <a:r>
+              <a:rPr lang="ru-RU" dirty="0" smtClean="0"/>
+              <a:t>являются</a:t>
             </a:r>
             <a:r>
               <a:rPr lang="en-US" dirty="0" smtClean="0"/>
@@ -6348,9 +6387,16 @@
             <a:pPr lvl="1"/>
             <a:r>
               <a:rPr lang="ru-RU" dirty="0" smtClean="0"/>
-              <a:t>При нахождении перекрестных ссылок не учитываются влияние указателей, возвращаемых из функций</a:t>
-            </a:r>
-            <a:endParaRPr lang="ru-RU" dirty="0" smtClean="0"/>
+              <a:t>При </a:t>
+            </a:r>
+            <a:r>
+              <a:rPr lang="ru-RU" dirty="0" smtClean="0"/>
+              <a:t>определении </a:t>
+            </a:r>
+            <a:r>
+              <a:rPr lang="ru-RU" dirty="0" smtClean="0"/>
+              <a:t>перекрестных ссылок не учитываются влияние указателей, возвращаемых из функций</a:t>
+            </a:r>
           </a:p>
         </p:txBody>
       </p:sp>
@@ -6375,6 +6421,67 @@
               <a:t>17</a:t>
             </a:fld>
             <a:endParaRPr lang="ru-RU"/>
+          </a:p>
+        </p:txBody>
+      </p:sp>
+      <p:sp>
+        <p:nvSpPr>
+          <p:cNvPr id="5" name="TextBox 4"/>
+          <p:cNvSpPr txBox="1"/>
+          <p:nvPr/>
+        </p:nvSpPr>
+        <p:spPr>
+          <a:xfrm>
+            <a:off x="323528" y="1052736"/>
+            <a:ext cx="3910366" cy="646331"/>
+          </a:xfrm>
+          <a:prstGeom prst="rect">
+            <a:avLst/>
+          </a:prstGeom>
+          <a:noFill/>
+        </p:spPr>
+        <p:txBody>
+          <a:bodyPr wrap="none" rtlCol="0">
+            <a:spAutoFit/>
+          </a:bodyPr>
+          <a:lstStyle/>
+          <a:p>
+            <a:r>
+              <a:rPr lang="ru-RU" dirty="0" smtClean="0">
+                <a:solidFill>
+                  <a:srgbClr val="FF0000"/>
+                </a:solidFill>
+              </a:rPr>
+              <a:t>Не знаю, как хорошо </a:t>
+            </a:r>
+            <a:r>
+              <a:rPr lang="ru-RU" dirty="0" err="1" smtClean="0">
+                <a:solidFill>
+                  <a:srgbClr val="FF0000"/>
+                </a:solidFill>
+              </a:rPr>
+              <a:t>стурктурировать</a:t>
+            </a:r>
+            <a:endParaRPr lang="ru-RU" dirty="0" smtClean="0">
+              <a:solidFill>
+                <a:srgbClr val="FF0000"/>
+              </a:solidFill>
+            </a:endParaRPr>
+          </a:p>
+          <a:p>
+            <a:r>
+              <a:rPr lang="ru-RU" dirty="0" smtClean="0">
+                <a:solidFill>
+                  <a:srgbClr val="FF0000"/>
+                </a:solidFill>
+              </a:rPr>
+              <a:t>И здесь отразить выводы</a:t>
+            </a:r>
+            <a:endParaRPr lang="ru-RU" dirty="0">
+              <a:solidFill>
+                <a:srgbClr val="FF0000"/>
+              </a:solidFill>
+            </a:endParaRPr>
           </a:p>
         </p:txBody>
       </p:sp>
@@ -7699,6 +7806,13 @@
   <p:clrMapOvr>
     <a:masterClrMapping/>
   </p:clrMapOvr>
+  <p:timing>
+    <p:tnLst>
+      <p:par>
+        <p:cTn id="1" dur="indefinite" restart="never" nodeType="tmRoot"/>
+      </p:par>
+    </p:tnLst>
+  </p:timing>
 </p:sld>
 </file>
 
@@ -7779,11 +7893,7 @@
           <a:p>
             <a:r>
               <a:rPr lang="ru-RU" dirty="0" smtClean="0"/>
-              <a:t>Отсутствие динамического выделения </a:t>
-            </a:r>
-            <a:r>
-              <a:rPr lang="ru-RU" dirty="0" smtClean="0"/>
-              <a:t>памяти</a:t>
+              <a:t>Отсутствие динамического выделения памяти</a:t>
             </a:r>
           </a:p>
           <a:p>
@@ -7799,7 +7909,7 @@
             </a:r>
             <a:r>
               <a:rPr lang="ru-RU" dirty="0" smtClean="0"/>
-              <a:t>обращений к массивам</a:t>
+              <a:t>массивов</a:t>
             </a:r>
             <a:endParaRPr lang="ru-RU" dirty="0" smtClean="0"/>
           </a:p>

--- a/presentations/diplom/static race detection.pptx
+++ b/presentations/diplom/static race detection.pptx
@@ -7748,7 +7748,15 @@
           <a:p>
             <a:r>
               <a:rPr lang="ru-RU" dirty="0" smtClean="0"/>
-              <a:t>Построение таблиц доступа для потоков</a:t>
+              <a:t>Построение таблиц </a:t>
+            </a:r>
+            <a:r>
+              <a:rPr lang="ru-RU" dirty="0" smtClean="0"/>
+              <a:t>защищённого доступа </a:t>
+            </a:r>
+            <a:r>
+              <a:rPr lang="ru-RU" dirty="0" smtClean="0"/>
+              <a:t>для потоков</a:t>
             </a:r>
             <a:endParaRPr lang="ru-RU" dirty="0"/>
           </a:p>
@@ -7772,8 +7780,8 @@
         </p:blipFill>
         <p:spPr>
           <a:xfrm>
-            <a:off x="168436" y="1916832"/>
-            <a:ext cx="8796052" cy="3760397"/>
+            <a:off x="168436" y="1918206"/>
+            <a:ext cx="8796052" cy="3757649"/>
           </a:xfrm>
         </p:spPr>
       </p:pic>

--- a/presentations/diplom/static race detection.pptx
+++ b/presentations/diplom/static race detection.pptx
@@ -4035,8 +4035,12 @@
           <a:lstStyle/>
           <a:p>
             <a:r>
-              <a:rPr lang="ru-RU" smtClean="0"/>
-              <a:t>Формирование относительных множеств блокировок</a:t>
+              <a:rPr lang="ru-RU" dirty="0" smtClean="0"/>
+              <a:t>Относительное множество </a:t>
+            </a:r>
+            <a:r>
+              <a:rPr lang="ru-RU" dirty="0" smtClean="0"/>
+              <a:t>блокировок</a:t>
             </a:r>
             <a:endParaRPr lang="ru-RU" dirty="0"/>
           </a:p>
@@ -4077,7 +4081,7 @@
         <p:spPr>
           <a:xfrm>
             <a:off x="683568" y="1484784"/>
-            <a:ext cx="4392488" cy="3240360"/>
+            <a:ext cx="7776864" cy="1944216"/>
           </a:xfrm>
           <a:prstGeom prst="rect">
             <a:avLst/>
@@ -4417,10 +4421,10 @@
                 <a:ea typeface="+mn-ea"/>
                 <a:cs typeface="+mn-cs"/>
               </a:rPr>
-              <a:t>множество блокировок, которые захватываются всегда (</a:t>
-            </a:r>
-            <a:r>
-              <a:rPr kumimoji="0" lang="en-US" sz="2400" b="0" i="0" u="none" strike="noStrike" kern="1200" cap="none" spc="0" normalizeH="0" baseline="0" noProof="0" dirty="0" smtClean="0">
+              <a:t>множество </a:t>
+            </a:r>
+            <a:r>
+              <a:rPr kumimoji="0" lang="ru-RU" sz="2400" b="0" i="0" u="none" strike="noStrike" kern="1200" cap="none" spc="0" normalizeH="0" baseline="0" noProof="0" dirty="0" smtClean="0">
                 <a:ln>
                   <a:noFill/>
                 </a:ln>
@@ -4434,7 +4438,24 @@
                 <a:ea typeface="+mn-ea"/>
                 <a:cs typeface="+mn-cs"/>
               </a:rPr>
-              <a:t>must-set),</a:t>
+              <a:t>захваченных блокировок</a:t>
+            </a:r>
+            <a:r>
+              <a:rPr kumimoji="0" lang="en-US" sz="2400" b="0" i="0" u="none" strike="noStrike" kern="1200" cap="none" spc="0" normalizeH="0" baseline="0" noProof="0" dirty="0" smtClean="0">
+                <a:ln>
+                  <a:noFill/>
+                </a:ln>
+                <a:solidFill>
+                  <a:schemeClr val="tx1"/>
+                </a:solidFill>
+                <a:effectLst/>
+                <a:uLnTx/>
+                <a:uFillTx/>
+                <a:latin typeface="+mn-lt"/>
+                <a:ea typeface="+mn-ea"/>
+                <a:cs typeface="+mn-cs"/>
+              </a:rPr>
+              <a:t>,</a:t>
             </a:r>
             <a:endParaRPr kumimoji="0" lang="ru-RU" sz="2400" b="0" i="0" u="none" strike="noStrike" kern="1200" cap="none" spc="0" normalizeH="0" baseline="0" noProof="0" dirty="0" smtClean="0">
               <a:ln>
@@ -4535,10 +4556,10 @@
                 <a:ea typeface="+mn-ea"/>
                 <a:cs typeface="+mn-cs"/>
               </a:rPr>
-              <a:t>множество блокировок, которые могут быть освобождены (</a:t>
-            </a:r>
-            <a:r>
-              <a:rPr kumimoji="0" lang="en-US" sz="2400" b="0" i="0" u="none" strike="noStrike" kern="1200" cap="none" spc="0" normalizeH="0" baseline="0" noProof="0" dirty="0" smtClean="0">
+              <a:t>множество </a:t>
+            </a:r>
+            <a:r>
+              <a:rPr kumimoji="0" lang="ru-RU" sz="2400" b="0" i="0" u="none" strike="noStrike" kern="1200" cap="none" spc="0" normalizeH="0" baseline="0" noProof="0" dirty="0" smtClean="0">
                 <a:ln>
                   <a:noFill/>
                 </a:ln>
@@ -4552,7 +4573,24 @@
                 <a:ea typeface="+mn-ea"/>
                 <a:cs typeface="+mn-cs"/>
               </a:rPr>
-              <a:t>may-set).</a:t>
+              <a:t>освобожденных блокировок</a:t>
+            </a:r>
+            <a:r>
+              <a:rPr kumimoji="0" lang="en-US" sz="2400" b="0" i="0" u="none" strike="noStrike" kern="1200" cap="none" spc="0" normalizeH="0" baseline="0" noProof="0" dirty="0" smtClean="0">
+                <a:ln>
+                  <a:noFill/>
+                </a:ln>
+                <a:solidFill>
+                  <a:schemeClr val="tx1"/>
+                </a:solidFill>
+                <a:effectLst/>
+                <a:uLnTx/>
+                <a:uFillTx/>
+                <a:latin typeface="+mn-lt"/>
+                <a:ea typeface="+mn-ea"/>
+                <a:cs typeface="+mn-cs"/>
+              </a:rPr>
+              <a:t>.</a:t>
             </a:r>
             <a:endParaRPr kumimoji="0" lang="ru-RU" sz="2400" b="0" i="0" u="none" strike="noStrike" kern="1200" cap="none" spc="0" normalizeH="0" baseline="0" noProof="0" dirty="0">
               <a:ln>
@@ -4581,8 +4619,8 @@
         </p:nvSpPr>
         <p:spPr>
           <a:xfrm>
-            <a:off x="683568" y="4941168"/>
-            <a:ext cx="4392488" cy="504056"/>
+            <a:off x="683568" y="5373216"/>
+            <a:ext cx="7776864" cy="504056"/>
           </a:xfrm>
           <a:prstGeom prst="rect">
             <a:avLst/>
@@ -4599,7 +4637,7 @@
           </a:bodyPr>
           <a:lstStyle/>
           <a:p>
-            <a:pPr marL="0" marR="0" lvl="0" indent="0" algn="l" defTabSz="914400" rtl="0" eaLnBrk="1" fontAlgn="auto" latinLnBrk="0" hangingPunct="1">
+            <a:pPr marL="0" marR="0" lvl="0" indent="0" algn="ctr" defTabSz="914400" rtl="0" eaLnBrk="1" fontAlgn="auto" latinLnBrk="0" hangingPunct="1">
               <a:lnSpc>
                 <a:spcPct val="100000"/>
               </a:lnSpc>
@@ -4677,8 +4715,8 @@
         </p:nvSpPr>
         <p:spPr>
           <a:xfrm>
-            <a:off x="683568" y="5661248"/>
-            <a:ext cx="4392488" cy="864096"/>
+            <a:off x="683568" y="3717032"/>
+            <a:ext cx="7776864" cy="576064"/>
           </a:xfrm>
           <a:prstGeom prst="rect">
             <a:avLst/>
@@ -4695,7 +4733,7 @@
           </a:bodyPr>
           <a:lstStyle/>
           <a:p>
-            <a:pPr marL="0" marR="0" lvl="0" indent="0" algn="l" defTabSz="914400" rtl="0" eaLnBrk="1" fontAlgn="auto" latinLnBrk="0" hangingPunct="1">
+            <a:pPr marL="0" marR="0" lvl="0" indent="0" algn="ctr" defTabSz="914400" rtl="0" eaLnBrk="1" fontAlgn="auto" latinLnBrk="0" hangingPunct="1">
               <a:lnSpc>
                 <a:spcPct val="100000"/>
               </a:lnSpc>
@@ -4863,7 +4901,24 @@
                 <a:ea typeface="+mn-ea"/>
                 <a:cs typeface="+mn-cs"/>
               </a:rPr>
-              <a:t>’) = ((L</a:t>
+              <a:t>’)) </a:t>
+            </a:r>
+            <a:r>
+              <a:rPr kumimoji="0" lang="en-US" sz="2400" b="0" i="0" u="none" strike="noStrike" kern="1200" cap="none" spc="0" normalizeH="0" baseline="0" noProof="0" dirty="0" smtClean="0">
+                <a:ln>
+                  <a:noFill/>
+                </a:ln>
+                <a:solidFill>
+                  <a:schemeClr val="tx1"/>
+                </a:solidFill>
+                <a:effectLst/>
+                <a:uLnTx/>
+                <a:uFillTx/>
+                <a:latin typeface="+mn-lt"/>
+                <a:ea typeface="+mn-ea"/>
+                <a:cs typeface="+mn-cs"/>
+              </a:rPr>
+              <a:t>= ((L</a:t>
             </a:r>
             <a:r>
               <a:rPr kumimoji="0" lang="en-US" sz="2400" b="0" i="0" u="none" strike="noStrike" kern="1200" cap="none" spc="0" normalizeH="0" baseline="-25000" noProof="0" dirty="0" smtClean="0">
@@ -5082,6 +5137,331 @@
               <a:latin typeface="+mn-lt"/>
               <a:ea typeface="+mn-ea"/>
               <a:cs typeface="+mn-cs"/>
+            </a:endParaRPr>
+          </a:p>
+        </p:txBody>
+      </p:sp>
+      <p:sp>
+        <p:nvSpPr>
+          <p:cNvPr id="8" name="Содержимое 2"/>
+          <p:cNvSpPr txBox="1">
+            <a:spLocks/>
+          </p:cNvSpPr>
+          <p:nvPr/>
+        </p:nvSpPr>
+        <p:spPr>
+          <a:xfrm>
+            <a:off x="683568" y="4509120"/>
+            <a:ext cx="7776864" cy="576064"/>
+          </a:xfrm>
+          <a:prstGeom prst="rect">
+            <a:avLst/>
+          </a:prstGeom>
+          <a:ln>
+            <a:solidFill>
+              <a:schemeClr val="tx1"/>
+            </a:solidFill>
+          </a:ln>
+        </p:spPr>
+        <p:txBody>
+          <a:bodyPr vert="horz" lIns="91440" tIns="45720" rIns="91440" bIns="45720" rtlCol="0">
+            <a:noAutofit/>
+          </a:bodyPr>
+          <a:lstStyle/>
+          <a:p>
+            <a:pPr marL="0" marR="0" lvl="0" indent="0" algn="ctr" defTabSz="914400" rtl="0" eaLnBrk="1" fontAlgn="auto" latinLnBrk="0" hangingPunct="1">
+              <a:lnSpc>
+                <a:spcPct val="100000"/>
+              </a:lnSpc>
+              <a:spcBef>
+                <a:spcPct val="20000"/>
+              </a:spcBef>
+              <a:spcAft>
+                <a:spcPts val="0"/>
+              </a:spcAft>
+              <a:buClrTx/>
+              <a:buSzTx/>
+              <a:buFont typeface="Arial" pitchFamily="34" charset="0"/>
+              <a:buNone/>
+              <a:tabLst/>
+              <a:defRPr/>
+            </a:pPr>
+            <a:r>
+              <a:rPr kumimoji="0" lang="en-US" sz="2400" b="0" i="0" u="none" strike="noStrike" kern="1200" cap="none" spc="0" normalizeH="0" baseline="0" noProof="0" dirty="0" err="1" smtClean="0">
+                <a:ln>
+                  <a:noFill/>
+                </a:ln>
+                <a:solidFill>
+                  <a:schemeClr val="tx1"/>
+                </a:solidFill>
+                <a:effectLst/>
+                <a:uLnTx/>
+                <a:uFillTx/>
+                <a:latin typeface="+mn-lt"/>
+                <a:ea typeface="+mn-ea"/>
+                <a:cs typeface="+mn-cs"/>
+              </a:rPr>
+              <a:t>lock_</a:t>
+            </a:r>
+            <a:r>
+              <a:rPr lang="en-US" sz="2400" noProof="0" dirty="0" err="1" smtClean="0"/>
+              <a:t>summary</a:t>
+            </a:r>
+            <a:r>
+              <a:rPr kumimoji="0" lang="en-US" sz="2400" b="0" i="0" u="none" strike="noStrike" kern="1200" cap="none" spc="0" normalizeH="0" baseline="0" noProof="0" dirty="0" smtClean="0">
+                <a:ln>
+                  <a:noFill/>
+                </a:ln>
+                <a:solidFill>
+                  <a:schemeClr val="tx1"/>
+                </a:solidFill>
+                <a:effectLst/>
+                <a:uLnTx/>
+                <a:uFillTx/>
+                <a:latin typeface="+mn-lt"/>
+                <a:ea typeface="+mn-ea"/>
+                <a:cs typeface="+mn-cs"/>
+              </a:rPr>
+              <a:t>(L</a:t>
+            </a:r>
+            <a:r>
+              <a:rPr kumimoji="0" lang="en-US" sz="2400" b="0" i="0" u="none" strike="noStrike" kern="1200" cap="none" spc="0" normalizeH="0" baseline="-25000" noProof="0" dirty="0" smtClean="0">
+                <a:ln>
+                  <a:noFill/>
+                </a:ln>
+                <a:solidFill>
+                  <a:schemeClr val="tx1"/>
+                </a:solidFill>
+                <a:effectLst/>
+                <a:uLnTx/>
+                <a:uFillTx/>
+                <a:latin typeface="+mn-lt"/>
+                <a:ea typeface="+mn-ea"/>
+                <a:cs typeface="+mn-cs"/>
+              </a:rPr>
+              <a:t>1</a:t>
+            </a:r>
+            <a:r>
+              <a:rPr kumimoji="0" lang="en-US" sz="2400" b="0" i="0" u="none" strike="noStrike" kern="1200" cap="none" spc="0" normalizeH="0" baseline="0" noProof="0" dirty="0" smtClean="0">
+                <a:ln>
+                  <a:noFill/>
+                </a:ln>
+                <a:solidFill>
+                  <a:schemeClr val="tx1"/>
+                </a:solidFill>
+                <a:effectLst/>
+                <a:uLnTx/>
+                <a:uFillTx/>
+                <a:latin typeface="+mn-lt"/>
+                <a:ea typeface="+mn-ea"/>
+                <a:cs typeface="+mn-cs"/>
+              </a:rPr>
+              <a:t>,</a:t>
+            </a:r>
+            <a:r>
+              <a:rPr kumimoji="0" lang="en-US" sz="2400" b="0" i="0" u="none" strike="noStrike" kern="1200" cap="none" spc="0" normalizeH="0" noProof="0" dirty="0" smtClean="0">
+                <a:ln>
+                  <a:noFill/>
+                </a:ln>
+                <a:solidFill>
+                  <a:schemeClr val="tx1"/>
+                </a:solidFill>
+                <a:effectLst/>
+                <a:uLnTx/>
+                <a:uFillTx/>
+                <a:latin typeface="+mn-lt"/>
+                <a:ea typeface="+mn-ea"/>
+                <a:cs typeface="+mn-cs"/>
+              </a:rPr>
+              <a:t> …, L</a:t>
+            </a:r>
+            <a:r>
+              <a:rPr kumimoji="0" lang="en-US" sz="2400" b="0" i="0" u="none" strike="noStrike" kern="1200" cap="none" spc="0" normalizeH="0" baseline="-25000" noProof="0" dirty="0" smtClean="0">
+                <a:ln>
+                  <a:noFill/>
+                </a:ln>
+                <a:solidFill>
+                  <a:schemeClr val="tx1"/>
+                </a:solidFill>
+                <a:effectLst/>
+                <a:uLnTx/>
+                <a:uFillTx/>
+                <a:latin typeface="+mn-lt"/>
+                <a:ea typeface="+mn-ea"/>
+                <a:cs typeface="+mn-cs"/>
+              </a:rPr>
+              <a:t>n</a:t>
+            </a:r>
+            <a:r>
+              <a:rPr kumimoji="0" lang="en-US" sz="2400" b="0" i="0" u="none" strike="noStrike" kern="1200" cap="none" spc="0" normalizeH="0" noProof="0" dirty="0" smtClean="0">
+                <a:ln>
+                  <a:noFill/>
+                </a:ln>
+                <a:solidFill>
+                  <a:schemeClr val="tx1"/>
+                </a:solidFill>
+                <a:effectLst/>
+                <a:uLnTx/>
+                <a:uFillTx/>
+                <a:latin typeface="+mn-lt"/>
+                <a:ea typeface="+mn-ea"/>
+                <a:cs typeface="+mn-cs"/>
+              </a:rPr>
+              <a:t>) </a:t>
+            </a:r>
+            <a:r>
+              <a:rPr kumimoji="0" lang="en-US" sz="2400" b="0" i="0" u="none" strike="noStrike" kern="1200" cap="none" spc="0" normalizeH="0" baseline="0" noProof="0" dirty="0" smtClean="0">
+                <a:ln>
+                  <a:noFill/>
+                </a:ln>
+                <a:solidFill>
+                  <a:schemeClr val="tx1"/>
+                </a:solidFill>
+                <a:effectLst/>
+                <a:uLnTx/>
+                <a:uFillTx/>
+                <a:latin typeface="+mn-lt"/>
+                <a:ea typeface="+mn-ea"/>
+                <a:cs typeface="+mn-cs"/>
+              </a:rPr>
+              <a:t>= (∩L</a:t>
+            </a:r>
+            <a:r>
+              <a:rPr kumimoji="0" lang="en-US" sz="2400" b="0" i="0" u="none" strike="noStrike" kern="1200" cap="none" spc="0" normalizeH="0" baseline="-25000" noProof="0" dirty="0" smtClean="0">
+                <a:ln>
+                  <a:noFill/>
+                </a:ln>
+                <a:solidFill>
+                  <a:schemeClr val="tx1"/>
+                </a:solidFill>
+                <a:effectLst/>
+                <a:uLnTx/>
+                <a:uFillTx/>
+                <a:latin typeface="+mn-lt"/>
+                <a:ea typeface="+mn-ea"/>
+                <a:cs typeface="+mn-cs"/>
+              </a:rPr>
+              <a:t>i</a:t>
+            </a:r>
+            <a:r>
+              <a:rPr kumimoji="0" lang="en-US" sz="2400" b="0" i="0" u="none" strike="noStrike" kern="1200" cap="none" spc="0" normalizeH="0" baseline="0" noProof="0" dirty="0" smtClean="0">
+                <a:ln>
+                  <a:noFill/>
+                </a:ln>
+                <a:solidFill>
+                  <a:schemeClr val="tx1"/>
+                </a:solidFill>
+                <a:effectLst/>
+                <a:uLnTx/>
+                <a:uFillTx/>
+                <a:latin typeface="+mn-lt"/>
+                <a:ea typeface="+mn-ea"/>
+                <a:cs typeface="+mn-cs"/>
+              </a:rPr>
+              <a:t>[0], </a:t>
+            </a:r>
+            <a:r>
+              <a:rPr kumimoji="0" lang="en-US" sz="2400" b="0" i="0" u="none" strike="noStrike" kern="1200" cap="none" spc="0" normalizeH="0" baseline="0" noProof="0" dirty="0" err="1" smtClean="0">
+                <a:ln>
+                  <a:noFill/>
+                </a:ln>
+                <a:solidFill>
+                  <a:schemeClr val="tx1"/>
+                </a:solidFill>
+                <a:effectLst/>
+                <a:uLnTx/>
+                <a:uFillTx/>
+                <a:latin typeface="+mn-lt"/>
+                <a:ea typeface="+mn-ea"/>
+                <a:cs typeface="+mn-cs"/>
+              </a:rPr>
+              <a:t>UL</a:t>
+            </a:r>
+            <a:r>
+              <a:rPr kumimoji="0" lang="en-US" sz="2400" b="0" i="0" u="none" strike="noStrike" kern="1200" cap="none" spc="0" normalizeH="0" baseline="-25000" noProof="0" dirty="0" err="1" smtClean="0">
+                <a:ln>
+                  <a:noFill/>
+                </a:ln>
+                <a:solidFill>
+                  <a:schemeClr val="tx1"/>
+                </a:solidFill>
+                <a:effectLst/>
+                <a:uLnTx/>
+                <a:uFillTx/>
+                <a:latin typeface="+mn-lt"/>
+                <a:ea typeface="+mn-ea"/>
+                <a:cs typeface="+mn-cs"/>
+              </a:rPr>
+              <a:t>i</a:t>
+            </a:r>
+            <a:r>
+              <a:rPr kumimoji="0" lang="en-US" sz="2400" b="0" i="0" u="none" strike="noStrike" kern="1200" cap="none" spc="0" normalizeH="0" baseline="0" noProof="0" dirty="0" smtClean="0">
+                <a:ln>
+                  <a:noFill/>
+                </a:ln>
+                <a:solidFill>
+                  <a:schemeClr val="tx1"/>
+                </a:solidFill>
+                <a:effectLst/>
+                <a:uLnTx/>
+                <a:uFillTx/>
+                <a:latin typeface="+mn-lt"/>
+                <a:ea typeface="+mn-ea"/>
+                <a:cs typeface="+mn-cs"/>
+              </a:rPr>
+              <a:t>[1])</a:t>
+            </a:r>
+            <a:endParaRPr kumimoji="0" lang="ru-RU" sz="2400" b="0" i="0" u="none" strike="noStrike" kern="1200" cap="none" spc="0" normalizeH="0" baseline="0" noProof="0" dirty="0">
+              <a:ln>
+                <a:noFill/>
+              </a:ln>
+              <a:solidFill>
+                <a:schemeClr val="tx1"/>
+              </a:solidFill>
+              <a:effectLst/>
+              <a:uLnTx/>
+              <a:uFillTx/>
+              <a:latin typeface="+mn-lt"/>
+              <a:ea typeface="+mn-ea"/>
+              <a:cs typeface="+mn-cs"/>
+            </a:endParaRPr>
+          </a:p>
+        </p:txBody>
+      </p:sp>
+      <p:sp>
+        <p:nvSpPr>
+          <p:cNvPr id="9" name="TextBox 8"/>
+          <p:cNvSpPr txBox="1"/>
+          <p:nvPr/>
+        </p:nvSpPr>
+        <p:spPr>
+          <a:xfrm>
+            <a:off x="971600" y="5949280"/>
+            <a:ext cx="5832648" cy="369332"/>
+          </a:xfrm>
+          <a:prstGeom prst="rect">
+            <a:avLst/>
+          </a:prstGeom>
+          <a:noFill/>
+        </p:spPr>
+        <p:txBody>
+          <a:bodyPr wrap="square" rtlCol="0">
+            <a:spAutoFit/>
+          </a:bodyPr>
+          <a:lstStyle/>
+          <a:p>
+            <a:r>
+              <a:rPr lang="ru-RU" dirty="0" smtClean="0">
+                <a:solidFill>
+                  <a:srgbClr val="FF0000"/>
+                </a:solidFill>
+              </a:rPr>
+              <a:t>Формулы надо перерисовать через редактор формул</a:t>
+            </a:r>
+            <a:endParaRPr lang="ru-RU" dirty="0">
+              <a:solidFill>
+                <a:srgbClr val="FF0000"/>
+              </a:solidFill>
             </a:endParaRPr>
           </a:p>
         </p:txBody>
@@ -5179,7 +5559,7 @@
         <p:spPr>
           <a:xfrm>
             <a:off x="611560" y="1556792"/>
-            <a:ext cx="4392488" cy="3600400"/>
+            <a:ext cx="7776864" cy="2088232"/>
           </a:xfrm>
           <a:prstGeom prst="rect">
             <a:avLst/>
@@ -5543,8 +5923,39 @@
                 <a:ea typeface="+mn-ea"/>
                 <a:cs typeface="+mn-cs"/>
               </a:rPr>
-              <a:t>относительное множество блокировок,</a:t>
-            </a:r>
+              <a:t>относительное множество </a:t>
+            </a:r>
+            <a:r>
+              <a:rPr kumimoji="0" lang="ru-RU" sz="2400" b="0" i="0" u="none" strike="noStrike" kern="1200" cap="none" spc="0" normalizeH="0" baseline="0" noProof="0" dirty="0" smtClean="0">
+                <a:ln>
+                  <a:noFill/>
+                </a:ln>
+                <a:solidFill>
+                  <a:schemeClr val="tx1"/>
+                </a:solidFill>
+                <a:effectLst/>
+                <a:uLnTx/>
+                <a:uFillTx/>
+                <a:latin typeface="+mn-lt"/>
+                <a:ea typeface="+mn-ea"/>
+                <a:cs typeface="+mn-cs"/>
+              </a:rPr>
+              <a:t>блокировок на момент доступа,</a:t>
+            </a:r>
+            <a:endParaRPr kumimoji="0" lang="ru-RU" sz="2400" b="0" i="0" u="none" strike="noStrike" kern="1200" cap="none" spc="0" normalizeH="0" baseline="0" noProof="0" dirty="0" smtClean="0">
+              <a:ln>
+                <a:noFill/>
+              </a:ln>
+              <a:solidFill>
+                <a:schemeClr val="tx1"/>
+              </a:solidFill>
+              <a:effectLst/>
+              <a:uLnTx/>
+              <a:uFillTx/>
+              <a:latin typeface="+mn-lt"/>
+              <a:ea typeface="+mn-ea"/>
+              <a:cs typeface="+mn-cs"/>
+            </a:endParaRPr>
           </a:p>
           <a:p>
             <a:pPr marL="0" marR="0" lvl="0" indent="0" algn="l" defTabSz="914400" rtl="0" eaLnBrk="1" fontAlgn="auto" latinLnBrk="0" hangingPunct="1">

--- a/presentations/diplom/static race detection.pptx
+++ b/presentations/diplom/static race detection.pptx
@@ -5512,13 +5512,17 @@
         <p:spPr/>
         <p:txBody>
           <a:bodyPr>
-            <a:normAutofit fontScale="90000"/>
+            <a:normAutofit/>
           </a:bodyPr>
           <a:lstStyle/>
           <a:p>
             <a:r>
               <a:rPr lang="ru-RU" dirty="0" smtClean="0"/>
-              <a:t>Формирование таблиц защищенного доступа</a:t>
+              <a:t>Таблиц </a:t>
+            </a:r>
+            <a:r>
+              <a:rPr lang="ru-RU" dirty="0" smtClean="0"/>
+              <a:t>защищенного доступа</a:t>
             </a:r>
             <a:endParaRPr lang="ru-RU" dirty="0"/>
           </a:p>
@@ -5559,7 +5563,7 @@
         <p:spPr>
           <a:xfrm>
             <a:off x="611560" y="1556792"/>
-            <a:ext cx="7776864" cy="2088232"/>
+            <a:ext cx="3816424" cy="4680520"/>
           </a:xfrm>
           <a:prstGeom prst="rect">
             <a:avLst/>
@@ -6089,6 +6093,42 @@
               <a:ea typeface="+mn-ea"/>
               <a:cs typeface="+mn-cs"/>
             </a:endParaRPr>
+          </a:p>
+        </p:txBody>
+      </p:sp>
+      <p:sp>
+        <p:nvSpPr>
+          <p:cNvPr id="7" name="TextBox 6"/>
+          <p:cNvSpPr txBox="1"/>
+          <p:nvPr/>
+        </p:nvSpPr>
+        <p:spPr>
+          <a:xfrm>
+            <a:off x="5148064" y="2420888"/>
+            <a:ext cx="1944216" cy="2031325"/>
+          </a:xfrm>
+          <a:prstGeom prst="rect">
+            <a:avLst/>
+          </a:prstGeom>
+          <a:noFill/>
+        </p:spPr>
+        <p:txBody>
+          <a:bodyPr wrap="square" rtlCol="0">
+            <a:spAutoFit/>
+          </a:bodyPr>
+          <a:lstStyle/>
+          <a:p>
+            <a:r>
+              <a:rPr lang="ru-RU" dirty="0" smtClean="0"/>
+              <a:t>Не нарисовал еще алгоритм</a:t>
+            </a:r>
+          </a:p>
+          <a:p>
+            <a:r>
+              <a:rPr lang="ru-RU" dirty="0" smtClean="0"/>
+              <a:t>Добавления записей из таблицы для вызываемой функции.</a:t>
+            </a:r>
+            <a:endParaRPr lang="ru-RU" dirty="0"/>
           </a:p>
         </p:txBody>
       </p:sp>

--- a/presentations/diplom/static race detection.pptx
+++ b/presentations/diplom/static race detection.pptx
@@ -3631,7 +3631,11 @@
           <a:p>
             <a:r>
               <a:rPr lang="ru-RU" dirty="0" smtClean="0"/>
-              <a:t>Нахождение перекрестных ссылок</a:t>
+              <a:t>Обновление </a:t>
+            </a:r>
+            <a:r>
+              <a:rPr lang="ru-RU" dirty="0" smtClean="0"/>
+              <a:t>перекрестных ссылок</a:t>
             </a:r>
             <a:endParaRPr lang="ru-RU" dirty="0"/>
           </a:p>
@@ -5518,7 +5522,7 @@
           <a:p>
             <a:r>
               <a:rPr lang="ru-RU" dirty="0" smtClean="0"/>
-              <a:t>Таблиц </a:t>
+              <a:t>Таблица </a:t>
             </a:r>
             <a:r>
               <a:rPr lang="ru-RU" dirty="0" smtClean="0"/>
@@ -7039,13 +7043,25 @@
           <a:p>
             <a:r>
               <a:rPr lang="ru-RU" dirty="0" smtClean="0"/>
-              <a:t>Разработать метод статического поиска гонок при доступе к разделяемой памяти</a:t>
-            </a:r>
-          </a:p>
-          <a:p>
+              <a:t>Разработать метод статического </a:t>
+            </a:r>
             <a:r>
               <a:rPr lang="ru-RU" dirty="0" smtClean="0"/>
-              <a:t>Разработать алгоритм статического поиска гонок на основе предложенного метода</a:t>
+              <a:t>поиска гонок при доступе к разделяемой памяти</a:t>
+            </a:r>
+          </a:p>
+          <a:p>
+            <a:r>
+              <a:rPr lang="ru-RU" dirty="0" smtClean="0"/>
+              <a:t>Разработать </a:t>
+            </a:r>
+            <a:r>
+              <a:rPr lang="ru-RU" dirty="0" smtClean="0"/>
+              <a:t>алгоритмы, входящие в состав предложенного </a:t>
+            </a:r>
+            <a:r>
+              <a:rPr lang="ru-RU" dirty="0" smtClean="0"/>
+              <a:t>метода</a:t>
             </a:r>
           </a:p>
           <a:p>
@@ -8017,8 +8033,8 @@
         </p:blipFill>
         <p:spPr>
           <a:xfrm>
-            <a:off x="457201" y="2540992"/>
-            <a:ext cx="8229597" cy="2644378"/>
+            <a:off x="1447907" y="2132855"/>
+            <a:ext cx="6370494" cy="3528393"/>
           </a:xfrm>
         </p:spPr>
       </p:pic>
@@ -8143,8 +8159,8 @@
         </p:blipFill>
         <p:spPr>
           <a:xfrm>
-            <a:off x="578445" y="2106242"/>
-            <a:ext cx="7978565" cy="3509612"/>
+            <a:off x="406215" y="1747954"/>
+            <a:ext cx="8270241" cy="4417350"/>
           </a:xfrm>
         </p:spPr>
       </p:pic>
@@ -8231,8 +8247,8 @@
         </p:blipFill>
         <p:spPr>
           <a:xfrm>
-            <a:off x="168436" y="1918206"/>
-            <a:ext cx="8796052" cy="3757649"/>
+            <a:off x="168436" y="1916833"/>
+            <a:ext cx="8796052" cy="3760396"/>
           </a:xfrm>
         </p:spPr>
       </p:pic>
@@ -8368,7 +8384,7 @@
             </a:r>
             <a:r>
               <a:rPr lang="ru-RU" dirty="0" smtClean="0"/>
-              <a:t>массивов</a:t>
+              <a:t>обращений к элементам массива</a:t>
             </a:r>
             <a:endParaRPr lang="ru-RU" dirty="0" smtClean="0"/>
           </a:p>
@@ -8503,6 +8519,44 @@
               <a:t>9</a:t>
             </a:fld>
             <a:endParaRPr lang="ru-RU"/>
+          </a:p>
+        </p:txBody>
+      </p:sp>
+      <p:sp>
+        <p:nvSpPr>
+          <p:cNvPr id="6" name="TextBox 5"/>
+          <p:cNvSpPr txBox="1"/>
+          <p:nvPr/>
+        </p:nvSpPr>
+        <p:spPr>
+          <a:xfrm>
+            <a:off x="107504" y="2996952"/>
+            <a:ext cx="5400600" cy="369332"/>
+          </a:xfrm>
+          <a:prstGeom prst="rect">
+            <a:avLst/>
+          </a:prstGeom>
+          <a:noFill/>
+        </p:spPr>
+        <p:txBody>
+          <a:bodyPr wrap="square" rtlCol="0">
+            <a:spAutoFit/>
+          </a:bodyPr>
+          <a:lstStyle/>
+          <a:p>
+            <a:r>
+              <a:rPr lang="ru-RU" dirty="0" smtClean="0">
+                <a:solidFill>
+                  <a:srgbClr val="FF0000"/>
+                </a:solidFill>
+              </a:rPr>
+              <a:t>Спросить про правильность у Татьяны Николаевны</a:t>
+            </a:r>
+            <a:endParaRPr lang="ru-RU" dirty="0">
+              <a:solidFill>
+                <a:srgbClr val="FF0000"/>
+              </a:solidFill>
+            </a:endParaRPr>
           </a:p>
         </p:txBody>
       </p:sp>

--- a/presentations/diplom/static race detection.pptx
+++ b/presentations/diplom/static race detection.pptx
@@ -3612,6 +3612,540 @@
           <a:chExt cx="0" cy="0"/>
         </a:xfrm>
       </p:grpSpPr>
+      <p:graphicFrame>
+        <p:nvGraphicFramePr>
+          <p:cNvPr id="20" name="Таблица 19"/>
+          <p:cNvGraphicFramePr>
+            <a:graphicFrameLocks noGrp="1"/>
+          </p:cNvGraphicFramePr>
+          <p:nvPr/>
+        </p:nvGraphicFramePr>
+        <p:xfrm>
+          <a:off x="251520" y="1844824"/>
+          <a:ext cx="4176464" cy="4536504"/>
+        </p:xfrm>
+        <a:graphic>
+          <a:graphicData uri="http://schemas.openxmlformats.org/drawingml/2006/table">
+            <a:tbl>
+              <a:tblPr firstRow="1" bandRow="1">
+                <a:tableStyleId>{5C22544A-7EE6-4342-B048-85BDC9FD1C3A}</a:tableStyleId>
+              </a:tblPr>
+              <a:tblGrid>
+                <a:gridCol w="2088232"/>
+                <a:gridCol w="2088232"/>
+              </a:tblGrid>
+              <a:tr h="422190">
+                <a:tc>
+                  <a:txBody>
+                    <a:bodyPr/>
+                    <a:lstStyle/>
+                    <a:p>
+                      <a:pPr algn="ctr"/>
+                      <a:r>
+                        <a:rPr lang="ru-RU" b="1" i="0" u="sng" dirty="0" smtClean="0">
+                          <a:ln>
+                            <a:noFill/>
+                          </a:ln>
+                          <a:solidFill>
+                            <a:schemeClr val="tx1"/>
+                          </a:solidFill>
+                        </a:rPr>
+                        <a:t>Инструкция</a:t>
+                      </a:r>
+                      <a:endParaRPr lang="ru-RU" b="1" i="0" u="sng" dirty="0">
+                        <a:ln>
+                          <a:noFill/>
+                        </a:ln>
+                        <a:solidFill>
+                          <a:schemeClr val="tx1"/>
+                        </a:solidFill>
+                      </a:endParaRPr>
+                    </a:p>
+                  </a:txBody>
+                  <a:tcPr>
+                    <a:lnL w="12700" cap="flat" cmpd="sng" algn="ctr">
+                      <a:solidFill>
+                        <a:schemeClr val="tx1"/>
+                      </a:solidFill>
+                      <a:prstDash val="solid"/>
+                      <a:round/>
+                      <a:headEnd type="none" w="med" len="med"/>
+                      <a:tailEnd type="none" w="med" len="med"/>
+                    </a:lnL>
+                    <a:lnR w="12700" cap="flat" cmpd="sng" algn="ctr">
+                      <a:solidFill>
+                        <a:schemeClr val="tx1"/>
+                      </a:solidFill>
+                      <a:prstDash val="solid"/>
+                      <a:round/>
+                      <a:headEnd type="none" w="med" len="med"/>
+                      <a:tailEnd type="none" w="med" len="med"/>
+                    </a:lnR>
+                    <a:lnT w="12700" cap="flat" cmpd="sng" algn="ctr">
+                      <a:solidFill>
+                        <a:schemeClr val="tx1"/>
+                      </a:solidFill>
+                      <a:prstDash val="solid"/>
+                      <a:round/>
+                      <a:headEnd type="none" w="med" len="med"/>
+                      <a:tailEnd type="none" w="med" len="med"/>
+                    </a:lnT>
+                    <a:lnB w="12700" cap="flat" cmpd="sng" algn="ctr">
+                      <a:solidFill>
+                        <a:schemeClr val="tx1"/>
+                      </a:solidFill>
+                      <a:prstDash val="solid"/>
+                      <a:round/>
+                      <a:headEnd type="none" w="med" len="med"/>
+                      <a:tailEnd type="none" w="med" len="med"/>
+                    </a:lnB>
+                    <a:noFill/>
+                  </a:tcPr>
+                </a:tc>
+                <a:tc>
+                  <a:txBody>
+                    <a:bodyPr/>
+                    <a:lstStyle/>
+                    <a:p>
+                      <a:pPr algn="ctr"/>
+                      <a:r>
+                        <a:rPr lang="ru-RU" b="1" i="0" u="sng" dirty="0" smtClean="0">
+                          <a:ln>
+                            <a:noFill/>
+                          </a:ln>
+                          <a:solidFill>
+                            <a:schemeClr val="tx1"/>
+                          </a:solidFill>
+                        </a:rPr>
+                        <a:t>Пример</a:t>
+                      </a:r>
+                      <a:endParaRPr lang="ru-RU" b="1" i="0" u="sng" dirty="0">
+                        <a:ln>
+                          <a:noFill/>
+                        </a:ln>
+                        <a:solidFill>
+                          <a:schemeClr val="tx1"/>
+                        </a:solidFill>
+                      </a:endParaRPr>
+                    </a:p>
+                  </a:txBody>
+                  <a:tcPr>
+                    <a:lnL w="12700" cap="flat" cmpd="sng" algn="ctr">
+                      <a:solidFill>
+                        <a:schemeClr val="tx1"/>
+                      </a:solidFill>
+                      <a:prstDash val="solid"/>
+                      <a:round/>
+                      <a:headEnd type="none" w="med" len="med"/>
+                      <a:tailEnd type="none" w="med" len="med"/>
+                    </a:lnL>
+                    <a:lnR w="12700" cap="flat" cmpd="sng" algn="ctr">
+                      <a:solidFill>
+                        <a:schemeClr val="tx1"/>
+                      </a:solidFill>
+                      <a:prstDash val="solid"/>
+                      <a:round/>
+                      <a:headEnd type="none" w="med" len="med"/>
+                      <a:tailEnd type="none" w="med" len="med"/>
+                    </a:lnR>
+                    <a:lnT w="12700" cap="flat" cmpd="sng" algn="ctr">
+                      <a:solidFill>
+                        <a:schemeClr val="tx1"/>
+                      </a:solidFill>
+                      <a:prstDash val="solid"/>
+                      <a:round/>
+                      <a:headEnd type="none" w="med" len="med"/>
+                      <a:tailEnd type="none" w="med" len="med"/>
+                    </a:lnT>
+                    <a:lnB w="12700" cap="flat" cmpd="sng" algn="ctr">
+                      <a:solidFill>
+                        <a:schemeClr val="tx1"/>
+                      </a:solidFill>
+                      <a:prstDash val="solid"/>
+                      <a:round/>
+                      <a:headEnd type="none" w="med" len="med"/>
+                      <a:tailEnd type="none" w="med" len="med"/>
+                    </a:lnB>
+                    <a:noFill/>
+                  </a:tcPr>
+                </a:tc>
+              </a:tr>
+              <a:tr h="1371438">
+                <a:tc>
+                  <a:txBody>
+                    <a:bodyPr/>
+                    <a:lstStyle/>
+                    <a:p>
+                      <a:pPr algn="ctr"/>
+                      <a:r>
+                        <a:rPr lang="en-US" baseline="0" dirty="0" smtClean="0">
+                          <a:ln>
+                            <a:noFill/>
+                          </a:ln>
+                          <a:solidFill>
+                            <a:schemeClr val="tx1"/>
+                          </a:solidFill>
+                        </a:rPr>
+                        <a:t>p = q</a:t>
+                      </a:r>
+                      <a:endParaRPr lang="ru-RU" dirty="0">
+                        <a:ln>
+                          <a:noFill/>
+                        </a:ln>
+                        <a:solidFill>
+                          <a:schemeClr val="tx1"/>
+                        </a:solidFill>
+                      </a:endParaRPr>
+                    </a:p>
+                  </a:txBody>
+                  <a:tcPr>
+                    <a:lnL w="12700" cap="flat" cmpd="sng" algn="ctr">
+                      <a:solidFill>
+                        <a:schemeClr val="tx1"/>
+                      </a:solidFill>
+                      <a:prstDash val="solid"/>
+                      <a:round/>
+                      <a:headEnd type="none" w="med" len="med"/>
+                      <a:tailEnd type="none" w="med" len="med"/>
+                    </a:lnL>
+                    <a:lnR w="12700" cap="flat" cmpd="sng" algn="ctr">
+                      <a:solidFill>
+                        <a:schemeClr val="tx1"/>
+                      </a:solidFill>
+                      <a:prstDash val="solid"/>
+                      <a:round/>
+                      <a:headEnd type="none" w="med" len="med"/>
+                      <a:tailEnd type="none" w="med" len="med"/>
+                    </a:lnR>
+                    <a:lnT w="12700" cap="flat" cmpd="sng" algn="ctr">
+                      <a:solidFill>
+                        <a:schemeClr val="tx1"/>
+                      </a:solidFill>
+                      <a:prstDash val="solid"/>
+                      <a:round/>
+                      <a:headEnd type="none" w="med" len="med"/>
+                      <a:tailEnd type="none" w="med" len="med"/>
+                    </a:lnT>
+                    <a:lnB w="12700" cap="flat" cmpd="sng" algn="ctr">
+                      <a:solidFill>
+                        <a:schemeClr val="tx1"/>
+                      </a:solidFill>
+                      <a:prstDash val="solid"/>
+                      <a:round/>
+                      <a:headEnd type="none" w="med" len="med"/>
+                      <a:tailEnd type="none" w="med" len="med"/>
+                    </a:lnB>
+                    <a:noFill/>
+                  </a:tcPr>
+                </a:tc>
+                <a:tc>
+                  <a:txBody>
+                    <a:bodyPr/>
+                    <a:lstStyle/>
+                    <a:p>
+                      <a:endParaRPr lang="ru-RU" dirty="0">
+                        <a:ln>
+                          <a:noFill/>
+                        </a:ln>
+                        <a:solidFill>
+                          <a:schemeClr val="tx1"/>
+                        </a:solidFill>
+                      </a:endParaRPr>
+                    </a:p>
+                  </a:txBody>
+                  <a:tcPr>
+                    <a:lnL w="12700" cap="flat" cmpd="sng" algn="ctr">
+                      <a:solidFill>
+                        <a:schemeClr val="tx1"/>
+                      </a:solidFill>
+                      <a:prstDash val="solid"/>
+                      <a:round/>
+                      <a:headEnd type="none" w="med" len="med"/>
+                      <a:tailEnd type="none" w="med" len="med"/>
+                    </a:lnL>
+                    <a:lnR w="12700" cap="flat" cmpd="sng" algn="ctr">
+                      <a:solidFill>
+                        <a:schemeClr val="tx1"/>
+                      </a:solidFill>
+                      <a:prstDash val="solid"/>
+                      <a:round/>
+                      <a:headEnd type="none" w="med" len="med"/>
+                      <a:tailEnd type="none" w="med" len="med"/>
+                    </a:lnR>
+                    <a:lnT w="12700" cap="flat" cmpd="sng" algn="ctr">
+                      <a:solidFill>
+                        <a:schemeClr val="tx1"/>
+                      </a:solidFill>
+                      <a:prstDash val="solid"/>
+                      <a:round/>
+                      <a:headEnd type="none" w="med" len="med"/>
+                      <a:tailEnd type="none" w="med" len="med"/>
+                    </a:lnT>
+                    <a:lnB w="12700" cap="flat" cmpd="sng" algn="ctr">
+                      <a:solidFill>
+                        <a:schemeClr val="tx1"/>
+                      </a:solidFill>
+                      <a:prstDash val="solid"/>
+                      <a:round/>
+                      <a:headEnd type="none" w="med" len="med"/>
+                      <a:tailEnd type="none" w="med" len="med"/>
+                    </a:lnB>
+                    <a:noFill/>
+                  </a:tcPr>
+                </a:tc>
+              </a:tr>
+              <a:tr h="1371438">
+                <a:tc>
+                  <a:txBody>
+                    <a:bodyPr/>
+                    <a:lstStyle/>
+                    <a:p>
+                      <a:pPr algn="ctr"/>
+                      <a:r>
+                        <a:rPr lang="en-US" dirty="0" smtClean="0">
+                          <a:ln>
+                            <a:noFill/>
+                          </a:ln>
+                          <a:solidFill>
+                            <a:schemeClr val="tx1"/>
+                          </a:solidFill>
+                        </a:rPr>
+                        <a:t>p = &amp;q</a:t>
+                      </a:r>
+                      <a:endParaRPr lang="ru-RU" dirty="0">
+                        <a:ln>
+                          <a:noFill/>
+                        </a:ln>
+                        <a:solidFill>
+                          <a:schemeClr val="tx1"/>
+                        </a:solidFill>
+                      </a:endParaRPr>
+                    </a:p>
+                  </a:txBody>
+                  <a:tcPr>
+                    <a:lnL w="12700" cap="flat" cmpd="sng" algn="ctr">
+                      <a:solidFill>
+                        <a:schemeClr val="tx1"/>
+                      </a:solidFill>
+                      <a:prstDash val="solid"/>
+                      <a:round/>
+                      <a:headEnd type="none" w="med" len="med"/>
+                      <a:tailEnd type="none" w="med" len="med"/>
+                    </a:lnL>
+                    <a:lnR w="12700" cap="flat" cmpd="sng" algn="ctr">
+                      <a:solidFill>
+                        <a:schemeClr val="tx1"/>
+                      </a:solidFill>
+                      <a:prstDash val="solid"/>
+                      <a:round/>
+                      <a:headEnd type="none" w="med" len="med"/>
+                      <a:tailEnd type="none" w="med" len="med"/>
+                    </a:lnR>
+                    <a:lnT w="12700" cap="flat" cmpd="sng" algn="ctr">
+                      <a:solidFill>
+                        <a:schemeClr val="tx1"/>
+                      </a:solidFill>
+                      <a:prstDash val="solid"/>
+                      <a:round/>
+                      <a:headEnd type="none" w="med" len="med"/>
+                      <a:tailEnd type="none" w="med" len="med"/>
+                    </a:lnT>
+                    <a:lnB w="12700" cap="flat" cmpd="sng" algn="ctr">
+                      <a:solidFill>
+                        <a:schemeClr val="tx1"/>
+                      </a:solidFill>
+                      <a:prstDash val="solid"/>
+                      <a:round/>
+                      <a:headEnd type="none" w="med" len="med"/>
+                      <a:tailEnd type="none" w="med" len="med"/>
+                    </a:lnB>
+                    <a:noFill/>
+                  </a:tcPr>
+                </a:tc>
+                <a:tc>
+                  <a:txBody>
+                    <a:bodyPr/>
+                    <a:lstStyle/>
+                    <a:p>
+                      <a:endParaRPr lang="ru-RU" dirty="0">
+                        <a:ln>
+                          <a:noFill/>
+                        </a:ln>
+                        <a:solidFill>
+                          <a:schemeClr val="tx1"/>
+                        </a:solidFill>
+                      </a:endParaRPr>
+                    </a:p>
+                  </a:txBody>
+                  <a:tcPr>
+                    <a:lnL w="12700" cap="flat" cmpd="sng" algn="ctr">
+                      <a:solidFill>
+                        <a:schemeClr val="tx1"/>
+                      </a:solidFill>
+                      <a:prstDash val="solid"/>
+                      <a:round/>
+                      <a:headEnd type="none" w="med" len="med"/>
+                      <a:tailEnd type="none" w="med" len="med"/>
+                    </a:lnL>
+                    <a:lnR w="12700" cap="flat" cmpd="sng" algn="ctr">
+                      <a:solidFill>
+                        <a:schemeClr val="tx1"/>
+                      </a:solidFill>
+                      <a:prstDash val="solid"/>
+                      <a:round/>
+                      <a:headEnd type="none" w="med" len="med"/>
+                      <a:tailEnd type="none" w="med" len="med"/>
+                    </a:lnR>
+                    <a:lnT w="12700" cap="flat" cmpd="sng" algn="ctr">
+                      <a:solidFill>
+                        <a:schemeClr val="tx1"/>
+                      </a:solidFill>
+                      <a:prstDash val="solid"/>
+                      <a:round/>
+                      <a:headEnd type="none" w="med" len="med"/>
+                      <a:tailEnd type="none" w="med" len="med"/>
+                    </a:lnT>
+                    <a:lnB w="12700" cap="flat" cmpd="sng" algn="ctr">
+                      <a:solidFill>
+                        <a:schemeClr val="tx1"/>
+                      </a:solidFill>
+                      <a:prstDash val="solid"/>
+                      <a:round/>
+                      <a:headEnd type="none" w="med" len="med"/>
+                      <a:tailEnd type="none" w="med" len="med"/>
+                    </a:lnB>
+                    <a:noFill/>
+                  </a:tcPr>
+                </a:tc>
+              </a:tr>
+              <a:tr h="1371438">
+                <a:tc>
+                  <a:txBody>
+                    <a:bodyPr/>
+                    <a:lstStyle/>
+                    <a:p>
+                      <a:pPr algn="ctr"/>
+                      <a:r>
+                        <a:rPr lang="en-US" dirty="0" smtClean="0">
+                          <a:ln>
+                            <a:noFill/>
+                          </a:ln>
+                          <a:solidFill>
+                            <a:schemeClr val="tx1"/>
+                          </a:solidFill>
+                        </a:rPr>
+                        <a:t>p = *q</a:t>
+                      </a:r>
+                      <a:endParaRPr lang="ru-RU" dirty="0">
+                        <a:ln>
+                          <a:noFill/>
+                        </a:ln>
+                        <a:solidFill>
+                          <a:schemeClr val="tx1"/>
+                        </a:solidFill>
+                      </a:endParaRPr>
+                    </a:p>
+                  </a:txBody>
+                  <a:tcPr>
+                    <a:lnL w="12700" cap="flat" cmpd="sng" algn="ctr">
+                      <a:solidFill>
+                        <a:schemeClr val="tx1"/>
+                      </a:solidFill>
+                      <a:prstDash val="solid"/>
+                      <a:round/>
+                      <a:headEnd type="none" w="med" len="med"/>
+                      <a:tailEnd type="none" w="med" len="med"/>
+                    </a:lnL>
+                    <a:lnR w="12700" cap="flat" cmpd="sng" algn="ctr">
+                      <a:solidFill>
+                        <a:schemeClr val="tx1"/>
+                      </a:solidFill>
+                      <a:prstDash val="solid"/>
+                      <a:round/>
+                      <a:headEnd type="none" w="med" len="med"/>
+                      <a:tailEnd type="none" w="med" len="med"/>
+                    </a:lnR>
+                    <a:lnT w="12700" cap="flat" cmpd="sng" algn="ctr">
+                      <a:solidFill>
+                        <a:schemeClr val="tx1"/>
+                      </a:solidFill>
+                      <a:prstDash val="solid"/>
+                      <a:round/>
+                      <a:headEnd type="none" w="med" len="med"/>
+                      <a:tailEnd type="none" w="med" len="med"/>
+                    </a:lnT>
+                    <a:lnB w="12700" cap="flat" cmpd="sng" algn="ctr">
+                      <a:solidFill>
+                        <a:schemeClr val="tx1"/>
+                      </a:solidFill>
+                      <a:prstDash val="solid"/>
+                      <a:round/>
+                      <a:headEnd type="none" w="med" len="med"/>
+                      <a:tailEnd type="none" w="med" len="med"/>
+                    </a:lnB>
+                    <a:noFill/>
+                  </a:tcPr>
+                </a:tc>
+                <a:tc>
+                  <a:txBody>
+                    <a:bodyPr/>
+                    <a:lstStyle/>
+                    <a:p>
+                      <a:endParaRPr lang="ru-RU" dirty="0">
+                        <a:ln>
+                          <a:noFill/>
+                        </a:ln>
+                        <a:solidFill>
+                          <a:schemeClr val="tx1"/>
+                        </a:solidFill>
+                      </a:endParaRPr>
+                    </a:p>
+                  </a:txBody>
+                  <a:tcPr>
+                    <a:lnL w="12700" cap="flat" cmpd="sng" algn="ctr">
+                      <a:solidFill>
+                        <a:schemeClr val="tx1"/>
+                      </a:solidFill>
+                      <a:prstDash val="solid"/>
+                      <a:round/>
+                      <a:headEnd type="none" w="med" len="med"/>
+                      <a:tailEnd type="none" w="med" len="med"/>
+                    </a:lnL>
+                    <a:lnR w="12700" cap="flat" cmpd="sng" algn="ctr">
+                      <a:solidFill>
+                        <a:schemeClr val="tx1"/>
+                      </a:solidFill>
+                      <a:prstDash val="solid"/>
+                      <a:round/>
+                      <a:headEnd type="none" w="med" len="med"/>
+                      <a:tailEnd type="none" w="med" len="med"/>
+                    </a:lnR>
+                    <a:lnT w="12700" cap="flat" cmpd="sng" algn="ctr">
+                      <a:solidFill>
+                        <a:schemeClr val="tx1"/>
+                      </a:solidFill>
+                      <a:prstDash val="solid"/>
+                      <a:round/>
+                      <a:headEnd type="none" w="med" len="med"/>
+                      <a:tailEnd type="none" w="med" len="med"/>
+                    </a:lnT>
+                    <a:lnB w="12700" cap="flat" cmpd="sng" algn="ctr">
+                      <a:solidFill>
+                        <a:schemeClr val="tx1"/>
+                      </a:solidFill>
+                      <a:prstDash val="solid"/>
+                      <a:round/>
+                      <a:headEnd type="none" w="med" len="med"/>
+                      <a:tailEnd type="none" w="med" len="med"/>
+                    </a:lnB>
+                    <a:noFill/>
+                  </a:tcPr>
+                </a:tc>
+              </a:tr>
+            </a:tbl>
+          </a:graphicData>
+        </a:graphic>
+      </p:graphicFrame>
       <p:sp>
         <p:nvSpPr>
           <p:cNvPr id="2" name="Заголовок 1"/>
@@ -3681,8 +4215,8 @@
         </p:blipFill>
         <p:spPr>
           <a:xfrm>
-            <a:off x="2195737" y="3356991"/>
-            <a:ext cx="1368152" cy="403975"/>
+            <a:off x="2771800" y="4077072"/>
+            <a:ext cx="1080120" cy="318927"/>
           </a:xfrm>
           <a:prstGeom prst="rect">
             <a:avLst/>
@@ -3705,8 +4239,8 @@
         </p:blipFill>
         <p:spPr>
           <a:xfrm>
-            <a:off x="2123728" y="4797152"/>
-            <a:ext cx="2395867" cy="1008110"/>
+            <a:off x="2411760" y="5229200"/>
+            <a:ext cx="1944216" cy="818069"/>
           </a:xfrm>
           <a:prstGeom prst="rect">
             <a:avLst/>
@@ -3729,8 +4263,8 @@
         </p:blipFill>
         <p:spPr>
           <a:xfrm>
-            <a:off x="6012160" y="1844824"/>
-            <a:ext cx="1368152" cy="1173345"/>
+            <a:off x="7380312" y="2492896"/>
+            <a:ext cx="1091521" cy="936103"/>
           </a:xfrm>
           <a:prstGeom prst="rect">
             <a:avLst/>
@@ -3753,8 +4287,8 @@
         </p:blipFill>
         <p:spPr>
           <a:xfrm>
-            <a:off x="6084168" y="3429000"/>
-            <a:ext cx="1343412" cy="1152128"/>
+            <a:off x="7380312" y="3789040"/>
+            <a:ext cx="1080120" cy="926325"/>
           </a:xfrm>
           <a:prstGeom prst="rect">
             <a:avLst/>
@@ -3777,17 +4311,551 @@
         </p:blipFill>
         <p:spPr>
           <a:xfrm>
-            <a:off x="6084168" y="4797152"/>
-            <a:ext cx="2376264" cy="1195890"/>
+            <a:off x="6948263" y="5229200"/>
+            <a:ext cx="1872209" cy="942217"/>
           </a:xfrm>
           <a:prstGeom prst="rect">
             <a:avLst/>
           </a:prstGeom>
         </p:spPr>
       </p:pic>
+      <p:graphicFrame>
+        <p:nvGraphicFramePr>
+          <p:cNvPr id="21" name="Таблица 20"/>
+          <p:cNvGraphicFramePr>
+            <a:graphicFrameLocks noGrp="1"/>
+          </p:cNvGraphicFramePr>
+          <p:nvPr/>
+        </p:nvGraphicFramePr>
+        <p:xfrm>
+          <a:off x="4716016" y="1844824"/>
+          <a:ext cx="4176464" cy="4536504"/>
+        </p:xfrm>
+        <a:graphic>
+          <a:graphicData uri="http://schemas.openxmlformats.org/drawingml/2006/table">
+            <a:tbl>
+              <a:tblPr firstRow="1" bandRow="1">
+                <a:tableStyleId>{5C22544A-7EE6-4342-B048-85BDC9FD1C3A}</a:tableStyleId>
+              </a:tblPr>
+              <a:tblGrid>
+                <a:gridCol w="2088232"/>
+                <a:gridCol w="2088232"/>
+              </a:tblGrid>
+              <a:tr h="422190">
+                <a:tc>
+                  <a:txBody>
+                    <a:bodyPr/>
+                    <a:lstStyle/>
+                    <a:p>
+                      <a:pPr algn="ctr"/>
+                      <a:r>
+                        <a:rPr lang="ru-RU" u="sng" dirty="0" smtClean="0">
+                          <a:ln>
+                            <a:noFill/>
+                          </a:ln>
+                          <a:solidFill>
+                            <a:schemeClr val="tx1"/>
+                          </a:solidFill>
+                        </a:rPr>
+                        <a:t>Инструкция</a:t>
+                      </a:r>
+                      <a:endParaRPr lang="ru-RU" u="sng" dirty="0">
+                        <a:ln>
+                          <a:noFill/>
+                        </a:ln>
+                        <a:solidFill>
+                          <a:schemeClr val="tx1"/>
+                        </a:solidFill>
+                      </a:endParaRPr>
+                    </a:p>
+                  </a:txBody>
+                  <a:tcPr>
+                    <a:lnL w="12700" cap="flat" cmpd="sng" algn="ctr">
+                      <a:solidFill>
+                        <a:schemeClr val="tx1"/>
+                      </a:solidFill>
+                      <a:prstDash val="solid"/>
+                      <a:round/>
+                      <a:headEnd type="none" w="med" len="med"/>
+                      <a:tailEnd type="none" w="med" len="med"/>
+                    </a:lnL>
+                    <a:lnR w="12700" cap="flat" cmpd="sng" algn="ctr">
+                      <a:solidFill>
+                        <a:schemeClr val="tx1"/>
+                      </a:solidFill>
+                      <a:prstDash val="solid"/>
+                      <a:round/>
+                      <a:headEnd type="none" w="med" len="med"/>
+                      <a:tailEnd type="none" w="med" len="med"/>
+                    </a:lnR>
+                    <a:lnT w="12700" cap="flat" cmpd="sng" algn="ctr">
+                      <a:solidFill>
+                        <a:schemeClr val="tx1"/>
+                      </a:solidFill>
+                      <a:prstDash val="solid"/>
+                      <a:round/>
+                      <a:headEnd type="none" w="med" len="med"/>
+                      <a:tailEnd type="none" w="med" len="med"/>
+                    </a:lnT>
+                    <a:lnB w="12700" cap="flat" cmpd="sng" algn="ctr">
+                      <a:solidFill>
+                        <a:schemeClr val="tx1"/>
+                      </a:solidFill>
+                      <a:prstDash val="solid"/>
+                      <a:round/>
+                      <a:headEnd type="none" w="med" len="med"/>
+                      <a:tailEnd type="none" w="med" len="med"/>
+                    </a:lnB>
+                    <a:noFill/>
+                  </a:tcPr>
+                </a:tc>
+                <a:tc>
+                  <a:txBody>
+                    <a:bodyPr/>
+                    <a:lstStyle/>
+                    <a:p>
+                      <a:pPr algn="ctr"/>
+                      <a:r>
+                        <a:rPr lang="ru-RU" u="sng" dirty="0" smtClean="0">
+                          <a:ln>
+                            <a:noFill/>
+                          </a:ln>
+                          <a:solidFill>
+                            <a:schemeClr val="tx1"/>
+                          </a:solidFill>
+                        </a:rPr>
+                        <a:t>Пример</a:t>
+                      </a:r>
+                      <a:endParaRPr lang="ru-RU" u="sng" dirty="0">
+                        <a:ln>
+                          <a:noFill/>
+                        </a:ln>
+                        <a:solidFill>
+                          <a:schemeClr val="tx1"/>
+                        </a:solidFill>
+                      </a:endParaRPr>
+                    </a:p>
+                  </a:txBody>
+                  <a:tcPr>
+                    <a:lnL w="12700" cap="flat" cmpd="sng" algn="ctr">
+                      <a:solidFill>
+                        <a:schemeClr val="tx1"/>
+                      </a:solidFill>
+                      <a:prstDash val="solid"/>
+                      <a:round/>
+                      <a:headEnd type="none" w="med" len="med"/>
+                      <a:tailEnd type="none" w="med" len="med"/>
+                    </a:lnL>
+                    <a:lnR w="12700" cap="flat" cmpd="sng" algn="ctr">
+                      <a:solidFill>
+                        <a:schemeClr val="tx1"/>
+                      </a:solidFill>
+                      <a:prstDash val="solid"/>
+                      <a:round/>
+                      <a:headEnd type="none" w="med" len="med"/>
+                      <a:tailEnd type="none" w="med" len="med"/>
+                    </a:lnR>
+                    <a:lnT w="12700" cap="flat" cmpd="sng" algn="ctr">
+                      <a:solidFill>
+                        <a:schemeClr val="tx1"/>
+                      </a:solidFill>
+                      <a:prstDash val="solid"/>
+                      <a:round/>
+                      <a:headEnd type="none" w="med" len="med"/>
+                      <a:tailEnd type="none" w="med" len="med"/>
+                    </a:lnT>
+                    <a:lnB w="12700" cap="flat" cmpd="sng" algn="ctr">
+                      <a:solidFill>
+                        <a:schemeClr val="tx1"/>
+                      </a:solidFill>
+                      <a:prstDash val="solid"/>
+                      <a:round/>
+                      <a:headEnd type="none" w="med" len="med"/>
+                      <a:tailEnd type="none" w="med" len="med"/>
+                    </a:lnB>
+                    <a:noFill/>
+                  </a:tcPr>
+                </a:tc>
+              </a:tr>
+              <a:tr h="1371438">
+                <a:tc>
+                  <a:txBody>
+                    <a:bodyPr/>
+                    <a:lstStyle/>
+                    <a:p>
+                      <a:pPr algn="ctr"/>
+                      <a:r>
+                        <a:rPr lang="en-US" dirty="0" smtClean="0">
+                          <a:ln>
+                            <a:noFill/>
+                          </a:ln>
+                          <a:solidFill>
+                            <a:schemeClr val="tx1"/>
+                          </a:solidFill>
+                        </a:rPr>
+                        <a:t>*p = q</a:t>
+                      </a:r>
+                      <a:endParaRPr lang="ru-RU" dirty="0">
+                        <a:ln>
+                          <a:noFill/>
+                        </a:ln>
+                        <a:solidFill>
+                          <a:schemeClr val="tx1"/>
+                        </a:solidFill>
+                      </a:endParaRPr>
+                    </a:p>
+                  </a:txBody>
+                  <a:tcPr>
+                    <a:lnL w="12700" cap="flat" cmpd="sng" algn="ctr">
+                      <a:solidFill>
+                        <a:schemeClr val="tx1"/>
+                      </a:solidFill>
+                      <a:prstDash val="solid"/>
+                      <a:round/>
+                      <a:headEnd type="none" w="med" len="med"/>
+                      <a:tailEnd type="none" w="med" len="med"/>
+                    </a:lnL>
+                    <a:lnR w="12700" cap="flat" cmpd="sng" algn="ctr">
+                      <a:solidFill>
+                        <a:schemeClr val="tx1"/>
+                      </a:solidFill>
+                      <a:prstDash val="solid"/>
+                      <a:round/>
+                      <a:headEnd type="none" w="med" len="med"/>
+                      <a:tailEnd type="none" w="med" len="med"/>
+                    </a:lnR>
+                    <a:lnT w="12700" cap="flat" cmpd="sng" algn="ctr">
+                      <a:solidFill>
+                        <a:schemeClr val="tx1"/>
+                      </a:solidFill>
+                      <a:prstDash val="solid"/>
+                      <a:round/>
+                      <a:headEnd type="none" w="med" len="med"/>
+                      <a:tailEnd type="none" w="med" len="med"/>
+                    </a:lnT>
+                    <a:lnB w="12700" cap="flat" cmpd="sng" algn="ctr">
+                      <a:solidFill>
+                        <a:schemeClr val="tx1"/>
+                      </a:solidFill>
+                      <a:prstDash val="solid"/>
+                      <a:round/>
+                      <a:headEnd type="none" w="med" len="med"/>
+                      <a:tailEnd type="none" w="med" len="med"/>
+                    </a:lnB>
+                    <a:noFill/>
+                  </a:tcPr>
+                </a:tc>
+                <a:tc>
+                  <a:txBody>
+                    <a:bodyPr/>
+                    <a:lstStyle/>
+                    <a:p>
+                      <a:endParaRPr lang="ru-RU" dirty="0">
+                        <a:ln>
+                          <a:noFill/>
+                        </a:ln>
+                        <a:solidFill>
+                          <a:schemeClr val="tx1"/>
+                        </a:solidFill>
+                      </a:endParaRPr>
+                    </a:p>
+                  </a:txBody>
+                  <a:tcPr>
+                    <a:lnL w="12700" cap="flat" cmpd="sng" algn="ctr">
+                      <a:solidFill>
+                        <a:schemeClr val="tx1"/>
+                      </a:solidFill>
+                      <a:prstDash val="solid"/>
+                      <a:round/>
+                      <a:headEnd type="none" w="med" len="med"/>
+                      <a:tailEnd type="none" w="med" len="med"/>
+                    </a:lnL>
+                    <a:lnR w="12700" cap="flat" cmpd="sng" algn="ctr">
+                      <a:solidFill>
+                        <a:schemeClr val="tx1"/>
+                      </a:solidFill>
+                      <a:prstDash val="solid"/>
+                      <a:round/>
+                      <a:headEnd type="none" w="med" len="med"/>
+                      <a:tailEnd type="none" w="med" len="med"/>
+                    </a:lnR>
+                    <a:lnT w="12700" cap="flat" cmpd="sng" algn="ctr">
+                      <a:solidFill>
+                        <a:schemeClr val="tx1"/>
+                      </a:solidFill>
+                      <a:prstDash val="solid"/>
+                      <a:round/>
+                      <a:headEnd type="none" w="med" len="med"/>
+                      <a:tailEnd type="none" w="med" len="med"/>
+                    </a:lnT>
+                    <a:lnB w="12700" cap="flat" cmpd="sng" algn="ctr">
+                      <a:solidFill>
+                        <a:schemeClr val="tx1"/>
+                      </a:solidFill>
+                      <a:prstDash val="solid"/>
+                      <a:round/>
+                      <a:headEnd type="none" w="med" len="med"/>
+                      <a:tailEnd type="none" w="med" len="med"/>
+                    </a:lnB>
+                    <a:noFill/>
+                  </a:tcPr>
+                </a:tc>
+              </a:tr>
+              <a:tr h="1371438">
+                <a:tc>
+                  <a:txBody>
+                    <a:bodyPr/>
+                    <a:lstStyle/>
+                    <a:p>
+                      <a:pPr algn="ctr"/>
+                      <a:r>
+                        <a:rPr lang="en-US" dirty="0" smtClean="0">
+                          <a:ln>
+                            <a:noFill/>
+                          </a:ln>
+                          <a:solidFill>
+                            <a:schemeClr val="tx1"/>
+                          </a:solidFill>
+                        </a:rPr>
+                        <a:t>*p = &amp;q</a:t>
+                      </a:r>
+                      <a:endParaRPr lang="ru-RU" dirty="0">
+                        <a:ln>
+                          <a:noFill/>
+                        </a:ln>
+                        <a:solidFill>
+                          <a:schemeClr val="tx1"/>
+                        </a:solidFill>
+                      </a:endParaRPr>
+                    </a:p>
+                  </a:txBody>
+                  <a:tcPr>
+                    <a:lnL w="12700" cap="flat" cmpd="sng" algn="ctr">
+                      <a:solidFill>
+                        <a:schemeClr val="tx1"/>
+                      </a:solidFill>
+                      <a:prstDash val="solid"/>
+                      <a:round/>
+                      <a:headEnd type="none" w="med" len="med"/>
+                      <a:tailEnd type="none" w="med" len="med"/>
+                    </a:lnL>
+                    <a:lnR w="12700" cap="flat" cmpd="sng" algn="ctr">
+                      <a:solidFill>
+                        <a:schemeClr val="tx1"/>
+                      </a:solidFill>
+                      <a:prstDash val="solid"/>
+                      <a:round/>
+                      <a:headEnd type="none" w="med" len="med"/>
+                      <a:tailEnd type="none" w="med" len="med"/>
+                    </a:lnR>
+                    <a:lnT w="12700" cap="flat" cmpd="sng" algn="ctr">
+                      <a:solidFill>
+                        <a:schemeClr val="tx1"/>
+                      </a:solidFill>
+                      <a:prstDash val="solid"/>
+                      <a:round/>
+                      <a:headEnd type="none" w="med" len="med"/>
+                      <a:tailEnd type="none" w="med" len="med"/>
+                    </a:lnT>
+                    <a:lnB w="12700" cap="flat" cmpd="sng" algn="ctr">
+                      <a:solidFill>
+                        <a:schemeClr val="tx1"/>
+                      </a:solidFill>
+                      <a:prstDash val="solid"/>
+                      <a:round/>
+                      <a:headEnd type="none" w="med" len="med"/>
+                      <a:tailEnd type="none" w="med" len="med"/>
+                    </a:lnB>
+                    <a:noFill/>
+                  </a:tcPr>
+                </a:tc>
+                <a:tc>
+                  <a:txBody>
+                    <a:bodyPr/>
+                    <a:lstStyle/>
+                    <a:p>
+                      <a:endParaRPr lang="ru-RU" dirty="0">
+                        <a:ln>
+                          <a:noFill/>
+                        </a:ln>
+                        <a:solidFill>
+                          <a:schemeClr val="tx1"/>
+                        </a:solidFill>
+                      </a:endParaRPr>
+                    </a:p>
+                  </a:txBody>
+                  <a:tcPr>
+                    <a:lnL w="12700" cap="flat" cmpd="sng" algn="ctr">
+                      <a:solidFill>
+                        <a:schemeClr val="tx1"/>
+                      </a:solidFill>
+                      <a:prstDash val="solid"/>
+                      <a:round/>
+                      <a:headEnd type="none" w="med" len="med"/>
+                      <a:tailEnd type="none" w="med" len="med"/>
+                    </a:lnL>
+                    <a:lnR w="12700" cap="flat" cmpd="sng" algn="ctr">
+                      <a:solidFill>
+                        <a:schemeClr val="tx1"/>
+                      </a:solidFill>
+                      <a:prstDash val="solid"/>
+                      <a:round/>
+                      <a:headEnd type="none" w="med" len="med"/>
+                      <a:tailEnd type="none" w="med" len="med"/>
+                    </a:lnR>
+                    <a:lnT w="12700" cap="flat" cmpd="sng" algn="ctr">
+                      <a:solidFill>
+                        <a:schemeClr val="tx1"/>
+                      </a:solidFill>
+                      <a:prstDash val="solid"/>
+                      <a:round/>
+                      <a:headEnd type="none" w="med" len="med"/>
+                      <a:tailEnd type="none" w="med" len="med"/>
+                    </a:lnT>
+                    <a:lnB w="12700" cap="flat" cmpd="sng" algn="ctr">
+                      <a:solidFill>
+                        <a:schemeClr val="tx1"/>
+                      </a:solidFill>
+                      <a:prstDash val="solid"/>
+                      <a:round/>
+                      <a:headEnd type="none" w="med" len="med"/>
+                      <a:tailEnd type="none" w="med" len="med"/>
+                    </a:lnB>
+                    <a:noFill/>
+                  </a:tcPr>
+                </a:tc>
+              </a:tr>
+              <a:tr h="1371438">
+                <a:tc>
+                  <a:txBody>
+                    <a:bodyPr/>
+                    <a:lstStyle/>
+                    <a:p>
+                      <a:pPr algn="ctr"/>
+                      <a:r>
+                        <a:rPr lang="en-US" dirty="0" smtClean="0">
+                          <a:ln>
+                            <a:noFill/>
+                          </a:ln>
+                          <a:solidFill>
+                            <a:schemeClr val="tx1"/>
+                          </a:solidFill>
+                        </a:rPr>
+                        <a:t>*p = *q</a:t>
+                      </a:r>
+                      <a:endParaRPr lang="ru-RU" dirty="0">
+                        <a:ln>
+                          <a:noFill/>
+                        </a:ln>
+                        <a:solidFill>
+                          <a:schemeClr val="tx1"/>
+                        </a:solidFill>
+                      </a:endParaRPr>
+                    </a:p>
+                  </a:txBody>
+                  <a:tcPr>
+                    <a:lnL w="12700" cap="flat" cmpd="sng" algn="ctr">
+                      <a:solidFill>
+                        <a:schemeClr val="tx1"/>
+                      </a:solidFill>
+                      <a:prstDash val="solid"/>
+                      <a:round/>
+                      <a:headEnd type="none" w="med" len="med"/>
+                      <a:tailEnd type="none" w="med" len="med"/>
+                    </a:lnL>
+                    <a:lnR w="12700" cap="flat" cmpd="sng" algn="ctr">
+                      <a:solidFill>
+                        <a:schemeClr val="tx1"/>
+                      </a:solidFill>
+                      <a:prstDash val="solid"/>
+                      <a:round/>
+                      <a:headEnd type="none" w="med" len="med"/>
+                      <a:tailEnd type="none" w="med" len="med"/>
+                    </a:lnR>
+                    <a:lnT w="12700" cap="flat" cmpd="sng" algn="ctr">
+                      <a:solidFill>
+                        <a:schemeClr val="tx1"/>
+                      </a:solidFill>
+                      <a:prstDash val="solid"/>
+                      <a:round/>
+                      <a:headEnd type="none" w="med" len="med"/>
+                      <a:tailEnd type="none" w="med" len="med"/>
+                    </a:lnT>
+                    <a:lnB w="12700" cap="flat" cmpd="sng" algn="ctr">
+                      <a:solidFill>
+                        <a:schemeClr val="tx1"/>
+                      </a:solidFill>
+                      <a:prstDash val="solid"/>
+                      <a:round/>
+                      <a:headEnd type="none" w="med" len="med"/>
+                      <a:tailEnd type="none" w="med" len="med"/>
+                    </a:lnB>
+                    <a:noFill/>
+                  </a:tcPr>
+                </a:tc>
+                <a:tc>
+                  <a:txBody>
+                    <a:bodyPr/>
+                    <a:lstStyle/>
+                    <a:p>
+                      <a:endParaRPr lang="ru-RU" dirty="0">
+                        <a:ln>
+                          <a:noFill/>
+                        </a:ln>
+                        <a:solidFill>
+                          <a:schemeClr val="tx1"/>
+                        </a:solidFill>
+                      </a:endParaRPr>
+                    </a:p>
+                  </a:txBody>
+                  <a:tcPr>
+                    <a:lnL w="12700" cap="flat" cmpd="sng" algn="ctr">
+                      <a:solidFill>
+                        <a:schemeClr val="tx1"/>
+                      </a:solidFill>
+                      <a:prstDash val="solid"/>
+                      <a:round/>
+                      <a:headEnd type="none" w="med" len="med"/>
+                      <a:tailEnd type="none" w="med" len="med"/>
+                    </a:lnL>
+                    <a:lnR w="12700" cap="flat" cmpd="sng" algn="ctr">
+                      <a:solidFill>
+                        <a:schemeClr val="tx1"/>
+                      </a:solidFill>
+                      <a:prstDash val="solid"/>
+                      <a:round/>
+                      <a:headEnd type="none" w="med" len="med"/>
+                      <a:tailEnd type="none" w="med" len="med"/>
+                    </a:lnR>
+                    <a:lnT w="12700" cap="flat" cmpd="sng" algn="ctr">
+                      <a:solidFill>
+                        <a:schemeClr val="tx1"/>
+                      </a:solidFill>
+                      <a:prstDash val="solid"/>
+                      <a:round/>
+                      <a:headEnd type="none" w="med" len="med"/>
+                      <a:tailEnd type="none" w="med" len="med"/>
+                    </a:lnT>
+                    <a:lnB w="12700" cap="flat" cmpd="sng" algn="ctr">
+                      <a:solidFill>
+                        <a:schemeClr val="tx1"/>
+                      </a:solidFill>
+                      <a:prstDash val="solid"/>
+                      <a:round/>
+                      <a:headEnd type="none" w="med" len="med"/>
+                      <a:tailEnd type="none" w="med" len="med"/>
+                    </a:lnB>
+                    <a:noFill/>
+                  </a:tcPr>
+                </a:tc>
+              </a:tr>
+            </a:tbl>
+          </a:graphicData>
+        </a:graphic>
+      </p:graphicFrame>
       <p:pic>
         <p:nvPicPr>
-          <p:cNvPr id="13" name="Содержимое 4" descr="aliases1.emf"/>
+          <p:cNvPr id="22" name="Содержимое 4" descr="aliases1.emf"/>
           <p:cNvPicPr>
             <a:picLocks noChangeAspect="1"/>
           </p:cNvPicPr>
@@ -3801,8 +4869,8 @@
         </p:blipFill>
         <p:spPr>
           <a:xfrm>
-            <a:off x="2195736" y="1844822"/>
-            <a:ext cx="1427376" cy="1224136"/>
+            <a:off x="2771800" y="2492896"/>
+            <a:ext cx="1080120" cy="926325"/>
           </a:xfrm>
           <a:prstGeom prst="rect">
             <a:avLst/>
@@ -3811,14 +4879,14 @@
       </p:pic>
       <p:sp>
         <p:nvSpPr>
-          <p:cNvPr id="14" name="TextBox 13"/>
+          <p:cNvPr id="24" name="TextBox 23"/>
           <p:cNvSpPr txBox="1"/>
           <p:nvPr/>
         </p:nvSpPr>
         <p:spPr>
           <a:xfrm>
-            <a:off x="1331640" y="1844822"/>
-            <a:ext cx="1080120" cy="461665"/>
+            <a:off x="3131840" y="1268760"/>
+            <a:ext cx="2878993" cy="369332"/>
           </a:xfrm>
           <a:prstGeom prst="rect">
             <a:avLst/>
@@ -3826,166 +4894,16 @@
           <a:noFill/>
         </p:spPr>
         <p:txBody>
-          <a:bodyPr wrap="square" rtlCol="0">
+          <a:bodyPr wrap="none" rtlCol="0">
             <a:spAutoFit/>
           </a:bodyPr>
           <a:lstStyle/>
           <a:p>
             <a:r>
-              <a:rPr lang="en-US" sz="2400" dirty="0" smtClean="0"/>
-              <a:t>p=q</a:t>
-            </a:r>
-            <a:endParaRPr lang="ru-RU" sz="2400" dirty="0"/>
-          </a:p>
-        </p:txBody>
-      </p:sp>
-      <p:sp>
-        <p:nvSpPr>
-          <p:cNvPr id="15" name="TextBox 14"/>
-          <p:cNvSpPr txBox="1"/>
-          <p:nvPr/>
-        </p:nvSpPr>
-        <p:spPr>
-          <a:xfrm>
-            <a:off x="1331640" y="3284982"/>
-            <a:ext cx="1080120" cy="461665"/>
-          </a:xfrm>
-          <a:prstGeom prst="rect">
-            <a:avLst/>
-          </a:prstGeom>
-          <a:noFill/>
-        </p:spPr>
-        <p:txBody>
-          <a:bodyPr wrap="square" rtlCol="0">
-            <a:spAutoFit/>
-          </a:bodyPr>
-          <a:lstStyle/>
-          <a:p>
-            <a:r>
-              <a:rPr lang="en-US" sz="2400" dirty="0" smtClean="0"/>
-              <a:t>p=&amp;q</a:t>
-            </a:r>
-            <a:endParaRPr lang="ru-RU" sz="2400" dirty="0"/>
-          </a:p>
-        </p:txBody>
-      </p:sp>
-      <p:sp>
-        <p:nvSpPr>
-          <p:cNvPr id="16" name="TextBox 15"/>
-          <p:cNvSpPr txBox="1"/>
-          <p:nvPr/>
-        </p:nvSpPr>
-        <p:spPr>
-          <a:xfrm>
-            <a:off x="1331640" y="4725142"/>
-            <a:ext cx="1080120" cy="461665"/>
-          </a:xfrm>
-          <a:prstGeom prst="rect">
-            <a:avLst/>
-          </a:prstGeom>
-          <a:noFill/>
-        </p:spPr>
-        <p:txBody>
-          <a:bodyPr wrap="square" rtlCol="0">
-            <a:spAutoFit/>
-          </a:bodyPr>
-          <a:lstStyle/>
-          <a:p>
-            <a:r>
-              <a:rPr lang="en-US" sz="2400" dirty="0" smtClean="0"/>
-              <a:t>p=*q</a:t>
-            </a:r>
-            <a:endParaRPr lang="ru-RU" sz="2400" dirty="0"/>
-          </a:p>
-        </p:txBody>
-      </p:sp>
-      <p:sp>
-        <p:nvSpPr>
-          <p:cNvPr id="17" name="TextBox 16"/>
-          <p:cNvSpPr txBox="1"/>
-          <p:nvPr/>
-        </p:nvSpPr>
-        <p:spPr>
-          <a:xfrm>
-            <a:off x="5148064" y="1844824"/>
-            <a:ext cx="1080120" cy="461665"/>
-          </a:xfrm>
-          <a:prstGeom prst="rect">
-            <a:avLst/>
-          </a:prstGeom>
-          <a:noFill/>
-        </p:spPr>
-        <p:txBody>
-          <a:bodyPr wrap="square" rtlCol="0">
-            <a:spAutoFit/>
-          </a:bodyPr>
-          <a:lstStyle/>
-          <a:p>
-            <a:r>
-              <a:rPr lang="en-US" sz="2400" dirty="0" smtClean="0"/>
-              <a:t>*p=q</a:t>
-            </a:r>
-            <a:endParaRPr lang="ru-RU" sz="2400" dirty="0"/>
-          </a:p>
-        </p:txBody>
-      </p:sp>
-      <p:sp>
-        <p:nvSpPr>
-          <p:cNvPr id="18" name="TextBox 17"/>
-          <p:cNvSpPr txBox="1"/>
-          <p:nvPr/>
-        </p:nvSpPr>
-        <p:spPr>
-          <a:xfrm>
-            <a:off x="5148064" y="3356992"/>
-            <a:ext cx="1080120" cy="461665"/>
-          </a:xfrm>
-          <a:prstGeom prst="rect">
-            <a:avLst/>
-          </a:prstGeom>
-          <a:noFill/>
-        </p:spPr>
-        <p:txBody>
-          <a:bodyPr wrap="square" rtlCol="0">
-            <a:spAutoFit/>
-          </a:bodyPr>
-          <a:lstStyle/>
-          <a:p>
-            <a:r>
-              <a:rPr lang="en-US" sz="2400" dirty="0" smtClean="0"/>
-              <a:t>*p=&amp;q</a:t>
-            </a:r>
-            <a:endParaRPr lang="ru-RU" sz="2400" dirty="0"/>
-          </a:p>
-        </p:txBody>
-      </p:sp>
-      <p:sp>
-        <p:nvSpPr>
-          <p:cNvPr id="19" name="TextBox 18"/>
-          <p:cNvSpPr txBox="1"/>
-          <p:nvPr/>
-        </p:nvSpPr>
-        <p:spPr>
-          <a:xfrm>
-            <a:off x="5148064" y="4725144"/>
-            <a:ext cx="1080120" cy="461665"/>
-          </a:xfrm>
-          <a:prstGeom prst="rect">
-            <a:avLst/>
-          </a:prstGeom>
-          <a:noFill/>
-        </p:spPr>
-        <p:txBody>
-          <a:bodyPr wrap="square" rtlCol="0">
-            <a:spAutoFit/>
-          </a:bodyPr>
-          <a:lstStyle/>
-          <a:p>
-            <a:r>
-              <a:rPr lang="en-US" sz="2400" dirty="0" smtClean="0"/>
-              <a:t>*p=*q</a:t>
-            </a:r>
-            <a:endParaRPr lang="ru-RU" sz="2400" dirty="0"/>
+              <a:rPr lang="ru-RU" b="1" i="1" dirty="0" smtClean="0"/>
+              <a:t>Анализируемые ситуации</a:t>
+            </a:r>
+            <a:endParaRPr lang="ru-RU" b="1" i="1" dirty="0"/>
           </a:p>
         </p:txBody>
       </p:sp>
@@ -4623,7 +5541,7 @@
         </p:nvSpPr>
         <p:spPr>
           <a:xfrm>
-            <a:off x="683568" y="5373216"/>
+            <a:off x="683568" y="5445224"/>
             <a:ext cx="7776864" cy="504056"/>
           </a:xfrm>
           <a:prstGeom prst="rect">
@@ -4658,40 +5576,6 @@
               <a:tabLst/>
               <a:defRPr/>
             </a:pPr>
-            <a:r>
-              <a:rPr kumimoji="0" lang="en-US" sz="2400" b="0" i="0" u="none" strike="noStrike" kern="1200" cap="none" spc="0" normalizeH="0" baseline="0" noProof="0" dirty="0" smtClean="0">
-                <a:ln>
-                  <a:noFill/>
-                </a:ln>
-                <a:solidFill>
-                  <a:schemeClr val="tx1"/>
-                </a:solidFill>
-                <a:effectLst/>
-                <a:uLnTx/>
-                <a:uFillTx/>
-                <a:latin typeface="+mn-lt"/>
-                <a:ea typeface="+mn-ea"/>
-                <a:cs typeface="+mn-cs"/>
-              </a:rPr>
-              <a:t>lock(l) = ({l},</a:t>
-            </a:r>
-            <a:r>
-              <a:rPr kumimoji="0" lang="en-US" sz="2400" b="0" i="0" u="none" strike="noStrike" kern="1200" cap="none" spc="0" normalizeH="0" noProof="0" dirty="0" smtClean="0">
-                <a:ln>
-                  <a:noFill/>
-                </a:ln>
-                <a:solidFill>
-                  <a:schemeClr val="tx1"/>
-                </a:solidFill>
-                <a:effectLst/>
-                <a:uLnTx/>
-                <a:uFillTx/>
-                <a:latin typeface="+mn-lt"/>
-                <a:ea typeface="+mn-ea"/>
-                <a:cs typeface="+mn-cs"/>
-              </a:rPr>
-              <a:t> {}),  unlock(l) = ({}, {l})</a:t>
-            </a:r>
             <a:endParaRPr kumimoji="0" lang="ru-RU" sz="2400" b="0" i="0" u="none" strike="noStrike" kern="1200" cap="none" spc="0" normalizeH="0" baseline="0" noProof="0" dirty="0">
               <a:ln>
                 <a:noFill/>
@@ -4754,380 +5638,6 @@
               <a:tabLst/>
               <a:defRPr/>
             </a:pPr>
-            <a:r>
-              <a:rPr kumimoji="0" lang="en-US" sz="2400" b="0" i="0" u="none" strike="noStrike" kern="1200" cap="none" spc="0" normalizeH="0" baseline="0" noProof="0" dirty="0" smtClean="0">
-                <a:ln>
-                  <a:noFill/>
-                </a:ln>
-                <a:solidFill>
-                  <a:schemeClr val="tx1"/>
-                </a:solidFill>
-                <a:effectLst/>
-                <a:uLnTx/>
-                <a:uFillTx/>
-                <a:latin typeface="+mn-lt"/>
-                <a:ea typeface="+mn-ea"/>
-                <a:cs typeface="+mn-cs"/>
-              </a:rPr>
-              <a:t>lock_update((L</a:t>
-            </a:r>
-            <a:r>
-              <a:rPr kumimoji="0" lang="en-US" sz="2400" b="0" i="0" u="none" strike="noStrike" kern="1200" cap="none" spc="0" normalizeH="0" baseline="-25000" noProof="0" dirty="0" smtClean="0">
-                <a:ln>
-                  <a:noFill/>
-                </a:ln>
-                <a:solidFill>
-                  <a:schemeClr val="tx1"/>
-                </a:solidFill>
-                <a:effectLst/>
-                <a:uLnTx/>
-                <a:uFillTx/>
-                <a:latin typeface="+mn-lt"/>
-                <a:ea typeface="+mn-ea"/>
-                <a:cs typeface="+mn-cs"/>
-              </a:rPr>
-              <a:t>+</a:t>
-            </a:r>
-            <a:r>
-              <a:rPr kumimoji="0" lang="en-US" sz="2400" b="0" i="0" u="none" strike="noStrike" kern="1200" cap="none" spc="0" normalizeH="0" baseline="0" noProof="0" dirty="0" smtClean="0">
-                <a:ln>
-                  <a:noFill/>
-                </a:ln>
-                <a:solidFill>
-                  <a:schemeClr val="tx1"/>
-                </a:solidFill>
-                <a:effectLst/>
-                <a:uLnTx/>
-                <a:uFillTx/>
-                <a:latin typeface="+mn-lt"/>
-                <a:ea typeface="+mn-ea"/>
-                <a:cs typeface="+mn-cs"/>
-              </a:rPr>
-              <a:t>, L</a:t>
-            </a:r>
-            <a:r>
-              <a:rPr kumimoji="0" lang="en-US" sz="2400" b="0" i="0" u="none" strike="noStrike" kern="1200" cap="none" spc="0" normalizeH="0" baseline="-25000" noProof="0" dirty="0" smtClean="0">
-                <a:ln>
-                  <a:noFill/>
-                </a:ln>
-                <a:solidFill>
-                  <a:schemeClr val="tx1"/>
-                </a:solidFill>
-                <a:effectLst/>
-                <a:uLnTx/>
-                <a:uFillTx/>
-                <a:latin typeface="+mn-lt"/>
-                <a:ea typeface="+mn-ea"/>
-                <a:cs typeface="+mn-cs"/>
-              </a:rPr>
-              <a:t>-</a:t>
-            </a:r>
-            <a:r>
-              <a:rPr kumimoji="0" lang="en-US" sz="2400" b="0" i="0" u="none" strike="noStrike" kern="1200" cap="none" spc="0" normalizeH="0" baseline="0" noProof="0" dirty="0" smtClean="0">
-                <a:ln>
-                  <a:noFill/>
-                </a:ln>
-                <a:solidFill>
-                  <a:schemeClr val="tx1"/>
-                </a:solidFill>
-                <a:effectLst/>
-                <a:uLnTx/>
-                <a:uFillTx/>
-                <a:latin typeface="+mn-lt"/>
-                <a:ea typeface="+mn-ea"/>
-                <a:cs typeface="+mn-cs"/>
-              </a:rPr>
-              <a:t>),(L</a:t>
-            </a:r>
-            <a:r>
-              <a:rPr kumimoji="0" lang="en-US" sz="2400" b="0" i="0" u="none" strike="noStrike" kern="1200" cap="none" spc="0" normalizeH="0" baseline="-25000" noProof="0" dirty="0" smtClean="0">
-                <a:ln>
-                  <a:noFill/>
-                </a:ln>
-                <a:solidFill>
-                  <a:schemeClr val="tx1"/>
-                </a:solidFill>
-                <a:effectLst/>
-                <a:uLnTx/>
-                <a:uFillTx/>
-                <a:latin typeface="+mn-lt"/>
-                <a:ea typeface="+mn-ea"/>
-                <a:cs typeface="+mn-cs"/>
-              </a:rPr>
-              <a:t>+</a:t>
-            </a:r>
-            <a:r>
-              <a:rPr kumimoji="0" lang="en-US" sz="2400" b="0" i="0" u="none" strike="noStrike" kern="1200" cap="none" spc="0" normalizeH="0" baseline="0" noProof="0" dirty="0" smtClean="0">
-                <a:ln>
-                  <a:noFill/>
-                </a:ln>
-                <a:solidFill>
-                  <a:schemeClr val="tx1"/>
-                </a:solidFill>
-                <a:effectLst/>
-                <a:uLnTx/>
-                <a:uFillTx/>
-                <a:latin typeface="+mn-lt"/>
-                <a:ea typeface="+mn-ea"/>
-                <a:cs typeface="+mn-cs"/>
-              </a:rPr>
-              <a:t>’,L</a:t>
-            </a:r>
-            <a:r>
-              <a:rPr kumimoji="0" lang="en-US" sz="2400" b="0" i="0" u="none" strike="noStrike" kern="1200" cap="none" spc="0" normalizeH="0" baseline="-25000" noProof="0" dirty="0" smtClean="0">
-                <a:ln>
-                  <a:noFill/>
-                </a:ln>
-                <a:solidFill>
-                  <a:schemeClr val="tx1"/>
-                </a:solidFill>
-                <a:effectLst/>
-                <a:uLnTx/>
-                <a:uFillTx/>
-                <a:latin typeface="+mn-lt"/>
-                <a:ea typeface="+mn-ea"/>
-                <a:cs typeface="+mn-cs"/>
-              </a:rPr>
-              <a:t>-</a:t>
-            </a:r>
-            <a:r>
-              <a:rPr kumimoji="0" lang="en-US" sz="2400" b="0" i="0" u="none" strike="noStrike" kern="1200" cap="none" spc="0" normalizeH="0" baseline="0" noProof="0" dirty="0" smtClean="0">
-                <a:ln>
-                  <a:noFill/>
-                </a:ln>
-                <a:solidFill>
-                  <a:schemeClr val="tx1"/>
-                </a:solidFill>
-                <a:effectLst/>
-                <a:uLnTx/>
-                <a:uFillTx/>
-                <a:latin typeface="+mn-lt"/>
-                <a:ea typeface="+mn-ea"/>
-                <a:cs typeface="+mn-cs"/>
-              </a:rPr>
-              <a:t>’)) </a:t>
-            </a:r>
-            <a:r>
-              <a:rPr kumimoji="0" lang="en-US" sz="2400" b="0" i="0" u="none" strike="noStrike" kern="1200" cap="none" spc="0" normalizeH="0" baseline="0" noProof="0" dirty="0" smtClean="0">
-                <a:ln>
-                  <a:noFill/>
-                </a:ln>
-                <a:solidFill>
-                  <a:schemeClr val="tx1"/>
-                </a:solidFill>
-                <a:effectLst/>
-                <a:uLnTx/>
-                <a:uFillTx/>
-                <a:latin typeface="+mn-lt"/>
-                <a:ea typeface="+mn-ea"/>
-                <a:cs typeface="+mn-cs"/>
-              </a:rPr>
-              <a:t>= ((L</a:t>
-            </a:r>
-            <a:r>
-              <a:rPr kumimoji="0" lang="en-US" sz="2400" b="0" i="0" u="none" strike="noStrike" kern="1200" cap="none" spc="0" normalizeH="0" baseline="-25000" noProof="0" dirty="0" smtClean="0">
-                <a:ln>
-                  <a:noFill/>
-                </a:ln>
-                <a:solidFill>
-                  <a:schemeClr val="tx1"/>
-                </a:solidFill>
-                <a:effectLst/>
-                <a:uLnTx/>
-                <a:uFillTx/>
-                <a:latin typeface="+mn-lt"/>
-                <a:ea typeface="+mn-ea"/>
-                <a:cs typeface="+mn-cs"/>
-              </a:rPr>
-              <a:t>+</a:t>
-            </a:r>
-            <a:r>
-              <a:rPr kumimoji="0" lang="en-US" sz="2400" b="0" i="0" u="none" strike="noStrike" kern="1200" cap="none" spc="0" normalizeH="0" baseline="0" noProof="0" dirty="0" smtClean="0">
-                <a:ln>
-                  <a:noFill/>
-                </a:ln>
-                <a:solidFill>
-                  <a:schemeClr val="tx1"/>
-                </a:solidFill>
-                <a:effectLst/>
-                <a:uLnTx/>
-                <a:uFillTx/>
-                <a:latin typeface="+mn-lt"/>
-                <a:ea typeface="+mn-ea"/>
-                <a:cs typeface="+mn-cs"/>
-              </a:rPr>
-              <a:t>UL</a:t>
-            </a:r>
-            <a:r>
-              <a:rPr kumimoji="0" lang="en-US" sz="2400" b="0" i="0" u="none" strike="noStrike" kern="1200" cap="none" spc="0" normalizeH="0" baseline="-25000" noProof="0" dirty="0" smtClean="0">
-                <a:ln>
-                  <a:noFill/>
-                </a:ln>
-                <a:solidFill>
-                  <a:schemeClr val="tx1"/>
-                </a:solidFill>
-                <a:effectLst/>
-                <a:uLnTx/>
-                <a:uFillTx/>
-                <a:latin typeface="+mn-lt"/>
-                <a:ea typeface="+mn-ea"/>
-                <a:cs typeface="+mn-cs"/>
-              </a:rPr>
-              <a:t>+</a:t>
-            </a:r>
-            <a:r>
-              <a:rPr kumimoji="0" lang="en-US" sz="2400" b="0" i="0" u="none" strike="noStrike" kern="1200" cap="none" spc="0" normalizeH="0" baseline="0" noProof="0" dirty="0" smtClean="0">
-                <a:ln>
-                  <a:noFill/>
-                </a:ln>
-                <a:solidFill>
-                  <a:schemeClr val="tx1"/>
-                </a:solidFill>
-                <a:effectLst/>
-                <a:uLnTx/>
-                <a:uFillTx/>
-                <a:latin typeface="+mn-lt"/>
-                <a:ea typeface="+mn-ea"/>
-                <a:cs typeface="+mn-cs"/>
-              </a:rPr>
-              <a:t>’)-L</a:t>
-            </a:r>
-            <a:r>
-              <a:rPr kumimoji="0" lang="en-US" sz="2400" b="0" i="0" u="none" strike="noStrike" kern="1200" cap="none" spc="0" normalizeH="0" baseline="-25000" noProof="0" dirty="0" smtClean="0">
-                <a:ln>
-                  <a:noFill/>
-                </a:ln>
-                <a:solidFill>
-                  <a:schemeClr val="tx1"/>
-                </a:solidFill>
-                <a:effectLst/>
-                <a:uLnTx/>
-                <a:uFillTx/>
-                <a:latin typeface="+mn-lt"/>
-                <a:ea typeface="+mn-ea"/>
-                <a:cs typeface="+mn-cs"/>
-              </a:rPr>
-              <a:t>-</a:t>
-            </a:r>
-            <a:r>
-              <a:rPr kumimoji="0" lang="en-US" sz="2400" b="0" i="0" u="none" strike="noStrike" kern="1200" cap="none" spc="0" normalizeH="0" baseline="0" noProof="0" dirty="0" smtClean="0">
-                <a:ln>
-                  <a:noFill/>
-                </a:ln>
-                <a:solidFill>
-                  <a:schemeClr val="tx1"/>
-                </a:solidFill>
-                <a:effectLst/>
-                <a:uLnTx/>
-                <a:uFillTx/>
-                <a:latin typeface="+mn-lt"/>
-                <a:ea typeface="+mn-ea"/>
-                <a:cs typeface="+mn-cs"/>
-              </a:rPr>
-              <a:t>’,(L</a:t>
-            </a:r>
-            <a:r>
-              <a:rPr kumimoji="0" lang="en-US" sz="2400" b="0" i="0" u="none" strike="noStrike" kern="1200" cap="none" spc="0" normalizeH="0" baseline="-25000" noProof="0" dirty="0" smtClean="0">
-                <a:ln>
-                  <a:noFill/>
-                </a:ln>
-                <a:solidFill>
-                  <a:schemeClr val="tx1"/>
-                </a:solidFill>
-                <a:effectLst/>
-                <a:uLnTx/>
-                <a:uFillTx/>
-                <a:latin typeface="+mn-lt"/>
-                <a:ea typeface="+mn-ea"/>
-                <a:cs typeface="+mn-cs"/>
-              </a:rPr>
-              <a:t>-</a:t>
-            </a:r>
-            <a:r>
-              <a:rPr kumimoji="0" lang="en-US" sz="2400" b="0" i="0" u="none" strike="noStrike" kern="1200" cap="none" spc="0" normalizeH="0" baseline="0" noProof="0" dirty="0" smtClean="0">
-                <a:ln>
-                  <a:noFill/>
-                </a:ln>
-                <a:solidFill>
-                  <a:schemeClr val="tx1"/>
-                </a:solidFill>
-                <a:effectLst/>
-                <a:uLnTx/>
-                <a:uFillTx/>
-                <a:latin typeface="+mn-lt"/>
-                <a:ea typeface="+mn-ea"/>
-                <a:cs typeface="+mn-cs"/>
-              </a:rPr>
-              <a:t>UL</a:t>
-            </a:r>
-            <a:r>
-              <a:rPr kumimoji="0" lang="en-US" sz="2400" b="0" i="0" u="none" strike="noStrike" kern="1200" cap="none" spc="0" normalizeH="0" baseline="-25000" noProof="0" dirty="0" smtClean="0">
-                <a:ln>
-                  <a:noFill/>
-                </a:ln>
-                <a:solidFill>
-                  <a:schemeClr val="tx1"/>
-                </a:solidFill>
-                <a:effectLst/>
-                <a:uLnTx/>
-                <a:uFillTx/>
-                <a:latin typeface="+mn-lt"/>
-                <a:ea typeface="+mn-ea"/>
-                <a:cs typeface="+mn-cs"/>
-              </a:rPr>
-              <a:t>-</a:t>
-            </a:r>
-            <a:r>
-              <a:rPr kumimoji="0" lang="en-US" sz="2400" b="0" i="0" u="none" strike="noStrike" kern="1200" cap="none" spc="0" normalizeH="0" baseline="0" noProof="0" dirty="0" smtClean="0">
-                <a:ln>
-                  <a:noFill/>
-                </a:ln>
-                <a:solidFill>
-                  <a:schemeClr val="tx1"/>
-                </a:solidFill>
-                <a:effectLst/>
-                <a:uLnTx/>
-                <a:uFillTx/>
-                <a:latin typeface="+mn-lt"/>
-                <a:ea typeface="+mn-ea"/>
-                <a:cs typeface="+mn-cs"/>
-              </a:rPr>
-              <a:t>’)-L</a:t>
-            </a:r>
-            <a:r>
-              <a:rPr kumimoji="0" lang="en-US" sz="2400" b="0" i="0" u="none" strike="noStrike" kern="1200" cap="none" spc="0" normalizeH="0" baseline="-25000" noProof="0" dirty="0" smtClean="0">
-                <a:ln>
-                  <a:noFill/>
-                </a:ln>
-                <a:solidFill>
-                  <a:schemeClr val="tx1"/>
-                </a:solidFill>
-                <a:effectLst/>
-                <a:uLnTx/>
-                <a:uFillTx/>
-                <a:latin typeface="+mn-lt"/>
-                <a:ea typeface="+mn-ea"/>
-                <a:cs typeface="+mn-cs"/>
-              </a:rPr>
-              <a:t>+</a:t>
-            </a:r>
-            <a:r>
-              <a:rPr kumimoji="0" lang="en-US" sz="2400" b="0" i="0" u="none" strike="noStrike" kern="1200" cap="none" spc="0" normalizeH="0" baseline="0" noProof="0" dirty="0" smtClean="0">
-                <a:ln>
-                  <a:noFill/>
-                </a:ln>
-                <a:solidFill>
-                  <a:schemeClr val="tx1"/>
-                </a:solidFill>
-                <a:effectLst/>
-                <a:uLnTx/>
-                <a:uFillTx/>
-                <a:latin typeface="+mn-lt"/>
-                <a:ea typeface="+mn-ea"/>
-                <a:cs typeface="+mn-cs"/>
-              </a:rPr>
-              <a:t>’) </a:t>
-            </a:r>
             <a:endParaRPr kumimoji="0" lang="ru-RU" sz="2400" b="0" i="0" u="none" strike="noStrike" kern="1200" cap="none" spc="0" normalizeH="0" baseline="0" noProof="0" dirty="0">
               <a:ln>
                 <a:noFill/>
@@ -5155,7 +5665,7 @@
         </p:nvSpPr>
         <p:spPr>
           <a:xfrm>
-            <a:off x="683568" y="4509120"/>
+            <a:off x="683568" y="4581128"/>
             <a:ext cx="7776864" cy="576064"/>
           </a:xfrm>
           <a:prstGeom prst="rect">
@@ -5190,231 +5700,6 @@
               <a:tabLst/>
               <a:defRPr/>
             </a:pPr>
-            <a:r>
-              <a:rPr kumimoji="0" lang="en-US" sz="2400" b="0" i="0" u="none" strike="noStrike" kern="1200" cap="none" spc="0" normalizeH="0" baseline="0" noProof="0" dirty="0" err="1" smtClean="0">
-                <a:ln>
-                  <a:noFill/>
-                </a:ln>
-                <a:solidFill>
-                  <a:schemeClr val="tx1"/>
-                </a:solidFill>
-                <a:effectLst/>
-                <a:uLnTx/>
-                <a:uFillTx/>
-                <a:latin typeface="+mn-lt"/>
-                <a:ea typeface="+mn-ea"/>
-                <a:cs typeface="+mn-cs"/>
-              </a:rPr>
-              <a:t>lock_</a:t>
-            </a:r>
-            <a:r>
-              <a:rPr lang="en-US" sz="2400" noProof="0" dirty="0" err="1" smtClean="0"/>
-              <a:t>summary</a:t>
-            </a:r>
-            <a:r>
-              <a:rPr kumimoji="0" lang="en-US" sz="2400" b="0" i="0" u="none" strike="noStrike" kern="1200" cap="none" spc="0" normalizeH="0" baseline="0" noProof="0" dirty="0" smtClean="0">
-                <a:ln>
-                  <a:noFill/>
-                </a:ln>
-                <a:solidFill>
-                  <a:schemeClr val="tx1"/>
-                </a:solidFill>
-                <a:effectLst/>
-                <a:uLnTx/>
-                <a:uFillTx/>
-                <a:latin typeface="+mn-lt"/>
-                <a:ea typeface="+mn-ea"/>
-                <a:cs typeface="+mn-cs"/>
-              </a:rPr>
-              <a:t>(L</a:t>
-            </a:r>
-            <a:r>
-              <a:rPr kumimoji="0" lang="en-US" sz="2400" b="0" i="0" u="none" strike="noStrike" kern="1200" cap="none" spc="0" normalizeH="0" baseline="-25000" noProof="0" dirty="0" smtClean="0">
-                <a:ln>
-                  <a:noFill/>
-                </a:ln>
-                <a:solidFill>
-                  <a:schemeClr val="tx1"/>
-                </a:solidFill>
-                <a:effectLst/>
-                <a:uLnTx/>
-                <a:uFillTx/>
-                <a:latin typeface="+mn-lt"/>
-                <a:ea typeface="+mn-ea"/>
-                <a:cs typeface="+mn-cs"/>
-              </a:rPr>
-              <a:t>1</a:t>
-            </a:r>
-            <a:r>
-              <a:rPr kumimoji="0" lang="en-US" sz="2400" b="0" i="0" u="none" strike="noStrike" kern="1200" cap="none" spc="0" normalizeH="0" baseline="0" noProof="0" dirty="0" smtClean="0">
-                <a:ln>
-                  <a:noFill/>
-                </a:ln>
-                <a:solidFill>
-                  <a:schemeClr val="tx1"/>
-                </a:solidFill>
-                <a:effectLst/>
-                <a:uLnTx/>
-                <a:uFillTx/>
-                <a:latin typeface="+mn-lt"/>
-                <a:ea typeface="+mn-ea"/>
-                <a:cs typeface="+mn-cs"/>
-              </a:rPr>
-              <a:t>,</a:t>
-            </a:r>
-            <a:r>
-              <a:rPr kumimoji="0" lang="en-US" sz="2400" b="0" i="0" u="none" strike="noStrike" kern="1200" cap="none" spc="0" normalizeH="0" noProof="0" dirty="0" smtClean="0">
-                <a:ln>
-                  <a:noFill/>
-                </a:ln>
-                <a:solidFill>
-                  <a:schemeClr val="tx1"/>
-                </a:solidFill>
-                <a:effectLst/>
-                <a:uLnTx/>
-                <a:uFillTx/>
-                <a:latin typeface="+mn-lt"/>
-                <a:ea typeface="+mn-ea"/>
-                <a:cs typeface="+mn-cs"/>
-              </a:rPr>
-              <a:t> …, L</a:t>
-            </a:r>
-            <a:r>
-              <a:rPr kumimoji="0" lang="en-US" sz="2400" b="0" i="0" u="none" strike="noStrike" kern="1200" cap="none" spc="0" normalizeH="0" baseline="-25000" noProof="0" dirty="0" smtClean="0">
-                <a:ln>
-                  <a:noFill/>
-                </a:ln>
-                <a:solidFill>
-                  <a:schemeClr val="tx1"/>
-                </a:solidFill>
-                <a:effectLst/>
-                <a:uLnTx/>
-                <a:uFillTx/>
-                <a:latin typeface="+mn-lt"/>
-                <a:ea typeface="+mn-ea"/>
-                <a:cs typeface="+mn-cs"/>
-              </a:rPr>
-              <a:t>n</a:t>
-            </a:r>
-            <a:r>
-              <a:rPr kumimoji="0" lang="en-US" sz="2400" b="0" i="0" u="none" strike="noStrike" kern="1200" cap="none" spc="0" normalizeH="0" noProof="0" dirty="0" smtClean="0">
-                <a:ln>
-                  <a:noFill/>
-                </a:ln>
-                <a:solidFill>
-                  <a:schemeClr val="tx1"/>
-                </a:solidFill>
-                <a:effectLst/>
-                <a:uLnTx/>
-                <a:uFillTx/>
-                <a:latin typeface="+mn-lt"/>
-                <a:ea typeface="+mn-ea"/>
-                <a:cs typeface="+mn-cs"/>
-              </a:rPr>
-              <a:t>) </a:t>
-            </a:r>
-            <a:r>
-              <a:rPr kumimoji="0" lang="en-US" sz="2400" b="0" i="0" u="none" strike="noStrike" kern="1200" cap="none" spc="0" normalizeH="0" baseline="0" noProof="0" dirty="0" smtClean="0">
-                <a:ln>
-                  <a:noFill/>
-                </a:ln>
-                <a:solidFill>
-                  <a:schemeClr val="tx1"/>
-                </a:solidFill>
-                <a:effectLst/>
-                <a:uLnTx/>
-                <a:uFillTx/>
-                <a:latin typeface="+mn-lt"/>
-                <a:ea typeface="+mn-ea"/>
-                <a:cs typeface="+mn-cs"/>
-              </a:rPr>
-              <a:t>= (∩L</a:t>
-            </a:r>
-            <a:r>
-              <a:rPr kumimoji="0" lang="en-US" sz="2400" b="0" i="0" u="none" strike="noStrike" kern="1200" cap="none" spc="0" normalizeH="0" baseline="-25000" noProof="0" dirty="0" smtClean="0">
-                <a:ln>
-                  <a:noFill/>
-                </a:ln>
-                <a:solidFill>
-                  <a:schemeClr val="tx1"/>
-                </a:solidFill>
-                <a:effectLst/>
-                <a:uLnTx/>
-                <a:uFillTx/>
-                <a:latin typeface="+mn-lt"/>
-                <a:ea typeface="+mn-ea"/>
-                <a:cs typeface="+mn-cs"/>
-              </a:rPr>
-              <a:t>i</a:t>
-            </a:r>
-            <a:r>
-              <a:rPr kumimoji="0" lang="en-US" sz="2400" b="0" i="0" u="none" strike="noStrike" kern="1200" cap="none" spc="0" normalizeH="0" baseline="0" noProof="0" dirty="0" smtClean="0">
-                <a:ln>
-                  <a:noFill/>
-                </a:ln>
-                <a:solidFill>
-                  <a:schemeClr val="tx1"/>
-                </a:solidFill>
-                <a:effectLst/>
-                <a:uLnTx/>
-                <a:uFillTx/>
-                <a:latin typeface="+mn-lt"/>
-                <a:ea typeface="+mn-ea"/>
-                <a:cs typeface="+mn-cs"/>
-              </a:rPr>
-              <a:t>[0], </a:t>
-            </a:r>
-            <a:r>
-              <a:rPr kumimoji="0" lang="en-US" sz="2400" b="0" i="0" u="none" strike="noStrike" kern="1200" cap="none" spc="0" normalizeH="0" baseline="0" noProof="0" dirty="0" err="1" smtClean="0">
-                <a:ln>
-                  <a:noFill/>
-                </a:ln>
-                <a:solidFill>
-                  <a:schemeClr val="tx1"/>
-                </a:solidFill>
-                <a:effectLst/>
-                <a:uLnTx/>
-                <a:uFillTx/>
-                <a:latin typeface="+mn-lt"/>
-                <a:ea typeface="+mn-ea"/>
-                <a:cs typeface="+mn-cs"/>
-              </a:rPr>
-              <a:t>UL</a:t>
-            </a:r>
-            <a:r>
-              <a:rPr kumimoji="0" lang="en-US" sz="2400" b="0" i="0" u="none" strike="noStrike" kern="1200" cap="none" spc="0" normalizeH="0" baseline="-25000" noProof="0" dirty="0" err="1" smtClean="0">
-                <a:ln>
-                  <a:noFill/>
-                </a:ln>
-                <a:solidFill>
-                  <a:schemeClr val="tx1"/>
-                </a:solidFill>
-                <a:effectLst/>
-                <a:uLnTx/>
-                <a:uFillTx/>
-                <a:latin typeface="+mn-lt"/>
-                <a:ea typeface="+mn-ea"/>
-                <a:cs typeface="+mn-cs"/>
-              </a:rPr>
-              <a:t>i</a:t>
-            </a:r>
-            <a:r>
-              <a:rPr kumimoji="0" lang="en-US" sz="2400" b="0" i="0" u="none" strike="noStrike" kern="1200" cap="none" spc="0" normalizeH="0" baseline="0" noProof="0" dirty="0" smtClean="0">
-                <a:ln>
-                  <a:noFill/>
-                </a:ln>
-                <a:solidFill>
-                  <a:schemeClr val="tx1"/>
-                </a:solidFill>
-                <a:effectLst/>
-                <a:uLnTx/>
-                <a:uFillTx/>
-                <a:latin typeface="+mn-lt"/>
-                <a:ea typeface="+mn-ea"/>
-                <a:cs typeface="+mn-cs"/>
-              </a:rPr>
-              <a:t>[1])</a:t>
-            </a:r>
             <a:endParaRPr kumimoji="0" lang="ru-RU" sz="2400" b="0" i="0" u="none" strike="noStrike" kern="1200" cap="none" spc="0" normalizeH="0" baseline="0" noProof="0" dirty="0">
               <a:ln>
                 <a:noFill/>
@@ -5432,44 +5717,86 @@
           </a:p>
         </p:txBody>
       </p:sp>
-      <p:sp>
-        <p:nvSpPr>
-          <p:cNvPr id="9" name="TextBox 8"/>
-          <p:cNvSpPr txBox="1"/>
+      <p:graphicFrame>
+        <p:nvGraphicFramePr>
+          <p:cNvPr id="10" name="Объект 9"/>
+          <p:cNvGraphicFramePr>
+            <a:graphicFrameLocks noChangeAspect="1"/>
+          </p:cNvGraphicFramePr>
           <p:nvPr/>
-        </p:nvSpPr>
-        <p:spPr>
-          <a:xfrm>
-            <a:off x="971600" y="5949280"/>
-            <a:ext cx="5832648" cy="369332"/>
-          </a:xfrm>
-          <a:prstGeom prst="rect">
-            <a:avLst/>
-          </a:prstGeom>
-          <a:noFill/>
-        </p:spPr>
-        <p:txBody>
-          <a:bodyPr wrap="square" rtlCol="0">
-            <a:spAutoFit/>
-          </a:bodyPr>
-          <a:lstStyle/>
-          <a:p>
-            <a:r>
-              <a:rPr lang="ru-RU" dirty="0" smtClean="0">
-                <a:solidFill>
-                  <a:srgbClr val="FF0000"/>
-                </a:solidFill>
-              </a:rPr>
-              <a:t>Формулы надо перерисовать через редактор формул</a:t>
-            </a:r>
-            <a:endParaRPr lang="ru-RU" dirty="0">
-              <a:solidFill>
-                <a:srgbClr val="FF0000"/>
-              </a:solidFill>
-            </a:endParaRPr>
-          </a:p>
-        </p:txBody>
-      </p:sp>
+        </p:nvGraphicFramePr>
+        <p:xfrm>
+          <a:off x="683568" y="3789040"/>
+          <a:ext cx="7920880" cy="432048"/>
+        </p:xfrm>
+        <a:graphic>
+          <a:graphicData uri="http://schemas.openxmlformats.org/presentationml/2006/ole">
+            <p:oleObj spid="_x0000_s1026" name="Формула" r:id="rId3" imgW="4089240" imgH="215640" progId="Equation.3">
+              <p:embed/>
+            </p:oleObj>
+          </a:graphicData>
+        </a:graphic>
+      </p:graphicFrame>
+      <p:graphicFrame>
+        <p:nvGraphicFramePr>
+          <p:cNvPr id="12" name="Объект 11"/>
+          <p:cNvGraphicFramePr>
+            <a:graphicFrameLocks noChangeAspect="1"/>
+          </p:cNvGraphicFramePr>
+          <p:nvPr/>
+        </p:nvGraphicFramePr>
+        <p:xfrm>
+          <a:off x="1835696" y="4653136"/>
+          <a:ext cx="5565795" cy="432048"/>
+        </p:xfrm>
+        <a:graphic>
+          <a:graphicData uri="http://schemas.openxmlformats.org/presentationml/2006/ole">
+            <p:oleObj spid="_x0000_s1027" name="Формула" r:id="rId4" imgW="2781000" imgH="215640" progId="Equation.3">
+              <p:embed/>
+            </p:oleObj>
+          </a:graphicData>
+        </a:graphic>
+      </p:graphicFrame>
+      <p:graphicFrame>
+        <p:nvGraphicFramePr>
+          <p:cNvPr id="13" name="Объект 12"/>
+          <p:cNvGraphicFramePr>
+            <a:graphicFrameLocks noChangeAspect="1"/>
+          </p:cNvGraphicFramePr>
+          <p:nvPr/>
+        </p:nvGraphicFramePr>
+        <p:xfrm>
+          <a:off x="1907704" y="5517232"/>
+          <a:ext cx="1912713" cy="360040"/>
+        </p:xfrm>
+        <a:graphic>
+          <a:graphicData uri="http://schemas.openxmlformats.org/presentationml/2006/ole">
+            <p:oleObj spid="_x0000_s1028" name="Формула" r:id="rId5" imgW="1079280" imgH="203040" progId="Equation.3">
+              <p:embed/>
+            </p:oleObj>
+          </a:graphicData>
+        </a:graphic>
+      </p:graphicFrame>
+      <p:graphicFrame>
+        <p:nvGraphicFramePr>
+          <p:cNvPr id="14" name="Объект 13"/>
+          <p:cNvGraphicFramePr>
+            <a:graphicFrameLocks noChangeAspect="1"/>
+          </p:cNvGraphicFramePr>
+          <p:nvPr/>
+        </p:nvGraphicFramePr>
+        <p:xfrm>
+          <a:off x="5076056" y="5517232"/>
+          <a:ext cx="2182743" cy="360040"/>
+        </p:xfrm>
+        <a:graphic>
+          <a:graphicData uri="http://schemas.openxmlformats.org/presentationml/2006/ole">
+            <p:oleObj spid="_x0000_s1029" name="Формула" r:id="rId6" imgW="1231560" imgH="203040" progId="Equation.3">
+              <p:embed/>
+            </p:oleObj>
+          </a:graphicData>
+        </a:graphic>
+      </p:graphicFrame>
     </p:spTree>
   </p:cSld>
   <p:clrMapOvr>
@@ -5566,8 +5893,8 @@
         </p:nvSpPr>
         <p:spPr>
           <a:xfrm>
-            <a:off x="611560" y="1556792"/>
-            <a:ext cx="3816424" cy="4680520"/>
+            <a:off x="179512" y="1340768"/>
+            <a:ext cx="3384376" cy="3744416"/>
           </a:xfrm>
           <a:prstGeom prst="rect">
             <a:avLst/>
@@ -6100,42 +6427,30 @@
           </a:p>
         </p:txBody>
       </p:sp>
-      <p:sp>
-        <p:nvSpPr>
-          <p:cNvPr id="7" name="TextBox 6"/>
-          <p:cNvSpPr txBox="1"/>
+      <p:pic>
+        <p:nvPicPr>
+          <p:cNvPr id="8" name="Рисунок 7" descr="update_access.emf"/>
+          <p:cNvPicPr>
+            <a:picLocks noChangeAspect="1"/>
+          </p:cNvPicPr>
           <p:nvPr/>
-        </p:nvSpPr>
+        </p:nvPicPr>
+        <p:blipFill>
+          <a:blip r:embed="rId2" cstate="print"/>
+          <a:stretch>
+            <a:fillRect/>
+          </a:stretch>
+        </p:blipFill>
         <p:spPr>
           <a:xfrm>
-            <a:off x="5148064" y="2420888"/>
-            <a:ext cx="1944216" cy="2031325"/>
+            <a:off x="3707904" y="1412775"/>
+            <a:ext cx="5436096" cy="4631827"/>
           </a:xfrm>
           <a:prstGeom prst="rect">
             <a:avLst/>
           </a:prstGeom>
-          <a:noFill/>
         </p:spPr>
-        <p:txBody>
-          <a:bodyPr wrap="square" rtlCol="0">
-            <a:spAutoFit/>
-          </a:bodyPr>
-          <a:lstStyle/>
-          <a:p>
-            <a:r>
-              <a:rPr lang="ru-RU" dirty="0" smtClean="0"/>
-              <a:t>Не нарисовал еще алгоритм</a:t>
-            </a:r>
-          </a:p>
-          <a:p>
-            <a:r>
-              <a:rPr lang="ru-RU" dirty="0" smtClean="0"/>
-              <a:t>Добавления записей из таблицы для вызываемой функции.</a:t>
-            </a:r>
-            <a:endParaRPr lang="ru-RU" dirty="0"/>
-          </a:p>
-        </p:txBody>
-      </p:sp>
+      </p:pic>
     </p:spTree>
   </p:cSld>
   <p:clrMapOvr>
@@ -6442,7 +6757,23 @@
                   <a:srgbClr val="FF0000"/>
                 </a:solidFill>
               </a:rPr>
-              <a:t>Еще не знаю как это делать(</a:t>
+              <a:t>Учесть, что это </a:t>
+            </a:r>
+            <a:r>
+              <a:rPr lang="ru-RU" dirty="0" err="1" smtClean="0">
+                <a:solidFill>
+                  <a:srgbClr val="FF0000"/>
+                </a:solidFill>
+              </a:rPr>
+              <a:t>плагин</a:t>
+            </a:r>
+            <a:r>
+              <a:rPr lang="en-US" dirty="0" smtClean="0">
+                <a:solidFill>
+                  <a:srgbClr val="FF0000"/>
+                </a:solidFill>
+              </a:rPr>
+              <a:t>? </a:t>
             </a:r>
             <a:endParaRPr lang="ru-RU" dirty="0">
               <a:solidFill>

--- a/presentations/diplom/static race detection.pptx
+++ b/presentations/diplom/static race detection.pptx
@@ -6508,9 +6508,33 @@
           </a:p>
         </p:txBody>
       </p:sp>
+      <p:sp>
+        <p:nvSpPr>
+          <p:cNvPr id="4" name="Номер слайда 3"/>
+          <p:cNvSpPr>
+            <a:spLocks noGrp="1"/>
+          </p:cNvSpPr>
+          <p:nvPr>
+            <p:ph type="sldNum" sz="quarter" idx="12"/>
+          </p:nvPr>
+        </p:nvSpPr>
+        <p:spPr/>
+        <p:txBody>
+          <a:bodyPr/>
+          <a:lstStyle/>
+          <a:p>
+            <a:fld id="{6ACCCD26-A6AD-4D04-8A48-0C02F87992A0}" type="slidenum">
+              <a:rPr lang="ru-RU" smtClean="0"/>
+              <a:pPr/>
+              <a:t>13</a:t>
+            </a:fld>
+            <a:endParaRPr lang="ru-RU"/>
+          </a:p>
+        </p:txBody>
+      </p:sp>
       <p:pic>
         <p:nvPicPr>
-          <p:cNvPr id="5" name="Содержимое 4" descr="generate_warnings.emf"/>
+          <p:cNvPr id="8" name="Содержимое 7" descr="generate_warnings.emf"/>
           <p:cNvPicPr>
             <a:picLocks noGrp="1" noChangeAspect="1"/>
           </p:cNvPicPr>
@@ -6526,73 +6550,11 @@
         </p:blipFill>
         <p:spPr>
           <a:xfrm>
-            <a:off x="179512" y="1844824"/>
-            <a:ext cx="8694981" cy="4032448"/>
+            <a:off x="457200" y="1942793"/>
+            <a:ext cx="8229600" cy="3840776"/>
           </a:xfrm>
         </p:spPr>
       </p:pic>
-      <p:sp>
-        <p:nvSpPr>
-          <p:cNvPr id="4" name="Номер слайда 3"/>
-          <p:cNvSpPr>
-            <a:spLocks noGrp="1"/>
-          </p:cNvSpPr>
-          <p:nvPr>
-            <p:ph type="sldNum" sz="quarter" idx="12"/>
-          </p:nvPr>
-        </p:nvSpPr>
-        <p:spPr/>
-        <p:txBody>
-          <a:bodyPr/>
-          <a:lstStyle/>
-          <a:p>
-            <a:fld id="{6ACCCD26-A6AD-4D04-8A48-0C02F87992A0}" type="slidenum">
-              <a:rPr lang="ru-RU" smtClean="0"/>
-              <a:pPr/>
-              <a:t>13</a:t>
-            </a:fld>
-            <a:endParaRPr lang="ru-RU"/>
-          </a:p>
-        </p:txBody>
-      </p:sp>
-      <p:sp>
-        <p:nvSpPr>
-          <p:cNvPr id="6" name="TextBox 5"/>
-          <p:cNvSpPr txBox="1"/>
-          <p:nvPr/>
-        </p:nvSpPr>
-        <p:spPr>
-          <a:xfrm>
-            <a:off x="251520" y="1700808"/>
-            <a:ext cx="1656184" cy="369332"/>
-          </a:xfrm>
-          <a:prstGeom prst="rect">
-            <a:avLst/>
-          </a:prstGeom>
-          <a:noFill/>
-        </p:spPr>
-        <p:txBody>
-          <a:bodyPr wrap="square" rtlCol="0">
-            <a:spAutoFit/>
-          </a:bodyPr>
-          <a:lstStyle/>
-          <a:p>
-            <a:r>
-              <a:rPr lang="ru-RU" dirty="0" smtClean="0">
-                <a:solidFill>
-                  <a:srgbClr val="FF0000"/>
-                </a:solidFill>
-              </a:rPr>
-              <a:t>Перерисовать!</a:t>
-            </a:r>
-            <a:endParaRPr lang="ru-RU" dirty="0">
-              <a:solidFill>
-                <a:srgbClr val="FF0000"/>
-              </a:solidFill>
-            </a:endParaRPr>
-          </a:p>
-        </p:txBody>
-      </p:sp>
     </p:spTree>
   </p:cSld>
   <p:clrMapOvr>

--- a/presentations/diplom/static race detection.pptx
+++ b/presentations/diplom/static race detection.pptx
@@ -209,7 +209,7 @@
             <a:fld id="{22010AE4-EAD5-4EEF-A945-6FA18B13F5A9}" type="datetimeFigureOut">
               <a:rPr lang="ru-RU" smtClean="0"/>
               <a:pPr/>
-              <a:t>26.05.2014</a:t>
+              <a:t>29.05.2014</a:t>
             </a:fld>
             <a:endParaRPr lang="ru-RU"/>
           </a:p>
@@ -739,7 +739,7 @@
             <a:fld id="{CEA6B14D-0821-4C2C-82CE-9C65F3F9306A}" type="datetime1">
               <a:rPr lang="ru-RU" smtClean="0"/>
               <a:pPr/>
-              <a:t>26.05.2014</a:t>
+              <a:t>29.05.2014</a:t>
             </a:fld>
             <a:endParaRPr lang="ru-RU"/>
           </a:p>
@@ -906,7 +906,7 @@
             <a:fld id="{CBF73966-6DAD-453D-A6D4-80080695084C}" type="datetime1">
               <a:rPr lang="ru-RU" smtClean="0"/>
               <a:pPr/>
-              <a:t>26.05.2014</a:t>
+              <a:t>29.05.2014</a:t>
             </a:fld>
             <a:endParaRPr lang="ru-RU"/>
           </a:p>
@@ -1083,7 +1083,7 @@
             <a:fld id="{60C2BD43-7D16-471D-94F4-C9721BB6CC51}" type="datetime1">
               <a:rPr lang="ru-RU" smtClean="0"/>
               <a:pPr/>
-              <a:t>26.05.2014</a:t>
+              <a:t>29.05.2014</a:t>
             </a:fld>
             <a:endParaRPr lang="ru-RU"/>
           </a:p>
@@ -1250,7 +1250,7 @@
             <a:fld id="{96A1ED18-55C5-47E1-806F-C13AC0AFFCDF}" type="datetime1">
               <a:rPr lang="ru-RU" smtClean="0"/>
               <a:pPr/>
-              <a:t>26.05.2014</a:t>
+              <a:t>29.05.2014</a:t>
             </a:fld>
             <a:endParaRPr lang="ru-RU"/>
           </a:p>
@@ -1493,7 +1493,7 @@
             <a:fld id="{80CFC8BC-60B2-4B6B-9C0B-678A51AE4FEC}" type="datetime1">
               <a:rPr lang="ru-RU" smtClean="0"/>
               <a:pPr/>
-              <a:t>26.05.2014</a:t>
+              <a:t>29.05.2014</a:t>
             </a:fld>
             <a:endParaRPr lang="ru-RU"/>
           </a:p>
@@ -1778,7 +1778,7 @@
             <a:fld id="{1A23B688-547F-429C-B0D6-4A07BC3EE575}" type="datetime1">
               <a:rPr lang="ru-RU" smtClean="0"/>
               <a:pPr/>
-              <a:t>26.05.2014</a:t>
+              <a:t>29.05.2014</a:t>
             </a:fld>
             <a:endParaRPr lang="ru-RU"/>
           </a:p>
@@ -2197,7 +2197,7 @@
             <a:fld id="{910FAFDB-CCC7-4071-A914-8DA50D8301B3}" type="datetime1">
               <a:rPr lang="ru-RU" smtClean="0"/>
               <a:pPr/>
-              <a:t>26.05.2014</a:t>
+              <a:t>29.05.2014</a:t>
             </a:fld>
             <a:endParaRPr lang="ru-RU"/>
           </a:p>
@@ -2312,7 +2312,7 @@
             <a:fld id="{09D05F4B-8C57-4A06-9BCC-88C4FEC9DF22}" type="datetime1">
               <a:rPr lang="ru-RU" smtClean="0"/>
               <a:pPr/>
-              <a:t>26.05.2014</a:t>
+              <a:t>29.05.2014</a:t>
             </a:fld>
             <a:endParaRPr lang="ru-RU"/>
           </a:p>
@@ -2404,7 +2404,7 @@
             <a:fld id="{878A6FA8-4AF2-436B-B100-EA1CE8823379}" type="datetime1">
               <a:rPr lang="ru-RU" smtClean="0"/>
               <a:pPr/>
-              <a:t>26.05.2014</a:t>
+              <a:t>29.05.2014</a:t>
             </a:fld>
             <a:endParaRPr lang="ru-RU"/>
           </a:p>
@@ -2678,7 +2678,7 @@
             <a:fld id="{749F6870-1B45-47C5-9E9B-0AB301049281}" type="datetime1">
               <a:rPr lang="ru-RU" smtClean="0"/>
               <a:pPr/>
-              <a:t>26.05.2014</a:t>
+              <a:t>29.05.2014</a:t>
             </a:fld>
             <a:endParaRPr lang="ru-RU"/>
           </a:p>
@@ -2928,7 +2928,7 @@
             <a:fld id="{ECD49713-43BE-464A-99A3-7A440665C9A7}" type="datetime1">
               <a:rPr lang="ru-RU" smtClean="0"/>
               <a:pPr/>
-              <a:t>26.05.2014</a:t>
+              <a:t>29.05.2014</a:t>
             </a:fld>
             <a:endParaRPr lang="ru-RU"/>
           </a:p>
@@ -3138,7 +3138,7 @@
             <a:fld id="{66113E02-8A28-4829-8EC3-8D7A05A958CF}" type="datetime1">
               <a:rPr lang="ru-RU" smtClean="0"/>
               <a:pPr/>
-              <a:t>26.05.2014</a:t>
+              <a:t>29.05.2014</a:t>
             </a:fld>
             <a:endParaRPr lang="ru-RU"/>
           </a:p>
@@ -4165,11 +4165,7 @@
           <a:p>
             <a:r>
               <a:rPr lang="ru-RU" dirty="0" smtClean="0"/>
-              <a:t>Обновление </a:t>
-            </a:r>
-            <a:r>
-              <a:rPr lang="ru-RU" dirty="0" smtClean="0"/>
-              <a:t>перекрестных ссылок</a:t>
+              <a:t>Обновление перекрестных ссылок</a:t>
             </a:r>
             <a:endParaRPr lang="ru-RU" dirty="0"/>
           </a:p>
@@ -4958,11 +4954,7 @@
           <a:p>
             <a:r>
               <a:rPr lang="ru-RU" dirty="0" smtClean="0"/>
-              <a:t>Относительное множество </a:t>
-            </a:r>
-            <a:r>
-              <a:rPr lang="ru-RU" dirty="0" smtClean="0"/>
-              <a:t>блокировок</a:t>
+              <a:t>Относительное множество блокировок</a:t>
             </a:r>
             <a:endParaRPr lang="ru-RU" dirty="0"/>
           </a:p>
@@ -5343,24 +5335,7 @@
                 <a:ea typeface="+mn-ea"/>
                 <a:cs typeface="+mn-cs"/>
               </a:rPr>
-              <a:t>множество </a:t>
-            </a:r>
-            <a:r>
-              <a:rPr kumimoji="0" lang="ru-RU" sz="2400" b="0" i="0" u="none" strike="noStrike" kern="1200" cap="none" spc="0" normalizeH="0" baseline="0" noProof="0" dirty="0" smtClean="0">
-                <a:ln>
-                  <a:noFill/>
-                </a:ln>
-                <a:solidFill>
-                  <a:schemeClr val="tx1"/>
-                </a:solidFill>
-                <a:effectLst/>
-                <a:uLnTx/>
-                <a:uFillTx/>
-                <a:latin typeface="+mn-lt"/>
-                <a:ea typeface="+mn-ea"/>
-                <a:cs typeface="+mn-cs"/>
-              </a:rPr>
-              <a:t>захваченных блокировок</a:t>
+              <a:t>множество захваченных блокировок</a:t>
             </a:r>
             <a:r>
               <a:rPr kumimoji="0" lang="en-US" sz="2400" b="0" i="0" u="none" strike="noStrike" kern="1200" cap="none" spc="0" normalizeH="0" baseline="0" noProof="0" dirty="0" smtClean="0">
@@ -5478,24 +5453,7 @@
                 <a:ea typeface="+mn-ea"/>
                 <a:cs typeface="+mn-cs"/>
               </a:rPr>
-              <a:t>множество </a:t>
-            </a:r>
-            <a:r>
-              <a:rPr kumimoji="0" lang="ru-RU" sz="2400" b="0" i="0" u="none" strike="noStrike" kern="1200" cap="none" spc="0" normalizeH="0" baseline="0" noProof="0" dirty="0" smtClean="0">
-                <a:ln>
-                  <a:noFill/>
-                </a:ln>
-                <a:solidFill>
-                  <a:schemeClr val="tx1"/>
-                </a:solidFill>
-                <a:effectLst/>
-                <a:uLnTx/>
-                <a:uFillTx/>
-                <a:latin typeface="+mn-lt"/>
-                <a:ea typeface="+mn-ea"/>
-                <a:cs typeface="+mn-cs"/>
-              </a:rPr>
-              <a:t>освобожденных блокировок</a:t>
+              <a:t>множество освобожденных блокировок</a:t>
             </a:r>
             <a:r>
               <a:rPr kumimoji="0" lang="en-US" sz="2400" b="0" i="0" u="none" strike="noStrike" kern="1200" cap="none" spc="0" normalizeH="0" baseline="0" noProof="0" dirty="0" smtClean="0">
@@ -5849,11 +5807,7 @@
           <a:p>
             <a:r>
               <a:rPr lang="ru-RU" dirty="0" smtClean="0"/>
-              <a:t>Таблица </a:t>
-            </a:r>
-            <a:r>
-              <a:rPr lang="ru-RU" dirty="0" smtClean="0"/>
-              <a:t>защищенного доступа</a:t>
+              <a:t>Таблица защищенного доступа</a:t>
             </a:r>
             <a:endParaRPr lang="ru-RU" dirty="0"/>
           </a:p>
@@ -6258,39 +6212,8 @@
                 <a:ea typeface="+mn-ea"/>
                 <a:cs typeface="+mn-cs"/>
               </a:rPr>
-              <a:t>относительное множество </a:t>
-            </a:r>
-            <a:r>
-              <a:rPr kumimoji="0" lang="ru-RU" sz="2400" b="0" i="0" u="none" strike="noStrike" kern="1200" cap="none" spc="0" normalizeH="0" baseline="0" noProof="0" dirty="0" smtClean="0">
-                <a:ln>
-                  <a:noFill/>
-                </a:ln>
-                <a:solidFill>
-                  <a:schemeClr val="tx1"/>
-                </a:solidFill>
-                <a:effectLst/>
-                <a:uLnTx/>
-                <a:uFillTx/>
-                <a:latin typeface="+mn-lt"/>
-                <a:ea typeface="+mn-ea"/>
-                <a:cs typeface="+mn-cs"/>
-              </a:rPr>
-              <a:t>блокировок на момент доступа,</a:t>
-            </a:r>
-            <a:endParaRPr kumimoji="0" lang="ru-RU" sz="2400" b="0" i="0" u="none" strike="noStrike" kern="1200" cap="none" spc="0" normalizeH="0" baseline="0" noProof="0" dirty="0" smtClean="0">
-              <a:ln>
-                <a:noFill/>
-              </a:ln>
-              <a:solidFill>
-                <a:schemeClr val="tx1"/>
-              </a:solidFill>
-              <a:effectLst/>
-              <a:uLnTx/>
-              <a:uFillTx/>
-              <a:latin typeface="+mn-lt"/>
-              <a:ea typeface="+mn-ea"/>
-              <a:cs typeface="+mn-cs"/>
-            </a:endParaRPr>
+              <a:t>относительное множество блокировок на момент доступа,</a:t>
+            </a:r>
           </a:p>
           <a:p>
             <a:pPr marL="0" marR="0" lvl="0" indent="0" algn="l" defTabSz="914400" rtl="0" eaLnBrk="1" fontAlgn="auto" latinLnBrk="0" hangingPunct="1">
@@ -6443,8 +6366,8 @@
         </p:blipFill>
         <p:spPr>
           <a:xfrm>
-            <a:off x="3707904" y="1412775"/>
-            <a:ext cx="5436096" cy="4631827"/>
+            <a:off x="3941216" y="1412775"/>
+            <a:ext cx="4969472" cy="4631827"/>
           </a:xfrm>
           <a:prstGeom prst="rect">
             <a:avLst/>
@@ -6657,94 +6580,6 @@
           </a:xfrm>
         </p:spPr>
       </p:pic>
-      <p:sp>
-        <p:nvSpPr>
-          <p:cNvPr id="5" name="TextBox 4"/>
-          <p:cNvSpPr txBox="1"/>
-          <p:nvPr/>
-        </p:nvSpPr>
-        <p:spPr>
-          <a:xfrm>
-            <a:off x="683568" y="1340768"/>
-            <a:ext cx="1728192" cy="1477328"/>
-          </a:xfrm>
-          <a:prstGeom prst="rect">
-            <a:avLst/>
-          </a:prstGeom>
-          <a:noFill/>
-        </p:spPr>
-        <p:txBody>
-          <a:bodyPr wrap="square" rtlCol="0">
-            <a:spAutoFit/>
-          </a:bodyPr>
-          <a:lstStyle/>
-          <a:p>
-            <a:r>
-              <a:rPr lang="ru-RU" dirty="0" smtClean="0">
-                <a:solidFill>
-                  <a:srgbClr val="FF0000"/>
-                </a:solidFill>
-              </a:rPr>
-              <a:t>Переделать на </a:t>
-            </a:r>
-            <a:r>
-              <a:rPr lang="ru-RU" dirty="0" err="1" smtClean="0">
-                <a:solidFill>
-                  <a:srgbClr val="FF0000"/>
-                </a:solidFill>
-              </a:rPr>
-              <a:t>диаграму</a:t>
-            </a:r>
-            <a:r>
-              <a:rPr lang="ru-RU" dirty="0" smtClean="0">
-                <a:solidFill>
-                  <a:srgbClr val="FF0000"/>
-                </a:solidFill>
-              </a:rPr>
-              <a:t> </a:t>
-            </a:r>
-            <a:r>
-              <a:rPr lang="ru-RU" dirty="0" smtClean="0">
-                <a:solidFill>
-                  <a:srgbClr val="FF0000"/>
-                </a:solidFill>
-              </a:rPr>
-              <a:t>компонентов,</a:t>
-            </a:r>
-          </a:p>
-          <a:p>
-            <a:r>
-              <a:rPr lang="ru-RU" dirty="0" smtClean="0">
-                <a:solidFill>
-                  <a:srgbClr val="FF0000"/>
-                </a:solidFill>
-              </a:rPr>
-              <a:t>Учесть, что это </a:t>
-            </a:r>
-            <a:r>
-              <a:rPr lang="ru-RU" dirty="0" err="1" smtClean="0">
-                <a:solidFill>
-                  <a:srgbClr val="FF0000"/>
-                </a:solidFill>
-              </a:rPr>
-              <a:t>плагин</a:t>
-            </a:r>
-            <a:r>
-              <a:rPr lang="en-US" dirty="0" smtClean="0">
-                <a:solidFill>
-                  <a:srgbClr val="FF0000"/>
-                </a:solidFill>
-              </a:rPr>
-              <a:t>? </a:t>
-            </a:r>
-            <a:endParaRPr lang="ru-RU" dirty="0">
-              <a:solidFill>
-                <a:srgbClr val="FF0000"/>
-              </a:solidFill>
-            </a:endParaRPr>
-          </a:p>
-        </p:txBody>
-      </p:sp>
     </p:spTree>
   </p:cSld>
   <p:clrMapOvr>
@@ -7074,11 +6909,7 @@
           <a:p>
             <a:r>
               <a:rPr lang="ru-RU" dirty="0" smtClean="0"/>
-              <a:t>На основе разработанного метода был предложен алгоритм статического поиска </a:t>
-            </a:r>
-            <a:r>
-              <a:rPr lang="ru-RU" dirty="0" smtClean="0"/>
-              <a:t>гонок.</a:t>
+              <a:t>На основе разработанного метода был предложен алгоритм статического поиска гонок.</a:t>
             </a:r>
           </a:p>
           <a:p>
@@ -7108,16 +6939,11 @@
               <a:rPr lang="ru-RU" dirty="0" smtClean="0"/>
               <a:t>Было проведено исследование с использование разработанного ПО.</a:t>
             </a:r>
-            <a:endParaRPr lang="ru-RU" dirty="0" smtClean="0"/>
           </a:p>
           <a:p>
             <a:r>
               <a:rPr lang="ru-RU" dirty="0" smtClean="0"/>
-              <a:t>Недостатками разработанного метода </a:t>
-            </a:r>
-            <a:r>
-              <a:rPr lang="ru-RU" dirty="0" smtClean="0"/>
-              <a:t>являются</a:t>
+              <a:t>Недостатками разработанного метода являются</a:t>
             </a:r>
             <a:r>
               <a:rPr lang="en-US" dirty="0" smtClean="0"/>
@@ -7135,15 +6961,7 @@
             <a:pPr lvl="1"/>
             <a:r>
               <a:rPr lang="ru-RU" dirty="0" smtClean="0"/>
-              <a:t>При </a:t>
-            </a:r>
-            <a:r>
-              <a:rPr lang="ru-RU" dirty="0" smtClean="0"/>
-              <a:t>определении </a:t>
-            </a:r>
-            <a:r>
-              <a:rPr lang="ru-RU" dirty="0" smtClean="0"/>
-              <a:t>перекрестных ссылок не учитываются влияние указателей, возвращаемых из функций</a:t>
+              <a:t>При определении перекрестных ссылок не учитываются влияние указателей, возвращаемых из функций</a:t>
             </a:r>
           </a:p>
         </p:txBody>
@@ -7336,25 +7154,13 @@
           <a:p>
             <a:r>
               <a:rPr lang="ru-RU" dirty="0" smtClean="0"/>
-              <a:t>Разработать метод статического </a:t>
-            </a:r>
+              <a:t>Разработать метод статического поиска гонок при доступе к разделяемой памяти</a:t>
+            </a:r>
+          </a:p>
+          <a:p>
             <a:r>
               <a:rPr lang="ru-RU" dirty="0" smtClean="0"/>
-              <a:t>поиска гонок при доступе к разделяемой памяти</a:t>
-            </a:r>
-          </a:p>
-          <a:p>
-            <a:r>
-              <a:rPr lang="ru-RU" dirty="0" smtClean="0"/>
-              <a:t>Разработать </a:t>
-            </a:r>
-            <a:r>
-              <a:rPr lang="ru-RU" dirty="0" smtClean="0"/>
-              <a:t>алгоритмы, входящие в состав предложенного </a:t>
-            </a:r>
-            <a:r>
-              <a:rPr lang="ru-RU" dirty="0" smtClean="0"/>
-              <a:t>метода</a:t>
+              <a:t>Разработать алгоритмы, входящие в состав предложенного метода</a:t>
             </a:r>
           </a:p>
           <a:p>
@@ -8326,8 +8132,8 @@
         </p:blipFill>
         <p:spPr>
           <a:xfrm>
-            <a:off x="1447907" y="2132855"/>
-            <a:ext cx="6370494" cy="3528393"/>
+            <a:off x="1447907" y="2234468"/>
+            <a:ext cx="6370494" cy="3325167"/>
           </a:xfrm>
         </p:spPr>
       </p:pic>
@@ -8452,8 +8258,8 @@
         </p:blipFill>
         <p:spPr>
           <a:xfrm>
-            <a:off x="406215" y="1747954"/>
-            <a:ext cx="8270241" cy="4417350"/>
+            <a:off x="406215" y="1807103"/>
+            <a:ext cx="8270241" cy="4299051"/>
           </a:xfrm>
         </p:spPr>
       </p:pic>
@@ -8508,15 +8314,7 @@
           <a:p>
             <a:r>
               <a:rPr lang="ru-RU" dirty="0" smtClean="0"/>
-              <a:t>Построение таблиц </a:t>
-            </a:r>
-            <a:r>
-              <a:rPr lang="ru-RU" dirty="0" smtClean="0"/>
-              <a:t>защищённого доступа </a:t>
-            </a:r>
-            <a:r>
-              <a:rPr lang="ru-RU" dirty="0" smtClean="0"/>
-              <a:t>для потоков</a:t>
+              <a:t>Построение таблиц защищённого доступа для потоков</a:t>
             </a:r>
             <a:endParaRPr lang="ru-RU" dirty="0"/>
           </a:p>
@@ -8540,8 +8338,8 @@
         </p:blipFill>
         <p:spPr>
           <a:xfrm>
-            <a:off x="168436" y="1916833"/>
-            <a:ext cx="8796052" cy="3760396"/>
+            <a:off x="168436" y="1918206"/>
+            <a:ext cx="8796052" cy="3757649"/>
           </a:xfrm>
         </p:spPr>
       </p:pic>
@@ -8673,13 +8471,8 @@
           <a:p>
             <a:r>
               <a:rPr lang="ru-RU" dirty="0" smtClean="0"/>
-              <a:t>Отсутствие </a:t>
-            </a:r>
-            <a:r>
-              <a:rPr lang="ru-RU" dirty="0" smtClean="0"/>
-              <a:t>обращений к элементам массива</a:t>
-            </a:r>
-            <a:endParaRPr lang="ru-RU" dirty="0" smtClean="0"/>
+              <a:t>Отсутствие обращений к элементам массива</a:t>
+            </a:r>
           </a:p>
           <a:p>
             <a:r>
@@ -8786,8 +8579,8 @@
         </p:blipFill>
         <p:spPr>
           <a:xfrm>
-            <a:off x="2267744" y="1340768"/>
-            <a:ext cx="4459409" cy="5237137"/>
+            <a:off x="2051720" y="1448663"/>
+            <a:ext cx="4824536" cy="4952649"/>
           </a:xfrm>
         </p:spPr>
       </p:pic>
@@ -8823,7 +8616,7 @@
         </p:nvSpPr>
         <p:spPr>
           <a:xfrm>
-            <a:off x="107504" y="2996952"/>
+            <a:off x="1187624" y="7101408"/>
             <a:ext cx="5400600" cy="369332"/>
           </a:xfrm>
           <a:prstGeom prst="rect">

--- a/presentations/diplom/static race detection.pptx
+++ b/presentations/diplom/static race detection.pptx
@@ -5,7 +5,7 @@
     <p:sldMasterId id="2147483648" r:id="rId1"/>
   </p:sldMasterIdLst>
   <p:notesMasterIdLst>
-    <p:notesMasterId r:id="rId19"/>
+    <p:notesMasterId r:id="rId21"/>
   </p:notesMasterIdLst>
   <p:sldIdLst>
     <p:sldId id="256" r:id="rId2"/>
@@ -24,7 +24,9 @@
     <p:sldId id="274" r:id="rId15"/>
     <p:sldId id="287" r:id="rId16"/>
     <p:sldId id="298" r:id="rId17"/>
-    <p:sldId id="297" r:id="rId18"/>
+    <p:sldId id="302" r:id="rId18"/>
+    <p:sldId id="303" r:id="rId19"/>
+    <p:sldId id="297" r:id="rId20"/>
   </p:sldIdLst>
   <p:sldSz cx="9144000" cy="6858000" type="screen4x3"/>
   <p:notesSz cx="6858000" cy="9144000"/>
@@ -6652,12 +6654,6 @@
           <a:p>
             <a:r>
               <a:rPr lang="ru-RU" dirty="0" smtClean="0"/>
-              <a:t>Использование мьютексов для организации критических секций</a:t>
-            </a:r>
-          </a:p>
-          <a:p>
-            <a:r>
-              <a:rPr lang="ru-RU" dirty="0" smtClean="0"/>
               <a:t>Использование </a:t>
             </a:r>
             <a:r>
@@ -6767,47 +6763,6 @@
       </p:sp>
       <p:sp>
         <p:nvSpPr>
-          <p:cNvPr id="3" name="Содержимое 2"/>
-          <p:cNvSpPr>
-            <a:spLocks noGrp="1"/>
-          </p:cNvSpPr>
-          <p:nvPr>
-            <p:ph idx="1"/>
-          </p:nvPr>
-        </p:nvSpPr>
-        <p:spPr/>
-        <p:txBody>
-          <a:bodyPr/>
-          <a:lstStyle/>
-          <a:p>
-            <a:r>
-              <a:rPr lang="ru-RU" dirty="0" smtClean="0">
-                <a:solidFill>
-                  <a:srgbClr val="FF0000"/>
-                </a:solidFill>
-              </a:rPr>
-              <a:t>Исследование времени анализа в зависимости от количества потоков, функций, ветвлений</a:t>
-            </a:r>
-          </a:p>
-          <a:p>
-            <a:r>
-              <a:rPr lang="ru-RU" dirty="0" smtClean="0">
-                <a:solidFill>
-                  <a:srgbClr val="FF0000"/>
-                </a:solidFill>
-              </a:rPr>
-              <a:t>Исследование количества ошибок 1 и 2 рода</a:t>
-            </a:r>
-            <a:endParaRPr lang="ru-RU" dirty="0">
-              <a:solidFill>
-                <a:srgbClr val="FF0000"/>
-              </a:solidFill>
-            </a:endParaRPr>
-          </a:p>
-        </p:txBody>
-      </p:sp>
-      <p:sp>
-        <p:nvSpPr>
           <p:cNvPr id="4" name="Номер слайда 3"/>
           <p:cNvSpPr>
             <a:spLocks noGrp="1"/>
@@ -6830,6 +6785,58 @@
           </a:p>
         </p:txBody>
       </p:sp>
+      <p:pic>
+        <p:nvPicPr>
+          <p:cNvPr id="17" name="Содержимое 16" descr="graphic2.png"/>
+          <p:cNvPicPr>
+            <a:picLocks noGrp="1" noChangeAspect="1"/>
+          </p:cNvPicPr>
+          <p:nvPr>
+            <p:ph sz="half" idx="1"/>
+          </p:nvPr>
+        </p:nvPicPr>
+        <p:blipFill>
+          <a:blip r:embed="rId2" cstate="print"/>
+          <a:stretch>
+            <a:fillRect/>
+          </a:stretch>
+        </p:blipFill>
+        <p:spPr>
+          <a:xfrm>
+            <a:off x="457200" y="2340940"/>
+            <a:ext cx="4038600" cy="3044483"/>
+          </a:xfrm>
+          <a:prstGeom prst="rect">
+            <a:avLst/>
+          </a:prstGeom>
+        </p:spPr>
+      </p:pic>
+      <p:pic>
+        <p:nvPicPr>
+          <p:cNvPr id="18" name="Содержимое 17" descr="graphic1.png"/>
+          <p:cNvPicPr>
+            <a:picLocks noGrp="1" noChangeAspect="1"/>
+          </p:cNvPicPr>
+          <p:nvPr>
+            <p:ph sz="half" idx="2"/>
+          </p:nvPr>
+        </p:nvPicPr>
+        <p:blipFill>
+          <a:blip r:embed="rId3" cstate="print"/>
+          <a:stretch>
+            <a:fillRect/>
+          </a:stretch>
+        </p:blipFill>
+        <p:spPr>
+          <a:xfrm>
+            <a:off x="4648200" y="2340940"/>
+            <a:ext cx="4038600" cy="3044483"/>
+          </a:xfrm>
+          <a:prstGeom prst="rect">
+            <a:avLst/>
+          </a:prstGeom>
+        </p:spPr>
+      </p:pic>
     </p:spTree>
   </p:cSld>
   <p:clrMapOvr>
@@ -6857,6 +6864,233 @@
       </p:grpSpPr>
       <p:sp>
         <p:nvSpPr>
+          <p:cNvPr id="14" name="Заголовок 13"/>
+          <p:cNvSpPr>
+            <a:spLocks noGrp="1"/>
+          </p:cNvSpPr>
+          <p:nvPr>
+            <p:ph type="title"/>
+          </p:nvPr>
+        </p:nvSpPr>
+        <p:spPr/>
+        <p:txBody>
+          <a:bodyPr/>
+          <a:lstStyle/>
+          <a:p>
+            <a:r>
+              <a:rPr lang="ru-RU" dirty="0" smtClean="0"/>
+              <a:t>Результаты исследований</a:t>
+            </a:r>
+            <a:endParaRPr lang="ru-RU" dirty="0"/>
+          </a:p>
+        </p:txBody>
+      </p:sp>
+      <p:pic>
+        <p:nvPicPr>
+          <p:cNvPr id="12" name="Содержимое 11" descr="graphic4.png"/>
+          <p:cNvPicPr>
+            <a:picLocks noGrp="1" noChangeAspect="1"/>
+          </p:cNvPicPr>
+          <p:nvPr>
+            <p:ph sz="half" idx="1"/>
+          </p:nvPr>
+        </p:nvPicPr>
+        <p:blipFill>
+          <a:blip r:embed="rId2" cstate="print"/>
+          <a:stretch>
+            <a:fillRect/>
+          </a:stretch>
+        </p:blipFill>
+        <p:spPr>
+          <a:xfrm>
+            <a:off x="457200" y="2340940"/>
+            <a:ext cx="4038600" cy="3044483"/>
+          </a:xfrm>
+          <a:prstGeom prst="rect">
+            <a:avLst/>
+          </a:prstGeom>
+        </p:spPr>
+      </p:pic>
+      <p:pic>
+        <p:nvPicPr>
+          <p:cNvPr id="13" name="Содержимое 12" descr="graphic3.png"/>
+          <p:cNvPicPr>
+            <a:picLocks noGrp="1" noChangeAspect="1"/>
+          </p:cNvPicPr>
+          <p:nvPr>
+            <p:ph sz="half" idx="2"/>
+          </p:nvPr>
+        </p:nvPicPr>
+        <p:blipFill>
+          <a:blip r:embed="rId3" cstate="print"/>
+          <a:stretch>
+            <a:fillRect/>
+          </a:stretch>
+        </p:blipFill>
+        <p:spPr>
+          <a:xfrm>
+            <a:off x="4648200" y="2340940"/>
+            <a:ext cx="4038600" cy="3044483"/>
+          </a:xfrm>
+          <a:prstGeom prst="rect">
+            <a:avLst/>
+          </a:prstGeom>
+        </p:spPr>
+      </p:pic>
+      <p:sp>
+        <p:nvSpPr>
+          <p:cNvPr id="3" name="Номер слайда 2"/>
+          <p:cNvSpPr>
+            <a:spLocks noGrp="1"/>
+          </p:cNvSpPr>
+          <p:nvPr>
+            <p:ph type="sldNum" sz="quarter" idx="12"/>
+          </p:nvPr>
+        </p:nvSpPr>
+        <p:spPr/>
+        <p:txBody>
+          <a:bodyPr/>
+          <a:lstStyle/>
+          <a:p>
+            <a:fld id="{6ACCCD26-A6AD-4D04-8A48-0C02F87992A0}" type="slidenum">
+              <a:rPr lang="ru-RU" smtClean="0"/>
+              <a:pPr/>
+              <a:t>17</a:t>
+            </a:fld>
+            <a:endParaRPr lang="ru-RU"/>
+          </a:p>
+        </p:txBody>
+      </p:sp>
+    </p:spTree>
+  </p:cSld>
+  <p:clrMapOvr>
+    <a:masterClrMapping/>
+  </p:clrMapOvr>
+</p:sld>
+</file>
+
+<file path=ppt/slides/slide18.xml><?xml version="1.0" encoding="utf-8"?>
+<p:sld xmlns:a="http://schemas.openxmlformats.org/drawingml/2006/main" xmlns:r="http://schemas.openxmlformats.org/officeDocument/2006/relationships" xmlns:p="http://schemas.openxmlformats.org/presentationml/2006/main">
+  <p:cSld>
+    <p:spTree>
+      <p:nvGrpSpPr>
+        <p:cNvPr id="1" name=""/>
+        <p:cNvGrpSpPr/>
+        <p:nvPr/>
+      </p:nvGrpSpPr>
+      <p:grpSpPr>
+        <a:xfrm>
+          <a:off x="0" y="0"/>
+          <a:ext cx="0" cy="0"/>
+          <a:chOff x="0" y="0"/>
+          <a:chExt cx="0" cy="0"/>
+        </a:xfrm>
+      </p:grpSpPr>
+      <p:sp>
+        <p:nvSpPr>
+          <p:cNvPr id="2" name="Заголовок 1"/>
+          <p:cNvSpPr>
+            <a:spLocks noGrp="1"/>
+          </p:cNvSpPr>
+          <p:nvPr>
+            <p:ph type="title"/>
+          </p:nvPr>
+        </p:nvSpPr>
+        <p:spPr/>
+        <p:txBody>
+          <a:bodyPr/>
+          <a:lstStyle/>
+          <a:p>
+            <a:r>
+              <a:rPr lang="ru-RU" dirty="0" smtClean="0"/>
+              <a:t>Результаты исследований</a:t>
+            </a:r>
+            <a:endParaRPr lang="ru-RU" dirty="0"/>
+          </a:p>
+        </p:txBody>
+      </p:sp>
+      <p:sp>
+        <p:nvSpPr>
+          <p:cNvPr id="3" name="Номер слайда 2"/>
+          <p:cNvSpPr>
+            <a:spLocks noGrp="1"/>
+          </p:cNvSpPr>
+          <p:nvPr>
+            <p:ph type="sldNum" sz="quarter" idx="12"/>
+          </p:nvPr>
+        </p:nvSpPr>
+        <p:spPr/>
+        <p:txBody>
+          <a:bodyPr/>
+          <a:lstStyle/>
+          <a:p>
+            <a:fld id="{6ACCCD26-A6AD-4D04-8A48-0C02F87992A0}" type="slidenum">
+              <a:rPr lang="ru-RU" smtClean="0"/>
+              <a:pPr/>
+              <a:t>18</a:t>
+            </a:fld>
+            <a:endParaRPr lang="ru-RU"/>
+          </a:p>
+        </p:txBody>
+      </p:sp>
+      <p:pic>
+        <p:nvPicPr>
+          <p:cNvPr id="4" name="Рисунок 3" descr="graphic5.png"/>
+          <p:cNvPicPr>
+            <a:picLocks noChangeAspect="1"/>
+          </p:cNvPicPr>
+          <p:nvPr/>
+        </p:nvPicPr>
+        <p:blipFill>
+          <a:blip r:embed="rId2" cstate="print"/>
+          <a:stretch>
+            <a:fillRect/>
+          </a:stretch>
+        </p:blipFill>
+        <p:spPr>
+          <a:xfrm>
+            <a:off x="1763688" y="1772816"/>
+            <a:ext cx="5760640" cy="4342636"/>
+          </a:xfrm>
+          <a:prstGeom prst="rect">
+            <a:avLst/>
+          </a:prstGeom>
+        </p:spPr>
+      </p:pic>
+    </p:spTree>
+  </p:cSld>
+  <p:clrMapOvr>
+    <a:masterClrMapping/>
+  </p:clrMapOvr>
+  <p:timing>
+    <p:tnLst>
+      <p:par>
+        <p:cTn id="1" dur="indefinite" restart="never" nodeType="tmRoot"/>
+      </p:par>
+    </p:tnLst>
+  </p:timing>
+</p:sld>
+</file>
+
+<file path=ppt/slides/slide19.xml><?xml version="1.0" encoding="utf-8"?>
+<p:sld xmlns:a="http://schemas.openxmlformats.org/drawingml/2006/main" xmlns:r="http://schemas.openxmlformats.org/officeDocument/2006/relationships" xmlns:p="http://schemas.openxmlformats.org/presentationml/2006/main">
+  <p:cSld>
+    <p:spTree>
+      <p:nvGrpSpPr>
+        <p:cNvPr id="1" name=""/>
+        <p:cNvGrpSpPr/>
+        <p:nvPr/>
+      </p:nvGrpSpPr>
+      <p:grpSpPr>
+        <a:xfrm>
+          <a:off x="0" y="0"/>
+          <a:ext cx="0" cy="0"/>
+          <a:chOff x="0" y="0"/>
+          <a:chExt cx="0" cy="0"/>
+        </a:xfrm>
+      </p:grpSpPr>
+      <p:sp>
+        <p:nvSpPr>
           <p:cNvPr id="2" name="Заголовок 1"/>
           <p:cNvSpPr>
             <a:spLocks noGrp="1"/>
@@ -6984,7 +7218,7 @@
             <a:fld id="{6ACCCD26-A6AD-4D04-8A48-0C02F87992A0}" type="slidenum">
               <a:rPr lang="ru-RU" smtClean="0"/>
               <a:pPr/>
-              <a:t>17</a:t>
+              <a:t>19</a:t>
             </a:fld>
             <a:endParaRPr lang="ru-RU"/>
           </a:p>
@@ -7056,6 +7290,13 @@
   <p:clrMapOvr>
     <a:masterClrMapping/>
   </p:clrMapOvr>
+  <p:timing>
+    <p:tnLst>
+      <p:par>
+        <p:cTn id="1" dur="indefinite" restart="never" nodeType="tmRoot"/>
+      </p:par>
+    </p:tnLst>
+  </p:timing>
 </p:sld>
 </file>
 

--- a/presentations/diplom/static race detection.pptx
+++ b/presentations/diplom/static race detection.pptx
@@ -6577,8 +6577,8 @@
         </p:blipFill>
         <p:spPr>
           <a:xfrm>
-            <a:off x="615346" y="1838580"/>
-            <a:ext cx="7913308" cy="4049202"/>
+            <a:off x="615346" y="2490581"/>
+            <a:ext cx="7913308" cy="2745200"/>
           </a:xfrm>
         </p:spPr>
       </p:pic>
@@ -7125,7 +7125,7 @@
         <p:spPr/>
         <p:txBody>
           <a:bodyPr>
-            <a:normAutofit fontScale="70000" lnSpcReduction="20000"/>
+            <a:normAutofit fontScale="85000" lnSpcReduction="20000"/>
           </a:bodyPr>
           <a:lstStyle/>
           <a:p>
@@ -7143,8 +7143,9 @@
           <a:p>
             <a:r>
               <a:rPr lang="ru-RU" dirty="0" smtClean="0"/>
-              <a:t>На основе разработанного метода был предложен алгоритм статического поиска гонок.</a:t>
-            </a:r>
+              <a:t>Были предложены алгоритмы, входящие в состав разработанного  метода.</a:t>
+            </a:r>
+            <a:endParaRPr lang="ru-RU" dirty="0" smtClean="0"/>
           </a:p>
           <a:p>
             <a:r>
@@ -7171,32 +7172,13 @@
           <a:p>
             <a:r>
               <a:rPr lang="ru-RU" dirty="0" smtClean="0"/>
-              <a:t>Было проведено исследование с использование разработанного ПО.</a:t>
-            </a:r>
-          </a:p>
-          <a:p>
+              <a:t>Было проведено исследование с использование разработанного ПО</a:t>
+            </a:r>
             <a:r>
               <a:rPr lang="ru-RU" dirty="0" smtClean="0"/>
-              <a:t>Недостатками разработанного метода являются</a:t>
-            </a:r>
-            <a:r>
-              <a:rPr lang="en-US" dirty="0" smtClean="0"/>
-              <a:t>:</a:t>
-            </a:r>
-          </a:p>
-          <a:p>
-            <a:pPr lvl="1"/>
-            <a:r>
-              <a:rPr lang="ru-RU" dirty="0" smtClean="0"/>
-              <a:t>Предположение о параллельном выполнении всех потоков</a:t>
-            </a:r>
-          </a:p>
-          <a:p>
-            <a:pPr lvl="1"/>
-            <a:r>
-              <a:rPr lang="ru-RU" dirty="0" smtClean="0"/>
-              <a:t>При определении перекрестных ссылок не учитываются влияние указателей, возвращаемых из функций</a:t>
-            </a:r>
+              <a:t>.</a:t>
+            </a:r>
+            <a:endParaRPr lang="ru-RU" dirty="0" smtClean="0"/>
           </a:p>
         </p:txBody>
       </p:sp>
@@ -7221,67 +7203,6 @@
               <a:t>19</a:t>
             </a:fld>
             <a:endParaRPr lang="ru-RU"/>
-          </a:p>
-        </p:txBody>
-      </p:sp>
-      <p:sp>
-        <p:nvSpPr>
-          <p:cNvPr id="5" name="TextBox 4"/>
-          <p:cNvSpPr txBox="1"/>
-          <p:nvPr/>
-        </p:nvSpPr>
-        <p:spPr>
-          <a:xfrm>
-            <a:off x="323528" y="1052736"/>
-            <a:ext cx="3910366" cy="646331"/>
-          </a:xfrm>
-          <a:prstGeom prst="rect">
-            <a:avLst/>
-          </a:prstGeom>
-          <a:noFill/>
-        </p:spPr>
-        <p:txBody>
-          <a:bodyPr wrap="none" rtlCol="0">
-            <a:spAutoFit/>
-          </a:bodyPr>
-          <a:lstStyle/>
-          <a:p>
-            <a:r>
-              <a:rPr lang="ru-RU" dirty="0" smtClean="0">
-                <a:solidFill>
-                  <a:srgbClr val="FF0000"/>
-                </a:solidFill>
-              </a:rPr>
-              <a:t>Не знаю, как хорошо </a:t>
-            </a:r>
-            <a:r>
-              <a:rPr lang="ru-RU" dirty="0" err="1" smtClean="0">
-                <a:solidFill>
-                  <a:srgbClr val="FF0000"/>
-                </a:solidFill>
-              </a:rPr>
-              <a:t>стурктурировать</a:t>
-            </a:r>
-            <a:endParaRPr lang="ru-RU" dirty="0" smtClean="0">
-              <a:solidFill>
-                <a:srgbClr val="FF0000"/>
-              </a:solidFill>
-            </a:endParaRPr>
-          </a:p>
-          <a:p>
-            <a:r>
-              <a:rPr lang="ru-RU" dirty="0" smtClean="0">
-                <a:solidFill>
-                  <a:srgbClr val="FF0000"/>
-                </a:solidFill>
-              </a:rPr>
-              <a:t>И здесь отразить выводы</a:t>
-            </a:r>
-            <a:endParaRPr lang="ru-RU" dirty="0">
-              <a:solidFill>
-                <a:srgbClr val="FF0000"/>
-              </a:solidFill>
-            </a:endParaRPr>
           </a:p>
         </p:txBody>
       </p:sp>

--- a/presentations/diplom/static race detection.pptx
+++ b/presentations/diplom/static race detection.pptx
@@ -4996,8 +4996,8 @@
         </p:nvSpPr>
         <p:spPr>
           <a:xfrm>
-            <a:off x="683568" y="1484784"/>
-            <a:ext cx="7776864" cy="1944216"/>
+            <a:off x="683568" y="1412776"/>
+            <a:ext cx="7776864" cy="1224136"/>
           </a:xfrm>
           <a:prstGeom prst="rect">
             <a:avLst/>
@@ -5032,7 +5032,7 @@
               <a:defRPr/>
             </a:pPr>
             <a:r>
-              <a:rPr kumimoji="0" lang="ru-RU" sz="2400" b="1" i="1" u="none" strike="noStrike" kern="1200" cap="none" spc="0" normalizeH="0" baseline="0" noProof="0" dirty="0" smtClean="0">
+              <a:rPr kumimoji="0" lang="ru-RU" sz="2000" b="1" i="1" u="none" strike="noStrike" kern="1200" cap="none" spc="0" normalizeH="0" baseline="0" noProof="0" dirty="0" smtClean="0">
                 <a:ln>
                   <a:noFill/>
                 </a:ln>
@@ -5049,7 +5049,7 @@
               <a:t>Относительное множество блокировок </a:t>
             </a:r>
             <a:r>
-              <a:rPr kumimoji="0" lang="en-US" sz="2400" b="1" i="1" u="none" strike="noStrike" kern="1200" cap="none" spc="0" normalizeH="0" baseline="0" noProof="0" dirty="0" smtClean="0">
+              <a:rPr kumimoji="0" lang="en-US" sz="2000" b="1" i="1" u="none" strike="noStrike" kern="1200" cap="none" spc="0" normalizeH="0" baseline="0" noProof="0" dirty="0" smtClean="0">
                 <a:ln>
                   <a:noFill/>
                 </a:ln>
@@ -5066,7 +5066,7 @@
               <a:t>L</a:t>
             </a:r>
             <a:r>
-              <a:rPr kumimoji="0" lang="ru-RU" sz="2400" b="1" i="1" u="none" strike="noStrike" kern="1200" cap="none" spc="0" normalizeH="0" baseline="0" noProof="0" dirty="0" smtClean="0">
+              <a:rPr kumimoji="0" lang="ru-RU" sz="2000" b="1" i="1" u="none" strike="noStrike" kern="1200" cap="none" spc="0" normalizeH="0" baseline="0" noProof="0" dirty="0" smtClean="0">
                 <a:ln>
                   <a:noFill/>
                 </a:ln>
@@ -5083,7 +5083,7 @@
               <a:t> </a:t>
             </a:r>
             <a:r>
-              <a:rPr kumimoji="0" lang="ru-RU" sz="2400" b="0" i="0" u="none" strike="noStrike" kern="1200" cap="none" spc="0" normalizeH="0" baseline="0" noProof="0" dirty="0" smtClean="0">
+              <a:rPr kumimoji="0" lang="ru-RU" sz="2000" b="0" i="0" u="none" strike="noStrike" kern="1200" cap="none" spc="0" normalizeH="0" baseline="0" noProof="0" dirty="0" smtClean="0">
                 <a:ln>
                   <a:noFill/>
                 </a:ln>
@@ -5100,7 +5100,7 @@
               <a:t>–</a:t>
             </a:r>
             <a:r>
-              <a:rPr kumimoji="0" lang="en-US" sz="2400" b="0" i="0" u="none" strike="noStrike" kern="1200" cap="none" spc="0" normalizeH="0" baseline="0" noProof="0" dirty="0" smtClean="0">
+              <a:rPr kumimoji="0" lang="en-US" sz="2000" b="0" i="0" u="none" strike="noStrike" kern="1200" cap="none" spc="0" normalizeH="0" baseline="0" noProof="0" dirty="0" smtClean="0">
                 <a:ln>
                   <a:noFill/>
                 </a:ln>
@@ -5117,7 +5117,7 @@
               <a:t> </a:t>
             </a:r>
             <a:r>
-              <a:rPr kumimoji="0" lang="ru-RU" sz="2400" b="0" i="0" u="none" strike="noStrike" kern="1200" cap="none" spc="0" normalizeH="0" baseline="0" noProof="0" dirty="0" smtClean="0">
+              <a:rPr kumimoji="0" lang="ru-RU" sz="2000" b="0" i="0" u="none" strike="noStrike" kern="1200" cap="none" spc="0" normalizeH="0" baseline="0" noProof="0" dirty="0" smtClean="0">
                 <a:ln>
                   <a:noFill/>
                 </a:ln>
@@ -5134,7 +5134,7 @@
               <a:t>пара (</a:t>
             </a:r>
             <a:r>
-              <a:rPr kumimoji="0" lang="en-US" sz="2400" b="0" i="0" u="none" strike="noStrike" kern="1200" cap="none" spc="0" normalizeH="0" baseline="0" noProof="0" dirty="0" smtClean="0">
+              <a:rPr kumimoji="0" lang="en-US" sz="2000" b="0" i="0" u="none" strike="noStrike" kern="1200" cap="none" spc="0" normalizeH="0" baseline="0" noProof="0" dirty="0" smtClean="0">
                 <a:ln>
                   <a:noFill/>
                 </a:ln>
@@ -5151,7 +5151,7 @@
               <a:t>L</a:t>
             </a:r>
             <a:r>
-              <a:rPr kumimoji="0" lang="en-US" sz="2400" b="0" i="0" u="none" strike="noStrike" kern="1200" cap="none" spc="0" normalizeH="0" baseline="-25000" noProof="0" dirty="0" smtClean="0">
+              <a:rPr kumimoji="0" lang="en-US" sz="2000" b="0" i="0" u="none" strike="noStrike" kern="1200" cap="none" spc="0" normalizeH="0" baseline="-25000" noProof="0" dirty="0" smtClean="0">
                 <a:ln>
                   <a:noFill/>
                 </a:ln>
@@ -5168,7 +5168,7 @@
               <a:t>+</a:t>
             </a:r>
             <a:r>
-              <a:rPr kumimoji="0" lang="en-US" sz="2400" b="0" i="0" u="none" strike="noStrike" kern="1200" cap="none" spc="0" normalizeH="0" baseline="0" noProof="0" dirty="0" smtClean="0">
+              <a:rPr kumimoji="0" lang="en-US" sz="2000" b="0" i="0" u="none" strike="noStrike" kern="1200" cap="none" spc="0" normalizeH="0" baseline="0" noProof="0" dirty="0" smtClean="0">
                 <a:ln>
                   <a:noFill/>
                 </a:ln>
@@ -5185,7 +5185,7 @@
               <a:t>, L</a:t>
             </a:r>
             <a:r>
-              <a:rPr kumimoji="0" lang="en-US" sz="2400" b="0" i="0" u="none" strike="noStrike" kern="1200" cap="none" spc="0" normalizeH="0" baseline="-25000" noProof="0" dirty="0" smtClean="0">
+              <a:rPr kumimoji="0" lang="en-US" sz="2000" b="0" i="0" u="none" strike="noStrike" kern="1200" cap="none" spc="0" normalizeH="0" baseline="-25000" noProof="0" dirty="0" smtClean="0">
                 <a:ln>
                   <a:noFill/>
                 </a:ln>
@@ -5202,7 +5202,7 @@
               <a:t>-</a:t>
             </a:r>
             <a:r>
-              <a:rPr kumimoji="0" lang="en-US" sz="2400" b="0" i="0" u="none" strike="noStrike" kern="1200" cap="none" spc="0" normalizeH="0" baseline="0" noProof="0" dirty="0" smtClean="0">
+              <a:rPr kumimoji="0" lang="en-US" sz="2000" b="0" i="0" u="none" strike="noStrike" kern="1200" cap="none" spc="0" normalizeH="0" baseline="0" noProof="0" dirty="0" smtClean="0">
                 <a:ln>
                   <a:noFill/>
                 </a:ln>
@@ -5219,7 +5219,7 @@
               <a:t>),  </a:t>
             </a:r>
             <a:r>
-              <a:rPr kumimoji="0" lang="ru-RU" sz="2400" b="0" i="0" u="none" strike="noStrike" kern="1200" cap="none" spc="0" normalizeH="0" baseline="0" noProof="0" dirty="0" smtClean="0">
+              <a:rPr kumimoji="0" lang="ru-RU" sz="2000" b="0" i="0" u="none" strike="noStrike" kern="1200" cap="none" spc="0" normalizeH="0" baseline="0" noProof="0" dirty="0" smtClean="0">
                 <a:ln>
                   <a:noFill/>
                 </a:ln>
@@ -5236,7 +5236,7 @@
               <a:t>где</a:t>
             </a:r>
             <a:r>
-              <a:rPr kumimoji="0" lang="en-US" sz="2400" b="0" i="0" u="none" strike="noStrike" kern="1200" cap="none" spc="0" normalizeH="0" baseline="0" noProof="0" dirty="0" smtClean="0">
+              <a:rPr kumimoji="0" lang="en-US" sz="2000" b="0" i="0" u="none" strike="noStrike" kern="1200" cap="none" spc="0" normalizeH="0" baseline="0" noProof="0" dirty="0" smtClean="0">
                 <a:ln>
                   <a:noFill/>
                 </a:ln>
@@ -5272,7 +5272,7 @@
               <a:defRPr/>
             </a:pPr>
             <a:r>
-              <a:rPr kumimoji="0" lang="en-US" sz="2400" b="0" i="0" u="none" strike="noStrike" kern="1200" cap="none" spc="0" normalizeH="0" baseline="0" noProof="0" dirty="0" smtClean="0">
+              <a:rPr kumimoji="0" lang="en-US" sz="2000" b="0" i="0" u="none" strike="noStrike" kern="1200" cap="none" spc="0" normalizeH="0" baseline="0" noProof="0" dirty="0" smtClean="0">
                 <a:ln>
                   <a:noFill/>
                 </a:ln>
@@ -5289,7 +5289,7 @@
               <a:t> L</a:t>
             </a:r>
             <a:r>
-              <a:rPr kumimoji="0" lang="en-US" sz="2400" b="0" i="0" u="none" strike="noStrike" kern="1200" cap="none" spc="0" normalizeH="0" baseline="-25000" noProof="0" dirty="0" smtClean="0">
+              <a:rPr kumimoji="0" lang="en-US" sz="2000" b="0" i="0" u="none" strike="noStrike" kern="1200" cap="none" spc="0" normalizeH="0" baseline="-25000" noProof="0" dirty="0" smtClean="0">
                 <a:ln>
                   <a:noFill/>
                 </a:ln>
@@ -5306,7 +5306,7 @@
               <a:t>+</a:t>
             </a:r>
             <a:r>
-              <a:rPr kumimoji="0" lang="en-US" sz="2400" b="0" i="0" u="none" strike="noStrike" kern="1200" cap="none" spc="0" normalizeH="0" baseline="0" noProof="0" dirty="0" smtClean="0">
+              <a:rPr kumimoji="0" lang="en-US" sz="2000" b="0" i="0" u="none" strike="noStrike" kern="1200" cap="none" spc="0" normalizeH="0" baseline="0" noProof="0" dirty="0" smtClean="0">
                 <a:ln>
                   <a:noFill/>
                 </a:ln>
@@ -5323,7 +5323,7 @@
               <a:t> - </a:t>
             </a:r>
             <a:r>
-              <a:rPr kumimoji="0" lang="ru-RU" sz="2400" b="0" i="0" u="none" strike="noStrike" kern="1200" cap="none" spc="0" normalizeH="0" baseline="0" noProof="0" dirty="0" smtClean="0">
+              <a:rPr kumimoji="0" lang="ru-RU" sz="2000" b="0" i="0" u="none" strike="noStrike" kern="1200" cap="none" spc="0" normalizeH="0" baseline="0" noProof="0" dirty="0" smtClean="0">
                 <a:ln>
                   <a:noFill/>
                 </a:ln>
@@ -5340,7 +5340,7 @@
               <a:t>множество захваченных блокировок</a:t>
             </a:r>
             <a:r>
-              <a:rPr kumimoji="0" lang="en-US" sz="2400" b="0" i="0" u="none" strike="noStrike" kern="1200" cap="none" spc="0" normalizeH="0" baseline="0" noProof="0" dirty="0" smtClean="0">
+              <a:rPr kumimoji="0" lang="en-US" sz="2000" b="0" i="0" u="none" strike="noStrike" kern="1200" cap="none" spc="0" normalizeH="0" baseline="0" noProof="0" dirty="0" smtClean="0">
                 <a:ln>
                   <a:noFill/>
                 </a:ln>
@@ -5356,7 +5356,7 @@
               </a:rPr>
               <a:t>,</a:t>
             </a:r>
-            <a:endParaRPr kumimoji="0" lang="ru-RU" sz="2400" b="0" i="0" u="none" strike="noStrike" kern="1200" cap="none" spc="0" normalizeH="0" baseline="0" noProof="0" dirty="0" smtClean="0">
+            <a:endParaRPr kumimoji="0" lang="ru-RU" sz="2000" b="0" i="0" u="none" strike="noStrike" kern="1200" cap="none" spc="0" normalizeH="0" baseline="0" noProof="0" dirty="0" smtClean="0">
               <a:ln>
                 <a:noFill/>
               </a:ln>
@@ -5390,7 +5390,7 @@
               <a:defRPr/>
             </a:pPr>
             <a:r>
-              <a:rPr kumimoji="0" lang="en-US" sz="2400" b="0" i="0" u="none" strike="noStrike" kern="1200" cap="none" spc="0" normalizeH="0" baseline="0" noProof="0" dirty="0" smtClean="0">
+              <a:rPr kumimoji="0" lang="en-US" sz="2000" b="0" i="0" u="none" strike="noStrike" kern="1200" cap="none" spc="0" normalizeH="0" baseline="0" noProof="0" dirty="0" smtClean="0">
                 <a:ln>
                   <a:noFill/>
                 </a:ln>
@@ -5407,7 +5407,7 @@
               <a:t> L</a:t>
             </a:r>
             <a:r>
-              <a:rPr kumimoji="0" lang="en-US" sz="2400" b="0" i="0" u="none" strike="noStrike" kern="1200" cap="none" spc="0" normalizeH="0" baseline="-25000" noProof="0" dirty="0" smtClean="0">
+              <a:rPr kumimoji="0" lang="en-US" sz="2000" b="0" i="0" u="none" strike="noStrike" kern="1200" cap="none" spc="0" normalizeH="0" baseline="-25000" noProof="0" dirty="0" smtClean="0">
                 <a:ln>
                   <a:noFill/>
                 </a:ln>
@@ -5424,7 +5424,7 @@
               <a:t>-  </a:t>
             </a:r>
             <a:r>
-              <a:rPr kumimoji="0" lang="en-US" sz="2400" b="0" i="0" u="none" strike="noStrike" kern="1200" cap="none" spc="0" normalizeH="0" baseline="0" noProof="0" dirty="0" smtClean="0">
+              <a:rPr kumimoji="0" lang="en-US" sz="2000" b="0" i="0" u="none" strike="noStrike" kern="1200" cap="none" spc="0" normalizeH="0" baseline="0" noProof="0" dirty="0" smtClean="0">
                 <a:ln>
                   <a:noFill/>
                 </a:ln>
@@ -5441,7 +5441,7 @@
               <a:t>- </a:t>
             </a:r>
             <a:r>
-              <a:rPr kumimoji="0" lang="ru-RU" sz="2400" b="0" i="0" u="none" strike="noStrike" kern="1200" cap="none" spc="0" normalizeH="0" baseline="0" noProof="0" dirty="0" smtClean="0">
+              <a:rPr kumimoji="0" lang="ru-RU" sz="2000" b="0" i="0" u="none" strike="noStrike" kern="1200" cap="none" spc="0" normalizeH="0" baseline="0" noProof="0" dirty="0" smtClean="0">
                 <a:ln>
                   <a:noFill/>
                 </a:ln>
@@ -5458,7 +5458,7 @@
               <a:t>множество освобожденных блокировок</a:t>
             </a:r>
             <a:r>
-              <a:rPr kumimoji="0" lang="en-US" sz="2400" b="0" i="0" u="none" strike="noStrike" kern="1200" cap="none" spc="0" normalizeH="0" baseline="0" noProof="0" dirty="0" smtClean="0">
+              <a:rPr kumimoji="0" lang="en-US" sz="2000" b="0" i="0" u="none" strike="noStrike" kern="1200" cap="none" spc="0" normalizeH="0" baseline="0" noProof="0" dirty="0" smtClean="0">
                 <a:ln>
                   <a:noFill/>
                 </a:ln>
@@ -5474,7 +5474,7 @@
               </a:rPr>
               <a:t>.</a:t>
             </a:r>
-            <a:endParaRPr kumimoji="0" lang="ru-RU" sz="2400" b="0" i="0" u="none" strike="noStrike" kern="1200" cap="none" spc="0" normalizeH="0" baseline="0" noProof="0" dirty="0">
+            <a:endParaRPr kumimoji="0" lang="ru-RU" sz="2000" b="0" i="0" u="none" strike="noStrike" kern="1200" cap="none" spc="0" normalizeH="0" baseline="0" noProof="0" dirty="0">
               <a:ln>
                 <a:noFill/>
               </a:ln>
@@ -5501,7 +5501,7 @@
         </p:nvSpPr>
         <p:spPr>
           <a:xfrm>
-            <a:off x="683568" y="5445224"/>
+            <a:off x="683568" y="5805264"/>
             <a:ext cx="7776864" cy="504056"/>
           </a:xfrm>
           <a:prstGeom prst="rect">
@@ -5563,8 +5563,8 @@
         </p:nvSpPr>
         <p:spPr>
           <a:xfrm>
-            <a:off x="683568" y="3717032"/>
-            <a:ext cx="7776864" cy="576064"/>
+            <a:off x="683568" y="2708920"/>
+            <a:ext cx="7776864" cy="1800200"/>
           </a:xfrm>
           <a:prstGeom prst="rect">
             <a:avLst/>
@@ -5626,7 +5626,7 @@
         <p:spPr>
           <a:xfrm>
             <a:off x="683568" y="4581128"/>
-            <a:ext cx="7776864" cy="576064"/>
+            <a:ext cx="7776864" cy="1152128"/>
           </a:xfrm>
           <a:prstGeom prst="rect">
             <a:avLst/>
@@ -5686,7 +5686,7 @@
           <p:nvPr/>
         </p:nvGraphicFramePr>
         <p:xfrm>
-          <a:off x="683568" y="3789040"/>
+          <a:off x="683568" y="2708920"/>
           <a:ext cx="7920880" cy="432048"/>
         </p:xfrm>
         <a:graphic>
@@ -5706,7 +5706,7 @@
           <p:nvPr/>
         </p:nvGraphicFramePr>
         <p:xfrm>
-          <a:off x="1835696" y="4653136"/>
+          <a:off x="683568" y="4581128"/>
           <a:ext cx="5565795" cy="432048"/>
         </p:xfrm>
         <a:graphic>
@@ -5726,7 +5726,7 @@
           <p:nvPr/>
         </p:nvGraphicFramePr>
         <p:xfrm>
-          <a:off x="1907704" y="5517232"/>
+          <a:off x="1763688" y="5877272"/>
           <a:ext cx="1912713" cy="360040"/>
         </p:xfrm>
         <a:graphic>
@@ -5746,7 +5746,7 @@
           <p:nvPr/>
         </p:nvGraphicFramePr>
         <p:xfrm>
-          <a:off x="5076056" y="5517232"/>
+          <a:off x="4932040" y="5877272"/>
           <a:ext cx="2182743" cy="360040"/>
         </p:xfrm>
         <a:graphic>
@@ -5757,6 +5757,195 @@
           </a:graphicData>
         </a:graphic>
       </p:graphicFrame>
+      <p:sp>
+        <p:nvSpPr>
+          <p:cNvPr id="15" name="TextBox 14"/>
+          <p:cNvSpPr txBox="1"/>
+          <p:nvPr/>
+        </p:nvSpPr>
+        <p:spPr>
+          <a:xfrm>
+            <a:off x="827584" y="2996952"/>
+            <a:ext cx="7488832" cy="1631216"/>
+          </a:xfrm>
+          <a:prstGeom prst="rect">
+            <a:avLst/>
+          </a:prstGeom>
+          <a:noFill/>
+        </p:spPr>
+        <p:txBody>
+          <a:bodyPr wrap="square" rtlCol="0">
+            <a:spAutoFit/>
+          </a:bodyPr>
+          <a:lstStyle/>
+          <a:p>
+            <a:r>
+              <a:rPr lang="ru-RU" sz="2000" dirty="0" smtClean="0"/>
+              <a:t>где</a:t>
+            </a:r>
+            <a:r>
+              <a:rPr lang="en-US" sz="2000" dirty="0" smtClean="0"/>
+              <a:t>:</a:t>
+            </a:r>
+            <a:endParaRPr lang="ru-RU" sz="2000" dirty="0" smtClean="0"/>
+          </a:p>
+          <a:p>
+            <a:pPr>
+              <a:buFont typeface="Wingdings" pitchFamily="2" charset="2"/>
+              <a:buChar char="§"/>
+            </a:pPr>
+            <a:r>
+              <a:rPr lang="ru-RU" sz="2000" dirty="0" smtClean="0"/>
+              <a:t>(</a:t>
+            </a:r>
+            <a:r>
+              <a:rPr lang="en-US" sz="2000" dirty="0" smtClean="0"/>
+              <a:t>L</a:t>
+            </a:r>
+            <a:r>
+              <a:rPr lang="ru-RU" sz="2000" baseline="-25000" dirty="0" smtClean="0"/>
+              <a:t>+</a:t>
+            </a:r>
+            <a:r>
+              <a:rPr lang="ru-RU" sz="2000" dirty="0" smtClean="0"/>
+              <a:t>, </a:t>
+            </a:r>
+            <a:r>
+              <a:rPr lang="en-US" sz="2000" dirty="0" smtClean="0"/>
+              <a:t>L</a:t>
+            </a:r>
+            <a:r>
+              <a:rPr lang="en-US" sz="2000" baseline="-25000" dirty="0" smtClean="0"/>
+              <a:t>-</a:t>
+            </a:r>
+            <a:r>
+              <a:rPr lang="en-US" sz="2000" dirty="0" smtClean="0"/>
+              <a:t>) – </a:t>
+            </a:r>
+            <a:r>
+              <a:rPr lang="ru-RU" sz="2000" dirty="0" smtClean="0"/>
+              <a:t>текущее состояние относительного множества блокировок,</a:t>
+            </a:r>
+          </a:p>
+          <a:p>
+            <a:pPr>
+              <a:buFont typeface="Wingdings" pitchFamily="2" charset="2"/>
+              <a:buChar char="§"/>
+            </a:pPr>
+            <a:r>
+              <a:rPr lang="ru-RU" sz="2000" dirty="0" smtClean="0"/>
+              <a:t>(</a:t>
+            </a:r>
+            <a:r>
+              <a:rPr lang="en-US" sz="2000" dirty="0" smtClean="0"/>
+              <a:t>L</a:t>
+            </a:r>
+            <a:r>
+              <a:rPr lang="en-US" sz="2000" baseline="-25000" dirty="0" smtClean="0"/>
+              <a:t>+</a:t>
+            </a:r>
+            <a:r>
+              <a:rPr lang="en-US" sz="2000" dirty="0" smtClean="0"/>
+              <a:t>’, L</a:t>
+            </a:r>
+            <a:r>
+              <a:rPr lang="en-US" sz="2000" baseline="-25000" dirty="0" smtClean="0"/>
+              <a:t>-</a:t>
+            </a:r>
+            <a:r>
+              <a:rPr lang="en-US" sz="2000" dirty="0" smtClean="0"/>
+              <a:t>’) – </a:t>
+            </a:r>
+            <a:r>
+              <a:rPr lang="ru-RU" sz="2000" dirty="0" smtClean="0"/>
+              <a:t>конкретизованное относительное множество блокировок для вызываемой функции</a:t>
+            </a:r>
+            <a:endParaRPr lang="ru-RU" sz="2000" dirty="0"/>
+          </a:p>
+        </p:txBody>
+      </p:sp>
+      <p:sp>
+        <p:nvSpPr>
+          <p:cNvPr id="16" name="TextBox 15"/>
+          <p:cNvSpPr txBox="1"/>
+          <p:nvPr/>
+        </p:nvSpPr>
+        <p:spPr>
+          <a:xfrm>
+            <a:off x="827584" y="4869160"/>
+            <a:ext cx="6889899" cy="923330"/>
+          </a:xfrm>
+          <a:prstGeom prst="rect">
+            <a:avLst/>
+          </a:prstGeom>
+          <a:noFill/>
+        </p:spPr>
+        <p:txBody>
+          <a:bodyPr wrap="none" rtlCol="0">
+            <a:spAutoFit/>
+          </a:bodyPr>
+          <a:lstStyle/>
+          <a:p>
+            <a:r>
+              <a:rPr lang="ru-RU" dirty="0" smtClean="0"/>
+              <a:t>где</a:t>
+            </a:r>
+            <a:r>
+              <a:rPr lang="en-US" dirty="0" smtClean="0"/>
+              <a:t>:</a:t>
+            </a:r>
+          </a:p>
+          <a:p>
+            <a:pPr>
+              <a:buFont typeface="Wingdings" pitchFamily="2" charset="2"/>
+              <a:buChar char="§"/>
+            </a:pPr>
+            <a:r>
+              <a:rPr lang="en-US" dirty="0" smtClean="0"/>
+              <a:t>L</a:t>
+            </a:r>
+            <a:r>
+              <a:rPr lang="en-US" baseline="-25000" dirty="0" smtClean="0"/>
+              <a:t>i</a:t>
+            </a:r>
+            <a:r>
+              <a:rPr lang="en-US" dirty="0" smtClean="0"/>
+              <a:t> – </a:t>
+            </a:r>
+            <a:r>
+              <a:rPr lang="ru-RU" dirty="0" smtClean="0"/>
+              <a:t>относительное множество блокировок, полученное на </a:t>
+            </a:r>
+            <a:r>
+              <a:rPr lang="en-US" dirty="0" smtClean="0"/>
+              <a:t>i-</a:t>
+            </a:r>
+            <a:r>
+              <a:rPr lang="ru-RU" dirty="0" smtClean="0"/>
+              <a:t>м пути,</a:t>
+            </a:r>
+          </a:p>
+          <a:p>
+            <a:pPr>
+              <a:buFont typeface="Wingdings" pitchFamily="2" charset="2"/>
+              <a:buChar char="§"/>
+            </a:pPr>
+            <a:r>
+              <a:rPr lang="en-US" dirty="0" smtClean="0"/>
+              <a:t>n</a:t>
+            </a:r>
+            <a:r>
+              <a:rPr lang="en-US" dirty="0" smtClean="0"/>
+              <a:t> – </a:t>
+            </a:r>
+            <a:r>
+              <a:rPr lang="ru-RU" dirty="0" smtClean="0"/>
+              <a:t>количество анализируемых путей выполнения функции</a:t>
+            </a:r>
+            <a:endParaRPr lang="ru-RU" dirty="0"/>
+          </a:p>
+        </p:txBody>
+      </p:sp>
     </p:spTree>
   </p:cSld>
   <p:clrMapOvr>

--- a/presentations/diplom/static race detection.pptx
+++ b/presentations/diplom/static race detection.pptx
@@ -5501,7 +5501,7 @@
         </p:nvSpPr>
         <p:spPr>
           <a:xfrm>
-            <a:off x="683568" y="5805264"/>
+            <a:off x="683568" y="5877272"/>
             <a:ext cx="7776864" cy="504056"/>
           </a:xfrm>
           <a:prstGeom prst="rect">
@@ -5564,7 +5564,7 @@
         <p:spPr>
           <a:xfrm>
             <a:off x="683568" y="2708920"/>
-            <a:ext cx="7776864" cy="1800200"/>
+            <a:ext cx="7776864" cy="1872208"/>
           </a:xfrm>
           <a:prstGeom prst="rect">
             <a:avLst/>
@@ -5625,7 +5625,7 @@
         </p:nvSpPr>
         <p:spPr>
           <a:xfrm>
-            <a:off x="683568" y="4581128"/>
+            <a:off x="683568" y="4653136"/>
             <a:ext cx="7776864" cy="1152128"/>
           </a:xfrm>
           <a:prstGeom prst="rect">
@@ -5706,7 +5706,7 @@
           <p:nvPr/>
         </p:nvGraphicFramePr>
         <p:xfrm>
-          <a:off x="683568" y="4581128"/>
+          <a:off x="683568" y="4653136"/>
           <a:ext cx="5565795" cy="432048"/>
         </p:xfrm>
         <a:graphic>
@@ -5726,7 +5726,7 @@
           <p:nvPr/>
         </p:nvGraphicFramePr>
         <p:xfrm>
-          <a:off x="1763688" y="5877272"/>
+          <a:off x="1763688" y="5949280"/>
           <a:ext cx="1912713" cy="360040"/>
         </p:xfrm>
         <a:graphic>
@@ -5746,7 +5746,7 @@
           <p:nvPr/>
         </p:nvGraphicFramePr>
         <p:xfrm>
-          <a:off x="4932040" y="5877272"/>
+          <a:off x="4932040" y="5949280"/>
           <a:ext cx="2182743" cy="360040"/>
         </p:xfrm>
         <a:graphic>
@@ -5872,7 +5872,7 @@
         </p:nvSpPr>
         <p:spPr>
           <a:xfrm>
-            <a:off x="827584" y="4869160"/>
+            <a:off x="827584" y="4941168"/>
             <a:ext cx="6889899" cy="923330"/>
           </a:xfrm>
           <a:prstGeom prst="rect">
@@ -7339,7 +7339,11 @@
           <a:p>
             <a:r>
               <a:rPr lang="ru-RU" dirty="0" smtClean="0"/>
-              <a:t>Предложенный алгоритм был реализован в виде </a:t>
+              <a:t>Предложенные алгоритмы были реализованы в </a:t>
+            </a:r>
+            <a:r>
+              <a:rPr lang="ru-RU" dirty="0" smtClean="0"/>
+              <a:t>виде </a:t>
             </a:r>
             <a:r>
               <a:rPr lang="ru-RU" dirty="0" err="1" smtClean="0"/>

--- a/presentations/diplom/static race detection.pptx
+++ b/presentations/diplom/static race detection.pptx
@@ -211,7 +211,7 @@
             <a:fld id="{22010AE4-EAD5-4EEF-A945-6FA18B13F5A9}" type="datetimeFigureOut">
               <a:rPr lang="ru-RU" smtClean="0"/>
               <a:pPr/>
-              <a:t>29.05.2014</a:t>
+              <a:t>30.05.2014</a:t>
             </a:fld>
             <a:endParaRPr lang="ru-RU"/>
           </a:p>
@@ -741,7 +741,7 @@
             <a:fld id="{CEA6B14D-0821-4C2C-82CE-9C65F3F9306A}" type="datetime1">
               <a:rPr lang="ru-RU" smtClean="0"/>
               <a:pPr/>
-              <a:t>29.05.2014</a:t>
+              <a:t>30.05.2014</a:t>
             </a:fld>
             <a:endParaRPr lang="ru-RU"/>
           </a:p>
@@ -908,7 +908,7 @@
             <a:fld id="{CBF73966-6DAD-453D-A6D4-80080695084C}" type="datetime1">
               <a:rPr lang="ru-RU" smtClean="0"/>
               <a:pPr/>
-              <a:t>29.05.2014</a:t>
+              <a:t>30.05.2014</a:t>
             </a:fld>
             <a:endParaRPr lang="ru-RU"/>
           </a:p>
@@ -1085,7 +1085,7 @@
             <a:fld id="{60C2BD43-7D16-471D-94F4-C9721BB6CC51}" type="datetime1">
               <a:rPr lang="ru-RU" smtClean="0"/>
               <a:pPr/>
-              <a:t>29.05.2014</a:t>
+              <a:t>30.05.2014</a:t>
             </a:fld>
             <a:endParaRPr lang="ru-RU"/>
           </a:p>
@@ -1252,7 +1252,7 @@
             <a:fld id="{96A1ED18-55C5-47E1-806F-C13AC0AFFCDF}" type="datetime1">
               <a:rPr lang="ru-RU" smtClean="0"/>
               <a:pPr/>
-              <a:t>29.05.2014</a:t>
+              <a:t>30.05.2014</a:t>
             </a:fld>
             <a:endParaRPr lang="ru-RU"/>
           </a:p>
@@ -1495,7 +1495,7 @@
             <a:fld id="{80CFC8BC-60B2-4B6B-9C0B-678A51AE4FEC}" type="datetime1">
               <a:rPr lang="ru-RU" smtClean="0"/>
               <a:pPr/>
-              <a:t>29.05.2014</a:t>
+              <a:t>30.05.2014</a:t>
             </a:fld>
             <a:endParaRPr lang="ru-RU"/>
           </a:p>
@@ -1780,7 +1780,7 @@
             <a:fld id="{1A23B688-547F-429C-B0D6-4A07BC3EE575}" type="datetime1">
               <a:rPr lang="ru-RU" smtClean="0"/>
               <a:pPr/>
-              <a:t>29.05.2014</a:t>
+              <a:t>30.05.2014</a:t>
             </a:fld>
             <a:endParaRPr lang="ru-RU"/>
           </a:p>
@@ -2199,7 +2199,7 @@
             <a:fld id="{910FAFDB-CCC7-4071-A914-8DA50D8301B3}" type="datetime1">
               <a:rPr lang="ru-RU" smtClean="0"/>
               <a:pPr/>
-              <a:t>29.05.2014</a:t>
+              <a:t>30.05.2014</a:t>
             </a:fld>
             <a:endParaRPr lang="ru-RU"/>
           </a:p>
@@ -2314,7 +2314,7 @@
             <a:fld id="{09D05F4B-8C57-4A06-9BCC-88C4FEC9DF22}" type="datetime1">
               <a:rPr lang="ru-RU" smtClean="0"/>
               <a:pPr/>
-              <a:t>29.05.2014</a:t>
+              <a:t>30.05.2014</a:t>
             </a:fld>
             <a:endParaRPr lang="ru-RU"/>
           </a:p>
@@ -2406,7 +2406,7 @@
             <a:fld id="{878A6FA8-4AF2-436B-B100-EA1CE8823379}" type="datetime1">
               <a:rPr lang="ru-RU" smtClean="0"/>
               <a:pPr/>
-              <a:t>29.05.2014</a:t>
+              <a:t>30.05.2014</a:t>
             </a:fld>
             <a:endParaRPr lang="ru-RU"/>
           </a:p>
@@ -2680,7 +2680,7 @@
             <a:fld id="{749F6870-1B45-47C5-9E9B-0AB301049281}" type="datetime1">
               <a:rPr lang="ru-RU" smtClean="0"/>
               <a:pPr/>
-              <a:t>29.05.2014</a:t>
+              <a:t>30.05.2014</a:t>
             </a:fld>
             <a:endParaRPr lang="ru-RU"/>
           </a:p>
@@ -2930,7 +2930,7 @@
             <a:fld id="{ECD49713-43BE-464A-99A3-7A440665C9A7}" type="datetime1">
               <a:rPr lang="ru-RU" smtClean="0"/>
               <a:pPr/>
-              <a:t>29.05.2014</a:t>
+              <a:t>30.05.2014</a:t>
             </a:fld>
             <a:endParaRPr lang="ru-RU"/>
           </a:p>
@@ -3140,7 +3140,7 @@
             <a:fld id="{66113E02-8A28-4829-8EC3-8D7A05A958CF}" type="datetime1">
               <a:rPr lang="ru-RU" smtClean="0"/>
               <a:pPr/>
-              <a:t>29.05.2014</a:t>
+              <a:t>30.05.2014</a:t>
             </a:fld>
             <a:endParaRPr lang="ru-RU"/>
           </a:p>
@@ -5932,11 +5932,7 @@
             </a:pPr>
             <a:r>
               <a:rPr lang="en-US" dirty="0" smtClean="0"/>
-              <a:t>n</a:t>
-            </a:r>
-            <a:r>
-              <a:rPr lang="en-US" dirty="0" smtClean="0"/>
-              <a:t> – </a:t>
+              <a:t>n – </a:t>
             </a:r>
             <a:r>
               <a:rPr lang="ru-RU" dirty="0" smtClean="0"/>
@@ -6857,8 +6853,23 @@
           <a:p>
             <a:r>
               <a:rPr lang="ru-RU" dirty="0" smtClean="0"/>
-              <a:t>Отсутствие обращений к полям структур</a:t>
-            </a:r>
+              <a:t>Отсутствие обращений к полям </a:t>
+            </a:r>
+            <a:r>
+              <a:rPr lang="ru-RU" dirty="0" smtClean="0"/>
+              <a:t>структур</a:t>
+            </a:r>
+          </a:p>
+          <a:p>
+            <a:r>
+              <a:rPr lang="ru-RU" dirty="0" smtClean="0"/>
+              <a:t>Уникальность имён переменных в пределах </a:t>
+            </a:r>
+            <a:r>
+              <a:rPr lang="ru-RU" dirty="0" smtClean="0"/>
+              <a:t>функции</a:t>
+            </a:r>
+            <a:endParaRPr lang="ru-RU" dirty="0" smtClean="0"/>
           </a:p>
           <a:p>
             <a:endParaRPr lang="ru-RU" dirty="0" smtClean="0"/>
@@ -6952,25 +6963,32 @@
       </p:sp>
       <p:sp>
         <p:nvSpPr>
-          <p:cNvPr id="4" name="Номер слайда 3"/>
-          <p:cNvSpPr>
-            <a:spLocks noGrp="1"/>
-          </p:cNvSpPr>
-          <p:nvPr>
-            <p:ph type="sldNum" sz="quarter" idx="12"/>
-          </p:nvPr>
-        </p:nvSpPr>
-        <p:spPr/>
-        <p:txBody>
-          <a:bodyPr/>
-          <a:lstStyle/>
-          <a:p>
-            <a:fld id="{6ACCCD26-A6AD-4D04-8A48-0C02F87992A0}" type="slidenum">
-              <a:rPr lang="ru-RU" smtClean="0"/>
-              <a:pPr/>
-              <a:t>16</a:t>
-            </a:fld>
-            <a:endParaRPr lang="ru-RU"/>
+          <p:cNvPr id="6" name="Текст 5"/>
+          <p:cNvSpPr>
+            <a:spLocks noGrp="1"/>
+          </p:cNvSpPr>
+          <p:nvPr>
+            <p:ph type="body" idx="1"/>
+          </p:nvPr>
+        </p:nvSpPr>
+        <p:spPr>
+          <a:xfrm>
+            <a:off x="467544" y="1484784"/>
+            <a:ext cx="4040188" cy="1101800"/>
+          </a:xfrm>
+        </p:spPr>
+        <p:txBody>
+          <a:bodyPr>
+            <a:normAutofit fontScale="85000" lnSpcReduction="20000"/>
+          </a:bodyPr>
+          <a:lstStyle/>
+          <a:p>
+            <a:pPr algn="ctr"/>
+            <a:r>
+              <a:rPr lang="ru-RU" dirty="0" smtClean="0"/>
+              <a:t>Зависимость количества анализируемых инструкций от максимального количества вхождений базового блока в путь</a:t>
+            </a:r>
+            <a:endParaRPr lang="ru-RU" dirty="0"/>
           </a:p>
         </p:txBody>
       </p:sp>
@@ -6981,7 +6999,7 @@
             <a:picLocks noGrp="1" noChangeAspect="1"/>
           </p:cNvPicPr>
           <p:nvPr>
-            <p:ph sz="half" idx="1"/>
+            <p:ph sz="half" idx="2"/>
           </p:nvPr>
         </p:nvPicPr>
         <p:blipFill>
@@ -6992,8 +7010,8 @@
         </p:blipFill>
         <p:spPr>
           <a:xfrm>
-            <a:off x="457200" y="2340940"/>
-            <a:ext cx="4038600" cy="3044483"/>
+            <a:off x="457200" y="2627679"/>
+            <a:ext cx="4040188" cy="3045680"/>
           </a:xfrm>
           <a:prstGeom prst="rect">
             <a:avLst/>
@@ -7007,7 +7025,7 @@
             <a:picLocks noGrp="1" noChangeAspect="1"/>
           </p:cNvPicPr>
           <p:nvPr>
-            <p:ph sz="half" idx="2"/>
+            <p:ph sz="quarter" idx="4"/>
           </p:nvPr>
         </p:nvPicPr>
         <p:blipFill>
@@ -7018,14 +7036,73 @@
         </p:blipFill>
         <p:spPr>
           <a:xfrm>
-            <a:off x="4648200" y="2340940"/>
-            <a:ext cx="4038600" cy="3044483"/>
+            <a:off x="4645025" y="2627081"/>
+            <a:ext cx="4041775" cy="3046876"/>
           </a:xfrm>
           <a:prstGeom prst="rect">
             <a:avLst/>
           </a:prstGeom>
         </p:spPr>
       </p:pic>
+      <p:sp>
+        <p:nvSpPr>
+          <p:cNvPr id="4" name="Номер слайда 3"/>
+          <p:cNvSpPr>
+            <a:spLocks noGrp="1"/>
+          </p:cNvSpPr>
+          <p:nvPr>
+            <p:ph type="sldNum" sz="quarter" idx="12"/>
+          </p:nvPr>
+        </p:nvSpPr>
+        <p:spPr/>
+        <p:txBody>
+          <a:bodyPr/>
+          <a:lstStyle/>
+          <a:p>
+            <a:fld id="{6ACCCD26-A6AD-4D04-8A48-0C02F87992A0}" type="slidenum">
+              <a:rPr lang="ru-RU" smtClean="0"/>
+              <a:pPr/>
+              <a:t>16</a:t>
+            </a:fld>
+            <a:endParaRPr lang="ru-RU"/>
+          </a:p>
+        </p:txBody>
+      </p:sp>
+      <p:sp>
+        <p:nvSpPr>
+          <p:cNvPr id="8" name="Текст 7"/>
+          <p:cNvSpPr>
+            <a:spLocks noGrp="1"/>
+          </p:cNvSpPr>
+          <p:nvPr>
+            <p:ph type="body" sz="quarter" idx="3"/>
+          </p:nvPr>
+        </p:nvSpPr>
+        <p:spPr>
+          <a:xfrm>
+            <a:off x="4716016" y="1412776"/>
+            <a:ext cx="4041775" cy="1152127"/>
+          </a:xfrm>
+        </p:spPr>
+        <p:txBody>
+          <a:bodyPr>
+            <a:normAutofit fontScale="85000" lnSpcReduction="20000"/>
+          </a:bodyPr>
+          <a:lstStyle/>
+          <a:p>
+            <a:pPr algn="ctr"/>
+            <a:r>
+              <a:rPr lang="ru-RU" dirty="0" smtClean="0"/>
+              <a:t>Зависимость количества анализируемых путей от максимального количества вхождений базового блока в </a:t>
+            </a:r>
+            <a:r>
+              <a:rPr lang="ru-RU" dirty="0" smtClean="0"/>
+              <a:t>путь</a:t>
+            </a:r>
+            <a:endParaRPr lang="ru-RU" dirty="0" smtClean="0"/>
+          </a:p>
+        </p:txBody>
+      </p:sp>
     </p:spTree>
   </p:cSld>
   <p:clrMapOvr>
@@ -7074,6 +7151,37 @@
           </a:p>
         </p:txBody>
       </p:sp>
+      <p:sp>
+        <p:nvSpPr>
+          <p:cNvPr id="6" name="Текст 5"/>
+          <p:cNvSpPr>
+            <a:spLocks noGrp="1"/>
+          </p:cNvSpPr>
+          <p:nvPr>
+            <p:ph type="body" idx="1"/>
+          </p:nvPr>
+        </p:nvSpPr>
+        <p:spPr>
+          <a:xfrm>
+            <a:off x="457200" y="1535113"/>
+            <a:ext cx="4040188" cy="885776"/>
+          </a:xfrm>
+        </p:spPr>
+        <p:txBody>
+          <a:bodyPr>
+            <a:normAutofit fontScale="85000" lnSpcReduction="20000"/>
+          </a:bodyPr>
+          <a:lstStyle/>
+          <a:p>
+            <a:pPr algn="ctr"/>
+            <a:r>
+              <a:rPr lang="ru-RU" dirty="0" smtClean="0"/>
+              <a:t>Зависимость времени анализа от количества анализируемых инструкций</a:t>
+            </a:r>
+            <a:endParaRPr lang="ru-RU" dirty="0"/>
+          </a:p>
+        </p:txBody>
+      </p:sp>
       <p:pic>
         <p:nvPicPr>
           <p:cNvPr id="12" name="Содержимое 11" descr="graphic4.png"/>
@@ -7081,7 +7189,7 @@
             <a:picLocks noGrp="1" noChangeAspect="1"/>
           </p:cNvPicPr>
           <p:nvPr>
-            <p:ph sz="half" idx="1"/>
+            <p:ph sz="half" idx="2"/>
           </p:nvPr>
         </p:nvPicPr>
         <p:blipFill>
@@ -7092,14 +7200,44 @@
         </p:blipFill>
         <p:spPr>
           <a:xfrm>
-            <a:off x="457200" y="2340940"/>
-            <a:ext cx="4038600" cy="3044483"/>
+            <a:off x="457200" y="2627679"/>
+            <a:ext cx="4040188" cy="3045680"/>
           </a:xfrm>
           <a:prstGeom prst="rect">
             <a:avLst/>
           </a:prstGeom>
         </p:spPr>
       </p:pic>
+      <p:sp>
+        <p:nvSpPr>
+          <p:cNvPr id="7" name="Текст 6"/>
+          <p:cNvSpPr>
+            <a:spLocks noGrp="1"/>
+          </p:cNvSpPr>
+          <p:nvPr>
+            <p:ph type="body" sz="quarter" idx="3"/>
+          </p:nvPr>
+        </p:nvSpPr>
+        <p:spPr/>
+        <p:txBody>
+          <a:bodyPr>
+            <a:normAutofit fontScale="85000" lnSpcReduction="20000"/>
+          </a:bodyPr>
+          <a:lstStyle/>
+          <a:p>
+            <a:pPr algn="ctr"/>
+            <a:r>
+              <a:rPr lang="ru-RU" dirty="0" smtClean="0"/>
+              <a:t>Зависимость времени анализа от количества анализируемых </a:t>
+            </a:r>
+            <a:r>
+              <a:rPr lang="ru-RU" dirty="0" smtClean="0"/>
+              <a:t>путей</a:t>
+            </a:r>
+            <a:endParaRPr lang="ru-RU" dirty="0" smtClean="0"/>
+          </a:p>
+        </p:txBody>
+      </p:sp>
       <p:pic>
         <p:nvPicPr>
           <p:cNvPr id="13" name="Содержимое 12" descr="graphic3.png"/>
@@ -7107,7 +7245,7 @@
             <a:picLocks noGrp="1" noChangeAspect="1"/>
           </p:cNvPicPr>
           <p:nvPr>
-            <p:ph sz="half" idx="2"/>
+            <p:ph sz="quarter" idx="4"/>
           </p:nvPr>
         </p:nvPicPr>
         <p:blipFill>
@@ -7118,8 +7256,8 @@
         </p:blipFill>
         <p:spPr>
           <a:xfrm>
-            <a:off x="4648200" y="2340940"/>
-            <a:ext cx="4038600" cy="3044483"/>
+            <a:off x="4645025" y="2627081"/>
+            <a:ext cx="4041775" cy="3046876"/>
           </a:xfrm>
           <a:prstGeom prst="rect">
             <a:avLst/>
@@ -7246,6 +7384,43 @@
           </a:prstGeom>
         </p:spPr>
       </p:pic>
+      <p:sp>
+        <p:nvSpPr>
+          <p:cNvPr id="5" name="TextBox 4"/>
+          <p:cNvSpPr txBox="1"/>
+          <p:nvPr/>
+        </p:nvSpPr>
+        <p:spPr>
+          <a:xfrm>
+            <a:off x="2123728" y="1196752"/>
+            <a:ext cx="5273688" cy="707886"/>
+          </a:xfrm>
+          <a:prstGeom prst="rect">
+            <a:avLst/>
+          </a:prstGeom>
+          <a:noFill/>
+        </p:spPr>
+        <p:txBody>
+          <a:bodyPr wrap="none" rtlCol="0">
+            <a:spAutoFit/>
+          </a:bodyPr>
+          <a:lstStyle/>
+          <a:p>
+            <a:r>
+              <a:rPr lang="ru-RU" sz="2000" b="1" dirty="0" smtClean="0"/>
+              <a:t>Зависимость времени анализа от количества </a:t>
+            </a:r>
+          </a:p>
+          <a:p>
+            <a:pPr algn="ctr"/>
+            <a:r>
+              <a:rPr lang="ru-RU" sz="2000" b="1" dirty="0" smtClean="0"/>
+              <a:t>анализируемых потоков</a:t>
+            </a:r>
+            <a:endParaRPr lang="ru-RU" sz="2000" b="1" dirty="0"/>
+          </a:p>
+        </p:txBody>
+      </p:sp>
     </p:spTree>
   </p:cSld>
   <p:clrMapOvr>
@@ -7334,16 +7509,11 @@
               <a:rPr lang="ru-RU" dirty="0" smtClean="0"/>
               <a:t>Были предложены алгоритмы, входящие в состав разработанного  метода.</a:t>
             </a:r>
-            <a:endParaRPr lang="ru-RU" dirty="0" smtClean="0"/>
           </a:p>
           <a:p>
             <a:r>
               <a:rPr lang="ru-RU" dirty="0" smtClean="0"/>
-              <a:t>Предложенные алгоритмы были реализованы в </a:t>
-            </a:r>
-            <a:r>
-              <a:rPr lang="ru-RU" dirty="0" smtClean="0"/>
-              <a:t>виде </a:t>
+              <a:t>Предложенные алгоритмы были реализованы в виде </a:t>
             </a:r>
             <a:r>
               <a:rPr lang="ru-RU" dirty="0" err="1" smtClean="0"/>
@@ -7365,13 +7535,8 @@
           <a:p>
             <a:r>
               <a:rPr lang="ru-RU" dirty="0" smtClean="0"/>
-              <a:t>Было проведено исследование с использование разработанного ПО</a:t>
-            </a:r>
-            <a:r>
-              <a:rPr lang="ru-RU" dirty="0" smtClean="0"/>
-              <a:t>.</a:t>
-            </a:r>
-            <a:endParaRPr lang="ru-RU" dirty="0" smtClean="0"/>
+              <a:t>Было проведено исследование с использование разработанного ПО.</a:t>
+            </a:r>
           </a:p>
         </p:txBody>
       </p:sp>
@@ -8790,7 +8955,7 @@
         <p:spPr/>
         <p:txBody>
           <a:bodyPr>
-            <a:normAutofit fontScale="92500" lnSpcReduction="10000"/>
+            <a:normAutofit fontScale="92500"/>
           </a:bodyPr>
           <a:lstStyle/>
           <a:p>
@@ -8826,14 +8991,13 @@
           <a:p>
             <a:r>
               <a:rPr lang="ru-RU" dirty="0" smtClean="0"/>
-              <a:t>Отсутствие обращений к элементам массива</a:t>
-            </a:r>
-          </a:p>
-          <a:p>
+              <a:t>Отсутствие обращений к элементам </a:t>
+            </a:r>
             <a:r>
               <a:rPr lang="ru-RU" dirty="0" smtClean="0"/>
-              <a:t>Уникальность имён переменных в пределах функции</a:t>
-            </a:r>
+              <a:t>массива</a:t>
+            </a:r>
+            <a:endParaRPr lang="ru-RU" dirty="0" smtClean="0"/>
           </a:p>
         </p:txBody>
       </p:sp>

--- a/presentations/diplom/static race detection.pptx
+++ b/presentations/diplom/static race detection.pptx
@@ -5,7 +5,7 @@
     <p:sldMasterId id="2147483648" r:id="rId1"/>
   </p:sldMasterIdLst>
   <p:notesMasterIdLst>
-    <p:notesMasterId r:id="rId21"/>
+    <p:notesMasterId r:id="rId19"/>
   </p:notesMasterIdLst>
   <p:sldIdLst>
     <p:sldId id="256" r:id="rId2"/>
@@ -22,11 +22,9 @@
     <p:sldId id="289" r:id="rId13"/>
     <p:sldId id="284" r:id="rId14"/>
     <p:sldId id="274" r:id="rId15"/>
-    <p:sldId id="287" r:id="rId16"/>
-    <p:sldId id="298" r:id="rId17"/>
-    <p:sldId id="302" r:id="rId18"/>
-    <p:sldId id="303" r:id="rId19"/>
-    <p:sldId id="297" r:id="rId20"/>
+    <p:sldId id="298" r:id="rId16"/>
+    <p:sldId id="303" r:id="rId17"/>
+    <p:sldId id="297" r:id="rId18"/>
   </p:sldIdLst>
   <p:sldSz cx="9144000" cy="6858000" type="screen4x3"/>
   <p:notesSz cx="6858000" cy="9144000"/>
@@ -211,7 +209,7 @@
             <a:fld id="{22010AE4-EAD5-4EEF-A945-6FA18B13F5A9}" type="datetimeFigureOut">
               <a:rPr lang="ru-RU" smtClean="0"/>
               <a:pPr/>
-              <a:t>30.05.2014</a:t>
+              <a:t>31.05.2014</a:t>
             </a:fld>
             <a:endParaRPr lang="ru-RU"/>
           </a:p>
@@ -741,7 +739,7 @@
             <a:fld id="{CEA6B14D-0821-4C2C-82CE-9C65F3F9306A}" type="datetime1">
               <a:rPr lang="ru-RU" smtClean="0"/>
               <a:pPr/>
-              <a:t>30.05.2014</a:t>
+              <a:t>31.05.2014</a:t>
             </a:fld>
             <a:endParaRPr lang="ru-RU"/>
           </a:p>
@@ -908,7 +906,7 @@
             <a:fld id="{CBF73966-6DAD-453D-A6D4-80080695084C}" type="datetime1">
               <a:rPr lang="ru-RU" smtClean="0"/>
               <a:pPr/>
-              <a:t>30.05.2014</a:t>
+              <a:t>31.05.2014</a:t>
             </a:fld>
             <a:endParaRPr lang="ru-RU"/>
           </a:p>
@@ -1085,7 +1083,7 @@
             <a:fld id="{60C2BD43-7D16-471D-94F4-C9721BB6CC51}" type="datetime1">
               <a:rPr lang="ru-RU" smtClean="0"/>
               <a:pPr/>
-              <a:t>30.05.2014</a:t>
+              <a:t>31.05.2014</a:t>
             </a:fld>
             <a:endParaRPr lang="ru-RU"/>
           </a:p>
@@ -1252,7 +1250,7 @@
             <a:fld id="{96A1ED18-55C5-47E1-806F-C13AC0AFFCDF}" type="datetime1">
               <a:rPr lang="ru-RU" smtClean="0"/>
               <a:pPr/>
-              <a:t>30.05.2014</a:t>
+              <a:t>31.05.2014</a:t>
             </a:fld>
             <a:endParaRPr lang="ru-RU"/>
           </a:p>
@@ -1495,7 +1493,7 @@
             <a:fld id="{80CFC8BC-60B2-4B6B-9C0B-678A51AE4FEC}" type="datetime1">
               <a:rPr lang="ru-RU" smtClean="0"/>
               <a:pPr/>
-              <a:t>30.05.2014</a:t>
+              <a:t>31.05.2014</a:t>
             </a:fld>
             <a:endParaRPr lang="ru-RU"/>
           </a:p>
@@ -1780,7 +1778,7 @@
             <a:fld id="{1A23B688-547F-429C-B0D6-4A07BC3EE575}" type="datetime1">
               <a:rPr lang="ru-RU" smtClean="0"/>
               <a:pPr/>
-              <a:t>30.05.2014</a:t>
+              <a:t>31.05.2014</a:t>
             </a:fld>
             <a:endParaRPr lang="ru-RU"/>
           </a:p>
@@ -2199,7 +2197,7 @@
             <a:fld id="{910FAFDB-CCC7-4071-A914-8DA50D8301B3}" type="datetime1">
               <a:rPr lang="ru-RU" smtClean="0"/>
               <a:pPr/>
-              <a:t>30.05.2014</a:t>
+              <a:t>31.05.2014</a:t>
             </a:fld>
             <a:endParaRPr lang="ru-RU"/>
           </a:p>
@@ -2314,7 +2312,7 @@
             <a:fld id="{09D05F4B-8C57-4A06-9BCC-88C4FEC9DF22}" type="datetime1">
               <a:rPr lang="ru-RU" smtClean="0"/>
               <a:pPr/>
-              <a:t>30.05.2014</a:t>
+              <a:t>31.05.2014</a:t>
             </a:fld>
             <a:endParaRPr lang="ru-RU"/>
           </a:p>
@@ -2406,7 +2404,7 @@
             <a:fld id="{878A6FA8-4AF2-436B-B100-EA1CE8823379}" type="datetime1">
               <a:rPr lang="ru-RU" smtClean="0"/>
               <a:pPr/>
-              <a:t>30.05.2014</a:t>
+              <a:t>31.05.2014</a:t>
             </a:fld>
             <a:endParaRPr lang="ru-RU"/>
           </a:p>
@@ -2680,7 +2678,7 @@
             <a:fld id="{749F6870-1B45-47C5-9E9B-0AB301049281}" type="datetime1">
               <a:rPr lang="ru-RU" smtClean="0"/>
               <a:pPr/>
-              <a:t>30.05.2014</a:t>
+              <a:t>31.05.2014</a:t>
             </a:fld>
             <a:endParaRPr lang="ru-RU"/>
           </a:p>
@@ -2930,7 +2928,7 @@
             <a:fld id="{ECD49713-43BE-464A-99A3-7A440665C9A7}" type="datetime1">
               <a:rPr lang="ru-RU" smtClean="0"/>
               <a:pPr/>
-              <a:t>30.05.2014</a:t>
+              <a:t>31.05.2014</a:t>
             </a:fld>
             <a:endParaRPr lang="ru-RU"/>
           </a:p>
@@ -3140,7 +3138,7 @@
             <a:fld id="{66113E02-8A28-4829-8EC3-8D7A05A958CF}" type="datetime1">
               <a:rPr lang="ru-RU" smtClean="0"/>
               <a:pPr/>
-              <a:t>30.05.2014</a:t>
+              <a:t>31.05.2014</a:t>
             </a:fld>
             <a:endParaRPr lang="ru-RU"/>
           </a:p>
@@ -5706,8 +5704,8 @@
           <p:nvPr/>
         </p:nvGraphicFramePr>
         <p:xfrm>
-          <a:off x="683568" y="4653136"/>
-          <a:ext cx="5565795" cy="432048"/>
+          <a:off x="683569" y="4653136"/>
+          <a:ext cx="5256583" cy="432048"/>
         </p:xfrm>
         <a:graphic>
           <a:graphicData uri="http://schemas.openxmlformats.org/presentationml/2006/ole">
@@ -5726,12 +5724,12 @@
           <p:nvPr/>
         </p:nvGraphicFramePr>
         <p:xfrm>
-          <a:off x="1763688" y="5949280"/>
-          <a:ext cx="1912713" cy="360040"/>
+          <a:off x="683568" y="5877272"/>
+          <a:ext cx="3680055" cy="360040"/>
         </p:xfrm>
         <a:graphic>
           <a:graphicData uri="http://schemas.openxmlformats.org/presentationml/2006/ole">
-            <p:oleObj spid="_x0000_s1028" name="Формула" r:id="rId5" imgW="1079280" imgH="203040" progId="Equation.3">
+            <p:oleObj spid="_x0000_s1028" name="Формула" r:id="rId5" imgW="2070000" imgH="203040" progId="Equation.3">
               <p:embed/>
             </p:oleObj>
           </a:graphicData>
@@ -5746,12 +5744,12 @@
           <p:nvPr/>
         </p:nvGraphicFramePr>
         <p:xfrm>
-          <a:off x="4932040" y="5949280"/>
-          <a:ext cx="2182743" cy="360040"/>
+          <a:off x="4427984" y="5877272"/>
+          <a:ext cx="4010596" cy="365334"/>
         </p:xfrm>
         <a:graphic>
           <a:graphicData uri="http://schemas.openxmlformats.org/presentationml/2006/ole">
-            <p:oleObj spid="_x0000_s1029" name="Формула" r:id="rId6" imgW="1231560" imgH="203040" progId="Equation.3">
+            <p:oleObj spid="_x0000_s1029" name="Формула" r:id="rId6" imgW="2222280" imgH="203040" progId="Equation.3">
               <p:embed/>
             </p:oleObj>
           </a:graphicData>
@@ -6660,8 +6658,8 @@
         </p:blipFill>
         <p:spPr>
           <a:xfrm>
-            <a:off x="457200" y="1942793"/>
-            <a:ext cx="8229600" cy="3840776"/>
+            <a:off x="457200" y="1986009"/>
+            <a:ext cx="8229600" cy="3754343"/>
           </a:xfrm>
         </p:spPr>
       </p:pic>
@@ -6709,12 +6707,18 @@
         </p:nvSpPr>
         <p:spPr/>
         <p:txBody>
-          <a:bodyPr/>
+          <a:bodyPr>
+            <a:normAutofit fontScale="90000"/>
+          </a:bodyPr>
           <a:lstStyle/>
           <a:p>
             <a:r>
               <a:rPr lang="ru-RU" dirty="0" smtClean="0"/>
-              <a:t>Структура ПО</a:t>
+              <a:t>Структура </a:t>
+            </a:r>
+            <a:r>
+              <a:rPr lang="ru-RU" dirty="0" smtClean="0"/>
+              <a:t>ПО. Ограничения реализации</a:t>
             </a:r>
             <a:endParaRPr lang="ru-RU" dirty="0"/>
           </a:p>
@@ -6762,11 +6766,71 @@
         </p:blipFill>
         <p:spPr>
           <a:xfrm>
-            <a:off x="615346" y="2490581"/>
-            <a:ext cx="7913308" cy="2745200"/>
+            <a:off x="1691680" y="1772816"/>
+            <a:ext cx="5400600" cy="1873518"/>
           </a:xfrm>
         </p:spPr>
       </p:pic>
+      <p:sp>
+        <p:nvSpPr>
+          <p:cNvPr id="5" name="Прямоугольник 4"/>
+          <p:cNvSpPr/>
+          <p:nvPr/>
+        </p:nvSpPr>
+        <p:spPr>
+          <a:xfrm>
+            <a:off x="1547664" y="3933056"/>
+            <a:ext cx="6552728" cy="1938992"/>
+          </a:xfrm>
+          <a:prstGeom prst="rect">
+            <a:avLst/>
+          </a:prstGeom>
+        </p:spPr>
+        <p:txBody>
+          <a:bodyPr wrap="square">
+            <a:spAutoFit/>
+          </a:bodyPr>
+          <a:lstStyle/>
+          <a:p>
+            <a:pPr>
+              <a:buFont typeface="Arial" pitchFamily="34" charset="0"/>
+              <a:buChar char="•"/>
+            </a:pPr>
+            <a:r>
+              <a:rPr lang="ru-RU" sz="2400" dirty="0" smtClean="0"/>
+              <a:t>Использование </a:t>
+            </a:r>
+            <a:r>
+              <a:rPr lang="en-US" sz="2400" dirty="0" smtClean="0"/>
+              <a:t>POSIX API</a:t>
+            </a:r>
+            <a:r>
+              <a:rPr lang="ru-RU" sz="2400" dirty="0" smtClean="0"/>
+              <a:t> для работы с потоками и объектами взаимоисключения</a:t>
+            </a:r>
+          </a:p>
+          <a:p>
+            <a:pPr>
+              <a:buFont typeface="Arial" pitchFamily="34" charset="0"/>
+              <a:buChar char="•"/>
+            </a:pPr>
+            <a:r>
+              <a:rPr lang="ru-RU" sz="2400" dirty="0" smtClean="0"/>
+              <a:t>Отсутствие обращений к полям структур</a:t>
+            </a:r>
+          </a:p>
+          <a:p>
+            <a:pPr>
+              <a:buFont typeface="Arial" pitchFamily="34" charset="0"/>
+              <a:buChar char="•"/>
+            </a:pPr>
+            <a:r>
+              <a:rPr lang="ru-RU" sz="2400" dirty="0" smtClean="0"/>
+              <a:t>Уникальность имён переменных в пределах функции</a:t>
+            </a:r>
+          </a:p>
+        </p:txBody>
+      </p:sp>
     </p:spTree>
   </p:cSld>
   <p:clrMapOvr>
@@ -6816,7 +6880,7 @@
           <a:p>
             <a:r>
               <a:rPr lang="ru-RU" dirty="0" smtClean="0"/>
-              <a:t>Ограничения реализации</a:t>
+              <a:t>Результаты исследований</a:t>
             </a:r>
             <a:endParaRPr lang="ru-RU" dirty="0"/>
           </a:p>
@@ -6824,64 +6888,87 @@
       </p:sp>
       <p:sp>
         <p:nvSpPr>
-          <p:cNvPr id="3" name="Содержимое 2"/>
-          <p:cNvSpPr>
-            <a:spLocks noGrp="1"/>
-          </p:cNvSpPr>
-          <p:nvPr>
-            <p:ph idx="1"/>
-          </p:nvPr>
-        </p:nvSpPr>
-        <p:spPr/>
-        <p:txBody>
-          <a:bodyPr/>
-          <a:lstStyle/>
-          <a:p>
+          <p:cNvPr id="6" name="Текст 5"/>
+          <p:cNvSpPr>
+            <a:spLocks noGrp="1"/>
+          </p:cNvSpPr>
+          <p:nvPr>
+            <p:ph type="body" idx="1"/>
+          </p:nvPr>
+        </p:nvSpPr>
+        <p:spPr>
+          <a:xfrm>
+            <a:off x="4644008" y="1412776"/>
+            <a:ext cx="3312368" cy="576064"/>
+          </a:xfrm>
+        </p:spPr>
+        <p:txBody>
+          <a:bodyPr>
+            <a:normAutofit fontScale="55000" lnSpcReduction="20000"/>
+          </a:bodyPr>
+          <a:lstStyle/>
+          <a:p>
+            <a:pPr algn="ctr"/>
             <a:r>
               <a:rPr lang="ru-RU" dirty="0" smtClean="0"/>
-              <a:t>Использование </a:t>
-            </a:r>
-            <a:r>
-              <a:rPr lang="en-US" dirty="0" smtClean="0"/>
-              <a:t>POSIX API</a:t>
-            </a:r>
-            <a:r>
-              <a:rPr lang="ru-RU" dirty="0" smtClean="0"/>
-              <a:t> для работы с потоками и объектами взаимоисключения</a:t>
-            </a:r>
-          </a:p>
-          <a:p>
-            <a:r>
-              <a:rPr lang="ru-RU" dirty="0" smtClean="0"/>
-              <a:t>Отсутствие обращений к полям </a:t>
-            </a:r>
-            <a:r>
-              <a:rPr lang="ru-RU" dirty="0" smtClean="0"/>
-              <a:t>структур</a:t>
-            </a:r>
-          </a:p>
-          <a:p>
-            <a:r>
-              <a:rPr lang="ru-RU" dirty="0" smtClean="0"/>
-              <a:t>Уникальность имён переменных в пределах </a:t>
-            </a:r>
-            <a:r>
-              <a:rPr lang="ru-RU" dirty="0" smtClean="0"/>
-              <a:t>функции</a:t>
-            </a:r>
-            <a:endParaRPr lang="ru-RU" dirty="0" smtClean="0"/>
-          </a:p>
-          <a:p>
-            <a:endParaRPr lang="ru-RU" dirty="0" smtClean="0"/>
-          </a:p>
-          <a:p>
-            <a:endParaRPr lang="ru-RU" dirty="0" smtClean="0"/>
-          </a:p>
-          <a:p>
+              <a:t>Зависимость количества анализируемых инструкций от максимального количества вхождений базового блока в путь</a:t>
+            </a:r>
             <a:endParaRPr lang="ru-RU" dirty="0"/>
           </a:p>
         </p:txBody>
       </p:sp>
+      <p:pic>
+        <p:nvPicPr>
+          <p:cNvPr id="17" name="Содержимое 16" descr="graphic2.png"/>
+          <p:cNvPicPr>
+            <a:picLocks noGrp="1" noChangeAspect="1"/>
+          </p:cNvPicPr>
+          <p:nvPr>
+            <p:ph sz="half" idx="2"/>
+          </p:nvPr>
+        </p:nvPicPr>
+        <p:blipFill>
+          <a:blip r:embed="rId2" cstate="print"/>
+          <a:stretch>
+            <a:fillRect/>
+          </a:stretch>
+        </p:blipFill>
+        <p:spPr>
+          <a:xfrm>
+            <a:off x="5004048" y="2204863"/>
+            <a:ext cx="2304256" cy="1737055"/>
+          </a:xfrm>
+          <a:prstGeom prst="rect">
+            <a:avLst/>
+          </a:prstGeom>
+        </p:spPr>
+      </p:pic>
+      <p:pic>
+        <p:nvPicPr>
+          <p:cNvPr id="18" name="Содержимое 17" descr="graphic1.png"/>
+          <p:cNvPicPr>
+            <a:picLocks noGrp="1" noChangeAspect="1"/>
+          </p:cNvPicPr>
+          <p:nvPr>
+            <p:ph sz="quarter" idx="4"/>
+          </p:nvPr>
+        </p:nvPicPr>
+        <p:blipFill>
+          <a:blip r:embed="rId3" cstate="print"/>
+          <a:stretch>
+            <a:fillRect/>
+          </a:stretch>
+        </p:blipFill>
+        <p:spPr>
+          <a:xfrm>
+            <a:off x="683568" y="2204864"/>
+            <a:ext cx="2388020" cy="1800200"/>
+          </a:xfrm>
+          <a:prstGeom prst="rect">
+            <a:avLst/>
+          </a:prstGeom>
+        </p:spPr>
+      </p:pic>
       <p:sp>
         <p:nvSpPr>
           <p:cNvPr id="4" name="Номер слайда 3"/>
@@ -6906,6 +6993,218 @@
           </a:p>
         </p:txBody>
       </p:sp>
+      <p:sp>
+        <p:nvSpPr>
+          <p:cNvPr id="8" name="Текст 7"/>
+          <p:cNvSpPr>
+            <a:spLocks noGrp="1"/>
+          </p:cNvSpPr>
+          <p:nvPr>
+            <p:ph type="body" sz="quarter" idx="3"/>
+          </p:nvPr>
+        </p:nvSpPr>
+        <p:spPr>
+          <a:xfrm>
+            <a:off x="539552" y="1412776"/>
+            <a:ext cx="3276873" cy="576064"/>
+          </a:xfrm>
+        </p:spPr>
+        <p:txBody>
+          <a:bodyPr>
+            <a:normAutofit fontScale="55000" lnSpcReduction="20000"/>
+          </a:bodyPr>
+          <a:lstStyle/>
+          <a:p>
+            <a:pPr algn="ctr"/>
+            <a:r>
+              <a:rPr lang="ru-RU" dirty="0" smtClean="0"/>
+              <a:t>Зависимость количества анализируемых путей от максимального количества вхождений базового блока в путь</a:t>
+            </a:r>
+          </a:p>
+        </p:txBody>
+      </p:sp>
+      <p:sp>
+        <p:nvSpPr>
+          <p:cNvPr id="9" name="Текст 5"/>
+          <p:cNvSpPr txBox="1">
+            <a:spLocks/>
+          </p:cNvSpPr>
+          <p:nvPr/>
+        </p:nvSpPr>
+        <p:spPr>
+          <a:xfrm>
+            <a:off x="4716016" y="3861048"/>
+            <a:ext cx="3176092" cy="597744"/>
+          </a:xfrm>
+          <a:prstGeom prst="rect">
+            <a:avLst/>
+          </a:prstGeom>
+        </p:spPr>
+        <p:txBody>
+          <a:bodyPr vert="horz" lIns="91440" tIns="45720" rIns="91440" bIns="45720" rtlCol="0" anchor="b">
+            <a:normAutofit fontScale="55000" lnSpcReduction="20000"/>
+          </a:bodyPr>
+          <a:lstStyle/>
+          <a:p>
+            <a:pPr marL="0" marR="0" lvl="0" indent="0" algn="ctr" defTabSz="914400" rtl="0" eaLnBrk="1" fontAlgn="auto" latinLnBrk="0" hangingPunct="1">
+              <a:lnSpc>
+                <a:spcPct val="100000"/>
+              </a:lnSpc>
+              <a:spcBef>
+                <a:spcPct val="20000"/>
+              </a:spcBef>
+              <a:spcAft>
+                <a:spcPts val="0"/>
+              </a:spcAft>
+              <a:buClrTx/>
+              <a:buSzTx/>
+              <a:buFont typeface="Arial" pitchFamily="34" charset="0"/>
+              <a:buNone/>
+              <a:tabLst/>
+              <a:defRPr/>
+            </a:pPr>
+            <a:r>
+              <a:rPr kumimoji="0" lang="ru-RU" sz="2400" b="1" i="0" u="none" strike="noStrike" kern="1200" cap="none" spc="0" normalizeH="0" baseline="0" noProof="0" dirty="0" smtClean="0">
+                <a:ln>
+                  <a:noFill/>
+                </a:ln>
+                <a:solidFill>
+                  <a:schemeClr val="tx1"/>
+                </a:solidFill>
+                <a:effectLst/>
+                <a:uLnTx/>
+                <a:uFillTx/>
+                <a:latin typeface="+mn-lt"/>
+                <a:ea typeface="+mn-ea"/>
+                <a:cs typeface="+mn-cs"/>
+              </a:rPr>
+              <a:t>Зависимость времени анализа от количества анализируемых инструкций</a:t>
+            </a:r>
+            <a:endParaRPr kumimoji="0" lang="ru-RU" sz="2400" b="1" i="0" u="none" strike="noStrike" kern="1200" cap="none" spc="0" normalizeH="0" baseline="0" noProof="0" dirty="0">
+              <a:ln>
+                <a:noFill/>
+              </a:ln>
+              <a:solidFill>
+                <a:schemeClr val="tx1"/>
+              </a:solidFill>
+              <a:effectLst/>
+              <a:uLnTx/>
+              <a:uFillTx/>
+              <a:latin typeface="+mn-lt"/>
+              <a:ea typeface="+mn-ea"/>
+              <a:cs typeface="+mn-cs"/>
+            </a:endParaRPr>
+          </a:p>
+        </p:txBody>
+      </p:sp>
+      <p:pic>
+        <p:nvPicPr>
+          <p:cNvPr id="10" name="Содержимое 11" descr="graphic4.png"/>
+          <p:cNvPicPr>
+            <a:picLocks noChangeAspect="1"/>
+          </p:cNvPicPr>
+          <p:nvPr/>
+        </p:nvPicPr>
+        <p:blipFill>
+          <a:blip r:embed="rId4" cstate="print"/>
+          <a:stretch>
+            <a:fillRect/>
+          </a:stretch>
+        </p:blipFill>
+        <p:spPr>
+          <a:xfrm>
+            <a:off x="5004048" y="4653136"/>
+            <a:ext cx="2304256" cy="1737054"/>
+          </a:xfrm>
+          <a:prstGeom prst="rect">
+            <a:avLst/>
+          </a:prstGeom>
+        </p:spPr>
+      </p:pic>
+      <p:sp>
+        <p:nvSpPr>
+          <p:cNvPr id="11" name="Текст 6"/>
+          <p:cNvSpPr txBox="1">
+            <a:spLocks/>
+          </p:cNvSpPr>
+          <p:nvPr/>
+        </p:nvSpPr>
+        <p:spPr>
+          <a:xfrm>
+            <a:off x="539552" y="4005064"/>
+            <a:ext cx="3096343" cy="432048"/>
+          </a:xfrm>
+          <a:prstGeom prst="rect">
+            <a:avLst/>
+          </a:prstGeom>
+        </p:spPr>
+        <p:txBody>
+          <a:bodyPr vert="horz" lIns="91440" tIns="45720" rIns="91440" bIns="45720" rtlCol="0" anchor="b">
+            <a:normAutofit fontScale="55000" lnSpcReduction="20000"/>
+          </a:bodyPr>
+          <a:lstStyle/>
+          <a:p>
+            <a:pPr marL="0" marR="0" lvl="0" indent="0" algn="ctr" defTabSz="914400" rtl="0" eaLnBrk="1" fontAlgn="auto" latinLnBrk="0" hangingPunct="1">
+              <a:lnSpc>
+                <a:spcPct val="100000"/>
+              </a:lnSpc>
+              <a:spcBef>
+                <a:spcPct val="20000"/>
+              </a:spcBef>
+              <a:spcAft>
+                <a:spcPts val="0"/>
+              </a:spcAft>
+              <a:buClrTx/>
+              <a:buSzTx/>
+              <a:buFont typeface="Arial" pitchFamily="34" charset="0"/>
+              <a:buNone/>
+              <a:tabLst/>
+              <a:defRPr/>
+            </a:pPr>
+            <a:r>
+              <a:rPr kumimoji="0" lang="ru-RU" sz="2400" b="1" i="0" u="none" strike="noStrike" kern="1200" cap="none" spc="0" normalizeH="0" baseline="0" noProof="0" dirty="0" smtClean="0">
+                <a:ln>
+                  <a:noFill/>
+                </a:ln>
+                <a:solidFill>
+                  <a:schemeClr val="tx1"/>
+                </a:solidFill>
+                <a:effectLst/>
+                <a:uLnTx/>
+                <a:uFillTx/>
+                <a:latin typeface="+mn-lt"/>
+                <a:ea typeface="+mn-ea"/>
+                <a:cs typeface="+mn-cs"/>
+              </a:rPr>
+              <a:t>Зависимость времени анализа от количества анализируемых путей</a:t>
+            </a:r>
+          </a:p>
+        </p:txBody>
+      </p:sp>
+      <p:pic>
+        <p:nvPicPr>
+          <p:cNvPr id="12" name="Содержимое 12" descr="graphic3.png"/>
+          <p:cNvPicPr>
+            <a:picLocks noChangeAspect="1"/>
+          </p:cNvPicPr>
+          <p:nvPr/>
+        </p:nvPicPr>
+        <p:blipFill>
+          <a:blip r:embed="rId5" cstate="print"/>
+          <a:stretch>
+            <a:fillRect/>
+          </a:stretch>
+        </p:blipFill>
+        <p:spPr>
+          <a:xfrm>
+            <a:off x="683567" y="4653135"/>
+            <a:ext cx="2292501" cy="1728193"/>
+          </a:xfrm>
+          <a:prstGeom prst="rect">
+            <a:avLst/>
+          </a:prstGeom>
+        </p:spPr>
+      </p:pic>
     </p:spTree>
   </p:cSld>
   <p:clrMapOvr>
@@ -6963,44 +7262,35 @@
       </p:sp>
       <p:sp>
         <p:nvSpPr>
-          <p:cNvPr id="6" name="Текст 5"/>
-          <p:cNvSpPr>
-            <a:spLocks noGrp="1"/>
-          </p:cNvSpPr>
-          <p:nvPr>
-            <p:ph type="body" idx="1"/>
-          </p:nvPr>
-        </p:nvSpPr>
-        <p:spPr>
-          <a:xfrm>
-            <a:off x="467544" y="1484784"/>
-            <a:ext cx="4040188" cy="1101800"/>
-          </a:xfrm>
-        </p:spPr>
-        <p:txBody>
-          <a:bodyPr>
-            <a:normAutofit fontScale="85000" lnSpcReduction="20000"/>
-          </a:bodyPr>
-          <a:lstStyle/>
-          <a:p>
-            <a:pPr algn="ctr"/>
-            <a:r>
-              <a:rPr lang="ru-RU" dirty="0" smtClean="0"/>
-              <a:t>Зависимость количества анализируемых инструкций от максимального количества вхождений базового блока в путь</a:t>
-            </a:r>
-            <a:endParaRPr lang="ru-RU" dirty="0"/>
+          <p:cNvPr id="3" name="Номер слайда 2"/>
+          <p:cNvSpPr>
+            <a:spLocks noGrp="1"/>
+          </p:cNvSpPr>
+          <p:nvPr>
+            <p:ph type="sldNum" sz="quarter" idx="12"/>
+          </p:nvPr>
+        </p:nvSpPr>
+        <p:spPr/>
+        <p:txBody>
+          <a:bodyPr/>
+          <a:lstStyle/>
+          <a:p>
+            <a:fld id="{6ACCCD26-A6AD-4D04-8A48-0C02F87992A0}" type="slidenum">
+              <a:rPr lang="ru-RU" smtClean="0"/>
+              <a:pPr/>
+              <a:t>16</a:t>
+            </a:fld>
+            <a:endParaRPr lang="ru-RU"/>
           </a:p>
         </p:txBody>
       </p:sp>
       <p:pic>
         <p:nvPicPr>
-          <p:cNvPr id="17" name="Содержимое 16" descr="graphic2.png"/>
+          <p:cNvPr id="4" name="Рисунок 3" descr="graphic5.png"/>
           <p:cNvPicPr>
-            <a:picLocks noGrp="1" noChangeAspect="1"/>
+            <a:picLocks noChangeAspect="1"/>
           </p:cNvPicPr>
-          <p:nvPr>
-            <p:ph sz="half" idx="2"/>
-          </p:nvPr>
+          <p:nvPr/>
         </p:nvPicPr>
         <p:blipFill>
           <a:blip r:embed="rId2" cstate="print"/>
@@ -7010,96 +7300,82 @@
         </p:blipFill>
         <p:spPr>
           <a:xfrm>
-            <a:off x="457200" y="2627679"/>
-            <a:ext cx="4040188" cy="3045680"/>
+            <a:off x="0" y="1844823"/>
+            <a:ext cx="9144000" cy="4130411"/>
           </a:xfrm>
           <a:prstGeom prst="rect">
             <a:avLst/>
           </a:prstGeom>
         </p:spPr>
       </p:pic>
-      <p:pic>
-        <p:nvPicPr>
-          <p:cNvPr id="18" name="Содержимое 17" descr="graphic1.png"/>
-          <p:cNvPicPr>
-            <a:picLocks noGrp="1" noChangeAspect="1"/>
-          </p:cNvPicPr>
-          <p:nvPr>
-            <p:ph sz="quarter" idx="4"/>
-          </p:nvPr>
-        </p:nvPicPr>
-        <p:blipFill>
-          <a:blip r:embed="rId3" cstate="print"/>
-          <a:stretch>
-            <a:fillRect/>
-          </a:stretch>
-        </p:blipFill>
+      <p:sp>
+        <p:nvSpPr>
+          <p:cNvPr id="5" name="TextBox 4"/>
+          <p:cNvSpPr txBox="1"/>
+          <p:nvPr/>
+        </p:nvSpPr>
         <p:spPr>
           <a:xfrm>
-            <a:off x="4645025" y="2627081"/>
-            <a:ext cx="4041775" cy="3046876"/>
+            <a:off x="1979712" y="1412776"/>
+            <a:ext cx="5273688" cy="707886"/>
           </a:xfrm>
           <a:prstGeom prst="rect">
             <a:avLst/>
           </a:prstGeom>
+          <a:noFill/>
         </p:spPr>
-      </p:pic>
-      <p:sp>
-        <p:nvSpPr>
-          <p:cNvPr id="4" name="Номер слайда 3"/>
-          <p:cNvSpPr>
-            <a:spLocks noGrp="1"/>
-          </p:cNvSpPr>
-          <p:nvPr>
-            <p:ph type="sldNum" sz="quarter" idx="12"/>
-          </p:nvPr>
-        </p:nvSpPr>
-        <p:spPr/>
-        <p:txBody>
-          <a:bodyPr/>
-          <a:lstStyle/>
-          <a:p>
-            <a:fld id="{6ACCCD26-A6AD-4D04-8A48-0C02F87992A0}" type="slidenum">
-              <a:rPr lang="ru-RU" smtClean="0"/>
-              <a:pPr/>
-              <a:t>16</a:t>
-            </a:fld>
-            <a:endParaRPr lang="ru-RU"/>
-          </a:p>
-        </p:txBody>
-      </p:sp>
-      <p:sp>
-        <p:nvSpPr>
-          <p:cNvPr id="8" name="Текст 7"/>
-          <p:cNvSpPr>
-            <a:spLocks noGrp="1"/>
-          </p:cNvSpPr>
-          <p:nvPr>
-            <p:ph type="body" sz="quarter" idx="3"/>
-          </p:nvPr>
+        <p:txBody>
+          <a:bodyPr wrap="none" rtlCol="0">
+            <a:spAutoFit/>
+          </a:bodyPr>
+          <a:lstStyle/>
+          <a:p>
+            <a:r>
+              <a:rPr lang="ru-RU" sz="2000" b="1" dirty="0" smtClean="0"/>
+              <a:t>Зависимость времени анализа от количества </a:t>
+            </a:r>
+          </a:p>
+          <a:p>
+            <a:pPr algn="ctr"/>
+            <a:r>
+              <a:rPr lang="ru-RU" sz="2000" b="1" dirty="0" smtClean="0"/>
+              <a:t>анализируемых потоков</a:t>
+            </a:r>
+            <a:endParaRPr lang="ru-RU" sz="2000" b="1" dirty="0"/>
+          </a:p>
+        </p:txBody>
+      </p:sp>
+      <p:sp>
+        <p:nvSpPr>
+          <p:cNvPr id="6" name="TextBox 5"/>
+          <p:cNvSpPr txBox="1"/>
+          <p:nvPr/>
         </p:nvSpPr>
         <p:spPr>
           <a:xfrm>
-            <a:off x="4716016" y="1412776"/>
-            <a:ext cx="4041775" cy="1152127"/>
+            <a:off x="2267744" y="5949280"/>
+            <a:ext cx="5086264" cy="307777"/>
           </a:xfrm>
+          <a:prstGeom prst="rect">
+            <a:avLst/>
+          </a:prstGeom>
+          <a:noFill/>
         </p:spPr>
         <p:txBody>
-          <a:bodyPr>
-            <a:normAutofit fontScale="85000" lnSpcReduction="20000"/>
+          <a:bodyPr wrap="none" rtlCol="0">
+            <a:spAutoFit/>
           </a:bodyPr>
           <a:lstStyle/>
           <a:p>
-            <a:pPr algn="ctr"/>
-            <a:r>
-              <a:rPr lang="ru-RU" dirty="0" smtClean="0"/>
-              <a:t>Зависимость количества анализируемых путей от максимального количества вхождений базового блока в </a:t>
-            </a:r>
-            <a:r>
-              <a:rPr lang="ru-RU" dirty="0" smtClean="0"/>
-              <a:t>путь</a:t>
-            </a:r>
-            <a:endParaRPr lang="ru-RU" dirty="0" smtClean="0"/>
+            <a:r>
+              <a:rPr lang="en-US" sz="1400" dirty="0" smtClean="0"/>
+              <a:t>K – </a:t>
+            </a:r>
+            <a:r>
+              <a:rPr lang="ru-RU" sz="1400" dirty="0" smtClean="0"/>
+              <a:t>максимальное количество вхождений базового блока в путь</a:t>
+            </a:r>
+            <a:endParaRPr lang="ru-RU" sz="1400" dirty="0"/>
           </a:p>
         </p:txBody>
       </p:sp>
@@ -7108,6 +7384,13 @@
   <p:clrMapOvr>
     <a:masterClrMapping/>
   </p:clrMapOvr>
+  <p:timing>
+    <p:tnLst>
+      <p:par>
+        <p:cTn id="1" dur="indefinite" restart="never" nodeType="tmRoot"/>
+      </p:par>
+    </p:tnLst>
+  </p:timing>
 </p:sld>
 </file>
 
@@ -7130,7 +7413,7 @@
       </p:grpSpPr>
       <p:sp>
         <p:nvSpPr>
-          <p:cNvPr id="14" name="Заголовок 13"/>
+          <p:cNvPr id="2" name="Заголовок 1"/>
           <p:cNvSpPr>
             <a:spLocks noGrp="1"/>
           </p:cNvSpPr>
@@ -7145,7 +7428,7 @@
           <a:p>
             <a:r>
               <a:rPr lang="ru-RU" dirty="0" smtClean="0"/>
-              <a:t>Результаты исследований</a:t>
+              <a:t>Заключение</a:t>
             </a:r>
             <a:endParaRPr lang="ru-RU" dirty="0"/>
           </a:p>
@@ -7153,120 +7436,107 @@
       </p:sp>
       <p:sp>
         <p:nvSpPr>
-          <p:cNvPr id="6" name="Текст 5"/>
-          <p:cNvSpPr>
-            <a:spLocks noGrp="1"/>
-          </p:cNvSpPr>
-          <p:nvPr>
-            <p:ph type="body" idx="1"/>
-          </p:nvPr>
-        </p:nvSpPr>
-        <p:spPr>
-          <a:xfrm>
-            <a:off x="457200" y="1535113"/>
-            <a:ext cx="4040188" cy="885776"/>
-          </a:xfrm>
-        </p:spPr>
+          <p:cNvPr id="3" name="Содержимое 2"/>
+          <p:cNvSpPr>
+            <a:spLocks noGrp="1"/>
+          </p:cNvSpPr>
+          <p:nvPr>
+            <p:ph idx="1"/>
+          </p:nvPr>
+        </p:nvSpPr>
+        <p:spPr/>
         <p:txBody>
           <a:bodyPr>
-            <a:normAutofit fontScale="85000" lnSpcReduction="20000"/>
+            <a:normAutofit fontScale="85000" lnSpcReduction="10000"/>
           </a:bodyPr>
           <a:lstStyle/>
           <a:p>
-            <a:pPr algn="ctr"/>
             <a:r>
               <a:rPr lang="ru-RU" dirty="0" smtClean="0"/>
-              <a:t>Зависимость времени анализа от количества анализируемых инструкций</a:t>
-            </a:r>
-            <a:endParaRPr lang="ru-RU" dirty="0"/>
-          </a:p>
-        </p:txBody>
-      </p:sp>
-      <p:pic>
-        <p:nvPicPr>
-          <p:cNvPr id="12" name="Содержимое 11" descr="graphic4.png"/>
-          <p:cNvPicPr>
-            <a:picLocks noGrp="1" noChangeAspect="1"/>
-          </p:cNvPicPr>
-          <p:nvPr>
-            <p:ph sz="half" idx="2"/>
-          </p:nvPr>
-        </p:nvPicPr>
-        <p:blipFill>
-          <a:blip r:embed="rId2" cstate="print"/>
-          <a:stretch>
-            <a:fillRect/>
-          </a:stretch>
-        </p:blipFill>
-        <p:spPr>
-          <a:xfrm>
-            <a:off x="457200" y="2627679"/>
-            <a:ext cx="4040188" cy="3045680"/>
-          </a:xfrm>
-          <a:prstGeom prst="rect">
-            <a:avLst/>
-          </a:prstGeom>
-        </p:spPr>
-      </p:pic>
-      <p:sp>
-        <p:nvSpPr>
-          <p:cNvPr id="7" name="Текст 6"/>
-          <p:cNvSpPr>
-            <a:spLocks noGrp="1"/>
-          </p:cNvSpPr>
-          <p:nvPr>
-            <p:ph type="body" sz="quarter" idx="3"/>
-          </p:nvPr>
-        </p:nvSpPr>
-        <p:spPr/>
-        <p:txBody>
-          <a:bodyPr>
-            <a:normAutofit fontScale="85000" lnSpcReduction="20000"/>
-          </a:bodyPr>
-          <a:lstStyle/>
-          <a:p>
-            <a:pPr algn="ctr"/>
+              <a:t>Проведен </a:t>
+            </a:r>
             <a:r>
               <a:rPr lang="ru-RU" dirty="0" smtClean="0"/>
-              <a:t>Зависимость времени анализа от количества анализируемых </a:t>
-            </a:r>
+              <a:t>анализ существующих методов поиска гонок, выявлены их достоинства и недостатки.</a:t>
+            </a:r>
+          </a:p>
+          <a:p>
             <a:r>
               <a:rPr lang="ru-RU" dirty="0" smtClean="0"/>
-              <a:t>путей</a:t>
-            </a:r>
-            <a:endParaRPr lang="ru-RU" dirty="0" smtClean="0"/>
-          </a:p>
-        </p:txBody>
-      </p:sp>
-      <p:pic>
-        <p:nvPicPr>
-          <p:cNvPr id="13" name="Содержимое 12" descr="graphic3.png"/>
-          <p:cNvPicPr>
-            <a:picLocks noGrp="1" noChangeAspect="1"/>
-          </p:cNvPicPr>
-          <p:nvPr>
-            <p:ph sz="quarter" idx="4"/>
-          </p:nvPr>
-        </p:nvPicPr>
-        <p:blipFill>
-          <a:blip r:embed="rId3" cstate="print"/>
-          <a:stretch>
-            <a:fillRect/>
-          </a:stretch>
-        </p:blipFill>
-        <p:spPr>
-          <a:xfrm>
-            <a:off x="4645025" y="2627081"/>
-            <a:ext cx="4041775" cy="3046876"/>
-          </a:xfrm>
-          <a:prstGeom prst="rect">
-            <a:avLst/>
-          </a:prstGeom>
-        </p:spPr>
-      </p:pic>
-      <p:sp>
-        <p:nvSpPr>
-          <p:cNvPr id="3" name="Номер слайда 2"/>
+              <a:t>Разработан  </a:t>
+            </a:r>
+            <a:r>
+              <a:rPr lang="ru-RU" dirty="0" smtClean="0"/>
+              <a:t>метод статического поиска гонок на основе относительных множеств блокировок.</a:t>
+            </a:r>
+          </a:p>
+          <a:p>
+            <a:r>
+              <a:rPr lang="ru-RU" dirty="0" smtClean="0"/>
+              <a:t>Предложены </a:t>
+            </a:r>
+            <a:r>
+              <a:rPr lang="ru-RU" dirty="0" smtClean="0"/>
+              <a:t>алгоритмы, входящие в состав разработанного  метода.</a:t>
+            </a:r>
+          </a:p>
+          <a:p>
+            <a:r>
+              <a:rPr lang="ru-RU" dirty="0" smtClean="0"/>
+              <a:t>Предложенные алгоритмы </a:t>
+            </a:r>
+            <a:r>
+              <a:rPr lang="ru-RU" dirty="0" smtClean="0"/>
+              <a:t>р</a:t>
+            </a:r>
+            <a:r>
+              <a:rPr lang="ru-RU" dirty="0" smtClean="0"/>
+              <a:t>еализованы </a:t>
+            </a:r>
+            <a:r>
+              <a:rPr lang="ru-RU" dirty="0" smtClean="0"/>
+              <a:t>в виде </a:t>
+            </a:r>
+            <a:r>
+              <a:rPr lang="ru-RU" dirty="0" smtClean="0"/>
+              <a:t>загружаемого модуля </a:t>
+            </a:r>
+            <a:r>
+              <a:rPr lang="ru-RU" dirty="0" smtClean="0"/>
+              <a:t>к компилятору </a:t>
+            </a:r>
+            <a:r>
+              <a:rPr lang="en-US" dirty="0" err="1" smtClean="0"/>
+              <a:t>gcc</a:t>
+            </a:r>
+            <a:r>
+              <a:rPr lang="en-US" dirty="0" smtClean="0"/>
+              <a:t>. </a:t>
+            </a:r>
+          </a:p>
+          <a:p>
+            <a:r>
+              <a:rPr lang="ru-RU" dirty="0" smtClean="0"/>
+              <a:t>Проведено </a:t>
+            </a:r>
+            <a:r>
+              <a:rPr lang="ru-RU" dirty="0" smtClean="0"/>
+              <a:t>исследование </a:t>
+            </a:r>
+            <a:r>
+              <a:rPr lang="ru-RU" dirty="0" smtClean="0"/>
+              <a:t>с использованием разработанного </a:t>
+            </a:r>
+            <a:r>
+              <a:rPr lang="ru-RU" dirty="0" smtClean="0"/>
+              <a:t>ПО.</a:t>
+            </a:r>
+          </a:p>
+        </p:txBody>
+      </p:sp>
+      <p:sp>
+        <p:nvSpPr>
+          <p:cNvPr id="4" name="Номер слайда 3"/>
           <p:cNvSpPr>
             <a:spLocks noGrp="1"/>
           </p:cNvSpPr>
@@ -7283,282 +7553,6 @@
               <a:rPr lang="ru-RU" smtClean="0"/>
               <a:pPr/>
               <a:t>17</a:t>
-            </a:fld>
-            <a:endParaRPr lang="ru-RU"/>
-          </a:p>
-        </p:txBody>
-      </p:sp>
-    </p:spTree>
-  </p:cSld>
-  <p:clrMapOvr>
-    <a:masterClrMapping/>
-  </p:clrMapOvr>
-</p:sld>
-</file>
-
-<file path=ppt/slides/slide18.xml><?xml version="1.0" encoding="utf-8"?>
-<p:sld xmlns:a="http://schemas.openxmlformats.org/drawingml/2006/main" xmlns:r="http://schemas.openxmlformats.org/officeDocument/2006/relationships" xmlns:p="http://schemas.openxmlformats.org/presentationml/2006/main">
-  <p:cSld>
-    <p:spTree>
-      <p:nvGrpSpPr>
-        <p:cNvPr id="1" name=""/>
-        <p:cNvGrpSpPr/>
-        <p:nvPr/>
-      </p:nvGrpSpPr>
-      <p:grpSpPr>
-        <a:xfrm>
-          <a:off x="0" y="0"/>
-          <a:ext cx="0" cy="0"/>
-          <a:chOff x="0" y="0"/>
-          <a:chExt cx="0" cy="0"/>
-        </a:xfrm>
-      </p:grpSpPr>
-      <p:sp>
-        <p:nvSpPr>
-          <p:cNvPr id="2" name="Заголовок 1"/>
-          <p:cNvSpPr>
-            <a:spLocks noGrp="1"/>
-          </p:cNvSpPr>
-          <p:nvPr>
-            <p:ph type="title"/>
-          </p:nvPr>
-        </p:nvSpPr>
-        <p:spPr/>
-        <p:txBody>
-          <a:bodyPr/>
-          <a:lstStyle/>
-          <a:p>
-            <a:r>
-              <a:rPr lang="ru-RU" dirty="0" smtClean="0"/>
-              <a:t>Результаты исследований</a:t>
-            </a:r>
-            <a:endParaRPr lang="ru-RU" dirty="0"/>
-          </a:p>
-        </p:txBody>
-      </p:sp>
-      <p:sp>
-        <p:nvSpPr>
-          <p:cNvPr id="3" name="Номер слайда 2"/>
-          <p:cNvSpPr>
-            <a:spLocks noGrp="1"/>
-          </p:cNvSpPr>
-          <p:nvPr>
-            <p:ph type="sldNum" sz="quarter" idx="12"/>
-          </p:nvPr>
-        </p:nvSpPr>
-        <p:spPr/>
-        <p:txBody>
-          <a:bodyPr/>
-          <a:lstStyle/>
-          <a:p>
-            <a:fld id="{6ACCCD26-A6AD-4D04-8A48-0C02F87992A0}" type="slidenum">
-              <a:rPr lang="ru-RU" smtClean="0"/>
-              <a:pPr/>
-              <a:t>18</a:t>
-            </a:fld>
-            <a:endParaRPr lang="ru-RU"/>
-          </a:p>
-        </p:txBody>
-      </p:sp>
-      <p:pic>
-        <p:nvPicPr>
-          <p:cNvPr id="4" name="Рисунок 3" descr="graphic5.png"/>
-          <p:cNvPicPr>
-            <a:picLocks noChangeAspect="1"/>
-          </p:cNvPicPr>
-          <p:nvPr/>
-        </p:nvPicPr>
-        <p:blipFill>
-          <a:blip r:embed="rId2" cstate="print"/>
-          <a:stretch>
-            <a:fillRect/>
-          </a:stretch>
-        </p:blipFill>
-        <p:spPr>
-          <a:xfrm>
-            <a:off x="1763688" y="1772816"/>
-            <a:ext cx="5760640" cy="4342636"/>
-          </a:xfrm>
-          <a:prstGeom prst="rect">
-            <a:avLst/>
-          </a:prstGeom>
-        </p:spPr>
-      </p:pic>
-      <p:sp>
-        <p:nvSpPr>
-          <p:cNvPr id="5" name="TextBox 4"/>
-          <p:cNvSpPr txBox="1"/>
-          <p:nvPr/>
-        </p:nvSpPr>
-        <p:spPr>
-          <a:xfrm>
-            <a:off x="2123728" y="1196752"/>
-            <a:ext cx="5273688" cy="707886"/>
-          </a:xfrm>
-          <a:prstGeom prst="rect">
-            <a:avLst/>
-          </a:prstGeom>
-          <a:noFill/>
-        </p:spPr>
-        <p:txBody>
-          <a:bodyPr wrap="none" rtlCol="0">
-            <a:spAutoFit/>
-          </a:bodyPr>
-          <a:lstStyle/>
-          <a:p>
-            <a:r>
-              <a:rPr lang="ru-RU" sz="2000" b="1" dirty="0" smtClean="0"/>
-              <a:t>Зависимость времени анализа от количества </a:t>
-            </a:r>
-          </a:p>
-          <a:p>
-            <a:pPr algn="ctr"/>
-            <a:r>
-              <a:rPr lang="ru-RU" sz="2000" b="1" dirty="0" smtClean="0"/>
-              <a:t>анализируемых потоков</a:t>
-            </a:r>
-            <a:endParaRPr lang="ru-RU" sz="2000" b="1" dirty="0"/>
-          </a:p>
-        </p:txBody>
-      </p:sp>
-    </p:spTree>
-  </p:cSld>
-  <p:clrMapOvr>
-    <a:masterClrMapping/>
-  </p:clrMapOvr>
-  <p:timing>
-    <p:tnLst>
-      <p:par>
-        <p:cTn id="1" dur="indefinite" restart="never" nodeType="tmRoot"/>
-      </p:par>
-    </p:tnLst>
-  </p:timing>
-</p:sld>
-</file>
-
-<file path=ppt/slides/slide19.xml><?xml version="1.0" encoding="utf-8"?>
-<p:sld xmlns:a="http://schemas.openxmlformats.org/drawingml/2006/main" xmlns:r="http://schemas.openxmlformats.org/officeDocument/2006/relationships" xmlns:p="http://schemas.openxmlformats.org/presentationml/2006/main">
-  <p:cSld>
-    <p:spTree>
-      <p:nvGrpSpPr>
-        <p:cNvPr id="1" name=""/>
-        <p:cNvGrpSpPr/>
-        <p:nvPr/>
-      </p:nvGrpSpPr>
-      <p:grpSpPr>
-        <a:xfrm>
-          <a:off x="0" y="0"/>
-          <a:ext cx="0" cy="0"/>
-          <a:chOff x="0" y="0"/>
-          <a:chExt cx="0" cy="0"/>
-        </a:xfrm>
-      </p:grpSpPr>
-      <p:sp>
-        <p:nvSpPr>
-          <p:cNvPr id="2" name="Заголовок 1"/>
-          <p:cNvSpPr>
-            <a:spLocks noGrp="1"/>
-          </p:cNvSpPr>
-          <p:nvPr>
-            <p:ph type="title"/>
-          </p:nvPr>
-        </p:nvSpPr>
-        <p:spPr/>
-        <p:txBody>
-          <a:bodyPr/>
-          <a:lstStyle/>
-          <a:p>
-            <a:r>
-              <a:rPr lang="ru-RU" dirty="0" smtClean="0"/>
-              <a:t>Заключение</a:t>
-            </a:r>
-            <a:endParaRPr lang="ru-RU" dirty="0"/>
-          </a:p>
-        </p:txBody>
-      </p:sp>
-      <p:sp>
-        <p:nvSpPr>
-          <p:cNvPr id="3" name="Содержимое 2"/>
-          <p:cNvSpPr>
-            <a:spLocks noGrp="1"/>
-          </p:cNvSpPr>
-          <p:nvPr>
-            <p:ph idx="1"/>
-          </p:nvPr>
-        </p:nvSpPr>
-        <p:spPr/>
-        <p:txBody>
-          <a:bodyPr>
-            <a:normAutofit fontScale="85000" lnSpcReduction="20000"/>
-          </a:bodyPr>
-          <a:lstStyle/>
-          <a:p>
-            <a:r>
-              <a:rPr lang="ru-RU" dirty="0" smtClean="0"/>
-              <a:t>Был проведен анализ существующих методов поиска гонок, выявлены их достоинства и недостатки.</a:t>
-            </a:r>
-          </a:p>
-          <a:p>
-            <a:r>
-              <a:rPr lang="ru-RU" dirty="0" smtClean="0"/>
-              <a:t>На основе проведенного анализа был разработан  метод статического поиска гонок на основе относительных множеств блокировок.</a:t>
-            </a:r>
-          </a:p>
-          <a:p>
-            <a:r>
-              <a:rPr lang="ru-RU" dirty="0" smtClean="0"/>
-              <a:t>Были предложены алгоритмы, входящие в состав разработанного  метода.</a:t>
-            </a:r>
-          </a:p>
-          <a:p>
-            <a:r>
-              <a:rPr lang="ru-RU" dirty="0" smtClean="0"/>
-              <a:t>Предложенные алгоритмы были реализованы в виде </a:t>
-            </a:r>
-            <a:r>
-              <a:rPr lang="ru-RU" dirty="0" err="1" smtClean="0"/>
-              <a:t>плагина</a:t>
-            </a:r>
-            <a:r>
-              <a:rPr lang="ru-RU" dirty="0" smtClean="0"/>
-              <a:t> к компилятору </a:t>
-            </a:r>
-            <a:r>
-              <a:rPr lang="en-US" dirty="0" err="1" smtClean="0"/>
-              <a:t>gcc</a:t>
-            </a:r>
-            <a:r>
-              <a:rPr lang="en-US" dirty="0" smtClean="0"/>
-              <a:t>. </a:t>
-            </a:r>
-          </a:p>
-          <a:p>
-            <a:r>
-              <a:rPr lang="ru-RU" dirty="0" smtClean="0"/>
-              <a:t>Было проведено исследование с использование разработанного ПО.</a:t>
-            </a:r>
-          </a:p>
-        </p:txBody>
-      </p:sp>
-      <p:sp>
-        <p:nvSpPr>
-          <p:cNvPr id="4" name="Номер слайда 3"/>
-          <p:cNvSpPr>
-            <a:spLocks noGrp="1"/>
-          </p:cNvSpPr>
-          <p:nvPr>
-            <p:ph type="sldNum" sz="quarter" idx="12"/>
-          </p:nvPr>
-        </p:nvSpPr>
-        <p:spPr/>
-        <p:txBody>
-          <a:bodyPr/>
-          <a:lstStyle/>
-          <a:p>
-            <a:fld id="{6ACCCD26-A6AD-4D04-8A48-0C02F87992A0}" type="slidenum">
-              <a:rPr lang="ru-RU" smtClean="0"/>
-              <a:pPr/>
-              <a:t>19</a:t>
             </a:fld>
             <a:endParaRPr lang="ru-RU"/>
           </a:p>
@@ -8652,8 +8646,8 @@
         </p:blipFill>
         <p:spPr>
           <a:xfrm>
-            <a:off x="1447907" y="2234468"/>
-            <a:ext cx="6370494" cy="3325167"/>
+            <a:off x="1447906" y="2301382"/>
+            <a:ext cx="6994389" cy="3503882"/>
           </a:xfrm>
         </p:spPr>
       </p:pic>
@@ -8778,8 +8772,8 @@
         </p:blipFill>
         <p:spPr>
           <a:xfrm>
-            <a:off x="406215" y="1807103"/>
-            <a:ext cx="8270241" cy="4299051"/>
+            <a:off x="406215" y="1844321"/>
+            <a:ext cx="8270241" cy="4224614"/>
           </a:xfrm>
         </p:spPr>
       </p:pic>
@@ -8991,13 +8985,8 @@
           <a:p>
             <a:r>
               <a:rPr lang="ru-RU" dirty="0" smtClean="0"/>
-              <a:t>Отсутствие обращений к элементам </a:t>
-            </a:r>
-            <a:r>
-              <a:rPr lang="ru-RU" dirty="0" smtClean="0"/>
-              <a:t>массива</a:t>
-            </a:r>
-            <a:endParaRPr lang="ru-RU" dirty="0" smtClean="0"/>
+              <a:t>Отсутствие обращений к элементам массива</a:t>
+            </a:r>
           </a:p>
         </p:txBody>
       </p:sp>
@@ -9124,44 +9113,6 @@
               <a:t>9</a:t>
             </a:fld>
             <a:endParaRPr lang="ru-RU"/>
-          </a:p>
-        </p:txBody>
-      </p:sp>
-      <p:sp>
-        <p:nvSpPr>
-          <p:cNvPr id="6" name="TextBox 5"/>
-          <p:cNvSpPr txBox="1"/>
-          <p:nvPr/>
-        </p:nvSpPr>
-        <p:spPr>
-          <a:xfrm>
-            <a:off x="1187624" y="7101408"/>
-            <a:ext cx="5400600" cy="369332"/>
-          </a:xfrm>
-          <a:prstGeom prst="rect">
-            <a:avLst/>
-          </a:prstGeom>
-          <a:noFill/>
-        </p:spPr>
-        <p:txBody>
-          <a:bodyPr wrap="square" rtlCol="0">
-            <a:spAutoFit/>
-          </a:bodyPr>
-          <a:lstStyle/>
-          <a:p>
-            <a:r>
-              <a:rPr lang="ru-RU" dirty="0" smtClean="0">
-                <a:solidFill>
-                  <a:srgbClr val="FF0000"/>
-                </a:solidFill>
-              </a:rPr>
-              <a:t>Спросить про правильность у Татьяны Николаевны</a:t>
-            </a:r>
-            <a:endParaRPr lang="ru-RU" dirty="0">
-              <a:solidFill>
-                <a:srgbClr val="FF0000"/>
-              </a:solidFill>
-            </a:endParaRPr>
           </a:p>
         </p:txBody>
       </p:sp>

--- a/presentations/diplom/static race detection.pptx
+++ b/presentations/diplom/static race detection.pptx
@@ -209,7 +209,7 @@
             <a:fld id="{22010AE4-EAD5-4EEF-A945-6FA18B13F5A9}" type="datetimeFigureOut">
               <a:rPr lang="ru-RU" smtClean="0"/>
               <a:pPr/>
-              <a:t>31.05.2014</a:t>
+              <a:t>01.06.2014</a:t>
             </a:fld>
             <a:endParaRPr lang="ru-RU"/>
           </a:p>
@@ -739,7 +739,7 @@
             <a:fld id="{CEA6B14D-0821-4C2C-82CE-9C65F3F9306A}" type="datetime1">
               <a:rPr lang="ru-RU" smtClean="0"/>
               <a:pPr/>
-              <a:t>31.05.2014</a:t>
+              <a:t>01.06.2014</a:t>
             </a:fld>
             <a:endParaRPr lang="ru-RU"/>
           </a:p>
@@ -906,7 +906,7 @@
             <a:fld id="{CBF73966-6DAD-453D-A6D4-80080695084C}" type="datetime1">
               <a:rPr lang="ru-RU" smtClean="0"/>
               <a:pPr/>
-              <a:t>31.05.2014</a:t>
+              <a:t>01.06.2014</a:t>
             </a:fld>
             <a:endParaRPr lang="ru-RU"/>
           </a:p>
@@ -1083,7 +1083,7 @@
             <a:fld id="{60C2BD43-7D16-471D-94F4-C9721BB6CC51}" type="datetime1">
               <a:rPr lang="ru-RU" smtClean="0"/>
               <a:pPr/>
-              <a:t>31.05.2014</a:t>
+              <a:t>01.06.2014</a:t>
             </a:fld>
             <a:endParaRPr lang="ru-RU"/>
           </a:p>
@@ -1250,7 +1250,7 @@
             <a:fld id="{96A1ED18-55C5-47E1-806F-C13AC0AFFCDF}" type="datetime1">
               <a:rPr lang="ru-RU" smtClean="0"/>
               <a:pPr/>
-              <a:t>31.05.2014</a:t>
+              <a:t>01.06.2014</a:t>
             </a:fld>
             <a:endParaRPr lang="ru-RU"/>
           </a:p>
@@ -1493,7 +1493,7 @@
             <a:fld id="{80CFC8BC-60B2-4B6B-9C0B-678A51AE4FEC}" type="datetime1">
               <a:rPr lang="ru-RU" smtClean="0"/>
               <a:pPr/>
-              <a:t>31.05.2014</a:t>
+              <a:t>01.06.2014</a:t>
             </a:fld>
             <a:endParaRPr lang="ru-RU"/>
           </a:p>
@@ -1778,7 +1778,7 @@
             <a:fld id="{1A23B688-547F-429C-B0D6-4A07BC3EE575}" type="datetime1">
               <a:rPr lang="ru-RU" smtClean="0"/>
               <a:pPr/>
-              <a:t>31.05.2014</a:t>
+              <a:t>01.06.2014</a:t>
             </a:fld>
             <a:endParaRPr lang="ru-RU"/>
           </a:p>
@@ -2197,7 +2197,7 @@
             <a:fld id="{910FAFDB-CCC7-4071-A914-8DA50D8301B3}" type="datetime1">
               <a:rPr lang="ru-RU" smtClean="0"/>
               <a:pPr/>
-              <a:t>31.05.2014</a:t>
+              <a:t>01.06.2014</a:t>
             </a:fld>
             <a:endParaRPr lang="ru-RU"/>
           </a:p>
@@ -2312,7 +2312,7 @@
             <a:fld id="{09D05F4B-8C57-4A06-9BCC-88C4FEC9DF22}" type="datetime1">
               <a:rPr lang="ru-RU" smtClean="0"/>
               <a:pPr/>
-              <a:t>31.05.2014</a:t>
+              <a:t>01.06.2014</a:t>
             </a:fld>
             <a:endParaRPr lang="ru-RU"/>
           </a:p>
@@ -2404,7 +2404,7 @@
             <a:fld id="{878A6FA8-4AF2-436B-B100-EA1CE8823379}" type="datetime1">
               <a:rPr lang="ru-RU" smtClean="0"/>
               <a:pPr/>
-              <a:t>31.05.2014</a:t>
+              <a:t>01.06.2014</a:t>
             </a:fld>
             <a:endParaRPr lang="ru-RU"/>
           </a:p>
@@ -2678,7 +2678,7 @@
             <a:fld id="{749F6870-1B45-47C5-9E9B-0AB301049281}" type="datetime1">
               <a:rPr lang="ru-RU" smtClean="0"/>
               <a:pPr/>
-              <a:t>31.05.2014</a:t>
+              <a:t>01.06.2014</a:t>
             </a:fld>
             <a:endParaRPr lang="ru-RU"/>
           </a:p>
@@ -2928,7 +2928,7 @@
             <a:fld id="{ECD49713-43BE-464A-99A3-7A440665C9A7}" type="datetime1">
               <a:rPr lang="ru-RU" smtClean="0"/>
               <a:pPr/>
-              <a:t>31.05.2014</a:t>
+              <a:t>01.06.2014</a:t>
             </a:fld>
             <a:endParaRPr lang="ru-RU"/>
           </a:p>
@@ -3138,7 +3138,7 @@
             <a:fld id="{66113E02-8A28-4829-8EC3-8D7A05A958CF}" type="datetime1">
               <a:rPr lang="ru-RU" smtClean="0"/>
               <a:pPr/>
-              <a:t>31.05.2014</a:t>
+              <a:t>01.06.2014</a:t>
             </a:fld>
             <a:endParaRPr lang="ru-RU"/>
           </a:p>
@@ -4994,8 +4994,8 @@
         </p:nvSpPr>
         <p:spPr>
           <a:xfrm>
-            <a:off x="683568" y="1412776"/>
-            <a:ext cx="7776864" cy="1224136"/>
+            <a:off x="467544" y="1412776"/>
+            <a:ext cx="8136904" cy="1224136"/>
           </a:xfrm>
           <a:prstGeom prst="rect">
             <a:avLst/>
@@ -5499,8 +5499,8 @@
         </p:nvSpPr>
         <p:spPr>
           <a:xfrm>
-            <a:off x="683568" y="5877272"/>
-            <a:ext cx="7776864" cy="504056"/>
+            <a:off x="467544" y="5877272"/>
+            <a:ext cx="8136904" cy="504056"/>
           </a:xfrm>
           <a:prstGeom prst="rect">
             <a:avLst/>
@@ -5561,8 +5561,8 @@
         </p:nvSpPr>
         <p:spPr>
           <a:xfrm>
-            <a:off x="683568" y="2708920"/>
-            <a:ext cx="7776864" cy="1872208"/>
+            <a:off x="467544" y="2708920"/>
+            <a:ext cx="8136904" cy="1872208"/>
           </a:xfrm>
           <a:prstGeom prst="rect">
             <a:avLst/>
@@ -5623,8 +5623,8 @@
         </p:nvSpPr>
         <p:spPr>
           <a:xfrm>
-            <a:off x="683568" y="4653136"/>
-            <a:ext cx="7776864" cy="1152128"/>
+            <a:off x="467544" y="4653136"/>
+            <a:ext cx="8136904" cy="1152128"/>
           </a:xfrm>
           <a:prstGeom prst="rect">
             <a:avLst/>
@@ -5684,8 +5684,8 @@
           <p:nvPr/>
         </p:nvGraphicFramePr>
         <p:xfrm>
-          <a:off x="683568" y="2708920"/>
-          <a:ext cx="7920880" cy="432048"/>
+          <a:off x="467544" y="2708920"/>
+          <a:ext cx="8136904" cy="432048"/>
         </p:xfrm>
         <a:graphic>
           <a:graphicData uri="http://schemas.openxmlformats.org/presentationml/2006/ole">
@@ -5704,12 +5704,12 @@
           <p:nvPr/>
         </p:nvGraphicFramePr>
         <p:xfrm>
-          <a:off x="683569" y="4653136"/>
-          <a:ext cx="5256583" cy="432048"/>
+          <a:off x="467544" y="4653136"/>
+          <a:ext cx="6981825" cy="736600"/>
         </p:xfrm>
         <a:graphic>
           <a:graphicData uri="http://schemas.openxmlformats.org/presentationml/2006/ole">
-            <p:oleObj spid="_x0000_s1027" name="Формула" r:id="rId4" imgW="2781000" imgH="215640" progId="Equation.3">
+            <p:oleObj spid="_x0000_s1027" name="Формула" r:id="rId4" imgW="3504960" imgH="368280" progId="Equation.3">
               <p:embed/>
             </p:oleObj>
           </a:graphicData>
@@ -5724,8 +5724,8 @@
           <p:nvPr/>
         </p:nvGraphicFramePr>
         <p:xfrm>
-          <a:off x="683568" y="5877272"/>
-          <a:ext cx="3680055" cy="360040"/>
+          <a:off x="467544" y="5877272"/>
+          <a:ext cx="3744416" cy="360040"/>
         </p:xfrm>
         <a:graphic>
           <a:graphicData uri="http://schemas.openxmlformats.org/presentationml/2006/ole">
@@ -5744,8 +5744,8 @@
           <p:nvPr/>
         </p:nvGraphicFramePr>
         <p:xfrm>
-          <a:off x="4427984" y="5877272"/>
-          <a:ext cx="4010596" cy="365334"/>
+          <a:off x="4283968" y="5877272"/>
+          <a:ext cx="4104456" cy="365334"/>
         </p:xfrm>
         <a:graphic>
           <a:graphicData uri="http://schemas.openxmlformats.org/presentationml/2006/ole">
@@ -5763,7 +5763,7 @@
         </p:nvSpPr>
         <p:spPr>
           <a:xfrm>
-            <a:off x="827584" y="2996952"/>
+            <a:off x="611560" y="2996952"/>
             <a:ext cx="7488832" cy="1631216"/>
           </a:xfrm>
           <a:prstGeom prst="rect">
@@ -5870,7 +5870,7 @@
         </p:nvSpPr>
         <p:spPr>
           <a:xfrm>
-            <a:off x="827584" y="4941168"/>
+            <a:off x="611560" y="4941168"/>
             <a:ext cx="6889899" cy="923330"/>
           </a:xfrm>
           <a:prstGeom prst="rect">
@@ -6551,8 +6551,8 @@
         </p:blipFill>
         <p:spPr>
           <a:xfrm>
-            <a:off x="3941216" y="1412775"/>
-            <a:ext cx="4969472" cy="4631827"/>
+            <a:off x="3941216" y="1472566"/>
+            <a:ext cx="4969472" cy="4512245"/>
           </a:xfrm>
           <a:prstGeom prst="rect">
             <a:avLst/>
@@ -6714,11 +6714,7 @@
           <a:p>
             <a:r>
               <a:rPr lang="ru-RU" dirty="0" smtClean="0"/>
-              <a:t>Структура </a:t>
-            </a:r>
-            <a:r>
-              <a:rPr lang="ru-RU" dirty="0" smtClean="0"/>
-              <a:t>ПО. Ограничения реализации</a:t>
+              <a:t>Структура ПО. Ограничения реализации</a:t>
             </a:r>
             <a:endParaRPr lang="ru-RU" dirty="0"/>
           </a:p>
@@ -7453,57 +7449,25 @@
           <a:p>
             <a:r>
               <a:rPr lang="ru-RU" dirty="0" smtClean="0"/>
-              <a:t>Проведен </a:t>
-            </a:r>
+              <a:t>Проведен анализ существующих методов поиска гонок, выявлены их достоинства и недостатки.</a:t>
+            </a:r>
+          </a:p>
+          <a:p>
             <a:r>
               <a:rPr lang="ru-RU" dirty="0" smtClean="0"/>
-              <a:t>анализ существующих методов поиска гонок, выявлены их достоинства и недостатки.</a:t>
+              <a:t>Разработан  метод статического поиска гонок на основе относительных множеств блокировок.</a:t>
             </a:r>
           </a:p>
           <a:p>
             <a:r>
               <a:rPr lang="ru-RU" dirty="0" smtClean="0"/>
-              <a:t>Разработан  </a:t>
-            </a:r>
+              <a:t>Предложены алгоритмы, входящие в состав разработанного  метода.</a:t>
+            </a:r>
+          </a:p>
+          <a:p>
             <a:r>
               <a:rPr lang="ru-RU" dirty="0" smtClean="0"/>
-              <a:t>метод статического поиска гонок на основе относительных множеств блокировок.</a:t>
-            </a:r>
-          </a:p>
-          <a:p>
-            <a:r>
-              <a:rPr lang="ru-RU" dirty="0" smtClean="0"/>
-              <a:t>Предложены </a:t>
-            </a:r>
-            <a:r>
-              <a:rPr lang="ru-RU" dirty="0" smtClean="0"/>
-              <a:t>алгоритмы, входящие в состав разработанного  метода.</a:t>
-            </a:r>
-          </a:p>
-          <a:p>
-            <a:r>
-              <a:rPr lang="ru-RU" dirty="0" smtClean="0"/>
-              <a:t>Предложенные алгоритмы </a:t>
-            </a:r>
-            <a:r>
-              <a:rPr lang="ru-RU" dirty="0" smtClean="0"/>
-              <a:t>р</a:t>
-            </a:r>
-            <a:r>
-              <a:rPr lang="ru-RU" dirty="0" smtClean="0"/>
-              <a:t>еализованы </a:t>
-            </a:r>
-            <a:r>
-              <a:rPr lang="ru-RU" dirty="0" smtClean="0"/>
-              <a:t>в виде </a:t>
-            </a:r>
-            <a:r>
-              <a:rPr lang="ru-RU" dirty="0" smtClean="0"/>
-              <a:t>загружаемого модуля </a:t>
-            </a:r>
-            <a:r>
-              <a:rPr lang="ru-RU" dirty="0" smtClean="0"/>
-              <a:t>к компилятору </a:t>
+              <a:t>Предложенные алгоритмы реализованы в виде загружаемого модуля к компилятору </a:t>
             </a:r>
             <a:r>
               <a:rPr lang="en-US" dirty="0" err="1" smtClean="0"/>
@@ -7517,19 +7481,7 @@
           <a:p>
             <a:r>
               <a:rPr lang="ru-RU" dirty="0" smtClean="0"/>
-              <a:t>Проведено </a:t>
-            </a:r>
-            <a:r>
-              <a:rPr lang="ru-RU" dirty="0" smtClean="0"/>
-              <a:t>исследование </a:t>
-            </a:r>
-            <a:r>
-              <a:rPr lang="ru-RU" dirty="0" smtClean="0"/>
-              <a:t>с использованием разработанного </a:t>
-            </a:r>
-            <a:r>
-              <a:rPr lang="ru-RU" dirty="0" smtClean="0"/>
-              <a:t>ПО.</a:t>
+              <a:t>Проведено исследование с использованием разработанного ПО.</a:t>
             </a:r>
           </a:p>
         </p:txBody>
@@ -8646,8 +8598,8 @@
         </p:blipFill>
         <p:spPr>
           <a:xfrm>
-            <a:off x="1447906" y="2301382"/>
-            <a:ext cx="6994389" cy="3503882"/>
+            <a:off x="1450735" y="2301382"/>
+            <a:ext cx="6988731" cy="3503882"/>
           </a:xfrm>
         </p:spPr>
       </p:pic>
@@ -8772,8 +8724,8 @@
         </p:blipFill>
         <p:spPr>
           <a:xfrm>
-            <a:off x="406215" y="1844321"/>
-            <a:ext cx="8270241" cy="4224614"/>
+            <a:off x="406498" y="1844321"/>
+            <a:ext cx="8269675" cy="4224614"/>
           </a:xfrm>
         </p:spPr>
       </p:pic>
@@ -8852,8 +8804,8 @@
         </p:blipFill>
         <p:spPr>
           <a:xfrm>
-            <a:off x="168436" y="1918206"/>
-            <a:ext cx="8796052" cy="3757649"/>
+            <a:off x="168437" y="1918206"/>
+            <a:ext cx="8796050" cy="3757649"/>
           </a:xfrm>
         </p:spPr>
       </p:pic>

--- a/presentations/diplom/static race detection.pptx
+++ b/presentations/diplom/static race detection.pptx
@@ -8520,8 +8520,8 @@
         </p:blipFill>
         <p:spPr>
           <a:xfrm>
-            <a:off x="477162" y="1844824"/>
-            <a:ext cx="8210363" cy="3460531"/>
+            <a:off x="683568" y="1844824"/>
+            <a:ext cx="7839254" cy="3304114"/>
           </a:xfrm>
         </p:spPr>
       </p:pic>
